--- a/PPT/CorePython.pptx
+++ b/PPT/CorePython.pptx
@@ -16088,8 +16088,8 @@
         </p:nvSpPr>
         <p:spPr>
           <a:xfrm>
-            <a:off x="5132070" y="245745"/>
-            <a:ext cx="2136775" cy="817245"/>
+            <a:off x="4355465" y="245745"/>
+            <a:ext cx="3692525" cy="817245"/>
           </a:xfrm>
         </p:spPr>
         <p:txBody>
@@ -16101,19 +16101,22 @@
               <a:rPr lang="en-US" altLang="zh-CN">
                 <a:latin typeface="Aa小梨涡" panose="02010600010101010101" charset="-122"/>
                 <a:ea typeface="Aa小梨涡" panose="02010600010101010101" charset="-122"/>
+                <a:sym typeface="+mn-ea"/>
               </a:rPr>
-              <a:t>1.</a:t>
+              <a:t>2.4 </a:t>
             </a:r>
             <a:r>
               <a:rPr lang="zh-CN" altLang="en-US">
                 <a:latin typeface="Aa小梨涡" panose="02010600010101010101" charset="-122"/>
                 <a:ea typeface="Aa小梨涡" panose="02010600010101010101" charset="-122"/>
+                <a:sym typeface="+mn-ea"/>
               </a:rPr>
-              <a:t>开篇词</a:t>
+              <a:t>列表推导式</a:t>
             </a:r>
             <a:endParaRPr lang="zh-CN" altLang="en-US">
               <a:latin typeface="Aa小梨涡" panose="02010600010101010101" charset="-122"/>
               <a:ea typeface="Aa小梨涡" panose="02010600010101010101" charset="-122"/>
+              <a:sym typeface="+mn-ea"/>
             </a:endParaRPr>
           </a:p>
         </p:txBody>
@@ -16211,11 +16214,2798 @@
           </a:p>
         </p:txBody>
       </p:sp>
+      <p:sp>
+        <p:nvSpPr>
+          <p:cNvPr id="5" name="文本框 4"/>
+          <p:cNvSpPr txBox="1"/>
+          <p:nvPr/>
+        </p:nvSpPr>
+        <p:spPr>
+          <a:xfrm>
+            <a:off x="565150" y="1416050"/>
+            <a:ext cx="11281410" cy="988695"/>
+          </a:xfrm>
+          <a:prstGeom prst="rect">
+            <a:avLst/>
+          </a:prstGeom>
+          <a:noFill/>
+          <a:ln>
+            <a:noFill/>
+          </a:ln>
+        </p:spPr>
+        <p:txBody>
+          <a:bodyPr wrap="square" rtlCol="0">
+            <a:spAutoFit/>
+          </a:bodyPr>
+          <a:p>
+            <a:pPr fontAlgn="auto">
+              <a:lnSpc>
+                <a:spcPts val="3500"/>
+              </a:lnSpc>
+            </a:pPr>
+            <a:r>
+              <a:rPr lang="en-US" sz="2200" b="1">
+                <a:latin typeface="Aa小梨涡" panose="02010600010101010101" charset="-122"/>
+                <a:ea typeface="Aa小梨涡" panose="02010600010101010101" charset="-122"/>
+                <a:cs typeface="Aa小梨涡" panose="02010600010101010101" charset="-122"/>
+                <a:sym typeface="+mn-ea"/>
+              </a:rPr>
+              <a:t>1. </a:t>
+            </a:r>
+            <a:r>
+              <a:rPr lang="zh-CN" altLang="en-US" sz="2200" b="1">
+                <a:latin typeface="Aa小梨涡" panose="02010600010101010101" charset="-122"/>
+                <a:ea typeface="Aa小梨涡" panose="02010600010101010101" charset="-122"/>
+                <a:cs typeface="Aa小梨涡" panose="02010600010101010101" charset="-122"/>
+                <a:sym typeface="+mn-ea"/>
+              </a:rPr>
+              <a:t>定义</a:t>
+            </a:r>
+            <a:endParaRPr lang="en-US" sz="2200" b="1">
+              <a:latin typeface="Aa小梨涡" panose="02010600010101010101" charset="-122"/>
+              <a:ea typeface="Aa小梨涡" panose="02010600010101010101" charset="-122"/>
+              <a:cs typeface="Aa小梨涡" panose="02010600010101010101" charset="-122"/>
+              <a:sym typeface="+mn-ea"/>
+            </a:endParaRPr>
+          </a:p>
+          <a:p>
+            <a:pPr fontAlgn="auto">
+              <a:lnSpc>
+                <a:spcPts val="3500"/>
+              </a:lnSpc>
+            </a:pPr>
+            <a:r>
+              <a:rPr lang="en-US" sz="2200" b="1">
+                <a:latin typeface="Aa小梨涡" panose="02010600010101010101" charset="-122"/>
+                <a:ea typeface="Aa小梨涡" panose="02010600010101010101" charset="-122"/>
+                <a:cs typeface="Aa小梨涡" panose="02010600010101010101" charset="-122"/>
+                <a:sym typeface="+mn-ea"/>
+              </a:rPr>
+              <a:t>        Python</a:t>
+            </a:r>
+            <a:r>
+              <a:rPr lang="zh-CN" altLang="en-US" sz="2200" b="1">
+                <a:latin typeface="Aa小梨涡" panose="02010600010101010101" charset="-122"/>
+                <a:ea typeface="Aa小梨涡" panose="02010600010101010101" charset="-122"/>
+                <a:cs typeface="Aa小梨涡" panose="02010600010101010101" charset="-122"/>
+                <a:sym typeface="+mn-ea"/>
+              </a:rPr>
+              <a:t>提供了一种精炼的写法，可以根据一份列表来制作另外一份。</a:t>
+            </a:r>
+            <a:r>
+              <a:rPr lang="en-US" sz="2200" b="1">
+                <a:latin typeface="Aa小梨涡" panose="02010600010101010101" charset="-122"/>
+                <a:ea typeface="Aa小梨涡" panose="02010600010101010101" charset="-122"/>
+                <a:cs typeface="Aa小梨涡" panose="02010600010101010101" charset="-122"/>
+                <a:sym typeface="+mn-ea"/>
+              </a:rPr>
+              <a:t> </a:t>
+            </a:r>
+            <a:endParaRPr lang="en-US" sz="2200" b="1">
+              <a:latin typeface="Aa小梨涡" panose="02010600010101010101" charset="-122"/>
+              <a:ea typeface="Aa小梨涡" panose="02010600010101010101" charset="-122"/>
+              <a:cs typeface="Aa小梨涡" panose="02010600010101010101" charset="-122"/>
+              <a:sym typeface="+mn-ea"/>
+            </a:endParaRPr>
+          </a:p>
+        </p:txBody>
+      </p:sp>
+      <p:sp>
+        <p:nvSpPr>
+          <p:cNvPr id="3" name="文本框 2"/>
+          <p:cNvSpPr txBox="1"/>
+          <p:nvPr/>
+        </p:nvSpPr>
+        <p:spPr>
+          <a:xfrm>
+            <a:off x="560705" y="2555875"/>
+            <a:ext cx="11281410" cy="988695"/>
+          </a:xfrm>
+          <a:prstGeom prst="rect">
+            <a:avLst/>
+          </a:prstGeom>
+          <a:noFill/>
+          <a:ln>
+            <a:noFill/>
+          </a:ln>
+        </p:spPr>
+        <p:txBody>
+          <a:bodyPr wrap="square" rtlCol="0">
+            <a:spAutoFit/>
+          </a:bodyPr>
+          <a:p>
+            <a:pPr fontAlgn="auto">
+              <a:lnSpc>
+                <a:spcPts val="3500"/>
+              </a:lnSpc>
+            </a:pPr>
+            <a:r>
+              <a:rPr lang="en-US" sz="2200">
+                <a:latin typeface="Aa小梨涡" panose="02010600010101010101" charset="-122"/>
+                <a:ea typeface="Aa小梨涡" panose="02010600010101010101" charset="-122"/>
+                <a:cs typeface="Aa小梨涡" panose="02010600010101010101" charset="-122"/>
+                <a:sym typeface="+mn-ea"/>
+              </a:rPr>
+              <a:t>2. </a:t>
+            </a:r>
+            <a:r>
+              <a:rPr lang="zh-CN" altLang="en-US" sz="2200">
+                <a:latin typeface="Aa小梨涡" panose="02010600010101010101" charset="-122"/>
+                <a:ea typeface="Aa小梨涡" panose="02010600010101010101" charset="-122"/>
+                <a:cs typeface="Aa小梨涡" panose="02010600010101010101" charset="-122"/>
+                <a:sym typeface="+mn-ea"/>
+              </a:rPr>
+              <a:t>举例</a:t>
+            </a:r>
+            <a:endParaRPr lang="en-US" sz="2200">
+              <a:latin typeface="Aa小梨涡" panose="02010600010101010101" charset="-122"/>
+              <a:ea typeface="Aa小梨涡" panose="02010600010101010101" charset="-122"/>
+              <a:cs typeface="Aa小梨涡" panose="02010600010101010101" charset="-122"/>
+              <a:sym typeface="+mn-ea"/>
+            </a:endParaRPr>
+          </a:p>
+          <a:p>
+            <a:pPr fontAlgn="auto">
+              <a:lnSpc>
+                <a:spcPts val="3500"/>
+              </a:lnSpc>
+            </a:pPr>
+            <a:r>
+              <a:rPr lang="en-US" sz="2200">
+                <a:latin typeface="Aa小梨涡" panose="02010600010101010101" charset="-122"/>
+                <a:ea typeface="Aa小梨涡" panose="02010600010101010101" charset="-122"/>
+                <a:cs typeface="Aa小梨涡" panose="02010600010101010101" charset="-122"/>
+                <a:sym typeface="+mn-ea"/>
+              </a:rPr>
+              <a:t>        </a:t>
+            </a:r>
+            <a:r>
+              <a:rPr lang="zh-CN" altLang="en-US" sz="2200">
+                <a:latin typeface="Aa小梨涡" panose="02010600010101010101" charset="-122"/>
+                <a:ea typeface="Aa小梨涡" panose="02010600010101010101" charset="-122"/>
+                <a:cs typeface="Aa小梨涡" panose="02010600010101010101" charset="-122"/>
+                <a:sym typeface="+mn-ea"/>
+              </a:rPr>
+              <a:t>用列表中可以为</a:t>
+            </a:r>
+            <a:r>
+              <a:rPr lang="en-US" altLang="zh-CN" sz="2200">
+                <a:latin typeface="Aa小梨涡" panose="02010600010101010101" charset="-122"/>
+                <a:ea typeface="Aa小梨涡" panose="02010600010101010101" charset="-122"/>
+                <a:cs typeface="Aa小梨涡" panose="02010600010101010101" charset="-122"/>
+                <a:sym typeface="+mn-ea"/>
+              </a:rPr>
+              <a:t>2</a:t>
+            </a:r>
+            <a:r>
+              <a:rPr lang="zh-CN" altLang="en-US" sz="2200">
+                <a:latin typeface="Aa小梨涡" panose="02010600010101010101" charset="-122"/>
+                <a:ea typeface="Aa小梨涡" panose="02010600010101010101" charset="-122"/>
+                <a:cs typeface="Aa小梨涡" panose="02010600010101010101" charset="-122"/>
+                <a:sym typeface="+mn-ea"/>
+              </a:rPr>
+              <a:t>整除的数的平方值构建另一份列表</a:t>
+            </a:r>
+            <a:r>
+              <a:rPr lang="zh-CN" altLang="en-US" sz="2200">
+                <a:latin typeface="Aa小梨涡" panose="02010600010101010101" charset="-122"/>
+                <a:ea typeface="Aa小梨涡" panose="02010600010101010101" charset="-122"/>
+                <a:cs typeface="Aa小梨涡" panose="02010600010101010101" charset="-122"/>
+                <a:sym typeface="+mn-ea"/>
+              </a:rPr>
+              <a:t>。</a:t>
+            </a:r>
+            <a:r>
+              <a:rPr lang="en-US" sz="2200">
+                <a:latin typeface="Aa小梨涡" panose="02010600010101010101" charset="-122"/>
+                <a:ea typeface="Aa小梨涡" panose="02010600010101010101" charset="-122"/>
+                <a:cs typeface="Aa小梨涡" panose="02010600010101010101" charset="-122"/>
+                <a:sym typeface="+mn-ea"/>
+              </a:rPr>
+              <a:t> </a:t>
+            </a:r>
+            <a:endParaRPr lang="en-US" sz="2200">
+              <a:latin typeface="Aa小梨涡" panose="02010600010101010101" charset="-122"/>
+              <a:ea typeface="Aa小梨涡" panose="02010600010101010101" charset="-122"/>
+              <a:cs typeface="Aa小梨涡" panose="02010600010101010101" charset="-122"/>
+              <a:sym typeface="+mn-ea"/>
+            </a:endParaRPr>
+          </a:p>
+        </p:txBody>
+      </p:sp>
+      <p:sp>
+        <p:nvSpPr>
+          <p:cNvPr id="11" name="文本框 10"/>
+          <p:cNvSpPr txBox="1"/>
+          <p:nvPr/>
+        </p:nvSpPr>
+        <p:spPr>
+          <a:xfrm>
+            <a:off x="7579995" y="3059430"/>
+            <a:ext cx="848360" cy="270510"/>
+          </a:xfrm>
+          <a:prstGeom prst="rect">
+            <a:avLst/>
+          </a:prstGeom>
+          <a:noFill/>
+        </p:spPr>
+        <p:txBody>
+          <a:bodyPr wrap="square" rtlCol="0">
+            <a:spAutoFit/>
+          </a:bodyPr>
+          <a:p>
+            <a:r>
+              <a:rPr lang="en-US" altLang="zh-CN" baseline="30000">
+                <a:solidFill>
+                  <a:schemeClr val="accent5"/>
+                </a:solidFill>
+                <a:latin typeface="Comic Sans MS" panose="030F0702030302020204" charset="0"/>
+                <a:cs typeface="Comic Sans MS" panose="030F0702030302020204" charset="0"/>
+              </a:rPr>
+              <a:t>[2.4-1.py]</a:t>
+            </a:r>
+            <a:endParaRPr lang="en-US" altLang="zh-CN" baseline="30000">
+              <a:solidFill>
+                <a:schemeClr val="accent5"/>
+              </a:solidFill>
+              <a:latin typeface="Comic Sans MS" panose="030F0702030302020204" charset="0"/>
+              <a:cs typeface="Comic Sans MS" panose="030F0702030302020204" charset="0"/>
+            </a:endParaRPr>
+          </a:p>
+        </p:txBody>
+      </p:sp>
+      <p:sp>
+        <p:nvSpPr>
+          <p:cNvPr id="4" name="文本框 3"/>
+          <p:cNvSpPr txBox="1"/>
+          <p:nvPr/>
+        </p:nvSpPr>
+        <p:spPr>
+          <a:xfrm>
+            <a:off x="560705" y="3919220"/>
+            <a:ext cx="11281410" cy="539750"/>
+          </a:xfrm>
+          <a:prstGeom prst="rect">
+            <a:avLst/>
+          </a:prstGeom>
+          <a:noFill/>
+          <a:ln>
+            <a:noFill/>
+          </a:ln>
+        </p:spPr>
+        <p:txBody>
+          <a:bodyPr wrap="square" rtlCol="0">
+            <a:spAutoFit/>
+          </a:bodyPr>
+          <a:p>
+            <a:pPr algn="ctr" fontAlgn="auto">
+              <a:lnSpc>
+                <a:spcPts val="3500"/>
+              </a:lnSpc>
+            </a:pPr>
+            <a:r>
+              <a:rPr sz="2600" b="1">
+                <a:latin typeface="Aa小梨涡" panose="02010600010101010101" charset="-122"/>
+                <a:ea typeface="Aa小梨涡" panose="02010600010101010101" charset="-122"/>
+                <a:cs typeface="Aa小梨涡" panose="02010600010101010101" charset="-122"/>
+                <a:sym typeface="+mn-ea"/>
+              </a:rPr>
+              <a:t>[x**2 for x in a if x%2==0]</a:t>
+            </a:r>
+            <a:r>
+              <a:rPr lang="en-US" sz="2200" b="1">
+                <a:latin typeface="Aa小梨涡" panose="02010600010101010101" charset="-122"/>
+                <a:ea typeface="Aa小梨涡" panose="02010600010101010101" charset="-122"/>
+                <a:cs typeface="Aa小梨涡" panose="02010600010101010101" charset="-122"/>
+                <a:sym typeface="+mn-ea"/>
+              </a:rPr>
+              <a:t> </a:t>
+            </a:r>
+            <a:endParaRPr lang="en-US" sz="2200" b="1">
+              <a:latin typeface="Aa小梨涡" panose="02010600010101010101" charset="-122"/>
+              <a:ea typeface="Aa小梨涡" panose="02010600010101010101" charset="-122"/>
+              <a:cs typeface="Aa小梨涡" panose="02010600010101010101" charset="-122"/>
+              <a:sym typeface="+mn-ea"/>
+            </a:endParaRPr>
+          </a:p>
+        </p:txBody>
+      </p:sp>
+      <p:cxnSp>
+        <p:nvCxnSpPr>
+          <p:cNvPr id="6" name="直接连接符 5"/>
+          <p:cNvCxnSpPr/>
+          <p:nvPr/>
+        </p:nvCxnSpPr>
+        <p:spPr>
+          <a:xfrm flipH="1">
+            <a:off x="5170805" y="3841115"/>
+            <a:ext cx="11430" cy="699135"/>
+          </a:xfrm>
+          <a:prstGeom prst="line">
+            <a:avLst/>
+          </a:prstGeom>
+          <a:ln w="44450">
+            <a:solidFill>
+              <a:srgbClr val="FF0000"/>
+            </a:solidFill>
+            <a:prstDash val="sysDash"/>
+          </a:ln>
+        </p:spPr>
+        <p:style>
+          <a:lnRef idx="1">
+            <a:schemeClr val="accent1"/>
+          </a:lnRef>
+          <a:fillRef idx="0">
+            <a:schemeClr val="accent1"/>
+          </a:fillRef>
+          <a:effectRef idx="0">
+            <a:schemeClr val="accent1"/>
+          </a:effectRef>
+          <a:fontRef idx="minor">
+            <a:schemeClr val="tx1"/>
+          </a:fontRef>
+        </p:style>
+      </p:cxnSp>
+      <p:cxnSp>
+        <p:nvCxnSpPr>
+          <p:cNvPr id="8" name="直接连接符 7"/>
+          <p:cNvCxnSpPr/>
+          <p:nvPr/>
+        </p:nvCxnSpPr>
+        <p:spPr>
+          <a:xfrm flipH="1">
+            <a:off x="6507480" y="3841115"/>
+            <a:ext cx="11430" cy="699135"/>
+          </a:xfrm>
+          <a:prstGeom prst="line">
+            <a:avLst/>
+          </a:prstGeom>
+          <a:ln w="44450">
+            <a:solidFill>
+              <a:srgbClr val="FF0000"/>
+            </a:solidFill>
+            <a:prstDash val="sysDash"/>
+          </a:ln>
+        </p:spPr>
+        <p:style>
+          <a:lnRef idx="1">
+            <a:schemeClr val="accent1"/>
+          </a:lnRef>
+          <a:fillRef idx="0">
+            <a:schemeClr val="accent1"/>
+          </a:fillRef>
+          <a:effectRef idx="0">
+            <a:schemeClr val="accent1"/>
+          </a:effectRef>
+          <a:fontRef idx="minor">
+            <a:schemeClr val="tx1"/>
+          </a:fontRef>
+        </p:style>
+      </p:cxnSp>
+      <p:grpSp>
+        <p:nvGrpSpPr>
+          <p:cNvPr id="26" name="组合 25"/>
+          <p:cNvGrpSpPr/>
+          <p:nvPr/>
+        </p:nvGrpSpPr>
+        <p:grpSpPr>
+          <a:xfrm>
+            <a:off x="861060" y="4540885"/>
+            <a:ext cx="2607945" cy="922972"/>
+            <a:chOff x="4355" y="1848"/>
+            <a:chExt cx="2268" cy="2364"/>
+          </a:xfrm>
+        </p:grpSpPr>
+        <p:sp>
+          <p:nvSpPr>
+            <p:cNvPr id="41993" name="Oval 8"/>
+            <p:cNvSpPr>
+              <a:spLocks noChangeArrowheads="1"/>
+            </p:cNvSpPr>
+            <p:nvPr/>
+          </p:nvSpPr>
+          <p:spPr bwMode="auto">
+            <a:xfrm>
+              <a:off x="4355" y="1848"/>
+              <a:ext cx="2268" cy="2268"/>
+            </a:xfrm>
+            <a:custGeom>
+              <a:avLst/>
+              <a:gdLst>
+                <a:gd name="connsiteX0" fmla="*/ 1134 w 2268"/>
+                <a:gd name="connsiteY0" fmla="*/ 0 h 2268"/>
+                <a:gd name="connsiteX1" fmla="*/ 2268 w 2268"/>
+                <a:gd name="connsiteY1" fmla="*/ 1134 h 2268"/>
+                <a:gd name="connsiteX2" fmla="*/ 1134 w 2268"/>
+                <a:gd name="connsiteY2" fmla="*/ 2268 h 2268"/>
+                <a:gd name="connsiteX3" fmla="*/ 0 w 2268"/>
+                <a:gd name="connsiteY3" fmla="*/ 1134 h 2268"/>
+                <a:gd name="connsiteX4" fmla="*/ 1299 w 2268"/>
+                <a:gd name="connsiteY4" fmla="*/ 165 h 2268"/>
+              </a:gdLst>
+              <a:ahLst/>
+              <a:cxnLst>
+                <a:cxn ang="0">
+                  <a:pos x="connsiteX0" y="connsiteY0"/>
+                </a:cxn>
+                <a:cxn ang="0">
+                  <a:pos x="connsiteX1" y="connsiteY1"/>
+                </a:cxn>
+                <a:cxn ang="0">
+                  <a:pos x="connsiteX2" y="connsiteY2"/>
+                </a:cxn>
+                <a:cxn ang="0">
+                  <a:pos x="connsiteX3" y="connsiteY3"/>
+                </a:cxn>
+                <a:cxn ang="0">
+                  <a:pos x="connsiteX4" y="connsiteY4"/>
+                </a:cxn>
+              </a:cxnLst>
+              <a:rect l="l" t="t" r="r" b="b"/>
+              <a:pathLst>
+                <a:path w="2268" h="2268">
+                  <a:moveTo>
+                    <a:pt x="1134" y="0"/>
+                  </a:moveTo>
+                  <a:cubicBezTo>
+                    <a:pt x="1760" y="0"/>
+                    <a:pt x="2268" y="508"/>
+                    <a:pt x="2268" y="1134"/>
+                  </a:cubicBezTo>
+                  <a:cubicBezTo>
+                    <a:pt x="2268" y="1760"/>
+                    <a:pt x="1760" y="2268"/>
+                    <a:pt x="1134" y="2268"/>
+                  </a:cubicBezTo>
+                  <a:cubicBezTo>
+                    <a:pt x="508" y="2268"/>
+                    <a:pt x="0" y="1760"/>
+                    <a:pt x="0" y="1134"/>
+                  </a:cubicBezTo>
+                  <a:cubicBezTo>
+                    <a:pt x="0" y="508"/>
+                    <a:pt x="508" y="0"/>
+                    <a:pt x="1299" y="165"/>
+                  </a:cubicBezTo>
+                </a:path>
+              </a:pathLst>
+            </a:custGeom>
+            <a:noFill/>
+            <a:ln w="19050">
+              <a:solidFill>
+                <a:schemeClr val="accent1"/>
+              </a:solidFill>
+            </a:ln>
+            <a:extLst>
+              <a:ext uri="{91240B29-F687-4F45-9708-019B960494DF}">
+                <a14:hiddenLine xmlns:a14="http://schemas.microsoft.com/office/drawing/2010/main" w="9525">
+                  <a:solidFill>
+                    <a:srgbClr val="000000"/>
+                  </a:solidFill>
+                  <a:round/>
+                </a14:hiddenLine>
+              </a:ext>
+            </a:extLst>
+          </p:spPr>
+          <p:txBody>
+            <a:bodyPr/>
+            <a:lstStyle>
+              <a:lvl1pPr>
+                <a:spcBef>
+                  <a:spcPct val="20000"/>
+                </a:spcBef>
+                <a:buChar char="•"/>
+                <a:defRPr sz="2000">
+                  <a:solidFill>
+                    <a:schemeClr val="accent1"/>
+                  </a:solidFill>
+                  <a:latin typeface="Arial" panose="020B0604020202020204" pitchFamily="34" charset="0"/>
+                  <a:ea typeface="微软雅黑" panose="020B0503020204020204" charset="-122"/>
+                </a:defRPr>
+              </a:lvl1pPr>
+              <a:lvl2pPr marL="742950" indent="-285750">
+                <a:spcBef>
+                  <a:spcPct val="20000"/>
+                </a:spcBef>
+                <a:buChar char="–"/>
+                <a:defRPr sz="2000">
+                  <a:solidFill>
+                    <a:schemeClr val="accent1"/>
+                  </a:solidFill>
+                  <a:latin typeface="Arial" panose="020B0604020202020204" pitchFamily="34" charset="0"/>
+                  <a:ea typeface="仿宋_GB2312" pitchFamily="1" charset="-122"/>
+                </a:defRPr>
+              </a:lvl2pPr>
+              <a:lvl3pPr marL="1143000" indent="-228600">
+                <a:spcBef>
+                  <a:spcPct val="20000"/>
+                </a:spcBef>
+                <a:buChar char="•"/>
+                <a:defRPr sz="2400">
+                  <a:solidFill>
+                    <a:schemeClr val="tx1"/>
+                  </a:solidFill>
+                  <a:latin typeface="Arial" panose="020B0604020202020204" pitchFamily="34" charset="0"/>
+                  <a:ea typeface="宋体" panose="02010600030101010101" pitchFamily="2" charset="-122"/>
+                </a:defRPr>
+              </a:lvl3pPr>
+              <a:lvl4pPr marL="1600200" indent="-228600">
+                <a:spcBef>
+                  <a:spcPct val="20000"/>
+                </a:spcBef>
+                <a:buChar char="–"/>
+                <a:defRPr sz="2000">
+                  <a:solidFill>
+                    <a:schemeClr val="tx1"/>
+                  </a:solidFill>
+                  <a:latin typeface="Arial" panose="020B0604020202020204" pitchFamily="34" charset="0"/>
+                  <a:ea typeface="宋体" panose="02010600030101010101" pitchFamily="2" charset="-122"/>
+                </a:defRPr>
+              </a:lvl4pPr>
+              <a:lvl5pPr marL="2057400" indent="-228600">
+                <a:spcBef>
+                  <a:spcPct val="20000"/>
+                </a:spcBef>
+                <a:buChar char="»"/>
+                <a:defRPr sz="2000">
+                  <a:solidFill>
+                    <a:schemeClr val="tx1"/>
+                  </a:solidFill>
+                  <a:latin typeface="Arial" panose="020B0604020202020204" pitchFamily="34" charset="0"/>
+                  <a:ea typeface="宋体" panose="02010600030101010101" pitchFamily="2" charset="-122"/>
+                </a:defRPr>
+              </a:lvl5pPr>
+              <a:lvl6pPr marL="2514600" indent="-228600" eaLnBrk="0" fontAlgn="base" hangingPunct="0">
+                <a:spcBef>
+                  <a:spcPct val="20000"/>
+                </a:spcBef>
+                <a:spcAft>
+                  <a:spcPct val="0"/>
+                </a:spcAft>
+                <a:buChar char="»"/>
+                <a:defRPr sz="2000">
+                  <a:solidFill>
+                    <a:schemeClr val="tx1"/>
+                  </a:solidFill>
+                  <a:latin typeface="Arial" panose="020B0604020202020204" pitchFamily="34" charset="0"/>
+                  <a:ea typeface="宋体" panose="02010600030101010101" pitchFamily="2" charset="-122"/>
+                </a:defRPr>
+              </a:lvl6pPr>
+              <a:lvl7pPr marL="2971800" indent="-228600" eaLnBrk="0" fontAlgn="base" hangingPunct="0">
+                <a:spcBef>
+                  <a:spcPct val="20000"/>
+                </a:spcBef>
+                <a:spcAft>
+                  <a:spcPct val="0"/>
+                </a:spcAft>
+                <a:buChar char="»"/>
+                <a:defRPr sz="2000">
+                  <a:solidFill>
+                    <a:schemeClr val="tx1"/>
+                  </a:solidFill>
+                  <a:latin typeface="Arial" panose="020B0604020202020204" pitchFamily="34" charset="0"/>
+                  <a:ea typeface="宋体" panose="02010600030101010101" pitchFamily="2" charset="-122"/>
+                </a:defRPr>
+              </a:lvl7pPr>
+              <a:lvl8pPr marL="3429000" indent="-228600" eaLnBrk="0" fontAlgn="base" hangingPunct="0">
+                <a:spcBef>
+                  <a:spcPct val="20000"/>
+                </a:spcBef>
+                <a:spcAft>
+                  <a:spcPct val="0"/>
+                </a:spcAft>
+                <a:buChar char="»"/>
+                <a:defRPr sz="2000">
+                  <a:solidFill>
+                    <a:schemeClr val="tx1"/>
+                  </a:solidFill>
+                  <a:latin typeface="Arial" panose="020B0604020202020204" pitchFamily="34" charset="0"/>
+                  <a:ea typeface="宋体" panose="02010600030101010101" pitchFamily="2" charset="-122"/>
+                </a:defRPr>
+              </a:lvl8pPr>
+              <a:lvl9pPr marL="3886200" indent="-228600" eaLnBrk="0" fontAlgn="base" hangingPunct="0">
+                <a:spcBef>
+                  <a:spcPct val="20000"/>
+                </a:spcBef>
+                <a:spcAft>
+                  <a:spcPct val="0"/>
+                </a:spcAft>
+                <a:buChar char="»"/>
+                <a:defRPr sz="2000">
+                  <a:solidFill>
+                    <a:schemeClr val="tx1"/>
+                  </a:solidFill>
+                  <a:latin typeface="Arial" panose="020B0604020202020204" pitchFamily="34" charset="0"/>
+                  <a:ea typeface="宋体" panose="02010600030101010101" pitchFamily="2" charset="-122"/>
+                </a:defRPr>
+              </a:lvl9pPr>
+            </a:lstStyle>
+            <a:p>
+              <a:pPr algn="ctr" eaLnBrk="1" hangingPunct="1">
+                <a:spcBef>
+                  <a:spcPct val="0"/>
+                </a:spcBef>
+                <a:buFontTx/>
+                <a:buNone/>
+              </a:pPr>
+              <a:endParaRPr lang="zh-CN" altLang="en-US" sz="1800">
+                <a:solidFill>
+                  <a:schemeClr val="tx1"/>
+                </a:solidFill>
+                <a:latin typeface="Aa小梨涡" panose="02010600010101010101" charset="-122"/>
+                <a:ea typeface="Aa小梨涡" panose="02010600010101010101" charset="-122"/>
+              </a:endParaRPr>
+            </a:p>
+          </p:txBody>
+        </p:sp>
+        <p:sp>
+          <p:nvSpPr>
+            <p:cNvPr id="42000" name="TextBox 16"/>
+            <p:cNvSpPr txBox="1">
+              <a:spLocks noChangeArrowheads="1"/>
+            </p:cNvSpPr>
+            <p:nvPr/>
+          </p:nvSpPr>
+          <p:spPr bwMode="auto">
+            <a:xfrm>
+              <a:off x="4459" y="1850"/>
+              <a:ext cx="1996" cy="2362"/>
+            </a:xfrm>
+            <a:custGeom>
+              <a:avLst/>
+              <a:gdLst>
+                <a:gd name="connsiteX0" fmla="*/ 139 w 1412"/>
+                <a:gd name="connsiteY0" fmla="*/ 143 h 1311"/>
+                <a:gd name="connsiteX1" fmla="*/ 1362 w 1412"/>
+                <a:gd name="connsiteY1" fmla="*/ 143 h 1311"/>
+                <a:gd name="connsiteX2" fmla="*/ 1362 w 1412"/>
+                <a:gd name="connsiteY2" fmla="*/ 1256 h 1311"/>
+                <a:gd name="connsiteX3" fmla="*/ 139 w 1412"/>
+                <a:gd name="connsiteY3" fmla="*/ 1256 h 1311"/>
+                <a:gd name="connsiteX4" fmla="*/ 139 w 1412"/>
+                <a:gd name="connsiteY4" fmla="*/ 143 h 1311"/>
+              </a:gdLst>
+              <a:ahLst/>
+              <a:cxnLst>
+                <a:cxn ang="0">
+                  <a:pos x="connsiteX0" y="connsiteY0"/>
+                </a:cxn>
+                <a:cxn ang="0">
+                  <a:pos x="connsiteX1" y="connsiteY1"/>
+                </a:cxn>
+                <a:cxn ang="0">
+                  <a:pos x="connsiteX2" y="connsiteY2"/>
+                </a:cxn>
+                <a:cxn ang="0">
+                  <a:pos x="connsiteX3" y="connsiteY3"/>
+                </a:cxn>
+                <a:cxn ang="0">
+                  <a:pos x="connsiteX4" y="connsiteY4"/>
+                </a:cxn>
+              </a:cxnLst>
+              <a:rect l="l" t="t" r="r" b="b"/>
+              <a:pathLst>
+                <a:path w="1413" h="1311">
+                  <a:moveTo>
+                    <a:pt x="139" y="143"/>
+                  </a:moveTo>
+                  <a:cubicBezTo>
+                    <a:pt x="384" y="-80"/>
+                    <a:pt x="1222" y="-13"/>
+                    <a:pt x="1362" y="143"/>
+                  </a:cubicBezTo>
+                  <a:cubicBezTo>
+                    <a:pt x="1362" y="514"/>
+                    <a:pt x="1477" y="871"/>
+                    <a:pt x="1362" y="1256"/>
+                  </a:cubicBezTo>
+                  <a:cubicBezTo>
+                    <a:pt x="893" y="1380"/>
+                    <a:pt x="547" y="1256"/>
+                    <a:pt x="139" y="1256"/>
+                  </a:cubicBezTo>
+                  <a:cubicBezTo>
+                    <a:pt x="25" y="1020"/>
+                    <a:pt x="-106" y="366"/>
+                    <a:pt x="139" y="143"/>
+                  </a:cubicBezTo>
+                  <a:close/>
+                </a:path>
+              </a:pathLst>
+            </a:custGeom>
+            <a:noFill/>
+            <a:ln w="12700">
+              <a:noFill/>
+              <a:prstDash val="sysDot"/>
+            </a:ln>
+            <a:extLst>
+              <a:ext uri="{909E8E84-426E-40DD-AFC4-6F175D3DCCD1}">
+                <a14:hiddenFill xmlns:a14="http://schemas.microsoft.com/office/drawing/2010/main">
+                  <a:solidFill>
+                    <a:srgbClr val="FFFFFF"/>
+                  </a:solidFill>
+                </a14:hiddenFill>
+              </a:ext>
+              <a:ext uri="{91240B29-F687-4F45-9708-019B960494DF}">
+                <a14:hiddenLine xmlns:a14="http://schemas.microsoft.com/office/drawing/2010/main" w="9525">
+                  <a:solidFill>
+                    <a:srgbClr val="000000"/>
+                  </a:solidFill>
+                  <a:miter lim="800000"/>
+                  <a:headEnd/>
+                  <a:tailEnd/>
+                </a14:hiddenLine>
+              </a:ext>
+            </a:extLst>
+          </p:spPr>
+          <p:txBody>
+            <a:bodyPr wrap="square">
+              <a:spAutoFit/>
+            </a:bodyPr>
+            <a:lstStyle>
+              <a:lvl1pPr>
+                <a:spcBef>
+                  <a:spcPct val="20000"/>
+                </a:spcBef>
+                <a:buChar char="•"/>
+                <a:defRPr sz="2000">
+                  <a:solidFill>
+                    <a:schemeClr val="accent1"/>
+                  </a:solidFill>
+                  <a:latin typeface="Arial" panose="020B0604020202020204" pitchFamily="34" charset="0"/>
+                  <a:ea typeface="微软雅黑" panose="020B0503020204020204" charset="-122"/>
+                </a:defRPr>
+              </a:lvl1pPr>
+              <a:lvl2pPr marL="742950" indent="-285750">
+                <a:spcBef>
+                  <a:spcPct val="20000"/>
+                </a:spcBef>
+                <a:buChar char="–"/>
+                <a:defRPr sz="2000">
+                  <a:solidFill>
+                    <a:schemeClr val="accent1"/>
+                  </a:solidFill>
+                  <a:latin typeface="Arial" panose="020B0604020202020204" pitchFamily="34" charset="0"/>
+                  <a:ea typeface="仿宋_GB2312" pitchFamily="1" charset="-122"/>
+                </a:defRPr>
+              </a:lvl2pPr>
+              <a:lvl3pPr marL="1143000" indent="-228600">
+                <a:spcBef>
+                  <a:spcPct val="20000"/>
+                </a:spcBef>
+                <a:buChar char="•"/>
+                <a:defRPr sz="2400">
+                  <a:solidFill>
+                    <a:schemeClr val="tx1"/>
+                  </a:solidFill>
+                  <a:latin typeface="Arial" panose="020B0604020202020204" pitchFamily="34" charset="0"/>
+                  <a:ea typeface="宋体" panose="02010600030101010101" pitchFamily="2" charset="-122"/>
+                </a:defRPr>
+              </a:lvl3pPr>
+              <a:lvl4pPr marL="1600200" indent="-228600">
+                <a:spcBef>
+                  <a:spcPct val="20000"/>
+                </a:spcBef>
+                <a:buChar char="–"/>
+                <a:defRPr sz="2000">
+                  <a:solidFill>
+                    <a:schemeClr val="tx1"/>
+                  </a:solidFill>
+                  <a:latin typeface="Arial" panose="020B0604020202020204" pitchFamily="34" charset="0"/>
+                  <a:ea typeface="宋体" panose="02010600030101010101" pitchFamily="2" charset="-122"/>
+                </a:defRPr>
+              </a:lvl4pPr>
+              <a:lvl5pPr marL="2057400" indent="-228600">
+                <a:spcBef>
+                  <a:spcPct val="20000"/>
+                </a:spcBef>
+                <a:buChar char="»"/>
+                <a:defRPr sz="2000">
+                  <a:solidFill>
+                    <a:schemeClr val="tx1"/>
+                  </a:solidFill>
+                  <a:latin typeface="Arial" panose="020B0604020202020204" pitchFamily="34" charset="0"/>
+                  <a:ea typeface="宋体" panose="02010600030101010101" pitchFamily="2" charset="-122"/>
+                </a:defRPr>
+              </a:lvl5pPr>
+              <a:lvl6pPr marL="2514600" indent="-228600" eaLnBrk="0" fontAlgn="base" hangingPunct="0">
+                <a:spcBef>
+                  <a:spcPct val="20000"/>
+                </a:spcBef>
+                <a:spcAft>
+                  <a:spcPct val="0"/>
+                </a:spcAft>
+                <a:buChar char="»"/>
+                <a:defRPr sz="2000">
+                  <a:solidFill>
+                    <a:schemeClr val="tx1"/>
+                  </a:solidFill>
+                  <a:latin typeface="Arial" panose="020B0604020202020204" pitchFamily="34" charset="0"/>
+                  <a:ea typeface="宋体" panose="02010600030101010101" pitchFamily="2" charset="-122"/>
+                </a:defRPr>
+              </a:lvl6pPr>
+              <a:lvl7pPr marL="2971800" indent="-228600" eaLnBrk="0" fontAlgn="base" hangingPunct="0">
+                <a:spcBef>
+                  <a:spcPct val="20000"/>
+                </a:spcBef>
+                <a:spcAft>
+                  <a:spcPct val="0"/>
+                </a:spcAft>
+                <a:buChar char="»"/>
+                <a:defRPr sz="2000">
+                  <a:solidFill>
+                    <a:schemeClr val="tx1"/>
+                  </a:solidFill>
+                  <a:latin typeface="Arial" panose="020B0604020202020204" pitchFamily="34" charset="0"/>
+                  <a:ea typeface="宋体" panose="02010600030101010101" pitchFamily="2" charset="-122"/>
+                </a:defRPr>
+              </a:lvl7pPr>
+              <a:lvl8pPr marL="3429000" indent="-228600" eaLnBrk="0" fontAlgn="base" hangingPunct="0">
+                <a:spcBef>
+                  <a:spcPct val="20000"/>
+                </a:spcBef>
+                <a:spcAft>
+                  <a:spcPct val="0"/>
+                </a:spcAft>
+                <a:buChar char="»"/>
+                <a:defRPr sz="2000">
+                  <a:solidFill>
+                    <a:schemeClr val="tx1"/>
+                  </a:solidFill>
+                  <a:latin typeface="Arial" panose="020B0604020202020204" pitchFamily="34" charset="0"/>
+                  <a:ea typeface="宋体" panose="02010600030101010101" pitchFamily="2" charset="-122"/>
+                </a:defRPr>
+              </a:lvl8pPr>
+              <a:lvl9pPr marL="3886200" indent="-228600" eaLnBrk="0" fontAlgn="base" hangingPunct="0">
+                <a:spcBef>
+                  <a:spcPct val="20000"/>
+                </a:spcBef>
+                <a:spcAft>
+                  <a:spcPct val="0"/>
+                </a:spcAft>
+                <a:buChar char="»"/>
+                <a:defRPr sz="2000">
+                  <a:solidFill>
+                    <a:schemeClr val="tx1"/>
+                  </a:solidFill>
+                  <a:latin typeface="Arial" panose="020B0604020202020204" pitchFamily="34" charset="0"/>
+                  <a:ea typeface="宋体" panose="02010600030101010101" pitchFamily="2" charset="-122"/>
+                </a:defRPr>
+              </a:lvl9pPr>
+            </a:lstStyle>
+            <a:p>
+              <a:pPr algn="ctr" eaLnBrk="1" hangingPunct="1">
+                <a:spcBef>
+                  <a:spcPct val="0"/>
+                </a:spcBef>
+                <a:buFontTx/>
+                <a:buNone/>
+              </a:pPr>
+              <a:r>
+                <a:rPr lang="zh-CN" altLang="en-US" sz="1800">
+                  <a:solidFill>
+                    <a:schemeClr val="accent2"/>
+                  </a:solidFill>
+                  <a:latin typeface="Aa小梨涡" panose="02010600010101010101" charset="-122"/>
+                  <a:ea typeface="Aa小梨涡" panose="02010600010101010101" charset="-122"/>
+                </a:rPr>
+                <a:t>计算新列表中每个元素的值时所用的表达式</a:t>
+              </a:r>
+              <a:endParaRPr lang="zh-CN" altLang="en-US" sz="1800">
+                <a:solidFill>
+                  <a:schemeClr val="accent2"/>
+                </a:solidFill>
+                <a:latin typeface="Aa小梨涡" panose="02010600010101010101" charset="-122"/>
+                <a:ea typeface="Aa小梨涡" panose="02010600010101010101" charset="-122"/>
+              </a:endParaRPr>
+            </a:p>
+          </p:txBody>
+        </p:sp>
+      </p:grpSp>
+      <p:sp>
+        <p:nvSpPr>
+          <p:cNvPr id="23" name="任意多边形 22"/>
+          <p:cNvSpPr/>
+          <p:nvPr/>
+        </p:nvSpPr>
+        <p:spPr>
+          <a:xfrm flipV="1">
+            <a:off x="3369310" y="4348480"/>
+            <a:ext cx="1309370" cy="827405"/>
+          </a:xfrm>
+          <a:custGeom>
+            <a:avLst/>
+            <a:gdLst>
+              <a:gd name="connisteX0" fmla="*/ 1359535 w 1359535"/>
+              <a:gd name="connsiteY0" fmla="*/ 540568 h 540568"/>
+              <a:gd name="connisteX1" fmla="*/ 988695 w 1359535"/>
+              <a:gd name="connsiteY1" fmla="*/ 36378 h 540568"/>
+              <a:gd name="connisteX2" fmla="*/ 0 w 1359535"/>
+              <a:gd name="connsiteY2" fmla="*/ 74478 h 540568"/>
+            </a:gdLst>
+            <a:ahLst/>
+            <a:cxnLst>
+              <a:cxn ang="0">
+                <a:pos x="connisteX0" y="connsiteY0"/>
+              </a:cxn>
+              <a:cxn ang="0">
+                <a:pos x="connisteX1" y="connsiteY1"/>
+              </a:cxn>
+              <a:cxn ang="0">
+                <a:pos x="connisteX2" y="connsiteY2"/>
+              </a:cxn>
+            </a:cxnLst>
+            <a:rect l="l" t="t" r="r" b="b"/>
+            <a:pathLst>
+              <a:path w="1359535" h="540569">
+                <a:moveTo>
+                  <a:pt x="1359535" y="540569"/>
+                </a:moveTo>
+                <a:cubicBezTo>
+                  <a:pt x="1304925" y="438969"/>
+                  <a:pt x="1260475" y="129724"/>
+                  <a:pt x="988695" y="36379"/>
+                </a:cubicBezTo>
+                <a:cubicBezTo>
+                  <a:pt x="716915" y="-56966"/>
+                  <a:pt x="190500" y="56699"/>
+                  <a:pt x="0" y="74479"/>
+                </a:cubicBezTo>
+              </a:path>
+            </a:pathLst>
+          </a:custGeom>
+          <a:noFill/>
+          <a:ln w="25400">
+            <a:solidFill>
+              <a:schemeClr val="tx1"/>
+            </a:solidFill>
+            <a:prstDash val="sysDash"/>
+          </a:ln>
+        </p:spPr>
+        <p:style>
+          <a:lnRef idx="2">
+            <a:schemeClr val="accent1">
+              <a:shade val="50000"/>
+            </a:schemeClr>
+          </a:lnRef>
+          <a:fillRef idx="1">
+            <a:schemeClr val="accent1"/>
+          </a:fillRef>
+          <a:effectRef idx="0">
+            <a:schemeClr val="accent1"/>
+          </a:effectRef>
+          <a:fontRef idx="minor">
+            <a:schemeClr val="lt1"/>
+          </a:fontRef>
+        </p:style>
+        <p:txBody>
+          <a:bodyPr rtlCol="0" anchor="ctr"/>
+          <a:p>
+            <a:pPr algn="ctr"/>
+            <a:endParaRPr lang="zh-CN" altLang="en-US">
+              <a:latin typeface="Aa小梨涡" panose="02010600010101010101" charset="-122"/>
+              <a:ea typeface="Aa小梨涡" panose="02010600010101010101" charset="-122"/>
+            </a:endParaRPr>
+          </a:p>
+        </p:txBody>
+      </p:sp>
+      <p:grpSp>
+        <p:nvGrpSpPr>
+          <p:cNvPr id="12" name="组合 11"/>
+          <p:cNvGrpSpPr/>
+          <p:nvPr/>
+        </p:nvGrpSpPr>
+        <p:grpSpPr>
+          <a:xfrm>
+            <a:off x="4610735" y="5496560"/>
+            <a:ext cx="2607945" cy="416560"/>
+            <a:chOff x="4355" y="1848"/>
+            <a:chExt cx="2268" cy="2268"/>
+          </a:xfrm>
+        </p:grpSpPr>
+        <p:sp>
+          <p:nvSpPr>
+            <p:cNvPr id="13" name="Oval 8"/>
+            <p:cNvSpPr>
+              <a:spLocks noChangeArrowheads="1"/>
+            </p:cNvSpPr>
+            <p:nvPr/>
+          </p:nvSpPr>
+          <p:spPr bwMode="auto">
+            <a:xfrm>
+              <a:off x="4355" y="1848"/>
+              <a:ext cx="2268" cy="2268"/>
+            </a:xfrm>
+            <a:custGeom>
+              <a:avLst/>
+              <a:gdLst>
+                <a:gd name="connsiteX0" fmla="*/ 1134 w 2268"/>
+                <a:gd name="connsiteY0" fmla="*/ 0 h 2268"/>
+                <a:gd name="connsiteX1" fmla="*/ 2268 w 2268"/>
+                <a:gd name="connsiteY1" fmla="*/ 1134 h 2268"/>
+                <a:gd name="connsiteX2" fmla="*/ 1134 w 2268"/>
+                <a:gd name="connsiteY2" fmla="*/ 2268 h 2268"/>
+                <a:gd name="connsiteX3" fmla="*/ 0 w 2268"/>
+                <a:gd name="connsiteY3" fmla="*/ 1134 h 2268"/>
+                <a:gd name="connsiteX4" fmla="*/ 1299 w 2268"/>
+                <a:gd name="connsiteY4" fmla="*/ 165 h 2268"/>
+              </a:gdLst>
+              <a:ahLst/>
+              <a:cxnLst>
+                <a:cxn ang="0">
+                  <a:pos x="connsiteX0" y="connsiteY0"/>
+                </a:cxn>
+                <a:cxn ang="0">
+                  <a:pos x="connsiteX1" y="connsiteY1"/>
+                </a:cxn>
+                <a:cxn ang="0">
+                  <a:pos x="connsiteX2" y="connsiteY2"/>
+                </a:cxn>
+                <a:cxn ang="0">
+                  <a:pos x="connsiteX3" y="connsiteY3"/>
+                </a:cxn>
+                <a:cxn ang="0">
+                  <a:pos x="connsiteX4" y="connsiteY4"/>
+                </a:cxn>
+              </a:cxnLst>
+              <a:rect l="l" t="t" r="r" b="b"/>
+              <a:pathLst>
+                <a:path w="2268" h="2268">
+                  <a:moveTo>
+                    <a:pt x="1134" y="0"/>
+                  </a:moveTo>
+                  <a:cubicBezTo>
+                    <a:pt x="1760" y="0"/>
+                    <a:pt x="2268" y="508"/>
+                    <a:pt x="2268" y="1134"/>
+                  </a:cubicBezTo>
+                  <a:cubicBezTo>
+                    <a:pt x="2268" y="1760"/>
+                    <a:pt x="1760" y="2268"/>
+                    <a:pt x="1134" y="2268"/>
+                  </a:cubicBezTo>
+                  <a:cubicBezTo>
+                    <a:pt x="508" y="2268"/>
+                    <a:pt x="0" y="1760"/>
+                    <a:pt x="0" y="1134"/>
+                  </a:cubicBezTo>
+                  <a:cubicBezTo>
+                    <a:pt x="0" y="508"/>
+                    <a:pt x="508" y="0"/>
+                    <a:pt x="1299" y="165"/>
+                  </a:cubicBezTo>
+                </a:path>
+              </a:pathLst>
+            </a:custGeom>
+            <a:noFill/>
+            <a:ln w="19050">
+              <a:solidFill>
+                <a:schemeClr val="accent1"/>
+              </a:solidFill>
+            </a:ln>
+            <a:extLst>
+              <a:ext uri="{91240B29-F687-4F45-9708-019B960494DF}">
+                <a14:hiddenLine xmlns:a14="http://schemas.microsoft.com/office/drawing/2010/main" w="9525">
+                  <a:solidFill>
+                    <a:srgbClr val="000000"/>
+                  </a:solidFill>
+                  <a:round/>
+                </a14:hiddenLine>
+              </a:ext>
+            </a:extLst>
+          </p:spPr>
+          <p:txBody>
+            <a:bodyPr/>
+            <a:lstStyle>
+              <a:lvl1pPr>
+                <a:spcBef>
+                  <a:spcPct val="20000"/>
+                </a:spcBef>
+                <a:buChar char="•"/>
+                <a:defRPr sz="2000">
+                  <a:solidFill>
+                    <a:schemeClr val="accent1"/>
+                  </a:solidFill>
+                  <a:latin typeface="Arial" panose="020B0604020202020204" pitchFamily="34" charset="0"/>
+                  <a:ea typeface="微软雅黑" panose="020B0503020204020204" charset="-122"/>
+                </a:defRPr>
+              </a:lvl1pPr>
+              <a:lvl2pPr marL="742950" indent="-285750">
+                <a:spcBef>
+                  <a:spcPct val="20000"/>
+                </a:spcBef>
+                <a:buChar char="–"/>
+                <a:defRPr sz="2000">
+                  <a:solidFill>
+                    <a:schemeClr val="accent1"/>
+                  </a:solidFill>
+                  <a:latin typeface="Arial" panose="020B0604020202020204" pitchFamily="34" charset="0"/>
+                  <a:ea typeface="仿宋_GB2312" pitchFamily="1" charset="-122"/>
+                </a:defRPr>
+              </a:lvl2pPr>
+              <a:lvl3pPr marL="1143000" indent="-228600">
+                <a:spcBef>
+                  <a:spcPct val="20000"/>
+                </a:spcBef>
+                <a:buChar char="•"/>
+                <a:defRPr sz="2400">
+                  <a:solidFill>
+                    <a:schemeClr val="tx1"/>
+                  </a:solidFill>
+                  <a:latin typeface="Arial" panose="020B0604020202020204" pitchFamily="34" charset="0"/>
+                  <a:ea typeface="宋体" panose="02010600030101010101" pitchFamily="2" charset="-122"/>
+                </a:defRPr>
+              </a:lvl3pPr>
+              <a:lvl4pPr marL="1600200" indent="-228600">
+                <a:spcBef>
+                  <a:spcPct val="20000"/>
+                </a:spcBef>
+                <a:buChar char="–"/>
+                <a:defRPr sz="2000">
+                  <a:solidFill>
+                    <a:schemeClr val="tx1"/>
+                  </a:solidFill>
+                  <a:latin typeface="Arial" panose="020B0604020202020204" pitchFamily="34" charset="0"/>
+                  <a:ea typeface="宋体" panose="02010600030101010101" pitchFamily="2" charset="-122"/>
+                </a:defRPr>
+              </a:lvl4pPr>
+              <a:lvl5pPr marL="2057400" indent="-228600">
+                <a:spcBef>
+                  <a:spcPct val="20000"/>
+                </a:spcBef>
+                <a:buChar char="»"/>
+                <a:defRPr sz="2000">
+                  <a:solidFill>
+                    <a:schemeClr val="tx1"/>
+                  </a:solidFill>
+                  <a:latin typeface="Arial" panose="020B0604020202020204" pitchFamily="34" charset="0"/>
+                  <a:ea typeface="宋体" panose="02010600030101010101" pitchFamily="2" charset="-122"/>
+                </a:defRPr>
+              </a:lvl5pPr>
+              <a:lvl6pPr marL="2514600" indent="-228600" eaLnBrk="0" fontAlgn="base" hangingPunct="0">
+                <a:spcBef>
+                  <a:spcPct val="20000"/>
+                </a:spcBef>
+                <a:spcAft>
+                  <a:spcPct val="0"/>
+                </a:spcAft>
+                <a:buChar char="»"/>
+                <a:defRPr sz="2000">
+                  <a:solidFill>
+                    <a:schemeClr val="tx1"/>
+                  </a:solidFill>
+                  <a:latin typeface="Arial" panose="020B0604020202020204" pitchFamily="34" charset="0"/>
+                  <a:ea typeface="宋体" panose="02010600030101010101" pitchFamily="2" charset="-122"/>
+                </a:defRPr>
+              </a:lvl6pPr>
+              <a:lvl7pPr marL="2971800" indent="-228600" eaLnBrk="0" fontAlgn="base" hangingPunct="0">
+                <a:spcBef>
+                  <a:spcPct val="20000"/>
+                </a:spcBef>
+                <a:spcAft>
+                  <a:spcPct val="0"/>
+                </a:spcAft>
+                <a:buChar char="»"/>
+                <a:defRPr sz="2000">
+                  <a:solidFill>
+                    <a:schemeClr val="tx1"/>
+                  </a:solidFill>
+                  <a:latin typeface="Arial" panose="020B0604020202020204" pitchFamily="34" charset="0"/>
+                  <a:ea typeface="宋体" panose="02010600030101010101" pitchFamily="2" charset="-122"/>
+                </a:defRPr>
+              </a:lvl7pPr>
+              <a:lvl8pPr marL="3429000" indent="-228600" eaLnBrk="0" fontAlgn="base" hangingPunct="0">
+                <a:spcBef>
+                  <a:spcPct val="20000"/>
+                </a:spcBef>
+                <a:spcAft>
+                  <a:spcPct val="0"/>
+                </a:spcAft>
+                <a:buChar char="»"/>
+                <a:defRPr sz="2000">
+                  <a:solidFill>
+                    <a:schemeClr val="tx1"/>
+                  </a:solidFill>
+                  <a:latin typeface="Arial" panose="020B0604020202020204" pitchFamily="34" charset="0"/>
+                  <a:ea typeface="宋体" panose="02010600030101010101" pitchFamily="2" charset="-122"/>
+                </a:defRPr>
+              </a:lvl8pPr>
+              <a:lvl9pPr marL="3886200" indent="-228600" eaLnBrk="0" fontAlgn="base" hangingPunct="0">
+                <a:spcBef>
+                  <a:spcPct val="20000"/>
+                </a:spcBef>
+                <a:spcAft>
+                  <a:spcPct val="0"/>
+                </a:spcAft>
+                <a:buChar char="»"/>
+                <a:defRPr sz="2000">
+                  <a:solidFill>
+                    <a:schemeClr val="tx1"/>
+                  </a:solidFill>
+                  <a:latin typeface="Arial" panose="020B0604020202020204" pitchFamily="34" charset="0"/>
+                  <a:ea typeface="宋体" panose="02010600030101010101" pitchFamily="2" charset="-122"/>
+                </a:defRPr>
+              </a:lvl9pPr>
+            </a:lstStyle>
+            <a:p>
+              <a:pPr algn="ctr" eaLnBrk="1" hangingPunct="1">
+                <a:spcBef>
+                  <a:spcPct val="0"/>
+                </a:spcBef>
+                <a:buFontTx/>
+                <a:buNone/>
+              </a:pPr>
+              <a:endParaRPr lang="zh-CN" altLang="en-US" sz="1800">
+                <a:solidFill>
+                  <a:schemeClr val="tx1"/>
+                </a:solidFill>
+                <a:latin typeface="Aa小梨涡" panose="02010600010101010101" charset="-122"/>
+                <a:ea typeface="Aa小梨涡" panose="02010600010101010101" charset="-122"/>
+              </a:endParaRPr>
+            </a:p>
+          </p:txBody>
+        </p:sp>
+        <p:sp>
+          <p:nvSpPr>
+            <p:cNvPr id="14" name="TextBox 16"/>
+            <p:cNvSpPr txBox="1">
+              <a:spLocks noChangeArrowheads="1"/>
+            </p:cNvSpPr>
+            <p:nvPr/>
+          </p:nvSpPr>
+          <p:spPr bwMode="auto">
+            <a:xfrm>
+              <a:off x="4459" y="1850"/>
+              <a:ext cx="1996" cy="2005"/>
+            </a:xfrm>
+            <a:custGeom>
+              <a:avLst/>
+              <a:gdLst>
+                <a:gd name="connsiteX0" fmla="*/ 139 w 1412"/>
+                <a:gd name="connsiteY0" fmla="*/ 143 h 1311"/>
+                <a:gd name="connsiteX1" fmla="*/ 1362 w 1412"/>
+                <a:gd name="connsiteY1" fmla="*/ 143 h 1311"/>
+                <a:gd name="connsiteX2" fmla="*/ 1362 w 1412"/>
+                <a:gd name="connsiteY2" fmla="*/ 1256 h 1311"/>
+                <a:gd name="connsiteX3" fmla="*/ 139 w 1412"/>
+                <a:gd name="connsiteY3" fmla="*/ 1256 h 1311"/>
+                <a:gd name="connsiteX4" fmla="*/ 139 w 1412"/>
+                <a:gd name="connsiteY4" fmla="*/ 143 h 1311"/>
+              </a:gdLst>
+              <a:ahLst/>
+              <a:cxnLst>
+                <a:cxn ang="0">
+                  <a:pos x="connsiteX0" y="connsiteY0"/>
+                </a:cxn>
+                <a:cxn ang="0">
+                  <a:pos x="connsiteX1" y="connsiteY1"/>
+                </a:cxn>
+                <a:cxn ang="0">
+                  <a:pos x="connsiteX2" y="connsiteY2"/>
+                </a:cxn>
+                <a:cxn ang="0">
+                  <a:pos x="connsiteX3" y="connsiteY3"/>
+                </a:cxn>
+                <a:cxn ang="0">
+                  <a:pos x="connsiteX4" y="connsiteY4"/>
+                </a:cxn>
+              </a:cxnLst>
+              <a:rect l="l" t="t" r="r" b="b"/>
+              <a:pathLst>
+                <a:path w="1413" h="1311">
+                  <a:moveTo>
+                    <a:pt x="139" y="143"/>
+                  </a:moveTo>
+                  <a:cubicBezTo>
+                    <a:pt x="384" y="-80"/>
+                    <a:pt x="1222" y="-13"/>
+                    <a:pt x="1362" y="143"/>
+                  </a:cubicBezTo>
+                  <a:cubicBezTo>
+                    <a:pt x="1362" y="514"/>
+                    <a:pt x="1477" y="871"/>
+                    <a:pt x="1362" y="1256"/>
+                  </a:cubicBezTo>
+                  <a:cubicBezTo>
+                    <a:pt x="893" y="1380"/>
+                    <a:pt x="547" y="1256"/>
+                    <a:pt x="139" y="1256"/>
+                  </a:cubicBezTo>
+                  <a:cubicBezTo>
+                    <a:pt x="25" y="1020"/>
+                    <a:pt x="-106" y="366"/>
+                    <a:pt x="139" y="143"/>
+                  </a:cubicBezTo>
+                  <a:close/>
+                </a:path>
+              </a:pathLst>
+            </a:custGeom>
+            <a:noFill/>
+            <a:ln w="12700">
+              <a:noFill/>
+              <a:prstDash val="sysDot"/>
+            </a:ln>
+            <a:extLst>
+              <a:ext uri="{909E8E84-426E-40DD-AFC4-6F175D3DCCD1}">
+                <a14:hiddenFill xmlns:a14="http://schemas.microsoft.com/office/drawing/2010/main">
+                  <a:solidFill>
+                    <a:srgbClr val="FFFFFF"/>
+                  </a:solidFill>
+                </a14:hiddenFill>
+              </a:ext>
+              <a:ext uri="{91240B29-F687-4F45-9708-019B960494DF}">
+                <a14:hiddenLine xmlns:a14="http://schemas.microsoft.com/office/drawing/2010/main" w="9525">
+                  <a:solidFill>
+                    <a:srgbClr val="000000"/>
+                  </a:solidFill>
+                  <a:miter lim="800000"/>
+                  <a:headEnd/>
+                  <a:tailEnd/>
+                </a14:hiddenLine>
+              </a:ext>
+            </a:extLst>
+          </p:spPr>
+          <p:txBody>
+            <a:bodyPr wrap="square">
+              <a:spAutoFit/>
+            </a:bodyPr>
+            <a:lstStyle>
+              <a:lvl1pPr>
+                <a:spcBef>
+                  <a:spcPct val="20000"/>
+                </a:spcBef>
+                <a:buChar char="•"/>
+                <a:defRPr sz="2000">
+                  <a:solidFill>
+                    <a:schemeClr val="accent1"/>
+                  </a:solidFill>
+                  <a:latin typeface="Arial" panose="020B0604020202020204" pitchFamily="34" charset="0"/>
+                  <a:ea typeface="微软雅黑" panose="020B0503020204020204" charset="-122"/>
+                </a:defRPr>
+              </a:lvl1pPr>
+              <a:lvl2pPr marL="742950" indent="-285750">
+                <a:spcBef>
+                  <a:spcPct val="20000"/>
+                </a:spcBef>
+                <a:buChar char="–"/>
+                <a:defRPr sz="2000">
+                  <a:solidFill>
+                    <a:schemeClr val="accent1"/>
+                  </a:solidFill>
+                  <a:latin typeface="Arial" panose="020B0604020202020204" pitchFamily="34" charset="0"/>
+                  <a:ea typeface="仿宋_GB2312" pitchFamily="1" charset="-122"/>
+                </a:defRPr>
+              </a:lvl2pPr>
+              <a:lvl3pPr marL="1143000" indent="-228600">
+                <a:spcBef>
+                  <a:spcPct val="20000"/>
+                </a:spcBef>
+                <a:buChar char="•"/>
+                <a:defRPr sz="2400">
+                  <a:solidFill>
+                    <a:schemeClr val="tx1"/>
+                  </a:solidFill>
+                  <a:latin typeface="Arial" panose="020B0604020202020204" pitchFamily="34" charset="0"/>
+                  <a:ea typeface="宋体" panose="02010600030101010101" pitchFamily="2" charset="-122"/>
+                </a:defRPr>
+              </a:lvl3pPr>
+              <a:lvl4pPr marL="1600200" indent="-228600">
+                <a:spcBef>
+                  <a:spcPct val="20000"/>
+                </a:spcBef>
+                <a:buChar char="–"/>
+                <a:defRPr sz="2000">
+                  <a:solidFill>
+                    <a:schemeClr val="tx1"/>
+                  </a:solidFill>
+                  <a:latin typeface="Arial" panose="020B0604020202020204" pitchFamily="34" charset="0"/>
+                  <a:ea typeface="宋体" panose="02010600030101010101" pitchFamily="2" charset="-122"/>
+                </a:defRPr>
+              </a:lvl4pPr>
+              <a:lvl5pPr marL="2057400" indent="-228600">
+                <a:spcBef>
+                  <a:spcPct val="20000"/>
+                </a:spcBef>
+                <a:buChar char="»"/>
+                <a:defRPr sz="2000">
+                  <a:solidFill>
+                    <a:schemeClr val="tx1"/>
+                  </a:solidFill>
+                  <a:latin typeface="Arial" panose="020B0604020202020204" pitchFamily="34" charset="0"/>
+                  <a:ea typeface="宋体" panose="02010600030101010101" pitchFamily="2" charset="-122"/>
+                </a:defRPr>
+              </a:lvl5pPr>
+              <a:lvl6pPr marL="2514600" indent="-228600" eaLnBrk="0" fontAlgn="base" hangingPunct="0">
+                <a:spcBef>
+                  <a:spcPct val="20000"/>
+                </a:spcBef>
+                <a:spcAft>
+                  <a:spcPct val="0"/>
+                </a:spcAft>
+                <a:buChar char="»"/>
+                <a:defRPr sz="2000">
+                  <a:solidFill>
+                    <a:schemeClr val="tx1"/>
+                  </a:solidFill>
+                  <a:latin typeface="Arial" panose="020B0604020202020204" pitchFamily="34" charset="0"/>
+                  <a:ea typeface="宋体" panose="02010600030101010101" pitchFamily="2" charset="-122"/>
+                </a:defRPr>
+              </a:lvl6pPr>
+              <a:lvl7pPr marL="2971800" indent="-228600" eaLnBrk="0" fontAlgn="base" hangingPunct="0">
+                <a:spcBef>
+                  <a:spcPct val="20000"/>
+                </a:spcBef>
+                <a:spcAft>
+                  <a:spcPct val="0"/>
+                </a:spcAft>
+                <a:buChar char="»"/>
+                <a:defRPr sz="2000">
+                  <a:solidFill>
+                    <a:schemeClr val="tx1"/>
+                  </a:solidFill>
+                  <a:latin typeface="Arial" panose="020B0604020202020204" pitchFamily="34" charset="0"/>
+                  <a:ea typeface="宋体" panose="02010600030101010101" pitchFamily="2" charset="-122"/>
+                </a:defRPr>
+              </a:lvl7pPr>
+              <a:lvl8pPr marL="3429000" indent="-228600" eaLnBrk="0" fontAlgn="base" hangingPunct="0">
+                <a:spcBef>
+                  <a:spcPct val="20000"/>
+                </a:spcBef>
+                <a:spcAft>
+                  <a:spcPct val="0"/>
+                </a:spcAft>
+                <a:buChar char="»"/>
+                <a:defRPr sz="2000">
+                  <a:solidFill>
+                    <a:schemeClr val="tx1"/>
+                  </a:solidFill>
+                  <a:latin typeface="Arial" panose="020B0604020202020204" pitchFamily="34" charset="0"/>
+                  <a:ea typeface="宋体" panose="02010600030101010101" pitchFamily="2" charset="-122"/>
+                </a:defRPr>
+              </a:lvl8pPr>
+              <a:lvl9pPr marL="3886200" indent="-228600" eaLnBrk="0" fontAlgn="base" hangingPunct="0">
+                <a:spcBef>
+                  <a:spcPct val="20000"/>
+                </a:spcBef>
+                <a:spcAft>
+                  <a:spcPct val="0"/>
+                </a:spcAft>
+                <a:buChar char="»"/>
+                <a:defRPr sz="2000">
+                  <a:solidFill>
+                    <a:schemeClr val="tx1"/>
+                  </a:solidFill>
+                  <a:latin typeface="Arial" panose="020B0604020202020204" pitchFamily="34" charset="0"/>
+                  <a:ea typeface="宋体" panose="02010600030101010101" pitchFamily="2" charset="-122"/>
+                </a:defRPr>
+              </a:lvl9pPr>
+            </a:lstStyle>
+            <a:p>
+              <a:pPr algn="ctr" eaLnBrk="1" hangingPunct="1">
+                <a:spcBef>
+                  <a:spcPct val="0"/>
+                </a:spcBef>
+                <a:buFontTx/>
+                <a:buNone/>
+              </a:pPr>
+              <a:r>
+                <a:rPr lang="zh-CN" altLang="en-US" sz="1800">
+                  <a:solidFill>
+                    <a:schemeClr val="accent2"/>
+                  </a:solidFill>
+                  <a:latin typeface="Aa小梨涡" panose="02010600010101010101" charset="-122"/>
+                  <a:ea typeface="Aa小梨涡" panose="02010600010101010101" charset="-122"/>
+                </a:rPr>
+                <a:t>所要迭代的输入序列</a:t>
+              </a:r>
+              <a:endParaRPr lang="zh-CN" altLang="en-US" sz="1800">
+                <a:solidFill>
+                  <a:schemeClr val="accent2"/>
+                </a:solidFill>
+                <a:latin typeface="Aa小梨涡" panose="02010600010101010101" charset="-122"/>
+                <a:ea typeface="Aa小梨涡" panose="02010600010101010101" charset="-122"/>
+              </a:endParaRPr>
+            </a:p>
+          </p:txBody>
+        </p:sp>
+      </p:grpSp>
+      <p:sp>
+        <p:nvSpPr>
+          <p:cNvPr id="16" name="任意多边形 15"/>
+          <p:cNvSpPr/>
+          <p:nvPr/>
+        </p:nvSpPr>
+        <p:spPr>
+          <a:xfrm flipV="1">
+            <a:off x="5725795" y="4348480"/>
+            <a:ext cx="351155" cy="1224280"/>
+          </a:xfrm>
+          <a:custGeom>
+            <a:avLst/>
+            <a:gdLst>
+              <a:gd name="connisteX0" fmla="*/ 1359535 w 1359535"/>
+              <a:gd name="connsiteY0" fmla="*/ 540568 h 540568"/>
+              <a:gd name="connisteX1" fmla="*/ 988695 w 1359535"/>
+              <a:gd name="connsiteY1" fmla="*/ 36378 h 540568"/>
+              <a:gd name="connisteX2" fmla="*/ 0 w 1359535"/>
+              <a:gd name="connsiteY2" fmla="*/ 74478 h 540568"/>
+            </a:gdLst>
+            <a:ahLst/>
+            <a:cxnLst>
+              <a:cxn ang="0">
+                <a:pos x="connisteX0" y="connsiteY0"/>
+              </a:cxn>
+              <a:cxn ang="0">
+                <a:pos x="connisteX1" y="connsiteY1"/>
+              </a:cxn>
+              <a:cxn ang="0">
+                <a:pos x="connisteX2" y="connsiteY2"/>
+              </a:cxn>
+            </a:cxnLst>
+            <a:rect l="l" t="t" r="r" b="b"/>
+            <a:pathLst>
+              <a:path w="1359535" h="540569">
+                <a:moveTo>
+                  <a:pt x="1359535" y="540569"/>
+                </a:moveTo>
+                <a:cubicBezTo>
+                  <a:pt x="1304925" y="438969"/>
+                  <a:pt x="1260475" y="129724"/>
+                  <a:pt x="988695" y="36379"/>
+                </a:cubicBezTo>
+                <a:cubicBezTo>
+                  <a:pt x="716915" y="-56966"/>
+                  <a:pt x="190500" y="56699"/>
+                  <a:pt x="0" y="74479"/>
+                </a:cubicBezTo>
+              </a:path>
+            </a:pathLst>
+          </a:custGeom>
+          <a:noFill/>
+          <a:ln w="25400">
+            <a:solidFill>
+              <a:schemeClr val="tx1"/>
+            </a:solidFill>
+            <a:prstDash val="sysDash"/>
+          </a:ln>
+        </p:spPr>
+        <p:style>
+          <a:lnRef idx="2">
+            <a:schemeClr val="accent1">
+              <a:shade val="50000"/>
+            </a:schemeClr>
+          </a:lnRef>
+          <a:fillRef idx="1">
+            <a:schemeClr val="accent1"/>
+          </a:fillRef>
+          <a:effectRef idx="0">
+            <a:schemeClr val="accent1"/>
+          </a:effectRef>
+          <a:fontRef idx="minor">
+            <a:schemeClr val="lt1"/>
+          </a:fontRef>
+        </p:style>
+        <p:txBody>
+          <a:bodyPr rtlCol="0" anchor="ctr"/>
+          <a:p>
+            <a:pPr algn="ctr"/>
+            <a:endParaRPr lang="zh-CN" altLang="en-US">
+              <a:latin typeface="Aa小梨涡" panose="02010600010101010101" charset="-122"/>
+              <a:ea typeface="Aa小梨涡" panose="02010600010101010101" charset="-122"/>
+            </a:endParaRPr>
+          </a:p>
+        </p:txBody>
+      </p:sp>
+      <p:grpSp>
+        <p:nvGrpSpPr>
+          <p:cNvPr id="17" name="组合 16"/>
+          <p:cNvGrpSpPr/>
+          <p:nvPr/>
+        </p:nvGrpSpPr>
+        <p:grpSpPr>
+          <a:xfrm>
+            <a:off x="7699375" y="4812665"/>
+            <a:ext cx="2558415" cy="478155"/>
+            <a:chOff x="4355" y="1848"/>
+            <a:chExt cx="2268" cy="2268"/>
+          </a:xfrm>
+        </p:grpSpPr>
+        <p:sp>
+          <p:nvSpPr>
+            <p:cNvPr id="19" name="Oval 8"/>
+            <p:cNvSpPr>
+              <a:spLocks noChangeArrowheads="1"/>
+            </p:cNvSpPr>
+            <p:nvPr/>
+          </p:nvSpPr>
+          <p:spPr bwMode="auto">
+            <a:xfrm>
+              <a:off x="4355" y="1848"/>
+              <a:ext cx="2268" cy="2268"/>
+            </a:xfrm>
+            <a:custGeom>
+              <a:avLst/>
+              <a:gdLst>
+                <a:gd name="connsiteX0" fmla="*/ 1134 w 2268"/>
+                <a:gd name="connsiteY0" fmla="*/ 0 h 2268"/>
+                <a:gd name="connsiteX1" fmla="*/ 2268 w 2268"/>
+                <a:gd name="connsiteY1" fmla="*/ 1134 h 2268"/>
+                <a:gd name="connsiteX2" fmla="*/ 1134 w 2268"/>
+                <a:gd name="connsiteY2" fmla="*/ 2268 h 2268"/>
+                <a:gd name="connsiteX3" fmla="*/ 0 w 2268"/>
+                <a:gd name="connsiteY3" fmla="*/ 1134 h 2268"/>
+                <a:gd name="connsiteX4" fmla="*/ 1299 w 2268"/>
+                <a:gd name="connsiteY4" fmla="*/ 165 h 2268"/>
+              </a:gdLst>
+              <a:ahLst/>
+              <a:cxnLst>
+                <a:cxn ang="0">
+                  <a:pos x="connsiteX0" y="connsiteY0"/>
+                </a:cxn>
+                <a:cxn ang="0">
+                  <a:pos x="connsiteX1" y="connsiteY1"/>
+                </a:cxn>
+                <a:cxn ang="0">
+                  <a:pos x="connsiteX2" y="connsiteY2"/>
+                </a:cxn>
+                <a:cxn ang="0">
+                  <a:pos x="connsiteX3" y="connsiteY3"/>
+                </a:cxn>
+                <a:cxn ang="0">
+                  <a:pos x="connsiteX4" y="connsiteY4"/>
+                </a:cxn>
+              </a:cxnLst>
+              <a:rect l="l" t="t" r="r" b="b"/>
+              <a:pathLst>
+                <a:path w="2268" h="2268">
+                  <a:moveTo>
+                    <a:pt x="1134" y="0"/>
+                  </a:moveTo>
+                  <a:cubicBezTo>
+                    <a:pt x="1760" y="0"/>
+                    <a:pt x="2268" y="508"/>
+                    <a:pt x="2268" y="1134"/>
+                  </a:cubicBezTo>
+                  <a:cubicBezTo>
+                    <a:pt x="2268" y="1760"/>
+                    <a:pt x="1760" y="2268"/>
+                    <a:pt x="1134" y="2268"/>
+                  </a:cubicBezTo>
+                  <a:cubicBezTo>
+                    <a:pt x="508" y="2268"/>
+                    <a:pt x="0" y="1760"/>
+                    <a:pt x="0" y="1134"/>
+                  </a:cubicBezTo>
+                  <a:cubicBezTo>
+                    <a:pt x="0" y="508"/>
+                    <a:pt x="508" y="0"/>
+                    <a:pt x="1299" y="165"/>
+                  </a:cubicBezTo>
+                </a:path>
+              </a:pathLst>
+            </a:custGeom>
+            <a:noFill/>
+            <a:ln w="19050">
+              <a:solidFill>
+                <a:schemeClr val="accent1"/>
+              </a:solidFill>
+            </a:ln>
+            <a:extLst>
+              <a:ext uri="{91240B29-F687-4F45-9708-019B960494DF}">
+                <a14:hiddenLine xmlns:a14="http://schemas.microsoft.com/office/drawing/2010/main" w="9525">
+                  <a:solidFill>
+                    <a:srgbClr val="000000"/>
+                  </a:solidFill>
+                  <a:round/>
+                </a14:hiddenLine>
+              </a:ext>
+            </a:extLst>
+          </p:spPr>
+          <p:txBody>
+            <a:bodyPr/>
+            <a:lstStyle>
+              <a:lvl1pPr>
+                <a:spcBef>
+                  <a:spcPct val="20000"/>
+                </a:spcBef>
+                <a:buChar char="•"/>
+                <a:defRPr sz="2000">
+                  <a:solidFill>
+                    <a:schemeClr val="accent1"/>
+                  </a:solidFill>
+                  <a:latin typeface="Arial" panose="020B0604020202020204" pitchFamily="34" charset="0"/>
+                  <a:ea typeface="微软雅黑" panose="020B0503020204020204" charset="-122"/>
+                </a:defRPr>
+              </a:lvl1pPr>
+              <a:lvl2pPr marL="742950" indent="-285750">
+                <a:spcBef>
+                  <a:spcPct val="20000"/>
+                </a:spcBef>
+                <a:buChar char="–"/>
+                <a:defRPr sz="2000">
+                  <a:solidFill>
+                    <a:schemeClr val="accent1"/>
+                  </a:solidFill>
+                  <a:latin typeface="Arial" panose="020B0604020202020204" pitchFamily="34" charset="0"/>
+                  <a:ea typeface="仿宋_GB2312" pitchFamily="1" charset="-122"/>
+                </a:defRPr>
+              </a:lvl2pPr>
+              <a:lvl3pPr marL="1143000" indent="-228600">
+                <a:spcBef>
+                  <a:spcPct val="20000"/>
+                </a:spcBef>
+                <a:buChar char="•"/>
+                <a:defRPr sz="2400">
+                  <a:solidFill>
+                    <a:schemeClr val="tx1"/>
+                  </a:solidFill>
+                  <a:latin typeface="Arial" panose="020B0604020202020204" pitchFamily="34" charset="0"/>
+                  <a:ea typeface="宋体" panose="02010600030101010101" pitchFamily="2" charset="-122"/>
+                </a:defRPr>
+              </a:lvl3pPr>
+              <a:lvl4pPr marL="1600200" indent="-228600">
+                <a:spcBef>
+                  <a:spcPct val="20000"/>
+                </a:spcBef>
+                <a:buChar char="–"/>
+                <a:defRPr sz="2000">
+                  <a:solidFill>
+                    <a:schemeClr val="tx1"/>
+                  </a:solidFill>
+                  <a:latin typeface="Arial" panose="020B0604020202020204" pitchFamily="34" charset="0"/>
+                  <a:ea typeface="宋体" panose="02010600030101010101" pitchFamily="2" charset="-122"/>
+                </a:defRPr>
+              </a:lvl4pPr>
+              <a:lvl5pPr marL="2057400" indent="-228600">
+                <a:spcBef>
+                  <a:spcPct val="20000"/>
+                </a:spcBef>
+                <a:buChar char="»"/>
+                <a:defRPr sz="2000">
+                  <a:solidFill>
+                    <a:schemeClr val="tx1"/>
+                  </a:solidFill>
+                  <a:latin typeface="Arial" panose="020B0604020202020204" pitchFamily="34" charset="0"/>
+                  <a:ea typeface="宋体" panose="02010600030101010101" pitchFamily="2" charset="-122"/>
+                </a:defRPr>
+              </a:lvl5pPr>
+              <a:lvl6pPr marL="2514600" indent="-228600" eaLnBrk="0" fontAlgn="base" hangingPunct="0">
+                <a:spcBef>
+                  <a:spcPct val="20000"/>
+                </a:spcBef>
+                <a:spcAft>
+                  <a:spcPct val="0"/>
+                </a:spcAft>
+                <a:buChar char="»"/>
+                <a:defRPr sz="2000">
+                  <a:solidFill>
+                    <a:schemeClr val="tx1"/>
+                  </a:solidFill>
+                  <a:latin typeface="Arial" panose="020B0604020202020204" pitchFamily="34" charset="0"/>
+                  <a:ea typeface="宋体" panose="02010600030101010101" pitchFamily="2" charset="-122"/>
+                </a:defRPr>
+              </a:lvl6pPr>
+              <a:lvl7pPr marL="2971800" indent="-228600" eaLnBrk="0" fontAlgn="base" hangingPunct="0">
+                <a:spcBef>
+                  <a:spcPct val="20000"/>
+                </a:spcBef>
+                <a:spcAft>
+                  <a:spcPct val="0"/>
+                </a:spcAft>
+                <a:buChar char="»"/>
+                <a:defRPr sz="2000">
+                  <a:solidFill>
+                    <a:schemeClr val="tx1"/>
+                  </a:solidFill>
+                  <a:latin typeface="Arial" panose="020B0604020202020204" pitchFamily="34" charset="0"/>
+                  <a:ea typeface="宋体" panose="02010600030101010101" pitchFamily="2" charset="-122"/>
+                </a:defRPr>
+              </a:lvl7pPr>
+              <a:lvl8pPr marL="3429000" indent="-228600" eaLnBrk="0" fontAlgn="base" hangingPunct="0">
+                <a:spcBef>
+                  <a:spcPct val="20000"/>
+                </a:spcBef>
+                <a:spcAft>
+                  <a:spcPct val="0"/>
+                </a:spcAft>
+                <a:buChar char="»"/>
+                <a:defRPr sz="2000">
+                  <a:solidFill>
+                    <a:schemeClr val="tx1"/>
+                  </a:solidFill>
+                  <a:latin typeface="Arial" panose="020B0604020202020204" pitchFamily="34" charset="0"/>
+                  <a:ea typeface="宋体" panose="02010600030101010101" pitchFamily="2" charset="-122"/>
+                </a:defRPr>
+              </a:lvl8pPr>
+              <a:lvl9pPr marL="3886200" indent="-228600" eaLnBrk="0" fontAlgn="base" hangingPunct="0">
+                <a:spcBef>
+                  <a:spcPct val="20000"/>
+                </a:spcBef>
+                <a:spcAft>
+                  <a:spcPct val="0"/>
+                </a:spcAft>
+                <a:buChar char="»"/>
+                <a:defRPr sz="2000">
+                  <a:solidFill>
+                    <a:schemeClr val="tx1"/>
+                  </a:solidFill>
+                  <a:latin typeface="Arial" panose="020B0604020202020204" pitchFamily="34" charset="0"/>
+                  <a:ea typeface="宋体" panose="02010600030101010101" pitchFamily="2" charset="-122"/>
+                </a:defRPr>
+              </a:lvl9pPr>
+            </a:lstStyle>
+            <a:p>
+              <a:pPr algn="ctr" eaLnBrk="1" hangingPunct="1">
+                <a:spcBef>
+                  <a:spcPct val="0"/>
+                </a:spcBef>
+                <a:buFontTx/>
+                <a:buNone/>
+              </a:pPr>
+              <a:endParaRPr lang="zh-CN" altLang="en-US" sz="1800">
+                <a:solidFill>
+                  <a:schemeClr val="tx1"/>
+                </a:solidFill>
+                <a:latin typeface="Aa小梨涡" panose="02010600010101010101" charset="-122"/>
+                <a:ea typeface="Aa小梨涡" panose="02010600010101010101" charset="-122"/>
+              </a:endParaRPr>
+            </a:p>
+          </p:txBody>
+        </p:sp>
+        <p:sp>
+          <p:nvSpPr>
+            <p:cNvPr id="21" name="TextBox 16"/>
+            <p:cNvSpPr txBox="1">
+              <a:spLocks noChangeArrowheads="1"/>
+            </p:cNvSpPr>
+            <p:nvPr/>
+          </p:nvSpPr>
+          <p:spPr bwMode="auto">
+            <a:xfrm>
+              <a:off x="4459" y="1850"/>
+              <a:ext cx="1996" cy="1747"/>
+            </a:xfrm>
+            <a:custGeom>
+              <a:avLst/>
+              <a:gdLst>
+                <a:gd name="connsiteX0" fmla="*/ 139 w 1412"/>
+                <a:gd name="connsiteY0" fmla="*/ 143 h 1311"/>
+                <a:gd name="connsiteX1" fmla="*/ 1362 w 1412"/>
+                <a:gd name="connsiteY1" fmla="*/ 143 h 1311"/>
+                <a:gd name="connsiteX2" fmla="*/ 1362 w 1412"/>
+                <a:gd name="connsiteY2" fmla="*/ 1256 h 1311"/>
+                <a:gd name="connsiteX3" fmla="*/ 139 w 1412"/>
+                <a:gd name="connsiteY3" fmla="*/ 1256 h 1311"/>
+                <a:gd name="connsiteX4" fmla="*/ 139 w 1412"/>
+                <a:gd name="connsiteY4" fmla="*/ 143 h 1311"/>
+              </a:gdLst>
+              <a:ahLst/>
+              <a:cxnLst>
+                <a:cxn ang="0">
+                  <a:pos x="connsiteX0" y="connsiteY0"/>
+                </a:cxn>
+                <a:cxn ang="0">
+                  <a:pos x="connsiteX1" y="connsiteY1"/>
+                </a:cxn>
+                <a:cxn ang="0">
+                  <a:pos x="connsiteX2" y="connsiteY2"/>
+                </a:cxn>
+                <a:cxn ang="0">
+                  <a:pos x="connsiteX3" y="connsiteY3"/>
+                </a:cxn>
+                <a:cxn ang="0">
+                  <a:pos x="connsiteX4" y="connsiteY4"/>
+                </a:cxn>
+              </a:cxnLst>
+              <a:rect l="l" t="t" r="r" b="b"/>
+              <a:pathLst>
+                <a:path w="1413" h="1311">
+                  <a:moveTo>
+                    <a:pt x="139" y="143"/>
+                  </a:moveTo>
+                  <a:cubicBezTo>
+                    <a:pt x="384" y="-80"/>
+                    <a:pt x="1222" y="-13"/>
+                    <a:pt x="1362" y="143"/>
+                  </a:cubicBezTo>
+                  <a:cubicBezTo>
+                    <a:pt x="1362" y="514"/>
+                    <a:pt x="1477" y="871"/>
+                    <a:pt x="1362" y="1256"/>
+                  </a:cubicBezTo>
+                  <a:cubicBezTo>
+                    <a:pt x="893" y="1380"/>
+                    <a:pt x="547" y="1256"/>
+                    <a:pt x="139" y="1256"/>
+                  </a:cubicBezTo>
+                  <a:cubicBezTo>
+                    <a:pt x="25" y="1020"/>
+                    <a:pt x="-106" y="366"/>
+                    <a:pt x="139" y="143"/>
+                  </a:cubicBezTo>
+                  <a:close/>
+                </a:path>
+              </a:pathLst>
+            </a:custGeom>
+            <a:noFill/>
+            <a:ln w="12700">
+              <a:noFill/>
+              <a:prstDash val="sysDot"/>
+            </a:ln>
+            <a:extLst>
+              <a:ext uri="{909E8E84-426E-40DD-AFC4-6F175D3DCCD1}">
+                <a14:hiddenFill xmlns:a14="http://schemas.microsoft.com/office/drawing/2010/main">
+                  <a:solidFill>
+                    <a:srgbClr val="FFFFFF"/>
+                  </a:solidFill>
+                </a14:hiddenFill>
+              </a:ext>
+              <a:ext uri="{91240B29-F687-4F45-9708-019B960494DF}">
+                <a14:hiddenLine xmlns:a14="http://schemas.microsoft.com/office/drawing/2010/main" w="9525">
+                  <a:solidFill>
+                    <a:srgbClr val="000000"/>
+                  </a:solidFill>
+                  <a:miter lim="800000"/>
+                  <a:headEnd/>
+                  <a:tailEnd/>
+                </a14:hiddenLine>
+              </a:ext>
+            </a:extLst>
+          </p:spPr>
+          <p:txBody>
+            <a:bodyPr wrap="square">
+              <a:spAutoFit/>
+            </a:bodyPr>
+            <a:lstStyle>
+              <a:lvl1pPr>
+                <a:spcBef>
+                  <a:spcPct val="20000"/>
+                </a:spcBef>
+                <a:buChar char="•"/>
+                <a:defRPr sz="2000">
+                  <a:solidFill>
+                    <a:schemeClr val="accent1"/>
+                  </a:solidFill>
+                  <a:latin typeface="Arial" panose="020B0604020202020204" pitchFamily="34" charset="0"/>
+                  <a:ea typeface="微软雅黑" panose="020B0503020204020204" charset="-122"/>
+                </a:defRPr>
+              </a:lvl1pPr>
+              <a:lvl2pPr marL="742950" indent="-285750">
+                <a:spcBef>
+                  <a:spcPct val="20000"/>
+                </a:spcBef>
+                <a:buChar char="–"/>
+                <a:defRPr sz="2000">
+                  <a:solidFill>
+                    <a:schemeClr val="accent1"/>
+                  </a:solidFill>
+                  <a:latin typeface="Arial" panose="020B0604020202020204" pitchFamily="34" charset="0"/>
+                  <a:ea typeface="仿宋_GB2312" pitchFamily="1" charset="-122"/>
+                </a:defRPr>
+              </a:lvl2pPr>
+              <a:lvl3pPr marL="1143000" indent="-228600">
+                <a:spcBef>
+                  <a:spcPct val="20000"/>
+                </a:spcBef>
+                <a:buChar char="•"/>
+                <a:defRPr sz="2400">
+                  <a:solidFill>
+                    <a:schemeClr val="tx1"/>
+                  </a:solidFill>
+                  <a:latin typeface="Arial" panose="020B0604020202020204" pitchFamily="34" charset="0"/>
+                  <a:ea typeface="宋体" panose="02010600030101010101" pitchFamily="2" charset="-122"/>
+                </a:defRPr>
+              </a:lvl3pPr>
+              <a:lvl4pPr marL="1600200" indent="-228600">
+                <a:spcBef>
+                  <a:spcPct val="20000"/>
+                </a:spcBef>
+                <a:buChar char="–"/>
+                <a:defRPr sz="2000">
+                  <a:solidFill>
+                    <a:schemeClr val="tx1"/>
+                  </a:solidFill>
+                  <a:latin typeface="Arial" panose="020B0604020202020204" pitchFamily="34" charset="0"/>
+                  <a:ea typeface="宋体" panose="02010600030101010101" pitchFamily="2" charset="-122"/>
+                </a:defRPr>
+              </a:lvl4pPr>
+              <a:lvl5pPr marL="2057400" indent="-228600">
+                <a:spcBef>
+                  <a:spcPct val="20000"/>
+                </a:spcBef>
+                <a:buChar char="»"/>
+                <a:defRPr sz="2000">
+                  <a:solidFill>
+                    <a:schemeClr val="tx1"/>
+                  </a:solidFill>
+                  <a:latin typeface="Arial" panose="020B0604020202020204" pitchFamily="34" charset="0"/>
+                  <a:ea typeface="宋体" panose="02010600030101010101" pitchFamily="2" charset="-122"/>
+                </a:defRPr>
+              </a:lvl5pPr>
+              <a:lvl6pPr marL="2514600" indent="-228600" eaLnBrk="0" fontAlgn="base" hangingPunct="0">
+                <a:spcBef>
+                  <a:spcPct val="20000"/>
+                </a:spcBef>
+                <a:spcAft>
+                  <a:spcPct val="0"/>
+                </a:spcAft>
+                <a:buChar char="»"/>
+                <a:defRPr sz="2000">
+                  <a:solidFill>
+                    <a:schemeClr val="tx1"/>
+                  </a:solidFill>
+                  <a:latin typeface="Arial" panose="020B0604020202020204" pitchFamily="34" charset="0"/>
+                  <a:ea typeface="宋体" panose="02010600030101010101" pitchFamily="2" charset="-122"/>
+                </a:defRPr>
+              </a:lvl6pPr>
+              <a:lvl7pPr marL="2971800" indent="-228600" eaLnBrk="0" fontAlgn="base" hangingPunct="0">
+                <a:spcBef>
+                  <a:spcPct val="20000"/>
+                </a:spcBef>
+                <a:spcAft>
+                  <a:spcPct val="0"/>
+                </a:spcAft>
+                <a:buChar char="»"/>
+                <a:defRPr sz="2000">
+                  <a:solidFill>
+                    <a:schemeClr val="tx1"/>
+                  </a:solidFill>
+                  <a:latin typeface="Arial" panose="020B0604020202020204" pitchFamily="34" charset="0"/>
+                  <a:ea typeface="宋体" panose="02010600030101010101" pitchFamily="2" charset="-122"/>
+                </a:defRPr>
+              </a:lvl7pPr>
+              <a:lvl8pPr marL="3429000" indent="-228600" eaLnBrk="0" fontAlgn="base" hangingPunct="0">
+                <a:spcBef>
+                  <a:spcPct val="20000"/>
+                </a:spcBef>
+                <a:spcAft>
+                  <a:spcPct val="0"/>
+                </a:spcAft>
+                <a:buChar char="»"/>
+                <a:defRPr sz="2000">
+                  <a:solidFill>
+                    <a:schemeClr val="tx1"/>
+                  </a:solidFill>
+                  <a:latin typeface="Arial" panose="020B0604020202020204" pitchFamily="34" charset="0"/>
+                  <a:ea typeface="宋体" panose="02010600030101010101" pitchFamily="2" charset="-122"/>
+                </a:defRPr>
+              </a:lvl8pPr>
+              <a:lvl9pPr marL="3886200" indent="-228600" eaLnBrk="0" fontAlgn="base" hangingPunct="0">
+                <a:spcBef>
+                  <a:spcPct val="20000"/>
+                </a:spcBef>
+                <a:spcAft>
+                  <a:spcPct val="0"/>
+                </a:spcAft>
+                <a:buChar char="»"/>
+                <a:defRPr sz="2000">
+                  <a:solidFill>
+                    <a:schemeClr val="tx1"/>
+                  </a:solidFill>
+                  <a:latin typeface="Arial" panose="020B0604020202020204" pitchFamily="34" charset="0"/>
+                  <a:ea typeface="宋体" panose="02010600030101010101" pitchFamily="2" charset="-122"/>
+                </a:defRPr>
+              </a:lvl9pPr>
+            </a:lstStyle>
+            <a:p>
+              <a:pPr algn="ctr" eaLnBrk="1" hangingPunct="1">
+                <a:spcBef>
+                  <a:spcPct val="0"/>
+                </a:spcBef>
+                <a:buFontTx/>
+                <a:buNone/>
+              </a:pPr>
+              <a:r>
+                <a:rPr lang="zh-CN" altLang="en-US" sz="1800">
+                  <a:solidFill>
+                    <a:schemeClr val="accent2"/>
+                  </a:solidFill>
+                  <a:latin typeface="Aa小梨涡" panose="02010600010101010101" charset="-122"/>
+                  <a:ea typeface="Aa小梨涡" panose="02010600010101010101" charset="-122"/>
+                </a:rPr>
+                <a:t>条件表达式</a:t>
+              </a:r>
+              <a:endParaRPr lang="zh-CN" altLang="en-US" sz="1800">
+                <a:solidFill>
+                  <a:schemeClr val="accent2"/>
+                </a:solidFill>
+                <a:latin typeface="Aa小梨涡" panose="02010600010101010101" charset="-122"/>
+                <a:ea typeface="Aa小梨涡" panose="02010600010101010101" charset="-122"/>
+              </a:endParaRPr>
+            </a:p>
+          </p:txBody>
+        </p:sp>
+      </p:grpSp>
+      <p:sp>
+        <p:nvSpPr>
+          <p:cNvPr id="22" name="任意多边形 21"/>
+          <p:cNvSpPr/>
+          <p:nvPr/>
+        </p:nvSpPr>
+        <p:spPr>
+          <a:xfrm rot="4320000" flipV="1">
+            <a:off x="6812280" y="4483735"/>
+            <a:ext cx="970915" cy="528320"/>
+          </a:xfrm>
+          <a:custGeom>
+            <a:avLst/>
+            <a:gdLst>
+              <a:gd name="connisteX0" fmla="*/ 1359535 w 1359535"/>
+              <a:gd name="connsiteY0" fmla="*/ 540568 h 540568"/>
+              <a:gd name="connisteX1" fmla="*/ 988695 w 1359535"/>
+              <a:gd name="connsiteY1" fmla="*/ 36378 h 540568"/>
+              <a:gd name="connisteX2" fmla="*/ 0 w 1359535"/>
+              <a:gd name="connsiteY2" fmla="*/ 74478 h 540568"/>
+            </a:gdLst>
+            <a:ahLst/>
+            <a:cxnLst>
+              <a:cxn ang="0">
+                <a:pos x="connisteX0" y="connsiteY0"/>
+              </a:cxn>
+              <a:cxn ang="0">
+                <a:pos x="connisteX1" y="connsiteY1"/>
+              </a:cxn>
+              <a:cxn ang="0">
+                <a:pos x="connisteX2" y="connsiteY2"/>
+              </a:cxn>
+            </a:cxnLst>
+            <a:rect l="l" t="t" r="r" b="b"/>
+            <a:pathLst>
+              <a:path w="1359535" h="540569">
+                <a:moveTo>
+                  <a:pt x="1359535" y="540569"/>
+                </a:moveTo>
+                <a:cubicBezTo>
+                  <a:pt x="1304925" y="438969"/>
+                  <a:pt x="1260475" y="129724"/>
+                  <a:pt x="988695" y="36379"/>
+                </a:cubicBezTo>
+                <a:cubicBezTo>
+                  <a:pt x="716915" y="-56966"/>
+                  <a:pt x="190500" y="56699"/>
+                  <a:pt x="0" y="74479"/>
+                </a:cubicBezTo>
+              </a:path>
+            </a:pathLst>
+          </a:custGeom>
+          <a:noFill/>
+          <a:ln w="25400">
+            <a:solidFill>
+              <a:schemeClr val="tx1"/>
+            </a:solidFill>
+            <a:prstDash val="sysDash"/>
+          </a:ln>
+        </p:spPr>
+        <p:style>
+          <a:lnRef idx="2">
+            <a:schemeClr val="accent1">
+              <a:shade val="50000"/>
+            </a:schemeClr>
+          </a:lnRef>
+          <a:fillRef idx="1">
+            <a:schemeClr val="accent1"/>
+          </a:fillRef>
+          <a:effectRef idx="0">
+            <a:schemeClr val="accent1"/>
+          </a:effectRef>
+          <a:fontRef idx="minor">
+            <a:schemeClr val="lt1"/>
+          </a:fontRef>
+        </p:style>
+        <p:txBody>
+          <a:bodyPr rtlCol="0" anchor="ctr"/>
+          <a:p>
+            <a:pPr algn="ctr"/>
+            <a:endParaRPr lang="zh-CN" altLang="en-US">
+              <a:latin typeface="Aa小梨涡" panose="02010600010101010101" charset="-122"/>
+              <a:ea typeface="Aa小梨涡" panose="02010600010101010101" charset="-122"/>
+            </a:endParaRPr>
+          </a:p>
+        </p:txBody>
+      </p:sp>
     </p:spTree>
   </p:cSld>
   <p:clrMapOvr>
     <a:masterClrMapping/>
   </p:clrMapOvr>
+  <p:timing>
+    <p:tnLst>
+      <p:par>
+        <p:cTn id="1" dur="indefinite" restart="never" nodeType="tmRoot">
+          <p:childTnLst>
+            <p:seq concurrent="1" nextAc="seek">
+              <p:cTn id="2" dur="indefinite" nodeType="mainSeq">
+                <p:childTnLst>
+                  <p:par>
+                    <p:cTn id="3" fill="hold">
+                      <p:stCondLst>
+                        <p:cond delay="indefinite"/>
+                      </p:stCondLst>
+                      <p:childTnLst>
+                        <p:par>
+                          <p:cTn id="4" fill="hold">
+                            <p:stCondLst>
+                              <p:cond delay="0"/>
+                            </p:stCondLst>
+                            <p:childTnLst>
+                              <p:par>
+                                <p:cTn id="5" presetID="1" presetClass="entr" presetSubtype="0" fill="hold" grpId="0" nodeType="clickEffect">
+                                  <p:stCondLst>
+                                    <p:cond delay="0"/>
+                                  </p:stCondLst>
+                                  <p:childTnLst>
+                                    <p:set>
+                                      <p:cBhvr>
+                                        <p:cTn id="6" dur="1" fill="hold">
+                                          <p:stCondLst>
+                                            <p:cond delay="0"/>
+                                          </p:stCondLst>
+                                        </p:cTn>
+                                        <p:tgtEl>
+                                          <p:spTgt spid="5"/>
+                                        </p:tgtEl>
+                                        <p:attrNameLst>
+                                          <p:attrName>style.visibility</p:attrName>
+                                        </p:attrNameLst>
+                                      </p:cBhvr>
+                                      <p:to>
+                                        <p:strVal val="visible"/>
+                                      </p:to>
+                                    </p:set>
+                                  </p:childTnLst>
+                                </p:cTn>
+                              </p:par>
+                            </p:childTnLst>
+                          </p:cTn>
+                        </p:par>
+                      </p:childTnLst>
+                    </p:cTn>
+                  </p:par>
+                  <p:par>
+                    <p:cTn id="7" fill="hold">
+                      <p:stCondLst>
+                        <p:cond delay="indefinite"/>
+                      </p:stCondLst>
+                      <p:childTnLst>
+                        <p:par>
+                          <p:cTn id="8" fill="hold">
+                            <p:stCondLst>
+                              <p:cond delay="0"/>
+                            </p:stCondLst>
+                            <p:childTnLst>
+                              <p:par>
+                                <p:cTn id="9" presetID="1" presetClass="entr" presetSubtype="0" fill="hold" grpId="0" nodeType="clickEffect">
+                                  <p:stCondLst>
+                                    <p:cond delay="0"/>
+                                  </p:stCondLst>
+                                  <p:childTnLst>
+                                    <p:set>
+                                      <p:cBhvr>
+                                        <p:cTn id="10" dur="1" fill="hold">
+                                          <p:stCondLst>
+                                            <p:cond delay="0"/>
+                                          </p:stCondLst>
+                                        </p:cTn>
+                                        <p:tgtEl>
+                                          <p:spTgt spid="3"/>
+                                        </p:tgtEl>
+                                        <p:attrNameLst>
+                                          <p:attrName>style.visibility</p:attrName>
+                                        </p:attrNameLst>
+                                      </p:cBhvr>
+                                      <p:to>
+                                        <p:strVal val="visible"/>
+                                      </p:to>
+                                    </p:set>
+                                  </p:childTnLst>
+                                </p:cTn>
+                              </p:par>
+                              <p:par>
+                                <p:cTn id="11" presetID="1" presetClass="entr" presetSubtype="0" fill="hold" grpId="0" nodeType="withEffect">
+                                  <p:stCondLst>
+                                    <p:cond delay="0"/>
+                                  </p:stCondLst>
+                                  <p:childTnLst>
+                                    <p:set>
+                                      <p:cBhvr>
+                                        <p:cTn id="12" dur="1" fill="hold">
+                                          <p:stCondLst>
+                                            <p:cond delay="0"/>
+                                          </p:stCondLst>
+                                        </p:cTn>
+                                        <p:tgtEl>
+                                          <p:spTgt spid="11"/>
+                                        </p:tgtEl>
+                                        <p:attrNameLst>
+                                          <p:attrName>style.visibility</p:attrName>
+                                        </p:attrNameLst>
+                                      </p:cBhvr>
+                                      <p:to>
+                                        <p:strVal val="visible"/>
+                                      </p:to>
+                                    </p:set>
+                                  </p:childTnLst>
+                                </p:cTn>
+                              </p:par>
+                            </p:childTnLst>
+                          </p:cTn>
+                        </p:par>
+                      </p:childTnLst>
+                    </p:cTn>
+                  </p:par>
+                  <p:par>
+                    <p:cTn id="13" fill="hold">
+                      <p:stCondLst>
+                        <p:cond delay="indefinite"/>
+                      </p:stCondLst>
+                      <p:childTnLst>
+                        <p:par>
+                          <p:cTn id="14" fill="hold">
+                            <p:stCondLst>
+                              <p:cond delay="0"/>
+                            </p:stCondLst>
+                            <p:childTnLst>
+                              <p:par>
+                                <p:cTn id="15" presetID="1" presetClass="entr" presetSubtype="0" fill="hold" grpId="0" nodeType="clickEffect">
+                                  <p:stCondLst>
+                                    <p:cond delay="0"/>
+                                  </p:stCondLst>
+                                  <p:childTnLst>
+                                    <p:set>
+                                      <p:cBhvr>
+                                        <p:cTn id="16" dur="1" fill="hold">
+                                          <p:stCondLst>
+                                            <p:cond delay="0"/>
+                                          </p:stCondLst>
+                                        </p:cTn>
+                                        <p:tgtEl>
+                                          <p:spTgt spid="4"/>
+                                        </p:tgtEl>
+                                        <p:attrNameLst>
+                                          <p:attrName>style.visibility</p:attrName>
+                                        </p:attrNameLst>
+                                      </p:cBhvr>
+                                      <p:to>
+                                        <p:strVal val="visible"/>
+                                      </p:to>
+                                    </p:set>
+                                  </p:childTnLst>
+                                </p:cTn>
+                              </p:par>
+                            </p:childTnLst>
+                          </p:cTn>
+                        </p:par>
+                      </p:childTnLst>
+                    </p:cTn>
+                  </p:par>
+                  <p:par>
+                    <p:cTn id="17" fill="hold">
+                      <p:stCondLst>
+                        <p:cond delay="indefinite"/>
+                      </p:stCondLst>
+                      <p:childTnLst>
+                        <p:par>
+                          <p:cTn id="18" fill="hold">
+                            <p:stCondLst>
+                              <p:cond delay="0"/>
+                            </p:stCondLst>
+                            <p:childTnLst>
+                              <p:par>
+                                <p:cTn id="19" presetID="22" presetClass="entr" presetSubtype="1" fill="hold" nodeType="clickEffect">
+                                  <p:stCondLst>
+                                    <p:cond delay="0"/>
+                                  </p:stCondLst>
+                                  <p:childTnLst>
+                                    <p:set>
+                                      <p:cBhvr>
+                                        <p:cTn id="20" dur="1" fill="hold">
+                                          <p:stCondLst>
+                                            <p:cond delay="0"/>
+                                          </p:stCondLst>
+                                        </p:cTn>
+                                        <p:tgtEl>
+                                          <p:spTgt spid="6"/>
+                                        </p:tgtEl>
+                                        <p:attrNameLst>
+                                          <p:attrName>style.visibility</p:attrName>
+                                        </p:attrNameLst>
+                                      </p:cBhvr>
+                                      <p:to>
+                                        <p:strVal val="visible"/>
+                                      </p:to>
+                                    </p:set>
+                                    <p:animEffect transition="in" filter="wipe(up)">
+                                      <p:cBhvr>
+                                        <p:cTn id="21" dur="500"/>
+                                        <p:tgtEl>
+                                          <p:spTgt spid="6"/>
+                                        </p:tgtEl>
+                                      </p:cBhvr>
+                                    </p:animEffect>
+                                  </p:childTnLst>
+                                </p:cTn>
+                              </p:par>
+                            </p:childTnLst>
+                          </p:cTn>
+                        </p:par>
+                      </p:childTnLst>
+                    </p:cTn>
+                  </p:par>
+                  <p:par>
+                    <p:cTn id="22" fill="hold">
+                      <p:stCondLst>
+                        <p:cond delay="indefinite"/>
+                      </p:stCondLst>
+                      <p:childTnLst>
+                        <p:par>
+                          <p:cTn id="23" fill="hold">
+                            <p:stCondLst>
+                              <p:cond delay="0"/>
+                            </p:stCondLst>
+                            <p:childTnLst>
+                              <p:par>
+                                <p:cTn id="24" presetID="22" presetClass="entr" presetSubtype="1" fill="hold" nodeType="clickEffect">
+                                  <p:stCondLst>
+                                    <p:cond delay="0"/>
+                                  </p:stCondLst>
+                                  <p:childTnLst>
+                                    <p:set>
+                                      <p:cBhvr>
+                                        <p:cTn id="25" dur="1" fill="hold">
+                                          <p:stCondLst>
+                                            <p:cond delay="0"/>
+                                          </p:stCondLst>
+                                        </p:cTn>
+                                        <p:tgtEl>
+                                          <p:spTgt spid="8"/>
+                                        </p:tgtEl>
+                                        <p:attrNameLst>
+                                          <p:attrName>style.visibility</p:attrName>
+                                        </p:attrNameLst>
+                                      </p:cBhvr>
+                                      <p:to>
+                                        <p:strVal val="visible"/>
+                                      </p:to>
+                                    </p:set>
+                                    <p:animEffect transition="in" filter="wipe(up)">
+                                      <p:cBhvr>
+                                        <p:cTn id="26" dur="500"/>
+                                        <p:tgtEl>
+                                          <p:spTgt spid="8"/>
+                                        </p:tgtEl>
+                                      </p:cBhvr>
+                                    </p:animEffect>
+                                  </p:childTnLst>
+                                </p:cTn>
+                              </p:par>
+                            </p:childTnLst>
+                          </p:cTn>
+                        </p:par>
+                      </p:childTnLst>
+                    </p:cTn>
+                  </p:par>
+                  <p:par>
+                    <p:cTn id="27" fill="hold">
+                      <p:stCondLst>
+                        <p:cond delay="indefinite"/>
+                      </p:stCondLst>
+                      <p:childTnLst>
+                        <p:par>
+                          <p:cTn id="28" fill="hold">
+                            <p:stCondLst>
+                              <p:cond delay="0"/>
+                            </p:stCondLst>
+                            <p:childTnLst>
+                              <p:par>
+                                <p:cTn id="29" presetID="22" presetClass="entr" presetSubtype="4" fill="hold" nodeType="clickEffect">
+                                  <p:stCondLst>
+                                    <p:cond delay="0"/>
+                                  </p:stCondLst>
+                                  <p:childTnLst>
+                                    <p:set>
+                                      <p:cBhvr>
+                                        <p:cTn id="30" dur="1" fill="hold">
+                                          <p:stCondLst>
+                                            <p:cond delay="0"/>
+                                          </p:stCondLst>
+                                        </p:cTn>
+                                        <p:tgtEl>
+                                          <p:spTgt spid="26"/>
+                                        </p:tgtEl>
+                                        <p:attrNameLst>
+                                          <p:attrName>style.visibility</p:attrName>
+                                        </p:attrNameLst>
+                                      </p:cBhvr>
+                                      <p:to>
+                                        <p:strVal val="visible"/>
+                                      </p:to>
+                                    </p:set>
+                                    <p:animEffect transition="in" filter="wipe(down)">
+                                      <p:cBhvr>
+                                        <p:cTn id="31" dur="500"/>
+                                        <p:tgtEl>
+                                          <p:spTgt spid="26"/>
+                                        </p:tgtEl>
+                                      </p:cBhvr>
+                                    </p:animEffect>
+                                  </p:childTnLst>
+                                </p:cTn>
+                              </p:par>
+                              <p:par>
+                                <p:cTn id="32" presetID="22" presetClass="entr" presetSubtype="2" fill="hold" grpId="0" nodeType="withEffect">
+                                  <p:stCondLst>
+                                    <p:cond delay="0"/>
+                                  </p:stCondLst>
+                                  <p:childTnLst>
+                                    <p:set>
+                                      <p:cBhvr>
+                                        <p:cTn id="33" dur="1" fill="hold">
+                                          <p:stCondLst>
+                                            <p:cond delay="0"/>
+                                          </p:stCondLst>
+                                        </p:cTn>
+                                        <p:tgtEl>
+                                          <p:spTgt spid="23"/>
+                                        </p:tgtEl>
+                                        <p:attrNameLst>
+                                          <p:attrName>style.visibility</p:attrName>
+                                        </p:attrNameLst>
+                                      </p:cBhvr>
+                                      <p:to>
+                                        <p:strVal val="visible"/>
+                                      </p:to>
+                                    </p:set>
+                                    <p:animEffect transition="in" filter="wipe(right)">
+                                      <p:cBhvr>
+                                        <p:cTn id="34" dur="500"/>
+                                        <p:tgtEl>
+                                          <p:spTgt spid="23"/>
+                                        </p:tgtEl>
+                                      </p:cBhvr>
+                                    </p:animEffect>
+                                  </p:childTnLst>
+                                </p:cTn>
+                              </p:par>
+                            </p:childTnLst>
+                          </p:cTn>
+                        </p:par>
+                      </p:childTnLst>
+                    </p:cTn>
+                  </p:par>
+                  <p:par>
+                    <p:cTn id="35" fill="hold">
+                      <p:stCondLst>
+                        <p:cond delay="indefinite"/>
+                      </p:stCondLst>
+                      <p:childTnLst>
+                        <p:par>
+                          <p:cTn id="36" fill="hold">
+                            <p:stCondLst>
+                              <p:cond delay="0"/>
+                            </p:stCondLst>
+                            <p:childTnLst>
+                              <p:par>
+                                <p:cTn id="37" presetID="22" presetClass="entr" presetSubtype="4" fill="hold" nodeType="clickEffect">
+                                  <p:stCondLst>
+                                    <p:cond delay="0"/>
+                                  </p:stCondLst>
+                                  <p:childTnLst>
+                                    <p:set>
+                                      <p:cBhvr>
+                                        <p:cTn id="38" dur="1" fill="hold">
+                                          <p:stCondLst>
+                                            <p:cond delay="0"/>
+                                          </p:stCondLst>
+                                        </p:cTn>
+                                        <p:tgtEl>
+                                          <p:spTgt spid="12"/>
+                                        </p:tgtEl>
+                                        <p:attrNameLst>
+                                          <p:attrName>style.visibility</p:attrName>
+                                        </p:attrNameLst>
+                                      </p:cBhvr>
+                                      <p:to>
+                                        <p:strVal val="visible"/>
+                                      </p:to>
+                                    </p:set>
+                                    <p:animEffect transition="in" filter="wipe(down)">
+                                      <p:cBhvr>
+                                        <p:cTn id="39" dur="500"/>
+                                        <p:tgtEl>
+                                          <p:spTgt spid="12"/>
+                                        </p:tgtEl>
+                                      </p:cBhvr>
+                                    </p:animEffect>
+                                  </p:childTnLst>
+                                </p:cTn>
+                              </p:par>
+                              <p:par>
+                                <p:cTn id="40" presetID="22" presetClass="entr" presetSubtype="2" fill="hold" grpId="0" nodeType="withEffect">
+                                  <p:stCondLst>
+                                    <p:cond delay="0"/>
+                                  </p:stCondLst>
+                                  <p:childTnLst>
+                                    <p:set>
+                                      <p:cBhvr>
+                                        <p:cTn id="41" dur="1" fill="hold">
+                                          <p:stCondLst>
+                                            <p:cond delay="0"/>
+                                          </p:stCondLst>
+                                        </p:cTn>
+                                        <p:tgtEl>
+                                          <p:spTgt spid="16"/>
+                                        </p:tgtEl>
+                                        <p:attrNameLst>
+                                          <p:attrName>style.visibility</p:attrName>
+                                        </p:attrNameLst>
+                                      </p:cBhvr>
+                                      <p:to>
+                                        <p:strVal val="visible"/>
+                                      </p:to>
+                                    </p:set>
+                                    <p:animEffect transition="in" filter="wipe(right)">
+                                      <p:cBhvr>
+                                        <p:cTn id="42" dur="500"/>
+                                        <p:tgtEl>
+                                          <p:spTgt spid="16"/>
+                                        </p:tgtEl>
+                                      </p:cBhvr>
+                                    </p:animEffect>
+                                  </p:childTnLst>
+                                </p:cTn>
+                              </p:par>
+                            </p:childTnLst>
+                          </p:cTn>
+                        </p:par>
+                      </p:childTnLst>
+                    </p:cTn>
+                  </p:par>
+                  <p:par>
+                    <p:cTn id="43" fill="hold">
+                      <p:stCondLst>
+                        <p:cond delay="indefinite"/>
+                      </p:stCondLst>
+                      <p:childTnLst>
+                        <p:par>
+                          <p:cTn id="44" fill="hold">
+                            <p:stCondLst>
+                              <p:cond delay="0"/>
+                            </p:stCondLst>
+                            <p:childTnLst>
+                              <p:par>
+                                <p:cTn id="45" presetID="22" presetClass="entr" presetSubtype="4" fill="hold" nodeType="clickEffect">
+                                  <p:stCondLst>
+                                    <p:cond delay="0"/>
+                                  </p:stCondLst>
+                                  <p:childTnLst>
+                                    <p:set>
+                                      <p:cBhvr>
+                                        <p:cTn id="46" dur="1" fill="hold">
+                                          <p:stCondLst>
+                                            <p:cond delay="0"/>
+                                          </p:stCondLst>
+                                        </p:cTn>
+                                        <p:tgtEl>
+                                          <p:spTgt spid="17"/>
+                                        </p:tgtEl>
+                                        <p:attrNameLst>
+                                          <p:attrName>style.visibility</p:attrName>
+                                        </p:attrNameLst>
+                                      </p:cBhvr>
+                                      <p:to>
+                                        <p:strVal val="visible"/>
+                                      </p:to>
+                                    </p:set>
+                                    <p:animEffect transition="in" filter="wipe(down)">
+                                      <p:cBhvr>
+                                        <p:cTn id="47" dur="500"/>
+                                        <p:tgtEl>
+                                          <p:spTgt spid="17"/>
+                                        </p:tgtEl>
+                                      </p:cBhvr>
+                                    </p:animEffect>
+                                  </p:childTnLst>
+                                </p:cTn>
+                              </p:par>
+                              <p:par>
+                                <p:cTn id="48" presetID="22" presetClass="entr" presetSubtype="2" fill="hold" grpId="0" nodeType="withEffect">
+                                  <p:stCondLst>
+                                    <p:cond delay="0"/>
+                                  </p:stCondLst>
+                                  <p:childTnLst>
+                                    <p:set>
+                                      <p:cBhvr>
+                                        <p:cTn id="49" dur="1" fill="hold">
+                                          <p:stCondLst>
+                                            <p:cond delay="0"/>
+                                          </p:stCondLst>
+                                        </p:cTn>
+                                        <p:tgtEl>
+                                          <p:spTgt spid="22"/>
+                                        </p:tgtEl>
+                                        <p:attrNameLst>
+                                          <p:attrName>style.visibility</p:attrName>
+                                        </p:attrNameLst>
+                                      </p:cBhvr>
+                                      <p:to>
+                                        <p:strVal val="visible"/>
+                                      </p:to>
+                                    </p:set>
+                                    <p:animEffect transition="in" filter="wipe(right)">
+                                      <p:cBhvr>
+                                        <p:cTn id="50" dur="500"/>
+                                        <p:tgtEl>
+                                          <p:spTgt spid="22"/>
+                                        </p:tgtEl>
+                                      </p:cBhvr>
+                                    </p:animEffect>
+                                  </p:childTnLst>
+                                </p:cTn>
+                              </p:par>
+                            </p:childTnLst>
+                          </p:cTn>
+                        </p:par>
+                      </p:childTnLst>
+                    </p:cTn>
+                  </p:par>
+                </p:childTnLst>
+              </p:cTn>
+              <p:prevCondLst>
+                <p:cond evt="onPrev" delay="0">
+                  <p:tgtEl>
+                    <p:sldTgt/>
+                  </p:tgtEl>
+                </p:cond>
+              </p:prevCondLst>
+              <p:nextCondLst>
+                <p:cond evt="onNext" delay="0">
+                  <p:tgtEl>
+                    <p:sldTgt/>
+                  </p:tgtEl>
+                </p:cond>
+              </p:nextCondLst>
+            </p:seq>
+          </p:childTnLst>
+        </p:cTn>
+      </p:par>
+    </p:tnLst>
+    <p:bldLst>
+      <p:bldP spid="5" grpId="0"/>
+      <p:bldP spid="5" grpId="1"/>
+      <p:bldP spid="3" grpId="0"/>
+      <p:bldP spid="3" grpId="1"/>
+      <p:bldP spid="11" grpId="0"/>
+      <p:bldP spid="11" grpId="1"/>
+      <p:bldP spid="4" grpId="0"/>
+      <p:bldP spid="4" grpId="1"/>
+      <p:bldP spid="23" grpId="0" bldLvl="0" animBg="1"/>
+      <p:bldP spid="23" grpId="1" animBg="1"/>
+      <p:bldP spid="16" grpId="0" bldLvl="0" animBg="1"/>
+      <p:bldP spid="16" grpId="1" animBg="1"/>
+      <p:bldP spid="22" grpId="0" bldLvl="0" animBg="1"/>
+      <p:bldP spid="22" grpId="1" animBg="1"/>
+    </p:bldLst>
+  </p:timing>
 </p:sld>
 </file>
 

--- a/PPT/CorePython.pptx
+++ b/PPT/CorePython.pptx
@@ -38,13 +38,15 @@
       <p:font typeface="Comic Sans MS" panose="030F0702030302020204" charset="0"/>
       <p:regular r:id="rId25"/>
       <p:bold r:id="rId26"/>
+      <p:italic r:id="rId27"/>
+      <p:boldItalic r:id="rId28"/>
     </p:embeddedFont>
     <p:embeddedFont>
       <p:font typeface="Calibri" panose="020F0502020204030204" charset="0"/>
-      <p:regular r:id="rId27"/>
-      <p:bold r:id="rId28"/>
-      <p:italic r:id="rId29"/>
-      <p:boldItalic r:id="rId30"/>
+      <p:regular r:id="rId29"/>
+      <p:bold r:id="rId30"/>
+      <p:italic r:id="rId31"/>
+      <p:boldItalic r:id="rId32"/>
     </p:embeddedFont>
   </p:embeddedFontLst>
   <p:defaultTextStyle>
@@ -18645,33 +18647,15 @@
                                   </p:childTnLst>
                                 </p:cTn>
                               </p:par>
-                            </p:childTnLst>
-                          </p:cTn>
-                        </p:par>
-                      </p:childTnLst>
-                    </p:cTn>
-                  </p:par>
-                  <p:par>
-                    <p:cTn id="22" fill="hold">
-                      <p:stCondLst>
-                        <p:cond delay="indefinite"/>
-                      </p:stCondLst>
-                      <p:childTnLst>
-                        <p:par>
-                          <p:cTn id="23" fill="hold">
-                            <p:stCondLst>
-                              <p:cond delay="0"/>
-                            </p:stCondLst>
-                            <p:childTnLst>
                               <p:par>
-                                <p:cTn id="24" presetID="22" presetClass="entr" presetSubtype="1" fill="hold" nodeType="clickEffect">
+                                <p:cTn id="22" presetID="22" presetClass="entr" presetSubtype="1" fill="hold" nodeType="withEffect">
                                   <p:stCondLst>
                                     <p:cond delay="0"/>
                                   </p:stCondLst>
                                   <p:childTnLst>
                                     <p:set>
                                       <p:cBhvr>
-                                        <p:cTn id="25" dur="1" fill="hold">
+                                        <p:cTn id="23" dur="1" fill="hold">
                                           <p:stCondLst>
                                             <p:cond delay="0"/>
                                           </p:stCondLst>
@@ -18689,7 +18673,7 @@
                                     </p:set>
                                     <p:animEffect transition="in" filter="wipe(up)">
                                       <p:cBhvr>
-                                        <p:cTn id="26" dur="500"/>
+                                        <p:cTn id="24" dur="500"/>
                                         <p:tgtEl>
                                           <p:spTgt spid="8"/>
                                         </p:tgtEl>
@@ -18705,26 +18689,26 @@
                     </p:cTn>
                   </p:par>
                   <p:par>
-                    <p:cTn id="27" fill="hold">
+                    <p:cTn id="25" fill="hold">
                       <p:stCondLst>
                         <p:cond delay="indefinite"/>
                       </p:stCondLst>
                       <p:childTnLst>
                         <p:par>
-                          <p:cTn id="28" fill="hold">
+                          <p:cTn id="26" fill="hold">
                             <p:stCondLst>
                               <p:cond delay="0"/>
                             </p:stCondLst>
                             <p:childTnLst>
                               <p:par>
-                                <p:cTn id="29" presetID="22" presetClass="entr" presetSubtype="4" fill="hold" nodeType="clickEffect">
+                                <p:cTn id="27" presetID="22" presetClass="entr" presetSubtype="4" fill="hold" nodeType="clickEffect">
                                   <p:stCondLst>
                                     <p:cond delay="0"/>
                                   </p:stCondLst>
                                   <p:childTnLst>
                                     <p:set>
                                       <p:cBhvr>
-                                        <p:cTn id="30" dur="1" fill="hold">
+                                        <p:cTn id="28" dur="1" fill="hold">
                                           <p:stCondLst>
                                             <p:cond delay="0"/>
                                           </p:stCondLst>
@@ -18742,7 +18726,7 @@
                                     </p:set>
                                     <p:animEffect transition="in" filter="wipe(down)">
                                       <p:cBhvr>
-                                        <p:cTn id="31" dur="500"/>
+                                        <p:cTn id="29" dur="500"/>
                                         <p:tgtEl>
                                           <p:spTgt spid="26"/>
                                         </p:tgtEl>
@@ -18752,14 +18736,14 @@
                                 </p:cTn>
                               </p:par>
                               <p:par>
-                                <p:cTn id="32" presetID="22" presetClass="entr" presetSubtype="2" fill="hold" grpId="0" nodeType="withEffect">
+                                <p:cTn id="30" presetID="22" presetClass="entr" presetSubtype="2" fill="hold" grpId="0" nodeType="withEffect">
                                   <p:stCondLst>
                                     <p:cond delay="0"/>
                                   </p:stCondLst>
                                   <p:childTnLst>
                                     <p:set>
                                       <p:cBhvr>
-                                        <p:cTn id="33" dur="1" fill="hold">
+                                        <p:cTn id="31" dur="1" fill="hold">
                                           <p:stCondLst>
                                             <p:cond delay="0"/>
                                           </p:stCondLst>
@@ -18777,7 +18761,7 @@
                                     </p:set>
                                     <p:animEffect transition="in" filter="wipe(right)">
                                       <p:cBhvr>
-                                        <p:cTn id="34" dur="500"/>
+                                        <p:cTn id="32" dur="500"/>
                                         <p:tgtEl>
                                           <p:spTgt spid="23"/>
                                         </p:tgtEl>
@@ -18793,26 +18777,26 @@
                     </p:cTn>
                   </p:par>
                   <p:par>
-                    <p:cTn id="35" fill="hold">
+                    <p:cTn id="33" fill="hold">
                       <p:stCondLst>
                         <p:cond delay="indefinite"/>
                       </p:stCondLst>
                       <p:childTnLst>
                         <p:par>
-                          <p:cTn id="36" fill="hold">
+                          <p:cTn id="34" fill="hold">
                             <p:stCondLst>
                               <p:cond delay="0"/>
                             </p:stCondLst>
                             <p:childTnLst>
                               <p:par>
-                                <p:cTn id="37" presetID="22" presetClass="entr" presetSubtype="4" fill="hold" nodeType="clickEffect">
+                                <p:cTn id="35" presetID="22" presetClass="entr" presetSubtype="4" fill="hold" nodeType="clickEffect">
                                   <p:stCondLst>
                                     <p:cond delay="0"/>
                                   </p:stCondLst>
                                   <p:childTnLst>
                                     <p:set>
                                       <p:cBhvr>
-                                        <p:cTn id="38" dur="1" fill="hold">
+                                        <p:cTn id="36" dur="1" fill="hold">
                                           <p:stCondLst>
                                             <p:cond delay="0"/>
                                           </p:stCondLst>
@@ -18830,7 +18814,7 @@
                                     </p:set>
                                     <p:animEffect transition="in" filter="wipe(down)">
                                       <p:cBhvr>
-                                        <p:cTn id="39" dur="500"/>
+                                        <p:cTn id="37" dur="500"/>
                                         <p:tgtEl>
                                           <p:spTgt spid="12"/>
                                         </p:tgtEl>
@@ -18840,14 +18824,14 @@
                                 </p:cTn>
                               </p:par>
                               <p:par>
-                                <p:cTn id="40" presetID="22" presetClass="entr" presetSubtype="2" fill="hold" grpId="0" nodeType="withEffect">
+                                <p:cTn id="38" presetID="22" presetClass="entr" presetSubtype="2" fill="hold" grpId="0" nodeType="withEffect">
                                   <p:stCondLst>
                                     <p:cond delay="0"/>
                                   </p:stCondLst>
                                   <p:childTnLst>
                                     <p:set>
                                       <p:cBhvr>
-                                        <p:cTn id="41" dur="1" fill="hold">
+                                        <p:cTn id="39" dur="1" fill="hold">
                                           <p:stCondLst>
                                             <p:cond delay="0"/>
                                           </p:stCondLst>
@@ -18865,7 +18849,7 @@
                                     </p:set>
                                     <p:animEffect transition="in" filter="wipe(right)">
                                       <p:cBhvr>
-                                        <p:cTn id="42" dur="500"/>
+                                        <p:cTn id="40" dur="500"/>
                                         <p:tgtEl>
                                           <p:spTgt spid="16"/>
                                         </p:tgtEl>
@@ -18881,26 +18865,26 @@
                     </p:cTn>
                   </p:par>
                   <p:par>
-                    <p:cTn id="43" fill="hold">
+                    <p:cTn id="41" fill="hold">
                       <p:stCondLst>
                         <p:cond delay="indefinite"/>
                       </p:stCondLst>
                       <p:childTnLst>
                         <p:par>
-                          <p:cTn id="44" fill="hold">
+                          <p:cTn id="42" fill="hold">
                             <p:stCondLst>
                               <p:cond delay="0"/>
                             </p:stCondLst>
                             <p:childTnLst>
                               <p:par>
-                                <p:cTn id="45" presetID="22" presetClass="entr" presetSubtype="4" fill="hold" nodeType="clickEffect">
+                                <p:cTn id="43" presetID="22" presetClass="entr" presetSubtype="4" fill="hold" nodeType="clickEffect">
                                   <p:stCondLst>
                                     <p:cond delay="0"/>
                                   </p:stCondLst>
                                   <p:childTnLst>
                                     <p:set>
                                       <p:cBhvr>
-                                        <p:cTn id="46" dur="1" fill="hold">
+                                        <p:cTn id="44" dur="1" fill="hold">
                                           <p:stCondLst>
                                             <p:cond delay="0"/>
                                           </p:stCondLst>
@@ -18918,7 +18902,7 @@
                                     </p:set>
                                     <p:animEffect transition="in" filter="wipe(down)">
                                       <p:cBhvr>
-                                        <p:cTn id="47" dur="500"/>
+                                        <p:cTn id="45" dur="500"/>
                                         <p:tgtEl>
                                           <p:spTgt spid="17"/>
                                         </p:tgtEl>
@@ -18928,14 +18912,14 @@
                                 </p:cTn>
                               </p:par>
                               <p:par>
-                                <p:cTn id="48" presetID="22" presetClass="entr" presetSubtype="2" fill="hold" grpId="0" nodeType="withEffect">
+                                <p:cTn id="46" presetID="22" presetClass="entr" presetSubtype="2" fill="hold" grpId="0" nodeType="withEffect">
                                   <p:stCondLst>
                                     <p:cond delay="0"/>
                                   </p:stCondLst>
                                   <p:childTnLst>
                                     <p:set>
                                       <p:cBhvr>
-                                        <p:cTn id="49" dur="1" fill="hold">
+                                        <p:cTn id="47" dur="1" fill="hold">
                                           <p:stCondLst>
                                             <p:cond delay="0"/>
                                           </p:stCondLst>
@@ -18953,7 +18937,7 @@
                                     </p:set>
                                     <p:animEffect transition="in" filter="wipe(right)">
                                       <p:cBhvr>
-                                        <p:cTn id="50" dur="500"/>
+                                        <p:cTn id="48" dur="500"/>
                                         <p:tgtEl>
                                           <p:spTgt spid="22"/>
                                         </p:tgtEl>

--- a/PPT/CorePython.pptx
+++ b/PPT/CorePython.pptx
@@ -16,37 +16,36 @@
     <p:sldId id="262" r:id="rId11"/>
     <p:sldId id="263" r:id="rId12"/>
     <p:sldId id="264" r:id="rId13"/>
-    <p:sldId id="265" r:id="rId14"/>
-    <p:sldId id="266" r:id="rId15"/>
-    <p:sldId id="267" r:id="rId16"/>
-    <p:sldId id="268" r:id="rId17"/>
-    <p:sldId id="269" r:id="rId18"/>
-    <p:sldId id="270" r:id="rId19"/>
+    <p:sldId id="282" r:id="rId14"/>
+    <p:sldId id="265" r:id="rId15"/>
+    <p:sldId id="266" r:id="rId16"/>
+    <p:sldId id="267" r:id="rId17"/>
+    <p:sldId id="268" r:id="rId18"/>
+    <p:sldId id="269" r:id="rId19"/>
+    <p:sldId id="270" r:id="rId20"/>
   </p:sldIdLst>
   <p:sldSz cx="12192000" cy="6858000"/>
   <p:notesSz cx="6858000" cy="9144000"/>
   <p:embeddedFontLst>
     <p:embeddedFont>
       <p:font typeface="Aa小梨涡" panose="02010600010101010101" charset="-122"/>
-      <p:regular r:id="rId23"/>
+      <p:regular r:id="rId24"/>
     </p:embeddedFont>
     <p:embeddedFont>
       <p:font typeface="微软雅黑" panose="020B0503020204020204" charset="-122"/>
-      <p:regular r:id="rId24"/>
+      <p:regular r:id="rId25"/>
     </p:embeddedFont>
     <p:embeddedFont>
       <p:font typeface="Comic Sans MS" panose="030F0702030302020204" charset="0"/>
-      <p:regular r:id="rId25"/>
-      <p:bold r:id="rId26"/>
-      <p:italic r:id="rId27"/>
-      <p:boldItalic r:id="rId28"/>
+      <p:regular r:id="rId26"/>
+      <p:bold r:id="rId27"/>
     </p:embeddedFont>
     <p:embeddedFont>
       <p:font typeface="Calibri" panose="020F0502020204030204" charset="0"/>
-      <p:regular r:id="rId29"/>
-      <p:bold r:id="rId30"/>
-      <p:italic r:id="rId31"/>
-      <p:boldItalic r:id="rId32"/>
+      <p:regular r:id="rId28"/>
+      <p:bold r:id="rId29"/>
+      <p:italic r:id="rId30"/>
+      <p:boldItalic r:id="rId31"/>
     </p:embeddedFont>
   </p:embeddedFontLst>
   <p:defaultTextStyle>
@@ -3193,28 +3192,30 @@
         </p:nvSpPr>
         <p:spPr>
           <a:xfrm>
-            <a:off x="5132070" y="245745"/>
-            <a:ext cx="2136775" cy="817245"/>
+            <a:off x="4553585" y="245745"/>
+            <a:ext cx="3114675" cy="817245"/>
           </a:xfrm>
         </p:spPr>
         <p:txBody>
           <a:bodyPr>
-            <a:normAutofit fontScale="90000"/>
+            <a:normAutofit/>
           </a:bodyPr>
           <a:p>
             <a:r>
               <a:rPr lang="en-US" altLang="zh-CN">
                 <a:latin typeface="Aa小梨涡" panose="02010600010101010101" charset="-122"/>
                 <a:ea typeface="Aa小梨涡" panose="02010600010101010101" charset="-122"/>
-              </a:rPr>
-              <a:t>1.</a:t>
+                <a:sym typeface="+mn-ea"/>
+              </a:rPr>
+              <a:t>2.5 </a:t>
             </a:r>
             <a:r>
               <a:rPr lang="zh-CN" altLang="en-US">
                 <a:latin typeface="Aa小梨涡" panose="02010600010101010101" charset="-122"/>
                 <a:ea typeface="Aa小梨涡" panose="02010600010101010101" charset="-122"/>
-              </a:rPr>
-              <a:t>开篇词</a:t>
+                <a:sym typeface="+mn-ea"/>
+              </a:rPr>
+              <a:t>遍历</a:t>
             </a:r>
             <a:endParaRPr lang="zh-CN" altLang="en-US">
               <a:latin typeface="Aa小梨涡" panose="02010600010101010101" charset="-122"/>
@@ -3316,11 +3317,920 @@
           </a:p>
         </p:txBody>
       </p:sp>
+      <p:sp>
+        <p:nvSpPr>
+          <p:cNvPr id="3" name="文本框 2"/>
+          <p:cNvSpPr txBox="1"/>
+          <p:nvPr/>
+        </p:nvSpPr>
+        <p:spPr>
+          <a:xfrm>
+            <a:off x="565150" y="1210310"/>
+            <a:ext cx="11281410" cy="988695"/>
+          </a:xfrm>
+          <a:prstGeom prst="rect">
+            <a:avLst/>
+          </a:prstGeom>
+          <a:noFill/>
+          <a:ln>
+            <a:noFill/>
+          </a:ln>
+        </p:spPr>
+        <p:txBody>
+          <a:bodyPr wrap="square" rtlCol="0">
+            <a:spAutoFit/>
+          </a:bodyPr>
+          <a:p>
+            <a:pPr fontAlgn="auto">
+              <a:lnSpc>
+                <a:spcPts val="3500"/>
+              </a:lnSpc>
+            </a:pPr>
+            <a:r>
+              <a:rPr lang="en-US" sz="2200">
+                <a:latin typeface="Aa小梨涡" panose="02010600010101010101" charset="-122"/>
+                <a:ea typeface="Aa小梨涡" panose="02010600010101010101" charset="-122"/>
+                <a:cs typeface="Aa小梨涡" panose="02010600010101010101" charset="-122"/>
+                <a:sym typeface="+mn-ea"/>
+              </a:rPr>
+              <a:t>1. </a:t>
+            </a:r>
+            <a:r>
+              <a:rPr lang="zh-CN" altLang="en-US" sz="2200">
+                <a:latin typeface="Aa小梨涡" panose="02010600010101010101" charset="-122"/>
+                <a:ea typeface="Aa小梨涡" panose="02010600010101010101" charset="-122"/>
+                <a:cs typeface="Aa小梨涡" panose="02010600010101010101" charset="-122"/>
+                <a:sym typeface="+mn-ea"/>
+              </a:rPr>
+              <a:t>基本用法</a:t>
+            </a:r>
+            <a:endParaRPr lang="en-US" sz="2200">
+              <a:latin typeface="Aa小梨涡" panose="02010600010101010101" charset="-122"/>
+              <a:ea typeface="Aa小梨涡" panose="02010600010101010101" charset="-122"/>
+              <a:cs typeface="Aa小梨涡" panose="02010600010101010101" charset="-122"/>
+              <a:sym typeface="+mn-ea"/>
+            </a:endParaRPr>
+          </a:p>
+          <a:p>
+            <a:pPr fontAlgn="auto">
+              <a:lnSpc>
+                <a:spcPts val="3500"/>
+              </a:lnSpc>
+            </a:pPr>
+            <a:r>
+              <a:rPr lang="en-US" sz="2200">
+                <a:latin typeface="Aa小梨涡" panose="02010600010101010101" charset="-122"/>
+                <a:ea typeface="Aa小梨涡" panose="02010600010101010101" charset="-122"/>
+                <a:cs typeface="Aa小梨涡" panose="02010600010101010101" charset="-122"/>
+                <a:sym typeface="+mn-ea"/>
+              </a:rPr>
+              <a:t>        </a:t>
+            </a:r>
+            <a:r>
+              <a:rPr lang="zh-CN" altLang="en-US" sz="2200">
+                <a:latin typeface="Aa小梨涡" panose="02010600010101010101" charset="-122"/>
+                <a:ea typeface="Aa小梨涡" panose="02010600010101010101" charset="-122"/>
+                <a:cs typeface="Aa小梨涡" panose="02010600010101010101" charset="-122"/>
+                <a:sym typeface="+mn-ea"/>
+              </a:rPr>
+              <a:t>用</a:t>
+            </a:r>
+            <a:r>
+              <a:rPr lang="en-US" altLang="zh-CN" sz="2200">
+                <a:latin typeface="Aa小梨涡" panose="02010600010101010101" charset="-122"/>
+                <a:ea typeface="Aa小梨涡" panose="02010600010101010101" charset="-122"/>
+                <a:cs typeface="Aa小梨涡" panose="02010600010101010101" charset="-122"/>
+                <a:sym typeface="+mn-ea"/>
+              </a:rPr>
+              <a:t>for</a:t>
+            </a:r>
+            <a:r>
+              <a:rPr lang="zh-CN" altLang="en-US" sz="2200">
+                <a:latin typeface="Aa小梨涡" panose="02010600010101010101" charset="-122"/>
+                <a:ea typeface="Aa小梨涡" panose="02010600010101010101" charset="-122"/>
+                <a:cs typeface="Aa小梨涡" panose="02010600010101010101" charset="-122"/>
+                <a:sym typeface="+mn-ea"/>
+              </a:rPr>
+              <a:t>循环迭代列表，访问列表中的每一个元素。</a:t>
+            </a:r>
+            <a:r>
+              <a:rPr lang="en-US" sz="2200">
+                <a:latin typeface="Aa小梨涡" panose="02010600010101010101" charset="-122"/>
+                <a:ea typeface="Aa小梨涡" panose="02010600010101010101" charset="-122"/>
+                <a:cs typeface="Aa小梨涡" panose="02010600010101010101" charset="-122"/>
+                <a:sym typeface="+mn-ea"/>
+              </a:rPr>
+              <a:t> </a:t>
+            </a:r>
+            <a:endParaRPr lang="en-US" sz="2200">
+              <a:latin typeface="Aa小梨涡" panose="02010600010101010101" charset="-122"/>
+              <a:ea typeface="Aa小梨涡" panose="02010600010101010101" charset="-122"/>
+              <a:cs typeface="Aa小梨涡" panose="02010600010101010101" charset="-122"/>
+              <a:sym typeface="+mn-ea"/>
+            </a:endParaRPr>
+          </a:p>
+        </p:txBody>
+      </p:sp>
+      <p:sp>
+        <p:nvSpPr>
+          <p:cNvPr id="11" name="文本框 10"/>
+          <p:cNvSpPr txBox="1"/>
+          <p:nvPr/>
+        </p:nvSpPr>
+        <p:spPr>
+          <a:xfrm>
+            <a:off x="6931025" y="1710690"/>
+            <a:ext cx="848360" cy="270510"/>
+          </a:xfrm>
+          <a:prstGeom prst="rect">
+            <a:avLst/>
+          </a:prstGeom>
+          <a:noFill/>
+        </p:spPr>
+        <p:txBody>
+          <a:bodyPr wrap="square" rtlCol="0">
+            <a:spAutoFit/>
+          </a:bodyPr>
+          <a:p>
+            <a:r>
+              <a:rPr lang="en-US" altLang="zh-CN" baseline="30000">
+                <a:solidFill>
+                  <a:schemeClr val="accent5"/>
+                </a:solidFill>
+                <a:latin typeface="Comic Sans MS" panose="030F0702030302020204" charset="0"/>
+                <a:cs typeface="Comic Sans MS" panose="030F0702030302020204" charset="0"/>
+              </a:rPr>
+              <a:t>[2.5-1.py]</a:t>
+            </a:r>
+            <a:endParaRPr lang="en-US" altLang="zh-CN" baseline="30000">
+              <a:solidFill>
+                <a:schemeClr val="accent5"/>
+              </a:solidFill>
+              <a:latin typeface="Comic Sans MS" panose="030F0702030302020204" charset="0"/>
+              <a:cs typeface="Comic Sans MS" panose="030F0702030302020204" charset="0"/>
+            </a:endParaRPr>
+          </a:p>
+        </p:txBody>
+      </p:sp>
+      <p:sp>
+        <p:nvSpPr>
+          <p:cNvPr id="4" name="文本框 3"/>
+          <p:cNvSpPr txBox="1"/>
+          <p:nvPr/>
+        </p:nvSpPr>
+        <p:spPr>
+          <a:xfrm>
+            <a:off x="565150" y="2336165"/>
+            <a:ext cx="11281410" cy="1437640"/>
+          </a:xfrm>
+          <a:prstGeom prst="rect">
+            <a:avLst/>
+          </a:prstGeom>
+          <a:noFill/>
+          <a:ln>
+            <a:noFill/>
+          </a:ln>
+        </p:spPr>
+        <p:txBody>
+          <a:bodyPr wrap="square" rtlCol="0">
+            <a:spAutoFit/>
+          </a:bodyPr>
+          <a:p>
+            <a:pPr fontAlgn="auto">
+              <a:lnSpc>
+                <a:spcPts val="3500"/>
+              </a:lnSpc>
+            </a:pPr>
+            <a:r>
+              <a:rPr lang="en-US" sz="2200">
+                <a:latin typeface="Aa小梨涡" panose="02010600010101010101" charset="-122"/>
+                <a:ea typeface="Aa小梨涡" panose="02010600010101010101" charset="-122"/>
+                <a:cs typeface="Aa小梨涡" panose="02010600010101010101" charset="-122"/>
+                <a:sym typeface="+mn-ea"/>
+              </a:rPr>
+              <a:t>2. </a:t>
+            </a:r>
+            <a:r>
+              <a:rPr lang="zh-CN" altLang="en-US" sz="2200">
+                <a:latin typeface="Aa小梨涡" panose="02010600010101010101" charset="-122"/>
+                <a:ea typeface="Aa小梨涡" panose="02010600010101010101" charset="-122"/>
+                <a:cs typeface="Aa小梨涡" panose="02010600010101010101" charset="-122"/>
+                <a:sym typeface="+mn-ea"/>
+              </a:rPr>
+              <a:t>遍历时获取索引</a:t>
+            </a:r>
+            <a:endParaRPr lang="en-US" sz="2200">
+              <a:latin typeface="Aa小梨涡" panose="02010600010101010101" charset="-122"/>
+              <a:ea typeface="Aa小梨涡" panose="02010600010101010101" charset="-122"/>
+              <a:cs typeface="Aa小梨涡" panose="02010600010101010101" charset="-122"/>
+              <a:sym typeface="+mn-ea"/>
+            </a:endParaRPr>
+          </a:p>
+          <a:p>
+            <a:pPr fontAlgn="auto">
+              <a:lnSpc>
+                <a:spcPts val="3500"/>
+              </a:lnSpc>
+            </a:pPr>
+            <a:r>
+              <a:rPr lang="en-US" sz="2200">
+                <a:latin typeface="Aa小梨涡" panose="02010600010101010101" charset="-122"/>
+                <a:ea typeface="Aa小梨涡" panose="02010600010101010101" charset="-122"/>
+                <a:cs typeface="Aa小梨涡" panose="02010600010101010101" charset="-122"/>
+                <a:sym typeface="+mn-ea"/>
+              </a:rPr>
+              <a:t>        Python</a:t>
+            </a:r>
+            <a:r>
+              <a:rPr lang="zh-CN" altLang="en-US" sz="2200">
+                <a:latin typeface="Aa小梨涡" panose="02010600010101010101" charset="-122"/>
+                <a:ea typeface="Aa小梨涡" panose="02010600010101010101" charset="-122"/>
+                <a:cs typeface="Aa小梨涡" panose="02010600010101010101" charset="-122"/>
+                <a:sym typeface="+mn-ea"/>
+              </a:rPr>
+              <a:t>提供了枚举函数，</a:t>
+            </a:r>
+            <a:r>
+              <a:rPr lang="en-US" altLang="zh-CN" sz="2200">
+                <a:latin typeface="Aa小梨涡" panose="02010600010101010101" charset="-122"/>
+                <a:ea typeface="Aa小梨涡" panose="02010600010101010101" charset="-122"/>
+                <a:cs typeface="Aa小梨涡" panose="02010600010101010101" charset="-122"/>
+                <a:sym typeface="+mn-ea"/>
+              </a:rPr>
+              <a:t>enumerate()</a:t>
+            </a:r>
+            <a:r>
+              <a:rPr lang="zh-CN" altLang="en-US" sz="2200">
+                <a:latin typeface="Aa小梨涡" panose="02010600010101010101" charset="-122"/>
+                <a:ea typeface="Aa小梨涡" panose="02010600010101010101" charset="-122"/>
+                <a:cs typeface="Aa小梨涡" panose="02010600010101010101" charset="-122"/>
+                <a:sym typeface="+mn-ea"/>
+              </a:rPr>
+              <a:t>，在遍历列表元素的同时，获取每个元素的索引值</a:t>
+            </a:r>
+            <a:r>
+              <a:rPr lang="zh-CN" altLang="en-US" sz="2200">
+                <a:latin typeface="Aa小梨涡" panose="02010600010101010101" charset="-122"/>
+                <a:ea typeface="Aa小梨涡" panose="02010600010101010101" charset="-122"/>
+                <a:cs typeface="Aa小梨涡" panose="02010600010101010101" charset="-122"/>
+                <a:sym typeface="+mn-ea"/>
+              </a:rPr>
+              <a:t>。</a:t>
+            </a:r>
+            <a:r>
+              <a:rPr lang="en-US" sz="2200">
+                <a:latin typeface="Aa小梨涡" panose="02010600010101010101" charset="-122"/>
+                <a:ea typeface="Aa小梨涡" panose="02010600010101010101" charset="-122"/>
+                <a:cs typeface="Aa小梨涡" panose="02010600010101010101" charset="-122"/>
+                <a:sym typeface="+mn-ea"/>
+              </a:rPr>
+              <a:t> </a:t>
+            </a:r>
+            <a:endParaRPr lang="en-US" sz="2200">
+              <a:latin typeface="Aa小梨涡" panose="02010600010101010101" charset="-122"/>
+              <a:ea typeface="Aa小梨涡" panose="02010600010101010101" charset="-122"/>
+              <a:cs typeface="Aa小梨涡" panose="02010600010101010101" charset="-122"/>
+              <a:sym typeface="+mn-ea"/>
+            </a:endParaRPr>
+          </a:p>
+        </p:txBody>
+      </p:sp>
+      <p:sp>
+        <p:nvSpPr>
+          <p:cNvPr id="5" name="文本框 4"/>
+          <p:cNvSpPr txBox="1"/>
+          <p:nvPr/>
+        </p:nvSpPr>
+        <p:spPr>
+          <a:xfrm>
+            <a:off x="1036955" y="3365500"/>
+            <a:ext cx="848360" cy="270510"/>
+          </a:xfrm>
+          <a:prstGeom prst="rect">
+            <a:avLst/>
+          </a:prstGeom>
+          <a:noFill/>
+        </p:spPr>
+        <p:txBody>
+          <a:bodyPr wrap="square" rtlCol="0">
+            <a:spAutoFit/>
+          </a:bodyPr>
+          <a:p>
+            <a:r>
+              <a:rPr lang="en-US" altLang="zh-CN" baseline="30000">
+                <a:solidFill>
+                  <a:schemeClr val="accent5"/>
+                </a:solidFill>
+                <a:latin typeface="Comic Sans MS" panose="030F0702030302020204" charset="0"/>
+                <a:cs typeface="Comic Sans MS" panose="030F0702030302020204" charset="0"/>
+              </a:rPr>
+              <a:t>[2.5-2.py]</a:t>
+            </a:r>
+            <a:endParaRPr lang="en-US" altLang="zh-CN" baseline="30000">
+              <a:solidFill>
+                <a:schemeClr val="accent5"/>
+              </a:solidFill>
+              <a:latin typeface="Comic Sans MS" panose="030F0702030302020204" charset="0"/>
+              <a:cs typeface="Comic Sans MS" panose="030F0702030302020204" charset="0"/>
+            </a:endParaRPr>
+          </a:p>
+        </p:txBody>
+      </p:sp>
+      <p:sp>
+        <p:nvSpPr>
+          <p:cNvPr id="6" name="文本框 5"/>
+          <p:cNvSpPr txBox="1"/>
+          <p:nvPr/>
+        </p:nvSpPr>
+        <p:spPr>
+          <a:xfrm>
+            <a:off x="565150" y="3880485"/>
+            <a:ext cx="11281410" cy="988695"/>
+          </a:xfrm>
+          <a:prstGeom prst="rect">
+            <a:avLst/>
+          </a:prstGeom>
+          <a:noFill/>
+          <a:ln>
+            <a:noFill/>
+          </a:ln>
+        </p:spPr>
+        <p:txBody>
+          <a:bodyPr wrap="square" rtlCol="0">
+            <a:spAutoFit/>
+          </a:bodyPr>
+          <a:p>
+            <a:pPr fontAlgn="auto">
+              <a:lnSpc>
+                <a:spcPts val="3500"/>
+              </a:lnSpc>
+            </a:pPr>
+            <a:r>
+              <a:rPr lang="en-US" sz="2200">
+                <a:latin typeface="Aa小梨涡" panose="02010600010101010101" charset="-122"/>
+                <a:ea typeface="Aa小梨涡" panose="02010600010101010101" charset="-122"/>
+                <a:cs typeface="Aa小梨涡" panose="02010600010101010101" charset="-122"/>
+                <a:sym typeface="+mn-ea"/>
+              </a:rPr>
+              <a:t>3. </a:t>
+            </a:r>
+            <a:r>
+              <a:rPr lang="zh-CN" altLang="en-US" sz="2200">
+                <a:latin typeface="Aa小梨涡" panose="02010600010101010101" charset="-122"/>
+                <a:ea typeface="Aa小梨涡" panose="02010600010101010101" charset="-122"/>
+                <a:cs typeface="Aa小梨涡" panose="02010600010101010101" charset="-122"/>
+                <a:sym typeface="+mn-ea"/>
+              </a:rPr>
+              <a:t>同时</a:t>
+            </a:r>
+            <a:r>
+              <a:rPr lang="zh-CN" altLang="en-US" sz="2200">
+                <a:latin typeface="Aa小梨涡" panose="02010600010101010101" charset="-122"/>
+                <a:ea typeface="Aa小梨涡" panose="02010600010101010101" charset="-122"/>
+                <a:cs typeface="Aa小梨涡" panose="02010600010101010101" charset="-122"/>
+                <a:sym typeface="+mn-ea"/>
+              </a:rPr>
+              <a:t>遍历多个列表</a:t>
+            </a:r>
+            <a:endParaRPr lang="en-US" sz="2200">
+              <a:latin typeface="Aa小梨涡" panose="02010600010101010101" charset="-122"/>
+              <a:ea typeface="Aa小梨涡" panose="02010600010101010101" charset="-122"/>
+              <a:cs typeface="Aa小梨涡" panose="02010600010101010101" charset="-122"/>
+              <a:sym typeface="+mn-ea"/>
+            </a:endParaRPr>
+          </a:p>
+          <a:p>
+            <a:pPr fontAlgn="auto">
+              <a:lnSpc>
+                <a:spcPts val="3500"/>
+              </a:lnSpc>
+            </a:pPr>
+            <a:r>
+              <a:rPr lang="en-US" sz="2200">
+                <a:latin typeface="Aa小梨涡" panose="02010600010101010101" charset="-122"/>
+                <a:ea typeface="Aa小梨涡" panose="02010600010101010101" charset="-122"/>
+                <a:cs typeface="Aa小梨涡" panose="02010600010101010101" charset="-122"/>
+                <a:sym typeface="+mn-ea"/>
+              </a:rPr>
+              <a:t>        Python</a:t>
+            </a:r>
+            <a:r>
+              <a:rPr lang="zh-CN" altLang="en-US" sz="2200">
+                <a:latin typeface="Aa小梨涡" panose="02010600010101010101" charset="-122"/>
+                <a:ea typeface="Aa小梨涡" panose="02010600010101010101" charset="-122"/>
+                <a:cs typeface="Aa小梨涡" panose="02010600010101010101" charset="-122"/>
+                <a:sym typeface="+mn-ea"/>
+              </a:rPr>
+              <a:t>提供了</a:t>
+            </a:r>
+            <a:r>
+              <a:rPr lang="en-US" altLang="zh-CN" sz="2200">
+                <a:latin typeface="Aa小梨涡" panose="02010600010101010101" charset="-122"/>
+                <a:ea typeface="Aa小梨涡" panose="02010600010101010101" charset="-122"/>
+                <a:cs typeface="Aa小梨涡" panose="02010600010101010101" charset="-122"/>
+                <a:sym typeface="+mn-ea"/>
+              </a:rPr>
+              <a:t>zip</a:t>
+            </a:r>
+            <a:r>
+              <a:rPr lang="zh-CN" altLang="en-US" sz="2200">
+                <a:latin typeface="Aa小梨涡" panose="02010600010101010101" charset="-122"/>
+                <a:ea typeface="Aa小梨涡" panose="02010600010101010101" charset="-122"/>
+                <a:cs typeface="Aa小梨涡" panose="02010600010101010101" charset="-122"/>
+                <a:sym typeface="+mn-ea"/>
+              </a:rPr>
+              <a:t>函数，用于同时遍历两个或两个以上的列表。</a:t>
+            </a:r>
+            <a:r>
+              <a:rPr lang="en-US" sz="2200">
+                <a:latin typeface="Aa小梨涡" panose="02010600010101010101" charset="-122"/>
+                <a:ea typeface="Aa小梨涡" panose="02010600010101010101" charset="-122"/>
+                <a:cs typeface="Aa小梨涡" panose="02010600010101010101" charset="-122"/>
+                <a:sym typeface="+mn-ea"/>
+              </a:rPr>
+              <a:t> </a:t>
+            </a:r>
+            <a:endParaRPr lang="en-US" sz="2200">
+              <a:latin typeface="Aa小梨涡" panose="02010600010101010101" charset="-122"/>
+              <a:ea typeface="Aa小梨涡" panose="02010600010101010101" charset="-122"/>
+              <a:cs typeface="Aa小梨涡" panose="02010600010101010101" charset="-122"/>
+              <a:sym typeface="+mn-ea"/>
+            </a:endParaRPr>
+          </a:p>
+        </p:txBody>
+      </p:sp>
+      <p:sp>
+        <p:nvSpPr>
+          <p:cNvPr id="7" name="文本框 6"/>
+          <p:cNvSpPr txBox="1"/>
+          <p:nvPr/>
+        </p:nvSpPr>
+        <p:spPr>
+          <a:xfrm>
+            <a:off x="8573135" y="4391025"/>
+            <a:ext cx="848360" cy="270510"/>
+          </a:xfrm>
+          <a:prstGeom prst="rect">
+            <a:avLst/>
+          </a:prstGeom>
+          <a:noFill/>
+        </p:spPr>
+        <p:txBody>
+          <a:bodyPr wrap="square" rtlCol="0">
+            <a:spAutoFit/>
+          </a:bodyPr>
+          <a:p>
+            <a:r>
+              <a:rPr lang="en-US" altLang="zh-CN" baseline="30000">
+                <a:solidFill>
+                  <a:schemeClr val="accent5"/>
+                </a:solidFill>
+                <a:latin typeface="Comic Sans MS" panose="030F0702030302020204" charset="0"/>
+                <a:cs typeface="Comic Sans MS" panose="030F0702030302020204" charset="0"/>
+              </a:rPr>
+              <a:t>[2.5-3.py]</a:t>
+            </a:r>
+            <a:endParaRPr lang="en-US" altLang="zh-CN" baseline="30000">
+              <a:solidFill>
+                <a:schemeClr val="accent5"/>
+              </a:solidFill>
+              <a:latin typeface="Comic Sans MS" panose="030F0702030302020204" charset="0"/>
+              <a:cs typeface="Comic Sans MS" panose="030F0702030302020204" charset="0"/>
+            </a:endParaRPr>
+          </a:p>
+        </p:txBody>
+      </p:sp>
+      <p:sp>
+        <p:nvSpPr>
+          <p:cNvPr id="8" name="文本框 7"/>
+          <p:cNvSpPr txBox="1"/>
+          <p:nvPr/>
+        </p:nvSpPr>
+        <p:spPr>
+          <a:xfrm>
+            <a:off x="565150" y="4808855"/>
+            <a:ext cx="11281410" cy="988695"/>
+          </a:xfrm>
+          <a:prstGeom prst="rect">
+            <a:avLst/>
+          </a:prstGeom>
+          <a:noFill/>
+          <a:ln>
+            <a:noFill/>
+          </a:ln>
+        </p:spPr>
+        <p:txBody>
+          <a:bodyPr wrap="square" rtlCol="0">
+            <a:spAutoFit/>
+          </a:bodyPr>
+          <a:p>
+            <a:pPr fontAlgn="auto">
+              <a:lnSpc>
+                <a:spcPts val="3500"/>
+              </a:lnSpc>
+            </a:pPr>
+            <a:r>
+              <a:rPr lang="en-US" sz="2200">
+                <a:latin typeface="Aa小梨涡" panose="02010600010101010101" charset="-122"/>
+                <a:ea typeface="Aa小梨涡" panose="02010600010101010101" charset="-122"/>
+                <a:cs typeface="Aa小梨涡" panose="02010600010101010101" charset="-122"/>
+                <a:sym typeface="+mn-ea"/>
+              </a:rPr>
+              <a:t>        </a:t>
+            </a:r>
+            <a:r>
+              <a:rPr lang="zh-CN" altLang="en-US" sz="2200">
+                <a:latin typeface="Aa小梨涡" panose="02010600010101010101" charset="-122"/>
+                <a:ea typeface="Aa小梨涡" panose="02010600010101010101" charset="-122"/>
+                <a:cs typeface="Aa小梨涡" panose="02010600010101010101" charset="-122"/>
+                <a:sym typeface="+mn-ea"/>
+              </a:rPr>
+              <a:t>注意：作为</a:t>
+            </a:r>
+            <a:r>
+              <a:rPr lang="en-US" altLang="zh-CN" sz="2200">
+                <a:latin typeface="Aa小梨涡" panose="02010600010101010101" charset="-122"/>
+                <a:ea typeface="Aa小梨涡" panose="02010600010101010101" charset="-122"/>
+                <a:cs typeface="Aa小梨涡" panose="02010600010101010101" charset="-122"/>
+                <a:sym typeface="+mn-ea"/>
+              </a:rPr>
+              <a:t>zip()</a:t>
+            </a:r>
+            <a:r>
+              <a:rPr lang="zh-CN" altLang="en-US" sz="2200">
+                <a:latin typeface="Aa小梨涡" panose="02010600010101010101" charset="-122"/>
+                <a:ea typeface="Aa小梨涡" panose="02010600010101010101" charset="-122"/>
+                <a:cs typeface="Aa小梨涡" panose="02010600010101010101" charset="-122"/>
+                <a:sym typeface="+mn-ea"/>
+              </a:rPr>
+              <a:t>参数的那些列表中，只要有一个耗尽，</a:t>
+            </a:r>
+            <a:r>
+              <a:rPr lang="en-US" altLang="zh-CN" sz="2200">
+                <a:latin typeface="Aa小梨涡" panose="02010600010101010101" charset="-122"/>
+                <a:ea typeface="Aa小梨涡" panose="02010600010101010101" charset="-122"/>
+                <a:cs typeface="Aa小梨涡" panose="02010600010101010101" charset="-122"/>
+                <a:sym typeface="+mn-ea"/>
+              </a:rPr>
+              <a:t>zip</a:t>
+            </a:r>
+            <a:r>
+              <a:rPr lang="zh-CN" altLang="en-US" sz="2200">
+                <a:latin typeface="Aa小梨涡" panose="02010600010101010101" charset="-122"/>
+                <a:ea typeface="Aa小梨涡" panose="02010600010101010101" charset="-122"/>
+                <a:cs typeface="Aa小梨涡" panose="02010600010101010101" charset="-122"/>
+                <a:sym typeface="+mn-ea"/>
+              </a:rPr>
+              <a:t>就不再继续迭代了，函数退出</a:t>
+            </a:r>
+            <a:r>
+              <a:rPr lang="en-US" altLang="zh-CN" sz="2200">
+                <a:latin typeface="Aa小梨涡" panose="02010600010101010101" charset="-122"/>
+                <a:ea typeface="Aa小梨涡" panose="02010600010101010101" charset="-122"/>
+                <a:cs typeface="Aa小梨涡" panose="02010600010101010101" charset="-122"/>
+                <a:sym typeface="+mn-ea"/>
+              </a:rPr>
+              <a:t>for</a:t>
+            </a:r>
+            <a:r>
+              <a:rPr lang="zh-CN" altLang="en-US" sz="2200">
+                <a:latin typeface="Aa小梨涡" panose="02010600010101010101" charset="-122"/>
+                <a:ea typeface="Aa小梨涡" panose="02010600010101010101" charset="-122"/>
+                <a:cs typeface="Aa小梨涡" panose="02010600010101010101" charset="-122"/>
+                <a:sym typeface="+mn-ea"/>
+              </a:rPr>
+              <a:t>循环。</a:t>
+            </a:r>
+            <a:r>
+              <a:rPr lang="en-US" sz="2200">
+                <a:latin typeface="Aa小梨涡" panose="02010600010101010101" charset="-122"/>
+                <a:ea typeface="Aa小梨涡" panose="02010600010101010101" charset="-122"/>
+                <a:cs typeface="Aa小梨涡" panose="02010600010101010101" charset="-122"/>
+                <a:sym typeface="+mn-ea"/>
+              </a:rPr>
+              <a:t> </a:t>
+            </a:r>
+            <a:endParaRPr lang="en-US" sz="2200">
+              <a:latin typeface="Aa小梨涡" panose="02010600010101010101" charset="-122"/>
+              <a:ea typeface="Aa小梨涡" panose="02010600010101010101" charset="-122"/>
+              <a:cs typeface="Aa小梨涡" panose="02010600010101010101" charset="-122"/>
+              <a:sym typeface="+mn-ea"/>
+            </a:endParaRPr>
+          </a:p>
+        </p:txBody>
+      </p:sp>
     </p:spTree>
   </p:cSld>
   <p:clrMapOvr>
     <a:masterClrMapping/>
   </p:clrMapOvr>
+  <p:timing>
+    <p:tnLst>
+      <p:par>
+        <p:cTn id="1" dur="indefinite" restart="never" nodeType="tmRoot">
+          <p:childTnLst>
+            <p:seq concurrent="1" nextAc="seek">
+              <p:cTn id="2" dur="indefinite" nodeType="mainSeq">
+                <p:childTnLst>
+                  <p:par>
+                    <p:cTn id="3" fill="hold">
+                      <p:stCondLst>
+                        <p:cond delay="indefinite"/>
+                      </p:stCondLst>
+                      <p:childTnLst>
+                        <p:par>
+                          <p:cTn id="4" fill="hold">
+                            <p:stCondLst>
+                              <p:cond delay="0"/>
+                            </p:stCondLst>
+                            <p:childTnLst>
+                              <p:par>
+                                <p:cTn id="5" presetID="1" presetClass="entr" presetSubtype="0" fill="hold" grpId="0" nodeType="clickEffect">
+                                  <p:stCondLst>
+                                    <p:cond delay="0"/>
+                                  </p:stCondLst>
+                                  <p:childTnLst>
+                                    <p:set>
+                                      <p:cBhvr>
+                                        <p:cTn id="6" dur="1" fill="hold">
+                                          <p:stCondLst>
+                                            <p:cond delay="0"/>
+                                          </p:stCondLst>
+                                        </p:cTn>
+                                        <p:tgtEl>
+                                          <p:spTgt spid="3"/>
+                                        </p:tgtEl>
+                                        <p:attrNameLst>
+                                          <p:attrName>style.visibility</p:attrName>
+                                        </p:attrNameLst>
+                                      </p:cBhvr>
+                                      <p:to>
+                                        <p:strVal val="visible"/>
+                                      </p:to>
+                                    </p:set>
+                                  </p:childTnLst>
+                                </p:cTn>
+                              </p:par>
+                              <p:par>
+                                <p:cTn id="7" presetID="1" presetClass="entr" presetSubtype="0" fill="hold" grpId="0" nodeType="withEffect">
+                                  <p:stCondLst>
+                                    <p:cond delay="0"/>
+                                  </p:stCondLst>
+                                  <p:childTnLst>
+                                    <p:set>
+                                      <p:cBhvr>
+                                        <p:cTn id="8" dur="1" fill="hold">
+                                          <p:stCondLst>
+                                            <p:cond delay="0"/>
+                                          </p:stCondLst>
+                                        </p:cTn>
+                                        <p:tgtEl>
+                                          <p:spTgt spid="11"/>
+                                        </p:tgtEl>
+                                        <p:attrNameLst>
+                                          <p:attrName>style.visibility</p:attrName>
+                                        </p:attrNameLst>
+                                      </p:cBhvr>
+                                      <p:to>
+                                        <p:strVal val="visible"/>
+                                      </p:to>
+                                    </p:set>
+                                  </p:childTnLst>
+                                </p:cTn>
+                              </p:par>
+                            </p:childTnLst>
+                          </p:cTn>
+                        </p:par>
+                      </p:childTnLst>
+                    </p:cTn>
+                  </p:par>
+                  <p:par>
+                    <p:cTn id="9" fill="hold">
+                      <p:stCondLst>
+                        <p:cond delay="indefinite"/>
+                      </p:stCondLst>
+                      <p:childTnLst>
+                        <p:par>
+                          <p:cTn id="10" fill="hold">
+                            <p:stCondLst>
+                              <p:cond delay="0"/>
+                            </p:stCondLst>
+                            <p:childTnLst>
+                              <p:par>
+                                <p:cTn id="11" presetID="1" presetClass="entr" presetSubtype="0" fill="hold" grpId="0" nodeType="clickEffect">
+                                  <p:stCondLst>
+                                    <p:cond delay="0"/>
+                                  </p:stCondLst>
+                                  <p:childTnLst>
+                                    <p:set>
+                                      <p:cBhvr>
+                                        <p:cTn id="12" dur="1" fill="hold">
+                                          <p:stCondLst>
+                                            <p:cond delay="0"/>
+                                          </p:stCondLst>
+                                        </p:cTn>
+                                        <p:tgtEl>
+                                          <p:spTgt spid="4"/>
+                                        </p:tgtEl>
+                                        <p:attrNameLst>
+                                          <p:attrName>style.visibility</p:attrName>
+                                        </p:attrNameLst>
+                                      </p:cBhvr>
+                                      <p:to>
+                                        <p:strVal val="visible"/>
+                                      </p:to>
+                                    </p:set>
+                                  </p:childTnLst>
+                                </p:cTn>
+                              </p:par>
+                              <p:par>
+                                <p:cTn id="13" presetID="1" presetClass="entr" presetSubtype="0" fill="hold" grpId="0" nodeType="withEffect">
+                                  <p:stCondLst>
+                                    <p:cond delay="0"/>
+                                  </p:stCondLst>
+                                  <p:childTnLst>
+                                    <p:set>
+                                      <p:cBhvr>
+                                        <p:cTn id="14" dur="1" fill="hold">
+                                          <p:stCondLst>
+                                            <p:cond delay="0"/>
+                                          </p:stCondLst>
+                                        </p:cTn>
+                                        <p:tgtEl>
+                                          <p:spTgt spid="5"/>
+                                        </p:tgtEl>
+                                        <p:attrNameLst>
+                                          <p:attrName>style.visibility</p:attrName>
+                                        </p:attrNameLst>
+                                      </p:cBhvr>
+                                      <p:to>
+                                        <p:strVal val="visible"/>
+                                      </p:to>
+                                    </p:set>
+                                  </p:childTnLst>
+                                </p:cTn>
+                              </p:par>
+                            </p:childTnLst>
+                          </p:cTn>
+                        </p:par>
+                      </p:childTnLst>
+                    </p:cTn>
+                  </p:par>
+                  <p:par>
+                    <p:cTn id="15" fill="hold">
+                      <p:stCondLst>
+                        <p:cond delay="indefinite"/>
+                      </p:stCondLst>
+                      <p:childTnLst>
+                        <p:par>
+                          <p:cTn id="16" fill="hold">
+                            <p:stCondLst>
+                              <p:cond delay="0"/>
+                            </p:stCondLst>
+                            <p:childTnLst>
+                              <p:par>
+                                <p:cTn id="17" presetID="1" presetClass="entr" presetSubtype="0" fill="hold" grpId="0" nodeType="clickEffect">
+                                  <p:stCondLst>
+                                    <p:cond delay="0"/>
+                                  </p:stCondLst>
+                                  <p:childTnLst>
+                                    <p:set>
+                                      <p:cBhvr>
+                                        <p:cTn id="18" dur="1" fill="hold">
+                                          <p:stCondLst>
+                                            <p:cond delay="0"/>
+                                          </p:stCondLst>
+                                        </p:cTn>
+                                        <p:tgtEl>
+                                          <p:spTgt spid="6"/>
+                                        </p:tgtEl>
+                                        <p:attrNameLst>
+                                          <p:attrName>style.visibility</p:attrName>
+                                        </p:attrNameLst>
+                                      </p:cBhvr>
+                                      <p:to>
+                                        <p:strVal val="visible"/>
+                                      </p:to>
+                                    </p:set>
+                                  </p:childTnLst>
+                                </p:cTn>
+                              </p:par>
+                              <p:par>
+                                <p:cTn id="19" presetID="1" presetClass="entr" presetSubtype="0" fill="hold" grpId="0" nodeType="withEffect">
+                                  <p:stCondLst>
+                                    <p:cond delay="0"/>
+                                  </p:stCondLst>
+                                  <p:childTnLst>
+                                    <p:set>
+                                      <p:cBhvr>
+                                        <p:cTn id="20" dur="1" fill="hold">
+                                          <p:stCondLst>
+                                            <p:cond delay="0"/>
+                                          </p:stCondLst>
+                                        </p:cTn>
+                                        <p:tgtEl>
+                                          <p:spTgt spid="7"/>
+                                        </p:tgtEl>
+                                        <p:attrNameLst>
+                                          <p:attrName>style.visibility</p:attrName>
+                                        </p:attrNameLst>
+                                      </p:cBhvr>
+                                      <p:to>
+                                        <p:strVal val="visible"/>
+                                      </p:to>
+                                    </p:set>
+                                  </p:childTnLst>
+                                </p:cTn>
+                              </p:par>
+                            </p:childTnLst>
+                          </p:cTn>
+                        </p:par>
+                      </p:childTnLst>
+                    </p:cTn>
+                  </p:par>
+                  <p:par>
+                    <p:cTn id="21" fill="hold">
+                      <p:stCondLst>
+                        <p:cond delay="indefinite"/>
+                      </p:stCondLst>
+                      <p:childTnLst>
+                        <p:par>
+                          <p:cTn id="22" fill="hold">
+                            <p:stCondLst>
+                              <p:cond delay="0"/>
+                            </p:stCondLst>
+                            <p:childTnLst>
+                              <p:par>
+                                <p:cTn id="23" presetID="1" presetClass="entr" presetSubtype="0" fill="hold" grpId="0" nodeType="clickEffect">
+                                  <p:stCondLst>
+                                    <p:cond delay="0"/>
+                                  </p:stCondLst>
+                                  <p:childTnLst>
+                                    <p:set>
+                                      <p:cBhvr>
+                                        <p:cTn id="24" dur="1" fill="hold">
+                                          <p:stCondLst>
+                                            <p:cond delay="0"/>
+                                          </p:stCondLst>
+                                        </p:cTn>
+                                        <p:tgtEl>
+                                          <p:spTgt spid="8"/>
+                                        </p:tgtEl>
+                                        <p:attrNameLst>
+                                          <p:attrName>style.visibility</p:attrName>
+                                        </p:attrNameLst>
+                                      </p:cBhvr>
+                                      <p:to>
+                                        <p:strVal val="visible"/>
+                                      </p:to>
+                                    </p:set>
+                                  </p:childTnLst>
+                                </p:cTn>
+                              </p:par>
+                            </p:childTnLst>
+                          </p:cTn>
+                        </p:par>
+                      </p:childTnLst>
+                    </p:cTn>
+                  </p:par>
+                </p:childTnLst>
+              </p:cTn>
+              <p:prevCondLst>
+                <p:cond evt="onPrev" delay="0">
+                  <p:tgtEl>
+                    <p:sldTgt/>
+                  </p:tgtEl>
+                </p:cond>
+              </p:prevCondLst>
+              <p:nextCondLst>
+                <p:cond evt="onNext" delay="0">
+                  <p:tgtEl>
+                    <p:sldTgt/>
+                  </p:tgtEl>
+                </p:cond>
+              </p:nextCondLst>
+            </p:seq>
+          </p:childTnLst>
+        </p:cTn>
+      </p:par>
+    </p:tnLst>
+    <p:bldLst>
+      <p:bldP spid="3" grpId="0"/>
+      <p:bldP spid="3" grpId="1"/>
+      <p:bldP spid="11" grpId="0"/>
+      <p:bldP spid="11" grpId="1"/>
+      <p:bldP spid="4" grpId="0"/>
+      <p:bldP spid="4" grpId="1"/>
+      <p:bldP spid="5" grpId="0"/>
+      <p:bldP spid="5" grpId="1"/>
+      <p:bldP spid="6" grpId="0"/>
+      <p:bldP spid="6" grpId="1"/>
+      <p:bldP spid="7" grpId="0"/>
+      <p:bldP spid="7" grpId="1"/>
+      <p:bldP spid="8" grpId="0"/>
+      <p:bldP spid="8" grpId="1"/>
+    </p:bldLst>
+  </p:timing>
 </p:sld>
 </file>
 
@@ -3532,19 +4442,22 @@
               <a:rPr lang="en-US" altLang="zh-CN">
                 <a:latin typeface="Aa小梨涡" panose="02010600010101010101" charset="-122"/>
                 <a:ea typeface="Aa小梨涡" panose="02010600010101010101" charset="-122"/>
-              </a:rPr>
-              <a:t>1.</a:t>
+                <a:sym typeface="+mn-ea"/>
+              </a:rPr>
+              <a:t>2.6 </a:t>
             </a:r>
             <a:r>
               <a:rPr lang="zh-CN" altLang="en-US">
                 <a:latin typeface="Aa小梨涡" panose="02010600010101010101" charset="-122"/>
                 <a:ea typeface="Aa小梨涡" panose="02010600010101010101" charset="-122"/>
-              </a:rPr>
-              <a:t>开篇词</a:t>
+                <a:sym typeface="+mn-ea"/>
+              </a:rPr>
+              <a:t>排序</a:t>
             </a:r>
             <a:endParaRPr lang="zh-CN" altLang="en-US">
               <a:latin typeface="Aa小梨涡" panose="02010600010101010101" charset="-122"/>
               <a:ea typeface="Aa小梨涡" panose="02010600010101010101" charset="-122"/>
+              <a:sym typeface="+mn-ea"/>
             </a:endParaRPr>
           </a:p>
         </p:txBody>
@@ -3642,11 +4555,1051 @@
           </a:p>
         </p:txBody>
       </p:sp>
+      <p:sp>
+        <p:nvSpPr>
+          <p:cNvPr id="6" name="文本框 5"/>
+          <p:cNvSpPr txBox="1"/>
+          <p:nvPr/>
+        </p:nvSpPr>
+        <p:spPr>
+          <a:xfrm>
+            <a:off x="565150" y="1214120"/>
+            <a:ext cx="11281410" cy="988695"/>
+          </a:xfrm>
+          <a:prstGeom prst="rect">
+            <a:avLst/>
+          </a:prstGeom>
+          <a:noFill/>
+          <a:ln>
+            <a:noFill/>
+          </a:ln>
+        </p:spPr>
+        <p:txBody>
+          <a:bodyPr wrap="square" rtlCol="0">
+            <a:spAutoFit/>
+          </a:bodyPr>
+          <a:p>
+            <a:pPr fontAlgn="auto">
+              <a:lnSpc>
+                <a:spcPts val="3500"/>
+              </a:lnSpc>
+            </a:pPr>
+            <a:r>
+              <a:rPr lang="en-US" sz="2200">
+                <a:latin typeface="Aa小梨涡" panose="02010600010101010101" charset="-122"/>
+                <a:ea typeface="Aa小梨涡" panose="02010600010101010101" charset="-122"/>
+                <a:cs typeface="Aa小梨涡" panose="02010600010101010101" charset="-122"/>
+                <a:sym typeface="+mn-ea"/>
+              </a:rPr>
+              <a:t>1. </a:t>
+            </a:r>
+            <a:r>
+              <a:rPr lang="zh-CN" altLang="en-US" sz="2200">
+                <a:latin typeface="Aa小梨涡" panose="02010600010101010101" charset="-122"/>
+                <a:ea typeface="Aa小梨涡" panose="02010600010101010101" charset="-122"/>
+                <a:cs typeface="Aa小梨涡" panose="02010600010101010101" charset="-122"/>
+                <a:sym typeface="+mn-ea"/>
+              </a:rPr>
+              <a:t>基本用法</a:t>
+            </a:r>
+            <a:endParaRPr lang="en-US" sz="2200">
+              <a:latin typeface="Aa小梨涡" panose="02010600010101010101" charset="-122"/>
+              <a:ea typeface="Aa小梨涡" panose="02010600010101010101" charset="-122"/>
+              <a:cs typeface="Aa小梨涡" panose="02010600010101010101" charset="-122"/>
+              <a:sym typeface="+mn-ea"/>
+            </a:endParaRPr>
+          </a:p>
+          <a:p>
+            <a:pPr fontAlgn="auto">
+              <a:lnSpc>
+                <a:spcPts val="3500"/>
+              </a:lnSpc>
+            </a:pPr>
+            <a:r>
+              <a:rPr lang="en-US" sz="2200">
+                <a:latin typeface="Aa小梨涡" panose="02010600010101010101" charset="-122"/>
+                <a:ea typeface="Aa小梨涡" panose="02010600010101010101" charset="-122"/>
+                <a:cs typeface="Aa小梨涡" panose="02010600010101010101" charset="-122"/>
+                <a:sym typeface="+mn-ea"/>
+              </a:rPr>
+              <a:t>        </a:t>
+            </a:r>
+            <a:r>
+              <a:rPr lang="zh-CN" altLang="en-US" sz="2200">
+                <a:latin typeface="Aa小梨涡" panose="02010600010101010101" charset="-122"/>
+                <a:ea typeface="Aa小梨涡" panose="02010600010101010101" charset="-122"/>
+                <a:cs typeface="Aa小梨涡" panose="02010600010101010101" charset="-122"/>
+                <a:sym typeface="+mn-ea"/>
+              </a:rPr>
+              <a:t>可以使用</a:t>
+            </a:r>
+            <a:r>
+              <a:rPr lang="en-US" altLang="zh-CN" sz="2200">
+                <a:latin typeface="Aa小梨涡" panose="02010600010101010101" charset="-122"/>
+                <a:ea typeface="Aa小梨涡" panose="02010600010101010101" charset="-122"/>
+                <a:cs typeface="Aa小梨涡" panose="02010600010101010101" charset="-122"/>
+                <a:sym typeface="+mn-ea"/>
+              </a:rPr>
+              <a:t>l</a:t>
+            </a:r>
+            <a:r>
+              <a:rPr lang="en-US" altLang="zh-CN" sz="2200">
+                <a:latin typeface="Aa小梨涡" panose="02010600010101010101" charset="-122"/>
+                <a:ea typeface="Aa小梨涡" panose="02010600010101010101" charset="-122"/>
+                <a:cs typeface="Aa小梨涡" panose="02010600010101010101" charset="-122"/>
+                <a:sym typeface="+mn-ea"/>
+              </a:rPr>
+              <a:t>ist</a:t>
+            </a:r>
+            <a:r>
+              <a:rPr lang="zh-CN" altLang="en-US" sz="2200">
+                <a:latin typeface="Aa小梨涡" panose="02010600010101010101" charset="-122"/>
+                <a:ea typeface="Aa小梨涡" panose="02010600010101010101" charset="-122"/>
+                <a:cs typeface="Aa小梨涡" panose="02010600010101010101" charset="-122"/>
+                <a:sym typeface="+mn-ea"/>
+              </a:rPr>
+              <a:t>类的</a:t>
+            </a:r>
+            <a:r>
+              <a:rPr lang="en-US" altLang="zh-CN" sz="2200">
+                <a:latin typeface="Aa小梨涡" panose="02010600010101010101" charset="-122"/>
+                <a:ea typeface="Aa小梨涡" panose="02010600010101010101" charset="-122"/>
+                <a:cs typeface="Aa小梨涡" panose="02010600010101010101" charset="-122"/>
+                <a:sym typeface="+mn-ea"/>
+              </a:rPr>
+              <a:t>sort()</a:t>
+            </a:r>
+            <a:r>
+              <a:rPr lang="zh-CN" altLang="en-US" sz="2200">
+                <a:latin typeface="Aa小梨涡" panose="02010600010101010101" charset="-122"/>
+                <a:ea typeface="Aa小梨涡" panose="02010600010101010101" charset="-122"/>
+                <a:cs typeface="Aa小梨涡" panose="02010600010101010101" charset="-122"/>
+                <a:sym typeface="+mn-ea"/>
+              </a:rPr>
+              <a:t>方法进行排序</a:t>
+            </a:r>
+            <a:r>
+              <a:rPr lang="zh-CN" altLang="en-US" sz="2200">
+                <a:latin typeface="Aa小梨涡" panose="02010600010101010101" charset="-122"/>
+                <a:ea typeface="Aa小梨涡" panose="02010600010101010101" charset="-122"/>
+                <a:cs typeface="Aa小梨涡" panose="02010600010101010101" charset="-122"/>
+                <a:sym typeface="+mn-ea"/>
+              </a:rPr>
+              <a:t>。</a:t>
+            </a:r>
+            <a:r>
+              <a:rPr lang="en-US" sz="2200">
+                <a:latin typeface="Aa小梨涡" panose="02010600010101010101" charset="-122"/>
+                <a:ea typeface="Aa小梨涡" panose="02010600010101010101" charset="-122"/>
+                <a:cs typeface="Aa小梨涡" panose="02010600010101010101" charset="-122"/>
+                <a:sym typeface="+mn-ea"/>
+              </a:rPr>
+              <a:t> </a:t>
+            </a:r>
+            <a:endParaRPr lang="en-US" sz="2200">
+              <a:latin typeface="Aa小梨涡" panose="02010600010101010101" charset="-122"/>
+              <a:ea typeface="Aa小梨涡" panose="02010600010101010101" charset="-122"/>
+              <a:cs typeface="Aa小梨涡" panose="02010600010101010101" charset="-122"/>
+              <a:sym typeface="+mn-ea"/>
+            </a:endParaRPr>
+          </a:p>
+        </p:txBody>
+      </p:sp>
+      <p:sp>
+        <p:nvSpPr>
+          <p:cNvPr id="3" name="文本框 2"/>
+          <p:cNvSpPr txBox="1"/>
+          <p:nvPr/>
+        </p:nvSpPr>
+        <p:spPr>
+          <a:xfrm>
+            <a:off x="565150" y="2336165"/>
+            <a:ext cx="11281410" cy="1437640"/>
+          </a:xfrm>
+          <a:prstGeom prst="rect">
+            <a:avLst/>
+          </a:prstGeom>
+          <a:noFill/>
+          <a:ln>
+            <a:noFill/>
+          </a:ln>
+        </p:spPr>
+        <p:txBody>
+          <a:bodyPr wrap="square" rtlCol="0">
+            <a:spAutoFit/>
+          </a:bodyPr>
+          <a:p>
+            <a:pPr fontAlgn="auto">
+              <a:lnSpc>
+                <a:spcPts val="3500"/>
+              </a:lnSpc>
+            </a:pPr>
+            <a:r>
+              <a:rPr lang="en-US" sz="2200">
+                <a:latin typeface="Aa小梨涡" panose="02010600010101010101" charset="-122"/>
+                <a:ea typeface="Aa小梨涡" panose="02010600010101010101" charset="-122"/>
+                <a:cs typeface="Aa小梨涡" panose="02010600010101010101" charset="-122"/>
+                <a:sym typeface="+mn-ea"/>
+              </a:rPr>
+              <a:t>2. </a:t>
+            </a:r>
+            <a:r>
+              <a:rPr lang="zh-CN" altLang="en-US" sz="2200">
+                <a:latin typeface="Aa小梨涡" panose="02010600010101010101" charset="-122"/>
+                <a:ea typeface="Aa小梨涡" panose="02010600010101010101" charset="-122"/>
+                <a:cs typeface="Aa小梨涡" panose="02010600010101010101" charset="-122"/>
+                <a:sym typeface="+mn-ea"/>
+              </a:rPr>
+              <a:t>自定义</a:t>
+            </a:r>
+            <a:r>
+              <a:rPr lang="en-US" altLang="zh-CN" sz="2200">
+                <a:latin typeface="Aa小梨涡" panose="02010600010101010101" charset="-122"/>
+                <a:ea typeface="Aa小梨涡" panose="02010600010101010101" charset="-122"/>
+                <a:cs typeface="Aa小梨涡" panose="02010600010101010101" charset="-122"/>
+                <a:sym typeface="+mn-ea"/>
+              </a:rPr>
+              <a:t>sorting key</a:t>
+            </a:r>
+            <a:endParaRPr lang="zh-CN" altLang="en-US" sz="2200">
+              <a:latin typeface="Aa小梨涡" panose="02010600010101010101" charset="-122"/>
+              <a:ea typeface="Aa小梨涡" panose="02010600010101010101" charset="-122"/>
+              <a:cs typeface="Aa小梨涡" panose="02010600010101010101" charset="-122"/>
+              <a:sym typeface="+mn-ea"/>
+            </a:endParaRPr>
+          </a:p>
+          <a:p>
+            <a:pPr fontAlgn="auto">
+              <a:lnSpc>
+                <a:spcPts val="3500"/>
+              </a:lnSpc>
+            </a:pPr>
+            <a:r>
+              <a:rPr lang="zh-CN" altLang="en-US" sz="2200">
+                <a:latin typeface="Aa小梨涡" panose="02010600010101010101" charset="-122"/>
+                <a:ea typeface="Aa小梨涡" panose="02010600010101010101" charset="-122"/>
+                <a:cs typeface="Aa小梨涡" panose="02010600010101010101" charset="-122"/>
+                <a:sym typeface="+mn-ea"/>
+              </a:rPr>
+              <a:t>       从本质上看，</a:t>
+            </a:r>
+            <a:r>
+              <a:rPr lang="en-US" altLang="zh-CN" sz="2200">
+                <a:latin typeface="Aa小梨涡" panose="02010600010101010101" charset="-122"/>
+                <a:ea typeface="Aa小梨涡" panose="02010600010101010101" charset="-122"/>
+                <a:cs typeface="Aa小梨涡" panose="02010600010101010101" charset="-122"/>
+                <a:sym typeface="+mn-ea"/>
+              </a:rPr>
+              <a:t>Python</a:t>
+            </a:r>
+            <a:r>
+              <a:rPr lang="zh-CN" altLang="en-US" sz="2200">
+                <a:latin typeface="Aa小梨涡" panose="02010600010101010101" charset="-122"/>
+                <a:ea typeface="Aa小梨涡" panose="02010600010101010101" charset="-122"/>
+                <a:cs typeface="Aa小梨涡" panose="02010600010101010101" charset="-122"/>
+                <a:sym typeface="+mn-ea"/>
+              </a:rPr>
+              <a:t>根据其对应的</a:t>
+            </a:r>
+            <a:r>
+              <a:rPr lang="en-US" altLang="zh-CN" sz="2200">
+                <a:latin typeface="Aa小梨涡" panose="02010600010101010101" charset="-122"/>
+                <a:ea typeface="Aa小梨涡" panose="02010600010101010101" charset="-122"/>
+                <a:cs typeface="Aa小梨涡" panose="02010600010101010101" charset="-122"/>
+                <a:sym typeface="+mn-ea"/>
+              </a:rPr>
+              <a:t>sorting key</a:t>
+            </a:r>
+            <a:r>
+              <a:rPr lang="zh-CN" altLang="en-US" sz="2200">
+                <a:latin typeface="Aa小梨涡" panose="02010600010101010101" charset="-122"/>
+                <a:ea typeface="Aa小梨涡" panose="02010600010101010101" charset="-122"/>
+                <a:cs typeface="Aa小梨涡" panose="02010600010101010101" charset="-122"/>
+                <a:sym typeface="+mn-ea"/>
+              </a:rPr>
+              <a:t>的大小来对列表元素进行排序的。</a:t>
+            </a:r>
+            <a:endParaRPr lang="en-US" altLang="zh-CN" sz="2200">
+              <a:latin typeface="Aa小梨涡" panose="02010600010101010101" charset="-122"/>
+              <a:ea typeface="Aa小梨涡" panose="02010600010101010101" charset="-122"/>
+              <a:cs typeface="Aa小梨涡" panose="02010600010101010101" charset="-122"/>
+              <a:sym typeface="+mn-ea"/>
+            </a:endParaRPr>
+          </a:p>
+          <a:p>
+            <a:pPr algn="ctr" fontAlgn="auto">
+              <a:lnSpc>
+                <a:spcPts val="3500"/>
+              </a:lnSpc>
+            </a:pPr>
+            <a:r>
+              <a:rPr lang="en-US" sz="2200">
+                <a:latin typeface="Aa小梨涡" panose="02010600010101010101" charset="-122"/>
+                <a:ea typeface="Aa小梨涡" panose="02010600010101010101" charset="-122"/>
+                <a:cs typeface="Aa小梨涡" panose="02010600010101010101" charset="-122"/>
+                <a:sym typeface="+mn-ea"/>
+              </a:rPr>
+              <a:t>list.sort(*, key=None, reverse=False)         </a:t>
+            </a:r>
+            <a:endParaRPr lang="en-US" sz="2200">
+              <a:latin typeface="Aa小梨涡" panose="02010600010101010101" charset="-122"/>
+              <a:ea typeface="Aa小梨涡" panose="02010600010101010101" charset="-122"/>
+              <a:cs typeface="Aa小梨涡" panose="02010600010101010101" charset="-122"/>
+              <a:sym typeface="+mn-ea"/>
+            </a:endParaRPr>
+          </a:p>
+        </p:txBody>
+      </p:sp>
+      <p:sp>
+        <p:nvSpPr>
+          <p:cNvPr id="7" name="任意多边形 6"/>
+          <p:cNvSpPr/>
+          <p:nvPr/>
+        </p:nvSpPr>
+        <p:spPr>
+          <a:xfrm>
+            <a:off x="5213350" y="3333115"/>
+            <a:ext cx="1273810" cy="412115"/>
+          </a:xfrm>
+          <a:custGeom>
+            <a:avLst/>
+            <a:gdLst>
+              <a:gd name="connsiteX0" fmla="*/ 1359 w 2717"/>
+              <a:gd name="connsiteY0" fmla="*/ 0 h 649"/>
+              <a:gd name="connsiteX1" fmla="*/ 2717 w 2717"/>
+              <a:gd name="connsiteY1" fmla="*/ 325 h 649"/>
+              <a:gd name="connsiteX2" fmla="*/ 1359 w 2717"/>
+              <a:gd name="connsiteY2" fmla="*/ 649 h 649"/>
+              <a:gd name="connsiteX3" fmla="*/ 0 w 2717"/>
+              <a:gd name="connsiteY3" fmla="*/ 325 h 649"/>
+              <a:gd name="connsiteX4" fmla="*/ 1524 w 2717"/>
+              <a:gd name="connsiteY4" fmla="*/ 165 h 649"/>
+            </a:gdLst>
+            <a:ahLst/>
+            <a:cxnLst>
+              <a:cxn ang="0">
+                <a:pos x="connsiteX0" y="connsiteY0"/>
+              </a:cxn>
+              <a:cxn ang="0">
+                <a:pos x="connsiteX1" y="connsiteY1"/>
+              </a:cxn>
+              <a:cxn ang="0">
+                <a:pos x="connsiteX2" y="connsiteY2"/>
+              </a:cxn>
+              <a:cxn ang="0">
+                <a:pos x="connsiteX3" y="connsiteY3"/>
+              </a:cxn>
+              <a:cxn ang="0">
+                <a:pos x="connsiteX4" y="connsiteY4"/>
+              </a:cxn>
+            </a:cxnLst>
+            <a:rect l="l" t="t" r="r" b="b"/>
+            <a:pathLst>
+              <a:path w="2717" h="649">
+                <a:moveTo>
+                  <a:pt x="1359" y="0"/>
+                </a:moveTo>
+                <a:cubicBezTo>
+                  <a:pt x="2109" y="0"/>
+                  <a:pt x="2717" y="145"/>
+                  <a:pt x="2717" y="325"/>
+                </a:cubicBezTo>
+                <a:cubicBezTo>
+                  <a:pt x="2717" y="504"/>
+                  <a:pt x="2109" y="649"/>
+                  <a:pt x="1359" y="649"/>
+                </a:cubicBezTo>
+                <a:cubicBezTo>
+                  <a:pt x="608" y="649"/>
+                  <a:pt x="0" y="504"/>
+                  <a:pt x="0" y="325"/>
+                </a:cubicBezTo>
+                <a:cubicBezTo>
+                  <a:pt x="0" y="145"/>
+                  <a:pt x="608" y="0"/>
+                  <a:pt x="1524" y="165"/>
+                </a:cubicBezTo>
+              </a:path>
+            </a:pathLst>
+          </a:custGeom>
+          <a:noFill/>
+          <a:ln>
+            <a:solidFill>
+              <a:srgbClr val="FF0000"/>
+            </a:solidFill>
+            <a:prstDash val="solid"/>
+          </a:ln>
+          <a:effectLst/>
+        </p:spPr>
+        <p:txBody>
+          <a:bodyPr/>
+          <a:p>
+            <a:pPr eaLnBrk="1" hangingPunct="1">
+              <a:spcBef>
+                <a:spcPct val="0"/>
+              </a:spcBef>
+              <a:buFontTx/>
+              <a:buNone/>
+            </a:pPr>
+            <a:endParaRPr lang="zh-CN" altLang="en-US" sz="1800">
+              <a:solidFill>
+                <a:schemeClr val="tx1"/>
+              </a:solidFill>
+              <a:ea typeface="宋体" panose="02010600030101010101" pitchFamily="2" charset="-122"/>
+            </a:endParaRPr>
+          </a:p>
+        </p:txBody>
+      </p:sp>
+      <p:sp>
+        <p:nvSpPr>
+          <p:cNvPr id="9" name="文本框 8"/>
+          <p:cNvSpPr txBox="1"/>
+          <p:nvPr/>
+        </p:nvSpPr>
+        <p:spPr>
+          <a:xfrm>
+            <a:off x="565150" y="3867785"/>
+            <a:ext cx="11281410" cy="1437640"/>
+          </a:xfrm>
+          <a:prstGeom prst="rect">
+            <a:avLst/>
+          </a:prstGeom>
+          <a:noFill/>
+          <a:ln>
+            <a:noFill/>
+          </a:ln>
+        </p:spPr>
+        <p:txBody>
+          <a:bodyPr wrap="square" rtlCol="0">
+            <a:spAutoFit/>
+          </a:bodyPr>
+          <a:p>
+            <a:pPr fontAlgn="auto">
+              <a:lnSpc>
+                <a:spcPts val="3500"/>
+              </a:lnSpc>
+            </a:pPr>
+            <a:r>
+              <a:rPr lang="en-US" sz="2200">
+                <a:latin typeface="Aa小梨涡" panose="02010600010101010101" charset="-122"/>
+                <a:ea typeface="Aa小梨涡" panose="02010600010101010101" charset="-122"/>
+                <a:cs typeface="Aa小梨涡" panose="02010600010101010101" charset="-122"/>
+                <a:sym typeface="+mn-ea"/>
+              </a:rPr>
+              <a:t>       </a:t>
+            </a:r>
+            <a:r>
+              <a:rPr sz="2200">
+                <a:latin typeface="Aa小梨涡" panose="02010600010101010101" charset="-122"/>
+                <a:ea typeface="Aa小梨涡" panose="02010600010101010101" charset="-122"/>
+                <a:cs typeface="Aa小梨涡" panose="02010600010101010101" charset="-122"/>
+                <a:sym typeface="+mn-ea"/>
+              </a:rPr>
+              <a:t>key 指定一个函数，用于从每个列表元素中提取比较键</a:t>
+            </a:r>
+            <a:r>
+              <a:rPr lang="zh-CN" sz="2200">
+                <a:latin typeface="Aa小梨涡" panose="02010600010101010101" charset="-122"/>
+                <a:ea typeface="Aa小梨涡" panose="02010600010101010101" charset="-122"/>
+                <a:cs typeface="Aa小梨涡" panose="02010600010101010101" charset="-122"/>
+                <a:sym typeface="+mn-ea"/>
+              </a:rPr>
+              <a:t>。</a:t>
+            </a:r>
+            <a:r>
+              <a:rPr lang="zh-CN" altLang="en-US" sz="2200">
+                <a:latin typeface="Aa小梨涡" panose="02010600010101010101" charset="-122"/>
+                <a:ea typeface="Aa小梨涡" panose="02010600010101010101" charset="-122"/>
+                <a:cs typeface="Aa小梨涡" panose="02010600010101010101" charset="-122"/>
+                <a:sym typeface="+mn-ea"/>
+              </a:rPr>
+              <a:t>这个函数的特点是：</a:t>
+            </a:r>
+            <a:endParaRPr lang="zh-CN" altLang="en-US" sz="2200">
+              <a:latin typeface="Aa小梨涡" panose="02010600010101010101" charset="-122"/>
+              <a:ea typeface="Aa小梨涡" panose="02010600010101010101" charset="-122"/>
+              <a:cs typeface="Aa小梨涡" panose="02010600010101010101" charset="-122"/>
+              <a:sym typeface="+mn-ea"/>
+            </a:endParaRPr>
+          </a:p>
+          <a:p>
+            <a:pPr fontAlgn="auto">
+              <a:lnSpc>
+                <a:spcPts val="3500"/>
+              </a:lnSpc>
+            </a:pPr>
+            <a:r>
+              <a:rPr lang="zh-CN" altLang="en-US" sz="2200">
+                <a:latin typeface="Calibri" panose="020F0502020204030204" charset="0"/>
+                <a:ea typeface="Aa小梨涡" panose="02010600010101010101" charset="-122"/>
+                <a:cs typeface="Aa小梨涡" panose="02010600010101010101" charset="-122"/>
+                <a:sym typeface="+mn-ea"/>
+              </a:rPr>
+              <a:t>       ①只有一个参数，调用时，</a:t>
+            </a:r>
+            <a:r>
+              <a:rPr lang="en-US" altLang="zh-CN" sz="2200">
+                <a:latin typeface="Calibri" panose="020F0502020204030204" charset="0"/>
+                <a:ea typeface="Aa小梨涡" panose="02010600010101010101" charset="-122"/>
+                <a:cs typeface="Aa小梨涡" panose="02010600010101010101" charset="-122"/>
+                <a:sym typeface="+mn-ea"/>
+              </a:rPr>
+              <a:t>Python</a:t>
+            </a:r>
+            <a:r>
+              <a:rPr lang="zh-CN" altLang="en-US" sz="2200">
+                <a:latin typeface="Calibri" panose="020F0502020204030204" charset="0"/>
+                <a:ea typeface="Aa小梨涡" panose="02010600010101010101" charset="-122"/>
+                <a:cs typeface="Aa小梨涡" panose="02010600010101010101" charset="-122"/>
+                <a:sym typeface="+mn-ea"/>
+              </a:rPr>
+              <a:t>自动用单个列表元素给这个参数赋值；</a:t>
+            </a:r>
+            <a:endParaRPr lang="zh-CN" altLang="en-US" sz="2200">
+              <a:latin typeface="Calibri" panose="020F0502020204030204" charset="0"/>
+              <a:ea typeface="Aa小梨涡" panose="02010600010101010101" charset="-122"/>
+              <a:cs typeface="Aa小梨涡" panose="02010600010101010101" charset="-122"/>
+              <a:sym typeface="+mn-ea"/>
+            </a:endParaRPr>
+          </a:p>
+          <a:p>
+            <a:pPr fontAlgn="auto">
+              <a:lnSpc>
+                <a:spcPts val="3500"/>
+              </a:lnSpc>
+            </a:pPr>
+            <a:r>
+              <a:rPr lang="zh-CN" altLang="en-US" sz="2200">
+                <a:latin typeface="Calibri" panose="020F0502020204030204" charset="0"/>
+                <a:ea typeface="Aa小梨涡" panose="02010600010101010101" charset="-122"/>
+                <a:cs typeface="Aa小梨涡" panose="02010600010101010101" charset="-122"/>
+                <a:sym typeface="+mn-ea"/>
+              </a:rPr>
+              <a:t>       ②返回一个</a:t>
+            </a:r>
+            <a:r>
+              <a:rPr lang="en-US" altLang="zh-CN" sz="2200">
+                <a:latin typeface="Calibri" panose="020F0502020204030204" charset="0"/>
+                <a:ea typeface="Aa小梨涡" panose="02010600010101010101" charset="-122"/>
+                <a:cs typeface="Aa小梨涡" panose="02010600010101010101" charset="-122"/>
+                <a:sym typeface="+mn-ea"/>
+              </a:rPr>
+              <a:t>“</a:t>
+            </a:r>
+            <a:r>
+              <a:rPr lang="zh-CN" altLang="en-US" sz="2200">
+                <a:latin typeface="Calibri" panose="020F0502020204030204" charset="0"/>
+                <a:ea typeface="Aa小梨涡" panose="02010600010101010101" charset="-122"/>
+                <a:cs typeface="Aa小梨涡" panose="02010600010101010101" charset="-122"/>
+                <a:sym typeface="+mn-ea"/>
+              </a:rPr>
+              <a:t>可比较的对象</a:t>
+            </a:r>
+            <a:r>
+              <a:rPr lang="en-US" altLang="zh-CN" sz="2200">
+                <a:latin typeface="Calibri" panose="020F0502020204030204" charset="0"/>
+                <a:ea typeface="Aa小梨涡" panose="02010600010101010101" charset="-122"/>
+                <a:cs typeface="Aa小梨涡" panose="02010600010101010101" charset="-122"/>
+                <a:sym typeface="+mn-ea"/>
+              </a:rPr>
+              <a:t>”</a:t>
+            </a:r>
+            <a:r>
+              <a:rPr lang="zh-CN" altLang="en-US" sz="2200">
+                <a:latin typeface="Calibri" panose="020F0502020204030204" charset="0"/>
+                <a:ea typeface="Aa小梨涡" panose="02010600010101010101" charset="-122"/>
+                <a:cs typeface="Aa小梨涡" panose="02010600010101010101" charset="-122"/>
+                <a:sym typeface="+mn-ea"/>
+              </a:rPr>
+              <a:t>，不一定是数值，还可以是list, tuple，但是dict不行。</a:t>
+            </a:r>
+            <a:endParaRPr lang="zh-CN" altLang="en-US" sz="2200">
+              <a:latin typeface="Calibri" panose="020F0502020204030204" charset="0"/>
+              <a:ea typeface="Aa小梨涡" panose="02010600010101010101" charset="-122"/>
+              <a:cs typeface="Aa小梨涡" panose="02010600010101010101" charset="-122"/>
+              <a:sym typeface="+mn-ea"/>
+            </a:endParaRPr>
+          </a:p>
+        </p:txBody>
+      </p:sp>
+      <p:sp>
+        <p:nvSpPr>
+          <p:cNvPr id="10" name="文本框 9"/>
+          <p:cNvSpPr txBox="1"/>
+          <p:nvPr/>
+        </p:nvSpPr>
+        <p:spPr>
+          <a:xfrm>
+            <a:off x="10621010" y="4850130"/>
+            <a:ext cx="848360" cy="270510"/>
+          </a:xfrm>
+          <a:prstGeom prst="rect">
+            <a:avLst/>
+          </a:prstGeom>
+          <a:noFill/>
+        </p:spPr>
+        <p:txBody>
+          <a:bodyPr wrap="square" rtlCol="0">
+            <a:spAutoFit/>
+          </a:bodyPr>
+          <a:p>
+            <a:r>
+              <a:rPr lang="en-US" altLang="zh-CN" baseline="30000">
+                <a:solidFill>
+                  <a:schemeClr val="accent5"/>
+                </a:solidFill>
+                <a:latin typeface="Comic Sans MS" panose="030F0702030302020204" charset="0"/>
+                <a:cs typeface="Comic Sans MS" panose="030F0702030302020204" charset="0"/>
+              </a:rPr>
+              <a:t>[2.6-2.py]</a:t>
+            </a:r>
+            <a:endParaRPr lang="en-US" altLang="zh-CN" baseline="30000">
+              <a:solidFill>
+                <a:schemeClr val="accent5"/>
+              </a:solidFill>
+              <a:latin typeface="Comic Sans MS" panose="030F0702030302020204" charset="0"/>
+              <a:cs typeface="Comic Sans MS" panose="030F0702030302020204" charset="0"/>
+            </a:endParaRPr>
+          </a:p>
+        </p:txBody>
+      </p:sp>
+      <p:sp>
+        <p:nvSpPr>
+          <p:cNvPr id="11" name="文本框 10"/>
+          <p:cNvSpPr txBox="1"/>
+          <p:nvPr/>
+        </p:nvSpPr>
+        <p:spPr>
+          <a:xfrm>
+            <a:off x="5569585" y="1720215"/>
+            <a:ext cx="848360" cy="270510"/>
+          </a:xfrm>
+          <a:prstGeom prst="rect">
+            <a:avLst/>
+          </a:prstGeom>
+          <a:noFill/>
+        </p:spPr>
+        <p:txBody>
+          <a:bodyPr wrap="square" rtlCol="0">
+            <a:spAutoFit/>
+          </a:bodyPr>
+          <a:p>
+            <a:r>
+              <a:rPr lang="en-US" altLang="zh-CN" baseline="30000">
+                <a:solidFill>
+                  <a:schemeClr val="accent5"/>
+                </a:solidFill>
+                <a:latin typeface="Comic Sans MS" panose="030F0702030302020204" charset="0"/>
+                <a:cs typeface="Comic Sans MS" panose="030F0702030302020204" charset="0"/>
+              </a:rPr>
+              <a:t>[2.6-1.py]</a:t>
+            </a:r>
+            <a:endParaRPr lang="en-US" altLang="zh-CN" baseline="30000">
+              <a:solidFill>
+                <a:schemeClr val="accent5"/>
+              </a:solidFill>
+              <a:latin typeface="Comic Sans MS" panose="030F0702030302020204" charset="0"/>
+              <a:cs typeface="Comic Sans MS" panose="030F0702030302020204" charset="0"/>
+            </a:endParaRPr>
+          </a:p>
+        </p:txBody>
+      </p:sp>
+      <p:sp>
+        <p:nvSpPr>
+          <p:cNvPr id="12" name="文本框 11"/>
+          <p:cNvSpPr txBox="1"/>
+          <p:nvPr>
+            <p:custDataLst>
+              <p:tags r:id="rId1"/>
+            </p:custDataLst>
+          </p:nvPr>
+        </p:nvSpPr>
+        <p:spPr>
+          <a:xfrm>
+            <a:off x="10214610" y="5614670"/>
+            <a:ext cx="1717675" cy="491490"/>
+          </a:xfrm>
+          <a:prstGeom prst="rect">
+            <a:avLst/>
+          </a:prstGeom>
+          <a:noFill/>
+        </p:spPr>
+        <p:txBody>
+          <a:bodyPr wrap="square" rtlCol="0">
+            <a:spAutoFit/>
+          </a:bodyPr>
+          <a:p>
+            <a:r>
+              <a:rPr lang="zh-CN" altLang="en-US" sz="2600" b="1">
+                <a:solidFill>
+                  <a:srgbClr val="FF0000"/>
+                </a:solidFill>
+                <a:latin typeface="Aa小梨涡" panose="02010600010101010101" charset="-122"/>
+                <a:ea typeface="Aa小梨涡" panose="02010600010101010101" charset="-122"/>
+                <a:cs typeface="Aa小梨涡" panose="02010600010101010101" charset="-122"/>
+              </a:rPr>
+              <a:t>第</a:t>
+            </a:r>
+            <a:r>
+              <a:rPr lang="en-US" altLang="zh-CN" sz="2600" b="1">
+                <a:solidFill>
+                  <a:srgbClr val="FF0000"/>
+                </a:solidFill>
+                <a:latin typeface="Aa小梨涡" panose="02010600010101010101" charset="-122"/>
+                <a:ea typeface="Aa小梨涡" panose="02010600010101010101" charset="-122"/>
+                <a:cs typeface="Aa小梨涡" panose="02010600010101010101" charset="-122"/>
+              </a:rPr>
+              <a:t>2</a:t>
+            </a:r>
+            <a:r>
+              <a:rPr lang="zh-CN" altLang="en-US" sz="2600" b="1">
+                <a:solidFill>
+                  <a:srgbClr val="FF0000"/>
+                </a:solidFill>
+                <a:latin typeface="Aa小梨涡" panose="02010600010101010101" charset="-122"/>
+                <a:ea typeface="Aa小梨涡" panose="02010600010101010101" charset="-122"/>
+                <a:cs typeface="Aa小梨涡" panose="02010600010101010101" charset="-122"/>
+              </a:rPr>
+              <a:t>章 完</a:t>
+            </a:r>
+            <a:endParaRPr lang="zh-CN" altLang="en-US" sz="2600" b="1">
+              <a:solidFill>
+                <a:srgbClr val="FF0000"/>
+              </a:solidFill>
+              <a:latin typeface="Aa小梨涡" panose="02010600010101010101" charset="-122"/>
+              <a:ea typeface="Aa小梨涡" panose="02010600010101010101" charset="-122"/>
+              <a:cs typeface="Aa小梨涡" panose="02010600010101010101" charset="-122"/>
+            </a:endParaRPr>
+          </a:p>
+        </p:txBody>
+      </p:sp>
     </p:spTree>
   </p:cSld>
   <p:clrMapOvr>
     <a:masterClrMapping/>
   </p:clrMapOvr>
+  <p:timing>
+    <p:tnLst>
+      <p:par>
+        <p:cTn id="1" dur="indefinite" restart="never" nodeType="tmRoot">
+          <p:childTnLst>
+            <p:seq concurrent="1" nextAc="seek">
+              <p:cTn id="2" dur="indefinite" nodeType="mainSeq">
+                <p:childTnLst>
+                  <p:par>
+                    <p:cTn id="3" fill="hold">
+                      <p:stCondLst>
+                        <p:cond delay="indefinite"/>
+                      </p:stCondLst>
+                      <p:childTnLst>
+                        <p:par>
+                          <p:cTn id="4" fill="hold">
+                            <p:stCondLst>
+                              <p:cond delay="0"/>
+                            </p:stCondLst>
+                            <p:childTnLst>
+                              <p:par>
+                                <p:cTn id="5" presetID="1" presetClass="entr" presetSubtype="0" fill="hold" grpId="0" nodeType="clickEffect">
+                                  <p:stCondLst>
+                                    <p:cond delay="0"/>
+                                  </p:stCondLst>
+                                  <p:childTnLst>
+                                    <p:set>
+                                      <p:cBhvr>
+                                        <p:cTn id="6" dur="1" fill="hold">
+                                          <p:stCondLst>
+                                            <p:cond delay="0"/>
+                                          </p:stCondLst>
+                                        </p:cTn>
+                                        <p:tgtEl>
+                                          <p:spTgt spid="6"/>
+                                        </p:tgtEl>
+                                        <p:attrNameLst>
+                                          <p:attrName>style.visibility</p:attrName>
+                                        </p:attrNameLst>
+                                      </p:cBhvr>
+                                      <p:to>
+                                        <p:strVal val="visible"/>
+                                      </p:to>
+                                    </p:set>
+                                  </p:childTnLst>
+                                </p:cTn>
+                              </p:par>
+                              <p:par>
+                                <p:cTn id="7" presetID="1" presetClass="entr" presetSubtype="0" fill="hold" grpId="0" nodeType="withEffect">
+                                  <p:stCondLst>
+                                    <p:cond delay="0"/>
+                                  </p:stCondLst>
+                                  <p:childTnLst>
+                                    <p:set>
+                                      <p:cBhvr>
+                                        <p:cTn id="8" dur="1" fill="hold">
+                                          <p:stCondLst>
+                                            <p:cond delay="0"/>
+                                          </p:stCondLst>
+                                        </p:cTn>
+                                        <p:tgtEl>
+                                          <p:spTgt spid="11"/>
+                                        </p:tgtEl>
+                                        <p:attrNameLst>
+                                          <p:attrName>style.visibility</p:attrName>
+                                        </p:attrNameLst>
+                                      </p:cBhvr>
+                                      <p:to>
+                                        <p:strVal val="visible"/>
+                                      </p:to>
+                                    </p:set>
+                                  </p:childTnLst>
+                                </p:cTn>
+                              </p:par>
+                            </p:childTnLst>
+                          </p:cTn>
+                        </p:par>
+                      </p:childTnLst>
+                    </p:cTn>
+                  </p:par>
+                  <p:par>
+                    <p:cTn id="9" fill="hold">
+                      <p:stCondLst>
+                        <p:cond delay="indefinite"/>
+                      </p:stCondLst>
+                      <p:childTnLst>
+                        <p:par>
+                          <p:cTn id="10" fill="hold">
+                            <p:stCondLst>
+                              <p:cond delay="0"/>
+                            </p:stCondLst>
+                            <p:childTnLst>
+                              <p:par>
+                                <p:cTn id="11" presetID="1" presetClass="entr" presetSubtype="0" fill="hold" grpId="0" nodeType="clickEffect">
+                                  <p:stCondLst>
+                                    <p:cond delay="0"/>
+                                  </p:stCondLst>
+                                  <p:childTnLst>
+                                    <p:set>
+                                      <p:cBhvr>
+                                        <p:cTn id="12" dur="1" fill="hold">
+                                          <p:stCondLst>
+                                            <p:cond delay="0"/>
+                                          </p:stCondLst>
+                                        </p:cTn>
+                                        <p:tgtEl>
+                                          <p:spTgt spid="3"/>
+                                        </p:tgtEl>
+                                        <p:attrNameLst>
+                                          <p:attrName>style.visibility</p:attrName>
+                                        </p:attrNameLst>
+                                      </p:cBhvr>
+                                      <p:to>
+                                        <p:strVal val="visible"/>
+                                      </p:to>
+                                    </p:set>
+                                  </p:childTnLst>
+                                </p:cTn>
+                              </p:par>
+                              <p:par>
+                                <p:cTn id="13" presetID="22" presetClass="entr" presetSubtype="4" fill="hold" grpId="0" nodeType="withEffect">
+                                  <p:stCondLst>
+                                    <p:cond delay="0"/>
+                                  </p:stCondLst>
+                                  <p:childTnLst>
+                                    <p:set>
+                                      <p:cBhvr>
+                                        <p:cTn id="14" dur="1" fill="hold">
+                                          <p:stCondLst>
+                                            <p:cond delay="0"/>
+                                          </p:stCondLst>
+                                        </p:cTn>
+                                        <p:tgtEl>
+                                          <p:spTgt spid="7"/>
+                                        </p:tgtEl>
+                                        <p:attrNameLst>
+                                          <p:attrName>style.visibility</p:attrName>
+                                        </p:attrNameLst>
+                                      </p:cBhvr>
+                                      <p:to>
+                                        <p:strVal val="visible"/>
+                                      </p:to>
+                                    </p:set>
+                                    <p:animEffect transition="in" filter="wipe(down)">
+                                      <p:cBhvr>
+                                        <p:cTn id="15" dur="500"/>
+                                        <p:tgtEl>
+                                          <p:spTgt spid="7"/>
+                                        </p:tgtEl>
+                                      </p:cBhvr>
+                                    </p:animEffect>
+                                  </p:childTnLst>
+                                </p:cTn>
+                              </p:par>
+                            </p:childTnLst>
+                          </p:cTn>
+                        </p:par>
+                      </p:childTnLst>
+                    </p:cTn>
+                  </p:par>
+                  <p:par>
+                    <p:cTn id="16" fill="hold">
+                      <p:stCondLst>
+                        <p:cond delay="indefinite"/>
+                      </p:stCondLst>
+                      <p:childTnLst>
+                        <p:par>
+                          <p:cTn id="17" fill="hold">
+                            <p:stCondLst>
+                              <p:cond delay="0"/>
+                            </p:stCondLst>
+                            <p:childTnLst>
+                              <p:par>
+                                <p:cTn id="18" presetID="1" presetClass="entr" presetSubtype="0" fill="hold" grpId="0" nodeType="clickEffect">
+                                  <p:stCondLst>
+                                    <p:cond delay="0"/>
+                                  </p:stCondLst>
+                                  <p:childTnLst>
+                                    <p:set>
+                                      <p:cBhvr>
+                                        <p:cTn id="19" dur="1" fill="hold">
+                                          <p:stCondLst>
+                                            <p:cond delay="0"/>
+                                          </p:stCondLst>
+                                        </p:cTn>
+                                        <p:tgtEl>
+                                          <p:spTgt spid="9"/>
+                                        </p:tgtEl>
+                                        <p:attrNameLst>
+                                          <p:attrName>style.visibility</p:attrName>
+                                        </p:attrNameLst>
+                                      </p:cBhvr>
+                                      <p:to>
+                                        <p:strVal val="visible"/>
+                                      </p:to>
+                                    </p:set>
+                                  </p:childTnLst>
+                                </p:cTn>
+                              </p:par>
+                              <p:par>
+                                <p:cTn id="20" presetID="1" presetClass="entr" presetSubtype="0" fill="hold" grpId="0" nodeType="withEffect">
+                                  <p:stCondLst>
+                                    <p:cond delay="0"/>
+                                  </p:stCondLst>
+                                  <p:childTnLst>
+                                    <p:set>
+                                      <p:cBhvr>
+                                        <p:cTn id="21" dur="1" fill="hold">
+                                          <p:stCondLst>
+                                            <p:cond delay="0"/>
+                                          </p:stCondLst>
+                                        </p:cTn>
+                                        <p:tgtEl>
+                                          <p:spTgt spid="10"/>
+                                        </p:tgtEl>
+                                        <p:attrNameLst>
+                                          <p:attrName>style.visibility</p:attrName>
+                                        </p:attrNameLst>
+                                      </p:cBhvr>
+                                      <p:to>
+                                        <p:strVal val="visible"/>
+                                      </p:to>
+                                    </p:set>
+                                  </p:childTnLst>
+                                </p:cTn>
+                              </p:par>
+                            </p:childTnLst>
+                          </p:cTn>
+                        </p:par>
+                      </p:childTnLst>
+                    </p:cTn>
+                  </p:par>
+                  <p:par>
+                    <p:cTn id="22" fill="hold">
+                      <p:stCondLst>
+                        <p:cond delay="indefinite"/>
+                      </p:stCondLst>
+                      <p:childTnLst>
+                        <p:par>
+                          <p:cTn id="23" fill="hold">
+                            <p:stCondLst>
+                              <p:cond delay="0"/>
+                            </p:stCondLst>
+                            <p:childTnLst>
+                              <p:par>
+                                <p:cTn id="24" presetID="3" presetClass="entr" presetSubtype="10" fill="hold" grpId="0" nodeType="clickEffect">
+                                  <p:stCondLst>
+                                    <p:cond delay="0"/>
+                                  </p:stCondLst>
+                                  <p:childTnLst>
+                                    <p:set>
+                                      <p:cBhvr>
+                                        <p:cTn id="25" dur="1" fill="hold">
+                                          <p:stCondLst>
+                                            <p:cond delay="0"/>
+                                          </p:stCondLst>
+                                        </p:cTn>
+                                        <p:tgtEl>
+                                          <p:spTgt spid="12"/>
+                                        </p:tgtEl>
+                                        <p:attrNameLst>
+                                          <p:attrName>style.visibility</p:attrName>
+                                        </p:attrNameLst>
+                                      </p:cBhvr>
+                                      <p:to>
+                                        <p:strVal val="visible"/>
+                                      </p:to>
+                                    </p:set>
+                                    <p:animEffect transition="in" filter="blinds(horizontal)">
+                                      <p:cBhvr>
+                                        <p:cTn id="26" dur="500"/>
+                                        <p:tgtEl>
+                                          <p:spTgt spid="12"/>
+                                        </p:tgtEl>
+                                      </p:cBhvr>
+                                    </p:animEffect>
+                                  </p:childTnLst>
+                                </p:cTn>
+                              </p:par>
+                            </p:childTnLst>
+                          </p:cTn>
+                        </p:par>
+                      </p:childTnLst>
+                    </p:cTn>
+                  </p:par>
+                </p:childTnLst>
+              </p:cTn>
+              <p:prevCondLst>
+                <p:cond evt="onPrev" delay="0">
+                  <p:tgtEl>
+                    <p:sldTgt/>
+                  </p:tgtEl>
+                </p:cond>
+              </p:prevCondLst>
+              <p:nextCondLst>
+                <p:cond evt="onNext" delay="0">
+                  <p:tgtEl>
+                    <p:sldTgt/>
+                  </p:tgtEl>
+                </p:cond>
+              </p:nextCondLst>
+            </p:seq>
+          </p:childTnLst>
+        </p:cTn>
+      </p:par>
+    </p:tnLst>
+    <p:bldLst>
+      <p:bldP spid="6" grpId="0"/>
+      <p:bldP spid="6" grpId="1"/>
+      <p:bldP spid="3" grpId="0"/>
+      <p:bldP spid="3" grpId="1"/>
+      <p:bldP spid="7" grpId="0" bldLvl="0" animBg="1"/>
+      <p:bldP spid="7" grpId="1" animBg="1"/>
+      <p:bldP spid="9" grpId="0"/>
+      <p:bldP spid="9" grpId="1"/>
+      <p:bldP spid="10" grpId="0"/>
+      <p:bldP spid="10" grpId="1"/>
+      <p:bldP spid="11" grpId="0"/>
+      <p:bldP spid="11" grpId="1"/>
+      <p:bldP spid="12" grpId="0"/>
+    </p:bldLst>
+  </p:timing>
 </p:sld>
 </file>
 
@@ -3668,8 +5621,8 @@
         </p:nvSpPr>
         <p:spPr>
           <a:xfrm rot="600000">
-            <a:off x="5342086" y="122979"/>
-            <a:ext cx="1728000" cy="944245"/>
+            <a:off x="5160010" y="2174240"/>
+            <a:ext cx="1911350" cy="944245"/>
           </a:xfrm>
           <a:custGeom>
             <a:avLst/>
@@ -3835,7 +5788,7 @@
       </p:sp>
       <p:sp>
         <p:nvSpPr>
-          <p:cNvPr id="2" name="标题 1"/>
+          <p:cNvPr id="6" name="标题 5"/>
           <p:cNvSpPr>
             <a:spLocks noGrp="1"/>
           </p:cNvSpPr>
@@ -3845,8 +5798,8 @@
         </p:nvSpPr>
         <p:spPr>
           <a:xfrm>
-            <a:off x="5132070" y="245745"/>
-            <a:ext cx="2136775" cy="817245"/>
+            <a:off x="4356100" y="2236470"/>
+            <a:ext cx="3394710" cy="817245"/>
           </a:xfrm>
         </p:spPr>
         <p:txBody>
@@ -3859,14 +5812,14 @@
                 <a:latin typeface="Aa小梨涡" panose="02010600010101010101" charset="-122"/>
                 <a:ea typeface="Aa小梨涡" panose="02010600010101010101" charset="-122"/>
               </a:rPr>
-              <a:t>1.</a:t>
+              <a:t>3. </a:t>
             </a:r>
             <a:r>
               <a:rPr lang="zh-CN" altLang="en-US">
                 <a:latin typeface="Aa小梨涡" panose="02010600010101010101" charset="-122"/>
                 <a:ea typeface="Aa小梨涡" panose="02010600010101010101" charset="-122"/>
               </a:rPr>
-              <a:t>开篇词</a:t>
+              <a:t>字典与集合</a:t>
             </a:r>
             <a:endParaRPr lang="zh-CN" altLang="en-US">
               <a:latin typeface="Aa小梨涡" panose="02010600010101010101" charset="-122"/>
@@ -3877,13 +5830,13 @@
       </p:sp>
       <p:sp>
         <p:nvSpPr>
-          <p:cNvPr id="20" name="任意多边形 19"/>
+          <p:cNvPr id="7" name="任意多边形 6"/>
           <p:cNvSpPr/>
           <p:nvPr/>
         </p:nvSpPr>
         <p:spPr>
           <a:xfrm rot="10320000">
-            <a:off x="4344035" y="897890"/>
+            <a:off x="4344035" y="2964815"/>
             <a:ext cx="3456305" cy="76200"/>
           </a:xfrm>
           <a:custGeom>
@@ -4171,8 +6124,8 @@
         </p:nvSpPr>
         <p:spPr>
           <a:xfrm>
-            <a:off x="5132070" y="245745"/>
-            <a:ext cx="2136775" cy="817245"/>
+            <a:off x="4443730" y="245745"/>
+            <a:ext cx="3253740" cy="817245"/>
           </a:xfrm>
         </p:spPr>
         <p:txBody>
@@ -4185,14 +6138,14 @@
                 <a:latin typeface="Aa小梨涡" panose="02010600010101010101" charset="-122"/>
                 <a:ea typeface="Aa小梨涡" panose="02010600010101010101" charset="-122"/>
               </a:rPr>
-              <a:t>1.</a:t>
+              <a:t>2.7 </a:t>
             </a:r>
             <a:r>
               <a:rPr lang="zh-CN" altLang="en-US">
                 <a:latin typeface="Aa小梨涡" panose="02010600010101010101" charset="-122"/>
                 <a:ea typeface="Aa小梨涡" panose="02010600010101010101" charset="-122"/>
               </a:rPr>
-              <a:t>开篇词</a:t>
+              <a:t>使用场景</a:t>
             </a:r>
             <a:endParaRPr lang="zh-CN" altLang="en-US">
               <a:latin typeface="Aa小梨涡" panose="02010600010101010101" charset="-122"/>
@@ -4299,6 +6252,13 @@
   <p:clrMapOvr>
     <a:masterClrMapping/>
   </p:clrMapOvr>
+  <p:timing>
+    <p:tnLst>
+      <p:par>
+        <p:cTn id="1" dur="indefinite" restart="never" nodeType="tmRoot"/>
+      </p:par>
+    </p:tnLst>
+  </p:timing>
 </p:sld>
 </file>
 
@@ -5281,6 +7241,332 @@
 </file>
 
 <file path=ppt/slides/slide17.xml><?xml version="1.0" encoding="utf-8"?>
+<p:sld xmlns:a="http://schemas.openxmlformats.org/drawingml/2006/main" xmlns:r="http://schemas.openxmlformats.org/officeDocument/2006/relationships" xmlns:p="http://schemas.openxmlformats.org/presentationml/2006/main">
+  <p:cSld>
+    <p:spTree>
+      <p:nvGrpSpPr>
+        <p:cNvPr id="1" name=""/>
+        <p:cNvGrpSpPr/>
+        <p:nvPr/>
+      </p:nvGrpSpPr>
+      <p:grpSpPr/>
+      <p:sp>
+        <p:nvSpPr>
+          <p:cNvPr id="18" name="任意多边形 17"/>
+          <p:cNvSpPr/>
+          <p:nvPr/>
+        </p:nvSpPr>
+        <p:spPr>
+          <a:xfrm rot="600000">
+            <a:off x="5342086" y="122979"/>
+            <a:ext cx="1728000" cy="944245"/>
+          </a:xfrm>
+          <a:custGeom>
+            <a:avLst/>
+            <a:gdLst>
+              <a:gd name="connisteX0" fmla="*/ 257810 w 3935730"/>
+              <a:gd name="connsiteY0" fmla="*/ 429260 h 944880"/>
+              <a:gd name="connisteX1" fmla="*/ 3394710 w 3935730"/>
+              <a:gd name="connsiteY1" fmla="*/ 0 h 944880"/>
+              <a:gd name="connisteX2" fmla="*/ 26035 w 3935730"/>
+              <a:gd name="connsiteY2" fmla="*/ 541020 h 944880"/>
+              <a:gd name="connisteX3" fmla="*/ 3575050 w 3935730"/>
+              <a:gd name="connsiteY3" fmla="*/ 51435 h 944880"/>
+              <a:gd name="connisteX4" fmla="*/ 172085 w 3935730"/>
+              <a:gd name="connsiteY4" fmla="*/ 601345 h 944880"/>
+              <a:gd name="connisteX5" fmla="*/ 3652520 w 3935730"/>
+              <a:gd name="connsiteY5" fmla="*/ 128905 h 944880"/>
+              <a:gd name="connisteX6" fmla="*/ 51435 w 3935730"/>
+              <a:gd name="connsiteY6" fmla="*/ 678815 h 944880"/>
+              <a:gd name="connisteX7" fmla="*/ 3514725 w 3935730"/>
+              <a:gd name="connsiteY7" fmla="*/ 214630 h 944880"/>
+              <a:gd name="connisteX8" fmla="*/ 369570 w 3935730"/>
+              <a:gd name="connsiteY8" fmla="*/ 704215 h 944880"/>
+              <a:gd name="connisteX9" fmla="*/ 3695700 w 3935730"/>
+              <a:gd name="connsiteY9" fmla="*/ 274955 h 944880"/>
+              <a:gd name="connisteX10" fmla="*/ 180340 w 3935730"/>
+              <a:gd name="connsiteY10" fmla="*/ 833120 h 944880"/>
+              <a:gd name="connisteX11" fmla="*/ 3695700 w 3935730"/>
+              <a:gd name="connsiteY11" fmla="*/ 351790 h 944880"/>
+              <a:gd name="connisteX12" fmla="*/ 0 w 3935730"/>
+              <a:gd name="connsiteY12" fmla="*/ 944880 h 944880"/>
+              <a:gd name="connisteX13" fmla="*/ 3935730 w 3935730"/>
+              <a:gd name="connsiteY13" fmla="*/ 360680 h 944880"/>
+            </a:gdLst>
+            <a:ahLst/>
+            <a:cxnLst>
+              <a:cxn ang="0">
+                <a:pos x="connisteX0" y="connsiteY0"/>
+              </a:cxn>
+              <a:cxn ang="0">
+                <a:pos x="connisteX1" y="connsiteY1"/>
+              </a:cxn>
+              <a:cxn ang="0">
+                <a:pos x="connisteX2" y="connsiteY2"/>
+              </a:cxn>
+              <a:cxn ang="0">
+                <a:pos x="connisteX3" y="connsiteY3"/>
+              </a:cxn>
+              <a:cxn ang="0">
+                <a:pos x="connisteX4" y="connsiteY4"/>
+              </a:cxn>
+              <a:cxn ang="0">
+                <a:pos x="connisteX5" y="connsiteY5"/>
+              </a:cxn>
+              <a:cxn ang="0">
+                <a:pos x="connisteX6" y="connsiteY6"/>
+              </a:cxn>
+              <a:cxn ang="0">
+                <a:pos x="connisteX7" y="connsiteY7"/>
+              </a:cxn>
+              <a:cxn ang="0">
+                <a:pos x="connisteX8" y="connsiteY8"/>
+              </a:cxn>
+              <a:cxn ang="0">
+                <a:pos x="connisteX9" y="connsiteY9"/>
+              </a:cxn>
+              <a:cxn ang="0">
+                <a:pos x="connisteX10" y="connsiteY10"/>
+              </a:cxn>
+              <a:cxn ang="0">
+                <a:pos x="connisteX11" y="connsiteY11"/>
+              </a:cxn>
+              <a:cxn ang="0">
+                <a:pos x="connisteX12" y="connsiteY12"/>
+              </a:cxn>
+              <a:cxn ang="0">
+                <a:pos x="connisteX13" y="connsiteY13"/>
+              </a:cxn>
+            </a:cxnLst>
+            <a:rect l="l" t="t" r="r" b="b"/>
+            <a:pathLst>
+              <a:path w="3935730" h="944880">
+                <a:moveTo>
+                  <a:pt x="257810" y="429260"/>
+                </a:moveTo>
+                <a:lnTo>
+                  <a:pt x="3394710" y="0"/>
+                </a:lnTo>
+                <a:lnTo>
+                  <a:pt x="26035" y="541020"/>
+                </a:lnTo>
+                <a:lnTo>
+                  <a:pt x="3575050" y="51435"/>
+                </a:lnTo>
+                <a:lnTo>
+                  <a:pt x="172085" y="601345"/>
+                </a:lnTo>
+                <a:lnTo>
+                  <a:pt x="3652520" y="128905"/>
+                </a:lnTo>
+                <a:lnTo>
+                  <a:pt x="51435" y="678815"/>
+                </a:lnTo>
+                <a:lnTo>
+                  <a:pt x="3514725" y="214630"/>
+                </a:lnTo>
+                <a:lnTo>
+                  <a:pt x="369570" y="704215"/>
+                </a:lnTo>
+                <a:lnTo>
+                  <a:pt x="3695700" y="274955"/>
+                </a:lnTo>
+                <a:lnTo>
+                  <a:pt x="180340" y="833120"/>
+                </a:lnTo>
+                <a:lnTo>
+                  <a:pt x="3695700" y="351790"/>
+                </a:lnTo>
+                <a:lnTo>
+                  <a:pt x="0" y="944880"/>
+                </a:lnTo>
+                <a:lnTo>
+                  <a:pt x="3935730" y="360680"/>
+                </a:lnTo>
+              </a:path>
+            </a:pathLst>
+          </a:custGeom>
+          <a:noFill/>
+          <a:ln w="203200">
+            <a:solidFill>
+              <a:schemeClr val="accent4">
+                <a:lumMod val="40000"/>
+                <a:lumOff val="60000"/>
+              </a:schemeClr>
+            </a:solidFill>
+          </a:ln>
+          <a:effectLst>
+            <a:softEdge rad="63500"/>
+          </a:effectLst>
+        </p:spPr>
+        <p:style>
+          <a:lnRef idx="2">
+            <a:schemeClr val="accent1">
+              <a:shade val="50000"/>
+            </a:schemeClr>
+          </a:lnRef>
+          <a:fillRef idx="1">
+            <a:schemeClr val="accent1"/>
+          </a:fillRef>
+          <a:effectRef idx="0">
+            <a:schemeClr val="accent1"/>
+          </a:effectRef>
+          <a:fontRef idx="minor">
+            <a:schemeClr val="lt1"/>
+          </a:fontRef>
+        </p:style>
+        <p:txBody>
+          <a:bodyPr rtlCol="0" anchor="ctr"/>
+          <a:p>
+            <a:pPr algn="ctr"/>
+            <a:endParaRPr lang="zh-CN" altLang="en-US"/>
+          </a:p>
+        </p:txBody>
+      </p:sp>
+      <p:sp>
+        <p:nvSpPr>
+          <p:cNvPr id="2" name="标题 1"/>
+          <p:cNvSpPr>
+            <a:spLocks noGrp="1"/>
+          </p:cNvSpPr>
+          <p:nvPr>
+            <p:ph type="title"/>
+          </p:nvPr>
+        </p:nvSpPr>
+        <p:spPr>
+          <a:xfrm>
+            <a:off x="5132070" y="245745"/>
+            <a:ext cx="2136775" cy="817245"/>
+          </a:xfrm>
+        </p:spPr>
+        <p:txBody>
+          <a:bodyPr>
+            <a:normAutofit fontScale="90000"/>
+          </a:bodyPr>
+          <a:p>
+            <a:r>
+              <a:rPr lang="en-US" altLang="zh-CN">
+                <a:latin typeface="Aa小梨涡" panose="02010600010101010101" charset="-122"/>
+                <a:ea typeface="Aa小梨涡" panose="02010600010101010101" charset="-122"/>
+              </a:rPr>
+              <a:t>1.</a:t>
+            </a:r>
+            <a:r>
+              <a:rPr lang="zh-CN" altLang="en-US">
+                <a:latin typeface="Aa小梨涡" panose="02010600010101010101" charset="-122"/>
+                <a:ea typeface="Aa小梨涡" panose="02010600010101010101" charset="-122"/>
+              </a:rPr>
+              <a:t>开篇词</a:t>
+            </a:r>
+            <a:endParaRPr lang="zh-CN" altLang="en-US">
+              <a:latin typeface="Aa小梨涡" panose="02010600010101010101" charset="-122"/>
+              <a:ea typeface="Aa小梨涡" panose="02010600010101010101" charset="-122"/>
+            </a:endParaRPr>
+          </a:p>
+        </p:txBody>
+      </p:sp>
+      <p:sp>
+        <p:nvSpPr>
+          <p:cNvPr id="20" name="任意多边形 19"/>
+          <p:cNvSpPr/>
+          <p:nvPr/>
+        </p:nvSpPr>
+        <p:spPr>
+          <a:xfrm rot="10320000">
+            <a:off x="4344035" y="897890"/>
+            <a:ext cx="3456305" cy="76200"/>
+          </a:xfrm>
+          <a:custGeom>
+            <a:avLst/>
+            <a:gdLst>
+              <a:gd name="connisteX0" fmla="*/ 4685923 w 4685923"/>
+              <a:gd name="connsiteY0" fmla="*/ 9525 h 464575"/>
+              <a:gd name="connisteX1" fmla="*/ 548898 w 4685923"/>
+              <a:gd name="connsiteY1" fmla="*/ 238125 h 464575"/>
+              <a:gd name="connisteX2" fmla="*/ 672723 w 4685923"/>
+              <a:gd name="connsiteY2" fmla="*/ 456565 h 464575"/>
+              <a:gd name="connisteX3" fmla="*/ 4638298 w 4685923"/>
+              <a:gd name="connsiteY3" fmla="*/ 0 h 464575"/>
+            </a:gdLst>
+            <a:ahLst/>
+            <a:cxnLst>
+              <a:cxn ang="0">
+                <a:pos x="connisteX0" y="connsiteY0"/>
+              </a:cxn>
+              <a:cxn ang="0">
+                <a:pos x="connisteX1" y="connsiteY1"/>
+              </a:cxn>
+              <a:cxn ang="0">
+                <a:pos x="connisteX2" y="connsiteY2"/>
+              </a:cxn>
+              <a:cxn ang="0">
+                <a:pos x="connisteX3" y="connsiteY3"/>
+              </a:cxn>
+            </a:cxnLst>
+            <a:rect l="l" t="t" r="r" b="b"/>
+            <a:pathLst>
+              <a:path w="4685923" h="464576">
+                <a:moveTo>
+                  <a:pt x="4685923" y="9525"/>
+                </a:moveTo>
+                <a:cubicBezTo>
+                  <a:pt x="3855978" y="50800"/>
+                  <a:pt x="1351538" y="148590"/>
+                  <a:pt x="548898" y="238125"/>
+                </a:cubicBezTo>
+                <a:cubicBezTo>
+                  <a:pt x="-253742" y="327660"/>
+                  <a:pt x="-145157" y="504190"/>
+                  <a:pt x="672723" y="456565"/>
+                </a:cubicBezTo>
+                <a:cubicBezTo>
+                  <a:pt x="1490603" y="408940"/>
+                  <a:pt x="3847723" y="95885"/>
+                  <a:pt x="4638298" y="0"/>
+                </a:cubicBezTo>
+              </a:path>
+            </a:pathLst>
+          </a:custGeom>
+          <a:solidFill>
+            <a:schemeClr val="accent5"/>
+          </a:solidFill>
+          <a:ln>
+            <a:noFill/>
+          </a:ln>
+        </p:spPr>
+        <p:style>
+          <a:lnRef idx="2">
+            <a:schemeClr val="accent1">
+              <a:shade val="50000"/>
+            </a:schemeClr>
+          </a:lnRef>
+          <a:fillRef idx="1">
+            <a:schemeClr val="accent1"/>
+          </a:fillRef>
+          <a:effectRef idx="0">
+            <a:schemeClr val="accent1"/>
+          </a:effectRef>
+          <a:fontRef idx="minor">
+            <a:schemeClr val="lt1"/>
+          </a:fontRef>
+        </p:style>
+        <p:txBody>
+          <a:bodyPr rtlCol="0" anchor="ctr"/>
+          <a:p>
+            <a:pPr algn="ctr"/>
+            <a:endParaRPr lang="zh-CN" altLang="en-US"/>
+          </a:p>
+        </p:txBody>
+      </p:sp>
+    </p:spTree>
+  </p:cSld>
+  <p:clrMapOvr>
+    <a:masterClrMapping/>
+  </p:clrMapOvr>
+</p:sld>
+</file>
+
+<file path=ppt/slides/slide18.xml><?xml version="1.0" encoding="utf-8"?>
 <p:sld xmlns:a="http://schemas.openxmlformats.org/drawingml/2006/main" xmlns:r="http://schemas.openxmlformats.org/officeDocument/2006/relationships" xmlns:p="http://schemas.openxmlformats.org/presentationml/2006/main">
   <p:cSld>
     <p:spTree>
@@ -13288,7 +15574,7 @@
         </p:spPr>
         <p:txBody>
           <a:bodyPr>
-            <a:normAutofit fontScale="90000"/>
+            <a:normAutofit/>
           </a:bodyPr>
           <a:p>
             <a:r>
@@ -13303,7 +15589,7 @@
                 <a:latin typeface="Aa小梨涡" panose="02010600010101010101" charset="-122"/>
                 <a:ea typeface="Aa小梨涡" panose="02010600010101010101" charset="-122"/>
               </a:rPr>
-              <a:t>序列切片</a:t>
+              <a:t>切片</a:t>
             </a:r>
             <a:endParaRPr lang="zh-CN" altLang="en-US">
               <a:latin typeface="Aa小梨涡" panose="02010600010101010101" charset="-122"/>
@@ -14229,7 +16515,7 @@
         </p:spPr>
         <p:txBody>
           <a:bodyPr>
-            <a:normAutofit fontScale="90000"/>
+            <a:normAutofit/>
           </a:bodyPr>
           <a:p>
             <a:r>
@@ -14244,7 +16530,7 @@
                 <a:latin typeface="Aa小梨涡" panose="02010600010101010101" charset="-122"/>
                 <a:ea typeface="Aa小梨涡" panose="02010600010101010101" charset="-122"/>
               </a:rPr>
-              <a:t>序列切片</a:t>
+              <a:t>切片</a:t>
             </a:r>
             <a:endParaRPr lang="zh-CN" altLang="en-US">
               <a:latin typeface="Aa小梨涡" panose="02010600010101010101" charset="-122"/>
@@ -15038,7 +17324,7 @@
         </p:spPr>
         <p:txBody>
           <a:bodyPr>
-            <a:normAutofit fontScale="90000"/>
+            <a:normAutofit/>
           </a:bodyPr>
           <a:p>
             <a:r>
@@ -15053,7 +17339,7 @@
                 <a:latin typeface="Aa小梨涡" panose="02010600010101010101" charset="-122"/>
                 <a:ea typeface="Aa小梨涡" panose="02010600010101010101" charset="-122"/>
               </a:rPr>
-              <a:t>序列切片</a:t>
+              <a:t>切片</a:t>
             </a:r>
             <a:endParaRPr lang="zh-CN" altLang="en-US">
               <a:latin typeface="Aa小梨涡" panose="02010600010101010101" charset="-122"/>
@@ -18993,6 +21279,18 @@
 </p:sld>
 </file>
 
+<file path=ppt/tags/tag1.xml><?xml version="1.0" encoding="utf-8"?>
+<p:tagLst xmlns:p="http://schemas.openxmlformats.org/presentationml/2006/main">
+  <p:tag name="KSO_WM_UNIT_DIAGRAM_MODELTYPE" val="dynamicNum"/>
+  <p:tag name="KSO_WM_BEAUTIFY_FLAG" val="#wm#"/>
+  <p:tag name="KSO_WM_UNIT_TYPE" val="ζ_h_f"/>
+  <p:tag name="KSO_WM_UNIT_DYNMNUM_TYPE" val="1"/>
+  <p:tag name="KSO_WM_DYNAMICNUM_SPEED" val="3"/>
+  <p:tag name="KSO_WM_UNIT_DYNMNUM_DGM_ANIMTYPE" val="5"/>
+  <p:tag name="KSO_WM_UNIT_INDEX" val="1606809616425_1_1"/>
+</p:tagLst>
+</file>
+
 <file path=ppt/theme/theme1.xml><?xml version="1.0" encoding="utf-8"?>
 <a:theme xmlns:a="http://schemas.openxmlformats.org/drawingml/2006/main" name="Office 主题">
   <a:themeElements>

--- a/PPT/CorePython.pptx
+++ b/PPT/CorePython.pptx
@@ -20,32 +20,40 @@
     <p:sldId id="265" r:id="rId15"/>
     <p:sldId id="266" r:id="rId16"/>
     <p:sldId id="267" r:id="rId17"/>
-    <p:sldId id="268" r:id="rId18"/>
-    <p:sldId id="269" r:id="rId19"/>
-    <p:sldId id="270" r:id="rId20"/>
+    <p:sldId id="289" r:id="rId18"/>
+    <p:sldId id="268" r:id="rId19"/>
+    <p:sldId id="269" r:id="rId20"/>
+    <p:sldId id="270" r:id="rId21"/>
+    <p:sldId id="290" r:id="rId22"/>
+    <p:sldId id="291" r:id="rId23"/>
+    <p:sldId id="292" r:id="rId24"/>
+    <p:sldId id="293" r:id="rId25"/>
+    <p:sldId id="294" r:id="rId26"/>
+    <p:sldId id="295" r:id="rId27"/>
+    <p:sldId id="296" r:id="rId28"/>
   </p:sldIdLst>
   <p:sldSz cx="12192000" cy="6858000"/>
   <p:notesSz cx="6858000" cy="9144000"/>
   <p:embeddedFontLst>
     <p:embeddedFont>
       <p:font typeface="Aa小梨涡" panose="02010600010101010101" charset="-122"/>
-      <p:regular r:id="rId24"/>
+      <p:regular r:id="rId32"/>
     </p:embeddedFont>
     <p:embeddedFont>
       <p:font typeface="微软雅黑" panose="020B0503020204020204" charset="-122"/>
-      <p:regular r:id="rId25"/>
+      <p:regular r:id="rId33"/>
     </p:embeddedFont>
     <p:embeddedFont>
       <p:font typeface="Comic Sans MS" panose="030F0702030302020204" charset="0"/>
-      <p:regular r:id="rId26"/>
-      <p:bold r:id="rId27"/>
+      <p:regular r:id="rId34"/>
+      <p:bold r:id="rId35"/>
     </p:embeddedFont>
     <p:embeddedFont>
       <p:font typeface="Calibri" panose="020F0502020204030204" charset="0"/>
-      <p:regular r:id="rId28"/>
-      <p:bold r:id="rId29"/>
-      <p:italic r:id="rId30"/>
-      <p:boldItalic r:id="rId31"/>
+      <p:regular r:id="rId36"/>
+      <p:bold r:id="rId37"/>
+      <p:italic r:id="rId38"/>
+      <p:boldItalic r:id="rId39"/>
     </p:embeddedFont>
   </p:embeddedFontLst>
   <p:defaultTextStyle>
@@ -6124,8 +6132,8 @@
         </p:nvSpPr>
         <p:spPr>
           <a:xfrm>
-            <a:off x="4443730" y="245745"/>
-            <a:ext cx="3253740" cy="817245"/>
+            <a:off x="3754755" y="245745"/>
+            <a:ext cx="4580890" cy="817245"/>
           </a:xfrm>
         </p:spPr>
         <p:txBody>
@@ -6138,14 +6146,14 @@
                 <a:latin typeface="Aa小梨涡" panose="02010600010101010101" charset="-122"/>
                 <a:ea typeface="Aa小梨涡" panose="02010600010101010101" charset="-122"/>
               </a:rPr>
-              <a:t>2.7 </a:t>
+              <a:t>3.1 </a:t>
             </a:r>
             <a:r>
               <a:rPr lang="zh-CN" altLang="en-US">
                 <a:latin typeface="Aa小梨涡" panose="02010600010101010101" charset="-122"/>
                 <a:ea typeface="Aa小梨涡" panose="02010600010101010101" charset="-122"/>
               </a:rPr>
-              <a:t>使用场景</a:t>
+              <a:t>字典和集合基础</a:t>
             </a:r>
             <a:endParaRPr lang="zh-CN" altLang="en-US">
               <a:latin typeface="Aa小梨涡" panose="02010600010101010101" charset="-122"/>
@@ -6247,6 +6255,699 @@
           </a:p>
         </p:txBody>
       </p:sp>
+      <p:sp>
+        <p:nvSpPr>
+          <p:cNvPr id="3" name="文本框 2"/>
+          <p:cNvSpPr txBox="1"/>
+          <p:nvPr/>
+        </p:nvSpPr>
+        <p:spPr>
+          <a:xfrm>
+            <a:off x="404495" y="1210310"/>
+            <a:ext cx="11281410" cy="1886585"/>
+          </a:xfrm>
+          <a:prstGeom prst="rect">
+            <a:avLst/>
+          </a:prstGeom>
+          <a:noFill/>
+          <a:ln>
+            <a:noFill/>
+          </a:ln>
+        </p:spPr>
+        <p:txBody>
+          <a:bodyPr wrap="square" rtlCol="0">
+            <a:spAutoFit/>
+          </a:bodyPr>
+          <a:p>
+            <a:pPr fontAlgn="auto">
+              <a:lnSpc>
+                <a:spcPts val="3500"/>
+              </a:lnSpc>
+            </a:pPr>
+            <a:r>
+              <a:rPr lang="en-US" sz="2200">
+                <a:latin typeface="Aa小梨涡" panose="02010600010101010101" charset="-122"/>
+                <a:ea typeface="Aa小梨涡" panose="02010600010101010101" charset="-122"/>
+                <a:cs typeface="Aa小梨涡" panose="02010600010101010101" charset="-122"/>
+                <a:sym typeface="+mn-ea"/>
+              </a:rPr>
+              <a:t>1. </a:t>
+            </a:r>
+            <a:r>
+              <a:rPr lang="zh-CN" altLang="en-US" sz="2200">
+                <a:latin typeface="Aa小梨涡" panose="02010600010101010101" charset="-122"/>
+                <a:ea typeface="Aa小梨涡" panose="02010600010101010101" charset="-122"/>
+                <a:cs typeface="Aa小梨涡" panose="02010600010101010101" charset="-122"/>
+                <a:sym typeface="+mn-ea"/>
+              </a:rPr>
+              <a:t>定义</a:t>
+            </a:r>
+            <a:endParaRPr lang="zh-CN" altLang="en-US" sz="2200">
+              <a:latin typeface="Aa小梨涡" panose="02010600010101010101" charset="-122"/>
+              <a:ea typeface="Aa小梨涡" panose="02010600010101010101" charset="-122"/>
+              <a:cs typeface="Aa小梨涡" panose="02010600010101010101" charset="-122"/>
+              <a:sym typeface="+mn-ea"/>
+            </a:endParaRPr>
+          </a:p>
+          <a:p>
+            <a:pPr fontAlgn="auto">
+              <a:lnSpc>
+                <a:spcPts val="3500"/>
+              </a:lnSpc>
+            </a:pPr>
+            <a:r>
+              <a:rPr lang="en-US" sz="2200">
+                <a:latin typeface="Aa小梨涡" panose="02010600010101010101" charset="-122"/>
+                <a:ea typeface="Aa小梨涡" panose="02010600010101010101" charset="-122"/>
+                <a:cs typeface="Aa小梨涡" panose="02010600010101010101" charset="-122"/>
+                <a:sym typeface="+mn-ea"/>
+              </a:rPr>
+              <a:t>       集合是一系列无序的、唯一的元素组合。</a:t>
+            </a:r>
+            <a:endParaRPr lang="en-US" sz="2200">
+              <a:latin typeface="Aa小梨涡" panose="02010600010101010101" charset="-122"/>
+              <a:ea typeface="Aa小梨涡" panose="02010600010101010101" charset="-122"/>
+              <a:cs typeface="Aa小梨涡" panose="02010600010101010101" charset="-122"/>
+              <a:sym typeface="+mn-ea"/>
+            </a:endParaRPr>
+          </a:p>
+          <a:p>
+            <a:pPr fontAlgn="auto">
+              <a:lnSpc>
+                <a:spcPts val="3500"/>
+              </a:lnSpc>
+            </a:pPr>
+            <a:r>
+              <a:rPr lang="en-US" sz="2200">
+                <a:latin typeface="Aa小梨涡" panose="02010600010101010101" charset="-122"/>
+                <a:ea typeface="Aa小梨涡" panose="02010600010101010101" charset="-122"/>
+                <a:cs typeface="Aa小梨涡" panose="02010600010101010101" charset="-122"/>
+                <a:sym typeface="+mn-ea"/>
+              </a:rPr>
+              <a:t>        字典是一系列由键（key）和值（value）配对组成的元素的集合，在 Python3.7+，字典被确定为有序</a:t>
+            </a:r>
+            <a:r>
+              <a:rPr lang="zh-CN" altLang="en-US" sz="2200">
+                <a:latin typeface="Aa小梨涡" panose="02010600010101010101" charset="-122"/>
+                <a:ea typeface="Aa小梨涡" panose="02010600010101010101" charset="-122"/>
+                <a:cs typeface="Aa小梨涡" panose="02010600010101010101" charset="-122"/>
+                <a:sym typeface="+mn-ea"/>
+              </a:rPr>
+              <a:t>，</a:t>
+            </a:r>
+            <a:r>
+              <a:rPr lang="en-US" altLang="zh-CN" sz="2200">
+                <a:latin typeface="Aa小梨涡" panose="02010600010101010101" charset="-122"/>
+                <a:ea typeface="Aa小梨涡" panose="02010600010101010101" charset="-122"/>
+                <a:cs typeface="Aa小梨涡" panose="02010600010101010101" charset="-122"/>
+                <a:sym typeface="+mn-ea"/>
+              </a:rPr>
+              <a:t>key</a:t>
+            </a:r>
+            <a:r>
+              <a:rPr lang="zh-CN" altLang="en-US" sz="2200">
+                <a:latin typeface="Aa小梨涡" panose="02010600010101010101" charset="-122"/>
+                <a:ea typeface="Aa小梨涡" panose="02010600010101010101" charset="-122"/>
+                <a:cs typeface="Aa小梨涡" panose="02010600010101010101" charset="-122"/>
+                <a:sym typeface="+mn-ea"/>
+              </a:rPr>
+              <a:t>的值是唯一的。</a:t>
+            </a:r>
+            <a:endParaRPr lang="zh-CN" altLang="en-US" sz="2200">
+              <a:latin typeface="Aa小梨涡" panose="02010600010101010101" charset="-122"/>
+              <a:ea typeface="Aa小梨涡" panose="02010600010101010101" charset="-122"/>
+              <a:cs typeface="Aa小梨涡" panose="02010600010101010101" charset="-122"/>
+              <a:sym typeface="+mn-ea"/>
+            </a:endParaRPr>
+          </a:p>
+        </p:txBody>
+      </p:sp>
+      <p:sp>
+        <p:nvSpPr>
+          <p:cNvPr id="4" name="任意多边形 3"/>
+          <p:cNvSpPr/>
+          <p:nvPr/>
+        </p:nvSpPr>
+        <p:spPr>
+          <a:xfrm>
+            <a:off x="2685415" y="1730375"/>
+            <a:ext cx="908685" cy="409575"/>
+          </a:xfrm>
+          <a:custGeom>
+            <a:avLst/>
+            <a:gdLst>
+              <a:gd name="connsiteX0" fmla="*/ 716 w 1431"/>
+              <a:gd name="connsiteY0" fmla="*/ 0 h 645"/>
+              <a:gd name="connsiteX1" fmla="*/ 1431 w 1431"/>
+              <a:gd name="connsiteY1" fmla="*/ 323 h 645"/>
+              <a:gd name="connsiteX2" fmla="*/ 716 w 1431"/>
+              <a:gd name="connsiteY2" fmla="*/ 645 h 645"/>
+              <a:gd name="connsiteX3" fmla="*/ 0 w 1431"/>
+              <a:gd name="connsiteY3" fmla="*/ 323 h 645"/>
+              <a:gd name="connsiteX4" fmla="*/ 881 w 1431"/>
+              <a:gd name="connsiteY4" fmla="*/ 165 h 645"/>
+            </a:gdLst>
+            <a:ahLst/>
+            <a:cxnLst>
+              <a:cxn ang="0">
+                <a:pos x="connsiteX0" y="connsiteY0"/>
+              </a:cxn>
+              <a:cxn ang="0">
+                <a:pos x="connsiteX1" y="connsiteY1"/>
+              </a:cxn>
+              <a:cxn ang="0">
+                <a:pos x="connsiteX2" y="connsiteY2"/>
+              </a:cxn>
+              <a:cxn ang="0">
+                <a:pos x="connsiteX3" y="connsiteY3"/>
+              </a:cxn>
+              <a:cxn ang="0">
+                <a:pos x="connsiteX4" y="connsiteY4"/>
+              </a:cxn>
+            </a:cxnLst>
+            <a:rect l="l" t="t" r="r" b="b"/>
+            <a:pathLst>
+              <a:path w="1431" h="645">
+                <a:moveTo>
+                  <a:pt x="716" y="0"/>
+                </a:moveTo>
+                <a:cubicBezTo>
+                  <a:pt x="1111" y="0"/>
+                  <a:pt x="1431" y="144"/>
+                  <a:pt x="1431" y="323"/>
+                </a:cubicBezTo>
+                <a:cubicBezTo>
+                  <a:pt x="1431" y="501"/>
+                  <a:pt x="1111" y="645"/>
+                  <a:pt x="716" y="645"/>
+                </a:cubicBezTo>
+                <a:cubicBezTo>
+                  <a:pt x="320" y="645"/>
+                  <a:pt x="0" y="501"/>
+                  <a:pt x="0" y="323"/>
+                </a:cubicBezTo>
+                <a:cubicBezTo>
+                  <a:pt x="0" y="144"/>
+                  <a:pt x="320" y="0"/>
+                  <a:pt x="881" y="165"/>
+                </a:cubicBezTo>
+              </a:path>
+            </a:pathLst>
+          </a:custGeom>
+          <a:noFill/>
+          <a:ln>
+            <a:solidFill>
+              <a:srgbClr val="FF0000"/>
+            </a:solidFill>
+          </a:ln>
+        </p:spPr>
+        <p:txBody>
+          <a:bodyPr/>
+          <a:p>
+            <a:pPr eaLnBrk="1" hangingPunct="1">
+              <a:spcBef>
+                <a:spcPct val="0"/>
+              </a:spcBef>
+              <a:buFontTx/>
+              <a:buNone/>
+            </a:pPr>
+            <a:endParaRPr lang="zh-CN" altLang="en-US" sz="1800">
+              <a:solidFill>
+                <a:schemeClr val="tx1"/>
+              </a:solidFill>
+              <a:ea typeface="宋体" panose="02010600030101010101" pitchFamily="2" charset="-122"/>
+            </a:endParaRPr>
+          </a:p>
+        </p:txBody>
+      </p:sp>
+      <p:sp>
+        <p:nvSpPr>
+          <p:cNvPr id="5" name="任意多边形 4"/>
+          <p:cNvSpPr/>
+          <p:nvPr/>
+        </p:nvSpPr>
+        <p:spPr>
+          <a:xfrm>
+            <a:off x="3671570" y="1730375"/>
+            <a:ext cx="908685" cy="409575"/>
+          </a:xfrm>
+          <a:custGeom>
+            <a:avLst/>
+            <a:gdLst>
+              <a:gd name="connsiteX0" fmla="*/ 716 w 1431"/>
+              <a:gd name="connsiteY0" fmla="*/ 0 h 645"/>
+              <a:gd name="connsiteX1" fmla="*/ 1431 w 1431"/>
+              <a:gd name="connsiteY1" fmla="*/ 323 h 645"/>
+              <a:gd name="connsiteX2" fmla="*/ 716 w 1431"/>
+              <a:gd name="connsiteY2" fmla="*/ 645 h 645"/>
+              <a:gd name="connsiteX3" fmla="*/ 0 w 1431"/>
+              <a:gd name="connsiteY3" fmla="*/ 323 h 645"/>
+              <a:gd name="connsiteX4" fmla="*/ 881 w 1431"/>
+              <a:gd name="connsiteY4" fmla="*/ 165 h 645"/>
+            </a:gdLst>
+            <a:ahLst/>
+            <a:cxnLst>
+              <a:cxn ang="0">
+                <a:pos x="connsiteX0" y="connsiteY0"/>
+              </a:cxn>
+              <a:cxn ang="0">
+                <a:pos x="connsiteX1" y="connsiteY1"/>
+              </a:cxn>
+              <a:cxn ang="0">
+                <a:pos x="connsiteX2" y="connsiteY2"/>
+              </a:cxn>
+              <a:cxn ang="0">
+                <a:pos x="connsiteX3" y="connsiteY3"/>
+              </a:cxn>
+              <a:cxn ang="0">
+                <a:pos x="connsiteX4" y="connsiteY4"/>
+              </a:cxn>
+            </a:cxnLst>
+            <a:rect l="l" t="t" r="r" b="b"/>
+            <a:pathLst>
+              <a:path w="1431" h="645">
+                <a:moveTo>
+                  <a:pt x="716" y="0"/>
+                </a:moveTo>
+                <a:cubicBezTo>
+                  <a:pt x="1111" y="0"/>
+                  <a:pt x="1431" y="144"/>
+                  <a:pt x="1431" y="323"/>
+                </a:cubicBezTo>
+                <a:cubicBezTo>
+                  <a:pt x="1431" y="501"/>
+                  <a:pt x="1111" y="645"/>
+                  <a:pt x="716" y="645"/>
+                </a:cubicBezTo>
+                <a:cubicBezTo>
+                  <a:pt x="320" y="645"/>
+                  <a:pt x="0" y="501"/>
+                  <a:pt x="0" y="323"/>
+                </a:cubicBezTo>
+                <a:cubicBezTo>
+                  <a:pt x="0" y="144"/>
+                  <a:pt x="320" y="0"/>
+                  <a:pt x="881" y="165"/>
+                </a:cubicBezTo>
+              </a:path>
+            </a:pathLst>
+          </a:custGeom>
+          <a:noFill/>
+          <a:ln>
+            <a:solidFill>
+              <a:srgbClr val="FF0000"/>
+            </a:solidFill>
+          </a:ln>
+        </p:spPr>
+        <p:txBody>
+          <a:bodyPr/>
+          <a:p>
+            <a:pPr eaLnBrk="1" hangingPunct="1">
+              <a:spcBef>
+                <a:spcPct val="0"/>
+              </a:spcBef>
+              <a:buFontTx/>
+              <a:buNone/>
+            </a:pPr>
+            <a:endParaRPr lang="zh-CN" altLang="en-US" sz="1800">
+              <a:solidFill>
+                <a:schemeClr val="tx1"/>
+              </a:solidFill>
+              <a:ea typeface="宋体" panose="02010600030101010101" pitchFamily="2" charset="-122"/>
+            </a:endParaRPr>
+          </a:p>
+        </p:txBody>
+      </p:sp>
+      <p:sp>
+        <p:nvSpPr>
+          <p:cNvPr id="6" name="任意多边形 5"/>
+          <p:cNvSpPr/>
+          <p:nvPr/>
+        </p:nvSpPr>
+        <p:spPr>
+          <a:xfrm>
+            <a:off x="1574165" y="2616200"/>
+            <a:ext cx="720090" cy="409575"/>
+          </a:xfrm>
+          <a:custGeom>
+            <a:avLst/>
+            <a:gdLst>
+              <a:gd name="connsiteX0" fmla="*/ 716 w 1431"/>
+              <a:gd name="connsiteY0" fmla="*/ 0 h 645"/>
+              <a:gd name="connsiteX1" fmla="*/ 1431 w 1431"/>
+              <a:gd name="connsiteY1" fmla="*/ 323 h 645"/>
+              <a:gd name="connsiteX2" fmla="*/ 716 w 1431"/>
+              <a:gd name="connsiteY2" fmla="*/ 645 h 645"/>
+              <a:gd name="connsiteX3" fmla="*/ 0 w 1431"/>
+              <a:gd name="connsiteY3" fmla="*/ 323 h 645"/>
+              <a:gd name="connsiteX4" fmla="*/ 881 w 1431"/>
+              <a:gd name="connsiteY4" fmla="*/ 165 h 645"/>
+            </a:gdLst>
+            <a:ahLst/>
+            <a:cxnLst>
+              <a:cxn ang="0">
+                <a:pos x="connsiteX0" y="connsiteY0"/>
+              </a:cxn>
+              <a:cxn ang="0">
+                <a:pos x="connsiteX1" y="connsiteY1"/>
+              </a:cxn>
+              <a:cxn ang="0">
+                <a:pos x="connsiteX2" y="connsiteY2"/>
+              </a:cxn>
+              <a:cxn ang="0">
+                <a:pos x="connsiteX3" y="connsiteY3"/>
+              </a:cxn>
+              <a:cxn ang="0">
+                <a:pos x="connsiteX4" y="connsiteY4"/>
+              </a:cxn>
+            </a:cxnLst>
+            <a:rect l="l" t="t" r="r" b="b"/>
+            <a:pathLst>
+              <a:path w="1431" h="645">
+                <a:moveTo>
+                  <a:pt x="716" y="0"/>
+                </a:moveTo>
+                <a:cubicBezTo>
+                  <a:pt x="1111" y="0"/>
+                  <a:pt x="1431" y="144"/>
+                  <a:pt x="1431" y="323"/>
+                </a:cubicBezTo>
+                <a:cubicBezTo>
+                  <a:pt x="1431" y="501"/>
+                  <a:pt x="1111" y="645"/>
+                  <a:pt x="716" y="645"/>
+                </a:cubicBezTo>
+                <a:cubicBezTo>
+                  <a:pt x="320" y="645"/>
+                  <a:pt x="0" y="501"/>
+                  <a:pt x="0" y="323"/>
+                </a:cubicBezTo>
+                <a:cubicBezTo>
+                  <a:pt x="0" y="144"/>
+                  <a:pt x="320" y="0"/>
+                  <a:pt x="881" y="165"/>
+                </a:cubicBezTo>
+              </a:path>
+            </a:pathLst>
+          </a:custGeom>
+          <a:noFill/>
+          <a:ln>
+            <a:solidFill>
+              <a:srgbClr val="FF0000"/>
+            </a:solidFill>
+          </a:ln>
+        </p:spPr>
+        <p:txBody>
+          <a:bodyPr/>
+          <a:p>
+            <a:pPr eaLnBrk="1" hangingPunct="1">
+              <a:spcBef>
+                <a:spcPct val="0"/>
+              </a:spcBef>
+              <a:buFontTx/>
+              <a:buNone/>
+            </a:pPr>
+            <a:endParaRPr lang="zh-CN" altLang="en-US" sz="1800">
+              <a:solidFill>
+                <a:schemeClr val="tx1"/>
+              </a:solidFill>
+              <a:ea typeface="宋体" panose="02010600030101010101" pitchFamily="2" charset="-122"/>
+            </a:endParaRPr>
+          </a:p>
+        </p:txBody>
+      </p:sp>
+      <p:sp>
+        <p:nvSpPr>
+          <p:cNvPr id="7" name="任意多边形 6"/>
+          <p:cNvSpPr/>
+          <p:nvPr/>
+        </p:nvSpPr>
+        <p:spPr>
+          <a:xfrm>
+            <a:off x="3594100" y="2616200"/>
+            <a:ext cx="761365" cy="409575"/>
+          </a:xfrm>
+          <a:custGeom>
+            <a:avLst/>
+            <a:gdLst>
+              <a:gd name="connsiteX0" fmla="*/ 716 w 1431"/>
+              <a:gd name="connsiteY0" fmla="*/ 0 h 645"/>
+              <a:gd name="connsiteX1" fmla="*/ 1431 w 1431"/>
+              <a:gd name="connsiteY1" fmla="*/ 323 h 645"/>
+              <a:gd name="connsiteX2" fmla="*/ 716 w 1431"/>
+              <a:gd name="connsiteY2" fmla="*/ 645 h 645"/>
+              <a:gd name="connsiteX3" fmla="*/ 0 w 1431"/>
+              <a:gd name="connsiteY3" fmla="*/ 323 h 645"/>
+              <a:gd name="connsiteX4" fmla="*/ 881 w 1431"/>
+              <a:gd name="connsiteY4" fmla="*/ 165 h 645"/>
+            </a:gdLst>
+            <a:ahLst/>
+            <a:cxnLst>
+              <a:cxn ang="0">
+                <a:pos x="connsiteX0" y="connsiteY0"/>
+              </a:cxn>
+              <a:cxn ang="0">
+                <a:pos x="connsiteX1" y="connsiteY1"/>
+              </a:cxn>
+              <a:cxn ang="0">
+                <a:pos x="connsiteX2" y="connsiteY2"/>
+              </a:cxn>
+              <a:cxn ang="0">
+                <a:pos x="connsiteX3" y="connsiteY3"/>
+              </a:cxn>
+              <a:cxn ang="0">
+                <a:pos x="connsiteX4" y="connsiteY4"/>
+              </a:cxn>
+            </a:cxnLst>
+            <a:rect l="l" t="t" r="r" b="b"/>
+            <a:pathLst>
+              <a:path w="1431" h="645">
+                <a:moveTo>
+                  <a:pt x="716" y="0"/>
+                </a:moveTo>
+                <a:cubicBezTo>
+                  <a:pt x="1111" y="0"/>
+                  <a:pt x="1431" y="144"/>
+                  <a:pt x="1431" y="323"/>
+                </a:cubicBezTo>
+                <a:cubicBezTo>
+                  <a:pt x="1431" y="501"/>
+                  <a:pt x="1111" y="645"/>
+                  <a:pt x="716" y="645"/>
+                </a:cubicBezTo>
+                <a:cubicBezTo>
+                  <a:pt x="320" y="645"/>
+                  <a:pt x="0" y="501"/>
+                  <a:pt x="0" y="323"/>
+                </a:cubicBezTo>
+                <a:cubicBezTo>
+                  <a:pt x="0" y="144"/>
+                  <a:pt x="320" y="0"/>
+                  <a:pt x="881" y="165"/>
+                </a:cubicBezTo>
+              </a:path>
+            </a:pathLst>
+          </a:custGeom>
+          <a:noFill/>
+          <a:ln>
+            <a:solidFill>
+              <a:srgbClr val="FF0000"/>
+            </a:solidFill>
+          </a:ln>
+        </p:spPr>
+        <p:txBody>
+          <a:bodyPr/>
+          <a:p>
+            <a:pPr eaLnBrk="1" hangingPunct="1">
+              <a:spcBef>
+                <a:spcPct val="0"/>
+              </a:spcBef>
+              <a:buFontTx/>
+              <a:buNone/>
+            </a:pPr>
+            <a:endParaRPr lang="zh-CN" altLang="en-US" sz="1800">
+              <a:solidFill>
+                <a:schemeClr val="tx1"/>
+              </a:solidFill>
+              <a:ea typeface="宋体" panose="02010600030101010101" pitchFamily="2" charset="-122"/>
+            </a:endParaRPr>
+          </a:p>
+        </p:txBody>
+      </p:sp>
+      <p:sp>
+        <p:nvSpPr>
+          <p:cNvPr id="8" name="文本框 7"/>
+          <p:cNvSpPr txBox="1"/>
+          <p:nvPr/>
+        </p:nvSpPr>
+        <p:spPr>
+          <a:xfrm>
+            <a:off x="404495" y="3285490"/>
+            <a:ext cx="11282045" cy="1753235"/>
+          </a:xfrm>
+          <a:prstGeom prst="rect">
+            <a:avLst/>
+          </a:prstGeom>
+          <a:noFill/>
+          <a:ln>
+            <a:solidFill>
+              <a:schemeClr val="accent1"/>
+            </a:solidFill>
+          </a:ln>
+        </p:spPr>
+        <p:txBody>
+          <a:bodyPr wrap="square" rtlCol="0">
+            <a:spAutoFit/>
+          </a:bodyPr>
+          <a:p>
+            <a:pPr algn="l" fontAlgn="auto">
+              <a:lnSpc>
+                <a:spcPct val="150000"/>
+              </a:lnSpc>
+            </a:pPr>
+            <a:r>
+              <a:rPr>
+                <a:latin typeface="Comic Sans MS" panose="030F0702030302020204" charset="0"/>
+                <a:cs typeface="Comic Sans MS" panose="030F0702030302020204" charset="0"/>
+                <a:sym typeface="+mn-ea"/>
+              </a:rPr>
+              <a:t>d1 = {'name': 'jason', 'age': 20, 'gender': 'male'}</a:t>
+            </a:r>
+            <a:endParaRPr>
+              <a:latin typeface="Comic Sans MS" panose="030F0702030302020204" charset="0"/>
+              <a:cs typeface="Comic Sans MS" panose="030F0702030302020204" charset="0"/>
+              <a:sym typeface="+mn-ea"/>
+            </a:endParaRPr>
+          </a:p>
+          <a:p>
+            <a:pPr algn="l" fontAlgn="auto">
+              <a:lnSpc>
+                <a:spcPct val="150000"/>
+              </a:lnSpc>
+            </a:pPr>
+            <a:r>
+              <a:rPr>
+                <a:latin typeface="Comic Sans MS" panose="030F0702030302020204" charset="0"/>
+                <a:cs typeface="Comic Sans MS" panose="030F0702030302020204" charset="0"/>
+                <a:sym typeface="+mn-ea"/>
+              </a:rPr>
+              <a:t>d2 = dict({'name': 'jason', 'age': 20, 'gender': 'male'})</a:t>
+            </a:r>
+            <a:endParaRPr>
+              <a:latin typeface="Comic Sans MS" panose="030F0702030302020204" charset="0"/>
+              <a:cs typeface="Comic Sans MS" panose="030F0702030302020204" charset="0"/>
+              <a:sym typeface="+mn-ea"/>
+            </a:endParaRPr>
+          </a:p>
+          <a:p>
+            <a:pPr algn="l" fontAlgn="auto">
+              <a:lnSpc>
+                <a:spcPct val="150000"/>
+              </a:lnSpc>
+            </a:pPr>
+            <a:r>
+              <a:rPr>
+                <a:latin typeface="Comic Sans MS" panose="030F0702030302020204" charset="0"/>
+                <a:cs typeface="Comic Sans MS" panose="030F0702030302020204" charset="0"/>
+                <a:sym typeface="+mn-ea"/>
+              </a:rPr>
+              <a:t>d3 = dict([('name', 'jason'), ('age', 20), ('gender', 'male')])</a:t>
+            </a:r>
+            <a:endParaRPr>
+              <a:latin typeface="Comic Sans MS" panose="030F0702030302020204" charset="0"/>
+              <a:cs typeface="Comic Sans MS" panose="030F0702030302020204" charset="0"/>
+              <a:sym typeface="+mn-ea"/>
+            </a:endParaRPr>
+          </a:p>
+          <a:p>
+            <a:pPr algn="l" fontAlgn="auto">
+              <a:lnSpc>
+                <a:spcPct val="150000"/>
+              </a:lnSpc>
+            </a:pPr>
+            <a:r>
+              <a:rPr>
+                <a:latin typeface="Comic Sans MS" panose="030F0702030302020204" charset="0"/>
+                <a:cs typeface="Comic Sans MS" panose="030F0702030302020204" charset="0"/>
+                <a:sym typeface="+mn-ea"/>
+              </a:rPr>
+              <a:t>d4 = dict(name='jason', age=20, gender='male')</a:t>
+            </a:r>
+            <a:endParaRPr>
+              <a:latin typeface="Comic Sans MS" panose="030F0702030302020204" charset="0"/>
+              <a:cs typeface="Comic Sans MS" panose="030F0702030302020204" charset="0"/>
+              <a:sym typeface="+mn-ea"/>
+            </a:endParaRPr>
+          </a:p>
+        </p:txBody>
+      </p:sp>
+      <p:sp>
+        <p:nvSpPr>
+          <p:cNvPr id="9" name="文本框 8"/>
+          <p:cNvSpPr txBox="1"/>
+          <p:nvPr/>
+        </p:nvSpPr>
+        <p:spPr>
+          <a:xfrm>
+            <a:off x="404495" y="5222875"/>
+            <a:ext cx="11282045" cy="922020"/>
+          </a:xfrm>
+          <a:prstGeom prst="rect">
+            <a:avLst/>
+          </a:prstGeom>
+          <a:noFill/>
+          <a:ln>
+            <a:solidFill>
+              <a:schemeClr val="accent1"/>
+            </a:solidFill>
+          </a:ln>
+        </p:spPr>
+        <p:txBody>
+          <a:bodyPr wrap="square" rtlCol="0">
+            <a:spAutoFit/>
+          </a:bodyPr>
+          <a:p>
+            <a:pPr algn="l" fontAlgn="auto">
+              <a:lnSpc>
+                <a:spcPct val="150000"/>
+              </a:lnSpc>
+            </a:pPr>
+            <a:r>
+              <a:rPr>
+                <a:latin typeface="Comic Sans MS" panose="030F0702030302020204" charset="0"/>
+                <a:cs typeface="Comic Sans MS" panose="030F0702030302020204" charset="0"/>
+                <a:sym typeface="+mn-ea"/>
+              </a:rPr>
+              <a:t>s1 = {1, 2, 3}</a:t>
+            </a:r>
+            <a:endParaRPr>
+              <a:latin typeface="Comic Sans MS" panose="030F0702030302020204" charset="0"/>
+              <a:cs typeface="Comic Sans MS" panose="030F0702030302020204" charset="0"/>
+              <a:sym typeface="+mn-ea"/>
+            </a:endParaRPr>
+          </a:p>
+          <a:p>
+            <a:pPr algn="l" fontAlgn="auto">
+              <a:lnSpc>
+                <a:spcPct val="150000"/>
+              </a:lnSpc>
+            </a:pPr>
+            <a:r>
+              <a:rPr>
+                <a:latin typeface="Comic Sans MS" panose="030F0702030302020204" charset="0"/>
+                <a:cs typeface="Comic Sans MS" panose="030F0702030302020204" charset="0"/>
+                <a:sym typeface="+mn-ea"/>
+              </a:rPr>
+              <a:t>s2 = set([1, 2, 3])</a:t>
+            </a:r>
+            <a:endParaRPr>
+              <a:latin typeface="Comic Sans MS" panose="030F0702030302020204" charset="0"/>
+              <a:cs typeface="Comic Sans MS" panose="030F0702030302020204" charset="0"/>
+              <a:sym typeface="+mn-ea"/>
+            </a:endParaRPr>
+          </a:p>
+        </p:txBody>
+      </p:sp>
     </p:spTree>
   </p:cSld>
   <p:clrMapOvr>
@@ -6255,9 +6956,323 @@
   <p:timing>
     <p:tnLst>
       <p:par>
-        <p:cTn id="1" dur="indefinite" restart="never" nodeType="tmRoot"/>
+        <p:cTn id="1" dur="indefinite" restart="never" nodeType="tmRoot">
+          <p:childTnLst>
+            <p:seq concurrent="1" nextAc="seek">
+              <p:cTn id="2" dur="indefinite" nodeType="mainSeq">
+                <p:childTnLst>
+                  <p:par>
+                    <p:cTn id="3" fill="hold">
+                      <p:stCondLst>
+                        <p:cond delay="indefinite"/>
+                      </p:stCondLst>
+                      <p:childTnLst>
+                        <p:par>
+                          <p:cTn id="4" fill="hold">
+                            <p:stCondLst>
+                              <p:cond delay="0"/>
+                            </p:stCondLst>
+                            <p:childTnLst>
+                              <p:par>
+                                <p:cTn id="5" presetID="1" presetClass="entr" presetSubtype="0" fill="hold" grpId="0" nodeType="clickEffect">
+                                  <p:stCondLst>
+                                    <p:cond delay="0"/>
+                                  </p:stCondLst>
+                                  <p:childTnLst>
+                                    <p:set>
+                                      <p:cBhvr>
+                                        <p:cTn id="6" dur="1" fill="hold">
+                                          <p:stCondLst>
+                                            <p:cond delay="0"/>
+                                          </p:stCondLst>
+                                        </p:cTn>
+                                        <p:tgtEl>
+                                          <p:spTgt spid="3"/>
+                                        </p:tgtEl>
+                                        <p:attrNameLst>
+                                          <p:attrName>style.visibility</p:attrName>
+                                        </p:attrNameLst>
+                                      </p:cBhvr>
+                                      <p:to>
+                                        <p:strVal val="visible"/>
+                                      </p:to>
+                                    </p:set>
+                                  </p:childTnLst>
+                                </p:cTn>
+                              </p:par>
+                            </p:childTnLst>
+                          </p:cTn>
+                        </p:par>
+                      </p:childTnLst>
+                    </p:cTn>
+                  </p:par>
+                  <p:par>
+                    <p:cTn id="7" fill="hold">
+                      <p:stCondLst>
+                        <p:cond delay="indefinite"/>
+                      </p:stCondLst>
+                      <p:childTnLst>
+                        <p:par>
+                          <p:cTn id="8" fill="hold">
+                            <p:stCondLst>
+                              <p:cond delay="0"/>
+                            </p:stCondLst>
+                            <p:childTnLst>
+                              <p:par>
+                                <p:cTn id="9" presetID="22" presetClass="entr" presetSubtype="4" fill="hold" grpId="0" nodeType="clickEffect">
+                                  <p:stCondLst>
+                                    <p:cond delay="0"/>
+                                  </p:stCondLst>
+                                  <p:childTnLst>
+                                    <p:set>
+                                      <p:cBhvr>
+                                        <p:cTn id="10" dur="1" fill="hold">
+                                          <p:stCondLst>
+                                            <p:cond delay="0"/>
+                                          </p:stCondLst>
+                                        </p:cTn>
+                                        <p:tgtEl>
+                                          <p:spTgt spid="4"/>
+                                        </p:tgtEl>
+                                        <p:attrNameLst>
+                                          <p:attrName>style.visibility</p:attrName>
+                                        </p:attrNameLst>
+                                      </p:cBhvr>
+                                      <p:to>
+                                        <p:strVal val="visible"/>
+                                      </p:to>
+                                    </p:set>
+                                    <p:animEffect transition="in" filter="wipe(down)">
+                                      <p:cBhvr>
+                                        <p:cTn id="11" dur="500"/>
+                                        <p:tgtEl>
+                                          <p:spTgt spid="4"/>
+                                        </p:tgtEl>
+                                      </p:cBhvr>
+                                    </p:animEffect>
+                                  </p:childTnLst>
+                                </p:cTn>
+                              </p:par>
+                              <p:par>
+                                <p:cTn id="12" presetID="22" presetClass="entr" presetSubtype="4" fill="hold" grpId="0" nodeType="withEffect">
+                                  <p:stCondLst>
+                                    <p:cond delay="0"/>
+                                  </p:stCondLst>
+                                  <p:childTnLst>
+                                    <p:set>
+                                      <p:cBhvr>
+                                        <p:cTn id="13" dur="1" fill="hold">
+                                          <p:stCondLst>
+                                            <p:cond delay="0"/>
+                                          </p:stCondLst>
+                                        </p:cTn>
+                                        <p:tgtEl>
+                                          <p:spTgt spid="5"/>
+                                        </p:tgtEl>
+                                        <p:attrNameLst>
+                                          <p:attrName>style.visibility</p:attrName>
+                                        </p:attrNameLst>
+                                      </p:cBhvr>
+                                      <p:to>
+                                        <p:strVal val="visible"/>
+                                      </p:to>
+                                    </p:set>
+                                    <p:animEffect transition="in" filter="wipe(down)">
+                                      <p:cBhvr>
+                                        <p:cTn id="14" dur="500"/>
+                                        <p:tgtEl>
+                                          <p:spTgt spid="5"/>
+                                        </p:tgtEl>
+                                      </p:cBhvr>
+                                    </p:animEffect>
+                                  </p:childTnLst>
+                                </p:cTn>
+                              </p:par>
+                              <p:par>
+                                <p:cTn id="15" presetID="22" presetClass="entr" presetSubtype="4" fill="hold" grpId="0" nodeType="withEffect">
+                                  <p:stCondLst>
+                                    <p:cond delay="0"/>
+                                  </p:stCondLst>
+                                  <p:childTnLst>
+                                    <p:set>
+                                      <p:cBhvr>
+                                        <p:cTn id="16" dur="1" fill="hold">
+                                          <p:stCondLst>
+                                            <p:cond delay="0"/>
+                                          </p:stCondLst>
+                                        </p:cTn>
+                                        <p:tgtEl>
+                                          <p:spTgt spid="6"/>
+                                        </p:tgtEl>
+                                        <p:attrNameLst>
+                                          <p:attrName>style.visibility</p:attrName>
+                                        </p:attrNameLst>
+                                      </p:cBhvr>
+                                      <p:to>
+                                        <p:strVal val="visible"/>
+                                      </p:to>
+                                    </p:set>
+                                    <p:animEffect transition="in" filter="wipe(down)">
+                                      <p:cBhvr>
+                                        <p:cTn id="17" dur="500"/>
+                                        <p:tgtEl>
+                                          <p:spTgt spid="6"/>
+                                        </p:tgtEl>
+                                      </p:cBhvr>
+                                    </p:animEffect>
+                                  </p:childTnLst>
+                                </p:cTn>
+                              </p:par>
+                              <p:par>
+                                <p:cTn id="18" presetID="22" presetClass="entr" presetSubtype="4" fill="hold" grpId="0" nodeType="withEffect">
+                                  <p:stCondLst>
+                                    <p:cond delay="0"/>
+                                  </p:stCondLst>
+                                  <p:childTnLst>
+                                    <p:set>
+                                      <p:cBhvr>
+                                        <p:cTn id="19" dur="1" fill="hold">
+                                          <p:stCondLst>
+                                            <p:cond delay="0"/>
+                                          </p:stCondLst>
+                                        </p:cTn>
+                                        <p:tgtEl>
+                                          <p:spTgt spid="7"/>
+                                        </p:tgtEl>
+                                        <p:attrNameLst>
+                                          <p:attrName>style.visibility</p:attrName>
+                                        </p:attrNameLst>
+                                      </p:cBhvr>
+                                      <p:to>
+                                        <p:strVal val="visible"/>
+                                      </p:to>
+                                    </p:set>
+                                    <p:animEffect transition="in" filter="wipe(down)">
+                                      <p:cBhvr>
+                                        <p:cTn id="20" dur="500"/>
+                                        <p:tgtEl>
+                                          <p:spTgt spid="7"/>
+                                        </p:tgtEl>
+                                      </p:cBhvr>
+                                    </p:animEffect>
+                                  </p:childTnLst>
+                                </p:cTn>
+                              </p:par>
+                            </p:childTnLst>
+                          </p:cTn>
+                        </p:par>
+                      </p:childTnLst>
+                    </p:cTn>
+                  </p:par>
+                  <p:par>
+                    <p:cTn id="21" fill="hold">
+                      <p:stCondLst>
+                        <p:cond delay="indefinite"/>
+                      </p:stCondLst>
+                      <p:childTnLst>
+                        <p:par>
+                          <p:cTn id="22" fill="hold">
+                            <p:stCondLst>
+                              <p:cond delay="0"/>
+                            </p:stCondLst>
+                            <p:childTnLst>
+                              <p:par>
+                                <p:cTn id="23" presetID="1" presetClass="entr" presetSubtype="0" fill="hold" grpId="0" nodeType="clickEffect">
+                                  <p:stCondLst>
+                                    <p:cond delay="0"/>
+                                  </p:stCondLst>
+                                  <p:childTnLst>
+                                    <p:set>
+                                      <p:cBhvr>
+                                        <p:cTn id="24" dur="1" fill="hold">
+                                          <p:stCondLst>
+                                            <p:cond delay="0"/>
+                                          </p:stCondLst>
+                                        </p:cTn>
+                                        <p:tgtEl>
+                                          <p:spTgt spid="8"/>
+                                        </p:tgtEl>
+                                        <p:attrNameLst>
+                                          <p:attrName>style.visibility</p:attrName>
+                                        </p:attrNameLst>
+                                      </p:cBhvr>
+                                      <p:to>
+                                        <p:strVal val="visible"/>
+                                      </p:to>
+                                    </p:set>
+                                  </p:childTnLst>
+                                </p:cTn>
+                              </p:par>
+                              <p:par>
+                                <p:cTn id="25" presetID="1" presetClass="entr" presetSubtype="0" fill="hold" grpId="0" nodeType="withEffect">
+                                  <p:stCondLst>
+                                    <p:cond delay="0"/>
+                                  </p:stCondLst>
+                                  <p:childTnLst>
+                                    <p:set>
+                                      <p:cBhvr>
+                                        <p:cTn id="26" dur="1" fill="hold">
+                                          <p:stCondLst>
+                                            <p:cond delay="0"/>
+                                          </p:stCondLst>
+                                        </p:cTn>
+                                        <p:tgtEl>
+                                          <p:spTgt spid="9"/>
+                                        </p:tgtEl>
+                                        <p:attrNameLst>
+                                          <p:attrName>style.visibility</p:attrName>
+                                        </p:attrNameLst>
+                                      </p:cBhvr>
+                                      <p:to>
+                                        <p:strVal val="visible"/>
+                                      </p:to>
+                                    </p:set>
+                                  </p:childTnLst>
+                                </p:cTn>
+                              </p:par>
+                            </p:childTnLst>
+                          </p:cTn>
+                        </p:par>
+                      </p:childTnLst>
+                    </p:cTn>
+                  </p:par>
+                </p:childTnLst>
+              </p:cTn>
+              <p:prevCondLst>
+                <p:cond evt="onPrev" delay="0">
+                  <p:tgtEl>
+                    <p:sldTgt/>
+                  </p:tgtEl>
+                </p:cond>
+              </p:prevCondLst>
+              <p:nextCondLst>
+                <p:cond evt="onNext" delay="0">
+                  <p:tgtEl>
+                    <p:sldTgt/>
+                  </p:tgtEl>
+                </p:cond>
+              </p:nextCondLst>
+            </p:seq>
+          </p:childTnLst>
+        </p:cTn>
       </p:par>
     </p:tnLst>
+    <p:bldLst>
+      <p:bldP spid="3" grpId="0"/>
+      <p:bldP spid="3" grpId="1"/>
+      <p:bldP spid="8" grpId="0" bldLvl="0" animBg="1"/>
+      <p:bldP spid="8" grpId="1" animBg="1"/>
+      <p:bldP spid="9" grpId="0" bldLvl="0" animBg="1"/>
+      <p:bldP spid="9" grpId="1" animBg="1"/>
+      <p:bldP spid="4" grpId="0" animBg="1"/>
+      <p:bldP spid="4" grpId="1" animBg="1"/>
+      <p:bldP spid="5" grpId="0" animBg="1"/>
+      <p:bldP spid="5" grpId="1" animBg="1"/>
+      <p:bldP spid="6" grpId="0" animBg="1"/>
+      <p:bldP spid="6" grpId="1" animBg="1"/>
+      <p:bldP spid="7" grpId="0" animBg="1"/>
+      <p:bldP spid="7" grpId="1" animBg="1"/>
+    </p:bldLst>
   </p:timing>
 </p:sld>
 </file>
@@ -6274,7 +7289,183 @@
       <p:grpSpPr/>
       <p:sp>
         <p:nvSpPr>
-          <p:cNvPr id="18" name="任意多边形 17"/>
+          <p:cNvPr id="13" name="文本框 12"/>
+          <p:cNvSpPr txBox="1"/>
+          <p:nvPr/>
+        </p:nvSpPr>
+        <p:spPr>
+          <a:xfrm>
+            <a:off x="404495" y="4003040"/>
+            <a:ext cx="11281410" cy="1886585"/>
+          </a:xfrm>
+          <a:prstGeom prst="rect">
+            <a:avLst/>
+          </a:prstGeom>
+          <a:noFill/>
+          <a:ln>
+            <a:noFill/>
+          </a:ln>
+        </p:spPr>
+        <p:txBody>
+          <a:bodyPr wrap="square" rtlCol="0">
+            <a:spAutoFit/>
+          </a:bodyPr>
+          <a:p>
+            <a:pPr fontAlgn="auto">
+              <a:lnSpc>
+                <a:spcPts val="3500"/>
+              </a:lnSpc>
+            </a:pPr>
+            <a:r>
+              <a:rPr lang="en-US" altLang="zh-CN" sz="2200">
+                <a:latin typeface="Calibri" panose="020F0502020204030204" charset="0"/>
+                <a:ea typeface="Aa小梨涡" panose="02010600010101010101" charset="-122"/>
+                <a:cs typeface="Aa小梨涡" panose="02010600010101010101" charset="-122"/>
+                <a:sym typeface="+mn-ea"/>
+              </a:rPr>
+              <a:t>       </a:t>
+            </a:r>
+            <a:r>
+              <a:rPr lang="zh-CN" altLang="en-US" sz="2200">
+                <a:latin typeface="Calibri" panose="020F0502020204030204" charset="0"/>
+                <a:ea typeface="Aa小梨涡" panose="02010600010101010101" charset="-122"/>
+                <a:cs typeface="Aa小梨涡" panose="02010600010101010101" charset="-122"/>
+                <a:sym typeface="+mn-ea"/>
+              </a:rPr>
+              <a:t>字典对象的</a:t>
+            </a:r>
+            <a:r>
+              <a:rPr lang="en-US" altLang="zh-CN" sz="2200">
+                <a:latin typeface="Aa小梨涡" panose="02010600010101010101" charset="-122"/>
+                <a:ea typeface="Aa小梨涡" panose="02010600010101010101" charset="-122"/>
+                <a:cs typeface="Aa小梨涡" panose="02010600010101010101" charset="-122"/>
+                <a:sym typeface="+mn-ea"/>
+              </a:rPr>
+              <a:t>in</a:t>
+            </a:r>
+            <a:r>
+              <a:rPr lang="zh-CN" altLang="en-US" sz="2200">
+                <a:latin typeface="Calibri" panose="020F0502020204030204" charset="0"/>
+                <a:ea typeface="Aa小梨涡" panose="02010600010101010101" charset="-122"/>
+                <a:cs typeface="Aa小梨涡" panose="02010600010101010101" charset="-122"/>
+                <a:sym typeface="+mn-ea"/>
+              </a:rPr>
+              <a:t>运算符使用</a:t>
+            </a:r>
+            <a:r>
+              <a:rPr lang="zh-CN" altLang="en-US" sz="2200">
+                <a:latin typeface="Calibri" panose="020F0502020204030204" charset="0"/>
+                <a:ea typeface="Aa小梨涡" panose="02010600010101010101" charset="-122"/>
+                <a:cs typeface="Aa小梨涡" panose="02010600010101010101" charset="-122"/>
+                <a:sym typeface="+mn-ea"/>
+              </a:rPr>
+              <a:t>小结：</a:t>
+            </a:r>
+            <a:endParaRPr lang="zh-CN" altLang="en-US" sz="2200">
+              <a:latin typeface="Calibri" panose="020F0502020204030204" charset="0"/>
+              <a:ea typeface="Aa小梨涡" panose="02010600010101010101" charset="-122"/>
+              <a:cs typeface="Aa小梨涡" panose="02010600010101010101" charset="-122"/>
+              <a:sym typeface="+mn-ea"/>
+            </a:endParaRPr>
+          </a:p>
+          <a:p>
+            <a:pPr lvl="1" fontAlgn="auto">
+              <a:lnSpc>
+                <a:spcPts val="3500"/>
+              </a:lnSpc>
+            </a:pPr>
+            <a:r>
+              <a:rPr lang="zh-CN" altLang="en-US" sz="2200">
+                <a:latin typeface="Calibri" panose="020F0502020204030204" charset="0"/>
+                <a:ea typeface="Aa小梨涡" panose="02010600010101010101" charset="-122"/>
+                <a:cs typeface="Aa小梨涡" panose="02010600010101010101" charset="-122"/>
+                <a:sym typeface="+mn-ea"/>
+              </a:rPr>
+              <a:t>①</a:t>
+            </a:r>
+            <a:r>
+              <a:rPr lang="zh-CN" altLang="en-US" sz="2200">
+                <a:latin typeface="Aa小梨涡" panose="02010600010101010101" charset="-122"/>
+                <a:ea typeface="Aa小梨涡" panose="02010600010101010101" charset="-122"/>
+                <a:cs typeface="Aa小梨涡" panose="02010600010101010101" charset="-122"/>
+                <a:sym typeface="+mn-ea"/>
+              </a:rPr>
+              <a:t>访问所有keys，dict.keys()；</a:t>
+            </a:r>
+            <a:endParaRPr lang="zh-CN" altLang="en-US" sz="2200">
+              <a:latin typeface="Aa小梨涡" panose="02010600010101010101" charset="-122"/>
+              <a:ea typeface="Aa小梨涡" panose="02010600010101010101" charset="-122"/>
+              <a:cs typeface="Aa小梨涡" panose="02010600010101010101" charset="-122"/>
+              <a:sym typeface="+mn-ea"/>
+            </a:endParaRPr>
+          </a:p>
+          <a:p>
+            <a:pPr lvl="1" fontAlgn="auto">
+              <a:lnSpc>
+                <a:spcPts val="3500"/>
+              </a:lnSpc>
+            </a:pPr>
+            <a:r>
+              <a:rPr lang="zh-CN" altLang="en-US" sz="2200">
+                <a:latin typeface="Calibri" panose="020F0502020204030204" charset="0"/>
+                <a:ea typeface="Aa小梨涡" panose="02010600010101010101" charset="-122"/>
+                <a:cs typeface="Aa小梨涡" panose="02010600010101010101" charset="-122"/>
+                <a:sym typeface="+mn-ea"/>
+              </a:rPr>
+              <a:t>②</a:t>
+            </a:r>
+            <a:r>
+              <a:rPr lang="zh-CN" altLang="en-US" sz="2200">
+                <a:latin typeface="Aa小梨涡" panose="02010600010101010101" charset="-122"/>
+                <a:ea typeface="Aa小梨涡" panose="02010600010101010101" charset="-122"/>
+                <a:cs typeface="Aa小梨涡" panose="02010600010101010101" charset="-122"/>
+                <a:sym typeface="+mn-ea"/>
+              </a:rPr>
+              <a:t>访问所有values, dict.values()；</a:t>
+            </a:r>
+            <a:endParaRPr lang="zh-CN" altLang="en-US" sz="2200">
+              <a:latin typeface="Aa小梨涡" panose="02010600010101010101" charset="-122"/>
+              <a:ea typeface="Aa小梨涡" panose="02010600010101010101" charset="-122"/>
+              <a:cs typeface="Aa小梨涡" panose="02010600010101010101" charset="-122"/>
+              <a:sym typeface="+mn-ea"/>
+            </a:endParaRPr>
+          </a:p>
+          <a:p>
+            <a:pPr lvl="1" fontAlgn="auto">
+              <a:lnSpc>
+                <a:spcPts val="3500"/>
+              </a:lnSpc>
+            </a:pPr>
+            <a:r>
+              <a:rPr lang="zh-CN" altLang="en-US" sz="2200">
+                <a:latin typeface="Calibri" panose="020F0502020204030204" charset="0"/>
+                <a:ea typeface="Aa小梨涡" panose="02010600010101010101" charset="-122"/>
+                <a:cs typeface="Aa小梨涡" panose="02010600010101010101" charset="-122"/>
+                <a:sym typeface="+mn-ea"/>
+              </a:rPr>
+              <a:t>③</a:t>
+            </a:r>
+            <a:r>
+              <a:rPr lang="zh-CN" altLang="en-US" sz="2200">
+                <a:latin typeface="Aa小梨涡" panose="02010600010101010101" charset="-122"/>
+                <a:ea typeface="Aa小梨涡" panose="02010600010101010101" charset="-122"/>
+                <a:cs typeface="Aa小梨涡" panose="02010600010101010101" charset="-122"/>
+                <a:sym typeface="+mn-ea"/>
+              </a:rPr>
+              <a:t>访问每一个键值对，dict.items()。</a:t>
+            </a:r>
+            <a:endParaRPr lang="zh-CN" altLang="en-US" sz="2200">
+              <a:latin typeface="Aa小梨涡" panose="02010600010101010101" charset="-122"/>
+              <a:ea typeface="Aa小梨涡" panose="02010600010101010101" charset="-122"/>
+              <a:cs typeface="Aa小梨涡" panose="02010600010101010101" charset="-122"/>
+              <a:sym typeface="+mn-ea"/>
+            </a:endParaRPr>
+          </a:p>
+        </p:txBody>
+      </p:sp>
+      <p:sp>
+        <p:nvSpPr>
+          <p:cNvPr id="7" name="任意多边形 6"/>
           <p:cNvSpPr/>
           <p:nvPr/>
         </p:nvSpPr>
@@ -6447,7 +7638,192 @@
       </p:sp>
       <p:sp>
         <p:nvSpPr>
-          <p:cNvPr id="2" name="标题 1"/>
+          <p:cNvPr id="3" name="文本框 2"/>
+          <p:cNvSpPr txBox="1"/>
+          <p:nvPr/>
+        </p:nvSpPr>
+        <p:spPr>
+          <a:xfrm>
+            <a:off x="404495" y="1210310"/>
+            <a:ext cx="11281410" cy="2335530"/>
+          </a:xfrm>
+          <a:prstGeom prst="rect">
+            <a:avLst/>
+          </a:prstGeom>
+          <a:noFill/>
+          <a:ln>
+            <a:noFill/>
+          </a:ln>
+        </p:spPr>
+        <p:txBody>
+          <a:bodyPr wrap="square" rtlCol="0">
+            <a:spAutoFit/>
+          </a:bodyPr>
+          <a:p>
+            <a:pPr fontAlgn="auto">
+              <a:lnSpc>
+                <a:spcPts val="3500"/>
+              </a:lnSpc>
+            </a:pPr>
+            <a:r>
+              <a:rPr lang="en-US" sz="2200">
+                <a:latin typeface="Aa小梨涡" panose="02010600010101010101" charset="-122"/>
+                <a:ea typeface="Aa小梨涡" panose="02010600010101010101" charset="-122"/>
+                <a:cs typeface="Aa小梨涡" panose="02010600010101010101" charset="-122"/>
+                <a:sym typeface="+mn-ea"/>
+              </a:rPr>
+              <a:t>2. </a:t>
+            </a:r>
+            <a:r>
+              <a:rPr lang="zh-CN" altLang="en-US" sz="2200">
+                <a:latin typeface="Aa小梨涡" panose="02010600010101010101" charset="-122"/>
+                <a:ea typeface="Aa小梨涡" panose="02010600010101010101" charset="-122"/>
+                <a:cs typeface="Aa小梨涡" panose="02010600010101010101" charset="-122"/>
+                <a:sym typeface="+mn-ea"/>
+              </a:rPr>
+              <a:t>元素访问</a:t>
+            </a:r>
+            <a:endParaRPr lang="zh-CN" altLang="en-US" sz="2200">
+              <a:latin typeface="Aa小梨涡" panose="02010600010101010101" charset="-122"/>
+              <a:ea typeface="Aa小梨涡" panose="02010600010101010101" charset="-122"/>
+              <a:cs typeface="Aa小梨涡" panose="02010600010101010101" charset="-122"/>
+              <a:sym typeface="+mn-ea"/>
+            </a:endParaRPr>
+          </a:p>
+          <a:p>
+            <a:pPr fontAlgn="auto">
+              <a:lnSpc>
+                <a:spcPts val="3500"/>
+              </a:lnSpc>
+            </a:pPr>
+            <a:r>
+              <a:rPr lang="zh-CN" altLang="en-US" sz="2200">
+                <a:latin typeface="Aa小梨涡" panose="02010600010101010101" charset="-122"/>
+                <a:ea typeface="Aa小梨涡" panose="02010600010101010101" charset="-122"/>
+                <a:cs typeface="Aa小梨涡" panose="02010600010101010101" charset="-122"/>
+                <a:sym typeface="+mn-ea"/>
+              </a:rPr>
+              <a:t>       字典元素的访问方式有两种：</a:t>
+            </a:r>
+            <a:endParaRPr lang="zh-CN" altLang="en-US" sz="2200">
+              <a:latin typeface="Aa小梨涡" panose="02010600010101010101" charset="-122"/>
+              <a:ea typeface="Aa小梨涡" panose="02010600010101010101" charset="-122"/>
+              <a:cs typeface="Aa小梨涡" panose="02010600010101010101" charset="-122"/>
+              <a:sym typeface="+mn-ea"/>
+            </a:endParaRPr>
+          </a:p>
+          <a:p>
+            <a:pPr fontAlgn="auto">
+              <a:lnSpc>
+                <a:spcPts val="3500"/>
+              </a:lnSpc>
+            </a:pPr>
+            <a:r>
+              <a:rPr lang="zh-CN" altLang="en-US" sz="2200">
+                <a:latin typeface="Aa小梨涡" panose="02010600010101010101" charset="-122"/>
+                <a:ea typeface="Aa小梨涡" panose="02010600010101010101" charset="-122"/>
+                <a:cs typeface="Aa小梨涡" panose="02010600010101010101" charset="-122"/>
+                <a:sym typeface="+mn-ea"/>
+              </a:rPr>
+              <a:t>      </a:t>
+            </a:r>
+            <a:r>
+              <a:rPr lang="en-US" altLang="zh-CN" sz="2200">
+                <a:latin typeface="Calibri" panose="020F0502020204030204" charset="0"/>
+                <a:ea typeface="Aa小梨涡" panose="02010600010101010101" charset="-122"/>
+                <a:cs typeface="Aa小梨涡" panose="02010600010101010101" charset="-122"/>
+                <a:sym typeface="+mn-ea"/>
+              </a:rPr>
+              <a:t>①直接索引键</a:t>
+            </a:r>
+            <a:r>
+              <a:rPr lang="zh-CN" altLang="en-US" sz="2200">
+                <a:latin typeface="Calibri" panose="020F0502020204030204" charset="0"/>
+                <a:ea typeface="Aa小梨涡" panose="02010600010101010101" charset="-122"/>
+                <a:cs typeface="Aa小梨涡" panose="02010600010101010101" charset="-122"/>
+                <a:sym typeface="+mn-ea"/>
+              </a:rPr>
+              <a:t>，</a:t>
+            </a:r>
+            <a:r>
+              <a:rPr lang="en-US" altLang="zh-CN" sz="2200">
+                <a:latin typeface="Aa小梨涡" panose="02010600010101010101" charset="-122"/>
+                <a:ea typeface="Aa小梨涡" panose="02010600010101010101" charset="-122"/>
+                <a:cs typeface="Aa小梨涡" panose="02010600010101010101" charset="-122"/>
+                <a:sym typeface="+mn-ea"/>
+              </a:rPr>
+              <a:t>[]</a:t>
+            </a:r>
+            <a:r>
+              <a:rPr lang="zh-CN" altLang="en-US" sz="2200">
+                <a:latin typeface="Aa小梨涡" panose="02010600010101010101" charset="-122"/>
+                <a:ea typeface="Aa小梨涡" panose="02010600010101010101" charset="-122"/>
+                <a:cs typeface="Aa小梨涡" panose="02010600010101010101" charset="-122"/>
+                <a:sym typeface="+mn-ea"/>
+              </a:rPr>
+              <a:t>，如果键不存在，就会抛出异常</a:t>
+            </a:r>
+            <a:r>
+              <a:rPr lang="zh-CN" altLang="en-US" sz="2200">
+                <a:latin typeface="Calibri" panose="020F0502020204030204" charset="0"/>
+                <a:ea typeface="Aa小梨涡" panose="02010600010101010101" charset="-122"/>
+                <a:cs typeface="Aa小梨涡" panose="02010600010101010101" charset="-122"/>
+                <a:sym typeface="+mn-ea"/>
+              </a:rPr>
+              <a:t>；</a:t>
+            </a:r>
+            <a:endParaRPr lang="zh-CN" altLang="en-US" sz="2200">
+              <a:latin typeface="Calibri" panose="020F0502020204030204" charset="0"/>
+              <a:ea typeface="Aa小梨涡" panose="02010600010101010101" charset="-122"/>
+              <a:cs typeface="Aa小梨涡" panose="02010600010101010101" charset="-122"/>
+              <a:sym typeface="+mn-ea"/>
+            </a:endParaRPr>
+          </a:p>
+          <a:p>
+            <a:pPr fontAlgn="auto">
+              <a:lnSpc>
+                <a:spcPts val="3500"/>
+              </a:lnSpc>
+            </a:pPr>
+            <a:r>
+              <a:rPr lang="zh-CN" altLang="en-US" sz="2200">
+                <a:latin typeface="Calibri" panose="020F0502020204030204" charset="0"/>
+                <a:ea typeface="Aa小梨涡" panose="02010600010101010101" charset="-122"/>
+                <a:cs typeface="Aa小梨涡" panose="02010600010101010101" charset="-122"/>
+                <a:sym typeface="+mn-ea"/>
+              </a:rPr>
+              <a:t>       ②字典对象调用</a:t>
+            </a:r>
+            <a:r>
+              <a:rPr lang="zh-CN" altLang="en-US" sz="2200">
+                <a:latin typeface="Aa小梨涡" panose="02010600010101010101" charset="-122"/>
+                <a:ea typeface="Aa小梨涡" panose="02010600010101010101" charset="-122"/>
+                <a:cs typeface="Aa小梨涡" panose="02010600010101010101" charset="-122"/>
+                <a:sym typeface="+mn-ea"/>
+              </a:rPr>
+              <a:t>get(key, default) 方法</a:t>
+            </a:r>
+            <a:r>
+              <a:rPr lang="zh-CN" altLang="en-US" sz="2200">
+                <a:latin typeface="Calibri" panose="020F0502020204030204" charset="0"/>
+                <a:ea typeface="Aa小梨涡" panose="02010600010101010101" charset="-122"/>
+                <a:cs typeface="Aa小梨涡" panose="02010600010101010101" charset="-122"/>
+                <a:sym typeface="+mn-ea"/>
+              </a:rPr>
+              <a:t>来进行索引。如果键不存在，调用 get() 函数可以返回一个默认值。</a:t>
+            </a:r>
+            <a:endParaRPr lang="zh-CN" altLang="en-US" sz="2200">
+              <a:latin typeface="Calibri" panose="020F0502020204030204" charset="0"/>
+              <a:ea typeface="Aa小梨涡" panose="02010600010101010101" charset="-122"/>
+              <a:cs typeface="Aa小梨涡" panose="02010600010101010101" charset="-122"/>
+              <a:sym typeface="+mn-ea"/>
+            </a:endParaRPr>
+          </a:p>
+        </p:txBody>
+      </p:sp>
+      <p:sp>
+        <p:nvSpPr>
+          <p:cNvPr id="5" name="标题 4"/>
           <p:cNvSpPr>
             <a:spLocks noGrp="1"/>
           </p:cNvSpPr>
@@ -6457,8 +7833,8 @@
         </p:nvSpPr>
         <p:spPr>
           <a:xfrm>
-            <a:off x="5132070" y="245745"/>
-            <a:ext cx="2136775" cy="817245"/>
+            <a:off x="3754755" y="245745"/>
+            <a:ext cx="4580890" cy="817245"/>
           </a:xfrm>
         </p:spPr>
         <p:txBody>
@@ -6471,14 +7847,14 @@
                 <a:latin typeface="Aa小梨涡" panose="02010600010101010101" charset="-122"/>
                 <a:ea typeface="Aa小梨涡" panose="02010600010101010101" charset="-122"/>
               </a:rPr>
-              <a:t>1.</a:t>
+              <a:t>3.1 </a:t>
             </a:r>
             <a:r>
               <a:rPr lang="zh-CN" altLang="en-US">
                 <a:latin typeface="Aa小梨涡" panose="02010600010101010101" charset="-122"/>
                 <a:ea typeface="Aa小梨涡" panose="02010600010101010101" charset="-122"/>
               </a:rPr>
-              <a:t>开篇词</a:t>
+              <a:t>字典和集合基础</a:t>
             </a:r>
             <a:endParaRPr lang="zh-CN" altLang="en-US">
               <a:latin typeface="Aa小梨涡" panose="02010600010101010101" charset="-122"/>
@@ -6489,7 +7865,7 @@
       </p:sp>
       <p:sp>
         <p:nvSpPr>
-          <p:cNvPr id="20" name="任意多边形 19"/>
+          <p:cNvPr id="6" name="任意多边形 5"/>
           <p:cNvSpPr/>
           <p:nvPr/>
         </p:nvSpPr>
@@ -6580,11 +7956,495 @@
           </a:p>
         </p:txBody>
       </p:sp>
+      <p:sp>
+        <p:nvSpPr>
+          <p:cNvPr id="8" name="文本框 7"/>
+          <p:cNvSpPr txBox="1"/>
+          <p:nvPr/>
+        </p:nvSpPr>
+        <p:spPr>
+          <a:xfrm>
+            <a:off x="404495" y="3465830"/>
+            <a:ext cx="11281410" cy="539750"/>
+          </a:xfrm>
+          <a:prstGeom prst="rect">
+            <a:avLst/>
+          </a:prstGeom>
+          <a:noFill/>
+          <a:ln>
+            <a:noFill/>
+          </a:ln>
+        </p:spPr>
+        <p:txBody>
+          <a:bodyPr wrap="square" rtlCol="0">
+            <a:spAutoFit/>
+          </a:bodyPr>
+          <a:p>
+            <a:pPr fontAlgn="auto">
+              <a:lnSpc>
+                <a:spcPts val="3500"/>
+              </a:lnSpc>
+            </a:pPr>
+            <a:r>
+              <a:rPr lang="en-US" altLang="zh-CN" sz="2200">
+                <a:latin typeface="Calibri" panose="020F0502020204030204" charset="0"/>
+                <a:ea typeface="Aa小梨涡" panose="02010600010101010101" charset="-122"/>
+                <a:cs typeface="Aa小梨涡" panose="02010600010101010101" charset="-122"/>
+                <a:sym typeface="+mn-ea"/>
+              </a:rPr>
+              <a:t>       </a:t>
+            </a:r>
+            <a:r>
+              <a:rPr lang="zh-CN" altLang="en-US" sz="2200">
+                <a:latin typeface="Calibri" panose="020F0502020204030204" charset="0"/>
+                <a:ea typeface="Aa小梨涡" panose="02010600010101010101" charset="-122"/>
+                <a:cs typeface="Aa小梨涡" panose="02010600010101010101" charset="-122"/>
+                <a:sym typeface="+mn-ea"/>
+              </a:rPr>
+              <a:t>集合不支持索引操作，想要判断一个元素在不在集合内，可以用</a:t>
+            </a:r>
+            <a:r>
+              <a:rPr lang="en-US" altLang="zh-CN" sz="2200">
+                <a:latin typeface="Aa小梨涡" panose="02010600010101010101" charset="-122"/>
+                <a:ea typeface="Aa小梨涡" panose="02010600010101010101" charset="-122"/>
+                <a:cs typeface="Aa小梨涡" panose="02010600010101010101" charset="-122"/>
+                <a:sym typeface="+mn-ea"/>
+              </a:rPr>
+              <a:t>in</a:t>
+            </a:r>
+            <a:r>
+              <a:rPr lang="zh-CN" altLang="en-US" sz="2200">
+                <a:latin typeface="Aa小梨涡" panose="02010600010101010101" charset="-122"/>
+                <a:ea typeface="Aa小梨涡" panose="02010600010101010101" charset="-122"/>
+                <a:cs typeface="Aa小梨涡" panose="02010600010101010101" charset="-122"/>
+                <a:sym typeface="+mn-ea"/>
+              </a:rPr>
+              <a:t>运算符</a:t>
+            </a:r>
+            <a:r>
+              <a:rPr lang="zh-CN" altLang="en-US" sz="2200">
+                <a:latin typeface="Calibri" panose="020F0502020204030204" charset="0"/>
+                <a:ea typeface="Aa小梨涡" panose="02010600010101010101" charset="-122"/>
+                <a:cs typeface="Aa小梨涡" panose="02010600010101010101" charset="-122"/>
+                <a:sym typeface="+mn-ea"/>
+              </a:rPr>
+              <a:t>来判断。</a:t>
+            </a:r>
+            <a:endParaRPr lang="zh-CN" altLang="en-US" sz="2200">
+              <a:latin typeface="Calibri" panose="020F0502020204030204" charset="0"/>
+              <a:ea typeface="Aa小梨涡" panose="02010600010101010101" charset="-122"/>
+              <a:cs typeface="Aa小梨涡" panose="02010600010101010101" charset="-122"/>
+              <a:sym typeface="+mn-ea"/>
+            </a:endParaRPr>
+          </a:p>
+        </p:txBody>
+      </p:sp>
+      <p:sp>
+        <p:nvSpPr>
+          <p:cNvPr id="11" name="文本框 10"/>
+          <p:cNvSpPr txBox="1"/>
+          <p:nvPr/>
+        </p:nvSpPr>
+        <p:spPr>
+          <a:xfrm>
+            <a:off x="5016500" y="5379720"/>
+            <a:ext cx="1407160" cy="270510"/>
+          </a:xfrm>
+          <a:prstGeom prst="rect">
+            <a:avLst/>
+          </a:prstGeom>
+          <a:noFill/>
+        </p:spPr>
+        <p:txBody>
+          <a:bodyPr wrap="square" rtlCol="0">
+            <a:spAutoFit/>
+          </a:bodyPr>
+          <a:p>
+            <a:r>
+              <a:rPr lang="en-US" altLang="zh-CN" baseline="30000">
+                <a:solidFill>
+                  <a:schemeClr val="accent5"/>
+                </a:solidFill>
+                <a:latin typeface="Comic Sans MS" panose="030F0702030302020204" charset="0"/>
+                <a:cs typeface="Comic Sans MS" panose="030F0702030302020204" charset="0"/>
+              </a:rPr>
+              <a:t>[3.1-1.py~3.1-4.py]</a:t>
+            </a:r>
+            <a:endParaRPr lang="en-US" altLang="zh-CN" baseline="30000">
+              <a:solidFill>
+                <a:schemeClr val="accent5"/>
+              </a:solidFill>
+              <a:latin typeface="Comic Sans MS" panose="030F0702030302020204" charset="0"/>
+              <a:cs typeface="Comic Sans MS" panose="030F0702030302020204" charset="0"/>
+            </a:endParaRPr>
+          </a:p>
+        </p:txBody>
+      </p:sp>
+      <p:cxnSp>
+        <p:nvCxnSpPr>
+          <p:cNvPr id="10" name="直接连接符 9"/>
+          <p:cNvCxnSpPr/>
+          <p:nvPr/>
+        </p:nvCxnSpPr>
+        <p:spPr>
+          <a:xfrm flipV="1">
+            <a:off x="5880735" y="2559685"/>
+            <a:ext cx="1118870" cy="19685"/>
+          </a:xfrm>
+          <a:prstGeom prst="line">
+            <a:avLst/>
+          </a:prstGeom>
+          <a:ln w="31750">
+            <a:solidFill>
+              <a:srgbClr val="FF0000"/>
+            </a:solidFill>
+          </a:ln>
+        </p:spPr>
+        <p:style>
+          <a:lnRef idx="1">
+            <a:schemeClr val="accent1"/>
+          </a:lnRef>
+          <a:fillRef idx="0">
+            <a:schemeClr val="accent1"/>
+          </a:fillRef>
+          <a:effectRef idx="0">
+            <a:schemeClr val="accent1"/>
+          </a:effectRef>
+          <a:fontRef idx="minor">
+            <a:schemeClr val="tx1"/>
+          </a:fontRef>
+        </p:style>
+      </p:cxnSp>
+      <p:cxnSp>
+        <p:nvCxnSpPr>
+          <p:cNvPr id="12" name="直接连接符 11"/>
+          <p:cNvCxnSpPr/>
+          <p:nvPr/>
+        </p:nvCxnSpPr>
+        <p:spPr>
+          <a:xfrm flipV="1">
+            <a:off x="515620" y="3458210"/>
+            <a:ext cx="1890395" cy="27305"/>
+          </a:xfrm>
+          <a:prstGeom prst="line">
+            <a:avLst/>
+          </a:prstGeom>
+          <a:ln w="31750">
+            <a:solidFill>
+              <a:srgbClr val="FF0000"/>
+            </a:solidFill>
+          </a:ln>
+        </p:spPr>
+        <p:style>
+          <a:lnRef idx="1">
+            <a:schemeClr val="accent1"/>
+          </a:lnRef>
+          <a:fillRef idx="0">
+            <a:schemeClr val="accent1"/>
+          </a:fillRef>
+          <a:effectRef idx="0">
+            <a:schemeClr val="accent1"/>
+          </a:effectRef>
+          <a:fontRef idx="minor">
+            <a:schemeClr val="tx1"/>
+          </a:fontRef>
+        </p:style>
+      </p:cxnSp>
     </p:spTree>
   </p:cSld>
   <p:clrMapOvr>
     <a:masterClrMapping/>
   </p:clrMapOvr>
+  <p:timing>
+    <p:tnLst>
+      <p:par>
+        <p:cTn id="1" dur="indefinite" restart="never" nodeType="tmRoot">
+          <p:childTnLst>
+            <p:seq concurrent="1" nextAc="seek">
+              <p:cTn id="2" dur="indefinite" nodeType="mainSeq">
+                <p:childTnLst>
+                  <p:par>
+                    <p:cTn id="3" fill="hold">
+                      <p:stCondLst>
+                        <p:cond delay="indefinite"/>
+                      </p:stCondLst>
+                      <p:childTnLst>
+                        <p:par>
+                          <p:cTn id="4" fill="hold">
+                            <p:stCondLst>
+                              <p:cond delay="0"/>
+                            </p:stCondLst>
+                            <p:childTnLst>
+                              <p:par>
+                                <p:cTn id="5" presetID="1" presetClass="entr" presetSubtype="0" fill="hold" grpId="0" nodeType="clickEffect">
+                                  <p:stCondLst>
+                                    <p:cond delay="0"/>
+                                  </p:stCondLst>
+                                  <p:childTnLst>
+                                    <p:set>
+                                      <p:cBhvr>
+                                        <p:cTn id="6" dur="1" fill="hold">
+                                          <p:stCondLst>
+                                            <p:cond delay="0"/>
+                                          </p:stCondLst>
+                                        </p:cTn>
+                                        <p:tgtEl>
+                                          <p:spTgt spid="3"/>
+                                        </p:tgtEl>
+                                        <p:attrNameLst>
+                                          <p:attrName>style.visibility</p:attrName>
+                                        </p:attrNameLst>
+                                      </p:cBhvr>
+                                      <p:to>
+                                        <p:strVal val="visible"/>
+                                      </p:to>
+                                    </p:set>
+                                  </p:childTnLst>
+                                </p:cTn>
+                              </p:par>
+                            </p:childTnLst>
+                          </p:cTn>
+                        </p:par>
+                      </p:childTnLst>
+                    </p:cTn>
+                  </p:par>
+                  <p:par>
+                    <p:cTn id="7" fill="hold">
+                      <p:stCondLst>
+                        <p:cond delay="indefinite"/>
+                      </p:stCondLst>
+                      <p:childTnLst>
+                        <p:par>
+                          <p:cTn id="8" fill="hold">
+                            <p:stCondLst>
+                              <p:cond delay="0"/>
+                            </p:stCondLst>
+                            <p:childTnLst>
+                              <p:par>
+                                <p:cTn id="9" presetID="22" presetClass="entr" presetSubtype="8" fill="hold" nodeType="clickEffect">
+                                  <p:stCondLst>
+                                    <p:cond delay="0"/>
+                                  </p:stCondLst>
+                                  <p:childTnLst>
+                                    <p:set>
+                                      <p:cBhvr>
+                                        <p:cTn id="10" dur="1" fill="hold">
+                                          <p:stCondLst>
+                                            <p:cond delay="0"/>
+                                          </p:stCondLst>
+                                        </p:cTn>
+                                        <p:tgtEl>
+                                          <p:spTgt spid="10"/>
+                                        </p:tgtEl>
+                                        <p:attrNameLst>
+                                          <p:attrName>style.visibility</p:attrName>
+                                        </p:attrNameLst>
+                                      </p:cBhvr>
+                                      <p:to>
+                                        <p:strVal val="visible"/>
+                                      </p:to>
+                                    </p:set>
+                                    <p:animEffect transition="in" filter="wipe(left)">
+                                      <p:cBhvr>
+                                        <p:cTn id="11" dur="500"/>
+                                        <p:tgtEl>
+                                          <p:spTgt spid="10"/>
+                                        </p:tgtEl>
+                                      </p:cBhvr>
+                                    </p:animEffect>
+                                  </p:childTnLst>
+                                </p:cTn>
+                              </p:par>
+                              <p:par>
+                                <p:cTn id="12" presetID="22" presetClass="entr" presetSubtype="8" fill="hold" nodeType="withEffect">
+                                  <p:stCondLst>
+                                    <p:cond delay="0"/>
+                                  </p:stCondLst>
+                                  <p:childTnLst>
+                                    <p:set>
+                                      <p:cBhvr>
+                                        <p:cTn id="13" dur="1" fill="hold">
+                                          <p:stCondLst>
+                                            <p:cond delay="0"/>
+                                          </p:stCondLst>
+                                        </p:cTn>
+                                        <p:tgtEl>
+                                          <p:spTgt spid="12"/>
+                                        </p:tgtEl>
+                                        <p:attrNameLst>
+                                          <p:attrName>style.visibility</p:attrName>
+                                        </p:attrNameLst>
+                                      </p:cBhvr>
+                                      <p:to>
+                                        <p:strVal val="visible"/>
+                                      </p:to>
+                                    </p:set>
+                                    <p:animEffect transition="in" filter="wipe(left)">
+                                      <p:cBhvr>
+                                        <p:cTn id="14" dur="500"/>
+                                        <p:tgtEl>
+                                          <p:spTgt spid="12"/>
+                                        </p:tgtEl>
+                                      </p:cBhvr>
+                                    </p:animEffect>
+                                  </p:childTnLst>
+                                </p:cTn>
+                              </p:par>
+                            </p:childTnLst>
+                          </p:cTn>
+                        </p:par>
+                      </p:childTnLst>
+                    </p:cTn>
+                  </p:par>
+                  <p:par>
+                    <p:cTn id="15" fill="hold">
+                      <p:stCondLst>
+                        <p:cond delay="indefinite"/>
+                      </p:stCondLst>
+                      <p:childTnLst>
+                        <p:par>
+                          <p:cTn id="16" fill="hold">
+                            <p:stCondLst>
+                              <p:cond delay="0"/>
+                            </p:stCondLst>
+                            <p:childTnLst>
+                              <p:par>
+                                <p:cTn id="17" presetID="1" presetClass="entr" presetSubtype="0" fill="hold" grpId="0" nodeType="clickEffect">
+                                  <p:stCondLst>
+                                    <p:cond delay="0"/>
+                                  </p:stCondLst>
+                                  <p:childTnLst>
+                                    <p:set>
+                                      <p:cBhvr>
+                                        <p:cTn id="18" dur="1" fill="hold">
+                                          <p:stCondLst>
+                                            <p:cond delay="0"/>
+                                          </p:stCondLst>
+                                        </p:cTn>
+                                        <p:tgtEl>
+                                          <p:spTgt spid="8"/>
+                                        </p:tgtEl>
+                                        <p:attrNameLst>
+                                          <p:attrName>style.visibility</p:attrName>
+                                        </p:attrNameLst>
+                                      </p:cBhvr>
+                                      <p:to>
+                                        <p:strVal val="visible"/>
+                                      </p:to>
+                                    </p:set>
+                                  </p:childTnLst>
+                                </p:cTn>
+                              </p:par>
+                            </p:childTnLst>
+                          </p:cTn>
+                        </p:par>
+                      </p:childTnLst>
+                    </p:cTn>
+                  </p:par>
+                  <p:par>
+                    <p:cTn id="19" fill="hold">
+                      <p:stCondLst>
+                        <p:cond delay="indefinite"/>
+                      </p:stCondLst>
+                      <p:childTnLst>
+                        <p:par>
+                          <p:cTn id="20" fill="hold">
+                            <p:stCondLst>
+                              <p:cond delay="0"/>
+                            </p:stCondLst>
+                            <p:childTnLst>
+                              <p:par>
+                                <p:cTn id="21" presetID="1" presetClass="entr" presetSubtype="0" fill="hold" grpId="0" nodeType="clickEffect">
+                                  <p:stCondLst>
+                                    <p:cond delay="0"/>
+                                  </p:stCondLst>
+                                  <p:childTnLst>
+                                    <p:set>
+                                      <p:cBhvr>
+                                        <p:cTn id="22" dur="1" fill="hold">
+                                          <p:stCondLst>
+                                            <p:cond delay="0"/>
+                                          </p:stCondLst>
+                                        </p:cTn>
+                                        <p:tgtEl>
+                                          <p:spTgt spid="13"/>
+                                        </p:tgtEl>
+                                        <p:attrNameLst>
+                                          <p:attrName>style.visibility</p:attrName>
+                                        </p:attrNameLst>
+                                      </p:cBhvr>
+                                      <p:to>
+                                        <p:strVal val="visible"/>
+                                      </p:to>
+                                    </p:set>
+                                  </p:childTnLst>
+                                </p:cTn>
+                              </p:par>
+                              <p:par>
+                                <p:cTn id="23" presetID="1" presetClass="entr" presetSubtype="0" fill="hold" grpId="0" nodeType="withEffect">
+                                  <p:stCondLst>
+                                    <p:cond delay="0"/>
+                                  </p:stCondLst>
+                                  <p:childTnLst>
+                                    <p:set>
+                                      <p:cBhvr>
+                                        <p:cTn id="24" dur="1" fill="hold">
+                                          <p:stCondLst>
+                                            <p:cond delay="0"/>
+                                          </p:stCondLst>
+                                        </p:cTn>
+                                        <p:tgtEl>
+                                          <p:spTgt spid="11"/>
+                                        </p:tgtEl>
+                                        <p:attrNameLst>
+                                          <p:attrName>style.visibility</p:attrName>
+                                        </p:attrNameLst>
+                                      </p:cBhvr>
+                                      <p:to>
+                                        <p:strVal val="visible"/>
+                                      </p:to>
+                                    </p:set>
+                                  </p:childTnLst>
+                                </p:cTn>
+                              </p:par>
+                            </p:childTnLst>
+                          </p:cTn>
+                        </p:par>
+                      </p:childTnLst>
+                    </p:cTn>
+                  </p:par>
+                </p:childTnLst>
+              </p:cTn>
+              <p:prevCondLst>
+                <p:cond evt="onPrev" delay="0">
+                  <p:tgtEl>
+                    <p:sldTgt/>
+                  </p:tgtEl>
+                </p:cond>
+              </p:prevCondLst>
+              <p:nextCondLst>
+                <p:cond evt="onNext" delay="0">
+                  <p:tgtEl>
+                    <p:sldTgt/>
+                  </p:tgtEl>
+                </p:cond>
+              </p:nextCondLst>
+            </p:seq>
+          </p:childTnLst>
+        </p:cTn>
+      </p:par>
+    </p:tnLst>
+    <p:bldLst>
+      <p:bldP spid="3" grpId="0"/>
+      <p:bldP spid="3" grpId="1"/>
+      <p:bldP spid="8" grpId="0"/>
+      <p:bldP spid="8" grpId="1"/>
+      <p:bldP spid="13" grpId="0"/>
+      <p:bldP spid="13" grpId="1"/>
+      <p:bldP spid="11" grpId="0"/>
+      <p:bldP spid="11" grpId="1"/>
+    </p:bldLst>
+  </p:timing>
 </p:sld>
 </file>
 
@@ -6783,32 +8643,35 @@
         </p:nvSpPr>
         <p:spPr>
           <a:xfrm>
-            <a:off x="5132070" y="245745"/>
-            <a:ext cx="2136775" cy="817245"/>
+            <a:off x="3665220" y="245745"/>
+            <a:ext cx="4652010" cy="817245"/>
           </a:xfrm>
         </p:spPr>
         <p:txBody>
           <a:bodyPr>
-            <a:normAutofit fontScale="90000"/>
+            <a:normAutofit/>
           </a:bodyPr>
           <a:p>
             <a:r>
               <a:rPr lang="en-US" altLang="zh-CN">
                 <a:latin typeface="Aa小梨涡" panose="02010600010101010101" charset="-122"/>
                 <a:ea typeface="Aa小梨涡" panose="02010600010101010101" charset="-122"/>
-              </a:rPr>
-              <a:t>1.</a:t>
+                <a:sym typeface="+mn-ea"/>
+              </a:rPr>
+              <a:t>3.2 </a:t>
             </a:r>
             <a:r>
               <a:rPr lang="zh-CN" altLang="en-US">
                 <a:latin typeface="Aa小梨涡" panose="02010600010101010101" charset="-122"/>
                 <a:ea typeface="Aa小梨涡" panose="02010600010101010101" charset="-122"/>
-              </a:rPr>
-              <a:t>开篇词</a:t>
+                <a:sym typeface="+mn-ea"/>
+              </a:rPr>
+              <a:t>推导机制</a:t>
             </a:r>
             <a:endParaRPr lang="zh-CN" altLang="en-US">
               <a:latin typeface="Aa小梨涡" panose="02010600010101010101" charset="-122"/>
               <a:ea typeface="Aa小梨涡" panose="02010600010101010101" charset="-122"/>
+              <a:sym typeface="+mn-ea"/>
             </a:endParaRPr>
           </a:p>
         </p:txBody>
@@ -6906,11 +8769,348 @@
           </a:p>
         </p:txBody>
       </p:sp>
+      <p:sp>
+        <p:nvSpPr>
+          <p:cNvPr id="8" name="文本框 7"/>
+          <p:cNvSpPr txBox="1"/>
+          <p:nvPr/>
+        </p:nvSpPr>
+        <p:spPr>
+          <a:xfrm>
+            <a:off x="350520" y="1388745"/>
+            <a:ext cx="11281410" cy="988695"/>
+          </a:xfrm>
+          <a:prstGeom prst="rect">
+            <a:avLst/>
+          </a:prstGeom>
+          <a:noFill/>
+          <a:ln>
+            <a:noFill/>
+          </a:ln>
+        </p:spPr>
+        <p:txBody>
+          <a:bodyPr wrap="square" rtlCol="0">
+            <a:spAutoFit/>
+          </a:bodyPr>
+          <a:p>
+            <a:pPr fontAlgn="auto">
+              <a:lnSpc>
+                <a:spcPts val="3500"/>
+              </a:lnSpc>
+            </a:pPr>
+            <a:r>
+              <a:rPr lang="en-US" altLang="zh-CN" sz="2200">
+                <a:latin typeface="Calibri" panose="020F0502020204030204" charset="0"/>
+                <a:ea typeface="Aa小梨涡" panose="02010600010101010101" charset="-122"/>
+                <a:cs typeface="Aa小梨涡" panose="02010600010101010101" charset="-122"/>
+                <a:sym typeface="+mn-ea"/>
+              </a:rPr>
+              <a:t>       </a:t>
+            </a:r>
+            <a:r>
+              <a:rPr lang="zh-CN" altLang="en-US" sz="2200">
+                <a:latin typeface="Calibri" panose="020F0502020204030204" charset="0"/>
+                <a:ea typeface="Aa小梨涡" panose="02010600010101010101" charset="-122"/>
+                <a:cs typeface="Aa小梨涡" panose="02010600010101010101" charset="-122"/>
+                <a:sym typeface="+mn-ea"/>
+              </a:rPr>
+              <a:t>字典和集合也有和列表类似的推导机制，编写算法时，可以通过这些推导机制来创建衍生的数据结构。</a:t>
+            </a:r>
+            <a:r>
+              <a:rPr lang="en-US" altLang="zh-CN" sz="2200">
+                <a:latin typeface="Calibri" panose="020F0502020204030204" charset="0"/>
+                <a:ea typeface="Aa小梨涡" panose="02010600010101010101" charset="-122"/>
+                <a:cs typeface="Aa小梨涡" panose="02010600010101010101" charset="-122"/>
+                <a:sym typeface="+mn-ea"/>
+              </a:rPr>
+              <a:t>      </a:t>
+            </a:r>
+            <a:endParaRPr lang="en-US" altLang="zh-CN" sz="2200">
+              <a:latin typeface="Calibri" panose="020F0502020204030204" charset="0"/>
+              <a:ea typeface="Aa小梨涡" panose="02010600010101010101" charset="-122"/>
+              <a:cs typeface="Aa小梨涡" panose="02010600010101010101" charset="-122"/>
+              <a:sym typeface="+mn-ea"/>
+            </a:endParaRPr>
+          </a:p>
+        </p:txBody>
+      </p:sp>
+      <p:sp>
+        <p:nvSpPr>
+          <p:cNvPr id="11" name="文本框 10"/>
+          <p:cNvSpPr txBox="1"/>
+          <p:nvPr/>
+        </p:nvSpPr>
+        <p:spPr>
+          <a:xfrm>
+            <a:off x="2134235" y="1973580"/>
+            <a:ext cx="1407160" cy="270510"/>
+          </a:xfrm>
+          <a:prstGeom prst="rect">
+            <a:avLst/>
+          </a:prstGeom>
+          <a:noFill/>
+        </p:spPr>
+        <p:txBody>
+          <a:bodyPr wrap="square" rtlCol="0">
+            <a:spAutoFit/>
+          </a:bodyPr>
+          <a:p>
+            <a:r>
+              <a:rPr lang="en-US" altLang="zh-CN" baseline="30000">
+                <a:solidFill>
+                  <a:schemeClr val="accent5"/>
+                </a:solidFill>
+                <a:latin typeface="Comic Sans MS" panose="030F0702030302020204" charset="0"/>
+                <a:cs typeface="Comic Sans MS" panose="030F0702030302020204" charset="0"/>
+              </a:rPr>
+              <a:t>[3.2-1.py]</a:t>
+            </a:r>
+            <a:endParaRPr lang="en-US" altLang="zh-CN" baseline="30000">
+              <a:solidFill>
+                <a:schemeClr val="accent5"/>
+              </a:solidFill>
+              <a:latin typeface="Comic Sans MS" panose="030F0702030302020204" charset="0"/>
+              <a:cs typeface="Comic Sans MS" panose="030F0702030302020204" charset="0"/>
+            </a:endParaRPr>
+          </a:p>
+        </p:txBody>
+      </p:sp>
+      <p:sp>
+        <p:nvSpPr>
+          <p:cNvPr id="12" name="文本框 11"/>
+          <p:cNvSpPr txBox="1"/>
+          <p:nvPr>
+            <p:custDataLst>
+              <p:tags r:id="rId1"/>
+            </p:custDataLst>
+          </p:nvPr>
+        </p:nvSpPr>
+        <p:spPr>
+          <a:xfrm>
+            <a:off x="10214610" y="5614670"/>
+            <a:ext cx="1717675" cy="491490"/>
+          </a:xfrm>
+          <a:prstGeom prst="rect">
+            <a:avLst/>
+          </a:prstGeom>
+          <a:noFill/>
+        </p:spPr>
+        <p:txBody>
+          <a:bodyPr wrap="square" rtlCol="0">
+            <a:spAutoFit/>
+          </a:bodyPr>
+          <a:p>
+            <a:r>
+              <a:rPr lang="zh-CN" altLang="en-US" sz="2600" b="1">
+                <a:solidFill>
+                  <a:srgbClr val="FF0000"/>
+                </a:solidFill>
+                <a:latin typeface="Aa小梨涡" panose="02010600010101010101" charset="-122"/>
+                <a:ea typeface="Aa小梨涡" panose="02010600010101010101" charset="-122"/>
+                <a:cs typeface="Aa小梨涡" panose="02010600010101010101" charset="-122"/>
+              </a:rPr>
+              <a:t>第</a:t>
+            </a:r>
+            <a:r>
+              <a:rPr lang="en-US" altLang="zh-CN" sz="2600" b="1">
+                <a:solidFill>
+                  <a:srgbClr val="FF0000"/>
+                </a:solidFill>
+                <a:latin typeface="Aa小梨涡" panose="02010600010101010101" charset="-122"/>
+                <a:ea typeface="Aa小梨涡" panose="02010600010101010101" charset="-122"/>
+                <a:cs typeface="Aa小梨涡" panose="02010600010101010101" charset="-122"/>
+              </a:rPr>
+              <a:t>3</a:t>
+            </a:r>
+            <a:r>
+              <a:rPr lang="zh-CN" altLang="en-US" sz="2600" b="1">
+                <a:solidFill>
+                  <a:srgbClr val="FF0000"/>
+                </a:solidFill>
+                <a:latin typeface="Aa小梨涡" panose="02010600010101010101" charset="-122"/>
+                <a:ea typeface="Aa小梨涡" panose="02010600010101010101" charset="-122"/>
+                <a:cs typeface="Aa小梨涡" panose="02010600010101010101" charset="-122"/>
+              </a:rPr>
+              <a:t>章 完</a:t>
+            </a:r>
+            <a:endParaRPr lang="zh-CN" altLang="en-US" sz="2600" b="1">
+              <a:solidFill>
+                <a:srgbClr val="FF0000"/>
+              </a:solidFill>
+              <a:latin typeface="Aa小梨涡" panose="02010600010101010101" charset="-122"/>
+              <a:ea typeface="Aa小梨涡" panose="02010600010101010101" charset="-122"/>
+              <a:cs typeface="Aa小梨涡" panose="02010600010101010101" charset="-122"/>
+            </a:endParaRPr>
+          </a:p>
+        </p:txBody>
+      </p:sp>
     </p:spTree>
   </p:cSld>
   <p:clrMapOvr>
     <a:masterClrMapping/>
   </p:clrMapOvr>
+  <p:timing>
+    <p:tnLst>
+      <p:par>
+        <p:cTn id="1" dur="indefinite" restart="never" nodeType="tmRoot">
+          <p:childTnLst>
+            <p:seq concurrent="1" nextAc="seek">
+              <p:cTn id="2" dur="indefinite" nodeType="mainSeq">
+                <p:childTnLst>
+                  <p:par>
+                    <p:cTn id="3" fill="hold">
+                      <p:stCondLst>
+                        <p:cond delay="indefinite"/>
+                      </p:stCondLst>
+                      <p:childTnLst>
+                        <p:par>
+                          <p:cTn id="4" fill="hold">
+                            <p:stCondLst>
+                              <p:cond delay="0"/>
+                            </p:stCondLst>
+                            <p:childTnLst>
+                              <p:par>
+                                <p:cTn id="5" presetID="1" presetClass="entr" presetSubtype="0" fill="hold" grpId="0" nodeType="clickEffect">
+                                  <p:stCondLst>
+                                    <p:cond delay="0"/>
+                                  </p:stCondLst>
+                                  <p:childTnLst>
+                                    <p:set>
+                                      <p:cBhvr>
+                                        <p:cTn id="6" dur="1" fill="hold">
+                                          <p:stCondLst>
+                                            <p:cond delay="0"/>
+                                          </p:stCondLst>
+                                        </p:cTn>
+                                        <p:tgtEl>
+                                          <p:spTgt spid="8"/>
+                                        </p:tgtEl>
+                                        <p:attrNameLst>
+                                          <p:attrName>style.visibility</p:attrName>
+                                        </p:attrNameLst>
+                                      </p:cBhvr>
+                                      <p:to>
+                                        <p:strVal val="visible"/>
+                                      </p:to>
+                                    </p:set>
+                                  </p:childTnLst>
+                                </p:cTn>
+                              </p:par>
+                              <p:par>
+                                <p:cTn id="7" presetID="1" presetClass="entr" presetSubtype="0" fill="hold" grpId="0" nodeType="withEffect">
+                                  <p:stCondLst>
+                                    <p:cond delay="0"/>
+                                  </p:stCondLst>
+                                  <p:childTnLst>
+                                    <p:set>
+                                      <p:cBhvr>
+                                        <p:cTn id="8" dur="1" fill="hold">
+                                          <p:stCondLst>
+                                            <p:cond delay="0"/>
+                                          </p:stCondLst>
+                                        </p:cTn>
+                                        <p:tgtEl>
+                                          <p:spTgt spid="11"/>
+                                        </p:tgtEl>
+                                        <p:attrNameLst>
+                                          <p:attrName>style.visibility</p:attrName>
+                                        </p:attrNameLst>
+                                      </p:cBhvr>
+                                      <p:to>
+                                        <p:strVal val="visible"/>
+                                      </p:to>
+                                    </p:set>
+                                  </p:childTnLst>
+                                </p:cTn>
+                              </p:par>
+                            </p:childTnLst>
+                          </p:cTn>
+                        </p:par>
+                      </p:childTnLst>
+                    </p:cTn>
+                  </p:par>
+                  <p:par>
+                    <p:cTn id="9" fill="hold">
+                      <p:stCondLst>
+                        <p:cond delay="indefinite"/>
+                      </p:stCondLst>
+                      <p:childTnLst>
+                        <p:par>
+                          <p:cTn id="10" fill="hold">
+                            <p:stCondLst>
+                              <p:cond delay="0"/>
+                            </p:stCondLst>
+                            <p:childTnLst>
+                              <p:par>
+                                <p:cTn id="11" presetID="3" presetClass="entr" presetSubtype="10" fill="hold" grpId="0" nodeType="clickEffect">
+                                  <p:stCondLst>
+                                    <p:cond delay="0"/>
+                                  </p:stCondLst>
+                                  <p:childTnLst>
+                                    <p:set>
+                                      <p:cBhvr>
+                                        <p:cTn id="12" dur="1" fill="hold">
+                                          <p:stCondLst>
+                                            <p:cond delay="0"/>
+                                          </p:stCondLst>
+                                        </p:cTn>
+                                        <p:tgtEl>
+                                          <p:spTgt spid="12"/>
+                                        </p:tgtEl>
+                                        <p:attrNameLst>
+                                          <p:attrName>style.visibility</p:attrName>
+                                        </p:attrNameLst>
+                                      </p:cBhvr>
+                                      <p:to>
+                                        <p:strVal val="visible"/>
+                                      </p:to>
+                                    </p:set>
+                                    <p:animEffect transition="in" filter="blinds(horizontal)">
+                                      <p:cBhvr>
+                                        <p:cTn id="13" dur="500"/>
+                                        <p:tgtEl>
+                                          <p:spTgt spid="12"/>
+                                        </p:tgtEl>
+                                      </p:cBhvr>
+                                    </p:animEffect>
+                                  </p:childTnLst>
+                                </p:cTn>
+                              </p:par>
+                            </p:childTnLst>
+                          </p:cTn>
+                        </p:par>
+                      </p:childTnLst>
+                    </p:cTn>
+                  </p:par>
+                </p:childTnLst>
+              </p:cTn>
+              <p:prevCondLst>
+                <p:cond evt="onPrev" delay="0">
+                  <p:tgtEl>
+                    <p:sldTgt/>
+                  </p:tgtEl>
+                </p:cond>
+              </p:prevCondLst>
+              <p:nextCondLst>
+                <p:cond evt="onNext" delay="0">
+                  <p:tgtEl>
+                    <p:sldTgt/>
+                  </p:tgtEl>
+                </p:cond>
+              </p:nextCondLst>
+            </p:seq>
+          </p:childTnLst>
+        </p:cTn>
+      </p:par>
+    </p:tnLst>
+    <p:bldLst>
+      <p:bldP spid="8" grpId="0"/>
+      <p:bldP spid="8" grpId="1"/>
+      <p:bldP spid="11" grpId="0"/>
+      <p:bldP spid="11" grpId="1"/>
+      <p:bldP spid="12" grpId="0"/>
+    </p:bldLst>
+  </p:timing>
 </p:sld>
 </file>
 
@@ -6932,8 +9132,8 @@
         </p:nvSpPr>
         <p:spPr>
           <a:xfrm rot="600000">
-            <a:off x="5342086" y="122979"/>
-            <a:ext cx="1728000" cy="944245"/>
+            <a:off x="5142230" y="2381885"/>
+            <a:ext cx="1748155" cy="720725"/>
           </a:xfrm>
           <a:custGeom>
             <a:avLst/>
@@ -7099,7 +9299,7 @@
       </p:sp>
       <p:sp>
         <p:nvSpPr>
-          <p:cNvPr id="2" name="标题 1"/>
+          <p:cNvPr id="6" name="标题 5"/>
           <p:cNvSpPr>
             <a:spLocks noGrp="1"/>
           </p:cNvSpPr>
@@ -7109,8 +9309,8 @@
         </p:nvSpPr>
         <p:spPr>
           <a:xfrm>
-            <a:off x="5132070" y="245745"/>
-            <a:ext cx="2136775" cy="817245"/>
+            <a:off x="3747135" y="2236470"/>
+            <a:ext cx="4602480" cy="817245"/>
           </a:xfrm>
         </p:spPr>
         <p:txBody>
@@ -7123,14 +9323,21 @@
                 <a:latin typeface="Aa小梨涡" panose="02010600010101010101" charset="-122"/>
                 <a:ea typeface="Aa小梨涡" panose="02010600010101010101" charset="-122"/>
               </a:rPr>
-              <a:t>1.</a:t>
+              <a:t>4. </a:t>
             </a:r>
             <a:r>
               <a:rPr lang="zh-CN" altLang="en-US">
                 <a:latin typeface="Aa小梨涡" panose="02010600010101010101" charset="-122"/>
                 <a:ea typeface="Aa小梨涡" panose="02010600010101010101" charset="-122"/>
               </a:rPr>
-              <a:t>开篇词</a:t>
+              <a:t>深入浅出</a:t>
+            </a:r>
+            <a:r>
+              <a:rPr lang="zh-CN" altLang="en-US">
+                <a:latin typeface="Aa小梨涡" panose="02010600010101010101" charset="-122"/>
+                <a:ea typeface="Aa小梨涡" panose="02010600010101010101" charset="-122"/>
+              </a:rPr>
+              <a:t>字符串</a:t>
             </a:r>
             <a:endParaRPr lang="zh-CN" altLang="en-US">
               <a:latin typeface="Aa小梨涡" panose="02010600010101010101" charset="-122"/>
@@ -7141,14 +9348,14 @@
       </p:sp>
       <p:sp>
         <p:nvSpPr>
-          <p:cNvPr id="20" name="任意多边形 19"/>
+          <p:cNvPr id="7" name="任意多边形 6"/>
           <p:cNvSpPr/>
           <p:nvPr/>
         </p:nvSpPr>
         <p:spPr>
           <a:xfrm rot="10320000">
-            <a:off x="4344035" y="897890"/>
-            <a:ext cx="3456305" cy="76200"/>
+            <a:off x="3806825" y="2984500"/>
+            <a:ext cx="4103370" cy="86360"/>
           </a:xfrm>
           <a:custGeom>
             <a:avLst/>
@@ -7435,8 +9642,8 @@
         </p:nvSpPr>
         <p:spPr>
           <a:xfrm>
-            <a:off x="5132070" y="245745"/>
-            <a:ext cx="2136775" cy="817245"/>
+            <a:off x="4415790" y="245745"/>
+            <a:ext cx="3502025" cy="817245"/>
           </a:xfrm>
         </p:spPr>
         <p:txBody>
@@ -7449,14 +9656,14 @@
                 <a:latin typeface="Aa小梨涡" panose="02010600010101010101" charset="-122"/>
                 <a:ea typeface="Aa小梨涡" panose="02010600010101010101" charset="-122"/>
               </a:rPr>
-              <a:t>1.</a:t>
+              <a:t>4.1 </a:t>
             </a:r>
             <a:r>
               <a:rPr lang="zh-CN" altLang="en-US">
                 <a:latin typeface="Aa小梨涡" panose="02010600010101010101" charset="-122"/>
                 <a:ea typeface="Aa小梨涡" panose="02010600010101010101" charset="-122"/>
               </a:rPr>
-              <a:t>开篇词</a:t>
+              <a:t>字符串基础</a:t>
             </a:r>
             <a:endParaRPr lang="zh-CN" altLang="en-US">
               <a:latin typeface="Aa小梨涡" panose="02010600010101010101" charset="-122"/>
@@ -7558,15 +9765,1736 @@
           </a:p>
         </p:txBody>
       </p:sp>
+      <p:sp>
+        <p:nvSpPr>
+          <p:cNvPr id="8" name="文本框 7"/>
+          <p:cNvSpPr txBox="1"/>
+          <p:nvPr/>
+        </p:nvSpPr>
+        <p:spPr>
+          <a:xfrm>
+            <a:off x="431165" y="1214120"/>
+            <a:ext cx="11281410" cy="1437640"/>
+          </a:xfrm>
+          <a:prstGeom prst="rect">
+            <a:avLst/>
+          </a:prstGeom>
+          <a:noFill/>
+          <a:ln>
+            <a:noFill/>
+          </a:ln>
+        </p:spPr>
+        <p:txBody>
+          <a:bodyPr wrap="square" rtlCol="0">
+            <a:spAutoFit/>
+          </a:bodyPr>
+          <a:p>
+            <a:pPr fontAlgn="auto">
+              <a:lnSpc>
+                <a:spcPts val="3500"/>
+              </a:lnSpc>
+            </a:pPr>
+            <a:r>
+              <a:rPr lang="en-US" altLang="zh-CN" sz="2200">
+                <a:latin typeface="Calibri" panose="020F0502020204030204" charset="0"/>
+                <a:ea typeface="Aa小梨涡" panose="02010600010101010101" charset="-122"/>
+                <a:cs typeface="Aa小梨涡" panose="02010600010101010101" charset="-122"/>
+                <a:sym typeface="+mn-ea"/>
+              </a:rPr>
+              <a:t>1. </a:t>
+            </a:r>
+            <a:r>
+              <a:rPr lang="zh-CN" altLang="en-US" sz="2200">
+                <a:latin typeface="Calibri" panose="020F0502020204030204" charset="0"/>
+                <a:ea typeface="Aa小梨涡" panose="02010600010101010101" charset="-122"/>
+                <a:cs typeface="Aa小梨涡" panose="02010600010101010101" charset="-122"/>
+                <a:sym typeface="+mn-ea"/>
+              </a:rPr>
+              <a:t>定义</a:t>
+            </a:r>
+            <a:endParaRPr lang="zh-CN" altLang="en-US" sz="2200">
+              <a:latin typeface="Calibri" panose="020F0502020204030204" charset="0"/>
+              <a:ea typeface="Aa小梨涡" panose="02010600010101010101" charset="-122"/>
+              <a:cs typeface="Aa小梨涡" panose="02010600010101010101" charset="-122"/>
+              <a:sym typeface="+mn-ea"/>
+            </a:endParaRPr>
+          </a:p>
+          <a:p>
+            <a:pPr fontAlgn="auto">
+              <a:lnSpc>
+                <a:spcPts val="3500"/>
+              </a:lnSpc>
+            </a:pPr>
+            <a:r>
+              <a:rPr lang="en-US" altLang="zh-CN" sz="2200">
+                <a:latin typeface="Calibri" panose="020F0502020204030204" charset="0"/>
+                <a:ea typeface="Aa小梨涡" panose="02010600010101010101" charset="-122"/>
+                <a:cs typeface="Aa小梨涡" panose="02010600010101010101" charset="-122"/>
+                <a:sym typeface="+mn-ea"/>
+              </a:rPr>
+              <a:t>        字符串是由独立字符组成的一个序列，通常包含在单引号（''）双引号（""）或者三引号之中（''' '''或""" """，两者一样），比如下面几种写法完全一样</a:t>
+            </a:r>
+            <a:r>
+              <a:rPr lang="zh-CN" altLang="en-US" sz="2200">
+                <a:latin typeface="Calibri" panose="020F0502020204030204" charset="0"/>
+                <a:ea typeface="Aa小梨涡" panose="02010600010101010101" charset="-122"/>
+                <a:cs typeface="Aa小梨涡" panose="02010600010101010101" charset="-122"/>
+                <a:sym typeface="+mn-ea"/>
+              </a:rPr>
+              <a:t>。</a:t>
+            </a:r>
+            <a:r>
+              <a:rPr lang="en-US" altLang="zh-CN" sz="2200">
+                <a:latin typeface="Calibri" panose="020F0502020204030204" charset="0"/>
+                <a:ea typeface="Aa小梨涡" panose="02010600010101010101" charset="-122"/>
+                <a:cs typeface="Aa小梨涡" panose="02010600010101010101" charset="-122"/>
+                <a:sym typeface="+mn-ea"/>
+              </a:rPr>
+              <a:t>      </a:t>
+            </a:r>
+            <a:endParaRPr lang="en-US" altLang="zh-CN" sz="2200">
+              <a:latin typeface="Calibri" panose="020F0502020204030204" charset="0"/>
+              <a:ea typeface="Aa小梨涡" panose="02010600010101010101" charset="-122"/>
+              <a:cs typeface="Aa小梨涡" panose="02010600010101010101" charset="-122"/>
+              <a:sym typeface="+mn-ea"/>
+            </a:endParaRPr>
+          </a:p>
+        </p:txBody>
+      </p:sp>
+      <p:sp>
+        <p:nvSpPr>
+          <p:cNvPr id="9" name="文本框 8"/>
+          <p:cNvSpPr txBox="1"/>
+          <p:nvPr/>
+        </p:nvSpPr>
+        <p:spPr>
+          <a:xfrm>
+            <a:off x="430530" y="2651760"/>
+            <a:ext cx="11282045" cy="1337945"/>
+          </a:xfrm>
+          <a:prstGeom prst="rect">
+            <a:avLst/>
+          </a:prstGeom>
+          <a:noFill/>
+          <a:ln>
+            <a:solidFill>
+              <a:schemeClr val="accent1"/>
+            </a:solidFill>
+          </a:ln>
+        </p:spPr>
+        <p:txBody>
+          <a:bodyPr wrap="square" rtlCol="0">
+            <a:spAutoFit/>
+          </a:bodyPr>
+          <a:p>
+            <a:pPr algn="l" fontAlgn="auto">
+              <a:lnSpc>
+                <a:spcPct val="150000"/>
+              </a:lnSpc>
+            </a:pPr>
+            <a:r>
+              <a:rPr>
+                <a:latin typeface="Comic Sans MS" panose="030F0702030302020204" charset="0"/>
+                <a:cs typeface="Comic Sans MS" panose="030F0702030302020204" charset="0"/>
+                <a:sym typeface="+mn-ea"/>
+              </a:rPr>
+              <a:t>s1 = 'hello'</a:t>
+            </a:r>
+            <a:endParaRPr>
+              <a:latin typeface="Comic Sans MS" panose="030F0702030302020204" charset="0"/>
+              <a:cs typeface="Comic Sans MS" panose="030F0702030302020204" charset="0"/>
+              <a:sym typeface="+mn-ea"/>
+            </a:endParaRPr>
+          </a:p>
+          <a:p>
+            <a:pPr algn="l" fontAlgn="auto">
+              <a:lnSpc>
+                <a:spcPct val="150000"/>
+              </a:lnSpc>
+            </a:pPr>
+            <a:r>
+              <a:rPr>
+                <a:latin typeface="Comic Sans MS" panose="030F0702030302020204" charset="0"/>
+                <a:cs typeface="Comic Sans MS" panose="030F0702030302020204" charset="0"/>
+                <a:sym typeface="+mn-ea"/>
+              </a:rPr>
+              <a:t>s2 = "hello"</a:t>
+            </a:r>
+            <a:endParaRPr>
+              <a:latin typeface="Comic Sans MS" panose="030F0702030302020204" charset="0"/>
+              <a:cs typeface="Comic Sans MS" panose="030F0702030302020204" charset="0"/>
+              <a:sym typeface="+mn-ea"/>
+            </a:endParaRPr>
+          </a:p>
+          <a:p>
+            <a:pPr algn="l" fontAlgn="auto">
+              <a:lnSpc>
+                <a:spcPct val="150000"/>
+              </a:lnSpc>
+            </a:pPr>
+            <a:r>
+              <a:rPr>
+                <a:latin typeface="Comic Sans MS" panose="030F0702030302020204" charset="0"/>
+                <a:cs typeface="Comic Sans MS" panose="030F0702030302020204" charset="0"/>
+                <a:sym typeface="+mn-ea"/>
+              </a:rPr>
+              <a:t>s3 = """hello"""</a:t>
+            </a:r>
+            <a:endParaRPr>
+              <a:latin typeface="Comic Sans MS" panose="030F0702030302020204" charset="0"/>
+              <a:cs typeface="Comic Sans MS" panose="030F0702030302020204" charset="0"/>
+              <a:sym typeface="+mn-ea"/>
+            </a:endParaRPr>
+          </a:p>
+        </p:txBody>
+      </p:sp>
+      <p:sp>
+        <p:nvSpPr>
+          <p:cNvPr id="3" name="文本框 2"/>
+          <p:cNvSpPr txBox="1"/>
+          <p:nvPr/>
+        </p:nvSpPr>
+        <p:spPr>
+          <a:xfrm>
+            <a:off x="431800" y="4206875"/>
+            <a:ext cx="11281410" cy="1437640"/>
+          </a:xfrm>
+          <a:prstGeom prst="rect">
+            <a:avLst/>
+          </a:prstGeom>
+          <a:noFill/>
+          <a:ln>
+            <a:noFill/>
+          </a:ln>
+        </p:spPr>
+        <p:txBody>
+          <a:bodyPr wrap="square" rtlCol="0">
+            <a:spAutoFit/>
+          </a:bodyPr>
+          <a:p>
+            <a:pPr fontAlgn="auto">
+              <a:lnSpc>
+                <a:spcPts val="3500"/>
+              </a:lnSpc>
+            </a:pPr>
+            <a:r>
+              <a:rPr lang="en-US" altLang="zh-CN" sz="2200">
+                <a:latin typeface="Calibri" panose="020F0502020204030204" charset="0"/>
+                <a:ea typeface="Aa小梨涡" panose="02010600010101010101" charset="-122"/>
+                <a:cs typeface="Aa小梨涡" panose="02010600010101010101" charset="-122"/>
+                <a:sym typeface="+mn-ea"/>
+              </a:rPr>
+              <a:t>2. 索引，切片和遍历</a:t>
+            </a:r>
+            <a:endParaRPr lang="en-US" altLang="zh-CN" sz="2200">
+              <a:latin typeface="Calibri" panose="020F0502020204030204" charset="0"/>
+              <a:ea typeface="Aa小梨涡" panose="02010600010101010101" charset="-122"/>
+              <a:cs typeface="Aa小梨涡" panose="02010600010101010101" charset="-122"/>
+              <a:sym typeface="+mn-ea"/>
+            </a:endParaRPr>
+          </a:p>
+          <a:p>
+            <a:pPr fontAlgn="auto">
+              <a:lnSpc>
+                <a:spcPts val="3500"/>
+              </a:lnSpc>
+            </a:pPr>
+            <a:r>
+              <a:rPr lang="en-US" altLang="zh-CN" sz="2200">
+                <a:latin typeface="Calibri" panose="020F0502020204030204" charset="0"/>
+                <a:ea typeface="Aa小梨涡" panose="02010600010101010101" charset="-122"/>
+                <a:cs typeface="Aa小梨涡" panose="02010600010101010101" charset="-122"/>
+                <a:sym typeface="+mn-ea"/>
+              </a:rPr>
+              <a:t>        可以把字符串想象成一个由单个字符组成的</a:t>
+            </a:r>
+            <a:r>
+              <a:rPr lang="zh-CN" altLang="en-US" sz="2200">
+                <a:latin typeface="Calibri" panose="020F0502020204030204" charset="0"/>
+                <a:ea typeface="Aa小梨涡" panose="02010600010101010101" charset="-122"/>
+                <a:cs typeface="Aa小梨涡" panose="02010600010101010101" charset="-122"/>
+                <a:sym typeface="+mn-ea"/>
+              </a:rPr>
+              <a:t>列表</a:t>
+            </a:r>
+            <a:r>
+              <a:rPr lang="en-US" altLang="zh-CN" sz="2200">
+                <a:latin typeface="Calibri" panose="020F0502020204030204" charset="0"/>
+                <a:ea typeface="Aa小梨涡" panose="02010600010101010101" charset="-122"/>
+                <a:cs typeface="Aa小梨涡" panose="02010600010101010101" charset="-122"/>
+                <a:sym typeface="+mn-ea"/>
+              </a:rPr>
+              <a:t>，</a:t>
+            </a:r>
+            <a:r>
+              <a:rPr lang="zh-CN" altLang="en-US" sz="2200">
+                <a:latin typeface="Calibri" panose="020F0502020204030204" charset="0"/>
+                <a:ea typeface="Aa小梨涡" panose="02010600010101010101" charset="-122"/>
+                <a:cs typeface="Aa小梨涡" panose="02010600010101010101" charset="-122"/>
+                <a:sym typeface="+mn-ea"/>
+              </a:rPr>
+              <a:t>所以，Python 的字符串同样支持索引，切片和遍历等等操作。</a:t>
+            </a:r>
+            <a:r>
+              <a:rPr lang="en-US" altLang="zh-CN" sz="2200">
+                <a:latin typeface="Calibri" panose="020F0502020204030204" charset="0"/>
+                <a:ea typeface="Aa小梨涡" panose="02010600010101010101" charset="-122"/>
+                <a:cs typeface="Aa小梨涡" panose="02010600010101010101" charset="-122"/>
+                <a:sym typeface="+mn-ea"/>
+              </a:rPr>
+              <a:t>              </a:t>
+            </a:r>
+            <a:endParaRPr lang="en-US" altLang="zh-CN" sz="2200">
+              <a:latin typeface="Calibri" panose="020F0502020204030204" charset="0"/>
+              <a:ea typeface="Aa小梨涡" panose="02010600010101010101" charset="-122"/>
+              <a:cs typeface="Aa小梨涡" panose="02010600010101010101" charset="-122"/>
+              <a:sym typeface="+mn-ea"/>
+            </a:endParaRPr>
+          </a:p>
+        </p:txBody>
+      </p:sp>
+      <p:sp>
+        <p:nvSpPr>
+          <p:cNvPr id="11" name="文本框 10"/>
+          <p:cNvSpPr txBox="1"/>
+          <p:nvPr/>
+        </p:nvSpPr>
+        <p:spPr>
+          <a:xfrm>
+            <a:off x="3642360" y="5176520"/>
+            <a:ext cx="1407160" cy="270510"/>
+          </a:xfrm>
+          <a:prstGeom prst="rect">
+            <a:avLst/>
+          </a:prstGeom>
+          <a:noFill/>
+        </p:spPr>
+        <p:txBody>
+          <a:bodyPr wrap="square" rtlCol="0">
+            <a:spAutoFit/>
+          </a:bodyPr>
+          <a:p>
+            <a:r>
+              <a:rPr lang="en-US" altLang="zh-CN" baseline="30000">
+                <a:solidFill>
+                  <a:schemeClr val="accent5"/>
+                </a:solidFill>
+                <a:latin typeface="Comic Sans MS" panose="030F0702030302020204" charset="0"/>
+                <a:cs typeface="Comic Sans MS" panose="030F0702030302020204" charset="0"/>
+              </a:rPr>
+              <a:t>[4.1-1.py]</a:t>
+            </a:r>
+            <a:endParaRPr lang="en-US" altLang="zh-CN" baseline="30000">
+              <a:solidFill>
+                <a:schemeClr val="accent5"/>
+              </a:solidFill>
+              <a:latin typeface="Comic Sans MS" panose="030F0702030302020204" charset="0"/>
+              <a:cs typeface="Comic Sans MS" panose="030F0702030302020204" charset="0"/>
+            </a:endParaRPr>
+          </a:p>
+        </p:txBody>
+      </p:sp>
     </p:spTree>
   </p:cSld>
   <p:clrMapOvr>
     <a:masterClrMapping/>
   </p:clrMapOvr>
+  <p:timing>
+    <p:tnLst>
+      <p:par>
+        <p:cTn id="1" dur="indefinite" restart="never" nodeType="tmRoot">
+          <p:childTnLst>
+            <p:seq concurrent="1" nextAc="seek">
+              <p:cTn id="2" dur="indefinite" nodeType="mainSeq">
+                <p:childTnLst>
+                  <p:par>
+                    <p:cTn id="3" fill="hold">
+                      <p:stCondLst>
+                        <p:cond delay="indefinite"/>
+                      </p:stCondLst>
+                      <p:childTnLst>
+                        <p:par>
+                          <p:cTn id="4" fill="hold">
+                            <p:stCondLst>
+                              <p:cond delay="0"/>
+                            </p:stCondLst>
+                            <p:childTnLst>
+                              <p:par>
+                                <p:cTn id="5" presetID="1" presetClass="entr" presetSubtype="0" fill="hold" grpId="0" nodeType="clickEffect">
+                                  <p:stCondLst>
+                                    <p:cond delay="0"/>
+                                  </p:stCondLst>
+                                  <p:childTnLst>
+                                    <p:set>
+                                      <p:cBhvr>
+                                        <p:cTn id="6" dur="1" fill="hold">
+                                          <p:stCondLst>
+                                            <p:cond delay="0"/>
+                                          </p:stCondLst>
+                                        </p:cTn>
+                                        <p:tgtEl>
+                                          <p:spTgt spid="8"/>
+                                        </p:tgtEl>
+                                        <p:attrNameLst>
+                                          <p:attrName>style.visibility</p:attrName>
+                                        </p:attrNameLst>
+                                      </p:cBhvr>
+                                      <p:to>
+                                        <p:strVal val="visible"/>
+                                      </p:to>
+                                    </p:set>
+                                  </p:childTnLst>
+                                </p:cTn>
+                              </p:par>
+                              <p:par>
+                                <p:cTn id="7" presetID="1" presetClass="entr" presetSubtype="0" fill="hold" grpId="0" nodeType="withEffect">
+                                  <p:stCondLst>
+                                    <p:cond delay="0"/>
+                                  </p:stCondLst>
+                                  <p:childTnLst>
+                                    <p:set>
+                                      <p:cBhvr>
+                                        <p:cTn id="8" dur="1" fill="hold">
+                                          <p:stCondLst>
+                                            <p:cond delay="0"/>
+                                          </p:stCondLst>
+                                        </p:cTn>
+                                        <p:tgtEl>
+                                          <p:spTgt spid="9"/>
+                                        </p:tgtEl>
+                                        <p:attrNameLst>
+                                          <p:attrName>style.visibility</p:attrName>
+                                        </p:attrNameLst>
+                                      </p:cBhvr>
+                                      <p:to>
+                                        <p:strVal val="visible"/>
+                                      </p:to>
+                                    </p:set>
+                                  </p:childTnLst>
+                                </p:cTn>
+                              </p:par>
+                            </p:childTnLst>
+                          </p:cTn>
+                        </p:par>
+                      </p:childTnLst>
+                    </p:cTn>
+                  </p:par>
+                  <p:par>
+                    <p:cTn id="9" fill="hold">
+                      <p:stCondLst>
+                        <p:cond delay="indefinite"/>
+                      </p:stCondLst>
+                      <p:childTnLst>
+                        <p:par>
+                          <p:cTn id="10" fill="hold">
+                            <p:stCondLst>
+                              <p:cond delay="0"/>
+                            </p:stCondLst>
+                            <p:childTnLst>
+                              <p:par>
+                                <p:cTn id="11" presetID="1" presetClass="entr" presetSubtype="0" fill="hold" grpId="0" nodeType="clickEffect">
+                                  <p:stCondLst>
+                                    <p:cond delay="0"/>
+                                  </p:stCondLst>
+                                  <p:childTnLst>
+                                    <p:set>
+                                      <p:cBhvr>
+                                        <p:cTn id="12" dur="1" fill="hold">
+                                          <p:stCondLst>
+                                            <p:cond delay="0"/>
+                                          </p:stCondLst>
+                                        </p:cTn>
+                                        <p:tgtEl>
+                                          <p:spTgt spid="3"/>
+                                        </p:tgtEl>
+                                        <p:attrNameLst>
+                                          <p:attrName>style.visibility</p:attrName>
+                                        </p:attrNameLst>
+                                      </p:cBhvr>
+                                      <p:to>
+                                        <p:strVal val="visible"/>
+                                      </p:to>
+                                    </p:set>
+                                  </p:childTnLst>
+                                </p:cTn>
+                              </p:par>
+                              <p:par>
+                                <p:cTn id="13" presetID="1" presetClass="entr" presetSubtype="0" fill="hold" grpId="0" nodeType="withEffect">
+                                  <p:stCondLst>
+                                    <p:cond delay="0"/>
+                                  </p:stCondLst>
+                                  <p:childTnLst>
+                                    <p:set>
+                                      <p:cBhvr>
+                                        <p:cTn id="14" dur="1" fill="hold">
+                                          <p:stCondLst>
+                                            <p:cond delay="0"/>
+                                          </p:stCondLst>
+                                        </p:cTn>
+                                        <p:tgtEl>
+                                          <p:spTgt spid="11"/>
+                                        </p:tgtEl>
+                                        <p:attrNameLst>
+                                          <p:attrName>style.visibility</p:attrName>
+                                        </p:attrNameLst>
+                                      </p:cBhvr>
+                                      <p:to>
+                                        <p:strVal val="visible"/>
+                                      </p:to>
+                                    </p:set>
+                                  </p:childTnLst>
+                                </p:cTn>
+                              </p:par>
+                            </p:childTnLst>
+                          </p:cTn>
+                        </p:par>
+                      </p:childTnLst>
+                    </p:cTn>
+                  </p:par>
+                </p:childTnLst>
+              </p:cTn>
+              <p:prevCondLst>
+                <p:cond evt="onPrev" delay="0">
+                  <p:tgtEl>
+                    <p:sldTgt/>
+                  </p:tgtEl>
+                </p:cond>
+              </p:prevCondLst>
+              <p:nextCondLst>
+                <p:cond evt="onNext" delay="0">
+                  <p:tgtEl>
+                    <p:sldTgt/>
+                  </p:tgtEl>
+                </p:cond>
+              </p:nextCondLst>
+            </p:seq>
+          </p:childTnLst>
+        </p:cTn>
+      </p:par>
+    </p:tnLst>
+    <p:bldLst>
+      <p:bldP spid="8" grpId="0"/>
+      <p:bldP spid="8" grpId="1"/>
+      <p:bldP spid="9" grpId="0" bldLvl="0" animBg="1"/>
+      <p:bldP spid="9" grpId="1" animBg="1"/>
+      <p:bldP spid="3" grpId="0"/>
+      <p:bldP spid="3" grpId="1"/>
+      <p:bldP spid="11" grpId="0"/>
+      <p:bldP spid="11" grpId="1"/>
+    </p:bldLst>
+  </p:timing>
 </p:sld>
 </file>
 
 <file path=ppt/slides/slide18.xml><?xml version="1.0" encoding="utf-8"?>
+<p:sld xmlns:a="http://schemas.openxmlformats.org/drawingml/2006/main" xmlns:r="http://schemas.openxmlformats.org/officeDocument/2006/relationships" xmlns:p="http://schemas.openxmlformats.org/presentationml/2006/main">
+  <p:cSld>
+    <p:spTree>
+      <p:nvGrpSpPr>
+        <p:cNvPr id="1" name=""/>
+        <p:cNvGrpSpPr/>
+        <p:nvPr/>
+      </p:nvGrpSpPr>
+      <p:grpSpPr/>
+      <p:sp>
+        <p:nvSpPr>
+          <p:cNvPr id="18" name="任意多边形 17"/>
+          <p:cNvSpPr/>
+          <p:nvPr/>
+        </p:nvSpPr>
+        <p:spPr>
+          <a:xfrm rot="600000">
+            <a:off x="5342086" y="122979"/>
+            <a:ext cx="1728000" cy="944245"/>
+          </a:xfrm>
+          <a:custGeom>
+            <a:avLst/>
+            <a:gdLst>
+              <a:gd name="connisteX0" fmla="*/ 257810 w 3935730"/>
+              <a:gd name="connsiteY0" fmla="*/ 429260 h 944880"/>
+              <a:gd name="connisteX1" fmla="*/ 3394710 w 3935730"/>
+              <a:gd name="connsiteY1" fmla="*/ 0 h 944880"/>
+              <a:gd name="connisteX2" fmla="*/ 26035 w 3935730"/>
+              <a:gd name="connsiteY2" fmla="*/ 541020 h 944880"/>
+              <a:gd name="connisteX3" fmla="*/ 3575050 w 3935730"/>
+              <a:gd name="connsiteY3" fmla="*/ 51435 h 944880"/>
+              <a:gd name="connisteX4" fmla="*/ 172085 w 3935730"/>
+              <a:gd name="connsiteY4" fmla="*/ 601345 h 944880"/>
+              <a:gd name="connisteX5" fmla="*/ 3652520 w 3935730"/>
+              <a:gd name="connsiteY5" fmla="*/ 128905 h 944880"/>
+              <a:gd name="connisteX6" fmla="*/ 51435 w 3935730"/>
+              <a:gd name="connsiteY6" fmla="*/ 678815 h 944880"/>
+              <a:gd name="connisteX7" fmla="*/ 3514725 w 3935730"/>
+              <a:gd name="connsiteY7" fmla="*/ 214630 h 944880"/>
+              <a:gd name="connisteX8" fmla="*/ 369570 w 3935730"/>
+              <a:gd name="connsiteY8" fmla="*/ 704215 h 944880"/>
+              <a:gd name="connisteX9" fmla="*/ 3695700 w 3935730"/>
+              <a:gd name="connsiteY9" fmla="*/ 274955 h 944880"/>
+              <a:gd name="connisteX10" fmla="*/ 180340 w 3935730"/>
+              <a:gd name="connsiteY10" fmla="*/ 833120 h 944880"/>
+              <a:gd name="connisteX11" fmla="*/ 3695700 w 3935730"/>
+              <a:gd name="connsiteY11" fmla="*/ 351790 h 944880"/>
+              <a:gd name="connisteX12" fmla="*/ 0 w 3935730"/>
+              <a:gd name="connsiteY12" fmla="*/ 944880 h 944880"/>
+              <a:gd name="connisteX13" fmla="*/ 3935730 w 3935730"/>
+              <a:gd name="connsiteY13" fmla="*/ 360680 h 944880"/>
+            </a:gdLst>
+            <a:ahLst/>
+            <a:cxnLst>
+              <a:cxn ang="0">
+                <a:pos x="connisteX0" y="connsiteY0"/>
+              </a:cxn>
+              <a:cxn ang="0">
+                <a:pos x="connisteX1" y="connsiteY1"/>
+              </a:cxn>
+              <a:cxn ang="0">
+                <a:pos x="connisteX2" y="connsiteY2"/>
+              </a:cxn>
+              <a:cxn ang="0">
+                <a:pos x="connisteX3" y="connsiteY3"/>
+              </a:cxn>
+              <a:cxn ang="0">
+                <a:pos x="connisteX4" y="connsiteY4"/>
+              </a:cxn>
+              <a:cxn ang="0">
+                <a:pos x="connisteX5" y="connsiteY5"/>
+              </a:cxn>
+              <a:cxn ang="0">
+                <a:pos x="connisteX6" y="connsiteY6"/>
+              </a:cxn>
+              <a:cxn ang="0">
+                <a:pos x="connisteX7" y="connsiteY7"/>
+              </a:cxn>
+              <a:cxn ang="0">
+                <a:pos x="connisteX8" y="connsiteY8"/>
+              </a:cxn>
+              <a:cxn ang="0">
+                <a:pos x="connisteX9" y="connsiteY9"/>
+              </a:cxn>
+              <a:cxn ang="0">
+                <a:pos x="connisteX10" y="connsiteY10"/>
+              </a:cxn>
+              <a:cxn ang="0">
+                <a:pos x="connisteX11" y="connsiteY11"/>
+              </a:cxn>
+              <a:cxn ang="0">
+                <a:pos x="connisteX12" y="connsiteY12"/>
+              </a:cxn>
+              <a:cxn ang="0">
+                <a:pos x="connisteX13" y="connsiteY13"/>
+              </a:cxn>
+            </a:cxnLst>
+            <a:rect l="l" t="t" r="r" b="b"/>
+            <a:pathLst>
+              <a:path w="3935730" h="944880">
+                <a:moveTo>
+                  <a:pt x="257810" y="429260"/>
+                </a:moveTo>
+                <a:lnTo>
+                  <a:pt x="3394710" y="0"/>
+                </a:lnTo>
+                <a:lnTo>
+                  <a:pt x="26035" y="541020"/>
+                </a:lnTo>
+                <a:lnTo>
+                  <a:pt x="3575050" y="51435"/>
+                </a:lnTo>
+                <a:lnTo>
+                  <a:pt x="172085" y="601345"/>
+                </a:lnTo>
+                <a:lnTo>
+                  <a:pt x="3652520" y="128905"/>
+                </a:lnTo>
+                <a:lnTo>
+                  <a:pt x="51435" y="678815"/>
+                </a:lnTo>
+                <a:lnTo>
+                  <a:pt x="3514725" y="214630"/>
+                </a:lnTo>
+                <a:lnTo>
+                  <a:pt x="369570" y="704215"/>
+                </a:lnTo>
+                <a:lnTo>
+                  <a:pt x="3695700" y="274955"/>
+                </a:lnTo>
+                <a:lnTo>
+                  <a:pt x="180340" y="833120"/>
+                </a:lnTo>
+                <a:lnTo>
+                  <a:pt x="3695700" y="351790"/>
+                </a:lnTo>
+                <a:lnTo>
+                  <a:pt x="0" y="944880"/>
+                </a:lnTo>
+                <a:lnTo>
+                  <a:pt x="3935730" y="360680"/>
+                </a:lnTo>
+              </a:path>
+            </a:pathLst>
+          </a:custGeom>
+          <a:noFill/>
+          <a:ln w="203200">
+            <a:solidFill>
+              <a:schemeClr val="accent4">
+                <a:lumMod val="40000"/>
+                <a:lumOff val="60000"/>
+              </a:schemeClr>
+            </a:solidFill>
+          </a:ln>
+          <a:effectLst>
+            <a:softEdge rad="63500"/>
+          </a:effectLst>
+        </p:spPr>
+        <p:style>
+          <a:lnRef idx="2">
+            <a:schemeClr val="accent1">
+              <a:shade val="50000"/>
+            </a:schemeClr>
+          </a:lnRef>
+          <a:fillRef idx="1">
+            <a:schemeClr val="accent1"/>
+          </a:fillRef>
+          <a:effectRef idx="0">
+            <a:schemeClr val="accent1"/>
+          </a:effectRef>
+          <a:fontRef idx="minor">
+            <a:schemeClr val="lt1"/>
+          </a:fontRef>
+        </p:style>
+        <p:txBody>
+          <a:bodyPr rtlCol="0" anchor="ctr"/>
+          <a:p>
+            <a:pPr algn="ctr"/>
+            <a:endParaRPr lang="zh-CN" altLang="en-US"/>
+          </a:p>
+        </p:txBody>
+      </p:sp>
+      <p:sp>
+        <p:nvSpPr>
+          <p:cNvPr id="2" name="标题 1"/>
+          <p:cNvSpPr>
+            <a:spLocks noGrp="1"/>
+          </p:cNvSpPr>
+          <p:nvPr>
+            <p:ph type="title"/>
+          </p:nvPr>
+        </p:nvSpPr>
+        <p:spPr>
+          <a:xfrm>
+            <a:off x="4434205" y="245745"/>
+            <a:ext cx="3585210" cy="817245"/>
+          </a:xfrm>
+        </p:spPr>
+        <p:txBody>
+          <a:bodyPr>
+            <a:normAutofit fontScale="90000"/>
+          </a:bodyPr>
+          <a:p>
+            <a:r>
+              <a:rPr lang="en-US" altLang="zh-CN">
+                <a:latin typeface="Aa小梨涡" panose="02010600010101010101" charset="-122"/>
+                <a:ea typeface="Aa小梨涡" panose="02010600010101010101" charset="-122"/>
+                <a:sym typeface="+mn-ea"/>
+              </a:rPr>
+              <a:t>4.1 </a:t>
+            </a:r>
+            <a:r>
+              <a:rPr lang="zh-CN" altLang="en-US">
+                <a:latin typeface="Aa小梨涡" panose="02010600010101010101" charset="-122"/>
+                <a:ea typeface="Aa小梨涡" panose="02010600010101010101" charset="-122"/>
+                <a:sym typeface="+mn-ea"/>
+              </a:rPr>
+              <a:t>字符串基础</a:t>
+            </a:r>
+            <a:endParaRPr lang="zh-CN" altLang="en-US">
+              <a:latin typeface="Aa小梨涡" panose="02010600010101010101" charset="-122"/>
+              <a:ea typeface="Aa小梨涡" panose="02010600010101010101" charset="-122"/>
+            </a:endParaRPr>
+          </a:p>
+        </p:txBody>
+      </p:sp>
+      <p:sp>
+        <p:nvSpPr>
+          <p:cNvPr id="20" name="任意多边形 19"/>
+          <p:cNvSpPr/>
+          <p:nvPr/>
+        </p:nvSpPr>
+        <p:spPr>
+          <a:xfrm rot="10320000">
+            <a:off x="4344035" y="897890"/>
+            <a:ext cx="3456305" cy="76200"/>
+          </a:xfrm>
+          <a:custGeom>
+            <a:avLst/>
+            <a:gdLst>
+              <a:gd name="connisteX0" fmla="*/ 4685923 w 4685923"/>
+              <a:gd name="connsiteY0" fmla="*/ 9525 h 464575"/>
+              <a:gd name="connisteX1" fmla="*/ 548898 w 4685923"/>
+              <a:gd name="connsiteY1" fmla="*/ 238125 h 464575"/>
+              <a:gd name="connisteX2" fmla="*/ 672723 w 4685923"/>
+              <a:gd name="connsiteY2" fmla="*/ 456565 h 464575"/>
+              <a:gd name="connisteX3" fmla="*/ 4638298 w 4685923"/>
+              <a:gd name="connsiteY3" fmla="*/ 0 h 464575"/>
+            </a:gdLst>
+            <a:ahLst/>
+            <a:cxnLst>
+              <a:cxn ang="0">
+                <a:pos x="connisteX0" y="connsiteY0"/>
+              </a:cxn>
+              <a:cxn ang="0">
+                <a:pos x="connisteX1" y="connsiteY1"/>
+              </a:cxn>
+              <a:cxn ang="0">
+                <a:pos x="connisteX2" y="connsiteY2"/>
+              </a:cxn>
+              <a:cxn ang="0">
+                <a:pos x="connisteX3" y="connsiteY3"/>
+              </a:cxn>
+            </a:cxnLst>
+            <a:rect l="l" t="t" r="r" b="b"/>
+            <a:pathLst>
+              <a:path w="4685923" h="464576">
+                <a:moveTo>
+                  <a:pt x="4685923" y="9525"/>
+                </a:moveTo>
+                <a:cubicBezTo>
+                  <a:pt x="3855978" y="50800"/>
+                  <a:pt x="1351538" y="148590"/>
+                  <a:pt x="548898" y="238125"/>
+                </a:cubicBezTo>
+                <a:cubicBezTo>
+                  <a:pt x="-253742" y="327660"/>
+                  <a:pt x="-145157" y="504190"/>
+                  <a:pt x="672723" y="456565"/>
+                </a:cubicBezTo>
+                <a:cubicBezTo>
+                  <a:pt x="1490603" y="408940"/>
+                  <a:pt x="3847723" y="95885"/>
+                  <a:pt x="4638298" y="0"/>
+                </a:cubicBezTo>
+              </a:path>
+            </a:pathLst>
+          </a:custGeom>
+          <a:solidFill>
+            <a:schemeClr val="accent5"/>
+          </a:solidFill>
+          <a:ln>
+            <a:noFill/>
+          </a:ln>
+        </p:spPr>
+        <p:style>
+          <a:lnRef idx="2">
+            <a:schemeClr val="accent1">
+              <a:shade val="50000"/>
+            </a:schemeClr>
+          </a:lnRef>
+          <a:fillRef idx="1">
+            <a:schemeClr val="accent1"/>
+          </a:fillRef>
+          <a:effectRef idx="0">
+            <a:schemeClr val="accent1"/>
+          </a:effectRef>
+          <a:fontRef idx="minor">
+            <a:schemeClr val="lt1"/>
+          </a:fontRef>
+        </p:style>
+        <p:txBody>
+          <a:bodyPr rtlCol="0" anchor="ctr"/>
+          <a:p>
+            <a:pPr algn="ctr"/>
+            <a:endParaRPr lang="zh-CN" altLang="en-US"/>
+          </a:p>
+        </p:txBody>
+      </p:sp>
+      <p:sp>
+        <p:nvSpPr>
+          <p:cNvPr id="3" name="文本框 2"/>
+          <p:cNvSpPr txBox="1"/>
+          <p:nvPr/>
+        </p:nvSpPr>
+        <p:spPr>
+          <a:xfrm>
+            <a:off x="651510" y="1290955"/>
+            <a:ext cx="11281410" cy="2335530"/>
+          </a:xfrm>
+          <a:prstGeom prst="rect">
+            <a:avLst/>
+          </a:prstGeom>
+          <a:noFill/>
+          <a:ln>
+            <a:noFill/>
+          </a:ln>
+        </p:spPr>
+        <p:txBody>
+          <a:bodyPr wrap="square" rtlCol="0">
+            <a:spAutoFit/>
+          </a:bodyPr>
+          <a:p>
+            <a:pPr fontAlgn="auto">
+              <a:lnSpc>
+                <a:spcPts val="3500"/>
+              </a:lnSpc>
+            </a:pPr>
+            <a:r>
+              <a:rPr lang="en-US" altLang="zh-CN" sz="2200">
+                <a:latin typeface="Calibri" panose="020F0502020204030204" charset="0"/>
+                <a:ea typeface="Aa小梨涡" panose="02010600010101010101" charset="-122"/>
+                <a:cs typeface="Aa小梨涡" panose="02010600010101010101" charset="-122"/>
+                <a:sym typeface="+mn-ea"/>
+              </a:rPr>
+              <a:t>3. </a:t>
+            </a:r>
+            <a:r>
+              <a:rPr lang="zh-CN" altLang="en-US" sz="2200">
+                <a:latin typeface="Calibri" panose="020F0502020204030204" charset="0"/>
+                <a:ea typeface="Aa小梨涡" panose="02010600010101010101" charset="-122"/>
+                <a:cs typeface="Aa小梨涡" panose="02010600010101010101" charset="-122"/>
+                <a:sym typeface="+mn-ea"/>
+              </a:rPr>
+              <a:t>拼接和分割</a:t>
+            </a:r>
+            <a:endParaRPr lang="en-US" altLang="zh-CN" sz="2200">
+              <a:latin typeface="Calibri" panose="020F0502020204030204" charset="0"/>
+              <a:ea typeface="Aa小梨涡" panose="02010600010101010101" charset="-122"/>
+              <a:cs typeface="Aa小梨涡" panose="02010600010101010101" charset="-122"/>
+              <a:sym typeface="+mn-ea"/>
+            </a:endParaRPr>
+          </a:p>
+          <a:p>
+            <a:pPr fontAlgn="auto">
+              <a:lnSpc>
+                <a:spcPts val="3500"/>
+              </a:lnSpc>
+            </a:pPr>
+            <a:r>
+              <a:rPr lang="zh-CN" altLang="en-US" sz="2200">
+                <a:latin typeface="Calibri" panose="020F0502020204030204" charset="0"/>
+                <a:ea typeface="Aa小梨涡" panose="02010600010101010101" charset="-122"/>
+                <a:cs typeface="Aa小梨涡" panose="02010600010101010101" charset="-122"/>
+                <a:sym typeface="+mn-ea"/>
+              </a:rPr>
+              <a:t>        字符串的拼接：</a:t>
+            </a:r>
+            <a:endParaRPr lang="zh-CN" altLang="en-US" sz="2200">
+              <a:latin typeface="Calibri" panose="020F0502020204030204" charset="0"/>
+              <a:ea typeface="Aa小梨涡" panose="02010600010101010101" charset="-122"/>
+              <a:cs typeface="Aa小梨涡" panose="02010600010101010101" charset="-122"/>
+              <a:sym typeface="+mn-ea"/>
+            </a:endParaRPr>
+          </a:p>
+          <a:p>
+            <a:pPr fontAlgn="auto">
+              <a:lnSpc>
+                <a:spcPts val="3500"/>
+              </a:lnSpc>
+            </a:pPr>
+            <a:r>
+              <a:rPr lang="zh-CN" altLang="en-US" sz="2200">
+                <a:latin typeface="Aa小梨涡" panose="02010600010101010101" charset="-122"/>
+                <a:ea typeface="Aa小梨涡" panose="02010600010101010101" charset="-122"/>
+                <a:cs typeface="Aa小梨涡" panose="02010600010101010101" charset="-122"/>
+                <a:sym typeface="+mn-ea"/>
+              </a:rPr>
+              <a:t>        ①</a:t>
+            </a:r>
+            <a:r>
+              <a:rPr lang="en-US" altLang="zh-CN" sz="2200">
+                <a:latin typeface="Aa小梨涡" panose="02010600010101010101" charset="-122"/>
+                <a:ea typeface="Aa小梨涡" panose="02010600010101010101" charset="-122"/>
+                <a:cs typeface="Aa小梨涡" panose="02010600010101010101" charset="-122"/>
+                <a:sym typeface="+mn-ea"/>
+              </a:rPr>
+              <a:t>+</a:t>
+            </a:r>
+            <a:r>
+              <a:rPr lang="zh-CN" altLang="en-US" sz="2200">
+                <a:latin typeface="Aa小梨涡" panose="02010600010101010101" charset="-122"/>
+                <a:ea typeface="Aa小梨涡" panose="02010600010101010101" charset="-122"/>
+                <a:cs typeface="Aa小梨涡" panose="02010600010101010101" charset="-122"/>
+                <a:sym typeface="+mn-ea"/>
+              </a:rPr>
+              <a:t>运算符，</a:t>
+            </a:r>
+            <a:r>
+              <a:rPr lang="en-US" altLang="zh-CN" sz="2200">
+                <a:latin typeface="Aa小梨涡" panose="02010600010101010101" charset="-122"/>
+                <a:ea typeface="Aa小梨涡" panose="02010600010101010101" charset="-122"/>
+                <a:cs typeface="Aa小梨涡" panose="02010600010101010101" charset="-122"/>
+                <a:sym typeface="+mn-ea"/>
+              </a:rPr>
+              <a:t>string1 + string2</a:t>
+            </a:r>
+            <a:r>
+              <a:rPr lang="zh-CN" altLang="en-US" sz="2200">
+                <a:latin typeface="Aa小梨涡" panose="02010600010101010101" charset="-122"/>
+                <a:ea typeface="Aa小梨涡" panose="02010600010101010101" charset="-122"/>
+                <a:cs typeface="Aa小梨涡" panose="02010600010101010101" charset="-122"/>
+                <a:sym typeface="+mn-ea"/>
+              </a:rPr>
+              <a:t>；</a:t>
+            </a:r>
+            <a:endParaRPr lang="zh-CN" altLang="en-US" sz="2200">
+              <a:latin typeface="Aa小梨涡" panose="02010600010101010101" charset="-122"/>
+              <a:ea typeface="Aa小梨涡" panose="02010600010101010101" charset="-122"/>
+              <a:cs typeface="Aa小梨涡" panose="02010600010101010101" charset="-122"/>
+              <a:sym typeface="+mn-ea"/>
+            </a:endParaRPr>
+          </a:p>
+          <a:p>
+            <a:pPr fontAlgn="auto">
+              <a:lnSpc>
+                <a:spcPts val="3500"/>
+              </a:lnSpc>
+            </a:pPr>
+            <a:r>
+              <a:rPr lang="zh-CN" altLang="en-US" sz="2200">
+                <a:latin typeface="Aa小梨涡" panose="02010600010101010101" charset="-122"/>
+                <a:ea typeface="Aa小梨涡" panose="02010600010101010101" charset="-122"/>
+                <a:cs typeface="Aa小梨涡" panose="02010600010101010101" charset="-122"/>
+                <a:sym typeface="+mn-ea"/>
+              </a:rPr>
+              <a:t>        ②</a:t>
+            </a:r>
+            <a:r>
+              <a:rPr lang="en-US" altLang="zh-CN" sz="2200">
+                <a:latin typeface="Aa小梨涡" panose="02010600010101010101" charset="-122"/>
+                <a:ea typeface="Aa小梨涡" panose="02010600010101010101" charset="-122"/>
+                <a:cs typeface="Aa小梨涡" panose="02010600010101010101" charset="-122"/>
+                <a:sym typeface="+mn-ea"/>
+              </a:rPr>
+              <a:t>string.join(iterable)</a:t>
+            </a:r>
+            <a:r>
+              <a:rPr lang="zh-CN" altLang="en-US" sz="2200">
+                <a:latin typeface="Aa小梨涡" panose="02010600010101010101" charset="-122"/>
+                <a:ea typeface="Aa小梨涡" panose="02010600010101010101" charset="-122"/>
+                <a:cs typeface="Aa小梨涡" panose="02010600010101010101" charset="-122"/>
+                <a:sym typeface="+mn-ea"/>
+              </a:rPr>
+              <a:t>，用一个字符串来连接一个</a:t>
+            </a:r>
+            <a:r>
+              <a:rPr lang="zh-CN" altLang="en-US" sz="2200">
+                <a:latin typeface="Aa小梨涡" panose="02010600010101010101" charset="-122"/>
+                <a:ea typeface="Aa小梨涡" panose="02010600010101010101" charset="-122"/>
+                <a:cs typeface="Aa小梨涡" panose="02010600010101010101" charset="-122"/>
+                <a:sym typeface="+mn-ea"/>
+              </a:rPr>
+              <a:t>可迭代对象的每一个元素，</a:t>
+            </a:r>
+            <a:r>
+              <a:rPr lang="zh-CN" altLang="en-US" sz="2200">
+                <a:latin typeface="Aa小梨涡" panose="02010600010101010101" charset="-122"/>
+                <a:ea typeface="Aa小梨涡" panose="02010600010101010101" charset="-122"/>
+                <a:cs typeface="Aa小梨涡" panose="02010600010101010101" charset="-122"/>
+                <a:sym typeface="+mn-ea"/>
+              </a:rPr>
+              <a:t>其中</a:t>
+            </a:r>
+            <a:r>
+              <a:rPr lang="en-US" altLang="zh-CN" sz="2200">
+                <a:latin typeface="Aa小梨涡" panose="02010600010101010101" charset="-122"/>
+                <a:ea typeface="Aa小梨涡" panose="02010600010101010101" charset="-122"/>
+                <a:cs typeface="Aa小梨涡" panose="02010600010101010101" charset="-122"/>
+                <a:sym typeface="+mn-ea"/>
+              </a:rPr>
+              <a:t>iterable</a:t>
+            </a:r>
+            <a:r>
+              <a:rPr lang="zh-CN" altLang="en-US" sz="2200">
+                <a:latin typeface="Aa小梨涡" panose="02010600010101010101" charset="-122"/>
+                <a:ea typeface="Aa小梨涡" panose="02010600010101010101" charset="-122"/>
+                <a:cs typeface="Aa小梨涡" panose="02010600010101010101" charset="-122"/>
+                <a:sym typeface="+mn-ea"/>
+              </a:rPr>
+              <a:t>代表一个可迭代对象，例如，字符串，列表</a:t>
+            </a:r>
+            <a:r>
+              <a:rPr lang="zh-CN" altLang="en-US" sz="2200">
+                <a:latin typeface="Aa小梨涡" panose="02010600010101010101" charset="-122"/>
+                <a:ea typeface="Aa小梨涡" panose="02010600010101010101" charset="-122"/>
+                <a:cs typeface="Aa小梨涡" panose="02010600010101010101" charset="-122"/>
+                <a:sym typeface="+mn-ea"/>
+              </a:rPr>
+              <a:t>。</a:t>
+            </a:r>
+            <a:r>
+              <a:rPr lang="en-US" altLang="zh-CN" sz="2200">
+                <a:latin typeface="Aa小梨涡" panose="02010600010101010101" charset="-122"/>
+                <a:ea typeface="Aa小梨涡" panose="02010600010101010101" charset="-122"/>
+                <a:cs typeface="Aa小梨涡" panose="02010600010101010101" charset="-122"/>
+                <a:sym typeface="+mn-ea"/>
+              </a:rPr>
+              <a:t>   </a:t>
+            </a:r>
+            <a:r>
+              <a:rPr lang="en-US" altLang="zh-CN" sz="2200">
+                <a:latin typeface="Calibri" panose="020F0502020204030204" charset="0"/>
+                <a:ea typeface="Aa小梨涡" panose="02010600010101010101" charset="-122"/>
+                <a:cs typeface="Aa小梨涡" panose="02010600010101010101" charset="-122"/>
+                <a:sym typeface="+mn-ea"/>
+              </a:rPr>
+              <a:t>           </a:t>
+            </a:r>
+            <a:endParaRPr lang="en-US" altLang="zh-CN" sz="2200">
+              <a:latin typeface="Calibri" panose="020F0502020204030204" charset="0"/>
+              <a:ea typeface="Aa小梨涡" panose="02010600010101010101" charset="-122"/>
+              <a:cs typeface="Aa小梨涡" panose="02010600010101010101" charset="-122"/>
+              <a:sym typeface="+mn-ea"/>
+            </a:endParaRPr>
+          </a:p>
+        </p:txBody>
+      </p:sp>
+      <p:sp>
+        <p:nvSpPr>
+          <p:cNvPr id="11" name="文本框 10"/>
+          <p:cNvSpPr txBox="1"/>
+          <p:nvPr/>
+        </p:nvSpPr>
+        <p:spPr>
+          <a:xfrm>
+            <a:off x="6937375" y="3129280"/>
+            <a:ext cx="1407160" cy="270510"/>
+          </a:xfrm>
+          <a:prstGeom prst="rect">
+            <a:avLst/>
+          </a:prstGeom>
+          <a:noFill/>
+        </p:spPr>
+        <p:txBody>
+          <a:bodyPr wrap="square" rtlCol="0">
+            <a:spAutoFit/>
+          </a:bodyPr>
+          <a:p>
+            <a:r>
+              <a:rPr lang="en-US" altLang="zh-CN" baseline="30000">
+                <a:solidFill>
+                  <a:schemeClr val="accent5"/>
+                </a:solidFill>
+                <a:latin typeface="Comic Sans MS" panose="030F0702030302020204" charset="0"/>
+                <a:cs typeface="Comic Sans MS" panose="030F0702030302020204" charset="0"/>
+              </a:rPr>
+              <a:t>[4.1-2.py]</a:t>
+            </a:r>
+            <a:endParaRPr lang="en-US" altLang="zh-CN" baseline="30000">
+              <a:solidFill>
+                <a:schemeClr val="accent5"/>
+              </a:solidFill>
+              <a:latin typeface="Comic Sans MS" panose="030F0702030302020204" charset="0"/>
+              <a:cs typeface="Comic Sans MS" panose="030F0702030302020204" charset="0"/>
+            </a:endParaRPr>
+          </a:p>
+        </p:txBody>
+      </p:sp>
+      <p:sp>
+        <p:nvSpPr>
+          <p:cNvPr id="6" name="任意多边形 5"/>
+          <p:cNvSpPr/>
+          <p:nvPr/>
+        </p:nvSpPr>
+        <p:spPr>
+          <a:xfrm>
+            <a:off x="7068820" y="2719705"/>
+            <a:ext cx="1529080" cy="409575"/>
+          </a:xfrm>
+          <a:custGeom>
+            <a:avLst/>
+            <a:gdLst>
+              <a:gd name="connsiteX0" fmla="*/ 716 w 1431"/>
+              <a:gd name="connsiteY0" fmla="*/ 0 h 645"/>
+              <a:gd name="connsiteX1" fmla="*/ 1431 w 1431"/>
+              <a:gd name="connsiteY1" fmla="*/ 323 h 645"/>
+              <a:gd name="connsiteX2" fmla="*/ 716 w 1431"/>
+              <a:gd name="connsiteY2" fmla="*/ 645 h 645"/>
+              <a:gd name="connsiteX3" fmla="*/ 0 w 1431"/>
+              <a:gd name="connsiteY3" fmla="*/ 323 h 645"/>
+              <a:gd name="connsiteX4" fmla="*/ 881 w 1431"/>
+              <a:gd name="connsiteY4" fmla="*/ 165 h 645"/>
+            </a:gdLst>
+            <a:ahLst/>
+            <a:cxnLst>
+              <a:cxn ang="0">
+                <a:pos x="connsiteX0" y="connsiteY0"/>
+              </a:cxn>
+              <a:cxn ang="0">
+                <a:pos x="connsiteX1" y="connsiteY1"/>
+              </a:cxn>
+              <a:cxn ang="0">
+                <a:pos x="connsiteX2" y="connsiteY2"/>
+              </a:cxn>
+              <a:cxn ang="0">
+                <a:pos x="connsiteX3" y="connsiteY3"/>
+              </a:cxn>
+              <a:cxn ang="0">
+                <a:pos x="connsiteX4" y="connsiteY4"/>
+              </a:cxn>
+            </a:cxnLst>
+            <a:rect l="l" t="t" r="r" b="b"/>
+            <a:pathLst>
+              <a:path w="1431" h="645">
+                <a:moveTo>
+                  <a:pt x="716" y="0"/>
+                </a:moveTo>
+                <a:cubicBezTo>
+                  <a:pt x="1111" y="0"/>
+                  <a:pt x="1431" y="144"/>
+                  <a:pt x="1431" y="323"/>
+                </a:cubicBezTo>
+                <a:cubicBezTo>
+                  <a:pt x="1431" y="501"/>
+                  <a:pt x="1111" y="645"/>
+                  <a:pt x="716" y="645"/>
+                </a:cubicBezTo>
+                <a:cubicBezTo>
+                  <a:pt x="320" y="645"/>
+                  <a:pt x="0" y="501"/>
+                  <a:pt x="0" y="323"/>
+                </a:cubicBezTo>
+                <a:cubicBezTo>
+                  <a:pt x="0" y="144"/>
+                  <a:pt x="320" y="0"/>
+                  <a:pt x="881" y="165"/>
+                </a:cubicBezTo>
+              </a:path>
+            </a:pathLst>
+          </a:custGeom>
+          <a:noFill/>
+          <a:ln>
+            <a:solidFill>
+              <a:srgbClr val="FF0000"/>
+            </a:solidFill>
+          </a:ln>
+        </p:spPr>
+        <p:txBody>
+          <a:bodyPr/>
+          <a:p>
+            <a:pPr eaLnBrk="1" hangingPunct="1">
+              <a:spcBef>
+                <a:spcPct val="0"/>
+              </a:spcBef>
+              <a:buFontTx/>
+              <a:buNone/>
+            </a:pPr>
+            <a:endParaRPr lang="zh-CN" altLang="en-US" sz="1800">
+              <a:solidFill>
+                <a:schemeClr val="tx1"/>
+              </a:solidFill>
+              <a:ea typeface="宋体" panose="02010600030101010101" pitchFamily="2" charset="-122"/>
+            </a:endParaRPr>
+          </a:p>
+        </p:txBody>
+      </p:sp>
+      <p:sp>
+        <p:nvSpPr>
+          <p:cNvPr id="4" name="任意多边形 3"/>
+          <p:cNvSpPr/>
+          <p:nvPr/>
+        </p:nvSpPr>
+        <p:spPr>
+          <a:xfrm>
+            <a:off x="2662555" y="3129280"/>
+            <a:ext cx="1529080" cy="409575"/>
+          </a:xfrm>
+          <a:custGeom>
+            <a:avLst/>
+            <a:gdLst>
+              <a:gd name="connsiteX0" fmla="*/ 716 w 1431"/>
+              <a:gd name="connsiteY0" fmla="*/ 0 h 645"/>
+              <a:gd name="connsiteX1" fmla="*/ 1431 w 1431"/>
+              <a:gd name="connsiteY1" fmla="*/ 323 h 645"/>
+              <a:gd name="connsiteX2" fmla="*/ 716 w 1431"/>
+              <a:gd name="connsiteY2" fmla="*/ 645 h 645"/>
+              <a:gd name="connsiteX3" fmla="*/ 0 w 1431"/>
+              <a:gd name="connsiteY3" fmla="*/ 323 h 645"/>
+              <a:gd name="connsiteX4" fmla="*/ 881 w 1431"/>
+              <a:gd name="connsiteY4" fmla="*/ 165 h 645"/>
+            </a:gdLst>
+            <a:ahLst/>
+            <a:cxnLst>
+              <a:cxn ang="0">
+                <a:pos x="connsiteX0" y="connsiteY0"/>
+              </a:cxn>
+              <a:cxn ang="0">
+                <a:pos x="connsiteX1" y="connsiteY1"/>
+              </a:cxn>
+              <a:cxn ang="0">
+                <a:pos x="connsiteX2" y="connsiteY2"/>
+              </a:cxn>
+              <a:cxn ang="0">
+                <a:pos x="connsiteX3" y="connsiteY3"/>
+              </a:cxn>
+              <a:cxn ang="0">
+                <a:pos x="connsiteX4" y="connsiteY4"/>
+              </a:cxn>
+            </a:cxnLst>
+            <a:rect l="l" t="t" r="r" b="b"/>
+            <a:pathLst>
+              <a:path w="1431" h="645">
+                <a:moveTo>
+                  <a:pt x="716" y="0"/>
+                </a:moveTo>
+                <a:cubicBezTo>
+                  <a:pt x="1111" y="0"/>
+                  <a:pt x="1431" y="144"/>
+                  <a:pt x="1431" y="323"/>
+                </a:cubicBezTo>
+                <a:cubicBezTo>
+                  <a:pt x="1431" y="501"/>
+                  <a:pt x="1111" y="645"/>
+                  <a:pt x="716" y="645"/>
+                </a:cubicBezTo>
+                <a:cubicBezTo>
+                  <a:pt x="320" y="645"/>
+                  <a:pt x="0" y="501"/>
+                  <a:pt x="0" y="323"/>
+                </a:cubicBezTo>
+                <a:cubicBezTo>
+                  <a:pt x="0" y="144"/>
+                  <a:pt x="320" y="0"/>
+                  <a:pt x="881" y="165"/>
+                </a:cubicBezTo>
+              </a:path>
+            </a:pathLst>
+          </a:custGeom>
+          <a:noFill/>
+          <a:ln>
+            <a:solidFill>
+              <a:srgbClr val="FF0000"/>
+            </a:solidFill>
+          </a:ln>
+        </p:spPr>
+        <p:txBody>
+          <a:bodyPr/>
+          <a:p>
+            <a:pPr eaLnBrk="1" hangingPunct="1">
+              <a:spcBef>
+                <a:spcPct val="0"/>
+              </a:spcBef>
+              <a:buFontTx/>
+              <a:buNone/>
+            </a:pPr>
+            <a:endParaRPr lang="zh-CN" altLang="en-US" sz="1800">
+              <a:solidFill>
+                <a:schemeClr val="tx1"/>
+              </a:solidFill>
+              <a:ea typeface="宋体" panose="02010600030101010101" pitchFamily="2" charset="-122"/>
+            </a:endParaRPr>
+          </a:p>
+        </p:txBody>
+      </p:sp>
+      <p:sp>
+        <p:nvSpPr>
+          <p:cNvPr id="5" name="文本框 4"/>
+          <p:cNvSpPr txBox="1"/>
+          <p:nvPr/>
+        </p:nvSpPr>
+        <p:spPr>
+          <a:xfrm>
+            <a:off x="651510" y="3663950"/>
+            <a:ext cx="11281410" cy="1437640"/>
+          </a:xfrm>
+          <a:prstGeom prst="rect">
+            <a:avLst/>
+          </a:prstGeom>
+          <a:noFill/>
+          <a:ln>
+            <a:noFill/>
+          </a:ln>
+        </p:spPr>
+        <p:txBody>
+          <a:bodyPr wrap="square" rtlCol="0">
+            <a:spAutoFit/>
+          </a:bodyPr>
+          <a:p>
+            <a:pPr fontAlgn="auto">
+              <a:lnSpc>
+                <a:spcPts val="3500"/>
+              </a:lnSpc>
+            </a:pPr>
+            <a:r>
+              <a:rPr lang="en-US" altLang="zh-CN" sz="2200">
+                <a:latin typeface="Calibri" panose="020F0502020204030204" charset="0"/>
+                <a:ea typeface="Aa小梨涡" panose="02010600010101010101" charset="-122"/>
+                <a:cs typeface="Aa小梨涡" panose="02010600010101010101" charset="-122"/>
+                <a:sym typeface="+mn-ea"/>
+              </a:rPr>
+              <a:t>        </a:t>
+            </a:r>
+            <a:r>
+              <a:rPr lang="zh-CN" altLang="en-US" sz="2200">
+                <a:latin typeface="Calibri" panose="020F0502020204030204" charset="0"/>
+                <a:ea typeface="Aa小梨涡" panose="02010600010101010101" charset="-122"/>
+                <a:cs typeface="Aa小梨涡" panose="02010600010101010101" charset="-122"/>
+                <a:sym typeface="+mn-ea"/>
+              </a:rPr>
+              <a:t>字符串的分割</a:t>
+            </a:r>
+            <a:r>
+              <a:rPr lang="zh-CN" altLang="en-US" sz="2200">
+                <a:latin typeface="Aa小梨涡" panose="02010600010101010101" charset="-122"/>
+                <a:ea typeface="Aa小梨涡" panose="02010600010101010101" charset="-122"/>
+                <a:cs typeface="Aa小梨涡" panose="02010600010101010101" charset="-122"/>
+                <a:sym typeface="+mn-ea"/>
+              </a:rPr>
+              <a:t>：</a:t>
+            </a:r>
+            <a:endParaRPr lang="zh-CN" altLang="en-US" sz="2200">
+              <a:latin typeface="Aa小梨涡" panose="02010600010101010101" charset="-122"/>
+              <a:ea typeface="Aa小梨涡" panose="02010600010101010101" charset="-122"/>
+              <a:cs typeface="Aa小梨涡" panose="02010600010101010101" charset="-122"/>
+              <a:sym typeface="+mn-ea"/>
+            </a:endParaRPr>
+          </a:p>
+          <a:p>
+            <a:pPr fontAlgn="auto">
+              <a:lnSpc>
+                <a:spcPts val="3500"/>
+              </a:lnSpc>
+            </a:pPr>
+            <a:r>
+              <a:rPr lang="zh-CN" altLang="en-US" sz="2200">
+                <a:latin typeface="Aa小梨涡" panose="02010600010101010101" charset="-122"/>
+                <a:ea typeface="Aa小梨涡" panose="02010600010101010101" charset="-122"/>
+                <a:cs typeface="Aa小梨涡" panose="02010600010101010101" charset="-122"/>
+                <a:sym typeface="+mn-ea"/>
+              </a:rPr>
+              <a:t>        string.split(separator)，表示把字符串按照 separator 分割成子字符串，并返回一个分割后子字符串组合的列表。</a:t>
+            </a:r>
+            <a:r>
+              <a:rPr lang="en-US" altLang="zh-CN" sz="2200">
+                <a:latin typeface="Aa小梨涡" panose="02010600010101010101" charset="-122"/>
+                <a:ea typeface="Aa小梨涡" panose="02010600010101010101" charset="-122"/>
+                <a:cs typeface="Aa小梨涡" panose="02010600010101010101" charset="-122"/>
+                <a:sym typeface="+mn-ea"/>
+              </a:rPr>
+              <a:t>   </a:t>
+            </a:r>
+            <a:r>
+              <a:rPr lang="en-US" altLang="zh-CN" sz="2200">
+                <a:latin typeface="Calibri" panose="020F0502020204030204" charset="0"/>
+                <a:ea typeface="Aa小梨涡" panose="02010600010101010101" charset="-122"/>
+                <a:cs typeface="Aa小梨涡" panose="02010600010101010101" charset="-122"/>
+                <a:sym typeface="+mn-ea"/>
+              </a:rPr>
+              <a:t>           </a:t>
+            </a:r>
+            <a:endParaRPr lang="en-US" altLang="zh-CN" sz="2200">
+              <a:latin typeface="Calibri" panose="020F0502020204030204" charset="0"/>
+              <a:ea typeface="Aa小梨涡" panose="02010600010101010101" charset="-122"/>
+              <a:cs typeface="Aa小梨涡" panose="02010600010101010101" charset="-122"/>
+              <a:sym typeface="+mn-ea"/>
+            </a:endParaRPr>
+          </a:p>
+        </p:txBody>
+      </p:sp>
+      <p:sp>
+        <p:nvSpPr>
+          <p:cNvPr id="7" name="文本框 6"/>
+          <p:cNvSpPr txBox="1"/>
+          <p:nvPr/>
+        </p:nvSpPr>
+        <p:spPr>
+          <a:xfrm>
+            <a:off x="3599180" y="4654550"/>
+            <a:ext cx="1407160" cy="270510"/>
+          </a:xfrm>
+          <a:prstGeom prst="rect">
+            <a:avLst/>
+          </a:prstGeom>
+          <a:noFill/>
+        </p:spPr>
+        <p:txBody>
+          <a:bodyPr wrap="square" rtlCol="0">
+            <a:spAutoFit/>
+          </a:bodyPr>
+          <a:p>
+            <a:r>
+              <a:rPr lang="en-US" altLang="zh-CN" baseline="30000">
+                <a:solidFill>
+                  <a:schemeClr val="accent5"/>
+                </a:solidFill>
+                <a:latin typeface="Comic Sans MS" panose="030F0702030302020204" charset="0"/>
+                <a:cs typeface="Comic Sans MS" panose="030F0702030302020204" charset="0"/>
+              </a:rPr>
+              <a:t>[4.1-3.py]</a:t>
+            </a:r>
+            <a:endParaRPr lang="en-US" altLang="zh-CN" baseline="30000">
+              <a:solidFill>
+                <a:schemeClr val="accent5"/>
+              </a:solidFill>
+              <a:latin typeface="Comic Sans MS" panose="030F0702030302020204" charset="0"/>
+              <a:cs typeface="Comic Sans MS" panose="030F0702030302020204" charset="0"/>
+            </a:endParaRPr>
+          </a:p>
+        </p:txBody>
+      </p:sp>
+    </p:spTree>
+  </p:cSld>
+  <p:clrMapOvr>
+    <a:masterClrMapping/>
+  </p:clrMapOvr>
+  <p:timing>
+    <p:tnLst>
+      <p:par>
+        <p:cTn id="1" dur="indefinite" restart="never" nodeType="tmRoot">
+          <p:childTnLst>
+            <p:seq concurrent="1" nextAc="seek">
+              <p:cTn id="2" dur="indefinite" nodeType="mainSeq">
+                <p:childTnLst>
+                  <p:par>
+                    <p:cTn id="3" fill="hold">
+                      <p:stCondLst>
+                        <p:cond delay="indefinite"/>
+                      </p:stCondLst>
+                      <p:childTnLst>
+                        <p:par>
+                          <p:cTn id="4" fill="hold">
+                            <p:stCondLst>
+                              <p:cond delay="0"/>
+                            </p:stCondLst>
+                            <p:childTnLst>
+                              <p:par>
+                                <p:cTn id="5" presetID="1" presetClass="entr" presetSubtype="0" fill="hold" grpId="0" nodeType="clickEffect">
+                                  <p:stCondLst>
+                                    <p:cond delay="0"/>
+                                  </p:stCondLst>
+                                  <p:childTnLst>
+                                    <p:set>
+                                      <p:cBhvr>
+                                        <p:cTn id="6" dur="1" fill="hold">
+                                          <p:stCondLst>
+                                            <p:cond delay="0"/>
+                                          </p:stCondLst>
+                                        </p:cTn>
+                                        <p:tgtEl>
+                                          <p:spTgt spid="3"/>
+                                        </p:tgtEl>
+                                        <p:attrNameLst>
+                                          <p:attrName>style.visibility</p:attrName>
+                                        </p:attrNameLst>
+                                      </p:cBhvr>
+                                      <p:to>
+                                        <p:strVal val="visible"/>
+                                      </p:to>
+                                    </p:set>
+                                  </p:childTnLst>
+                                </p:cTn>
+                              </p:par>
+                              <p:par>
+                                <p:cTn id="7" presetID="1" presetClass="entr" presetSubtype="0" fill="hold" grpId="0" nodeType="withEffect">
+                                  <p:stCondLst>
+                                    <p:cond delay="0"/>
+                                  </p:stCondLst>
+                                  <p:childTnLst>
+                                    <p:set>
+                                      <p:cBhvr>
+                                        <p:cTn id="8" dur="1" fill="hold">
+                                          <p:stCondLst>
+                                            <p:cond delay="0"/>
+                                          </p:stCondLst>
+                                        </p:cTn>
+                                        <p:tgtEl>
+                                          <p:spTgt spid="11"/>
+                                        </p:tgtEl>
+                                        <p:attrNameLst>
+                                          <p:attrName>style.visibility</p:attrName>
+                                        </p:attrNameLst>
+                                      </p:cBhvr>
+                                      <p:to>
+                                        <p:strVal val="visible"/>
+                                      </p:to>
+                                    </p:set>
+                                  </p:childTnLst>
+                                </p:cTn>
+                              </p:par>
+                              <p:par>
+                                <p:cTn id="9" presetID="22" presetClass="entr" presetSubtype="4" fill="hold" grpId="0" nodeType="withEffect">
+                                  <p:stCondLst>
+                                    <p:cond delay="0"/>
+                                  </p:stCondLst>
+                                  <p:childTnLst>
+                                    <p:set>
+                                      <p:cBhvr>
+                                        <p:cTn id="10" dur="1" fill="hold">
+                                          <p:stCondLst>
+                                            <p:cond delay="0"/>
+                                          </p:stCondLst>
+                                        </p:cTn>
+                                        <p:tgtEl>
+                                          <p:spTgt spid="6"/>
+                                        </p:tgtEl>
+                                        <p:attrNameLst>
+                                          <p:attrName>style.visibility</p:attrName>
+                                        </p:attrNameLst>
+                                      </p:cBhvr>
+                                      <p:to>
+                                        <p:strVal val="visible"/>
+                                      </p:to>
+                                    </p:set>
+                                    <p:animEffect transition="in" filter="wipe(down)">
+                                      <p:cBhvr>
+                                        <p:cTn id="11" dur="500"/>
+                                        <p:tgtEl>
+                                          <p:spTgt spid="6"/>
+                                        </p:tgtEl>
+                                      </p:cBhvr>
+                                    </p:animEffect>
+                                  </p:childTnLst>
+                                </p:cTn>
+                              </p:par>
+                              <p:par>
+                                <p:cTn id="12" presetID="22" presetClass="entr" presetSubtype="4" fill="hold" grpId="0" nodeType="withEffect">
+                                  <p:stCondLst>
+                                    <p:cond delay="0"/>
+                                  </p:stCondLst>
+                                  <p:childTnLst>
+                                    <p:set>
+                                      <p:cBhvr>
+                                        <p:cTn id="13" dur="1" fill="hold">
+                                          <p:stCondLst>
+                                            <p:cond delay="0"/>
+                                          </p:stCondLst>
+                                        </p:cTn>
+                                        <p:tgtEl>
+                                          <p:spTgt spid="4"/>
+                                        </p:tgtEl>
+                                        <p:attrNameLst>
+                                          <p:attrName>style.visibility</p:attrName>
+                                        </p:attrNameLst>
+                                      </p:cBhvr>
+                                      <p:to>
+                                        <p:strVal val="visible"/>
+                                      </p:to>
+                                    </p:set>
+                                    <p:animEffect transition="in" filter="wipe(down)">
+                                      <p:cBhvr>
+                                        <p:cTn id="14" dur="500"/>
+                                        <p:tgtEl>
+                                          <p:spTgt spid="4"/>
+                                        </p:tgtEl>
+                                      </p:cBhvr>
+                                    </p:animEffect>
+                                  </p:childTnLst>
+                                </p:cTn>
+                              </p:par>
+                            </p:childTnLst>
+                          </p:cTn>
+                        </p:par>
+                      </p:childTnLst>
+                    </p:cTn>
+                  </p:par>
+                  <p:par>
+                    <p:cTn id="15" fill="hold">
+                      <p:stCondLst>
+                        <p:cond delay="indefinite"/>
+                      </p:stCondLst>
+                      <p:childTnLst>
+                        <p:par>
+                          <p:cTn id="16" fill="hold">
+                            <p:stCondLst>
+                              <p:cond delay="0"/>
+                            </p:stCondLst>
+                            <p:childTnLst>
+                              <p:par>
+                                <p:cTn id="17" presetID="1" presetClass="entr" presetSubtype="0" fill="hold" grpId="0" nodeType="clickEffect">
+                                  <p:stCondLst>
+                                    <p:cond delay="0"/>
+                                  </p:stCondLst>
+                                  <p:childTnLst>
+                                    <p:set>
+                                      <p:cBhvr>
+                                        <p:cTn id="18" dur="1" fill="hold">
+                                          <p:stCondLst>
+                                            <p:cond delay="0"/>
+                                          </p:stCondLst>
+                                        </p:cTn>
+                                        <p:tgtEl>
+                                          <p:spTgt spid="5"/>
+                                        </p:tgtEl>
+                                        <p:attrNameLst>
+                                          <p:attrName>style.visibility</p:attrName>
+                                        </p:attrNameLst>
+                                      </p:cBhvr>
+                                      <p:to>
+                                        <p:strVal val="visible"/>
+                                      </p:to>
+                                    </p:set>
+                                  </p:childTnLst>
+                                </p:cTn>
+                              </p:par>
+                              <p:par>
+                                <p:cTn id="19" presetID="1" presetClass="entr" presetSubtype="0" fill="hold" grpId="0" nodeType="withEffect">
+                                  <p:stCondLst>
+                                    <p:cond delay="0"/>
+                                  </p:stCondLst>
+                                  <p:childTnLst>
+                                    <p:set>
+                                      <p:cBhvr>
+                                        <p:cTn id="20" dur="1" fill="hold">
+                                          <p:stCondLst>
+                                            <p:cond delay="0"/>
+                                          </p:stCondLst>
+                                        </p:cTn>
+                                        <p:tgtEl>
+                                          <p:spTgt spid="7"/>
+                                        </p:tgtEl>
+                                        <p:attrNameLst>
+                                          <p:attrName>style.visibility</p:attrName>
+                                        </p:attrNameLst>
+                                      </p:cBhvr>
+                                      <p:to>
+                                        <p:strVal val="visible"/>
+                                      </p:to>
+                                    </p:set>
+                                  </p:childTnLst>
+                                </p:cTn>
+                              </p:par>
+                            </p:childTnLst>
+                          </p:cTn>
+                        </p:par>
+                      </p:childTnLst>
+                    </p:cTn>
+                  </p:par>
+                </p:childTnLst>
+              </p:cTn>
+              <p:prevCondLst>
+                <p:cond evt="onPrev" delay="0">
+                  <p:tgtEl>
+                    <p:sldTgt/>
+                  </p:tgtEl>
+                </p:cond>
+              </p:prevCondLst>
+              <p:nextCondLst>
+                <p:cond evt="onNext" delay="0">
+                  <p:tgtEl>
+                    <p:sldTgt/>
+                  </p:tgtEl>
+                </p:cond>
+              </p:nextCondLst>
+            </p:seq>
+          </p:childTnLst>
+        </p:cTn>
+      </p:par>
+    </p:tnLst>
+    <p:bldLst>
+      <p:bldP spid="3" grpId="0"/>
+      <p:bldP spid="3" grpId="1"/>
+      <p:bldP spid="11" grpId="0"/>
+      <p:bldP spid="11" grpId="1"/>
+      <p:bldP spid="6" grpId="0" bldLvl="0" animBg="1"/>
+      <p:bldP spid="6" grpId="1" animBg="1"/>
+      <p:bldP spid="4" grpId="0" bldLvl="0" animBg="1"/>
+      <p:bldP spid="4" grpId="1" animBg="1"/>
+      <p:bldP spid="5" grpId="0"/>
+      <p:bldP spid="5" grpId="1"/>
+      <p:bldP spid="7" grpId="0"/>
+      <p:bldP spid="7" grpId="1"/>
+    </p:bldLst>
+  </p:timing>
+</p:sld>
+</file>
+
+<file path=ppt/slides/slide19.xml><?xml version="1.0" encoding="utf-8"?>
 <p:sld xmlns:a="http://schemas.openxmlformats.org/drawingml/2006/main" xmlns:r="http://schemas.openxmlformats.org/officeDocument/2006/relationships" xmlns:p="http://schemas.openxmlformats.org/presentationml/2006/main">
   <p:cSld>
     <p:spTree>
@@ -12664,6 +16592,2288 @@
       <p:bldP spid="23" grpId="1" animBg="1"/>
     </p:bldLst>
   </p:timing>
+</p:sld>
+</file>
+
+<file path=ppt/slides/slide20.xml><?xml version="1.0" encoding="utf-8"?>
+<p:sld xmlns:a="http://schemas.openxmlformats.org/drawingml/2006/main" xmlns:r="http://schemas.openxmlformats.org/officeDocument/2006/relationships" xmlns:p="http://schemas.openxmlformats.org/presentationml/2006/main">
+  <p:cSld>
+    <p:spTree>
+      <p:nvGrpSpPr>
+        <p:cNvPr id="1" name=""/>
+        <p:cNvGrpSpPr/>
+        <p:nvPr/>
+      </p:nvGrpSpPr>
+      <p:grpSpPr/>
+      <p:sp>
+        <p:nvSpPr>
+          <p:cNvPr id="18" name="任意多边形 17"/>
+          <p:cNvSpPr/>
+          <p:nvPr/>
+        </p:nvSpPr>
+        <p:spPr>
+          <a:xfrm rot="600000">
+            <a:off x="5342086" y="122979"/>
+            <a:ext cx="1728000" cy="944245"/>
+          </a:xfrm>
+          <a:custGeom>
+            <a:avLst/>
+            <a:gdLst>
+              <a:gd name="connisteX0" fmla="*/ 257810 w 3935730"/>
+              <a:gd name="connsiteY0" fmla="*/ 429260 h 944880"/>
+              <a:gd name="connisteX1" fmla="*/ 3394710 w 3935730"/>
+              <a:gd name="connsiteY1" fmla="*/ 0 h 944880"/>
+              <a:gd name="connisteX2" fmla="*/ 26035 w 3935730"/>
+              <a:gd name="connsiteY2" fmla="*/ 541020 h 944880"/>
+              <a:gd name="connisteX3" fmla="*/ 3575050 w 3935730"/>
+              <a:gd name="connsiteY3" fmla="*/ 51435 h 944880"/>
+              <a:gd name="connisteX4" fmla="*/ 172085 w 3935730"/>
+              <a:gd name="connsiteY4" fmla="*/ 601345 h 944880"/>
+              <a:gd name="connisteX5" fmla="*/ 3652520 w 3935730"/>
+              <a:gd name="connsiteY5" fmla="*/ 128905 h 944880"/>
+              <a:gd name="connisteX6" fmla="*/ 51435 w 3935730"/>
+              <a:gd name="connsiteY6" fmla="*/ 678815 h 944880"/>
+              <a:gd name="connisteX7" fmla="*/ 3514725 w 3935730"/>
+              <a:gd name="connsiteY7" fmla="*/ 214630 h 944880"/>
+              <a:gd name="connisteX8" fmla="*/ 369570 w 3935730"/>
+              <a:gd name="connsiteY8" fmla="*/ 704215 h 944880"/>
+              <a:gd name="connisteX9" fmla="*/ 3695700 w 3935730"/>
+              <a:gd name="connsiteY9" fmla="*/ 274955 h 944880"/>
+              <a:gd name="connisteX10" fmla="*/ 180340 w 3935730"/>
+              <a:gd name="connsiteY10" fmla="*/ 833120 h 944880"/>
+              <a:gd name="connisteX11" fmla="*/ 3695700 w 3935730"/>
+              <a:gd name="connsiteY11" fmla="*/ 351790 h 944880"/>
+              <a:gd name="connisteX12" fmla="*/ 0 w 3935730"/>
+              <a:gd name="connsiteY12" fmla="*/ 944880 h 944880"/>
+              <a:gd name="connisteX13" fmla="*/ 3935730 w 3935730"/>
+              <a:gd name="connsiteY13" fmla="*/ 360680 h 944880"/>
+            </a:gdLst>
+            <a:ahLst/>
+            <a:cxnLst>
+              <a:cxn ang="0">
+                <a:pos x="connisteX0" y="connsiteY0"/>
+              </a:cxn>
+              <a:cxn ang="0">
+                <a:pos x="connisteX1" y="connsiteY1"/>
+              </a:cxn>
+              <a:cxn ang="0">
+                <a:pos x="connisteX2" y="connsiteY2"/>
+              </a:cxn>
+              <a:cxn ang="0">
+                <a:pos x="connisteX3" y="connsiteY3"/>
+              </a:cxn>
+              <a:cxn ang="0">
+                <a:pos x="connisteX4" y="connsiteY4"/>
+              </a:cxn>
+              <a:cxn ang="0">
+                <a:pos x="connisteX5" y="connsiteY5"/>
+              </a:cxn>
+              <a:cxn ang="0">
+                <a:pos x="connisteX6" y="connsiteY6"/>
+              </a:cxn>
+              <a:cxn ang="0">
+                <a:pos x="connisteX7" y="connsiteY7"/>
+              </a:cxn>
+              <a:cxn ang="0">
+                <a:pos x="connisteX8" y="connsiteY8"/>
+              </a:cxn>
+              <a:cxn ang="0">
+                <a:pos x="connisteX9" y="connsiteY9"/>
+              </a:cxn>
+              <a:cxn ang="0">
+                <a:pos x="connisteX10" y="connsiteY10"/>
+              </a:cxn>
+              <a:cxn ang="0">
+                <a:pos x="connisteX11" y="connsiteY11"/>
+              </a:cxn>
+              <a:cxn ang="0">
+                <a:pos x="connisteX12" y="connsiteY12"/>
+              </a:cxn>
+              <a:cxn ang="0">
+                <a:pos x="connisteX13" y="connsiteY13"/>
+              </a:cxn>
+            </a:cxnLst>
+            <a:rect l="l" t="t" r="r" b="b"/>
+            <a:pathLst>
+              <a:path w="3935730" h="944880">
+                <a:moveTo>
+                  <a:pt x="257810" y="429260"/>
+                </a:moveTo>
+                <a:lnTo>
+                  <a:pt x="3394710" y="0"/>
+                </a:lnTo>
+                <a:lnTo>
+                  <a:pt x="26035" y="541020"/>
+                </a:lnTo>
+                <a:lnTo>
+                  <a:pt x="3575050" y="51435"/>
+                </a:lnTo>
+                <a:lnTo>
+                  <a:pt x="172085" y="601345"/>
+                </a:lnTo>
+                <a:lnTo>
+                  <a:pt x="3652520" y="128905"/>
+                </a:lnTo>
+                <a:lnTo>
+                  <a:pt x="51435" y="678815"/>
+                </a:lnTo>
+                <a:lnTo>
+                  <a:pt x="3514725" y="214630"/>
+                </a:lnTo>
+                <a:lnTo>
+                  <a:pt x="369570" y="704215"/>
+                </a:lnTo>
+                <a:lnTo>
+                  <a:pt x="3695700" y="274955"/>
+                </a:lnTo>
+                <a:lnTo>
+                  <a:pt x="180340" y="833120"/>
+                </a:lnTo>
+                <a:lnTo>
+                  <a:pt x="3695700" y="351790"/>
+                </a:lnTo>
+                <a:lnTo>
+                  <a:pt x="0" y="944880"/>
+                </a:lnTo>
+                <a:lnTo>
+                  <a:pt x="3935730" y="360680"/>
+                </a:lnTo>
+              </a:path>
+            </a:pathLst>
+          </a:custGeom>
+          <a:noFill/>
+          <a:ln w="203200">
+            <a:solidFill>
+              <a:schemeClr val="accent4">
+                <a:lumMod val="40000"/>
+                <a:lumOff val="60000"/>
+              </a:schemeClr>
+            </a:solidFill>
+          </a:ln>
+          <a:effectLst>
+            <a:softEdge rad="63500"/>
+          </a:effectLst>
+        </p:spPr>
+        <p:style>
+          <a:lnRef idx="2">
+            <a:schemeClr val="accent1">
+              <a:shade val="50000"/>
+            </a:schemeClr>
+          </a:lnRef>
+          <a:fillRef idx="1">
+            <a:schemeClr val="accent1"/>
+          </a:fillRef>
+          <a:effectRef idx="0">
+            <a:schemeClr val="accent1"/>
+          </a:effectRef>
+          <a:fontRef idx="minor">
+            <a:schemeClr val="lt1"/>
+          </a:fontRef>
+        </p:style>
+        <p:txBody>
+          <a:bodyPr rtlCol="0" anchor="ctr"/>
+          <a:p>
+            <a:pPr algn="ctr"/>
+            <a:endParaRPr lang="zh-CN" altLang="en-US"/>
+          </a:p>
+        </p:txBody>
+      </p:sp>
+      <p:sp>
+        <p:nvSpPr>
+          <p:cNvPr id="2" name="标题 1"/>
+          <p:cNvSpPr>
+            <a:spLocks noGrp="1"/>
+          </p:cNvSpPr>
+          <p:nvPr>
+            <p:ph type="title"/>
+          </p:nvPr>
+        </p:nvSpPr>
+        <p:spPr>
+          <a:xfrm>
+            <a:off x="5132070" y="245745"/>
+            <a:ext cx="2136775" cy="817245"/>
+          </a:xfrm>
+        </p:spPr>
+        <p:txBody>
+          <a:bodyPr>
+            <a:normAutofit fontScale="90000"/>
+          </a:bodyPr>
+          <a:p>
+            <a:r>
+              <a:rPr lang="en-US" altLang="zh-CN">
+                <a:latin typeface="Aa小梨涡" panose="02010600010101010101" charset="-122"/>
+                <a:ea typeface="Aa小梨涡" panose="02010600010101010101" charset="-122"/>
+              </a:rPr>
+              <a:t>1.</a:t>
+            </a:r>
+            <a:r>
+              <a:rPr lang="zh-CN" altLang="en-US">
+                <a:latin typeface="Aa小梨涡" panose="02010600010101010101" charset="-122"/>
+                <a:ea typeface="Aa小梨涡" panose="02010600010101010101" charset="-122"/>
+              </a:rPr>
+              <a:t>开篇词</a:t>
+            </a:r>
+            <a:endParaRPr lang="zh-CN" altLang="en-US">
+              <a:latin typeface="Aa小梨涡" panose="02010600010101010101" charset="-122"/>
+              <a:ea typeface="Aa小梨涡" panose="02010600010101010101" charset="-122"/>
+            </a:endParaRPr>
+          </a:p>
+        </p:txBody>
+      </p:sp>
+      <p:sp>
+        <p:nvSpPr>
+          <p:cNvPr id="20" name="任意多边形 19"/>
+          <p:cNvSpPr/>
+          <p:nvPr/>
+        </p:nvSpPr>
+        <p:spPr>
+          <a:xfrm rot="10320000">
+            <a:off x="4344035" y="897890"/>
+            <a:ext cx="3456305" cy="76200"/>
+          </a:xfrm>
+          <a:custGeom>
+            <a:avLst/>
+            <a:gdLst>
+              <a:gd name="connisteX0" fmla="*/ 4685923 w 4685923"/>
+              <a:gd name="connsiteY0" fmla="*/ 9525 h 464575"/>
+              <a:gd name="connisteX1" fmla="*/ 548898 w 4685923"/>
+              <a:gd name="connsiteY1" fmla="*/ 238125 h 464575"/>
+              <a:gd name="connisteX2" fmla="*/ 672723 w 4685923"/>
+              <a:gd name="connsiteY2" fmla="*/ 456565 h 464575"/>
+              <a:gd name="connisteX3" fmla="*/ 4638298 w 4685923"/>
+              <a:gd name="connsiteY3" fmla="*/ 0 h 464575"/>
+            </a:gdLst>
+            <a:ahLst/>
+            <a:cxnLst>
+              <a:cxn ang="0">
+                <a:pos x="connisteX0" y="connsiteY0"/>
+              </a:cxn>
+              <a:cxn ang="0">
+                <a:pos x="connisteX1" y="connsiteY1"/>
+              </a:cxn>
+              <a:cxn ang="0">
+                <a:pos x="connisteX2" y="connsiteY2"/>
+              </a:cxn>
+              <a:cxn ang="0">
+                <a:pos x="connisteX3" y="connsiteY3"/>
+              </a:cxn>
+            </a:cxnLst>
+            <a:rect l="l" t="t" r="r" b="b"/>
+            <a:pathLst>
+              <a:path w="4685923" h="464576">
+                <a:moveTo>
+                  <a:pt x="4685923" y="9525"/>
+                </a:moveTo>
+                <a:cubicBezTo>
+                  <a:pt x="3855978" y="50800"/>
+                  <a:pt x="1351538" y="148590"/>
+                  <a:pt x="548898" y="238125"/>
+                </a:cubicBezTo>
+                <a:cubicBezTo>
+                  <a:pt x="-253742" y="327660"/>
+                  <a:pt x="-145157" y="504190"/>
+                  <a:pt x="672723" y="456565"/>
+                </a:cubicBezTo>
+                <a:cubicBezTo>
+                  <a:pt x="1490603" y="408940"/>
+                  <a:pt x="3847723" y="95885"/>
+                  <a:pt x="4638298" y="0"/>
+                </a:cubicBezTo>
+              </a:path>
+            </a:pathLst>
+          </a:custGeom>
+          <a:solidFill>
+            <a:schemeClr val="accent5"/>
+          </a:solidFill>
+          <a:ln>
+            <a:noFill/>
+          </a:ln>
+        </p:spPr>
+        <p:style>
+          <a:lnRef idx="2">
+            <a:schemeClr val="accent1">
+              <a:shade val="50000"/>
+            </a:schemeClr>
+          </a:lnRef>
+          <a:fillRef idx="1">
+            <a:schemeClr val="accent1"/>
+          </a:fillRef>
+          <a:effectRef idx="0">
+            <a:schemeClr val="accent1"/>
+          </a:effectRef>
+          <a:fontRef idx="minor">
+            <a:schemeClr val="lt1"/>
+          </a:fontRef>
+        </p:style>
+        <p:txBody>
+          <a:bodyPr rtlCol="0" anchor="ctr"/>
+          <a:p>
+            <a:pPr algn="ctr"/>
+            <a:endParaRPr lang="zh-CN" altLang="en-US"/>
+          </a:p>
+        </p:txBody>
+      </p:sp>
+    </p:spTree>
+  </p:cSld>
+  <p:clrMapOvr>
+    <a:masterClrMapping/>
+  </p:clrMapOvr>
+</p:sld>
+</file>
+
+<file path=ppt/slides/slide21.xml><?xml version="1.0" encoding="utf-8"?>
+<p:sld xmlns:a="http://schemas.openxmlformats.org/drawingml/2006/main" xmlns:r="http://schemas.openxmlformats.org/officeDocument/2006/relationships" xmlns:p="http://schemas.openxmlformats.org/presentationml/2006/main">
+  <p:cSld>
+    <p:spTree>
+      <p:nvGrpSpPr>
+        <p:cNvPr id="1" name=""/>
+        <p:cNvGrpSpPr/>
+        <p:nvPr/>
+      </p:nvGrpSpPr>
+      <p:grpSpPr/>
+      <p:sp>
+        <p:nvSpPr>
+          <p:cNvPr id="18" name="任意多边形 17"/>
+          <p:cNvSpPr/>
+          <p:nvPr/>
+        </p:nvSpPr>
+        <p:spPr>
+          <a:xfrm rot="600000">
+            <a:off x="5342086" y="122979"/>
+            <a:ext cx="1728000" cy="944245"/>
+          </a:xfrm>
+          <a:custGeom>
+            <a:avLst/>
+            <a:gdLst>
+              <a:gd name="connisteX0" fmla="*/ 257810 w 3935730"/>
+              <a:gd name="connsiteY0" fmla="*/ 429260 h 944880"/>
+              <a:gd name="connisteX1" fmla="*/ 3394710 w 3935730"/>
+              <a:gd name="connsiteY1" fmla="*/ 0 h 944880"/>
+              <a:gd name="connisteX2" fmla="*/ 26035 w 3935730"/>
+              <a:gd name="connsiteY2" fmla="*/ 541020 h 944880"/>
+              <a:gd name="connisteX3" fmla="*/ 3575050 w 3935730"/>
+              <a:gd name="connsiteY3" fmla="*/ 51435 h 944880"/>
+              <a:gd name="connisteX4" fmla="*/ 172085 w 3935730"/>
+              <a:gd name="connsiteY4" fmla="*/ 601345 h 944880"/>
+              <a:gd name="connisteX5" fmla="*/ 3652520 w 3935730"/>
+              <a:gd name="connsiteY5" fmla="*/ 128905 h 944880"/>
+              <a:gd name="connisteX6" fmla="*/ 51435 w 3935730"/>
+              <a:gd name="connsiteY6" fmla="*/ 678815 h 944880"/>
+              <a:gd name="connisteX7" fmla="*/ 3514725 w 3935730"/>
+              <a:gd name="connsiteY7" fmla="*/ 214630 h 944880"/>
+              <a:gd name="connisteX8" fmla="*/ 369570 w 3935730"/>
+              <a:gd name="connsiteY8" fmla="*/ 704215 h 944880"/>
+              <a:gd name="connisteX9" fmla="*/ 3695700 w 3935730"/>
+              <a:gd name="connsiteY9" fmla="*/ 274955 h 944880"/>
+              <a:gd name="connisteX10" fmla="*/ 180340 w 3935730"/>
+              <a:gd name="connsiteY10" fmla="*/ 833120 h 944880"/>
+              <a:gd name="connisteX11" fmla="*/ 3695700 w 3935730"/>
+              <a:gd name="connsiteY11" fmla="*/ 351790 h 944880"/>
+              <a:gd name="connisteX12" fmla="*/ 0 w 3935730"/>
+              <a:gd name="connsiteY12" fmla="*/ 944880 h 944880"/>
+              <a:gd name="connisteX13" fmla="*/ 3935730 w 3935730"/>
+              <a:gd name="connsiteY13" fmla="*/ 360680 h 944880"/>
+            </a:gdLst>
+            <a:ahLst/>
+            <a:cxnLst>
+              <a:cxn ang="0">
+                <a:pos x="connisteX0" y="connsiteY0"/>
+              </a:cxn>
+              <a:cxn ang="0">
+                <a:pos x="connisteX1" y="connsiteY1"/>
+              </a:cxn>
+              <a:cxn ang="0">
+                <a:pos x="connisteX2" y="connsiteY2"/>
+              </a:cxn>
+              <a:cxn ang="0">
+                <a:pos x="connisteX3" y="connsiteY3"/>
+              </a:cxn>
+              <a:cxn ang="0">
+                <a:pos x="connisteX4" y="connsiteY4"/>
+              </a:cxn>
+              <a:cxn ang="0">
+                <a:pos x="connisteX5" y="connsiteY5"/>
+              </a:cxn>
+              <a:cxn ang="0">
+                <a:pos x="connisteX6" y="connsiteY6"/>
+              </a:cxn>
+              <a:cxn ang="0">
+                <a:pos x="connisteX7" y="connsiteY7"/>
+              </a:cxn>
+              <a:cxn ang="0">
+                <a:pos x="connisteX8" y="connsiteY8"/>
+              </a:cxn>
+              <a:cxn ang="0">
+                <a:pos x="connisteX9" y="connsiteY9"/>
+              </a:cxn>
+              <a:cxn ang="0">
+                <a:pos x="connisteX10" y="connsiteY10"/>
+              </a:cxn>
+              <a:cxn ang="0">
+                <a:pos x="connisteX11" y="connsiteY11"/>
+              </a:cxn>
+              <a:cxn ang="0">
+                <a:pos x="connisteX12" y="connsiteY12"/>
+              </a:cxn>
+              <a:cxn ang="0">
+                <a:pos x="connisteX13" y="connsiteY13"/>
+              </a:cxn>
+            </a:cxnLst>
+            <a:rect l="l" t="t" r="r" b="b"/>
+            <a:pathLst>
+              <a:path w="3935730" h="944880">
+                <a:moveTo>
+                  <a:pt x="257810" y="429260"/>
+                </a:moveTo>
+                <a:lnTo>
+                  <a:pt x="3394710" y="0"/>
+                </a:lnTo>
+                <a:lnTo>
+                  <a:pt x="26035" y="541020"/>
+                </a:lnTo>
+                <a:lnTo>
+                  <a:pt x="3575050" y="51435"/>
+                </a:lnTo>
+                <a:lnTo>
+                  <a:pt x="172085" y="601345"/>
+                </a:lnTo>
+                <a:lnTo>
+                  <a:pt x="3652520" y="128905"/>
+                </a:lnTo>
+                <a:lnTo>
+                  <a:pt x="51435" y="678815"/>
+                </a:lnTo>
+                <a:lnTo>
+                  <a:pt x="3514725" y="214630"/>
+                </a:lnTo>
+                <a:lnTo>
+                  <a:pt x="369570" y="704215"/>
+                </a:lnTo>
+                <a:lnTo>
+                  <a:pt x="3695700" y="274955"/>
+                </a:lnTo>
+                <a:lnTo>
+                  <a:pt x="180340" y="833120"/>
+                </a:lnTo>
+                <a:lnTo>
+                  <a:pt x="3695700" y="351790"/>
+                </a:lnTo>
+                <a:lnTo>
+                  <a:pt x="0" y="944880"/>
+                </a:lnTo>
+                <a:lnTo>
+                  <a:pt x="3935730" y="360680"/>
+                </a:lnTo>
+              </a:path>
+            </a:pathLst>
+          </a:custGeom>
+          <a:noFill/>
+          <a:ln w="203200">
+            <a:solidFill>
+              <a:schemeClr val="accent4">
+                <a:lumMod val="40000"/>
+                <a:lumOff val="60000"/>
+              </a:schemeClr>
+            </a:solidFill>
+          </a:ln>
+          <a:effectLst>
+            <a:softEdge rad="63500"/>
+          </a:effectLst>
+        </p:spPr>
+        <p:style>
+          <a:lnRef idx="2">
+            <a:schemeClr val="accent1">
+              <a:shade val="50000"/>
+            </a:schemeClr>
+          </a:lnRef>
+          <a:fillRef idx="1">
+            <a:schemeClr val="accent1"/>
+          </a:fillRef>
+          <a:effectRef idx="0">
+            <a:schemeClr val="accent1"/>
+          </a:effectRef>
+          <a:fontRef idx="minor">
+            <a:schemeClr val="lt1"/>
+          </a:fontRef>
+        </p:style>
+        <p:txBody>
+          <a:bodyPr rtlCol="0" anchor="ctr"/>
+          <a:p>
+            <a:pPr algn="ctr"/>
+            <a:endParaRPr lang="zh-CN" altLang="en-US"/>
+          </a:p>
+        </p:txBody>
+      </p:sp>
+      <p:sp>
+        <p:nvSpPr>
+          <p:cNvPr id="2" name="标题 1"/>
+          <p:cNvSpPr>
+            <a:spLocks noGrp="1"/>
+          </p:cNvSpPr>
+          <p:nvPr>
+            <p:ph type="title"/>
+          </p:nvPr>
+        </p:nvSpPr>
+        <p:spPr>
+          <a:xfrm>
+            <a:off x="5132070" y="245745"/>
+            <a:ext cx="2136775" cy="817245"/>
+          </a:xfrm>
+        </p:spPr>
+        <p:txBody>
+          <a:bodyPr>
+            <a:normAutofit fontScale="90000"/>
+          </a:bodyPr>
+          <a:p>
+            <a:r>
+              <a:rPr lang="en-US" altLang="zh-CN">
+                <a:latin typeface="Aa小梨涡" panose="02010600010101010101" charset="-122"/>
+                <a:ea typeface="Aa小梨涡" panose="02010600010101010101" charset="-122"/>
+              </a:rPr>
+              <a:t>1.</a:t>
+            </a:r>
+            <a:r>
+              <a:rPr lang="zh-CN" altLang="en-US">
+                <a:latin typeface="Aa小梨涡" panose="02010600010101010101" charset="-122"/>
+                <a:ea typeface="Aa小梨涡" panose="02010600010101010101" charset="-122"/>
+              </a:rPr>
+              <a:t>开篇词</a:t>
+            </a:r>
+            <a:endParaRPr lang="zh-CN" altLang="en-US">
+              <a:latin typeface="Aa小梨涡" panose="02010600010101010101" charset="-122"/>
+              <a:ea typeface="Aa小梨涡" panose="02010600010101010101" charset="-122"/>
+            </a:endParaRPr>
+          </a:p>
+        </p:txBody>
+      </p:sp>
+      <p:sp>
+        <p:nvSpPr>
+          <p:cNvPr id="20" name="任意多边形 19"/>
+          <p:cNvSpPr/>
+          <p:nvPr/>
+        </p:nvSpPr>
+        <p:spPr>
+          <a:xfrm rot="10320000">
+            <a:off x="4344035" y="897890"/>
+            <a:ext cx="3456305" cy="76200"/>
+          </a:xfrm>
+          <a:custGeom>
+            <a:avLst/>
+            <a:gdLst>
+              <a:gd name="connisteX0" fmla="*/ 4685923 w 4685923"/>
+              <a:gd name="connsiteY0" fmla="*/ 9525 h 464575"/>
+              <a:gd name="connisteX1" fmla="*/ 548898 w 4685923"/>
+              <a:gd name="connsiteY1" fmla="*/ 238125 h 464575"/>
+              <a:gd name="connisteX2" fmla="*/ 672723 w 4685923"/>
+              <a:gd name="connsiteY2" fmla="*/ 456565 h 464575"/>
+              <a:gd name="connisteX3" fmla="*/ 4638298 w 4685923"/>
+              <a:gd name="connsiteY3" fmla="*/ 0 h 464575"/>
+            </a:gdLst>
+            <a:ahLst/>
+            <a:cxnLst>
+              <a:cxn ang="0">
+                <a:pos x="connisteX0" y="connsiteY0"/>
+              </a:cxn>
+              <a:cxn ang="0">
+                <a:pos x="connisteX1" y="connsiteY1"/>
+              </a:cxn>
+              <a:cxn ang="0">
+                <a:pos x="connisteX2" y="connsiteY2"/>
+              </a:cxn>
+              <a:cxn ang="0">
+                <a:pos x="connisteX3" y="connsiteY3"/>
+              </a:cxn>
+            </a:cxnLst>
+            <a:rect l="l" t="t" r="r" b="b"/>
+            <a:pathLst>
+              <a:path w="4685923" h="464576">
+                <a:moveTo>
+                  <a:pt x="4685923" y="9525"/>
+                </a:moveTo>
+                <a:cubicBezTo>
+                  <a:pt x="3855978" y="50800"/>
+                  <a:pt x="1351538" y="148590"/>
+                  <a:pt x="548898" y="238125"/>
+                </a:cubicBezTo>
+                <a:cubicBezTo>
+                  <a:pt x="-253742" y="327660"/>
+                  <a:pt x="-145157" y="504190"/>
+                  <a:pt x="672723" y="456565"/>
+                </a:cubicBezTo>
+                <a:cubicBezTo>
+                  <a:pt x="1490603" y="408940"/>
+                  <a:pt x="3847723" y="95885"/>
+                  <a:pt x="4638298" y="0"/>
+                </a:cubicBezTo>
+              </a:path>
+            </a:pathLst>
+          </a:custGeom>
+          <a:solidFill>
+            <a:schemeClr val="accent5"/>
+          </a:solidFill>
+          <a:ln>
+            <a:noFill/>
+          </a:ln>
+        </p:spPr>
+        <p:style>
+          <a:lnRef idx="2">
+            <a:schemeClr val="accent1">
+              <a:shade val="50000"/>
+            </a:schemeClr>
+          </a:lnRef>
+          <a:fillRef idx="1">
+            <a:schemeClr val="accent1"/>
+          </a:fillRef>
+          <a:effectRef idx="0">
+            <a:schemeClr val="accent1"/>
+          </a:effectRef>
+          <a:fontRef idx="minor">
+            <a:schemeClr val="lt1"/>
+          </a:fontRef>
+        </p:style>
+        <p:txBody>
+          <a:bodyPr rtlCol="0" anchor="ctr"/>
+          <a:p>
+            <a:pPr algn="ctr"/>
+            <a:endParaRPr lang="zh-CN" altLang="en-US"/>
+          </a:p>
+        </p:txBody>
+      </p:sp>
+    </p:spTree>
+  </p:cSld>
+  <p:clrMapOvr>
+    <a:masterClrMapping/>
+  </p:clrMapOvr>
+</p:sld>
+</file>
+
+<file path=ppt/slides/slide22.xml><?xml version="1.0" encoding="utf-8"?>
+<p:sld xmlns:a="http://schemas.openxmlformats.org/drawingml/2006/main" xmlns:r="http://schemas.openxmlformats.org/officeDocument/2006/relationships" xmlns:p="http://schemas.openxmlformats.org/presentationml/2006/main">
+  <p:cSld>
+    <p:spTree>
+      <p:nvGrpSpPr>
+        <p:cNvPr id="1" name=""/>
+        <p:cNvGrpSpPr/>
+        <p:nvPr/>
+      </p:nvGrpSpPr>
+      <p:grpSpPr/>
+      <p:sp>
+        <p:nvSpPr>
+          <p:cNvPr id="18" name="任意多边形 17"/>
+          <p:cNvSpPr/>
+          <p:nvPr/>
+        </p:nvSpPr>
+        <p:spPr>
+          <a:xfrm rot="600000">
+            <a:off x="5342086" y="122979"/>
+            <a:ext cx="1728000" cy="944245"/>
+          </a:xfrm>
+          <a:custGeom>
+            <a:avLst/>
+            <a:gdLst>
+              <a:gd name="connisteX0" fmla="*/ 257810 w 3935730"/>
+              <a:gd name="connsiteY0" fmla="*/ 429260 h 944880"/>
+              <a:gd name="connisteX1" fmla="*/ 3394710 w 3935730"/>
+              <a:gd name="connsiteY1" fmla="*/ 0 h 944880"/>
+              <a:gd name="connisteX2" fmla="*/ 26035 w 3935730"/>
+              <a:gd name="connsiteY2" fmla="*/ 541020 h 944880"/>
+              <a:gd name="connisteX3" fmla="*/ 3575050 w 3935730"/>
+              <a:gd name="connsiteY3" fmla="*/ 51435 h 944880"/>
+              <a:gd name="connisteX4" fmla="*/ 172085 w 3935730"/>
+              <a:gd name="connsiteY4" fmla="*/ 601345 h 944880"/>
+              <a:gd name="connisteX5" fmla="*/ 3652520 w 3935730"/>
+              <a:gd name="connsiteY5" fmla="*/ 128905 h 944880"/>
+              <a:gd name="connisteX6" fmla="*/ 51435 w 3935730"/>
+              <a:gd name="connsiteY6" fmla="*/ 678815 h 944880"/>
+              <a:gd name="connisteX7" fmla="*/ 3514725 w 3935730"/>
+              <a:gd name="connsiteY7" fmla="*/ 214630 h 944880"/>
+              <a:gd name="connisteX8" fmla="*/ 369570 w 3935730"/>
+              <a:gd name="connsiteY8" fmla="*/ 704215 h 944880"/>
+              <a:gd name="connisteX9" fmla="*/ 3695700 w 3935730"/>
+              <a:gd name="connsiteY9" fmla="*/ 274955 h 944880"/>
+              <a:gd name="connisteX10" fmla="*/ 180340 w 3935730"/>
+              <a:gd name="connsiteY10" fmla="*/ 833120 h 944880"/>
+              <a:gd name="connisteX11" fmla="*/ 3695700 w 3935730"/>
+              <a:gd name="connsiteY11" fmla="*/ 351790 h 944880"/>
+              <a:gd name="connisteX12" fmla="*/ 0 w 3935730"/>
+              <a:gd name="connsiteY12" fmla="*/ 944880 h 944880"/>
+              <a:gd name="connisteX13" fmla="*/ 3935730 w 3935730"/>
+              <a:gd name="connsiteY13" fmla="*/ 360680 h 944880"/>
+            </a:gdLst>
+            <a:ahLst/>
+            <a:cxnLst>
+              <a:cxn ang="0">
+                <a:pos x="connisteX0" y="connsiteY0"/>
+              </a:cxn>
+              <a:cxn ang="0">
+                <a:pos x="connisteX1" y="connsiteY1"/>
+              </a:cxn>
+              <a:cxn ang="0">
+                <a:pos x="connisteX2" y="connsiteY2"/>
+              </a:cxn>
+              <a:cxn ang="0">
+                <a:pos x="connisteX3" y="connsiteY3"/>
+              </a:cxn>
+              <a:cxn ang="0">
+                <a:pos x="connisteX4" y="connsiteY4"/>
+              </a:cxn>
+              <a:cxn ang="0">
+                <a:pos x="connisteX5" y="connsiteY5"/>
+              </a:cxn>
+              <a:cxn ang="0">
+                <a:pos x="connisteX6" y="connsiteY6"/>
+              </a:cxn>
+              <a:cxn ang="0">
+                <a:pos x="connisteX7" y="connsiteY7"/>
+              </a:cxn>
+              <a:cxn ang="0">
+                <a:pos x="connisteX8" y="connsiteY8"/>
+              </a:cxn>
+              <a:cxn ang="0">
+                <a:pos x="connisteX9" y="connsiteY9"/>
+              </a:cxn>
+              <a:cxn ang="0">
+                <a:pos x="connisteX10" y="connsiteY10"/>
+              </a:cxn>
+              <a:cxn ang="0">
+                <a:pos x="connisteX11" y="connsiteY11"/>
+              </a:cxn>
+              <a:cxn ang="0">
+                <a:pos x="connisteX12" y="connsiteY12"/>
+              </a:cxn>
+              <a:cxn ang="0">
+                <a:pos x="connisteX13" y="connsiteY13"/>
+              </a:cxn>
+            </a:cxnLst>
+            <a:rect l="l" t="t" r="r" b="b"/>
+            <a:pathLst>
+              <a:path w="3935730" h="944880">
+                <a:moveTo>
+                  <a:pt x="257810" y="429260"/>
+                </a:moveTo>
+                <a:lnTo>
+                  <a:pt x="3394710" y="0"/>
+                </a:lnTo>
+                <a:lnTo>
+                  <a:pt x="26035" y="541020"/>
+                </a:lnTo>
+                <a:lnTo>
+                  <a:pt x="3575050" y="51435"/>
+                </a:lnTo>
+                <a:lnTo>
+                  <a:pt x="172085" y="601345"/>
+                </a:lnTo>
+                <a:lnTo>
+                  <a:pt x="3652520" y="128905"/>
+                </a:lnTo>
+                <a:lnTo>
+                  <a:pt x="51435" y="678815"/>
+                </a:lnTo>
+                <a:lnTo>
+                  <a:pt x="3514725" y="214630"/>
+                </a:lnTo>
+                <a:lnTo>
+                  <a:pt x="369570" y="704215"/>
+                </a:lnTo>
+                <a:lnTo>
+                  <a:pt x="3695700" y="274955"/>
+                </a:lnTo>
+                <a:lnTo>
+                  <a:pt x="180340" y="833120"/>
+                </a:lnTo>
+                <a:lnTo>
+                  <a:pt x="3695700" y="351790"/>
+                </a:lnTo>
+                <a:lnTo>
+                  <a:pt x="0" y="944880"/>
+                </a:lnTo>
+                <a:lnTo>
+                  <a:pt x="3935730" y="360680"/>
+                </a:lnTo>
+              </a:path>
+            </a:pathLst>
+          </a:custGeom>
+          <a:noFill/>
+          <a:ln w="203200">
+            <a:solidFill>
+              <a:schemeClr val="accent4">
+                <a:lumMod val="40000"/>
+                <a:lumOff val="60000"/>
+              </a:schemeClr>
+            </a:solidFill>
+          </a:ln>
+          <a:effectLst>
+            <a:softEdge rad="63500"/>
+          </a:effectLst>
+        </p:spPr>
+        <p:style>
+          <a:lnRef idx="2">
+            <a:schemeClr val="accent1">
+              <a:shade val="50000"/>
+            </a:schemeClr>
+          </a:lnRef>
+          <a:fillRef idx="1">
+            <a:schemeClr val="accent1"/>
+          </a:fillRef>
+          <a:effectRef idx="0">
+            <a:schemeClr val="accent1"/>
+          </a:effectRef>
+          <a:fontRef idx="minor">
+            <a:schemeClr val="lt1"/>
+          </a:fontRef>
+        </p:style>
+        <p:txBody>
+          <a:bodyPr rtlCol="0" anchor="ctr"/>
+          <a:p>
+            <a:pPr algn="ctr"/>
+            <a:endParaRPr lang="zh-CN" altLang="en-US"/>
+          </a:p>
+        </p:txBody>
+      </p:sp>
+      <p:sp>
+        <p:nvSpPr>
+          <p:cNvPr id="2" name="标题 1"/>
+          <p:cNvSpPr>
+            <a:spLocks noGrp="1"/>
+          </p:cNvSpPr>
+          <p:nvPr>
+            <p:ph type="title"/>
+          </p:nvPr>
+        </p:nvSpPr>
+        <p:spPr>
+          <a:xfrm>
+            <a:off x="5132070" y="245745"/>
+            <a:ext cx="2136775" cy="817245"/>
+          </a:xfrm>
+        </p:spPr>
+        <p:txBody>
+          <a:bodyPr>
+            <a:normAutofit fontScale="90000"/>
+          </a:bodyPr>
+          <a:p>
+            <a:r>
+              <a:rPr lang="en-US" altLang="zh-CN">
+                <a:latin typeface="Aa小梨涡" panose="02010600010101010101" charset="-122"/>
+                <a:ea typeface="Aa小梨涡" panose="02010600010101010101" charset="-122"/>
+              </a:rPr>
+              <a:t>1.</a:t>
+            </a:r>
+            <a:r>
+              <a:rPr lang="zh-CN" altLang="en-US">
+                <a:latin typeface="Aa小梨涡" panose="02010600010101010101" charset="-122"/>
+                <a:ea typeface="Aa小梨涡" panose="02010600010101010101" charset="-122"/>
+              </a:rPr>
+              <a:t>开篇词</a:t>
+            </a:r>
+            <a:endParaRPr lang="zh-CN" altLang="en-US">
+              <a:latin typeface="Aa小梨涡" panose="02010600010101010101" charset="-122"/>
+              <a:ea typeface="Aa小梨涡" panose="02010600010101010101" charset="-122"/>
+            </a:endParaRPr>
+          </a:p>
+        </p:txBody>
+      </p:sp>
+      <p:sp>
+        <p:nvSpPr>
+          <p:cNvPr id="20" name="任意多边形 19"/>
+          <p:cNvSpPr/>
+          <p:nvPr/>
+        </p:nvSpPr>
+        <p:spPr>
+          <a:xfrm rot="10320000">
+            <a:off x="4344035" y="897890"/>
+            <a:ext cx="3456305" cy="76200"/>
+          </a:xfrm>
+          <a:custGeom>
+            <a:avLst/>
+            <a:gdLst>
+              <a:gd name="connisteX0" fmla="*/ 4685923 w 4685923"/>
+              <a:gd name="connsiteY0" fmla="*/ 9525 h 464575"/>
+              <a:gd name="connisteX1" fmla="*/ 548898 w 4685923"/>
+              <a:gd name="connsiteY1" fmla="*/ 238125 h 464575"/>
+              <a:gd name="connisteX2" fmla="*/ 672723 w 4685923"/>
+              <a:gd name="connsiteY2" fmla="*/ 456565 h 464575"/>
+              <a:gd name="connisteX3" fmla="*/ 4638298 w 4685923"/>
+              <a:gd name="connsiteY3" fmla="*/ 0 h 464575"/>
+            </a:gdLst>
+            <a:ahLst/>
+            <a:cxnLst>
+              <a:cxn ang="0">
+                <a:pos x="connisteX0" y="connsiteY0"/>
+              </a:cxn>
+              <a:cxn ang="0">
+                <a:pos x="connisteX1" y="connsiteY1"/>
+              </a:cxn>
+              <a:cxn ang="0">
+                <a:pos x="connisteX2" y="connsiteY2"/>
+              </a:cxn>
+              <a:cxn ang="0">
+                <a:pos x="connisteX3" y="connsiteY3"/>
+              </a:cxn>
+            </a:cxnLst>
+            <a:rect l="l" t="t" r="r" b="b"/>
+            <a:pathLst>
+              <a:path w="4685923" h="464576">
+                <a:moveTo>
+                  <a:pt x="4685923" y="9525"/>
+                </a:moveTo>
+                <a:cubicBezTo>
+                  <a:pt x="3855978" y="50800"/>
+                  <a:pt x="1351538" y="148590"/>
+                  <a:pt x="548898" y="238125"/>
+                </a:cubicBezTo>
+                <a:cubicBezTo>
+                  <a:pt x="-253742" y="327660"/>
+                  <a:pt x="-145157" y="504190"/>
+                  <a:pt x="672723" y="456565"/>
+                </a:cubicBezTo>
+                <a:cubicBezTo>
+                  <a:pt x="1490603" y="408940"/>
+                  <a:pt x="3847723" y="95885"/>
+                  <a:pt x="4638298" y="0"/>
+                </a:cubicBezTo>
+              </a:path>
+            </a:pathLst>
+          </a:custGeom>
+          <a:solidFill>
+            <a:schemeClr val="accent5"/>
+          </a:solidFill>
+          <a:ln>
+            <a:noFill/>
+          </a:ln>
+        </p:spPr>
+        <p:style>
+          <a:lnRef idx="2">
+            <a:schemeClr val="accent1">
+              <a:shade val="50000"/>
+            </a:schemeClr>
+          </a:lnRef>
+          <a:fillRef idx="1">
+            <a:schemeClr val="accent1"/>
+          </a:fillRef>
+          <a:effectRef idx="0">
+            <a:schemeClr val="accent1"/>
+          </a:effectRef>
+          <a:fontRef idx="minor">
+            <a:schemeClr val="lt1"/>
+          </a:fontRef>
+        </p:style>
+        <p:txBody>
+          <a:bodyPr rtlCol="0" anchor="ctr"/>
+          <a:p>
+            <a:pPr algn="ctr"/>
+            <a:endParaRPr lang="zh-CN" altLang="en-US"/>
+          </a:p>
+        </p:txBody>
+      </p:sp>
+    </p:spTree>
+  </p:cSld>
+  <p:clrMapOvr>
+    <a:masterClrMapping/>
+  </p:clrMapOvr>
+</p:sld>
+</file>
+
+<file path=ppt/slides/slide23.xml><?xml version="1.0" encoding="utf-8"?>
+<p:sld xmlns:a="http://schemas.openxmlformats.org/drawingml/2006/main" xmlns:r="http://schemas.openxmlformats.org/officeDocument/2006/relationships" xmlns:p="http://schemas.openxmlformats.org/presentationml/2006/main">
+  <p:cSld>
+    <p:spTree>
+      <p:nvGrpSpPr>
+        <p:cNvPr id="1" name=""/>
+        <p:cNvGrpSpPr/>
+        <p:nvPr/>
+      </p:nvGrpSpPr>
+      <p:grpSpPr/>
+      <p:sp>
+        <p:nvSpPr>
+          <p:cNvPr id="18" name="任意多边形 17"/>
+          <p:cNvSpPr/>
+          <p:nvPr/>
+        </p:nvSpPr>
+        <p:spPr>
+          <a:xfrm rot="600000">
+            <a:off x="5342086" y="122979"/>
+            <a:ext cx="1728000" cy="944245"/>
+          </a:xfrm>
+          <a:custGeom>
+            <a:avLst/>
+            <a:gdLst>
+              <a:gd name="connisteX0" fmla="*/ 257810 w 3935730"/>
+              <a:gd name="connsiteY0" fmla="*/ 429260 h 944880"/>
+              <a:gd name="connisteX1" fmla="*/ 3394710 w 3935730"/>
+              <a:gd name="connsiteY1" fmla="*/ 0 h 944880"/>
+              <a:gd name="connisteX2" fmla="*/ 26035 w 3935730"/>
+              <a:gd name="connsiteY2" fmla="*/ 541020 h 944880"/>
+              <a:gd name="connisteX3" fmla="*/ 3575050 w 3935730"/>
+              <a:gd name="connsiteY3" fmla="*/ 51435 h 944880"/>
+              <a:gd name="connisteX4" fmla="*/ 172085 w 3935730"/>
+              <a:gd name="connsiteY4" fmla="*/ 601345 h 944880"/>
+              <a:gd name="connisteX5" fmla="*/ 3652520 w 3935730"/>
+              <a:gd name="connsiteY5" fmla="*/ 128905 h 944880"/>
+              <a:gd name="connisteX6" fmla="*/ 51435 w 3935730"/>
+              <a:gd name="connsiteY6" fmla="*/ 678815 h 944880"/>
+              <a:gd name="connisteX7" fmla="*/ 3514725 w 3935730"/>
+              <a:gd name="connsiteY7" fmla="*/ 214630 h 944880"/>
+              <a:gd name="connisteX8" fmla="*/ 369570 w 3935730"/>
+              <a:gd name="connsiteY8" fmla="*/ 704215 h 944880"/>
+              <a:gd name="connisteX9" fmla="*/ 3695700 w 3935730"/>
+              <a:gd name="connsiteY9" fmla="*/ 274955 h 944880"/>
+              <a:gd name="connisteX10" fmla="*/ 180340 w 3935730"/>
+              <a:gd name="connsiteY10" fmla="*/ 833120 h 944880"/>
+              <a:gd name="connisteX11" fmla="*/ 3695700 w 3935730"/>
+              <a:gd name="connsiteY11" fmla="*/ 351790 h 944880"/>
+              <a:gd name="connisteX12" fmla="*/ 0 w 3935730"/>
+              <a:gd name="connsiteY12" fmla="*/ 944880 h 944880"/>
+              <a:gd name="connisteX13" fmla="*/ 3935730 w 3935730"/>
+              <a:gd name="connsiteY13" fmla="*/ 360680 h 944880"/>
+            </a:gdLst>
+            <a:ahLst/>
+            <a:cxnLst>
+              <a:cxn ang="0">
+                <a:pos x="connisteX0" y="connsiteY0"/>
+              </a:cxn>
+              <a:cxn ang="0">
+                <a:pos x="connisteX1" y="connsiteY1"/>
+              </a:cxn>
+              <a:cxn ang="0">
+                <a:pos x="connisteX2" y="connsiteY2"/>
+              </a:cxn>
+              <a:cxn ang="0">
+                <a:pos x="connisteX3" y="connsiteY3"/>
+              </a:cxn>
+              <a:cxn ang="0">
+                <a:pos x="connisteX4" y="connsiteY4"/>
+              </a:cxn>
+              <a:cxn ang="0">
+                <a:pos x="connisteX5" y="connsiteY5"/>
+              </a:cxn>
+              <a:cxn ang="0">
+                <a:pos x="connisteX6" y="connsiteY6"/>
+              </a:cxn>
+              <a:cxn ang="0">
+                <a:pos x="connisteX7" y="connsiteY7"/>
+              </a:cxn>
+              <a:cxn ang="0">
+                <a:pos x="connisteX8" y="connsiteY8"/>
+              </a:cxn>
+              <a:cxn ang="0">
+                <a:pos x="connisteX9" y="connsiteY9"/>
+              </a:cxn>
+              <a:cxn ang="0">
+                <a:pos x="connisteX10" y="connsiteY10"/>
+              </a:cxn>
+              <a:cxn ang="0">
+                <a:pos x="connisteX11" y="connsiteY11"/>
+              </a:cxn>
+              <a:cxn ang="0">
+                <a:pos x="connisteX12" y="connsiteY12"/>
+              </a:cxn>
+              <a:cxn ang="0">
+                <a:pos x="connisteX13" y="connsiteY13"/>
+              </a:cxn>
+            </a:cxnLst>
+            <a:rect l="l" t="t" r="r" b="b"/>
+            <a:pathLst>
+              <a:path w="3935730" h="944880">
+                <a:moveTo>
+                  <a:pt x="257810" y="429260"/>
+                </a:moveTo>
+                <a:lnTo>
+                  <a:pt x="3394710" y="0"/>
+                </a:lnTo>
+                <a:lnTo>
+                  <a:pt x="26035" y="541020"/>
+                </a:lnTo>
+                <a:lnTo>
+                  <a:pt x="3575050" y="51435"/>
+                </a:lnTo>
+                <a:lnTo>
+                  <a:pt x="172085" y="601345"/>
+                </a:lnTo>
+                <a:lnTo>
+                  <a:pt x="3652520" y="128905"/>
+                </a:lnTo>
+                <a:lnTo>
+                  <a:pt x="51435" y="678815"/>
+                </a:lnTo>
+                <a:lnTo>
+                  <a:pt x="3514725" y="214630"/>
+                </a:lnTo>
+                <a:lnTo>
+                  <a:pt x="369570" y="704215"/>
+                </a:lnTo>
+                <a:lnTo>
+                  <a:pt x="3695700" y="274955"/>
+                </a:lnTo>
+                <a:lnTo>
+                  <a:pt x="180340" y="833120"/>
+                </a:lnTo>
+                <a:lnTo>
+                  <a:pt x="3695700" y="351790"/>
+                </a:lnTo>
+                <a:lnTo>
+                  <a:pt x="0" y="944880"/>
+                </a:lnTo>
+                <a:lnTo>
+                  <a:pt x="3935730" y="360680"/>
+                </a:lnTo>
+              </a:path>
+            </a:pathLst>
+          </a:custGeom>
+          <a:noFill/>
+          <a:ln w="203200">
+            <a:solidFill>
+              <a:schemeClr val="accent4">
+                <a:lumMod val="40000"/>
+                <a:lumOff val="60000"/>
+              </a:schemeClr>
+            </a:solidFill>
+          </a:ln>
+          <a:effectLst>
+            <a:softEdge rad="63500"/>
+          </a:effectLst>
+        </p:spPr>
+        <p:style>
+          <a:lnRef idx="2">
+            <a:schemeClr val="accent1">
+              <a:shade val="50000"/>
+            </a:schemeClr>
+          </a:lnRef>
+          <a:fillRef idx="1">
+            <a:schemeClr val="accent1"/>
+          </a:fillRef>
+          <a:effectRef idx="0">
+            <a:schemeClr val="accent1"/>
+          </a:effectRef>
+          <a:fontRef idx="minor">
+            <a:schemeClr val="lt1"/>
+          </a:fontRef>
+        </p:style>
+        <p:txBody>
+          <a:bodyPr rtlCol="0" anchor="ctr"/>
+          <a:p>
+            <a:pPr algn="ctr"/>
+            <a:endParaRPr lang="zh-CN" altLang="en-US"/>
+          </a:p>
+        </p:txBody>
+      </p:sp>
+      <p:sp>
+        <p:nvSpPr>
+          <p:cNvPr id="2" name="标题 1"/>
+          <p:cNvSpPr>
+            <a:spLocks noGrp="1"/>
+          </p:cNvSpPr>
+          <p:nvPr>
+            <p:ph type="title"/>
+          </p:nvPr>
+        </p:nvSpPr>
+        <p:spPr>
+          <a:xfrm>
+            <a:off x="5132070" y="245745"/>
+            <a:ext cx="2136775" cy="817245"/>
+          </a:xfrm>
+        </p:spPr>
+        <p:txBody>
+          <a:bodyPr>
+            <a:normAutofit fontScale="90000"/>
+          </a:bodyPr>
+          <a:p>
+            <a:r>
+              <a:rPr lang="en-US" altLang="zh-CN">
+                <a:latin typeface="Aa小梨涡" panose="02010600010101010101" charset="-122"/>
+                <a:ea typeface="Aa小梨涡" panose="02010600010101010101" charset="-122"/>
+              </a:rPr>
+              <a:t>1.</a:t>
+            </a:r>
+            <a:r>
+              <a:rPr lang="zh-CN" altLang="en-US">
+                <a:latin typeface="Aa小梨涡" panose="02010600010101010101" charset="-122"/>
+                <a:ea typeface="Aa小梨涡" panose="02010600010101010101" charset="-122"/>
+              </a:rPr>
+              <a:t>开篇词</a:t>
+            </a:r>
+            <a:endParaRPr lang="zh-CN" altLang="en-US">
+              <a:latin typeface="Aa小梨涡" panose="02010600010101010101" charset="-122"/>
+              <a:ea typeface="Aa小梨涡" panose="02010600010101010101" charset="-122"/>
+            </a:endParaRPr>
+          </a:p>
+        </p:txBody>
+      </p:sp>
+      <p:sp>
+        <p:nvSpPr>
+          <p:cNvPr id="20" name="任意多边形 19"/>
+          <p:cNvSpPr/>
+          <p:nvPr/>
+        </p:nvSpPr>
+        <p:spPr>
+          <a:xfrm rot="10320000">
+            <a:off x="4344035" y="897890"/>
+            <a:ext cx="3456305" cy="76200"/>
+          </a:xfrm>
+          <a:custGeom>
+            <a:avLst/>
+            <a:gdLst>
+              <a:gd name="connisteX0" fmla="*/ 4685923 w 4685923"/>
+              <a:gd name="connsiteY0" fmla="*/ 9525 h 464575"/>
+              <a:gd name="connisteX1" fmla="*/ 548898 w 4685923"/>
+              <a:gd name="connsiteY1" fmla="*/ 238125 h 464575"/>
+              <a:gd name="connisteX2" fmla="*/ 672723 w 4685923"/>
+              <a:gd name="connsiteY2" fmla="*/ 456565 h 464575"/>
+              <a:gd name="connisteX3" fmla="*/ 4638298 w 4685923"/>
+              <a:gd name="connsiteY3" fmla="*/ 0 h 464575"/>
+            </a:gdLst>
+            <a:ahLst/>
+            <a:cxnLst>
+              <a:cxn ang="0">
+                <a:pos x="connisteX0" y="connsiteY0"/>
+              </a:cxn>
+              <a:cxn ang="0">
+                <a:pos x="connisteX1" y="connsiteY1"/>
+              </a:cxn>
+              <a:cxn ang="0">
+                <a:pos x="connisteX2" y="connsiteY2"/>
+              </a:cxn>
+              <a:cxn ang="0">
+                <a:pos x="connisteX3" y="connsiteY3"/>
+              </a:cxn>
+            </a:cxnLst>
+            <a:rect l="l" t="t" r="r" b="b"/>
+            <a:pathLst>
+              <a:path w="4685923" h="464576">
+                <a:moveTo>
+                  <a:pt x="4685923" y="9525"/>
+                </a:moveTo>
+                <a:cubicBezTo>
+                  <a:pt x="3855978" y="50800"/>
+                  <a:pt x="1351538" y="148590"/>
+                  <a:pt x="548898" y="238125"/>
+                </a:cubicBezTo>
+                <a:cubicBezTo>
+                  <a:pt x="-253742" y="327660"/>
+                  <a:pt x="-145157" y="504190"/>
+                  <a:pt x="672723" y="456565"/>
+                </a:cubicBezTo>
+                <a:cubicBezTo>
+                  <a:pt x="1490603" y="408940"/>
+                  <a:pt x="3847723" y="95885"/>
+                  <a:pt x="4638298" y="0"/>
+                </a:cubicBezTo>
+              </a:path>
+            </a:pathLst>
+          </a:custGeom>
+          <a:solidFill>
+            <a:schemeClr val="accent5"/>
+          </a:solidFill>
+          <a:ln>
+            <a:noFill/>
+          </a:ln>
+        </p:spPr>
+        <p:style>
+          <a:lnRef idx="2">
+            <a:schemeClr val="accent1">
+              <a:shade val="50000"/>
+            </a:schemeClr>
+          </a:lnRef>
+          <a:fillRef idx="1">
+            <a:schemeClr val="accent1"/>
+          </a:fillRef>
+          <a:effectRef idx="0">
+            <a:schemeClr val="accent1"/>
+          </a:effectRef>
+          <a:fontRef idx="minor">
+            <a:schemeClr val="lt1"/>
+          </a:fontRef>
+        </p:style>
+        <p:txBody>
+          <a:bodyPr rtlCol="0" anchor="ctr"/>
+          <a:p>
+            <a:pPr algn="ctr"/>
+            <a:endParaRPr lang="zh-CN" altLang="en-US"/>
+          </a:p>
+        </p:txBody>
+      </p:sp>
+    </p:spTree>
+  </p:cSld>
+  <p:clrMapOvr>
+    <a:masterClrMapping/>
+  </p:clrMapOvr>
+</p:sld>
+</file>
+
+<file path=ppt/slides/slide24.xml><?xml version="1.0" encoding="utf-8"?>
+<p:sld xmlns:a="http://schemas.openxmlformats.org/drawingml/2006/main" xmlns:r="http://schemas.openxmlformats.org/officeDocument/2006/relationships" xmlns:p="http://schemas.openxmlformats.org/presentationml/2006/main">
+  <p:cSld>
+    <p:spTree>
+      <p:nvGrpSpPr>
+        <p:cNvPr id="1" name=""/>
+        <p:cNvGrpSpPr/>
+        <p:nvPr/>
+      </p:nvGrpSpPr>
+      <p:grpSpPr/>
+      <p:sp>
+        <p:nvSpPr>
+          <p:cNvPr id="18" name="任意多边形 17"/>
+          <p:cNvSpPr/>
+          <p:nvPr/>
+        </p:nvSpPr>
+        <p:spPr>
+          <a:xfrm rot="600000">
+            <a:off x="5342086" y="122979"/>
+            <a:ext cx="1728000" cy="944245"/>
+          </a:xfrm>
+          <a:custGeom>
+            <a:avLst/>
+            <a:gdLst>
+              <a:gd name="connisteX0" fmla="*/ 257810 w 3935730"/>
+              <a:gd name="connsiteY0" fmla="*/ 429260 h 944880"/>
+              <a:gd name="connisteX1" fmla="*/ 3394710 w 3935730"/>
+              <a:gd name="connsiteY1" fmla="*/ 0 h 944880"/>
+              <a:gd name="connisteX2" fmla="*/ 26035 w 3935730"/>
+              <a:gd name="connsiteY2" fmla="*/ 541020 h 944880"/>
+              <a:gd name="connisteX3" fmla="*/ 3575050 w 3935730"/>
+              <a:gd name="connsiteY3" fmla="*/ 51435 h 944880"/>
+              <a:gd name="connisteX4" fmla="*/ 172085 w 3935730"/>
+              <a:gd name="connsiteY4" fmla="*/ 601345 h 944880"/>
+              <a:gd name="connisteX5" fmla="*/ 3652520 w 3935730"/>
+              <a:gd name="connsiteY5" fmla="*/ 128905 h 944880"/>
+              <a:gd name="connisteX6" fmla="*/ 51435 w 3935730"/>
+              <a:gd name="connsiteY6" fmla="*/ 678815 h 944880"/>
+              <a:gd name="connisteX7" fmla="*/ 3514725 w 3935730"/>
+              <a:gd name="connsiteY7" fmla="*/ 214630 h 944880"/>
+              <a:gd name="connisteX8" fmla="*/ 369570 w 3935730"/>
+              <a:gd name="connsiteY8" fmla="*/ 704215 h 944880"/>
+              <a:gd name="connisteX9" fmla="*/ 3695700 w 3935730"/>
+              <a:gd name="connsiteY9" fmla="*/ 274955 h 944880"/>
+              <a:gd name="connisteX10" fmla="*/ 180340 w 3935730"/>
+              <a:gd name="connsiteY10" fmla="*/ 833120 h 944880"/>
+              <a:gd name="connisteX11" fmla="*/ 3695700 w 3935730"/>
+              <a:gd name="connsiteY11" fmla="*/ 351790 h 944880"/>
+              <a:gd name="connisteX12" fmla="*/ 0 w 3935730"/>
+              <a:gd name="connsiteY12" fmla="*/ 944880 h 944880"/>
+              <a:gd name="connisteX13" fmla="*/ 3935730 w 3935730"/>
+              <a:gd name="connsiteY13" fmla="*/ 360680 h 944880"/>
+            </a:gdLst>
+            <a:ahLst/>
+            <a:cxnLst>
+              <a:cxn ang="0">
+                <a:pos x="connisteX0" y="connsiteY0"/>
+              </a:cxn>
+              <a:cxn ang="0">
+                <a:pos x="connisteX1" y="connsiteY1"/>
+              </a:cxn>
+              <a:cxn ang="0">
+                <a:pos x="connisteX2" y="connsiteY2"/>
+              </a:cxn>
+              <a:cxn ang="0">
+                <a:pos x="connisteX3" y="connsiteY3"/>
+              </a:cxn>
+              <a:cxn ang="0">
+                <a:pos x="connisteX4" y="connsiteY4"/>
+              </a:cxn>
+              <a:cxn ang="0">
+                <a:pos x="connisteX5" y="connsiteY5"/>
+              </a:cxn>
+              <a:cxn ang="0">
+                <a:pos x="connisteX6" y="connsiteY6"/>
+              </a:cxn>
+              <a:cxn ang="0">
+                <a:pos x="connisteX7" y="connsiteY7"/>
+              </a:cxn>
+              <a:cxn ang="0">
+                <a:pos x="connisteX8" y="connsiteY8"/>
+              </a:cxn>
+              <a:cxn ang="0">
+                <a:pos x="connisteX9" y="connsiteY9"/>
+              </a:cxn>
+              <a:cxn ang="0">
+                <a:pos x="connisteX10" y="connsiteY10"/>
+              </a:cxn>
+              <a:cxn ang="0">
+                <a:pos x="connisteX11" y="connsiteY11"/>
+              </a:cxn>
+              <a:cxn ang="0">
+                <a:pos x="connisteX12" y="connsiteY12"/>
+              </a:cxn>
+              <a:cxn ang="0">
+                <a:pos x="connisteX13" y="connsiteY13"/>
+              </a:cxn>
+            </a:cxnLst>
+            <a:rect l="l" t="t" r="r" b="b"/>
+            <a:pathLst>
+              <a:path w="3935730" h="944880">
+                <a:moveTo>
+                  <a:pt x="257810" y="429260"/>
+                </a:moveTo>
+                <a:lnTo>
+                  <a:pt x="3394710" y="0"/>
+                </a:lnTo>
+                <a:lnTo>
+                  <a:pt x="26035" y="541020"/>
+                </a:lnTo>
+                <a:lnTo>
+                  <a:pt x="3575050" y="51435"/>
+                </a:lnTo>
+                <a:lnTo>
+                  <a:pt x="172085" y="601345"/>
+                </a:lnTo>
+                <a:lnTo>
+                  <a:pt x="3652520" y="128905"/>
+                </a:lnTo>
+                <a:lnTo>
+                  <a:pt x="51435" y="678815"/>
+                </a:lnTo>
+                <a:lnTo>
+                  <a:pt x="3514725" y="214630"/>
+                </a:lnTo>
+                <a:lnTo>
+                  <a:pt x="369570" y="704215"/>
+                </a:lnTo>
+                <a:lnTo>
+                  <a:pt x="3695700" y="274955"/>
+                </a:lnTo>
+                <a:lnTo>
+                  <a:pt x="180340" y="833120"/>
+                </a:lnTo>
+                <a:lnTo>
+                  <a:pt x="3695700" y="351790"/>
+                </a:lnTo>
+                <a:lnTo>
+                  <a:pt x="0" y="944880"/>
+                </a:lnTo>
+                <a:lnTo>
+                  <a:pt x="3935730" y="360680"/>
+                </a:lnTo>
+              </a:path>
+            </a:pathLst>
+          </a:custGeom>
+          <a:noFill/>
+          <a:ln w="203200">
+            <a:solidFill>
+              <a:schemeClr val="accent4">
+                <a:lumMod val="40000"/>
+                <a:lumOff val="60000"/>
+              </a:schemeClr>
+            </a:solidFill>
+          </a:ln>
+          <a:effectLst>
+            <a:softEdge rad="63500"/>
+          </a:effectLst>
+        </p:spPr>
+        <p:style>
+          <a:lnRef idx="2">
+            <a:schemeClr val="accent1">
+              <a:shade val="50000"/>
+            </a:schemeClr>
+          </a:lnRef>
+          <a:fillRef idx="1">
+            <a:schemeClr val="accent1"/>
+          </a:fillRef>
+          <a:effectRef idx="0">
+            <a:schemeClr val="accent1"/>
+          </a:effectRef>
+          <a:fontRef idx="minor">
+            <a:schemeClr val="lt1"/>
+          </a:fontRef>
+        </p:style>
+        <p:txBody>
+          <a:bodyPr rtlCol="0" anchor="ctr"/>
+          <a:p>
+            <a:pPr algn="ctr"/>
+            <a:endParaRPr lang="zh-CN" altLang="en-US"/>
+          </a:p>
+        </p:txBody>
+      </p:sp>
+      <p:sp>
+        <p:nvSpPr>
+          <p:cNvPr id="2" name="标题 1"/>
+          <p:cNvSpPr>
+            <a:spLocks noGrp="1"/>
+          </p:cNvSpPr>
+          <p:nvPr>
+            <p:ph type="title"/>
+          </p:nvPr>
+        </p:nvSpPr>
+        <p:spPr>
+          <a:xfrm>
+            <a:off x="5132070" y="245745"/>
+            <a:ext cx="2136775" cy="817245"/>
+          </a:xfrm>
+        </p:spPr>
+        <p:txBody>
+          <a:bodyPr>
+            <a:normAutofit fontScale="90000"/>
+          </a:bodyPr>
+          <a:p>
+            <a:r>
+              <a:rPr lang="en-US" altLang="zh-CN">
+                <a:latin typeface="Aa小梨涡" panose="02010600010101010101" charset="-122"/>
+                <a:ea typeface="Aa小梨涡" panose="02010600010101010101" charset="-122"/>
+              </a:rPr>
+              <a:t>1.</a:t>
+            </a:r>
+            <a:r>
+              <a:rPr lang="zh-CN" altLang="en-US">
+                <a:latin typeface="Aa小梨涡" panose="02010600010101010101" charset="-122"/>
+                <a:ea typeface="Aa小梨涡" panose="02010600010101010101" charset="-122"/>
+              </a:rPr>
+              <a:t>开篇词</a:t>
+            </a:r>
+            <a:endParaRPr lang="zh-CN" altLang="en-US">
+              <a:latin typeface="Aa小梨涡" panose="02010600010101010101" charset="-122"/>
+              <a:ea typeface="Aa小梨涡" panose="02010600010101010101" charset="-122"/>
+            </a:endParaRPr>
+          </a:p>
+        </p:txBody>
+      </p:sp>
+      <p:sp>
+        <p:nvSpPr>
+          <p:cNvPr id="20" name="任意多边形 19"/>
+          <p:cNvSpPr/>
+          <p:nvPr/>
+        </p:nvSpPr>
+        <p:spPr>
+          <a:xfrm rot="10320000">
+            <a:off x="4344035" y="897890"/>
+            <a:ext cx="3456305" cy="76200"/>
+          </a:xfrm>
+          <a:custGeom>
+            <a:avLst/>
+            <a:gdLst>
+              <a:gd name="connisteX0" fmla="*/ 4685923 w 4685923"/>
+              <a:gd name="connsiteY0" fmla="*/ 9525 h 464575"/>
+              <a:gd name="connisteX1" fmla="*/ 548898 w 4685923"/>
+              <a:gd name="connsiteY1" fmla="*/ 238125 h 464575"/>
+              <a:gd name="connisteX2" fmla="*/ 672723 w 4685923"/>
+              <a:gd name="connsiteY2" fmla="*/ 456565 h 464575"/>
+              <a:gd name="connisteX3" fmla="*/ 4638298 w 4685923"/>
+              <a:gd name="connsiteY3" fmla="*/ 0 h 464575"/>
+            </a:gdLst>
+            <a:ahLst/>
+            <a:cxnLst>
+              <a:cxn ang="0">
+                <a:pos x="connisteX0" y="connsiteY0"/>
+              </a:cxn>
+              <a:cxn ang="0">
+                <a:pos x="connisteX1" y="connsiteY1"/>
+              </a:cxn>
+              <a:cxn ang="0">
+                <a:pos x="connisteX2" y="connsiteY2"/>
+              </a:cxn>
+              <a:cxn ang="0">
+                <a:pos x="connisteX3" y="connsiteY3"/>
+              </a:cxn>
+            </a:cxnLst>
+            <a:rect l="l" t="t" r="r" b="b"/>
+            <a:pathLst>
+              <a:path w="4685923" h="464576">
+                <a:moveTo>
+                  <a:pt x="4685923" y="9525"/>
+                </a:moveTo>
+                <a:cubicBezTo>
+                  <a:pt x="3855978" y="50800"/>
+                  <a:pt x="1351538" y="148590"/>
+                  <a:pt x="548898" y="238125"/>
+                </a:cubicBezTo>
+                <a:cubicBezTo>
+                  <a:pt x="-253742" y="327660"/>
+                  <a:pt x="-145157" y="504190"/>
+                  <a:pt x="672723" y="456565"/>
+                </a:cubicBezTo>
+                <a:cubicBezTo>
+                  <a:pt x="1490603" y="408940"/>
+                  <a:pt x="3847723" y="95885"/>
+                  <a:pt x="4638298" y="0"/>
+                </a:cubicBezTo>
+              </a:path>
+            </a:pathLst>
+          </a:custGeom>
+          <a:solidFill>
+            <a:schemeClr val="accent5"/>
+          </a:solidFill>
+          <a:ln>
+            <a:noFill/>
+          </a:ln>
+        </p:spPr>
+        <p:style>
+          <a:lnRef idx="2">
+            <a:schemeClr val="accent1">
+              <a:shade val="50000"/>
+            </a:schemeClr>
+          </a:lnRef>
+          <a:fillRef idx="1">
+            <a:schemeClr val="accent1"/>
+          </a:fillRef>
+          <a:effectRef idx="0">
+            <a:schemeClr val="accent1"/>
+          </a:effectRef>
+          <a:fontRef idx="minor">
+            <a:schemeClr val="lt1"/>
+          </a:fontRef>
+        </p:style>
+        <p:txBody>
+          <a:bodyPr rtlCol="0" anchor="ctr"/>
+          <a:p>
+            <a:pPr algn="ctr"/>
+            <a:endParaRPr lang="zh-CN" altLang="en-US"/>
+          </a:p>
+        </p:txBody>
+      </p:sp>
+    </p:spTree>
+  </p:cSld>
+  <p:clrMapOvr>
+    <a:masterClrMapping/>
+  </p:clrMapOvr>
+</p:sld>
+</file>
+
+<file path=ppt/slides/slide25.xml><?xml version="1.0" encoding="utf-8"?>
+<p:sld xmlns:a="http://schemas.openxmlformats.org/drawingml/2006/main" xmlns:r="http://schemas.openxmlformats.org/officeDocument/2006/relationships" xmlns:p="http://schemas.openxmlformats.org/presentationml/2006/main">
+  <p:cSld>
+    <p:spTree>
+      <p:nvGrpSpPr>
+        <p:cNvPr id="1" name=""/>
+        <p:cNvGrpSpPr/>
+        <p:nvPr/>
+      </p:nvGrpSpPr>
+      <p:grpSpPr/>
+      <p:sp>
+        <p:nvSpPr>
+          <p:cNvPr id="18" name="任意多边形 17"/>
+          <p:cNvSpPr/>
+          <p:nvPr/>
+        </p:nvSpPr>
+        <p:spPr>
+          <a:xfrm rot="600000">
+            <a:off x="5342086" y="122979"/>
+            <a:ext cx="1728000" cy="944245"/>
+          </a:xfrm>
+          <a:custGeom>
+            <a:avLst/>
+            <a:gdLst>
+              <a:gd name="connisteX0" fmla="*/ 257810 w 3935730"/>
+              <a:gd name="connsiteY0" fmla="*/ 429260 h 944880"/>
+              <a:gd name="connisteX1" fmla="*/ 3394710 w 3935730"/>
+              <a:gd name="connsiteY1" fmla="*/ 0 h 944880"/>
+              <a:gd name="connisteX2" fmla="*/ 26035 w 3935730"/>
+              <a:gd name="connsiteY2" fmla="*/ 541020 h 944880"/>
+              <a:gd name="connisteX3" fmla="*/ 3575050 w 3935730"/>
+              <a:gd name="connsiteY3" fmla="*/ 51435 h 944880"/>
+              <a:gd name="connisteX4" fmla="*/ 172085 w 3935730"/>
+              <a:gd name="connsiteY4" fmla="*/ 601345 h 944880"/>
+              <a:gd name="connisteX5" fmla="*/ 3652520 w 3935730"/>
+              <a:gd name="connsiteY5" fmla="*/ 128905 h 944880"/>
+              <a:gd name="connisteX6" fmla="*/ 51435 w 3935730"/>
+              <a:gd name="connsiteY6" fmla="*/ 678815 h 944880"/>
+              <a:gd name="connisteX7" fmla="*/ 3514725 w 3935730"/>
+              <a:gd name="connsiteY7" fmla="*/ 214630 h 944880"/>
+              <a:gd name="connisteX8" fmla="*/ 369570 w 3935730"/>
+              <a:gd name="connsiteY8" fmla="*/ 704215 h 944880"/>
+              <a:gd name="connisteX9" fmla="*/ 3695700 w 3935730"/>
+              <a:gd name="connsiteY9" fmla="*/ 274955 h 944880"/>
+              <a:gd name="connisteX10" fmla="*/ 180340 w 3935730"/>
+              <a:gd name="connsiteY10" fmla="*/ 833120 h 944880"/>
+              <a:gd name="connisteX11" fmla="*/ 3695700 w 3935730"/>
+              <a:gd name="connsiteY11" fmla="*/ 351790 h 944880"/>
+              <a:gd name="connisteX12" fmla="*/ 0 w 3935730"/>
+              <a:gd name="connsiteY12" fmla="*/ 944880 h 944880"/>
+              <a:gd name="connisteX13" fmla="*/ 3935730 w 3935730"/>
+              <a:gd name="connsiteY13" fmla="*/ 360680 h 944880"/>
+            </a:gdLst>
+            <a:ahLst/>
+            <a:cxnLst>
+              <a:cxn ang="0">
+                <a:pos x="connisteX0" y="connsiteY0"/>
+              </a:cxn>
+              <a:cxn ang="0">
+                <a:pos x="connisteX1" y="connsiteY1"/>
+              </a:cxn>
+              <a:cxn ang="0">
+                <a:pos x="connisteX2" y="connsiteY2"/>
+              </a:cxn>
+              <a:cxn ang="0">
+                <a:pos x="connisteX3" y="connsiteY3"/>
+              </a:cxn>
+              <a:cxn ang="0">
+                <a:pos x="connisteX4" y="connsiteY4"/>
+              </a:cxn>
+              <a:cxn ang="0">
+                <a:pos x="connisteX5" y="connsiteY5"/>
+              </a:cxn>
+              <a:cxn ang="0">
+                <a:pos x="connisteX6" y="connsiteY6"/>
+              </a:cxn>
+              <a:cxn ang="0">
+                <a:pos x="connisteX7" y="connsiteY7"/>
+              </a:cxn>
+              <a:cxn ang="0">
+                <a:pos x="connisteX8" y="connsiteY8"/>
+              </a:cxn>
+              <a:cxn ang="0">
+                <a:pos x="connisteX9" y="connsiteY9"/>
+              </a:cxn>
+              <a:cxn ang="0">
+                <a:pos x="connisteX10" y="connsiteY10"/>
+              </a:cxn>
+              <a:cxn ang="0">
+                <a:pos x="connisteX11" y="connsiteY11"/>
+              </a:cxn>
+              <a:cxn ang="0">
+                <a:pos x="connisteX12" y="connsiteY12"/>
+              </a:cxn>
+              <a:cxn ang="0">
+                <a:pos x="connisteX13" y="connsiteY13"/>
+              </a:cxn>
+            </a:cxnLst>
+            <a:rect l="l" t="t" r="r" b="b"/>
+            <a:pathLst>
+              <a:path w="3935730" h="944880">
+                <a:moveTo>
+                  <a:pt x="257810" y="429260"/>
+                </a:moveTo>
+                <a:lnTo>
+                  <a:pt x="3394710" y="0"/>
+                </a:lnTo>
+                <a:lnTo>
+                  <a:pt x="26035" y="541020"/>
+                </a:lnTo>
+                <a:lnTo>
+                  <a:pt x="3575050" y="51435"/>
+                </a:lnTo>
+                <a:lnTo>
+                  <a:pt x="172085" y="601345"/>
+                </a:lnTo>
+                <a:lnTo>
+                  <a:pt x="3652520" y="128905"/>
+                </a:lnTo>
+                <a:lnTo>
+                  <a:pt x="51435" y="678815"/>
+                </a:lnTo>
+                <a:lnTo>
+                  <a:pt x="3514725" y="214630"/>
+                </a:lnTo>
+                <a:lnTo>
+                  <a:pt x="369570" y="704215"/>
+                </a:lnTo>
+                <a:lnTo>
+                  <a:pt x="3695700" y="274955"/>
+                </a:lnTo>
+                <a:lnTo>
+                  <a:pt x="180340" y="833120"/>
+                </a:lnTo>
+                <a:lnTo>
+                  <a:pt x="3695700" y="351790"/>
+                </a:lnTo>
+                <a:lnTo>
+                  <a:pt x="0" y="944880"/>
+                </a:lnTo>
+                <a:lnTo>
+                  <a:pt x="3935730" y="360680"/>
+                </a:lnTo>
+              </a:path>
+            </a:pathLst>
+          </a:custGeom>
+          <a:noFill/>
+          <a:ln w="203200">
+            <a:solidFill>
+              <a:schemeClr val="accent4">
+                <a:lumMod val="40000"/>
+                <a:lumOff val="60000"/>
+              </a:schemeClr>
+            </a:solidFill>
+          </a:ln>
+          <a:effectLst>
+            <a:softEdge rad="63500"/>
+          </a:effectLst>
+        </p:spPr>
+        <p:style>
+          <a:lnRef idx="2">
+            <a:schemeClr val="accent1">
+              <a:shade val="50000"/>
+            </a:schemeClr>
+          </a:lnRef>
+          <a:fillRef idx="1">
+            <a:schemeClr val="accent1"/>
+          </a:fillRef>
+          <a:effectRef idx="0">
+            <a:schemeClr val="accent1"/>
+          </a:effectRef>
+          <a:fontRef idx="minor">
+            <a:schemeClr val="lt1"/>
+          </a:fontRef>
+        </p:style>
+        <p:txBody>
+          <a:bodyPr rtlCol="0" anchor="ctr"/>
+          <a:p>
+            <a:pPr algn="ctr"/>
+            <a:endParaRPr lang="zh-CN" altLang="en-US"/>
+          </a:p>
+        </p:txBody>
+      </p:sp>
+      <p:sp>
+        <p:nvSpPr>
+          <p:cNvPr id="2" name="标题 1"/>
+          <p:cNvSpPr>
+            <a:spLocks noGrp="1"/>
+          </p:cNvSpPr>
+          <p:nvPr>
+            <p:ph type="title"/>
+          </p:nvPr>
+        </p:nvSpPr>
+        <p:spPr>
+          <a:xfrm>
+            <a:off x="5132070" y="245745"/>
+            <a:ext cx="2136775" cy="817245"/>
+          </a:xfrm>
+        </p:spPr>
+        <p:txBody>
+          <a:bodyPr>
+            <a:normAutofit fontScale="90000"/>
+          </a:bodyPr>
+          <a:p>
+            <a:r>
+              <a:rPr lang="en-US" altLang="zh-CN">
+                <a:latin typeface="Aa小梨涡" panose="02010600010101010101" charset="-122"/>
+                <a:ea typeface="Aa小梨涡" panose="02010600010101010101" charset="-122"/>
+              </a:rPr>
+              <a:t>1.</a:t>
+            </a:r>
+            <a:r>
+              <a:rPr lang="zh-CN" altLang="en-US">
+                <a:latin typeface="Aa小梨涡" panose="02010600010101010101" charset="-122"/>
+                <a:ea typeface="Aa小梨涡" panose="02010600010101010101" charset="-122"/>
+              </a:rPr>
+              <a:t>开篇词</a:t>
+            </a:r>
+            <a:endParaRPr lang="zh-CN" altLang="en-US">
+              <a:latin typeface="Aa小梨涡" panose="02010600010101010101" charset="-122"/>
+              <a:ea typeface="Aa小梨涡" panose="02010600010101010101" charset="-122"/>
+            </a:endParaRPr>
+          </a:p>
+        </p:txBody>
+      </p:sp>
+      <p:sp>
+        <p:nvSpPr>
+          <p:cNvPr id="20" name="任意多边形 19"/>
+          <p:cNvSpPr/>
+          <p:nvPr/>
+        </p:nvSpPr>
+        <p:spPr>
+          <a:xfrm rot="10320000">
+            <a:off x="4344035" y="897890"/>
+            <a:ext cx="3456305" cy="76200"/>
+          </a:xfrm>
+          <a:custGeom>
+            <a:avLst/>
+            <a:gdLst>
+              <a:gd name="connisteX0" fmla="*/ 4685923 w 4685923"/>
+              <a:gd name="connsiteY0" fmla="*/ 9525 h 464575"/>
+              <a:gd name="connisteX1" fmla="*/ 548898 w 4685923"/>
+              <a:gd name="connsiteY1" fmla="*/ 238125 h 464575"/>
+              <a:gd name="connisteX2" fmla="*/ 672723 w 4685923"/>
+              <a:gd name="connsiteY2" fmla="*/ 456565 h 464575"/>
+              <a:gd name="connisteX3" fmla="*/ 4638298 w 4685923"/>
+              <a:gd name="connsiteY3" fmla="*/ 0 h 464575"/>
+            </a:gdLst>
+            <a:ahLst/>
+            <a:cxnLst>
+              <a:cxn ang="0">
+                <a:pos x="connisteX0" y="connsiteY0"/>
+              </a:cxn>
+              <a:cxn ang="0">
+                <a:pos x="connisteX1" y="connsiteY1"/>
+              </a:cxn>
+              <a:cxn ang="0">
+                <a:pos x="connisteX2" y="connsiteY2"/>
+              </a:cxn>
+              <a:cxn ang="0">
+                <a:pos x="connisteX3" y="connsiteY3"/>
+              </a:cxn>
+            </a:cxnLst>
+            <a:rect l="l" t="t" r="r" b="b"/>
+            <a:pathLst>
+              <a:path w="4685923" h="464576">
+                <a:moveTo>
+                  <a:pt x="4685923" y="9525"/>
+                </a:moveTo>
+                <a:cubicBezTo>
+                  <a:pt x="3855978" y="50800"/>
+                  <a:pt x="1351538" y="148590"/>
+                  <a:pt x="548898" y="238125"/>
+                </a:cubicBezTo>
+                <a:cubicBezTo>
+                  <a:pt x="-253742" y="327660"/>
+                  <a:pt x="-145157" y="504190"/>
+                  <a:pt x="672723" y="456565"/>
+                </a:cubicBezTo>
+                <a:cubicBezTo>
+                  <a:pt x="1490603" y="408940"/>
+                  <a:pt x="3847723" y="95885"/>
+                  <a:pt x="4638298" y="0"/>
+                </a:cubicBezTo>
+              </a:path>
+            </a:pathLst>
+          </a:custGeom>
+          <a:solidFill>
+            <a:schemeClr val="accent5"/>
+          </a:solidFill>
+          <a:ln>
+            <a:noFill/>
+          </a:ln>
+        </p:spPr>
+        <p:style>
+          <a:lnRef idx="2">
+            <a:schemeClr val="accent1">
+              <a:shade val="50000"/>
+            </a:schemeClr>
+          </a:lnRef>
+          <a:fillRef idx="1">
+            <a:schemeClr val="accent1"/>
+          </a:fillRef>
+          <a:effectRef idx="0">
+            <a:schemeClr val="accent1"/>
+          </a:effectRef>
+          <a:fontRef idx="minor">
+            <a:schemeClr val="lt1"/>
+          </a:fontRef>
+        </p:style>
+        <p:txBody>
+          <a:bodyPr rtlCol="0" anchor="ctr"/>
+          <a:p>
+            <a:pPr algn="ctr"/>
+            <a:endParaRPr lang="zh-CN" altLang="en-US"/>
+          </a:p>
+        </p:txBody>
+      </p:sp>
+    </p:spTree>
+  </p:cSld>
+  <p:clrMapOvr>
+    <a:masterClrMapping/>
+  </p:clrMapOvr>
+</p:sld>
+</file>
+
+<file path=ppt/slides/slide26.xml><?xml version="1.0" encoding="utf-8"?>
+<p:sld xmlns:a="http://schemas.openxmlformats.org/drawingml/2006/main" xmlns:r="http://schemas.openxmlformats.org/officeDocument/2006/relationships" xmlns:p="http://schemas.openxmlformats.org/presentationml/2006/main">
+  <p:cSld>
+    <p:spTree>
+      <p:nvGrpSpPr>
+        <p:cNvPr id="1" name=""/>
+        <p:cNvGrpSpPr/>
+        <p:nvPr/>
+      </p:nvGrpSpPr>
+      <p:grpSpPr/>
+      <p:sp>
+        <p:nvSpPr>
+          <p:cNvPr id="18" name="任意多边形 17"/>
+          <p:cNvSpPr/>
+          <p:nvPr/>
+        </p:nvSpPr>
+        <p:spPr>
+          <a:xfrm rot="600000">
+            <a:off x="5342086" y="122979"/>
+            <a:ext cx="1728000" cy="944245"/>
+          </a:xfrm>
+          <a:custGeom>
+            <a:avLst/>
+            <a:gdLst>
+              <a:gd name="connisteX0" fmla="*/ 257810 w 3935730"/>
+              <a:gd name="connsiteY0" fmla="*/ 429260 h 944880"/>
+              <a:gd name="connisteX1" fmla="*/ 3394710 w 3935730"/>
+              <a:gd name="connsiteY1" fmla="*/ 0 h 944880"/>
+              <a:gd name="connisteX2" fmla="*/ 26035 w 3935730"/>
+              <a:gd name="connsiteY2" fmla="*/ 541020 h 944880"/>
+              <a:gd name="connisteX3" fmla="*/ 3575050 w 3935730"/>
+              <a:gd name="connsiteY3" fmla="*/ 51435 h 944880"/>
+              <a:gd name="connisteX4" fmla="*/ 172085 w 3935730"/>
+              <a:gd name="connsiteY4" fmla="*/ 601345 h 944880"/>
+              <a:gd name="connisteX5" fmla="*/ 3652520 w 3935730"/>
+              <a:gd name="connsiteY5" fmla="*/ 128905 h 944880"/>
+              <a:gd name="connisteX6" fmla="*/ 51435 w 3935730"/>
+              <a:gd name="connsiteY6" fmla="*/ 678815 h 944880"/>
+              <a:gd name="connisteX7" fmla="*/ 3514725 w 3935730"/>
+              <a:gd name="connsiteY7" fmla="*/ 214630 h 944880"/>
+              <a:gd name="connisteX8" fmla="*/ 369570 w 3935730"/>
+              <a:gd name="connsiteY8" fmla="*/ 704215 h 944880"/>
+              <a:gd name="connisteX9" fmla="*/ 3695700 w 3935730"/>
+              <a:gd name="connsiteY9" fmla="*/ 274955 h 944880"/>
+              <a:gd name="connisteX10" fmla="*/ 180340 w 3935730"/>
+              <a:gd name="connsiteY10" fmla="*/ 833120 h 944880"/>
+              <a:gd name="connisteX11" fmla="*/ 3695700 w 3935730"/>
+              <a:gd name="connsiteY11" fmla="*/ 351790 h 944880"/>
+              <a:gd name="connisteX12" fmla="*/ 0 w 3935730"/>
+              <a:gd name="connsiteY12" fmla="*/ 944880 h 944880"/>
+              <a:gd name="connisteX13" fmla="*/ 3935730 w 3935730"/>
+              <a:gd name="connsiteY13" fmla="*/ 360680 h 944880"/>
+            </a:gdLst>
+            <a:ahLst/>
+            <a:cxnLst>
+              <a:cxn ang="0">
+                <a:pos x="connisteX0" y="connsiteY0"/>
+              </a:cxn>
+              <a:cxn ang="0">
+                <a:pos x="connisteX1" y="connsiteY1"/>
+              </a:cxn>
+              <a:cxn ang="0">
+                <a:pos x="connisteX2" y="connsiteY2"/>
+              </a:cxn>
+              <a:cxn ang="0">
+                <a:pos x="connisteX3" y="connsiteY3"/>
+              </a:cxn>
+              <a:cxn ang="0">
+                <a:pos x="connisteX4" y="connsiteY4"/>
+              </a:cxn>
+              <a:cxn ang="0">
+                <a:pos x="connisteX5" y="connsiteY5"/>
+              </a:cxn>
+              <a:cxn ang="0">
+                <a:pos x="connisteX6" y="connsiteY6"/>
+              </a:cxn>
+              <a:cxn ang="0">
+                <a:pos x="connisteX7" y="connsiteY7"/>
+              </a:cxn>
+              <a:cxn ang="0">
+                <a:pos x="connisteX8" y="connsiteY8"/>
+              </a:cxn>
+              <a:cxn ang="0">
+                <a:pos x="connisteX9" y="connsiteY9"/>
+              </a:cxn>
+              <a:cxn ang="0">
+                <a:pos x="connisteX10" y="connsiteY10"/>
+              </a:cxn>
+              <a:cxn ang="0">
+                <a:pos x="connisteX11" y="connsiteY11"/>
+              </a:cxn>
+              <a:cxn ang="0">
+                <a:pos x="connisteX12" y="connsiteY12"/>
+              </a:cxn>
+              <a:cxn ang="0">
+                <a:pos x="connisteX13" y="connsiteY13"/>
+              </a:cxn>
+            </a:cxnLst>
+            <a:rect l="l" t="t" r="r" b="b"/>
+            <a:pathLst>
+              <a:path w="3935730" h="944880">
+                <a:moveTo>
+                  <a:pt x="257810" y="429260"/>
+                </a:moveTo>
+                <a:lnTo>
+                  <a:pt x="3394710" y="0"/>
+                </a:lnTo>
+                <a:lnTo>
+                  <a:pt x="26035" y="541020"/>
+                </a:lnTo>
+                <a:lnTo>
+                  <a:pt x="3575050" y="51435"/>
+                </a:lnTo>
+                <a:lnTo>
+                  <a:pt x="172085" y="601345"/>
+                </a:lnTo>
+                <a:lnTo>
+                  <a:pt x="3652520" y="128905"/>
+                </a:lnTo>
+                <a:lnTo>
+                  <a:pt x="51435" y="678815"/>
+                </a:lnTo>
+                <a:lnTo>
+                  <a:pt x="3514725" y="214630"/>
+                </a:lnTo>
+                <a:lnTo>
+                  <a:pt x="369570" y="704215"/>
+                </a:lnTo>
+                <a:lnTo>
+                  <a:pt x="3695700" y="274955"/>
+                </a:lnTo>
+                <a:lnTo>
+                  <a:pt x="180340" y="833120"/>
+                </a:lnTo>
+                <a:lnTo>
+                  <a:pt x="3695700" y="351790"/>
+                </a:lnTo>
+                <a:lnTo>
+                  <a:pt x="0" y="944880"/>
+                </a:lnTo>
+                <a:lnTo>
+                  <a:pt x="3935730" y="360680"/>
+                </a:lnTo>
+              </a:path>
+            </a:pathLst>
+          </a:custGeom>
+          <a:noFill/>
+          <a:ln w="203200">
+            <a:solidFill>
+              <a:schemeClr val="accent4">
+                <a:lumMod val="40000"/>
+                <a:lumOff val="60000"/>
+              </a:schemeClr>
+            </a:solidFill>
+          </a:ln>
+          <a:effectLst>
+            <a:softEdge rad="63500"/>
+          </a:effectLst>
+        </p:spPr>
+        <p:style>
+          <a:lnRef idx="2">
+            <a:schemeClr val="accent1">
+              <a:shade val="50000"/>
+            </a:schemeClr>
+          </a:lnRef>
+          <a:fillRef idx="1">
+            <a:schemeClr val="accent1"/>
+          </a:fillRef>
+          <a:effectRef idx="0">
+            <a:schemeClr val="accent1"/>
+          </a:effectRef>
+          <a:fontRef idx="minor">
+            <a:schemeClr val="lt1"/>
+          </a:fontRef>
+        </p:style>
+        <p:txBody>
+          <a:bodyPr rtlCol="0" anchor="ctr"/>
+          <a:p>
+            <a:pPr algn="ctr"/>
+            <a:endParaRPr lang="zh-CN" altLang="en-US"/>
+          </a:p>
+        </p:txBody>
+      </p:sp>
+      <p:sp>
+        <p:nvSpPr>
+          <p:cNvPr id="2" name="标题 1"/>
+          <p:cNvSpPr>
+            <a:spLocks noGrp="1"/>
+          </p:cNvSpPr>
+          <p:nvPr>
+            <p:ph type="title"/>
+          </p:nvPr>
+        </p:nvSpPr>
+        <p:spPr>
+          <a:xfrm>
+            <a:off x="5132070" y="245745"/>
+            <a:ext cx="2136775" cy="817245"/>
+          </a:xfrm>
+        </p:spPr>
+        <p:txBody>
+          <a:bodyPr>
+            <a:normAutofit fontScale="90000"/>
+          </a:bodyPr>
+          <a:p>
+            <a:r>
+              <a:rPr lang="en-US" altLang="zh-CN">
+                <a:latin typeface="Aa小梨涡" panose="02010600010101010101" charset="-122"/>
+                <a:ea typeface="Aa小梨涡" panose="02010600010101010101" charset="-122"/>
+              </a:rPr>
+              <a:t>1.</a:t>
+            </a:r>
+            <a:r>
+              <a:rPr lang="zh-CN" altLang="en-US">
+                <a:latin typeface="Aa小梨涡" panose="02010600010101010101" charset="-122"/>
+                <a:ea typeface="Aa小梨涡" panose="02010600010101010101" charset="-122"/>
+              </a:rPr>
+              <a:t>开篇词</a:t>
+            </a:r>
+            <a:endParaRPr lang="zh-CN" altLang="en-US">
+              <a:latin typeface="Aa小梨涡" panose="02010600010101010101" charset="-122"/>
+              <a:ea typeface="Aa小梨涡" panose="02010600010101010101" charset="-122"/>
+            </a:endParaRPr>
+          </a:p>
+        </p:txBody>
+      </p:sp>
+      <p:sp>
+        <p:nvSpPr>
+          <p:cNvPr id="20" name="任意多边形 19"/>
+          <p:cNvSpPr/>
+          <p:nvPr/>
+        </p:nvSpPr>
+        <p:spPr>
+          <a:xfrm rot="10320000">
+            <a:off x="4344035" y="897890"/>
+            <a:ext cx="3456305" cy="76200"/>
+          </a:xfrm>
+          <a:custGeom>
+            <a:avLst/>
+            <a:gdLst>
+              <a:gd name="connisteX0" fmla="*/ 4685923 w 4685923"/>
+              <a:gd name="connsiteY0" fmla="*/ 9525 h 464575"/>
+              <a:gd name="connisteX1" fmla="*/ 548898 w 4685923"/>
+              <a:gd name="connsiteY1" fmla="*/ 238125 h 464575"/>
+              <a:gd name="connisteX2" fmla="*/ 672723 w 4685923"/>
+              <a:gd name="connsiteY2" fmla="*/ 456565 h 464575"/>
+              <a:gd name="connisteX3" fmla="*/ 4638298 w 4685923"/>
+              <a:gd name="connsiteY3" fmla="*/ 0 h 464575"/>
+            </a:gdLst>
+            <a:ahLst/>
+            <a:cxnLst>
+              <a:cxn ang="0">
+                <a:pos x="connisteX0" y="connsiteY0"/>
+              </a:cxn>
+              <a:cxn ang="0">
+                <a:pos x="connisteX1" y="connsiteY1"/>
+              </a:cxn>
+              <a:cxn ang="0">
+                <a:pos x="connisteX2" y="connsiteY2"/>
+              </a:cxn>
+              <a:cxn ang="0">
+                <a:pos x="connisteX3" y="connsiteY3"/>
+              </a:cxn>
+            </a:cxnLst>
+            <a:rect l="l" t="t" r="r" b="b"/>
+            <a:pathLst>
+              <a:path w="4685923" h="464576">
+                <a:moveTo>
+                  <a:pt x="4685923" y="9525"/>
+                </a:moveTo>
+                <a:cubicBezTo>
+                  <a:pt x="3855978" y="50800"/>
+                  <a:pt x="1351538" y="148590"/>
+                  <a:pt x="548898" y="238125"/>
+                </a:cubicBezTo>
+                <a:cubicBezTo>
+                  <a:pt x="-253742" y="327660"/>
+                  <a:pt x="-145157" y="504190"/>
+                  <a:pt x="672723" y="456565"/>
+                </a:cubicBezTo>
+                <a:cubicBezTo>
+                  <a:pt x="1490603" y="408940"/>
+                  <a:pt x="3847723" y="95885"/>
+                  <a:pt x="4638298" y="0"/>
+                </a:cubicBezTo>
+              </a:path>
+            </a:pathLst>
+          </a:custGeom>
+          <a:solidFill>
+            <a:schemeClr val="accent5"/>
+          </a:solidFill>
+          <a:ln>
+            <a:noFill/>
+          </a:ln>
+        </p:spPr>
+        <p:style>
+          <a:lnRef idx="2">
+            <a:schemeClr val="accent1">
+              <a:shade val="50000"/>
+            </a:schemeClr>
+          </a:lnRef>
+          <a:fillRef idx="1">
+            <a:schemeClr val="accent1"/>
+          </a:fillRef>
+          <a:effectRef idx="0">
+            <a:schemeClr val="accent1"/>
+          </a:effectRef>
+          <a:fontRef idx="minor">
+            <a:schemeClr val="lt1"/>
+          </a:fontRef>
+        </p:style>
+        <p:txBody>
+          <a:bodyPr rtlCol="0" anchor="ctr"/>
+          <a:p>
+            <a:pPr algn="ctr"/>
+            <a:endParaRPr lang="zh-CN" altLang="en-US"/>
+          </a:p>
+        </p:txBody>
+      </p:sp>
+    </p:spTree>
+  </p:cSld>
+  <p:clrMapOvr>
+    <a:masterClrMapping/>
+  </p:clrMapOvr>
 </p:sld>
 </file>
 
@@ -21291,6 +27501,18 @@
 </p:tagLst>
 </file>
 
+<file path=ppt/tags/tag2.xml><?xml version="1.0" encoding="utf-8"?>
+<p:tagLst xmlns:p="http://schemas.openxmlformats.org/presentationml/2006/main">
+  <p:tag name="KSO_WM_UNIT_DIAGRAM_MODELTYPE" val="dynamicNum"/>
+  <p:tag name="KSO_WM_BEAUTIFY_FLAG" val="#wm#"/>
+  <p:tag name="KSO_WM_UNIT_TYPE" val="ζ_h_f"/>
+  <p:tag name="KSO_WM_UNIT_DYNMNUM_TYPE" val="1"/>
+  <p:tag name="KSO_WM_DYNAMICNUM_SPEED" val="3"/>
+  <p:tag name="KSO_WM_UNIT_DYNMNUM_DGM_ANIMTYPE" val="5"/>
+  <p:tag name="KSO_WM_UNIT_INDEX" val="1606809616425_1_1"/>
+</p:tagLst>
+</file>
+
 <file path=ppt/theme/theme1.xml><?xml version="1.0" encoding="utf-8"?>
 <a:theme xmlns:a="http://schemas.openxmlformats.org/drawingml/2006/main" name="Office 主题">
   <a:themeElements>

--- a/PPT/CorePython.pptx
+++ b/PPT/CorePython.pptx
@@ -21,39 +21,41 @@
     <p:sldId id="266" r:id="rId16"/>
     <p:sldId id="267" r:id="rId17"/>
     <p:sldId id="289" r:id="rId18"/>
-    <p:sldId id="268" r:id="rId19"/>
-    <p:sldId id="269" r:id="rId20"/>
-    <p:sldId id="270" r:id="rId21"/>
-    <p:sldId id="290" r:id="rId22"/>
-    <p:sldId id="291" r:id="rId23"/>
-    <p:sldId id="292" r:id="rId24"/>
-    <p:sldId id="293" r:id="rId25"/>
-    <p:sldId id="294" r:id="rId26"/>
-    <p:sldId id="295" r:id="rId27"/>
-    <p:sldId id="296" r:id="rId28"/>
+    <p:sldId id="300" r:id="rId19"/>
+    <p:sldId id="301" r:id="rId20"/>
+    <p:sldId id="268" r:id="rId21"/>
+    <p:sldId id="269" r:id="rId22"/>
+    <p:sldId id="270" r:id="rId23"/>
+    <p:sldId id="290" r:id="rId24"/>
+    <p:sldId id="291" r:id="rId25"/>
+    <p:sldId id="292" r:id="rId26"/>
+    <p:sldId id="293" r:id="rId27"/>
+    <p:sldId id="294" r:id="rId28"/>
+    <p:sldId id="295" r:id="rId29"/>
+    <p:sldId id="296" r:id="rId30"/>
   </p:sldIdLst>
   <p:sldSz cx="12192000" cy="6858000"/>
   <p:notesSz cx="6858000" cy="9144000"/>
   <p:embeddedFontLst>
     <p:embeddedFont>
       <p:font typeface="Aa小梨涡" panose="02010600010101010101" charset="-122"/>
-      <p:regular r:id="rId32"/>
+      <p:regular r:id="rId34"/>
     </p:embeddedFont>
     <p:embeddedFont>
       <p:font typeface="微软雅黑" panose="020B0503020204020204" charset="-122"/>
-      <p:regular r:id="rId33"/>
+      <p:regular r:id="rId35"/>
     </p:embeddedFont>
     <p:embeddedFont>
       <p:font typeface="Comic Sans MS" panose="030F0702030302020204" charset="0"/>
-      <p:regular r:id="rId34"/>
-      <p:bold r:id="rId35"/>
+      <p:regular r:id="rId36"/>
+      <p:bold r:id="rId37"/>
     </p:embeddedFont>
     <p:embeddedFont>
       <p:font typeface="Calibri" panose="020F0502020204030204" charset="0"/>
-      <p:regular r:id="rId36"/>
-      <p:bold r:id="rId37"/>
-      <p:italic r:id="rId38"/>
-      <p:boldItalic r:id="rId39"/>
+      <p:regular r:id="rId38"/>
+      <p:bold r:id="rId39"/>
+      <p:italic r:id="rId40"/>
+      <p:boldItalic r:id="rId41"/>
     </p:embeddedFont>
   </p:embeddedFontLst>
   <p:defaultTextStyle>
@@ -9309,8 +9311,8 @@
         </p:nvSpPr>
         <p:spPr>
           <a:xfrm>
-            <a:off x="3747135" y="2236470"/>
-            <a:ext cx="4602480" cy="817245"/>
+            <a:off x="3487420" y="2236470"/>
+            <a:ext cx="4862195" cy="817245"/>
           </a:xfrm>
         </p:spPr>
         <p:txBody>
@@ -9330,16 +9332,9 @@
                 <a:latin typeface="Aa小梨涡" panose="02010600010101010101" charset="-122"/>
                 <a:ea typeface="Aa小梨涡" panose="02010600010101010101" charset="-122"/>
               </a:rPr>
-              <a:t>深入浅出</a:t>
-            </a:r>
-            <a:r>
-              <a:rPr lang="zh-CN" altLang="en-US">
-                <a:latin typeface="Aa小梨涡" panose="02010600010101010101" charset="-122"/>
-                <a:ea typeface="Aa小梨涡" panose="02010600010101010101" charset="-122"/>
-              </a:rPr>
-              <a:t>字符串</a:t>
-            </a:r>
-            <a:endParaRPr lang="zh-CN" altLang="en-US">
+              <a:t>深入浅出字符序列</a:t>
+            </a:r>
+            <a:endParaRPr lang="en-US" altLang="zh-CN">
               <a:latin typeface="Aa小梨涡" panose="02010600010101010101" charset="-122"/>
               <a:ea typeface="Aa小梨涡" panose="02010600010101010101" charset="-122"/>
             </a:endParaRPr>
@@ -9642,8 +9637,8 @@
         </p:nvSpPr>
         <p:spPr>
           <a:xfrm>
-            <a:off x="4415790" y="245745"/>
-            <a:ext cx="3502025" cy="817245"/>
+            <a:off x="3837940" y="245745"/>
+            <a:ext cx="4079875" cy="817245"/>
           </a:xfrm>
         </p:spPr>
         <p:txBody>
@@ -9663,7 +9658,7 @@
                 <a:latin typeface="Aa小梨涡" panose="02010600010101010101" charset="-122"/>
                 <a:ea typeface="Aa小梨涡" panose="02010600010101010101" charset="-122"/>
               </a:rPr>
-              <a:t>字符串基础</a:t>
+              <a:t>字符序列基础</a:t>
             </a:r>
             <a:endParaRPr lang="zh-CN" altLang="en-US">
               <a:latin typeface="Aa小梨涡" panose="02010600010101010101" charset="-122"/>
@@ -9767,6 +9762,2466 @@
       </p:sp>
       <p:sp>
         <p:nvSpPr>
+          <p:cNvPr id="4" name="文本框 3"/>
+          <p:cNvSpPr txBox="1"/>
+          <p:nvPr/>
+        </p:nvSpPr>
+        <p:spPr>
+          <a:xfrm>
+            <a:off x="455295" y="1214120"/>
+            <a:ext cx="11281410" cy="5477510"/>
+          </a:xfrm>
+          <a:prstGeom prst="rect">
+            <a:avLst/>
+          </a:prstGeom>
+          <a:noFill/>
+          <a:ln>
+            <a:noFill/>
+          </a:ln>
+        </p:spPr>
+        <p:txBody>
+          <a:bodyPr wrap="square" rtlCol="0">
+            <a:spAutoFit/>
+          </a:bodyPr>
+          <a:p>
+            <a:pPr fontAlgn="auto">
+              <a:lnSpc>
+                <a:spcPts val="3500"/>
+              </a:lnSpc>
+            </a:pPr>
+            <a:r>
+              <a:rPr lang="en-US" altLang="zh-CN" sz="2200">
+                <a:latin typeface="Aa小梨涡" panose="02010600010101010101" charset="-122"/>
+                <a:ea typeface="Aa小梨涡" panose="02010600010101010101" charset="-122"/>
+                <a:cs typeface="Aa小梨涡" panose="02010600010101010101" charset="-122"/>
+                <a:sym typeface="+mn-ea"/>
+              </a:rPr>
+              <a:t>1. ASCII ,Unicode</a:t>
+            </a:r>
+            <a:r>
+              <a:rPr lang="zh-CN" altLang="en-US" sz="2200">
+                <a:latin typeface="Aa小梨涡" panose="02010600010101010101" charset="-122"/>
+                <a:ea typeface="Aa小梨涡" panose="02010600010101010101" charset="-122"/>
+                <a:cs typeface="Aa小梨涡" panose="02010600010101010101" charset="-122"/>
+                <a:sym typeface="+mn-ea"/>
+              </a:rPr>
+              <a:t>与</a:t>
+            </a:r>
+            <a:r>
+              <a:rPr lang="en-US" altLang="zh-CN" sz="2200">
+                <a:latin typeface="Aa小梨涡" panose="02010600010101010101" charset="-122"/>
+                <a:ea typeface="Aa小梨涡" panose="02010600010101010101" charset="-122"/>
+                <a:cs typeface="Aa小梨涡" panose="02010600010101010101" charset="-122"/>
+                <a:sym typeface="+mn-ea"/>
+              </a:rPr>
+              <a:t>UTF</a:t>
+            </a:r>
+            <a:endParaRPr lang="en-US" altLang="zh-CN" sz="2200">
+              <a:latin typeface="Aa小梨涡" panose="02010600010101010101" charset="-122"/>
+              <a:ea typeface="Aa小梨涡" panose="02010600010101010101" charset="-122"/>
+              <a:cs typeface="Aa小梨涡" panose="02010600010101010101" charset="-122"/>
+              <a:sym typeface="+mn-ea"/>
+            </a:endParaRPr>
+          </a:p>
+          <a:p>
+            <a:pPr fontAlgn="auto">
+              <a:lnSpc>
+                <a:spcPts val="3500"/>
+              </a:lnSpc>
+            </a:pPr>
+            <a:r>
+              <a:rPr lang="zh-CN" altLang="en-US" sz="2200">
+                <a:latin typeface="Aa小梨涡" panose="02010600010101010101" charset="-122"/>
+                <a:ea typeface="Aa小梨涡" panose="02010600010101010101" charset="-122"/>
+                <a:cs typeface="Aa小梨涡" panose="02010600010101010101" charset="-122"/>
+                <a:sym typeface="+mn-ea"/>
+              </a:rPr>
+              <a:t>       上</a:t>
+            </a:r>
+            <a:r>
+              <a:rPr lang="en-US" altLang="zh-CN" sz="2200">
+                <a:latin typeface="Aa小梨涡" panose="02010600010101010101" charset="-122"/>
+                <a:ea typeface="Aa小梨涡" panose="02010600010101010101" charset="-122"/>
+                <a:cs typeface="Aa小梨涡" panose="02010600010101010101" charset="-122"/>
+                <a:sym typeface="+mn-ea"/>
+              </a:rPr>
+              <a:t>个世纪60年代，美国制定了一套</a:t>
+            </a:r>
+            <a:r>
+              <a:rPr lang="zh-CN" altLang="en-US" sz="2200">
+                <a:latin typeface="Aa小梨涡" panose="02010600010101010101" charset="-122"/>
+                <a:ea typeface="Aa小梨涡" panose="02010600010101010101" charset="-122"/>
+                <a:cs typeface="Aa小梨涡" panose="02010600010101010101" charset="-122"/>
+                <a:sym typeface="+mn-ea"/>
+              </a:rPr>
+              <a:t>包含</a:t>
+            </a:r>
+            <a:r>
+              <a:rPr lang="en-US" altLang="zh-CN" sz="2200">
+                <a:latin typeface="Aa小梨涡" panose="02010600010101010101" charset="-122"/>
+                <a:ea typeface="Aa小梨涡" panose="02010600010101010101" charset="-122"/>
+                <a:cs typeface="Aa小梨涡" panose="02010600010101010101" charset="-122"/>
+                <a:sym typeface="+mn-ea"/>
+              </a:rPr>
+              <a:t>128个字符的编码，对英语字符与二进制位之间的关系做了统一规定</a:t>
+            </a:r>
+            <a:r>
+              <a:rPr lang="zh-CN" altLang="en-US" sz="2200">
+                <a:latin typeface="Aa小梨涡" panose="02010600010101010101" charset="-122"/>
+                <a:ea typeface="Aa小梨涡" panose="02010600010101010101" charset="-122"/>
+                <a:cs typeface="Aa小梨涡" panose="02010600010101010101" charset="-122"/>
+                <a:sym typeface="+mn-ea"/>
+              </a:rPr>
+              <a:t>，</a:t>
+            </a:r>
+            <a:r>
+              <a:rPr lang="en-US" altLang="zh-CN" sz="2200">
+                <a:latin typeface="Aa小梨涡" panose="02010600010101010101" charset="-122"/>
+                <a:ea typeface="Aa小梨涡" panose="02010600010101010101" charset="-122"/>
+                <a:cs typeface="Aa小梨涡" panose="02010600010101010101" charset="-122"/>
+                <a:sym typeface="+mn-ea"/>
+              </a:rPr>
+              <a:t>这被称为 ASCII 码</a:t>
+            </a:r>
+            <a:r>
+              <a:rPr lang="zh-CN" altLang="en-US" sz="2200">
+                <a:latin typeface="Aa小梨涡" panose="02010600010101010101" charset="-122"/>
+                <a:ea typeface="Aa小梨涡" panose="02010600010101010101" charset="-122"/>
+                <a:cs typeface="Aa小梨涡" panose="02010600010101010101" charset="-122"/>
+                <a:sym typeface="+mn-ea"/>
+              </a:rPr>
+              <a:t>。</a:t>
+            </a:r>
+            <a:endParaRPr lang="zh-CN" altLang="en-US" sz="2200">
+              <a:latin typeface="Aa小梨涡" panose="02010600010101010101" charset="-122"/>
+              <a:ea typeface="Aa小梨涡" panose="02010600010101010101" charset="-122"/>
+              <a:cs typeface="Aa小梨涡" panose="02010600010101010101" charset="-122"/>
+              <a:sym typeface="+mn-ea"/>
+            </a:endParaRPr>
+          </a:p>
+          <a:p>
+            <a:pPr fontAlgn="auto">
+              <a:lnSpc>
+                <a:spcPts val="3500"/>
+              </a:lnSpc>
+            </a:pPr>
+            <a:r>
+              <a:rPr lang="zh-CN" altLang="en-US" sz="2200">
+                <a:latin typeface="Aa小梨涡" panose="02010600010101010101" charset="-122"/>
+                <a:ea typeface="Aa小梨涡" panose="02010600010101010101" charset="-122"/>
+                <a:cs typeface="Aa小梨涡" panose="02010600010101010101" charset="-122"/>
+                <a:sym typeface="+mn-ea"/>
+              </a:rPr>
+              <a:t>       随着计算机的普及，</a:t>
+            </a:r>
+            <a:r>
+              <a:rPr lang="en-US" altLang="zh-CN" sz="2200">
+                <a:latin typeface="Aa小梨涡" panose="02010600010101010101" charset="-122"/>
+                <a:ea typeface="Aa小梨涡" panose="02010600010101010101" charset="-122"/>
+                <a:cs typeface="Aa小梨涡" panose="02010600010101010101" charset="-122"/>
+                <a:sym typeface="+mn-ea"/>
+              </a:rPr>
+              <a:t>128</a:t>
+            </a:r>
+            <a:r>
+              <a:rPr lang="zh-CN" altLang="en-US" sz="2200">
+                <a:latin typeface="Aa小梨涡" panose="02010600010101010101" charset="-122"/>
+                <a:ea typeface="Aa小梨涡" panose="02010600010101010101" charset="-122"/>
+                <a:cs typeface="Aa小梨涡" panose="02010600010101010101" charset="-122"/>
+                <a:sym typeface="+mn-ea"/>
+              </a:rPr>
+              <a:t>个字符的编码远远不够，世界各国都退出各自的字符编码方式，为了实现互通，需要有一种编码，将世界上所有的符号都纳入其中，每一个符号都给予一个独一无二的编码，这就是 Unicod</a:t>
+            </a:r>
+            <a:r>
+              <a:rPr lang="en-US" altLang="zh-CN" sz="2200">
+                <a:latin typeface="Aa小梨涡" panose="02010600010101010101" charset="-122"/>
+                <a:ea typeface="Aa小梨涡" panose="02010600010101010101" charset="-122"/>
+                <a:cs typeface="Aa小梨涡" panose="02010600010101010101" charset="-122"/>
+                <a:sym typeface="+mn-ea"/>
+              </a:rPr>
+              <a:t>e</a:t>
+            </a:r>
+            <a:r>
+              <a:rPr lang="zh-CN" altLang="en-US" sz="2200">
+                <a:latin typeface="Aa小梨涡" panose="02010600010101010101" charset="-122"/>
+                <a:ea typeface="Aa小梨涡" panose="02010600010101010101" charset="-122"/>
+                <a:cs typeface="Aa小梨涡" panose="02010600010101010101" charset="-122"/>
+                <a:sym typeface="+mn-ea"/>
+              </a:rPr>
+              <a:t>。例如，U+0041表示英语的大写字母</a:t>
+            </a:r>
+            <a:r>
+              <a:rPr lang="en-US" altLang="zh-CN" sz="2200">
+                <a:latin typeface="Aa小梨涡" panose="02010600010101010101" charset="-122"/>
+                <a:ea typeface="Aa小梨涡" panose="02010600010101010101" charset="-122"/>
+                <a:cs typeface="Aa小梨涡" panose="02010600010101010101" charset="-122"/>
+                <a:sym typeface="+mn-ea"/>
+              </a:rPr>
+              <a:t>“</a:t>
+            </a:r>
+            <a:r>
+              <a:rPr lang="zh-CN" altLang="en-US" sz="2200">
+                <a:latin typeface="Aa小梨涡" panose="02010600010101010101" charset="-122"/>
+                <a:ea typeface="Aa小梨涡" panose="02010600010101010101" charset="-122"/>
+                <a:cs typeface="Aa小梨涡" panose="02010600010101010101" charset="-122"/>
+                <a:sym typeface="+mn-ea"/>
+              </a:rPr>
+              <a:t>A</a:t>
+            </a:r>
+            <a:r>
+              <a:rPr lang="en-US" altLang="zh-CN" sz="2200">
+                <a:latin typeface="Aa小梨涡" panose="02010600010101010101" charset="-122"/>
+                <a:ea typeface="Aa小梨涡" panose="02010600010101010101" charset="-122"/>
+                <a:cs typeface="Aa小梨涡" panose="02010600010101010101" charset="-122"/>
+                <a:sym typeface="+mn-ea"/>
+              </a:rPr>
+              <a:t>”</a:t>
+            </a:r>
+            <a:r>
+              <a:rPr lang="zh-CN" altLang="en-US" sz="2200">
+                <a:latin typeface="Aa小梨涡" panose="02010600010101010101" charset="-122"/>
+                <a:ea typeface="Aa小梨涡" panose="02010600010101010101" charset="-122"/>
+                <a:cs typeface="Aa小梨涡" panose="02010600010101010101" charset="-122"/>
+                <a:sym typeface="+mn-ea"/>
+              </a:rPr>
+              <a:t>，U+4E25表示汉字</a:t>
+            </a:r>
+            <a:r>
+              <a:rPr lang="en-US" altLang="zh-CN" sz="2200">
+                <a:latin typeface="Aa小梨涡" panose="02010600010101010101" charset="-122"/>
+                <a:ea typeface="Aa小梨涡" panose="02010600010101010101" charset="-122"/>
+                <a:cs typeface="Aa小梨涡" panose="02010600010101010101" charset="-122"/>
+                <a:sym typeface="+mn-ea"/>
+              </a:rPr>
+              <a:t>“</a:t>
+            </a:r>
+            <a:r>
+              <a:rPr lang="zh-CN" altLang="en-US" sz="2200">
+                <a:latin typeface="Aa小梨涡" panose="02010600010101010101" charset="-122"/>
+                <a:ea typeface="Aa小梨涡" panose="02010600010101010101" charset="-122"/>
+                <a:cs typeface="Aa小梨涡" panose="02010600010101010101" charset="-122"/>
+                <a:sym typeface="+mn-ea"/>
+              </a:rPr>
+              <a:t>严</a:t>
+            </a:r>
+            <a:r>
+              <a:rPr lang="en-US" altLang="zh-CN" sz="2200">
+                <a:latin typeface="Aa小梨涡" panose="02010600010101010101" charset="-122"/>
+                <a:ea typeface="Aa小梨涡" panose="02010600010101010101" charset="-122"/>
+                <a:cs typeface="Aa小梨涡" panose="02010600010101010101" charset="-122"/>
+                <a:sym typeface="+mn-ea"/>
+              </a:rPr>
+              <a:t>”</a:t>
+            </a:r>
+            <a:r>
+              <a:rPr lang="zh-CN" altLang="en-US" sz="2200">
+                <a:latin typeface="Aa小梨涡" panose="02010600010101010101" charset="-122"/>
+                <a:ea typeface="Aa小梨涡" panose="02010600010101010101" charset="-122"/>
+                <a:cs typeface="Aa小梨涡" panose="02010600010101010101" charset="-122"/>
+                <a:sym typeface="+mn-ea"/>
+              </a:rPr>
+              <a:t>。</a:t>
+            </a:r>
+            <a:endParaRPr lang="en-US" altLang="zh-CN" sz="2200">
+              <a:latin typeface="Aa小梨涡" panose="02010600010101010101" charset="-122"/>
+              <a:ea typeface="Aa小梨涡" panose="02010600010101010101" charset="-122"/>
+              <a:cs typeface="Aa小梨涡" panose="02010600010101010101" charset="-122"/>
+              <a:sym typeface="+mn-ea"/>
+            </a:endParaRPr>
+          </a:p>
+          <a:p>
+            <a:pPr fontAlgn="auto">
+              <a:lnSpc>
+                <a:spcPts val="3500"/>
+              </a:lnSpc>
+            </a:pPr>
+            <a:r>
+              <a:rPr lang="en-US" altLang="zh-CN" sz="2200">
+                <a:latin typeface="Aa小梨涡" panose="02010600010101010101" charset="-122"/>
+                <a:ea typeface="Aa小梨涡" panose="02010600010101010101" charset="-122"/>
+                <a:cs typeface="Aa小梨涡" panose="02010600010101010101" charset="-122"/>
+                <a:sym typeface="+mn-ea"/>
+              </a:rPr>
+              <a:t>       UTF-8</a:t>
+            </a:r>
+            <a:r>
+              <a:rPr lang="zh-CN" altLang="en-US" sz="2200">
+                <a:latin typeface="Aa小梨涡" panose="02010600010101010101" charset="-122"/>
+                <a:ea typeface="Aa小梨涡" panose="02010600010101010101" charset="-122"/>
+                <a:cs typeface="Aa小梨涡" panose="02010600010101010101" charset="-122"/>
+                <a:sym typeface="+mn-ea"/>
+              </a:rPr>
+              <a:t>（</a:t>
+            </a:r>
+            <a:r>
+              <a:rPr lang="zh-CN" altLang="en-US" sz="2200">
+                <a:latin typeface="Aa小梨涡" panose="02010600010101010101" charset="-122"/>
+                <a:ea typeface="Aa小梨涡" panose="02010600010101010101" charset="-122"/>
+                <a:cs typeface="Aa小梨涡" panose="02010600010101010101" charset="-122"/>
+                <a:sym typeface="+mn-ea"/>
+              </a:rPr>
+              <a:t>Unicode Transformation Format</a:t>
+            </a:r>
+            <a:r>
+              <a:rPr lang="en-US" altLang="zh-CN" sz="2200">
+                <a:latin typeface="Aa小梨涡" panose="02010600010101010101" charset="-122"/>
+                <a:ea typeface="Aa小梨涡" panose="02010600010101010101" charset="-122"/>
+                <a:cs typeface="Aa小梨涡" panose="02010600010101010101" charset="-122"/>
+                <a:sym typeface="+mn-ea"/>
+              </a:rPr>
+              <a:t>-8</a:t>
+            </a:r>
+            <a:r>
+              <a:rPr lang="zh-CN" altLang="en-US" sz="2200">
+                <a:latin typeface="Aa小梨涡" panose="02010600010101010101" charset="-122"/>
+                <a:ea typeface="Aa小梨涡" panose="02010600010101010101" charset="-122"/>
+                <a:cs typeface="Aa小梨涡" panose="02010600010101010101" charset="-122"/>
+                <a:sym typeface="+mn-ea"/>
+              </a:rPr>
+              <a:t>）</a:t>
+            </a:r>
+            <a:r>
+              <a:rPr lang="en-US" altLang="zh-CN" sz="2200">
+                <a:latin typeface="Aa小梨涡" panose="02010600010101010101" charset="-122"/>
+                <a:ea typeface="Aa小梨涡" panose="02010600010101010101" charset="-122"/>
+                <a:cs typeface="Aa小梨涡" panose="02010600010101010101" charset="-122"/>
+                <a:sym typeface="+mn-ea"/>
+              </a:rPr>
+              <a:t>是在互联网上使用最广的一种 Unicode 的实现方式</a:t>
+            </a:r>
+            <a:r>
+              <a:rPr lang="zh-CN" altLang="en-US" sz="2200">
+                <a:latin typeface="Aa小梨涡" panose="02010600010101010101" charset="-122"/>
+                <a:ea typeface="Aa小梨涡" panose="02010600010101010101" charset="-122"/>
+                <a:cs typeface="Aa小梨涡" panose="02010600010101010101" charset="-122"/>
+                <a:sym typeface="+mn-ea"/>
+              </a:rPr>
+              <a:t>，其他实现方式还包括 UTF-16和 UTF-32。UTF-8 的特点是</a:t>
+            </a:r>
+            <a:endParaRPr lang="zh-CN" altLang="en-US" sz="2200">
+              <a:latin typeface="Aa小梨涡" panose="02010600010101010101" charset="-122"/>
+              <a:ea typeface="Aa小梨涡" panose="02010600010101010101" charset="-122"/>
+              <a:cs typeface="Aa小梨涡" panose="02010600010101010101" charset="-122"/>
+              <a:sym typeface="+mn-ea"/>
+            </a:endParaRPr>
+          </a:p>
+          <a:p>
+            <a:pPr fontAlgn="auto">
+              <a:lnSpc>
+                <a:spcPts val="3500"/>
+              </a:lnSpc>
+            </a:pPr>
+            <a:r>
+              <a:rPr lang="zh-CN" altLang="en-US" sz="2200">
+                <a:latin typeface="Aa小梨涡" panose="02010600010101010101" charset="-122"/>
+                <a:ea typeface="Aa小梨涡" panose="02010600010101010101" charset="-122"/>
+                <a:cs typeface="Aa小梨涡" panose="02010600010101010101" charset="-122"/>
+                <a:sym typeface="+mn-ea"/>
+              </a:rPr>
+              <a:t>       </a:t>
+            </a:r>
+            <a:r>
+              <a:rPr lang="zh-CN" altLang="en-US" sz="2200">
+                <a:latin typeface="Calibri" panose="020F0502020204030204" charset="0"/>
+                <a:ea typeface="Aa小梨涡" panose="02010600010101010101" charset="-122"/>
+                <a:cs typeface="Aa小梨涡" panose="02010600010101010101" charset="-122"/>
+                <a:sym typeface="+mn-ea"/>
+              </a:rPr>
+              <a:t>① ASCII 安全的</a:t>
+            </a:r>
+            <a:r>
+              <a:rPr lang="zh-CN" altLang="en-US" sz="2200">
+                <a:latin typeface="Aa小梨涡" panose="02010600010101010101" charset="-122"/>
+                <a:ea typeface="Aa小梨涡" panose="02010600010101010101" charset="-122"/>
+                <a:cs typeface="Aa小梨涡" panose="02010600010101010101" charset="-122"/>
+                <a:sym typeface="+mn-ea"/>
+              </a:rPr>
+              <a:t>变长编码方式，</a:t>
+            </a:r>
+            <a:r>
+              <a:rPr sz="2200">
+                <a:latin typeface="Aa小梨涡" panose="02010600010101010101" charset="-122"/>
+                <a:ea typeface="Aa小梨涡" panose="02010600010101010101" charset="-122"/>
+                <a:cs typeface="Aa小梨涡" panose="02010600010101010101" charset="-122"/>
+                <a:sym typeface="+mn-ea"/>
+              </a:rPr>
+              <a:t>ASCII 和控制字符 由通常的单字节代码表示，但其他字符变为双字节或更多字节</a:t>
+            </a:r>
+            <a:r>
+              <a:rPr lang="zh-CN" sz="2200">
+                <a:latin typeface="Aa小梨涡" panose="02010600010101010101" charset="-122"/>
+                <a:ea typeface="Aa小梨涡" panose="02010600010101010101" charset="-122"/>
+                <a:cs typeface="Aa小梨涡" panose="02010600010101010101" charset="-122"/>
+                <a:sym typeface="+mn-ea"/>
+              </a:rPr>
+              <a:t>，例如</a:t>
+            </a:r>
+            <a:r>
+              <a:rPr lang="en-US" altLang="zh-CN" sz="2200">
+                <a:latin typeface="Aa小梨涡" panose="02010600010101010101" charset="-122"/>
+                <a:ea typeface="Aa小梨涡" panose="02010600010101010101" charset="-122"/>
+                <a:cs typeface="Aa小梨涡" panose="02010600010101010101" charset="-122"/>
+                <a:sym typeface="+mn-ea"/>
+              </a:rPr>
+              <a:t>“</a:t>
+            </a:r>
+            <a:r>
+              <a:rPr lang="zh-CN" sz="2200">
+                <a:latin typeface="Aa小梨涡" panose="02010600010101010101" charset="-122"/>
+                <a:ea typeface="Aa小梨涡" panose="02010600010101010101" charset="-122"/>
+                <a:cs typeface="Aa小梨涡" panose="02010600010101010101" charset="-122"/>
+                <a:sym typeface="+mn-ea"/>
+              </a:rPr>
+              <a:t>严</a:t>
+            </a:r>
+            <a:r>
+              <a:rPr lang="en-US" altLang="zh-CN" sz="2200">
+                <a:latin typeface="Aa小梨涡" panose="02010600010101010101" charset="-122"/>
+                <a:ea typeface="Aa小梨涡" panose="02010600010101010101" charset="-122"/>
+                <a:cs typeface="Aa小梨涡" panose="02010600010101010101" charset="-122"/>
+                <a:sym typeface="+mn-ea"/>
+              </a:rPr>
+              <a:t>”</a:t>
+            </a:r>
+            <a:r>
+              <a:rPr lang="zh-CN" sz="2200">
+                <a:latin typeface="Aa小梨涡" panose="02010600010101010101" charset="-122"/>
+                <a:ea typeface="Aa小梨涡" panose="02010600010101010101" charset="-122"/>
+                <a:cs typeface="Aa小梨涡" panose="02010600010101010101" charset="-122"/>
+                <a:sym typeface="+mn-ea"/>
+              </a:rPr>
+              <a:t>的 UTF-8 编码是E4B8A5</a:t>
+            </a:r>
+            <a:r>
+              <a:rPr lang="zh-CN" sz="2200">
+                <a:latin typeface="Aa小梨涡" panose="02010600010101010101" charset="-122"/>
+                <a:ea typeface="Aa小梨涡" panose="02010600010101010101" charset="-122"/>
+                <a:cs typeface="Aa小梨涡" panose="02010600010101010101" charset="-122"/>
+                <a:sym typeface="+mn-ea"/>
+              </a:rPr>
+              <a:t>；</a:t>
+            </a:r>
+            <a:endParaRPr lang="zh-CN" sz="2200">
+              <a:latin typeface="Aa小梨涡" panose="02010600010101010101" charset="-122"/>
+              <a:ea typeface="Aa小梨涡" panose="02010600010101010101" charset="-122"/>
+              <a:cs typeface="Aa小梨涡" panose="02010600010101010101" charset="-122"/>
+              <a:sym typeface="+mn-ea"/>
+            </a:endParaRPr>
+          </a:p>
+          <a:p>
+            <a:pPr fontAlgn="auto">
+              <a:lnSpc>
+                <a:spcPts val="3500"/>
+              </a:lnSpc>
+            </a:pPr>
+            <a:r>
+              <a:rPr lang="zh-CN" sz="2200">
+                <a:latin typeface="Aa小梨涡" panose="02010600010101010101" charset="-122"/>
+                <a:ea typeface="Aa小梨涡" panose="02010600010101010101" charset="-122"/>
+                <a:cs typeface="Aa小梨涡" panose="02010600010101010101" charset="-122"/>
+                <a:sym typeface="+mn-ea"/>
+              </a:rPr>
+              <a:t>       </a:t>
+            </a:r>
+            <a:r>
+              <a:rPr lang="zh-CN" sz="2200">
+                <a:latin typeface="Calibri" panose="020F0502020204030204" charset="0"/>
+                <a:ea typeface="Aa小梨涡" panose="02010600010101010101" charset="-122"/>
+                <a:cs typeface="Aa小梨涡" panose="02010600010101010101" charset="-122"/>
+                <a:sym typeface="+mn-ea"/>
+              </a:rPr>
+              <a:t>②</a:t>
+            </a:r>
+            <a:r>
+              <a:rPr lang="zh-CN" sz="2200">
+                <a:latin typeface="Calibri" panose="020F0502020204030204" charset="0"/>
+                <a:ea typeface="Aa小梨涡" panose="02010600010101010101" charset="-122"/>
+                <a:cs typeface="Aa小梨涡" panose="02010600010101010101" charset="-122"/>
+                <a:sym typeface="+mn-ea"/>
+              </a:rPr>
+              <a:t>编码本身就包含</a:t>
+            </a:r>
+            <a:r>
+              <a:rPr lang="zh-CN" sz="2200">
+                <a:latin typeface="Calibri" panose="020F0502020204030204" charset="0"/>
+                <a:ea typeface="Aa小梨涡" panose="02010600010101010101" charset="-122"/>
+                <a:cs typeface="Aa小梨涡" panose="02010600010101010101" charset="-122"/>
+                <a:sym typeface="+mn-ea"/>
+              </a:rPr>
+              <a:t>字符占用的字节数，可以轻松界定出串中字符的边界。</a:t>
+            </a:r>
+            <a:endParaRPr lang="zh-CN" sz="2200">
+              <a:latin typeface="Calibri" panose="020F0502020204030204" charset="0"/>
+              <a:ea typeface="Aa小梨涡" panose="02010600010101010101" charset="-122"/>
+              <a:cs typeface="Aa小梨涡" panose="02010600010101010101" charset="-122"/>
+              <a:sym typeface="+mn-ea"/>
+            </a:endParaRPr>
+          </a:p>
+        </p:txBody>
+      </p:sp>
+      <p:sp>
+        <p:nvSpPr>
+          <p:cNvPr id="7" name="任意多边形 6"/>
+          <p:cNvSpPr/>
+          <p:nvPr/>
+        </p:nvSpPr>
+        <p:spPr>
+          <a:xfrm>
+            <a:off x="4355465" y="2174875"/>
+            <a:ext cx="1273810" cy="412115"/>
+          </a:xfrm>
+          <a:custGeom>
+            <a:avLst/>
+            <a:gdLst>
+              <a:gd name="connsiteX0" fmla="*/ 1359 w 2717"/>
+              <a:gd name="connsiteY0" fmla="*/ 0 h 649"/>
+              <a:gd name="connsiteX1" fmla="*/ 2717 w 2717"/>
+              <a:gd name="connsiteY1" fmla="*/ 325 h 649"/>
+              <a:gd name="connsiteX2" fmla="*/ 1359 w 2717"/>
+              <a:gd name="connsiteY2" fmla="*/ 649 h 649"/>
+              <a:gd name="connsiteX3" fmla="*/ 0 w 2717"/>
+              <a:gd name="connsiteY3" fmla="*/ 325 h 649"/>
+              <a:gd name="connsiteX4" fmla="*/ 1524 w 2717"/>
+              <a:gd name="connsiteY4" fmla="*/ 165 h 649"/>
+            </a:gdLst>
+            <a:ahLst/>
+            <a:cxnLst>
+              <a:cxn ang="0">
+                <a:pos x="connsiteX0" y="connsiteY0"/>
+              </a:cxn>
+              <a:cxn ang="0">
+                <a:pos x="connsiteX1" y="connsiteY1"/>
+              </a:cxn>
+              <a:cxn ang="0">
+                <a:pos x="connsiteX2" y="connsiteY2"/>
+              </a:cxn>
+              <a:cxn ang="0">
+                <a:pos x="connsiteX3" y="connsiteY3"/>
+              </a:cxn>
+              <a:cxn ang="0">
+                <a:pos x="connsiteX4" y="connsiteY4"/>
+              </a:cxn>
+            </a:cxnLst>
+            <a:rect l="l" t="t" r="r" b="b"/>
+            <a:pathLst>
+              <a:path w="2717" h="649">
+                <a:moveTo>
+                  <a:pt x="1359" y="0"/>
+                </a:moveTo>
+                <a:cubicBezTo>
+                  <a:pt x="2109" y="0"/>
+                  <a:pt x="2717" y="145"/>
+                  <a:pt x="2717" y="325"/>
+                </a:cubicBezTo>
+                <a:cubicBezTo>
+                  <a:pt x="2717" y="504"/>
+                  <a:pt x="2109" y="649"/>
+                  <a:pt x="1359" y="649"/>
+                </a:cubicBezTo>
+                <a:cubicBezTo>
+                  <a:pt x="608" y="649"/>
+                  <a:pt x="0" y="504"/>
+                  <a:pt x="0" y="325"/>
+                </a:cubicBezTo>
+                <a:cubicBezTo>
+                  <a:pt x="0" y="145"/>
+                  <a:pt x="608" y="0"/>
+                  <a:pt x="1524" y="165"/>
+                </a:cubicBezTo>
+              </a:path>
+            </a:pathLst>
+          </a:custGeom>
+          <a:noFill/>
+          <a:ln>
+            <a:solidFill>
+              <a:srgbClr val="FF0000"/>
+            </a:solidFill>
+            <a:prstDash val="solid"/>
+          </a:ln>
+          <a:effectLst/>
+        </p:spPr>
+        <p:txBody>
+          <a:bodyPr/>
+          <a:p>
+            <a:pPr eaLnBrk="1" hangingPunct="1">
+              <a:spcBef>
+                <a:spcPct val="0"/>
+              </a:spcBef>
+              <a:buFontTx/>
+              <a:buNone/>
+            </a:pPr>
+            <a:endParaRPr lang="zh-CN" altLang="en-US" sz="1800">
+              <a:solidFill>
+                <a:schemeClr val="tx1"/>
+              </a:solidFill>
+              <a:ea typeface="宋体" panose="02010600030101010101" pitchFamily="2" charset="-122"/>
+            </a:endParaRPr>
+          </a:p>
+        </p:txBody>
+      </p:sp>
+      <p:sp>
+        <p:nvSpPr>
+          <p:cNvPr id="6" name="任意多边形 5"/>
+          <p:cNvSpPr/>
+          <p:nvPr/>
+        </p:nvSpPr>
+        <p:spPr>
+          <a:xfrm>
+            <a:off x="3837940" y="3502660"/>
+            <a:ext cx="1273810" cy="412115"/>
+          </a:xfrm>
+          <a:custGeom>
+            <a:avLst/>
+            <a:gdLst>
+              <a:gd name="connsiteX0" fmla="*/ 1359 w 2717"/>
+              <a:gd name="connsiteY0" fmla="*/ 0 h 649"/>
+              <a:gd name="connsiteX1" fmla="*/ 2717 w 2717"/>
+              <a:gd name="connsiteY1" fmla="*/ 325 h 649"/>
+              <a:gd name="connsiteX2" fmla="*/ 1359 w 2717"/>
+              <a:gd name="connsiteY2" fmla="*/ 649 h 649"/>
+              <a:gd name="connsiteX3" fmla="*/ 0 w 2717"/>
+              <a:gd name="connsiteY3" fmla="*/ 325 h 649"/>
+              <a:gd name="connsiteX4" fmla="*/ 1524 w 2717"/>
+              <a:gd name="connsiteY4" fmla="*/ 165 h 649"/>
+            </a:gdLst>
+            <a:ahLst/>
+            <a:cxnLst>
+              <a:cxn ang="0">
+                <a:pos x="connsiteX0" y="connsiteY0"/>
+              </a:cxn>
+              <a:cxn ang="0">
+                <a:pos x="connsiteX1" y="connsiteY1"/>
+              </a:cxn>
+              <a:cxn ang="0">
+                <a:pos x="connsiteX2" y="connsiteY2"/>
+              </a:cxn>
+              <a:cxn ang="0">
+                <a:pos x="connsiteX3" y="connsiteY3"/>
+              </a:cxn>
+              <a:cxn ang="0">
+                <a:pos x="connsiteX4" y="connsiteY4"/>
+              </a:cxn>
+            </a:cxnLst>
+            <a:rect l="l" t="t" r="r" b="b"/>
+            <a:pathLst>
+              <a:path w="2717" h="649">
+                <a:moveTo>
+                  <a:pt x="1359" y="0"/>
+                </a:moveTo>
+                <a:cubicBezTo>
+                  <a:pt x="2109" y="0"/>
+                  <a:pt x="2717" y="145"/>
+                  <a:pt x="2717" y="325"/>
+                </a:cubicBezTo>
+                <a:cubicBezTo>
+                  <a:pt x="2717" y="504"/>
+                  <a:pt x="2109" y="649"/>
+                  <a:pt x="1359" y="649"/>
+                </a:cubicBezTo>
+                <a:cubicBezTo>
+                  <a:pt x="608" y="649"/>
+                  <a:pt x="0" y="504"/>
+                  <a:pt x="0" y="325"/>
+                </a:cubicBezTo>
+                <a:cubicBezTo>
+                  <a:pt x="0" y="145"/>
+                  <a:pt x="608" y="0"/>
+                  <a:pt x="1524" y="165"/>
+                </a:cubicBezTo>
+              </a:path>
+            </a:pathLst>
+          </a:custGeom>
+          <a:noFill/>
+          <a:ln>
+            <a:solidFill>
+              <a:srgbClr val="FF0000"/>
+            </a:solidFill>
+            <a:prstDash val="solid"/>
+          </a:ln>
+          <a:effectLst/>
+        </p:spPr>
+        <p:txBody>
+          <a:bodyPr/>
+          <a:p>
+            <a:pPr eaLnBrk="1" hangingPunct="1">
+              <a:spcBef>
+                <a:spcPct val="0"/>
+              </a:spcBef>
+              <a:buFontTx/>
+              <a:buNone/>
+            </a:pPr>
+            <a:endParaRPr lang="zh-CN" altLang="en-US" sz="1800">
+              <a:solidFill>
+                <a:schemeClr val="tx1"/>
+              </a:solidFill>
+              <a:ea typeface="宋体" panose="02010600030101010101" pitchFamily="2" charset="-122"/>
+            </a:endParaRPr>
+          </a:p>
+        </p:txBody>
+      </p:sp>
+      <p:sp>
+        <p:nvSpPr>
+          <p:cNvPr id="10" name="任意多边形 9"/>
+          <p:cNvSpPr/>
+          <p:nvPr/>
+        </p:nvSpPr>
+        <p:spPr>
+          <a:xfrm>
+            <a:off x="849630" y="4388485"/>
+            <a:ext cx="1134110" cy="412115"/>
+          </a:xfrm>
+          <a:custGeom>
+            <a:avLst/>
+            <a:gdLst>
+              <a:gd name="connsiteX0" fmla="*/ 1359 w 2717"/>
+              <a:gd name="connsiteY0" fmla="*/ 0 h 649"/>
+              <a:gd name="connsiteX1" fmla="*/ 2717 w 2717"/>
+              <a:gd name="connsiteY1" fmla="*/ 325 h 649"/>
+              <a:gd name="connsiteX2" fmla="*/ 1359 w 2717"/>
+              <a:gd name="connsiteY2" fmla="*/ 649 h 649"/>
+              <a:gd name="connsiteX3" fmla="*/ 0 w 2717"/>
+              <a:gd name="connsiteY3" fmla="*/ 325 h 649"/>
+              <a:gd name="connsiteX4" fmla="*/ 1524 w 2717"/>
+              <a:gd name="connsiteY4" fmla="*/ 165 h 649"/>
+            </a:gdLst>
+            <a:ahLst/>
+            <a:cxnLst>
+              <a:cxn ang="0">
+                <a:pos x="connsiteX0" y="connsiteY0"/>
+              </a:cxn>
+              <a:cxn ang="0">
+                <a:pos x="connsiteX1" y="connsiteY1"/>
+              </a:cxn>
+              <a:cxn ang="0">
+                <a:pos x="connsiteX2" y="connsiteY2"/>
+              </a:cxn>
+              <a:cxn ang="0">
+                <a:pos x="connsiteX3" y="connsiteY3"/>
+              </a:cxn>
+              <a:cxn ang="0">
+                <a:pos x="connsiteX4" y="connsiteY4"/>
+              </a:cxn>
+            </a:cxnLst>
+            <a:rect l="l" t="t" r="r" b="b"/>
+            <a:pathLst>
+              <a:path w="2717" h="649">
+                <a:moveTo>
+                  <a:pt x="1359" y="0"/>
+                </a:moveTo>
+                <a:cubicBezTo>
+                  <a:pt x="2109" y="0"/>
+                  <a:pt x="2717" y="145"/>
+                  <a:pt x="2717" y="325"/>
+                </a:cubicBezTo>
+                <a:cubicBezTo>
+                  <a:pt x="2717" y="504"/>
+                  <a:pt x="2109" y="649"/>
+                  <a:pt x="1359" y="649"/>
+                </a:cubicBezTo>
+                <a:cubicBezTo>
+                  <a:pt x="608" y="649"/>
+                  <a:pt x="0" y="504"/>
+                  <a:pt x="0" y="325"/>
+                </a:cubicBezTo>
+                <a:cubicBezTo>
+                  <a:pt x="0" y="145"/>
+                  <a:pt x="608" y="0"/>
+                  <a:pt x="1524" y="165"/>
+                </a:cubicBezTo>
+              </a:path>
+            </a:pathLst>
+          </a:custGeom>
+          <a:noFill/>
+          <a:ln>
+            <a:solidFill>
+              <a:srgbClr val="FF0000"/>
+            </a:solidFill>
+            <a:prstDash val="solid"/>
+          </a:ln>
+          <a:effectLst/>
+        </p:spPr>
+        <p:txBody>
+          <a:bodyPr/>
+          <a:p>
+            <a:pPr eaLnBrk="1" hangingPunct="1">
+              <a:spcBef>
+                <a:spcPct val="0"/>
+              </a:spcBef>
+              <a:buFontTx/>
+              <a:buNone/>
+            </a:pPr>
+            <a:endParaRPr lang="zh-CN" altLang="en-US" sz="1800">
+              <a:solidFill>
+                <a:schemeClr val="tx1"/>
+              </a:solidFill>
+              <a:ea typeface="宋体" panose="02010600030101010101" pitchFamily="2" charset="-122"/>
+            </a:endParaRPr>
+          </a:p>
+        </p:txBody>
+      </p:sp>
+      <p:cxnSp>
+        <p:nvCxnSpPr>
+          <p:cNvPr id="12" name="直接连接符 11"/>
+          <p:cNvCxnSpPr/>
+          <p:nvPr/>
+        </p:nvCxnSpPr>
+        <p:spPr>
+          <a:xfrm flipV="1">
+            <a:off x="9491980" y="4796155"/>
+            <a:ext cx="2040890" cy="31750"/>
+          </a:xfrm>
+          <a:prstGeom prst="line">
+            <a:avLst/>
+          </a:prstGeom>
+          <a:ln w="31750">
+            <a:solidFill>
+              <a:srgbClr val="FF0000"/>
+            </a:solidFill>
+          </a:ln>
+        </p:spPr>
+        <p:style>
+          <a:lnRef idx="1">
+            <a:schemeClr val="accent1"/>
+          </a:lnRef>
+          <a:fillRef idx="0">
+            <a:schemeClr val="accent1"/>
+          </a:fillRef>
+          <a:effectRef idx="0">
+            <a:schemeClr val="accent1"/>
+          </a:effectRef>
+          <a:fontRef idx="minor">
+            <a:schemeClr val="tx1"/>
+          </a:fontRef>
+        </p:style>
+      </p:cxnSp>
+      <p:cxnSp>
+        <p:nvCxnSpPr>
+          <p:cNvPr id="13" name="直接连接符 12"/>
+          <p:cNvCxnSpPr/>
+          <p:nvPr/>
+        </p:nvCxnSpPr>
+        <p:spPr>
+          <a:xfrm flipV="1">
+            <a:off x="545465" y="5225415"/>
+            <a:ext cx="852170" cy="17780"/>
+          </a:xfrm>
+          <a:prstGeom prst="line">
+            <a:avLst/>
+          </a:prstGeom>
+          <a:ln w="31750">
+            <a:solidFill>
+              <a:srgbClr val="FF0000"/>
+            </a:solidFill>
+          </a:ln>
+        </p:spPr>
+        <p:style>
+          <a:lnRef idx="1">
+            <a:schemeClr val="accent1"/>
+          </a:lnRef>
+          <a:fillRef idx="0">
+            <a:schemeClr val="accent1"/>
+          </a:fillRef>
+          <a:effectRef idx="0">
+            <a:schemeClr val="accent1"/>
+          </a:effectRef>
+          <a:fontRef idx="minor">
+            <a:schemeClr val="tx1"/>
+          </a:fontRef>
+        </p:style>
+      </p:cxnSp>
+    </p:spTree>
+  </p:cSld>
+  <p:clrMapOvr>
+    <a:masterClrMapping/>
+  </p:clrMapOvr>
+  <p:timing>
+    <p:tnLst>
+      <p:par>
+        <p:cTn id="1" dur="indefinite" restart="never" nodeType="tmRoot">
+          <p:childTnLst>
+            <p:seq concurrent="1" nextAc="seek">
+              <p:cTn id="2" dur="indefinite" nodeType="mainSeq">
+                <p:childTnLst>
+                  <p:par>
+                    <p:cTn id="3" fill="hold">
+                      <p:stCondLst>
+                        <p:cond delay="indefinite"/>
+                      </p:stCondLst>
+                      <p:childTnLst>
+                        <p:par>
+                          <p:cTn id="4" fill="hold">
+                            <p:stCondLst>
+                              <p:cond delay="0"/>
+                            </p:stCondLst>
+                            <p:childTnLst>
+                              <p:par>
+                                <p:cTn id="5" presetID="1" presetClass="entr" presetSubtype="0" fill="hold" grpId="0" nodeType="clickEffect">
+                                  <p:stCondLst>
+                                    <p:cond delay="0"/>
+                                  </p:stCondLst>
+                                  <p:childTnLst>
+                                    <p:set>
+                                      <p:cBhvr>
+                                        <p:cTn id="6" dur="1" fill="hold">
+                                          <p:stCondLst>
+                                            <p:cond delay="0"/>
+                                          </p:stCondLst>
+                                        </p:cTn>
+                                        <p:tgtEl>
+                                          <p:spTgt spid="4"/>
+                                        </p:tgtEl>
+                                        <p:attrNameLst>
+                                          <p:attrName>style.visibility</p:attrName>
+                                        </p:attrNameLst>
+                                      </p:cBhvr>
+                                      <p:to>
+                                        <p:strVal val="visible"/>
+                                      </p:to>
+                                    </p:set>
+                                  </p:childTnLst>
+                                </p:cTn>
+                              </p:par>
+                              <p:par>
+                                <p:cTn id="7" presetID="22" presetClass="entr" presetSubtype="4" fill="hold" grpId="0" nodeType="withEffect">
+                                  <p:stCondLst>
+                                    <p:cond delay="0"/>
+                                  </p:stCondLst>
+                                  <p:childTnLst>
+                                    <p:set>
+                                      <p:cBhvr>
+                                        <p:cTn id="8" dur="1" fill="hold">
+                                          <p:stCondLst>
+                                            <p:cond delay="0"/>
+                                          </p:stCondLst>
+                                        </p:cTn>
+                                        <p:tgtEl>
+                                          <p:spTgt spid="7"/>
+                                        </p:tgtEl>
+                                        <p:attrNameLst>
+                                          <p:attrName>style.visibility</p:attrName>
+                                        </p:attrNameLst>
+                                      </p:cBhvr>
+                                      <p:to>
+                                        <p:strVal val="visible"/>
+                                      </p:to>
+                                    </p:set>
+                                    <p:animEffect transition="in" filter="wipe(down)">
+                                      <p:cBhvr>
+                                        <p:cTn id="9" dur="500"/>
+                                        <p:tgtEl>
+                                          <p:spTgt spid="7"/>
+                                        </p:tgtEl>
+                                      </p:cBhvr>
+                                    </p:animEffect>
+                                  </p:childTnLst>
+                                </p:cTn>
+                              </p:par>
+                              <p:par>
+                                <p:cTn id="10" presetID="22" presetClass="entr" presetSubtype="4" fill="hold" grpId="0" nodeType="withEffect">
+                                  <p:stCondLst>
+                                    <p:cond delay="0"/>
+                                  </p:stCondLst>
+                                  <p:childTnLst>
+                                    <p:set>
+                                      <p:cBhvr>
+                                        <p:cTn id="11" dur="1" fill="hold">
+                                          <p:stCondLst>
+                                            <p:cond delay="0"/>
+                                          </p:stCondLst>
+                                        </p:cTn>
+                                        <p:tgtEl>
+                                          <p:spTgt spid="6"/>
+                                        </p:tgtEl>
+                                        <p:attrNameLst>
+                                          <p:attrName>style.visibility</p:attrName>
+                                        </p:attrNameLst>
+                                      </p:cBhvr>
+                                      <p:to>
+                                        <p:strVal val="visible"/>
+                                      </p:to>
+                                    </p:set>
+                                    <p:animEffect transition="in" filter="wipe(down)">
+                                      <p:cBhvr>
+                                        <p:cTn id="12" dur="500"/>
+                                        <p:tgtEl>
+                                          <p:spTgt spid="6"/>
+                                        </p:tgtEl>
+                                      </p:cBhvr>
+                                    </p:animEffect>
+                                  </p:childTnLst>
+                                </p:cTn>
+                              </p:par>
+                              <p:par>
+                                <p:cTn id="13" presetID="22" presetClass="entr" presetSubtype="4" fill="hold" grpId="0" nodeType="withEffect">
+                                  <p:stCondLst>
+                                    <p:cond delay="0"/>
+                                  </p:stCondLst>
+                                  <p:childTnLst>
+                                    <p:set>
+                                      <p:cBhvr>
+                                        <p:cTn id="14" dur="1" fill="hold">
+                                          <p:stCondLst>
+                                            <p:cond delay="0"/>
+                                          </p:stCondLst>
+                                        </p:cTn>
+                                        <p:tgtEl>
+                                          <p:spTgt spid="10"/>
+                                        </p:tgtEl>
+                                        <p:attrNameLst>
+                                          <p:attrName>style.visibility</p:attrName>
+                                        </p:attrNameLst>
+                                      </p:cBhvr>
+                                      <p:to>
+                                        <p:strVal val="visible"/>
+                                      </p:to>
+                                    </p:set>
+                                    <p:animEffect transition="in" filter="wipe(down)">
+                                      <p:cBhvr>
+                                        <p:cTn id="15" dur="500"/>
+                                        <p:tgtEl>
+                                          <p:spTgt spid="10"/>
+                                        </p:tgtEl>
+                                      </p:cBhvr>
+                                    </p:animEffect>
+                                  </p:childTnLst>
+                                </p:cTn>
+                              </p:par>
+                              <p:par>
+                                <p:cTn id="16" presetID="22" presetClass="entr" presetSubtype="8" fill="hold" nodeType="withEffect">
+                                  <p:stCondLst>
+                                    <p:cond delay="0"/>
+                                  </p:stCondLst>
+                                  <p:childTnLst>
+                                    <p:set>
+                                      <p:cBhvr>
+                                        <p:cTn id="17" dur="1" fill="hold">
+                                          <p:stCondLst>
+                                            <p:cond delay="0"/>
+                                          </p:stCondLst>
+                                        </p:cTn>
+                                        <p:tgtEl>
+                                          <p:spTgt spid="12"/>
+                                        </p:tgtEl>
+                                        <p:attrNameLst>
+                                          <p:attrName>style.visibility</p:attrName>
+                                        </p:attrNameLst>
+                                      </p:cBhvr>
+                                      <p:to>
+                                        <p:strVal val="visible"/>
+                                      </p:to>
+                                    </p:set>
+                                    <p:animEffect transition="in" filter="wipe(left)">
+                                      <p:cBhvr>
+                                        <p:cTn id="18" dur="500"/>
+                                        <p:tgtEl>
+                                          <p:spTgt spid="12"/>
+                                        </p:tgtEl>
+                                      </p:cBhvr>
+                                    </p:animEffect>
+                                  </p:childTnLst>
+                                </p:cTn>
+                              </p:par>
+                              <p:par>
+                                <p:cTn id="19" presetID="22" presetClass="entr" presetSubtype="8" fill="hold" nodeType="withEffect">
+                                  <p:stCondLst>
+                                    <p:cond delay="0"/>
+                                  </p:stCondLst>
+                                  <p:childTnLst>
+                                    <p:set>
+                                      <p:cBhvr>
+                                        <p:cTn id="20" dur="1" fill="hold">
+                                          <p:stCondLst>
+                                            <p:cond delay="0"/>
+                                          </p:stCondLst>
+                                        </p:cTn>
+                                        <p:tgtEl>
+                                          <p:spTgt spid="13"/>
+                                        </p:tgtEl>
+                                        <p:attrNameLst>
+                                          <p:attrName>style.visibility</p:attrName>
+                                        </p:attrNameLst>
+                                      </p:cBhvr>
+                                      <p:to>
+                                        <p:strVal val="visible"/>
+                                      </p:to>
+                                    </p:set>
+                                    <p:animEffect transition="in" filter="wipe(left)">
+                                      <p:cBhvr>
+                                        <p:cTn id="21" dur="500"/>
+                                        <p:tgtEl>
+                                          <p:spTgt spid="13"/>
+                                        </p:tgtEl>
+                                      </p:cBhvr>
+                                    </p:animEffect>
+                                  </p:childTnLst>
+                                </p:cTn>
+                              </p:par>
+                            </p:childTnLst>
+                          </p:cTn>
+                        </p:par>
+                      </p:childTnLst>
+                    </p:cTn>
+                  </p:par>
+                </p:childTnLst>
+              </p:cTn>
+              <p:prevCondLst>
+                <p:cond evt="onPrev" delay="0">
+                  <p:tgtEl>
+                    <p:sldTgt/>
+                  </p:tgtEl>
+                </p:cond>
+              </p:prevCondLst>
+              <p:nextCondLst>
+                <p:cond evt="onNext" delay="0">
+                  <p:tgtEl>
+                    <p:sldTgt/>
+                  </p:tgtEl>
+                </p:cond>
+              </p:nextCondLst>
+            </p:seq>
+          </p:childTnLst>
+        </p:cTn>
+      </p:par>
+    </p:tnLst>
+    <p:bldLst>
+      <p:bldP spid="4" grpId="0"/>
+      <p:bldP spid="4" grpId="1"/>
+      <p:bldP spid="7" grpId="0" bldLvl="0" animBg="1"/>
+      <p:bldP spid="7" grpId="1" animBg="1"/>
+      <p:bldP spid="6" grpId="0" bldLvl="0" animBg="1"/>
+      <p:bldP spid="6" grpId="1" animBg="1"/>
+      <p:bldP spid="10" grpId="0" bldLvl="0" animBg="1"/>
+      <p:bldP spid="10" grpId="1" animBg="1"/>
+    </p:bldLst>
+  </p:timing>
+</p:sld>
+</file>
+
+<file path=ppt/slides/slide18.xml><?xml version="1.0" encoding="utf-8"?>
+<p:sld xmlns:a="http://schemas.openxmlformats.org/drawingml/2006/main" xmlns:r="http://schemas.openxmlformats.org/officeDocument/2006/relationships" xmlns:p="http://schemas.openxmlformats.org/presentationml/2006/main">
+  <p:cSld>
+    <p:spTree>
+      <p:nvGrpSpPr>
+        <p:cNvPr id="1" name=""/>
+        <p:cNvGrpSpPr/>
+        <p:nvPr/>
+      </p:nvGrpSpPr>
+      <p:grpSpPr/>
+      <p:sp>
+        <p:nvSpPr>
+          <p:cNvPr id="3" name="文本框 2"/>
+          <p:cNvSpPr txBox="1"/>
+          <p:nvPr/>
+        </p:nvSpPr>
+        <p:spPr>
+          <a:xfrm>
+            <a:off x="431165" y="3453765"/>
+            <a:ext cx="11281410" cy="1886585"/>
+          </a:xfrm>
+          <a:prstGeom prst="rect">
+            <a:avLst/>
+          </a:prstGeom>
+          <a:noFill/>
+          <a:ln>
+            <a:noFill/>
+          </a:ln>
+        </p:spPr>
+        <p:txBody>
+          <a:bodyPr wrap="square" rtlCol="0">
+            <a:spAutoFit/>
+          </a:bodyPr>
+          <a:p>
+            <a:pPr fontAlgn="auto">
+              <a:lnSpc>
+                <a:spcPts val="3500"/>
+              </a:lnSpc>
+            </a:pPr>
+            <a:r>
+              <a:rPr lang="en-US" altLang="zh-CN" sz="2200">
+                <a:latin typeface="Aa小梨涡" panose="02010600010101010101" charset="-122"/>
+                <a:ea typeface="Aa小梨涡" panose="02010600010101010101" charset="-122"/>
+                <a:cs typeface="Aa小梨涡" panose="02010600010101010101" charset="-122"/>
+                <a:sym typeface="+mn-ea"/>
+              </a:rPr>
+              <a:t>3. bytes</a:t>
+            </a:r>
+            <a:r>
+              <a:rPr lang="zh-CN" altLang="en-US" sz="2200">
+                <a:latin typeface="Aa小梨涡" panose="02010600010101010101" charset="-122"/>
+                <a:ea typeface="Aa小梨涡" panose="02010600010101010101" charset="-122"/>
+                <a:cs typeface="Aa小梨涡" panose="02010600010101010101" charset="-122"/>
+                <a:sym typeface="+mn-ea"/>
+              </a:rPr>
+              <a:t>和</a:t>
+            </a:r>
+            <a:r>
+              <a:rPr lang="en-US" altLang="zh-CN" sz="2200">
+                <a:latin typeface="Aa小梨涡" panose="02010600010101010101" charset="-122"/>
+                <a:ea typeface="Aa小梨涡" panose="02010600010101010101" charset="-122"/>
+                <a:cs typeface="Aa小梨涡" panose="02010600010101010101" charset="-122"/>
+                <a:sym typeface="+mn-ea"/>
+              </a:rPr>
+              <a:t>str</a:t>
+            </a:r>
+            <a:r>
+              <a:rPr lang="zh-CN" altLang="en-US" sz="2200">
+                <a:latin typeface="Aa小梨涡" panose="02010600010101010101" charset="-122"/>
+                <a:ea typeface="Aa小梨涡" panose="02010600010101010101" charset="-122"/>
+                <a:cs typeface="Aa小梨涡" panose="02010600010101010101" charset="-122"/>
+                <a:sym typeface="+mn-ea"/>
+              </a:rPr>
+              <a:t>的区别</a:t>
+            </a:r>
+            <a:r>
+              <a:rPr lang="en-US" altLang="zh-CN" sz="2200">
+                <a:latin typeface="Aa小梨涡" panose="02010600010101010101" charset="-122"/>
+                <a:ea typeface="Aa小梨涡" panose="02010600010101010101" charset="-122"/>
+                <a:cs typeface="Aa小梨涡" panose="02010600010101010101" charset="-122"/>
+                <a:sym typeface="+mn-ea"/>
+              </a:rPr>
+              <a:t>  </a:t>
+            </a:r>
+            <a:r>
+              <a:rPr lang="en-US" altLang="zh-CN" sz="2200">
+                <a:latin typeface="Calibri" panose="020F0502020204030204" charset="0"/>
+                <a:ea typeface="Aa小梨涡" panose="02010600010101010101" charset="-122"/>
+                <a:cs typeface="Aa小梨涡" panose="02010600010101010101" charset="-122"/>
+                <a:sym typeface="+mn-ea"/>
+              </a:rPr>
+              <a:t>      </a:t>
+            </a:r>
+            <a:endParaRPr lang="en-US" altLang="zh-CN" sz="2200">
+              <a:latin typeface="Calibri" panose="020F0502020204030204" charset="0"/>
+              <a:ea typeface="Aa小梨涡" panose="02010600010101010101" charset="-122"/>
+              <a:cs typeface="Aa小梨涡" panose="02010600010101010101" charset="-122"/>
+              <a:sym typeface="+mn-ea"/>
+            </a:endParaRPr>
+          </a:p>
+          <a:p>
+            <a:pPr fontAlgn="auto">
+              <a:lnSpc>
+                <a:spcPts val="3500"/>
+              </a:lnSpc>
+            </a:pPr>
+            <a:r>
+              <a:rPr lang="en-US" altLang="zh-CN" sz="2200">
+                <a:latin typeface="Aa小梨涡" panose="02010600010101010101" charset="-122"/>
+                <a:ea typeface="Aa小梨涡" panose="02010600010101010101" charset="-122"/>
+                <a:cs typeface="Aa小梨涡" panose="02010600010101010101" charset="-122"/>
+                <a:sym typeface="+mn-ea"/>
+              </a:rPr>
+              <a:t>        </a:t>
+            </a:r>
+            <a:r>
+              <a:rPr sz="2200">
+                <a:latin typeface="Aa小梨涡" panose="02010600010101010101" charset="-122"/>
+                <a:ea typeface="Aa小梨涡" panose="02010600010101010101" charset="-122"/>
+                <a:cs typeface="Aa小梨涡" panose="02010600010101010101" charset="-122"/>
+                <a:sym typeface="+mn-ea"/>
+              </a:rPr>
+              <a:t>str类型的实例采用unicode</a:t>
+            </a:r>
+            <a:r>
+              <a:rPr lang="zh-CN" sz="2200">
+                <a:latin typeface="Aa小梨涡" panose="02010600010101010101" charset="-122"/>
+                <a:ea typeface="Aa小梨涡" panose="02010600010101010101" charset="-122"/>
+                <a:cs typeface="Aa小梨涡" panose="02010600010101010101" charset="-122"/>
+                <a:sym typeface="+mn-ea"/>
+              </a:rPr>
+              <a:t>字符集</a:t>
+            </a:r>
+            <a:r>
+              <a:rPr sz="2200">
+                <a:latin typeface="Aa小梨涡" panose="02010600010101010101" charset="-122"/>
+                <a:ea typeface="Aa小梨涡" panose="02010600010101010101" charset="-122"/>
+                <a:cs typeface="Aa小梨涡" panose="02010600010101010101" charset="-122"/>
+                <a:sym typeface="+mn-ea"/>
+              </a:rPr>
+              <a:t>，除此之外，无论采用utf8或其他编码形式，甚至不编码的字符序列都是bytes类型的实例。</a:t>
+            </a:r>
+            <a:endParaRPr sz="2200">
+              <a:latin typeface="Aa小梨涡" panose="02010600010101010101" charset="-122"/>
+              <a:ea typeface="Aa小梨涡" panose="02010600010101010101" charset="-122"/>
+              <a:cs typeface="Aa小梨涡" panose="02010600010101010101" charset="-122"/>
+              <a:sym typeface="+mn-ea"/>
+            </a:endParaRPr>
+          </a:p>
+          <a:p>
+            <a:pPr fontAlgn="auto">
+              <a:lnSpc>
+                <a:spcPts val="3500"/>
+              </a:lnSpc>
+            </a:pPr>
+            <a:r>
+              <a:rPr sz="2200">
+                <a:latin typeface="Aa小梨涡" panose="02010600010101010101" charset="-122"/>
+                <a:ea typeface="Aa小梨涡" panose="02010600010101010101" charset="-122"/>
+                <a:cs typeface="Aa小梨涡" panose="02010600010101010101" charset="-122"/>
+                <a:sym typeface="+mn-ea"/>
+              </a:rPr>
+              <a:t>        bytes类型并不记录实例的编码格式，只是单纯把字符序列的一个字节作为处理单元。</a:t>
+            </a:r>
+            <a:endParaRPr lang="zh-CN" altLang="en-US" sz="2200">
+              <a:latin typeface="Aa小梨涡" panose="02010600010101010101" charset="-122"/>
+              <a:ea typeface="Aa小梨涡" panose="02010600010101010101" charset="-122"/>
+              <a:cs typeface="Aa小梨涡" panose="02010600010101010101" charset="-122"/>
+              <a:sym typeface="+mn-ea"/>
+            </a:endParaRPr>
+          </a:p>
+        </p:txBody>
+      </p:sp>
+      <p:sp>
+        <p:nvSpPr>
+          <p:cNvPr id="18" name="任意多边形 17"/>
+          <p:cNvSpPr/>
+          <p:nvPr/>
+        </p:nvSpPr>
+        <p:spPr>
+          <a:xfrm rot="600000">
+            <a:off x="5342086" y="122979"/>
+            <a:ext cx="1728000" cy="944245"/>
+          </a:xfrm>
+          <a:custGeom>
+            <a:avLst/>
+            <a:gdLst>
+              <a:gd name="connisteX0" fmla="*/ 257810 w 3935730"/>
+              <a:gd name="connsiteY0" fmla="*/ 429260 h 944880"/>
+              <a:gd name="connisteX1" fmla="*/ 3394710 w 3935730"/>
+              <a:gd name="connsiteY1" fmla="*/ 0 h 944880"/>
+              <a:gd name="connisteX2" fmla="*/ 26035 w 3935730"/>
+              <a:gd name="connsiteY2" fmla="*/ 541020 h 944880"/>
+              <a:gd name="connisteX3" fmla="*/ 3575050 w 3935730"/>
+              <a:gd name="connsiteY3" fmla="*/ 51435 h 944880"/>
+              <a:gd name="connisteX4" fmla="*/ 172085 w 3935730"/>
+              <a:gd name="connsiteY4" fmla="*/ 601345 h 944880"/>
+              <a:gd name="connisteX5" fmla="*/ 3652520 w 3935730"/>
+              <a:gd name="connsiteY5" fmla="*/ 128905 h 944880"/>
+              <a:gd name="connisteX6" fmla="*/ 51435 w 3935730"/>
+              <a:gd name="connsiteY6" fmla="*/ 678815 h 944880"/>
+              <a:gd name="connisteX7" fmla="*/ 3514725 w 3935730"/>
+              <a:gd name="connsiteY7" fmla="*/ 214630 h 944880"/>
+              <a:gd name="connisteX8" fmla="*/ 369570 w 3935730"/>
+              <a:gd name="connsiteY8" fmla="*/ 704215 h 944880"/>
+              <a:gd name="connisteX9" fmla="*/ 3695700 w 3935730"/>
+              <a:gd name="connsiteY9" fmla="*/ 274955 h 944880"/>
+              <a:gd name="connisteX10" fmla="*/ 180340 w 3935730"/>
+              <a:gd name="connsiteY10" fmla="*/ 833120 h 944880"/>
+              <a:gd name="connisteX11" fmla="*/ 3695700 w 3935730"/>
+              <a:gd name="connsiteY11" fmla="*/ 351790 h 944880"/>
+              <a:gd name="connisteX12" fmla="*/ 0 w 3935730"/>
+              <a:gd name="connsiteY12" fmla="*/ 944880 h 944880"/>
+              <a:gd name="connisteX13" fmla="*/ 3935730 w 3935730"/>
+              <a:gd name="connsiteY13" fmla="*/ 360680 h 944880"/>
+            </a:gdLst>
+            <a:ahLst/>
+            <a:cxnLst>
+              <a:cxn ang="0">
+                <a:pos x="connisteX0" y="connsiteY0"/>
+              </a:cxn>
+              <a:cxn ang="0">
+                <a:pos x="connisteX1" y="connsiteY1"/>
+              </a:cxn>
+              <a:cxn ang="0">
+                <a:pos x="connisteX2" y="connsiteY2"/>
+              </a:cxn>
+              <a:cxn ang="0">
+                <a:pos x="connisteX3" y="connsiteY3"/>
+              </a:cxn>
+              <a:cxn ang="0">
+                <a:pos x="connisteX4" y="connsiteY4"/>
+              </a:cxn>
+              <a:cxn ang="0">
+                <a:pos x="connisteX5" y="connsiteY5"/>
+              </a:cxn>
+              <a:cxn ang="0">
+                <a:pos x="connisteX6" y="connsiteY6"/>
+              </a:cxn>
+              <a:cxn ang="0">
+                <a:pos x="connisteX7" y="connsiteY7"/>
+              </a:cxn>
+              <a:cxn ang="0">
+                <a:pos x="connisteX8" y="connsiteY8"/>
+              </a:cxn>
+              <a:cxn ang="0">
+                <a:pos x="connisteX9" y="connsiteY9"/>
+              </a:cxn>
+              <a:cxn ang="0">
+                <a:pos x="connisteX10" y="connsiteY10"/>
+              </a:cxn>
+              <a:cxn ang="0">
+                <a:pos x="connisteX11" y="connsiteY11"/>
+              </a:cxn>
+              <a:cxn ang="0">
+                <a:pos x="connisteX12" y="connsiteY12"/>
+              </a:cxn>
+              <a:cxn ang="0">
+                <a:pos x="connisteX13" y="connsiteY13"/>
+              </a:cxn>
+            </a:cxnLst>
+            <a:rect l="l" t="t" r="r" b="b"/>
+            <a:pathLst>
+              <a:path w="3935730" h="944880">
+                <a:moveTo>
+                  <a:pt x="257810" y="429260"/>
+                </a:moveTo>
+                <a:lnTo>
+                  <a:pt x="3394710" y="0"/>
+                </a:lnTo>
+                <a:lnTo>
+                  <a:pt x="26035" y="541020"/>
+                </a:lnTo>
+                <a:lnTo>
+                  <a:pt x="3575050" y="51435"/>
+                </a:lnTo>
+                <a:lnTo>
+                  <a:pt x="172085" y="601345"/>
+                </a:lnTo>
+                <a:lnTo>
+                  <a:pt x="3652520" y="128905"/>
+                </a:lnTo>
+                <a:lnTo>
+                  <a:pt x="51435" y="678815"/>
+                </a:lnTo>
+                <a:lnTo>
+                  <a:pt x="3514725" y="214630"/>
+                </a:lnTo>
+                <a:lnTo>
+                  <a:pt x="369570" y="704215"/>
+                </a:lnTo>
+                <a:lnTo>
+                  <a:pt x="3695700" y="274955"/>
+                </a:lnTo>
+                <a:lnTo>
+                  <a:pt x="180340" y="833120"/>
+                </a:lnTo>
+                <a:lnTo>
+                  <a:pt x="3695700" y="351790"/>
+                </a:lnTo>
+                <a:lnTo>
+                  <a:pt x="0" y="944880"/>
+                </a:lnTo>
+                <a:lnTo>
+                  <a:pt x="3935730" y="360680"/>
+                </a:lnTo>
+              </a:path>
+            </a:pathLst>
+          </a:custGeom>
+          <a:noFill/>
+          <a:ln w="203200">
+            <a:solidFill>
+              <a:schemeClr val="accent4">
+                <a:lumMod val="40000"/>
+                <a:lumOff val="60000"/>
+              </a:schemeClr>
+            </a:solidFill>
+          </a:ln>
+          <a:effectLst>
+            <a:softEdge rad="63500"/>
+          </a:effectLst>
+        </p:spPr>
+        <p:style>
+          <a:lnRef idx="2">
+            <a:schemeClr val="accent1">
+              <a:shade val="50000"/>
+            </a:schemeClr>
+          </a:lnRef>
+          <a:fillRef idx="1">
+            <a:schemeClr val="accent1"/>
+          </a:fillRef>
+          <a:effectRef idx="0">
+            <a:schemeClr val="accent1"/>
+          </a:effectRef>
+          <a:fontRef idx="minor">
+            <a:schemeClr val="lt1"/>
+          </a:fontRef>
+        </p:style>
+        <p:txBody>
+          <a:bodyPr rtlCol="0" anchor="ctr"/>
+          <a:p>
+            <a:pPr algn="ctr"/>
+            <a:endParaRPr lang="zh-CN" altLang="en-US"/>
+          </a:p>
+        </p:txBody>
+      </p:sp>
+      <p:sp>
+        <p:nvSpPr>
+          <p:cNvPr id="2" name="标题 1"/>
+          <p:cNvSpPr>
+            <a:spLocks noGrp="1"/>
+          </p:cNvSpPr>
+          <p:nvPr>
+            <p:ph type="title"/>
+          </p:nvPr>
+        </p:nvSpPr>
+        <p:spPr>
+          <a:xfrm>
+            <a:off x="3837940" y="245745"/>
+            <a:ext cx="4079875" cy="817245"/>
+          </a:xfrm>
+        </p:spPr>
+        <p:txBody>
+          <a:bodyPr>
+            <a:normAutofit fontScale="90000"/>
+          </a:bodyPr>
+          <a:p>
+            <a:r>
+              <a:rPr lang="en-US" altLang="zh-CN">
+                <a:latin typeface="Aa小梨涡" panose="02010600010101010101" charset="-122"/>
+                <a:ea typeface="Aa小梨涡" panose="02010600010101010101" charset="-122"/>
+              </a:rPr>
+              <a:t>4.1 </a:t>
+            </a:r>
+            <a:r>
+              <a:rPr lang="zh-CN" altLang="en-US">
+                <a:latin typeface="Aa小梨涡" panose="02010600010101010101" charset="-122"/>
+                <a:ea typeface="Aa小梨涡" panose="02010600010101010101" charset="-122"/>
+              </a:rPr>
+              <a:t>字符序列基础</a:t>
+            </a:r>
+            <a:endParaRPr lang="zh-CN" altLang="en-US">
+              <a:latin typeface="Aa小梨涡" panose="02010600010101010101" charset="-122"/>
+              <a:ea typeface="Aa小梨涡" panose="02010600010101010101" charset="-122"/>
+            </a:endParaRPr>
+          </a:p>
+        </p:txBody>
+      </p:sp>
+      <p:sp>
+        <p:nvSpPr>
+          <p:cNvPr id="20" name="任意多边形 19"/>
+          <p:cNvSpPr/>
+          <p:nvPr/>
+        </p:nvSpPr>
+        <p:spPr>
+          <a:xfrm rot="10320000">
+            <a:off x="4344035" y="897890"/>
+            <a:ext cx="3456305" cy="76200"/>
+          </a:xfrm>
+          <a:custGeom>
+            <a:avLst/>
+            <a:gdLst>
+              <a:gd name="connisteX0" fmla="*/ 4685923 w 4685923"/>
+              <a:gd name="connsiteY0" fmla="*/ 9525 h 464575"/>
+              <a:gd name="connisteX1" fmla="*/ 548898 w 4685923"/>
+              <a:gd name="connsiteY1" fmla="*/ 238125 h 464575"/>
+              <a:gd name="connisteX2" fmla="*/ 672723 w 4685923"/>
+              <a:gd name="connsiteY2" fmla="*/ 456565 h 464575"/>
+              <a:gd name="connisteX3" fmla="*/ 4638298 w 4685923"/>
+              <a:gd name="connsiteY3" fmla="*/ 0 h 464575"/>
+            </a:gdLst>
+            <a:ahLst/>
+            <a:cxnLst>
+              <a:cxn ang="0">
+                <a:pos x="connisteX0" y="connsiteY0"/>
+              </a:cxn>
+              <a:cxn ang="0">
+                <a:pos x="connisteX1" y="connsiteY1"/>
+              </a:cxn>
+              <a:cxn ang="0">
+                <a:pos x="connisteX2" y="connsiteY2"/>
+              </a:cxn>
+              <a:cxn ang="0">
+                <a:pos x="connisteX3" y="connsiteY3"/>
+              </a:cxn>
+            </a:cxnLst>
+            <a:rect l="l" t="t" r="r" b="b"/>
+            <a:pathLst>
+              <a:path w="4685923" h="464576">
+                <a:moveTo>
+                  <a:pt x="4685923" y="9525"/>
+                </a:moveTo>
+                <a:cubicBezTo>
+                  <a:pt x="3855978" y="50800"/>
+                  <a:pt x="1351538" y="148590"/>
+                  <a:pt x="548898" y="238125"/>
+                </a:cubicBezTo>
+                <a:cubicBezTo>
+                  <a:pt x="-253742" y="327660"/>
+                  <a:pt x="-145157" y="504190"/>
+                  <a:pt x="672723" y="456565"/>
+                </a:cubicBezTo>
+                <a:cubicBezTo>
+                  <a:pt x="1490603" y="408940"/>
+                  <a:pt x="3847723" y="95885"/>
+                  <a:pt x="4638298" y="0"/>
+                </a:cubicBezTo>
+              </a:path>
+            </a:pathLst>
+          </a:custGeom>
+          <a:solidFill>
+            <a:schemeClr val="accent5"/>
+          </a:solidFill>
+          <a:ln>
+            <a:noFill/>
+          </a:ln>
+        </p:spPr>
+        <p:style>
+          <a:lnRef idx="2">
+            <a:schemeClr val="accent1">
+              <a:shade val="50000"/>
+            </a:schemeClr>
+          </a:lnRef>
+          <a:fillRef idx="1">
+            <a:schemeClr val="accent1"/>
+          </a:fillRef>
+          <a:effectRef idx="0">
+            <a:schemeClr val="accent1"/>
+          </a:effectRef>
+          <a:fontRef idx="minor">
+            <a:schemeClr val="lt1"/>
+          </a:fontRef>
+        </p:style>
+        <p:txBody>
+          <a:bodyPr rtlCol="0" anchor="ctr"/>
+          <a:p>
+            <a:pPr algn="ctr"/>
+            <a:endParaRPr lang="zh-CN" altLang="en-US"/>
+          </a:p>
+        </p:txBody>
+      </p:sp>
+      <p:sp>
+        <p:nvSpPr>
+          <p:cNvPr id="11" name="文本框 10"/>
+          <p:cNvSpPr txBox="1"/>
+          <p:nvPr/>
+        </p:nvSpPr>
+        <p:spPr>
+          <a:xfrm>
+            <a:off x="11113135" y="4498340"/>
+            <a:ext cx="1407160" cy="270510"/>
+          </a:xfrm>
+          <a:prstGeom prst="rect">
+            <a:avLst/>
+          </a:prstGeom>
+          <a:noFill/>
+        </p:spPr>
+        <p:txBody>
+          <a:bodyPr wrap="square" rtlCol="0">
+            <a:spAutoFit/>
+          </a:bodyPr>
+          <a:p>
+            <a:r>
+              <a:rPr lang="en-US" altLang="zh-CN" baseline="30000">
+                <a:solidFill>
+                  <a:schemeClr val="accent5"/>
+                </a:solidFill>
+                <a:latin typeface="Comic Sans MS" panose="030F0702030302020204" charset="0"/>
+                <a:cs typeface="Comic Sans MS" panose="030F0702030302020204" charset="0"/>
+              </a:rPr>
+              <a:t>[4.1-1.py]</a:t>
+            </a:r>
+            <a:endParaRPr lang="en-US" altLang="zh-CN" baseline="30000">
+              <a:solidFill>
+                <a:schemeClr val="accent5"/>
+              </a:solidFill>
+              <a:latin typeface="Comic Sans MS" panose="030F0702030302020204" charset="0"/>
+              <a:cs typeface="Comic Sans MS" panose="030F0702030302020204" charset="0"/>
+            </a:endParaRPr>
+          </a:p>
+        </p:txBody>
+      </p:sp>
+      <p:sp>
+        <p:nvSpPr>
+          <p:cNvPr id="4" name="文本框 3"/>
+          <p:cNvSpPr txBox="1"/>
+          <p:nvPr/>
+        </p:nvSpPr>
+        <p:spPr>
+          <a:xfrm>
+            <a:off x="626110" y="1210310"/>
+            <a:ext cx="11281410" cy="1886585"/>
+          </a:xfrm>
+          <a:prstGeom prst="rect">
+            <a:avLst/>
+          </a:prstGeom>
+          <a:noFill/>
+          <a:ln>
+            <a:noFill/>
+          </a:ln>
+        </p:spPr>
+        <p:txBody>
+          <a:bodyPr wrap="square" rtlCol="0">
+            <a:spAutoFit/>
+          </a:bodyPr>
+          <a:p>
+            <a:pPr fontAlgn="auto">
+              <a:lnSpc>
+                <a:spcPts val="3500"/>
+              </a:lnSpc>
+            </a:pPr>
+            <a:r>
+              <a:rPr lang="en-US" altLang="zh-CN" sz="2200">
+                <a:latin typeface="Aa小梨涡" panose="02010600010101010101" charset="-122"/>
+                <a:ea typeface="Aa小梨涡" panose="02010600010101010101" charset="-122"/>
+                <a:cs typeface="Aa小梨涡" panose="02010600010101010101" charset="-122"/>
+                <a:sym typeface="+mn-ea"/>
+              </a:rPr>
+              <a:t>2. </a:t>
+            </a:r>
+            <a:r>
+              <a:rPr lang="zh-CN" altLang="en-US" sz="2200">
+                <a:latin typeface="Aa小梨涡" panose="02010600010101010101" charset="-122"/>
+                <a:ea typeface="Aa小梨涡" panose="02010600010101010101" charset="-122"/>
+                <a:cs typeface="Aa小梨涡" panose="02010600010101010101" charset="-122"/>
+                <a:sym typeface="+mn-ea"/>
+              </a:rPr>
+              <a:t>类型</a:t>
+            </a:r>
+            <a:r>
+              <a:rPr lang="en-US" altLang="zh-CN" sz="2200">
+                <a:latin typeface="Aa小梨涡" panose="02010600010101010101" charset="-122"/>
+                <a:ea typeface="Aa小梨涡" panose="02010600010101010101" charset="-122"/>
+                <a:cs typeface="Aa小梨涡" panose="02010600010101010101" charset="-122"/>
+                <a:sym typeface="+mn-ea"/>
+              </a:rPr>
+              <a:t>  </a:t>
+            </a:r>
+            <a:r>
+              <a:rPr lang="en-US" altLang="zh-CN" sz="2200">
+                <a:latin typeface="Calibri" panose="020F0502020204030204" charset="0"/>
+                <a:ea typeface="Aa小梨涡" panose="02010600010101010101" charset="-122"/>
+                <a:cs typeface="Aa小梨涡" panose="02010600010101010101" charset="-122"/>
+                <a:sym typeface="+mn-ea"/>
+              </a:rPr>
+              <a:t>      </a:t>
+            </a:r>
+            <a:endParaRPr lang="en-US" altLang="zh-CN" sz="2200">
+              <a:latin typeface="Calibri" panose="020F0502020204030204" charset="0"/>
+              <a:ea typeface="Aa小梨涡" panose="02010600010101010101" charset="-122"/>
+              <a:cs typeface="Aa小梨涡" panose="02010600010101010101" charset="-122"/>
+              <a:sym typeface="+mn-ea"/>
+            </a:endParaRPr>
+          </a:p>
+          <a:p>
+            <a:pPr fontAlgn="auto">
+              <a:lnSpc>
+                <a:spcPts val="3500"/>
+              </a:lnSpc>
+            </a:pPr>
+            <a:r>
+              <a:rPr lang="en-US" altLang="zh-CN" sz="2200">
+                <a:latin typeface="Aa小梨涡" panose="02010600010101010101" charset="-122"/>
+                <a:ea typeface="Aa小梨涡" panose="02010600010101010101" charset="-122"/>
+                <a:cs typeface="Aa小梨涡" panose="02010600010101010101" charset="-122"/>
+                <a:sym typeface="+mn-ea"/>
+              </a:rPr>
+              <a:t>        Python3</a:t>
+            </a:r>
+            <a:r>
+              <a:rPr lang="zh-CN" altLang="en-US" sz="2200">
+                <a:latin typeface="Aa小梨涡" panose="02010600010101010101" charset="-122"/>
+                <a:ea typeface="Aa小梨涡" panose="02010600010101010101" charset="-122"/>
+                <a:cs typeface="Aa小梨涡" panose="02010600010101010101" charset="-122"/>
+                <a:sym typeface="+mn-ea"/>
+              </a:rPr>
+              <a:t>有两种表示字符序列的类型：</a:t>
+            </a:r>
+            <a:endParaRPr lang="zh-CN" altLang="en-US" sz="2200">
+              <a:latin typeface="Aa小梨涡" panose="02010600010101010101" charset="-122"/>
+              <a:ea typeface="Aa小梨涡" panose="02010600010101010101" charset="-122"/>
+              <a:cs typeface="Aa小梨涡" panose="02010600010101010101" charset="-122"/>
+              <a:sym typeface="+mn-ea"/>
+            </a:endParaRPr>
+          </a:p>
+          <a:p>
+            <a:pPr fontAlgn="auto">
+              <a:lnSpc>
+                <a:spcPts val="3500"/>
+              </a:lnSpc>
+            </a:pPr>
+            <a:r>
+              <a:rPr lang="zh-CN" altLang="en-US" sz="2200">
+                <a:latin typeface="Aa小梨涡" panose="02010600010101010101" charset="-122"/>
+                <a:ea typeface="Aa小梨涡" panose="02010600010101010101" charset="-122"/>
+                <a:cs typeface="Aa小梨涡" panose="02010600010101010101" charset="-122"/>
+                <a:sym typeface="+mn-ea"/>
+              </a:rPr>
+              <a:t>        </a:t>
+            </a:r>
+            <a:r>
+              <a:rPr lang="zh-CN" altLang="en-US" sz="2200">
+                <a:latin typeface="Calibri" panose="020F0502020204030204" charset="0"/>
+                <a:ea typeface="Aa小梨涡" panose="02010600010101010101" charset="-122"/>
+                <a:cs typeface="Aa小梨涡" panose="02010600010101010101" charset="-122"/>
+                <a:sym typeface="+mn-ea"/>
+              </a:rPr>
+              <a:t>① </a:t>
+            </a:r>
+            <a:r>
+              <a:rPr lang="en-US" altLang="zh-CN" sz="2200">
+                <a:latin typeface="Aa小梨涡" panose="02010600010101010101" charset="-122"/>
+                <a:ea typeface="Aa小梨涡" panose="02010600010101010101" charset="-122"/>
+                <a:cs typeface="Aa小梨涡" panose="02010600010101010101" charset="-122"/>
+                <a:sym typeface="+mn-ea"/>
+              </a:rPr>
+              <a:t>bytes</a:t>
+            </a:r>
+            <a:r>
+              <a:rPr lang="zh-CN" altLang="en-US" sz="2200">
+                <a:latin typeface="Aa小梨涡" panose="02010600010101010101" charset="-122"/>
+                <a:ea typeface="Aa小梨涡" panose="02010600010101010101" charset="-122"/>
+                <a:cs typeface="Aa小梨涡" panose="02010600010101010101" charset="-122"/>
+                <a:sym typeface="+mn-ea"/>
+              </a:rPr>
+              <a:t>，实例包含原始的</a:t>
+            </a:r>
+            <a:r>
+              <a:rPr lang="en-US" altLang="zh-CN" sz="2200">
+                <a:latin typeface="Aa小梨涡" panose="02010600010101010101" charset="-122"/>
+                <a:ea typeface="Aa小梨涡" panose="02010600010101010101" charset="-122"/>
+                <a:cs typeface="Aa小梨涡" panose="02010600010101010101" charset="-122"/>
+                <a:sym typeface="+mn-ea"/>
+              </a:rPr>
+              <a:t>8</a:t>
+            </a:r>
+            <a:r>
+              <a:rPr lang="zh-CN" altLang="en-US" sz="2200">
+                <a:latin typeface="Aa小梨涡" panose="02010600010101010101" charset="-122"/>
+                <a:ea typeface="Aa小梨涡" panose="02010600010101010101" charset="-122"/>
+                <a:cs typeface="Aa小梨涡" panose="02010600010101010101" charset="-122"/>
+                <a:sym typeface="+mn-ea"/>
+              </a:rPr>
+              <a:t>位值，即</a:t>
+            </a:r>
+            <a:r>
+              <a:rPr lang="en-US" altLang="zh-CN" sz="2200">
+                <a:latin typeface="Aa小梨涡" panose="02010600010101010101" charset="-122"/>
+                <a:ea typeface="Aa小梨涡" panose="02010600010101010101" charset="-122"/>
+                <a:cs typeface="Aa小梨涡" panose="02010600010101010101" charset="-122"/>
+                <a:sym typeface="+mn-ea"/>
+              </a:rPr>
+              <a:t>“</a:t>
+            </a:r>
+            <a:r>
+              <a:rPr lang="zh-CN" altLang="en-US" sz="2200">
+                <a:latin typeface="Aa小梨涡" panose="02010600010101010101" charset="-122"/>
+                <a:ea typeface="Aa小梨涡" panose="02010600010101010101" charset="-122"/>
+                <a:cs typeface="Aa小梨涡" panose="02010600010101010101" charset="-122"/>
+                <a:sym typeface="+mn-ea"/>
+              </a:rPr>
+              <a:t>字节</a:t>
+            </a:r>
+            <a:r>
+              <a:rPr lang="en-US" altLang="zh-CN" sz="2200">
+                <a:latin typeface="Aa小梨涡" panose="02010600010101010101" charset="-122"/>
+                <a:ea typeface="Aa小梨涡" panose="02010600010101010101" charset="-122"/>
+                <a:cs typeface="Aa小梨涡" panose="02010600010101010101" charset="-122"/>
+                <a:sym typeface="+mn-ea"/>
+              </a:rPr>
+              <a:t>”</a:t>
+            </a:r>
+            <a:r>
+              <a:rPr lang="zh-CN" altLang="en-US" sz="2200">
+                <a:latin typeface="Aa小梨涡" panose="02010600010101010101" charset="-122"/>
+                <a:ea typeface="Aa小梨涡" panose="02010600010101010101" charset="-122"/>
+                <a:cs typeface="Aa小梨涡" panose="02010600010101010101" charset="-122"/>
+                <a:sym typeface="+mn-ea"/>
+              </a:rPr>
+              <a:t>；</a:t>
+            </a:r>
+            <a:endParaRPr lang="en-US" altLang="zh-CN" sz="2200">
+              <a:latin typeface="Aa小梨涡" panose="02010600010101010101" charset="-122"/>
+              <a:ea typeface="Aa小梨涡" panose="02010600010101010101" charset="-122"/>
+              <a:cs typeface="Aa小梨涡" panose="02010600010101010101" charset="-122"/>
+              <a:sym typeface="+mn-ea"/>
+            </a:endParaRPr>
+          </a:p>
+          <a:p>
+            <a:pPr fontAlgn="auto">
+              <a:lnSpc>
+                <a:spcPts val="3500"/>
+              </a:lnSpc>
+            </a:pPr>
+            <a:r>
+              <a:rPr lang="en-US" altLang="zh-CN" sz="2200">
+                <a:latin typeface="Aa小梨涡" panose="02010600010101010101" charset="-122"/>
+                <a:ea typeface="Aa小梨涡" panose="02010600010101010101" charset="-122"/>
+                <a:cs typeface="Aa小梨涡" panose="02010600010101010101" charset="-122"/>
+                <a:sym typeface="+mn-ea"/>
+              </a:rPr>
+              <a:t>        </a:t>
+            </a:r>
+            <a:r>
+              <a:rPr lang="en-US" altLang="zh-CN" sz="2200">
+                <a:latin typeface="Calibri" panose="020F0502020204030204" charset="0"/>
+                <a:ea typeface="Aa小梨涡" panose="02010600010101010101" charset="-122"/>
+                <a:cs typeface="Aa小梨涡" panose="02010600010101010101" charset="-122"/>
+                <a:sym typeface="+mn-ea"/>
+              </a:rPr>
+              <a:t>② </a:t>
+            </a:r>
+            <a:r>
+              <a:rPr lang="en-US" altLang="zh-CN" sz="2200">
+                <a:latin typeface="Aa小梨涡" panose="02010600010101010101" charset="-122"/>
+                <a:ea typeface="Aa小梨涡" panose="02010600010101010101" charset="-122"/>
+                <a:cs typeface="Aa小梨涡" panose="02010600010101010101" charset="-122"/>
+                <a:sym typeface="+mn-ea"/>
+              </a:rPr>
+              <a:t>str</a:t>
+            </a:r>
+            <a:r>
+              <a:rPr lang="zh-CN" altLang="en-US" sz="2200">
+                <a:latin typeface="Aa小梨涡" panose="02010600010101010101" charset="-122"/>
+                <a:ea typeface="Aa小梨涡" panose="02010600010101010101" charset="-122"/>
+                <a:cs typeface="Aa小梨涡" panose="02010600010101010101" charset="-122"/>
+                <a:sym typeface="+mn-ea"/>
+              </a:rPr>
+              <a:t>，</a:t>
+            </a:r>
+            <a:r>
+              <a:rPr lang="en-US" altLang="zh-CN" sz="2200">
+                <a:latin typeface="Aa小梨涡" panose="02010600010101010101" charset="-122"/>
+                <a:ea typeface="Aa小梨涡" panose="02010600010101010101" charset="-122"/>
+                <a:cs typeface="Aa小梨涡" panose="02010600010101010101" charset="-122"/>
+                <a:sym typeface="+mn-ea"/>
+              </a:rPr>
+              <a:t>“</a:t>
+            </a:r>
+            <a:r>
+              <a:rPr lang="zh-CN" altLang="en-US" sz="2200">
+                <a:latin typeface="Aa小梨涡" panose="02010600010101010101" charset="-122"/>
+                <a:ea typeface="Aa小梨涡" panose="02010600010101010101" charset="-122"/>
+                <a:cs typeface="Aa小梨涡" panose="02010600010101010101" charset="-122"/>
+                <a:sym typeface="+mn-ea"/>
+              </a:rPr>
+              <a:t>字符串</a:t>
+            </a:r>
+            <a:r>
+              <a:rPr lang="en-US" altLang="zh-CN" sz="2200">
+                <a:latin typeface="Aa小梨涡" panose="02010600010101010101" charset="-122"/>
+                <a:ea typeface="Aa小梨涡" panose="02010600010101010101" charset="-122"/>
+                <a:cs typeface="Aa小梨涡" panose="02010600010101010101" charset="-122"/>
+                <a:sym typeface="+mn-ea"/>
+              </a:rPr>
+              <a:t>”</a:t>
+            </a:r>
+            <a:r>
+              <a:rPr lang="zh-CN" altLang="en-US" sz="2200">
+                <a:latin typeface="Aa小梨涡" panose="02010600010101010101" charset="-122"/>
+                <a:ea typeface="Aa小梨涡" panose="02010600010101010101" charset="-122"/>
+                <a:cs typeface="Aa小梨涡" panose="02010600010101010101" charset="-122"/>
+                <a:sym typeface="+mn-ea"/>
+              </a:rPr>
+              <a:t>，</a:t>
+            </a:r>
+            <a:r>
+              <a:rPr lang="zh-CN" altLang="en-US" sz="2200">
+                <a:latin typeface="Aa小梨涡" panose="02010600010101010101" charset="-122"/>
+                <a:ea typeface="Aa小梨涡" panose="02010600010101010101" charset="-122"/>
+                <a:cs typeface="Aa小梨涡" panose="02010600010101010101" charset="-122"/>
+                <a:sym typeface="+mn-ea"/>
+              </a:rPr>
+              <a:t>实例包含</a:t>
+            </a:r>
+            <a:r>
+              <a:rPr lang="en-US" altLang="zh-CN" sz="2200">
+                <a:latin typeface="Aa小梨涡" panose="02010600010101010101" charset="-122"/>
+                <a:ea typeface="Aa小梨涡" panose="02010600010101010101" charset="-122"/>
+                <a:cs typeface="Aa小梨涡" panose="02010600010101010101" charset="-122"/>
+                <a:sym typeface="+mn-ea"/>
+              </a:rPr>
+              <a:t>Unicode</a:t>
+            </a:r>
+            <a:r>
+              <a:rPr lang="zh-CN" altLang="en-US" sz="2200">
+                <a:latin typeface="Aa小梨涡" panose="02010600010101010101" charset="-122"/>
+                <a:ea typeface="Aa小梨涡" panose="02010600010101010101" charset="-122"/>
+                <a:cs typeface="Aa小梨涡" panose="02010600010101010101" charset="-122"/>
+                <a:sym typeface="+mn-ea"/>
+              </a:rPr>
+              <a:t>字符。</a:t>
+            </a:r>
+            <a:endParaRPr lang="zh-CN" altLang="en-US" sz="2200">
+              <a:latin typeface="Aa小梨涡" panose="02010600010101010101" charset="-122"/>
+              <a:ea typeface="Aa小梨涡" panose="02010600010101010101" charset="-122"/>
+              <a:cs typeface="Aa小梨涡" panose="02010600010101010101" charset="-122"/>
+              <a:sym typeface="+mn-ea"/>
+            </a:endParaRPr>
+          </a:p>
+        </p:txBody>
+      </p:sp>
+    </p:spTree>
+  </p:cSld>
+  <p:clrMapOvr>
+    <a:masterClrMapping/>
+  </p:clrMapOvr>
+  <p:timing>
+    <p:tnLst>
+      <p:par>
+        <p:cTn id="1" dur="indefinite" restart="never" nodeType="tmRoot">
+          <p:childTnLst>
+            <p:seq concurrent="1" nextAc="seek">
+              <p:cTn id="2" dur="indefinite" nodeType="mainSeq">
+                <p:childTnLst>
+                  <p:par>
+                    <p:cTn id="3" fill="hold">
+                      <p:stCondLst>
+                        <p:cond delay="indefinite"/>
+                      </p:stCondLst>
+                      <p:childTnLst>
+                        <p:par>
+                          <p:cTn id="4" fill="hold">
+                            <p:stCondLst>
+                              <p:cond delay="0"/>
+                            </p:stCondLst>
+                            <p:childTnLst>
+                              <p:par>
+                                <p:cTn id="5" presetID="1" presetClass="entr" presetSubtype="0" fill="hold" grpId="0" nodeType="clickEffect">
+                                  <p:stCondLst>
+                                    <p:cond delay="0"/>
+                                  </p:stCondLst>
+                                  <p:childTnLst>
+                                    <p:set>
+                                      <p:cBhvr>
+                                        <p:cTn id="6" dur="1" fill="hold">
+                                          <p:stCondLst>
+                                            <p:cond delay="0"/>
+                                          </p:stCondLst>
+                                        </p:cTn>
+                                        <p:tgtEl>
+                                          <p:spTgt spid="3"/>
+                                        </p:tgtEl>
+                                        <p:attrNameLst>
+                                          <p:attrName>style.visibility</p:attrName>
+                                        </p:attrNameLst>
+                                      </p:cBhvr>
+                                      <p:to>
+                                        <p:strVal val="visible"/>
+                                      </p:to>
+                                    </p:set>
+                                  </p:childTnLst>
+                                </p:cTn>
+                              </p:par>
+                              <p:par>
+                                <p:cTn id="7" presetID="1" presetClass="entr" presetSubtype="0" fill="hold" grpId="0" nodeType="withEffect">
+                                  <p:stCondLst>
+                                    <p:cond delay="0"/>
+                                  </p:stCondLst>
+                                  <p:childTnLst>
+                                    <p:set>
+                                      <p:cBhvr>
+                                        <p:cTn id="8" dur="1" fill="hold">
+                                          <p:stCondLst>
+                                            <p:cond delay="0"/>
+                                          </p:stCondLst>
+                                        </p:cTn>
+                                        <p:tgtEl>
+                                          <p:spTgt spid="11"/>
+                                        </p:tgtEl>
+                                        <p:attrNameLst>
+                                          <p:attrName>style.visibility</p:attrName>
+                                        </p:attrNameLst>
+                                      </p:cBhvr>
+                                      <p:to>
+                                        <p:strVal val="visible"/>
+                                      </p:to>
+                                    </p:set>
+                                  </p:childTnLst>
+                                </p:cTn>
+                              </p:par>
+                            </p:childTnLst>
+                          </p:cTn>
+                        </p:par>
+                      </p:childTnLst>
+                    </p:cTn>
+                  </p:par>
+                  <p:par>
+                    <p:cTn id="9" fill="hold">
+                      <p:stCondLst>
+                        <p:cond delay="indefinite"/>
+                      </p:stCondLst>
+                      <p:childTnLst>
+                        <p:par>
+                          <p:cTn id="10" fill="hold">
+                            <p:stCondLst>
+                              <p:cond delay="0"/>
+                            </p:stCondLst>
+                            <p:childTnLst>
+                              <p:par>
+                                <p:cTn id="11" presetID="1" presetClass="entr" presetSubtype="0" fill="hold" grpId="0" nodeType="clickEffect">
+                                  <p:stCondLst>
+                                    <p:cond delay="0"/>
+                                  </p:stCondLst>
+                                  <p:childTnLst>
+                                    <p:set>
+                                      <p:cBhvr>
+                                        <p:cTn id="12" dur="1" fill="hold">
+                                          <p:stCondLst>
+                                            <p:cond delay="0"/>
+                                          </p:stCondLst>
+                                        </p:cTn>
+                                        <p:tgtEl>
+                                          <p:spTgt spid="4"/>
+                                        </p:tgtEl>
+                                        <p:attrNameLst>
+                                          <p:attrName>style.visibility</p:attrName>
+                                        </p:attrNameLst>
+                                      </p:cBhvr>
+                                      <p:to>
+                                        <p:strVal val="visible"/>
+                                      </p:to>
+                                    </p:set>
+                                  </p:childTnLst>
+                                </p:cTn>
+                              </p:par>
+                            </p:childTnLst>
+                          </p:cTn>
+                        </p:par>
+                      </p:childTnLst>
+                    </p:cTn>
+                  </p:par>
+                </p:childTnLst>
+              </p:cTn>
+              <p:prevCondLst>
+                <p:cond evt="onPrev" delay="0">
+                  <p:tgtEl>
+                    <p:sldTgt/>
+                  </p:tgtEl>
+                </p:cond>
+              </p:prevCondLst>
+              <p:nextCondLst>
+                <p:cond evt="onNext" delay="0">
+                  <p:tgtEl>
+                    <p:sldTgt/>
+                  </p:tgtEl>
+                </p:cond>
+              </p:nextCondLst>
+            </p:seq>
+          </p:childTnLst>
+        </p:cTn>
+      </p:par>
+    </p:tnLst>
+    <p:bldLst>
+      <p:bldP spid="11" grpId="0"/>
+      <p:bldP spid="11" grpId="1"/>
+      <p:bldP spid="3" grpId="0"/>
+      <p:bldP spid="3" grpId="1"/>
+      <p:bldP spid="4" grpId="0"/>
+      <p:bldP spid="4" grpId="1"/>
+    </p:bldLst>
+  </p:timing>
+</p:sld>
+</file>
+
+<file path=ppt/slides/slide19.xml><?xml version="1.0" encoding="utf-8"?>
+<p:sld xmlns:a="http://schemas.openxmlformats.org/drawingml/2006/main" xmlns:r="http://schemas.openxmlformats.org/officeDocument/2006/relationships" xmlns:p="http://schemas.openxmlformats.org/presentationml/2006/main">
+  <p:cSld>
+    <p:spTree>
+      <p:nvGrpSpPr>
+        <p:cNvPr id="1" name=""/>
+        <p:cNvGrpSpPr/>
+        <p:nvPr/>
+      </p:nvGrpSpPr>
+      <p:grpSpPr/>
+      <p:sp>
+        <p:nvSpPr>
+          <p:cNvPr id="18" name="任意多边形 17"/>
+          <p:cNvSpPr/>
+          <p:nvPr/>
+        </p:nvSpPr>
+        <p:spPr>
+          <a:xfrm rot="600000">
+            <a:off x="5342086" y="122979"/>
+            <a:ext cx="1728000" cy="944245"/>
+          </a:xfrm>
+          <a:custGeom>
+            <a:avLst/>
+            <a:gdLst>
+              <a:gd name="connisteX0" fmla="*/ 257810 w 3935730"/>
+              <a:gd name="connsiteY0" fmla="*/ 429260 h 944880"/>
+              <a:gd name="connisteX1" fmla="*/ 3394710 w 3935730"/>
+              <a:gd name="connsiteY1" fmla="*/ 0 h 944880"/>
+              <a:gd name="connisteX2" fmla="*/ 26035 w 3935730"/>
+              <a:gd name="connsiteY2" fmla="*/ 541020 h 944880"/>
+              <a:gd name="connisteX3" fmla="*/ 3575050 w 3935730"/>
+              <a:gd name="connsiteY3" fmla="*/ 51435 h 944880"/>
+              <a:gd name="connisteX4" fmla="*/ 172085 w 3935730"/>
+              <a:gd name="connsiteY4" fmla="*/ 601345 h 944880"/>
+              <a:gd name="connisteX5" fmla="*/ 3652520 w 3935730"/>
+              <a:gd name="connsiteY5" fmla="*/ 128905 h 944880"/>
+              <a:gd name="connisteX6" fmla="*/ 51435 w 3935730"/>
+              <a:gd name="connsiteY6" fmla="*/ 678815 h 944880"/>
+              <a:gd name="connisteX7" fmla="*/ 3514725 w 3935730"/>
+              <a:gd name="connsiteY7" fmla="*/ 214630 h 944880"/>
+              <a:gd name="connisteX8" fmla="*/ 369570 w 3935730"/>
+              <a:gd name="connsiteY8" fmla="*/ 704215 h 944880"/>
+              <a:gd name="connisteX9" fmla="*/ 3695700 w 3935730"/>
+              <a:gd name="connsiteY9" fmla="*/ 274955 h 944880"/>
+              <a:gd name="connisteX10" fmla="*/ 180340 w 3935730"/>
+              <a:gd name="connsiteY10" fmla="*/ 833120 h 944880"/>
+              <a:gd name="connisteX11" fmla="*/ 3695700 w 3935730"/>
+              <a:gd name="connsiteY11" fmla="*/ 351790 h 944880"/>
+              <a:gd name="connisteX12" fmla="*/ 0 w 3935730"/>
+              <a:gd name="connsiteY12" fmla="*/ 944880 h 944880"/>
+              <a:gd name="connisteX13" fmla="*/ 3935730 w 3935730"/>
+              <a:gd name="connsiteY13" fmla="*/ 360680 h 944880"/>
+            </a:gdLst>
+            <a:ahLst/>
+            <a:cxnLst>
+              <a:cxn ang="0">
+                <a:pos x="connisteX0" y="connsiteY0"/>
+              </a:cxn>
+              <a:cxn ang="0">
+                <a:pos x="connisteX1" y="connsiteY1"/>
+              </a:cxn>
+              <a:cxn ang="0">
+                <a:pos x="connisteX2" y="connsiteY2"/>
+              </a:cxn>
+              <a:cxn ang="0">
+                <a:pos x="connisteX3" y="connsiteY3"/>
+              </a:cxn>
+              <a:cxn ang="0">
+                <a:pos x="connisteX4" y="connsiteY4"/>
+              </a:cxn>
+              <a:cxn ang="0">
+                <a:pos x="connisteX5" y="connsiteY5"/>
+              </a:cxn>
+              <a:cxn ang="0">
+                <a:pos x="connisteX6" y="connsiteY6"/>
+              </a:cxn>
+              <a:cxn ang="0">
+                <a:pos x="connisteX7" y="connsiteY7"/>
+              </a:cxn>
+              <a:cxn ang="0">
+                <a:pos x="connisteX8" y="connsiteY8"/>
+              </a:cxn>
+              <a:cxn ang="0">
+                <a:pos x="connisteX9" y="connsiteY9"/>
+              </a:cxn>
+              <a:cxn ang="0">
+                <a:pos x="connisteX10" y="connsiteY10"/>
+              </a:cxn>
+              <a:cxn ang="0">
+                <a:pos x="connisteX11" y="connsiteY11"/>
+              </a:cxn>
+              <a:cxn ang="0">
+                <a:pos x="connisteX12" y="connsiteY12"/>
+              </a:cxn>
+              <a:cxn ang="0">
+                <a:pos x="connisteX13" y="connsiteY13"/>
+              </a:cxn>
+            </a:cxnLst>
+            <a:rect l="l" t="t" r="r" b="b"/>
+            <a:pathLst>
+              <a:path w="3935730" h="944880">
+                <a:moveTo>
+                  <a:pt x="257810" y="429260"/>
+                </a:moveTo>
+                <a:lnTo>
+                  <a:pt x="3394710" y="0"/>
+                </a:lnTo>
+                <a:lnTo>
+                  <a:pt x="26035" y="541020"/>
+                </a:lnTo>
+                <a:lnTo>
+                  <a:pt x="3575050" y="51435"/>
+                </a:lnTo>
+                <a:lnTo>
+                  <a:pt x="172085" y="601345"/>
+                </a:lnTo>
+                <a:lnTo>
+                  <a:pt x="3652520" y="128905"/>
+                </a:lnTo>
+                <a:lnTo>
+                  <a:pt x="51435" y="678815"/>
+                </a:lnTo>
+                <a:lnTo>
+                  <a:pt x="3514725" y="214630"/>
+                </a:lnTo>
+                <a:lnTo>
+                  <a:pt x="369570" y="704215"/>
+                </a:lnTo>
+                <a:lnTo>
+                  <a:pt x="3695700" y="274955"/>
+                </a:lnTo>
+                <a:lnTo>
+                  <a:pt x="180340" y="833120"/>
+                </a:lnTo>
+                <a:lnTo>
+                  <a:pt x="3695700" y="351790"/>
+                </a:lnTo>
+                <a:lnTo>
+                  <a:pt x="0" y="944880"/>
+                </a:lnTo>
+                <a:lnTo>
+                  <a:pt x="3935730" y="360680"/>
+                </a:lnTo>
+              </a:path>
+            </a:pathLst>
+          </a:custGeom>
+          <a:noFill/>
+          <a:ln w="203200">
+            <a:solidFill>
+              <a:schemeClr val="accent4">
+                <a:lumMod val="40000"/>
+                <a:lumOff val="60000"/>
+              </a:schemeClr>
+            </a:solidFill>
+          </a:ln>
+          <a:effectLst>
+            <a:softEdge rad="63500"/>
+          </a:effectLst>
+        </p:spPr>
+        <p:style>
+          <a:lnRef idx="2">
+            <a:schemeClr val="accent1">
+              <a:shade val="50000"/>
+            </a:schemeClr>
+          </a:lnRef>
+          <a:fillRef idx="1">
+            <a:schemeClr val="accent1"/>
+          </a:fillRef>
+          <a:effectRef idx="0">
+            <a:schemeClr val="accent1"/>
+          </a:effectRef>
+          <a:fontRef idx="minor">
+            <a:schemeClr val="lt1"/>
+          </a:fontRef>
+        </p:style>
+        <p:txBody>
+          <a:bodyPr rtlCol="0" anchor="ctr"/>
+          <a:p>
+            <a:pPr algn="ctr"/>
+            <a:endParaRPr lang="zh-CN" altLang="en-US"/>
+          </a:p>
+        </p:txBody>
+      </p:sp>
+      <p:sp>
+        <p:nvSpPr>
+          <p:cNvPr id="2" name="标题 1"/>
+          <p:cNvSpPr>
+            <a:spLocks noGrp="1"/>
+          </p:cNvSpPr>
+          <p:nvPr>
+            <p:ph type="title"/>
+          </p:nvPr>
+        </p:nvSpPr>
+        <p:spPr>
+          <a:xfrm>
+            <a:off x="4106545" y="245745"/>
+            <a:ext cx="3811270" cy="817245"/>
+          </a:xfrm>
+        </p:spPr>
+        <p:txBody>
+          <a:bodyPr>
+            <a:normAutofit fontScale="90000"/>
+          </a:bodyPr>
+          <a:p>
+            <a:r>
+              <a:rPr lang="en-US" altLang="zh-CN">
+                <a:latin typeface="Aa小梨涡" panose="02010600010101010101" charset="-122"/>
+                <a:ea typeface="Aa小梨涡" panose="02010600010101010101" charset="-122"/>
+              </a:rPr>
+              <a:t>4.2 </a:t>
+            </a:r>
+            <a:r>
+              <a:rPr lang="zh-CN" altLang="en-US">
+                <a:latin typeface="Aa小梨涡" panose="02010600010101010101" charset="-122"/>
+                <a:ea typeface="Aa小梨涡" panose="02010600010101010101" charset="-122"/>
+              </a:rPr>
+              <a:t>字符串基础</a:t>
+            </a:r>
+            <a:endParaRPr lang="zh-CN" altLang="en-US">
+              <a:latin typeface="Aa小梨涡" panose="02010600010101010101" charset="-122"/>
+              <a:ea typeface="Aa小梨涡" panose="02010600010101010101" charset="-122"/>
+            </a:endParaRPr>
+          </a:p>
+        </p:txBody>
+      </p:sp>
+      <p:sp>
+        <p:nvSpPr>
+          <p:cNvPr id="20" name="任意多边形 19"/>
+          <p:cNvSpPr/>
+          <p:nvPr/>
+        </p:nvSpPr>
+        <p:spPr>
+          <a:xfrm rot="10320000">
+            <a:off x="4344035" y="897890"/>
+            <a:ext cx="3456305" cy="76200"/>
+          </a:xfrm>
+          <a:custGeom>
+            <a:avLst/>
+            <a:gdLst>
+              <a:gd name="connisteX0" fmla="*/ 4685923 w 4685923"/>
+              <a:gd name="connsiteY0" fmla="*/ 9525 h 464575"/>
+              <a:gd name="connisteX1" fmla="*/ 548898 w 4685923"/>
+              <a:gd name="connsiteY1" fmla="*/ 238125 h 464575"/>
+              <a:gd name="connisteX2" fmla="*/ 672723 w 4685923"/>
+              <a:gd name="connsiteY2" fmla="*/ 456565 h 464575"/>
+              <a:gd name="connisteX3" fmla="*/ 4638298 w 4685923"/>
+              <a:gd name="connsiteY3" fmla="*/ 0 h 464575"/>
+            </a:gdLst>
+            <a:ahLst/>
+            <a:cxnLst>
+              <a:cxn ang="0">
+                <a:pos x="connisteX0" y="connsiteY0"/>
+              </a:cxn>
+              <a:cxn ang="0">
+                <a:pos x="connisteX1" y="connsiteY1"/>
+              </a:cxn>
+              <a:cxn ang="0">
+                <a:pos x="connisteX2" y="connsiteY2"/>
+              </a:cxn>
+              <a:cxn ang="0">
+                <a:pos x="connisteX3" y="connsiteY3"/>
+              </a:cxn>
+            </a:cxnLst>
+            <a:rect l="l" t="t" r="r" b="b"/>
+            <a:pathLst>
+              <a:path w="4685923" h="464576">
+                <a:moveTo>
+                  <a:pt x="4685923" y="9525"/>
+                </a:moveTo>
+                <a:cubicBezTo>
+                  <a:pt x="3855978" y="50800"/>
+                  <a:pt x="1351538" y="148590"/>
+                  <a:pt x="548898" y="238125"/>
+                </a:cubicBezTo>
+                <a:cubicBezTo>
+                  <a:pt x="-253742" y="327660"/>
+                  <a:pt x="-145157" y="504190"/>
+                  <a:pt x="672723" y="456565"/>
+                </a:cubicBezTo>
+                <a:cubicBezTo>
+                  <a:pt x="1490603" y="408940"/>
+                  <a:pt x="3847723" y="95885"/>
+                  <a:pt x="4638298" y="0"/>
+                </a:cubicBezTo>
+              </a:path>
+            </a:pathLst>
+          </a:custGeom>
+          <a:solidFill>
+            <a:schemeClr val="accent5"/>
+          </a:solidFill>
+          <a:ln>
+            <a:noFill/>
+          </a:ln>
+        </p:spPr>
+        <p:style>
+          <a:lnRef idx="2">
+            <a:schemeClr val="accent1">
+              <a:shade val="50000"/>
+            </a:schemeClr>
+          </a:lnRef>
+          <a:fillRef idx="1">
+            <a:schemeClr val="accent1"/>
+          </a:fillRef>
+          <a:effectRef idx="0">
+            <a:schemeClr val="accent1"/>
+          </a:effectRef>
+          <a:fontRef idx="minor">
+            <a:schemeClr val="lt1"/>
+          </a:fontRef>
+        </p:style>
+        <p:txBody>
+          <a:bodyPr rtlCol="0" anchor="ctr"/>
+          <a:p>
+            <a:pPr algn="ctr"/>
+            <a:endParaRPr lang="zh-CN" altLang="en-US"/>
+          </a:p>
+        </p:txBody>
+      </p:sp>
+      <p:sp>
+        <p:nvSpPr>
           <p:cNvPr id="8" name="文本框 7"/>
           <p:cNvSpPr txBox="1"/>
           <p:nvPr/>
@@ -10082,7 +12537,7 @@
                 <a:latin typeface="Comic Sans MS" panose="030F0702030302020204" charset="0"/>
                 <a:cs typeface="Comic Sans MS" panose="030F0702030302020204" charset="0"/>
               </a:rPr>
-              <a:t>[4.1-1.py]</a:t>
+              <a:t>[4.2-1.py]</a:t>
             </a:r>
             <a:endParaRPr lang="en-US" altLang="zh-CN" baseline="30000">
               <a:solidFill>
@@ -10283,1540 +12738,6 @@
       <p:bldP spid="11" grpId="1"/>
     </p:bldLst>
   </p:timing>
-</p:sld>
-</file>
-
-<file path=ppt/slides/slide18.xml><?xml version="1.0" encoding="utf-8"?>
-<p:sld xmlns:a="http://schemas.openxmlformats.org/drawingml/2006/main" xmlns:r="http://schemas.openxmlformats.org/officeDocument/2006/relationships" xmlns:p="http://schemas.openxmlformats.org/presentationml/2006/main">
-  <p:cSld>
-    <p:spTree>
-      <p:nvGrpSpPr>
-        <p:cNvPr id="1" name=""/>
-        <p:cNvGrpSpPr/>
-        <p:nvPr/>
-      </p:nvGrpSpPr>
-      <p:grpSpPr/>
-      <p:sp>
-        <p:nvSpPr>
-          <p:cNvPr id="18" name="任意多边形 17"/>
-          <p:cNvSpPr/>
-          <p:nvPr/>
-        </p:nvSpPr>
-        <p:spPr>
-          <a:xfrm rot="600000">
-            <a:off x="5342086" y="122979"/>
-            <a:ext cx="1728000" cy="944245"/>
-          </a:xfrm>
-          <a:custGeom>
-            <a:avLst/>
-            <a:gdLst>
-              <a:gd name="connisteX0" fmla="*/ 257810 w 3935730"/>
-              <a:gd name="connsiteY0" fmla="*/ 429260 h 944880"/>
-              <a:gd name="connisteX1" fmla="*/ 3394710 w 3935730"/>
-              <a:gd name="connsiteY1" fmla="*/ 0 h 944880"/>
-              <a:gd name="connisteX2" fmla="*/ 26035 w 3935730"/>
-              <a:gd name="connsiteY2" fmla="*/ 541020 h 944880"/>
-              <a:gd name="connisteX3" fmla="*/ 3575050 w 3935730"/>
-              <a:gd name="connsiteY3" fmla="*/ 51435 h 944880"/>
-              <a:gd name="connisteX4" fmla="*/ 172085 w 3935730"/>
-              <a:gd name="connsiteY4" fmla="*/ 601345 h 944880"/>
-              <a:gd name="connisteX5" fmla="*/ 3652520 w 3935730"/>
-              <a:gd name="connsiteY5" fmla="*/ 128905 h 944880"/>
-              <a:gd name="connisteX6" fmla="*/ 51435 w 3935730"/>
-              <a:gd name="connsiteY6" fmla="*/ 678815 h 944880"/>
-              <a:gd name="connisteX7" fmla="*/ 3514725 w 3935730"/>
-              <a:gd name="connsiteY7" fmla="*/ 214630 h 944880"/>
-              <a:gd name="connisteX8" fmla="*/ 369570 w 3935730"/>
-              <a:gd name="connsiteY8" fmla="*/ 704215 h 944880"/>
-              <a:gd name="connisteX9" fmla="*/ 3695700 w 3935730"/>
-              <a:gd name="connsiteY9" fmla="*/ 274955 h 944880"/>
-              <a:gd name="connisteX10" fmla="*/ 180340 w 3935730"/>
-              <a:gd name="connsiteY10" fmla="*/ 833120 h 944880"/>
-              <a:gd name="connisteX11" fmla="*/ 3695700 w 3935730"/>
-              <a:gd name="connsiteY11" fmla="*/ 351790 h 944880"/>
-              <a:gd name="connisteX12" fmla="*/ 0 w 3935730"/>
-              <a:gd name="connsiteY12" fmla="*/ 944880 h 944880"/>
-              <a:gd name="connisteX13" fmla="*/ 3935730 w 3935730"/>
-              <a:gd name="connsiteY13" fmla="*/ 360680 h 944880"/>
-            </a:gdLst>
-            <a:ahLst/>
-            <a:cxnLst>
-              <a:cxn ang="0">
-                <a:pos x="connisteX0" y="connsiteY0"/>
-              </a:cxn>
-              <a:cxn ang="0">
-                <a:pos x="connisteX1" y="connsiteY1"/>
-              </a:cxn>
-              <a:cxn ang="0">
-                <a:pos x="connisteX2" y="connsiteY2"/>
-              </a:cxn>
-              <a:cxn ang="0">
-                <a:pos x="connisteX3" y="connsiteY3"/>
-              </a:cxn>
-              <a:cxn ang="0">
-                <a:pos x="connisteX4" y="connsiteY4"/>
-              </a:cxn>
-              <a:cxn ang="0">
-                <a:pos x="connisteX5" y="connsiteY5"/>
-              </a:cxn>
-              <a:cxn ang="0">
-                <a:pos x="connisteX6" y="connsiteY6"/>
-              </a:cxn>
-              <a:cxn ang="0">
-                <a:pos x="connisteX7" y="connsiteY7"/>
-              </a:cxn>
-              <a:cxn ang="0">
-                <a:pos x="connisteX8" y="connsiteY8"/>
-              </a:cxn>
-              <a:cxn ang="0">
-                <a:pos x="connisteX9" y="connsiteY9"/>
-              </a:cxn>
-              <a:cxn ang="0">
-                <a:pos x="connisteX10" y="connsiteY10"/>
-              </a:cxn>
-              <a:cxn ang="0">
-                <a:pos x="connisteX11" y="connsiteY11"/>
-              </a:cxn>
-              <a:cxn ang="0">
-                <a:pos x="connisteX12" y="connsiteY12"/>
-              </a:cxn>
-              <a:cxn ang="0">
-                <a:pos x="connisteX13" y="connsiteY13"/>
-              </a:cxn>
-            </a:cxnLst>
-            <a:rect l="l" t="t" r="r" b="b"/>
-            <a:pathLst>
-              <a:path w="3935730" h="944880">
-                <a:moveTo>
-                  <a:pt x="257810" y="429260"/>
-                </a:moveTo>
-                <a:lnTo>
-                  <a:pt x="3394710" y="0"/>
-                </a:lnTo>
-                <a:lnTo>
-                  <a:pt x="26035" y="541020"/>
-                </a:lnTo>
-                <a:lnTo>
-                  <a:pt x="3575050" y="51435"/>
-                </a:lnTo>
-                <a:lnTo>
-                  <a:pt x="172085" y="601345"/>
-                </a:lnTo>
-                <a:lnTo>
-                  <a:pt x="3652520" y="128905"/>
-                </a:lnTo>
-                <a:lnTo>
-                  <a:pt x="51435" y="678815"/>
-                </a:lnTo>
-                <a:lnTo>
-                  <a:pt x="3514725" y="214630"/>
-                </a:lnTo>
-                <a:lnTo>
-                  <a:pt x="369570" y="704215"/>
-                </a:lnTo>
-                <a:lnTo>
-                  <a:pt x="3695700" y="274955"/>
-                </a:lnTo>
-                <a:lnTo>
-                  <a:pt x="180340" y="833120"/>
-                </a:lnTo>
-                <a:lnTo>
-                  <a:pt x="3695700" y="351790"/>
-                </a:lnTo>
-                <a:lnTo>
-                  <a:pt x="0" y="944880"/>
-                </a:lnTo>
-                <a:lnTo>
-                  <a:pt x="3935730" y="360680"/>
-                </a:lnTo>
-              </a:path>
-            </a:pathLst>
-          </a:custGeom>
-          <a:noFill/>
-          <a:ln w="203200">
-            <a:solidFill>
-              <a:schemeClr val="accent4">
-                <a:lumMod val="40000"/>
-                <a:lumOff val="60000"/>
-              </a:schemeClr>
-            </a:solidFill>
-          </a:ln>
-          <a:effectLst>
-            <a:softEdge rad="63500"/>
-          </a:effectLst>
-        </p:spPr>
-        <p:style>
-          <a:lnRef idx="2">
-            <a:schemeClr val="accent1">
-              <a:shade val="50000"/>
-            </a:schemeClr>
-          </a:lnRef>
-          <a:fillRef idx="1">
-            <a:schemeClr val="accent1"/>
-          </a:fillRef>
-          <a:effectRef idx="0">
-            <a:schemeClr val="accent1"/>
-          </a:effectRef>
-          <a:fontRef idx="minor">
-            <a:schemeClr val="lt1"/>
-          </a:fontRef>
-        </p:style>
-        <p:txBody>
-          <a:bodyPr rtlCol="0" anchor="ctr"/>
-          <a:p>
-            <a:pPr algn="ctr"/>
-            <a:endParaRPr lang="zh-CN" altLang="en-US"/>
-          </a:p>
-        </p:txBody>
-      </p:sp>
-      <p:sp>
-        <p:nvSpPr>
-          <p:cNvPr id="2" name="标题 1"/>
-          <p:cNvSpPr>
-            <a:spLocks noGrp="1"/>
-          </p:cNvSpPr>
-          <p:nvPr>
-            <p:ph type="title"/>
-          </p:nvPr>
-        </p:nvSpPr>
-        <p:spPr>
-          <a:xfrm>
-            <a:off x="4434205" y="245745"/>
-            <a:ext cx="3585210" cy="817245"/>
-          </a:xfrm>
-        </p:spPr>
-        <p:txBody>
-          <a:bodyPr>
-            <a:normAutofit fontScale="90000"/>
-          </a:bodyPr>
-          <a:p>
-            <a:r>
-              <a:rPr lang="en-US" altLang="zh-CN">
-                <a:latin typeface="Aa小梨涡" panose="02010600010101010101" charset="-122"/>
-                <a:ea typeface="Aa小梨涡" panose="02010600010101010101" charset="-122"/>
-                <a:sym typeface="+mn-ea"/>
-              </a:rPr>
-              <a:t>4.1 </a:t>
-            </a:r>
-            <a:r>
-              <a:rPr lang="zh-CN" altLang="en-US">
-                <a:latin typeface="Aa小梨涡" panose="02010600010101010101" charset="-122"/>
-                <a:ea typeface="Aa小梨涡" panose="02010600010101010101" charset="-122"/>
-                <a:sym typeface="+mn-ea"/>
-              </a:rPr>
-              <a:t>字符串基础</a:t>
-            </a:r>
-            <a:endParaRPr lang="zh-CN" altLang="en-US">
-              <a:latin typeface="Aa小梨涡" panose="02010600010101010101" charset="-122"/>
-              <a:ea typeface="Aa小梨涡" panose="02010600010101010101" charset="-122"/>
-            </a:endParaRPr>
-          </a:p>
-        </p:txBody>
-      </p:sp>
-      <p:sp>
-        <p:nvSpPr>
-          <p:cNvPr id="20" name="任意多边形 19"/>
-          <p:cNvSpPr/>
-          <p:nvPr/>
-        </p:nvSpPr>
-        <p:spPr>
-          <a:xfrm rot="10320000">
-            <a:off x="4344035" y="897890"/>
-            <a:ext cx="3456305" cy="76200"/>
-          </a:xfrm>
-          <a:custGeom>
-            <a:avLst/>
-            <a:gdLst>
-              <a:gd name="connisteX0" fmla="*/ 4685923 w 4685923"/>
-              <a:gd name="connsiteY0" fmla="*/ 9525 h 464575"/>
-              <a:gd name="connisteX1" fmla="*/ 548898 w 4685923"/>
-              <a:gd name="connsiteY1" fmla="*/ 238125 h 464575"/>
-              <a:gd name="connisteX2" fmla="*/ 672723 w 4685923"/>
-              <a:gd name="connsiteY2" fmla="*/ 456565 h 464575"/>
-              <a:gd name="connisteX3" fmla="*/ 4638298 w 4685923"/>
-              <a:gd name="connsiteY3" fmla="*/ 0 h 464575"/>
-            </a:gdLst>
-            <a:ahLst/>
-            <a:cxnLst>
-              <a:cxn ang="0">
-                <a:pos x="connisteX0" y="connsiteY0"/>
-              </a:cxn>
-              <a:cxn ang="0">
-                <a:pos x="connisteX1" y="connsiteY1"/>
-              </a:cxn>
-              <a:cxn ang="0">
-                <a:pos x="connisteX2" y="connsiteY2"/>
-              </a:cxn>
-              <a:cxn ang="0">
-                <a:pos x="connisteX3" y="connsiteY3"/>
-              </a:cxn>
-            </a:cxnLst>
-            <a:rect l="l" t="t" r="r" b="b"/>
-            <a:pathLst>
-              <a:path w="4685923" h="464576">
-                <a:moveTo>
-                  <a:pt x="4685923" y="9525"/>
-                </a:moveTo>
-                <a:cubicBezTo>
-                  <a:pt x="3855978" y="50800"/>
-                  <a:pt x="1351538" y="148590"/>
-                  <a:pt x="548898" y="238125"/>
-                </a:cubicBezTo>
-                <a:cubicBezTo>
-                  <a:pt x="-253742" y="327660"/>
-                  <a:pt x="-145157" y="504190"/>
-                  <a:pt x="672723" y="456565"/>
-                </a:cubicBezTo>
-                <a:cubicBezTo>
-                  <a:pt x="1490603" y="408940"/>
-                  <a:pt x="3847723" y="95885"/>
-                  <a:pt x="4638298" y="0"/>
-                </a:cubicBezTo>
-              </a:path>
-            </a:pathLst>
-          </a:custGeom>
-          <a:solidFill>
-            <a:schemeClr val="accent5"/>
-          </a:solidFill>
-          <a:ln>
-            <a:noFill/>
-          </a:ln>
-        </p:spPr>
-        <p:style>
-          <a:lnRef idx="2">
-            <a:schemeClr val="accent1">
-              <a:shade val="50000"/>
-            </a:schemeClr>
-          </a:lnRef>
-          <a:fillRef idx="1">
-            <a:schemeClr val="accent1"/>
-          </a:fillRef>
-          <a:effectRef idx="0">
-            <a:schemeClr val="accent1"/>
-          </a:effectRef>
-          <a:fontRef idx="minor">
-            <a:schemeClr val="lt1"/>
-          </a:fontRef>
-        </p:style>
-        <p:txBody>
-          <a:bodyPr rtlCol="0" anchor="ctr"/>
-          <a:p>
-            <a:pPr algn="ctr"/>
-            <a:endParaRPr lang="zh-CN" altLang="en-US"/>
-          </a:p>
-        </p:txBody>
-      </p:sp>
-      <p:sp>
-        <p:nvSpPr>
-          <p:cNvPr id="3" name="文本框 2"/>
-          <p:cNvSpPr txBox="1"/>
-          <p:nvPr/>
-        </p:nvSpPr>
-        <p:spPr>
-          <a:xfrm>
-            <a:off x="651510" y="1290955"/>
-            <a:ext cx="11281410" cy="2335530"/>
-          </a:xfrm>
-          <a:prstGeom prst="rect">
-            <a:avLst/>
-          </a:prstGeom>
-          <a:noFill/>
-          <a:ln>
-            <a:noFill/>
-          </a:ln>
-        </p:spPr>
-        <p:txBody>
-          <a:bodyPr wrap="square" rtlCol="0">
-            <a:spAutoFit/>
-          </a:bodyPr>
-          <a:p>
-            <a:pPr fontAlgn="auto">
-              <a:lnSpc>
-                <a:spcPts val="3500"/>
-              </a:lnSpc>
-            </a:pPr>
-            <a:r>
-              <a:rPr lang="en-US" altLang="zh-CN" sz="2200">
-                <a:latin typeface="Calibri" panose="020F0502020204030204" charset="0"/>
-                <a:ea typeface="Aa小梨涡" panose="02010600010101010101" charset="-122"/>
-                <a:cs typeface="Aa小梨涡" panose="02010600010101010101" charset="-122"/>
-                <a:sym typeface="+mn-ea"/>
-              </a:rPr>
-              <a:t>3. </a:t>
-            </a:r>
-            <a:r>
-              <a:rPr lang="zh-CN" altLang="en-US" sz="2200">
-                <a:latin typeface="Calibri" panose="020F0502020204030204" charset="0"/>
-                <a:ea typeface="Aa小梨涡" panose="02010600010101010101" charset="-122"/>
-                <a:cs typeface="Aa小梨涡" panose="02010600010101010101" charset="-122"/>
-                <a:sym typeface="+mn-ea"/>
-              </a:rPr>
-              <a:t>拼接和分割</a:t>
-            </a:r>
-            <a:endParaRPr lang="en-US" altLang="zh-CN" sz="2200">
-              <a:latin typeface="Calibri" panose="020F0502020204030204" charset="0"/>
-              <a:ea typeface="Aa小梨涡" panose="02010600010101010101" charset="-122"/>
-              <a:cs typeface="Aa小梨涡" panose="02010600010101010101" charset="-122"/>
-              <a:sym typeface="+mn-ea"/>
-            </a:endParaRPr>
-          </a:p>
-          <a:p>
-            <a:pPr fontAlgn="auto">
-              <a:lnSpc>
-                <a:spcPts val="3500"/>
-              </a:lnSpc>
-            </a:pPr>
-            <a:r>
-              <a:rPr lang="zh-CN" altLang="en-US" sz="2200">
-                <a:latin typeface="Calibri" panose="020F0502020204030204" charset="0"/>
-                <a:ea typeface="Aa小梨涡" panose="02010600010101010101" charset="-122"/>
-                <a:cs typeface="Aa小梨涡" panose="02010600010101010101" charset="-122"/>
-                <a:sym typeface="+mn-ea"/>
-              </a:rPr>
-              <a:t>        字符串的拼接：</a:t>
-            </a:r>
-            <a:endParaRPr lang="zh-CN" altLang="en-US" sz="2200">
-              <a:latin typeface="Calibri" panose="020F0502020204030204" charset="0"/>
-              <a:ea typeface="Aa小梨涡" panose="02010600010101010101" charset="-122"/>
-              <a:cs typeface="Aa小梨涡" panose="02010600010101010101" charset="-122"/>
-              <a:sym typeface="+mn-ea"/>
-            </a:endParaRPr>
-          </a:p>
-          <a:p>
-            <a:pPr fontAlgn="auto">
-              <a:lnSpc>
-                <a:spcPts val="3500"/>
-              </a:lnSpc>
-            </a:pPr>
-            <a:r>
-              <a:rPr lang="zh-CN" altLang="en-US" sz="2200">
-                <a:latin typeface="Aa小梨涡" panose="02010600010101010101" charset="-122"/>
-                <a:ea typeface="Aa小梨涡" panose="02010600010101010101" charset="-122"/>
-                <a:cs typeface="Aa小梨涡" panose="02010600010101010101" charset="-122"/>
-                <a:sym typeface="+mn-ea"/>
-              </a:rPr>
-              <a:t>        ①</a:t>
-            </a:r>
-            <a:r>
-              <a:rPr lang="en-US" altLang="zh-CN" sz="2200">
-                <a:latin typeface="Aa小梨涡" panose="02010600010101010101" charset="-122"/>
-                <a:ea typeface="Aa小梨涡" panose="02010600010101010101" charset="-122"/>
-                <a:cs typeface="Aa小梨涡" panose="02010600010101010101" charset="-122"/>
-                <a:sym typeface="+mn-ea"/>
-              </a:rPr>
-              <a:t>+</a:t>
-            </a:r>
-            <a:r>
-              <a:rPr lang="zh-CN" altLang="en-US" sz="2200">
-                <a:latin typeface="Aa小梨涡" panose="02010600010101010101" charset="-122"/>
-                <a:ea typeface="Aa小梨涡" panose="02010600010101010101" charset="-122"/>
-                <a:cs typeface="Aa小梨涡" panose="02010600010101010101" charset="-122"/>
-                <a:sym typeface="+mn-ea"/>
-              </a:rPr>
-              <a:t>运算符，</a:t>
-            </a:r>
-            <a:r>
-              <a:rPr lang="en-US" altLang="zh-CN" sz="2200">
-                <a:latin typeface="Aa小梨涡" panose="02010600010101010101" charset="-122"/>
-                <a:ea typeface="Aa小梨涡" panose="02010600010101010101" charset="-122"/>
-                <a:cs typeface="Aa小梨涡" panose="02010600010101010101" charset="-122"/>
-                <a:sym typeface="+mn-ea"/>
-              </a:rPr>
-              <a:t>string1 + string2</a:t>
-            </a:r>
-            <a:r>
-              <a:rPr lang="zh-CN" altLang="en-US" sz="2200">
-                <a:latin typeface="Aa小梨涡" panose="02010600010101010101" charset="-122"/>
-                <a:ea typeface="Aa小梨涡" panose="02010600010101010101" charset="-122"/>
-                <a:cs typeface="Aa小梨涡" panose="02010600010101010101" charset="-122"/>
-                <a:sym typeface="+mn-ea"/>
-              </a:rPr>
-              <a:t>；</a:t>
-            </a:r>
-            <a:endParaRPr lang="zh-CN" altLang="en-US" sz="2200">
-              <a:latin typeface="Aa小梨涡" panose="02010600010101010101" charset="-122"/>
-              <a:ea typeface="Aa小梨涡" panose="02010600010101010101" charset="-122"/>
-              <a:cs typeface="Aa小梨涡" panose="02010600010101010101" charset="-122"/>
-              <a:sym typeface="+mn-ea"/>
-            </a:endParaRPr>
-          </a:p>
-          <a:p>
-            <a:pPr fontAlgn="auto">
-              <a:lnSpc>
-                <a:spcPts val="3500"/>
-              </a:lnSpc>
-            </a:pPr>
-            <a:r>
-              <a:rPr lang="zh-CN" altLang="en-US" sz="2200">
-                <a:latin typeface="Aa小梨涡" panose="02010600010101010101" charset="-122"/>
-                <a:ea typeface="Aa小梨涡" panose="02010600010101010101" charset="-122"/>
-                <a:cs typeface="Aa小梨涡" panose="02010600010101010101" charset="-122"/>
-                <a:sym typeface="+mn-ea"/>
-              </a:rPr>
-              <a:t>        ②</a:t>
-            </a:r>
-            <a:r>
-              <a:rPr lang="en-US" altLang="zh-CN" sz="2200">
-                <a:latin typeface="Aa小梨涡" panose="02010600010101010101" charset="-122"/>
-                <a:ea typeface="Aa小梨涡" panose="02010600010101010101" charset="-122"/>
-                <a:cs typeface="Aa小梨涡" panose="02010600010101010101" charset="-122"/>
-                <a:sym typeface="+mn-ea"/>
-              </a:rPr>
-              <a:t>string.join(iterable)</a:t>
-            </a:r>
-            <a:r>
-              <a:rPr lang="zh-CN" altLang="en-US" sz="2200">
-                <a:latin typeface="Aa小梨涡" panose="02010600010101010101" charset="-122"/>
-                <a:ea typeface="Aa小梨涡" panose="02010600010101010101" charset="-122"/>
-                <a:cs typeface="Aa小梨涡" panose="02010600010101010101" charset="-122"/>
-                <a:sym typeface="+mn-ea"/>
-              </a:rPr>
-              <a:t>，用一个字符串来连接一个</a:t>
-            </a:r>
-            <a:r>
-              <a:rPr lang="zh-CN" altLang="en-US" sz="2200">
-                <a:latin typeface="Aa小梨涡" panose="02010600010101010101" charset="-122"/>
-                <a:ea typeface="Aa小梨涡" panose="02010600010101010101" charset="-122"/>
-                <a:cs typeface="Aa小梨涡" panose="02010600010101010101" charset="-122"/>
-                <a:sym typeface="+mn-ea"/>
-              </a:rPr>
-              <a:t>可迭代对象的每一个元素，</a:t>
-            </a:r>
-            <a:r>
-              <a:rPr lang="zh-CN" altLang="en-US" sz="2200">
-                <a:latin typeface="Aa小梨涡" panose="02010600010101010101" charset="-122"/>
-                <a:ea typeface="Aa小梨涡" panose="02010600010101010101" charset="-122"/>
-                <a:cs typeface="Aa小梨涡" panose="02010600010101010101" charset="-122"/>
-                <a:sym typeface="+mn-ea"/>
-              </a:rPr>
-              <a:t>其中</a:t>
-            </a:r>
-            <a:r>
-              <a:rPr lang="en-US" altLang="zh-CN" sz="2200">
-                <a:latin typeface="Aa小梨涡" panose="02010600010101010101" charset="-122"/>
-                <a:ea typeface="Aa小梨涡" panose="02010600010101010101" charset="-122"/>
-                <a:cs typeface="Aa小梨涡" panose="02010600010101010101" charset="-122"/>
-                <a:sym typeface="+mn-ea"/>
-              </a:rPr>
-              <a:t>iterable</a:t>
-            </a:r>
-            <a:r>
-              <a:rPr lang="zh-CN" altLang="en-US" sz="2200">
-                <a:latin typeface="Aa小梨涡" panose="02010600010101010101" charset="-122"/>
-                <a:ea typeface="Aa小梨涡" panose="02010600010101010101" charset="-122"/>
-                <a:cs typeface="Aa小梨涡" panose="02010600010101010101" charset="-122"/>
-                <a:sym typeface="+mn-ea"/>
-              </a:rPr>
-              <a:t>代表一个可迭代对象，例如，字符串，列表</a:t>
-            </a:r>
-            <a:r>
-              <a:rPr lang="zh-CN" altLang="en-US" sz="2200">
-                <a:latin typeface="Aa小梨涡" panose="02010600010101010101" charset="-122"/>
-                <a:ea typeface="Aa小梨涡" panose="02010600010101010101" charset="-122"/>
-                <a:cs typeface="Aa小梨涡" panose="02010600010101010101" charset="-122"/>
-                <a:sym typeface="+mn-ea"/>
-              </a:rPr>
-              <a:t>。</a:t>
-            </a:r>
-            <a:r>
-              <a:rPr lang="en-US" altLang="zh-CN" sz="2200">
-                <a:latin typeface="Aa小梨涡" panose="02010600010101010101" charset="-122"/>
-                <a:ea typeface="Aa小梨涡" panose="02010600010101010101" charset="-122"/>
-                <a:cs typeface="Aa小梨涡" panose="02010600010101010101" charset="-122"/>
-                <a:sym typeface="+mn-ea"/>
-              </a:rPr>
-              <a:t>   </a:t>
-            </a:r>
-            <a:r>
-              <a:rPr lang="en-US" altLang="zh-CN" sz="2200">
-                <a:latin typeface="Calibri" panose="020F0502020204030204" charset="0"/>
-                <a:ea typeface="Aa小梨涡" panose="02010600010101010101" charset="-122"/>
-                <a:cs typeface="Aa小梨涡" panose="02010600010101010101" charset="-122"/>
-                <a:sym typeface="+mn-ea"/>
-              </a:rPr>
-              <a:t>           </a:t>
-            </a:r>
-            <a:endParaRPr lang="en-US" altLang="zh-CN" sz="2200">
-              <a:latin typeface="Calibri" panose="020F0502020204030204" charset="0"/>
-              <a:ea typeface="Aa小梨涡" panose="02010600010101010101" charset="-122"/>
-              <a:cs typeface="Aa小梨涡" panose="02010600010101010101" charset="-122"/>
-              <a:sym typeface="+mn-ea"/>
-            </a:endParaRPr>
-          </a:p>
-        </p:txBody>
-      </p:sp>
-      <p:sp>
-        <p:nvSpPr>
-          <p:cNvPr id="11" name="文本框 10"/>
-          <p:cNvSpPr txBox="1"/>
-          <p:nvPr/>
-        </p:nvSpPr>
-        <p:spPr>
-          <a:xfrm>
-            <a:off x="6937375" y="3129280"/>
-            <a:ext cx="1407160" cy="270510"/>
-          </a:xfrm>
-          <a:prstGeom prst="rect">
-            <a:avLst/>
-          </a:prstGeom>
-          <a:noFill/>
-        </p:spPr>
-        <p:txBody>
-          <a:bodyPr wrap="square" rtlCol="0">
-            <a:spAutoFit/>
-          </a:bodyPr>
-          <a:p>
-            <a:r>
-              <a:rPr lang="en-US" altLang="zh-CN" baseline="30000">
-                <a:solidFill>
-                  <a:schemeClr val="accent5"/>
-                </a:solidFill>
-                <a:latin typeface="Comic Sans MS" panose="030F0702030302020204" charset="0"/>
-                <a:cs typeface="Comic Sans MS" panose="030F0702030302020204" charset="0"/>
-              </a:rPr>
-              <a:t>[4.1-2.py]</a:t>
-            </a:r>
-            <a:endParaRPr lang="en-US" altLang="zh-CN" baseline="30000">
-              <a:solidFill>
-                <a:schemeClr val="accent5"/>
-              </a:solidFill>
-              <a:latin typeface="Comic Sans MS" panose="030F0702030302020204" charset="0"/>
-              <a:cs typeface="Comic Sans MS" panose="030F0702030302020204" charset="0"/>
-            </a:endParaRPr>
-          </a:p>
-        </p:txBody>
-      </p:sp>
-      <p:sp>
-        <p:nvSpPr>
-          <p:cNvPr id="6" name="任意多边形 5"/>
-          <p:cNvSpPr/>
-          <p:nvPr/>
-        </p:nvSpPr>
-        <p:spPr>
-          <a:xfrm>
-            <a:off x="7068820" y="2719705"/>
-            <a:ext cx="1529080" cy="409575"/>
-          </a:xfrm>
-          <a:custGeom>
-            <a:avLst/>
-            <a:gdLst>
-              <a:gd name="connsiteX0" fmla="*/ 716 w 1431"/>
-              <a:gd name="connsiteY0" fmla="*/ 0 h 645"/>
-              <a:gd name="connsiteX1" fmla="*/ 1431 w 1431"/>
-              <a:gd name="connsiteY1" fmla="*/ 323 h 645"/>
-              <a:gd name="connsiteX2" fmla="*/ 716 w 1431"/>
-              <a:gd name="connsiteY2" fmla="*/ 645 h 645"/>
-              <a:gd name="connsiteX3" fmla="*/ 0 w 1431"/>
-              <a:gd name="connsiteY3" fmla="*/ 323 h 645"/>
-              <a:gd name="connsiteX4" fmla="*/ 881 w 1431"/>
-              <a:gd name="connsiteY4" fmla="*/ 165 h 645"/>
-            </a:gdLst>
-            <a:ahLst/>
-            <a:cxnLst>
-              <a:cxn ang="0">
-                <a:pos x="connsiteX0" y="connsiteY0"/>
-              </a:cxn>
-              <a:cxn ang="0">
-                <a:pos x="connsiteX1" y="connsiteY1"/>
-              </a:cxn>
-              <a:cxn ang="0">
-                <a:pos x="connsiteX2" y="connsiteY2"/>
-              </a:cxn>
-              <a:cxn ang="0">
-                <a:pos x="connsiteX3" y="connsiteY3"/>
-              </a:cxn>
-              <a:cxn ang="0">
-                <a:pos x="connsiteX4" y="connsiteY4"/>
-              </a:cxn>
-            </a:cxnLst>
-            <a:rect l="l" t="t" r="r" b="b"/>
-            <a:pathLst>
-              <a:path w="1431" h="645">
-                <a:moveTo>
-                  <a:pt x="716" y="0"/>
-                </a:moveTo>
-                <a:cubicBezTo>
-                  <a:pt x="1111" y="0"/>
-                  <a:pt x="1431" y="144"/>
-                  <a:pt x="1431" y="323"/>
-                </a:cubicBezTo>
-                <a:cubicBezTo>
-                  <a:pt x="1431" y="501"/>
-                  <a:pt x="1111" y="645"/>
-                  <a:pt x="716" y="645"/>
-                </a:cubicBezTo>
-                <a:cubicBezTo>
-                  <a:pt x="320" y="645"/>
-                  <a:pt x="0" y="501"/>
-                  <a:pt x="0" y="323"/>
-                </a:cubicBezTo>
-                <a:cubicBezTo>
-                  <a:pt x="0" y="144"/>
-                  <a:pt x="320" y="0"/>
-                  <a:pt x="881" y="165"/>
-                </a:cubicBezTo>
-              </a:path>
-            </a:pathLst>
-          </a:custGeom>
-          <a:noFill/>
-          <a:ln>
-            <a:solidFill>
-              <a:srgbClr val="FF0000"/>
-            </a:solidFill>
-          </a:ln>
-        </p:spPr>
-        <p:txBody>
-          <a:bodyPr/>
-          <a:p>
-            <a:pPr eaLnBrk="1" hangingPunct="1">
-              <a:spcBef>
-                <a:spcPct val="0"/>
-              </a:spcBef>
-              <a:buFontTx/>
-              <a:buNone/>
-            </a:pPr>
-            <a:endParaRPr lang="zh-CN" altLang="en-US" sz="1800">
-              <a:solidFill>
-                <a:schemeClr val="tx1"/>
-              </a:solidFill>
-              <a:ea typeface="宋体" panose="02010600030101010101" pitchFamily="2" charset="-122"/>
-            </a:endParaRPr>
-          </a:p>
-        </p:txBody>
-      </p:sp>
-      <p:sp>
-        <p:nvSpPr>
-          <p:cNvPr id="4" name="任意多边形 3"/>
-          <p:cNvSpPr/>
-          <p:nvPr/>
-        </p:nvSpPr>
-        <p:spPr>
-          <a:xfrm>
-            <a:off x="2662555" y="3129280"/>
-            <a:ext cx="1529080" cy="409575"/>
-          </a:xfrm>
-          <a:custGeom>
-            <a:avLst/>
-            <a:gdLst>
-              <a:gd name="connsiteX0" fmla="*/ 716 w 1431"/>
-              <a:gd name="connsiteY0" fmla="*/ 0 h 645"/>
-              <a:gd name="connsiteX1" fmla="*/ 1431 w 1431"/>
-              <a:gd name="connsiteY1" fmla="*/ 323 h 645"/>
-              <a:gd name="connsiteX2" fmla="*/ 716 w 1431"/>
-              <a:gd name="connsiteY2" fmla="*/ 645 h 645"/>
-              <a:gd name="connsiteX3" fmla="*/ 0 w 1431"/>
-              <a:gd name="connsiteY3" fmla="*/ 323 h 645"/>
-              <a:gd name="connsiteX4" fmla="*/ 881 w 1431"/>
-              <a:gd name="connsiteY4" fmla="*/ 165 h 645"/>
-            </a:gdLst>
-            <a:ahLst/>
-            <a:cxnLst>
-              <a:cxn ang="0">
-                <a:pos x="connsiteX0" y="connsiteY0"/>
-              </a:cxn>
-              <a:cxn ang="0">
-                <a:pos x="connsiteX1" y="connsiteY1"/>
-              </a:cxn>
-              <a:cxn ang="0">
-                <a:pos x="connsiteX2" y="connsiteY2"/>
-              </a:cxn>
-              <a:cxn ang="0">
-                <a:pos x="connsiteX3" y="connsiteY3"/>
-              </a:cxn>
-              <a:cxn ang="0">
-                <a:pos x="connsiteX4" y="connsiteY4"/>
-              </a:cxn>
-            </a:cxnLst>
-            <a:rect l="l" t="t" r="r" b="b"/>
-            <a:pathLst>
-              <a:path w="1431" h="645">
-                <a:moveTo>
-                  <a:pt x="716" y="0"/>
-                </a:moveTo>
-                <a:cubicBezTo>
-                  <a:pt x="1111" y="0"/>
-                  <a:pt x="1431" y="144"/>
-                  <a:pt x="1431" y="323"/>
-                </a:cubicBezTo>
-                <a:cubicBezTo>
-                  <a:pt x="1431" y="501"/>
-                  <a:pt x="1111" y="645"/>
-                  <a:pt x="716" y="645"/>
-                </a:cubicBezTo>
-                <a:cubicBezTo>
-                  <a:pt x="320" y="645"/>
-                  <a:pt x="0" y="501"/>
-                  <a:pt x="0" y="323"/>
-                </a:cubicBezTo>
-                <a:cubicBezTo>
-                  <a:pt x="0" y="144"/>
-                  <a:pt x="320" y="0"/>
-                  <a:pt x="881" y="165"/>
-                </a:cubicBezTo>
-              </a:path>
-            </a:pathLst>
-          </a:custGeom>
-          <a:noFill/>
-          <a:ln>
-            <a:solidFill>
-              <a:srgbClr val="FF0000"/>
-            </a:solidFill>
-          </a:ln>
-        </p:spPr>
-        <p:txBody>
-          <a:bodyPr/>
-          <a:p>
-            <a:pPr eaLnBrk="1" hangingPunct="1">
-              <a:spcBef>
-                <a:spcPct val="0"/>
-              </a:spcBef>
-              <a:buFontTx/>
-              <a:buNone/>
-            </a:pPr>
-            <a:endParaRPr lang="zh-CN" altLang="en-US" sz="1800">
-              <a:solidFill>
-                <a:schemeClr val="tx1"/>
-              </a:solidFill>
-              <a:ea typeface="宋体" panose="02010600030101010101" pitchFamily="2" charset="-122"/>
-            </a:endParaRPr>
-          </a:p>
-        </p:txBody>
-      </p:sp>
-      <p:sp>
-        <p:nvSpPr>
-          <p:cNvPr id="5" name="文本框 4"/>
-          <p:cNvSpPr txBox="1"/>
-          <p:nvPr/>
-        </p:nvSpPr>
-        <p:spPr>
-          <a:xfrm>
-            <a:off x="651510" y="3663950"/>
-            <a:ext cx="11281410" cy="1437640"/>
-          </a:xfrm>
-          <a:prstGeom prst="rect">
-            <a:avLst/>
-          </a:prstGeom>
-          <a:noFill/>
-          <a:ln>
-            <a:noFill/>
-          </a:ln>
-        </p:spPr>
-        <p:txBody>
-          <a:bodyPr wrap="square" rtlCol="0">
-            <a:spAutoFit/>
-          </a:bodyPr>
-          <a:p>
-            <a:pPr fontAlgn="auto">
-              <a:lnSpc>
-                <a:spcPts val="3500"/>
-              </a:lnSpc>
-            </a:pPr>
-            <a:r>
-              <a:rPr lang="en-US" altLang="zh-CN" sz="2200">
-                <a:latin typeface="Calibri" panose="020F0502020204030204" charset="0"/>
-                <a:ea typeface="Aa小梨涡" panose="02010600010101010101" charset="-122"/>
-                <a:cs typeface="Aa小梨涡" panose="02010600010101010101" charset="-122"/>
-                <a:sym typeface="+mn-ea"/>
-              </a:rPr>
-              <a:t>        </a:t>
-            </a:r>
-            <a:r>
-              <a:rPr lang="zh-CN" altLang="en-US" sz="2200">
-                <a:latin typeface="Calibri" panose="020F0502020204030204" charset="0"/>
-                <a:ea typeface="Aa小梨涡" panose="02010600010101010101" charset="-122"/>
-                <a:cs typeface="Aa小梨涡" panose="02010600010101010101" charset="-122"/>
-                <a:sym typeface="+mn-ea"/>
-              </a:rPr>
-              <a:t>字符串的分割</a:t>
-            </a:r>
-            <a:r>
-              <a:rPr lang="zh-CN" altLang="en-US" sz="2200">
-                <a:latin typeface="Aa小梨涡" panose="02010600010101010101" charset="-122"/>
-                <a:ea typeface="Aa小梨涡" panose="02010600010101010101" charset="-122"/>
-                <a:cs typeface="Aa小梨涡" panose="02010600010101010101" charset="-122"/>
-                <a:sym typeface="+mn-ea"/>
-              </a:rPr>
-              <a:t>：</a:t>
-            </a:r>
-            <a:endParaRPr lang="zh-CN" altLang="en-US" sz="2200">
-              <a:latin typeface="Aa小梨涡" panose="02010600010101010101" charset="-122"/>
-              <a:ea typeface="Aa小梨涡" panose="02010600010101010101" charset="-122"/>
-              <a:cs typeface="Aa小梨涡" panose="02010600010101010101" charset="-122"/>
-              <a:sym typeface="+mn-ea"/>
-            </a:endParaRPr>
-          </a:p>
-          <a:p>
-            <a:pPr fontAlgn="auto">
-              <a:lnSpc>
-                <a:spcPts val="3500"/>
-              </a:lnSpc>
-            </a:pPr>
-            <a:r>
-              <a:rPr lang="zh-CN" altLang="en-US" sz="2200">
-                <a:latin typeface="Aa小梨涡" panose="02010600010101010101" charset="-122"/>
-                <a:ea typeface="Aa小梨涡" panose="02010600010101010101" charset="-122"/>
-                <a:cs typeface="Aa小梨涡" panose="02010600010101010101" charset="-122"/>
-                <a:sym typeface="+mn-ea"/>
-              </a:rPr>
-              <a:t>        string.split(separator)，表示把字符串按照 separator 分割成子字符串，并返回一个分割后子字符串组合的列表。</a:t>
-            </a:r>
-            <a:r>
-              <a:rPr lang="en-US" altLang="zh-CN" sz="2200">
-                <a:latin typeface="Aa小梨涡" panose="02010600010101010101" charset="-122"/>
-                <a:ea typeface="Aa小梨涡" panose="02010600010101010101" charset="-122"/>
-                <a:cs typeface="Aa小梨涡" panose="02010600010101010101" charset="-122"/>
-                <a:sym typeface="+mn-ea"/>
-              </a:rPr>
-              <a:t>   </a:t>
-            </a:r>
-            <a:r>
-              <a:rPr lang="en-US" altLang="zh-CN" sz="2200">
-                <a:latin typeface="Calibri" panose="020F0502020204030204" charset="0"/>
-                <a:ea typeface="Aa小梨涡" panose="02010600010101010101" charset="-122"/>
-                <a:cs typeface="Aa小梨涡" panose="02010600010101010101" charset="-122"/>
-                <a:sym typeface="+mn-ea"/>
-              </a:rPr>
-              <a:t>           </a:t>
-            </a:r>
-            <a:endParaRPr lang="en-US" altLang="zh-CN" sz="2200">
-              <a:latin typeface="Calibri" panose="020F0502020204030204" charset="0"/>
-              <a:ea typeface="Aa小梨涡" panose="02010600010101010101" charset="-122"/>
-              <a:cs typeface="Aa小梨涡" panose="02010600010101010101" charset="-122"/>
-              <a:sym typeface="+mn-ea"/>
-            </a:endParaRPr>
-          </a:p>
-        </p:txBody>
-      </p:sp>
-      <p:sp>
-        <p:nvSpPr>
-          <p:cNvPr id="7" name="文本框 6"/>
-          <p:cNvSpPr txBox="1"/>
-          <p:nvPr/>
-        </p:nvSpPr>
-        <p:spPr>
-          <a:xfrm>
-            <a:off x="3599180" y="4654550"/>
-            <a:ext cx="1407160" cy="270510"/>
-          </a:xfrm>
-          <a:prstGeom prst="rect">
-            <a:avLst/>
-          </a:prstGeom>
-          <a:noFill/>
-        </p:spPr>
-        <p:txBody>
-          <a:bodyPr wrap="square" rtlCol="0">
-            <a:spAutoFit/>
-          </a:bodyPr>
-          <a:p>
-            <a:r>
-              <a:rPr lang="en-US" altLang="zh-CN" baseline="30000">
-                <a:solidFill>
-                  <a:schemeClr val="accent5"/>
-                </a:solidFill>
-                <a:latin typeface="Comic Sans MS" panose="030F0702030302020204" charset="0"/>
-                <a:cs typeface="Comic Sans MS" panose="030F0702030302020204" charset="0"/>
-              </a:rPr>
-              <a:t>[4.1-3.py]</a:t>
-            </a:r>
-            <a:endParaRPr lang="en-US" altLang="zh-CN" baseline="30000">
-              <a:solidFill>
-                <a:schemeClr val="accent5"/>
-              </a:solidFill>
-              <a:latin typeface="Comic Sans MS" panose="030F0702030302020204" charset="0"/>
-              <a:cs typeface="Comic Sans MS" panose="030F0702030302020204" charset="0"/>
-            </a:endParaRPr>
-          </a:p>
-        </p:txBody>
-      </p:sp>
-    </p:spTree>
-  </p:cSld>
-  <p:clrMapOvr>
-    <a:masterClrMapping/>
-  </p:clrMapOvr>
-  <p:timing>
-    <p:tnLst>
-      <p:par>
-        <p:cTn id="1" dur="indefinite" restart="never" nodeType="tmRoot">
-          <p:childTnLst>
-            <p:seq concurrent="1" nextAc="seek">
-              <p:cTn id="2" dur="indefinite" nodeType="mainSeq">
-                <p:childTnLst>
-                  <p:par>
-                    <p:cTn id="3" fill="hold">
-                      <p:stCondLst>
-                        <p:cond delay="indefinite"/>
-                      </p:stCondLst>
-                      <p:childTnLst>
-                        <p:par>
-                          <p:cTn id="4" fill="hold">
-                            <p:stCondLst>
-                              <p:cond delay="0"/>
-                            </p:stCondLst>
-                            <p:childTnLst>
-                              <p:par>
-                                <p:cTn id="5" presetID="1" presetClass="entr" presetSubtype="0" fill="hold" grpId="0" nodeType="clickEffect">
-                                  <p:stCondLst>
-                                    <p:cond delay="0"/>
-                                  </p:stCondLst>
-                                  <p:childTnLst>
-                                    <p:set>
-                                      <p:cBhvr>
-                                        <p:cTn id="6" dur="1" fill="hold">
-                                          <p:stCondLst>
-                                            <p:cond delay="0"/>
-                                          </p:stCondLst>
-                                        </p:cTn>
-                                        <p:tgtEl>
-                                          <p:spTgt spid="3"/>
-                                        </p:tgtEl>
-                                        <p:attrNameLst>
-                                          <p:attrName>style.visibility</p:attrName>
-                                        </p:attrNameLst>
-                                      </p:cBhvr>
-                                      <p:to>
-                                        <p:strVal val="visible"/>
-                                      </p:to>
-                                    </p:set>
-                                  </p:childTnLst>
-                                </p:cTn>
-                              </p:par>
-                              <p:par>
-                                <p:cTn id="7" presetID="1" presetClass="entr" presetSubtype="0" fill="hold" grpId="0" nodeType="withEffect">
-                                  <p:stCondLst>
-                                    <p:cond delay="0"/>
-                                  </p:stCondLst>
-                                  <p:childTnLst>
-                                    <p:set>
-                                      <p:cBhvr>
-                                        <p:cTn id="8" dur="1" fill="hold">
-                                          <p:stCondLst>
-                                            <p:cond delay="0"/>
-                                          </p:stCondLst>
-                                        </p:cTn>
-                                        <p:tgtEl>
-                                          <p:spTgt spid="11"/>
-                                        </p:tgtEl>
-                                        <p:attrNameLst>
-                                          <p:attrName>style.visibility</p:attrName>
-                                        </p:attrNameLst>
-                                      </p:cBhvr>
-                                      <p:to>
-                                        <p:strVal val="visible"/>
-                                      </p:to>
-                                    </p:set>
-                                  </p:childTnLst>
-                                </p:cTn>
-                              </p:par>
-                              <p:par>
-                                <p:cTn id="9" presetID="22" presetClass="entr" presetSubtype="4" fill="hold" grpId="0" nodeType="withEffect">
-                                  <p:stCondLst>
-                                    <p:cond delay="0"/>
-                                  </p:stCondLst>
-                                  <p:childTnLst>
-                                    <p:set>
-                                      <p:cBhvr>
-                                        <p:cTn id="10" dur="1" fill="hold">
-                                          <p:stCondLst>
-                                            <p:cond delay="0"/>
-                                          </p:stCondLst>
-                                        </p:cTn>
-                                        <p:tgtEl>
-                                          <p:spTgt spid="6"/>
-                                        </p:tgtEl>
-                                        <p:attrNameLst>
-                                          <p:attrName>style.visibility</p:attrName>
-                                        </p:attrNameLst>
-                                      </p:cBhvr>
-                                      <p:to>
-                                        <p:strVal val="visible"/>
-                                      </p:to>
-                                    </p:set>
-                                    <p:animEffect transition="in" filter="wipe(down)">
-                                      <p:cBhvr>
-                                        <p:cTn id="11" dur="500"/>
-                                        <p:tgtEl>
-                                          <p:spTgt spid="6"/>
-                                        </p:tgtEl>
-                                      </p:cBhvr>
-                                    </p:animEffect>
-                                  </p:childTnLst>
-                                </p:cTn>
-                              </p:par>
-                              <p:par>
-                                <p:cTn id="12" presetID="22" presetClass="entr" presetSubtype="4" fill="hold" grpId="0" nodeType="withEffect">
-                                  <p:stCondLst>
-                                    <p:cond delay="0"/>
-                                  </p:stCondLst>
-                                  <p:childTnLst>
-                                    <p:set>
-                                      <p:cBhvr>
-                                        <p:cTn id="13" dur="1" fill="hold">
-                                          <p:stCondLst>
-                                            <p:cond delay="0"/>
-                                          </p:stCondLst>
-                                        </p:cTn>
-                                        <p:tgtEl>
-                                          <p:spTgt spid="4"/>
-                                        </p:tgtEl>
-                                        <p:attrNameLst>
-                                          <p:attrName>style.visibility</p:attrName>
-                                        </p:attrNameLst>
-                                      </p:cBhvr>
-                                      <p:to>
-                                        <p:strVal val="visible"/>
-                                      </p:to>
-                                    </p:set>
-                                    <p:animEffect transition="in" filter="wipe(down)">
-                                      <p:cBhvr>
-                                        <p:cTn id="14" dur="500"/>
-                                        <p:tgtEl>
-                                          <p:spTgt spid="4"/>
-                                        </p:tgtEl>
-                                      </p:cBhvr>
-                                    </p:animEffect>
-                                  </p:childTnLst>
-                                </p:cTn>
-                              </p:par>
-                            </p:childTnLst>
-                          </p:cTn>
-                        </p:par>
-                      </p:childTnLst>
-                    </p:cTn>
-                  </p:par>
-                  <p:par>
-                    <p:cTn id="15" fill="hold">
-                      <p:stCondLst>
-                        <p:cond delay="indefinite"/>
-                      </p:stCondLst>
-                      <p:childTnLst>
-                        <p:par>
-                          <p:cTn id="16" fill="hold">
-                            <p:stCondLst>
-                              <p:cond delay="0"/>
-                            </p:stCondLst>
-                            <p:childTnLst>
-                              <p:par>
-                                <p:cTn id="17" presetID="1" presetClass="entr" presetSubtype="0" fill="hold" grpId="0" nodeType="clickEffect">
-                                  <p:stCondLst>
-                                    <p:cond delay="0"/>
-                                  </p:stCondLst>
-                                  <p:childTnLst>
-                                    <p:set>
-                                      <p:cBhvr>
-                                        <p:cTn id="18" dur="1" fill="hold">
-                                          <p:stCondLst>
-                                            <p:cond delay="0"/>
-                                          </p:stCondLst>
-                                        </p:cTn>
-                                        <p:tgtEl>
-                                          <p:spTgt spid="5"/>
-                                        </p:tgtEl>
-                                        <p:attrNameLst>
-                                          <p:attrName>style.visibility</p:attrName>
-                                        </p:attrNameLst>
-                                      </p:cBhvr>
-                                      <p:to>
-                                        <p:strVal val="visible"/>
-                                      </p:to>
-                                    </p:set>
-                                  </p:childTnLst>
-                                </p:cTn>
-                              </p:par>
-                              <p:par>
-                                <p:cTn id="19" presetID="1" presetClass="entr" presetSubtype="0" fill="hold" grpId="0" nodeType="withEffect">
-                                  <p:stCondLst>
-                                    <p:cond delay="0"/>
-                                  </p:stCondLst>
-                                  <p:childTnLst>
-                                    <p:set>
-                                      <p:cBhvr>
-                                        <p:cTn id="20" dur="1" fill="hold">
-                                          <p:stCondLst>
-                                            <p:cond delay="0"/>
-                                          </p:stCondLst>
-                                        </p:cTn>
-                                        <p:tgtEl>
-                                          <p:spTgt spid="7"/>
-                                        </p:tgtEl>
-                                        <p:attrNameLst>
-                                          <p:attrName>style.visibility</p:attrName>
-                                        </p:attrNameLst>
-                                      </p:cBhvr>
-                                      <p:to>
-                                        <p:strVal val="visible"/>
-                                      </p:to>
-                                    </p:set>
-                                  </p:childTnLst>
-                                </p:cTn>
-                              </p:par>
-                            </p:childTnLst>
-                          </p:cTn>
-                        </p:par>
-                      </p:childTnLst>
-                    </p:cTn>
-                  </p:par>
-                </p:childTnLst>
-              </p:cTn>
-              <p:prevCondLst>
-                <p:cond evt="onPrev" delay="0">
-                  <p:tgtEl>
-                    <p:sldTgt/>
-                  </p:tgtEl>
-                </p:cond>
-              </p:prevCondLst>
-              <p:nextCondLst>
-                <p:cond evt="onNext" delay="0">
-                  <p:tgtEl>
-                    <p:sldTgt/>
-                  </p:tgtEl>
-                </p:cond>
-              </p:nextCondLst>
-            </p:seq>
-          </p:childTnLst>
-        </p:cTn>
-      </p:par>
-    </p:tnLst>
-    <p:bldLst>
-      <p:bldP spid="3" grpId="0"/>
-      <p:bldP spid="3" grpId="1"/>
-      <p:bldP spid="11" grpId="0"/>
-      <p:bldP spid="11" grpId="1"/>
-      <p:bldP spid="6" grpId="0" bldLvl="0" animBg="1"/>
-      <p:bldP spid="6" grpId="1" animBg="1"/>
-      <p:bldP spid="4" grpId="0" bldLvl="0" animBg="1"/>
-      <p:bldP spid="4" grpId="1" animBg="1"/>
-      <p:bldP spid="5" grpId="0"/>
-      <p:bldP spid="5" grpId="1"/>
-      <p:bldP spid="7" grpId="0"/>
-      <p:bldP spid="7" grpId="1"/>
-    </p:bldLst>
-  </p:timing>
-</p:sld>
-</file>
-
-<file path=ppt/slides/slide19.xml><?xml version="1.0" encoding="utf-8"?>
-<p:sld xmlns:a="http://schemas.openxmlformats.org/drawingml/2006/main" xmlns:r="http://schemas.openxmlformats.org/officeDocument/2006/relationships" xmlns:p="http://schemas.openxmlformats.org/presentationml/2006/main">
-  <p:cSld>
-    <p:spTree>
-      <p:nvGrpSpPr>
-        <p:cNvPr id="1" name=""/>
-        <p:cNvGrpSpPr/>
-        <p:nvPr/>
-      </p:nvGrpSpPr>
-      <p:grpSpPr/>
-      <p:sp>
-        <p:nvSpPr>
-          <p:cNvPr id="18" name="任意多边形 17"/>
-          <p:cNvSpPr/>
-          <p:nvPr/>
-        </p:nvSpPr>
-        <p:spPr>
-          <a:xfrm rot="600000">
-            <a:off x="5342086" y="122979"/>
-            <a:ext cx="1728000" cy="944245"/>
-          </a:xfrm>
-          <a:custGeom>
-            <a:avLst/>
-            <a:gdLst>
-              <a:gd name="connisteX0" fmla="*/ 257810 w 3935730"/>
-              <a:gd name="connsiteY0" fmla="*/ 429260 h 944880"/>
-              <a:gd name="connisteX1" fmla="*/ 3394710 w 3935730"/>
-              <a:gd name="connsiteY1" fmla="*/ 0 h 944880"/>
-              <a:gd name="connisteX2" fmla="*/ 26035 w 3935730"/>
-              <a:gd name="connsiteY2" fmla="*/ 541020 h 944880"/>
-              <a:gd name="connisteX3" fmla="*/ 3575050 w 3935730"/>
-              <a:gd name="connsiteY3" fmla="*/ 51435 h 944880"/>
-              <a:gd name="connisteX4" fmla="*/ 172085 w 3935730"/>
-              <a:gd name="connsiteY4" fmla="*/ 601345 h 944880"/>
-              <a:gd name="connisteX5" fmla="*/ 3652520 w 3935730"/>
-              <a:gd name="connsiteY5" fmla="*/ 128905 h 944880"/>
-              <a:gd name="connisteX6" fmla="*/ 51435 w 3935730"/>
-              <a:gd name="connsiteY6" fmla="*/ 678815 h 944880"/>
-              <a:gd name="connisteX7" fmla="*/ 3514725 w 3935730"/>
-              <a:gd name="connsiteY7" fmla="*/ 214630 h 944880"/>
-              <a:gd name="connisteX8" fmla="*/ 369570 w 3935730"/>
-              <a:gd name="connsiteY8" fmla="*/ 704215 h 944880"/>
-              <a:gd name="connisteX9" fmla="*/ 3695700 w 3935730"/>
-              <a:gd name="connsiteY9" fmla="*/ 274955 h 944880"/>
-              <a:gd name="connisteX10" fmla="*/ 180340 w 3935730"/>
-              <a:gd name="connsiteY10" fmla="*/ 833120 h 944880"/>
-              <a:gd name="connisteX11" fmla="*/ 3695700 w 3935730"/>
-              <a:gd name="connsiteY11" fmla="*/ 351790 h 944880"/>
-              <a:gd name="connisteX12" fmla="*/ 0 w 3935730"/>
-              <a:gd name="connsiteY12" fmla="*/ 944880 h 944880"/>
-              <a:gd name="connisteX13" fmla="*/ 3935730 w 3935730"/>
-              <a:gd name="connsiteY13" fmla="*/ 360680 h 944880"/>
-            </a:gdLst>
-            <a:ahLst/>
-            <a:cxnLst>
-              <a:cxn ang="0">
-                <a:pos x="connisteX0" y="connsiteY0"/>
-              </a:cxn>
-              <a:cxn ang="0">
-                <a:pos x="connisteX1" y="connsiteY1"/>
-              </a:cxn>
-              <a:cxn ang="0">
-                <a:pos x="connisteX2" y="connsiteY2"/>
-              </a:cxn>
-              <a:cxn ang="0">
-                <a:pos x="connisteX3" y="connsiteY3"/>
-              </a:cxn>
-              <a:cxn ang="0">
-                <a:pos x="connisteX4" y="connsiteY4"/>
-              </a:cxn>
-              <a:cxn ang="0">
-                <a:pos x="connisteX5" y="connsiteY5"/>
-              </a:cxn>
-              <a:cxn ang="0">
-                <a:pos x="connisteX6" y="connsiteY6"/>
-              </a:cxn>
-              <a:cxn ang="0">
-                <a:pos x="connisteX7" y="connsiteY7"/>
-              </a:cxn>
-              <a:cxn ang="0">
-                <a:pos x="connisteX8" y="connsiteY8"/>
-              </a:cxn>
-              <a:cxn ang="0">
-                <a:pos x="connisteX9" y="connsiteY9"/>
-              </a:cxn>
-              <a:cxn ang="0">
-                <a:pos x="connisteX10" y="connsiteY10"/>
-              </a:cxn>
-              <a:cxn ang="0">
-                <a:pos x="connisteX11" y="connsiteY11"/>
-              </a:cxn>
-              <a:cxn ang="0">
-                <a:pos x="connisteX12" y="connsiteY12"/>
-              </a:cxn>
-              <a:cxn ang="0">
-                <a:pos x="connisteX13" y="connsiteY13"/>
-              </a:cxn>
-            </a:cxnLst>
-            <a:rect l="l" t="t" r="r" b="b"/>
-            <a:pathLst>
-              <a:path w="3935730" h="944880">
-                <a:moveTo>
-                  <a:pt x="257810" y="429260"/>
-                </a:moveTo>
-                <a:lnTo>
-                  <a:pt x="3394710" y="0"/>
-                </a:lnTo>
-                <a:lnTo>
-                  <a:pt x="26035" y="541020"/>
-                </a:lnTo>
-                <a:lnTo>
-                  <a:pt x="3575050" y="51435"/>
-                </a:lnTo>
-                <a:lnTo>
-                  <a:pt x="172085" y="601345"/>
-                </a:lnTo>
-                <a:lnTo>
-                  <a:pt x="3652520" y="128905"/>
-                </a:lnTo>
-                <a:lnTo>
-                  <a:pt x="51435" y="678815"/>
-                </a:lnTo>
-                <a:lnTo>
-                  <a:pt x="3514725" y="214630"/>
-                </a:lnTo>
-                <a:lnTo>
-                  <a:pt x="369570" y="704215"/>
-                </a:lnTo>
-                <a:lnTo>
-                  <a:pt x="3695700" y="274955"/>
-                </a:lnTo>
-                <a:lnTo>
-                  <a:pt x="180340" y="833120"/>
-                </a:lnTo>
-                <a:lnTo>
-                  <a:pt x="3695700" y="351790"/>
-                </a:lnTo>
-                <a:lnTo>
-                  <a:pt x="0" y="944880"/>
-                </a:lnTo>
-                <a:lnTo>
-                  <a:pt x="3935730" y="360680"/>
-                </a:lnTo>
-              </a:path>
-            </a:pathLst>
-          </a:custGeom>
-          <a:noFill/>
-          <a:ln w="203200">
-            <a:solidFill>
-              <a:schemeClr val="accent4">
-                <a:lumMod val="40000"/>
-                <a:lumOff val="60000"/>
-              </a:schemeClr>
-            </a:solidFill>
-          </a:ln>
-          <a:effectLst>
-            <a:softEdge rad="63500"/>
-          </a:effectLst>
-        </p:spPr>
-        <p:style>
-          <a:lnRef idx="2">
-            <a:schemeClr val="accent1">
-              <a:shade val="50000"/>
-            </a:schemeClr>
-          </a:lnRef>
-          <a:fillRef idx="1">
-            <a:schemeClr val="accent1"/>
-          </a:fillRef>
-          <a:effectRef idx="0">
-            <a:schemeClr val="accent1"/>
-          </a:effectRef>
-          <a:fontRef idx="minor">
-            <a:schemeClr val="lt1"/>
-          </a:fontRef>
-        </p:style>
-        <p:txBody>
-          <a:bodyPr rtlCol="0" anchor="ctr"/>
-          <a:p>
-            <a:pPr algn="ctr"/>
-            <a:endParaRPr lang="zh-CN" altLang="en-US"/>
-          </a:p>
-        </p:txBody>
-      </p:sp>
-      <p:sp>
-        <p:nvSpPr>
-          <p:cNvPr id="2" name="标题 1"/>
-          <p:cNvSpPr>
-            <a:spLocks noGrp="1"/>
-          </p:cNvSpPr>
-          <p:nvPr>
-            <p:ph type="title"/>
-          </p:nvPr>
-        </p:nvSpPr>
-        <p:spPr>
-          <a:xfrm>
-            <a:off x="5132070" y="245745"/>
-            <a:ext cx="2136775" cy="817245"/>
-          </a:xfrm>
-        </p:spPr>
-        <p:txBody>
-          <a:bodyPr>
-            <a:normAutofit fontScale="90000"/>
-          </a:bodyPr>
-          <a:p>
-            <a:r>
-              <a:rPr lang="en-US" altLang="zh-CN">
-                <a:latin typeface="Aa小梨涡" panose="02010600010101010101" charset="-122"/>
-                <a:ea typeface="Aa小梨涡" panose="02010600010101010101" charset="-122"/>
-              </a:rPr>
-              <a:t>1.</a:t>
-            </a:r>
-            <a:r>
-              <a:rPr lang="zh-CN" altLang="en-US">
-                <a:latin typeface="Aa小梨涡" panose="02010600010101010101" charset="-122"/>
-                <a:ea typeface="Aa小梨涡" panose="02010600010101010101" charset="-122"/>
-              </a:rPr>
-              <a:t>开篇词</a:t>
-            </a:r>
-            <a:endParaRPr lang="zh-CN" altLang="en-US">
-              <a:latin typeface="Aa小梨涡" panose="02010600010101010101" charset="-122"/>
-              <a:ea typeface="Aa小梨涡" panose="02010600010101010101" charset="-122"/>
-            </a:endParaRPr>
-          </a:p>
-        </p:txBody>
-      </p:sp>
-      <p:sp>
-        <p:nvSpPr>
-          <p:cNvPr id="20" name="任意多边形 19"/>
-          <p:cNvSpPr/>
-          <p:nvPr/>
-        </p:nvSpPr>
-        <p:spPr>
-          <a:xfrm rot="10320000">
-            <a:off x="4344035" y="897890"/>
-            <a:ext cx="3456305" cy="76200"/>
-          </a:xfrm>
-          <a:custGeom>
-            <a:avLst/>
-            <a:gdLst>
-              <a:gd name="connisteX0" fmla="*/ 4685923 w 4685923"/>
-              <a:gd name="connsiteY0" fmla="*/ 9525 h 464575"/>
-              <a:gd name="connisteX1" fmla="*/ 548898 w 4685923"/>
-              <a:gd name="connsiteY1" fmla="*/ 238125 h 464575"/>
-              <a:gd name="connisteX2" fmla="*/ 672723 w 4685923"/>
-              <a:gd name="connsiteY2" fmla="*/ 456565 h 464575"/>
-              <a:gd name="connisteX3" fmla="*/ 4638298 w 4685923"/>
-              <a:gd name="connsiteY3" fmla="*/ 0 h 464575"/>
-            </a:gdLst>
-            <a:ahLst/>
-            <a:cxnLst>
-              <a:cxn ang="0">
-                <a:pos x="connisteX0" y="connsiteY0"/>
-              </a:cxn>
-              <a:cxn ang="0">
-                <a:pos x="connisteX1" y="connsiteY1"/>
-              </a:cxn>
-              <a:cxn ang="0">
-                <a:pos x="connisteX2" y="connsiteY2"/>
-              </a:cxn>
-              <a:cxn ang="0">
-                <a:pos x="connisteX3" y="connsiteY3"/>
-              </a:cxn>
-            </a:cxnLst>
-            <a:rect l="l" t="t" r="r" b="b"/>
-            <a:pathLst>
-              <a:path w="4685923" h="464576">
-                <a:moveTo>
-                  <a:pt x="4685923" y="9525"/>
-                </a:moveTo>
-                <a:cubicBezTo>
-                  <a:pt x="3855978" y="50800"/>
-                  <a:pt x="1351538" y="148590"/>
-                  <a:pt x="548898" y="238125"/>
-                </a:cubicBezTo>
-                <a:cubicBezTo>
-                  <a:pt x="-253742" y="327660"/>
-                  <a:pt x="-145157" y="504190"/>
-                  <a:pt x="672723" y="456565"/>
-                </a:cubicBezTo>
-                <a:cubicBezTo>
-                  <a:pt x="1490603" y="408940"/>
-                  <a:pt x="3847723" y="95885"/>
-                  <a:pt x="4638298" y="0"/>
-                </a:cubicBezTo>
-              </a:path>
-            </a:pathLst>
-          </a:custGeom>
-          <a:solidFill>
-            <a:schemeClr val="accent5"/>
-          </a:solidFill>
-          <a:ln>
-            <a:noFill/>
-          </a:ln>
-        </p:spPr>
-        <p:style>
-          <a:lnRef idx="2">
-            <a:schemeClr val="accent1">
-              <a:shade val="50000"/>
-            </a:schemeClr>
-          </a:lnRef>
-          <a:fillRef idx="1">
-            <a:schemeClr val="accent1"/>
-          </a:fillRef>
-          <a:effectRef idx="0">
-            <a:schemeClr val="accent1"/>
-          </a:effectRef>
-          <a:fontRef idx="minor">
-            <a:schemeClr val="lt1"/>
-          </a:fontRef>
-        </p:style>
-        <p:txBody>
-          <a:bodyPr rtlCol="0" anchor="ctr"/>
-          <a:p>
-            <a:pPr algn="ctr"/>
-            <a:endParaRPr lang="zh-CN" altLang="en-US"/>
-          </a:p>
-        </p:txBody>
-      </p:sp>
-    </p:spTree>
-  </p:cSld>
-  <p:clrMapOvr>
-    <a:masterClrMapping/>
-  </p:clrMapOvr>
 </p:sld>
 </file>
 
@@ -16790,8 +17711,8 @@
         </p:nvSpPr>
         <p:spPr>
           <a:xfrm>
-            <a:off x="5132070" y="245745"/>
-            <a:ext cx="2136775" cy="817245"/>
+            <a:off x="4434205" y="245745"/>
+            <a:ext cx="3585210" cy="817245"/>
           </a:xfrm>
         </p:spPr>
         <p:txBody>
@@ -16803,15 +17724,17 @@
               <a:rPr lang="en-US" altLang="zh-CN">
                 <a:latin typeface="Aa小梨涡" panose="02010600010101010101" charset="-122"/>
                 <a:ea typeface="Aa小梨涡" panose="02010600010101010101" charset="-122"/>
-              </a:rPr>
-              <a:t>1.</a:t>
+                <a:sym typeface="+mn-ea"/>
+              </a:rPr>
+              <a:t>4.2 </a:t>
             </a:r>
             <a:r>
               <a:rPr lang="zh-CN" altLang="en-US">
                 <a:latin typeface="Aa小梨涡" panose="02010600010101010101" charset="-122"/>
                 <a:ea typeface="Aa小梨涡" panose="02010600010101010101" charset="-122"/>
-              </a:rPr>
-              <a:t>开篇词</a:t>
+                <a:sym typeface="+mn-ea"/>
+              </a:rPr>
+              <a:t>字符串基础</a:t>
             </a:r>
             <a:endParaRPr lang="zh-CN" altLang="en-US">
               <a:latin typeface="Aa小梨涡" panose="02010600010101010101" charset="-122"/>
@@ -16913,11 +17836,891 @@
           </a:p>
         </p:txBody>
       </p:sp>
+      <p:sp>
+        <p:nvSpPr>
+          <p:cNvPr id="3" name="文本框 2"/>
+          <p:cNvSpPr txBox="1"/>
+          <p:nvPr/>
+        </p:nvSpPr>
+        <p:spPr>
+          <a:xfrm>
+            <a:off x="651510" y="1290955"/>
+            <a:ext cx="11281410" cy="2335530"/>
+          </a:xfrm>
+          <a:prstGeom prst="rect">
+            <a:avLst/>
+          </a:prstGeom>
+          <a:noFill/>
+          <a:ln>
+            <a:noFill/>
+          </a:ln>
+        </p:spPr>
+        <p:txBody>
+          <a:bodyPr wrap="square" rtlCol="0">
+            <a:spAutoFit/>
+          </a:bodyPr>
+          <a:p>
+            <a:pPr fontAlgn="auto">
+              <a:lnSpc>
+                <a:spcPts val="3500"/>
+              </a:lnSpc>
+            </a:pPr>
+            <a:r>
+              <a:rPr lang="en-US" altLang="zh-CN" sz="2200">
+                <a:latin typeface="Calibri" panose="020F0502020204030204" charset="0"/>
+                <a:ea typeface="Aa小梨涡" panose="02010600010101010101" charset="-122"/>
+                <a:cs typeface="Aa小梨涡" panose="02010600010101010101" charset="-122"/>
+                <a:sym typeface="+mn-ea"/>
+              </a:rPr>
+              <a:t>3. </a:t>
+            </a:r>
+            <a:r>
+              <a:rPr lang="zh-CN" altLang="en-US" sz="2200">
+                <a:latin typeface="Calibri" panose="020F0502020204030204" charset="0"/>
+                <a:ea typeface="Aa小梨涡" panose="02010600010101010101" charset="-122"/>
+                <a:cs typeface="Aa小梨涡" panose="02010600010101010101" charset="-122"/>
+                <a:sym typeface="+mn-ea"/>
+              </a:rPr>
+              <a:t>拼接和分割</a:t>
+            </a:r>
+            <a:endParaRPr lang="en-US" altLang="zh-CN" sz="2200">
+              <a:latin typeface="Calibri" panose="020F0502020204030204" charset="0"/>
+              <a:ea typeface="Aa小梨涡" panose="02010600010101010101" charset="-122"/>
+              <a:cs typeface="Aa小梨涡" panose="02010600010101010101" charset="-122"/>
+              <a:sym typeface="+mn-ea"/>
+            </a:endParaRPr>
+          </a:p>
+          <a:p>
+            <a:pPr fontAlgn="auto">
+              <a:lnSpc>
+                <a:spcPts val="3500"/>
+              </a:lnSpc>
+            </a:pPr>
+            <a:r>
+              <a:rPr lang="zh-CN" altLang="en-US" sz="2200">
+                <a:latin typeface="Calibri" panose="020F0502020204030204" charset="0"/>
+                <a:ea typeface="Aa小梨涡" panose="02010600010101010101" charset="-122"/>
+                <a:cs typeface="Aa小梨涡" panose="02010600010101010101" charset="-122"/>
+                <a:sym typeface="+mn-ea"/>
+              </a:rPr>
+              <a:t>        字符串的拼接：</a:t>
+            </a:r>
+            <a:endParaRPr lang="zh-CN" altLang="en-US" sz="2200">
+              <a:latin typeface="Calibri" panose="020F0502020204030204" charset="0"/>
+              <a:ea typeface="Aa小梨涡" panose="02010600010101010101" charset="-122"/>
+              <a:cs typeface="Aa小梨涡" panose="02010600010101010101" charset="-122"/>
+              <a:sym typeface="+mn-ea"/>
+            </a:endParaRPr>
+          </a:p>
+          <a:p>
+            <a:pPr fontAlgn="auto">
+              <a:lnSpc>
+                <a:spcPts val="3500"/>
+              </a:lnSpc>
+            </a:pPr>
+            <a:r>
+              <a:rPr lang="zh-CN" altLang="en-US" sz="2200">
+                <a:latin typeface="Aa小梨涡" panose="02010600010101010101" charset="-122"/>
+                <a:ea typeface="Aa小梨涡" panose="02010600010101010101" charset="-122"/>
+                <a:cs typeface="Aa小梨涡" panose="02010600010101010101" charset="-122"/>
+                <a:sym typeface="+mn-ea"/>
+              </a:rPr>
+              <a:t>        ①</a:t>
+            </a:r>
+            <a:r>
+              <a:rPr lang="en-US" altLang="zh-CN" sz="2200">
+                <a:latin typeface="Aa小梨涡" panose="02010600010101010101" charset="-122"/>
+                <a:ea typeface="Aa小梨涡" panose="02010600010101010101" charset="-122"/>
+                <a:cs typeface="Aa小梨涡" panose="02010600010101010101" charset="-122"/>
+                <a:sym typeface="+mn-ea"/>
+              </a:rPr>
+              <a:t>+</a:t>
+            </a:r>
+            <a:r>
+              <a:rPr lang="zh-CN" altLang="en-US" sz="2200">
+                <a:latin typeface="Aa小梨涡" panose="02010600010101010101" charset="-122"/>
+                <a:ea typeface="Aa小梨涡" panose="02010600010101010101" charset="-122"/>
+                <a:cs typeface="Aa小梨涡" panose="02010600010101010101" charset="-122"/>
+                <a:sym typeface="+mn-ea"/>
+              </a:rPr>
+              <a:t>运算符，</a:t>
+            </a:r>
+            <a:r>
+              <a:rPr lang="en-US" altLang="zh-CN" sz="2200">
+                <a:latin typeface="Aa小梨涡" panose="02010600010101010101" charset="-122"/>
+                <a:ea typeface="Aa小梨涡" panose="02010600010101010101" charset="-122"/>
+                <a:cs typeface="Aa小梨涡" panose="02010600010101010101" charset="-122"/>
+                <a:sym typeface="+mn-ea"/>
+              </a:rPr>
+              <a:t>string1 + string2</a:t>
+            </a:r>
+            <a:r>
+              <a:rPr lang="zh-CN" altLang="en-US" sz="2200">
+                <a:latin typeface="Aa小梨涡" panose="02010600010101010101" charset="-122"/>
+                <a:ea typeface="Aa小梨涡" panose="02010600010101010101" charset="-122"/>
+                <a:cs typeface="Aa小梨涡" panose="02010600010101010101" charset="-122"/>
+                <a:sym typeface="+mn-ea"/>
+              </a:rPr>
+              <a:t>；</a:t>
+            </a:r>
+            <a:endParaRPr lang="zh-CN" altLang="en-US" sz="2200">
+              <a:latin typeface="Aa小梨涡" panose="02010600010101010101" charset="-122"/>
+              <a:ea typeface="Aa小梨涡" panose="02010600010101010101" charset="-122"/>
+              <a:cs typeface="Aa小梨涡" panose="02010600010101010101" charset="-122"/>
+              <a:sym typeface="+mn-ea"/>
+            </a:endParaRPr>
+          </a:p>
+          <a:p>
+            <a:pPr fontAlgn="auto">
+              <a:lnSpc>
+                <a:spcPts val="3500"/>
+              </a:lnSpc>
+            </a:pPr>
+            <a:r>
+              <a:rPr lang="zh-CN" altLang="en-US" sz="2200">
+                <a:latin typeface="Aa小梨涡" panose="02010600010101010101" charset="-122"/>
+                <a:ea typeface="Aa小梨涡" panose="02010600010101010101" charset="-122"/>
+                <a:cs typeface="Aa小梨涡" panose="02010600010101010101" charset="-122"/>
+                <a:sym typeface="+mn-ea"/>
+              </a:rPr>
+              <a:t>        ②</a:t>
+            </a:r>
+            <a:r>
+              <a:rPr lang="en-US" altLang="zh-CN" sz="2200">
+                <a:latin typeface="Aa小梨涡" panose="02010600010101010101" charset="-122"/>
+                <a:ea typeface="Aa小梨涡" panose="02010600010101010101" charset="-122"/>
+                <a:cs typeface="Aa小梨涡" panose="02010600010101010101" charset="-122"/>
+                <a:sym typeface="+mn-ea"/>
+              </a:rPr>
+              <a:t>string.join(iterable)</a:t>
+            </a:r>
+            <a:r>
+              <a:rPr lang="zh-CN" altLang="en-US" sz="2200">
+                <a:latin typeface="Aa小梨涡" panose="02010600010101010101" charset="-122"/>
+                <a:ea typeface="Aa小梨涡" panose="02010600010101010101" charset="-122"/>
+                <a:cs typeface="Aa小梨涡" panose="02010600010101010101" charset="-122"/>
+                <a:sym typeface="+mn-ea"/>
+              </a:rPr>
+              <a:t>，用一个字符串来连接一个</a:t>
+            </a:r>
+            <a:r>
+              <a:rPr lang="zh-CN" altLang="en-US" sz="2200">
+                <a:latin typeface="Aa小梨涡" panose="02010600010101010101" charset="-122"/>
+                <a:ea typeface="Aa小梨涡" panose="02010600010101010101" charset="-122"/>
+                <a:cs typeface="Aa小梨涡" panose="02010600010101010101" charset="-122"/>
+                <a:sym typeface="+mn-ea"/>
+              </a:rPr>
+              <a:t>可迭代对象的每一个元素，</a:t>
+            </a:r>
+            <a:r>
+              <a:rPr lang="zh-CN" altLang="en-US" sz="2200">
+                <a:latin typeface="Aa小梨涡" panose="02010600010101010101" charset="-122"/>
+                <a:ea typeface="Aa小梨涡" panose="02010600010101010101" charset="-122"/>
+                <a:cs typeface="Aa小梨涡" panose="02010600010101010101" charset="-122"/>
+                <a:sym typeface="+mn-ea"/>
+              </a:rPr>
+              <a:t>其中</a:t>
+            </a:r>
+            <a:r>
+              <a:rPr lang="en-US" altLang="zh-CN" sz="2200">
+                <a:latin typeface="Aa小梨涡" panose="02010600010101010101" charset="-122"/>
+                <a:ea typeface="Aa小梨涡" panose="02010600010101010101" charset="-122"/>
+                <a:cs typeface="Aa小梨涡" panose="02010600010101010101" charset="-122"/>
+                <a:sym typeface="+mn-ea"/>
+              </a:rPr>
+              <a:t>iterable</a:t>
+            </a:r>
+            <a:r>
+              <a:rPr lang="zh-CN" altLang="en-US" sz="2200">
+                <a:latin typeface="Aa小梨涡" panose="02010600010101010101" charset="-122"/>
+                <a:ea typeface="Aa小梨涡" panose="02010600010101010101" charset="-122"/>
+                <a:cs typeface="Aa小梨涡" panose="02010600010101010101" charset="-122"/>
+                <a:sym typeface="+mn-ea"/>
+              </a:rPr>
+              <a:t>代表一个可迭代对象，例如，字符串，列表</a:t>
+            </a:r>
+            <a:r>
+              <a:rPr lang="zh-CN" altLang="en-US" sz="2200">
+                <a:latin typeface="Aa小梨涡" panose="02010600010101010101" charset="-122"/>
+                <a:ea typeface="Aa小梨涡" panose="02010600010101010101" charset="-122"/>
+                <a:cs typeface="Aa小梨涡" panose="02010600010101010101" charset="-122"/>
+                <a:sym typeface="+mn-ea"/>
+              </a:rPr>
+              <a:t>。</a:t>
+            </a:r>
+            <a:r>
+              <a:rPr lang="en-US" altLang="zh-CN" sz="2200">
+                <a:latin typeface="Aa小梨涡" panose="02010600010101010101" charset="-122"/>
+                <a:ea typeface="Aa小梨涡" panose="02010600010101010101" charset="-122"/>
+                <a:cs typeface="Aa小梨涡" panose="02010600010101010101" charset="-122"/>
+                <a:sym typeface="+mn-ea"/>
+              </a:rPr>
+              <a:t>   </a:t>
+            </a:r>
+            <a:r>
+              <a:rPr lang="en-US" altLang="zh-CN" sz="2200">
+                <a:latin typeface="Calibri" panose="020F0502020204030204" charset="0"/>
+                <a:ea typeface="Aa小梨涡" panose="02010600010101010101" charset="-122"/>
+                <a:cs typeface="Aa小梨涡" panose="02010600010101010101" charset="-122"/>
+                <a:sym typeface="+mn-ea"/>
+              </a:rPr>
+              <a:t>           </a:t>
+            </a:r>
+            <a:endParaRPr lang="en-US" altLang="zh-CN" sz="2200">
+              <a:latin typeface="Calibri" panose="020F0502020204030204" charset="0"/>
+              <a:ea typeface="Aa小梨涡" panose="02010600010101010101" charset="-122"/>
+              <a:cs typeface="Aa小梨涡" panose="02010600010101010101" charset="-122"/>
+              <a:sym typeface="+mn-ea"/>
+            </a:endParaRPr>
+          </a:p>
+        </p:txBody>
+      </p:sp>
+      <p:sp>
+        <p:nvSpPr>
+          <p:cNvPr id="11" name="文本框 10"/>
+          <p:cNvSpPr txBox="1"/>
+          <p:nvPr/>
+        </p:nvSpPr>
+        <p:spPr>
+          <a:xfrm>
+            <a:off x="6937375" y="3129280"/>
+            <a:ext cx="1407160" cy="270510"/>
+          </a:xfrm>
+          <a:prstGeom prst="rect">
+            <a:avLst/>
+          </a:prstGeom>
+          <a:noFill/>
+        </p:spPr>
+        <p:txBody>
+          <a:bodyPr wrap="square" rtlCol="0">
+            <a:spAutoFit/>
+          </a:bodyPr>
+          <a:p>
+            <a:r>
+              <a:rPr lang="en-US" altLang="zh-CN" baseline="30000">
+                <a:solidFill>
+                  <a:schemeClr val="accent5"/>
+                </a:solidFill>
+                <a:latin typeface="Comic Sans MS" panose="030F0702030302020204" charset="0"/>
+                <a:cs typeface="Comic Sans MS" panose="030F0702030302020204" charset="0"/>
+              </a:rPr>
+              <a:t>[4.2-2.py]</a:t>
+            </a:r>
+            <a:endParaRPr lang="en-US" altLang="zh-CN" baseline="30000">
+              <a:solidFill>
+                <a:schemeClr val="accent5"/>
+              </a:solidFill>
+              <a:latin typeface="Comic Sans MS" panose="030F0702030302020204" charset="0"/>
+              <a:cs typeface="Comic Sans MS" panose="030F0702030302020204" charset="0"/>
+            </a:endParaRPr>
+          </a:p>
+        </p:txBody>
+      </p:sp>
+      <p:sp>
+        <p:nvSpPr>
+          <p:cNvPr id="6" name="任意多边形 5"/>
+          <p:cNvSpPr/>
+          <p:nvPr/>
+        </p:nvSpPr>
+        <p:spPr>
+          <a:xfrm>
+            <a:off x="7068820" y="2719705"/>
+            <a:ext cx="1529080" cy="409575"/>
+          </a:xfrm>
+          <a:custGeom>
+            <a:avLst/>
+            <a:gdLst>
+              <a:gd name="connsiteX0" fmla="*/ 716 w 1431"/>
+              <a:gd name="connsiteY0" fmla="*/ 0 h 645"/>
+              <a:gd name="connsiteX1" fmla="*/ 1431 w 1431"/>
+              <a:gd name="connsiteY1" fmla="*/ 323 h 645"/>
+              <a:gd name="connsiteX2" fmla="*/ 716 w 1431"/>
+              <a:gd name="connsiteY2" fmla="*/ 645 h 645"/>
+              <a:gd name="connsiteX3" fmla="*/ 0 w 1431"/>
+              <a:gd name="connsiteY3" fmla="*/ 323 h 645"/>
+              <a:gd name="connsiteX4" fmla="*/ 881 w 1431"/>
+              <a:gd name="connsiteY4" fmla="*/ 165 h 645"/>
+            </a:gdLst>
+            <a:ahLst/>
+            <a:cxnLst>
+              <a:cxn ang="0">
+                <a:pos x="connsiteX0" y="connsiteY0"/>
+              </a:cxn>
+              <a:cxn ang="0">
+                <a:pos x="connsiteX1" y="connsiteY1"/>
+              </a:cxn>
+              <a:cxn ang="0">
+                <a:pos x="connsiteX2" y="connsiteY2"/>
+              </a:cxn>
+              <a:cxn ang="0">
+                <a:pos x="connsiteX3" y="connsiteY3"/>
+              </a:cxn>
+              <a:cxn ang="0">
+                <a:pos x="connsiteX4" y="connsiteY4"/>
+              </a:cxn>
+            </a:cxnLst>
+            <a:rect l="l" t="t" r="r" b="b"/>
+            <a:pathLst>
+              <a:path w="1431" h="645">
+                <a:moveTo>
+                  <a:pt x="716" y="0"/>
+                </a:moveTo>
+                <a:cubicBezTo>
+                  <a:pt x="1111" y="0"/>
+                  <a:pt x="1431" y="144"/>
+                  <a:pt x="1431" y="323"/>
+                </a:cubicBezTo>
+                <a:cubicBezTo>
+                  <a:pt x="1431" y="501"/>
+                  <a:pt x="1111" y="645"/>
+                  <a:pt x="716" y="645"/>
+                </a:cubicBezTo>
+                <a:cubicBezTo>
+                  <a:pt x="320" y="645"/>
+                  <a:pt x="0" y="501"/>
+                  <a:pt x="0" y="323"/>
+                </a:cubicBezTo>
+                <a:cubicBezTo>
+                  <a:pt x="0" y="144"/>
+                  <a:pt x="320" y="0"/>
+                  <a:pt x="881" y="165"/>
+                </a:cubicBezTo>
+              </a:path>
+            </a:pathLst>
+          </a:custGeom>
+          <a:noFill/>
+          <a:ln>
+            <a:solidFill>
+              <a:srgbClr val="FF0000"/>
+            </a:solidFill>
+          </a:ln>
+        </p:spPr>
+        <p:txBody>
+          <a:bodyPr/>
+          <a:p>
+            <a:pPr eaLnBrk="1" hangingPunct="1">
+              <a:spcBef>
+                <a:spcPct val="0"/>
+              </a:spcBef>
+              <a:buFontTx/>
+              <a:buNone/>
+            </a:pPr>
+            <a:endParaRPr lang="zh-CN" altLang="en-US" sz="1800">
+              <a:solidFill>
+                <a:schemeClr val="tx1"/>
+              </a:solidFill>
+              <a:ea typeface="宋体" panose="02010600030101010101" pitchFamily="2" charset="-122"/>
+            </a:endParaRPr>
+          </a:p>
+        </p:txBody>
+      </p:sp>
+      <p:sp>
+        <p:nvSpPr>
+          <p:cNvPr id="4" name="任意多边形 3"/>
+          <p:cNvSpPr/>
+          <p:nvPr/>
+        </p:nvSpPr>
+        <p:spPr>
+          <a:xfrm>
+            <a:off x="2662555" y="3129280"/>
+            <a:ext cx="1529080" cy="409575"/>
+          </a:xfrm>
+          <a:custGeom>
+            <a:avLst/>
+            <a:gdLst>
+              <a:gd name="connsiteX0" fmla="*/ 716 w 1431"/>
+              <a:gd name="connsiteY0" fmla="*/ 0 h 645"/>
+              <a:gd name="connsiteX1" fmla="*/ 1431 w 1431"/>
+              <a:gd name="connsiteY1" fmla="*/ 323 h 645"/>
+              <a:gd name="connsiteX2" fmla="*/ 716 w 1431"/>
+              <a:gd name="connsiteY2" fmla="*/ 645 h 645"/>
+              <a:gd name="connsiteX3" fmla="*/ 0 w 1431"/>
+              <a:gd name="connsiteY3" fmla="*/ 323 h 645"/>
+              <a:gd name="connsiteX4" fmla="*/ 881 w 1431"/>
+              <a:gd name="connsiteY4" fmla="*/ 165 h 645"/>
+            </a:gdLst>
+            <a:ahLst/>
+            <a:cxnLst>
+              <a:cxn ang="0">
+                <a:pos x="connsiteX0" y="connsiteY0"/>
+              </a:cxn>
+              <a:cxn ang="0">
+                <a:pos x="connsiteX1" y="connsiteY1"/>
+              </a:cxn>
+              <a:cxn ang="0">
+                <a:pos x="connsiteX2" y="connsiteY2"/>
+              </a:cxn>
+              <a:cxn ang="0">
+                <a:pos x="connsiteX3" y="connsiteY3"/>
+              </a:cxn>
+              <a:cxn ang="0">
+                <a:pos x="connsiteX4" y="connsiteY4"/>
+              </a:cxn>
+            </a:cxnLst>
+            <a:rect l="l" t="t" r="r" b="b"/>
+            <a:pathLst>
+              <a:path w="1431" h="645">
+                <a:moveTo>
+                  <a:pt x="716" y="0"/>
+                </a:moveTo>
+                <a:cubicBezTo>
+                  <a:pt x="1111" y="0"/>
+                  <a:pt x="1431" y="144"/>
+                  <a:pt x="1431" y="323"/>
+                </a:cubicBezTo>
+                <a:cubicBezTo>
+                  <a:pt x="1431" y="501"/>
+                  <a:pt x="1111" y="645"/>
+                  <a:pt x="716" y="645"/>
+                </a:cubicBezTo>
+                <a:cubicBezTo>
+                  <a:pt x="320" y="645"/>
+                  <a:pt x="0" y="501"/>
+                  <a:pt x="0" y="323"/>
+                </a:cubicBezTo>
+                <a:cubicBezTo>
+                  <a:pt x="0" y="144"/>
+                  <a:pt x="320" y="0"/>
+                  <a:pt x="881" y="165"/>
+                </a:cubicBezTo>
+              </a:path>
+            </a:pathLst>
+          </a:custGeom>
+          <a:noFill/>
+          <a:ln>
+            <a:solidFill>
+              <a:srgbClr val="FF0000"/>
+            </a:solidFill>
+          </a:ln>
+        </p:spPr>
+        <p:txBody>
+          <a:bodyPr/>
+          <a:p>
+            <a:pPr eaLnBrk="1" hangingPunct="1">
+              <a:spcBef>
+                <a:spcPct val="0"/>
+              </a:spcBef>
+              <a:buFontTx/>
+              <a:buNone/>
+            </a:pPr>
+            <a:endParaRPr lang="zh-CN" altLang="en-US" sz="1800">
+              <a:solidFill>
+                <a:schemeClr val="tx1"/>
+              </a:solidFill>
+              <a:ea typeface="宋体" panose="02010600030101010101" pitchFamily="2" charset="-122"/>
+            </a:endParaRPr>
+          </a:p>
+        </p:txBody>
+      </p:sp>
+      <p:sp>
+        <p:nvSpPr>
+          <p:cNvPr id="5" name="文本框 4"/>
+          <p:cNvSpPr txBox="1"/>
+          <p:nvPr/>
+        </p:nvSpPr>
+        <p:spPr>
+          <a:xfrm>
+            <a:off x="651510" y="3663950"/>
+            <a:ext cx="11281410" cy="1437640"/>
+          </a:xfrm>
+          <a:prstGeom prst="rect">
+            <a:avLst/>
+          </a:prstGeom>
+          <a:noFill/>
+          <a:ln>
+            <a:noFill/>
+          </a:ln>
+        </p:spPr>
+        <p:txBody>
+          <a:bodyPr wrap="square" rtlCol="0">
+            <a:spAutoFit/>
+          </a:bodyPr>
+          <a:p>
+            <a:pPr fontAlgn="auto">
+              <a:lnSpc>
+                <a:spcPts val="3500"/>
+              </a:lnSpc>
+            </a:pPr>
+            <a:r>
+              <a:rPr lang="en-US" altLang="zh-CN" sz="2200">
+                <a:latin typeface="Calibri" panose="020F0502020204030204" charset="0"/>
+                <a:ea typeface="Aa小梨涡" panose="02010600010101010101" charset="-122"/>
+                <a:cs typeface="Aa小梨涡" panose="02010600010101010101" charset="-122"/>
+                <a:sym typeface="+mn-ea"/>
+              </a:rPr>
+              <a:t>        </a:t>
+            </a:r>
+            <a:r>
+              <a:rPr lang="zh-CN" altLang="en-US" sz="2200">
+                <a:latin typeface="Calibri" panose="020F0502020204030204" charset="0"/>
+                <a:ea typeface="Aa小梨涡" panose="02010600010101010101" charset="-122"/>
+                <a:cs typeface="Aa小梨涡" panose="02010600010101010101" charset="-122"/>
+                <a:sym typeface="+mn-ea"/>
+              </a:rPr>
+              <a:t>字符串的分割</a:t>
+            </a:r>
+            <a:r>
+              <a:rPr lang="zh-CN" altLang="en-US" sz="2200">
+                <a:latin typeface="Aa小梨涡" panose="02010600010101010101" charset="-122"/>
+                <a:ea typeface="Aa小梨涡" panose="02010600010101010101" charset="-122"/>
+                <a:cs typeface="Aa小梨涡" panose="02010600010101010101" charset="-122"/>
+                <a:sym typeface="+mn-ea"/>
+              </a:rPr>
+              <a:t>：</a:t>
+            </a:r>
+            <a:endParaRPr lang="zh-CN" altLang="en-US" sz="2200">
+              <a:latin typeface="Aa小梨涡" panose="02010600010101010101" charset="-122"/>
+              <a:ea typeface="Aa小梨涡" panose="02010600010101010101" charset="-122"/>
+              <a:cs typeface="Aa小梨涡" panose="02010600010101010101" charset="-122"/>
+              <a:sym typeface="+mn-ea"/>
+            </a:endParaRPr>
+          </a:p>
+          <a:p>
+            <a:pPr fontAlgn="auto">
+              <a:lnSpc>
+                <a:spcPts val="3500"/>
+              </a:lnSpc>
+            </a:pPr>
+            <a:r>
+              <a:rPr lang="zh-CN" altLang="en-US" sz="2200">
+                <a:latin typeface="Aa小梨涡" panose="02010600010101010101" charset="-122"/>
+                <a:ea typeface="Aa小梨涡" panose="02010600010101010101" charset="-122"/>
+                <a:cs typeface="Aa小梨涡" panose="02010600010101010101" charset="-122"/>
+                <a:sym typeface="+mn-ea"/>
+              </a:rPr>
+              <a:t>        string.split(separator)，表示把字符串按照 separator 分割成子字符串，并返回一个分割后子字符串组合的列表。</a:t>
+            </a:r>
+            <a:r>
+              <a:rPr lang="en-US" altLang="zh-CN" sz="2200">
+                <a:latin typeface="Aa小梨涡" panose="02010600010101010101" charset="-122"/>
+                <a:ea typeface="Aa小梨涡" panose="02010600010101010101" charset="-122"/>
+                <a:cs typeface="Aa小梨涡" panose="02010600010101010101" charset="-122"/>
+                <a:sym typeface="+mn-ea"/>
+              </a:rPr>
+              <a:t>   </a:t>
+            </a:r>
+            <a:r>
+              <a:rPr lang="en-US" altLang="zh-CN" sz="2200">
+                <a:latin typeface="Calibri" panose="020F0502020204030204" charset="0"/>
+                <a:ea typeface="Aa小梨涡" panose="02010600010101010101" charset="-122"/>
+                <a:cs typeface="Aa小梨涡" panose="02010600010101010101" charset="-122"/>
+                <a:sym typeface="+mn-ea"/>
+              </a:rPr>
+              <a:t>           </a:t>
+            </a:r>
+            <a:endParaRPr lang="en-US" altLang="zh-CN" sz="2200">
+              <a:latin typeface="Calibri" panose="020F0502020204030204" charset="0"/>
+              <a:ea typeface="Aa小梨涡" panose="02010600010101010101" charset="-122"/>
+              <a:cs typeface="Aa小梨涡" panose="02010600010101010101" charset="-122"/>
+              <a:sym typeface="+mn-ea"/>
+            </a:endParaRPr>
+          </a:p>
+        </p:txBody>
+      </p:sp>
+      <p:sp>
+        <p:nvSpPr>
+          <p:cNvPr id="7" name="文本框 6"/>
+          <p:cNvSpPr txBox="1"/>
+          <p:nvPr/>
+        </p:nvSpPr>
+        <p:spPr>
+          <a:xfrm>
+            <a:off x="3599180" y="4654550"/>
+            <a:ext cx="1407160" cy="270510"/>
+          </a:xfrm>
+          <a:prstGeom prst="rect">
+            <a:avLst/>
+          </a:prstGeom>
+          <a:noFill/>
+        </p:spPr>
+        <p:txBody>
+          <a:bodyPr wrap="square" rtlCol="0">
+            <a:spAutoFit/>
+          </a:bodyPr>
+          <a:p>
+            <a:r>
+              <a:rPr lang="en-US" altLang="zh-CN" baseline="30000">
+                <a:solidFill>
+                  <a:schemeClr val="accent5"/>
+                </a:solidFill>
+                <a:latin typeface="Comic Sans MS" panose="030F0702030302020204" charset="0"/>
+                <a:cs typeface="Comic Sans MS" panose="030F0702030302020204" charset="0"/>
+              </a:rPr>
+              <a:t>[4.2-3.py]</a:t>
+            </a:r>
+            <a:endParaRPr lang="en-US" altLang="zh-CN" baseline="30000">
+              <a:solidFill>
+                <a:schemeClr val="accent5"/>
+              </a:solidFill>
+              <a:latin typeface="Comic Sans MS" panose="030F0702030302020204" charset="0"/>
+              <a:cs typeface="Comic Sans MS" panose="030F0702030302020204" charset="0"/>
+            </a:endParaRPr>
+          </a:p>
+        </p:txBody>
+      </p:sp>
     </p:spTree>
   </p:cSld>
   <p:clrMapOvr>
     <a:masterClrMapping/>
   </p:clrMapOvr>
+  <p:timing>
+    <p:tnLst>
+      <p:par>
+        <p:cTn id="1" dur="indefinite" restart="never" nodeType="tmRoot">
+          <p:childTnLst>
+            <p:seq concurrent="1" nextAc="seek">
+              <p:cTn id="2" dur="indefinite" nodeType="mainSeq">
+                <p:childTnLst>
+                  <p:par>
+                    <p:cTn id="3" fill="hold">
+                      <p:stCondLst>
+                        <p:cond delay="indefinite"/>
+                      </p:stCondLst>
+                      <p:childTnLst>
+                        <p:par>
+                          <p:cTn id="4" fill="hold">
+                            <p:stCondLst>
+                              <p:cond delay="0"/>
+                            </p:stCondLst>
+                            <p:childTnLst>
+                              <p:par>
+                                <p:cTn id="5" presetID="1" presetClass="entr" presetSubtype="0" fill="hold" grpId="0" nodeType="clickEffect">
+                                  <p:stCondLst>
+                                    <p:cond delay="0"/>
+                                  </p:stCondLst>
+                                  <p:childTnLst>
+                                    <p:set>
+                                      <p:cBhvr>
+                                        <p:cTn id="6" dur="1" fill="hold">
+                                          <p:stCondLst>
+                                            <p:cond delay="0"/>
+                                          </p:stCondLst>
+                                        </p:cTn>
+                                        <p:tgtEl>
+                                          <p:spTgt spid="3"/>
+                                        </p:tgtEl>
+                                        <p:attrNameLst>
+                                          <p:attrName>style.visibility</p:attrName>
+                                        </p:attrNameLst>
+                                      </p:cBhvr>
+                                      <p:to>
+                                        <p:strVal val="visible"/>
+                                      </p:to>
+                                    </p:set>
+                                  </p:childTnLst>
+                                </p:cTn>
+                              </p:par>
+                              <p:par>
+                                <p:cTn id="7" presetID="1" presetClass="entr" presetSubtype="0" fill="hold" grpId="0" nodeType="withEffect">
+                                  <p:stCondLst>
+                                    <p:cond delay="0"/>
+                                  </p:stCondLst>
+                                  <p:childTnLst>
+                                    <p:set>
+                                      <p:cBhvr>
+                                        <p:cTn id="8" dur="1" fill="hold">
+                                          <p:stCondLst>
+                                            <p:cond delay="0"/>
+                                          </p:stCondLst>
+                                        </p:cTn>
+                                        <p:tgtEl>
+                                          <p:spTgt spid="11"/>
+                                        </p:tgtEl>
+                                        <p:attrNameLst>
+                                          <p:attrName>style.visibility</p:attrName>
+                                        </p:attrNameLst>
+                                      </p:cBhvr>
+                                      <p:to>
+                                        <p:strVal val="visible"/>
+                                      </p:to>
+                                    </p:set>
+                                  </p:childTnLst>
+                                </p:cTn>
+                              </p:par>
+                              <p:par>
+                                <p:cTn id="9" presetID="22" presetClass="entr" presetSubtype="4" fill="hold" grpId="0" nodeType="withEffect">
+                                  <p:stCondLst>
+                                    <p:cond delay="0"/>
+                                  </p:stCondLst>
+                                  <p:childTnLst>
+                                    <p:set>
+                                      <p:cBhvr>
+                                        <p:cTn id="10" dur="1" fill="hold">
+                                          <p:stCondLst>
+                                            <p:cond delay="0"/>
+                                          </p:stCondLst>
+                                        </p:cTn>
+                                        <p:tgtEl>
+                                          <p:spTgt spid="6"/>
+                                        </p:tgtEl>
+                                        <p:attrNameLst>
+                                          <p:attrName>style.visibility</p:attrName>
+                                        </p:attrNameLst>
+                                      </p:cBhvr>
+                                      <p:to>
+                                        <p:strVal val="visible"/>
+                                      </p:to>
+                                    </p:set>
+                                    <p:animEffect transition="in" filter="wipe(down)">
+                                      <p:cBhvr>
+                                        <p:cTn id="11" dur="500"/>
+                                        <p:tgtEl>
+                                          <p:spTgt spid="6"/>
+                                        </p:tgtEl>
+                                      </p:cBhvr>
+                                    </p:animEffect>
+                                  </p:childTnLst>
+                                </p:cTn>
+                              </p:par>
+                              <p:par>
+                                <p:cTn id="12" presetID="22" presetClass="entr" presetSubtype="4" fill="hold" grpId="0" nodeType="withEffect">
+                                  <p:stCondLst>
+                                    <p:cond delay="0"/>
+                                  </p:stCondLst>
+                                  <p:childTnLst>
+                                    <p:set>
+                                      <p:cBhvr>
+                                        <p:cTn id="13" dur="1" fill="hold">
+                                          <p:stCondLst>
+                                            <p:cond delay="0"/>
+                                          </p:stCondLst>
+                                        </p:cTn>
+                                        <p:tgtEl>
+                                          <p:spTgt spid="4"/>
+                                        </p:tgtEl>
+                                        <p:attrNameLst>
+                                          <p:attrName>style.visibility</p:attrName>
+                                        </p:attrNameLst>
+                                      </p:cBhvr>
+                                      <p:to>
+                                        <p:strVal val="visible"/>
+                                      </p:to>
+                                    </p:set>
+                                    <p:animEffect transition="in" filter="wipe(down)">
+                                      <p:cBhvr>
+                                        <p:cTn id="14" dur="500"/>
+                                        <p:tgtEl>
+                                          <p:spTgt spid="4"/>
+                                        </p:tgtEl>
+                                      </p:cBhvr>
+                                    </p:animEffect>
+                                  </p:childTnLst>
+                                </p:cTn>
+                              </p:par>
+                            </p:childTnLst>
+                          </p:cTn>
+                        </p:par>
+                      </p:childTnLst>
+                    </p:cTn>
+                  </p:par>
+                  <p:par>
+                    <p:cTn id="15" fill="hold">
+                      <p:stCondLst>
+                        <p:cond delay="indefinite"/>
+                      </p:stCondLst>
+                      <p:childTnLst>
+                        <p:par>
+                          <p:cTn id="16" fill="hold">
+                            <p:stCondLst>
+                              <p:cond delay="0"/>
+                            </p:stCondLst>
+                            <p:childTnLst>
+                              <p:par>
+                                <p:cTn id="17" presetID="1" presetClass="entr" presetSubtype="0" fill="hold" grpId="0" nodeType="clickEffect">
+                                  <p:stCondLst>
+                                    <p:cond delay="0"/>
+                                  </p:stCondLst>
+                                  <p:childTnLst>
+                                    <p:set>
+                                      <p:cBhvr>
+                                        <p:cTn id="18" dur="1" fill="hold">
+                                          <p:stCondLst>
+                                            <p:cond delay="0"/>
+                                          </p:stCondLst>
+                                        </p:cTn>
+                                        <p:tgtEl>
+                                          <p:spTgt spid="5"/>
+                                        </p:tgtEl>
+                                        <p:attrNameLst>
+                                          <p:attrName>style.visibility</p:attrName>
+                                        </p:attrNameLst>
+                                      </p:cBhvr>
+                                      <p:to>
+                                        <p:strVal val="visible"/>
+                                      </p:to>
+                                    </p:set>
+                                  </p:childTnLst>
+                                </p:cTn>
+                              </p:par>
+                              <p:par>
+                                <p:cTn id="19" presetID="1" presetClass="entr" presetSubtype="0" fill="hold" grpId="0" nodeType="withEffect">
+                                  <p:stCondLst>
+                                    <p:cond delay="0"/>
+                                  </p:stCondLst>
+                                  <p:childTnLst>
+                                    <p:set>
+                                      <p:cBhvr>
+                                        <p:cTn id="20" dur="1" fill="hold">
+                                          <p:stCondLst>
+                                            <p:cond delay="0"/>
+                                          </p:stCondLst>
+                                        </p:cTn>
+                                        <p:tgtEl>
+                                          <p:spTgt spid="7"/>
+                                        </p:tgtEl>
+                                        <p:attrNameLst>
+                                          <p:attrName>style.visibility</p:attrName>
+                                        </p:attrNameLst>
+                                      </p:cBhvr>
+                                      <p:to>
+                                        <p:strVal val="visible"/>
+                                      </p:to>
+                                    </p:set>
+                                  </p:childTnLst>
+                                </p:cTn>
+                              </p:par>
+                            </p:childTnLst>
+                          </p:cTn>
+                        </p:par>
+                      </p:childTnLst>
+                    </p:cTn>
+                  </p:par>
+                </p:childTnLst>
+              </p:cTn>
+              <p:prevCondLst>
+                <p:cond evt="onPrev" delay="0">
+                  <p:tgtEl>
+                    <p:sldTgt/>
+                  </p:tgtEl>
+                </p:cond>
+              </p:prevCondLst>
+              <p:nextCondLst>
+                <p:cond evt="onNext" delay="0">
+                  <p:tgtEl>
+                    <p:sldTgt/>
+                  </p:tgtEl>
+                </p:cond>
+              </p:nextCondLst>
+            </p:seq>
+          </p:childTnLst>
+        </p:cTn>
+      </p:par>
+    </p:tnLst>
+    <p:bldLst>
+      <p:bldP spid="3" grpId="0"/>
+      <p:bldP spid="3" grpId="1"/>
+      <p:bldP spid="11" grpId="0"/>
+      <p:bldP spid="11" grpId="1"/>
+      <p:bldP spid="6" grpId="0" bldLvl="0" animBg="1"/>
+      <p:bldP spid="6" grpId="1" animBg="1"/>
+      <p:bldP spid="4" grpId="0" bldLvl="0" animBg="1"/>
+      <p:bldP spid="4" grpId="1" animBg="1"/>
+      <p:bldP spid="5" grpId="0"/>
+      <p:bldP spid="5" grpId="1"/>
+      <p:bldP spid="7" grpId="0"/>
+      <p:bldP spid="7" grpId="1"/>
+    </p:bldLst>
+  </p:timing>
 </p:sld>
 </file>
 
@@ -17116,8 +18919,8 @@
         </p:nvSpPr>
         <p:spPr>
           <a:xfrm>
-            <a:off x="5132070" y="245745"/>
-            <a:ext cx="2136775" cy="817245"/>
+            <a:off x="4037330" y="245745"/>
+            <a:ext cx="3751580" cy="817245"/>
           </a:xfrm>
         </p:spPr>
         <p:txBody>
@@ -17130,14 +18933,15 @@
                 <a:latin typeface="Aa小梨涡" panose="02010600010101010101" charset="-122"/>
                 <a:ea typeface="Aa小梨涡" panose="02010600010101010101" charset="-122"/>
               </a:rPr>
-              <a:t>1.</a:t>
+              <a:t>4.2 </a:t>
             </a:r>
             <a:r>
               <a:rPr lang="zh-CN" altLang="en-US">
                 <a:latin typeface="Aa小梨涡" panose="02010600010101010101" charset="-122"/>
                 <a:ea typeface="Aa小梨涡" panose="02010600010101010101" charset="-122"/>
-              </a:rPr>
-              <a:t>开篇词</a:t>
+                <a:sym typeface="+mn-ea"/>
+              </a:rPr>
+              <a:t>字符串基础</a:t>
             </a:r>
             <a:endParaRPr lang="zh-CN" altLang="en-US">
               <a:latin typeface="Aa小梨涡" panose="02010600010101010101" charset="-122"/>
@@ -17239,11 +19043,507 @@
           </a:p>
         </p:txBody>
       </p:sp>
+      <p:sp>
+        <p:nvSpPr>
+          <p:cNvPr id="5" name="文本框 4"/>
+          <p:cNvSpPr txBox="1"/>
+          <p:nvPr/>
+        </p:nvSpPr>
+        <p:spPr>
+          <a:xfrm>
+            <a:off x="565150" y="1052830"/>
+            <a:ext cx="11281410" cy="2335530"/>
+          </a:xfrm>
+          <a:prstGeom prst="rect">
+            <a:avLst/>
+          </a:prstGeom>
+          <a:noFill/>
+          <a:ln>
+            <a:noFill/>
+          </a:ln>
+        </p:spPr>
+        <p:txBody>
+          <a:bodyPr wrap="square" rtlCol="0">
+            <a:spAutoFit/>
+          </a:bodyPr>
+          <a:p>
+            <a:pPr fontAlgn="auto">
+              <a:lnSpc>
+                <a:spcPts val="3500"/>
+              </a:lnSpc>
+            </a:pPr>
+            <a:r>
+              <a:rPr lang="en-US" sz="2200">
+                <a:latin typeface="Aa小梨涡" panose="02010600010101010101" charset="-122"/>
+                <a:ea typeface="Aa小梨涡" panose="02010600010101010101" charset="-122"/>
+                <a:cs typeface="Aa小梨涡" panose="02010600010101010101" charset="-122"/>
+                <a:sym typeface="+mn-ea"/>
+              </a:rPr>
+              <a:t>4. </a:t>
+            </a:r>
+            <a:r>
+              <a:rPr lang="zh-CN" altLang="en-US" sz="2200">
+                <a:latin typeface="Aa小梨涡" panose="02010600010101010101" charset="-122"/>
+                <a:ea typeface="Aa小梨涡" panose="02010600010101010101" charset="-122"/>
+                <a:cs typeface="Aa小梨涡" panose="02010600010101010101" charset="-122"/>
+                <a:sym typeface="+mn-ea"/>
+              </a:rPr>
+              <a:t>格式化</a:t>
+            </a:r>
+            <a:r>
+              <a:rPr lang="zh-CN" altLang="en-US" sz="2200">
+                <a:latin typeface="Aa小梨涡" panose="02010600010101010101" charset="-122"/>
+                <a:ea typeface="Aa小梨涡" panose="02010600010101010101" charset="-122"/>
+                <a:cs typeface="Aa小梨涡" panose="02010600010101010101" charset="-122"/>
+                <a:sym typeface="+mn-ea"/>
+              </a:rPr>
+              <a:t>        </a:t>
+            </a:r>
+            <a:endParaRPr lang="zh-CN" altLang="en-US" sz="2200">
+              <a:latin typeface="Aa小梨涡" panose="02010600010101010101" charset="-122"/>
+              <a:ea typeface="Aa小梨涡" panose="02010600010101010101" charset="-122"/>
+              <a:cs typeface="Aa小梨涡" panose="02010600010101010101" charset="-122"/>
+              <a:sym typeface="+mn-ea"/>
+            </a:endParaRPr>
+          </a:p>
+          <a:p>
+            <a:pPr fontAlgn="auto">
+              <a:lnSpc>
+                <a:spcPts val="3500"/>
+              </a:lnSpc>
+            </a:pPr>
+            <a:r>
+              <a:rPr lang="zh-CN" altLang="en-US" sz="2200">
+                <a:latin typeface="Aa小梨涡" panose="02010600010101010101" charset="-122"/>
+                <a:ea typeface="Aa小梨涡" panose="02010600010101010101" charset="-122"/>
+                <a:cs typeface="Aa小梨涡" panose="02010600010101010101" charset="-122"/>
+                <a:sym typeface="+mn-ea"/>
+              </a:rPr>
+              <a:t>       </a:t>
+            </a:r>
+            <a:r>
+              <a:rPr lang="zh-CN" altLang="en-US" sz="2200">
+                <a:latin typeface="Aa小梨涡" panose="02010600010101010101" charset="-122"/>
+                <a:ea typeface="Aa小梨涡" panose="02010600010101010101" charset="-122"/>
+                <a:cs typeface="Aa小梨涡" panose="02010600010101010101" charset="-122"/>
+                <a:sym typeface="+mn-ea"/>
+              </a:rPr>
+              <a:t>通常，我们使用一个字符串作为模板，模板中会有格式符。这些格式符为后续真实值预留位置，以呈现出真实值应该呈现的格式。</a:t>
+            </a:r>
+            <a:endParaRPr lang="zh-CN" altLang="en-US" sz="2200">
+              <a:latin typeface="Aa小梨涡" panose="02010600010101010101" charset="-122"/>
+              <a:ea typeface="Aa小梨涡" panose="02010600010101010101" charset="-122"/>
+              <a:cs typeface="Aa小梨涡" panose="02010600010101010101" charset="-122"/>
+              <a:sym typeface="+mn-ea"/>
+            </a:endParaRPr>
+          </a:p>
+          <a:p>
+            <a:pPr fontAlgn="auto">
+              <a:lnSpc>
+                <a:spcPts val="3500"/>
+              </a:lnSpc>
+            </a:pPr>
+            <a:r>
+              <a:rPr lang="zh-CN" altLang="en-US" sz="2200">
+                <a:latin typeface="Aa小梨涡" panose="02010600010101010101" charset="-122"/>
+                <a:ea typeface="Aa小梨涡" panose="02010600010101010101" charset="-122"/>
+                <a:cs typeface="Aa小梨涡" panose="02010600010101010101" charset="-122"/>
+                <a:sym typeface="+mn-ea"/>
+              </a:rPr>
+              <a:t>        </a:t>
+            </a:r>
+            <a:r>
+              <a:rPr lang="zh-CN" altLang="en-US" sz="2200">
+                <a:latin typeface="Calibri" panose="020F0502020204030204" charset="0"/>
+                <a:ea typeface="Aa小梨涡" panose="02010600010101010101" charset="-122"/>
+                <a:cs typeface="Aa小梨涡" panose="02010600010101010101" charset="-122"/>
+                <a:sym typeface="+mn-ea"/>
+              </a:rPr>
+              <a:t>①</a:t>
+            </a:r>
+            <a:r>
+              <a:rPr lang="zh-CN" altLang="en-US" sz="2200">
+                <a:latin typeface="Aa小梨涡" panose="02010600010101010101" charset="-122"/>
+                <a:ea typeface="Aa小梨涡" panose="02010600010101010101" charset="-122"/>
+                <a:cs typeface="Aa小梨涡" panose="02010600010101010101" charset="-122"/>
+                <a:sym typeface="+mn-ea"/>
+              </a:rPr>
+              <a:t>格式化函数：string.format()</a:t>
+            </a:r>
+            <a:endParaRPr lang="zh-CN" altLang="en-US" sz="2200">
+              <a:latin typeface="Aa小梨涡" panose="02010600010101010101" charset="-122"/>
+              <a:ea typeface="Aa小梨涡" panose="02010600010101010101" charset="-122"/>
+              <a:cs typeface="Aa小梨涡" panose="02010600010101010101" charset="-122"/>
+              <a:sym typeface="+mn-ea"/>
+            </a:endParaRPr>
+          </a:p>
+          <a:p>
+            <a:pPr fontAlgn="auto">
+              <a:lnSpc>
+                <a:spcPts val="3500"/>
+              </a:lnSpc>
+            </a:pPr>
+            <a:r>
+              <a:rPr lang="en-US" altLang="zh-CN" sz="2200">
+                <a:latin typeface="Aa小梨涡" panose="02010600010101010101" charset="-122"/>
+                <a:ea typeface="Aa小梨涡" panose="02010600010101010101" charset="-122"/>
+                <a:cs typeface="Aa小梨涡" panose="02010600010101010101" charset="-122"/>
+                <a:sym typeface="+mn-ea"/>
+              </a:rPr>
+              <a:t>        </a:t>
+            </a:r>
+            <a:r>
+              <a:rPr lang="en-US" altLang="zh-CN" sz="2200">
+                <a:latin typeface="Calibri" panose="020F0502020204030204" charset="0"/>
+                <a:ea typeface="Aa小梨涡" panose="02010600010101010101" charset="-122"/>
+                <a:cs typeface="Aa小梨涡" panose="02010600010101010101" charset="-122"/>
+                <a:sym typeface="+mn-ea"/>
+              </a:rPr>
+              <a:t>②</a:t>
+            </a:r>
+            <a:r>
+              <a:rPr lang="en-US" altLang="zh-CN" sz="2200">
+                <a:latin typeface="Aa小梨涡" panose="02010600010101010101" charset="-122"/>
+                <a:ea typeface="Aa小梨涡" panose="02010600010101010101" charset="-122"/>
+                <a:cs typeface="Aa小梨涡" panose="02010600010101010101" charset="-122"/>
+                <a:sym typeface="+mn-ea"/>
+              </a:rPr>
+              <a:t>格式符</a:t>
+            </a:r>
+            <a:r>
+              <a:rPr lang="zh-CN" altLang="en-US" sz="2200">
+                <a:latin typeface="Aa小梨涡" panose="02010600010101010101" charset="-122"/>
+                <a:ea typeface="Aa小梨涡" panose="02010600010101010101" charset="-122"/>
+                <a:cs typeface="Aa小梨涡" panose="02010600010101010101" charset="-122"/>
+                <a:sym typeface="+mn-ea"/>
+              </a:rPr>
+              <a:t>：</a:t>
+            </a:r>
+            <a:r>
+              <a:rPr lang="en-US" altLang="zh-CN" sz="2200">
+                <a:latin typeface="Aa小梨涡" panose="02010600010101010101" charset="-122"/>
+                <a:ea typeface="Aa小梨涡" panose="02010600010101010101" charset="-122"/>
+                <a:cs typeface="Aa小梨涡" panose="02010600010101010101" charset="-122"/>
+                <a:sym typeface="+mn-ea"/>
+              </a:rPr>
+              <a:t>{}</a:t>
+            </a:r>
+            <a:r>
+              <a:rPr lang="en-US" altLang="zh-CN" sz="2200">
+                <a:latin typeface="Aa小梨涡" panose="02010600010101010101" charset="-122"/>
+                <a:ea typeface="Aa小梨涡" panose="02010600010101010101" charset="-122"/>
+                <a:cs typeface="Aa小梨涡" panose="02010600010101010101" charset="-122"/>
+                <a:sym typeface="+mn-ea"/>
+              </a:rPr>
+              <a:t>   </a:t>
+            </a:r>
+            <a:r>
+              <a:rPr lang="en-US" altLang="zh-CN" sz="2200">
+                <a:latin typeface="Calibri" panose="020F0502020204030204" charset="0"/>
+                <a:ea typeface="Aa小梨涡" panose="02010600010101010101" charset="-122"/>
+                <a:cs typeface="Aa小梨涡" panose="02010600010101010101" charset="-122"/>
+                <a:sym typeface="+mn-ea"/>
+              </a:rPr>
+              <a:t>           </a:t>
+            </a:r>
+            <a:endParaRPr lang="en-US" altLang="zh-CN" sz="2200">
+              <a:latin typeface="Calibri" panose="020F0502020204030204" charset="0"/>
+              <a:ea typeface="Aa小梨涡" panose="02010600010101010101" charset="-122"/>
+              <a:cs typeface="Aa小梨涡" panose="02010600010101010101" charset="-122"/>
+              <a:sym typeface="+mn-ea"/>
+            </a:endParaRPr>
+          </a:p>
+        </p:txBody>
+      </p:sp>
+      <p:sp>
+        <p:nvSpPr>
+          <p:cNvPr id="4" name="任意多边形 3"/>
+          <p:cNvSpPr/>
+          <p:nvPr/>
+        </p:nvSpPr>
+        <p:spPr>
+          <a:xfrm>
+            <a:off x="7045960" y="1662430"/>
+            <a:ext cx="1179830" cy="409575"/>
+          </a:xfrm>
+          <a:custGeom>
+            <a:avLst/>
+            <a:gdLst>
+              <a:gd name="connsiteX0" fmla="*/ 716 w 1431"/>
+              <a:gd name="connsiteY0" fmla="*/ 0 h 645"/>
+              <a:gd name="connsiteX1" fmla="*/ 1431 w 1431"/>
+              <a:gd name="connsiteY1" fmla="*/ 323 h 645"/>
+              <a:gd name="connsiteX2" fmla="*/ 716 w 1431"/>
+              <a:gd name="connsiteY2" fmla="*/ 645 h 645"/>
+              <a:gd name="connsiteX3" fmla="*/ 0 w 1431"/>
+              <a:gd name="connsiteY3" fmla="*/ 323 h 645"/>
+              <a:gd name="connsiteX4" fmla="*/ 881 w 1431"/>
+              <a:gd name="connsiteY4" fmla="*/ 165 h 645"/>
+            </a:gdLst>
+            <a:ahLst/>
+            <a:cxnLst>
+              <a:cxn ang="0">
+                <a:pos x="connsiteX0" y="connsiteY0"/>
+              </a:cxn>
+              <a:cxn ang="0">
+                <a:pos x="connsiteX1" y="connsiteY1"/>
+              </a:cxn>
+              <a:cxn ang="0">
+                <a:pos x="connsiteX2" y="connsiteY2"/>
+              </a:cxn>
+              <a:cxn ang="0">
+                <a:pos x="connsiteX3" y="connsiteY3"/>
+              </a:cxn>
+              <a:cxn ang="0">
+                <a:pos x="connsiteX4" y="connsiteY4"/>
+              </a:cxn>
+            </a:cxnLst>
+            <a:rect l="l" t="t" r="r" b="b"/>
+            <a:pathLst>
+              <a:path w="1431" h="645">
+                <a:moveTo>
+                  <a:pt x="716" y="0"/>
+                </a:moveTo>
+                <a:cubicBezTo>
+                  <a:pt x="1111" y="0"/>
+                  <a:pt x="1431" y="144"/>
+                  <a:pt x="1431" y="323"/>
+                </a:cubicBezTo>
+                <a:cubicBezTo>
+                  <a:pt x="1431" y="501"/>
+                  <a:pt x="1111" y="645"/>
+                  <a:pt x="716" y="645"/>
+                </a:cubicBezTo>
+                <a:cubicBezTo>
+                  <a:pt x="320" y="645"/>
+                  <a:pt x="0" y="501"/>
+                  <a:pt x="0" y="323"/>
+                </a:cubicBezTo>
+                <a:cubicBezTo>
+                  <a:pt x="0" y="144"/>
+                  <a:pt x="320" y="0"/>
+                  <a:pt x="881" y="165"/>
+                </a:cubicBezTo>
+              </a:path>
+            </a:pathLst>
+          </a:custGeom>
+          <a:noFill/>
+          <a:ln>
+            <a:solidFill>
+              <a:srgbClr val="FF0000"/>
+            </a:solidFill>
+          </a:ln>
+        </p:spPr>
+        <p:txBody>
+          <a:bodyPr/>
+          <a:p>
+            <a:pPr eaLnBrk="1" hangingPunct="1">
+              <a:spcBef>
+                <a:spcPct val="0"/>
+              </a:spcBef>
+              <a:buFontTx/>
+              <a:buNone/>
+            </a:pPr>
+            <a:endParaRPr lang="zh-CN" altLang="en-US" sz="1800">
+              <a:solidFill>
+                <a:schemeClr val="tx1"/>
+              </a:solidFill>
+              <a:ea typeface="宋体" panose="02010600030101010101" pitchFamily="2" charset="-122"/>
+            </a:endParaRPr>
+          </a:p>
+        </p:txBody>
+      </p:sp>
+      <p:sp>
+        <p:nvSpPr>
+          <p:cNvPr id="7" name="文本框 6"/>
+          <p:cNvSpPr txBox="1"/>
+          <p:nvPr/>
+        </p:nvSpPr>
+        <p:spPr>
+          <a:xfrm>
+            <a:off x="5975985" y="2072005"/>
+            <a:ext cx="1407160" cy="270510"/>
+          </a:xfrm>
+          <a:prstGeom prst="rect">
+            <a:avLst/>
+          </a:prstGeom>
+          <a:noFill/>
+        </p:spPr>
+        <p:txBody>
+          <a:bodyPr wrap="square" rtlCol="0">
+            <a:spAutoFit/>
+          </a:bodyPr>
+          <a:p>
+            <a:r>
+              <a:rPr lang="en-US" altLang="zh-CN" baseline="30000">
+                <a:solidFill>
+                  <a:schemeClr val="accent5"/>
+                </a:solidFill>
+                <a:latin typeface="Comic Sans MS" panose="030F0702030302020204" charset="0"/>
+                <a:cs typeface="Comic Sans MS" panose="030F0702030302020204" charset="0"/>
+              </a:rPr>
+              <a:t>[4.2-4.py]</a:t>
+            </a:r>
+            <a:endParaRPr lang="en-US" altLang="zh-CN" baseline="30000">
+              <a:solidFill>
+                <a:schemeClr val="accent5"/>
+              </a:solidFill>
+              <a:latin typeface="Comic Sans MS" panose="030F0702030302020204" charset="0"/>
+              <a:cs typeface="Comic Sans MS" panose="030F0702030302020204" charset="0"/>
+            </a:endParaRPr>
+          </a:p>
+        </p:txBody>
+      </p:sp>
     </p:spTree>
   </p:cSld>
   <p:clrMapOvr>
     <a:masterClrMapping/>
   </p:clrMapOvr>
+  <p:timing>
+    <p:tnLst>
+      <p:par>
+        <p:cTn id="1" dur="indefinite" restart="never" nodeType="tmRoot">
+          <p:childTnLst>
+            <p:seq concurrent="1" nextAc="seek">
+              <p:cTn id="2" dur="indefinite" nodeType="mainSeq">
+                <p:childTnLst>
+                  <p:par>
+                    <p:cTn id="3" fill="hold">
+                      <p:stCondLst>
+                        <p:cond delay="indefinite"/>
+                      </p:stCondLst>
+                      <p:childTnLst>
+                        <p:par>
+                          <p:cTn id="4" fill="hold">
+                            <p:stCondLst>
+                              <p:cond delay="0"/>
+                            </p:stCondLst>
+                            <p:childTnLst>
+                              <p:par>
+                                <p:cTn id="5" presetID="1" presetClass="entr" presetSubtype="0" fill="hold" grpId="0" nodeType="clickEffect">
+                                  <p:stCondLst>
+                                    <p:cond delay="0"/>
+                                  </p:stCondLst>
+                                  <p:childTnLst>
+                                    <p:set>
+                                      <p:cBhvr>
+                                        <p:cTn id="6" dur="1" fill="hold">
+                                          <p:stCondLst>
+                                            <p:cond delay="0"/>
+                                          </p:stCondLst>
+                                        </p:cTn>
+                                        <p:tgtEl>
+                                          <p:spTgt spid="5"/>
+                                        </p:tgtEl>
+                                        <p:attrNameLst>
+                                          <p:attrName>style.visibility</p:attrName>
+                                        </p:attrNameLst>
+                                      </p:cBhvr>
+                                      <p:to>
+                                        <p:strVal val="visible"/>
+                                      </p:to>
+                                    </p:set>
+                                  </p:childTnLst>
+                                </p:cTn>
+                              </p:par>
+                              <p:par>
+                                <p:cTn id="7" presetID="22" presetClass="entr" presetSubtype="4" fill="hold" grpId="0" nodeType="withEffect">
+                                  <p:stCondLst>
+                                    <p:cond delay="0"/>
+                                  </p:stCondLst>
+                                  <p:childTnLst>
+                                    <p:set>
+                                      <p:cBhvr>
+                                        <p:cTn id="8" dur="1" fill="hold">
+                                          <p:stCondLst>
+                                            <p:cond delay="0"/>
+                                          </p:stCondLst>
+                                        </p:cTn>
+                                        <p:tgtEl>
+                                          <p:spTgt spid="4"/>
+                                        </p:tgtEl>
+                                        <p:attrNameLst>
+                                          <p:attrName>style.visibility</p:attrName>
+                                        </p:attrNameLst>
+                                      </p:cBhvr>
+                                      <p:to>
+                                        <p:strVal val="visible"/>
+                                      </p:to>
+                                    </p:set>
+                                    <p:animEffect transition="in" filter="wipe(down)">
+                                      <p:cBhvr>
+                                        <p:cTn id="9" dur="500"/>
+                                        <p:tgtEl>
+                                          <p:spTgt spid="4"/>
+                                        </p:tgtEl>
+                                      </p:cBhvr>
+                                    </p:animEffect>
+                                  </p:childTnLst>
+                                </p:cTn>
+                              </p:par>
+                              <p:par>
+                                <p:cTn id="10" presetID="1" presetClass="entr" presetSubtype="0" fill="hold" grpId="0" nodeType="withEffect">
+                                  <p:stCondLst>
+                                    <p:cond delay="0"/>
+                                  </p:stCondLst>
+                                  <p:childTnLst>
+                                    <p:set>
+                                      <p:cBhvr>
+                                        <p:cTn id="11" dur="1" fill="hold">
+                                          <p:stCondLst>
+                                            <p:cond delay="0"/>
+                                          </p:stCondLst>
+                                        </p:cTn>
+                                        <p:tgtEl>
+                                          <p:spTgt spid="7"/>
+                                        </p:tgtEl>
+                                        <p:attrNameLst>
+                                          <p:attrName>style.visibility</p:attrName>
+                                        </p:attrNameLst>
+                                      </p:cBhvr>
+                                      <p:to>
+                                        <p:strVal val="visible"/>
+                                      </p:to>
+                                    </p:set>
+                                  </p:childTnLst>
+                                </p:cTn>
+                              </p:par>
+                            </p:childTnLst>
+                          </p:cTn>
+                        </p:par>
+                      </p:childTnLst>
+                    </p:cTn>
+                  </p:par>
+                </p:childTnLst>
+              </p:cTn>
+              <p:prevCondLst>
+                <p:cond evt="onPrev" delay="0">
+                  <p:tgtEl>
+                    <p:sldTgt/>
+                  </p:tgtEl>
+                </p:cond>
+              </p:prevCondLst>
+              <p:nextCondLst>
+                <p:cond evt="onNext" delay="0">
+                  <p:tgtEl>
+                    <p:sldTgt/>
+                  </p:tgtEl>
+                </p:cond>
+              </p:nextCondLst>
+            </p:seq>
+          </p:childTnLst>
+        </p:cTn>
+      </p:par>
+    </p:tnLst>
+    <p:bldLst>
+      <p:bldP spid="5" grpId="0"/>
+      <p:bldP spid="5" grpId="1"/>
+      <p:bldP spid="4" grpId="0" bldLvl="0" animBg="1"/>
+      <p:bldP spid="4" grpId="1" animBg="1"/>
+      <p:bldP spid="7" grpId="0"/>
+      <p:bldP spid="7" grpId="1"/>
+    </p:bldLst>
+  </p:timing>
 </p:sld>
 </file>
 
@@ -18552,6 +20852,658 @@
 </file>
 
 <file path=ppt/slides/slide26.xml><?xml version="1.0" encoding="utf-8"?>
+<p:sld xmlns:a="http://schemas.openxmlformats.org/drawingml/2006/main" xmlns:r="http://schemas.openxmlformats.org/officeDocument/2006/relationships" xmlns:p="http://schemas.openxmlformats.org/presentationml/2006/main">
+  <p:cSld>
+    <p:spTree>
+      <p:nvGrpSpPr>
+        <p:cNvPr id="1" name=""/>
+        <p:cNvGrpSpPr/>
+        <p:nvPr/>
+      </p:nvGrpSpPr>
+      <p:grpSpPr/>
+      <p:sp>
+        <p:nvSpPr>
+          <p:cNvPr id="18" name="任意多边形 17"/>
+          <p:cNvSpPr/>
+          <p:nvPr/>
+        </p:nvSpPr>
+        <p:spPr>
+          <a:xfrm rot="600000">
+            <a:off x="5342086" y="122979"/>
+            <a:ext cx="1728000" cy="944245"/>
+          </a:xfrm>
+          <a:custGeom>
+            <a:avLst/>
+            <a:gdLst>
+              <a:gd name="connisteX0" fmla="*/ 257810 w 3935730"/>
+              <a:gd name="connsiteY0" fmla="*/ 429260 h 944880"/>
+              <a:gd name="connisteX1" fmla="*/ 3394710 w 3935730"/>
+              <a:gd name="connsiteY1" fmla="*/ 0 h 944880"/>
+              <a:gd name="connisteX2" fmla="*/ 26035 w 3935730"/>
+              <a:gd name="connsiteY2" fmla="*/ 541020 h 944880"/>
+              <a:gd name="connisteX3" fmla="*/ 3575050 w 3935730"/>
+              <a:gd name="connsiteY3" fmla="*/ 51435 h 944880"/>
+              <a:gd name="connisteX4" fmla="*/ 172085 w 3935730"/>
+              <a:gd name="connsiteY4" fmla="*/ 601345 h 944880"/>
+              <a:gd name="connisteX5" fmla="*/ 3652520 w 3935730"/>
+              <a:gd name="connsiteY5" fmla="*/ 128905 h 944880"/>
+              <a:gd name="connisteX6" fmla="*/ 51435 w 3935730"/>
+              <a:gd name="connsiteY6" fmla="*/ 678815 h 944880"/>
+              <a:gd name="connisteX7" fmla="*/ 3514725 w 3935730"/>
+              <a:gd name="connsiteY7" fmla="*/ 214630 h 944880"/>
+              <a:gd name="connisteX8" fmla="*/ 369570 w 3935730"/>
+              <a:gd name="connsiteY8" fmla="*/ 704215 h 944880"/>
+              <a:gd name="connisteX9" fmla="*/ 3695700 w 3935730"/>
+              <a:gd name="connsiteY9" fmla="*/ 274955 h 944880"/>
+              <a:gd name="connisteX10" fmla="*/ 180340 w 3935730"/>
+              <a:gd name="connsiteY10" fmla="*/ 833120 h 944880"/>
+              <a:gd name="connisteX11" fmla="*/ 3695700 w 3935730"/>
+              <a:gd name="connsiteY11" fmla="*/ 351790 h 944880"/>
+              <a:gd name="connisteX12" fmla="*/ 0 w 3935730"/>
+              <a:gd name="connsiteY12" fmla="*/ 944880 h 944880"/>
+              <a:gd name="connisteX13" fmla="*/ 3935730 w 3935730"/>
+              <a:gd name="connsiteY13" fmla="*/ 360680 h 944880"/>
+            </a:gdLst>
+            <a:ahLst/>
+            <a:cxnLst>
+              <a:cxn ang="0">
+                <a:pos x="connisteX0" y="connsiteY0"/>
+              </a:cxn>
+              <a:cxn ang="0">
+                <a:pos x="connisteX1" y="connsiteY1"/>
+              </a:cxn>
+              <a:cxn ang="0">
+                <a:pos x="connisteX2" y="connsiteY2"/>
+              </a:cxn>
+              <a:cxn ang="0">
+                <a:pos x="connisteX3" y="connsiteY3"/>
+              </a:cxn>
+              <a:cxn ang="0">
+                <a:pos x="connisteX4" y="connsiteY4"/>
+              </a:cxn>
+              <a:cxn ang="0">
+                <a:pos x="connisteX5" y="connsiteY5"/>
+              </a:cxn>
+              <a:cxn ang="0">
+                <a:pos x="connisteX6" y="connsiteY6"/>
+              </a:cxn>
+              <a:cxn ang="0">
+                <a:pos x="connisteX7" y="connsiteY7"/>
+              </a:cxn>
+              <a:cxn ang="0">
+                <a:pos x="connisteX8" y="connsiteY8"/>
+              </a:cxn>
+              <a:cxn ang="0">
+                <a:pos x="connisteX9" y="connsiteY9"/>
+              </a:cxn>
+              <a:cxn ang="0">
+                <a:pos x="connisteX10" y="connsiteY10"/>
+              </a:cxn>
+              <a:cxn ang="0">
+                <a:pos x="connisteX11" y="connsiteY11"/>
+              </a:cxn>
+              <a:cxn ang="0">
+                <a:pos x="connisteX12" y="connsiteY12"/>
+              </a:cxn>
+              <a:cxn ang="0">
+                <a:pos x="connisteX13" y="connsiteY13"/>
+              </a:cxn>
+            </a:cxnLst>
+            <a:rect l="l" t="t" r="r" b="b"/>
+            <a:pathLst>
+              <a:path w="3935730" h="944880">
+                <a:moveTo>
+                  <a:pt x="257810" y="429260"/>
+                </a:moveTo>
+                <a:lnTo>
+                  <a:pt x="3394710" y="0"/>
+                </a:lnTo>
+                <a:lnTo>
+                  <a:pt x="26035" y="541020"/>
+                </a:lnTo>
+                <a:lnTo>
+                  <a:pt x="3575050" y="51435"/>
+                </a:lnTo>
+                <a:lnTo>
+                  <a:pt x="172085" y="601345"/>
+                </a:lnTo>
+                <a:lnTo>
+                  <a:pt x="3652520" y="128905"/>
+                </a:lnTo>
+                <a:lnTo>
+                  <a:pt x="51435" y="678815"/>
+                </a:lnTo>
+                <a:lnTo>
+                  <a:pt x="3514725" y="214630"/>
+                </a:lnTo>
+                <a:lnTo>
+                  <a:pt x="369570" y="704215"/>
+                </a:lnTo>
+                <a:lnTo>
+                  <a:pt x="3695700" y="274955"/>
+                </a:lnTo>
+                <a:lnTo>
+                  <a:pt x="180340" y="833120"/>
+                </a:lnTo>
+                <a:lnTo>
+                  <a:pt x="3695700" y="351790"/>
+                </a:lnTo>
+                <a:lnTo>
+                  <a:pt x="0" y="944880"/>
+                </a:lnTo>
+                <a:lnTo>
+                  <a:pt x="3935730" y="360680"/>
+                </a:lnTo>
+              </a:path>
+            </a:pathLst>
+          </a:custGeom>
+          <a:noFill/>
+          <a:ln w="203200">
+            <a:solidFill>
+              <a:schemeClr val="accent4">
+                <a:lumMod val="40000"/>
+                <a:lumOff val="60000"/>
+              </a:schemeClr>
+            </a:solidFill>
+          </a:ln>
+          <a:effectLst>
+            <a:softEdge rad="63500"/>
+          </a:effectLst>
+        </p:spPr>
+        <p:style>
+          <a:lnRef idx="2">
+            <a:schemeClr val="accent1">
+              <a:shade val="50000"/>
+            </a:schemeClr>
+          </a:lnRef>
+          <a:fillRef idx="1">
+            <a:schemeClr val="accent1"/>
+          </a:fillRef>
+          <a:effectRef idx="0">
+            <a:schemeClr val="accent1"/>
+          </a:effectRef>
+          <a:fontRef idx="minor">
+            <a:schemeClr val="lt1"/>
+          </a:fontRef>
+        </p:style>
+        <p:txBody>
+          <a:bodyPr rtlCol="0" anchor="ctr"/>
+          <a:p>
+            <a:pPr algn="ctr"/>
+            <a:endParaRPr lang="zh-CN" altLang="en-US"/>
+          </a:p>
+        </p:txBody>
+      </p:sp>
+      <p:sp>
+        <p:nvSpPr>
+          <p:cNvPr id="2" name="标题 1"/>
+          <p:cNvSpPr>
+            <a:spLocks noGrp="1"/>
+          </p:cNvSpPr>
+          <p:nvPr>
+            <p:ph type="title"/>
+          </p:nvPr>
+        </p:nvSpPr>
+        <p:spPr>
+          <a:xfrm>
+            <a:off x="5132070" y="245745"/>
+            <a:ext cx="2136775" cy="817245"/>
+          </a:xfrm>
+        </p:spPr>
+        <p:txBody>
+          <a:bodyPr>
+            <a:normAutofit fontScale="90000"/>
+          </a:bodyPr>
+          <a:p>
+            <a:r>
+              <a:rPr lang="en-US" altLang="zh-CN">
+                <a:latin typeface="Aa小梨涡" panose="02010600010101010101" charset="-122"/>
+                <a:ea typeface="Aa小梨涡" panose="02010600010101010101" charset="-122"/>
+              </a:rPr>
+              <a:t>1.</a:t>
+            </a:r>
+            <a:r>
+              <a:rPr lang="zh-CN" altLang="en-US">
+                <a:latin typeface="Aa小梨涡" panose="02010600010101010101" charset="-122"/>
+                <a:ea typeface="Aa小梨涡" panose="02010600010101010101" charset="-122"/>
+              </a:rPr>
+              <a:t>开篇词</a:t>
+            </a:r>
+            <a:endParaRPr lang="zh-CN" altLang="en-US">
+              <a:latin typeface="Aa小梨涡" panose="02010600010101010101" charset="-122"/>
+              <a:ea typeface="Aa小梨涡" panose="02010600010101010101" charset="-122"/>
+            </a:endParaRPr>
+          </a:p>
+        </p:txBody>
+      </p:sp>
+      <p:sp>
+        <p:nvSpPr>
+          <p:cNvPr id="20" name="任意多边形 19"/>
+          <p:cNvSpPr/>
+          <p:nvPr/>
+        </p:nvSpPr>
+        <p:spPr>
+          <a:xfrm rot="10320000">
+            <a:off x="4344035" y="897890"/>
+            <a:ext cx="3456305" cy="76200"/>
+          </a:xfrm>
+          <a:custGeom>
+            <a:avLst/>
+            <a:gdLst>
+              <a:gd name="connisteX0" fmla="*/ 4685923 w 4685923"/>
+              <a:gd name="connsiteY0" fmla="*/ 9525 h 464575"/>
+              <a:gd name="connisteX1" fmla="*/ 548898 w 4685923"/>
+              <a:gd name="connsiteY1" fmla="*/ 238125 h 464575"/>
+              <a:gd name="connisteX2" fmla="*/ 672723 w 4685923"/>
+              <a:gd name="connsiteY2" fmla="*/ 456565 h 464575"/>
+              <a:gd name="connisteX3" fmla="*/ 4638298 w 4685923"/>
+              <a:gd name="connsiteY3" fmla="*/ 0 h 464575"/>
+            </a:gdLst>
+            <a:ahLst/>
+            <a:cxnLst>
+              <a:cxn ang="0">
+                <a:pos x="connisteX0" y="connsiteY0"/>
+              </a:cxn>
+              <a:cxn ang="0">
+                <a:pos x="connisteX1" y="connsiteY1"/>
+              </a:cxn>
+              <a:cxn ang="0">
+                <a:pos x="connisteX2" y="connsiteY2"/>
+              </a:cxn>
+              <a:cxn ang="0">
+                <a:pos x="connisteX3" y="connsiteY3"/>
+              </a:cxn>
+            </a:cxnLst>
+            <a:rect l="l" t="t" r="r" b="b"/>
+            <a:pathLst>
+              <a:path w="4685923" h="464576">
+                <a:moveTo>
+                  <a:pt x="4685923" y="9525"/>
+                </a:moveTo>
+                <a:cubicBezTo>
+                  <a:pt x="3855978" y="50800"/>
+                  <a:pt x="1351538" y="148590"/>
+                  <a:pt x="548898" y="238125"/>
+                </a:cubicBezTo>
+                <a:cubicBezTo>
+                  <a:pt x="-253742" y="327660"/>
+                  <a:pt x="-145157" y="504190"/>
+                  <a:pt x="672723" y="456565"/>
+                </a:cubicBezTo>
+                <a:cubicBezTo>
+                  <a:pt x="1490603" y="408940"/>
+                  <a:pt x="3847723" y="95885"/>
+                  <a:pt x="4638298" y="0"/>
+                </a:cubicBezTo>
+              </a:path>
+            </a:pathLst>
+          </a:custGeom>
+          <a:solidFill>
+            <a:schemeClr val="accent5"/>
+          </a:solidFill>
+          <a:ln>
+            <a:noFill/>
+          </a:ln>
+        </p:spPr>
+        <p:style>
+          <a:lnRef idx="2">
+            <a:schemeClr val="accent1">
+              <a:shade val="50000"/>
+            </a:schemeClr>
+          </a:lnRef>
+          <a:fillRef idx="1">
+            <a:schemeClr val="accent1"/>
+          </a:fillRef>
+          <a:effectRef idx="0">
+            <a:schemeClr val="accent1"/>
+          </a:effectRef>
+          <a:fontRef idx="minor">
+            <a:schemeClr val="lt1"/>
+          </a:fontRef>
+        </p:style>
+        <p:txBody>
+          <a:bodyPr rtlCol="0" anchor="ctr"/>
+          <a:p>
+            <a:pPr algn="ctr"/>
+            <a:endParaRPr lang="zh-CN" altLang="en-US"/>
+          </a:p>
+        </p:txBody>
+      </p:sp>
+    </p:spTree>
+  </p:cSld>
+  <p:clrMapOvr>
+    <a:masterClrMapping/>
+  </p:clrMapOvr>
+</p:sld>
+</file>
+
+<file path=ppt/slides/slide27.xml><?xml version="1.0" encoding="utf-8"?>
+<p:sld xmlns:a="http://schemas.openxmlformats.org/drawingml/2006/main" xmlns:r="http://schemas.openxmlformats.org/officeDocument/2006/relationships" xmlns:p="http://schemas.openxmlformats.org/presentationml/2006/main">
+  <p:cSld>
+    <p:spTree>
+      <p:nvGrpSpPr>
+        <p:cNvPr id="1" name=""/>
+        <p:cNvGrpSpPr/>
+        <p:nvPr/>
+      </p:nvGrpSpPr>
+      <p:grpSpPr/>
+      <p:sp>
+        <p:nvSpPr>
+          <p:cNvPr id="18" name="任意多边形 17"/>
+          <p:cNvSpPr/>
+          <p:nvPr/>
+        </p:nvSpPr>
+        <p:spPr>
+          <a:xfrm rot="600000">
+            <a:off x="5342086" y="122979"/>
+            <a:ext cx="1728000" cy="944245"/>
+          </a:xfrm>
+          <a:custGeom>
+            <a:avLst/>
+            <a:gdLst>
+              <a:gd name="connisteX0" fmla="*/ 257810 w 3935730"/>
+              <a:gd name="connsiteY0" fmla="*/ 429260 h 944880"/>
+              <a:gd name="connisteX1" fmla="*/ 3394710 w 3935730"/>
+              <a:gd name="connsiteY1" fmla="*/ 0 h 944880"/>
+              <a:gd name="connisteX2" fmla="*/ 26035 w 3935730"/>
+              <a:gd name="connsiteY2" fmla="*/ 541020 h 944880"/>
+              <a:gd name="connisteX3" fmla="*/ 3575050 w 3935730"/>
+              <a:gd name="connsiteY3" fmla="*/ 51435 h 944880"/>
+              <a:gd name="connisteX4" fmla="*/ 172085 w 3935730"/>
+              <a:gd name="connsiteY4" fmla="*/ 601345 h 944880"/>
+              <a:gd name="connisteX5" fmla="*/ 3652520 w 3935730"/>
+              <a:gd name="connsiteY5" fmla="*/ 128905 h 944880"/>
+              <a:gd name="connisteX6" fmla="*/ 51435 w 3935730"/>
+              <a:gd name="connsiteY6" fmla="*/ 678815 h 944880"/>
+              <a:gd name="connisteX7" fmla="*/ 3514725 w 3935730"/>
+              <a:gd name="connsiteY7" fmla="*/ 214630 h 944880"/>
+              <a:gd name="connisteX8" fmla="*/ 369570 w 3935730"/>
+              <a:gd name="connsiteY8" fmla="*/ 704215 h 944880"/>
+              <a:gd name="connisteX9" fmla="*/ 3695700 w 3935730"/>
+              <a:gd name="connsiteY9" fmla="*/ 274955 h 944880"/>
+              <a:gd name="connisteX10" fmla="*/ 180340 w 3935730"/>
+              <a:gd name="connsiteY10" fmla="*/ 833120 h 944880"/>
+              <a:gd name="connisteX11" fmla="*/ 3695700 w 3935730"/>
+              <a:gd name="connsiteY11" fmla="*/ 351790 h 944880"/>
+              <a:gd name="connisteX12" fmla="*/ 0 w 3935730"/>
+              <a:gd name="connsiteY12" fmla="*/ 944880 h 944880"/>
+              <a:gd name="connisteX13" fmla="*/ 3935730 w 3935730"/>
+              <a:gd name="connsiteY13" fmla="*/ 360680 h 944880"/>
+            </a:gdLst>
+            <a:ahLst/>
+            <a:cxnLst>
+              <a:cxn ang="0">
+                <a:pos x="connisteX0" y="connsiteY0"/>
+              </a:cxn>
+              <a:cxn ang="0">
+                <a:pos x="connisteX1" y="connsiteY1"/>
+              </a:cxn>
+              <a:cxn ang="0">
+                <a:pos x="connisteX2" y="connsiteY2"/>
+              </a:cxn>
+              <a:cxn ang="0">
+                <a:pos x="connisteX3" y="connsiteY3"/>
+              </a:cxn>
+              <a:cxn ang="0">
+                <a:pos x="connisteX4" y="connsiteY4"/>
+              </a:cxn>
+              <a:cxn ang="0">
+                <a:pos x="connisteX5" y="connsiteY5"/>
+              </a:cxn>
+              <a:cxn ang="0">
+                <a:pos x="connisteX6" y="connsiteY6"/>
+              </a:cxn>
+              <a:cxn ang="0">
+                <a:pos x="connisteX7" y="connsiteY7"/>
+              </a:cxn>
+              <a:cxn ang="0">
+                <a:pos x="connisteX8" y="connsiteY8"/>
+              </a:cxn>
+              <a:cxn ang="0">
+                <a:pos x="connisteX9" y="connsiteY9"/>
+              </a:cxn>
+              <a:cxn ang="0">
+                <a:pos x="connisteX10" y="connsiteY10"/>
+              </a:cxn>
+              <a:cxn ang="0">
+                <a:pos x="connisteX11" y="connsiteY11"/>
+              </a:cxn>
+              <a:cxn ang="0">
+                <a:pos x="connisteX12" y="connsiteY12"/>
+              </a:cxn>
+              <a:cxn ang="0">
+                <a:pos x="connisteX13" y="connsiteY13"/>
+              </a:cxn>
+            </a:cxnLst>
+            <a:rect l="l" t="t" r="r" b="b"/>
+            <a:pathLst>
+              <a:path w="3935730" h="944880">
+                <a:moveTo>
+                  <a:pt x="257810" y="429260"/>
+                </a:moveTo>
+                <a:lnTo>
+                  <a:pt x="3394710" y="0"/>
+                </a:lnTo>
+                <a:lnTo>
+                  <a:pt x="26035" y="541020"/>
+                </a:lnTo>
+                <a:lnTo>
+                  <a:pt x="3575050" y="51435"/>
+                </a:lnTo>
+                <a:lnTo>
+                  <a:pt x="172085" y="601345"/>
+                </a:lnTo>
+                <a:lnTo>
+                  <a:pt x="3652520" y="128905"/>
+                </a:lnTo>
+                <a:lnTo>
+                  <a:pt x="51435" y="678815"/>
+                </a:lnTo>
+                <a:lnTo>
+                  <a:pt x="3514725" y="214630"/>
+                </a:lnTo>
+                <a:lnTo>
+                  <a:pt x="369570" y="704215"/>
+                </a:lnTo>
+                <a:lnTo>
+                  <a:pt x="3695700" y="274955"/>
+                </a:lnTo>
+                <a:lnTo>
+                  <a:pt x="180340" y="833120"/>
+                </a:lnTo>
+                <a:lnTo>
+                  <a:pt x="3695700" y="351790"/>
+                </a:lnTo>
+                <a:lnTo>
+                  <a:pt x="0" y="944880"/>
+                </a:lnTo>
+                <a:lnTo>
+                  <a:pt x="3935730" y="360680"/>
+                </a:lnTo>
+              </a:path>
+            </a:pathLst>
+          </a:custGeom>
+          <a:noFill/>
+          <a:ln w="203200">
+            <a:solidFill>
+              <a:schemeClr val="accent4">
+                <a:lumMod val="40000"/>
+                <a:lumOff val="60000"/>
+              </a:schemeClr>
+            </a:solidFill>
+          </a:ln>
+          <a:effectLst>
+            <a:softEdge rad="63500"/>
+          </a:effectLst>
+        </p:spPr>
+        <p:style>
+          <a:lnRef idx="2">
+            <a:schemeClr val="accent1">
+              <a:shade val="50000"/>
+            </a:schemeClr>
+          </a:lnRef>
+          <a:fillRef idx="1">
+            <a:schemeClr val="accent1"/>
+          </a:fillRef>
+          <a:effectRef idx="0">
+            <a:schemeClr val="accent1"/>
+          </a:effectRef>
+          <a:fontRef idx="minor">
+            <a:schemeClr val="lt1"/>
+          </a:fontRef>
+        </p:style>
+        <p:txBody>
+          <a:bodyPr rtlCol="0" anchor="ctr"/>
+          <a:p>
+            <a:pPr algn="ctr"/>
+            <a:endParaRPr lang="zh-CN" altLang="en-US"/>
+          </a:p>
+        </p:txBody>
+      </p:sp>
+      <p:sp>
+        <p:nvSpPr>
+          <p:cNvPr id="2" name="标题 1"/>
+          <p:cNvSpPr>
+            <a:spLocks noGrp="1"/>
+          </p:cNvSpPr>
+          <p:nvPr>
+            <p:ph type="title"/>
+          </p:nvPr>
+        </p:nvSpPr>
+        <p:spPr>
+          <a:xfrm>
+            <a:off x="5132070" y="245745"/>
+            <a:ext cx="2136775" cy="817245"/>
+          </a:xfrm>
+        </p:spPr>
+        <p:txBody>
+          <a:bodyPr>
+            <a:normAutofit fontScale="90000"/>
+          </a:bodyPr>
+          <a:p>
+            <a:r>
+              <a:rPr lang="en-US" altLang="zh-CN">
+                <a:latin typeface="Aa小梨涡" panose="02010600010101010101" charset="-122"/>
+                <a:ea typeface="Aa小梨涡" panose="02010600010101010101" charset="-122"/>
+              </a:rPr>
+              <a:t>1.</a:t>
+            </a:r>
+            <a:r>
+              <a:rPr lang="zh-CN" altLang="en-US">
+                <a:latin typeface="Aa小梨涡" panose="02010600010101010101" charset="-122"/>
+                <a:ea typeface="Aa小梨涡" panose="02010600010101010101" charset="-122"/>
+              </a:rPr>
+              <a:t>开篇词</a:t>
+            </a:r>
+            <a:endParaRPr lang="zh-CN" altLang="en-US">
+              <a:latin typeface="Aa小梨涡" panose="02010600010101010101" charset="-122"/>
+              <a:ea typeface="Aa小梨涡" panose="02010600010101010101" charset="-122"/>
+            </a:endParaRPr>
+          </a:p>
+        </p:txBody>
+      </p:sp>
+      <p:sp>
+        <p:nvSpPr>
+          <p:cNvPr id="20" name="任意多边形 19"/>
+          <p:cNvSpPr/>
+          <p:nvPr/>
+        </p:nvSpPr>
+        <p:spPr>
+          <a:xfrm rot="10320000">
+            <a:off x="4344035" y="897890"/>
+            <a:ext cx="3456305" cy="76200"/>
+          </a:xfrm>
+          <a:custGeom>
+            <a:avLst/>
+            <a:gdLst>
+              <a:gd name="connisteX0" fmla="*/ 4685923 w 4685923"/>
+              <a:gd name="connsiteY0" fmla="*/ 9525 h 464575"/>
+              <a:gd name="connisteX1" fmla="*/ 548898 w 4685923"/>
+              <a:gd name="connsiteY1" fmla="*/ 238125 h 464575"/>
+              <a:gd name="connisteX2" fmla="*/ 672723 w 4685923"/>
+              <a:gd name="connsiteY2" fmla="*/ 456565 h 464575"/>
+              <a:gd name="connisteX3" fmla="*/ 4638298 w 4685923"/>
+              <a:gd name="connsiteY3" fmla="*/ 0 h 464575"/>
+            </a:gdLst>
+            <a:ahLst/>
+            <a:cxnLst>
+              <a:cxn ang="0">
+                <a:pos x="connisteX0" y="connsiteY0"/>
+              </a:cxn>
+              <a:cxn ang="0">
+                <a:pos x="connisteX1" y="connsiteY1"/>
+              </a:cxn>
+              <a:cxn ang="0">
+                <a:pos x="connisteX2" y="connsiteY2"/>
+              </a:cxn>
+              <a:cxn ang="0">
+                <a:pos x="connisteX3" y="connsiteY3"/>
+              </a:cxn>
+            </a:cxnLst>
+            <a:rect l="l" t="t" r="r" b="b"/>
+            <a:pathLst>
+              <a:path w="4685923" h="464576">
+                <a:moveTo>
+                  <a:pt x="4685923" y="9525"/>
+                </a:moveTo>
+                <a:cubicBezTo>
+                  <a:pt x="3855978" y="50800"/>
+                  <a:pt x="1351538" y="148590"/>
+                  <a:pt x="548898" y="238125"/>
+                </a:cubicBezTo>
+                <a:cubicBezTo>
+                  <a:pt x="-253742" y="327660"/>
+                  <a:pt x="-145157" y="504190"/>
+                  <a:pt x="672723" y="456565"/>
+                </a:cubicBezTo>
+                <a:cubicBezTo>
+                  <a:pt x="1490603" y="408940"/>
+                  <a:pt x="3847723" y="95885"/>
+                  <a:pt x="4638298" y="0"/>
+                </a:cubicBezTo>
+              </a:path>
+            </a:pathLst>
+          </a:custGeom>
+          <a:solidFill>
+            <a:schemeClr val="accent5"/>
+          </a:solidFill>
+          <a:ln>
+            <a:noFill/>
+          </a:ln>
+        </p:spPr>
+        <p:style>
+          <a:lnRef idx="2">
+            <a:schemeClr val="accent1">
+              <a:shade val="50000"/>
+            </a:schemeClr>
+          </a:lnRef>
+          <a:fillRef idx="1">
+            <a:schemeClr val="accent1"/>
+          </a:fillRef>
+          <a:effectRef idx="0">
+            <a:schemeClr val="accent1"/>
+          </a:effectRef>
+          <a:fontRef idx="minor">
+            <a:schemeClr val="lt1"/>
+          </a:fontRef>
+        </p:style>
+        <p:txBody>
+          <a:bodyPr rtlCol="0" anchor="ctr"/>
+          <a:p>
+            <a:pPr algn="ctr"/>
+            <a:endParaRPr lang="zh-CN" altLang="en-US"/>
+          </a:p>
+        </p:txBody>
+      </p:sp>
+    </p:spTree>
+  </p:cSld>
+  <p:clrMapOvr>
+    <a:masterClrMapping/>
+  </p:clrMapOvr>
+</p:sld>
+</file>
+
+<file path=ppt/slides/slide28.xml><?xml version="1.0" encoding="utf-8"?>
 <p:sld xmlns:a="http://schemas.openxmlformats.org/drawingml/2006/main" xmlns:r="http://schemas.openxmlformats.org/officeDocument/2006/relationships" xmlns:p="http://schemas.openxmlformats.org/presentationml/2006/main">
   <p:cSld>
     <p:spTree>

--- a/PPT/CorePython.pptx
+++ b/PPT/CorePython.pptx
@@ -22,40 +22,43 @@
     <p:sldId id="267" r:id="rId17"/>
     <p:sldId id="289" r:id="rId18"/>
     <p:sldId id="300" r:id="rId19"/>
-    <p:sldId id="301" r:id="rId20"/>
-    <p:sldId id="268" r:id="rId21"/>
-    <p:sldId id="269" r:id="rId22"/>
-    <p:sldId id="270" r:id="rId23"/>
-    <p:sldId id="290" r:id="rId24"/>
-    <p:sldId id="291" r:id="rId25"/>
-    <p:sldId id="292" r:id="rId26"/>
-    <p:sldId id="293" r:id="rId27"/>
-    <p:sldId id="294" r:id="rId28"/>
-    <p:sldId id="295" r:id="rId29"/>
-    <p:sldId id="296" r:id="rId30"/>
+    <p:sldId id="312" r:id="rId20"/>
+    <p:sldId id="301" r:id="rId21"/>
+    <p:sldId id="268" r:id="rId22"/>
+    <p:sldId id="269" r:id="rId23"/>
+    <p:sldId id="270" r:id="rId24"/>
+    <p:sldId id="290" r:id="rId25"/>
+    <p:sldId id="313" r:id="rId26"/>
+    <p:sldId id="314" r:id="rId27"/>
+    <p:sldId id="291" r:id="rId28"/>
+    <p:sldId id="292" r:id="rId29"/>
+    <p:sldId id="293" r:id="rId30"/>
+    <p:sldId id="294" r:id="rId31"/>
+    <p:sldId id="295" r:id="rId32"/>
+    <p:sldId id="296" r:id="rId33"/>
   </p:sldIdLst>
   <p:sldSz cx="12192000" cy="6858000"/>
   <p:notesSz cx="6858000" cy="9144000"/>
   <p:embeddedFontLst>
     <p:embeddedFont>
       <p:font typeface="Aa小梨涡" panose="02010600010101010101" charset="-122"/>
-      <p:regular r:id="rId34"/>
+      <p:regular r:id="rId37"/>
     </p:embeddedFont>
     <p:embeddedFont>
       <p:font typeface="微软雅黑" panose="020B0503020204020204" charset="-122"/>
-      <p:regular r:id="rId35"/>
+      <p:regular r:id="rId38"/>
     </p:embeddedFont>
     <p:embeddedFont>
       <p:font typeface="Comic Sans MS" panose="030F0702030302020204" charset="0"/>
-      <p:regular r:id="rId36"/>
-      <p:bold r:id="rId37"/>
+      <p:regular r:id="rId39"/>
+      <p:bold r:id="rId40"/>
     </p:embeddedFont>
     <p:embeddedFont>
       <p:font typeface="Calibri" panose="020F0502020204030204" charset="0"/>
-      <p:regular r:id="rId38"/>
-      <p:bold r:id="rId39"/>
-      <p:italic r:id="rId40"/>
-      <p:boldItalic r:id="rId41"/>
+      <p:regular r:id="rId41"/>
+      <p:bold r:id="rId42"/>
+      <p:italic r:id="rId43"/>
+      <p:boldItalic r:id="rId44"/>
     </p:embeddedFont>
   </p:embeddedFontLst>
   <p:defaultTextStyle>
@@ -9769,7 +9772,7 @@
         <p:spPr>
           <a:xfrm>
             <a:off x="455295" y="1214120"/>
-            <a:ext cx="11281410" cy="5477510"/>
+            <a:ext cx="11281410" cy="5028565"/>
           </a:xfrm>
           <a:prstGeom prst="rect">
             <a:avLst/>
@@ -9796,7 +9799,7 @@
                 <a:cs typeface="Aa小梨涡" panose="02010600010101010101" charset="-122"/>
                 <a:sym typeface="+mn-ea"/>
               </a:rPr>
-              <a:t>1. ASCII ,Unicode</a:t>
+              <a:t>1. ASCII </a:t>
             </a:r>
             <a:r>
               <a:rPr lang="zh-CN" altLang="en-US" sz="2200">
@@ -9805,7 +9808,7 @@
                 <a:cs typeface="Aa小梨涡" panose="02010600010101010101" charset="-122"/>
                 <a:sym typeface="+mn-ea"/>
               </a:rPr>
-              <a:t>与</a:t>
+              <a:t>和</a:t>
             </a:r>
             <a:r>
               <a:rPr lang="en-US" altLang="zh-CN" sz="2200">
@@ -9814,7 +9817,7 @@
                 <a:cs typeface="Aa小梨涡" panose="02010600010101010101" charset="-122"/>
                 <a:sym typeface="+mn-ea"/>
               </a:rPr>
-              <a:t>UTF</a:t>
+              <a:t>Unicode</a:t>
             </a:r>
             <a:endParaRPr lang="en-US" altLang="zh-CN" sz="2200">
               <a:latin typeface="Aa小梨涡" panose="02010600010101010101" charset="-122"/>
@@ -9930,173 +9933,7 @@
                 <a:cs typeface="Aa小梨涡" panose="02010600010101010101" charset="-122"/>
                 <a:sym typeface="+mn-ea"/>
               </a:rPr>
-              <a:t>个字符的编码远远不够，世界各国都退出各自的字符编码方式，为了实现互通，需要有一种编码，将世界上所有的符号都纳入其中，每一个符号都给予一个独一无二的编码，这就是 Unicod</a:t>
-            </a:r>
-            <a:r>
-              <a:rPr lang="en-US" altLang="zh-CN" sz="2200">
-                <a:latin typeface="Aa小梨涡" panose="02010600010101010101" charset="-122"/>
-                <a:ea typeface="Aa小梨涡" panose="02010600010101010101" charset="-122"/>
-                <a:cs typeface="Aa小梨涡" panose="02010600010101010101" charset="-122"/>
-                <a:sym typeface="+mn-ea"/>
-              </a:rPr>
-              <a:t>e</a:t>
-            </a:r>
-            <a:r>
-              <a:rPr lang="zh-CN" altLang="en-US" sz="2200">
-                <a:latin typeface="Aa小梨涡" panose="02010600010101010101" charset="-122"/>
-                <a:ea typeface="Aa小梨涡" panose="02010600010101010101" charset="-122"/>
-                <a:cs typeface="Aa小梨涡" panose="02010600010101010101" charset="-122"/>
-                <a:sym typeface="+mn-ea"/>
-              </a:rPr>
-              <a:t>。例如，U+0041表示英语的大写字母</a:t>
-            </a:r>
-            <a:r>
-              <a:rPr lang="en-US" altLang="zh-CN" sz="2200">
-                <a:latin typeface="Aa小梨涡" panose="02010600010101010101" charset="-122"/>
-                <a:ea typeface="Aa小梨涡" panose="02010600010101010101" charset="-122"/>
-                <a:cs typeface="Aa小梨涡" panose="02010600010101010101" charset="-122"/>
-                <a:sym typeface="+mn-ea"/>
-              </a:rPr>
-              <a:t>“</a:t>
-            </a:r>
-            <a:r>
-              <a:rPr lang="zh-CN" altLang="en-US" sz="2200">
-                <a:latin typeface="Aa小梨涡" panose="02010600010101010101" charset="-122"/>
-                <a:ea typeface="Aa小梨涡" panose="02010600010101010101" charset="-122"/>
-                <a:cs typeface="Aa小梨涡" panose="02010600010101010101" charset="-122"/>
-                <a:sym typeface="+mn-ea"/>
-              </a:rPr>
-              <a:t>A</a:t>
-            </a:r>
-            <a:r>
-              <a:rPr lang="en-US" altLang="zh-CN" sz="2200">
-                <a:latin typeface="Aa小梨涡" panose="02010600010101010101" charset="-122"/>
-                <a:ea typeface="Aa小梨涡" panose="02010600010101010101" charset="-122"/>
-                <a:cs typeface="Aa小梨涡" panose="02010600010101010101" charset="-122"/>
-                <a:sym typeface="+mn-ea"/>
-              </a:rPr>
-              <a:t>”</a:t>
-            </a:r>
-            <a:r>
-              <a:rPr lang="zh-CN" altLang="en-US" sz="2200">
-                <a:latin typeface="Aa小梨涡" panose="02010600010101010101" charset="-122"/>
-                <a:ea typeface="Aa小梨涡" panose="02010600010101010101" charset="-122"/>
-                <a:cs typeface="Aa小梨涡" panose="02010600010101010101" charset="-122"/>
-                <a:sym typeface="+mn-ea"/>
-              </a:rPr>
-              <a:t>，U+4E25表示汉字</a:t>
-            </a:r>
-            <a:r>
-              <a:rPr lang="en-US" altLang="zh-CN" sz="2200">
-                <a:latin typeface="Aa小梨涡" panose="02010600010101010101" charset="-122"/>
-                <a:ea typeface="Aa小梨涡" panose="02010600010101010101" charset="-122"/>
-                <a:cs typeface="Aa小梨涡" panose="02010600010101010101" charset="-122"/>
-                <a:sym typeface="+mn-ea"/>
-              </a:rPr>
-              <a:t>“</a:t>
-            </a:r>
-            <a:r>
-              <a:rPr lang="zh-CN" altLang="en-US" sz="2200">
-                <a:latin typeface="Aa小梨涡" panose="02010600010101010101" charset="-122"/>
-                <a:ea typeface="Aa小梨涡" panose="02010600010101010101" charset="-122"/>
-                <a:cs typeface="Aa小梨涡" panose="02010600010101010101" charset="-122"/>
-                <a:sym typeface="+mn-ea"/>
-              </a:rPr>
-              <a:t>严</a:t>
-            </a:r>
-            <a:r>
-              <a:rPr lang="en-US" altLang="zh-CN" sz="2200">
-                <a:latin typeface="Aa小梨涡" panose="02010600010101010101" charset="-122"/>
-                <a:ea typeface="Aa小梨涡" panose="02010600010101010101" charset="-122"/>
-                <a:cs typeface="Aa小梨涡" panose="02010600010101010101" charset="-122"/>
-                <a:sym typeface="+mn-ea"/>
-              </a:rPr>
-              <a:t>”</a:t>
-            </a:r>
-            <a:r>
-              <a:rPr lang="zh-CN" altLang="en-US" sz="2200">
-                <a:latin typeface="Aa小梨涡" panose="02010600010101010101" charset="-122"/>
-                <a:ea typeface="Aa小梨涡" panose="02010600010101010101" charset="-122"/>
-                <a:cs typeface="Aa小梨涡" panose="02010600010101010101" charset="-122"/>
-                <a:sym typeface="+mn-ea"/>
-              </a:rPr>
-              <a:t>。</a:t>
-            </a:r>
-            <a:endParaRPr lang="en-US" altLang="zh-CN" sz="2200">
-              <a:latin typeface="Aa小梨涡" panose="02010600010101010101" charset="-122"/>
-              <a:ea typeface="Aa小梨涡" panose="02010600010101010101" charset="-122"/>
-              <a:cs typeface="Aa小梨涡" panose="02010600010101010101" charset="-122"/>
-              <a:sym typeface="+mn-ea"/>
-            </a:endParaRPr>
-          </a:p>
-          <a:p>
-            <a:pPr fontAlgn="auto">
-              <a:lnSpc>
-                <a:spcPts val="3500"/>
-              </a:lnSpc>
-            </a:pPr>
-            <a:r>
-              <a:rPr lang="en-US" altLang="zh-CN" sz="2200">
-                <a:latin typeface="Aa小梨涡" panose="02010600010101010101" charset="-122"/>
-                <a:ea typeface="Aa小梨涡" panose="02010600010101010101" charset="-122"/>
-                <a:cs typeface="Aa小梨涡" panose="02010600010101010101" charset="-122"/>
-                <a:sym typeface="+mn-ea"/>
-              </a:rPr>
-              <a:t>       UTF-8</a:t>
-            </a:r>
-            <a:r>
-              <a:rPr lang="zh-CN" altLang="en-US" sz="2200">
-                <a:latin typeface="Aa小梨涡" panose="02010600010101010101" charset="-122"/>
-                <a:ea typeface="Aa小梨涡" panose="02010600010101010101" charset="-122"/>
-                <a:cs typeface="Aa小梨涡" panose="02010600010101010101" charset="-122"/>
-                <a:sym typeface="+mn-ea"/>
-              </a:rPr>
-              <a:t>（</a:t>
-            </a:r>
-            <a:r>
-              <a:rPr lang="zh-CN" altLang="en-US" sz="2200">
-                <a:latin typeface="Aa小梨涡" panose="02010600010101010101" charset="-122"/>
-                <a:ea typeface="Aa小梨涡" panose="02010600010101010101" charset="-122"/>
-                <a:cs typeface="Aa小梨涡" panose="02010600010101010101" charset="-122"/>
-                <a:sym typeface="+mn-ea"/>
-              </a:rPr>
-              <a:t>Unicode Transformation Format</a:t>
-            </a:r>
-            <a:r>
-              <a:rPr lang="en-US" altLang="zh-CN" sz="2200">
-                <a:latin typeface="Aa小梨涡" panose="02010600010101010101" charset="-122"/>
-                <a:ea typeface="Aa小梨涡" panose="02010600010101010101" charset="-122"/>
-                <a:cs typeface="Aa小梨涡" panose="02010600010101010101" charset="-122"/>
-                <a:sym typeface="+mn-ea"/>
-              </a:rPr>
-              <a:t>-8</a:t>
-            </a:r>
-            <a:r>
-              <a:rPr lang="zh-CN" altLang="en-US" sz="2200">
-                <a:latin typeface="Aa小梨涡" panose="02010600010101010101" charset="-122"/>
-                <a:ea typeface="Aa小梨涡" panose="02010600010101010101" charset="-122"/>
-                <a:cs typeface="Aa小梨涡" panose="02010600010101010101" charset="-122"/>
-                <a:sym typeface="+mn-ea"/>
-              </a:rPr>
-              <a:t>）</a:t>
-            </a:r>
-            <a:r>
-              <a:rPr lang="en-US" altLang="zh-CN" sz="2200">
-                <a:latin typeface="Aa小梨涡" panose="02010600010101010101" charset="-122"/>
-                <a:ea typeface="Aa小梨涡" panose="02010600010101010101" charset="-122"/>
-                <a:cs typeface="Aa小梨涡" panose="02010600010101010101" charset="-122"/>
-                <a:sym typeface="+mn-ea"/>
-              </a:rPr>
-              <a:t>是在互联网上使用最广的一种 Unicode 的实现方式</a:t>
-            </a:r>
-            <a:r>
-              <a:rPr lang="zh-CN" altLang="en-US" sz="2200">
-                <a:latin typeface="Aa小梨涡" panose="02010600010101010101" charset="-122"/>
-                <a:ea typeface="Aa小梨涡" panose="02010600010101010101" charset="-122"/>
-                <a:cs typeface="Aa小梨涡" panose="02010600010101010101" charset="-122"/>
-                <a:sym typeface="+mn-ea"/>
-              </a:rPr>
-              <a:t>，其他实现方式还包括 UTF-16和 UTF-32。UTF-8 的特点是</a:t>
+              <a:t>个字符的编码远远不够，世界各国都推出各自的字符编码方式，中国有 GBK，日本有 JIS，台湾有 BIG5，没有统一的编码标准，交流起来极其麻烦。</a:t>
             </a:r>
             <a:endParaRPr lang="zh-CN" altLang="en-US" sz="2200">
               <a:latin typeface="Aa小梨涡" panose="02010600010101010101" charset="-122"/>
@@ -10118,16 +9955,34 @@
                 <a:cs typeface="Aa小梨涡" panose="02010600010101010101" charset="-122"/>
                 <a:sym typeface="+mn-ea"/>
               </a:rPr>
-              <a:t>       </a:t>
+              <a:t>        实现互通，需要有一种字符集，将世界上所有的符号都纳入其中，每一个符号都给予一个独一无二的编码值（</a:t>
+            </a:r>
+            <a:r>
+              <a:rPr lang="en-US" altLang="zh-CN" sz="2200">
+                <a:latin typeface="Aa小梨涡" panose="02010600010101010101" charset="-122"/>
+                <a:ea typeface="Aa小梨涡" panose="02010600010101010101" charset="-122"/>
+                <a:cs typeface="Aa小梨涡" panose="02010600010101010101" charset="-122"/>
+                <a:sym typeface="+mn-ea"/>
+              </a:rPr>
+              <a:t>code point</a:t>
             </a:r>
             <a:r>
               <a:rPr lang="zh-CN" altLang="en-US" sz="2200">
-                <a:latin typeface="Calibri" panose="020F0502020204030204" charset="0"/>
-                <a:ea typeface="Aa小梨涡" panose="02010600010101010101" charset="-122"/>
-                <a:cs typeface="Aa小梨涡" panose="02010600010101010101" charset="-122"/>
-                <a:sym typeface="+mn-ea"/>
-              </a:rPr>
-              <a:t>① ASCII 安全的</a:t>
+                <a:latin typeface="Aa小梨涡" panose="02010600010101010101" charset="-122"/>
+                <a:ea typeface="Aa小梨涡" panose="02010600010101010101" charset="-122"/>
+                <a:cs typeface="Aa小梨涡" panose="02010600010101010101" charset="-122"/>
+                <a:sym typeface="+mn-ea"/>
+              </a:rPr>
+              <a:t>），这就是 Unicod</a:t>
+            </a:r>
+            <a:r>
+              <a:rPr lang="en-US" altLang="zh-CN" sz="2200">
+                <a:latin typeface="Aa小梨涡" panose="02010600010101010101" charset="-122"/>
+                <a:ea typeface="Aa小梨涡" panose="02010600010101010101" charset="-122"/>
+                <a:cs typeface="Aa小梨涡" panose="02010600010101010101" charset="-122"/>
+                <a:sym typeface="+mn-ea"/>
+              </a:rPr>
+              <a:t>e</a:t>
             </a:r>
             <a:r>
               <a:rPr lang="zh-CN" altLang="en-US" sz="2200">
@@ -10136,25 +9991,7 @@
                 <a:cs typeface="Aa小梨涡" panose="02010600010101010101" charset="-122"/>
                 <a:sym typeface="+mn-ea"/>
               </a:rPr>
-              <a:t>变长编码方式，</a:t>
-            </a:r>
-            <a:r>
-              <a:rPr sz="2200">
-                <a:latin typeface="Aa小梨涡" panose="02010600010101010101" charset="-122"/>
-                <a:ea typeface="Aa小梨涡" panose="02010600010101010101" charset="-122"/>
-                <a:cs typeface="Aa小梨涡" panose="02010600010101010101" charset="-122"/>
-                <a:sym typeface="+mn-ea"/>
-              </a:rPr>
-              <a:t>ASCII 和控制字符 由通常的单字节代码表示，但其他字符变为双字节或更多字节</a:t>
-            </a:r>
-            <a:r>
-              <a:rPr lang="zh-CN" sz="2200">
-                <a:latin typeface="Aa小梨涡" panose="02010600010101010101" charset="-122"/>
-                <a:ea typeface="Aa小梨涡" panose="02010600010101010101" charset="-122"/>
-                <a:cs typeface="Aa小梨涡" panose="02010600010101010101" charset="-122"/>
-                <a:sym typeface="+mn-ea"/>
-              </a:rPr>
-              <a:t>，例如</a:t>
+              <a:t>。例如，U+0041表示英语的大写字母</a:t>
             </a:r>
             <a:r>
               <a:rPr lang="en-US" altLang="zh-CN" sz="2200">
@@ -10166,7 +10003,43 @@
               <a:t>“</a:t>
             </a:r>
             <a:r>
-              <a:rPr lang="zh-CN" sz="2200">
+              <a:rPr lang="zh-CN" altLang="en-US" sz="2200">
+                <a:latin typeface="Aa小梨涡" panose="02010600010101010101" charset="-122"/>
+                <a:ea typeface="Aa小梨涡" panose="02010600010101010101" charset="-122"/>
+                <a:cs typeface="Aa小梨涡" panose="02010600010101010101" charset="-122"/>
+                <a:sym typeface="+mn-ea"/>
+              </a:rPr>
+              <a:t>A</a:t>
+            </a:r>
+            <a:r>
+              <a:rPr lang="en-US" altLang="zh-CN" sz="2200">
+                <a:latin typeface="Aa小梨涡" panose="02010600010101010101" charset="-122"/>
+                <a:ea typeface="Aa小梨涡" panose="02010600010101010101" charset="-122"/>
+                <a:cs typeface="Aa小梨涡" panose="02010600010101010101" charset="-122"/>
+                <a:sym typeface="+mn-ea"/>
+              </a:rPr>
+              <a:t>”</a:t>
+            </a:r>
+            <a:r>
+              <a:rPr lang="zh-CN" altLang="en-US" sz="2200">
+                <a:latin typeface="Aa小梨涡" panose="02010600010101010101" charset="-122"/>
+                <a:ea typeface="Aa小梨涡" panose="02010600010101010101" charset="-122"/>
+                <a:cs typeface="Aa小梨涡" panose="02010600010101010101" charset="-122"/>
+                <a:sym typeface="+mn-ea"/>
+              </a:rPr>
+              <a:t>，U+4E25表示汉字</a:t>
+            </a:r>
+            <a:r>
+              <a:rPr lang="en-US" altLang="zh-CN" sz="2200">
+                <a:latin typeface="Aa小梨涡" panose="02010600010101010101" charset="-122"/>
+                <a:ea typeface="Aa小梨涡" panose="02010600010101010101" charset="-122"/>
+                <a:cs typeface="Aa小梨涡" panose="02010600010101010101" charset="-122"/>
+                <a:sym typeface="+mn-ea"/>
+              </a:rPr>
+              <a:t>“</a:t>
+            </a:r>
+            <a:r>
+              <a:rPr lang="zh-CN" altLang="en-US" sz="2200">
                 <a:latin typeface="Aa小梨涡" panose="02010600010101010101" charset="-122"/>
                 <a:ea typeface="Aa小梨涡" panose="02010600010101010101" charset="-122"/>
                 <a:cs typeface="Aa小梨涡" panose="02010600010101010101" charset="-122"/>
@@ -10184,24 +10057,15 @@
               <a:t>”</a:t>
             </a:r>
             <a:r>
-              <a:rPr lang="zh-CN" sz="2200">
-                <a:latin typeface="Aa小梨涡" panose="02010600010101010101" charset="-122"/>
-                <a:ea typeface="Aa小梨涡" panose="02010600010101010101" charset="-122"/>
-                <a:cs typeface="Aa小梨涡" panose="02010600010101010101" charset="-122"/>
-                <a:sym typeface="+mn-ea"/>
-              </a:rPr>
-              <a:t>的 UTF-8 编码是E4B8A5</a:t>
-            </a:r>
-            <a:r>
-              <a:rPr lang="zh-CN" sz="2200">
-                <a:latin typeface="Aa小梨涡" panose="02010600010101010101" charset="-122"/>
-                <a:ea typeface="Aa小梨涡" panose="02010600010101010101" charset="-122"/>
-                <a:cs typeface="Aa小梨涡" panose="02010600010101010101" charset="-122"/>
-                <a:sym typeface="+mn-ea"/>
-              </a:rPr>
-              <a:t>；</a:t>
-            </a:r>
-            <a:endParaRPr lang="zh-CN" sz="2200">
+              <a:rPr lang="zh-CN" altLang="en-US" sz="2200">
+                <a:latin typeface="Aa小梨涡" panose="02010600010101010101" charset="-122"/>
+                <a:ea typeface="Aa小梨涡" panose="02010600010101010101" charset="-122"/>
+                <a:cs typeface="Aa小梨涡" panose="02010600010101010101" charset="-122"/>
+                <a:sym typeface="+mn-ea"/>
+              </a:rPr>
+              <a:t>。</a:t>
+            </a:r>
+            <a:endParaRPr lang="zh-CN" altLang="en-US" sz="2200">
               <a:latin typeface="Aa小梨涡" panose="02010600010101010101" charset="-122"/>
               <a:ea typeface="Aa小梨涡" panose="02010600010101010101" charset="-122"/>
               <a:cs typeface="Aa小梨涡" panose="02010600010101010101" charset="-122"/>
@@ -10215,41 +10079,81 @@
               </a:lnSpc>
             </a:pPr>
             <a:r>
-              <a:rPr lang="zh-CN" sz="2200">
-                <a:latin typeface="Aa小梨涡" panose="02010600010101010101" charset="-122"/>
-                <a:ea typeface="Aa小梨涡" panose="02010600010101010101" charset="-122"/>
-                <a:cs typeface="Aa小梨涡" panose="02010600010101010101" charset="-122"/>
-                <a:sym typeface="+mn-ea"/>
-              </a:rPr>
-              <a:t>       </a:t>
-            </a:r>
-            <a:r>
-              <a:rPr lang="zh-CN" sz="2200">
-                <a:latin typeface="Calibri" panose="020F0502020204030204" charset="0"/>
-                <a:ea typeface="Aa小梨涡" panose="02010600010101010101" charset="-122"/>
-                <a:cs typeface="Aa小梨涡" panose="02010600010101010101" charset="-122"/>
-                <a:sym typeface="+mn-ea"/>
-              </a:rPr>
-              <a:t>②</a:t>
-            </a:r>
-            <a:r>
-              <a:rPr lang="zh-CN" sz="2200">
-                <a:latin typeface="Calibri" panose="020F0502020204030204" charset="0"/>
-                <a:ea typeface="Aa小梨涡" panose="02010600010101010101" charset="-122"/>
-                <a:cs typeface="Aa小梨涡" panose="02010600010101010101" charset="-122"/>
-                <a:sym typeface="+mn-ea"/>
-              </a:rPr>
-              <a:t>编码本身就包含</a:t>
-            </a:r>
-            <a:r>
-              <a:rPr lang="zh-CN" sz="2200">
-                <a:latin typeface="Calibri" panose="020F0502020204030204" charset="0"/>
-                <a:ea typeface="Aa小梨涡" panose="02010600010101010101" charset="-122"/>
-                <a:cs typeface="Aa小梨涡" panose="02010600010101010101" charset="-122"/>
-                <a:sym typeface="+mn-ea"/>
-              </a:rPr>
-              <a:t>字符占用的字节数，可以轻松界定出串中字符的边界。</a:t>
-            </a:r>
+              <a:rPr lang="zh-CN" altLang="en-US" sz="2200">
+                <a:latin typeface="Aa小梨涡" panose="02010600010101010101" charset="-122"/>
+                <a:ea typeface="Aa小梨涡" panose="02010600010101010101" charset="-122"/>
+                <a:cs typeface="Aa小梨涡" panose="02010600010101010101" charset="-122"/>
+                <a:sym typeface="+mn-ea"/>
+              </a:rPr>
+              <a:t>        注意，</a:t>
+            </a:r>
+            <a:r>
+              <a:rPr lang="en-US" altLang="zh-CN" sz="2200">
+                <a:latin typeface="Aa小梨涡" panose="02010600010101010101" charset="-122"/>
+                <a:ea typeface="Aa小梨涡" panose="02010600010101010101" charset="-122"/>
+                <a:cs typeface="Aa小梨涡" panose="02010600010101010101" charset="-122"/>
+                <a:sym typeface="+mn-ea"/>
+              </a:rPr>
+              <a:t>Unicode</a:t>
+            </a:r>
+            <a:r>
+              <a:rPr lang="zh-CN" altLang="en-US" sz="2200">
+                <a:latin typeface="Aa小梨涡" panose="02010600010101010101" charset="-122"/>
+                <a:ea typeface="Aa小梨涡" panose="02010600010101010101" charset="-122"/>
+                <a:cs typeface="Aa小梨涡" panose="02010600010101010101" charset="-122"/>
+                <a:sym typeface="+mn-ea"/>
+              </a:rPr>
+              <a:t>并未规定编码值</a:t>
+            </a:r>
+            <a:r>
+              <a:rPr lang="zh-CN" altLang="en-US" sz="2200">
+                <a:latin typeface="Aa小梨涡" panose="02010600010101010101" charset="-122"/>
+                <a:ea typeface="Aa小梨涡" panose="02010600010101010101" charset="-122"/>
+                <a:cs typeface="Aa小梨涡" panose="02010600010101010101" charset="-122"/>
+                <a:sym typeface="+mn-ea"/>
+              </a:rPr>
+              <a:t>的存储和传输方式（转换为字节序列的方法），这就有了后来的 UTF-8、UTF-16和</a:t>
+            </a:r>
+            <a:r>
+              <a:rPr lang="zh-CN" altLang="en-US" sz="2200">
+                <a:latin typeface="Aa小梨涡" panose="02010600010101010101" charset="-122"/>
+                <a:ea typeface="Aa小梨涡" panose="02010600010101010101" charset="-122"/>
+                <a:cs typeface="Aa小梨涡" panose="02010600010101010101" charset="-122"/>
+                <a:sym typeface="+mn-ea"/>
+              </a:rPr>
+              <a:t>UTF-</a:t>
+            </a:r>
+            <a:r>
+              <a:rPr lang="en-US" altLang="zh-CN" sz="2200">
+                <a:latin typeface="Aa小梨涡" panose="02010600010101010101" charset="-122"/>
+                <a:ea typeface="Aa小梨涡" panose="02010600010101010101" charset="-122"/>
+                <a:cs typeface="Aa小梨涡" panose="02010600010101010101" charset="-122"/>
+                <a:sym typeface="+mn-ea"/>
+              </a:rPr>
+              <a:t>32</a:t>
+            </a:r>
+            <a:r>
+              <a:rPr lang="zh-CN" altLang="en-US" sz="2200">
+                <a:latin typeface="Aa小梨涡" panose="02010600010101010101" charset="-122"/>
+                <a:ea typeface="Aa小梨涡" panose="02010600010101010101" charset="-122"/>
+                <a:cs typeface="Aa小梨涡" panose="02010600010101010101" charset="-122"/>
+                <a:sym typeface="+mn-ea"/>
+              </a:rPr>
+              <a:t>等编码格式。</a:t>
+            </a:r>
+            <a:endParaRPr lang="zh-CN" altLang="en-US" sz="2200">
+              <a:latin typeface="Aa小梨涡" panose="02010600010101010101" charset="-122"/>
+              <a:ea typeface="Aa小梨涡" panose="02010600010101010101" charset="-122"/>
+              <a:cs typeface="Aa小梨涡" panose="02010600010101010101" charset="-122"/>
+              <a:sym typeface="+mn-ea"/>
+            </a:endParaRPr>
+          </a:p>
+          <a:p>
+            <a:pPr fontAlgn="auto">
+              <a:lnSpc>
+                <a:spcPts val="3500"/>
+              </a:lnSpc>
+            </a:pPr>
             <a:endParaRPr lang="zh-CN" sz="2200">
               <a:latin typeface="Calibri" panose="020F0502020204030204" charset="0"/>
               <a:ea typeface="Aa小梨涡" panose="02010600010101010101" charset="-122"/>
@@ -10361,13 +10265,13 @@
       </p:sp>
       <p:sp>
         <p:nvSpPr>
-          <p:cNvPr id="6" name="任意多边形 5"/>
+          <p:cNvPr id="3" name="任意多边形 2"/>
           <p:cNvSpPr/>
           <p:nvPr/>
         </p:nvSpPr>
         <p:spPr>
           <a:xfrm>
-            <a:off x="3837940" y="3502660"/>
+            <a:off x="6060440" y="3949065"/>
             <a:ext cx="1273810" cy="412115"/>
           </a:xfrm>
           <a:custGeom>
@@ -10459,116 +10363,16 @@
           </a:p>
         </p:txBody>
       </p:sp>
-      <p:sp>
-        <p:nvSpPr>
-          <p:cNvPr id="10" name="任意多边形 9"/>
-          <p:cNvSpPr/>
-          <p:nvPr/>
-        </p:nvSpPr>
-        <p:spPr>
-          <a:xfrm>
-            <a:off x="849630" y="4388485"/>
-            <a:ext cx="1134110" cy="412115"/>
-          </a:xfrm>
-          <a:custGeom>
-            <a:avLst/>
-            <a:gdLst>
-              <a:gd name="connsiteX0" fmla="*/ 1359 w 2717"/>
-              <a:gd name="connsiteY0" fmla="*/ 0 h 649"/>
-              <a:gd name="connsiteX1" fmla="*/ 2717 w 2717"/>
-              <a:gd name="connsiteY1" fmla="*/ 325 h 649"/>
-              <a:gd name="connsiteX2" fmla="*/ 1359 w 2717"/>
-              <a:gd name="connsiteY2" fmla="*/ 649 h 649"/>
-              <a:gd name="connsiteX3" fmla="*/ 0 w 2717"/>
-              <a:gd name="connsiteY3" fmla="*/ 325 h 649"/>
-              <a:gd name="connsiteX4" fmla="*/ 1524 w 2717"/>
-              <a:gd name="connsiteY4" fmla="*/ 165 h 649"/>
-            </a:gdLst>
-            <a:ahLst/>
-            <a:cxnLst>
-              <a:cxn ang="0">
-                <a:pos x="connsiteX0" y="connsiteY0"/>
-              </a:cxn>
-              <a:cxn ang="0">
-                <a:pos x="connsiteX1" y="connsiteY1"/>
-              </a:cxn>
-              <a:cxn ang="0">
-                <a:pos x="connsiteX2" y="connsiteY2"/>
-              </a:cxn>
-              <a:cxn ang="0">
-                <a:pos x="connsiteX3" y="connsiteY3"/>
-              </a:cxn>
-              <a:cxn ang="0">
-                <a:pos x="connsiteX4" y="connsiteY4"/>
-              </a:cxn>
-            </a:cxnLst>
-            <a:rect l="l" t="t" r="r" b="b"/>
-            <a:pathLst>
-              <a:path w="2717" h="649">
-                <a:moveTo>
-                  <a:pt x="1359" y="0"/>
-                </a:moveTo>
-                <a:cubicBezTo>
-                  <a:pt x="2109" y="0"/>
-                  <a:pt x="2717" y="145"/>
-                  <a:pt x="2717" y="325"/>
-                </a:cubicBezTo>
-                <a:cubicBezTo>
-                  <a:pt x="2717" y="504"/>
-                  <a:pt x="2109" y="649"/>
-                  <a:pt x="1359" y="649"/>
-                </a:cubicBezTo>
-                <a:cubicBezTo>
-                  <a:pt x="608" y="649"/>
-                  <a:pt x="0" y="504"/>
-                  <a:pt x="0" y="325"/>
-                </a:cubicBezTo>
-                <a:cubicBezTo>
-                  <a:pt x="0" y="145"/>
-                  <a:pt x="608" y="0"/>
-                  <a:pt x="1524" y="165"/>
-                </a:cubicBezTo>
-              </a:path>
-            </a:pathLst>
-          </a:custGeom>
-          <a:noFill/>
-          <a:ln>
-            <a:solidFill>
-              <a:srgbClr val="FF0000"/>
-            </a:solidFill>
-            <a:prstDash val="solid"/>
-          </a:ln>
-          <a:effectLst/>
-        </p:spPr>
-        <p:txBody>
-          <a:bodyPr/>
-          <a:p>
-            <a:pPr eaLnBrk="1" hangingPunct="1">
-              <a:spcBef>
-                <a:spcPct val="0"/>
-              </a:spcBef>
-              <a:buFontTx/>
-              <a:buNone/>
-            </a:pPr>
-            <a:endParaRPr lang="zh-CN" altLang="en-US" sz="1800">
-              <a:solidFill>
-                <a:schemeClr val="tx1"/>
-              </a:solidFill>
-              <a:ea typeface="宋体" panose="02010600030101010101" pitchFamily="2" charset="-122"/>
-            </a:endParaRPr>
-          </a:p>
-        </p:txBody>
-      </p:sp>
       <p:cxnSp>
         <p:nvCxnSpPr>
-          <p:cNvPr id="12" name="直接连接符 11"/>
+          <p:cNvPr id="5" name="直接连接符 4"/>
           <p:cNvCxnSpPr/>
           <p:nvPr/>
         </p:nvCxnSpPr>
         <p:spPr>
           <a:xfrm flipV="1">
-            <a:off x="9491980" y="4796155"/>
-            <a:ext cx="2040890" cy="31750"/>
+            <a:off x="2465070" y="4356735"/>
+            <a:ext cx="2377440" cy="31750"/>
           </a:xfrm>
           <a:prstGeom prst="line">
             <a:avLst/>
@@ -10596,14 +10400,14 @@
       </p:cxnSp>
       <p:cxnSp>
         <p:nvCxnSpPr>
-          <p:cNvPr id="13" name="直接连接符 12"/>
+          <p:cNvPr id="8" name="直接连接符 7"/>
           <p:cNvCxnSpPr/>
           <p:nvPr/>
         </p:nvCxnSpPr>
         <p:spPr>
           <a:xfrm flipV="1">
-            <a:off x="545465" y="5225415"/>
-            <a:ext cx="852170" cy="17780"/>
+            <a:off x="3796030" y="3927475"/>
+            <a:ext cx="993775" cy="21590"/>
           </a:xfrm>
           <a:prstGeom prst="line">
             <a:avLst/>
@@ -10730,7 +10534,7 @@
                                           </p:stCondLst>
                                         </p:cTn>
                                         <p:tgtEl>
-                                          <p:spTgt spid="6"/>
+                                          <p:spTgt spid="3"/>
                                         </p:tgtEl>
                                         <p:attrNameLst>
                                           <p:attrName>style.visibility</p:attrName>
@@ -10744,7 +10548,7 @@
                                       <p:cBhvr>
                                         <p:cTn id="12" dur="500"/>
                                         <p:tgtEl>
-                                          <p:spTgt spid="6"/>
+                                          <p:spTgt spid="3"/>
                                         </p:tgtEl>
                                       </p:cBhvr>
                                     </p:animEffect>
@@ -10752,7 +10556,7 @@
                                 </p:cTn>
                               </p:par>
                               <p:par>
-                                <p:cTn id="13" presetID="22" presetClass="entr" presetSubtype="4" fill="hold" grpId="0" nodeType="withEffect">
+                                <p:cTn id="13" presetID="22" presetClass="entr" presetSubtype="8" fill="hold" nodeType="withEffect">
                                   <p:stCondLst>
                                     <p:cond delay="0"/>
                                   </p:stCondLst>
@@ -10765,7 +10569,7 @@
                                           </p:stCondLst>
                                         </p:cTn>
                                         <p:tgtEl>
-                                          <p:spTgt spid="10"/>
+                                          <p:spTgt spid="5"/>
                                         </p:tgtEl>
                                         <p:attrNameLst>
                                           <p:attrName>style.visibility</p:attrName>
@@ -10775,11 +10579,11 @@
                                         <p:strVal val="visible"/>
                                       </p:to>
                                     </p:set>
-                                    <p:animEffect transition="in" filter="wipe(down)">
+                                    <p:animEffect transition="in" filter="wipe(left)">
                                       <p:cBhvr>
                                         <p:cTn id="15" dur="500"/>
                                         <p:tgtEl>
-                                          <p:spTgt spid="10"/>
+                                          <p:spTgt spid="5"/>
                                         </p:tgtEl>
                                       </p:cBhvr>
                                     </p:animEffect>
@@ -10800,7 +10604,7 @@
                                           </p:stCondLst>
                                         </p:cTn>
                                         <p:tgtEl>
-                                          <p:spTgt spid="12"/>
+                                          <p:spTgt spid="8"/>
                                         </p:tgtEl>
                                         <p:attrNameLst>
                                           <p:attrName>style.visibility</p:attrName>
@@ -10814,42 +10618,7 @@
                                       <p:cBhvr>
                                         <p:cTn id="18" dur="500"/>
                                         <p:tgtEl>
-                                          <p:spTgt spid="12"/>
-                                        </p:tgtEl>
-                                      </p:cBhvr>
-                                    </p:animEffect>
-                                  </p:childTnLst>
-                                </p:cTn>
-                              </p:par>
-                              <p:par>
-                                <p:cTn id="19" presetID="22" presetClass="entr" presetSubtype="8" fill="hold" nodeType="withEffect">
-                                  <p:stCondLst>
-                                    <p:cond delay="0"/>
-                                  </p:stCondLst>
-                                  <p:childTnLst>
-                                    <p:set>
-                                      <p:cBhvr>
-                                        <p:cTn id="20" dur="1" fill="hold">
-                                          <p:stCondLst>
-                                            <p:cond delay="0"/>
-                                          </p:stCondLst>
-                                        </p:cTn>
-                                        <p:tgtEl>
-                                          <p:spTgt spid="13"/>
-                                        </p:tgtEl>
-                                        <p:attrNameLst>
-                                          <p:attrName>style.visibility</p:attrName>
-                                        </p:attrNameLst>
-                                      </p:cBhvr>
-                                      <p:to>
-                                        <p:strVal val="visible"/>
-                                      </p:to>
-                                    </p:set>
-                                    <p:animEffect transition="in" filter="wipe(left)">
-                                      <p:cBhvr>
-                                        <p:cTn id="21" dur="500"/>
-                                        <p:tgtEl>
-                                          <p:spTgt spid="13"/>
+                                          <p:spTgt spid="8"/>
                                         </p:tgtEl>
                                       </p:cBhvr>
                                     </p:animEffect>
@@ -10888,1021 +10657,14 @@
       <p:bldP spid="4" grpId="1"/>
       <p:bldP spid="7" grpId="0" bldLvl="0" animBg="1"/>
       <p:bldP spid="7" grpId="1" animBg="1"/>
-      <p:bldP spid="6" grpId="0" bldLvl="0" animBg="1"/>
-      <p:bldP spid="6" grpId="1" animBg="1"/>
-      <p:bldP spid="10" grpId="0" bldLvl="0" animBg="1"/>
-      <p:bldP spid="10" grpId="1" animBg="1"/>
+      <p:bldP spid="3" grpId="0" bldLvl="0" animBg="1"/>
+      <p:bldP spid="3" grpId="1" animBg="1"/>
     </p:bldLst>
   </p:timing>
 </p:sld>
 </file>
 
 <file path=ppt/slides/slide18.xml><?xml version="1.0" encoding="utf-8"?>
-<p:sld xmlns:a="http://schemas.openxmlformats.org/drawingml/2006/main" xmlns:r="http://schemas.openxmlformats.org/officeDocument/2006/relationships" xmlns:p="http://schemas.openxmlformats.org/presentationml/2006/main">
-  <p:cSld>
-    <p:spTree>
-      <p:nvGrpSpPr>
-        <p:cNvPr id="1" name=""/>
-        <p:cNvGrpSpPr/>
-        <p:nvPr/>
-      </p:nvGrpSpPr>
-      <p:grpSpPr/>
-      <p:sp>
-        <p:nvSpPr>
-          <p:cNvPr id="3" name="文本框 2"/>
-          <p:cNvSpPr txBox="1"/>
-          <p:nvPr/>
-        </p:nvSpPr>
-        <p:spPr>
-          <a:xfrm>
-            <a:off x="431165" y="3453765"/>
-            <a:ext cx="11281410" cy="1886585"/>
-          </a:xfrm>
-          <a:prstGeom prst="rect">
-            <a:avLst/>
-          </a:prstGeom>
-          <a:noFill/>
-          <a:ln>
-            <a:noFill/>
-          </a:ln>
-        </p:spPr>
-        <p:txBody>
-          <a:bodyPr wrap="square" rtlCol="0">
-            <a:spAutoFit/>
-          </a:bodyPr>
-          <a:p>
-            <a:pPr fontAlgn="auto">
-              <a:lnSpc>
-                <a:spcPts val="3500"/>
-              </a:lnSpc>
-            </a:pPr>
-            <a:r>
-              <a:rPr lang="en-US" altLang="zh-CN" sz="2200">
-                <a:latin typeface="Aa小梨涡" panose="02010600010101010101" charset="-122"/>
-                <a:ea typeface="Aa小梨涡" panose="02010600010101010101" charset="-122"/>
-                <a:cs typeface="Aa小梨涡" panose="02010600010101010101" charset="-122"/>
-                <a:sym typeface="+mn-ea"/>
-              </a:rPr>
-              <a:t>3. bytes</a:t>
-            </a:r>
-            <a:r>
-              <a:rPr lang="zh-CN" altLang="en-US" sz="2200">
-                <a:latin typeface="Aa小梨涡" panose="02010600010101010101" charset="-122"/>
-                <a:ea typeface="Aa小梨涡" panose="02010600010101010101" charset="-122"/>
-                <a:cs typeface="Aa小梨涡" panose="02010600010101010101" charset="-122"/>
-                <a:sym typeface="+mn-ea"/>
-              </a:rPr>
-              <a:t>和</a:t>
-            </a:r>
-            <a:r>
-              <a:rPr lang="en-US" altLang="zh-CN" sz="2200">
-                <a:latin typeface="Aa小梨涡" panose="02010600010101010101" charset="-122"/>
-                <a:ea typeface="Aa小梨涡" panose="02010600010101010101" charset="-122"/>
-                <a:cs typeface="Aa小梨涡" panose="02010600010101010101" charset="-122"/>
-                <a:sym typeface="+mn-ea"/>
-              </a:rPr>
-              <a:t>str</a:t>
-            </a:r>
-            <a:r>
-              <a:rPr lang="zh-CN" altLang="en-US" sz="2200">
-                <a:latin typeface="Aa小梨涡" panose="02010600010101010101" charset="-122"/>
-                <a:ea typeface="Aa小梨涡" panose="02010600010101010101" charset="-122"/>
-                <a:cs typeface="Aa小梨涡" panose="02010600010101010101" charset="-122"/>
-                <a:sym typeface="+mn-ea"/>
-              </a:rPr>
-              <a:t>的区别</a:t>
-            </a:r>
-            <a:r>
-              <a:rPr lang="en-US" altLang="zh-CN" sz="2200">
-                <a:latin typeface="Aa小梨涡" panose="02010600010101010101" charset="-122"/>
-                <a:ea typeface="Aa小梨涡" panose="02010600010101010101" charset="-122"/>
-                <a:cs typeface="Aa小梨涡" panose="02010600010101010101" charset="-122"/>
-                <a:sym typeface="+mn-ea"/>
-              </a:rPr>
-              <a:t>  </a:t>
-            </a:r>
-            <a:r>
-              <a:rPr lang="en-US" altLang="zh-CN" sz="2200">
-                <a:latin typeface="Calibri" panose="020F0502020204030204" charset="0"/>
-                <a:ea typeface="Aa小梨涡" panose="02010600010101010101" charset="-122"/>
-                <a:cs typeface="Aa小梨涡" panose="02010600010101010101" charset="-122"/>
-                <a:sym typeface="+mn-ea"/>
-              </a:rPr>
-              <a:t>      </a:t>
-            </a:r>
-            <a:endParaRPr lang="en-US" altLang="zh-CN" sz="2200">
-              <a:latin typeface="Calibri" panose="020F0502020204030204" charset="0"/>
-              <a:ea typeface="Aa小梨涡" panose="02010600010101010101" charset="-122"/>
-              <a:cs typeface="Aa小梨涡" panose="02010600010101010101" charset="-122"/>
-              <a:sym typeface="+mn-ea"/>
-            </a:endParaRPr>
-          </a:p>
-          <a:p>
-            <a:pPr fontAlgn="auto">
-              <a:lnSpc>
-                <a:spcPts val="3500"/>
-              </a:lnSpc>
-            </a:pPr>
-            <a:r>
-              <a:rPr lang="en-US" altLang="zh-CN" sz="2200">
-                <a:latin typeface="Aa小梨涡" panose="02010600010101010101" charset="-122"/>
-                <a:ea typeface="Aa小梨涡" panose="02010600010101010101" charset="-122"/>
-                <a:cs typeface="Aa小梨涡" panose="02010600010101010101" charset="-122"/>
-                <a:sym typeface="+mn-ea"/>
-              </a:rPr>
-              <a:t>        </a:t>
-            </a:r>
-            <a:r>
-              <a:rPr sz="2200">
-                <a:latin typeface="Aa小梨涡" panose="02010600010101010101" charset="-122"/>
-                <a:ea typeface="Aa小梨涡" panose="02010600010101010101" charset="-122"/>
-                <a:cs typeface="Aa小梨涡" panose="02010600010101010101" charset="-122"/>
-                <a:sym typeface="+mn-ea"/>
-              </a:rPr>
-              <a:t>str类型的实例采用unicode</a:t>
-            </a:r>
-            <a:r>
-              <a:rPr lang="zh-CN" sz="2200">
-                <a:latin typeface="Aa小梨涡" panose="02010600010101010101" charset="-122"/>
-                <a:ea typeface="Aa小梨涡" panose="02010600010101010101" charset="-122"/>
-                <a:cs typeface="Aa小梨涡" panose="02010600010101010101" charset="-122"/>
-                <a:sym typeface="+mn-ea"/>
-              </a:rPr>
-              <a:t>字符集</a:t>
-            </a:r>
-            <a:r>
-              <a:rPr sz="2200">
-                <a:latin typeface="Aa小梨涡" panose="02010600010101010101" charset="-122"/>
-                <a:ea typeface="Aa小梨涡" panose="02010600010101010101" charset="-122"/>
-                <a:cs typeface="Aa小梨涡" panose="02010600010101010101" charset="-122"/>
-                <a:sym typeface="+mn-ea"/>
-              </a:rPr>
-              <a:t>，除此之外，无论采用utf8或其他编码形式，甚至不编码的字符序列都是bytes类型的实例。</a:t>
-            </a:r>
-            <a:endParaRPr sz="2200">
-              <a:latin typeface="Aa小梨涡" panose="02010600010101010101" charset="-122"/>
-              <a:ea typeface="Aa小梨涡" panose="02010600010101010101" charset="-122"/>
-              <a:cs typeface="Aa小梨涡" panose="02010600010101010101" charset="-122"/>
-              <a:sym typeface="+mn-ea"/>
-            </a:endParaRPr>
-          </a:p>
-          <a:p>
-            <a:pPr fontAlgn="auto">
-              <a:lnSpc>
-                <a:spcPts val="3500"/>
-              </a:lnSpc>
-            </a:pPr>
-            <a:r>
-              <a:rPr sz="2200">
-                <a:latin typeface="Aa小梨涡" panose="02010600010101010101" charset="-122"/>
-                <a:ea typeface="Aa小梨涡" panose="02010600010101010101" charset="-122"/>
-                <a:cs typeface="Aa小梨涡" panose="02010600010101010101" charset="-122"/>
-                <a:sym typeface="+mn-ea"/>
-              </a:rPr>
-              <a:t>        bytes类型并不记录实例的编码格式，只是单纯把字符序列的一个字节作为处理单元。</a:t>
-            </a:r>
-            <a:endParaRPr lang="zh-CN" altLang="en-US" sz="2200">
-              <a:latin typeface="Aa小梨涡" panose="02010600010101010101" charset="-122"/>
-              <a:ea typeface="Aa小梨涡" panose="02010600010101010101" charset="-122"/>
-              <a:cs typeface="Aa小梨涡" panose="02010600010101010101" charset="-122"/>
-              <a:sym typeface="+mn-ea"/>
-            </a:endParaRPr>
-          </a:p>
-        </p:txBody>
-      </p:sp>
-      <p:sp>
-        <p:nvSpPr>
-          <p:cNvPr id="18" name="任意多边形 17"/>
-          <p:cNvSpPr/>
-          <p:nvPr/>
-        </p:nvSpPr>
-        <p:spPr>
-          <a:xfrm rot="600000">
-            <a:off x="5342086" y="122979"/>
-            <a:ext cx="1728000" cy="944245"/>
-          </a:xfrm>
-          <a:custGeom>
-            <a:avLst/>
-            <a:gdLst>
-              <a:gd name="connisteX0" fmla="*/ 257810 w 3935730"/>
-              <a:gd name="connsiteY0" fmla="*/ 429260 h 944880"/>
-              <a:gd name="connisteX1" fmla="*/ 3394710 w 3935730"/>
-              <a:gd name="connsiteY1" fmla="*/ 0 h 944880"/>
-              <a:gd name="connisteX2" fmla="*/ 26035 w 3935730"/>
-              <a:gd name="connsiteY2" fmla="*/ 541020 h 944880"/>
-              <a:gd name="connisteX3" fmla="*/ 3575050 w 3935730"/>
-              <a:gd name="connsiteY3" fmla="*/ 51435 h 944880"/>
-              <a:gd name="connisteX4" fmla="*/ 172085 w 3935730"/>
-              <a:gd name="connsiteY4" fmla="*/ 601345 h 944880"/>
-              <a:gd name="connisteX5" fmla="*/ 3652520 w 3935730"/>
-              <a:gd name="connsiteY5" fmla="*/ 128905 h 944880"/>
-              <a:gd name="connisteX6" fmla="*/ 51435 w 3935730"/>
-              <a:gd name="connsiteY6" fmla="*/ 678815 h 944880"/>
-              <a:gd name="connisteX7" fmla="*/ 3514725 w 3935730"/>
-              <a:gd name="connsiteY7" fmla="*/ 214630 h 944880"/>
-              <a:gd name="connisteX8" fmla="*/ 369570 w 3935730"/>
-              <a:gd name="connsiteY8" fmla="*/ 704215 h 944880"/>
-              <a:gd name="connisteX9" fmla="*/ 3695700 w 3935730"/>
-              <a:gd name="connsiteY9" fmla="*/ 274955 h 944880"/>
-              <a:gd name="connisteX10" fmla="*/ 180340 w 3935730"/>
-              <a:gd name="connsiteY10" fmla="*/ 833120 h 944880"/>
-              <a:gd name="connisteX11" fmla="*/ 3695700 w 3935730"/>
-              <a:gd name="connsiteY11" fmla="*/ 351790 h 944880"/>
-              <a:gd name="connisteX12" fmla="*/ 0 w 3935730"/>
-              <a:gd name="connsiteY12" fmla="*/ 944880 h 944880"/>
-              <a:gd name="connisteX13" fmla="*/ 3935730 w 3935730"/>
-              <a:gd name="connsiteY13" fmla="*/ 360680 h 944880"/>
-            </a:gdLst>
-            <a:ahLst/>
-            <a:cxnLst>
-              <a:cxn ang="0">
-                <a:pos x="connisteX0" y="connsiteY0"/>
-              </a:cxn>
-              <a:cxn ang="0">
-                <a:pos x="connisteX1" y="connsiteY1"/>
-              </a:cxn>
-              <a:cxn ang="0">
-                <a:pos x="connisteX2" y="connsiteY2"/>
-              </a:cxn>
-              <a:cxn ang="0">
-                <a:pos x="connisteX3" y="connsiteY3"/>
-              </a:cxn>
-              <a:cxn ang="0">
-                <a:pos x="connisteX4" y="connsiteY4"/>
-              </a:cxn>
-              <a:cxn ang="0">
-                <a:pos x="connisteX5" y="connsiteY5"/>
-              </a:cxn>
-              <a:cxn ang="0">
-                <a:pos x="connisteX6" y="connsiteY6"/>
-              </a:cxn>
-              <a:cxn ang="0">
-                <a:pos x="connisteX7" y="connsiteY7"/>
-              </a:cxn>
-              <a:cxn ang="0">
-                <a:pos x="connisteX8" y="connsiteY8"/>
-              </a:cxn>
-              <a:cxn ang="0">
-                <a:pos x="connisteX9" y="connsiteY9"/>
-              </a:cxn>
-              <a:cxn ang="0">
-                <a:pos x="connisteX10" y="connsiteY10"/>
-              </a:cxn>
-              <a:cxn ang="0">
-                <a:pos x="connisteX11" y="connsiteY11"/>
-              </a:cxn>
-              <a:cxn ang="0">
-                <a:pos x="connisteX12" y="connsiteY12"/>
-              </a:cxn>
-              <a:cxn ang="0">
-                <a:pos x="connisteX13" y="connsiteY13"/>
-              </a:cxn>
-            </a:cxnLst>
-            <a:rect l="l" t="t" r="r" b="b"/>
-            <a:pathLst>
-              <a:path w="3935730" h="944880">
-                <a:moveTo>
-                  <a:pt x="257810" y="429260"/>
-                </a:moveTo>
-                <a:lnTo>
-                  <a:pt x="3394710" y="0"/>
-                </a:lnTo>
-                <a:lnTo>
-                  <a:pt x="26035" y="541020"/>
-                </a:lnTo>
-                <a:lnTo>
-                  <a:pt x="3575050" y="51435"/>
-                </a:lnTo>
-                <a:lnTo>
-                  <a:pt x="172085" y="601345"/>
-                </a:lnTo>
-                <a:lnTo>
-                  <a:pt x="3652520" y="128905"/>
-                </a:lnTo>
-                <a:lnTo>
-                  <a:pt x="51435" y="678815"/>
-                </a:lnTo>
-                <a:lnTo>
-                  <a:pt x="3514725" y="214630"/>
-                </a:lnTo>
-                <a:lnTo>
-                  <a:pt x="369570" y="704215"/>
-                </a:lnTo>
-                <a:lnTo>
-                  <a:pt x="3695700" y="274955"/>
-                </a:lnTo>
-                <a:lnTo>
-                  <a:pt x="180340" y="833120"/>
-                </a:lnTo>
-                <a:lnTo>
-                  <a:pt x="3695700" y="351790"/>
-                </a:lnTo>
-                <a:lnTo>
-                  <a:pt x="0" y="944880"/>
-                </a:lnTo>
-                <a:lnTo>
-                  <a:pt x="3935730" y="360680"/>
-                </a:lnTo>
-              </a:path>
-            </a:pathLst>
-          </a:custGeom>
-          <a:noFill/>
-          <a:ln w="203200">
-            <a:solidFill>
-              <a:schemeClr val="accent4">
-                <a:lumMod val="40000"/>
-                <a:lumOff val="60000"/>
-              </a:schemeClr>
-            </a:solidFill>
-          </a:ln>
-          <a:effectLst>
-            <a:softEdge rad="63500"/>
-          </a:effectLst>
-        </p:spPr>
-        <p:style>
-          <a:lnRef idx="2">
-            <a:schemeClr val="accent1">
-              <a:shade val="50000"/>
-            </a:schemeClr>
-          </a:lnRef>
-          <a:fillRef idx="1">
-            <a:schemeClr val="accent1"/>
-          </a:fillRef>
-          <a:effectRef idx="0">
-            <a:schemeClr val="accent1"/>
-          </a:effectRef>
-          <a:fontRef idx="minor">
-            <a:schemeClr val="lt1"/>
-          </a:fontRef>
-        </p:style>
-        <p:txBody>
-          <a:bodyPr rtlCol="0" anchor="ctr"/>
-          <a:p>
-            <a:pPr algn="ctr"/>
-            <a:endParaRPr lang="zh-CN" altLang="en-US"/>
-          </a:p>
-        </p:txBody>
-      </p:sp>
-      <p:sp>
-        <p:nvSpPr>
-          <p:cNvPr id="2" name="标题 1"/>
-          <p:cNvSpPr>
-            <a:spLocks noGrp="1"/>
-          </p:cNvSpPr>
-          <p:nvPr>
-            <p:ph type="title"/>
-          </p:nvPr>
-        </p:nvSpPr>
-        <p:spPr>
-          <a:xfrm>
-            <a:off x="3837940" y="245745"/>
-            <a:ext cx="4079875" cy="817245"/>
-          </a:xfrm>
-        </p:spPr>
-        <p:txBody>
-          <a:bodyPr>
-            <a:normAutofit fontScale="90000"/>
-          </a:bodyPr>
-          <a:p>
-            <a:r>
-              <a:rPr lang="en-US" altLang="zh-CN">
-                <a:latin typeface="Aa小梨涡" panose="02010600010101010101" charset="-122"/>
-                <a:ea typeface="Aa小梨涡" panose="02010600010101010101" charset="-122"/>
-              </a:rPr>
-              <a:t>4.1 </a:t>
-            </a:r>
-            <a:r>
-              <a:rPr lang="zh-CN" altLang="en-US">
-                <a:latin typeface="Aa小梨涡" panose="02010600010101010101" charset="-122"/>
-                <a:ea typeface="Aa小梨涡" panose="02010600010101010101" charset="-122"/>
-              </a:rPr>
-              <a:t>字符序列基础</a:t>
-            </a:r>
-            <a:endParaRPr lang="zh-CN" altLang="en-US">
-              <a:latin typeface="Aa小梨涡" panose="02010600010101010101" charset="-122"/>
-              <a:ea typeface="Aa小梨涡" panose="02010600010101010101" charset="-122"/>
-            </a:endParaRPr>
-          </a:p>
-        </p:txBody>
-      </p:sp>
-      <p:sp>
-        <p:nvSpPr>
-          <p:cNvPr id="20" name="任意多边形 19"/>
-          <p:cNvSpPr/>
-          <p:nvPr/>
-        </p:nvSpPr>
-        <p:spPr>
-          <a:xfrm rot="10320000">
-            <a:off x="4344035" y="897890"/>
-            <a:ext cx="3456305" cy="76200"/>
-          </a:xfrm>
-          <a:custGeom>
-            <a:avLst/>
-            <a:gdLst>
-              <a:gd name="connisteX0" fmla="*/ 4685923 w 4685923"/>
-              <a:gd name="connsiteY0" fmla="*/ 9525 h 464575"/>
-              <a:gd name="connisteX1" fmla="*/ 548898 w 4685923"/>
-              <a:gd name="connsiteY1" fmla="*/ 238125 h 464575"/>
-              <a:gd name="connisteX2" fmla="*/ 672723 w 4685923"/>
-              <a:gd name="connsiteY2" fmla="*/ 456565 h 464575"/>
-              <a:gd name="connisteX3" fmla="*/ 4638298 w 4685923"/>
-              <a:gd name="connsiteY3" fmla="*/ 0 h 464575"/>
-            </a:gdLst>
-            <a:ahLst/>
-            <a:cxnLst>
-              <a:cxn ang="0">
-                <a:pos x="connisteX0" y="connsiteY0"/>
-              </a:cxn>
-              <a:cxn ang="0">
-                <a:pos x="connisteX1" y="connsiteY1"/>
-              </a:cxn>
-              <a:cxn ang="0">
-                <a:pos x="connisteX2" y="connsiteY2"/>
-              </a:cxn>
-              <a:cxn ang="0">
-                <a:pos x="connisteX3" y="connsiteY3"/>
-              </a:cxn>
-            </a:cxnLst>
-            <a:rect l="l" t="t" r="r" b="b"/>
-            <a:pathLst>
-              <a:path w="4685923" h="464576">
-                <a:moveTo>
-                  <a:pt x="4685923" y="9525"/>
-                </a:moveTo>
-                <a:cubicBezTo>
-                  <a:pt x="3855978" y="50800"/>
-                  <a:pt x="1351538" y="148590"/>
-                  <a:pt x="548898" y="238125"/>
-                </a:cubicBezTo>
-                <a:cubicBezTo>
-                  <a:pt x="-253742" y="327660"/>
-                  <a:pt x="-145157" y="504190"/>
-                  <a:pt x="672723" y="456565"/>
-                </a:cubicBezTo>
-                <a:cubicBezTo>
-                  <a:pt x="1490603" y="408940"/>
-                  <a:pt x="3847723" y="95885"/>
-                  <a:pt x="4638298" y="0"/>
-                </a:cubicBezTo>
-              </a:path>
-            </a:pathLst>
-          </a:custGeom>
-          <a:solidFill>
-            <a:schemeClr val="accent5"/>
-          </a:solidFill>
-          <a:ln>
-            <a:noFill/>
-          </a:ln>
-        </p:spPr>
-        <p:style>
-          <a:lnRef idx="2">
-            <a:schemeClr val="accent1">
-              <a:shade val="50000"/>
-            </a:schemeClr>
-          </a:lnRef>
-          <a:fillRef idx="1">
-            <a:schemeClr val="accent1"/>
-          </a:fillRef>
-          <a:effectRef idx="0">
-            <a:schemeClr val="accent1"/>
-          </a:effectRef>
-          <a:fontRef idx="minor">
-            <a:schemeClr val="lt1"/>
-          </a:fontRef>
-        </p:style>
-        <p:txBody>
-          <a:bodyPr rtlCol="0" anchor="ctr"/>
-          <a:p>
-            <a:pPr algn="ctr"/>
-            <a:endParaRPr lang="zh-CN" altLang="en-US"/>
-          </a:p>
-        </p:txBody>
-      </p:sp>
-      <p:sp>
-        <p:nvSpPr>
-          <p:cNvPr id="11" name="文本框 10"/>
-          <p:cNvSpPr txBox="1"/>
-          <p:nvPr/>
-        </p:nvSpPr>
-        <p:spPr>
-          <a:xfrm>
-            <a:off x="11113135" y="4498340"/>
-            <a:ext cx="1407160" cy="270510"/>
-          </a:xfrm>
-          <a:prstGeom prst="rect">
-            <a:avLst/>
-          </a:prstGeom>
-          <a:noFill/>
-        </p:spPr>
-        <p:txBody>
-          <a:bodyPr wrap="square" rtlCol="0">
-            <a:spAutoFit/>
-          </a:bodyPr>
-          <a:p>
-            <a:r>
-              <a:rPr lang="en-US" altLang="zh-CN" baseline="30000">
-                <a:solidFill>
-                  <a:schemeClr val="accent5"/>
-                </a:solidFill>
-                <a:latin typeface="Comic Sans MS" panose="030F0702030302020204" charset="0"/>
-                <a:cs typeface="Comic Sans MS" panose="030F0702030302020204" charset="0"/>
-              </a:rPr>
-              <a:t>[4.1-1.py]</a:t>
-            </a:r>
-            <a:endParaRPr lang="en-US" altLang="zh-CN" baseline="30000">
-              <a:solidFill>
-                <a:schemeClr val="accent5"/>
-              </a:solidFill>
-              <a:latin typeface="Comic Sans MS" panose="030F0702030302020204" charset="0"/>
-              <a:cs typeface="Comic Sans MS" panose="030F0702030302020204" charset="0"/>
-            </a:endParaRPr>
-          </a:p>
-        </p:txBody>
-      </p:sp>
-      <p:sp>
-        <p:nvSpPr>
-          <p:cNvPr id="4" name="文本框 3"/>
-          <p:cNvSpPr txBox="1"/>
-          <p:nvPr/>
-        </p:nvSpPr>
-        <p:spPr>
-          <a:xfrm>
-            <a:off x="626110" y="1210310"/>
-            <a:ext cx="11281410" cy="1886585"/>
-          </a:xfrm>
-          <a:prstGeom prst="rect">
-            <a:avLst/>
-          </a:prstGeom>
-          <a:noFill/>
-          <a:ln>
-            <a:noFill/>
-          </a:ln>
-        </p:spPr>
-        <p:txBody>
-          <a:bodyPr wrap="square" rtlCol="0">
-            <a:spAutoFit/>
-          </a:bodyPr>
-          <a:p>
-            <a:pPr fontAlgn="auto">
-              <a:lnSpc>
-                <a:spcPts val="3500"/>
-              </a:lnSpc>
-            </a:pPr>
-            <a:r>
-              <a:rPr lang="en-US" altLang="zh-CN" sz="2200">
-                <a:latin typeface="Aa小梨涡" panose="02010600010101010101" charset="-122"/>
-                <a:ea typeface="Aa小梨涡" panose="02010600010101010101" charset="-122"/>
-                <a:cs typeface="Aa小梨涡" panose="02010600010101010101" charset="-122"/>
-                <a:sym typeface="+mn-ea"/>
-              </a:rPr>
-              <a:t>2. </a:t>
-            </a:r>
-            <a:r>
-              <a:rPr lang="zh-CN" altLang="en-US" sz="2200">
-                <a:latin typeface="Aa小梨涡" panose="02010600010101010101" charset="-122"/>
-                <a:ea typeface="Aa小梨涡" panose="02010600010101010101" charset="-122"/>
-                <a:cs typeface="Aa小梨涡" panose="02010600010101010101" charset="-122"/>
-                <a:sym typeface="+mn-ea"/>
-              </a:rPr>
-              <a:t>类型</a:t>
-            </a:r>
-            <a:r>
-              <a:rPr lang="en-US" altLang="zh-CN" sz="2200">
-                <a:latin typeface="Aa小梨涡" panose="02010600010101010101" charset="-122"/>
-                <a:ea typeface="Aa小梨涡" panose="02010600010101010101" charset="-122"/>
-                <a:cs typeface="Aa小梨涡" panose="02010600010101010101" charset="-122"/>
-                <a:sym typeface="+mn-ea"/>
-              </a:rPr>
-              <a:t>  </a:t>
-            </a:r>
-            <a:r>
-              <a:rPr lang="en-US" altLang="zh-CN" sz="2200">
-                <a:latin typeface="Calibri" panose="020F0502020204030204" charset="0"/>
-                <a:ea typeface="Aa小梨涡" panose="02010600010101010101" charset="-122"/>
-                <a:cs typeface="Aa小梨涡" panose="02010600010101010101" charset="-122"/>
-                <a:sym typeface="+mn-ea"/>
-              </a:rPr>
-              <a:t>      </a:t>
-            </a:r>
-            <a:endParaRPr lang="en-US" altLang="zh-CN" sz="2200">
-              <a:latin typeface="Calibri" panose="020F0502020204030204" charset="0"/>
-              <a:ea typeface="Aa小梨涡" panose="02010600010101010101" charset="-122"/>
-              <a:cs typeface="Aa小梨涡" panose="02010600010101010101" charset="-122"/>
-              <a:sym typeface="+mn-ea"/>
-            </a:endParaRPr>
-          </a:p>
-          <a:p>
-            <a:pPr fontAlgn="auto">
-              <a:lnSpc>
-                <a:spcPts val="3500"/>
-              </a:lnSpc>
-            </a:pPr>
-            <a:r>
-              <a:rPr lang="en-US" altLang="zh-CN" sz="2200">
-                <a:latin typeface="Aa小梨涡" panose="02010600010101010101" charset="-122"/>
-                <a:ea typeface="Aa小梨涡" panose="02010600010101010101" charset="-122"/>
-                <a:cs typeface="Aa小梨涡" panose="02010600010101010101" charset="-122"/>
-                <a:sym typeface="+mn-ea"/>
-              </a:rPr>
-              <a:t>        Python3</a:t>
-            </a:r>
-            <a:r>
-              <a:rPr lang="zh-CN" altLang="en-US" sz="2200">
-                <a:latin typeface="Aa小梨涡" panose="02010600010101010101" charset="-122"/>
-                <a:ea typeface="Aa小梨涡" panose="02010600010101010101" charset="-122"/>
-                <a:cs typeface="Aa小梨涡" panose="02010600010101010101" charset="-122"/>
-                <a:sym typeface="+mn-ea"/>
-              </a:rPr>
-              <a:t>有两种表示字符序列的类型：</a:t>
-            </a:r>
-            <a:endParaRPr lang="zh-CN" altLang="en-US" sz="2200">
-              <a:latin typeface="Aa小梨涡" panose="02010600010101010101" charset="-122"/>
-              <a:ea typeface="Aa小梨涡" panose="02010600010101010101" charset="-122"/>
-              <a:cs typeface="Aa小梨涡" panose="02010600010101010101" charset="-122"/>
-              <a:sym typeface="+mn-ea"/>
-            </a:endParaRPr>
-          </a:p>
-          <a:p>
-            <a:pPr fontAlgn="auto">
-              <a:lnSpc>
-                <a:spcPts val="3500"/>
-              </a:lnSpc>
-            </a:pPr>
-            <a:r>
-              <a:rPr lang="zh-CN" altLang="en-US" sz="2200">
-                <a:latin typeface="Aa小梨涡" panose="02010600010101010101" charset="-122"/>
-                <a:ea typeface="Aa小梨涡" panose="02010600010101010101" charset="-122"/>
-                <a:cs typeface="Aa小梨涡" panose="02010600010101010101" charset="-122"/>
-                <a:sym typeface="+mn-ea"/>
-              </a:rPr>
-              <a:t>        </a:t>
-            </a:r>
-            <a:r>
-              <a:rPr lang="zh-CN" altLang="en-US" sz="2200">
-                <a:latin typeface="Calibri" panose="020F0502020204030204" charset="0"/>
-                <a:ea typeface="Aa小梨涡" panose="02010600010101010101" charset="-122"/>
-                <a:cs typeface="Aa小梨涡" panose="02010600010101010101" charset="-122"/>
-                <a:sym typeface="+mn-ea"/>
-              </a:rPr>
-              <a:t>① </a:t>
-            </a:r>
-            <a:r>
-              <a:rPr lang="en-US" altLang="zh-CN" sz="2200">
-                <a:latin typeface="Aa小梨涡" panose="02010600010101010101" charset="-122"/>
-                <a:ea typeface="Aa小梨涡" panose="02010600010101010101" charset="-122"/>
-                <a:cs typeface="Aa小梨涡" panose="02010600010101010101" charset="-122"/>
-                <a:sym typeface="+mn-ea"/>
-              </a:rPr>
-              <a:t>bytes</a:t>
-            </a:r>
-            <a:r>
-              <a:rPr lang="zh-CN" altLang="en-US" sz="2200">
-                <a:latin typeface="Aa小梨涡" panose="02010600010101010101" charset="-122"/>
-                <a:ea typeface="Aa小梨涡" panose="02010600010101010101" charset="-122"/>
-                <a:cs typeface="Aa小梨涡" panose="02010600010101010101" charset="-122"/>
-                <a:sym typeface="+mn-ea"/>
-              </a:rPr>
-              <a:t>，实例包含原始的</a:t>
-            </a:r>
-            <a:r>
-              <a:rPr lang="en-US" altLang="zh-CN" sz="2200">
-                <a:latin typeface="Aa小梨涡" panose="02010600010101010101" charset="-122"/>
-                <a:ea typeface="Aa小梨涡" panose="02010600010101010101" charset="-122"/>
-                <a:cs typeface="Aa小梨涡" panose="02010600010101010101" charset="-122"/>
-                <a:sym typeface="+mn-ea"/>
-              </a:rPr>
-              <a:t>8</a:t>
-            </a:r>
-            <a:r>
-              <a:rPr lang="zh-CN" altLang="en-US" sz="2200">
-                <a:latin typeface="Aa小梨涡" panose="02010600010101010101" charset="-122"/>
-                <a:ea typeface="Aa小梨涡" panose="02010600010101010101" charset="-122"/>
-                <a:cs typeface="Aa小梨涡" panose="02010600010101010101" charset="-122"/>
-                <a:sym typeface="+mn-ea"/>
-              </a:rPr>
-              <a:t>位值，即</a:t>
-            </a:r>
-            <a:r>
-              <a:rPr lang="en-US" altLang="zh-CN" sz="2200">
-                <a:latin typeface="Aa小梨涡" panose="02010600010101010101" charset="-122"/>
-                <a:ea typeface="Aa小梨涡" panose="02010600010101010101" charset="-122"/>
-                <a:cs typeface="Aa小梨涡" panose="02010600010101010101" charset="-122"/>
-                <a:sym typeface="+mn-ea"/>
-              </a:rPr>
-              <a:t>“</a:t>
-            </a:r>
-            <a:r>
-              <a:rPr lang="zh-CN" altLang="en-US" sz="2200">
-                <a:latin typeface="Aa小梨涡" panose="02010600010101010101" charset="-122"/>
-                <a:ea typeface="Aa小梨涡" panose="02010600010101010101" charset="-122"/>
-                <a:cs typeface="Aa小梨涡" panose="02010600010101010101" charset="-122"/>
-                <a:sym typeface="+mn-ea"/>
-              </a:rPr>
-              <a:t>字节</a:t>
-            </a:r>
-            <a:r>
-              <a:rPr lang="en-US" altLang="zh-CN" sz="2200">
-                <a:latin typeface="Aa小梨涡" panose="02010600010101010101" charset="-122"/>
-                <a:ea typeface="Aa小梨涡" panose="02010600010101010101" charset="-122"/>
-                <a:cs typeface="Aa小梨涡" panose="02010600010101010101" charset="-122"/>
-                <a:sym typeface="+mn-ea"/>
-              </a:rPr>
-              <a:t>”</a:t>
-            </a:r>
-            <a:r>
-              <a:rPr lang="zh-CN" altLang="en-US" sz="2200">
-                <a:latin typeface="Aa小梨涡" panose="02010600010101010101" charset="-122"/>
-                <a:ea typeface="Aa小梨涡" panose="02010600010101010101" charset="-122"/>
-                <a:cs typeface="Aa小梨涡" panose="02010600010101010101" charset="-122"/>
-                <a:sym typeface="+mn-ea"/>
-              </a:rPr>
-              <a:t>；</a:t>
-            </a:r>
-            <a:endParaRPr lang="en-US" altLang="zh-CN" sz="2200">
-              <a:latin typeface="Aa小梨涡" panose="02010600010101010101" charset="-122"/>
-              <a:ea typeface="Aa小梨涡" panose="02010600010101010101" charset="-122"/>
-              <a:cs typeface="Aa小梨涡" panose="02010600010101010101" charset="-122"/>
-              <a:sym typeface="+mn-ea"/>
-            </a:endParaRPr>
-          </a:p>
-          <a:p>
-            <a:pPr fontAlgn="auto">
-              <a:lnSpc>
-                <a:spcPts val="3500"/>
-              </a:lnSpc>
-            </a:pPr>
-            <a:r>
-              <a:rPr lang="en-US" altLang="zh-CN" sz="2200">
-                <a:latin typeface="Aa小梨涡" panose="02010600010101010101" charset="-122"/>
-                <a:ea typeface="Aa小梨涡" panose="02010600010101010101" charset="-122"/>
-                <a:cs typeface="Aa小梨涡" panose="02010600010101010101" charset="-122"/>
-                <a:sym typeface="+mn-ea"/>
-              </a:rPr>
-              <a:t>        </a:t>
-            </a:r>
-            <a:r>
-              <a:rPr lang="en-US" altLang="zh-CN" sz="2200">
-                <a:latin typeface="Calibri" panose="020F0502020204030204" charset="0"/>
-                <a:ea typeface="Aa小梨涡" panose="02010600010101010101" charset="-122"/>
-                <a:cs typeface="Aa小梨涡" panose="02010600010101010101" charset="-122"/>
-                <a:sym typeface="+mn-ea"/>
-              </a:rPr>
-              <a:t>② </a:t>
-            </a:r>
-            <a:r>
-              <a:rPr lang="en-US" altLang="zh-CN" sz="2200">
-                <a:latin typeface="Aa小梨涡" panose="02010600010101010101" charset="-122"/>
-                <a:ea typeface="Aa小梨涡" panose="02010600010101010101" charset="-122"/>
-                <a:cs typeface="Aa小梨涡" panose="02010600010101010101" charset="-122"/>
-                <a:sym typeface="+mn-ea"/>
-              </a:rPr>
-              <a:t>str</a:t>
-            </a:r>
-            <a:r>
-              <a:rPr lang="zh-CN" altLang="en-US" sz="2200">
-                <a:latin typeface="Aa小梨涡" panose="02010600010101010101" charset="-122"/>
-                <a:ea typeface="Aa小梨涡" panose="02010600010101010101" charset="-122"/>
-                <a:cs typeface="Aa小梨涡" panose="02010600010101010101" charset="-122"/>
-                <a:sym typeface="+mn-ea"/>
-              </a:rPr>
-              <a:t>，</a:t>
-            </a:r>
-            <a:r>
-              <a:rPr lang="en-US" altLang="zh-CN" sz="2200">
-                <a:latin typeface="Aa小梨涡" panose="02010600010101010101" charset="-122"/>
-                <a:ea typeface="Aa小梨涡" panose="02010600010101010101" charset="-122"/>
-                <a:cs typeface="Aa小梨涡" panose="02010600010101010101" charset="-122"/>
-                <a:sym typeface="+mn-ea"/>
-              </a:rPr>
-              <a:t>“</a:t>
-            </a:r>
-            <a:r>
-              <a:rPr lang="zh-CN" altLang="en-US" sz="2200">
-                <a:latin typeface="Aa小梨涡" panose="02010600010101010101" charset="-122"/>
-                <a:ea typeface="Aa小梨涡" panose="02010600010101010101" charset="-122"/>
-                <a:cs typeface="Aa小梨涡" panose="02010600010101010101" charset="-122"/>
-                <a:sym typeface="+mn-ea"/>
-              </a:rPr>
-              <a:t>字符串</a:t>
-            </a:r>
-            <a:r>
-              <a:rPr lang="en-US" altLang="zh-CN" sz="2200">
-                <a:latin typeface="Aa小梨涡" panose="02010600010101010101" charset="-122"/>
-                <a:ea typeface="Aa小梨涡" panose="02010600010101010101" charset="-122"/>
-                <a:cs typeface="Aa小梨涡" panose="02010600010101010101" charset="-122"/>
-                <a:sym typeface="+mn-ea"/>
-              </a:rPr>
-              <a:t>”</a:t>
-            </a:r>
-            <a:r>
-              <a:rPr lang="zh-CN" altLang="en-US" sz="2200">
-                <a:latin typeface="Aa小梨涡" panose="02010600010101010101" charset="-122"/>
-                <a:ea typeface="Aa小梨涡" panose="02010600010101010101" charset="-122"/>
-                <a:cs typeface="Aa小梨涡" panose="02010600010101010101" charset="-122"/>
-                <a:sym typeface="+mn-ea"/>
-              </a:rPr>
-              <a:t>，</a:t>
-            </a:r>
-            <a:r>
-              <a:rPr lang="zh-CN" altLang="en-US" sz="2200">
-                <a:latin typeface="Aa小梨涡" panose="02010600010101010101" charset="-122"/>
-                <a:ea typeface="Aa小梨涡" panose="02010600010101010101" charset="-122"/>
-                <a:cs typeface="Aa小梨涡" panose="02010600010101010101" charset="-122"/>
-                <a:sym typeface="+mn-ea"/>
-              </a:rPr>
-              <a:t>实例包含</a:t>
-            </a:r>
-            <a:r>
-              <a:rPr lang="en-US" altLang="zh-CN" sz="2200">
-                <a:latin typeface="Aa小梨涡" panose="02010600010101010101" charset="-122"/>
-                <a:ea typeface="Aa小梨涡" panose="02010600010101010101" charset="-122"/>
-                <a:cs typeface="Aa小梨涡" panose="02010600010101010101" charset="-122"/>
-                <a:sym typeface="+mn-ea"/>
-              </a:rPr>
-              <a:t>Unicode</a:t>
-            </a:r>
-            <a:r>
-              <a:rPr lang="zh-CN" altLang="en-US" sz="2200">
-                <a:latin typeface="Aa小梨涡" panose="02010600010101010101" charset="-122"/>
-                <a:ea typeface="Aa小梨涡" panose="02010600010101010101" charset="-122"/>
-                <a:cs typeface="Aa小梨涡" panose="02010600010101010101" charset="-122"/>
-                <a:sym typeface="+mn-ea"/>
-              </a:rPr>
-              <a:t>字符。</a:t>
-            </a:r>
-            <a:endParaRPr lang="zh-CN" altLang="en-US" sz="2200">
-              <a:latin typeface="Aa小梨涡" panose="02010600010101010101" charset="-122"/>
-              <a:ea typeface="Aa小梨涡" panose="02010600010101010101" charset="-122"/>
-              <a:cs typeface="Aa小梨涡" panose="02010600010101010101" charset="-122"/>
-              <a:sym typeface="+mn-ea"/>
-            </a:endParaRPr>
-          </a:p>
-        </p:txBody>
-      </p:sp>
-    </p:spTree>
-  </p:cSld>
-  <p:clrMapOvr>
-    <a:masterClrMapping/>
-  </p:clrMapOvr>
-  <p:timing>
-    <p:tnLst>
-      <p:par>
-        <p:cTn id="1" dur="indefinite" restart="never" nodeType="tmRoot">
-          <p:childTnLst>
-            <p:seq concurrent="1" nextAc="seek">
-              <p:cTn id="2" dur="indefinite" nodeType="mainSeq">
-                <p:childTnLst>
-                  <p:par>
-                    <p:cTn id="3" fill="hold">
-                      <p:stCondLst>
-                        <p:cond delay="indefinite"/>
-                      </p:stCondLst>
-                      <p:childTnLst>
-                        <p:par>
-                          <p:cTn id="4" fill="hold">
-                            <p:stCondLst>
-                              <p:cond delay="0"/>
-                            </p:stCondLst>
-                            <p:childTnLst>
-                              <p:par>
-                                <p:cTn id="5" presetID="1" presetClass="entr" presetSubtype="0" fill="hold" grpId="0" nodeType="clickEffect">
-                                  <p:stCondLst>
-                                    <p:cond delay="0"/>
-                                  </p:stCondLst>
-                                  <p:childTnLst>
-                                    <p:set>
-                                      <p:cBhvr>
-                                        <p:cTn id="6" dur="1" fill="hold">
-                                          <p:stCondLst>
-                                            <p:cond delay="0"/>
-                                          </p:stCondLst>
-                                        </p:cTn>
-                                        <p:tgtEl>
-                                          <p:spTgt spid="3"/>
-                                        </p:tgtEl>
-                                        <p:attrNameLst>
-                                          <p:attrName>style.visibility</p:attrName>
-                                        </p:attrNameLst>
-                                      </p:cBhvr>
-                                      <p:to>
-                                        <p:strVal val="visible"/>
-                                      </p:to>
-                                    </p:set>
-                                  </p:childTnLst>
-                                </p:cTn>
-                              </p:par>
-                              <p:par>
-                                <p:cTn id="7" presetID="1" presetClass="entr" presetSubtype="0" fill="hold" grpId="0" nodeType="withEffect">
-                                  <p:stCondLst>
-                                    <p:cond delay="0"/>
-                                  </p:stCondLst>
-                                  <p:childTnLst>
-                                    <p:set>
-                                      <p:cBhvr>
-                                        <p:cTn id="8" dur="1" fill="hold">
-                                          <p:stCondLst>
-                                            <p:cond delay="0"/>
-                                          </p:stCondLst>
-                                        </p:cTn>
-                                        <p:tgtEl>
-                                          <p:spTgt spid="11"/>
-                                        </p:tgtEl>
-                                        <p:attrNameLst>
-                                          <p:attrName>style.visibility</p:attrName>
-                                        </p:attrNameLst>
-                                      </p:cBhvr>
-                                      <p:to>
-                                        <p:strVal val="visible"/>
-                                      </p:to>
-                                    </p:set>
-                                  </p:childTnLst>
-                                </p:cTn>
-                              </p:par>
-                            </p:childTnLst>
-                          </p:cTn>
-                        </p:par>
-                      </p:childTnLst>
-                    </p:cTn>
-                  </p:par>
-                  <p:par>
-                    <p:cTn id="9" fill="hold">
-                      <p:stCondLst>
-                        <p:cond delay="indefinite"/>
-                      </p:stCondLst>
-                      <p:childTnLst>
-                        <p:par>
-                          <p:cTn id="10" fill="hold">
-                            <p:stCondLst>
-                              <p:cond delay="0"/>
-                            </p:stCondLst>
-                            <p:childTnLst>
-                              <p:par>
-                                <p:cTn id="11" presetID="1" presetClass="entr" presetSubtype="0" fill="hold" grpId="0" nodeType="clickEffect">
-                                  <p:stCondLst>
-                                    <p:cond delay="0"/>
-                                  </p:stCondLst>
-                                  <p:childTnLst>
-                                    <p:set>
-                                      <p:cBhvr>
-                                        <p:cTn id="12" dur="1" fill="hold">
-                                          <p:stCondLst>
-                                            <p:cond delay="0"/>
-                                          </p:stCondLst>
-                                        </p:cTn>
-                                        <p:tgtEl>
-                                          <p:spTgt spid="4"/>
-                                        </p:tgtEl>
-                                        <p:attrNameLst>
-                                          <p:attrName>style.visibility</p:attrName>
-                                        </p:attrNameLst>
-                                      </p:cBhvr>
-                                      <p:to>
-                                        <p:strVal val="visible"/>
-                                      </p:to>
-                                    </p:set>
-                                  </p:childTnLst>
-                                </p:cTn>
-                              </p:par>
-                            </p:childTnLst>
-                          </p:cTn>
-                        </p:par>
-                      </p:childTnLst>
-                    </p:cTn>
-                  </p:par>
-                </p:childTnLst>
-              </p:cTn>
-              <p:prevCondLst>
-                <p:cond evt="onPrev" delay="0">
-                  <p:tgtEl>
-                    <p:sldTgt/>
-                  </p:tgtEl>
-                </p:cond>
-              </p:prevCondLst>
-              <p:nextCondLst>
-                <p:cond evt="onNext" delay="0">
-                  <p:tgtEl>
-                    <p:sldTgt/>
-                  </p:tgtEl>
-                </p:cond>
-              </p:nextCondLst>
-            </p:seq>
-          </p:childTnLst>
-        </p:cTn>
-      </p:par>
-    </p:tnLst>
-    <p:bldLst>
-      <p:bldP spid="11" grpId="0"/>
-      <p:bldP spid="11" grpId="1"/>
-      <p:bldP spid="3" grpId="0"/>
-      <p:bldP spid="3" grpId="1"/>
-      <p:bldP spid="4" grpId="0"/>
-      <p:bldP spid="4" grpId="1"/>
-    </p:bldLst>
-  </p:timing>
-</p:sld>
-</file>
-
-<file path=ppt/slides/slide19.xml><?xml version="1.0" encoding="utf-8"?>
 <p:sld xmlns:a="http://schemas.openxmlformats.org/drawingml/2006/main" xmlns:r="http://schemas.openxmlformats.org/officeDocument/2006/relationships" xmlns:p="http://schemas.openxmlformats.org/presentationml/2006/main">
   <p:cSld>
     <p:spTree>
@@ -12097,8 +10859,8 @@
         </p:nvSpPr>
         <p:spPr>
           <a:xfrm>
-            <a:off x="4106545" y="245745"/>
-            <a:ext cx="3811270" cy="817245"/>
+            <a:off x="3837940" y="245745"/>
+            <a:ext cx="4079875" cy="817245"/>
           </a:xfrm>
         </p:spPr>
         <p:txBody>
@@ -12111,14 +10873,14 @@
                 <a:latin typeface="Aa小梨涡" panose="02010600010101010101" charset="-122"/>
                 <a:ea typeface="Aa小梨涡" panose="02010600010101010101" charset="-122"/>
               </a:rPr>
-              <a:t>4.2 </a:t>
+              <a:t>4.1 </a:t>
             </a:r>
             <a:r>
               <a:rPr lang="zh-CN" altLang="en-US">
                 <a:latin typeface="Aa小梨涡" panose="02010600010101010101" charset="-122"/>
                 <a:ea typeface="Aa小梨涡" panose="02010600010101010101" charset="-122"/>
               </a:rPr>
-              <a:t>字符串基础</a:t>
+              <a:t>字符序列基础</a:t>
             </a:r>
             <a:endParaRPr lang="zh-CN" altLang="en-US">
               <a:latin typeface="Aa小梨涡" panose="02010600010101010101" charset="-122"/>
@@ -12222,14 +10984,14 @@
       </p:sp>
       <p:sp>
         <p:nvSpPr>
-          <p:cNvPr id="8" name="文本框 7"/>
+          <p:cNvPr id="4" name="文本框 3"/>
           <p:cNvSpPr txBox="1"/>
           <p:nvPr/>
         </p:nvSpPr>
         <p:spPr>
           <a:xfrm>
-            <a:off x="431165" y="1214120"/>
-            <a:ext cx="11281410" cy="1437640"/>
+            <a:off x="455295" y="1214120"/>
+            <a:ext cx="11281410" cy="3681730"/>
           </a:xfrm>
           <a:prstGeom prst="rect">
             <a:avLst/>
@@ -12251,12 +11013,347 @@
             </a:pPr>
             <a:r>
               <a:rPr lang="en-US" altLang="zh-CN" sz="2200">
-                <a:latin typeface="Calibri" panose="020F0502020204030204" charset="0"/>
-                <a:ea typeface="Aa小梨涡" panose="02010600010101010101" charset="-122"/>
-                <a:cs typeface="Aa小梨涡" panose="02010600010101010101" charset="-122"/>
-                <a:sym typeface="+mn-ea"/>
-              </a:rPr>
-              <a:t>1. </a:t>
+                <a:latin typeface="Aa小梨涡" panose="02010600010101010101" charset="-122"/>
+                <a:ea typeface="Aa小梨涡" panose="02010600010101010101" charset="-122"/>
+                <a:cs typeface="Aa小梨涡" panose="02010600010101010101" charset="-122"/>
+                <a:sym typeface="+mn-ea"/>
+              </a:rPr>
+              <a:t>2. UTF-8</a:t>
+            </a:r>
+            <a:r>
+              <a:rPr lang="zh-CN" altLang="en-US" sz="2200">
+                <a:latin typeface="Aa小梨涡" panose="02010600010101010101" charset="-122"/>
+                <a:ea typeface="Aa小梨涡" panose="02010600010101010101" charset="-122"/>
+                <a:cs typeface="Aa小梨涡" panose="02010600010101010101" charset="-122"/>
+                <a:sym typeface="+mn-ea"/>
+              </a:rPr>
+              <a:t>，</a:t>
+            </a:r>
+            <a:r>
+              <a:rPr lang="en-US" altLang="zh-CN" sz="2200">
+                <a:latin typeface="Aa小梨涡" panose="02010600010101010101" charset="-122"/>
+                <a:ea typeface="Aa小梨涡" panose="02010600010101010101" charset="-122"/>
+                <a:cs typeface="Aa小梨涡" panose="02010600010101010101" charset="-122"/>
+                <a:sym typeface="+mn-ea"/>
+              </a:rPr>
+              <a:t>UTF-16</a:t>
+            </a:r>
+            <a:r>
+              <a:rPr lang="zh-CN" altLang="en-US" sz="2200">
+                <a:latin typeface="Aa小梨涡" panose="02010600010101010101" charset="-122"/>
+                <a:ea typeface="Aa小梨涡" panose="02010600010101010101" charset="-122"/>
+                <a:cs typeface="Aa小梨涡" panose="02010600010101010101" charset="-122"/>
+                <a:sym typeface="+mn-ea"/>
+              </a:rPr>
+              <a:t>和</a:t>
+            </a:r>
+            <a:r>
+              <a:rPr lang="en-US" altLang="zh-CN" sz="2200">
+                <a:latin typeface="Aa小梨涡" panose="02010600010101010101" charset="-122"/>
+                <a:ea typeface="Aa小梨涡" panose="02010600010101010101" charset="-122"/>
+                <a:cs typeface="Aa小梨涡" panose="02010600010101010101" charset="-122"/>
+                <a:sym typeface="+mn-ea"/>
+              </a:rPr>
+              <a:t>UTF-32</a:t>
+            </a:r>
+            <a:endParaRPr lang="en-US" altLang="zh-CN" sz="2200">
+              <a:latin typeface="Aa小梨涡" panose="02010600010101010101" charset="-122"/>
+              <a:ea typeface="Aa小梨涡" panose="02010600010101010101" charset="-122"/>
+              <a:cs typeface="Aa小梨涡" panose="02010600010101010101" charset="-122"/>
+              <a:sym typeface="+mn-ea"/>
+            </a:endParaRPr>
+          </a:p>
+          <a:p>
+            <a:pPr fontAlgn="auto">
+              <a:lnSpc>
+                <a:spcPts val="3500"/>
+              </a:lnSpc>
+            </a:pPr>
+            <a:r>
+              <a:rPr lang="en-US" altLang="zh-CN" sz="2200">
+                <a:latin typeface="Aa小梨涡" panose="02010600010101010101" charset="-122"/>
+                <a:ea typeface="Aa小梨涡" panose="02010600010101010101" charset="-122"/>
+                <a:cs typeface="Aa小梨涡" panose="02010600010101010101" charset="-122"/>
+                <a:sym typeface="+mn-ea"/>
+              </a:rPr>
+              <a:t>       UTF</a:t>
+            </a:r>
+            <a:r>
+              <a:rPr lang="zh-CN" altLang="en-US" sz="2200">
+                <a:latin typeface="Aa小梨涡" panose="02010600010101010101" charset="-122"/>
+                <a:ea typeface="Aa小梨涡" panose="02010600010101010101" charset="-122"/>
+                <a:cs typeface="Aa小梨涡" panose="02010600010101010101" charset="-122"/>
+                <a:sym typeface="+mn-ea"/>
+              </a:rPr>
+              <a:t>，Unicode Transformation Format，即</a:t>
+            </a:r>
+            <a:r>
+              <a:rPr lang="en-US" altLang="zh-CN" sz="2200">
+                <a:latin typeface="Aa小梨涡" panose="02010600010101010101" charset="-122"/>
+                <a:ea typeface="Aa小梨涡" panose="02010600010101010101" charset="-122"/>
+                <a:cs typeface="Aa小梨涡" panose="02010600010101010101" charset="-122"/>
+                <a:sym typeface="+mn-ea"/>
+              </a:rPr>
+              <a:t> Unicode code point 的</a:t>
+            </a:r>
+            <a:r>
+              <a:rPr lang="zh-CN" altLang="en-US" sz="2200">
+                <a:latin typeface="Aa小梨涡" panose="02010600010101010101" charset="-122"/>
+                <a:ea typeface="Aa小梨涡" panose="02010600010101010101" charset="-122"/>
+                <a:cs typeface="Aa小梨涡" panose="02010600010101010101" charset="-122"/>
+                <a:sym typeface="+mn-ea"/>
+              </a:rPr>
+              <a:t>编码</a:t>
+            </a:r>
+            <a:r>
+              <a:rPr lang="en-US" altLang="zh-CN" sz="2200">
+                <a:latin typeface="Aa小梨涡" panose="02010600010101010101" charset="-122"/>
+                <a:ea typeface="Aa小梨涡" panose="02010600010101010101" charset="-122"/>
+                <a:cs typeface="Aa小梨涡" panose="02010600010101010101" charset="-122"/>
+                <a:sym typeface="+mn-ea"/>
+              </a:rPr>
+              <a:t>方式</a:t>
+            </a:r>
+            <a:r>
+              <a:rPr lang="zh-CN" altLang="en-US" sz="2200">
+                <a:latin typeface="Aa小梨涡" panose="02010600010101010101" charset="-122"/>
+                <a:ea typeface="Aa小梨涡" panose="02010600010101010101" charset="-122"/>
+                <a:cs typeface="Aa小梨涡" panose="02010600010101010101" charset="-122"/>
+                <a:sym typeface="+mn-ea"/>
+              </a:rPr>
+              <a:t>，包括 </a:t>
+            </a:r>
+            <a:r>
+              <a:rPr lang="en-US" altLang="zh-CN" sz="2200">
+                <a:latin typeface="Aa小梨涡" panose="02010600010101010101" charset="-122"/>
+                <a:ea typeface="Aa小梨涡" panose="02010600010101010101" charset="-122"/>
+                <a:cs typeface="Aa小梨涡" panose="02010600010101010101" charset="-122"/>
+                <a:sym typeface="+mn-ea"/>
+              </a:rPr>
+              <a:t>UTF-8</a:t>
+            </a:r>
+            <a:r>
+              <a:rPr lang="zh-CN" altLang="en-US" sz="2200">
+                <a:latin typeface="Aa小梨涡" panose="02010600010101010101" charset="-122"/>
+                <a:ea typeface="Aa小梨涡" panose="02010600010101010101" charset="-122"/>
+                <a:cs typeface="Aa小梨涡" panose="02010600010101010101" charset="-122"/>
+                <a:sym typeface="+mn-ea"/>
+              </a:rPr>
+              <a:t>，</a:t>
+            </a:r>
+            <a:r>
+              <a:rPr lang="zh-CN" altLang="en-US" sz="2200">
+                <a:latin typeface="Aa小梨涡" panose="02010600010101010101" charset="-122"/>
+                <a:ea typeface="Aa小梨涡" panose="02010600010101010101" charset="-122"/>
+                <a:cs typeface="Aa小梨涡" panose="02010600010101010101" charset="-122"/>
+                <a:sym typeface="+mn-ea"/>
+              </a:rPr>
+              <a:t>UTF-16和 UTF-32，后面的数字表明至少使用多少个比特位（Bit）来存储字符。</a:t>
+            </a:r>
+            <a:endParaRPr lang="zh-CN" altLang="en-US" sz="2200">
+              <a:latin typeface="Aa小梨涡" panose="02010600010101010101" charset="-122"/>
+              <a:ea typeface="Aa小梨涡" panose="02010600010101010101" charset="-122"/>
+              <a:cs typeface="Aa小梨涡" panose="02010600010101010101" charset="-122"/>
+              <a:sym typeface="+mn-ea"/>
+            </a:endParaRPr>
+          </a:p>
+          <a:p>
+            <a:pPr fontAlgn="auto">
+              <a:lnSpc>
+                <a:spcPts val="3500"/>
+              </a:lnSpc>
+            </a:pPr>
+            <a:r>
+              <a:rPr lang="zh-CN" altLang="en-US" sz="2200">
+                <a:latin typeface="Aa小梨涡" panose="02010600010101010101" charset="-122"/>
+                <a:ea typeface="Aa小梨涡" panose="02010600010101010101" charset="-122"/>
+                <a:cs typeface="Aa小梨涡" panose="02010600010101010101" charset="-122"/>
+                <a:sym typeface="+mn-ea"/>
+              </a:rPr>
+              <a:t>        UFT-8：一种变长的编码方案，互联网传输主用，使用 1~6 个字节来存储，其中，</a:t>
+            </a:r>
+            <a:r>
+              <a:rPr lang="en-US" altLang="zh-CN" sz="2200">
+                <a:latin typeface="Aa小梨涡" panose="02010600010101010101" charset="-122"/>
+                <a:ea typeface="Aa小梨涡" panose="02010600010101010101" charset="-122"/>
+                <a:cs typeface="Aa小梨涡" panose="02010600010101010101" charset="-122"/>
+                <a:sym typeface="+mn-ea"/>
+              </a:rPr>
+              <a:t>ASCII 码</a:t>
+            </a:r>
+            <a:r>
+              <a:rPr lang="zh-CN" altLang="en-US" sz="2200">
+                <a:latin typeface="Aa小梨涡" panose="02010600010101010101" charset="-122"/>
+                <a:ea typeface="Aa小梨涡" panose="02010600010101010101" charset="-122"/>
+                <a:cs typeface="Aa小梨涡" panose="02010600010101010101" charset="-122"/>
+                <a:sym typeface="+mn-ea"/>
+              </a:rPr>
+              <a:t>仍然</a:t>
+            </a:r>
+            <a:r>
+              <a:rPr lang="zh-CN" altLang="en-US" sz="2200">
+                <a:latin typeface="Aa小梨涡" panose="02010600010101010101" charset="-122"/>
+                <a:ea typeface="Aa小梨涡" panose="02010600010101010101" charset="-122"/>
+                <a:cs typeface="Aa小梨涡" panose="02010600010101010101" charset="-122"/>
+                <a:sym typeface="+mn-ea"/>
+              </a:rPr>
+              <a:t>用单字节，而</a:t>
+            </a:r>
+            <a:r>
+              <a:rPr lang="zh-CN" altLang="en-US" sz="2200">
+                <a:latin typeface="Aa小梨涡" panose="02010600010101010101" charset="-122"/>
+                <a:ea typeface="Aa小梨涡" panose="02010600010101010101" charset="-122"/>
+                <a:cs typeface="Aa小梨涡" panose="02010600010101010101" charset="-122"/>
+                <a:sym typeface="+mn-ea"/>
+              </a:rPr>
+              <a:t>汉字用</a:t>
+            </a:r>
+            <a:r>
+              <a:rPr lang="en-US" altLang="zh-CN" sz="2200">
+                <a:latin typeface="Aa小梨涡" panose="02010600010101010101" charset="-122"/>
+                <a:ea typeface="Aa小梨涡" panose="02010600010101010101" charset="-122"/>
+                <a:cs typeface="Aa小梨涡" panose="02010600010101010101" charset="-122"/>
+                <a:sym typeface="+mn-ea"/>
+              </a:rPr>
+              <a:t>3</a:t>
+            </a:r>
+            <a:r>
+              <a:rPr lang="zh-CN" altLang="en-US" sz="2200">
+                <a:latin typeface="Aa小梨涡" panose="02010600010101010101" charset="-122"/>
+                <a:ea typeface="Aa小梨涡" panose="02010600010101010101" charset="-122"/>
+                <a:cs typeface="Aa小梨涡" panose="02010600010101010101" charset="-122"/>
+                <a:sym typeface="+mn-ea"/>
+              </a:rPr>
+              <a:t>字节，</a:t>
+            </a:r>
+            <a:r>
+              <a:rPr lang="zh-CN" sz="2200">
+                <a:latin typeface="Aa小梨涡" panose="02010600010101010101" charset="-122"/>
+                <a:ea typeface="Aa小梨涡" panose="02010600010101010101" charset="-122"/>
+                <a:cs typeface="Aa小梨涡" panose="02010600010101010101" charset="-122"/>
+                <a:sym typeface="+mn-ea"/>
+              </a:rPr>
+              <a:t>例如</a:t>
+            </a:r>
+            <a:r>
+              <a:rPr lang="en-US" altLang="zh-CN" sz="2200">
+                <a:latin typeface="Aa小梨涡" panose="02010600010101010101" charset="-122"/>
+                <a:ea typeface="Aa小梨涡" panose="02010600010101010101" charset="-122"/>
+                <a:cs typeface="Aa小梨涡" panose="02010600010101010101" charset="-122"/>
+                <a:sym typeface="+mn-ea"/>
+              </a:rPr>
+              <a:t>“</a:t>
+            </a:r>
+            <a:r>
+              <a:rPr lang="zh-CN" sz="2200">
+                <a:latin typeface="Aa小梨涡" panose="02010600010101010101" charset="-122"/>
+                <a:ea typeface="Aa小梨涡" panose="02010600010101010101" charset="-122"/>
+                <a:cs typeface="Aa小梨涡" panose="02010600010101010101" charset="-122"/>
+                <a:sym typeface="+mn-ea"/>
+              </a:rPr>
+              <a:t>严</a:t>
+            </a:r>
+            <a:r>
+              <a:rPr lang="en-US" altLang="zh-CN" sz="2200">
+                <a:latin typeface="Aa小梨涡" panose="02010600010101010101" charset="-122"/>
+                <a:ea typeface="Aa小梨涡" panose="02010600010101010101" charset="-122"/>
+                <a:cs typeface="Aa小梨涡" panose="02010600010101010101" charset="-122"/>
+                <a:sym typeface="+mn-ea"/>
+              </a:rPr>
+              <a:t>”</a:t>
+            </a:r>
+            <a:r>
+              <a:rPr lang="zh-CN" sz="2200">
+                <a:latin typeface="Aa小梨涡" panose="02010600010101010101" charset="-122"/>
+                <a:ea typeface="Aa小梨涡" panose="02010600010101010101" charset="-122"/>
+                <a:cs typeface="Aa小梨涡" panose="02010600010101010101" charset="-122"/>
+                <a:sym typeface="+mn-ea"/>
+              </a:rPr>
+              <a:t>的 UTF-8 编码是E4B8A5</a:t>
+            </a:r>
+            <a:r>
+              <a:rPr lang="zh-CN" altLang="en-US" sz="2200">
+                <a:latin typeface="Aa小梨涡" panose="02010600010101010101" charset="-122"/>
+                <a:ea typeface="Aa小梨涡" panose="02010600010101010101" charset="-122"/>
+                <a:cs typeface="Aa小梨涡" panose="02010600010101010101" charset="-122"/>
+                <a:sym typeface="+mn-ea"/>
+              </a:rPr>
+              <a:t>；</a:t>
+            </a:r>
+            <a:endParaRPr lang="zh-CN" altLang="en-US" sz="2200">
+              <a:latin typeface="Aa小梨涡" panose="02010600010101010101" charset="-122"/>
+              <a:ea typeface="Aa小梨涡" panose="02010600010101010101" charset="-122"/>
+              <a:cs typeface="Aa小梨涡" panose="02010600010101010101" charset="-122"/>
+              <a:sym typeface="+mn-ea"/>
+            </a:endParaRPr>
+          </a:p>
+          <a:p>
+            <a:pPr fontAlgn="auto">
+              <a:lnSpc>
+                <a:spcPts val="3500"/>
+              </a:lnSpc>
+            </a:pPr>
+            <a:r>
+              <a:rPr lang="zh-CN" altLang="en-US" sz="2200">
+                <a:latin typeface="Aa小梨涡" panose="02010600010101010101" charset="-122"/>
+                <a:ea typeface="Aa小梨涡" panose="02010600010101010101" charset="-122"/>
+                <a:cs typeface="Aa小梨涡" panose="02010600010101010101" charset="-122"/>
+                <a:sym typeface="+mn-ea"/>
+              </a:rPr>
+              <a:t>        UTF-16：使用 2 个或者 4 个字节来存储，其中，大部分汉字采用两个字节编码；</a:t>
+            </a:r>
+            <a:endParaRPr lang="zh-CN" altLang="en-US" sz="2200">
+              <a:latin typeface="Aa小梨涡" panose="02010600010101010101" charset="-122"/>
+              <a:ea typeface="Aa小梨涡" panose="02010600010101010101" charset="-122"/>
+              <a:cs typeface="Aa小梨涡" panose="02010600010101010101" charset="-122"/>
+              <a:sym typeface="+mn-ea"/>
+            </a:endParaRPr>
+          </a:p>
+          <a:p>
+            <a:pPr fontAlgn="auto">
+              <a:lnSpc>
+                <a:spcPts val="3500"/>
+              </a:lnSpc>
+            </a:pPr>
+            <a:r>
+              <a:rPr lang="zh-CN" altLang="en-US" sz="2200">
+                <a:latin typeface="Aa小梨涡" panose="02010600010101010101" charset="-122"/>
+                <a:ea typeface="Aa小梨涡" panose="02010600010101010101" charset="-122"/>
+                <a:cs typeface="Aa小梨涡" panose="02010600010101010101" charset="-122"/>
+                <a:sym typeface="+mn-ea"/>
+              </a:rPr>
+              <a:t>        UFT-32：固定使用 4 个字节的编码方案。</a:t>
+            </a:r>
+            <a:endParaRPr lang="zh-CN" altLang="en-US" sz="2200">
+              <a:latin typeface="Aa小梨涡" panose="02010600010101010101" charset="-122"/>
+              <a:ea typeface="Aa小梨涡" panose="02010600010101010101" charset="-122"/>
+              <a:cs typeface="Aa小梨涡" panose="02010600010101010101" charset="-122"/>
+              <a:sym typeface="+mn-ea"/>
+            </a:endParaRPr>
+          </a:p>
+          <a:p>
+            <a:pPr fontAlgn="auto">
+              <a:lnSpc>
+                <a:spcPts val="3500"/>
+              </a:lnSpc>
+            </a:pPr>
+            <a:r>
+              <a:rPr lang="zh-CN" altLang="en-US" sz="2200">
+                <a:latin typeface="Aa小梨涡" panose="02010600010101010101" charset="-122"/>
+                <a:ea typeface="Aa小梨涡" panose="02010600010101010101" charset="-122"/>
+                <a:cs typeface="Aa小梨涡" panose="02010600010101010101" charset="-122"/>
+                <a:sym typeface="+mn-ea"/>
+              </a:rPr>
+              <a:t>        注意，只有</a:t>
+            </a:r>
+            <a:r>
+              <a:rPr lang="zh-CN" altLang="en-US" sz="2200">
+                <a:latin typeface="Aa小梨涡" panose="02010600010101010101" charset="-122"/>
+                <a:ea typeface="Aa小梨涡" panose="02010600010101010101" charset="-122"/>
+                <a:cs typeface="Aa小梨涡" panose="02010600010101010101" charset="-122"/>
+                <a:sym typeface="+mn-ea"/>
+              </a:rPr>
+              <a:t>UFT-8是</a:t>
             </a:r>
             <a:r>
               <a:rPr lang="zh-CN" altLang="en-US" sz="2200">
@@ -12265,144 +11362,263 @@
                 <a:cs typeface="Aa小梨涡" panose="02010600010101010101" charset="-122"/>
                 <a:sym typeface="+mn-ea"/>
               </a:rPr>
-              <a:t>定义</a:t>
-            </a:r>
-            <a:endParaRPr lang="zh-CN" altLang="en-US" sz="2200">
+              <a:t>ASCII 安全的</a:t>
+            </a:r>
+            <a:r>
+              <a:rPr lang="zh-CN" altLang="en-US" sz="2200">
+                <a:latin typeface="Aa小梨涡" panose="02010600010101010101" charset="-122"/>
+                <a:ea typeface="Aa小梨涡" panose="02010600010101010101" charset="-122"/>
+                <a:cs typeface="Aa小梨涡" panose="02010600010101010101" charset="-122"/>
+                <a:sym typeface="+mn-ea"/>
+              </a:rPr>
+              <a:t>，因为UTF-32 和 UTF-16 都没有单字节编码。</a:t>
+            </a:r>
+            <a:endParaRPr lang="zh-CN" sz="2200">
               <a:latin typeface="Calibri" panose="020F0502020204030204" charset="0"/>
               <a:ea typeface="Aa小梨涡" panose="02010600010101010101" charset="-122"/>
               <a:cs typeface="Aa小梨涡" panose="02010600010101010101" charset="-122"/>
               <a:sym typeface="+mn-ea"/>
             </a:endParaRPr>
           </a:p>
-          <a:p>
-            <a:pPr fontAlgn="auto">
-              <a:lnSpc>
-                <a:spcPts val="3500"/>
-              </a:lnSpc>
-            </a:pPr>
-            <a:r>
-              <a:rPr lang="en-US" altLang="zh-CN" sz="2200">
-                <a:latin typeface="Calibri" panose="020F0502020204030204" charset="0"/>
-                <a:ea typeface="Aa小梨涡" panose="02010600010101010101" charset="-122"/>
-                <a:cs typeface="Aa小梨涡" panose="02010600010101010101" charset="-122"/>
-                <a:sym typeface="+mn-ea"/>
-              </a:rPr>
-              <a:t>        字符串是由独立字符组成的一个序列，通常包含在单引号（''）双引号（""）或者三引号之中（''' '''或""" """，两者一样），比如下面几种写法完全一样</a:t>
-            </a:r>
-            <a:r>
-              <a:rPr lang="zh-CN" altLang="en-US" sz="2200">
-                <a:latin typeface="Calibri" panose="020F0502020204030204" charset="0"/>
-                <a:ea typeface="Aa小梨涡" panose="02010600010101010101" charset="-122"/>
-                <a:cs typeface="Aa小梨涡" panose="02010600010101010101" charset="-122"/>
-                <a:sym typeface="+mn-ea"/>
-              </a:rPr>
-              <a:t>。</a:t>
-            </a:r>
-            <a:r>
-              <a:rPr lang="en-US" altLang="zh-CN" sz="2200">
-                <a:latin typeface="Calibri" panose="020F0502020204030204" charset="0"/>
-                <a:ea typeface="Aa小梨涡" panose="02010600010101010101" charset="-122"/>
-                <a:cs typeface="Aa小梨涡" panose="02010600010101010101" charset="-122"/>
-                <a:sym typeface="+mn-ea"/>
-              </a:rPr>
-              <a:t>      </a:t>
-            </a:r>
-            <a:endParaRPr lang="en-US" altLang="zh-CN" sz="2200">
-              <a:latin typeface="Calibri" panose="020F0502020204030204" charset="0"/>
-              <a:ea typeface="Aa小梨涡" panose="02010600010101010101" charset="-122"/>
-              <a:cs typeface="Aa小梨涡" panose="02010600010101010101" charset="-122"/>
-              <a:sym typeface="+mn-ea"/>
-            </a:endParaRPr>
-          </a:p>
         </p:txBody>
       </p:sp>
-      <p:sp>
-        <p:nvSpPr>
-          <p:cNvPr id="9" name="文本框 8"/>
-          <p:cNvSpPr txBox="1"/>
+      <p:cxnSp>
+        <p:nvCxnSpPr>
+          <p:cNvPr id="5" name="直接连接符 4"/>
+          <p:cNvCxnSpPr/>
           <p:nvPr/>
-        </p:nvSpPr>
+        </p:nvCxnSpPr>
         <p:spPr>
-          <a:xfrm>
-            <a:off x="430530" y="2651760"/>
-            <a:ext cx="11282045" cy="1337945"/>
+          <a:xfrm flipV="1">
+            <a:off x="4891405" y="2579370"/>
+            <a:ext cx="659765" cy="1905"/>
           </a:xfrm>
-          <a:prstGeom prst="rect">
+          <a:prstGeom prst="line">
             <a:avLst/>
           </a:prstGeom>
-          <a:noFill/>
-          <a:ln>
+          <a:ln w="31750">
             <a:solidFill>
-              <a:schemeClr val="accent1"/>
+              <a:srgbClr val="FF0000"/>
             </a:solidFill>
           </a:ln>
         </p:spPr>
-        <p:txBody>
-          <a:bodyPr wrap="square" rtlCol="0">
-            <a:spAutoFit/>
-          </a:bodyPr>
-          <a:p>
-            <a:pPr algn="l" fontAlgn="auto">
-              <a:lnSpc>
-                <a:spcPct val="150000"/>
-              </a:lnSpc>
-            </a:pPr>
-            <a:r>
-              <a:rPr>
-                <a:latin typeface="Comic Sans MS" panose="030F0702030302020204" charset="0"/>
-                <a:cs typeface="Comic Sans MS" panose="030F0702030302020204" charset="0"/>
-                <a:sym typeface="+mn-ea"/>
-              </a:rPr>
-              <a:t>s1 = 'hello'</a:t>
-            </a:r>
-            <a:endParaRPr>
-              <a:latin typeface="Comic Sans MS" panose="030F0702030302020204" charset="0"/>
-              <a:cs typeface="Comic Sans MS" panose="030F0702030302020204" charset="0"/>
-              <a:sym typeface="+mn-ea"/>
-            </a:endParaRPr>
-          </a:p>
-          <a:p>
-            <a:pPr algn="l" fontAlgn="auto">
-              <a:lnSpc>
-                <a:spcPct val="150000"/>
-              </a:lnSpc>
-            </a:pPr>
-            <a:r>
-              <a:rPr>
-                <a:latin typeface="Comic Sans MS" panose="030F0702030302020204" charset="0"/>
-                <a:cs typeface="Comic Sans MS" panose="030F0702030302020204" charset="0"/>
-                <a:sym typeface="+mn-ea"/>
-              </a:rPr>
-              <a:t>s2 = "hello"</a:t>
-            </a:r>
-            <a:endParaRPr>
-              <a:latin typeface="Comic Sans MS" panose="030F0702030302020204" charset="0"/>
-              <a:cs typeface="Comic Sans MS" panose="030F0702030302020204" charset="0"/>
-              <a:sym typeface="+mn-ea"/>
-            </a:endParaRPr>
-          </a:p>
-          <a:p>
-            <a:pPr algn="l" fontAlgn="auto">
-              <a:lnSpc>
-                <a:spcPct val="150000"/>
-              </a:lnSpc>
-            </a:pPr>
-            <a:r>
-              <a:rPr>
-                <a:latin typeface="Comic Sans MS" panose="030F0702030302020204" charset="0"/>
-                <a:cs typeface="Comic Sans MS" panose="030F0702030302020204" charset="0"/>
-                <a:sym typeface="+mn-ea"/>
-              </a:rPr>
-              <a:t>s3 = """hello"""</a:t>
-            </a:r>
-            <a:endParaRPr>
-              <a:latin typeface="Comic Sans MS" panose="030F0702030302020204" charset="0"/>
-              <a:cs typeface="Comic Sans MS" panose="030F0702030302020204" charset="0"/>
-              <a:sym typeface="+mn-ea"/>
-            </a:endParaRPr>
-          </a:p>
-        </p:txBody>
-      </p:sp>
+        <p:style>
+          <a:lnRef idx="1">
+            <a:schemeClr val="accent1"/>
+          </a:lnRef>
+          <a:fillRef idx="0">
+            <a:schemeClr val="accent1"/>
+          </a:fillRef>
+          <a:effectRef idx="0">
+            <a:schemeClr val="accent1"/>
+          </a:effectRef>
+          <a:fontRef idx="minor">
+            <a:schemeClr val="tx1"/>
+          </a:fontRef>
+        </p:style>
+      </p:cxnSp>
+      <p:cxnSp>
+        <p:nvCxnSpPr>
+          <p:cNvPr id="3" name="直接连接符 2"/>
+          <p:cNvCxnSpPr/>
+          <p:nvPr/>
+        </p:nvCxnSpPr>
+        <p:spPr>
+          <a:xfrm>
+            <a:off x="4130040" y="4795520"/>
+            <a:ext cx="1052195" cy="10160"/>
+          </a:xfrm>
+          <a:prstGeom prst="line">
+            <a:avLst/>
+          </a:prstGeom>
+          <a:ln w="31750">
+            <a:solidFill>
+              <a:srgbClr val="FF0000"/>
+            </a:solidFill>
+          </a:ln>
+        </p:spPr>
+        <p:style>
+          <a:lnRef idx="1">
+            <a:schemeClr val="accent1"/>
+          </a:lnRef>
+          <a:fillRef idx="0">
+            <a:schemeClr val="accent1"/>
+          </a:fillRef>
+          <a:effectRef idx="0">
+            <a:schemeClr val="accent1"/>
+          </a:effectRef>
+          <a:fontRef idx="minor">
+            <a:schemeClr val="tx1"/>
+          </a:fontRef>
+        </p:style>
+      </p:cxnSp>
+    </p:spTree>
+  </p:cSld>
+  <p:clrMapOvr>
+    <a:masterClrMapping/>
+  </p:clrMapOvr>
+  <p:timing>
+    <p:tnLst>
+      <p:par>
+        <p:cTn id="1" dur="indefinite" restart="never" nodeType="tmRoot">
+          <p:childTnLst>
+            <p:seq concurrent="1" nextAc="seek">
+              <p:cTn id="2" dur="indefinite" nodeType="mainSeq">
+                <p:childTnLst>
+                  <p:par>
+                    <p:cTn id="3" fill="hold">
+                      <p:stCondLst>
+                        <p:cond delay="indefinite"/>
+                      </p:stCondLst>
+                      <p:childTnLst>
+                        <p:par>
+                          <p:cTn id="4" fill="hold">
+                            <p:stCondLst>
+                              <p:cond delay="0"/>
+                            </p:stCondLst>
+                            <p:childTnLst>
+                              <p:par>
+                                <p:cTn id="5" presetID="1" presetClass="entr" presetSubtype="0" fill="hold" grpId="0" nodeType="clickEffect">
+                                  <p:stCondLst>
+                                    <p:cond delay="0"/>
+                                  </p:stCondLst>
+                                  <p:childTnLst>
+                                    <p:set>
+                                      <p:cBhvr>
+                                        <p:cTn id="6" dur="1" fill="hold">
+                                          <p:stCondLst>
+                                            <p:cond delay="0"/>
+                                          </p:stCondLst>
+                                        </p:cTn>
+                                        <p:tgtEl>
+                                          <p:spTgt spid="4"/>
+                                        </p:tgtEl>
+                                        <p:attrNameLst>
+                                          <p:attrName>style.visibility</p:attrName>
+                                        </p:attrNameLst>
+                                      </p:cBhvr>
+                                      <p:to>
+                                        <p:strVal val="visible"/>
+                                      </p:to>
+                                    </p:set>
+                                  </p:childTnLst>
+                                </p:cTn>
+                              </p:par>
+                              <p:par>
+                                <p:cTn id="7" presetID="22" presetClass="entr" presetSubtype="8" fill="hold" nodeType="withEffect">
+                                  <p:stCondLst>
+                                    <p:cond delay="0"/>
+                                  </p:stCondLst>
+                                  <p:childTnLst>
+                                    <p:set>
+                                      <p:cBhvr>
+                                        <p:cTn id="8" dur="1" fill="hold">
+                                          <p:stCondLst>
+                                            <p:cond delay="0"/>
+                                          </p:stCondLst>
+                                        </p:cTn>
+                                        <p:tgtEl>
+                                          <p:spTgt spid="5"/>
+                                        </p:tgtEl>
+                                        <p:attrNameLst>
+                                          <p:attrName>style.visibility</p:attrName>
+                                        </p:attrNameLst>
+                                      </p:cBhvr>
+                                      <p:to>
+                                        <p:strVal val="visible"/>
+                                      </p:to>
+                                    </p:set>
+                                    <p:animEffect transition="in" filter="wipe(left)">
+                                      <p:cBhvr>
+                                        <p:cTn id="9" dur="500"/>
+                                        <p:tgtEl>
+                                          <p:spTgt spid="5"/>
+                                        </p:tgtEl>
+                                      </p:cBhvr>
+                                    </p:animEffect>
+                                  </p:childTnLst>
+                                </p:cTn>
+                              </p:par>
+                              <p:par>
+                                <p:cTn id="10" presetID="22" presetClass="entr" presetSubtype="8" fill="hold" nodeType="withEffect">
+                                  <p:stCondLst>
+                                    <p:cond delay="0"/>
+                                  </p:stCondLst>
+                                  <p:childTnLst>
+                                    <p:set>
+                                      <p:cBhvr>
+                                        <p:cTn id="11" dur="1" fill="hold">
+                                          <p:stCondLst>
+                                            <p:cond delay="0"/>
+                                          </p:stCondLst>
+                                        </p:cTn>
+                                        <p:tgtEl>
+                                          <p:spTgt spid="3"/>
+                                        </p:tgtEl>
+                                        <p:attrNameLst>
+                                          <p:attrName>style.visibility</p:attrName>
+                                        </p:attrNameLst>
+                                      </p:cBhvr>
+                                      <p:to>
+                                        <p:strVal val="visible"/>
+                                      </p:to>
+                                    </p:set>
+                                    <p:animEffect transition="in" filter="wipe(left)">
+                                      <p:cBhvr>
+                                        <p:cTn id="12" dur="500"/>
+                                        <p:tgtEl>
+                                          <p:spTgt spid="3"/>
+                                        </p:tgtEl>
+                                      </p:cBhvr>
+                                    </p:animEffect>
+                                  </p:childTnLst>
+                                </p:cTn>
+                              </p:par>
+                            </p:childTnLst>
+                          </p:cTn>
+                        </p:par>
+                      </p:childTnLst>
+                    </p:cTn>
+                  </p:par>
+                </p:childTnLst>
+              </p:cTn>
+              <p:prevCondLst>
+                <p:cond evt="onPrev" delay="0">
+                  <p:tgtEl>
+                    <p:sldTgt/>
+                  </p:tgtEl>
+                </p:cond>
+              </p:prevCondLst>
+              <p:nextCondLst>
+                <p:cond evt="onNext" delay="0">
+                  <p:tgtEl>
+                    <p:sldTgt/>
+                  </p:tgtEl>
+                </p:cond>
+              </p:nextCondLst>
+            </p:seq>
+          </p:childTnLst>
+        </p:cTn>
+      </p:par>
+    </p:tnLst>
+    <p:bldLst>
+      <p:bldP spid="4" grpId="0"/>
+      <p:bldP spid="4" grpId="1"/>
+    </p:bldLst>
+  </p:timing>
+</p:sld>
+</file>
+
+<file path=ppt/slides/slide19.xml><?xml version="1.0" encoding="utf-8"?>
+<p:sld xmlns:a="http://schemas.openxmlformats.org/drawingml/2006/main" xmlns:r="http://schemas.openxmlformats.org/officeDocument/2006/relationships" xmlns:p="http://schemas.openxmlformats.org/presentationml/2006/main">
+  <p:cSld>
+    <p:spTree>
+      <p:nvGrpSpPr>
+        <p:cNvPr id="1" name=""/>
+        <p:cNvGrpSpPr/>
+        <p:nvPr/>
+      </p:nvGrpSpPr>
+      <p:grpSpPr/>
       <p:sp>
         <p:nvSpPr>
           <p:cNvPr id="3" name="文本框 2"/>
@@ -12411,8 +11627,8 @@
         </p:nvSpPr>
         <p:spPr>
           <a:xfrm>
-            <a:off x="431800" y="4206875"/>
-            <a:ext cx="11281410" cy="1437640"/>
+            <a:off x="626110" y="2968625"/>
+            <a:ext cx="11281410" cy="1886585"/>
           </a:xfrm>
           <a:prstGeom prst="rect">
             <a:avLst/>
@@ -12434,12 +11650,57 @@
             </a:pPr>
             <a:r>
               <a:rPr lang="en-US" altLang="zh-CN" sz="2200">
+                <a:latin typeface="Aa小梨涡" panose="02010600010101010101" charset="-122"/>
+                <a:ea typeface="Aa小梨涡" panose="02010600010101010101" charset="-122"/>
+                <a:cs typeface="Aa小梨涡" panose="02010600010101010101" charset="-122"/>
+                <a:sym typeface="+mn-ea"/>
+              </a:rPr>
+              <a:t>4. bytes</a:t>
+            </a:r>
+            <a:r>
+              <a:rPr lang="zh-CN" altLang="en-US" sz="2200">
+                <a:latin typeface="Aa小梨涡" panose="02010600010101010101" charset="-122"/>
+                <a:ea typeface="Aa小梨涡" panose="02010600010101010101" charset="-122"/>
+                <a:cs typeface="Aa小梨涡" panose="02010600010101010101" charset="-122"/>
+                <a:sym typeface="+mn-ea"/>
+              </a:rPr>
+              <a:t>和</a:t>
+            </a:r>
+            <a:r>
+              <a:rPr lang="en-US" altLang="zh-CN" sz="2200">
+                <a:latin typeface="Aa小梨涡" panose="02010600010101010101" charset="-122"/>
+                <a:ea typeface="Aa小梨涡" panose="02010600010101010101" charset="-122"/>
+                <a:cs typeface="Aa小梨涡" panose="02010600010101010101" charset="-122"/>
+                <a:sym typeface="+mn-ea"/>
+              </a:rPr>
+              <a:t>str</a:t>
+            </a:r>
+            <a:r>
+              <a:rPr lang="zh-CN" altLang="en-US" sz="2200">
+                <a:latin typeface="Aa小梨涡" panose="02010600010101010101" charset="-122"/>
+                <a:ea typeface="Aa小梨涡" panose="02010600010101010101" charset="-122"/>
+                <a:cs typeface="Aa小梨涡" panose="02010600010101010101" charset="-122"/>
+                <a:sym typeface="+mn-ea"/>
+              </a:rPr>
+              <a:t>的区别</a:t>
+            </a:r>
+            <a:r>
+              <a:rPr lang="en-US" altLang="zh-CN" sz="2200">
+                <a:latin typeface="Aa小梨涡" panose="02010600010101010101" charset="-122"/>
+                <a:ea typeface="Aa小梨涡" panose="02010600010101010101" charset="-122"/>
+                <a:cs typeface="Aa小梨涡" panose="02010600010101010101" charset="-122"/>
+                <a:sym typeface="+mn-ea"/>
+              </a:rPr>
+              <a:t>  </a:t>
+            </a:r>
+            <a:r>
+              <a:rPr lang="en-US" altLang="zh-CN" sz="2200">
                 <a:latin typeface="Calibri" panose="020F0502020204030204" charset="0"/>
                 <a:ea typeface="Aa小梨涡" panose="02010600010101010101" charset="-122"/>
                 <a:cs typeface="Aa小梨涡" panose="02010600010101010101" charset="-122"/>
                 <a:sym typeface="+mn-ea"/>
               </a:rPr>
-              <a:t>2. 索引，切片和遍历</a:t>
+              <a:t>      </a:t>
             </a:r>
             <a:endParaRPr lang="en-US" altLang="zh-CN" sz="2200">
               <a:latin typeface="Calibri" panose="020F0502020204030204" charset="0"/>
@@ -12456,55 +11717,376 @@
             </a:pPr>
             <a:r>
               <a:rPr lang="en-US" altLang="zh-CN" sz="2200">
-                <a:latin typeface="Calibri" panose="020F0502020204030204" charset="0"/>
-                <a:ea typeface="Aa小梨涡" panose="02010600010101010101" charset="-122"/>
-                <a:cs typeface="Aa小梨涡" panose="02010600010101010101" charset="-122"/>
-                <a:sym typeface="+mn-ea"/>
-              </a:rPr>
-              <a:t>        可以把字符串想象成一个由单个字符组成的</a:t>
-            </a:r>
-            <a:r>
-              <a:rPr lang="zh-CN" altLang="en-US" sz="2200">
-                <a:latin typeface="Calibri" panose="020F0502020204030204" charset="0"/>
-                <a:ea typeface="Aa小梨涡" panose="02010600010101010101" charset="-122"/>
-                <a:cs typeface="Aa小梨涡" panose="02010600010101010101" charset="-122"/>
-                <a:sym typeface="+mn-ea"/>
-              </a:rPr>
-              <a:t>列表</a:t>
-            </a:r>
-            <a:r>
-              <a:rPr lang="en-US" altLang="zh-CN" sz="2200">
-                <a:latin typeface="Calibri" panose="020F0502020204030204" charset="0"/>
-                <a:ea typeface="Aa小梨涡" panose="02010600010101010101" charset="-122"/>
-                <a:cs typeface="Aa小梨涡" panose="02010600010101010101" charset="-122"/>
-                <a:sym typeface="+mn-ea"/>
-              </a:rPr>
-              <a:t>，</a:t>
-            </a:r>
-            <a:r>
-              <a:rPr lang="zh-CN" altLang="en-US" sz="2200">
-                <a:latin typeface="Calibri" panose="020F0502020204030204" charset="0"/>
-                <a:ea typeface="Aa小梨涡" panose="02010600010101010101" charset="-122"/>
-                <a:cs typeface="Aa小梨涡" panose="02010600010101010101" charset="-122"/>
-                <a:sym typeface="+mn-ea"/>
-              </a:rPr>
-              <a:t>所以，Python 的字符串同样支持索引，切片和遍历等等操作。</a:t>
-            </a:r>
-            <a:r>
-              <a:rPr lang="en-US" altLang="zh-CN" sz="2200">
-                <a:latin typeface="Calibri" panose="020F0502020204030204" charset="0"/>
-                <a:ea typeface="Aa小梨涡" panose="02010600010101010101" charset="-122"/>
-                <a:cs typeface="Aa小梨涡" panose="02010600010101010101" charset="-122"/>
-                <a:sym typeface="+mn-ea"/>
-              </a:rPr>
-              <a:t>              </a:t>
-            </a:r>
-            <a:endParaRPr lang="en-US" altLang="zh-CN" sz="2200">
-              <a:latin typeface="Calibri" panose="020F0502020204030204" charset="0"/>
+                <a:latin typeface="Aa小梨涡" panose="02010600010101010101" charset="-122"/>
+                <a:ea typeface="Aa小梨涡" panose="02010600010101010101" charset="-122"/>
+                <a:cs typeface="Aa小梨涡" panose="02010600010101010101" charset="-122"/>
+                <a:sym typeface="+mn-ea"/>
+              </a:rPr>
+              <a:t>        </a:t>
+            </a:r>
+            <a:r>
+              <a:rPr sz="2200">
+                <a:latin typeface="Aa小梨涡" panose="02010600010101010101" charset="-122"/>
+                <a:ea typeface="Aa小梨涡" panose="02010600010101010101" charset="-122"/>
+                <a:cs typeface="Aa小梨涡" panose="02010600010101010101" charset="-122"/>
+                <a:sym typeface="+mn-ea"/>
+              </a:rPr>
+              <a:t>str类型的实例采用unicode</a:t>
+            </a:r>
+            <a:r>
+              <a:rPr lang="zh-CN" sz="2200">
+                <a:latin typeface="Aa小梨涡" panose="02010600010101010101" charset="-122"/>
+                <a:ea typeface="Aa小梨涡" panose="02010600010101010101" charset="-122"/>
+                <a:cs typeface="Aa小梨涡" panose="02010600010101010101" charset="-122"/>
+                <a:sym typeface="+mn-ea"/>
+              </a:rPr>
+              <a:t>字符集</a:t>
+            </a:r>
+            <a:r>
+              <a:rPr sz="2200">
+                <a:latin typeface="Aa小梨涡" panose="02010600010101010101" charset="-122"/>
+                <a:ea typeface="Aa小梨涡" panose="02010600010101010101" charset="-122"/>
+                <a:cs typeface="Aa小梨涡" panose="02010600010101010101" charset="-122"/>
+                <a:sym typeface="+mn-ea"/>
+              </a:rPr>
+              <a:t>，除此之外，无论采用utf8或其他编码形式，甚至不编码的字符序列都是bytes类型的实例。</a:t>
+            </a:r>
+            <a:endParaRPr sz="2200">
+              <a:latin typeface="Aa小梨涡" panose="02010600010101010101" charset="-122"/>
               <a:ea typeface="Aa小梨涡" panose="02010600010101010101" charset="-122"/>
               <a:cs typeface="Aa小梨涡" panose="02010600010101010101" charset="-122"/>
               <a:sym typeface="+mn-ea"/>
             </a:endParaRPr>
+          </a:p>
+          <a:p>
+            <a:pPr fontAlgn="auto">
+              <a:lnSpc>
+                <a:spcPts val="3500"/>
+              </a:lnSpc>
+            </a:pPr>
+            <a:r>
+              <a:rPr sz="2200">
+                <a:latin typeface="Aa小梨涡" panose="02010600010101010101" charset="-122"/>
+                <a:ea typeface="Aa小梨涡" panose="02010600010101010101" charset="-122"/>
+                <a:cs typeface="Aa小梨涡" panose="02010600010101010101" charset="-122"/>
+                <a:sym typeface="+mn-ea"/>
+              </a:rPr>
+              <a:t>        bytes类型并不记录实例的编码格式，只是单纯把字符序列的一个字节作为处理单元。</a:t>
+            </a:r>
+            <a:endParaRPr lang="zh-CN" altLang="en-US" sz="2200">
+              <a:latin typeface="Aa小梨涡" panose="02010600010101010101" charset="-122"/>
+              <a:ea typeface="Aa小梨涡" panose="02010600010101010101" charset="-122"/>
+              <a:cs typeface="Aa小梨涡" panose="02010600010101010101" charset="-122"/>
+              <a:sym typeface="+mn-ea"/>
+            </a:endParaRPr>
+          </a:p>
+        </p:txBody>
+      </p:sp>
+      <p:sp>
+        <p:nvSpPr>
+          <p:cNvPr id="18" name="任意多边形 17"/>
+          <p:cNvSpPr/>
+          <p:nvPr/>
+        </p:nvSpPr>
+        <p:spPr>
+          <a:xfrm rot="600000">
+            <a:off x="5342086" y="122979"/>
+            <a:ext cx="1728000" cy="944245"/>
+          </a:xfrm>
+          <a:custGeom>
+            <a:avLst/>
+            <a:gdLst>
+              <a:gd name="connisteX0" fmla="*/ 257810 w 3935730"/>
+              <a:gd name="connsiteY0" fmla="*/ 429260 h 944880"/>
+              <a:gd name="connisteX1" fmla="*/ 3394710 w 3935730"/>
+              <a:gd name="connsiteY1" fmla="*/ 0 h 944880"/>
+              <a:gd name="connisteX2" fmla="*/ 26035 w 3935730"/>
+              <a:gd name="connsiteY2" fmla="*/ 541020 h 944880"/>
+              <a:gd name="connisteX3" fmla="*/ 3575050 w 3935730"/>
+              <a:gd name="connsiteY3" fmla="*/ 51435 h 944880"/>
+              <a:gd name="connisteX4" fmla="*/ 172085 w 3935730"/>
+              <a:gd name="connsiteY4" fmla="*/ 601345 h 944880"/>
+              <a:gd name="connisteX5" fmla="*/ 3652520 w 3935730"/>
+              <a:gd name="connsiteY5" fmla="*/ 128905 h 944880"/>
+              <a:gd name="connisteX6" fmla="*/ 51435 w 3935730"/>
+              <a:gd name="connsiteY6" fmla="*/ 678815 h 944880"/>
+              <a:gd name="connisteX7" fmla="*/ 3514725 w 3935730"/>
+              <a:gd name="connsiteY7" fmla="*/ 214630 h 944880"/>
+              <a:gd name="connisteX8" fmla="*/ 369570 w 3935730"/>
+              <a:gd name="connsiteY8" fmla="*/ 704215 h 944880"/>
+              <a:gd name="connisteX9" fmla="*/ 3695700 w 3935730"/>
+              <a:gd name="connsiteY9" fmla="*/ 274955 h 944880"/>
+              <a:gd name="connisteX10" fmla="*/ 180340 w 3935730"/>
+              <a:gd name="connsiteY10" fmla="*/ 833120 h 944880"/>
+              <a:gd name="connisteX11" fmla="*/ 3695700 w 3935730"/>
+              <a:gd name="connsiteY11" fmla="*/ 351790 h 944880"/>
+              <a:gd name="connisteX12" fmla="*/ 0 w 3935730"/>
+              <a:gd name="connsiteY12" fmla="*/ 944880 h 944880"/>
+              <a:gd name="connisteX13" fmla="*/ 3935730 w 3935730"/>
+              <a:gd name="connsiteY13" fmla="*/ 360680 h 944880"/>
+            </a:gdLst>
+            <a:ahLst/>
+            <a:cxnLst>
+              <a:cxn ang="0">
+                <a:pos x="connisteX0" y="connsiteY0"/>
+              </a:cxn>
+              <a:cxn ang="0">
+                <a:pos x="connisteX1" y="connsiteY1"/>
+              </a:cxn>
+              <a:cxn ang="0">
+                <a:pos x="connisteX2" y="connsiteY2"/>
+              </a:cxn>
+              <a:cxn ang="0">
+                <a:pos x="connisteX3" y="connsiteY3"/>
+              </a:cxn>
+              <a:cxn ang="0">
+                <a:pos x="connisteX4" y="connsiteY4"/>
+              </a:cxn>
+              <a:cxn ang="0">
+                <a:pos x="connisteX5" y="connsiteY5"/>
+              </a:cxn>
+              <a:cxn ang="0">
+                <a:pos x="connisteX6" y="connsiteY6"/>
+              </a:cxn>
+              <a:cxn ang="0">
+                <a:pos x="connisteX7" y="connsiteY7"/>
+              </a:cxn>
+              <a:cxn ang="0">
+                <a:pos x="connisteX8" y="connsiteY8"/>
+              </a:cxn>
+              <a:cxn ang="0">
+                <a:pos x="connisteX9" y="connsiteY9"/>
+              </a:cxn>
+              <a:cxn ang="0">
+                <a:pos x="connisteX10" y="connsiteY10"/>
+              </a:cxn>
+              <a:cxn ang="0">
+                <a:pos x="connisteX11" y="connsiteY11"/>
+              </a:cxn>
+              <a:cxn ang="0">
+                <a:pos x="connisteX12" y="connsiteY12"/>
+              </a:cxn>
+              <a:cxn ang="0">
+                <a:pos x="connisteX13" y="connsiteY13"/>
+              </a:cxn>
+            </a:cxnLst>
+            <a:rect l="l" t="t" r="r" b="b"/>
+            <a:pathLst>
+              <a:path w="3935730" h="944880">
+                <a:moveTo>
+                  <a:pt x="257810" y="429260"/>
+                </a:moveTo>
+                <a:lnTo>
+                  <a:pt x="3394710" y="0"/>
+                </a:lnTo>
+                <a:lnTo>
+                  <a:pt x="26035" y="541020"/>
+                </a:lnTo>
+                <a:lnTo>
+                  <a:pt x="3575050" y="51435"/>
+                </a:lnTo>
+                <a:lnTo>
+                  <a:pt x="172085" y="601345"/>
+                </a:lnTo>
+                <a:lnTo>
+                  <a:pt x="3652520" y="128905"/>
+                </a:lnTo>
+                <a:lnTo>
+                  <a:pt x="51435" y="678815"/>
+                </a:lnTo>
+                <a:lnTo>
+                  <a:pt x="3514725" y="214630"/>
+                </a:lnTo>
+                <a:lnTo>
+                  <a:pt x="369570" y="704215"/>
+                </a:lnTo>
+                <a:lnTo>
+                  <a:pt x="3695700" y="274955"/>
+                </a:lnTo>
+                <a:lnTo>
+                  <a:pt x="180340" y="833120"/>
+                </a:lnTo>
+                <a:lnTo>
+                  <a:pt x="3695700" y="351790"/>
+                </a:lnTo>
+                <a:lnTo>
+                  <a:pt x="0" y="944880"/>
+                </a:lnTo>
+                <a:lnTo>
+                  <a:pt x="3935730" y="360680"/>
+                </a:lnTo>
+              </a:path>
+            </a:pathLst>
+          </a:custGeom>
+          <a:noFill/>
+          <a:ln w="203200">
+            <a:solidFill>
+              <a:schemeClr val="accent4">
+                <a:lumMod val="40000"/>
+                <a:lumOff val="60000"/>
+              </a:schemeClr>
+            </a:solidFill>
+          </a:ln>
+          <a:effectLst>
+            <a:softEdge rad="63500"/>
+          </a:effectLst>
+        </p:spPr>
+        <p:style>
+          <a:lnRef idx="2">
+            <a:schemeClr val="accent1">
+              <a:shade val="50000"/>
+            </a:schemeClr>
+          </a:lnRef>
+          <a:fillRef idx="1">
+            <a:schemeClr val="accent1"/>
+          </a:fillRef>
+          <a:effectRef idx="0">
+            <a:schemeClr val="accent1"/>
+          </a:effectRef>
+          <a:fontRef idx="minor">
+            <a:schemeClr val="lt1"/>
+          </a:fontRef>
+        </p:style>
+        <p:txBody>
+          <a:bodyPr rtlCol="0" anchor="ctr"/>
+          <a:p>
+            <a:pPr algn="ctr"/>
+            <a:endParaRPr lang="zh-CN" altLang="en-US"/>
+          </a:p>
+        </p:txBody>
+      </p:sp>
+      <p:sp>
+        <p:nvSpPr>
+          <p:cNvPr id="2" name="标题 1"/>
+          <p:cNvSpPr>
+            <a:spLocks noGrp="1"/>
+          </p:cNvSpPr>
+          <p:nvPr>
+            <p:ph type="title"/>
+          </p:nvPr>
+        </p:nvSpPr>
+        <p:spPr>
+          <a:xfrm>
+            <a:off x="3837940" y="245745"/>
+            <a:ext cx="4079875" cy="817245"/>
+          </a:xfrm>
+        </p:spPr>
+        <p:txBody>
+          <a:bodyPr>
+            <a:normAutofit fontScale="90000"/>
+          </a:bodyPr>
+          <a:p>
+            <a:r>
+              <a:rPr lang="en-US" altLang="zh-CN">
+                <a:latin typeface="Aa小梨涡" panose="02010600010101010101" charset="-122"/>
+                <a:ea typeface="Aa小梨涡" panose="02010600010101010101" charset="-122"/>
+              </a:rPr>
+              <a:t>4.1 </a:t>
+            </a:r>
+            <a:r>
+              <a:rPr lang="zh-CN" altLang="en-US">
+                <a:latin typeface="Aa小梨涡" panose="02010600010101010101" charset="-122"/>
+                <a:ea typeface="Aa小梨涡" panose="02010600010101010101" charset="-122"/>
+              </a:rPr>
+              <a:t>字符序列基础</a:t>
+            </a:r>
+            <a:endParaRPr lang="zh-CN" altLang="en-US">
+              <a:latin typeface="Aa小梨涡" panose="02010600010101010101" charset="-122"/>
+              <a:ea typeface="Aa小梨涡" panose="02010600010101010101" charset="-122"/>
+            </a:endParaRPr>
+          </a:p>
+        </p:txBody>
+      </p:sp>
+      <p:sp>
+        <p:nvSpPr>
+          <p:cNvPr id="20" name="任意多边形 19"/>
+          <p:cNvSpPr/>
+          <p:nvPr/>
+        </p:nvSpPr>
+        <p:spPr>
+          <a:xfrm rot="10320000">
+            <a:off x="4344035" y="897890"/>
+            <a:ext cx="3456305" cy="76200"/>
+          </a:xfrm>
+          <a:custGeom>
+            <a:avLst/>
+            <a:gdLst>
+              <a:gd name="connisteX0" fmla="*/ 4685923 w 4685923"/>
+              <a:gd name="connsiteY0" fmla="*/ 9525 h 464575"/>
+              <a:gd name="connisteX1" fmla="*/ 548898 w 4685923"/>
+              <a:gd name="connsiteY1" fmla="*/ 238125 h 464575"/>
+              <a:gd name="connisteX2" fmla="*/ 672723 w 4685923"/>
+              <a:gd name="connsiteY2" fmla="*/ 456565 h 464575"/>
+              <a:gd name="connisteX3" fmla="*/ 4638298 w 4685923"/>
+              <a:gd name="connsiteY3" fmla="*/ 0 h 464575"/>
+            </a:gdLst>
+            <a:ahLst/>
+            <a:cxnLst>
+              <a:cxn ang="0">
+                <a:pos x="connisteX0" y="connsiteY0"/>
+              </a:cxn>
+              <a:cxn ang="0">
+                <a:pos x="connisteX1" y="connsiteY1"/>
+              </a:cxn>
+              <a:cxn ang="0">
+                <a:pos x="connisteX2" y="connsiteY2"/>
+              </a:cxn>
+              <a:cxn ang="0">
+                <a:pos x="connisteX3" y="connsiteY3"/>
+              </a:cxn>
+            </a:cxnLst>
+            <a:rect l="l" t="t" r="r" b="b"/>
+            <a:pathLst>
+              <a:path w="4685923" h="464576">
+                <a:moveTo>
+                  <a:pt x="4685923" y="9525"/>
+                </a:moveTo>
+                <a:cubicBezTo>
+                  <a:pt x="3855978" y="50800"/>
+                  <a:pt x="1351538" y="148590"/>
+                  <a:pt x="548898" y="238125"/>
+                </a:cubicBezTo>
+                <a:cubicBezTo>
+                  <a:pt x="-253742" y="327660"/>
+                  <a:pt x="-145157" y="504190"/>
+                  <a:pt x="672723" y="456565"/>
+                </a:cubicBezTo>
+                <a:cubicBezTo>
+                  <a:pt x="1490603" y="408940"/>
+                  <a:pt x="3847723" y="95885"/>
+                  <a:pt x="4638298" y="0"/>
+                </a:cubicBezTo>
+              </a:path>
+            </a:pathLst>
+          </a:custGeom>
+          <a:solidFill>
+            <a:schemeClr val="accent5"/>
+          </a:solidFill>
+          <a:ln>
+            <a:noFill/>
+          </a:ln>
+        </p:spPr>
+        <p:style>
+          <a:lnRef idx="2">
+            <a:schemeClr val="accent1">
+              <a:shade val="50000"/>
+            </a:schemeClr>
+          </a:lnRef>
+          <a:fillRef idx="1">
+            <a:schemeClr val="accent1"/>
+          </a:fillRef>
+          <a:effectRef idx="0">
+            <a:schemeClr val="accent1"/>
+          </a:effectRef>
+          <a:fontRef idx="minor">
+            <a:schemeClr val="lt1"/>
+          </a:fontRef>
+        </p:style>
+        <p:txBody>
+          <a:bodyPr rtlCol="0" anchor="ctr"/>
+          <a:p>
+            <a:pPr algn="ctr"/>
+            <a:endParaRPr lang="zh-CN" altLang="en-US"/>
           </a:p>
         </p:txBody>
       </p:sp>
@@ -12516,7 +12098,7 @@
         </p:nvSpPr>
         <p:spPr>
           <a:xfrm>
-            <a:off x="3642360" y="5176520"/>
+            <a:off x="11053445" y="4382770"/>
             <a:ext cx="1407160" cy="270510"/>
           </a:xfrm>
           <a:prstGeom prst="rect">
@@ -12537,7 +12119,7 @@
                 <a:latin typeface="Comic Sans MS" panose="030F0702030302020204" charset="0"/>
                 <a:cs typeface="Comic Sans MS" panose="030F0702030302020204" charset="0"/>
               </a:rPr>
-              <a:t>[4.2-1.py]</a:t>
+              <a:t>[4.1-1.py]</a:t>
             </a:r>
             <a:endParaRPr lang="en-US" altLang="zh-CN" baseline="30000">
               <a:solidFill>
@@ -12545,6 +12127,422 @@
               </a:solidFill>
               <a:latin typeface="Comic Sans MS" panose="030F0702030302020204" charset="0"/>
               <a:cs typeface="Comic Sans MS" panose="030F0702030302020204" charset="0"/>
+            </a:endParaRPr>
+          </a:p>
+        </p:txBody>
+      </p:sp>
+      <p:sp>
+        <p:nvSpPr>
+          <p:cNvPr id="4" name="文本框 3"/>
+          <p:cNvSpPr txBox="1"/>
+          <p:nvPr/>
+        </p:nvSpPr>
+        <p:spPr>
+          <a:xfrm>
+            <a:off x="626110" y="1062990"/>
+            <a:ext cx="11281410" cy="1886585"/>
+          </a:xfrm>
+          <a:prstGeom prst="rect">
+            <a:avLst/>
+          </a:prstGeom>
+          <a:noFill/>
+          <a:ln>
+            <a:noFill/>
+          </a:ln>
+        </p:spPr>
+        <p:txBody>
+          <a:bodyPr wrap="square" rtlCol="0">
+            <a:spAutoFit/>
+          </a:bodyPr>
+          <a:p>
+            <a:pPr fontAlgn="auto">
+              <a:lnSpc>
+                <a:spcPts val="3500"/>
+              </a:lnSpc>
+            </a:pPr>
+            <a:r>
+              <a:rPr lang="en-US" altLang="zh-CN" sz="2200">
+                <a:latin typeface="Aa小梨涡" panose="02010600010101010101" charset="-122"/>
+                <a:ea typeface="Aa小梨涡" panose="02010600010101010101" charset="-122"/>
+                <a:cs typeface="Aa小梨涡" panose="02010600010101010101" charset="-122"/>
+                <a:sym typeface="+mn-ea"/>
+              </a:rPr>
+              <a:t>3. </a:t>
+            </a:r>
+            <a:r>
+              <a:rPr lang="zh-CN" altLang="en-US" sz="2200">
+                <a:latin typeface="Aa小梨涡" panose="02010600010101010101" charset="-122"/>
+                <a:ea typeface="Aa小梨涡" panose="02010600010101010101" charset="-122"/>
+                <a:cs typeface="Aa小梨涡" panose="02010600010101010101" charset="-122"/>
+                <a:sym typeface="+mn-ea"/>
+              </a:rPr>
+              <a:t>类型</a:t>
+            </a:r>
+            <a:r>
+              <a:rPr lang="en-US" altLang="zh-CN" sz="2200">
+                <a:latin typeface="Aa小梨涡" panose="02010600010101010101" charset="-122"/>
+                <a:ea typeface="Aa小梨涡" panose="02010600010101010101" charset="-122"/>
+                <a:cs typeface="Aa小梨涡" panose="02010600010101010101" charset="-122"/>
+                <a:sym typeface="+mn-ea"/>
+              </a:rPr>
+              <a:t>  </a:t>
+            </a:r>
+            <a:r>
+              <a:rPr lang="en-US" altLang="zh-CN" sz="2200">
+                <a:latin typeface="Calibri" panose="020F0502020204030204" charset="0"/>
+                <a:ea typeface="Aa小梨涡" panose="02010600010101010101" charset="-122"/>
+                <a:cs typeface="Aa小梨涡" panose="02010600010101010101" charset="-122"/>
+                <a:sym typeface="+mn-ea"/>
+              </a:rPr>
+              <a:t>      </a:t>
+            </a:r>
+            <a:endParaRPr lang="en-US" altLang="zh-CN" sz="2200">
+              <a:latin typeface="Calibri" panose="020F0502020204030204" charset="0"/>
+              <a:ea typeface="Aa小梨涡" panose="02010600010101010101" charset="-122"/>
+              <a:cs typeface="Aa小梨涡" panose="02010600010101010101" charset="-122"/>
+              <a:sym typeface="+mn-ea"/>
+            </a:endParaRPr>
+          </a:p>
+          <a:p>
+            <a:pPr fontAlgn="auto">
+              <a:lnSpc>
+                <a:spcPts val="3500"/>
+              </a:lnSpc>
+            </a:pPr>
+            <a:r>
+              <a:rPr lang="en-US" altLang="zh-CN" sz="2200">
+                <a:latin typeface="Aa小梨涡" panose="02010600010101010101" charset="-122"/>
+                <a:ea typeface="Aa小梨涡" panose="02010600010101010101" charset="-122"/>
+                <a:cs typeface="Aa小梨涡" panose="02010600010101010101" charset="-122"/>
+                <a:sym typeface="+mn-ea"/>
+              </a:rPr>
+              <a:t>        Python3</a:t>
+            </a:r>
+            <a:r>
+              <a:rPr lang="zh-CN" altLang="en-US" sz="2200">
+                <a:latin typeface="Aa小梨涡" panose="02010600010101010101" charset="-122"/>
+                <a:ea typeface="Aa小梨涡" panose="02010600010101010101" charset="-122"/>
+                <a:cs typeface="Aa小梨涡" panose="02010600010101010101" charset="-122"/>
+                <a:sym typeface="+mn-ea"/>
+              </a:rPr>
+              <a:t>有两种表示字符序列的类型：</a:t>
+            </a:r>
+            <a:endParaRPr lang="zh-CN" altLang="en-US" sz="2200">
+              <a:latin typeface="Aa小梨涡" panose="02010600010101010101" charset="-122"/>
+              <a:ea typeface="Aa小梨涡" panose="02010600010101010101" charset="-122"/>
+              <a:cs typeface="Aa小梨涡" panose="02010600010101010101" charset="-122"/>
+              <a:sym typeface="+mn-ea"/>
+            </a:endParaRPr>
+          </a:p>
+          <a:p>
+            <a:pPr fontAlgn="auto">
+              <a:lnSpc>
+                <a:spcPts val="3500"/>
+              </a:lnSpc>
+            </a:pPr>
+            <a:r>
+              <a:rPr lang="zh-CN" altLang="en-US" sz="2200">
+                <a:latin typeface="Aa小梨涡" panose="02010600010101010101" charset="-122"/>
+                <a:ea typeface="Aa小梨涡" panose="02010600010101010101" charset="-122"/>
+                <a:cs typeface="Aa小梨涡" panose="02010600010101010101" charset="-122"/>
+                <a:sym typeface="+mn-ea"/>
+              </a:rPr>
+              <a:t>        </a:t>
+            </a:r>
+            <a:r>
+              <a:rPr lang="zh-CN" altLang="en-US" sz="2200">
+                <a:latin typeface="Calibri" panose="020F0502020204030204" charset="0"/>
+                <a:ea typeface="Aa小梨涡" panose="02010600010101010101" charset="-122"/>
+                <a:cs typeface="Aa小梨涡" panose="02010600010101010101" charset="-122"/>
+                <a:sym typeface="+mn-ea"/>
+              </a:rPr>
+              <a:t>① </a:t>
+            </a:r>
+            <a:r>
+              <a:rPr lang="en-US" altLang="zh-CN" sz="2200">
+                <a:latin typeface="Aa小梨涡" panose="02010600010101010101" charset="-122"/>
+                <a:ea typeface="Aa小梨涡" panose="02010600010101010101" charset="-122"/>
+                <a:cs typeface="Aa小梨涡" panose="02010600010101010101" charset="-122"/>
+                <a:sym typeface="+mn-ea"/>
+              </a:rPr>
+              <a:t>bytes</a:t>
+            </a:r>
+            <a:r>
+              <a:rPr lang="zh-CN" altLang="en-US" sz="2200">
+                <a:latin typeface="Aa小梨涡" panose="02010600010101010101" charset="-122"/>
+                <a:ea typeface="Aa小梨涡" panose="02010600010101010101" charset="-122"/>
+                <a:cs typeface="Aa小梨涡" panose="02010600010101010101" charset="-122"/>
+                <a:sym typeface="+mn-ea"/>
+              </a:rPr>
+              <a:t>，实例包含原始的</a:t>
+            </a:r>
+            <a:r>
+              <a:rPr lang="en-US" altLang="zh-CN" sz="2200">
+                <a:latin typeface="Aa小梨涡" panose="02010600010101010101" charset="-122"/>
+                <a:ea typeface="Aa小梨涡" panose="02010600010101010101" charset="-122"/>
+                <a:cs typeface="Aa小梨涡" panose="02010600010101010101" charset="-122"/>
+                <a:sym typeface="+mn-ea"/>
+              </a:rPr>
+              <a:t>8</a:t>
+            </a:r>
+            <a:r>
+              <a:rPr lang="zh-CN" altLang="en-US" sz="2200">
+                <a:latin typeface="Aa小梨涡" panose="02010600010101010101" charset="-122"/>
+                <a:ea typeface="Aa小梨涡" panose="02010600010101010101" charset="-122"/>
+                <a:cs typeface="Aa小梨涡" panose="02010600010101010101" charset="-122"/>
+                <a:sym typeface="+mn-ea"/>
+              </a:rPr>
+              <a:t>位值，即</a:t>
+            </a:r>
+            <a:r>
+              <a:rPr lang="en-US" altLang="zh-CN" sz="2200">
+                <a:latin typeface="Aa小梨涡" panose="02010600010101010101" charset="-122"/>
+                <a:ea typeface="Aa小梨涡" panose="02010600010101010101" charset="-122"/>
+                <a:cs typeface="Aa小梨涡" panose="02010600010101010101" charset="-122"/>
+                <a:sym typeface="+mn-ea"/>
+              </a:rPr>
+              <a:t>“</a:t>
+            </a:r>
+            <a:r>
+              <a:rPr lang="zh-CN" altLang="en-US" sz="2200">
+                <a:latin typeface="Aa小梨涡" panose="02010600010101010101" charset="-122"/>
+                <a:ea typeface="Aa小梨涡" panose="02010600010101010101" charset="-122"/>
+                <a:cs typeface="Aa小梨涡" panose="02010600010101010101" charset="-122"/>
+                <a:sym typeface="+mn-ea"/>
+              </a:rPr>
+              <a:t>字节</a:t>
+            </a:r>
+            <a:r>
+              <a:rPr lang="en-US" altLang="zh-CN" sz="2200">
+                <a:latin typeface="Aa小梨涡" panose="02010600010101010101" charset="-122"/>
+                <a:ea typeface="Aa小梨涡" panose="02010600010101010101" charset="-122"/>
+                <a:cs typeface="Aa小梨涡" panose="02010600010101010101" charset="-122"/>
+                <a:sym typeface="+mn-ea"/>
+              </a:rPr>
+              <a:t>”</a:t>
+            </a:r>
+            <a:r>
+              <a:rPr lang="zh-CN" altLang="en-US" sz="2200">
+                <a:latin typeface="Aa小梨涡" panose="02010600010101010101" charset="-122"/>
+                <a:ea typeface="Aa小梨涡" panose="02010600010101010101" charset="-122"/>
+                <a:cs typeface="Aa小梨涡" panose="02010600010101010101" charset="-122"/>
+                <a:sym typeface="+mn-ea"/>
+              </a:rPr>
+              <a:t>；</a:t>
+            </a:r>
+            <a:endParaRPr lang="en-US" altLang="zh-CN" sz="2200">
+              <a:latin typeface="Aa小梨涡" panose="02010600010101010101" charset="-122"/>
+              <a:ea typeface="Aa小梨涡" panose="02010600010101010101" charset="-122"/>
+              <a:cs typeface="Aa小梨涡" panose="02010600010101010101" charset="-122"/>
+              <a:sym typeface="+mn-ea"/>
+            </a:endParaRPr>
+          </a:p>
+          <a:p>
+            <a:pPr fontAlgn="auto">
+              <a:lnSpc>
+                <a:spcPts val="3500"/>
+              </a:lnSpc>
+            </a:pPr>
+            <a:r>
+              <a:rPr lang="en-US" altLang="zh-CN" sz="2200">
+                <a:latin typeface="Aa小梨涡" panose="02010600010101010101" charset="-122"/>
+                <a:ea typeface="Aa小梨涡" panose="02010600010101010101" charset="-122"/>
+                <a:cs typeface="Aa小梨涡" panose="02010600010101010101" charset="-122"/>
+                <a:sym typeface="+mn-ea"/>
+              </a:rPr>
+              <a:t>        </a:t>
+            </a:r>
+            <a:r>
+              <a:rPr lang="en-US" altLang="zh-CN" sz="2200">
+                <a:latin typeface="Calibri" panose="020F0502020204030204" charset="0"/>
+                <a:ea typeface="Aa小梨涡" panose="02010600010101010101" charset="-122"/>
+                <a:cs typeface="Aa小梨涡" panose="02010600010101010101" charset="-122"/>
+                <a:sym typeface="+mn-ea"/>
+              </a:rPr>
+              <a:t>② </a:t>
+            </a:r>
+            <a:r>
+              <a:rPr lang="en-US" altLang="zh-CN" sz="2200">
+                <a:latin typeface="Aa小梨涡" panose="02010600010101010101" charset="-122"/>
+                <a:ea typeface="Aa小梨涡" panose="02010600010101010101" charset="-122"/>
+                <a:cs typeface="Aa小梨涡" panose="02010600010101010101" charset="-122"/>
+                <a:sym typeface="+mn-ea"/>
+              </a:rPr>
+              <a:t>str</a:t>
+            </a:r>
+            <a:r>
+              <a:rPr lang="zh-CN" altLang="en-US" sz="2200">
+                <a:latin typeface="Aa小梨涡" panose="02010600010101010101" charset="-122"/>
+                <a:ea typeface="Aa小梨涡" panose="02010600010101010101" charset="-122"/>
+                <a:cs typeface="Aa小梨涡" panose="02010600010101010101" charset="-122"/>
+                <a:sym typeface="+mn-ea"/>
+              </a:rPr>
+              <a:t>，</a:t>
+            </a:r>
+            <a:r>
+              <a:rPr lang="en-US" altLang="zh-CN" sz="2200">
+                <a:latin typeface="Aa小梨涡" panose="02010600010101010101" charset="-122"/>
+                <a:ea typeface="Aa小梨涡" panose="02010600010101010101" charset="-122"/>
+                <a:cs typeface="Aa小梨涡" panose="02010600010101010101" charset="-122"/>
+                <a:sym typeface="+mn-ea"/>
+              </a:rPr>
+              <a:t>“</a:t>
+            </a:r>
+            <a:r>
+              <a:rPr lang="zh-CN" altLang="en-US" sz="2200">
+                <a:latin typeface="Aa小梨涡" panose="02010600010101010101" charset="-122"/>
+                <a:ea typeface="Aa小梨涡" panose="02010600010101010101" charset="-122"/>
+                <a:cs typeface="Aa小梨涡" panose="02010600010101010101" charset="-122"/>
+                <a:sym typeface="+mn-ea"/>
+              </a:rPr>
+              <a:t>字符串</a:t>
+            </a:r>
+            <a:r>
+              <a:rPr lang="en-US" altLang="zh-CN" sz="2200">
+                <a:latin typeface="Aa小梨涡" panose="02010600010101010101" charset="-122"/>
+                <a:ea typeface="Aa小梨涡" panose="02010600010101010101" charset="-122"/>
+                <a:cs typeface="Aa小梨涡" panose="02010600010101010101" charset="-122"/>
+                <a:sym typeface="+mn-ea"/>
+              </a:rPr>
+              <a:t>”</a:t>
+            </a:r>
+            <a:r>
+              <a:rPr lang="zh-CN" altLang="en-US" sz="2200">
+                <a:latin typeface="Aa小梨涡" panose="02010600010101010101" charset="-122"/>
+                <a:ea typeface="Aa小梨涡" panose="02010600010101010101" charset="-122"/>
+                <a:cs typeface="Aa小梨涡" panose="02010600010101010101" charset="-122"/>
+                <a:sym typeface="+mn-ea"/>
+              </a:rPr>
+              <a:t>，</a:t>
+            </a:r>
+            <a:r>
+              <a:rPr lang="zh-CN" altLang="en-US" sz="2200">
+                <a:latin typeface="Aa小梨涡" panose="02010600010101010101" charset="-122"/>
+                <a:ea typeface="Aa小梨涡" panose="02010600010101010101" charset="-122"/>
+                <a:cs typeface="Aa小梨涡" panose="02010600010101010101" charset="-122"/>
+                <a:sym typeface="+mn-ea"/>
+              </a:rPr>
+              <a:t>实例包含</a:t>
+            </a:r>
+            <a:r>
+              <a:rPr lang="en-US" altLang="zh-CN" sz="2200">
+                <a:latin typeface="Aa小梨涡" panose="02010600010101010101" charset="-122"/>
+                <a:ea typeface="Aa小梨涡" panose="02010600010101010101" charset="-122"/>
+                <a:cs typeface="Aa小梨涡" panose="02010600010101010101" charset="-122"/>
+                <a:sym typeface="+mn-ea"/>
+              </a:rPr>
+              <a:t>Unicode</a:t>
+            </a:r>
+            <a:r>
+              <a:rPr lang="zh-CN" altLang="en-US" sz="2200">
+                <a:latin typeface="Aa小梨涡" panose="02010600010101010101" charset="-122"/>
+                <a:ea typeface="Aa小梨涡" panose="02010600010101010101" charset="-122"/>
+                <a:cs typeface="Aa小梨涡" panose="02010600010101010101" charset="-122"/>
+                <a:sym typeface="+mn-ea"/>
+              </a:rPr>
+              <a:t>字符。</a:t>
+            </a:r>
+            <a:endParaRPr lang="zh-CN" altLang="en-US" sz="2200">
+              <a:latin typeface="Aa小梨涡" panose="02010600010101010101" charset="-122"/>
+              <a:ea typeface="Aa小梨涡" panose="02010600010101010101" charset="-122"/>
+              <a:cs typeface="Aa小梨涡" panose="02010600010101010101" charset="-122"/>
+              <a:sym typeface="+mn-ea"/>
+            </a:endParaRPr>
+          </a:p>
+        </p:txBody>
+      </p:sp>
+      <p:sp>
+        <p:nvSpPr>
+          <p:cNvPr id="6" name="文本框 5"/>
+          <p:cNvSpPr txBox="1"/>
+          <p:nvPr/>
+        </p:nvSpPr>
+        <p:spPr>
+          <a:xfrm>
+            <a:off x="626110" y="4890770"/>
+            <a:ext cx="11281410" cy="988695"/>
+          </a:xfrm>
+          <a:prstGeom prst="rect">
+            <a:avLst/>
+          </a:prstGeom>
+          <a:noFill/>
+          <a:ln>
+            <a:noFill/>
+          </a:ln>
+        </p:spPr>
+        <p:txBody>
+          <a:bodyPr wrap="square" rtlCol="0">
+            <a:spAutoFit/>
+          </a:bodyPr>
+          <a:p>
+            <a:pPr fontAlgn="auto">
+              <a:lnSpc>
+                <a:spcPts val="3500"/>
+              </a:lnSpc>
+            </a:pPr>
+            <a:r>
+              <a:rPr lang="en-US" altLang="zh-CN" sz="2200">
+                <a:latin typeface="Aa小梨涡" panose="02010600010101010101" charset="-122"/>
+                <a:ea typeface="Aa小梨涡" panose="02010600010101010101" charset="-122"/>
+                <a:cs typeface="Aa小梨涡" panose="02010600010101010101" charset="-122"/>
+                <a:sym typeface="+mn-ea"/>
+              </a:rPr>
+              <a:t>5. </a:t>
+            </a:r>
+            <a:r>
+              <a:rPr lang="zh-CN" altLang="en-US" sz="2200">
+                <a:latin typeface="Aa小梨涡" panose="02010600010101010101" charset="-122"/>
+                <a:ea typeface="Aa小梨涡" panose="02010600010101010101" charset="-122"/>
+                <a:cs typeface="Aa小梨涡" panose="02010600010101010101" charset="-122"/>
+                <a:sym typeface="+mn-ea"/>
+              </a:rPr>
+              <a:t>编码检测</a:t>
+            </a:r>
+            <a:endParaRPr lang="zh-CN" altLang="en-US" sz="2200">
+              <a:latin typeface="Aa小梨涡" panose="02010600010101010101" charset="-122"/>
+              <a:ea typeface="Aa小梨涡" panose="02010600010101010101" charset="-122"/>
+              <a:cs typeface="Aa小梨涡" panose="02010600010101010101" charset="-122"/>
+              <a:sym typeface="+mn-ea"/>
+            </a:endParaRPr>
+          </a:p>
+          <a:p>
+            <a:pPr fontAlgn="auto">
+              <a:lnSpc>
+                <a:spcPts val="3500"/>
+              </a:lnSpc>
+            </a:pPr>
+            <a:r>
+              <a:rPr lang="zh-CN" altLang="en-US" sz="2200">
+                <a:latin typeface="Aa小梨涡" panose="02010600010101010101" charset="-122"/>
+                <a:ea typeface="Aa小梨涡" panose="02010600010101010101" charset="-122"/>
+                <a:cs typeface="Aa小梨涡" panose="02010600010101010101" charset="-122"/>
+                <a:sym typeface="+mn-ea"/>
+              </a:rPr>
+              <a:t>        使用第三方库chardet，chardet.detect</a:t>
+            </a:r>
+            <a:r>
+              <a:rPr lang="en-US" altLang="zh-CN" sz="2200">
+                <a:latin typeface="Aa小梨涡" panose="02010600010101010101" charset="-122"/>
+                <a:ea typeface="Aa小梨涡" panose="02010600010101010101" charset="-122"/>
+                <a:cs typeface="Aa小梨涡" panose="02010600010101010101" charset="-122"/>
+                <a:sym typeface="+mn-ea"/>
+              </a:rPr>
+              <a:t>(bytes)</a:t>
+            </a:r>
+            <a:r>
+              <a:rPr lang="zh-CN" altLang="en-US" sz="2200">
+                <a:latin typeface="Aa小梨涡" panose="02010600010101010101" charset="-122"/>
+                <a:ea typeface="Aa小梨涡" panose="02010600010101010101" charset="-122"/>
+                <a:cs typeface="Aa小梨涡" panose="02010600010101010101" charset="-122"/>
+                <a:sym typeface="+mn-ea"/>
+              </a:rPr>
+              <a:t>。</a:t>
+            </a:r>
+            <a:endParaRPr lang="zh-CN" altLang="en-US" sz="2200">
+              <a:latin typeface="Aa小梨涡" panose="02010600010101010101" charset="-122"/>
+              <a:ea typeface="Aa小梨涡" panose="02010600010101010101" charset="-122"/>
+              <a:cs typeface="Aa小梨涡" panose="02010600010101010101" charset="-122"/>
+              <a:sym typeface="+mn-ea"/>
             </a:endParaRPr>
           </a:p>
         </p:txBody>
@@ -12588,34 +12586,7 @@
                                           </p:stCondLst>
                                         </p:cTn>
                                         <p:tgtEl>
-                                          <p:spTgt spid="8"/>
-                                        </p:tgtEl>
-                                        <p:attrNameLst>
-                                          <p:attrName>style.visibility</p:attrName>
-                                        </p:attrNameLst>
-                                      </p:cBhvr>
-                                      <p:to>
-                                        <p:strVal val="visible"/>
-                                      </p:to>
-                                    </p:set>
-                                  </p:childTnLst>
-                                </p:cTn>
-                              </p:par>
-                              <p:par>
-                                <p:cTn id="7" presetID="1" presetClass="entr" presetSubtype="0" fill="hold" grpId="0" nodeType="withEffect">
-                                  <p:stCondLst>
-                                    <p:cond delay="0"/>
-                                  </p:stCondLst>
-                                  <p:childTnLst>
-                                    <p:set>
-                                      <p:cBhvr>
-                                        <p:cTn id="8" dur="1" fill="hold">
-                                          <p:stCondLst>
-                                            <p:cond delay="0"/>
-                                          </p:stCondLst>
-                                        </p:cTn>
-                                        <p:tgtEl>
-                                          <p:spTgt spid="9"/>
+                                          <p:spTgt spid="4"/>
                                         </p:tgtEl>
                                         <p:attrNameLst>
                                           <p:attrName>style.visibility</p:attrName>
@@ -12635,26 +12606,26 @@
                     </p:cTn>
                   </p:par>
                   <p:par>
-                    <p:cTn id="9" fill="hold">
+                    <p:cTn id="7" fill="hold">
                       <p:stCondLst>
                         <p:cond delay="indefinite"/>
                       </p:stCondLst>
                       <p:childTnLst>
                         <p:par>
-                          <p:cTn id="10" fill="hold">
+                          <p:cTn id="8" fill="hold">
                             <p:stCondLst>
                               <p:cond delay="0"/>
                             </p:stCondLst>
                             <p:childTnLst>
                               <p:par>
-                                <p:cTn id="11" presetID="1" presetClass="entr" presetSubtype="0" fill="hold" grpId="0" nodeType="clickEffect">
+                                <p:cTn id="9" presetID="1" presetClass="entr" presetSubtype="0" fill="hold" grpId="0" nodeType="clickEffect">
                                   <p:stCondLst>
                                     <p:cond delay="0"/>
                                   </p:stCondLst>
                                   <p:childTnLst>
                                     <p:set>
                                       <p:cBhvr>
-                                        <p:cTn id="12" dur="1" fill="hold">
+                                        <p:cTn id="10" dur="1" fill="hold">
                                           <p:stCondLst>
                                             <p:cond delay="0"/>
                                           </p:stCondLst>
@@ -12674,20 +12645,65 @@
                                 </p:cTn>
                               </p:par>
                               <p:par>
-                                <p:cTn id="13" presetID="1" presetClass="entr" presetSubtype="0" fill="hold" grpId="0" nodeType="withEffect">
+                                <p:cTn id="11" presetID="1" presetClass="entr" presetSubtype="0" fill="hold" grpId="0" nodeType="withEffect">
                                   <p:stCondLst>
                                     <p:cond delay="0"/>
                                   </p:stCondLst>
                                   <p:childTnLst>
                                     <p:set>
                                       <p:cBhvr>
-                                        <p:cTn id="14" dur="1" fill="hold">
+                                        <p:cTn id="12" dur="1" fill="hold">
                                           <p:stCondLst>
                                             <p:cond delay="0"/>
                                           </p:stCondLst>
                                         </p:cTn>
                                         <p:tgtEl>
                                           <p:spTgt spid="11"/>
+                                        </p:tgtEl>
+                                        <p:attrNameLst>
+                                          <p:attrName>style.visibility</p:attrName>
+                                        </p:attrNameLst>
+                                      </p:cBhvr>
+                                      <p:to>
+                                        <p:strVal val="visible"/>
+                                      </p:to>
+                                    </p:set>
+                                  </p:childTnLst>
+                                </p:cTn>
+                              </p:par>
+                            </p:childTnLst>
+                          </p:cTn>
+                        </p:par>
+                      </p:childTnLst>
+                    </p:cTn>
+                  </p:par>
+                  <p:par>
+                    <p:cTn id="13" fill="hold">
+                      <p:stCondLst>
+                        <p:cond delay="indefinite"/>
+                      </p:stCondLst>
+                      <p:childTnLst>
+                        <p:par>
+                          <p:cTn id="14" fill="hold">
+                            <p:stCondLst>
+                              <p:cond delay="0"/>
+                            </p:stCondLst>
+                            <p:childTnLst>
+                              <p:par>
+                                <p:cTn id="15" presetID="1" presetClass="entr" presetSubtype="0" fill="hold" grpId="0" nodeType="clickEffect">
+                                  <p:stCondLst>
+                                    <p:cond delay="0"/>
+                                  </p:stCondLst>
+                                  <p:childTnLst>
+                                    <p:set>
+                                      <p:cBhvr>
+                                        <p:cTn id="16" dur="1" fill="hold">
+                                          <p:stCondLst>
+                                            <p:cond delay="0"/>
+                                          </p:stCondLst>
+                                        </p:cTn>
+                                        <p:tgtEl>
+                                          <p:spTgt spid="6"/>
                                         </p:tgtEl>
                                         <p:attrNameLst>
                                           <p:attrName>style.visibility</p:attrName>
@@ -12728,14 +12744,14 @@
       </p:par>
     </p:tnLst>
     <p:bldLst>
-      <p:bldP spid="8" grpId="0"/>
-      <p:bldP spid="8" grpId="1"/>
-      <p:bldP spid="9" grpId="0" bldLvl="0" animBg="1"/>
-      <p:bldP spid="9" grpId="1" animBg="1"/>
+      <p:bldP spid="11" grpId="0"/>
+      <p:bldP spid="11" grpId="1"/>
       <p:bldP spid="3" grpId="0"/>
       <p:bldP spid="3" grpId="1"/>
-      <p:bldP spid="11" grpId="0"/>
-      <p:bldP spid="11" grpId="1"/>
+      <p:bldP spid="4" grpId="0"/>
+      <p:bldP spid="4" grpId="1"/>
+      <p:bldP spid="6" grpId="0"/>
+      <p:bldP spid="6" grpId="1"/>
     </p:bldLst>
   </p:timing>
 </p:sld>
@@ -17711,8 +17727,8 @@
         </p:nvSpPr>
         <p:spPr>
           <a:xfrm>
-            <a:off x="4434205" y="245745"/>
-            <a:ext cx="3585210" cy="817245"/>
+            <a:off x="3696335" y="186690"/>
+            <a:ext cx="4749800" cy="817245"/>
           </a:xfrm>
         </p:spPr>
         <p:txBody>
@@ -17724,7 +17740,6 @@
               <a:rPr lang="en-US" altLang="zh-CN">
                 <a:latin typeface="Aa小梨涡" panose="02010600010101010101" charset="-122"/>
                 <a:ea typeface="Aa小梨涡" panose="02010600010101010101" charset="-122"/>
-                <a:sym typeface="+mn-ea"/>
               </a:rPr>
               <a:t>4.2 </a:t>
             </a:r>
@@ -17732,9 +17747,857 @@
               <a:rPr lang="zh-CN" altLang="en-US">
                 <a:latin typeface="Aa小梨涡" panose="02010600010101010101" charset="-122"/>
                 <a:ea typeface="Aa小梨涡" panose="02010600010101010101" charset="-122"/>
-                <a:sym typeface="+mn-ea"/>
-              </a:rPr>
-              <a:t>字符串基础</a:t>
+              </a:rPr>
+              <a:t>字符串常用操作</a:t>
+            </a:r>
+            <a:endParaRPr lang="zh-CN" altLang="en-US">
+              <a:latin typeface="Aa小梨涡" panose="02010600010101010101" charset="-122"/>
+              <a:ea typeface="Aa小梨涡" panose="02010600010101010101" charset="-122"/>
+            </a:endParaRPr>
+          </a:p>
+        </p:txBody>
+      </p:sp>
+      <p:sp>
+        <p:nvSpPr>
+          <p:cNvPr id="20" name="任意多边形 19"/>
+          <p:cNvSpPr/>
+          <p:nvPr/>
+        </p:nvSpPr>
+        <p:spPr>
+          <a:xfrm rot="10320000">
+            <a:off x="4344035" y="897890"/>
+            <a:ext cx="3456305" cy="76200"/>
+          </a:xfrm>
+          <a:custGeom>
+            <a:avLst/>
+            <a:gdLst>
+              <a:gd name="connisteX0" fmla="*/ 4685923 w 4685923"/>
+              <a:gd name="connsiteY0" fmla="*/ 9525 h 464575"/>
+              <a:gd name="connisteX1" fmla="*/ 548898 w 4685923"/>
+              <a:gd name="connsiteY1" fmla="*/ 238125 h 464575"/>
+              <a:gd name="connisteX2" fmla="*/ 672723 w 4685923"/>
+              <a:gd name="connsiteY2" fmla="*/ 456565 h 464575"/>
+              <a:gd name="connisteX3" fmla="*/ 4638298 w 4685923"/>
+              <a:gd name="connsiteY3" fmla="*/ 0 h 464575"/>
+            </a:gdLst>
+            <a:ahLst/>
+            <a:cxnLst>
+              <a:cxn ang="0">
+                <a:pos x="connisteX0" y="connsiteY0"/>
+              </a:cxn>
+              <a:cxn ang="0">
+                <a:pos x="connisteX1" y="connsiteY1"/>
+              </a:cxn>
+              <a:cxn ang="0">
+                <a:pos x="connisteX2" y="connsiteY2"/>
+              </a:cxn>
+              <a:cxn ang="0">
+                <a:pos x="connisteX3" y="connsiteY3"/>
+              </a:cxn>
+            </a:cxnLst>
+            <a:rect l="l" t="t" r="r" b="b"/>
+            <a:pathLst>
+              <a:path w="4685923" h="464576">
+                <a:moveTo>
+                  <a:pt x="4685923" y="9525"/>
+                </a:moveTo>
+                <a:cubicBezTo>
+                  <a:pt x="3855978" y="50800"/>
+                  <a:pt x="1351538" y="148590"/>
+                  <a:pt x="548898" y="238125"/>
+                </a:cubicBezTo>
+                <a:cubicBezTo>
+                  <a:pt x="-253742" y="327660"/>
+                  <a:pt x="-145157" y="504190"/>
+                  <a:pt x="672723" y="456565"/>
+                </a:cubicBezTo>
+                <a:cubicBezTo>
+                  <a:pt x="1490603" y="408940"/>
+                  <a:pt x="3847723" y="95885"/>
+                  <a:pt x="4638298" y="0"/>
+                </a:cubicBezTo>
+              </a:path>
+            </a:pathLst>
+          </a:custGeom>
+          <a:solidFill>
+            <a:schemeClr val="accent5"/>
+          </a:solidFill>
+          <a:ln>
+            <a:noFill/>
+          </a:ln>
+        </p:spPr>
+        <p:style>
+          <a:lnRef idx="2">
+            <a:schemeClr val="accent1">
+              <a:shade val="50000"/>
+            </a:schemeClr>
+          </a:lnRef>
+          <a:fillRef idx="1">
+            <a:schemeClr val="accent1"/>
+          </a:fillRef>
+          <a:effectRef idx="0">
+            <a:schemeClr val="accent1"/>
+          </a:effectRef>
+          <a:fontRef idx="minor">
+            <a:schemeClr val="lt1"/>
+          </a:fontRef>
+        </p:style>
+        <p:txBody>
+          <a:bodyPr rtlCol="0" anchor="ctr"/>
+          <a:p>
+            <a:pPr algn="ctr"/>
+            <a:endParaRPr lang="zh-CN" altLang="en-US"/>
+          </a:p>
+        </p:txBody>
+      </p:sp>
+      <p:sp>
+        <p:nvSpPr>
+          <p:cNvPr id="8" name="文本框 7"/>
+          <p:cNvSpPr txBox="1"/>
+          <p:nvPr/>
+        </p:nvSpPr>
+        <p:spPr>
+          <a:xfrm>
+            <a:off x="431165" y="1214120"/>
+            <a:ext cx="11281410" cy="1437640"/>
+          </a:xfrm>
+          <a:prstGeom prst="rect">
+            <a:avLst/>
+          </a:prstGeom>
+          <a:noFill/>
+          <a:ln>
+            <a:noFill/>
+          </a:ln>
+        </p:spPr>
+        <p:txBody>
+          <a:bodyPr wrap="square" rtlCol="0">
+            <a:spAutoFit/>
+          </a:bodyPr>
+          <a:p>
+            <a:pPr fontAlgn="auto">
+              <a:lnSpc>
+                <a:spcPts val="3500"/>
+              </a:lnSpc>
+            </a:pPr>
+            <a:r>
+              <a:rPr lang="en-US" altLang="zh-CN" sz="2200">
+                <a:latin typeface="Calibri" panose="020F0502020204030204" charset="0"/>
+                <a:ea typeface="Aa小梨涡" panose="02010600010101010101" charset="-122"/>
+                <a:cs typeface="Aa小梨涡" panose="02010600010101010101" charset="-122"/>
+                <a:sym typeface="+mn-ea"/>
+              </a:rPr>
+              <a:t>1. </a:t>
+            </a:r>
+            <a:r>
+              <a:rPr lang="zh-CN" altLang="en-US" sz="2200">
+                <a:latin typeface="Calibri" panose="020F0502020204030204" charset="0"/>
+                <a:ea typeface="Aa小梨涡" panose="02010600010101010101" charset="-122"/>
+                <a:cs typeface="Aa小梨涡" panose="02010600010101010101" charset="-122"/>
+                <a:sym typeface="+mn-ea"/>
+              </a:rPr>
+              <a:t>定义</a:t>
+            </a:r>
+            <a:endParaRPr lang="zh-CN" altLang="en-US" sz="2200">
+              <a:latin typeface="Calibri" panose="020F0502020204030204" charset="0"/>
+              <a:ea typeface="Aa小梨涡" panose="02010600010101010101" charset="-122"/>
+              <a:cs typeface="Aa小梨涡" panose="02010600010101010101" charset="-122"/>
+              <a:sym typeface="+mn-ea"/>
+            </a:endParaRPr>
+          </a:p>
+          <a:p>
+            <a:pPr fontAlgn="auto">
+              <a:lnSpc>
+                <a:spcPts val="3500"/>
+              </a:lnSpc>
+            </a:pPr>
+            <a:r>
+              <a:rPr lang="en-US" altLang="zh-CN" sz="2200">
+                <a:latin typeface="Calibri" panose="020F0502020204030204" charset="0"/>
+                <a:ea typeface="Aa小梨涡" panose="02010600010101010101" charset="-122"/>
+                <a:cs typeface="Aa小梨涡" panose="02010600010101010101" charset="-122"/>
+                <a:sym typeface="+mn-ea"/>
+              </a:rPr>
+              <a:t>        字符串是由独立字符组成的一个序列，通常包含在单引号（''）双引号（""）或者三引号之中（''' '''或""" """，两者一样），比如下面几种写法完全一样</a:t>
+            </a:r>
+            <a:r>
+              <a:rPr lang="zh-CN" altLang="en-US" sz="2200">
+                <a:latin typeface="Calibri" panose="020F0502020204030204" charset="0"/>
+                <a:ea typeface="Aa小梨涡" panose="02010600010101010101" charset="-122"/>
+                <a:cs typeface="Aa小梨涡" panose="02010600010101010101" charset="-122"/>
+                <a:sym typeface="+mn-ea"/>
+              </a:rPr>
+              <a:t>。</a:t>
+            </a:r>
+            <a:r>
+              <a:rPr lang="en-US" altLang="zh-CN" sz="2200">
+                <a:latin typeface="Calibri" panose="020F0502020204030204" charset="0"/>
+                <a:ea typeface="Aa小梨涡" panose="02010600010101010101" charset="-122"/>
+                <a:cs typeface="Aa小梨涡" panose="02010600010101010101" charset="-122"/>
+                <a:sym typeface="+mn-ea"/>
+              </a:rPr>
+              <a:t>      </a:t>
+            </a:r>
+            <a:endParaRPr lang="en-US" altLang="zh-CN" sz="2200">
+              <a:latin typeface="Calibri" panose="020F0502020204030204" charset="0"/>
+              <a:ea typeface="Aa小梨涡" panose="02010600010101010101" charset="-122"/>
+              <a:cs typeface="Aa小梨涡" panose="02010600010101010101" charset="-122"/>
+              <a:sym typeface="+mn-ea"/>
+            </a:endParaRPr>
+          </a:p>
+        </p:txBody>
+      </p:sp>
+      <p:sp>
+        <p:nvSpPr>
+          <p:cNvPr id="9" name="文本框 8"/>
+          <p:cNvSpPr txBox="1"/>
+          <p:nvPr/>
+        </p:nvSpPr>
+        <p:spPr>
+          <a:xfrm>
+            <a:off x="430530" y="2651760"/>
+            <a:ext cx="11282045" cy="1337945"/>
+          </a:xfrm>
+          <a:prstGeom prst="rect">
+            <a:avLst/>
+          </a:prstGeom>
+          <a:noFill/>
+          <a:ln>
+            <a:solidFill>
+              <a:schemeClr val="accent1"/>
+            </a:solidFill>
+          </a:ln>
+        </p:spPr>
+        <p:txBody>
+          <a:bodyPr wrap="square" rtlCol="0">
+            <a:spAutoFit/>
+          </a:bodyPr>
+          <a:p>
+            <a:pPr algn="l" fontAlgn="auto">
+              <a:lnSpc>
+                <a:spcPct val="150000"/>
+              </a:lnSpc>
+            </a:pPr>
+            <a:r>
+              <a:rPr>
+                <a:latin typeface="Comic Sans MS" panose="030F0702030302020204" charset="0"/>
+                <a:cs typeface="Comic Sans MS" panose="030F0702030302020204" charset="0"/>
+                <a:sym typeface="+mn-ea"/>
+              </a:rPr>
+              <a:t>s1 = 'hello'</a:t>
+            </a:r>
+            <a:endParaRPr>
+              <a:latin typeface="Comic Sans MS" panose="030F0702030302020204" charset="0"/>
+              <a:cs typeface="Comic Sans MS" panose="030F0702030302020204" charset="0"/>
+              <a:sym typeface="+mn-ea"/>
+            </a:endParaRPr>
+          </a:p>
+          <a:p>
+            <a:pPr algn="l" fontAlgn="auto">
+              <a:lnSpc>
+                <a:spcPct val="150000"/>
+              </a:lnSpc>
+            </a:pPr>
+            <a:r>
+              <a:rPr>
+                <a:latin typeface="Comic Sans MS" panose="030F0702030302020204" charset="0"/>
+                <a:cs typeface="Comic Sans MS" panose="030F0702030302020204" charset="0"/>
+                <a:sym typeface="+mn-ea"/>
+              </a:rPr>
+              <a:t>s2 = "hello"</a:t>
+            </a:r>
+            <a:endParaRPr>
+              <a:latin typeface="Comic Sans MS" panose="030F0702030302020204" charset="0"/>
+              <a:cs typeface="Comic Sans MS" panose="030F0702030302020204" charset="0"/>
+              <a:sym typeface="+mn-ea"/>
+            </a:endParaRPr>
+          </a:p>
+          <a:p>
+            <a:pPr algn="l" fontAlgn="auto">
+              <a:lnSpc>
+                <a:spcPct val="150000"/>
+              </a:lnSpc>
+            </a:pPr>
+            <a:r>
+              <a:rPr>
+                <a:latin typeface="Comic Sans MS" panose="030F0702030302020204" charset="0"/>
+                <a:cs typeface="Comic Sans MS" panose="030F0702030302020204" charset="0"/>
+                <a:sym typeface="+mn-ea"/>
+              </a:rPr>
+              <a:t>s3 = """hello"""</a:t>
+            </a:r>
+            <a:endParaRPr>
+              <a:latin typeface="Comic Sans MS" panose="030F0702030302020204" charset="0"/>
+              <a:cs typeface="Comic Sans MS" panose="030F0702030302020204" charset="0"/>
+              <a:sym typeface="+mn-ea"/>
+            </a:endParaRPr>
+          </a:p>
+        </p:txBody>
+      </p:sp>
+      <p:sp>
+        <p:nvSpPr>
+          <p:cNvPr id="3" name="文本框 2"/>
+          <p:cNvSpPr txBox="1"/>
+          <p:nvPr/>
+        </p:nvSpPr>
+        <p:spPr>
+          <a:xfrm>
+            <a:off x="431800" y="4206875"/>
+            <a:ext cx="11281410" cy="1437640"/>
+          </a:xfrm>
+          <a:prstGeom prst="rect">
+            <a:avLst/>
+          </a:prstGeom>
+          <a:noFill/>
+          <a:ln>
+            <a:noFill/>
+          </a:ln>
+        </p:spPr>
+        <p:txBody>
+          <a:bodyPr wrap="square" rtlCol="0">
+            <a:spAutoFit/>
+          </a:bodyPr>
+          <a:p>
+            <a:pPr fontAlgn="auto">
+              <a:lnSpc>
+                <a:spcPts val="3500"/>
+              </a:lnSpc>
+            </a:pPr>
+            <a:r>
+              <a:rPr lang="en-US" altLang="zh-CN" sz="2200">
+                <a:latin typeface="Calibri" panose="020F0502020204030204" charset="0"/>
+                <a:ea typeface="Aa小梨涡" panose="02010600010101010101" charset="-122"/>
+                <a:cs typeface="Aa小梨涡" panose="02010600010101010101" charset="-122"/>
+                <a:sym typeface="+mn-ea"/>
+              </a:rPr>
+              <a:t>2. 索引，切片和遍历</a:t>
+            </a:r>
+            <a:endParaRPr lang="en-US" altLang="zh-CN" sz="2200">
+              <a:latin typeface="Calibri" panose="020F0502020204030204" charset="0"/>
+              <a:ea typeface="Aa小梨涡" panose="02010600010101010101" charset="-122"/>
+              <a:cs typeface="Aa小梨涡" panose="02010600010101010101" charset="-122"/>
+              <a:sym typeface="+mn-ea"/>
+            </a:endParaRPr>
+          </a:p>
+          <a:p>
+            <a:pPr fontAlgn="auto">
+              <a:lnSpc>
+                <a:spcPts val="3500"/>
+              </a:lnSpc>
+            </a:pPr>
+            <a:r>
+              <a:rPr lang="en-US" altLang="zh-CN" sz="2200">
+                <a:latin typeface="Calibri" panose="020F0502020204030204" charset="0"/>
+                <a:ea typeface="Aa小梨涡" panose="02010600010101010101" charset="-122"/>
+                <a:cs typeface="Aa小梨涡" panose="02010600010101010101" charset="-122"/>
+                <a:sym typeface="+mn-ea"/>
+              </a:rPr>
+              <a:t>        可以把字符串想象成一个由单个字符组成的</a:t>
+            </a:r>
+            <a:r>
+              <a:rPr lang="zh-CN" altLang="en-US" sz="2200">
+                <a:latin typeface="Calibri" panose="020F0502020204030204" charset="0"/>
+                <a:ea typeface="Aa小梨涡" panose="02010600010101010101" charset="-122"/>
+                <a:cs typeface="Aa小梨涡" panose="02010600010101010101" charset="-122"/>
+                <a:sym typeface="+mn-ea"/>
+              </a:rPr>
+              <a:t>列表</a:t>
+            </a:r>
+            <a:r>
+              <a:rPr lang="en-US" altLang="zh-CN" sz="2200">
+                <a:latin typeface="Calibri" panose="020F0502020204030204" charset="0"/>
+                <a:ea typeface="Aa小梨涡" panose="02010600010101010101" charset="-122"/>
+                <a:cs typeface="Aa小梨涡" panose="02010600010101010101" charset="-122"/>
+                <a:sym typeface="+mn-ea"/>
+              </a:rPr>
+              <a:t>，</a:t>
+            </a:r>
+            <a:r>
+              <a:rPr lang="zh-CN" altLang="en-US" sz="2200">
+                <a:latin typeface="Calibri" panose="020F0502020204030204" charset="0"/>
+                <a:ea typeface="Aa小梨涡" panose="02010600010101010101" charset="-122"/>
+                <a:cs typeface="Aa小梨涡" panose="02010600010101010101" charset="-122"/>
+                <a:sym typeface="+mn-ea"/>
+              </a:rPr>
+              <a:t>所以，Python 的字符串同样支持索引，切片和遍历等等操作。</a:t>
+            </a:r>
+            <a:r>
+              <a:rPr lang="en-US" altLang="zh-CN" sz="2200">
+                <a:latin typeface="Calibri" panose="020F0502020204030204" charset="0"/>
+                <a:ea typeface="Aa小梨涡" panose="02010600010101010101" charset="-122"/>
+                <a:cs typeface="Aa小梨涡" panose="02010600010101010101" charset="-122"/>
+                <a:sym typeface="+mn-ea"/>
+              </a:rPr>
+              <a:t>              </a:t>
+            </a:r>
+            <a:endParaRPr lang="en-US" altLang="zh-CN" sz="2200">
+              <a:latin typeface="Calibri" panose="020F0502020204030204" charset="0"/>
+              <a:ea typeface="Aa小梨涡" panose="02010600010101010101" charset="-122"/>
+              <a:cs typeface="Aa小梨涡" panose="02010600010101010101" charset="-122"/>
+              <a:sym typeface="+mn-ea"/>
+            </a:endParaRPr>
+          </a:p>
+        </p:txBody>
+      </p:sp>
+      <p:sp>
+        <p:nvSpPr>
+          <p:cNvPr id="11" name="文本框 10"/>
+          <p:cNvSpPr txBox="1"/>
+          <p:nvPr/>
+        </p:nvSpPr>
+        <p:spPr>
+          <a:xfrm>
+            <a:off x="3642360" y="5176520"/>
+            <a:ext cx="1407160" cy="270510"/>
+          </a:xfrm>
+          <a:prstGeom prst="rect">
+            <a:avLst/>
+          </a:prstGeom>
+          <a:noFill/>
+        </p:spPr>
+        <p:txBody>
+          <a:bodyPr wrap="square" rtlCol="0">
+            <a:spAutoFit/>
+          </a:bodyPr>
+          <a:p>
+            <a:r>
+              <a:rPr lang="en-US" altLang="zh-CN" baseline="30000">
+                <a:solidFill>
+                  <a:schemeClr val="accent5"/>
+                </a:solidFill>
+                <a:latin typeface="Comic Sans MS" panose="030F0702030302020204" charset="0"/>
+                <a:cs typeface="Comic Sans MS" panose="030F0702030302020204" charset="0"/>
+              </a:rPr>
+              <a:t>[4.2-1.py]</a:t>
+            </a:r>
+            <a:endParaRPr lang="en-US" altLang="zh-CN" baseline="30000">
+              <a:solidFill>
+                <a:schemeClr val="accent5"/>
+              </a:solidFill>
+              <a:latin typeface="Comic Sans MS" panose="030F0702030302020204" charset="0"/>
+              <a:cs typeface="Comic Sans MS" panose="030F0702030302020204" charset="0"/>
+            </a:endParaRPr>
+          </a:p>
+        </p:txBody>
+      </p:sp>
+    </p:spTree>
+  </p:cSld>
+  <p:clrMapOvr>
+    <a:masterClrMapping/>
+  </p:clrMapOvr>
+  <p:timing>
+    <p:tnLst>
+      <p:par>
+        <p:cTn id="1" dur="indefinite" restart="never" nodeType="tmRoot">
+          <p:childTnLst>
+            <p:seq concurrent="1" nextAc="seek">
+              <p:cTn id="2" dur="indefinite" nodeType="mainSeq">
+                <p:childTnLst>
+                  <p:par>
+                    <p:cTn id="3" fill="hold">
+                      <p:stCondLst>
+                        <p:cond delay="indefinite"/>
+                      </p:stCondLst>
+                      <p:childTnLst>
+                        <p:par>
+                          <p:cTn id="4" fill="hold">
+                            <p:stCondLst>
+                              <p:cond delay="0"/>
+                            </p:stCondLst>
+                            <p:childTnLst>
+                              <p:par>
+                                <p:cTn id="5" presetID="1" presetClass="entr" presetSubtype="0" fill="hold" grpId="0" nodeType="clickEffect">
+                                  <p:stCondLst>
+                                    <p:cond delay="0"/>
+                                  </p:stCondLst>
+                                  <p:childTnLst>
+                                    <p:set>
+                                      <p:cBhvr>
+                                        <p:cTn id="6" dur="1" fill="hold">
+                                          <p:stCondLst>
+                                            <p:cond delay="0"/>
+                                          </p:stCondLst>
+                                        </p:cTn>
+                                        <p:tgtEl>
+                                          <p:spTgt spid="8"/>
+                                        </p:tgtEl>
+                                        <p:attrNameLst>
+                                          <p:attrName>style.visibility</p:attrName>
+                                        </p:attrNameLst>
+                                      </p:cBhvr>
+                                      <p:to>
+                                        <p:strVal val="visible"/>
+                                      </p:to>
+                                    </p:set>
+                                  </p:childTnLst>
+                                </p:cTn>
+                              </p:par>
+                              <p:par>
+                                <p:cTn id="7" presetID="1" presetClass="entr" presetSubtype="0" fill="hold" grpId="0" nodeType="withEffect">
+                                  <p:stCondLst>
+                                    <p:cond delay="0"/>
+                                  </p:stCondLst>
+                                  <p:childTnLst>
+                                    <p:set>
+                                      <p:cBhvr>
+                                        <p:cTn id="8" dur="1" fill="hold">
+                                          <p:stCondLst>
+                                            <p:cond delay="0"/>
+                                          </p:stCondLst>
+                                        </p:cTn>
+                                        <p:tgtEl>
+                                          <p:spTgt spid="9"/>
+                                        </p:tgtEl>
+                                        <p:attrNameLst>
+                                          <p:attrName>style.visibility</p:attrName>
+                                        </p:attrNameLst>
+                                      </p:cBhvr>
+                                      <p:to>
+                                        <p:strVal val="visible"/>
+                                      </p:to>
+                                    </p:set>
+                                  </p:childTnLst>
+                                </p:cTn>
+                              </p:par>
+                            </p:childTnLst>
+                          </p:cTn>
+                        </p:par>
+                      </p:childTnLst>
+                    </p:cTn>
+                  </p:par>
+                  <p:par>
+                    <p:cTn id="9" fill="hold">
+                      <p:stCondLst>
+                        <p:cond delay="indefinite"/>
+                      </p:stCondLst>
+                      <p:childTnLst>
+                        <p:par>
+                          <p:cTn id="10" fill="hold">
+                            <p:stCondLst>
+                              <p:cond delay="0"/>
+                            </p:stCondLst>
+                            <p:childTnLst>
+                              <p:par>
+                                <p:cTn id="11" presetID="1" presetClass="entr" presetSubtype="0" fill="hold" grpId="0" nodeType="clickEffect">
+                                  <p:stCondLst>
+                                    <p:cond delay="0"/>
+                                  </p:stCondLst>
+                                  <p:childTnLst>
+                                    <p:set>
+                                      <p:cBhvr>
+                                        <p:cTn id="12" dur="1" fill="hold">
+                                          <p:stCondLst>
+                                            <p:cond delay="0"/>
+                                          </p:stCondLst>
+                                        </p:cTn>
+                                        <p:tgtEl>
+                                          <p:spTgt spid="3"/>
+                                        </p:tgtEl>
+                                        <p:attrNameLst>
+                                          <p:attrName>style.visibility</p:attrName>
+                                        </p:attrNameLst>
+                                      </p:cBhvr>
+                                      <p:to>
+                                        <p:strVal val="visible"/>
+                                      </p:to>
+                                    </p:set>
+                                  </p:childTnLst>
+                                </p:cTn>
+                              </p:par>
+                              <p:par>
+                                <p:cTn id="13" presetID="1" presetClass="entr" presetSubtype="0" fill="hold" grpId="0" nodeType="withEffect">
+                                  <p:stCondLst>
+                                    <p:cond delay="0"/>
+                                  </p:stCondLst>
+                                  <p:childTnLst>
+                                    <p:set>
+                                      <p:cBhvr>
+                                        <p:cTn id="14" dur="1" fill="hold">
+                                          <p:stCondLst>
+                                            <p:cond delay="0"/>
+                                          </p:stCondLst>
+                                        </p:cTn>
+                                        <p:tgtEl>
+                                          <p:spTgt spid="11"/>
+                                        </p:tgtEl>
+                                        <p:attrNameLst>
+                                          <p:attrName>style.visibility</p:attrName>
+                                        </p:attrNameLst>
+                                      </p:cBhvr>
+                                      <p:to>
+                                        <p:strVal val="visible"/>
+                                      </p:to>
+                                    </p:set>
+                                  </p:childTnLst>
+                                </p:cTn>
+                              </p:par>
+                            </p:childTnLst>
+                          </p:cTn>
+                        </p:par>
+                      </p:childTnLst>
+                    </p:cTn>
+                  </p:par>
+                </p:childTnLst>
+              </p:cTn>
+              <p:prevCondLst>
+                <p:cond evt="onPrev" delay="0">
+                  <p:tgtEl>
+                    <p:sldTgt/>
+                  </p:tgtEl>
+                </p:cond>
+              </p:prevCondLst>
+              <p:nextCondLst>
+                <p:cond evt="onNext" delay="0">
+                  <p:tgtEl>
+                    <p:sldTgt/>
+                  </p:tgtEl>
+                </p:cond>
+              </p:nextCondLst>
+            </p:seq>
+          </p:childTnLst>
+        </p:cTn>
+      </p:par>
+    </p:tnLst>
+    <p:bldLst>
+      <p:bldP spid="8" grpId="0"/>
+      <p:bldP spid="8" grpId="1"/>
+      <p:bldP spid="9" grpId="0" bldLvl="0" animBg="1"/>
+      <p:bldP spid="9" grpId="1" animBg="1"/>
+      <p:bldP spid="3" grpId="0"/>
+      <p:bldP spid="3" grpId="1"/>
+      <p:bldP spid="11" grpId="0"/>
+      <p:bldP spid="11" grpId="1"/>
+    </p:bldLst>
+  </p:timing>
+</p:sld>
+</file>
+
+<file path=ppt/slides/slide21.xml><?xml version="1.0" encoding="utf-8"?>
+<p:sld xmlns:a="http://schemas.openxmlformats.org/drawingml/2006/main" xmlns:r="http://schemas.openxmlformats.org/officeDocument/2006/relationships" xmlns:p="http://schemas.openxmlformats.org/presentationml/2006/main">
+  <p:cSld>
+    <p:spTree>
+      <p:nvGrpSpPr>
+        <p:cNvPr id="1" name=""/>
+        <p:cNvGrpSpPr/>
+        <p:nvPr/>
+      </p:nvGrpSpPr>
+      <p:grpSpPr/>
+      <p:sp>
+        <p:nvSpPr>
+          <p:cNvPr id="18" name="任意多边形 17"/>
+          <p:cNvSpPr/>
+          <p:nvPr/>
+        </p:nvSpPr>
+        <p:spPr>
+          <a:xfrm rot="600000">
+            <a:off x="5342086" y="122979"/>
+            <a:ext cx="1728000" cy="944245"/>
+          </a:xfrm>
+          <a:custGeom>
+            <a:avLst/>
+            <a:gdLst>
+              <a:gd name="connisteX0" fmla="*/ 257810 w 3935730"/>
+              <a:gd name="connsiteY0" fmla="*/ 429260 h 944880"/>
+              <a:gd name="connisteX1" fmla="*/ 3394710 w 3935730"/>
+              <a:gd name="connsiteY1" fmla="*/ 0 h 944880"/>
+              <a:gd name="connisteX2" fmla="*/ 26035 w 3935730"/>
+              <a:gd name="connsiteY2" fmla="*/ 541020 h 944880"/>
+              <a:gd name="connisteX3" fmla="*/ 3575050 w 3935730"/>
+              <a:gd name="connsiteY3" fmla="*/ 51435 h 944880"/>
+              <a:gd name="connisteX4" fmla="*/ 172085 w 3935730"/>
+              <a:gd name="connsiteY4" fmla="*/ 601345 h 944880"/>
+              <a:gd name="connisteX5" fmla="*/ 3652520 w 3935730"/>
+              <a:gd name="connsiteY5" fmla="*/ 128905 h 944880"/>
+              <a:gd name="connisteX6" fmla="*/ 51435 w 3935730"/>
+              <a:gd name="connsiteY6" fmla="*/ 678815 h 944880"/>
+              <a:gd name="connisteX7" fmla="*/ 3514725 w 3935730"/>
+              <a:gd name="connsiteY7" fmla="*/ 214630 h 944880"/>
+              <a:gd name="connisteX8" fmla="*/ 369570 w 3935730"/>
+              <a:gd name="connsiteY8" fmla="*/ 704215 h 944880"/>
+              <a:gd name="connisteX9" fmla="*/ 3695700 w 3935730"/>
+              <a:gd name="connsiteY9" fmla="*/ 274955 h 944880"/>
+              <a:gd name="connisteX10" fmla="*/ 180340 w 3935730"/>
+              <a:gd name="connsiteY10" fmla="*/ 833120 h 944880"/>
+              <a:gd name="connisteX11" fmla="*/ 3695700 w 3935730"/>
+              <a:gd name="connsiteY11" fmla="*/ 351790 h 944880"/>
+              <a:gd name="connisteX12" fmla="*/ 0 w 3935730"/>
+              <a:gd name="connsiteY12" fmla="*/ 944880 h 944880"/>
+              <a:gd name="connisteX13" fmla="*/ 3935730 w 3935730"/>
+              <a:gd name="connsiteY13" fmla="*/ 360680 h 944880"/>
+            </a:gdLst>
+            <a:ahLst/>
+            <a:cxnLst>
+              <a:cxn ang="0">
+                <a:pos x="connisteX0" y="connsiteY0"/>
+              </a:cxn>
+              <a:cxn ang="0">
+                <a:pos x="connisteX1" y="connsiteY1"/>
+              </a:cxn>
+              <a:cxn ang="0">
+                <a:pos x="connisteX2" y="connsiteY2"/>
+              </a:cxn>
+              <a:cxn ang="0">
+                <a:pos x="connisteX3" y="connsiteY3"/>
+              </a:cxn>
+              <a:cxn ang="0">
+                <a:pos x="connisteX4" y="connsiteY4"/>
+              </a:cxn>
+              <a:cxn ang="0">
+                <a:pos x="connisteX5" y="connsiteY5"/>
+              </a:cxn>
+              <a:cxn ang="0">
+                <a:pos x="connisteX6" y="connsiteY6"/>
+              </a:cxn>
+              <a:cxn ang="0">
+                <a:pos x="connisteX7" y="connsiteY7"/>
+              </a:cxn>
+              <a:cxn ang="0">
+                <a:pos x="connisteX8" y="connsiteY8"/>
+              </a:cxn>
+              <a:cxn ang="0">
+                <a:pos x="connisteX9" y="connsiteY9"/>
+              </a:cxn>
+              <a:cxn ang="0">
+                <a:pos x="connisteX10" y="connsiteY10"/>
+              </a:cxn>
+              <a:cxn ang="0">
+                <a:pos x="connisteX11" y="connsiteY11"/>
+              </a:cxn>
+              <a:cxn ang="0">
+                <a:pos x="connisteX12" y="connsiteY12"/>
+              </a:cxn>
+              <a:cxn ang="0">
+                <a:pos x="connisteX13" y="connsiteY13"/>
+              </a:cxn>
+            </a:cxnLst>
+            <a:rect l="l" t="t" r="r" b="b"/>
+            <a:pathLst>
+              <a:path w="3935730" h="944880">
+                <a:moveTo>
+                  <a:pt x="257810" y="429260"/>
+                </a:moveTo>
+                <a:lnTo>
+                  <a:pt x="3394710" y="0"/>
+                </a:lnTo>
+                <a:lnTo>
+                  <a:pt x="26035" y="541020"/>
+                </a:lnTo>
+                <a:lnTo>
+                  <a:pt x="3575050" y="51435"/>
+                </a:lnTo>
+                <a:lnTo>
+                  <a:pt x="172085" y="601345"/>
+                </a:lnTo>
+                <a:lnTo>
+                  <a:pt x="3652520" y="128905"/>
+                </a:lnTo>
+                <a:lnTo>
+                  <a:pt x="51435" y="678815"/>
+                </a:lnTo>
+                <a:lnTo>
+                  <a:pt x="3514725" y="214630"/>
+                </a:lnTo>
+                <a:lnTo>
+                  <a:pt x="369570" y="704215"/>
+                </a:lnTo>
+                <a:lnTo>
+                  <a:pt x="3695700" y="274955"/>
+                </a:lnTo>
+                <a:lnTo>
+                  <a:pt x="180340" y="833120"/>
+                </a:lnTo>
+                <a:lnTo>
+                  <a:pt x="3695700" y="351790"/>
+                </a:lnTo>
+                <a:lnTo>
+                  <a:pt x="0" y="944880"/>
+                </a:lnTo>
+                <a:lnTo>
+                  <a:pt x="3935730" y="360680"/>
+                </a:lnTo>
+              </a:path>
+            </a:pathLst>
+          </a:custGeom>
+          <a:noFill/>
+          <a:ln w="203200">
+            <a:solidFill>
+              <a:schemeClr val="accent4">
+                <a:lumMod val="40000"/>
+                <a:lumOff val="60000"/>
+              </a:schemeClr>
+            </a:solidFill>
+          </a:ln>
+          <a:effectLst>
+            <a:softEdge rad="63500"/>
+          </a:effectLst>
+        </p:spPr>
+        <p:style>
+          <a:lnRef idx="2">
+            <a:schemeClr val="accent1">
+              <a:shade val="50000"/>
+            </a:schemeClr>
+          </a:lnRef>
+          <a:fillRef idx="1">
+            <a:schemeClr val="accent1"/>
+          </a:fillRef>
+          <a:effectRef idx="0">
+            <a:schemeClr val="accent1"/>
+          </a:effectRef>
+          <a:fontRef idx="minor">
+            <a:schemeClr val="lt1"/>
+          </a:fontRef>
+        </p:style>
+        <p:txBody>
+          <a:bodyPr rtlCol="0" anchor="ctr"/>
+          <a:p>
+            <a:pPr algn="ctr"/>
+            <a:endParaRPr lang="zh-CN" altLang="en-US"/>
+          </a:p>
+        </p:txBody>
+      </p:sp>
+      <p:sp>
+        <p:nvSpPr>
+          <p:cNvPr id="2" name="标题 1"/>
+          <p:cNvSpPr>
+            <a:spLocks noGrp="1"/>
+          </p:cNvSpPr>
+          <p:nvPr>
+            <p:ph type="title"/>
+          </p:nvPr>
+        </p:nvSpPr>
+        <p:spPr>
+          <a:xfrm>
+            <a:off x="3832860" y="186690"/>
+            <a:ext cx="4745990" cy="817245"/>
+          </a:xfrm>
+        </p:spPr>
+        <p:txBody>
+          <a:bodyPr>
+            <a:normAutofit fontScale="90000"/>
+          </a:bodyPr>
+          <a:p>
+            <a:r>
+              <a:rPr lang="en-US" altLang="zh-CN">
+                <a:latin typeface="Aa小梨涡" panose="02010600010101010101" charset="-122"/>
+                <a:ea typeface="Aa小梨涡" panose="02010600010101010101" charset="-122"/>
+                <a:sym typeface="+mn-ea"/>
+              </a:rPr>
+              <a:t>4.2 </a:t>
+            </a:r>
+            <a:r>
+              <a:rPr lang="zh-CN" altLang="en-US">
+                <a:latin typeface="Aa小梨涡" panose="02010600010101010101" charset="-122"/>
+                <a:ea typeface="Aa小梨涡" panose="02010600010101010101" charset="-122"/>
+                <a:sym typeface="+mn-ea"/>
+              </a:rPr>
+              <a:t>字符串</a:t>
+            </a:r>
+            <a:r>
+              <a:rPr lang="zh-CN" altLang="en-US">
+                <a:latin typeface="Aa小梨涡" panose="02010600010101010101" charset="-122"/>
+                <a:ea typeface="Aa小梨涡" panose="02010600010101010101" charset="-122"/>
+                <a:sym typeface="+mn-ea"/>
+              </a:rPr>
+              <a:t>常用操作</a:t>
             </a:r>
             <a:endParaRPr lang="zh-CN" altLang="en-US">
               <a:latin typeface="Aa小梨涡" panose="02010600010101010101" charset="-122"/>
@@ -18724,7 +19587,7 @@
 </p:sld>
 </file>
 
-<file path=ppt/slides/slide21.xml><?xml version="1.0" encoding="utf-8"?>
+<file path=ppt/slides/slide22.xml><?xml version="1.0" encoding="utf-8"?>
 <p:sld xmlns:a="http://schemas.openxmlformats.org/drawingml/2006/main" xmlns:r="http://schemas.openxmlformats.org/officeDocument/2006/relationships" xmlns:p="http://schemas.openxmlformats.org/presentationml/2006/main">
   <p:cSld>
     <p:spTree>
@@ -18919,8 +19782,8 @@
         </p:nvSpPr>
         <p:spPr>
           <a:xfrm>
-            <a:off x="4037330" y="245745"/>
-            <a:ext cx="3751580" cy="817245"/>
+            <a:off x="3616960" y="235585"/>
+            <a:ext cx="4958715" cy="817245"/>
           </a:xfrm>
         </p:spPr>
         <p:txBody>
@@ -18941,7 +19804,15 @@
                 <a:ea typeface="Aa小梨涡" panose="02010600010101010101" charset="-122"/>
                 <a:sym typeface="+mn-ea"/>
               </a:rPr>
-              <a:t>字符串基础</a:t>
+              <a:t>字符串</a:t>
+            </a:r>
+            <a:r>
+              <a:rPr lang="zh-CN" altLang="en-US">
+                <a:latin typeface="Aa小梨涡" panose="02010600010101010101" charset="-122"/>
+                <a:ea typeface="Aa小梨涡" panose="02010600010101010101" charset="-122"/>
+                <a:sym typeface="+mn-ea"/>
+              </a:rPr>
+              <a:t>常用操作</a:t>
             </a:r>
             <a:endParaRPr lang="zh-CN" altLang="en-US">
               <a:latin typeface="Aa小梨涡" panose="02010600010101010101" charset="-122"/>
@@ -19547,7 +20418,7 @@
 </p:sld>
 </file>
 
-<file path=ppt/slides/slide22.xml><?xml version="1.0" encoding="utf-8"?>
+<file path=ppt/slides/slide23.xml><?xml version="1.0" encoding="utf-8"?>
 <p:sld xmlns:a="http://schemas.openxmlformats.org/drawingml/2006/main" xmlns:r="http://schemas.openxmlformats.org/officeDocument/2006/relationships" xmlns:p="http://schemas.openxmlformats.org/presentationml/2006/main">
   <p:cSld>
     <p:spTree>
@@ -19564,9 +20435,9 @@
           <p:nvPr/>
         </p:nvSpPr>
         <p:spPr>
-          <a:xfrm rot="600000">
-            <a:off x="5342086" y="122979"/>
-            <a:ext cx="1728000" cy="944245"/>
+          <a:xfrm rot="300000">
+            <a:off x="4491355" y="224790"/>
+            <a:ext cx="2630805" cy="698500"/>
           </a:xfrm>
           <a:custGeom>
             <a:avLst/>
@@ -19742,8 +20613,8 @@
         </p:nvSpPr>
         <p:spPr>
           <a:xfrm>
-            <a:off x="5132070" y="245745"/>
-            <a:ext cx="2136775" cy="817245"/>
+            <a:off x="3101340" y="255270"/>
+            <a:ext cx="6209030" cy="817245"/>
           </a:xfrm>
         </p:spPr>
         <p:txBody>
@@ -19756,14 +20627,14 @@
                 <a:latin typeface="Aa小梨涡" panose="02010600010101010101" charset="-122"/>
                 <a:ea typeface="Aa小梨涡" panose="02010600010101010101" charset="-122"/>
               </a:rPr>
-              <a:t>1.</a:t>
+              <a:t>4.3.</a:t>
             </a:r>
             <a:r>
               <a:rPr lang="zh-CN" altLang="en-US">
                 <a:latin typeface="Aa小梨涡" panose="02010600010101010101" charset="-122"/>
                 <a:ea typeface="Aa小梨涡" panose="02010600010101010101" charset="-122"/>
               </a:rPr>
-              <a:t>开篇词</a:t>
+              <a:t>文件读写中的编码问题</a:t>
             </a:r>
             <a:endParaRPr lang="zh-CN" altLang="en-US">
               <a:latin typeface="Aa小梨涡" panose="02010600010101010101" charset="-122"/>
@@ -19865,15 +20736,744 @@
           </a:p>
         </p:txBody>
       </p:sp>
+      <p:sp>
+        <p:nvSpPr>
+          <p:cNvPr id="5" name="文本框 4"/>
+          <p:cNvSpPr txBox="1"/>
+          <p:nvPr/>
+        </p:nvSpPr>
+        <p:spPr>
+          <a:xfrm>
+            <a:off x="565150" y="1052830"/>
+            <a:ext cx="11281410" cy="988695"/>
+          </a:xfrm>
+          <a:prstGeom prst="rect">
+            <a:avLst/>
+          </a:prstGeom>
+          <a:noFill/>
+          <a:ln>
+            <a:noFill/>
+          </a:ln>
+        </p:spPr>
+        <p:txBody>
+          <a:bodyPr wrap="square" rtlCol="0">
+            <a:spAutoFit/>
+          </a:bodyPr>
+          <a:p>
+            <a:pPr fontAlgn="auto">
+              <a:lnSpc>
+                <a:spcPts val="3500"/>
+              </a:lnSpc>
+            </a:pPr>
+            <a:r>
+              <a:rPr lang="en-US" altLang="zh-CN" sz="2200">
+                <a:latin typeface="Aa小梨涡" panose="02010600010101010101" charset="-122"/>
+                <a:ea typeface="Aa小梨涡" panose="02010600010101010101" charset="-122"/>
+                <a:cs typeface="Aa小梨涡" panose="02010600010101010101" charset="-122"/>
+                <a:sym typeface="+mn-ea"/>
+              </a:rPr>
+              <a:t>1. open()</a:t>
+            </a:r>
+            <a:endParaRPr lang="en-US" altLang="zh-CN" sz="2200">
+              <a:latin typeface="Aa小梨涡" panose="02010600010101010101" charset="-122"/>
+              <a:ea typeface="Aa小梨涡" panose="02010600010101010101" charset="-122"/>
+              <a:cs typeface="Aa小梨涡" panose="02010600010101010101" charset="-122"/>
+              <a:sym typeface="+mn-ea"/>
+            </a:endParaRPr>
+          </a:p>
+          <a:p>
+            <a:pPr fontAlgn="auto">
+              <a:lnSpc>
+                <a:spcPts val="3500"/>
+              </a:lnSpc>
+            </a:pPr>
+            <a:r>
+              <a:rPr lang="en-US" altLang="zh-CN" sz="2000">
+                <a:latin typeface="Aa小梨涡" panose="02010600010101010101" charset="-122"/>
+                <a:ea typeface="Aa小梨涡" panose="02010600010101010101" charset="-122"/>
+                <a:cs typeface="Aa小梨涡" panose="02010600010101010101" charset="-122"/>
+                <a:sym typeface="+mn-ea"/>
+              </a:rPr>
+              <a:t>open(file, mode='r', buffering=-1, encoding=None, errors=None, newline=None, closefd=True, opener=None)</a:t>
+            </a:r>
+            <a:endParaRPr lang="en-US" altLang="zh-CN" sz="2000">
+              <a:latin typeface="Aa小梨涡" panose="02010600010101010101" charset="-122"/>
+              <a:ea typeface="Aa小梨涡" panose="02010600010101010101" charset="-122"/>
+              <a:cs typeface="Aa小梨涡" panose="02010600010101010101" charset="-122"/>
+              <a:sym typeface="+mn-ea"/>
+            </a:endParaRPr>
+          </a:p>
+        </p:txBody>
+      </p:sp>
+      <p:sp>
+        <p:nvSpPr>
+          <p:cNvPr id="4" name="任意多边形 3"/>
+          <p:cNvSpPr/>
+          <p:nvPr/>
+        </p:nvSpPr>
+        <p:spPr>
+          <a:xfrm>
+            <a:off x="1593850" y="1631950"/>
+            <a:ext cx="1179830" cy="409575"/>
+          </a:xfrm>
+          <a:custGeom>
+            <a:avLst/>
+            <a:gdLst>
+              <a:gd name="connsiteX0" fmla="*/ 716 w 1431"/>
+              <a:gd name="connsiteY0" fmla="*/ 0 h 645"/>
+              <a:gd name="connsiteX1" fmla="*/ 1431 w 1431"/>
+              <a:gd name="connsiteY1" fmla="*/ 323 h 645"/>
+              <a:gd name="connsiteX2" fmla="*/ 716 w 1431"/>
+              <a:gd name="connsiteY2" fmla="*/ 645 h 645"/>
+              <a:gd name="connsiteX3" fmla="*/ 0 w 1431"/>
+              <a:gd name="connsiteY3" fmla="*/ 323 h 645"/>
+              <a:gd name="connsiteX4" fmla="*/ 881 w 1431"/>
+              <a:gd name="connsiteY4" fmla="*/ 165 h 645"/>
+            </a:gdLst>
+            <a:ahLst/>
+            <a:cxnLst>
+              <a:cxn ang="0">
+                <a:pos x="connsiteX0" y="connsiteY0"/>
+              </a:cxn>
+              <a:cxn ang="0">
+                <a:pos x="connsiteX1" y="connsiteY1"/>
+              </a:cxn>
+              <a:cxn ang="0">
+                <a:pos x="connsiteX2" y="connsiteY2"/>
+              </a:cxn>
+              <a:cxn ang="0">
+                <a:pos x="connsiteX3" y="connsiteY3"/>
+              </a:cxn>
+              <a:cxn ang="0">
+                <a:pos x="connsiteX4" y="connsiteY4"/>
+              </a:cxn>
+            </a:cxnLst>
+            <a:rect l="l" t="t" r="r" b="b"/>
+            <a:pathLst>
+              <a:path w="1431" h="645">
+                <a:moveTo>
+                  <a:pt x="716" y="0"/>
+                </a:moveTo>
+                <a:cubicBezTo>
+                  <a:pt x="1111" y="0"/>
+                  <a:pt x="1431" y="144"/>
+                  <a:pt x="1431" y="323"/>
+                </a:cubicBezTo>
+                <a:cubicBezTo>
+                  <a:pt x="1431" y="501"/>
+                  <a:pt x="1111" y="645"/>
+                  <a:pt x="716" y="645"/>
+                </a:cubicBezTo>
+                <a:cubicBezTo>
+                  <a:pt x="320" y="645"/>
+                  <a:pt x="0" y="501"/>
+                  <a:pt x="0" y="323"/>
+                </a:cubicBezTo>
+                <a:cubicBezTo>
+                  <a:pt x="0" y="144"/>
+                  <a:pt x="320" y="0"/>
+                  <a:pt x="881" y="165"/>
+                </a:cubicBezTo>
+              </a:path>
+            </a:pathLst>
+          </a:custGeom>
+          <a:noFill/>
+          <a:ln>
+            <a:solidFill>
+              <a:srgbClr val="FF0000"/>
+            </a:solidFill>
+          </a:ln>
+        </p:spPr>
+        <p:txBody>
+          <a:bodyPr/>
+          <a:p>
+            <a:pPr eaLnBrk="1" hangingPunct="1">
+              <a:spcBef>
+                <a:spcPct val="0"/>
+              </a:spcBef>
+              <a:buFontTx/>
+              <a:buNone/>
+            </a:pPr>
+            <a:endParaRPr lang="zh-CN" altLang="en-US" sz="1800">
+              <a:solidFill>
+                <a:schemeClr val="tx1"/>
+              </a:solidFill>
+              <a:ea typeface="宋体" panose="02010600030101010101" pitchFamily="2" charset="-122"/>
+            </a:endParaRPr>
+          </a:p>
+        </p:txBody>
+      </p:sp>
+      <p:sp>
+        <p:nvSpPr>
+          <p:cNvPr id="3" name="任意多边形 2"/>
+          <p:cNvSpPr/>
+          <p:nvPr/>
+        </p:nvSpPr>
+        <p:spPr>
+          <a:xfrm>
+            <a:off x="4119880" y="1631950"/>
+            <a:ext cx="1179830" cy="409575"/>
+          </a:xfrm>
+          <a:custGeom>
+            <a:avLst/>
+            <a:gdLst>
+              <a:gd name="connsiteX0" fmla="*/ 716 w 1431"/>
+              <a:gd name="connsiteY0" fmla="*/ 0 h 645"/>
+              <a:gd name="connsiteX1" fmla="*/ 1431 w 1431"/>
+              <a:gd name="connsiteY1" fmla="*/ 323 h 645"/>
+              <a:gd name="connsiteX2" fmla="*/ 716 w 1431"/>
+              <a:gd name="connsiteY2" fmla="*/ 645 h 645"/>
+              <a:gd name="connsiteX3" fmla="*/ 0 w 1431"/>
+              <a:gd name="connsiteY3" fmla="*/ 323 h 645"/>
+              <a:gd name="connsiteX4" fmla="*/ 881 w 1431"/>
+              <a:gd name="connsiteY4" fmla="*/ 165 h 645"/>
+            </a:gdLst>
+            <a:ahLst/>
+            <a:cxnLst>
+              <a:cxn ang="0">
+                <a:pos x="connsiteX0" y="connsiteY0"/>
+              </a:cxn>
+              <a:cxn ang="0">
+                <a:pos x="connsiteX1" y="connsiteY1"/>
+              </a:cxn>
+              <a:cxn ang="0">
+                <a:pos x="connsiteX2" y="connsiteY2"/>
+              </a:cxn>
+              <a:cxn ang="0">
+                <a:pos x="connsiteX3" y="connsiteY3"/>
+              </a:cxn>
+              <a:cxn ang="0">
+                <a:pos x="connsiteX4" y="connsiteY4"/>
+              </a:cxn>
+            </a:cxnLst>
+            <a:rect l="l" t="t" r="r" b="b"/>
+            <a:pathLst>
+              <a:path w="1431" h="645">
+                <a:moveTo>
+                  <a:pt x="716" y="0"/>
+                </a:moveTo>
+                <a:cubicBezTo>
+                  <a:pt x="1111" y="0"/>
+                  <a:pt x="1431" y="144"/>
+                  <a:pt x="1431" y="323"/>
+                </a:cubicBezTo>
+                <a:cubicBezTo>
+                  <a:pt x="1431" y="501"/>
+                  <a:pt x="1111" y="645"/>
+                  <a:pt x="716" y="645"/>
+                </a:cubicBezTo>
+                <a:cubicBezTo>
+                  <a:pt x="320" y="645"/>
+                  <a:pt x="0" y="501"/>
+                  <a:pt x="0" y="323"/>
+                </a:cubicBezTo>
+                <a:cubicBezTo>
+                  <a:pt x="0" y="144"/>
+                  <a:pt x="320" y="0"/>
+                  <a:pt x="881" y="165"/>
+                </a:cubicBezTo>
+              </a:path>
+            </a:pathLst>
+          </a:custGeom>
+          <a:noFill/>
+          <a:ln>
+            <a:solidFill>
+              <a:srgbClr val="FF0000"/>
+            </a:solidFill>
+          </a:ln>
+        </p:spPr>
+        <p:txBody>
+          <a:bodyPr/>
+          <a:p>
+            <a:pPr eaLnBrk="1" hangingPunct="1">
+              <a:spcBef>
+                <a:spcPct val="0"/>
+              </a:spcBef>
+              <a:buFontTx/>
+              <a:buNone/>
+            </a:pPr>
+            <a:endParaRPr lang="zh-CN" altLang="en-US" sz="1800">
+              <a:solidFill>
+                <a:schemeClr val="tx1"/>
+              </a:solidFill>
+              <a:ea typeface="宋体" panose="02010600030101010101" pitchFamily="2" charset="-122"/>
+            </a:endParaRPr>
+          </a:p>
+        </p:txBody>
+      </p:sp>
+      <p:graphicFrame>
+        <p:nvGraphicFramePr>
+          <p:cNvPr id="6" name="表格 5"/>
+          <p:cNvGraphicFramePr/>
+          <p:nvPr>
+            <p:custDataLst>
+              <p:tags r:id="rId1"/>
+            </p:custDataLst>
+          </p:nvPr>
+        </p:nvGraphicFramePr>
+        <p:xfrm>
+          <a:off x="1739265" y="2247900"/>
+          <a:ext cx="8532495" cy="1143000"/>
+        </p:xfrm>
+        <a:graphic>
+          <a:graphicData uri="http://schemas.openxmlformats.org/drawingml/2006/table">
+            <a:tbl>
+              <a:tblPr firstRow="1" bandRow="1">
+                <a:tableStyleId>{5C22544A-7EE6-4342-B048-85BDC9FD1C3A}</a:tableStyleId>
+              </a:tblPr>
+              <a:tblGrid>
+                <a:gridCol w="1895475"/>
+                <a:gridCol w="2295525"/>
+                <a:gridCol w="4341495"/>
+              </a:tblGrid>
+              <a:tr h="381000">
+                <a:tc>
+                  <a:txBody>
+                    <a:bodyPr/>
+                    <a:p>
+                      <a:pPr algn="ctr">
+                        <a:buNone/>
+                      </a:pPr>
+                      <a:r>
+                        <a:rPr lang="en-US" altLang="zh-CN">
+                          <a:latin typeface="Aa小梨涡" panose="02010600010101010101" charset="-122"/>
+                          <a:ea typeface="Aa小梨涡" panose="02010600010101010101" charset="-122"/>
+                        </a:rPr>
+                        <a:t>mode</a:t>
+                      </a:r>
+                      <a:endParaRPr lang="en-US" altLang="zh-CN">
+                        <a:latin typeface="Aa小梨涡" panose="02010600010101010101" charset="-122"/>
+                        <a:ea typeface="Aa小梨涡" panose="02010600010101010101" charset="-122"/>
+                      </a:endParaRPr>
+                    </a:p>
+                  </a:txBody>
+                  <a:tcPr/>
+                </a:tc>
+                <a:tc>
+                  <a:txBody>
+                    <a:bodyPr/>
+                    <a:p>
+                      <a:pPr algn="ctr">
+                        <a:buNone/>
+                      </a:pPr>
+                      <a:r>
+                        <a:rPr lang="en-US" altLang="zh-CN">
+                          <a:latin typeface="Aa小梨涡" panose="02010600010101010101" charset="-122"/>
+                          <a:ea typeface="Aa小梨涡" panose="02010600010101010101" charset="-122"/>
+                          <a:cs typeface="Aa小梨涡" panose="02010600010101010101" charset="-122"/>
+                        </a:rPr>
+                        <a:t>I/O</a:t>
+                      </a:r>
+                      <a:r>
+                        <a:rPr lang="zh-CN" altLang="en-US">
+                          <a:latin typeface="Aa小梨涡" panose="02010600010101010101" charset="-122"/>
+                          <a:ea typeface="Aa小梨涡" panose="02010600010101010101" charset="-122"/>
+                          <a:cs typeface="Aa小梨涡" panose="02010600010101010101" charset="-122"/>
+                        </a:rPr>
+                        <a:t>类型</a:t>
+                      </a:r>
+                      <a:endParaRPr lang="zh-CN" altLang="en-US">
+                        <a:latin typeface="Aa小梨涡" panose="02010600010101010101" charset="-122"/>
+                        <a:ea typeface="Aa小梨涡" panose="02010600010101010101" charset="-122"/>
+                        <a:cs typeface="Aa小梨涡" panose="02010600010101010101" charset="-122"/>
+                      </a:endParaRPr>
+                    </a:p>
+                  </a:txBody>
+                  <a:tcPr/>
+                </a:tc>
+                <a:tc>
+                  <a:txBody>
+                    <a:bodyPr/>
+                    <a:p>
+                      <a:pPr algn="ctr">
+                        <a:buNone/>
+                      </a:pPr>
+                      <a:r>
+                        <a:rPr lang="en-US" altLang="zh-CN">
+                          <a:latin typeface="Aa小梨涡" panose="02010600010101010101" charset="-122"/>
+                          <a:ea typeface="Aa小梨涡" panose="02010600010101010101" charset="-122"/>
+                        </a:rPr>
+                        <a:t>encoding</a:t>
+                      </a:r>
+                      <a:endParaRPr lang="en-US" altLang="zh-CN">
+                        <a:latin typeface="Aa小梨涡" panose="02010600010101010101" charset="-122"/>
+                        <a:ea typeface="Aa小梨涡" panose="02010600010101010101" charset="-122"/>
+                      </a:endParaRPr>
+                    </a:p>
+                  </a:txBody>
+                  <a:tcPr/>
+                </a:tc>
+              </a:tr>
+              <a:tr h="381000">
+                <a:tc>
+                  <a:txBody>
+                    <a:bodyPr/>
+                    <a:p>
+                      <a:pPr algn="ctr">
+                        <a:buNone/>
+                      </a:pPr>
+                      <a:r>
+                        <a:rPr lang="zh-CN" altLang="en-US">
+                          <a:latin typeface="Aa小梨涡" panose="02010600010101010101" charset="-122"/>
+                          <a:ea typeface="Aa小梨涡" panose="02010600010101010101" charset="-122"/>
+                          <a:cs typeface="Aa小梨涡" panose="02010600010101010101" charset="-122"/>
+                        </a:rPr>
+                        <a:t>包含</a:t>
+                      </a:r>
+                      <a:r>
+                        <a:rPr lang="en-US" altLang="zh-CN">
+                          <a:latin typeface="Aa小梨涡" panose="02010600010101010101" charset="-122"/>
+                          <a:ea typeface="Aa小梨涡" panose="02010600010101010101" charset="-122"/>
+                          <a:cs typeface="Aa小梨涡" panose="02010600010101010101" charset="-122"/>
+                        </a:rPr>
+                        <a:t>‘b'</a:t>
+                      </a:r>
+                      <a:endParaRPr lang="en-US" altLang="zh-CN">
+                        <a:latin typeface="Aa小梨涡" panose="02010600010101010101" charset="-122"/>
+                        <a:ea typeface="Aa小梨涡" panose="02010600010101010101" charset="-122"/>
+                        <a:cs typeface="Aa小梨涡" panose="02010600010101010101" charset="-122"/>
+                      </a:endParaRPr>
+                    </a:p>
+                  </a:txBody>
+                  <a:tcPr/>
+                </a:tc>
+                <a:tc>
+                  <a:txBody>
+                    <a:bodyPr/>
+                    <a:p>
+                      <a:pPr algn="ctr">
+                        <a:buNone/>
+                      </a:pPr>
+                      <a:r>
+                        <a:rPr lang="zh-CN" altLang="en-US">
+                          <a:latin typeface="Aa小梨涡" panose="02010600010101010101" charset="-122"/>
+                          <a:ea typeface="Aa小梨涡" panose="02010600010101010101" charset="-122"/>
+                          <a:cs typeface="Aa小梨涡" panose="02010600010101010101" charset="-122"/>
+                        </a:rPr>
+                        <a:t>二进制</a:t>
+                      </a:r>
+                      <a:r>
+                        <a:rPr lang="en-US" altLang="zh-CN">
+                          <a:latin typeface="Aa小梨涡" panose="02010600010101010101" charset="-122"/>
+                          <a:ea typeface="Aa小梨涡" panose="02010600010101010101" charset="-122"/>
+                          <a:cs typeface="Aa小梨涡" panose="02010600010101010101" charset="-122"/>
+                        </a:rPr>
+                        <a:t>I/O</a:t>
+                      </a:r>
+                      <a:endParaRPr lang="zh-CN" altLang="en-US">
+                        <a:latin typeface="Aa小梨涡" panose="02010600010101010101" charset="-122"/>
+                        <a:ea typeface="Aa小梨涡" panose="02010600010101010101" charset="-122"/>
+                        <a:cs typeface="Aa小梨涡" panose="02010600010101010101" charset="-122"/>
+                      </a:endParaRPr>
+                    </a:p>
+                  </a:txBody>
+                  <a:tcPr/>
+                </a:tc>
+                <a:tc>
+                  <a:txBody>
+                    <a:bodyPr/>
+                    <a:p>
+                      <a:pPr algn="ctr">
+                        <a:buNone/>
+                      </a:pPr>
+                      <a:r>
+                        <a:rPr lang="zh-CN" altLang="en-US">
+                          <a:latin typeface="Aa小梨涡" panose="02010600010101010101" charset="-122"/>
+                          <a:ea typeface="Aa小梨涡" panose="02010600010101010101" charset="-122"/>
+                        </a:rPr>
+                        <a:t>不考虑</a:t>
+                      </a:r>
+                      <a:endParaRPr lang="zh-CN" altLang="en-US">
+                        <a:latin typeface="Aa小梨涡" panose="02010600010101010101" charset="-122"/>
+                        <a:ea typeface="Aa小梨涡" panose="02010600010101010101" charset="-122"/>
+                      </a:endParaRPr>
+                    </a:p>
+                  </a:txBody>
+                  <a:tcPr/>
+                </a:tc>
+              </a:tr>
+              <a:tr h="381000">
+                <a:tc>
+                  <a:txBody>
+                    <a:bodyPr/>
+                    <a:p>
+                      <a:pPr algn="ctr">
+                        <a:buNone/>
+                      </a:pPr>
+                      <a:r>
+                        <a:rPr lang="zh-CN" altLang="en-US">
+                          <a:latin typeface="Aa小梨涡" panose="02010600010101010101" charset="-122"/>
+                          <a:ea typeface="Aa小梨涡" panose="02010600010101010101" charset="-122"/>
+                          <a:cs typeface="Aa小梨涡" panose="02010600010101010101" charset="-122"/>
+                        </a:rPr>
+                        <a:t>不包含</a:t>
+                      </a:r>
+                      <a:r>
+                        <a:rPr lang="en-US" altLang="zh-CN">
+                          <a:latin typeface="Aa小梨涡" panose="02010600010101010101" charset="-122"/>
+                          <a:ea typeface="Aa小梨涡" panose="02010600010101010101" charset="-122"/>
+                          <a:cs typeface="Aa小梨涡" panose="02010600010101010101" charset="-122"/>
+                        </a:rPr>
+                        <a:t>'b'</a:t>
+                      </a:r>
+                      <a:endParaRPr lang="en-US" altLang="zh-CN">
+                        <a:latin typeface="Aa小梨涡" panose="02010600010101010101" charset="-122"/>
+                        <a:ea typeface="Aa小梨涡" panose="02010600010101010101" charset="-122"/>
+                        <a:cs typeface="Aa小梨涡" panose="02010600010101010101" charset="-122"/>
+                      </a:endParaRPr>
+                    </a:p>
+                  </a:txBody>
+                  <a:tcPr/>
+                </a:tc>
+                <a:tc>
+                  <a:txBody>
+                    <a:bodyPr/>
+                    <a:p>
+                      <a:pPr algn="ctr">
+                        <a:buNone/>
+                      </a:pPr>
+                      <a:r>
+                        <a:rPr lang="zh-CN" altLang="en-US">
+                          <a:latin typeface="Aa小梨涡" panose="02010600010101010101" charset="-122"/>
+                          <a:ea typeface="Aa小梨涡" panose="02010600010101010101" charset="-122"/>
+                          <a:cs typeface="Aa小梨涡" panose="02010600010101010101" charset="-122"/>
+                        </a:rPr>
+                        <a:t>文本</a:t>
+                      </a:r>
+                      <a:r>
+                        <a:rPr lang="en-US" altLang="zh-CN" sz="1800">
+                          <a:latin typeface="Aa小梨涡" panose="02010600010101010101" charset="-122"/>
+                          <a:ea typeface="Aa小梨涡" panose="02010600010101010101" charset="-122"/>
+                          <a:cs typeface="Aa小梨涡" panose="02010600010101010101" charset="-122"/>
+                          <a:sym typeface="+mn-ea"/>
+                        </a:rPr>
+                        <a:t>I/O</a:t>
+                      </a:r>
+                      <a:endParaRPr lang="zh-CN" altLang="en-US">
+                        <a:latin typeface="Aa小梨涡" panose="02010600010101010101" charset="-122"/>
+                        <a:ea typeface="Aa小梨涡" panose="02010600010101010101" charset="-122"/>
+                        <a:cs typeface="Aa小梨涡" panose="02010600010101010101" charset="-122"/>
+                      </a:endParaRPr>
+                    </a:p>
+                  </a:txBody>
+                  <a:tcPr/>
+                </a:tc>
+                <a:tc>
+                  <a:txBody>
+                    <a:bodyPr/>
+                    <a:p>
+                      <a:pPr algn="ctr">
+                        <a:buNone/>
+                      </a:pPr>
+                      <a:r>
+                        <a:rPr lang="zh-CN" altLang="en-US">
+                          <a:latin typeface="Aa小梨涡" panose="02010600010101010101" charset="-122"/>
+                          <a:ea typeface="Aa小梨涡" panose="02010600010101010101" charset="-122"/>
+                        </a:rPr>
+                        <a:t>指定用于解码或编码文件的编码的名称</a:t>
+                      </a:r>
+                      <a:endParaRPr lang="zh-CN" altLang="en-US">
+                        <a:latin typeface="Aa小梨涡" panose="02010600010101010101" charset="-122"/>
+                        <a:ea typeface="Aa小梨涡" panose="02010600010101010101" charset="-122"/>
+                      </a:endParaRPr>
+                    </a:p>
+                  </a:txBody>
+                  <a:tcPr/>
+                </a:tc>
+              </a:tr>
+            </a:tbl>
+          </a:graphicData>
+        </a:graphic>
+      </p:graphicFrame>
     </p:spTree>
   </p:cSld>
   <p:clrMapOvr>
     <a:masterClrMapping/>
   </p:clrMapOvr>
+  <p:timing>
+    <p:tnLst>
+      <p:par>
+        <p:cTn id="1" dur="indefinite" restart="never" nodeType="tmRoot">
+          <p:childTnLst>
+            <p:seq concurrent="1" nextAc="seek">
+              <p:cTn id="2" dur="indefinite" nodeType="mainSeq">
+                <p:childTnLst>
+                  <p:par>
+                    <p:cTn id="3" fill="hold">
+                      <p:stCondLst>
+                        <p:cond delay="indefinite"/>
+                      </p:stCondLst>
+                      <p:childTnLst>
+                        <p:par>
+                          <p:cTn id="4" fill="hold">
+                            <p:stCondLst>
+                              <p:cond delay="0"/>
+                            </p:stCondLst>
+                            <p:childTnLst>
+                              <p:par>
+                                <p:cTn id="5" presetID="1" presetClass="entr" presetSubtype="0" fill="hold" grpId="0" nodeType="clickEffect">
+                                  <p:stCondLst>
+                                    <p:cond delay="0"/>
+                                  </p:stCondLst>
+                                  <p:childTnLst>
+                                    <p:set>
+                                      <p:cBhvr>
+                                        <p:cTn id="6" dur="1" fill="hold">
+                                          <p:stCondLst>
+                                            <p:cond delay="0"/>
+                                          </p:stCondLst>
+                                        </p:cTn>
+                                        <p:tgtEl>
+                                          <p:spTgt spid="5"/>
+                                        </p:tgtEl>
+                                        <p:attrNameLst>
+                                          <p:attrName>style.visibility</p:attrName>
+                                        </p:attrNameLst>
+                                      </p:cBhvr>
+                                      <p:to>
+                                        <p:strVal val="visible"/>
+                                      </p:to>
+                                    </p:set>
+                                  </p:childTnLst>
+                                </p:cTn>
+                              </p:par>
+                              <p:par>
+                                <p:cTn id="7" presetID="22" presetClass="entr" presetSubtype="4" fill="hold" grpId="0" nodeType="withEffect">
+                                  <p:stCondLst>
+                                    <p:cond delay="0"/>
+                                  </p:stCondLst>
+                                  <p:childTnLst>
+                                    <p:set>
+                                      <p:cBhvr>
+                                        <p:cTn id="8" dur="1" fill="hold">
+                                          <p:stCondLst>
+                                            <p:cond delay="0"/>
+                                          </p:stCondLst>
+                                        </p:cTn>
+                                        <p:tgtEl>
+                                          <p:spTgt spid="4"/>
+                                        </p:tgtEl>
+                                        <p:attrNameLst>
+                                          <p:attrName>style.visibility</p:attrName>
+                                        </p:attrNameLst>
+                                      </p:cBhvr>
+                                      <p:to>
+                                        <p:strVal val="visible"/>
+                                      </p:to>
+                                    </p:set>
+                                    <p:animEffect transition="in" filter="wipe(down)">
+                                      <p:cBhvr>
+                                        <p:cTn id="9" dur="500"/>
+                                        <p:tgtEl>
+                                          <p:spTgt spid="4"/>
+                                        </p:tgtEl>
+                                      </p:cBhvr>
+                                    </p:animEffect>
+                                  </p:childTnLst>
+                                </p:cTn>
+                              </p:par>
+                              <p:par>
+                                <p:cTn id="10" presetID="22" presetClass="entr" presetSubtype="4" fill="hold" grpId="0" nodeType="withEffect">
+                                  <p:stCondLst>
+                                    <p:cond delay="0"/>
+                                  </p:stCondLst>
+                                  <p:childTnLst>
+                                    <p:set>
+                                      <p:cBhvr>
+                                        <p:cTn id="11" dur="1" fill="hold">
+                                          <p:stCondLst>
+                                            <p:cond delay="0"/>
+                                          </p:stCondLst>
+                                        </p:cTn>
+                                        <p:tgtEl>
+                                          <p:spTgt spid="3"/>
+                                        </p:tgtEl>
+                                        <p:attrNameLst>
+                                          <p:attrName>style.visibility</p:attrName>
+                                        </p:attrNameLst>
+                                      </p:cBhvr>
+                                      <p:to>
+                                        <p:strVal val="visible"/>
+                                      </p:to>
+                                    </p:set>
+                                    <p:animEffect transition="in" filter="wipe(down)">
+                                      <p:cBhvr>
+                                        <p:cTn id="12" dur="500"/>
+                                        <p:tgtEl>
+                                          <p:spTgt spid="3"/>
+                                        </p:tgtEl>
+                                      </p:cBhvr>
+                                    </p:animEffect>
+                                  </p:childTnLst>
+                                </p:cTn>
+                              </p:par>
+                              <p:par>
+                                <p:cTn id="13" presetID="1" presetClass="entr" presetSubtype="0" fill="hold" nodeType="withEffect">
+                                  <p:stCondLst>
+                                    <p:cond delay="0"/>
+                                  </p:stCondLst>
+                                  <p:childTnLst>
+                                    <p:set>
+                                      <p:cBhvr>
+                                        <p:cTn id="14" dur="1" fill="hold">
+                                          <p:stCondLst>
+                                            <p:cond delay="0"/>
+                                          </p:stCondLst>
+                                        </p:cTn>
+                                        <p:tgtEl>
+                                          <p:spTgt spid="6"/>
+                                        </p:tgtEl>
+                                        <p:attrNameLst>
+                                          <p:attrName>style.visibility</p:attrName>
+                                        </p:attrNameLst>
+                                      </p:cBhvr>
+                                      <p:to>
+                                        <p:strVal val="visible"/>
+                                      </p:to>
+                                    </p:set>
+                                  </p:childTnLst>
+                                </p:cTn>
+                              </p:par>
+                            </p:childTnLst>
+                          </p:cTn>
+                        </p:par>
+                      </p:childTnLst>
+                    </p:cTn>
+                  </p:par>
+                </p:childTnLst>
+              </p:cTn>
+              <p:prevCondLst>
+                <p:cond evt="onPrev" delay="0">
+                  <p:tgtEl>
+                    <p:sldTgt/>
+                  </p:tgtEl>
+                </p:cond>
+              </p:prevCondLst>
+              <p:nextCondLst>
+                <p:cond evt="onNext" delay="0">
+                  <p:tgtEl>
+                    <p:sldTgt/>
+                  </p:tgtEl>
+                </p:cond>
+              </p:nextCondLst>
+            </p:seq>
+          </p:childTnLst>
+        </p:cTn>
+      </p:par>
+    </p:tnLst>
+    <p:bldLst>
+      <p:bldP spid="5" grpId="0"/>
+      <p:bldP spid="5" grpId="1"/>
+      <p:bldP spid="4" grpId="0" bldLvl="0" animBg="1"/>
+      <p:bldP spid="4" grpId="1" animBg="1"/>
+      <p:bldP spid="3" grpId="0" bldLvl="0" animBg="1"/>
+      <p:bldP spid="3" grpId="1" animBg="1"/>
+    </p:bldLst>
+  </p:timing>
 </p:sld>
 </file>
 
-<file path=ppt/slides/slide23.xml><?xml version="1.0" encoding="utf-8"?>
+<file path=ppt/slides/slide24.xml><?xml version="1.0" encoding="utf-8"?>
 <p:sld xmlns:a="http://schemas.openxmlformats.org/drawingml/2006/main" xmlns:r="http://schemas.openxmlformats.org/officeDocument/2006/relationships" xmlns:p="http://schemas.openxmlformats.org/presentationml/2006/main">
   <p:cSld>
     <p:spTree>
@@ -19890,9 +21490,9 @@
           <p:nvPr/>
         </p:nvSpPr>
         <p:spPr>
-          <a:xfrm rot="600000">
-            <a:off x="5342086" y="122979"/>
-            <a:ext cx="1728000" cy="944245"/>
+          <a:xfrm rot="300000">
+            <a:off x="4491355" y="224790"/>
+            <a:ext cx="2630805" cy="698500"/>
           </a:xfrm>
           <a:custGeom>
             <a:avLst/>
@@ -20068,8 +21668,8 @@
         </p:nvSpPr>
         <p:spPr>
           <a:xfrm>
-            <a:off x="5132070" y="245745"/>
-            <a:ext cx="2136775" cy="817245"/>
+            <a:off x="3101340" y="255270"/>
+            <a:ext cx="6209030" cy="817245"/>
           </a:xfrm>
         </p:spPr>
         <p:txBody>
@@ -20082,14 +21682,14 @@
                 <a:latin typeface="Aa小梨涡" panose="02010600010101010101" charset="-122"/>
                 <a:ea typeface="Aa小梨涡" panose="02010600010101010101" charset="-122"/>
               </a:rPr>
-              <a:t>1.</a:t>
+              <a:t>4.3.</a:t>
             </a:r>
             <a:r>
               <a:rPr lang="zh-CN" altLang="en-US">
                 <a:latin typeface="Aa小梨涡" panose="02010600010101010101" charset="-122"/>
                 <a:ea typeface="Aa小梨涡" panose="02010600010101010101" charset="-122"/>
               </a:rPr>
-              <a:t>开篇词</a:t>
+              <a:t>文件读写中的编码问题</a:t>
             </a:r>
             <a:endParaRPr lang="zh-CN" altLang="en-US">
               <a:latin typeface="Aa小梨涡" panose="02010600010101010101" charset="-122"/>
@@ -20191,15 +21791,1290 @@
           </a:p>
         </p:txBody>
       </p:sp>
+      <p:sp>
+        <p:nvSpPr>
+          <p:cNvPr id="5" name="文本框 4"/>
+          <p:cNvSpPr txBox="1"/>
+          <p:nvPr/>
+        </p:nvSpPr>
+        <p:spPr>
+          <a:xfrm>
+            <a:off x="565150" y="3338830"/>
+            <a:ext cx="11281410" cy="539750"/>
+          </a:xfrm>
+          <a:prstGeom prst="rect">
+            <a:avLst/>
+          </a:prstGeom>
+          <a:noFill/>
+          <a:ln>
+            <a:noFill/>
+          </a:ln>
+        </p:spPr>
+        <p:txBody>
+          <a:bodyPr wrap="square" rtlCol="0">
+            <a:spAutoFit/>
+          </a:bodyPr>
+          <a:p>
+            <a:pPr fontAlgn="auto">
+              <a:lnSpc>
+                <a:spcPts val="3500"/>
+              </a:lnSpc>
+            </a:pPr>
+            <a:r>
+              <a:rPr lang="en-US" altLang="zh-CN" sz="2200">
+                <a:latin typeface="Aa小梨涡" panose="02010600010101010101" charset="-122"/>
+                <a:ea typeface="Aa小梨涡" panose="02010600010101010101" charset="-122"/>
+                <a:cs typeface="Aa小梨涡" panose="02010600010101010101" charset="-122"/>
+                <a:sym typeface="+mn-ea"/>
+              </a:rPr>
+              <a:t>3. read()</a:t>
+            </a:r>
+            <a:endParaRPr lang="en-US" altLang="zh-CN" sz="2000">
+              <a:latin typeface="Aa小梨涡" panose="02010600010101010101" charset="-122"/>
+              <a:ea typeface="Aa小梨涡" panose="02010600010101010101" charset="-122"/>
+              <a:cs typeface="Aa小梨涡" panose="02010600010101010101" charset="-122"/>
+              <a:sym typeface="+mn-ea"/>
+            </a:endParaRPr>
+          </a:p>
+        </p:txBody>
+      </p:sp>
+      <p:graphicFrame>
+        <p:nvGraphicFramePr>
+          <p:cNvPr id="9" name="表格 8"/>
+          <p:cNvGraphicFramePr/>
+          <p:nvPr>
+            <p:custDataLst>
+              <p:tags r:id="rId1"/>
+            </p:custDataLst>
+          </p:nvPr>
+        </p:nvGraphicFramePr>
+        <p:xfrm>
+          <a:off x="1819275" y="4245610"/>
+          <a:ext cx="8533130" cy="2042160"/>
+        </p:xfrm>
+        <a:graphic>
+          <a:graphicData uri="http://schemas.openxmlformats.org/drawingml/2006/table">
+            <a:tbl>
+              <a:tblPr firstRow="1" bandRow="1">
+                <a:tableStyleId>{5C22544A-7EE6-4342-B048-85BDC9FD1C3A}</a:tableStyleId>
+              </a:tblPr>
+              <a:tblGrid>
+                <a:gridCol w="1497330"/>
+                <a:gridCol w="2339340"/>
+                <a:gridCol w="4696460"/>
+              </a:tblGrid>
+              <a:tr h="381000">
+                <a:tc>
+                  <a:txBody>
+                    <a:bodyPr/>
+                    <a:p>
+                      <a:pPr algn="ctr">
+                        <a:buNone/>
+                      </a:pPr>
+                      <a:r>
+                        <a:rPr lang="en-US" altLang="zh-CN" sz="1800">
+                          <a:latin typeface="Aa小梨涡" panose="02010600010101010101" charset="-122"/>
+                          <a:ea typeface="Aa小梨涡" panose="02010600010101010101" charset="-122"/>
+                          <a:cs typeface="Aa小梨涡" panose="02010600010101010101" charset="-122"/>
+                          <a:sym typeface="+mn-ea"/>
+                        </a:rPr>
+                        <a:t>I/O</a:t>
+                      </a:r>
+                      <a:r>
+                        <a:rPr lang="zh-CN" altLang="en-US" sz="1800">
+                          <a:latin typeface="Aa小梨涡" panose="02010600010101010101" charset="-122"/>
+                          <a:ea typeface="Aa小梨涡" panose="02010600010101010101" charset="-122"/>
+                          <a:cs typeface="Aa小梨涡" panose="02010600010101010101" charset="-122"/>
+                          <a:sym typeface="+mn-ea"/>
+                        </a:rPr>
+                        <a:t>类型</a:t>
+                      </a:r>
+                      <a:endParaRPr lang="zh-CN" altLang="en-US"/>
+                    </a:p>
+                  </a:txBody>
+                  <a:tcPr/>
+                </a:tc>
+                <a:tc>
+                  <a:txBody>
+                    <a:bodyPr/>
+                    <a:p>
+                      <a:pPr algn="ctr">
+                        <a:buNone/>
+                      </a:pPr>
+                      <a:r>
+                        <a:rPr lang="en-US" altLang="zh-CN">
+                          <a:latin typeface="Aa小梨涡" panose="02010600010101010101" charset="-122"/>
+                          <a:ea typeface="Aa小梨涡" panose="02010600010101010101" charset="-122"/>
+                        </a:rPr>
+                        <a:t>encoding</a:t>
+                      </a:r>
+                      <a:endParaRPr lang="zh-CN" altLang="en-US">
+                        <a:latin typeface="Aa小梨涡" panose="02010600010101010101" charset="-122"/>
+                        <a:ea typeface="Aa小梨涡" panose="02010600010101010101" charset="-122"/>
+                      </a:endParaRPr>
+                    </a:p>
+                  </a:txBody>
+                  <a:tcPr/>
+                </a:tc>
+                <a:tc>
+                  <a:txBody>
+                    <a:bodyPr/>
+                    <a:p>
+                      <a:pPr algn="ctr">
+                        <a:buNone/>
+                      </a:pPr>
+                      <a:r>
+                        <a:rPr lang="en-US" altLang="zh-CN">
+                          <a:latin typeface="Aa小梨涡" panose="02010600010101010101" charset="-122"/>
+                          <a:ea typeface="Aa小梨涡" panose="02010600010101010101" charset="-122"/>
+                        </a:rPr>
+                        <a:t>read()</a:t>
+                      </a:r>
+                      <a:endParaRPr lang="en-US" altLang="zh-CN">
+                        <a:latin typeface="Aa小梨涡" panose="02010600010101010101" charset="-122"/>
+                        <a:ea typeface="Aa小梨涡" panose="02010600010101010101" charset="-122"/>
+                      </a:endParaRPr>
+                    </a:p>
+                  </a:txBody>
+                  <a:tcPr/>
+                </a:tc>
+              </a:tr>
+              <a:tr h="381000">
+                <a:tc>
+                  <a:txBody>
+                    <a:bodyPr/>
+                    <a:p>
+                      <a:pPr algn="ctr">
+                        <a:buNone/>
+                      </a:pPr>
+                      <a:r>
+                        <a:rPr lang="zh-CN" altLang="en-US" sz="1800">
+                          <a:latin typeface="Aa小梨涡" panose="02010600010101010101" charset="-122"/>
+                          <a:ea typeface="Aa小梨涡" panose="02010600010101010101" charset="-122"/>
+                          <a:cs typeface="Aa小梨涡" panose="02010600010101010101" charset="-122"/>
+                          <a:sym typeface="+mn-ea"/>
+                        </a:rPr>
+                        <a:t>二进制</a:t>
+                      </a:r>
+                      <a:r>
+                        <a:rPr lang="en-US" altLang="zh-CN" sz="1800">
+                          <a:latin typeface="Aa小梨涡" panose="02010600010101010101" charset="-122"/>
+                          <a:ea typeface="Aa小梨涡" panose="02010600010101010101" charset="-122"/>
+                          <a:cs typeface="Aa小梨涡" panose="02010600010101010101" charset="-122"/>
+                          <a:sym typeface="+mn-ea"/>
+                        </a:rPr>
+                        <a:t>I/O</a:t>
+                      </a:r>
+                      <a:endParaRPr lang="zh-CN" altLang="en-US">
+                        <a:latin typeface="Aa小梨涡" panose="02010600010101010101" charset="-122"/>
+                        <a:ea typeface="Aa小梨涡" panose="02010600010101010101" charset="-122"/>
+                        <a:cs typeface="Aa小梨涡" panose="02010600010101010101" charset="-122"/>
+                      </a:endParaRPr>
+                    </a:p>
+                  </a:txBody>
+                  <a:tcPr/>
+                </a:tc>
+                <a:tc>
+                  <a:txBody>
+                    <a:bodyPr/>
+                    <a:p>
+                      <a:pPr algn="ctr">
+                        <a:buNone/>
+                      </a:pPr>
+                      <a:r>
+                        <a:rPr lang="zh-CN" altLang="en-US">
+                          <a:latin typeface="Aa小梨涡" panose="02010600010101010101" charset="-122"/>
+                          <a:ea typeface="Aa小梨涡" panose="02010600010101010101" charset="-122"/>
+                          <a:cs typeface="Aa小梨涡" panose="02010600010101010101" charset="-122"/>
+                        </a:rPr>
+                        <a:t>不考虑</a:t>
+                      </a:r>
+                      <a:endParaRPr lang="zh-CN" altLang="en-US">
+                        <a:latin typeface="Aa小梨涡" panose="02010600010101010101" charset="-122"/>
+                        <a:ea typeface="Aa小梨涡" panose="02010600010101010101" charset="-122"/>
+                        <a:cs typeface="Aa小梨涡" panose="02010600010101010101" charset="-122"/>
+                      </a:endParaRPr>
+                    </a:p>
+                  </a:txBody>
+                  <a:tcPr/>
+                </a:tc>
+                <a:tc>
+                  <a:txBody>
+                    <a:bodyPr/>
+                    <a:p>
+                      <a:pPr algn="ctr">
+                        <a:buNone/>
+                      </a:pPr>
+                      <a:r>
+                        <a:rPr lang="zh-CN" altLang="en-US">
+                          <a:latin typeface="Aa小梨涡" panose="02010600010101010101" charset="-122"/>
+                          <a:ea typeface="Aa小梨涡" panose="02010600010101010101" charset="-122"/>
+                          <a:cs typeface="Aa小梨涡" panose="02010600010101010101" charset="-122"/>
+                        </a:rPr>
+                        <a:t>读取字节流成</a:t>
+                      </a:r>
+                      <a:r>
+                        <a:rPr lang="en-US" altLang="zh-CN">
+                          <a:latin typeface="Aa小梨涡" panose="02010600010101010101" charset="-122"/>
+                          <a:ea typeface="Aa小梨涡" panose="02010600010101010101" charset="-122"/>
+                          <a:cs typeface="Aa小梨涡" panose="02010600010101010101" charset="-122"/>
+                        </a:rPr>
+                        <a:t>bytes</a:t>
+                      </a:r>
+                      <a:r>
+                        <a:rPr lang="zh-CN" altLang="en-US">
+                          <a:latin typeface="Aa小梨涡" panose="02010600010101010101" charset="-122"/>
+                          <a:ea typeface="Aa小梨涡" panose="02010600010101010101" charset="-122"/>
+                          <a:cs typeface="Aa小梨涡" panose="02010600010101010101" charset="-122"/>
+                        </a:rPr>
+                        <a:t>字符序列</a:t>
+                      </a:r>
+                      <a:endParaRPr lang="zh-CN" altLang="en-US">
+                        <a:latin typeface="Aa小梨涡" panose="02010600010101010101" charset="-122"/>
+                        <a:ea typeface="Aa小梨涡" panose="02010600010101010101" charset="-122"/>
+                        <a:cs typeface="Aa小梨涡" panose="02010600010101010101" charset="-122"/>
+                      </a:endParaRPr>
+                    </a:p>
+                  </a:txBody>
+                  <a:tcPr/>
+                </a:tc>
+              </a:tr>
+              <a:tr h="381000">
+                <a:tc>
+                  <a:txBody>
+                    <a:bodyPr/>
+                    <a:p>
+                      <a:pPr algn="ctr">
+                        <a:buNone/>
+                      </a:pPr>
+                      <a:r>
+                        <a:rPr lang="zh-CN" altLang="en-US">
+                          <a:latin typeface="Aa小梨涡" panose="02010600010101010101" charset="-122"/>
+                          <a:ea typeface="Aa小梨涡" panose="02010600010101010101" charset="-122"/>
+                          <a:cs typeface="Aa小梨涡" panose="02010600010101010101" charset="-122"/>
+                        </a:rPr>
+                        <a:t>文本</a:t>
+                      </a:r>
+                      <a:r>
+                        <a:rPr lang="en-US" altLang="zh-CN" sz="1800">
+                          <a:latin typeface="Aa小梨涡" panose="02010600010101010101" charset="-122"/>
+                          <a:ea typeface="Aa小梨涡" panose="02010600010101010101" charset="-122"/>
+                          <a:cs typeface="Aa小梨涡" panose="02010600010101010101" charset="-122"/>
+                          <a:sym typeface="+mn-ea"/>
+                        </a:rPr>
+                        <a:t>I/O</a:t>
+                      </a:r>
+                      <a:endParaRPr lang="zh-CN" altLang="en-US">
+                        <a:latin typeface="Aa小梨涡" panose="02010600010101010101" charset="-122"/>
+                        <a:ea typeface="Aa小梨涡" panose="02010600010101010101" charset="-122"/>
+                        <a:cs typeface="Aa小梨涡" panose="02010600010101010101" charset="-122"/>
+                      </a:endParaRPr>
+                    </a:p>
+                  </a:txBody>
+                  <a:tcPr/>
+                </a:tc>
+                <a:tc>
+                  <a:txBody>
+                    <a:bodyPr/>
+                    <a:p>
+                      <a:pPr algn="ctr">
+                        <a:buNone/>
+                      </a:pPr>
+                      <a:r>
+                        <a:rPr lang="zh-CN" altLang="en-US">
+                          <a:latin typeface="Aa小梨涡" panose="02010600010101010101" charset="-122"/>
+                          <a:ea typeface="Aa小梨涡" panose="02010600010101010101" charset="-122"/>
+                          <a:cs typeface="Aa小梨涡" panose="02010600010101010101" charset="-122"/>
+                        </a:rPr>
+                        <a:t>指定编码类型</a:t>
+                      </a:r>
+                      <a:endParaRPr lang="zh-CN" altLang="en-US">
+                        <a:latin typeface="Aa小梨涡" panose="02010600010101010101" charset="-122"/>
+                        <a:ea typeface="Aa小梨涡" panose="02010600010101010101" charset="-122"/>
+                        <a:cs typeface="Aa小梨涡" panose="02010600010101010101" charset="-122"/>
+                      </a:endParaRPr>
+                    </a:p>
+                  </a:txBody>
+                  <a:tcPr/>
+                </a:tc>
+                <a:tc>
+                  <a:txBody>
+                    <a:bodyPr/>
+                    <a:p>
+                      <a:pPr algn="ctr">
+                        <a:buNone/>
+                      </a:pPr>
+                      <a:r>
+                        <a:rPr lang="zh-CN" altLang="en-US" sz="1800">
+                          <a:latin typeface="Aa小梨涡" panose="02010600010101010101" charset="-122"/>
+                          <a:ea typeface="Aa小梨涡" panose="02010600010101010101" charset="-122"/>
+                          <a:cs typeface="Aa小梨涡" panose="02010600010101010101" charset="-122"/>
+                          <a:sym typeface="+mn-ea"/>
+                        </a:rPr>
+                        <a:t>用指定的编码方式对读取的二进制数据进行解码成</a:t>
+                      </a:r>
+                      <a:r>
+                        <a:rPr lang="en-US" altLang="zh-CN" sz="1800">
+                          <a:latin typeface="Aa小梨涡" panose="02010600010101010101" charset="-122"/>
+                          <a:ea typeface="Aa小梨涡" panose="02010600010101010101" charset="-122"/>
+                          <a:cs typeface="Aa小梨涡" panose="02010600010101010101" charset="-122"/>
+                          <a:sym typeface="+mn-ea"/>
+                        </a:rPr>
+                        <a:t>unicode</a:t>
+                      </a:r>
+                      <a:r>
+                        <a:rPr lang="zh-CN" altLang="en-US" sz="1800">
+                          <a:latin typeface="Aa小梨涡" panose="02010600010101010101" charset="-122"/>
+                          <a:ea typeface="Aa小梨涡" panose="02010600010101010101" charset="-122"/>
+                          <a:cs typeface="Aa小梨涡" panose="02010600010101010101" charset="-122"/>
+                          <a:sym typeface="+mn-ea"/>
+                        </a:rPr>
+                        <a:t>字符序列</a:t>
+                      </a:r>
+                      <a:endParaRPr lang="zh-CN" altLang="en-US">
+                        <a:latin typeface="Aa小梨涡" panose="02010600010101010101" charset="-122"/>
+                        <a:ea typeface="Aa小梨涡" panose="02010600010101010101" charset="-122"/>
+                        <a:cs typeface="Aa小梨涡" panose="02010600010101010101" charset="-122"/>
+                      </a:endParaRPr>
+                    </a:p>
+                  </a:txBody>
+                  <a:tcPr/>
+                </a:tc>
+              </a:tr>
+              <a:tr h="381000">
+                <a:tc>
+                  <a:txBody>
+                    <a:bodyPr/>
+                    <a:p>
+                      <a:pPr algn="ctr">
+                        <a:buNone/>
+                      </a:pPr>
+                      <a:r>
+                        <a:rPr lang="zh-CN" altLang="en-US">
+                          <a:latin typeface="Aa小梨涡" panose="02010600010101010101" charset="-122"/>
+                          <a:ea typeface="Aa小梨涡" panose="02010600010101010101" charset="-122"/>
+                          <a:cs typeface="Aa小梨涡" panose="02010600010101010101" charset="-122"/>
+                        </a:rPr>
+                        <a:t>文本</a:t>
+                      </a:r>
+                      <a:r>
+                        <a:rPr lang="en-US" altLang="zh-CN" sz="1800">
+                          <a:latin typeface="Aa小梨涡" panose="02010600010101010101" charset="-122"/>
+                          <a:ea typeface="Aa小梨涡" panose="02010600010101010101" charset="-122"/>
+                          <a:cs typeface="Aa小梨涡" panose="02010600010101010101" charset="-122"/>
+                          <a:sym typeface="+mn-ea"/>
+                        </a:rPr>
+                        <a:t>I/O</a:t>
+                      </a:r>
+                      <a:endParaRPr lang="zh-CN" altLang="en-US">
+                        <a:latin typeface="Aa小梨涡" panose="02010600010101010101" charset="-122"/>
+                        <a:ea typeface="Aa小梨涡" panose="02010600010101010101" charset="-122"/>
+                        <a:cs typeface="Aa小梨涡" panose="02010600010101010101" charset="-122"/>
+                      </a:endParaRPr>
+                    </a:p>
+                  </a:txBody>
+                  <a:tcPr/>
+                </a:tc>
+                <a:tc>
+                  <a:txBody>
+                    <a:bodyPr/>
+                    <a:p>
+                      <a:pPr algn="ctr">
+                        <a:buNone/>
+                      </a:pPr>
+                      <a:r>
+                        <a:rPr lang="zh-CN" altLang="en-US">
+                          <a:latin typeface="Aa小梨涡" panose="02010600010101010101" charset="-122"/>
+                          <a:ea typeface="Aa小梨涡" panose="02010600010101010101" charset="-122"/>
+                          <a:cs typeface="Aa小梨涡" panose="02010600010101010101" charset="-122"/>
+                        </a:rPr>
+                        <a:t>不指定编码类型</a:t>
+                      </a:r>
+                      <a:endParaRPr lang="zh-CN" altLang="en-US">
+                        <a:latin typeface="Aa小梨涡" panose="02010600010101010101" charset="-122"/>
+                        <a:ea typeface="Aa小梨涡" panose="02010600010101010101" charset="-122"/>
+                        <a:cs typeface="Aa小梨涡" panose="02010600010101010101" charset="-122"/>
+                      </a:endParaRPr>
+                    </a:p>
+                  </a:txBody>
+                  <a:tcPr/>
+                </a:tc>
+                <a:tc>
+                  <a:txBody>
+                    <a:bodyPr/>
+                    <a:p>
+                      <a:pPr algn="ctr">
+                        <a:buNone/>
+                      </a:pPr>
+                      <a:r>
+                        <a:rPr lang="zh-CN" altLang="en-US">
+                          <a:latin typeface="Aa小梨涡" panose="02010600010101010101" charset="-122"/>
+                          <a:ea typeface="Aa小梨涡" panose="02010600010101010101" charset="-122"/>
+                          <a:cs typeface="Aa小梨涡" panose="02010600010101010101" charset="-122"/>
+                        </a:rPr>
+                        <a:t>用平台依赖的默认编码方式对读取的二进制数据进行解码成</a:t>
+                      </a:r>
+                      <a:r>
+                        <a:rPr lang="en-US" altLang="zh-CN">
+                          <a:latin typeface="Aa小梨涡" panose="02010600010101010101" charset="-122"/>
+                          <a:ea typeface="Aa小梨涡" panose="02010600010101010101" charset="-122"/>
+                          <a:cs typeface="Aa小梨涡" panose="02010600010101010101" charset="-122"/>
+                        </a:rPr>
+                        <a:t>unicode</a:t>
+                      </a:r>
+                      <a:r>
+                        <a:rPr lang="zh-CN" altLang="en-US">
+                          <a:latin typeface="Aa小梨涡" panose="02010600010101010101" charset="-122"/>
+                          <a:ea typeface="Aa小梨涡" panose="02010600010101010101" charset="-122"/>
+                          <a:cs typeface="Aa小梨涡" panose="02010600010101010101" charset="-122"/>
+                        </a:rPr>
+                        <a:t>字符序列</a:t>
+                      </a:r>
+                      <a:endParaRPr lang="zh-CN" altLang="en-US">
+                        <a:latin typeface="Aa小梨涡" panose="02010600010101010101" charset="-122"/>
+                        <a:ea typeface="Aa小梨涡" panose="02010600010101010101" charset="-122"/>
+                        <a:cs typeface="Aa小梨涡" panose="02010600010101010101" charset="-122"/>
+                      </a:endParaRPr>
+                    </a:p>
+                  </a:txBody>
+                  <a:tcPr/>
+                </a:tc>
+              </a:tr>
+            </a:tbl>
+          </a:graphicData>
+        </a:graphic>
+      </p:graphicFrame>
+      <p:cxnSp>
+        <p:nvCxnSpPr>
+          <p:cNvPr id="14" name="直接连接符 13"/>
+          <p:cNvCxnSpPr/>
+          <p:nvPr/>
+        </p:nvCxnSpPr>
+        <p:spPr>
+          <a:xfrm>
+            <a:off x="6842760" y="5605780"/>
+            <a:ext cx="466090" cy="7620"/>
+          </a:xfrm>
+          <a:prstGeom prst="line">
+            <a:avLst/>
+          </a:prstGeom>
+          <a:ln w="31750">
+            <a:solidFill>
+              <a:srgbClr val="FF0000"/>
+            </a:solidFill>
+          </a:ln>
+        </p:spPr>
+        <p:style>
+          <a:lnRef idx="1">
+            <a:schemeClr val="accent1"/>
+          </a:lnRef>
+          <a:fillRef idx="0">
+            <a:schemeClr val="accent1"/>
+          </a:fillRef>
+          <a:effectRef idx="0">
+            <a:schemeClr val="accent1"/>
+          </a:effectRef>
+          <a:fontRef idx="minor">
+            <a:schemeClr val="tx1"/>
+          </a:fontRef>
+        </p:style>
+      </p:cxnSp>
+      <p:cxnSp>
+        <p:nvCxnSpPr>
+          <p:cNvPr id="15" name="直接连接符 14"/>
+          <p:cNvCxnSpPr/>
+          <p:nvPr/>
+        </p:nvCxnSpPr>
+        <p:spPr>
+          <a:xfrm>
+            <a:off x="7322820" y="6202045"/>
+            <a:ext cx="466090" cy="7620"/>
+          </a:xfrm>
+          <a:prstGeom prst="line">
+            <a:avLst/>
+          </a:prstGeom>
+          <a:ln w="31750">
+            <a:solidFill>
+              <a:srgbClr val="FF0000"/>
+            </a:solidFill>
+          </a:ln>
+        </p:spPr>
+        <p:style>
+          <a:lnRef idx="1">
+            <a:schemeClr val="accent1"/>
+          </a:lnRef>
+          <a:fillRef idx="0">
+            <a:schemeClr val="accent1"/>
+          </a:fillRef>
+          <a:effectRef idx="0">
+            <a:schemeClr val="accent1"/>
+          </a:effectRef>
+          <a:fontRef idx="minor">
+            <a:schemeClr val="tx1"/>
+          </a:fontRef>
+        </p:style>
+      </p:cxnSp>
+      <p:sp>
+        <p:nvSpPr>
+          <p:cNvPr id="16" name="文本框 15"/>
+          <p:cNvSpPr txBox="1"/>
+          <p:nvPr/>
+        </p:nvSpPr>
+        <p:spPr>
+          <a:xfrm>
+            <a:off x="565150" y="1214120"/>
+            <a:ext cx="11281410" cy="539750"/>
+          </a:xfrm>
+          <a:prstGeom prst="rect">
+            <a:avLst/>
+          </a:prstGeom>
+          <a:noFill/>
+          <a:ln>
+            <a:noFill/>
+          </a:ln>
+        </p:spPr>
+        <p:txBody>
+          <a:bodyPr wrap="square" rtlCol="0">
+            <a:spAutoFit/>
+          </a:bodyPr>
+          <a:p>
+            <a:pPr fontAlgn="auto">
+              <a:lnSpc>
+                <a:spcPts val="3500"/>
+              </a:lnSpc>
+            </a:pPr>
+            <a:r>
+              <a:rPr lang="en-US" altLang="zh-CN" sz="2200">
+                <a:latin typeface="Aa小梨涡" panose="02010600010101010101" charset="-122"/>
+                <a:ea typeface="Aa小梨涡" panose="02010600010101010101" charset="-122"/>
+                <a:cs typeface="Aa小梨涡" panose="02010600010101010101" charset="-122"/>
+                <a:sym typeface="+mn-ea"/>
+              </a:rPr>
+              <a:t>2. write()</a:t>
+            </a:r>
+            <a:endParaRPr lang="en-US" altLang="zh-CN" sz="2000">
+              <a:latin typeface="Aa小梨涡" panose="02010600010101010101" charset="-122"/>
+              <a:ea typeface="Aa小梨涡" panose="02010600010101010101" charset="-122"/>
+              <a:cs typeface="Aa小梨涡" panose="02010600010101010101" charset="-122"/>
+              <a:sym typeface="+mn-ea"/>
+            </a:endParaRPr>
+          </a:p>
+        </p:txBody>
+      </p:sp>
+      <p:graphicFrame>
+        <p:nvGraphicFramePr>
+          <p:cNvPr id="17" name="表格 16"/>
+          <p:cNvGraphicFramePr/>
+          <p:nvPr>
+            <p:custDataLst>
+              <p:tags r:id="rId2"/>
+            </p:custDataLst>
+          </p:nvPr>
+        </p:nvGraphicFramePr>
+        <p:xfrm>
+          <a:off x="1798955" y="1994535"/>
+          <a:ext cx="8533130" cy="1143000"/>
+        </p:xfrm>
+        <a:graphic>
+          <a:graphicData uri="http://schemas.openxmlformats.org/drawingml/2006/table">
+            <a:tbl>
+              <a:tblPr firstRow="1" bandRow="1">
+                <a:tableStyleId>{5C22544A-7EE6-4342-B048-85BDC9FD1C3A}</a:tableStyleId>
+              </a:tblPr>
+              <a:tblGrid>
+                <a:gridCol w="1440815"/>
+                <a:gridCol w="7092315"/>
+              </a:tblGrid>
+              <a:tr h="381000">
+                <a:tc>
+                  <a:txBody>
+                    <a:bodyPr/>
+                    <a:p>
+                      <a:pPr algn="ctr">
+                        <a:buNone/>
+                      </a:pPr>
+                      <a:r>
+                        <a:rPr lang="en-US" altLang="zh-CN" sz="1800">
+                          <a:latin typeface="Aa小梨涡" panose="02010600010101010101" charset="-122"/>
+                          <a:ea typeface="Aa小梨涡" panose="02010600010101010101" charset="-122"/>
+                          <a:cs typeface="Aa小梨涡" panose="02010600010101010101" charset="-122"/>
+                          <a:sym typeface="+mn-ea"/>
+                        </a:rPr>
+                        <a:t>I/O</a:t>
+                      </a:r>
+                      <a:r>
+                        <a:rPr lang="zh-CN" altLang="en-US" sz="1800">
+                          <a:latin typeface="Aa小梨涡" panose="02010600010101010101" charset="-122"/>
+                          <a:ea typeface="Aa小梨涡" panose="02010600010101010101" charset="-122"/>
+                          <a:cs typeface="Aa小梨涡" panose="02010600010101010101" charset="-122"/>
+                          <a:sym typeface="+mn-ea"/>
+                        </a:rPr>
+                        <a:t>类型</a:t>
+                      </a:r>
+                      <a:endParaRPr lang="zh-CN" altLang="en-US"/>
+                    </a:p>
+                  </a:txBody>
+                  <a:tcPr/>
+                </a:tc>
+                <a:tc>
+                  <a:txBody>
+                    <a:bodyPr/>
+                    <a:p>
+                      <a:pPr algn="ctr">
+                        <a:buNone/>
+                      </a:pPr>
+                      <a:r>
+                        <a:rPr lang="en-US" altLang="zh-CN">
+                          <a:latin typeface="Aa小梨涡" panose="02010600010101010101" charset="-122"/>
+                          <a:ea typeface="Aa小梨涡" panose="02010600010101010101" charset="-122"/>
+                        </a:rPr>
+                        <a:t>write(type)</a:t>
+                      </a:r>
+                      <a:endParaRPr lang="en-US" altLang="zh-CN">
+                        <a:latin typeface="Aa小梨涡" panose="02010600010101010101" charset="-122"/>
+                        <a:ea typeface="Aa小梨涡" panose="02010600010101010101" charset="-122"/>
+                      </a:endParaRPr>
+                    </a:p>
+                  </a:txBody>
+                  <a:tcPr/>
+                </a:tc>
+              </a:tr>
+              <a:tr h="381000">
+                <a:tc>
+                  <a:txBody>
+                    <a:bodyPr/>
+                    <a:p>
+                      <a:pPr algn="ctr">
+                        <a:buNone/>
+                      </a:pPr>
+                      <a:r>
+                        <a:rPr lang="zh-CN" altLang="en-US">
+                          <a:latin typeface="Aa小梨涡" panose="02010600010101010101" charset="-122"/>
+                          <a:ea typeface="Aa小梨涡" panose="02010600010101010101" charset="-122"/>
+                          <a:cs typeface="Aa小梨涡" panose="02010600010101010101" charset="-122"/>
+                        </a:rPr>
+                        <a:t>二进制</a:t>
+                      </a:r>
+                      <a:r>
+                        <a:rPr lang="en-US" altLang="zh-CN">
+                          <a:latin typeface="Aa小梨涡" panose="02010600010101010101" charset="-122"/>
+                          <a:ea typeface="Aa小梨涡" panose="02010600010101010101" charset="-122"/>
+                          <a:cs typeface="Aa小梨涡" panose="02010600010101010101" charset="-122"/>
+                        </a:rPr>
+                        <a:t>I/O</a:t>
+                      </a:r>
+                      <a:endParaRPr lang="zh-CN" altLang="en-US">
+                        <a:latin typeface="Aa小梨涡" panose="02010600010101010101" charset="-122"/>
+                        <a:ea typeface="Aa小梨涡" panose="02010600010101010101" charset="-122"/>
+                        <a:cs typeface="Aa小梨涡" panose="02010600010101010101" charset="-122"/>
+                      </a:endParaRPr>
+                    </a:p>
+                  </a:txBody>
+                  <a:tcPr/>
+                </a:tc>
+                <a:tc>
+                  <a:txBody>
+                    <a:bodyPr/>
+                    <a:p>
+                      <a:pPr algn="ctr">
+                        <a:buNone/>
+                      </a:pPr>
+                      <a:r>
+                        <a:rPr lang="en-US" altLang="zh-CN">
+                          <a:latin typeface="Aa小梨涡" panose="02010600010101010101" charset="-122"/>
+                          <a:ea typeface="Aa小梨涡" panose="02010600010101010101" charset="-122"/>
+                          <a:cs typeface="Aa小梨涡" panose="02010600010101010101" charset="-122"/>
+                        </a:rPr>
+                        <a:t>type</a:t>
+                      </a:r>
+                      <a:r>
+                        <a:rPr lang="zh-CN" altLang="en-US">
+                          <a:latin typeface="Aa小梨涡" panose="02010600010101010101" charset="-122"/>
+                          <a:ea typeface="Aa小梨涡" panose="02010600010101010101" charset="-122"/>
+                          <a:cs typeface="Aa小梨涡" panose="02010600010101010101" charset="-122"/>
+                        </a:rPr>
+                        <a:t>必须是bytes-like对象，例如图片字节流，</a:t>
+                      </a:r>
+                      <a:r>
+                        <a:rPr lang="en-US" altLang="zh-CN">
+                          <a:latin typeface="Aa小梨涡" panose="02010600010101010101" charset="-122"/>
+                          <a:ea typeface="Aa小梨涡" panose="02010600010101010101" charset="-122"/>
+                          <a:cs typeface="Aa小梨涡" panose="02010600010101010101" charset="-122"/>
+                        </a:rPr>
+                        <a:t>bytes</a:t>
+                      </a:r>
+                      <a:r>
+                        <a:rPr lang="zh-CN" altLang="en-US">
+                          <a:latin typeface="Aa小梨涡" panose="02010600010101010101" charset="-122"/>
+                          <a:ea typeface="Aa小梨涡" panose="02010600010101010101" charset="-122"/>
+                          <a:cs typeface="Aa小梨涡" panose="02010600010101010101" charset="-122"/>
+                        </a:rPr>
+                        <a:t>类型的字符序列等</a:t>
+                      </a:r>
+                      <a:endParaRPr lang="zh-CN" altLang="en-US">
+                        <a:latin typeface="Aa小梨涡" panose="02010600010101010101" charset="-122"/>
+                        <a:ea typeface="Aa小梨涡" panose="02010600010101010101" charset="-122"/>
+                        <a:cs typeface="Aa小梨涡" panose="02010600010101010101" charset="-122"/>
+                      </a:endParaRPr>
+                    </a:p>
+                  </a:txBody>
+                  <a:tcPr/>
+                </a:tc>
+              </a:tr>
+              <a:tr h="381000">
+                <a:tc>
+                  <a:txBody>
+                    <a:bodyPr/>
+                    <a:p>
+                      <a:pPr algn="ctr">
+                        <a:buNone/>
+                      </a:pPr>
+                      <a:r>
+                        <a:rPr lang="zh-CN" altLang="en-US">
+                          <a:latin typeface="Aa小梨涡" panose="02010600010101010101" charset="-122"/>
+                          <a:ea typeface="Aa小梨涡" panose="02010600010101010101" charset="-122"/>
+                          <a:cs typeface="Aa小梨涡" panose="02010600010101010101" charset="-122"/>
+                        </a:rPr>
+                        <a:t>文本</a:t>
+                      </a:r>
+                      <a:r>
+                        <a:rPr lang="en-US" altLang="zh-CN" sz="1800">
+                          <a:latin typeface="Aa小梨涡" panose="02010600010101010101" charset="-122"/>
+                          <a:ea typeface="Aa小梨涡" panose="02010600010101010101" charset="-122"/>
+                          <a:cs typeface="Aa小梨涡" panose="02010600010101010101" charset="-122"/>
+                          <a:sym typeface="+mn-ea"/>
+                        </a:rPr>
+                        <a:t>I/O</a:t>
+                      </a:r>
+                      <a:endParaRPr lang="zh-CN" altLang="en-US">
+                        <a:latin typeface="Aa小梨涡" panose="02010600010101010101" charset="-122"/>
+                        <a:ea typeface="Aa小梨涡" panose="02010600010101010101" charset="-122"/>
+                        <a:cs typeface="Aa小梨涡" panose="02010600010101010101" charset="-122"/>
+                      </a:endParaRPr>
+                    </a:p>
+                  </a:txBody>
+                  <a:tcPr/>
+                </a:tc>
+                <a:tc>
+                  <a:txBody>
+                    <a:bodyPr/>
+                    <a:p>
+                      <a:pPr algn="ctr">
+                        <a:buNone/>
+                      </a:pPr>
+                      <a:r>
+                        <a:rPr lang="en-US" altLang="zh-CN">
+                          <a:latin typeface="Aa小梨涡" panose="02010600010101010101" charset="-122"/>
+                          <a:ea typeface="Aa小梨涡" panose="02010600010101010101" charset="-122"/>
+                          <a:cs typeface="Aa小梨涡" panose="02010600010101010101" charset="-122"/>
+                        </a:rPr>
+                        <a:t>type</a:t>
+                      </a:r>
+                      <a:r>
+                        <a:rPr lang="zh-CN" altLang="en-US">
+                          <a:latin typeface="Aa小梨涡" panose="02010600010101010101" charset="-122"/>
+                          <a:ea typeface="Aa小梨涡" panose="02010600010101010101" charset="-122"/>
+                          <a:cs typeface="Aa小梨涡" panose="02010600010101010101" charset="-122"/>
+                        </a:rPr>
+                        <a:t>必须是字符串，即</a:t>
+                      </a:r>
+                      <a:r>
+                        <a:rPr lang="en-US" altLang="zh-CN">
+                          <a:latin typeface="Aa小梨涡" panose="02010600010101010101" charset="-122"/>
+                          <a:ea typeface="Aa小梨涡" panose="02010600010101010101" charset="-122"/>
+                          <a:cs typeface="Aa小梨涡" panose="02010600010101010101" charset="-122"/>
+                        </a:rPr>
+                        <a:t>unicode</a:t>
+                      </a:r>
+                      <a:r>
+                        <a:rPr lang="zh-CN" altLang="en-US">
+                          <a:latin typeface="Aa小梨涡" panose="02010600010101010101" charset="-122"/>
+                          <a:ea typeface="Aa小梨涡" panose="02010600010101010101" charset="-122"/>
+                          <a:cs typeface="Aa小梨涡" panose="02010600010101010101" charset="-122"/>
+                        </a:rPr>
+                        <a:t>字符序列，对其使用</a:t>
+                      </a:r>
+                      <a:r>
+                        <a:rPr lang="en-US" altLang="zh-CN">
+                          <a:latin typeface="Aa小梨涡" panose="02010600010101010101" charset="-122"/>
+                          <a:ea typeface="Aa小梨涡" panose="02010600010101010101" charset="-122"/>
+                          <a:cs typeface="Aa小梨涡" panose="02010600010101010101" charset="-122"/>
+                        </a:rPr>
+                        <a:t>encoding</a:t>
+                      </a:r>
+                      <a:r>
+                        <a:rPr lang="zh-CN" altLang="en-US">
+                          <a:latin typeface="Aa小梨涡" panose="02010600010101010101" charset="-122"/>
+                          <a:ea typeface="Aa小梨涡" panose="02010600010101010101" charset="-122"/>
+                          <a:cs typeface="Aa小梨涡" panose="02010600010101010101" charset="-122"/>
+                        </a:rPr>
+                        <a:t>参数指定的或者平台依赖的默认编码方法进行编码后保存</a:t>
+                      </a:r>
+                      <a:endParaRPr lang="zh-CN" altLang="en-US">
+                        <a:latin typeface="Aa小梨涡" panose="02010600010101010101" charset="-122"/>
+                        <a:ea typeface="Aa小梨涡" panose="02010600010101010101" charset="-122"/>
+                        <a:cs typeface="Aa小梨涡" panose="02010600010101010101" charset="-122"/>
+                      </a:endParaRPr>
+                    </a:p>
+                  </a:txBody>
+                  <a:tcPr/>
+                </a:tc>
+              </a:tr>
+            </a:tbl>
+          </a:graphicData>
+        </a:graphic>
+      </p:graphicFrame>
+      <p:cxnSp>
+        <p:nvCxnSpPr>
+          <p:cNvPr id="19" name="直接连接符 18"/>
+          <p:cNvCxnSpPr/>
+          <p:nvPr/>
+        </p:nvCxnSpPr>
+        <p:spPr>
+          <a:xfrm>
+            <a:off x="4465955" y="2696210"/>
+            <a:ext cx="1245235" cy="7620"/>
+          </a:xfrm>
+          <a:prstGeom prst="line">
+            <a:avLst/>
+          </a:prstGeom>
+          <a:ln w="31750">
+            <a:solidFill>
+              <a:srgbClr val="FF0000"/>
+            </a:solidFill>
+          </a:ln>
+        </p:spPr>
+        <p:style>
+          <a:lnRef idx="1">
+            <a:schemeClr val="accent1"/>
+          </a:lnRef>
+          <a:fillRef idx="0">
+            <a:schemeClr val="accent1"/>
+          </a:fillRef>
+          <a:effectRef idx="0">
+            <a:schemeClr val="accent1"/>
+          </a:effectRef>
+          <a:fontRef idx="minor">
+            <a:schemeClr val="tx1"/>
+          </a:fontRef>
+        </p:style>
+      </p:cxnSp>
+      <p:cxnSp>
+        <p:nvCxnSpPr>
+          <p:cNvPr id="21" name="直接连接符 20"/>
+          <p:cNvCxnSpPr/>
+          <p:nvPr/>
+        </p:nvCxnSpPr>
+        <p:spPr>
+          <a:xfrm flipV="1">
+            <a:off x="4465955" y="3063240"/>
+            <a:ext cx="659765" cy="1905"/>
+          </a:xfrm>
+          <a:prstGeom prst="line">
+            <a:avLst/>
+          </a:prstGeom>
+          <a:ln w="31750">
+            <a:solidFill>
+              <a:srgbClr val="FF0000"/>
+            </a:solidFill>
+          </a:ln>
+        </p:spPr>
+        <p:style>
+          <a:lnRef idx="1">
+            <a:schemeClr val="accent1"/>
+          </a:lnRef>
+          <a:fillRef idx="0">
+            <a:schemeClr val="accent1"/>
+          </a:fillRef>
+          <a:effectRef idx="0">
+            <a:schemeClr val="accent1"/>
+          </a:effectRef>
+          <a:fontRef idx="minor">
+            <a:schemeClr val="tx1"/>
+          </a:fontRef>
+        </p:style>
+      </p:cxnSp>
+      <p:cxnSp>
+        <p:nvCxnSpPr>
+          <p:cNvPr id="22" name="直接连接符 21"/>
+          <p:cNvCxnSpPr/>
+          <p:nvPr/>
+        </p:nvCxnSpPr>
+        <p:spPr>
+          <a:xfrm>
+            <a:off x="8068310" y="3331210"/>
+            <a:ext cx="466090" cy="7620"/>
+          </a:xfrm>
+          <a:prstGeom prst="line">
+            <a:avLst/>
+          </a:prstGeom>
+          <a:ln w="31750">
+            <a:solidFill>
+              <a:srgbClr val="FF0000"/>
+            </a:solidFill>
+          </a:ln>
+        </p:spPr>
+        <p:style>
+          <a:lnRef idx="1">
+            <a:schemeClr val="accent1"/>
+          </a:lnRef>
+          <a:fillRef idx="0">
+            <a:schemeClr val="accent1"/>
+          </a:fillRef>
+          <a:effectRef idx="0">
+            <a:schemeClr val="accent1"/>
+          </a:effectRef>
+          <a:fontRef idx="minor">
+            <a:schemeClr val="tx1"/>
+          </a:fontRef>
+        </p:style>
+      </p:cxnSp>
     </p:spTree>
   </p:cSld>
   <p:clrMapOvr>
     <a:masterClrMapping/>
   </p:clrMapOvr>
+  <p:timing>
+    <p:tnLst>
+      <p:par>
+        <p:cTn id="1" dur="indefinite" restart="never" nodeType="tmRoot">
+          <p:childTnLst>
+            <p:seq concurrent="1" nextAc="seek">
+              <p:cTn id="2" dur="indefinite" nodeType="mainSeq">
+                <p:childTnLst>
+                  <p:par>
+                    <p:cTn id="3" fill="hold">
+                      <p:stCondLst>
+                        <p:cond delay="indefinite"/>
+                      </p:stCondLst>
+                      <p:childTnLst>
+                        <p:par>
+                          <p:cTn id="4" fill="hold">
+                            <p:stCondLst>
+                              <p:cond delay="0"/>
+                            </p:stCondLst>
+                            <p:childTnLst>
+                              <p:par>
+                                <p:cTn id="5" presetID="1" presetClass="entr" presetSubtype="0" fill="hold" grpId="0" nodeType="clickEffect">
+                                  <p:stCondLst>
+                                    <p:cond delay="0"/>
+                                  </p:stCondLst>
+                                  <p:childTnLst>
+                                    <p:set>
+                                      <p:cBhvr>
+                                        <p:cTn id="6" dur="1" fill="hold">
+                                          <p:stCondLst>
+                                            <p:cond delay="0"/>
+                                          </p:stCondLst>
+                                        </p:cTn>
+                                        <p:tgtEl>
+                                          <p:spTgt spid="5"/>
+                                        </p:tgtEl>
+                                        <p:attrNameLst>
+                                          <p:attrName>style.visibility</p:attrName>
+                                        </p:attrNameLst>
+                                      </p:cBhvr>
+                                      <p:to>
+                                        <p:strVal val="visible"/>
+                                      </p:to>
+                                    </p:set>
+                                  </p:childTnLst>
+                                </p:cTn>
+                              </p:par>
+                              <p:par>
+                                <p:cTn id="7" presetID="1" presetClass="entr" presetSubtype="0" fill="hold" nodeType="withEffect">
+                                  <p:stCondLst>
+                                    <p:cond delay="0"/>
+                                  </p:stCondLst>
+                                  <p:childTnLst>
+                                    <p:set>
+                                      <p:cBhvr>
+                                        <p:cTn id="8" dur="1" fill="hold">
+                                          <p:stCondLst>
+                                            <p:cond delay="0"/>
+                                          </p:stCondLst>
+                                        </p:cTn>
+                                        <p:tgtEl>
+                                          <p:spTgt spid="9"/>
+                                        </p:tgtEl>
+                                        <p:attrNameLst>
+                                          <p:attrName>style.visibility</p:attrName>
+                                        </p:attrNameLst>
+                                      </p:cBhvr>
+                                      <p:to>
+                                        <p:strVal val="visible"/>
+                                      </p:to>
+                                    </p:set>
+                                  </p:childTnLst>
+                                </p:cTn>
+                              </p:par>
+                              <p:par>
+                                <p:cTn id="9" presetID="22" presetClass="entr" presetSubtype="8" fill="hold" nodeType="withEffect">
+                                  <p:stCondLst>
+                                    <p:cond delay="0"/>
+                                  </p:stCondLst>
+                                  <p:childTnLst>
+                                    <p:set>
+                                      <p:cBhvr>
+                                        <p:cTn id="10" dur="1" fill="hold">
+                                          <p:stCondLst>
+                                            <p:cond delay="0"/>
+                                          </p:stCondLst>
+                                        </p:cTn>
+                                        <p:tgtEl>
+                                          <p:spTgt spid="14"/>
+                                        </p:tgtEl>
+                                        <p:attrNameLst>
+                                          <p:attrName>style.visibility</p:attrName>
+                                        </p:attrNameLst>
+                                      </p:cBhvr>
+                                      <p:to>
+                                        <p:strVal val="visible"/>
+                                      </p:to>
+                                    </p:set>
+                                    <p:animEffect transition="in" filter="wipe(left)">
+                                      <p:cBhvr>
+                                        <p:cTn id="11" dur="500"/>
+                                        <p:tgtEl>
+                                          <p:spTgt spid="14"/>
+                                        </p:tgtEl>
+                                      </p:cBhvr>
+                                    </p:animEffect>
+                                  </p:childTnLst>
+                                </p:cTn>
+                              </p:par>
+                              <p:par>
+                                <p:cTn id="12" presetID="22" presetClass="entr" presetSubtype="8" fill="hold" nodeType="withEffect">
+                                  <p:stCondLst>
+                                    <p:cond delay="0"/>
+                                  </p:stCondLst>
+                                  <p:childTnLst>
+                                    <p:set>
+                                      <p:cBhvr>
+                                        <p:cTn id="13" dur="1" fill="hold">
+                                          <p:stCondLst>
+                                            <p:cond delay="0"/>
+                                          </p:stCondLst>
+                                        </p:cTn>
+                                        <p:tgtEl>
+                                          <p:spTgt spid="15"/>
+                                        </p:tgtEl>
+                                        <p:attrNameLst>
+                                          <p:attrName>style.visibility</p:attrName>
+                                        </p:attrNameLst>
+                                      </p:cBhvr>
+                                      <p:to>
+                                        <p:strVal val="visible"/>
+                                      </p:to>
+                                    </p:set>
+                                    <p:animEffect transition="in" filter="wipe(left)">
+                                      <p:cBhvr>
+                                        <p:cTn id="14" dur="500"/>
+                                        <p:tgtEl>
+                                          <p:spTgt spid="15"/>
+                                        </p:tgtEl>
+                                      </p:cBhvr>
+                                    </p:animEffect>
+                                  </p:childTnLst>
+                                </p:cTn>
+                              </p:par>
+                              <p:par>
+                                <p:cTn id="15" presetID="1" presetClass="entr" presetSubtype="0" fill="hold" grpId="0" nodeType="withEffect">
+                                  <p:stCondLst>
+                                    <p:cond delay="0"/>
+                                  </p:stCondLst>
+                                  <p:childTnLst>
+                                    <p:set>
+                                      <p:cBhvr>
+                                        <p:cTn id="16" dur="1" fill="hold">
+                                          <p:stCondLst>
+                                            <p:cond delay="0"/>
+                                          </p:stCondLst>
+                                        </p:cTn>
+                                        <p:tgtEl>
+                                          <p:spTgt spid="16"/>
+                                        </p:tgtEl>
+                                        <p:attrNameLst>
+                                          <p:attrName>style.visibility</p:attrName>
+                                        </p:attrNameLst>
+                                      </p:cBhvr>
+                                      <p:to>
+                                        <p:strVal val="visible"/>
+                                      </p:to>
+                                    </p:set>
+                                  </p:childTnLst>
+                                </p:cTn>
+                              </p:par>
+                              <p:par>
+                                <p:cTn id="17" presetID="1" presetClass="entr" presetSubtype="0" fill="hold" nodeType="withEffect">
+                                  <p:stCondLst>
+                                    <p:cond delay="0"/>
+                                  </p:stCondLst>
+                                  <p:childTnLst>
+                                    <p:set>
+                                      <p:cBhvr>
+                                        <p:cTn id="18" dur="1" fill="hold">
+                                          <p:stCondLst>
+                                            <p:cond delay="0"/>
+                                          </p:stCondLst>
+                                        </p:cTn>
+                                        <p:tgtEl>
+                                          <p:spTgt spid="17"/>
+                                        </p:tgtEl>
+                                        <p:attrNameLst>
+                                          <p:attrName>style.visibility</p:attrName>
+                                        </p:attrNameLst>
+                                      </p:cBhvr>
+                                      <p:to>
+                                        <p:strVal val="visible"/>
+                                      </p:to>
+                                    </p:set>
+                                  </p:childTnLst>
+                                </p:cTn>
+                              </p:par>
+                              <p:par>
+                                <p:cTn id="19" presetID="22" presetClass="entr" presetSubtype="8" fill="hold" nodeType="withEffect">
+                                  <p:stCondLst>
+                                    <p:cond delay="0"/>
+                                  </p:stCondLst>
+                                  <p:childTnLst>
+                                    <p:set>
+                                      <p:cBhvr>
+                                        <p:cTn id="20" dur="1" fill="hold">
+                                          <p:stCondLst>
+                                            <p:cond delay="0"/>
+                                          </p:stCondLst>
+                                        </p:cTn>
+                                        <p:tgtEl>
+                                          <p:spTgt spid="19"/>
+                                        </p:tgtEl>
+                                        <p:attrNameLst>
+                                          <p:attrName>style.visibility</p:attrName>
+                                        </p:attrNameLst>
+                                      </p:cBhvr>
+                                      <p:to>
+                                        <p:strVal val="visible"/>
+                                      </p:to>
+                                    </p:set>
+                                    <p:animEffect transition="in" filter="wipe(left)">
+                                      <p:cBhvr>
+                                        <p:cTn id="21" dur="500"/>
+                                        <p:tgtEl>
+                                          <p:spTgt spid="19"/>
+                                        </p:tgtEl>
+                                      </p:cBhvr>
+                                    </p:animEffect>
+                                  </p:childTnLst>
+                                </p:cTn>
+                              </p:par>
+                              <p:par>
+                                <p:cTn id="22" presetID="22" presetClass="entr" presetSubtype="8" fill="hold" nodeType="withEffect">
+                                  <p:stCondLst>
+                                    <p:cond delay="0"/>
+                                  </p:stCondLst>
+                                  <p:childTnLst>
+                                    <p:set>
+                                      <p:cBhvr>
+                                        <p:cTn id="23" dur="1" fill="hold">
+                                          <p:stCondLst>
+                                            <p:cond delay="0"/>
+                                          </p:stCondLst>
+                                        </p:cTn>
+                                        <p:tgtEl>
+                                          <p:spTgt spid="21"/>
+                                        </p:tgtEl>
+                                        <p:attrNameLst>
+                                          <p:attrName>style.visibility</p:attrName>
+                                        </p:attrNameLst>
+                                      </p:cBhvr>
+                                      <p:to>
+                                        <p:strVal val="visible"/>
+                                      </p:to>
+                                    </p:set>
+                                    <p:animEffect transition="in" filter="wipe(left)">
+                                      <p:cBhvr>
+                                        <p:cTn id="24" dur="500"/>
+                                        <p:tgtEl>
+                                          <p:spTgt spid="21"/>
+                                        </p:tgtEl>
+                                      </p:cBhvr>
+                                    </p:animEffect>
+                                  </p:childTnLst>
+                                </p:cTn>
+                              </p:par>
+                              <p:par>
+                                <p:cTn id="25" presetID="22" presetClass="entr" presetSubtype="8" fill="hold" nodeType="withEffect">
+                                  <p:stCondLst>
+                                    <p:cond delay="0"/>
+                                  </p:stCondLst>
+                                  <p:childTnLst>
+                                    <p:set>
+                                      <p:cBhvr>
+                                        <p:cTn id="26" dur="1" fill="hold">
+                                          <p:stCondLst>
+                                            <p:cond delay="0"/>
+                                          </p:stCondLst>
+                                        </p:cTn>
+                                        <p:tgtEl>
+                                          <p:spTgt spid="22"/>
+                                        </p:tgtEl>
+                                        <p:attrNameLst>
+                                          <p:attrName>style.visibility</p:attrName>
+                                        </p:attrNameLst>
+                                      </p:cBhvr>
+                                      <p:to>
+                                        <p:strVal val="visible"/>
+                                      </p:to>
+                                    </p:set>
+                                    <p:animEffect transition="in" filter="wipe(left)">
+                                      <p:cBhvr>
+                                        <p:cTn id="27" dur="500"/>
+                                        <p:tgtEl>
+                                          <p:spTgt spid="22"/>
+                                        </p:tgtEl>
+                                      </p:cBhvr>
+                                    </p:animEffect>
+                                  </p:childTnLst>
+                                </p:cTn>
+                              </p:par>
+                            </p:childTnLst>
+                          </p:cTn>
+                        </p:par>
+                      </p:childTnLst>
+                    </p:cTn>
+                  </p:par>
+                </p:childTnLst>
+              </p:cTn>
+              <p:prevCondLst>
+                <p:cond evt="onPrev" delay="0">
+                  <p:tgtEl>
+                    <p:sldTgt/>
+                  </p:tgtEl>
+                </p:cond>
+              </p:prevCondLst>
+              <p:nextCondLst>
+                <p:cond evt="onNext" delay="0">
+                  <p:tgtEl>
+                    <p:sldTgt/>
+                  </p:tgtEl>
+                </p:cond>
+              </p:nextCondLst>
+            </p:seq>
+          </p:childTnLst>
+        </p:cTn>
+      </p:par>
+    </p:tnLst>
+    <p:bldLst>
+      <p:bldP spid="5" grpId="0"/>
+      <p:bldP spid="5" grpId="1"/>
+      <p:bldP spid="16" grpId="0"/>
+      <p:bldP spid="16" grpId="1"/>
+    </p:bldLst>
+  </p:timing>
 </p:sld>
 </file>
 
-<file path=ppt/slides/slide24.xml><?xml version="1.0" encoding="utf-8"?>
+<file path=ppt/slides/slide25.xml><?xml version="1.0" encoding="utf-8"?>
 <p:sld xmlns:a="http://schemas.openxmlformats.org/drawingml/2006/main" xmlns:r="http://schemas.openxmlformats.org/officeDocument/2006/relationships" xmlns:p="http://schemas.openxmlformats.org/presentationml/2006/main">
   <p:cSld>
     <p:spTree>
@@ -20216,9 +23091,9 @@
           <p:nvPr/>
         </p:nvSpPr>
         <p:spPr>
-          <a:xfrm rot="600000">
-            <a:off x="5342086" y="122979"/>
-            <a:ext cx="1728000" cy="944245"/>
+          <a:xfrm rot="300000">
+            <a:off x="4491355" y="224790"/>
+            <a:ext cx="2630805" cy="698500"/>
           </a:xfrm>
           <a:custGeom>
             <a:avLst/>
@@ -20394,8 +23269,8 @@
         </p:nvSpPr>
         <p:spPr>
           <a:xfrm>
-            <a:off x="5132070" y="245745"/>
-            <a:ext cx="2136775" cy="817245"/>
+            <a:off x="3101340" y="255270"/>
+            <a:ext cx="6209030" cy="817245"/>
           </a:xfrm>
         </p:spPr>
         <p:txBody>
@@ -20408,14 +23283,14 @@
                 <a:latin typeface="Aa小梨涡" panose="02010600010101010101" charset="-122"/>
                 <a:ea typeface="Aa小梨涡" panose="02010600010101010101" charset="-122"/>
               </a:rPr>
-              <a:t>1.</a:t>
+              <a:t>4.3.</a:t>
             </a:r>
             <a:r>
               <a:rPr lang="zh-CN" altLang="en-US">
                 <a:latin typeface="Aa小梨涡" panose="02010600010101010101" charset="-122"/>
                 <a:ea typeface="Aa小梨涡" panose="02010600010101010101" charset="-122"/>
               </a:rPr>
-              <a:t>开篇词</a:t>
+              <a:t>文件读写中的编码问题</a:t>
             </a:r>
             <a:endParaRPr lang="zh-CN" altLang="en-US">
               <a:latin typeface="Aa小梨涡" panose="02010600010101010101" charset="-122"/>
@@ -20517,329 +23392,99 @@
           </a:p>
         </p:txBody>
       </p:sp>
-    </p:spTree>
-  </p:cSld>
-  <p:clrMapOvr>
-    <a:masterClrMapping/>
-  </p:clrMapOvr>
-</p:sld>
-</file>
-
-<file path=ppt/slides/slide25.xml><?xml version="1.0" encoding="utf-8"?>
-<p:sld xmlns:a="http://schemas.openxmlformats.org/drawingml/2006/main" xmlns:r="http://schemas.openxmlformats.org/officeDocument/2006/relationships" xmlns:p="http://schemas.openxmlformats.org/presentationml/2006/main">
-  <p:cSld>
-    <p:spTree>
-      <p:nvGrpSpPr>
-        <p:cNvPr id="1" name=""/>
-        <p:cNvGrpSpPr/>
-        <p:nvPr/>
-      </p:nvGrpSpPr>
-      <p:grpSpPr/>
       <p:sp>
         <p:nvSpPr>
-          <p:cNvPr id="18" name="任意多边形 17"/>
-          <p:cNvSpPr/>
+          <p:cNvPr id="13" name="文本框 12"/>
+          <p:cNvSpPr txBox="1"/>
           <p:nvPr/>
         </p:nvSpPr>
         <p:spPr>
-          <a:xfrm rot="600000">
-            <a:off x="5342086" y="122979"/>
-            <a:ext cx="1728000" cy="944245"/>
+          <a:xfrm>
+            <a:off x="565150" y="1214120"/>
+            <a:ext cx="11281410" cy="988695"/>
           </a:xfrm>
-          <a:custGeom>
+          <a:prstGeom prst="rect">
             <a:avLst/>
-            <a:gdLst>
-              <a:gd name="connisteX0" fmla="*/ 257810 w 3935730"/>
-              <a:gd name="connsiteY0" fmla="*/ 429260 h 944880"/>
-              <a:gd name="connisteX1" fmla="*/ 3394710 w 3935730"/>
-              <a:gd name="connsiteY1" fmla="*/ 0 h 944880"/>
-              <a:gd name="connisteX2" fmla="*/ 26035 w 3935730"/>
-              <a:gd name="connsiteY2" fmla="*/ 541020 h 944880"/>
-              <a:gd name="connisteX3" fmla="*/ 3575050 w 3935730"/>
-              <a:gd name="connsiteY3" fmla="*/ 51435 h 944880"/>
-              <a:gd name="connisteX4" fmla="*/ 172085 w 3935730"/>
-              <a:gd name="connsiteY4" fmla="*/ 601345 h 944880"/>
-              <a:gd name="connisteX5" fmla="*/ 3652520 w 3935730"/>
-              <a:gd name="connsiteY5" fmla="*/ 128905 h 944880"/>
-              <a:gd name="connisteX6" fmla="*/ 51435 w 3935730"/>
-              <a:gd name="connsiteY6" fmla="*/ 678815 h 944880"/>
-              <a:gd name="connisteX7" fmla="*/ 3514725 w 3935730"/>
-              <a:gd name="connsiteY7" fmla="*/ 214630 h 944880"/>
-              <a:gd name="connisteX8" fmla="*/ 369570 w 3935730"/>
-              <a:gd name="connsiteY8" fmla="*/ 704215 h 944880"/>
-              <a:gd name="connisteX9" fmla="*/ 3695700 w 3935730"/>
-              <a:gd name="connsiteY9" fmla="*/ 274955 h 944880"/>
-              <a:gd name="connisteX10" fmla="*/ 180340 w 3935730"/>
-              <a:gd name="connsiteY10" fmla="*/ 833120 h 944880"/>
-              <a:gd name="connisteX11" fmla="*/ 3695700 w 3935730"/>
-              <a:gd name="connsiteY11" fmla="*/ 351790 h 944880"/>
-              <a:gd name="connisteX12" fmla="*/ 0 w 3935730"/>
-              <a:gd name="connsiteY12" fmla="*/ 944880 h 944880"/>
-              <a:gd name="connisteX13" fmla="*/ 3935730 w 3935730"/>
-              <a:gd name="connsiteY13" fmla="*/ 360680 h 944880"/>
-            </a:gdLst>
-            <a:ahLst/>
-            <a:cxnLst>
-              <a:cxn ang="0">
-                <a:pos x="connisteX0" y="connsiteY0"/>
-              </a:cxn>
-              <a:cxn ang="0">
-                <a:pos x="connisteX1" y="connsiteY1"/>
-              </a:cxn>
-              <a:cxn ang="0">
-                <a:pos x="connisteX2" y="connsiteY2"/>
-              </a:cxn>
-              <a:cxn ang="0">
-                <a:pos x="connisteX3" y="connsiteY3"/>
-              </a:cxn>
-              <a:cxn ang="0">
-                <a:pos x="connisteX4" y="connsiteY4"/>
-              </a:cxn>
-              <a:cxn ang="0">
-                <a:pos x="connisteX5" y="connsiteY5"/>
-              </a:cxn>
-              <a:cxn ang="0">
-                <a:pos x="connisteX6" y="connsiteY6"/>
-              </a:cxn>
-              <a:cxn ang="0">
-                <a:pos x="connisteX7" y="connsiteY7"/>
-              </a:cxn>
-              <a:cxn ang="0">
-                <a:pos x="connisteX8" y="connsiteY8"/>
-              </a:cxn>
-              <a:cxn ang="0">
-                <a:pos x="connisteX9" y="connsiteY9"/>
-              </a:cxn>
-              <a:cxn ang="0">
-                <a:pos x="connisteX10" y="connsiteY10"/>
-              </a:cxn>
-              <a:cxn ang="0">
-                <a:pos x="connisteX11" y="connsiteY11"/>
-              </a:cxn>
-              <a:cxn ang="0">
-                <a:pos x="connisteX12" y="connsiteY12"/>
-              </a:cxn>
-              <a:cxn ang="0">
-                <a:pos x="connisteX13" y="connsiteY13"/>
-              </a:cxn>
-            </a:cxnLst>
-            <a:rect l="l" t="t" r="r" b="b"/>
-            <a:pathLst>
-              <a:path w="3935730" h="944880">
-                <a:moveTo>
-                  <a:pt x="257810" y="429260"/>
-                </a:moveTo>
-                <a:lnTo>
-                  <a:pt x="3394710" y="0"/>
-                </a:lnTo>
-                <a:lnTo>
-                  <a:pt x="26035" y="541020"/>
-                </a:lnTo>
-                <a:lnTo>
-                  <a:pt x="3575050" y="51435"/>
-                </a:lnTo>
-                <a:lnTo>
-                  <a:pt x="172085" y="601345"/>
-                </a:lnTo>
-                <a:lnTo>
-                  <a:pt x="3652520" y="128905"/>
-                </a:lnTo>
-                <a:lnTo>
-                  <a:pt x="51435" y="678815"/>
-                </a:lnTo>
-                <a:lnTo>
-                  <a:pt x="3514725" y="214630"/>
-                </a:lnTo>
-                <a:lnTo>
-                  <a:pt x="369570" y="704215"/>
-                </a:lnTo>
-                <a:lnTo>
-                  <a:pt x="3695700" y="274955"/>
-                </a:lnTo>
-                <a:lnTo>
-                  <a:pt x="180340" y="833120"/>
-                </a:lnTo>
-                <a:lnTo>
-                  <a:pt x="3695700" y="351790"/>
-                </a:lnTo>
-                <a:lnTo>
-                  <a:pt x="0" y="944880"/>
-                </a:lnTo>
-                <a:lnTo>
-                  <a:pt x="3935730" y="360680"/>
-                </a:lnTo>
-              </a:path>
-            </a:pathLst>
-          </a:custGeom>
+          </a:prstGeom>
           <a:noFill/>
-          <a:ln w="203200">
-            <a:solidFill>
-              <a:schemeClr val="accent4">
-                <a:lumMod val="40000"/>
-                <a:lumOff val="60000"/>
-              </a:schemeClr>
-            </a:solidFill>
-          </a:ln>
-          <a:effectLst>
-            <a:softEdge rad="63500"/>
-          </a:effectLst>
-        </p:spPr>
-        <p:style>
-          <a:lnRef idx="2">
-            <a:schemeClr val="accent1">
-              <a:shade val="50000"/>
-            </a:schemeClr>
-          </a:lnRef>
-          <a:fillRef idx="1">
-            <a:schemeClr val="accent1"/>
-          </a:fillRef>
-          <a:effectRef idx="0">
-            <a:schemeClr val="accent1"/>
-          </a:effectRef>
-          <a:fontRef idx="minor">
-            <a:schemeClr val="lt1"/>
-          </a:fontRef>
-        </p:style>
-        <p:txBody>
-          <a:bodyPr rtlCol="0" anchor="ctr"/>
-          <a:p>
-            <a:pPr algn="ctr"/>
-            <a:endParaRPr lang="zh-CN" altLang="en-US"/>
-          </a:p>
-        </p:txBody>
-      </p:sp>
-      <p:sp>
-        <p:nvSpPr>
-          <p:cNvPr id="2" name="标题 1"/>
-          <p:cNvSpPr>
-            <a:spLocks noGrp="1"/>
-          </p:cNvSpPr>
-          <p:nvPr>
-            <p:ph type="title"/>
-          </p:nvPr>
-        </p:nvSpPr>
-        <p:spPr>
-          <a:xfrm>
-            <a:off x="5132070" y="245745"/>
-            <a:ext cx="2136775" cy="817245"/>
-          </a:xfrm>
-        </p:spPr>
-        <p:txBody>
-          <a:bodyPr>
-            <a:normAutofit fontScale="90000"/>
-          </a:bodyPr>
-          <a:p>
-            <a:r>
-              <a:rPr lang="en-US" altLang="zh-CN">
-                <a:latin typeface="Aa小梨涡" panose="02010600010101010101" charset="-122"/>
-                <a:ea typeface="Aa小梨涡" panose="02010600010101010101" charset="-122"/>
-              </a:rPr>
-              <a:t>1.</a:t>
-            </a:r>
-            <a:r>
-              <a:rPr lang="zh-CN" altLang="en-US">
-                <a:latin typeface="Aa小梨涡" panose="02010600010101010101" charset="-122"/>
-                <a:ea typeface="Aa小梨涡" panose="02010600010101010101" charset="-122"/>
-              </a:rPr>
-              <a:t>开篇词</a:t>
-            </a:r>
-            <a:endParaRPr lang="zh-CN" altLang="en-US">
-              <a:latin typeface="Aa小梨涡" panose="02010600010101010101" charset="-122"/>
-              <a:ea typeface="Aa小梨涡" panose="02010600010101010101" charset="-122"/>
-            </a:endParaRPr>
-          </a:p>
-        </p:txBody>
-      </p:sp>
-      <p:sp>
-        <p:nvSpPr>
-          <p:cNvPr id="20" name="任意多边形 19"/>
-          <p:cNvSpPr/>
-          <p:nvPr/>
-        </p:nvSpPr>
-        <p:spPr>
-          <a:xfrm rot="10320000">
-            <a:off x="4344035" y="897890"/>
-            <a:ext cx="3456305" cy="76200"/>
-          </a:xfrm>
-          <a:custGeom>
-            <a:avLst/>
-            <a:gdLst>
-              <a:gd name="connisteX0" fmla="*/ 4685923 w 4685923"/>
-              <a:gd name="connsiteY0" fmla="*/ 9525 h 464575"/>
-              <a:gd name="connisteX1" fmla="*/ 548898 w 4685923"/>
-              <a:gd name="connsiteY1" fmla="*/ 238125 h 464575"/>
-              <a:gd name="connisteX2" fmla="*/ 672723 w 4685923"/>
-              <a:gd name="connsiteY2" fmla="*/ 456565 h 464575"/>
-              <a:gd name="connisteX3" fmla="*/ 4638298 w 4685923"/>
-              <a:gd name="connsiteY3" fmla="*/ 0 h 464575"/>
-            </a:gdLst>
-            <a:ahLst/>
-            <a:cxnLst>
-              <a:cxn ang="0">
-                <a:pos x="connisteX0" y="connsiteY0"/>
-              </a:cxn>
-              <a:cxn ang="0">
-                <a:pos x="connisteX1" y="connsiteY1"/>
-              </a:cxn>
-              <a:cxn ang="0">
-                <a:pos x="connisteX2" y="connsiteY2"/>
-              </a:cxn>
-              <a:cxn ang="0">
-                <a:pos x="connisteX3" y="connsiteY3"/>
-              </a:cxn>
-            </a:cxnLst>
-            <a:rect l="l" t="t" r="r" b="b"/>
-            <a:pathLst>
-              <a:path w="4685923" h="464576">
-                <a:moveTo>
-                  <a:pt x="4685923" y="9525"/>
-                </a:moveTo>
-                <a:cubicBezTo>
-                  <a:pt x="3855978" y="50800"/>
-                  <a:pt x="1351538" y="148590"/>
-                  <a:pt x="548898" y="238125"/>
-                </a:cubicBezTo>
-                <a:cubicBezTo>
-                  <a:pt x="-253742" y="327660"/>
-                  <a:pt x="-145157" y="504190"/>
-                  <a:pt x="672723" y="456565"/>
-                </a:cubicBezTo>
-                <a:cubicBezTo>
-                  <a:pt x="1490603" y="408940"/>
-                  <a:pt x="3847723" y="95885"/>
-                  <a:pt x="4638298" y="0"/>
-                </a:cubicBezTo>
-              </a:path>
-            </a:pathLst>
-          </a:custGeom>
-          <a:solidFill>
-            <a:schemeClr val="accent5"/>
-          </a:solidFill>
           <a:ln>
             <a:noFill/>
           </a:ln>
         </p:spPr>
-        <p:style>
-          <a:lnRef idx="2">
-            <a:schemeClr val="accent1">
-              <a:shade val="50000"/>
-            </a:schemeClr>
-          </a:lnRef>
-          <a:fillRef idx="1">
-            <a:schemeClr val="accent1"/>
-          </a:fillRef>
-          <a:effectRef idx="0">
-            <a:schemeClr val="accent1"/>
-          </a:effectRef>
-          <a:fontRef idx="minor">
-            <a:schemeClr val="lt1"/>
-          </a:fontRef>
-        </p:style>
         <p:txBody>
-          <a:bodyPr rtlCol="0" anchor="ctr"/>
-          <a:p>
-            <a:pPr algn="ctr"/>
-            <a:endParaRPr lang="zh-CN" altLang="en-US"/>
+          <a:bodyPr wrap="square" rtlCol="0">
+            <a:spAutoFit/>
+          </a:bodyPr>
+          <a:p>
+            <a:pPr fontAlgn="auto">
+              <a:lnSpc>
+                <a:spcPts val="3500"/>
+              </a:lnSpc>
+            </a:pPr>
+            <a:r>
+              <a:rPr lang="en-US" altLang="zh-CN" sz="2200">
+                <a:latin typeface="Aa小梨涡" panose="02010600010101010101" charset="-122"/>
+                <a:ea typeface="Aa小梨涡" panose="02010600010101010101" charset="-122"/>
+                <a:cs typeface="Aa小梨涡" panose="02010600010101010101" charset="-122"/>
+                <a:sym typeface="+mn-ea"/>
+              </a:rPr>
+              <a:t>4. </a:t>
+            </a:r>
+            <a:r>
+              <a:rPr lang="zh-CN" altLang="en-US" sz="2200">
+                <a:latin typeface="Aa小梨涡" panose="02010600010101010101" charset="-122"/>
+                <a:ea typeface="Aa小梨涡" panose="02010600010101010101" charset="-122"/>
+                <a:cs typeface="Aa小梨涡" panose="02010600010101010101" charset="-122"/>
+                <a:sym typeface="+mn-ea"/>
+              </a:rPr>
+              <a:t>最佳实践</a:t>
+            </a:r>
+            <a:endParaRPr lang="zh-CN" altLang="en-US" sz="2200">
+              <a:latin typeface="Aa小梨涡" panose="02010600010101010101" charset="-122"/>
+              <a:ea typeface="Aa小梨涡" panose="02010600010101010101" charset="-122"/>
+              <a:cs typeface="Aa小梨涡" panose="02010600010101010101" charset="-122"/>
+              <a:sym typeface="+mn-ea"/>
+            </a:endParaRPr>
+          </a:p>
+          <a:p>
+            <a:pPr fontAlgn="auto">
+              <a:lnSpc>
+                <a:spcPts val="3500"/>
+              </a:lnSpc>
+            </a:pPr>
+            <a:r>
+              <a:rPr lang="zh-CN" altLang="en-US" sz="2200">
+                <a:latin typeface="Aa小梨涡" panose="02010600010101010101" charset="-122"/>
+                <a:ea typeface="Aa小梨涡" panose="02010600010101010101" charset="-122"/>
+                <a:cs typeface="Aa小梨涡" panose="02010600010101010101" charset="-122"/>
+                <a:sym typeface="+mn-ea"/>
+              </a:rPr>
+              <a:t>        读取文件时，使用</a:t>
+            </a:r>
+            <a:r>
+              <a:rPr lang="en-US" altLang="zh-CN" sz="2200">
+                <a:latin typeface="Aa小梨涡" panose="02010600010101010101" charset="-122"/>
+                <a:ea typeface="Aa小梨涡" panose="02010600010101010101" charset="-122"/>
+                <a:cs typeface="Aa小梨涡" panose="02010600010101010101" charset="-122"/>
+                <a:sym typeface="+mn-ea"/>
+              </a:rPr>
+              <a:t>'rb'</a:t>
+            </a:r>
+            <a:r>
+              <a:rPr lang="zh-CN" altLang="en-US" sz="2200">
+                <a:latin typeface="Aa小梨涡" panose="02010600010101010101" charset="-122"/>
+                <a:ea typeface="Aa小梨涡" panose="02010600010101010101" charset="-122"/>
+                <a:cs typeface="Aa小梨涡" panose="02010600010101010101" charset="-122"/>
+                <a:sym typeface="+mn-ea"/>
+              </a:rPr>
+              <a:t>打开文件。</a:t>
+            </a:r>
+            <a:endParaRPr lang="zh-CN" altLang="en-US" sz="2200">
+              <a:latin typeface="Aa小梨涡" panose="02010600010101010101" charset="-122"/>
+              <a:ea typeface="Aa小梨涡" panose="02010600010101010101" charset="-122"/>
+              <a:cs typeface="Aa小梨涡" panose="02010600010101010101" charset="-122"/>
+              <a:sym typeface="+mn-ea"/>
+            </a:endParaRPr>
           </a:p>
         </p:txBody>
       </p:sp>
@@ -20848,6 +23493,85 @@
   <p:clrMapOvr>
     <a:masterClrMapping/>
   </p:clrMapOvr>
+  <p:timing>
+    <p:tnLst>
+      <p:par>
+        <p:cTn id="1" dur="indefinite" restart="never" nodeType="tmRoot">
+          <p:childTnLst>
+            <p:seq concurrent="1" nextAc="seek">
+              <p:cTn id="2" dur="indefinite" nodeType="mainSeq">
+                <p:childTnLst>
+                  <p:par>
+                    <p:cTn id="3" fill="hold">
+                      <p:stCondLst>
+                        <p:cond delay="indefinite"/>
+                      </p:stCondLst>
+                      <p:childTnLst>
+                        <p:par>
+                          <p:cTn id="4" fill="hold">
+                            <p:stCondLst>
+                              <p:cond delay="0"/>
+                            </p:stCondLst>
+                            <p:childTnLst>
+                              <p:par>
+                                <p:cTn id="5" presetID="1" presetClass="entr" presetSubtype="0" fill="hold" grpId="0" nodeType="clickEffect">
+                                  <p:stCondLst>
+                                    <p:cond delay="0"/>
+                                  </p:stCondLst>
+                                  <p:childTnLst>
+                                    <p:set>
+                                      <p:cBhvr>
+                                        <p:cTn id="6" dur="1" fill="hold">
+                                          <p:stCondLst>
+                                            <p:cond delay="0"/>
+                                          </p:stCondLst>
+                                        </p:cTn>
+                                        <p:tgtEl>
+                                          <p:spTgt spid="13"/>
+                                        </p:tgtEl>
+                                        <p:attrNameLst>
+                                          <p:attrName>style.visibility</p:attrName>
+                                        </p:attrNameLst>
+                                      </p:cBhvr>
+                                      <p:to>
+                                        <p:strVal val="visible"/>
+                                      </p:to>
+                                    </p:set>
+                                  </p:childTnLst>
+                                </p:cTn>
+                              </p:par>
+                            </p:childTnLst>
+                          </p:cTn>
+                        </p:par>
+                      </p:childTnLst>
+                    </p:cTn>
+                  </p:par>
+                </p:childTnLst>
+              </p:cTn>
+              <p:prevCondLst>
+                <p:cond evt="onPrev" delay="0">
+                  <p:tgtEl>
+                    <p:sldTgt/>
+                  </p:tgtEl>
+                </p:cond>
+              </p:prevCondLst>
+              <p:nextCondLst>
+                <p:cond evt="onNext" delay="0">
+                  <p:tgtEl>
+                    <p:sldTgt/>
+                  </p:tgtEl>
+                </p:cond>
+              </p:nextCondLst>
+            </p:seq>
+          </p:childTnLst>
+        </p:cTn>
+      </p:par>
+    </p:tnLst>
+    <p:bldLst>
+      <p:bldP spid="13" grpId="0"/>
+      <p:bldP spid="13" grpId="1"/>
+    </p:bldLst>
+  </p:timing>
 </p:sld>
 </file>
 
@@ -21829,6 +24553,332 @@
 </p:sld>
 </file>
 
+<file path=ppt/slides/slide29.xml><?xml version="1.0" encoding="utf-8"?>
+<p:sld xmlns:a="http://schemas.openxmlformats.org/drawingml/2006/main" xmlns:r="http://schemas.openxmlformats.org/officeDocument/2006/relationships" xmlns:p="http://schemas.openxmlformats.org/presentationml/2006/main">
+  <p:cSld>
+    <p:spTree>
+      <p:nvGrpSpPr>
+        <p:cNvPr id="1" name=""/>
+        <p:cNvGrpSpPr/>
+        <p:nvPr/>
+      </p:nvGrpSpPr>
+      <p:grpSpPr/>
+      <p:sp>
+        <p:nvSpPr>
+          <p:cNvPr id="18" name="任意多边形 17"/>
+          <p:cNvSpPr/>
+          <p:nvPr/>
+        </p:nvSpPr>
+        <p:spPr>
+          <a:xfrm rot="600000">
+            <a:off x="5342086" y="122979"/>
+            <a:ext cx="1728000" cy="944245"/>
+          </a:xfrm>
+          <a:custGeom>
+            <a:avLst/>
+            <a:gdLst>
+              <a:gd name="connisteX0" fmla="*/ 257810 w 3935730"/>
+              <a:gd name="connsiteY0" fmla="*/ 429260 h 944880"/>
+              <a:gd name="connisteX1" fmla="*/ 3394710 w 3935730"/>
+              <a:gd name="connsiteY1" fmla="*/ 0 h 944880"/>
+              <a:gd name="connisteX2" fmla="*/ 26035 w 3935730"/>
+              <a:gd name="connsiteY2" fmla="*/ 541020 h 944880"/>
+              <a:gd name="connisteX3" fmla="*/ 3575050 w 3935730"/>
+              <a:gd name="connsiteY3" fmla="*/ 51435 h 944880"/>
+              <a:gd name="connisteX4" fmla="*/ 172085 w 3935730"/>
+              <a:gd name="connsiteY4" fmla="*/ 601345 h 944880"/>
+              <a:gd name="connisteX5" fmla="*/ 3652520 w 3935730"/>
+              <a:gd name="connsiteY5" fmla="*/ 128905 h 944880"/>
+              <a:gd name="connisteX6" fmla="*/ 51435 w 3935730"/>
+              <a:gd name="connsiteY6" fmla="*/ 678815 h 944880"/>
+              <a:gd name="connisteX7" fmla="*/ 3514725 w 3935730"/>
+              <a:gd name="connsiteY7" fmla="*/ 214630 h 944880"/>
+              <a:gd name="connisteX8" fmla="*/ 369570 w 3935730"/>
+              <a:gd name="connsiteY8" fmla="*/ 704215 h 944880"/>
+              <a:gd name="connisteX9" fmla="*/ 3695700 w 3935730"/>
+              <a:gd name="connsiteY9" fmla="*/ 274955 h 944880"/>
+              <a:gd name="connisteX10" fmla="*/ 180340 w 3935730"/>
+              <a:gd name="connsiteY10" fmla="*/ 833120 h 944880"/>
+              <a:gd name="connisteX11" fmla="*/ 3695700 w 3935730"/>
+              <a:gd name="connsiteY11" fmla="*/ 351790 h 944880"/>
+              <a:gd name="connisteX12" fmla="*/ 0 w 3935730"/>
+              <a:gd name="connsiteY12" fmla="*/ 944880 h 944880"/>
+              <a:gd name="connisteX13" fmla="*/ 3935730 w 3935730"/>
+              <a:gd name="connsiteY13" fmla="*/ 360680 h 944880"/>
+            </a:gdLst>
+            <a:ahLst/>
+            <a:cxnLst>
+              <a:cxn ang="0">
+                <a:pos x="connisteX0" y="connsiteY0"/>
+              </a:cxn>
+              <a:cxn ang="0">
+                <a:pos x="connisteX1" y="connsiteY1"/>
+              </a:cxn>
+              <a:cxn ang="0">
+                <a:pos x="connisteX2" y="connsiteY2"/>
+              </a:cxn>
+              <a:cxn ang="0">
+                <a:pos x="connisteX3" y="connsiteY3"/>
+              </a:cxn>
+              <a:cxn ang="0">
+                <a:pos x="connisteX4" y="connsiteY4"/>
+              </a:cxn>
+              <a:cxn ang="0">
+                <a:pos x="connisteX5" y="connsiteY5"/>
+              </a:cxn>
+              <a:cxn ang="0">
+                <a:pos x="connisteX6" y="connsiteY6"/>
+              </a:cxn>
+              <a:cxn ang="0">
+                <a:pos x="connisteX7" y="connsiteY7"/>
+              </a:cxn>
+              <a:cxn ang="0">
+                <a:pos x="connisteX8" y="connsiteY8"/>
+              </a:cxn>
+              <a:cxn ang="0">
+                <a:pos x="connisteX9" y="connsiteY9"/>
+              </a:cxn>
+              <a:cxn ang="0">
+                <a:pos x="connisteX10" y="connsiteY10"/>
+              </a:cxn>
+              <a:cxn ang="0">
+                <a:pos x="connisteX11" y="connsiteY11"/>
+              </a:cxn>
+              <a:cxn ang="0">
+                <a:pos x="connisteX12" y="connsiteY12"/>
+              </a:cxn>
+              <a:cxn ang="0">
+                <a:pos x="connisteX13" y="connsiteY13"/>
+              </a:cxn>
+            </a:cxnLst>
+            <a:rect l="l" t="t" r="r" b="b"/>
+            <a:pathLst>
+              <a:path w="3935730" h="944880">
+                <a:moveTo>
+                  <a:pt x="257810" y="429260"/>
+                </a:moveTo>
+                <a:lnTo>
+                  <a:pt x="3394710" y="0"/>
+                </a:lnTo>
+                <a:lnTo>
+                  <a:pt x="26035" y="541020"/>
+                </a:lnTo>
+                <a:lnTo>
+                  <a:pt x="3575050" y="51435"/>
+                </a:lnTo>
+                <a:lnTo>
+                  <a:pt x="172085" y="601345"/>
+                </a:lnTo>
+                <a:lnTo>
+                  <a:pt x="3652520" y="128905"/>
+                </a:lnTo>
+                <a:lnTo>
+                  <a:pt x="51435" y="678815"/>
+                </a:lnTo>
+                <a:lnTo>
+                  <a:pt x="3514725" y="214630"/>
+                </a:lnTo>
+                <a:lnTo>
+                  <a:pt x="369570" y="704215"/>
+                </a:lnTo>
+                <a:lnTo>
+                  <a:pt x="3695700" y="274955"/>
+                </a:lnTo>
+                <a:lnTo>
+                  <a:pt x="180340" y="833120"/>
+                </a:lnTo>
+                <a:lnTo>
+                  <a:pt x="3695700" y="351790"/>
+                </a:lnTo>
+                <a:lnTo>
+                  <a:pt x="0" y="944880"/>
+                </a:lnTo>
+                <a:lnTo>
+                  <a:pt x="3935730" y="360680"/>
+                </a:lnTo>
+              </a:path>
+            </a:pathLst>
+          </a:custGeom>
+          <a:noFill/>
+          <a:ln w="203200">
+            <a:solidFill>
+              <a:schemeClr val="accent4">
+                <a:lumMod val="40000"/>
+                <a:lumOff val="60000"/>
+              </a:schemeClr>
+            </a:solidFill>
+          </a:ln>
+          <a:effectLst>
+            <a:softEdge rad="63500"/>
+          </a:effectLst>
+        </p:spPr>
+        <p:style>
+          <a:lnRef idx="2">
+            <a:schemeClr val="accent1">
+              <a:shade val="50000"/>
+            </a:schemeClr>
+          </a:lnRef>
+          <a:fillRef idx="1">
+            <a:schemeClr val="accent1"/>
+          </a:fillRef>
+          <a:effectRef idx="0">
+            <a:schemeClr val="accent1"/>
+          </a:effectRef>
+          <a:fontRef idx="minor">
+            <a:schemeClr val="lt1"/>
+          </a:fontRef>
+        </p:style>
+        <p:txBody>
+          <a:bodyPr rtlCol="0" anchor="ctr"/>
+          <a:p>
+            <a:pPr algn="ctr"/>
+            <a:endParaRPr lang="zh-CN" altLang="en-US"/>
+          </a:p>
+        </p:txBody>
+      </p:sp>
+      <p:sp>
+        <p:nvSpPr>
+          <p:cNvPr id="2" name="标题 1"/>
+          <p:cNvSpPr>
+            <a:spLocks noGrp="1"/>
+          </p:cNvSpPr>
+          <p:nvPr>
+            <p:ph type="title"/>
+          </p:nvPr>
+        </p:nvSpPr>
+        <p:spPr>
+          <a:xfrm>
+            <a:off x="5132070" y="245745"/>
+            <a:ext cx="2136775" cy="817245"/>
+          </a:xfrm>
+        </p:spPr>
+        <p:txBody>
+          <a:bodyPr>
+            <a:normAutofit fontScale="90000"/>
+          </a:bodyPr>
+          <a:p>
+            <a:r>
+              <a:rPr lang="en-US" altLang="zh-CN">
+                <a:latin typeface="Aa小梨涡" panose="02010600010101010101" charset="-122"/>
+                <a:ea typeface="Aa小梨涡" panose="02010600010101010101" charset="-122"/>
+              </a:rPr>
+              <a:t>1.</a:t>
+            </a:r>
+            <a:r>
+              <a:rPr lang="zh-CN" altLang="en-US">
+                <a:latin typeface="Aa小梨涡" panose="02010600010101010101" charset="-122"/>
+                <a:ea typeface="Aa小梨涡" panose="02010600010101010101" charset="-122"/>
+              </a:rPr>
+              <a:t>开篇词</a:t>
+            </a:r>
+            <a:endParaRPr lang="zh-CN" altLang="en-US">
+              <a:latin typeface="Aa小梨涡" panose="02010600010101010101" charset="-122"/>
+              <a:ea typeface="Aa小梨涡" panose="02010600010101010101" charset="-122"/>
+            </a:endParaRPr>
+          </a:p>
+        </p:txBody>
+      </p:sp>
+      <p:sp>
+        <p:nvSpPr>
+          <p:cNvPr id="20" name="任意多边形 19"/>
+          <p:cNvSpPr/>
+          <p:nvPr/>
+        </p:nvSpPr>
+        <p:spPr>
+          <a:xfrm rot="10320000">
+            <a:off x="4344035" y="897890"/>
+            <a:ext cx="3456305" cy="76200"/>
+          </a:xfrm>
+          <a:custGeom>
+            <a:avLst/>
+            <a:gdLst>
+              <a:gd name="connisteX0" fmla="*/ 4685923 w 4685923"/>
+              <a:gd name="connsiteY0" fmla="*/ 9525 h 464575"/>
+              <a:gd name="connisteX1" fmla="*/ 548898 w 4685923"/>
+              <a:gd name="connsiteY1" fmla="*/ 238125 h 464575"/>
+              <a:gd name="connisteX2" fmla="*/ 672723 w 4685923"/>
+              <a:gd name="connsiteY2" fmla="*/ 456565 h 464575"/>
+              <a:gd name="connisteX3" fmla="*/ 4638298 w 4685923"/>
+              <a:gd name="connsiteY3" fmla="*/ 0 h 464575"/>
+            </a:gdLst>
+            <a:ahLst/>
+            <a:cxnLst>
+              <a:cxn ang="0">
+                <a:pos x="connisteX0" y="connsiteY0"/>
+              </a:cxn>
+              <a:cxn ang="0">
+                <a:pos x="connisteX1" y="connsiteY1"/>
+              </a:cxn>
+              <a:cxn ang="0">
+                <a:pos x="connisteX2" y="connsiteY2"/>
+              </a:cxn>
+              <a:cxn ang="0">
+                <a:pos x="connisteX3" y="connsiteY3"/>
+              </a:cxn>
+            </a:cxnLst>
+            <a:rect l="l" t="t" r="r" b="b"/>
+            <a:pathLst>
+              <a:path w="4685923" h="464576">
+                <a:moveTo>
+                  <a:pt x="4685923" y="9525"/>
+                </a:moveTo>
+                <a:cubicBezTo>
+                  <a:pt x="3855978" y="50800"/>
+                  <a:pt x="1351538" y="148590"/>
+                  <a:pt x="548898" y="238125"/>
+                </a:cubicBezTo>
+                <a:cubicBezTo>
+                  <a:pt x="-253742" y="327660"/>
+                  <a:pt x="-145157" y="504190"/>
+                  <a:pt x="672723" y="456565"/>
+                </a:cubicBezTo>
+                <a:cubicBezTo>
+                  <a:pt x="1490603" y="408940"/>
+                  <a:pt x="3847723" y="95885"/>
+                  <a:pt x="4638298" y="0"/>
+                </a:cubicBezTo>
+              </a:path>
+            </a:pathLst>
+          </a:custGeom>
+          <a:solidFill>
+            <a:schemeClr val="accent5"/>
+          </a:solidFill>
+          <a:ln>
+            <a:noFill/>
+          </a:ln>
+        </p:spPr>
+        <p:style>
+          <a:lnRef idx="2">
+            <a:schemeClr val="accent1">
+              <a:shade val="50000"/>
+            </a:schemeClr>
+          </a:lnRef>
+          <a:fillRef idx="1">
+            <a:schemeClr val="accent1"/>
+          </a:fillRef>
+          <a:effectRef idx="0">
+            <a:schemeClr val="accent1"/>
+          </a:effectRef>
+          <a:fontRef idx="minor">
+            <a:schemeClr val="lt1"/>
+          </a:fontRef>
+        </p:style>
+        <p:txBody>
+          <a:bodyPr rtlCol="0" anchor="ctr"/>
+          <a:p>
+            <a:pPr algn="ctr"/>
+            <a:endParaRPr lang="zh-CN" altLang="en-US"/>
+          </a:p>
+        </p:txBody>
+      </p:sp>
+    </p:spTree>
+  </p:cSld>
+  <p:clrMapOvr>
+    <a:masterClrMapping/>
+  </p:clrMapOvr>
+</p:sld>
+</file>
+
 <file path=ppt/slides/slide3.xml><?xml version="1.0" encoding="utf-8"?>
 <p:sld xmlns:a="http://schemas.openxmlformats.org/drawingml/2006/main" xmlns:r="http://schemas.openxmlformats.org/officeDocument/2006/relationships" xmlns:p="http://schemas.openxmlformats.org/presentationml/2006/main">
   <p:cSld>
@@ -22063,6 +25113,658 @@
         <p:spPr>
           <a:xfrm rot="10320000">
             <a:off x="4344035" y="2964815"/>
+            <a:ext cx="3456305" cy="76200"/>
+          </a:xfrm>
+          <a:custGeom>
+            <a:avLst/>
+            <a:gdLst>
+              <a:gd name="connisteX0" fmla="*/ 4685923 w 4685923"/>
+              <a:gd name="connsiteY0" fmla="*/ 9525 h 464575"/>
+              <a:gd name="connisteX1" fmla="*/ 548898 w 4685923"/>
+              <a:gd name="connsiteY1" fmla="*/ 238125 h 464575"/>
+              <a:gd name="connisteX2" fmla="*/ 672723 w 4685923"/>
+              <a:gd name="connsiteY2" fmla="*/ 456565 h 464575"/>
+              <a:gd name="connisteX3" fmla="*/ 4638298 w 4685923"/>
+              <a:gd name="connsiteY3" fmla="*/ 0 h 464575"/>
+            </a:gdLst>
+            <a:ahLst/>
+            <a:cxnLst>
+              <a:cxn ang="0">
+                <a:pos x="connisteX0" y="connsiteY0"/>
+              </a:cxn>
+              <a:cxn ang="0">
+                <a:pos x="connisteX1" y="connsiteY1"/>
+              </a:cxn>
+              <a:cxn ang="0">
+                <a:pos x="connisteX2" y="connsiteY2"/>
+              </a:cxn>
+              <a:cxn ang="0">
+                <a:pos x="connisteX3" y="connsiteY3"/>
+              </a:cxn>
+            </a:cxnLst>
+            <a:rect l="l" t="t" r="r" b="b"/>
+            <a:pathLst>
+              <a:path w="4685923" h="464576">
+                <a:moveTo>
+                  <a:pt x="4685923" y="9525"/>
+                </a:moveTo>
+                <a:cubicBezTo>
+                  <a:pt x="3855978" y="50800"/>
+                  <a:pt x="1351538" y="148590"/>
+                  <a:pt x="548898" y="238125"/>
+                </a:cubicBezTo>
+                <a:cubicBezTo>
+                  <a:pt x="-253742" y="327660"/>
+                  <a:pt x="-145157" y="504190"/>
+                  <a:pt x="672723" y="456565"/>
+                </a:cubicBezTo>
+                <a:cubicBezTo>
+                  <a:pt x="1490603" y="408940"/>
+                  <a:pt x="3847723" y="95885"/>
+                  <a:pt x="4638298" y="0"/>
+                </a:cubicBezTo>
+              </a:path>
+            </a:pathLst>
+          </a:custGeom>
+          <a:solidFill>
+            <a:schemeClr val="accent5"/>
+          </a:solidFill>
+          <a:ln>
+            <a:noFill/>
+          </a:ln>
+        </p:spPr>
+        <p:style>
+          <a:lnRef idx="2">
+            <a:schemeClr val="accent1">
+              <a:shade val="50000"/>
+            </a:schemeClr>
+          </a:lnRef>
+          <a:fillRef idx="1">
+            <a:schemeClr val="accent1"/>
+          </a:fillRef>
+          <a:effectRef idx="0">
+            <a:schemeClr val="accent1"/>
+          </a:effectRef>
+          <a:fontRef idx="minor">
+            <a:schemeClr val="lt1"/>
+          </a:fontRef>
+        </p:style>
+        <p:txBody>
+          <a:bodyPr rtlCol="0" anchor="ctr"/>
+          <a:p>
+            <a:pPr algn="ctr"/>
+            <a:endParaRPr lang="zh-CN" altLang="en-US"/>
+          </a:p>
+        </p:txBody>
+      </p:sp>
+    </p:spTree>
+  </p:cSld>
+  <p:clrMapOvr>
+    <a:masterClrMapping/>
+  </p:clrMapOvr>
+</p:sld>
+</file>
+
+<file path=ppt/slides/slide30.xml><?xml version="1.0" encoding="utf-8"?>
+<p:sld xmlns:a="http://schemas.openxmlformats.org/drawingml/2006/main" xmlns:r="http://schemas.openxmlformats.org/officeDocument/2006/relationships" xmlns:p="http://schemas.openxmlformats.org/presentationml/2006/main">
+  <p:cSld>
+    <p:spTree>
+      <p:nvGrpSpPr>
+        <p:cNvPr id="1" name=""/>
+        <p:cNvGrpSpPr/>
+        <p:nvPr/>
+      </p:nvGrpSpPr>
+      <p:grpSpPr/>
+      <p:sp>
+        <p:nvSpPr>
+          <p:cNvPr id="18" name="任意多边形 17"/>
+          <p:cNvSpPr/>
+          <p:nvPr/>
+        </p:nvSpPr>
+        <p:spPr>
+          <a:xfrm rot="600000">
+            <a:off x="5342086" y="122979"/>
+            <a:ext cx="1728000" cy="944245"/>
+          </a:xfrm>
+          <a:custGeom>
+            <a:avLst/>
+            <a:gdLst>
+              <a:gd name="connisteX0" fmla="*/ 257810 w 3935730"/>
+              <a:gd name="connsiteY0" fmla="*/ 429260 h 944880"/>
+              <a:gd name="connisteX1" fmla="*/ 3394710 w 3935730"/>
+              <a:gd name="connsiteY1" fmla="*/ 0 h 944880"/>
+              <a:gd name="connisteX2" fmla="*/ 26035 w 3935730"/>
+              <a:gd name="connsiteY2" fmla="*/ 541020 h 944880"/>
+              <a:gd name="connisteX3" fmla="*/ 3575050 w 3935730"/>
+              <a:gd name="connsiteY3" fmla="*/ 51435 h 944880"/>
+              <a:gd name="connisteX4" fmla="*/ 172085 w 3935730"/>
+              <a:gd name="connsiteY4" fmla="*/ 601345 h 944880"/>
+              <a:gd name="connisteX5" fmla="*/ 3652520 w 3935730"/>
+              <a:gd name="connsiteY5" fmla="*/ 128905 h 944880"/>
+              <a:gd name="connisteX6" fmla="*/ 51435 w 3935730"/>
+              <a:gd name="connsiteY6" fmla="*/ 678815 h 944880"/>
+              <a:gd name="connisteX7" fmla="*/ 3514725 w 3935730"/>
+              <a:gd name="connsiteY7" fmla="*/ 214630 h 944880"/>
+              <a:gd name="connisteX8" fmla="*/ 369570 w 3935730"/>
+              <a:gd name="connsiteY8" fmla="*/ 704215 h 944880"/>
+              <a:gd name="connisteX9" fmla="*/ 3695700 w 3935730"/>
+              <a:gd name="connsiteY9" fmla="*/ 274955 h 944880"/>
+              <a:gd name="connisteX10" fmla="*/ 180340 w 3935730"/>
+              <a:gd name="connsiteY10" fmla="*/ 833120 h 944880"/>
+              <a:gd name="connisteX11" fmla="*/ 3695700 w 3935730"/>
+              <a:gd name="connsiteY11" fmla="*/ 351790 h 944880"/>
+              <a:gd name="connisteX12" fmla="*/ 0 w 3935730"/>
+              <a:gd name="connsiteY12" fmla="*/ 944880 h 944880"/>
+              <a:gd name="connisteX13" fmla="*/ 3935730 w 3935730"/>
+              <a:gd name="connsiteY13" fmla="*/ 360680 h 944880"/>
+            </a:gdLst>
+            <a:ahLst/>
+            <a:cxnLst>
+              <a:cxn ang="0">
+                <a:pos x="connisteX0" y="connsiteY0"/>
+              </a:cxn>
+              <a:cxn ang="0">
+                <a:pos x="connisteX1" y="connsiteY1"/>
+              </a:cxn>
+              <a:cxn ang="0">
+                <a:pos x="connisteX2" y="connsiteY2"/>
+              </a:cxn>
+              <a:cxn ang="0">
+                <a:pos x="connisteX3" y="connsiteY3"/>
+              </a:cxn>
+              <a:cxn ang="0">
+                <a:pos x="connisteX4" y="connsiteY4"/>
+              </a:cxn>
+              <a:cxn ang="0">
+                <a:pos x="connisteX5" y="connsiteY5"/>
+              </a:cxn>
+              <a:cxn ang="0">
+                <a:pos x="connisteX6" y="connsiteY6"/>
+              </a:cxn>
+              <a:cxn ang="0">
+                <a:pos x="connisteX7" y="connsiteY7"/>
+              </a:cxn>
+              <a:cxn ang="0">
+                <a:pos x="connisteX8" y="connsiteY8"/>
+              </a:cxn>
+              <a:cxn ang="0">
+                <a:pos x="connisteX9" y="connsiteY9"/>
+              </a:cxn>
+              <a:cxn ang="0">
+                <a:pos x="connisteX10" y="connsiteY10"/>
+              </a:cxn>
+              <a:cxn ang="0">
+                <a:pos x="connisteX11" y="connsiteY11"/>
+              </a:cxn>
+              <a:cxn ang="0">
+                <a:pos x="connisteX12" y="connsiteY12"/>
+              </a:cxn>
+              <a:cxn ang="0">
+                <a:pos x="connisteX13" y="connsiteY13"/>
+              </a:cxn>
+            </a:cxnLst>
+            <a:rect l="l" t="t" r="r" b="b"/>
+            <a:pathLst>
+              <a:path w="3935730" h="944880">
+                <a:moveTo>
+                  <a:pt x="257810" y="429260"/>
+                </a:moveTo>
+                <a:lnTo>
+                  <a:pt x="3394710" y="0"/>
+                </a:lnTo>
+                <a:lnTo>
+                  <a:pt x="26035" y="541020"/>
+                </a:lnTo>
+                <a:lnTo>
+                  <a:pt x="3575050" y="51435"/>
+                </a:lnTo>
+                <a:lnTo>
+                  <a:pt x="172085" y="601345"/>
+                </a:lnTo>
+                <a:lnTo>
+                  <a:pt x="3652520" y="128905"/>
+                </a:lnTo>
+                <a:lnTo>
+                  <a:pt x="51435" y="678815"/>
+                </a:lnTo>
+                <a:lnTo>
+                  <a:pt x="3514725" y="214630"/>
+                </a:lnTo>
+                <a:lnTo>
+                  <a:pt x="369570" y="704215"/>
+                </a:lnTo>
+                <a:lnTo>
+                  <a:pt x="3695700" y="274955"/>
+                </a:lnTo>
+                <a:lnTo>
+                  <a:pt x="180340" y="833120"/>
+                </a:lnTo>
+                <a:lnTo>
+                  <a:pt x="3695700" y="351790"/>
+                </a:lnTo>
+                <a:lnTo>
+                  <a:pt x="0" y="944880"/>
+                </a:lnTo>
+                <a:lnTo>
+                  <a:pt x="3935730" y="360680"/>
+                </a:lnTo>
+              </a:path>
+            </a:pathLst>
+          </a:custGeom>
+          <a:noFill/>
+          <a:ln w="203200">
+            <a:solidFill>
+              <a:schemeClr val="accent4">
+                <a:lumMod val="40000"/>
+                <a:lumOff val="60000"/>
+              </a:schemeClr>
+            </a:solidFill>
+          </a:ln>
+          <a:effectLst>
+            <a:softEdge rad="63500"/>
+          </a:effectLst>
+        </p:spPr>
+        <p:style>
+          <a:lnRef idx="2">
+            <a:schemeClr val="accent1">
+              <a:shade val="50000"/>
+            </a:schemeClr>
+          </a:lnRef>
+          <a:fillRef idx="1">
+            <a:schemeClr val="accent1"/>
+          </a:fillRef>
+          <a:effectRef idx="0">
+            <a:schemeClr val="accent1"/>
+          </a:effectRef>
+          <a:fontRef idx="minor">
+            <a:schemeClr val="lt1"/>
+          </a:fontRef>
+        </p:style>
+        <p:txBody>
+          <a:bodyPr rtlCol="0" anchor="ctr"/>
+          <a:p>
+            <a:pPr algn="ctr"/>
+            <a:endParaRPr lang="zh-CN" altLang="en-US"/>
+          </a:p>
+        </p:txBody>
+      </p:sp>
+      <p:sp>
+        <p:nvSpPr>
+          <p:cNvPr id="2" name="标题 1"/>
+          <p:cNvSpPr>
+            <a:spLocks noGrp="1"/>
+          </p:cNvSpPr>
+          <p:nvPr>
+            <p:ph type="title"/>
+          </p:nvPr>
+        </p:nvSpPr>
+        <p:spPr>
+          <a:xfrm>
+            <a:off x="5132070" y="245745"/>
+            <a:ext cx="2136775" cy="817245"/>
+          </a:xfrm>
+        </p:spPr>
+        <p:txBody>
+          <a:bodyPr>
+            <a:normAutofit fontScale="90000"/>
+          </a:bodyPr>
+          <a:p>
+            <a:r>
+              <a:rPr lang="en-US" altLang="zh-CN">
+                <a:latin typeface="Aa小梨涡" panose="02010600010101010101" charset="-122"/>
+                <a:ea typeface="Aa小梨涡" panose="02010600010101010101" charset="-122"/>
+              </a:rPr>
+              <a:t>1.</a:t>
+            </a:r>
+            <a:r>
+              <a:rPr lang="zh-CN" altLang="en-US">
+                <a:latin typeface="Aa小梨涡" panose="02010600010101010101" charset="-122"/>
+                <a:ea typeface="Aa小梨涡" panose="02010600010101010101" charset="-122"/>
+              </a:rPr>
+              <a:t>开篇词</a:t>
+            </a:r>
+            <a:endParaRPr lang="zh-CN" altLang="en-US">
+              <a:latin typeface="Aa小梨涡" panose="02010600010101010101" charset="-122"/>
+              <a:ea typeface="Aa小梨涡" panose="02010600010101010101" charset="-122"/>
+            </a:endParaRPr>
+          </a:p>
+        </p:txBody>
+      </p:sp>
+      <p:sp>
+        <p:nvSpPr>
+          <p:cNvPr id="20" name="任意多边形 19"/>
+          <p:cNvSpPr/>
+          <p:nvPr/>
+        </p:nvSpPr>
+        <p:spPr>
+          <a:xfrm rot="10320000">
+            <a:off x="4344035" y="897890"/>
+            <a:ext cx="3456305" cy="76200"/>
+          </a:xfrm>
+          <a:custGeom>
+            <a:avLst/>
+            <a:gdLst>
+              <a:gd name="connisteX0" fmla="*/ 4685923 w 4685923"/>
+              <a:gd name="connsiteY0" fmla="*/ 9525 h 464575"/>
+              <a:gd name="connisteX1" fmla="*/ 548898 w 4685923"/>
+              <a:gd name="connsiteY1" fmla="*/ 238125 h 464575"/>
+              <a:gd name="connisteX2" fmla="*/ 672723 w 4685923"/>
+              <a:gd name="connsiteY2" fmla="*/ 456565 h 464575"/>
+              <a:gd name="connisteX3" fmla="*/ 4638298 w 4685923"/>
+              <a:gd name="connsiteY3" fmla="*/ 0 h 464575"/>
+            </a:gdLst>
+            <a:ahLst/>
+            <a:cxnLst>
+              <a:cxn ang="0">
+                <a:pos x="connisteX0" y="connsiteY0"/>
+              </a:cxn>
+              <a:cxn ang="0">
+                <a:pos x="connisteX1" y="connsiteY1"/>
+              </a:cxn>
+              <a:cxn ang="0">
+                <a:pos x="connisteX2" y="connsiteY2"/>
+              </a:cxn>
+              <a:cxn ang="0">
+                <a:pos x="connisteX3" y="connsiteY3"/>
+              </a:cxn>
+            </a:cxnLst>
+            <a:rect l="l" t="t" r="r" b="b"/>
+            <a:pathLst>
+              <a:path w="4685923" h="464576">
+                <a:moveTo>
+                  <a:pt x="4685923" y="9525"/>
+                </a:moveTo>
+                <a:cubicBezTo>
+                  <a:pt x="3855978" y="50800"/>
+                  <a:pt x="1351538" y="148590"/>
+                  <a:pt x="548898" y="238125"/>
+                </a:cubicBezTo>
+                <a:cubicBezTo>
+                  <a:pt x="-253742" y="327660"/>
+                  <a:pt x="-145157" y="504190"/>
+                  <a:pt x="672723" y="456565"/>
+                </a:cubicBezTo>
+                <a:cubicBezTo>
+                  <a:pt x="1490603" y="408940"/>
+                  <a:pt x="3847723" y="95885"/>
+                  <a:pt x="4638298" y="0"/>
+                </a:cubicBezTo>
+              </a:path>
+            </a:pathLst>
+          </a:custGeom>
+          <a:solidFill>
+            <a:schemeClr val="accent5"/>
+          </a:solidFill>
+          <a:ln>
+            <a:noFill/>
+          </a:ln>
+        </p:spPr>
+        <p:style>
+          <a:lnRef idx="2">
+            <a:schemeClr val="accent1">
+              <a:shade val="50000"/>
+            </a:schemeClr>
+          </a:lnRef>
+          <a:fillRef idx="1">
+            <a:schemeClr val="accent1"/>
+          </a:fillRef>
+          <a:effectRef idx="0">
+            <a:schemeClr val="accent1"/>
+          </a:effectRef>
+          <a:fontRef idx="minor">
+            <a:schemeClr val="lt1"/>
+          </a:fontRef>
+        </p:style>
+        <p:txBody>
+          <a:bodyPr rtlCol="0" anchor="ctr"/>
+          <a:p>
+            <a:pPr algn="ctr"/>
+            <a:endParaRPr lang="zh-CN" altLang="en-US"/>
+          </a:p>
+        </p:txBody>
+      </p:sp>
+    </p:spTree>
+  </p:cSld>
+  <p:clrMapOvr>
+    <a:masterClrMapping/>
+  </p:clrMapOvr>
+</p:sld>
+</file>
+
+<file path=ppt/slides/slide31.xml><?xml version="1.0" encoding="utf-8"?>
+<p:sld xmlns:a="http://schemas.openxmlformats.org/drawingml/2006/main" xmlns:r="http://schemas.openxmlformats.org/officeDocument/2006/relationships" xmlns:p="http://schemas.openxmlformats.org/presentationml/2006/main">
+  <p:cSld>
+    <p:spTree>
+      <p:nvGrpSpPr>
+        <p:cNvPr id="1" name=""/>
+        <p:cNvGrpSpPr/>
+        <p:nvPr/>
+      </p:nvGrpSpPr>
+      <p:grpSpPr/>
+      <p:sp>
+        <p:nvSpPr>
+          <p:cNvPr id="18" name="任意多边形 17"/>
+          <p:cNvSpPr/>
+          <p:nvPr/>
+        </p:nvSpPr>
+        <p:spPr>
+          <a:xfrm rot="600000">
+            <a:off x="5342086" y="122979"/>
+            <a:ext cx="1728000" cy="944245"/>
+          </a:xfrm>
+          <a:custGeom>
+            <a:avLst/>
+            <a:gdLst>
+              <a:gd name="connisteX0" fmla="*/ 257810 w 3935730"/>
+              <a:gd name="connsiteY0" fmla="*/ 429260 h 944880"/>
+              <a:gd name="connisteX1" fmla="*/ 3394710 w 3935730"/>
+              <a:gd name="connsiteY1" fmla="*/ 0 h 944880"/>
+              <a:gd name="connisteX2" fmla="*/ 26035 w 3935730"/>
+              <a:gd name="connsiteY2" fmla="*/ 541020 h 944880"/>
+              <a:gd name="connisteX3" fmla="*/ 3575050 w 3935730"/>
+              <a:gd name="connsiteY3" fmla="*/ 51435 h 944880"/>
+              <a:gd name="connisteX4" fmla="*/ 172085 w 3935730"/>
+              <a:gd name="connsiteY4" fmla="*/ 601345 h 944880"/>
+              <a:gd name="connisteX5" fmla="*/ 3652520 w 3935730"/>
+              <a:gd name="connsiteY5" fmla="*/ 128905 h 944880"/>
+              <a:gd name="connisteX6" fmla="*/ 51435 w 3935730"/>
+              <a:gd name="connsiteY6" fmla="*/ 678815 h 944880"/>
+              <a:gd name="connisteX7" fmla="*/ 3514725 w 3935730"/>
+              <a:gd name="connsiteY7" fmla="*/ 214630 h 944880"/>
+              <a:gd name="connisteX8" fmla="*/ 369570 w 3935730"/>
+              <a:gd name="connsiteY8" fmla="*/ 704215 h 944880"/>
+              <a:gd name="connisteX9" fmla="*/ 3695700 w 3935730"/>
+              <a:gd name="connsiteY9" fmla="*/ 274955 h 944880"/>
+              <a:gd name="connisteX10" fmla="*/ 180340 w 3935730"/>
+              <a:gd name="connsiteY10" fmla="*/ 833120 h 944880"/>
+              <a:gd name="connisteX11" fmla="*/ 3695700 w 3935730"/>
+              <a:gd name="connsiteY11" fmla="*/ 351790 h 944880"/>
+              <a:gd name="connisteX12" fmla="*/ 0 w 3935730"/>
+              <a:gd name="connsiteY12" fmla="*/ 944880 h 944880"/>
+              <a:gd name="connisteX13" fmla="*/ 3935730 w 3935730"/>
+              <a:gd name="connsiteY13" fmla="*/ 360680 h 944880"/>
+            </a:gdLst>
+            <a:ahLst/>
+            <a:cxnLst>
+              <a:cxn ang="0">
+                <a:pos x="connisteX0" y="connsiteY0"/>
+              </a:cxn>
+              <a:cxn ang="0">
+                <a:pos x="connisteX1" y="connsiteY1"/>
+              </a:cxn>
+              <a:cxn ang="0">
+                <a:pos x="connisteX2" y="connsiteY2"/>
+              </a:cxn>
+              <a:cxn ang="0">
+                <a:pos x="connisteX3" y="connsiteY3"/>
+              </a:cxn>
+              <a:cxn ang="0">
+                <a:pos x="connisteX4" y="connsiteY4"/>
+              </a:cxn>
+              <a:cxn ang="0">
+                <a:pos x="connisteX5" y="connsiteY5"/>
+              </a:cxn>
+              <a:cxn ang="0">
+                <a:pos x="connisteX6" y="connsiteY6"/>
+              </a:cxn>
+              <a:cxn ang="0">
+                <a:pos x="connisteX7" y="connsiteY7"/>
+              </a:cxn>
+              <a:cxn ang="0">
+                <a:pos x="connisteX8" y="connsiteY8"/>
+              </a:cxn>
+              <a:cxn ang="0">
+                <a:pos x="connisteX9" y="connsiteY9"/>
+              </a:cxn>
+              <a:cxn ang="0">
+                <a:pos x="connisteX10" y="connsiteY10"/>
+              </a:cxn>
+              <a:cxn ang="0">
+                <a:pos x="connisteX11" y="connsiteY11"/>
+              </a:cxn>
+              <a:cxn ang="0">
+                <a:pos x="connisteX12" y="connsiteY12"/>
+              </a:cxn>
+              <a:cxn ang="0">
+                <a:pos x="connisteX13" y="connsiteY13"/>
+              </a:cxn>
+            </a:cxnLst>
+            <a:rect l="l" t="t" r="r" b="b"/>
+            <a:pathLst>
+              <a:path w="3935730" h="944880">
+                <a:moveTo>
+                  <a:pt x="257810" y="429260"/>
+                </a:moveTo>
+                <a:lnTo>
+                  <a:pt x="3394710" y="0"/>
+                </a:lnTo>
+                <a:lnTo>
+                  <a:pt x="26035" y="541020"/>
+                </a:lnTo>
+                <a:lnTo>
+                  <a:pt x="3575050" y="51435"/>
+                </a:lnTo>
+                <a:lnTo>
+                  <a:pt x="172085" y="601345"/>
+                </a:lnTo>
+                <a:lnTo>
+                  <a:pt x="3652520" y="128905"/>
+                </a:lnTo>
+                <a:lnTo>
+                  <a:pt x="51435" y="678815"/>
+                </a:lnTo>
+                <a:lnTo>
+                  <a:pt x="3514725" y="214630"/>
+                </a:lnTo>
+                <a:lnTo>
+                  <a:pt x="369570" y="704215"/>
+                </a:lnTo>
+                <a:lnTo>
+                  <a:pt x="3695700" y="274955"/>
+                </a:lnTo>
+                <a:lnTo>
+                  <a:pt x="180340" y="833120"/>
+                </a:lnTo>
+                <a:lnTo>
+                  <a:pt x="3695700" y="351790"/>
+                </a:lnTo>
+                <a:lnTo>
+                  <a:pt x="0" y="944880"/>
+                </a:lnTo>
+                <a:lnTo>
+                  <a:pt x="3935730" y="360680"/>
+                </a:lnTo>
+              </a:path>
+            </a:pathLst>
+          </a:custGeom>
+          <a:noFill/>
+          <a:ln w="203200">
+            <a:solidFill>
+              <a:schemeClr val="accent4">
+                <a:lumMod val="40000"/>
+                <a:lumOff val="60000"/>
+              </a:schemeClr>
+            </a:solidFill>
+          </a:ln>
+          <a:effectLst>
+            <a:softEdge rad="63500"/>
+          </a:effectLst>
+        </p:spPr>
+        <p:style>
+          <a:lnRef idx="2">
+            <a:schemeClr val="accent1">
+              <a:shade val="50000"/>
+            </a:schemeClr>
+          </a:lnRef>
+          <a:fillRef idx="1">
+            <a:schemeClr val="accent1"/>
+          </a:fillRef>
+          <a:effectRef idx="0">
+            <a:schemeClr val="accent1"/>
+          </a:effectRef>
+          <a:fontRef idx="minor">
+            <a:schemeClr val="lt1"/>
+          </a:fontRef>
+        </p:style>
+        <p:txBody>
+          <a:bodyPr rtlCol="0" anchor="ctr"/>
+          <a:p>
+            <a:pPr algn="ctr"/>
+            <a:endParaRPr lang="zh-CN" altLang="en-US"/>
+          </a:p>
+        </p:txBody>
+      </p:sp>
+      <p:sp>
+        <p:nvSpPr>
+          <p:cNvPr id="2" name="标题 1"/>
+          <p:cNvSpPr>
+            <a:spLocks noGrp="1"/>
+          </p:cNvSpPr>
+          <p:nvPr>
+            <p:ph type="title"/>
+          </p:nvPr>
+        </p:nvSpPr>
+        <p:spPr>
+          <a:xfrm>
+            <a:off x="5132070" y="245745"/>
+            <a:ext cx="2136775" cy="817245"/>
+          </a:xfrm>
+        </p:spPr>
+        <p:txBody>
+          <a:bodyPr>
+            <a:normAutofit fontScale="90000"/>
+          </a:bodyPr>
+          <a:p>
+            <a:r>
+              <a:rPr lang="en-US" altLang="zh-CN">
+                <a:latin typeface="Aa小梨涡" panose="02010600010101010101" charset="-122"/>
+                <a:ea typeface="Aa小梨涡" panose="02010600010101010101" charset="-122"/>
+              </a:rPr>
+              <a:t>1.</a:t>
+            </a:r>
+            <a:r>
+              <a:rPr lang="zh-CN" altLang="en-US">
+                <a:latin typeface="Aa小梨涡" panose="02010600010101010101" charset="-122"/>
+                <a:ea typeface="Aa小梨涡" panose="02010600010101010101" charset="-122"/>
+              </a:rPr>
+              <a:t>开篇词</a:t>
+            </a:r>
+            <a:endParaRPr lang="zh-CN" altLang="en-US">
+              <a:latin typeface="Aa小梨涡" panose="02010600010101010101" charset="-122"/>
+              <a:ea typeface="Aa小梨涡" panose="02010600010101010101" charset="-122"/>
+            </a:endParaRPr>
+          </a:p>
+        </p:txBody>
+      </p:sp>
+      <p:sp>
+        <p:nvSpPr>
+          <p:cNvPr id="20" name="任意多边形 19"/>
+          <p:cNvSpPr/>
+          <p:nvPr/>
+        </p:nvSpPr>
+        <p:spPr>
+          <a:xfrm rot="10320000">
+            <a:off x="4344035" y="897890"/>
             <a:ext cx="3456305" cy="76200"/>
           </a:xfrm>
           <a:custGeom>
@@ -30465,6 +34167,24 @@
 </p:tagLst>
 </file>
 
+<file path=ppt/tags/tag3.xml><?xml version="1.0" encoding="utf-8"?>
+<p:tagLst xmlns:p="http://schemas.openxmlformats.org/presentationml/2006/main">
+  <p:tag name="KSO_WM_UNIT_TABLE_BEAUTIFY" val="smartTable{fdbc201d-8fbe-4b32-a424-1bc6fef7d103}"/>
+</p:tagLst>
+</file>
+
+<file path=ppt/tags/tag4.xml><?xml version="1.0" encoding="utf-8"?>
+<p:tagLst xmlns:p="http://schemas.openxmlformats.org/presentationml/2006/main">
+  <p:tag name="KSO_WM_UNIT_TABLE_BEAUTIFY" val="smartTable{1dfdfd0f-5f2e-496f-878c-48dc9da912c1}"/>
+</p:tagLst>
+</file>
+
+<file path=ppt/tags/tag5.xml><?xml version="1.0" encoding="utf-8"?>
+<p:tagLst xmlns:p="http://schemas.openxmlformats.org/presentationml/2006/main">
+  <p:tag name="KSO_WM_UNIT_TABLE_BEAUTIFY" val="smartTable{46ccf125-a2a7-4888-9aa7-ddf68e373a48}"/>
+</p:tagLst>
+</file>
+
 <file path=ppt/theme/theme1.xml><?xml version="1.0" encoding="utf-8"?>
 <a:theme xmlns:a="http://schemas.openxmlformats.org/drawingml/2006/main" name="Office 主题">
   <a:themeElements>

--- a/PPT/CorePython.pptx
+++ b/PPT/CorePython.pptx
@@ -30,35 +30,46 @@
     <p:sldId id="290" r:id="rId25"/>
     <p:sldId id="313" r:id="rId26"/>
     <p:sldId id="314" r:id="rId27"/>
-    <p:sldId id="291" r:id="rId28"/>
-    <p:sldId id="292" r:id="rId29"/>
-    <p:sldId id="293" r:id="rId30"/>
-    <p:sldId id="294" r:id="rId31"/>
-    <p:sldId id="295" r:id="rId32"/>
-    <p:sldId id="296" r:id="rId33"/>
+    <p:sldId id="326" r:id="rId28"/>
+    <p:sldId id="291" r:id="rId29"/>
+    <p:sldId id="335" r:id="rId30"/>
+    <p:sldId id="336" r:id="rId31"/>
+    <p:sldId id="292" r:id="rId32"/>
+    <p:sldId id="293" r:id="rId33"/>
+    <p:sldId id="294" r:id="rId34"/>
+    <p:sldId id="295" r:id="rId35"/>
+    <p:sldId id="296" r:id="rId36"/>
+    <p:sldId id="327" r:id="rId37"/>
+    <p:sldId id="328" r:id="rId38"/>
+    <p:sldId id="329" r:id="rId39"/>
+    <p:sldId id="330" r:id="rId40"/>
+    <p:sldId id="331" r:id="rId41"/>
+    <p:sldId id="332" r:id="rId42"/>
+    <p:sldId id="333" r:id="rId43"/>
+    <p:sldId id="334" r:id="rId44"/>
   </p:sldIdLst>
   <p:sldSz cx="12192000" cy="6858000"/>
   <p:notesSz cx="6858000" cy="9144000"/>
   <p:embeddedFontLst>
     <p:embeddedFont>
       <p:font typeface="Aa小梨涡" panose="02010600010101010101" charset="-122"/>
-      <p:regular r:id="rId37"/>
+      <p:regular r:id="rId48"/>
     </p:embeddedFont>
     <p:embeddedFont>
       <p:font typeface="微软雅黑" panose="020B0503020204020204" charset="-122"/>
-      <p:regular r:id="rId38"/>
+      <p:regular r:id="rId49"/>
     </p:embeddedFont>
     <p:embeddedFont>
       <p:font typeface="Comic Sans MS" panose="030F0702030302020204" charset="0"/>
-      <p:regular r:id="rId39"/>
-      <p:bold r:id="rId40"/>
+      <p:regular r:id="rId50"/>
+      <p:bold r:id="rId51"/>
     </p:embeddedFont>
     <p:embeddedFont>
       <p:font typeface="Calibri" panose="020F0502020204030204" charset="0"/>
-      <p:regular r:id="rId41"/>
-      <p:bold r:id="rId42"/>
-      <p:italic r:id="rId43"/>
-      <p:boldItalic r:id="rId44"/>
+      <p:regular r:id="rId52"/>
+      <p:bold r:id="rId53"/>
+      <p:italic r:id="rId54"/>
+      <p:boldItalic r:id="rId55"/>
     </p:embeddedFont>
   </p:embeddedFontLst>
   <p:defaultTextStyle>
@@ -23488,6 +23499,75 @@
           </a:p>
         </p:txBody>
       </p:sp>
+      <p:sp>
+        <p:nvSpPr>
+          <p:cNvPr id="12" name="文本框 11"/>
+          <p:cNvSpPr txBox="1"/>
+          <p:nvPr>
+            <p:custDataLst>
+              <p:tags r:id="rId1"/>
+            </p:custDataLst>
+          </p:nvPr>
+        </p:nvSpPr>
+        <p:spPr>
+          <a:xfrm>
+            <a:off x="10214610" y="5614670"/>
+            <a:ext cx="1717675" cy="491490"/>
+          </a:xfrm>
+          <a:prstGeom prst="rect">
+            <a:avLst/>
+          </a:prstGeom>
+          <a:noFill/>
+        </p:spPr>
+        <p:txBody>
+          <a:bodyPr wrap="square" rtlCol="0">
+            <a:spAutoFit/>
+          </a:bodyPr>
+          <a:p>
+            <a:r>
+              <a:rPr lang="zh-CN" altLang="en-US" sz="2600" b="1">
+                <a:solidFill>
+                  <a:srgbClr val="FF0000"/>
+                </a:solidFill>
+                <a:latin typeface="Aa小梨涡" panose="02010600010101010101" charset="-122"/>
+                <a:ea typeface="Aa小梨涡" panose="02010600010101010101" charset="-122"/>
+                <a:cs typeface="Aa小梨涡" panose="02010600010101010101" charset="-122"/>
+              </a:rPr>
+              <a:t>第</a:t>
+            </a:r>
+            <a:r>
+              <a:rPr lang="en-US" altLang="zh-CN" sz="2600" b="1">
+                <a:solidFill>
+                  <a:srgbClr val="FF0000"/>
+                </a:solidFill>
+                <a:latin typeface="Aa小梨涡" panose="02010600010101010101" charset="-122"/>
+                <a:ea typeface="Aa小梨涡" panose="02010600010101010101" charset="-122"/>
+                <a:cs typeface="Aa小梨涡" panose="02010600010101010101" charset="-122"/>
+              </a:rPr>
+              <a:t>4</a:t>
+            </a:r>
+            <a:r>
+              <a:rPr lang="zh-CN" altLang="en-US" sz="2600" b="1">
+                <a:solidFill>
+                  <a:srgbClr val="FF0000"/>
+                </a:solidFill>
+                <a:latin typeface="Aa小梨涡" panose="02010600010101010101" charset="-122"/>
+                <a:ea typeface="Aa小梨涡" panose="02010600010101010101" charset="-122"/>
+                <a:cs typeface="Aa小梨涡" panose="02010600010101010101" charset="-122"/>
+              </a:rPr>
+              <a:t>章 完</a:t>
+            </a:r>
+            <a:endParaRPr lang="zh-CN" altLang="en-US" sz="2600" b="1">
+              <a:solidFill>
+                <a:srgbClr val="FF0000"/>
+              </a:solidFill>
+              <a:latin typeface="Aa小梨涡" panose="02010600010101010101" charset="-122"/>
+              <a:ea typeface="Aa小梨涡" panose="02010600010101010101" charset="-122"/>
+              <a:cs typeface="Aa小梨涡" panose="02010600010101010101" charset="-122"/>
+            </a:endParaRPr>
+          </a:p>
+        </p:txBody>
+      </p:sp>
     </p:spTree>
   </p:cSld>
   <p:clrMapOvr>
@@ -23546,6 +23626,59 @@
                       </p:childTnLst>
                     </p:cTn>
                   </p:par>
+                  <p:par>
+                    <p:cTn id="7" fill="hold">
+                      <p:stCondLst>
+                        <p:cond delay="indefinite"/>
+                      </p:stCondLst>
+                      <p:childTnLst>
+                        <p:par>
+                          <p:cTn id="8" fill="hold">
+                            <p:stCondLst>
+                              <p:cond delay="0"/>
+                            </p:stCondLst>
+                            <p:childTnLst>
+                              <p:par>
+                                <p:cTn id="9" presetID="3" presetClass="entr" presetSubtype="10" fill="hold" grpId="0" nodeType="clickEffect">
+                                  <p:stCondLst>
+                                    <p:cond delay="0"/>
+                                  </p:stCondLst>
+                                  <p:childTnLst>
+                                    <p:set>
+                                      <p:cBhvr>
+                                        <p:cTn id="10" dur="1" fill="hold">
+                                          <p:stCondLst>
+                                            <p:cond delay="0"/>
+                                          </p:stCondLst>
+                                        </p:cTn>
+                                        <p:tgtEl>
+                                          <p:spTgt spid="12"/>
+                                        </p:tgtEl>
+                                        <p:attrNameLst>
+                                          <p:attrName>style.visibility</p:attrName>
+                                        </p:attrNameLst>
+                                      </p:cBhvr>
+                                      <p:to>
+                                        <p:strVal val="visible"/>
+                                      </p:to>
+                                    </p:set>
+                                    <p:animEffect transition="in" filter="blinds(horizontal)">
+                                      <p:cBhvr>
+                                        <p:cTn id="11" dur="500"/>
+                                        <p:tgtEl>
+                                          <p:spTgt spid="12"/>
+                                        </p:tgtEl>
+                                      </p:cBhvr>
+                                    </p:animEffect>
+                                  </p:childTnLst>
+                                </p:cTn>
+                              </p:par>
+                            </p:childTnLst>
+                          </p:cTn>
+                        </p:par>
+                      </p:childTnLst>
+                    </p:cTn>
+                  </p:par>
                 </p:childTnLst>
               </p:cTn>
               <p:prevCondLst>
@@ -23570,6 +23703,7 @@
     <p:bldLst>
       <p:bldP spid="13" grpId="0"/>
       <p:bldP spid="13" grpId="1"/>
+      <p:bldP spid="12" grpId="0"/>
     </p:bldLst>
   </p:timing>
 </p:sld>
@@ -23593,8 +23727,8 @@
         </p:nvSpPr>
         <p:spPr>
           <a:xfrm rot="600000">
-            <a:off x="5342086" y="122979"/>
-            <a:ext cx="1728000" cy="944245"/>
+            <a:off x="3829685" y="2281555"/>
+            <a:ext cx="4152900" cy="800735"/>
           </a:xfrm>
           <a:custGeom>
             <a:avLst/>
@@ -23760,7 +23894,7 @@
       </p:sp>
       <p:sp>
         <p:nvSpPr>
-          <p:cNvPr id="2" name="标题 1"/>
+          <p:cNvPr id="6" name="标题 5"/>
           <p:cNvSpPr>
             <a:spLocks noGrp="1"/>
           </p:cNvSpPr>
@@ -23770,8 +23904,8 @@
         </p:nvSpPr>
         <p:spPr>
           <a:xfrm>
-            <a:off x="5132070" y="245745"/>
-            <a:ext cx="2136775" cy="817245"/>
+            <a:off x="2833370" y="2235835"/>
+            <a:ext cx="6525895" cy="817245"/>
           </a:xfrm>
         </p:spPr>
         <p:txBody>
@@ -23784,16 +23918,16 @@
                 <a:latin typeface="Aa小梨涡" panose="02010600010101010101" charset="-122"/>
                 <a:ea typeface="Aa小梨涡" panose="02010600010101010101" charset="-122"/>
               </a:rPr>
-              <a:t>1.</a:t>
+              <a:t>5. </a:t>
             </a:r>
             <a:r>
               <a:rPr lang="zh-CN" altLang="en-US">
                 <a:latin typeface="Aa小梨涡" panose="02010600010101010101" charset="-122"/>
                 <a:ea typeface="Aa小梨涡" panose="02010600010101010101" charset="-122"/>
               </a:rPr>
-              <a:t>开篇词</a:t>
-            </a:r>
-            <a:endParaRPr lang="zh-CN" altLang="en-US">
+              <a:t>深入理解迭代器与生成器</a:t>
+            </a:r>
+            <a:endParaRPr lang="en-US" altLang="zh-CN">
               <a:latin typeface="Aa小梨涡" panose="02010600010101010101" charset="-122"/>
               <a:ea typeface="Aa小梨涡" panose="02010600010101010101" charset="-122"/>
             </a:endParaRPr>
@@ -23802,14 +23936,14 @@
       </p:sp>
       <p:sp>
         <p:nvSpPr>
-          <p:cNvPr id="20" name="任意多边形 19"/>
+          <p:cNvPr id="7" name="任意多边形 6"/>
           <p:cNvSpPr/>
           <p:nvPr/>
         </p:nvSpPr>
         <p:spPr>
-          <a:xfrm rot="10320000">
-            <a:off x="4344035" y="897890"/>
-            <a:ext cx="3456305" cy="76200"/>
+          <a:xfrm rot="10800000" flipV="1">
+            <a:off x="2813685" y="2972435"/>
+            <a:ext cx="5089525" cy="81280"/>
           </a:xfrm>
           <a:custGeom>
             <a:avLst/>
@@ -24096,8 +24230,8 @@
         </p:nvSpPr>
         <p:spPr>
           <a:xfrm>
-            <a:off x="5132070" y="245745"/>
-            <a:ext cx="2136775" cy="817245"/>
+            <a:off x="3871595" y="186690"/>
+            <a:ext cx="4400550" cy="817245"/>
           </a:xfrm>
         </p:spPr>
         <p:txBody>
@@ -24110,14 +24244,14 @@
                 <a:latin typeface="Aa小梨涡" panose="02010600010101010101" charset="-122"/>
                 <a:ea typeface="Aa小梨涡" panose="02010600010101010101" charset="-122"/>
               </a:rPr>
-              <a:t>1.</a:t>
+              <a:t>5.1</a:t>
             </a:r>
             <a:r>
               <a:rPr lang="zh-CN" altLang="en-US">
                 <a:latin typeface="Aa小梨涡" panose="02010600010101010101" charset="-122"/>
                 <a:ea typeface="Aa小梨涡" panose="02010600010101010101" charset="-122"/>
               </a:rPr>
-              <a:t>开篇词</a:t>
+              <a:t>迭代器设计模式</a:t>
             </a:r>
             <a:endParaRPr lang="zh-CN" altLang="en-US">
               <a:latin typeface="Aa小梨涡" panose="02010600010101010101" charset="-122"/>
@@ -24219,11 +24353,674 @@
           </a:p>
         </p:txBody>
       </p:sp>
+      <p:sp>
+        <p:nvSpPr>
+          <p:cNvPr id="13" name="文本框 12"/>
+          <p:cNvSpPr txBox="1"/>
+          <p:nvPr/>
+        </p:nvSpPr>
+        <p:spPr>
+          <a:xfrm>
+            <a:off x="565150" y="1214120"/>
+            <a:ext cx="11281410" cy="1437640"/>
+          </a:xfrm>
+          <a:prstGeom prst="rect">
+            <a:avLst/>
+          </a:prstGeom>
+          <a:noFill/>
+          <a:ln>
+            <a:noFill/>
+          </a:ln>
+        </p:spPr>
+        <p:txBody>
+          <a:bodyPr wrap="square" rtlCol="0">
+            <a:spAutoFit/>
+          </a:bodyPr>
+          <a:p>
+            <a:pPr fontAlgn="auto">
+              <a:lnSpc>
+                <a:spcPts val="3500"/>
+              </a:lnSpc>
+            </a:pPr>
+            <a:r>
+              <a:rPr lang="en-US" sz="2200">
+                <a:latin typeface="Aa小梨涡" panose="02010600010101010101" charset="-122"/>
+                <a:ea typeface="Aa小梨涡" panose="02010600010101010101" charset="-122"/>
+                <a:cs typeface="Aa小梨涡" panose="02010600010101010101" charset="-122"/>
+                <a:sym typeface="+mn-ea"/>
+              </a:rPr>
+              <a:t>        </a:t>
+            </a:r>
+            <a:r>
+              <a:rPr lang="zh-CN" altLang="en-US" sz="2200">
+                <a:latin typeface="Aa小梨涡" panose="02010600010101010101" charset="-122"/>
+                <a:ea typeface="Aa小梨涡" panose="02010600010101010101" charset="-122"/>
+                <a:cs typeface="Aa小梨涡" panose="02010600010101010101" charset="-122"/>
+                <a:sym typeface="+mn-ea"/>
+              </a:rPr>
+              <a:t>迭代器（</a:t>
+            </a:r>
+            <a:r>
+              <a:rPr sz="2200">
+                <a:latin typeface="Aa小梨涡" panose="02010600010101010101" charset="-122"/>
+                <a:ea typeface="Aa小梨涡" panose="02010600010101010101" charset="-122"/>
+                <a:cs typeface="Aa小梨涡" panose="02010600010101010101" charset="-122"/>
+                <a:sym typeface="+mn-ea"/>
+              </a:rPr>
+              <a:t>iterator</a:t>
+            </a:r>
+            <a:r>
+              <a:rPr lang="zh-CN" sz="2200">
+                <a:latin typeface="Aa小梨涡" panose="02010600010101010101" charset="-122"/>
+                <a:ea typeface="Aa小梨涡" panose="02010600010101010101" charset="-122"/>
+                <a:cs typeface="Aa小梨涡" panose="02010600010101010101" charset="-122"/>
+                <a:sym typeface="+mn-ea"/>
+              </a:rPr>
+              <a:t>）</a:t>
+            </a:r>
+            <a:r>
+              <a:rPr sz="2200">
+                <a:latin typeface="Aa小梨涡" panose="02010600010101010101" charset="-122"/>
+                <a:ea typeface="Aa小梨涡" panose="02010600010101010101" charset="-122"/>
+                <a:cs typeface="Aa小梨涡" panose="02010600010101010101" charset="-122"/>
+                <a:sym typeface="+mn-ea"/>
+              </a:rPr>
+              <a:t>是一种“设计模式”，和“观察者模式”、“访问者模式”同属于“面向任务的模式”，用于“执行及描述任务”。其目的是”提供一种</a:t>
+            </a:r>
+            <a:r>
+              <a:rPr lang="zh-CN" sz="2200">
+                <a:latin typeface="Aa小梨涡" panose="02010600010101010101" charset="-122"/>
+                <a:ea typeface="Aa小梨涡" panose="02010600010101010101" charset="-122"/>
+                <a:cs typeface="Aa小梨涡" panose="02010600010101010101" charset="-122"/>
+                <a:sym typeface="+mn-ea"/>
+              </a:rPr>
+              <a:t>途径以</a:t>
+            </a:r>
+            <a:r>
+              <a:rPr sz="2200">
+                <a:latin typeface="Aa小梨涡" panose="02010600010101010101" charset="-122"/>
+                <a:ea typeface="Aa小梨涡" panose="02010600010101010101" charset="-122"/>
+                <a:cs typeface="Aa小梨涡" panose="02010600010101010101" charset="-122"/>
+                <a:sym typeface="+mn-ea"/>
+              </a:rPr>
+              <a:t>访问容器对象中各个元素，而又不暴露该对象</a:t>
+            </a:r>
+            <a:r>
+              <a:rPr lang="zh-CN" sz="2200">
+                <a:latin typeface="Aa小梨涡" panose="02010600010101010101" charset="-122"/>
+                <a:ea typeface="Aa小梨涡" panose="02010600010101010101" charset="-122"/>
+                <a:cs typeface="Aa小梨涡" panose="02010600010101010101" charset="-122"/>
+                <a:sym typeface="+mn-ea"/>
+              </a:rPr>
+              <a:t>的</a:t>
+            </a:r>
+            <a:r>
+              <a:rPr sz="2200">
+                <a:latin typeface="Aa小梨涡" panose="02010600010101010101" charset="-122"/>
+                <a:ea typeface="Aa小梨涡" panose="02010600010101010101" charset="-122"/>
+                <a:cs typeface="Aa小梨涡" panose="02010600010101010101" charset="-122"/>
+                <a:sym typeface="+mn-ea"/>
+              </a:rPr>
+              <a:t>内部细节。”</a:t>
+            </a:r>
+            <a:endParaRPr sz="2200">
+              <a:latin typeface="Aa小梨涡" panose="02010600010101010101" charset="-122"/>
+              <a:ea typeface="Aa小梨涡" panose="02010600010101010101" charset="-122"/>
+              <a:cs typeface="Aa小梨涡" panose="02010600010101010101" charset="-122"/>
+              <a:sym typeface="+mn-ea"/>
+            </a:endParaRPr>
+          </a:p>
+        </p:txBody>
+      </p:sp>
+      <p:pic>
+        <p:nvPicPr>
+          <p:cNvPr id="3" name="图片 2"/>
+          <p:cNvPicPr>
+            <a:picLocks noChangeAspect="1"/>
+          </p:cNvPicPr>
+          <p:nvPr>
+            <p:custDataLst>
+              <p:tags r:id="rId1"/>
+            </p:custDataLst>
+          </p:nvPr>
+        </p:nvPicPr>
+        <p:blipFill>
+          <a:blip r:embed="rId2"/>
+          <a:stretch>
+            <a:fillRect/>
+          </a:stretch>
+        </p:blipFill>
+        <p:spPr>
+          <a:xfrm>
+            <a:off x="3030855" y="2851785"/>
+            <a:ext cx="6349365" cy="3362325"/>
+          </a:xfrm>
+          <a:prstGeom prst="rect">
+            <a:avLst/>
+          </a:prstGeom>
+        </p:spPr>
+      </p:pic>
+      <p:cxnSp>
+        <p:nvCxnSpPr>
+          <p:cNvPr id="5" name="直接连接符 4"/>
+          <p:cNvCxnSpPr/>
+          <p:nvPr/>
+        </p:nvCxnSpPr>
+        <p:spPr>
+          <a:xfrm flipV="1">
+            <a:off x="6329680" y="2129790"/>
+            <a:ext cx="5282565" cy="61595"/>
+          </a:xfrm>
+          <a:prstGeom prst="line">
+            <a:avLst/>
+          </a:prstGeom>
+          <a:ln w="31750">
+            <a:solidFill>
+              <a:srgbClr val="FF0000"/>
+            </a:solidFill>
+          </a:ln>
+        </p:spPr>
+        <p:style>
+          <a:lnRef idx="1">
+            <a:schemeClr val="accent1"/>
+          </a:lnRef>
+          <a:fillRef idx="0">
+            <a:schemeClr val="accent1"/>
+          </a:fillRef>
+          <a:effectRef idx="0">
+            <a:schemeClr val="accent1"/>
+          </a:effectRef>
+          <a:fontRef idx="minor">
+            <a:schemeClr val="tx1"/>
+          </a:fontRef>
+        </p:style>
+      </p:cxnSp>
+      <p:cxnSp>
+        <p:nvCxnSpPr>
+          <p:cNvPr id="4" name="直接连接符 3"/>
+          <p:cNvCxnSpPr/>
+          <p:nvPr/>
+        </p:nvCxnSpPr>
+        <p:spPr>
+          <a:xfrm flipV="1">
+            <a:off x="653415" y="2619375"/>
+            <a:ext cx="3719830" cy="32385"/>
+          </a:xfrm>
+          <a:prstGeom prst="line">
+            <a:avLst/>
+          </a:prstGeom>
+          <a:ln w="31750">
+            <a:solidFill>
+              <a:srgbClr val="FF0000"/>
+            </a:solidFill>
+          </a:ln>
+        </p:spPr>
+        <p:style>
+          <a:lnRef idx="1">
+            <a:schemeClr val="accent1"/>
+          </a:lnRef>
+          <a:fillRef idx="0">
+            <a:schemeClr val="accent1"/>
+          </a:fillRef>
+          <a:effectRef idx="0">
+            <a:schemeClr val="accent1"/>
+          </a:effectRef>
+          <a:fontRef idx="minor">
+            <a:schemeClr val="tx1"/>
+          </a:fontRef>
+        </p:style>
+      </p:cxnSp>
+      <p:sp>
+        <p:nvSpPr>
+          <p:cNvPr id="6" name="任意多边形 5"/>
+          <p:cNvSpPr/>
+          <p:nvPr/>
+        </p:nvSpPr>
+        <p:spPr>
+          <a:xfrm>
+            <a:off x="3871595" y="3224530"/>
+            <a:ext cx="869950" cy="409575"/>
+          </a:xfrm>
+          <a:custGeom>
+            <a:avLst/>
+            <a:gdLst>
+              <a:gd name="connsiteX0" fmla="*/ 716 w 1431"/>
+              <a:gd name="connsiteY0" fmla="*/ 0 h 645"/>
+              <a:gd name="connsiteX1" fmla="*/ 1431 w 1431"/>
+              <a:gd name="connsiteY1" fmla="*/ 323 h 645"/>
+              <a:gd name="connsiteX2" fmla="*/ 716 w 1431"/>
+              <a:gd name="connsiteY2" fmla="*/ 645 h 645"/>
+              <a:gd name="connsiteX3" fmla="*/ 0 w 1431"/>
+              <a:gd name="connsiteY3" fmla="*/ 323 h 645"/>
+              <a:gd name="connsiteX4" fmla="*/ 881 w 1431"/>
+              <a:gd name="connsiteY4" fmla="*/ 165 h 645"/>
+            </a:gdLst>
+            <a:ahLst/>
+            <a:cxnLst>
+              <a:cxn ang="0">
+                <a:pos x="connsiteX0" y="connsiteY0"/>
+              </a:cxn>
+              <a:cxn ang="0">
+                <a:pos x="connsiteX1" y="connsiteY1"/>
+              </a:cxn>
+              <a:cxn ang="0">
+                <a:pos x="connsiteX2" y="connsiteY2"/>
+              </a:cxn>
+              <a:cxn ang="0">
+                <a:pos x="connsiteX3" y="connsiteY3"/>
+              </a:cxn>
+              <a:cxn ang="0">
+                <a:pos x="connsiteX4" y="connsiteY4"/>
+              </a:cxn>
+            </a:cxnLst>
+            <a:rect l="l" t="t" r="r" b="b"/>
+            <a:pathLst>
+              <a:path w="1431" h="645">
+                <a:moveTo>
+                  <a:pt x="716" y="0"/>
+                </a:moveTo>
+                <a:cubicBezTo>
+                  <a:pt x="1111" y="0"/>
+                  <a:pt x="1431" y="144"/>
+                  <a:pt x="1431" y="323"/>
+                </a:cubicBezTo>
+                <a:cubicBezTo>
+                  <a:pt x="1431" y="501"/>
+                  <a:pt x="1111" y="645"/>
+                  <a:pt x="716" y="645"/>
+                </a:cubicBezTo>
+                <a:cubicBezTo>
+                  <a:pt x="320" y="645"/>
+                  <a:pt x="0" y="501"/>
+                  <a:pt x="0" y="323"/>
+                </a:cubicBezTo>
+                <a:cubicBezTo>
+                  <a:pt x="0" y="144"/>
+                  <a:pt x="320" y="0"/>
+                  <a:pt x="881" y="165"/>
+                </a:cubicBezTo>
+              </a:path>
+            </a:pathLst>
+          </a:custGeom>
+          <a:noFill/>
+          <a:ln>
+            <a:solidFill>
+              <a:srgbClr val="FF0000"/>
+            </a:solidFill>
+          </a:ln>
+        </p:spPr>
+        <p:txBody>
+          <a:bodyPr/>
+          <a:p>
+            <a:pPr eaLnBrk="1" hangingPunct="1">
+              <a:spcBef>
+                <a:spcPct val="0"/>
+              </a:spcBef>
+              <a:buFontTx/>
+              <a:buNone/>
+            </a:pPr>
+            <a:endParaRPr lang="zh-CN" altLang="en-US" sz="1800">
+              <a:solidFill>
+                <a:schemeClr val="tx1"/>
+              </a:solidFill>
+              <a:ea typeface="宋体" panose="02010600030101010101" pitchFamily="2" charset="-122"/>
+            </a:endParaRPr>
+          </a:p>
+        </p:txBody>
+      </p:sp>
+      <p:sp>
+        <p:nvSpPr>
+          <p:cNvPr id="7" name="任意多边形 6"/>
+          <p:cNvSpPr/>
+          <p:nvPr/>
+        </p:nvSpPr>
+        <p:spPr>
+          <a:xfrm>
+            <a:off x="6946265" y="2999740"/>
+            <a:ext cx="1179830" cy="409575"/>
+          </a:xfrm>
+          <a:custGeom>
+            <a:avLst/>
+            <a:gdLst>
+              <a:gd name="connsiteX0" fmla="*/ 716 w 1431"/>
+              <a:gd name="connsiteY0" fmla="*/ 0 h 645"/>
+              <a:gd name="connsiteX1" fmla="*/ 1431 w 1431"/>
+              <a:gd name="connsiteY1" fmla="*/ 323 h 645"/>
+              <a:gd name="connsiteX2" fmla="*/ 716 w 1431"/>
+              <a:gd name="connsiteY2" fmla="*/ 645 h 645"/>
+              <a:gd name="connsiteX3" fmla="*/ 0 w 1431"/>
+              <a:gd name="connsiteY3" fmla="*/ 323 h 645"/>
+              <a:gd name="connsiteX4" fmla="*/ 881 w 1431"/>
+              <a:gd name="connsiteY4" fmla="*/ 165 h 645"/>
+            </a:gdLst>
+            <a:ahLst/>
+            <a:cxnLst>
+              <a:cxn ang="0">
+                <a:pos x="connsiteX0" y="connsiteY0"/>
+              </a:cxn>
+              <a:cxn ang="0">
+                <a:pos x="connsiteX1" y="connsiteY1"/>
+              </a:cxn>
+              <a:cxn ang="0">
+                <a:pos x="connsiteX2" y="connsiteY2"/>
+              </a:cxn>
+              <a:cxn ang="0">
+                <a:pos x="connsiteX3" y="connsiteY3"/>
+              </a:cxn>
+              <a:cxn ang="0">
+                <a:pos x="connsiteX4" y="connsiteY4"/>
+              </a:cxn>
+            </a:cxnLst>
+            <a:rect l="l" t="t" r="r" b="b"/>
+            <a:pathLst>
+              <a:path w="1431" h="645">
+                <a:moveTo>
+                  <a:pt x="716" y="0"/>
+                </a:moveTo>
+                <a:cubicBezTo>
+                  <a:pt x="1111" y="0"/>
+                  <a:pt x="1431" y="144"/>
+                  <a:pt x="1431" y="323"/>
+                </a:cubicBezTo>
+                <a:cubicBezTo>
+                  <a:pt x="1431" y="501"/>
+                  <a:pt x="1111" y="645"/>
+                  <a:pt x="716" y="645"/>
+                </a:cubicBezTo>
+                <a:cubicBezTo>
+                  <a:pt x="320" y="645"/>
+                  <a:pt x="0" y="501"/>
+                  <a:pt x="0" y="323"/>
+                </a:cubicBezTo>
+                <a:cubicBezTo>
+                  <a:pt x="0" y="144"/>
+                  <a:pt x="320" y="0"/>
+                  <a:pt x="881" y="165"/>
+                </a:cubicBezTo>
+              </a:path>
+            </a:pathLst>
+          </a:custGeom>
+          <a:noFill/>
+          <a:ln>
+            <a:solidFill>
+              <a:srgbClr val="FF0000"/>
+            </a:solidFill>
+          </a:ln>
+        </p:spPr>
+        <p:txBody>
+          <a:bodyPr/>
+          <a:p>
+            <a:pPr eaLnBrk="1" hangingPunct="1">
+              <a:spcBef>
+                <a:spcPct val="0"/>
+              </a:spcBef>
+              <a:buFontTx/>
+              <a:buNone/>
+            </a:pPr>
+            <a:endParaRPr lang="zh-CN" altLang="en-US" sz="1800">
+              <a:solidFill>
+                <a:schemeClr val="tx1"/>
+              </a:solidFill>
+              <a:ea typeface="宋体" panose="02010600030101010101" pitchFamily="2" charset="-122"/>
+            </a:endParaRPr>
+          </a:p>
+        </p:txBody>
+      </p:sp>
     </p:spTree>
   </p:cSld>
   <p:clrMapOvr>
     <a:masterClrMapping/>
   </p:clrMapOvr>
+  <p:timing>
+    <p:tnLst>
+      <p:par>
+        <p:cTn id="1" dur="indefinite" restart="never" nodeType="tmRoot">
+          <p:childTnLst>
+            <p:seq concurrent="1" nextAc="seek">
+              <p:cTn id="2" dur="indefinite" nodeType="mainSeq">
+                <p:childTnLst>
+                  <p:par>
+                    <p:cTn id="3" fill="hold">
+                      <p:stCondLst>
+                        <p:cond delay="indefinite"/>
+                      </p:stCondLst>
+                      <p:childTnLst>
+                        <p:par>
+                          <p:cTn id="4" fill="hold">
+                            <p:stCondLst>
+                              <p:cond delay="0"/>
+                            </p:stCondLst>
+                            <p:childTnLst>
+                              <p:par>
+                                <p:cTn id="5" presetID="1" presetClass="entr" presetSubtype="0" fill="hold" grpId="0" nodeType="clickEffect">
+                                  <p:stCondLst>
+                                    <p:cond delay="0"/>
+                                  </p:stCondLst>
+                                  <p:childTnLst>
+                                    <p:set>
+                                      <p:cBhvr>
+                                        <p:cTn id="6" dur="1" fill="hold">
+                                          <p:stCondLst>
+                                            <p:cond delay="0"/>
+                                          </p:stCondLst>
+                                        </p:cTn>
+                                        <p:tgtEl>
+                                          <p:spTgt spid="13"/>
+                                        </p:tgtEl>
+                                        <p:attrNameLst>
+                                          <p:attrName>style.visibility</p:attrName>
+                                        </p:attrNameLst>
+                                      </p:cBhvr>
+                                      <p:to>
+                                        <p:strVal val="visible"/>
+                                      </p:to>
+                                    </p:set>
+                                  </p:childTnLst>
+                                </p:cTn>
+                              </p:par>
+                              <p:par>
+                                <p:cTn id="7" presetID="22" presetClass="entr" presetSubtype="8" fill="hold" nodeType="withEffect">
+                                  <p:stCondLst>
+                                    <p:cond delay="0"/>
+                                  </p:stCondLst>
+                                  <p:childTnLst>
+                                    <p:set>
+                                      <p:cBhvr>
+                                        <p:cTn id="8" dur="1" fill="hold">
+                                          <p:stCondLst>
+                                            <p:cond delay="0"/>
+                                          </p:stCondLst>
+                                        </p:cTn>
+                                        <p:tgtEl>
+                                          <p:spTgt spid="5"/>
+                                        </p:tgtEl>
+                                        <p:attrNameLst>
+                                          <p:attrName>style.visibility</p:attrName>
+                                        </p:attrNameLst>
+                                      </p:cBhvr>
+                                      <p:to>
+                                        <p:strVal val="visible"/>
+                                      </p:to>
+                                    </p:set>
+                                    <p:animEffect transition="in" filter="wipe(left)">
+                                      <p:cBhvr>
+                                        <p:cTn id="9" dur="500"/>
+                                        <p:tgtEl>
+                                          <p:spTgt spid="5"/>
+                                        </p:tgtEl>
+                                      </p:cBhvr>
+                                    </p:animEffect>
+                                  </p:childTnLst>
+                                </p:cTn>
+                              </p:par>
+                              <p:par>
+                                <p:cTn id="10" presetID="22" presetClass="entr" presetSubtype="8" fill="hold" nodeType="withEffect">
+                                  <p:stCondLst>
+                                    <p:cond delay="0"/>
+                                  </p:stCondLst>
+                                  <p:childTnLst>
+                                    <p:set>
+                                      <p:cBhvr>
+                                        <p:cTn id="11" dur="1" fill="hold">
+                                          <p:stCondLst>
+                                            <p:cond delay="0"/>
+                                          </p:stCondLst>
+                                        </p:cTn>
+                                        <p:tgtEl>
+                                          <p:spTgt spid="4"/>
+                                        </p:tgtEl>
+                                        <p:attrNameLst>
+                                          <p:attrName>style.visibility</p:attrName>
+                                        </p:attrNameLst>
+                                      </p:cBhvr>
+                                      <p:to>
+                                        <p:strVal val="visible"/>
+                                      </p:to>
+                                    </p:set>
+                                    <p:animEffect transition="in" filter="wipe(left)">
+                                      <p:cBhvr>
+                                        <p:cTn id="12" dur="500"/>
+                                        <p:tgtEl>
+                                          <p:spTgt spid="4"/>
+                                        </p:tgtEl>
+                                      </p:cBhvr>
+                                    </p:animEffect>
+                                  </p:childTnLst>
+                                </p:cTn>
+                              </p:par>
+                              <p:par>
+                                <p:cTn id="13" presetID="1" presetClass="entr" presetSubtype="0" fill="hold" nodeType="withEffect">
+                                  <p:stCondLst>
+                                    <p:cond delay="0"/>
+                                  </p:stCondLst>
+                                  <p:childTnLst>
+                                    <p:set>
+                                      <p:cBhvr>
+                                        <p:cTn id="14" dur="1" fill="hold">
+                                          <p:stCondLst>
+                                            <p:cond delay="0"/>
+                                          </p:stCondLst>
+                                        </p:cTn>
+                                        <p:tgtEl>
+                                          <p:spTgt spid="3"/>
+                                        </p:tgtEl>
+                                        <p:attrNameLst>
+                                          <p:attrName>style.visibility</p:attrName>
+                                        </p:attrNameLst>
+                                      </p:cBhvr>
+                                      <p:to>
+                                        <p:strVal val="visible"/>
+                                      </p:to>
+                                    </p:set>
+                                  </p:childTnLst>
+                                </p:cTn>
+                              </p:par>
+                              <p:par>
+                                <p:cTn id="15" presetID="22" presetClass="entr" presetSubtype="4" fill="hold" grpId="0" nodeType="withEffect">
+                                  <p:stCondLst>
+                                    <p:cond delay="0"/>
+                                  </p:stCondLst>
+                                  <p:childTnLst>
+                                    <p:set>
+                                      <p:cBhvr>
+                                        <p:cTn id="16" dur="1" fill="hold">
+                                          <p:stCondLst>
+                                            <p:cond delay="0"/>
+                                          </p:stCondLst>
+                                        </p:cTn>
+                                        <p:tgtEl>
+                                          <p:spTgt spid="6"/>
+                                        </p:tgtEl>
+                                        <p:attrNameLst>
+                                          <p:attrName>style.visibility</p:attrName>
+                                        </p:attrNameLst>
+                                      </p:cBhvr>
+                                      <p:to>
+                                        <p:strVal val="visible"/>
+                                      </p:to>
+                                    </p:set>
+                                    <p:animEffect transition="in" filter="wipe(down)">
+                                      <p:cBhvr>
+                                        <p:cTn id="17" dur="500"/>
+                                        <p:tgtEl>
+                                          <p:spTgt spid="6"/>
+                                        </p:tgtEl>
+                                      </p:cBhvr>
+                                    </p:animEffect>
+                                  </p:childTnLst>
+                                </p:cTn>
+                              </p:par>
+                              <p:par>
+                                <p:cTn id="18" presetID="22" presetClass="entr" presetSubtype="4" fill="hold" grpId="0" nodeType="withEffect">
+                                  <p:stCondLst>
+                                    <p:cond delay="0"/>
+                                  </p:stCondLst>
+                                  <p:childTnLst>
+                                    <p:set>
+                                      <p:cBhvr>
+                                        <p:cTn id="19" dur="1" fill="hold">
+                                          <p:stCondLst>
+                                            <p:cond delay="0"/>
+                                          </p:stCondLst>
+                                        </p:cTn>
+                                        <p:tgtEl>
+                                          <p:spTgt spid="7"/>
+                                        </p:tgtEl>
+                                        <p:attrNameLst>
+                                          <p:attrName>style.visibility</p:attrName>
+                                        </p:attrNameLst>
+                                      </p:cBhvr>
+                                      <p:to>
+                                        <p:strVal val="visible"/>
+                                      </p:to>
+                                    </p:set>
+                                    <p:animEffect transition="in" filter="wipe(down)">
+                                      <p:cBhvr>
+                                        <p:cTn id="20" dur="500"/>
+                                        <p:tgtEl>
+                                          <p:spTgt spid="7"/>
+                                        </p:tgtEl>
+                                      </p:cBhvr>
+                                    </p:animEffect>
+                                  </p:childTnLst>
+                                </p:cTn>
+                              </p:par>
+                            </p:childTnLst>
+                          </p:cTn>
+                        </p:par>
+                      </p:childTnLst>
+                    </p:cTn>
+                  </p:par>
+                </p:childTnLst>
+              </p:cTn>
+              <p:prevCondLst>
+                <p:cond evt="onPrev" delay="0">
+                  <p:tgtEl>
+                    <p:sldTgt/>
+                  </p:tgtEl>
+                </p:cond>
+              </p:prevCondLst>
+              <p:nextCondLst>
+                <p:cond evt="onNext" delay="0">
+                  <p:tgtEl>
+                    <p:sldTgt/>
+                  </p:tgtEl>
+                </p:cond>
+              </p:nextCondLst>
+            </p:seq>
+          </p:childTnLst>
+        </p:cTn>
+      </p:par>
+    </p:tnLst>
+    <p:bldLst>
+      <p:bldP spid="13" grpId="0"/>
+      <p:bldP spid="13" grpId="1"/>
+      <p:bldP spid="6" grpId="0" bldLvl="0" animBg="1"/>
+      <p:bldP spid="6" grpId="1" animBg="1"/>
+      <p:bldP spid="7" grpId="0" bldLvl="0" animBg="1"/>
+      <p:bldP spid="7" grpId="1" animBg="1"/>
+    </p:bldLst>
+  </p:timing>
 </p:sld>
 </file>
 
@@ -24237,6 +25034,30 @@
         <p:nvPr/>
       </p:nvGrpSpPr>
       <p:grpSpPr/>
+      <p:pic>
+        <p:nvPicPr>
+          <p:cNvPr id="8" name="图片 7" descr="sequence_uml"/>
+          <p:cNvPicPr>
+            <a:picLocks noChangeAspect="1"/>
+          </p:cNvPicPr>
+          <p:nvPr/>
+        </p:nvPicPr>
+        <p:blipFill>
+          <a:blip r:embed="rId1"/>
+          <a:stretch>
+            <a:fillRect/>
+          </a:stretch>
+        </p:blipFill>
+        <p:spPr>
+          <a:xfrm>
+            <a:off x="565150" y="1003935"/>
+            <a:ext cx="10058400" cy="5641340"/>
+          </a:xfrm>
+          <a:prstGeom prst="rect">
+            <a:avLst/>
+          </a:prstGeom>
+        </p:spPr>
+      </p:pic>
       <p:sp>
         <p:nvSpPr>
           <p:cNvPr id="18" name="任意多边形 17"/>
@@ -24422,8 +25243,8 @@
         </p:nvSpPr>
         <p:spPr>
           <a:xfrm>
-            <a:off x="5132070" y="245745"/>
-            <a:ext cx="2136775" cy="817245"/>
+            <a:off x="3781425" y="186690"/>
+            <a:ext cx="4849495" cy="817245"/>
           </a:xfrm>
         </p:spPr>
         <p:txBody>
@@ -24436,14 +25257,14 @@
                 <a:latin typeface="Aa小梨涡" panose="02010600010101010101" charset="-122"/>
                 <a:ea typeface="Aa小梨涡" panose="02010600010101010101" charset="-122"/>
               </a:rPr>
-              <a:t>1.</a:t>
+              <a:t>5.2 Python3</a:t>
             </a:r>
             <a:r>
               <a:rPr lang="zh-CN" altLang="en-US">
                 <a:latin typeface="Aa小梨涡" panose="02010600010101010101" charset="-122"/>
                 <a:ea typeface="Aa小梨涡" panose="02010600010101010101" charset="-122"/>
               </a:rPr>
-              <a:t>开篇词</a:t>
+              <a:t>源码分析</a:t>
             </a:r>
             <a:endParaRPr lang="zh-CN" altLang="en-US">
               <a:latin typeface="Aa小梨涡" panose="02010600010101010101" charset="-122"/>
@@ -24545,11 +25366,1019 @@
           </a:p>
         </p:txBody>
       </p:sp>
+      <p:sp>
+        <p:nvSpPr>
+          <p:cNvPr id="13" name="文本框 12"/>
+          <p:cNvSpPr txBox="1"/>
+          <p:nvPr/>
+        </p:nvSpPr>
+        <p:spPr>
+          <a:xfrm>
+            <a:off x="565150" y="1214120"/>
+            <a:ext cx="11281410" cy="539750"/>
+          </a:xfrm>
+          <a:prstGeom prst="rect">
+            <a:avLst/>
+          </a:prstGeom>
+          <a:noFill/>
+          <a:ln>
+            <a:noFill/>
+          </a:ln>
+        </p:spPr>
+        <p:txBody>
+          <a:bodyPr wrap="square" rtlCol="0">
+            <a:spAutoFit/>
+          </a:bodyPr>
+          <a:p>
+            <a:pPr fontAlgn="auto">
+              <a:lnSpc>
+                <a:spcPts val="3500"/>
+              </a:lnSpc>
+            </a:pPr>
+            <a:r>
+              <a:rPr lang="en-US" sz="2200">
+                <a:latin typeface="Aa小梨涡" panose="02010600010101010101" charset="-122"/>
+                <a:ea typeface="Aa小梨涡" panose="02010600010101010101" charset="-122"/>
+                <a:cs typeface="Aa小梨涡" panose="02010600010101010101" charset="-122"/>
+                <a:sym typeface="+mn-ea"/>
+              </a:rPr>
+              <a:t>1. </a:t>
+            </a:r>
+            <a:r>
+              <a:rPr lang="zh-CN" altLang="en-US" sz="2200">
+                <a:latin typeface="Aa小梨涡" panose="02010600010101010101" charset="-122"/>
+                <a:ea typeface="Aa小梨涡" panose="02010600010101010101" charset="-122"/>
+                <a:cs typeface="Aa小梨涡" panose="02010600010101010101" charset="-122"/>
+                <a:sym typeface="+mn-ea"/>
+              </a:rPr>
+              <a:t>类图</a:t>
+            </a:r>
+            <a:endParaRPr lang="zh-CN" altLang="en-US" sz="2200">
+              <a:latin typeface="Aa小梨涡" panose="02010600010101010101" charset="-122"/>
+              <a:ea typeface="Aa小梨涡" panose="02010600010101010101" charset="-122"/>
+              <a:cs typeface="Aa小梨涡" panose="02010600010101010101" charset="-122"/>
+              <a:sym typeface="+mn-ea"/>
+            </a:endParaRPr>
+          </a:p>
+        </p:txBody>
+      </p:sp>
+      <p:sp>
+        <p:nvSpPr>
+          <p:cNvPr id="6" name="任意多边形 5"/>
+          <p:cNvSpPr/>
+          <p:nvPr/>
+        </p:nvSpPr>
+        <p:spPr>
+          <a:xfrm>
+            <a:off x="8924925" y="5811520"/>
+            <a:ext cx="869950" cy="409575"/>
+          </a:xfrm>
+          <a:custGeom>
+            <a:avLst/>
+            <a:gdLst>
+              <a:gd name="connsiteX0" fmla="*/ 716 w 1431"/>
+              <a:gd name="connsiteY0" fmla="*/ 0 h 645"/>
+              <a:gd name="connsiteX1" fmla="*/ 1431 w 1431"/>
+              <a:gd name="connsiteY1" fmla="*/ 323 h 645"/>
+              <a:gd name="connsiteX2" fmla="*/ 716 w 1431"/>
+              <a:gd name="connsiteY2" fmla="*/ 645 h 645"/>
+              <a:gd name="connsiteX3" fmla="*/ 0 w 1431"/>
+              <a:gd name="connsiteY3" fmla="*/ 323 h 645"/>
+              <a:gd name="connsiteX4" fmla="*/ 881 w 1431"/>
+              <a:gd name="connsiteY4" fmla="*/ 165 h 645"/>
+            </a:gdLst>
+            <a:ahLst/>
+            <a:cxnLst>
+              <a:cxn ang="0">
+                <a:pos x="connsiteX0" y="connsiteY0"/>
+              </a:cxn>
+              <a:cxn ang="0">
+                <a:pos x="connsiteX1" y="connsiteY1"/>
+              </a:cxn>
+              <a:cxn ang="0">
+                <a:pos x="connsiteX2" y="connsiteY2"/>
+              </a:cxn>
+              <a:cxn ang="0">
+                <a:pos x="connsiteX3" y="connsiteY3"/>
+              </a:cxn>
+              <a:cxn ang="0">
+                <a:pos x="connsiteX4" y="connsiteY4"/>
+              </a:cxn>
+            </a:cxnLst>
+            <a:rect l="l" t="t" r="r" b="b"/>
+            <a:pathLst>
+              <a:path w="1431" h="645">
+                <a:moveTo>
+                  <a:pt x="716" y="0"/>
+                </a:moveTo>
+                <a:cubicBezTo>
+                  <a:pt x="1111" y="0"/>
+                  <a:pt x="1431" y="144"/>
+                  <a:pt x="1431" y="323"/>
+                </a:cubicBezTo>
+                <a:cubicBezTo>
+                  <a:pt x="1431" y="501"/>
+                  <a:pt x="1111" y="645"/>
+                  <a:pt x="716" y="645"/>
+                </a:cubicBezTo>
+                <a:cubicBezTo>
+                  <a:pt x="320" y="645"/>
+                  <a:pt x="0" y="501"/>
+                  <a:pt x="0" y="323"/>
+                </a:cubicBezTo>
+                <a:cubicBezTo>
+                  <a:pt x="0" y="144"/>
+                  <a:pt x="320" y="0"/>
+                  <a:pt x="881" y="165"/>
+                </a:cubicBezTo>
+              </a:path>
+            </a:pathLst>
+          </a:custGeom>
+          <a:noFill/>
+          <a:ln>
+            <a:solidFill>
+              <a:srgbClr val="FF0000"/>
+            </a:solidFill>
+          </a:ln>
+        </p:spPr>
+        <p:txBody>
+          <a:bodyPr/>
+          <a:p>
+            <a:pPr eaLnBrk="1" hangingPunct="1">
+              <a:spcBef>
+                <a:spcPct val="0"/>
+              </a:spcBef>
+              <a:buFontTx/>
+              <a:buNone/>
+            </a:pPr>
+            <a:endParaRPr lang="zh-CN" altLang="en-US" sz="1800">
+              <a:solidFill>
+                <a:schemeClr val="tx1"/>
+              </a:solidFill>
+              <a:ea typeface="宋体" panose="02010600030101010101" pitchFamily="2" charset="-122"/>
+            </a:endParaRPr>
+          </a:p>
+        </p:txBody>
+      </p:sp>
+      <p:sp>
+        <p:nvSpPr>
+          <p:cNvPr id="7" name="任意多边形 6"/>
+          <p:cNvSpPr/>
+          <p:nvPr/>
+        </p:nvSpPr>
+        <p:spPr>
+          <a:xfrm>
+            <a:off x="9552305" y="4777105"/>
+            <a:ext cx="731520" cy="409575"/>
+          </a:xfrm>
+          <a:custGeom>
+            <a:avLst/>
+            <a:gdLst>
+              <a:gd name="connsiteX0" fmla="*/ 716 w 1431"/>
+              <a:gd name="connsiteY0" fmla="*/ 0 h 645"/>
+              <a:gd name="connsiteX1" fmla="*/ 1431 w 1431"/>
+              <a:gd name="connsiteY1" fmla="*/ 323 h 645"/>
+              <a:gd name="connsiteX2" fmla="*/ 716 w 1431"/>
+              <a:gd name="connsiteY2" fmla="*/ 645 h 645"/>
+              <a:gd name="connsiteX3" fmla="*/ 0 w 1431"/>
+              <a:gd name="connsiteY3" fmla="*/ 323 h 645"/>
+              <a:gd name="connsiteX4" fmla="*/ 881 w 1431"/>
+              <a:gd name="connsiteY4" fmla="*/ 165 h 645"/>
+            </a:gdLst>
+            <a:ahLst/>
+            <a:cxnLst>
+              <a:cxn ang="0">
+                <a:pos x="connsiteX0" y="connsiteY0"/>
+              </a:cxn>
+              <a:cxn ang="0">
+                <a:pos x="connsiteX1" y="connsiteY1"/>
+              </a:cxn>
+              <a:cxn ang="0">
+                <a:pos x="connsiteX2" y="connsiteY2"/>
+              </a:cxn>
+              <a:cxn ang="0">
+                <a:pos x="connsiteX3" y="connsiteY3"/>
+              </a:cxn>
+              <a:cxn ang="0">
+                <a:pos x="connsiteX4" y="connsiteY4"/>
+              </a:cxn>
+            </a:cxnLst>
+            <a:rect l="l" t="t" r="r" b="b"/>
+            <a:pathLst>
+              <a:path w="1431" h="645">
+                <a:moveTo>
+                  <a:pt x="716" y="0"/>
+                </a:moveTo>
+                <a:cubicBezTo>
+                  <a:pt x="1111" y="0"/>
+                  <a:pt x="1431" y="144"/>
+                  <a:pt x="1431" y="323"/>
+                </a:cubicBezTo>
+                <a:cubicBezTo>
+                  <a:pt x="1431" y="501"/>
+                  <a:pt x="1111" y="645"/>
+                  <a:pt x="716" y="645"/>
+                </a:cubicBezTo>
+                <a:cubicBezTo>
+                  <a:pt x="320" y="645"/>
+                  <a:pt x="0" y="501"/>
+                  <a:pt x="0" y="323"/>
+                </a:cubicBezTo>
+                <a:cubicBezTo>
+                  <a:pt x="0" y="144"/>
+                  <a:pt x="320" y="0"/>
+                  <a:pt x="881" y="165"/>
+                </a:cubicBezTo>
+              </a:path>
+            </a:pathLst>
+          </a:custGeom>
+          <a:noFill/>
+          <a:ln>
+            <a:solidFill>
+              <a:srgbClr val="FF0000"/>
+            </a:solidFill>
+          </a:ln>
+        </p:spPr>
+        <p:txBody>
+          <a:bodyPr/>
+          <a:p>
+            <a:pPr eaLnBrk="1" hangingPunct="1">
+              <a:spcBef>
+                <a:spcPct val="0"/>
+              </a:spcBef>
+              <a:buFontTx/>
+              <a:buNone/>
+            </a:pPr>
+            <a:endParaRPr lang="zh-CN" altLang="en-US" sz="1800">
+              <a:solidFill>
+                <a:schemeClr val="tx1"/>
+              </a:solidFill>
+              <a:ea typeface="宋体" panose="02010600030101010101" pitchFamily="2" charset="-122"/>
+            </a:endParaRPr>
+          </a:p>
+        </p:txBody>
+      </p:sp>
+      <p:sp>
+        <p:nvSpPr>
+          <p:cNvPr id="9" name="任意多边形 8"/>
+          <p:cNvSpPr/>
+          <p:nvPr/>
+        </p:nvSpPr>
+        <p:spPr>
+          <a:xfrm>
+            <a:off x="1541145" y="3620135"/>
+            <a:ext cx="981710" cy="529590"/>
+          </a:xfrm>
+          <a:custGeom>
+            <a:avLst/>
+            <a:gdLst>
+              <a:gd name="connsiteX0" fmla="*/ 716 w 1431"/>
+              <a:gd name="connsiteY0" fmla="*/ 0 h 645"/>
+              <a:gd name="connsiteX1" fmla="*/ 1431 w 1431"/>
+              <a:gd name="connsiteY1" fmla="*/ 323 h 645"/>
+              <a:gd name="connsiteX2" fmla="*/ 716 w 1431"/>
+              <a:gd name="connsiteY2" fmla="*/ 645 h 645"/>
+              <a:gd name="connsiteX3" fmla="*/ 0 w 1431"/>
+              <a:gd name="connsiteY3" fmla="*/ 323 h 645"/>
+              <a:gd name="connsiteX4" fmla="*/ 881 w 1431"/>
+              <a:gd name="connsiteY4" fmla="*/ 165 h 645"/>
+            </a:gdLst>
+            <a:ahLst/>
+            <a:cxnLst>
+              <a:cxn ang="0">
+                <a:pos x="connsiteX0" y="connsiteY0"/>
+              </a:cxn>
+              <a:cxn ang="0">
+                <a:pos x="connsiteX1" y="connsiteY1"/>
+              </a:cxn>
+              <a:cxn ang="0">
+                <a:pos x="connsiteX2" y="connsiteY2"/>
+              </a:cxn>
+              <a:cxn ang="0">
+                <a:pos x="connsiteX3" y="connsiteY3"/>
+              </a:cxn>
+              <a:cxn ang="0">
+                <a:pos x="connsiteX4" y="connsiteY4"/>
+              </a:cxn>
+            </a:cxnLst>
+            <a:rect l="l" t="t" r="r" b="b"/>
+            <a:pathLst>
+              <a:path w="1431" h="645">
+                <a:moveTo>
+                  <a:pt x="716" y="0"/>
+                </a:moveTo>
+                <a:cubicBezTo>
+                  <a:pt x="1111" y="0"/>
+                  <a:pt x="1431" y="144"/>
+                  <a:pt x="1431" y="323"/>
+                </a:cubicBezTo>
+                <a:cubicBezTo>
+                  <a:pt x="1431" y="501"/>
+                  <a:pt x="1111" y="645"/>
+                  <a:pt x="716" y="645"/>
+                </a:cubicBezTo>
+                <a:cubicBezTo>
+                  <a:pt x="320" y="645"/>
+                  <a:pt x="0" y="501"/>
+                  <a:pt x="0" y="323"/>
+                </a:cubicBezTo>
+                <a:cubicBezTo>
+                  <a:pt x="0" y="144"/>
+                  <a:pt x="320" y="0"/>
+                  <a:pt x="881" y="165"/>
+                </a:cubicBezTo>
+              </a:path>
+            </a:pathLst>
+          </a:custGeom>
+          <a:noFill/>
+          <a:ln>
+            <a:solidFill>
+              <a:srgbClr val="FF0000"/>
+            </a:solidFill>
+          </a:ln>
+        </p:spPr>
+        <p:txBody>
+          <a:bodyPr/>
+          <a:p>
+            <a:pPr eaLnBrk="1" hangingPunct="1">
+              <a:spcBef>
+                <a:spcPct val="0"/>
+              </a:spcBef>
+              <a:buFontTx/>
+              <a:buNone/>
+            </a:pPr>
+            <a:endParaRPr lang="zh-CN" altLang="en-US" sz="1800">
+              <a:solidFill>
+                <a:schemeClr val="tx1"/>
+              </a:solidFill>
+              <a:ea typeface="宋体" panose="02010600030101010101" pitchFamily="2" charset="-122"/>
+            </a:endParaRPr>
+          </a:p>
+        </p:txBody>
+      </p:sp>
+      <p:sp>
+        <p:nvSpPr>
+          <p:cNvPr id="10" name="任意多边形 9"/>
+          <p:cNvSpPr/>
+          <p:nvPr/>
+        </p:nvSpPr>
+        <p:spPr>
+          <a:xfrm>
+            <a:off x="1139190" y="4566285"/>
+            <a:ext cx="1384300" cy="529590"/>
+          </a:xfrm>
+          <a:custGeom>
+            <a:avLst/>
+            <a:gdLst>
+              <a:gd name="connsiteX0" fmla="*/ 716 w 1431"/>
+              <a:gd name="connsiteY0" fmla="*/ 0 h 645"/>
+              <a:gd name="connsiteX1" fmla="*/ 1431 w 1431"/>
+              <a:gd name="connsiteY1" fmla="*/ 323 h 645"/>
+              <a:gd name="connsiteX2" fmla="*/ 716 w 1431"/>
+              <a:gd name="connsiteY2" fmla="*/ 645 h 645"/>
+              <a:gd name="connsiteX3" fmla="*/ 0 w 1431"/>
+              <a:gd name="connsiteY3" fmla="*/ 323 h 645"/>
+              <a:gd name="connsiteX4" fmla="*/ 881 w 1431"/>
+              <a:gd name="connsiteY4" fmla="*/ 165 h 645"/>
+            </a:gdLst>
+            <a:ahLst/>
+            <a:cxnLst>
+              <a:cxn ang="0">
+                <a:pos x="connsiteX0" y="connsiteY0"/>
+              </a:cxn>
+              <a:cxn ang="0">
+                <a:pos x="connsiteX1" y="connsiteY1"/>
+              </a:cxn>
+              <a:cxn ang="0">
+                <a:pos x="connsiteX2" y="connsiteY2"/>
+              </a:cxn>
+              <a:cxn ang="0">
+                <a:pos x="connsiteX3" y="connsiteY3"/>
+              </a:cxn>
+              <a:cxn ang="0">
+                <a:pos x="connsiteX4" y="connsiteY4"/>
+              </a:cxn>
+            </a:cxnLst>
+            <a:rect l="l" t="t" r="r" b="b"/>
+            <a:pathLst>
+              <a:path w="1431" h="645">
+                <a:moveTo>
+                  <a:pt x="716" y="0"/>
+                </a:moveTo>
+                <a:cubicBezTo>
+                  <a:pt x="1111" y="0"/>
+                  <a:pt x="1431" y="144"/>
+                  <a:pt x="1431" y="323"/>
+                </a:cubicBezTo>
+                <a:cubicBezTo>
+                  <a:pt x="1431" y="501"/>
+                  <a:pt x="1111" y="645"/>
+                  <a:pt x="716" y="645"/>
+                </a:cubicBezTo>
+                <a:cubicBezTo>
+                  <a:pt x="320" y="645"/>
+                  <a:pt x="0" y="501"/>
+                  <a:pt x="0" y="323"/>
+                </a:cubicBezTo>
+                <a:cubicBezTo>
+                  <a:pt x="0" y="144"/>
+                  <a:pt x="320" y="0"/>
+                  <a:pt x="881" y="165"/>
+                </a:cubicBezTo>
+              </a:path>
+            </a:pathLst>
+          </a:custGeom>
+          <a:noFill/>
+          <a:ln>
+            <a:solidFill>
+              <a:srgbClr val="FF0000"/>
+            </a:solidFill>
+          </a:ln>
+        </p:spPr>
+        <p:txBody>
+          <a:bodyPr/>
+          <a:p>
+            <a:pPr eaLnBrk="1" hangingPunct="1">
+              <a:spcBef>
+                <a:spcPct val="0"/>
+              </a:spcBef>
+              <a:buFontTx/>
+              <a:buNone/>
+            </a:pPr>
+            <a:endParaRPr lang="zh-CN" altLang="en-US" sz="1800">
+              <a:solidFill>
+                <a:schemeClr val="tx1"/>
+              </a:solidFill>
+              <a:ea typeface="宋体" panose="02010600030101010101" pitchFamily="2" charset="-122"/>
+            </a:endParaRPr>
+          </a:p>
+        </p:txBody>
+      </p:sp>
+      <p:sp>
+        <p:nvSpPr>
+          <p:cNvPr id="11" name="任意多边形 10"/>
+          <p:cNvSpPr/>
+          <p:nvPr/>
+        </p:nvSpPr>
+        <p:spPr>
+          <a:xfrm>
+            <a:off x="4773295" y="2459355"/>
+            <a:ext cx="981710" cy="529590"/>
+          </a:xfrm>
+          <a:custGeom>
+            <a:avLst/>
+            <a:gdLst>
+              <a:gd name="connsiteX0" fmla="*/ 716 w 1431"/>
+              <a:gd name="connsiteY0" fmla="*/ 0 h 645"/>
+              <a:gd name="connsiteX1" fmla="*/ 1431 w 1431"/>
+              <a:gd name="connsiteY1" fmla="*/ 323 h 645"/>
+              <a:gd name="connsiteX2" fmla="*/ 716 w 1431"/>
+              <a:gd name="connsiteY2" fmla="*/ 645 h 645"/>
+              <a:gd name="connsiteX3" fmla="*/ 0 w 1431"/>
+              <a:gd name="connsiteY3" fmla="*/ 323 h 645"/>
+              <a:gd name="connsiteX4" fmla="*/ 881 w 1431"/>
+              <a:gd name="connsiteY4" fmla="*/ 165 h 645"/>
+            </a:gdLst>
+            <a:ahLst/>
+            <a:cxnLst>
+              <a:cxn ang="0">
+                <a:pos x="connsiteX0" y="connsiteY0"/>
+              </a:cxn>
+              <a:cxn ang="0">
+                <a:pos x="connsiteX1" y="connsiteY1"/>
+              </a:cxn>
+              <a:cxn ang="0">
+                <a:pos x="connsiteX2" y="connsiteY2"/>
+              </a:cxn>
+              <a:cxn ang="0">
+                <a:pos x="connsiteX3" y="connsiteY3"/>
+              </a:cxn>
+              <a:cxn ang="0">
+                <a:pos x="connsiteX4" y="connsiteY4"/>
+              </a:cxn>
+            </a:cxnLst>
+            <a:rect l="l" t="t" r="r" b="b"/>
+            <a:pathLst>
+              <a:path w="1431" h="645">
+                <a:moveTo>
+                  <a:pt x="716" y="0"/>
+                </a:moveTo>
+                <a:cubicBezTo>
+                  <a:pt x="1111" y="0"/>
+                  <a:pt x="1431" y="144"/>
+                  <a:pt x="1431" y="323"/>
+                </a:cubicBezTo>
+                <a:cubicBezTo>
+                  <a:pt x="1431" y="501"/>
+                  <a:pt x="1111" y="645"/>
+                  <a:pt x="716" y="645"/>
+                </a:cubicBezTo>
+                <a:cubicBezTo>
+                  <a:pt x="320" y="645"/>
+                  <a:pt x="0" y="501"/>
+                  <a:pt x="0" y="323"/>
+                </a:cubicBezTo>
+                <a:cubicBezTo>
+                  <a:pt x="0" y="144"/>
+                  <a:pt x="320" y="0"/>
+                  <a:pt x="881" y="165"/>
+                </a:cubicBezTo>
+              </a:path>
+            </a:pathLst>
+          </a:custGeom>
+          <a:noFill/>
+          <a:ln>
+            <a:solidFill>
+              <a:srgbClr val="FF0000"/>
+            </a:solidFill>
+          </a:ln>
+        </p:spPr>
+        <p:txBody>
+          <a:bodyPr/>
+          <a:p>
+            <a:pPr eaLnBrk="1" hangingPunct="1">
+              <a:spcBef>
+                <a:spcPct val="0"/>
+              </a:spcBef>
+              <a:buFontTx/>
+              <a:buNone/>
+            </a:pPr>
+            <a:endParaRPr lang="zh-CN" altLang="en-US" sz="1800">
+              <a:solidFill>
+                <a:schemeClr val="tx1"/>
+              </a:solidFill>
+              <a:ea typeface="宋体" panose="02010600030101010101" pitchFamily="2" charset="-122"/>
+            </a:endParaRPr>
+          </a:p>
+        </p:txBody>
+      </p:sp>
+      <p:sp>
+        <p:nvSpPr>
+          <p:cNvPr id="12" name="任意多边形 11"/>
+          <p:cNvSpPr/>
+          <p:nvPr/>
+        </p:nvSpPr>
+        <p:spPr>
+          <a:xfrm>
+            <a:off x="3373755" y="3806825"/>
+            <a:ext cx="981710" cy="529590"/>
+          </a:xfrm>
+          <a:custGeom>
+            <a:avLst/>
+            <a:gdLst>
+              <a:gd name="connsiteX0" fmla="*/ 716 w 1431"/>
+              <a:gd name="connsiteY0" fmla="*/ 0 h 645"/>
+              <a:gd name="connsiteX1" fmla="*/ 1431 w 1431"/>
+              <a:gd name="connsiteY1" fmla="*/ 323 h 645"/>
+              <a:gd name="connsiteX2" fmla="*/ 716 w 1431"/>
+              <a:gd name="connsiteY2" fmla="*/ 645 h 645"/>
+              <a:gd name="connsiteX3" fmla="*/ 0 w 1431"/>
+              <a:gd name="connsiteY3" fmla="*/ 323 h 645"/>
+              <a:gd name="connsiteX4" fmla="*/ 881 w 1431"/>
+              <a:gd name="connsiteY4" fmla="*/ 165 h 645"/>
+            </a:gdLst>
+            <a:ahLst/>
+            <a:cxnLst>
+              <a:cxn ang="0">
+                <a:pos x="connsiteX0" y="connsiteY0"/>
+              </a:cxn>
+              <a:cxn ang="0">
+                <a:pos x="connsiteX1" y="connsiteY1"/>
+              </a:cxn>
+              <a:cxn ang="0">
+                <a:pos x="connsiteX2" y="connsiteY2"/>
+              </a:cxn>
+              <a:cxn ang="0">
+                <a:pos x="connsiteX3" y="connsiteY3"/>
+              </a:cxn>
+              <a:cxn ang="0">
+                <a:pos x="connsiteX4" y="connsiteY4"/>
+              </a:cxn>
+            </a:cxnLst>
+            <a:rect l="l" t="t" r="r" b="b"/>
+            <a:pathLst>
+              <a:path w="1431" h="645">
+                <a:moveTo>
+                  <a:pt x="716" y="0"/>
+                </a:moveTo>
+                <a:cubicBezTo>
+                  <a:pt x="1111" y="0"/>
+                  <a:pt x="1431" y="144"/>
+                  <a:pt x="1431" y="323"/>
+                </a:cubicBezTo>
+                <a:cubicBezTo>
+                  <a:pt x="1431" y="501"/>
+                  <a:pt x="1111" y="645"/>
+                  <a:pt x="716" y="645"/>
+                </a:cubicBezTo>
+                <a:cubicBezTo>
+                  <a:pt x="320" y="645"/>
+                  <a:pt x="0" y="501"/>
+                  <a:pt x="0" y="323"/>
+                </a:cubicBezTo>
+                <a:cubicBezTo>
+                  <a:pt x="0" y="144"/>
+                  <a:pt x="320" y="0"/>
+                  <a:pt x="881" y="165"/>
+                </a:cubicBezTo>
+              </a:path>
+            </a:pathLst>
+          </a:custGeom>
+          <a:noFill/>
+          <a:ln>
+            <a:solidFill>
+              <a:srgbClr val="FF0000"/>
+            </a:solidFill>
+          </a:ln>
+        </p:spPr>
+        <p:txBody>
+          <a:bodyPr/>
+          <a:p>
+            <a:pPr eaLnBrk="1" hangingPunct="1">
+              <a:spcBef>
+                <a:spcPct val="0"/>
+              </a:spcBef>
+              <a:buFontTx/>
+              <a:buNone/>
+            </a:pPr>
+            <a:endParaRPr lang="zh-CN" altLang="en-US" sz="1800">
+              <a:solidFill>
+                <a:schemeClr val="tx1"/>
+              </a:solidFill>
+              <a:ea typeface="宋体" panose="02010600030101010101" pitchFamily="2" charset="-122"/>
+            </a:endParaRPr>
+          </a:p>
+        </p:txBody>
+      </p:sp>
     </p:spTree>
   </p:cSld>
   <p:clrMapOvr>
     <a:masterClrMapping/>
   </p:clrMapOvr>
+  <p:timing>
+    <p:tnLst>
+      <p:par>
+        <p:cTn id="1" dur="indefinite" restart="never" nodeType="tmRoot">
+          <p:childTnLst>
+            <p:seq concurrent="1" nextAc="seek">
+              <p:cTn id="2" dur="indefinite" nodeType="mainSeq">
+                <p:childTnLst>
+                  <p:par>
+                    <p:cTn id="3" fill="hold">
+                      <p:stCondLst>
+                        <p:cond delay="indefinite"/>
+                      </p:stCondLst>
+                      <p:childTnLst>
+                        <p:par>
+                          <p:cTn id="4" fill="hold">
+                            <p:stCondLst>
+                              <p:cond delay="0"/>
+                            </p:stCondLst>
+                            <p:childTnLst>
+                              <p:par>
+                                <p:cTn id="5" presetID="1" presetClass="entr" presetSubtype="0" fill="hold" grpId="0" nodeType="clickEffect">
+                                  <p:stCondLst>
+                                    <p:cond delay="0"/>
+                                  </p:stCondLst>
+                                  <p:childTnLst>
+                                    <p:set>
+                                      <p:cBhvr>
+                                        <p:cTn id="6" dur="1" fill="hold">
+                                          <p:stCondLst>
+                                            <p:cond delay="0"/>
+                                          </p:stCondLst>
+                                        </p:cTn>
+                                        <p:tgtEl>
+                                          <p:spTgt spid="13"/>
+                                        </p:tgtEl>
+                                        <p:attrNameLst>
+                                          <p:attrName>style.visibility</p:attrName>
+                                        </p:attrNameLst>
+                                      </p:cBhvr>
+                                      <p:to>
+                                        <p:strVal val="visible"/>
+                                      </p:to>
+                                    </p:set>
+                                  </p:childTnLst>
+                                </p:cTn>
+                              </p:par>
+                              <p:par>
+                                <p:cTn id="7" presetID="1" presetClass="entr" presetSubtype="0" fill="hold" nodeType="withEffect">
+                                  <p:stCondLst>
+                                    <p:cond delay="0"/>
+                                  </p:stCondLst>
+                                  <p:childTnLst>
+                                    <p:set>
+                                      <p:cBhvr>
+                                        <p:cTn id="8" dur="1" fill="hold">
+                                          <p:stCondLst>
+                                            <p:cond delay="0"/>
+                                          </p:stCondLst>
+                                        </p:cTn>
+                                        <p:tgtEl>
+                                          <p:spTgt spid="8"/>
+                                        </p:tgtEl>
+                                        <p:attrNameLst>
+                                          <p:attrName>style.visibility</p:attrName>
+                                        </p:attrNameLst>
+                                      </p:cBhvr>
+                                      <p:to>
+                                        <p:strVal val="visible"/>
+                                      </p:to>
+                                    </p:set>
+                                  </p:childTnLst>
+                                </p:cTn>
+                              </p:par>
+                            </p:childTnLst>
+                          </p:cTn>
+                        </p:par>
+                      </p:childTnLst>
+                    </p:cTn>
+                  </p:par>
+                  <p:par>
+                    <p:cTn id="9" fill="hold">
+                      <p:stCondLst>
+                        <p:cond delay="indefinite"/>
+                      </p:stCondLst>
+                      <p:childTnLst>
+                        <p:par>
+                          <p:cTn id="10" fill="hold">
+                            <p:stCondLst>
+                              <p:cond delay="0"/>
+                            </p:stCondLst>
+                            <p:childTnLst>
+                              <p:par>
+                                <p:cTn id="11" presetID="22" presetClass="entr" presetSubtype="4" fill="hold" grpId="0" nodeType="clickEffect">
+                                  <p:stCondLst>
+                                    <p:cond delay="0"/>
+                                  </p:stCondLst>
+                                  <p:childTnLst>
+                                    <p:set>
+                                      <p:cBhvr>
+                                        <p:cTn id="12" dur="1" fill="hold">
+                                          <p:stCondLst>
+                                            <p:cond delay="0"/>
+                                          </p:stCondLst>
+                                        </p:cTn>
+                                        <p:tgtEl>
+                                          <p:spTgt spid="11"/>
+                                        </p:tgtEl>
+                                        <p:attrNameLst>
+                                          <p:attrName>style.visibility</p:attrName>
+                                        </p:attrNameLst>
+                                      </p:cBhvr>
+                                      <p:to>
+                                        <p:strVal val="visible"/>
+                                      </p:to>
+                                    </p:set>
+                                    <p:animEffect transition="in" filter="wipe(down)">
+                                      <p:cBhvr>
+                                        <p:cTn id="13" dur="500"/>
+                                        <p:tgtEl>
+                                          <p:spTgt spid="11"/>
+                                        </p:tgtEl>
+                                      </p:cBhvr>
+                                    </p:animEffect>
+                                  </p:childTnLst>
+                                </p:cTn>
+                              </p:par>
+                              <p:par>
+                                <p:cTn id="14" presetID="22" presetClass="entr" presetSubtype="4" fill="hold" grpId="0" nodeType="withEffect">
+                                  <p:stCondLst>
+                                    <p:cond delay="0"/>
+                                  </p:stCondLst>
+                                  <p:childTnLst>
+                                    <p:set>
+                                      <p:cBhvr>
+                                        <p:cTn id="15" dur="1" fill="hold">
+                                          <p:stCondLst>
+                                            <p:cond delay="0"/>
+                                          </p:stCondLst>
+                                        </p:cTn>
+                                        <p:tgtEl>
+                                          <p:spTgt spid="12"/>
+                                        </p:tgtEl>
+                                        <p:attrNameLst>
+                                          <p:attrName>style.visibility</p:attrName>
+                                        </p:attrNameLst>
+                                      </p:cBhvr>
+                                      <p:to>
+                                        <p:strVal val="visible"/>
+                                      </p:to>
+                                    </p:set>
+                                    <p:animEffect transition="in" filter="wipe(down)">
+                                      <p:cBhvr>
+                                        <p:cTn id="16" dur="500"/>
+                                        <p:tgtEl>
+                                          <p:spTgt spid="12"/>
+                                        </p:tgtEl>
+                                      </p:cBhvr>
+                                    </p:animEffect>
+                                  </p:childTnLst>
+                                </p:cTn>
+                              </p:par>
+                            </p:childTnLst>
+                          </p:cTn>
+                        </p:par>
+                      </p:childTnLst>
+                    </p:cTn>
+                  </p:par>
+                  <p:par>
+                    <p:cTn id="17" fill="hold">
+                      <p:stCondLst>
+                        <p:cond delay="indefinite"/>
+                      </p:stCondLst>
+                      <p:childTnLst>
+                        <p:par>
+                          <p:cTn id="18" fill="hold">
+                            <p:stCondLst>
+                              <p:cond delay="0"/>
+                            </p:stCondLst>
+                            <p:childTnLst>
+                              <p:par>
+                                <p:cTn id="19" presetID="22" presetClass="entr" presetSubtype="4" fill="hold" grpId="0" nodeType="clickEffect">
+                                  <p:stCondLst>
+                                    <p:cond delay="0"/>
+                                  </p:stCondLst>
+                                  <p:childTnLst>
+                                    <p:set>
+                                      <p:cBhvr>
+                                        <p:cTn id="20" dur="1" fill="hold">
+                                          <p:stCondLst>
+                                            <p:cond delay="0"/>
+                                          </p:stCondLst>
+                                        </p:cTn>
+                                        <p:tgtEl>
+                                          <p:spTgt spid="6"/>
+                                        </p:tgtEl>
+                                        <p:attrNameLst>
+                                          <p:attrName>style.visibility</p:attrName>
+                                        </p:attrNameLst>
+                                      </p:cBhvr>
+                                      <p:to>
+                                        <p:strVal val="visible"/>
+                                      </p:to>
+                                    </p:set>
+                                    <p:animEffect transition="in" filter="wipe(down)">
+                                      <p:cBhvr>
+                                        <p:cTn id="21" dur="500"/>
+                                        <p:tgtEl>
+                                          <p:spTgt spid="6"/>
+                                        </p:tgtEl>
+                                      </p:cBhvr>
+                                    </p:animEffect>
+                                  </p:childTnLst>
+                                </p:cTn>
+                              </p:par>
+                              <p:par>
+                                <p:cTn id="22" presetID="22" presetClass="entr" presetSubtype="4" fill="hold" grpId="0" nodeType="withEffect">
+                                  <p:stCondLst>
+                                    <p:cond delay="0"/>
+                                  </p:stCondLst>
+                                  <p:childTnLst>
+                                    <p:set>
+                                      <p:cBhvr>
+                                        <p:cTn id="23" dur="1" fill="hold">
+                                          <p:stCondLst>
+                                            <p:cond delay="0"/>
+                                          </p:stCondLst>
+                                        </p:cTn>
+                                        <p:tgtEl>
+                                          <p:spTgt spid="7"/>
+                                        </p:tgtEl>
+                                        <p:attrNameLst>
+                                          <p:attrName>style.visibility</p:attrName>
+                                        </p:attrNameLst>
+                                      </p:cBhvr>
+                                      <p:to>
+                                        <p:strVal val="visible"/>
+                                      </p:to>
+                                    </p:set>
+                                    <p:animEffect transition="in" filter="wipe(down)">
+                                      <p:cBhvr>
+                                        <p:cTn id="24" dur="500"/>
+                                        <p:tgtEl>
+                                          <p:spTgt spid="7"/>
+                                        </p:tgtEl>
+                                      </p:cBhvr>
+                                    </p:animEffect>
+                                  </p:childTnLst>
+                                </p:cTn>
+                              </p:par>
+                              <p:par>
+                                <p:cTn id="25" presetID="22" presetClass="entr" presetSubtype="4" fill="hold" grpId="0" nodeType="withEffect">
+                                  <p:stCondLst>
+                                    <p:cond delay="0"/>
+                                  </p:stCondLst>
+                                  <p:childTnLst>
+                                    <p:set>
+                                      <p:cBhvr>
+                                        <p:cTn id="26" dur="1" fill="hold">
+                                          <p:stCondLst>
+                                            <p:cond delay="0"/>
+                                          </p:stCondLst>
+                                        </p:cTn>
+                                        <p:tgtEl>
+                                          <p:spTgt spid="9"/>
+                                        </p:tgtEl>
+                                        <p:attrNameLst>
+                                          <p:attrName>style.visibility</p:attrName>
+                                        </p:attrNameLst>
+                                      </p:cBhvr>
+                                      <p:to>
+                                        <p:strVal val="visible"/>
+                                      </p:to>
+                                    </p:set>
+                                    <p:animEffect transition="in" filter="wipe(down)">
+                                      <p:cBhvr>
+                                        <p:cTn id="27" dur="500"/>
+                                        <p:tgtEl>
+                                          <p:spTgt spid="9"/>
+                                        </p:tgtEl>
+                                      </p:cBhvr>
+                                    </p:animEffect>
+                                  </p:childTnLst>
+                                </p:cTn>
+                              </p:par>
+                              <p:par>
+                                <p:cTn id="28" presetID="22" presetClass="entr" presetSubtype="4" fill="hold" grpId="0" nodeType="withEffect">
+                                  <p:stCondLst>
+                                    <p:cond delay="0"/>
+                                  </p:stCondLst>
+                                  <p:childTnLst>
+                                    <p:set>
+                                      <p:cBhvr>
+                                        <p:cTn id="29" dur="1" fill="hold">
+                                          <p:stCondLst>
+                                            <p:cond delay="0"/>
+                                          </p:stCondLst>
+                                        </p:cTn>
+                                        <p:tgtEl>
+                                          <p:spTgt spid="10"/>
+                                        </p:tgtEl>
+                                        <p:attrNameLst>
+                                          <p:attrName>style.visibility</p:attrName>
+                                        </p:attrNameLst>
+                                      </p:cBhvr>
+                                      <p:to>
+                                        <p:strVal val="visible"/>
+                                      </p:to>
+                                    </p:set>
+                                    <p:animEffect transition="in" filter="wipe(down)">
+                                      <p:cBhvr>
+                                        <p:cTn id="30" dur="500"/>
+                                        <p:tgtEl>
+                                          <p:spTgt spid="10"/>
+                                        </p:tgtEl>
+                                      </p:cBhvr>
+                                    </p:animEffect>
+                                  </p:childTnLst>
+                                </p:cTn>
+                              </p:par>
+                            </p:childTnLst>
+                          </p:cTn>
+                        </p:par>
+                      </p:childTnLst>
+                    </p:cTn>
+                  </p:par>
+                </p:childTnLst>
+              </p:cTn>
+              <p:prevCondLst>
+                <p:cond evt="onPrev" delay="0">
+                  <p:tgtEl>
+                    <p:sldTgt/>
+                  </p:tgtEl>
+                </p:cond>
+              </p:prevCondLst>
+              <p:nextCondLst>
+                <p:cond evt="onNext" delay="0">
+                  <p:tgtEl>
+                    <p:sldTgt/>
+                  </p:tgtEl>
+                </p:cond>
+              </p:nextCondLst>
+            </p:seq>
+          </p:childTnLst>
+        </p:cTn>
+      </p:par>
+    </p:tnLst>
+    <p:bldLst>
+      <p:bldP spid="13" grpId="0"/>
+      <p:bldP spid="13" grpId="1"/>
+      <p:bldP spid="6" grpId="0" bldLvl="0" animBg="1"/>
+      <p:bldP spid="6" grpId="1" animBg="1"/>
+      <p:bldP spid="7" grpId="0" bldLvl="0" animBg="1"/>
+      <p:bldP spid="7" grpId="1" animBg="1"/>
+      <p:bldP spid="9" grpId="0" bldLvl="0" animBg="1"/>
+      <p:bldP spid="9" grpId="1" animBg="1"/>
+      <p:bldP spid="10" grpId="0" bldLvl="0" animBg="1"/>
+      <p:bldP spid="10" grpId="1" animBg="1"/>
+      <p:bldP spid="11" grpId="0" bldLvl="0" animBg="1"/>
+      <p:bldP spid="11" grpId="1" animBg="1"/>
+      <p:bldP spid="12" grpId="0" bldLvl="0" animBg="1"/>
+      <p:bldP spid="12" grpId="1" animBg="1"/>
+    </p:bldLst>
+  </p:timing>
 </p:sld>
 </file>
 
@@ -24563,6 +26392,55 @@
         <p:nvPr/>
       </p:nvGrpSpPr>
       <p:grpSpPr/>
+      <p:graphicFrame>
+        <p:nvGraphicFramePr>
+          <p:cNvPr id="3" name="对象 2"/>
+          <p:cNvGraphicFramePr/>
+          <p:nvPr/>
+        </p:nvGraphicFramePr>
+        <p:xfrm>
+          <a:off x="3198495" y="1332865"/>
+          <a:ext cx="5748020" cy="5309235"/>
+        </p:xfrm>
+        <a:graphic>
+          <a:graphicData uri="http://schemas.openxmlformats.org/presentationml/2006/ole">
+            <mc:AlternateContent xmlns:mc="http://schemas.openxmlformats.org/markup-compatibility/2006">
+              <mc:Choice xmlns:v="urn:schemas-microsoft-com:vml" Requires="v">
+                <p:oleObj spid="_x0000_s4" name="" r:id="rId1" imgW="5743575" imgH="5305425" progId="Paint.Picture">
+                  <p:embed/>
+                </p:oleObj>
+              </mc:Choice>
+              <mc:Fallback>
+                <p:oleObj name="" r:id="rId1" imgW="5743575" imgH="5305425" progId="Paint.Picture">
+                  <p:embed/>
+                  <p:pic>
+                    <p:nvPicPr>
+                      <p:cNvPr id="0" name="图片 3"/>
+                      <p:cNvPicPr/>
+                      <p:nvPr/>
+                    </p:nvPicPr>
+                    <p:blipFill>
+                      <a:blip r:embed="rId2"/>
+                      <a:stretch>
+                        <a:fillRect/>
+                      </a:stretch>
+                    </p:blipFill>
+                    <p:spPr>
+                      <a:xfrm>
+                        <a:off x="3198495" y="1332865"/>
+                        <a:ext cx="5748020" cy="5309235"/>
+                      </a:xfrm>
+                      <a:prstGeom prst="rect">
+                        <a:avLst/>
+                      </a:prstGeom>
+                    </p:spPr>
+                  </p:pic>
+                </p:oleObj>
+              </mc:Fallback>
+            </mc:AlternateContent>
+          </a:graphicData>
+        </a:graphic>
+      </p:graphicFrame>
       <p:sp>
         <p:nvSpPr>
           <p:cNvPr id="18" name="任意多边形 17"/>
@@ -24748,8 +26626,8 @@
         </p:nvSpPr>
         <p:spPr>
           <a:xfrm>
-            <a:off x="5132070" y="245745"/>
-            <a:ext cx="2136775" cy="817245"/>
+            <a:off x="3781425" y="186690"/>
+            <a:ext cx="4849495" cy="817245"/>
           </a:xfrm>
         </p:spPr>
         <p:txBody>
@@ -24762,14 +26640,14 @@
                 <a:latin typeface="Aa小梨涡" panose="02010600010101010101" charset="-122"/>
                 <a:ea typeface="Aa小梨涡" panose="02010600010101010101" charset="-122"/>
               </a:rPr>
-              <a:t>1.</a:t>
+              <a:t>5.2 Python3</a:t>
             </a:r>
             <a:r>
               <a:rPr lang="zh-CN" altLang="en-US">
                 <a:latin typeface="Aa小梨涡" panose="02010600010101010101" charset="-122"/>
                 <a:ea typeface="Aa小梨涡" panose="02010600010101010101" charset="-122"/>
               </a:rPr>
-              <a:t>开篇词</a:t>
+              <a:t>源码分析</a:t>
             </a:r>
             <a:endParaRPr lang="zh-CN" altLang="en-US">
               <a:latin typeface="Aa小梨涡" panose="02010600010101010101" charset="-122"/>
@@ -24871,11 +26749,461 @@
           </a:p>
         </p:txBody>
       </p:sp>
+      <p:sp>
+        <p:nvSpPr>
+          <p:cNvPr id="13" name="文本框 12"/>
+          <p:cNvSpPr txBox="1"/>
+          <p:nvPr/>
+        </p:nvSpPr>
+        <p:spPr>
+          <a:xfrm>
+            <a:off x="565150" y="1214120"/>
+            <a:ext cx="11281410" cy="539750"/>
+          </a:xfrm>
+          <a:prstGeom prst="rect">
+            <a:avLst/>
+          </a:prstGeom>
+          <a:noFill/>
+          <a:ln>
+            <a:noFill/>
+          </a:ln>
+        </p:spPr>
+        <p:txBody>
+          <a:bodyPr wrap="square" rtlCol="0">
+            <a:spAutoFit/>
+          </a:bodyPr>
+          <a:p>
+            <a:pPr fontAlgn="auto">
+              <a:lnSpc>
+                <a:spcPts val="3500"/>
+              </a:lnSpc>
+            </a:pPr>
+            <a:r>
+              <a:rPr lang="en-US" sz="2200">
+                <a:latin typeface="Aa小梨涡" panose="02010600010101010101" charset="-122"/>
+                <a:ea typeface="Aa小梨涡" panose="02010600010101010101" charset="-122"/>
+                <a:cs typeface="Aa小梨涡" panose="02010600010101010101" charset="-122"/>
+                <a:sym typeface="+mn-ea"/>
+              </a:rPr>
+              <a:t>2. </a:t>
+            </a:r>
+            <a:r>
+              <a:rPr lang="zh-CN" altLang="en-US" sz="2200">
+                <a:latin typeface="Aa小梨涡" panose="02010600010101010101" charset="-122"/>
+                <a:ea typeface="Aa小梨涡" panose="02010600010101010101" charset="-122"/>
+                <a:cs typeface="Aa小梨涡" panose="02010600010101010101" charset="-122"/>
+                <a:sym typeface="+mn-ea"/>
+              </a:rPr>
+              <a:t>迭代协议</a:t>
+            </a:r>
+            <a:endParaRPr lang="zh-CN" altLang="en-US" sz="2200">
+              <a:latin typeface="Aa小梨涡" panose="02010600010101010101" charset="-122"/>
+              <a:ea typeface="Aa小梨涡" panose="02010600010101010101" charset="-122"/>
+              <a:cs typeface="Aa小梨涡" panose="02010600010101010101" charset="-122"/>
+              <a:sym typeface="+mn-ea"/>
+            </a:endParaRPr>
+          </a:p>
+        </p:txBody>
+      </p:sp>
+      <p:sp>
+        <p:nvSpPr>
+          <p:cNvPr id="6" name="任意多边形 5"/>
+          <p:cNvSpPr/>
+          <p:nvPr/>
+        </p:nvSpPr>
+        <p:spPr>
+          <a:xfrm>
+            <a:off x="3342005" y="4396740"/>
+            <a:ext cx="2207895" cy="778510"/>
+          </a:xfrm>
+          <a:custGeom>
+            <a:avLst/>
+            <a:gdLst>
+              <a:gd name="connsiteX0" fmla="*/ 716 w 1431"/>
+              <a:gd name="connsiteY0" fmla="*/ 0 h 645"/>
+              <a:gd name="connsiteX1" fmla="*/ 1431 w 1431"/>
+              <a:gd name="connsiteY1" fmla="*/ 323 h 645"/>
+              <a:gd name="connsiteX2" fmla="*/ 716 w 1431"/>
+              <a:gd name="connsiteY2" fmla="*/ 645 h 645"/>
+              <a:gd name="connsiteX3" fmla="*/ 0 w 1431"/>
+              <a:gd name="connsiteY3" fmla="*/ 323 h 645"/>
+              <a:gd name="connsiteX4" fmla="*/ 881 w 1431"/>
+              <a:gd name="connsiteY4" fmla="*/ 165 h 645"/>
+            </a:gdLst>
+            <a:ahLst/>
+            <a:cxnLst>
+              <a:cxn ang="0">
+                <a:pos x="connsiteX0" y="connsiteY0"/>
+              </a:cxn>
+              <a:cxn ang="0">
+                <a:pos x="connsiteX1" y="connsiteY1"/>
+              </a:cxn>
+              <a:cxn ang="0">
+                <a:pos x="connsiteX2" y="connsiteY2"/>
+              </a:cxn>
+              <a:cxn ang="0">
+                <a:pos x="connsiteX3" y="connsiteY3"/>
+              </a:cxn>
+              <a:cxn ang="0">
+                <a:pos x="connsiteX4" y="connsiteY4"/>
+              </a:cxn>
+            </a:cxnLst>
+            <a:rect l="l" t="t" r="r" b="b"/>
+            <a:pathLst>
+              <a:path w="1431" h="645">
+                <a:moveTo>
+                  <a:pt x="716" y="0"/>
+                </a:moveTo>
+                <a:cubicBezTo>
+                  <a:pt x="1111" y="0"/>
+                  <a:pt x="1431" y="144"/>
+                  <a:pt x="1431" y="323"/>
+                </a:cubicBezTo>
+                <a:cubicBezTo>
+                  <a:pt x="1431" y="501"/>
+                  <a:pt x="1111" y="645"/>
+                  <a:pt x="716" y="645"/>
+                </a:cubicBezTo>
+                <a:cubicBezTo>
+                  <a:pt x="320" y="645"/>
+                  <a:pt x="0" y="501"/>
+                  <a:pt x="0" y="323"/>
+                </a:cubicBezTo>
+                <a:cubicBezTo>
+                  <a:pt x="0" y="144"/>
+                  <a:pt x="320" y="0"/>
+                  <a:pt x="881" y="165"/>
+                </a:cubicBezTo>
+              </a:path>
+            </a:pathLst>
+          </a:custGeom>
+          <a:noFill/>
+          <a:ln>
+            <a:solidFill>
+              <a:srgbClr val="FF0000"/>
+            </a:solidFill>
+          </a:ln>
+        </p:spPr>
+        <p:txBody>
+          <a:bodyPr/>
+          <a:p>
+            <a:pPr eaLnBrk="1" hangingPunct="1">
+              <a:spcBef>
+                <a:spcPct val="0"/>
+              </a:spcBef>
+              <a:buFontTx/>
+              <a:buNone/>
+            </a:pPr>
+            <a:endParaRPr lang="zh-CN" altLang="en-US" sz="1800">
+              <a:solidFill>
+                <a:schemeClr val="tx1"/>
+              </a:solidFill>
+              <a:ea typeface="宋体" panose="02010600030101010101" pitchFamily="2" charset="-122"/>
+            </a:endParaRPr>
+          </a:p>
+        </p:txBody>
+      </p:sp>
+      <p:sp>
+        <p:nvSpPr>
+          <p:cNvPr id="7" name="任意多边形 6"/>
+          <p:cNvSpPr/>
+          <p:nvPr/>
+        </p:nvSpPr>
+        <p:spPr>
+          <a:xfrm>
+            <a:off x="3342005" y="1891030"/>
+            <a:ext cx="1680210" cy="788670"/>
+          </a:xfrm>
+          <a:custGeom>
+            <a:avLst/>
+            <a:gdLst>
+              <a:gd name="connsiteX0" fmla="*/ 716 w 1431"/>
+              <a:gd name="connsiteY0" fmla="*/ 0 h 645"/>
+              <a:gd name="connsiteX1" fmla="*/ 1431 w 1431"/>
+              <a:gd name="connsiteY1" fmla="*/ 323 h 645"/>
+              <a:gd name="connsiteX2" fmla="*/ 716 w 1431"/>
+              <a:gd name="connsiteY2" fmla="*/ 645 h 645"/>
+              <a:gd name="connsiteX3" fmla="*/ 0 w 1431"/>
+              <a:gd name="connsiteY3" fmla="*/ 323 h 645"/>
+              <a:gd name="connsiteX4" fmla="*/ 881 w 1431"/>
+              <a:gd name="connsiteY4" fmla="*/ 165 h 645"/>
+            </a:gdLst>
+            <a:ahLst/>
+            <a:cxnLst>
+              <a:cxn ang="0">
+                <a:pos x="connsiteX0" y="connsiteY0"/>
+              </a:cxn>
+              <a:cxn ang="0">
+                <a:pos x="connsiteX1" y="connsiteY1"/>
+              </a:cxn>
+              <a:cxn ang="0">
+                <a:pos x="connsiteX2" y="connsiteY2"/>
+              </a:cxn>
+              <a:cxn ang="0">
+                <a:pos x="connsiteX3" y="connsiteY3"/>
+              </a:cxn>
+              <a:cxn ang="0">
+                <a:pos x="connsiteX4" y="connsiteY4"/>
+              </a:cxn>
+            </a:cxnLst>
+            <a:rect l="l" t="t" r="r" b="b"/>
+            <a:pathLst>
+              <a:path w="1431" h="645">
+                <a:moveTo>
+                  <a:pt x="716" y="0"/>
+                </a:moveTo>
+                <a:cubicBezTo>
+                  <a:pt x="1111" y="0"/>
+                  <a:pt x="1431" y="144"/>
+                  <a:pt x="1431" y="323"/>
+                </a:cubicBezTo>
+                <a:cubicBezTo>
+                  <a:pt x="1431" y="501"/>
+                  <a:pt x="1111" y="645"/>
+                  <a:pt x="716" y="645"/>
+                </a:cubicBezTo>
+                <a:cubicBezTo>
+                  <a:pt x="320" y="645"/>
+                  <a:pt x="0" y="501"/>
+                  <a:pt x="0" y="323"/>
+                </a:cubicBezTo>
+                <a:cubicBezTo>
+                  <a:pt x="0" y="144"/>
+                  <a:pt x="320" y="0"/>
+                  <a:pt x="881" y="165"/>
+                </a:cubicBezTo>
+              </a:path>
+            </a:pathLst>
+          </a:custGeom>
+          <a:noFill/>
+          <a:ln>
+            <a:solidFill>
+              <a:srgbClr val="FF0000"/>
+            </a:solidFill>
+          </a:ln>
+        </p:spPr>
+        <p:txBody>
+          <a:bodyPr/>
+          <a:p>
+            <a:pPr eaLnBrk="1" hangingPunct="1">
+              <a:spcBef>
+                <a:spcPct val="0"/>
+              </a:spcBef>
+              <a:buFontTx/>
+              <a:buNone/>
+            </a:pPr>
+            <a:endParaRPr lang="zh-CN" altLang="en-US" sz="1800">
+              <a:solidFill>
+                <a:schemeClr val="tx1"/>
+              </a:solidFill>
+              <a:ea typeface="宋体" panose="02010600030101010101" pitchFamily="2" charset="-122"/>
+            </a:endParaRPr>
+          </a:p>
+        </p:txBody>
+      </p:sp>
     </p:spTree>
   </p:cSld>
   <p:clrMapOvr>
     <a:masterClrMapping/>
   </p:clrMapOvr>
+  <p:timing>
+    <p:tnLst>
+      <p:par>
+        <p:cTn id="1" dur="indefinite" restart="never" nodeType="tmRoot">
+          <p:childTnLst>
+            <p:seq concurrent="1" nextAc="seek">
+              <p:cTn id="2" dur="indefinite" nodeType="mainSeq">
+                <p:childTnLst>
+                  <p:par>
+                    <p:cTn id="3" fill="hold">
+                      <p:stCondLst>
+                        <p:cond delay="indefinite"/>
+                      </p:stCondLst>
+                      <p:childTnLst>
+                        <p:par>
+                          <p:cTn id="4" fill="hold">
+                            <p:stCondLst>
+                              <p:cond delay="0"/>
+                            </p:stCondLst>
+                            <p:childTnLst>
+                              <p:par>
+                                <p:cTn id="5" presetID="1" presetClass="entr" presetSubtype="0" fill="hold" grpId="0" nodeType="clickEffect">
+                                  <p:stCondLst>
+                                    <p:cond delay="0"/>
+                                  </p:stCondLst>
+                                  <p:childTnLst>
+                                    <p:set>
+                                      <p:cBhvr>
+                                        <p:cTn id="6" dur="1" fill="hold">
+                                          <p:stCondLst>
+                                            <p:cond delay="0"/>
+                                          </p:stCondLst>
+                                        </p:cTn>
+                                        <p:tgtEl>
+                                          <p:spTgt spid="13"/>
+                                        </p:tgtEl>
+                                        <p:attrNameLst>
+                                          <p:attrName>style.visibility</p:attrName>
+                                        </p:attrNameLst>
+                                      </p:cBhvr>
+                                      <p:to>
+                                        <p:strVal val="visible"/>
+                                      </p:to>
+                                    </p:set>
+                                  </p:childTnLst>
+                                </p:cTn>
+                              </p:par>
+                              <p:par>
+                                <p:cTn id="7" presetID="1" presetClass="entr" presetSubtype="0" fill="hold" nodeType="withEffect">
+                                  <p:stCondLst>
+                                    <p:cond delay="0"/>
+                                  </p:stCondLst>
+                                  <p:childTnLst>
+                                    <p:set>
+                                      <p:cBhvr>
+                                        <p:cTn id="8" dur="1" fill="hold">
+                                          <p:stCondLst>
+                                            <p:cond delay="0"/>
+                                          </p:stCondLst>
+                                        </p:cTn>
+                                        <p:tgtEl>
+                                          <p:spTgt spid="3"/>
+                                        </p:tgtEl>
+                                        <p:attrNameLst>
+                                          <p:attrName>style.visibility</p:attrName>
+                                        </p:attrNameLst>
+                                      </p:cBhvr>
+                                      <p:to>
+                                        <p:strVal val="visible"/>
+                                      </p:to>
+                                    </p:set>
+                                  </p:childTnLst>
+                                </p:cTn>
+                              </p:par>
+                            </p:childTnLst>
+                          </p:cTn>
+                        </p:par>
+                      </p:childTnLst>
+                    </p:cTn>
+                  </p:par>
+                  <p:par>
+                    <p:cTn id="9" fill="hold">
+                      <p:stCondLst>
+                        <p:cond delay="indefinite"/>
+                      </p:stCondLst>
+                      <p:childTnLst>
+                        <p:par>
+                          <p:cTn id="10" fill="hold">
+                            <p:stCondLst>
+                              <p:cond delay="0"/>
+                            </p:stCondLst>
+                            <p:childTnLst>
+                              <p:par>
+                                <p:cTn id="11" presetID="22" presetClass="entr" presetSubtype="4" fill="hold" grpId="0" nodeType="clickEffect">
+                                  <p:stCondLst>
+                                    <p:cond delay="0"/>
+                                  </p:stCondLst>
+                                  <p:childTnLst>
+                                    <p:set>
+                                      <p:cBhvr>
+                                        <p:cTn id="12" dur="1" fill="hold">
+                                          <p:stCondLst>
+                                            <p:cond delay="0"/>
+                                          </p:stCondLst>
+                                        </p:cTn>
+                                        <p:tgtEl>
+                                          <p:spTgt spid="6"/>
+                                        </p:tgtEl>
+                                        <p:attrNameLst>
+                                          <p:attrName>style.visibility</p:attrName>
+                                        </p:attrNameLst>
+                                      </p:cBhvr>
+                                      <p:to>
+                                        <p:strVal val="visible"/>
+                                      </p:to>
+                                    </p:set>
+                                    <p:animEffect transition="in" filter="wipe(down)">
+                                      <p:cBhvr>
+                                        <p:cTn id="13" dur="500"/>
+                                        <p:tgtEl>
+                                          <p:spTgt spid="6"/>
+                                        </p:tgtEl>
+                                      </p:cBhvr>
+                                    </p:animEffect>
+                                  </p:childTnLst>
+                                </p:cTn>
+                              </p:par>
+                              <p:par>
+                                <p:cTn id="14" presetID="22" presetClass="entr" presetSubtype="4" fill="hold" grpId="0" nodeType="withEffect">
+                                  <p:stCondLst>
+                                    <p:cond delay="0"/>
+                                  </p:stCondLst>
+                                  <p:childTnLst>
+                                    <p:set>
+                                      <p:cBhvr>
+                                        <p:cTn id="15" dur="1" fill="hold">
+                                          <p:stCondLst>
+                                            <p:cond delay="0"/>
+                                          </p:stCondLst>
+                                        </p:cTn>
+                                        <p:tgtEl>
+                                          <p:spTgt spid="7"/>
+                                        </p:tgtEl>
+                                        <p:attrNameLst>
+                                          <p:attrName>style.visibility</p:attrName>
+                                        </p:attrNameLst>
+                                      </p:cBhvr>
+                                      <p:to>
+                                        <p:strVal val="visible"/>
+                                      </p:to>
+                                    </p:set>
+                                    <p:animEffect transition="in" filter="wipe(down)">
+                                      <p:cBhvr>
+                                        <p:cTn id="16" dur="500"/>
+                                        <p:tgtEl>
+                                          <p:spTgt spid="7"/>
+                                        </p:tgtEl>
+                                      </p:cBhvr>
+                                    </p:animEffect>
+                                  </p:childTnLst>
+                                </p:cTn>
+                              </p:par>
+                            </p:childTnLst>
+                          </p:cTn>
+                        </p:par>
+                      </p:childTnLst>
+                    </p:cTn>
+                  </p:par>
+                </p:childTnLst>
+              </p:cTn>
+              <p:prevCondLst>
+                <p:cond evt="onPrev" delay="0">
+                  <p:tgtEl>
+                    <p:sldTgt/>
+                  </p:tgtEl>
+                </p:cond>
+              </p:prevCondLst>
+              <p:nextCondLst>
+                <p:cond evt="onNext" delay="0">
+                  <p:tgtEl>
+                    <p:sldTgt/>
+                  </p:tgtEl>
+                </p:cond>
+              </p:nextCondLst>
+            </p:seq>
+          </p:childTnLst>
+        </p:cTn>
+      </p:par>
+    </p:tnLst>
+    <p:bldLst>
+      <p:bldP spid="13" grpId="0"/>
+      <p:bldP spid="13" grpId="1"/>
+      <p:bldP spid="6" grpId="0" bldLvl="0" animBg="1"/>
+      <p:bldP spid="6" grpId="1" animBg="1"/>
+      <p:bldP spid="7" grpId="0" bldLvl="0" animBg="1"/>
+      <p:bldP spid="7" grpId="1" animBg="1"/>
+    </p:bldLst>
+  </p:timing>
 </p:sld>
 </file>
 
@@ -25532,6 +27860,2614 @@
 </file>
 
 <file path=ppt/slides/slide31.xml><?xml version="1.0" encoding="utf-8"?>
+<p:sld xmlns:a="http://schemas.openxmlformats.org/drawingml/2006/main" xmlns:r="http://schemas.openxmlformats.org/officeDocument/2006/relationships" xmlns:p="http://schemas.openxmlformats.org/presentationml/2006/main">
+  <p:cSld>
+    <p:spTree>
+      <p:nvGrpSpPr>
+        <p:cNvPr id="1" name=""/>
+        <p:cNvGrpSpPr/>
+        <p:nvPr/>
+      </p:nvGrpSpPr>
+      <p:grpSpPr/>
+      <p:sp>
+        <p:nvSpPr>
+          <p:cNvPr id="18" name="任意多边形 17"/>
+          <p:cNvSpPr/>
+          <p:nvPr/>
+        </p:nvSpPr>
+        <p:spPr>
+          <a:xfrm rot="600000">
+            <a:off x="5342086" y="122979"/>
+            <a:ext cx="1728000" cy="944245"/>
+          </a:xfrm>
+          <a:custGeom>
+            <a:avLst/>
+            <a:gdLst>
+              <a:gd name="connisteX0" fmla="*/ 257810 w 3935730"/>
+              <a:gd name="connsiteY0" fmla="*/ 429260 h 944880"/>
+              <a:gd name="connisteX1" fmla="*/ 3394710 w 3935730"/>
+              <a:gd name="connsiteY1" fmla="*/ 0 h 944880"/>
+              <a:gd name="connisteX2" fmla="*/ 26035 w 3935730"/>
+              <a:gd name="connsiteY2" fmla="*/ 541020 h 944880"/>
+              <a:gd name="connisteX3" fmla="*/ 3575050 w 3935730"/>
+              <a:gd name="connsiteY3" fmla="*/ 51435 h 944880"/>
+              <a:gd name="connisteX4" fmla="*/ 172085 w 3935730"/>
+              <a:gd name="connsiteY4" fmla="*/ 601345 h 944880"/>
+              <a:gd name="connisteX5" fmla="*/ 3652520 w 3935730"/>
+              <a:gd name="connsiteY5" fmla="*/ 128905 h 944880"/>
+              <a:gd name="connisteX6" fmla="*/ 51435 w 3935730"/>
+              <a:gd name="connsiteY6" fmla="*/ 678815 h 944880"/>
+              <a:gd name="connisteX7" fmla="*/ 3514725 w 3935730"/>
+              <a:gd name="connsiteY7" fmla="*/ 214630 h 944880"/>
+              <a:gd name="connisteX8" fmla="*/ 369570 w 3935730"/>
+              <a:gd name="connsiteY8" fmla="*/ 704215 h 944880"/>
+              <a:gd name="connisteX9" fmla="*/ 3695700 w 3935730"/>
+              <a:gd name="connsiteY9" fmla="*/ 274955 h 944880"/>
+              <a:gd name="connisteX10" fmla="*/ 180340 w 3935730"/>
+              <a:gd name="connsiteY10" fmla="*/ 833120 h 944880"/>
+              <a:gd name="connisteX11" fmla="*/ 3695700 w 3935730"/>
+              <a:gd name="connsiteY11" fmla="*/ 351790 h 944880"/>
+              <a:gd name="connisteX12" fmla="*/ 0 w 3935730"/>
+              <a:gd name="connsiteY12" fmla="*/ 944880 h 944880"/>
+              <a:gd name="connisteX13" fmla="*/ 3935730 w 3935730"/>
+              <a:gd name="connsiteY13" fmla="*/ 360680 h 944880"/>
+            </a:gdLst>
+            <a:ahLst/>
+            <a:cxnLst>
+              <a:cxn ang="0">
+                <a:pos x="connisteX0" y="connsiteY0"/>
+              </a:cxn>
+              <a:cxn ang="0">
+                <a:pos x="connisteX1" y="connsiteY1"/>
+              </a:cxn>
+              <a:cxn ang="0">
+                <a:pos x="connisteX2" y="connsiteY2"/>
+              </a:cxn>
+              <a:cxn ang="0">
+                <a:pos x="connisteX3" y="connsiteY3"/>
+              </a:cxn>
+              <a:cxn ang="0">
+                <a:pos x="connisteX4" y="connsiteY4"/>
+              </a:cxn>
+              <a:cxn ang="0">
+                <a:pos x="connisteX5" y="connsiteY5"/>
+              </a:cxn>
+              <a:cxn ang="0">
+                <a:pos x="connisteX6" y="connsiteY6"/>
+              </a:cxn>
+              <a:cxn ang="0">
+                <a:pos x="connisteX7" y="connsiteY7"/>
+              </a:cxn>
+              <a:cxn ang="0">
+                <a:pos x="connisteX8" y="connsiteY8"/>
+              </a:cxn>
+              <a:cxn ang="0">
+                <a:pos x="connisteX9" y="connsiteY9"/>
+              </a:cxn>
+              <a:cxn ang="0">
+                <a:pos x="connisteX10" y="connsiteY10"/>
+              </a:cxn>
+              <a:cxn ang="0">
+                <a:pos x="connisteX11" y="connsiteY11"/>
+              </a:cxn>
+              <a:cxn ang="0">
+                <a:pos x="connisteX12" y="connsiteY12"/>
+              </a:cxn>
+              <a:cxn ang="0">
+                <a:pos x="connisteX13" y="connsiteY13"/>
+              </a:cxn>
+            </a:cxnLst>
+            <a:rect l="l" t="t" r="r" b="b"/>
+            <a:pathLst>
+              <a:path w="3935730" h="944880">
+                <a:moveTo>
+                  <a:pt x="257810" y="429260"/>
+                </a:moveTo>
+                <a:lnTo>
+                  <a:pt x="3394710" y="0"/>
+                </a:lnTo>
+                <a:lnTo>
+                  <a:pt x="26035" y="541020"/>
+                </a:lnTo>
+                <a:lnTo>
+                  <a:pt x="3575050" y="51435"/>
+                </a:lnTo>
+                <a:lnTo>
+                  <a:pt x="172085" y="601345"/>
+                </a:lnTo>
+                <a:lnTo>
+                  <a:pt x="3652520" y="128905"/>
+                </a:lnTo>
+                <a:lnTo>
+                  <a:pt x="51435" y="678815"/>
+                </a:lnTo>
+                <a:lnTo>
+                  <a:pt x="3514725" y="214630"/>
+                </a:lnTo>
+                <a:lnTo>
+                  <a:pt x="369570" y="704215"/>
+                </a:lnTo>
+                <a:lnTo>
+                  <a:pt x="3695700" y="274955"/>
+                </a:lnTo>
+                <a:lnTo>
+                  <a:pt x="180340" y="833120"/>
+                </a:lnTo>
+                <a:lnTo>
+                  <a:pt x="3695700" y="351790"/>
+                </a:lnTo>
+                <a:lnTo>
+                  <a:pt x="0" y="944880"/>
+                </a:lnTo>
+                <a:lnTo>
+                  <a:pt x="3935730" y="360680"/>
+                </a:lnTo>
+              </a:path>
+            </a:pathLst>
+          </a:custGeom>
+          <a:noFill/>
+          <a:ln w="203200">
+            <a:solidFill>
+              <a:schemeClr val="accent4">
+                <a:lumMod val="40000"/>
+                <a:lumOff val="60000"/>
+              </a:schemeClr>
+            </a:solidFill>
+          </a:ln>
+          <a:effectLst>
+            <a:softEdge rad="63500"/>
+          </a:effectLst>
+        </p:spPr>
+        <p:style>
+          <a:lnRef idx="2">
+            <a:schemeClr val="accent1">
+              <a:shade val="50000"/>
+            </a:schemeClr>
+          </a:lnRef>
+          <a:fillRef idx="1">
+            <a:schemeClr val="accent1"/>
+          </a:fillRef>
+          <a:effectRef idx="0">
+            <a:schemeClr val="accent1"/>
+          </a:effectRef>
+          <a:fontRef idx="minor">
+            <a:schemeClr val="lt1"/>
+          </a:fontRef>
+        </p:style>
+        <p:txBody>
+          <a:bodyPr rtlCol="0" anchor="ctr"/>
+          <a:p>
+            <a:pPr algn="ctr"/>
+            <a:endParaRPr lang="zh-CN" altLang="en-US"/>
+          </a:p>
+        </p:txBody>
+      </p:sp>
+      <p:sp>
+        <p:nvSpPr>
+          <p:cNvPr id="2" name="标题 1"/>
+          <p:cNvSpPr>
+            <a:spLocks noGrp="1"/>
+          </p:cNvSpPr>
+          <p:nvPr>
+            <p:ph type="title"/>
+          </p:nvPr>
+        </p:nvSpPr>
+        <p:spPr>
+          <a:xfrm>
+            <a:off x="5132070" y="245745"/>
+            <a:ext cx="2136775" cy="817245"/>
+          </a:xfrm>
+        </p:spPr>
+        <p:txBody>
+          <a:bodyPr>
+            <a:normAutofit fontScale="90000"/>
+          </a:bodyPr>
+          <a:p>
+            <a:r>
+              <a:rPr lang="en-US" altLang="zh-CN">
+                <a:latin typeface="Aa小梨涡" panose="02010600010101010101" charset="-122"/>
+                <a:ea typeface="Aa小梨涡" panose="02010600010101010101" charset="-122"/>
+              </a:rPr>
+              <a:t>1.</a:t>
+            </a:r>
+            <a:r>
+              <a:rPr lang="zh-CN" altLang="en-US">
+                <a:latin typeface="Aa小梨涡" panose="02010600010101010101" charset="-122"/>
+                <a:ea typeface="Aa小梨涡" panose="02010600010101010101" charset="-122"/>
+              </a:rPr>
+              <a:t>开篇词</a:t>
+            </a:r>
+            <a:endParaRPr lang="zh-CN" altLang="en-US">
+              <a:latin typeface="Aa小梨涡" panose="02010600010101010101" charset="-122"/>
+              <a:ea typeface="Aa小梨涡" panose="02010600010101010101" charset="-122"/>
+            </a:endParaRPr>
+          </a:p>
+        </p:txBody>
+      </p:sp>
+      <p:sp>
+        <p:nvSpPr>
+          <p:cNvPr id="20" name="任意多边形 19"/>
+          <p:cNvSpPr/>
+          <p:nvPr/>
+        </p:nvSpPr>
+        <p:spPr>
+          <a:xfrm rot="10320000">
+            <a:off x="4344035" y="897890"/>
+            <a:ext cx="3456305" cy="76200"/>
+          </a:xfrm>
+          <a:custGeom>
+            <a:avLst/>
+            <a:gdLst>
+              <a:gd name="connisteX0" fmla="*/ 4685923 w 4685923"/>
+              <a:gd name="connsiteY0" fmla="*/ 9525 h 464575"/>
+              <a:gd name="connisteX1" fmla="*/ 548898 w 4685923"/>
+              <a:gd name="connsiteY1" fmla="*/ 238125 h 464575"/>
+              <a:gd name="connisteX2" fmla="*/ 672723 w 4685923"/>
+              <a:gd name="connsiteY2" fmla="*/ 456565 h 464575"/>
+              <a:gd name="connisteX3" fmla="*/ 4638298 w 4685923"/>
+              <a:gd name="connsiteY3" fmla="*/ 0 h 464575"/>
+            </a:gdLst>
+            <a:ahLst/>
+            <a:cxnLst>
+              <a:cxn ang="0">
+                <a:pos x="connisteX0" y="connsiteY0"/>
+              </a:cxn>
+              <a:cxn ang="0">
+                <a:pos x="connisteX1" y="connsiteY1"/>
+              </a:cxn>
+              <a:cxn ang="0">
+                <a:pos x="connisteX2" y="connsiteY2"/>
+              </a:cxn>
+              <a:cxn ang="0">
+                <a:pos x="connisteX3" y="connsiteY3"/>
+              </a:cxn>
+            </a:cxnLst>
+            <a:rect l="l" t="t" r="r" b="b"/>
+            <a:pathLst>
+              <a:path w="4685923" h="464576">
+                <a:moveTo>
+                  <a:pt x="4685923" y="9525"/>
+                </a:moveTo>
+                <a:cubicBezTo>
+                  <a:pt x="3855978" y="50800"/>
+                  <a:pt x="1351538" y="148590"/>
+                  <a:pt x="548898" y="238125"/>
+                </a:cubicBezTo>
+                <a:cubicBezTo>
+                  <a:pt x="-253742" y="327660"/>
+                  <a:pt x="-145157" y="504190"/>
+                  <a:pt x="672723" y="456565"/>
+                </a:cubicBezTo>
+                <a:cubicBezTo>
+                  <a:pt x="1490603" y="408940"/>
+                  <a:pt x="3847723" y="95885"/>
+                  <a:pt x="4638298" y="0"/>
+                </a:cubicBezTo>
+              </a:path>
+            </a:pathLst>
+          </a:custGeom>
+          <a:solidFill>
+            <a:schemeClr val="accent5"/>
+          </a:solidFill>
+          <a:ln>
+            <a:noFill/>
+          </a:ln>
+        </p:spPr>
+        <p:style>
+          <a:lnRef idx="2">
+            <a:schemeClr val="accent1">
+              <a:shade val="50000"/>
+            </a:schemeClr>
+          </a:lnRef>
+          <a:fillRef idx="1">
+            <a:schemeClr val="accent1"/>
+          </a:fillRef>
+          <a:effectRef idx="0">
+            <a:schemeClr val="accent1"/>
+          </a:effectRef>
+          <a:fontRef idx="minor">
+            <a:schemeClr val="lt1"/>
+          </a:fontRef>
+        </p:style>
+        <p:txBody>
+          <a:bodyPr rtlCol="0" anchor="ctr"/>
+          <a:p>
+            <a:pPr algn="ctr"/>
+            <a:endParaRPr lang="zh-CN" altLang="en-US"/>
+          </a:p>
+        </p:txBody>
+      </p:sp>
+    </p:spTree>
+  </p:cSld>
+  <p:clrMapOvr>
+    <a:masterClrMapping/>
+  </p:clrMapOvr>
+</p:sld>
+</file>
+
+<file path=ppt/slides/slide32.xml><?xml version="1.0" encoding="utf-8"?>
+<p:sld xmlns:a="http://schemas.openxmlformats.org/drawingml/2006/main" xmlns:r="http://schemas.openxmlformats.org/officeDocument/2006/relationships" xmlns:p="http://schemas.openxmlformats.org/presentationml/2006/main">
+  <p:cSld>
+    <p:spTree>
+      <p:nvGrpSpPr>
+        <p:cNvPr id="1" name=""/>
+        <p:cNvGrpSpPr/>
+        <p:nvPr/>
+      </p:nvGrpSpPr>
+      <p:grpSpPr/>
+      <p:sp>
+        <p:nvSpPr>
+          <p:cNvPr id="18" name="任意多边形 17"/>
+          <p:cNvSpPr/>
+          <p:nvPr/>
+        </p:nvSpPr>
+        <p:spPr>
+          <a:xfrm rot="600000">
+            <a:off x="5342086" y="122979"/>
+            <a:ext cx="1728000" cy="944245"/>
+          </a:xfrm>
+          <a:custGeom>
+            <a:avLst/>
+            <a:gdLst>
+              <a:gd name="connisteX0" fmla="*/ 257810 w 3935730"/>
+              <a:gd name="connsiteY0" fmla="*/ 429260 h 944880"/>
+              <a:gd name="connisteX1" fmla="*/ 3394710 w 3935730"/>
+              <a:gd name="connsiteY1" fmla="*/ 0 h 944880"/>
+              <a:gd name="connisteX2" fmla="*/ 26035 w 3935730"/>
+              <a:gd name="connsiteY2" fmla="*/ 541020 h 944880"/>
+              <a:gd name="connisteX3" fmla="*/ 3575050 w 3935730"/>
+              <a:gd name="connsiteY3" fmla="*/ 51435 h 944880"/>
+              <a:gd name="connisteX4" fmla="*/ 172085 w 3935730"/>
+              <a:gd name="connsiteY4" fmla="*/ 601345 h 944880"/>
+              <a:gd name="connisteX5" fmla="*/ 3652520 w 3935730"/>
+              <a:gd name="connsiteY5" fmla="*/ 128905 h 944880"/>
+              <a:gd name="connisteX6" fmla="*/ 51435 w 3935730"/>
+              <a:gd name="connsiteY6" fmla="*/ 678815 h 944880"/>
+              <a:gd name="connisteX7" fmla="*/ 3514725 w 3935730"/>
+              <a:gd name="connsiteY7" fmla="*/ 214630 h 944880"/>
+              <a:gd name="connisteX8" fmla="*/ 369570 w 3935730"/>
+              <a:gd name="connsiteY8" fmla="*/ 704215 h 944880"/>
+              <a:gd name="connisteX9" fmla="*/ 3695700 w 3935730"/>
+              <a:gd name="connsiteY9" fmla="*/ 274955 h 944880"/>
+              <a:gd name="connisteX10" fmla="*/ 180340 w 3935730"/>
+              <a:gd name="connsiteY10" fmla="*/ 833120 h 944880"/>
+              <a:gd name="connisteX11" fmla="*/ 3695700 w 3935730"/>
+              <a:gd name="connsiteY11" fmla="*/ 351790 h 944880"/>
+              <a:gd name="connisteX12" fmla="*/ 0 w 3935730"/>
+              <a:gd name="connsiteY12" fmla="*/ 944880 h 944880"/>
+              <a:gd name="connisteX13" fmla="*/ 3935730 w 3935730"/>
+              <a:gd name="connsiteY13" fmla="*/ 360680 h 944880"/>
+            </a:gdLst>
+            <a:ahLst/>
+            <a:cxnLst>
+              <a:cxn ang="0">
+                <a:pos x="connisteX0" y="connsiteY0"/>
+              </a:cxn>
+              <a:cxn ang="0">
+                <a:pos x="connisteX1" y="connsiteY1"/>
+              </a:cxn>
+              <a:cxn ang="0">
+                <a:pos x="connisteX2" y="connsiteY2"/>
+              </a:cxn>
+              <a:cxn ang="0">
+                <a:pos x="connisteX3" y="connsiteY3"/>
+              </a:cxn>
+              <a:cxn ang="0">
+                <a:pos x="connisteX4" y="connsiteY4"/>
+              </a:cxn>
+              <a:cxn ang="0">
+                <a:pos x="connisteX5" y="connsiteY5"/>
+              </a:cxn>
+              <a:cxn ang="0">
+                <a:pos x="connisteX6" y="connsiteY6"/>
+              </a:cxn>
+              <a:cxn ang="0">
+                <a:pos x="connisteX7" y="connsiteY7"/>
+              </a:cxn>
+              <a:cxn ang="0">
+                <a:pos x="connisteX8" y="connsiteY8"/>
+              </a:cxn>
+              <a:cxn ang="0">
+                <a:pos x="connisteX9" y="connsiteY9"/>
+              </a:cxn>
+              <a:cxn ang="0">
+                <a:pos x="connisteX10" y="connsiteY10"/>
+              </a:cxn>
+              <a:cxn ang="0">
+                <a:pos x="connisteX11" y="connsiteY11"/>
+              </a:cxn>
+              <a:cxn ang="0">
+                <a:pos x="connisteX12" y="connsiteY12"/>
+              </a:cxn>
+              <a:cxn ang="0">
+                <a:pos x="connisteX13" y="connsiteY13"/>
+              </a:cxn>
+            </a:cxnLst>
+            <a:rect l="l" t="t" r="r" b="b"/>
+            <a:pathLst>
+              <a:path w="3935730" h="944880">
+                <a:moveTo>
+                  <a:pt x="257810" y="429260"/>
+                </a:moveTo>
+                <a:lnTo>
+                  <a:pt x="3394710" y="0"/>
+                </a:lnTo>
+                <a:lnTo>
+                  <a:pt x="26035" y="541020"/>
+                </a:lnTo>
+                <a:lnTo>
+                  <a:pt x="3575050" y="51435"/>
+                </a:lnTo>
+                <a:lnTo>
+                  <a:pt x="172085" y="601345"/>
+                </a:lnTo>
+                <a:lnTo>
+                  <a:pt x="3652520" y="128905"/>
+                </a:lnTo>
+                <a:lnTo>
+                  <a:pt x="51435" y="678815"/>
+                </a:lnTo>
+                <a:lnTo>
+                  <a:pt x="3514725" y="214630"/>
+                </a:lnTo>
+                <a:lnTo>
+                  <a:pt x="369570" y="704215"/>
+                </a:lnTo>
+                <a:lnTo>
+                  <a:pt x="3695700" y="274955"/>
+                </a:lnTo>
+                <a:lnTo>
+                  <a:pt x="180340" y="833120"/>
+                </a:lnTo>
+                <a:lnTo>
+                  <a:pt x="3695700" y="351790"/>
+                </a:lnTo>
+                <a:lnTo>
+                  <a:pt x="0" y="944880"/>
+                </a:lnTo>
+                <a:lnTo>
+                  <a:pt x="3935730" y="360680"/>
+                </a:lnTo>
+              </a:path>
+            </a:pathLst>
+          </a:custGeom>
+          <a:noFill/>
+          <a:ln w="203200">
+            <a:solidFill>
+              <a:schemeClr val="accent4">
+                <a:lumMod val="40000"/>
+                <a:lumOff val="60000"/>
+              </a:schemeClr>
+            </a:solidFill>
+          </a:ln>
+          <a:effectLst>
+            <a:softEdge rad="63500"/>
+          </a:effectLst>
+        </p:spPr>
+        <p:style>
+          <a:lnRef idx="2">
+            <a:schemeClr val="accent1">
+              <a:shade val="50000"/>
+            </a:schemeClr>
+          </a:lnRef>
+          <a:fillRef idx="1">
+            <a:schemeClr val="accent1"/>
+          </a:fillRef>
+          <a:effectRef idx="0">
+            <a:schemeClr val="accent1"/>
+          </a:effectRef>
+          <a:fontRef idx="minor">
+            <a:schemeClr val="lt1"/>
+          </a:fontRef>
+        </p:style>
+        <p:txBody>
+          <a:bodyPr rtlCol="0" anchor="ctr"/>
+          <a:p>
+            <a:pPr algn="ctr"/>
+            <a:endParaRPr lang="zh-CN" altLang="en-US"/>
+          </a:p>
+        </p:txBody>
+      </p:sp>
+      <p:sp>
+        <p:nvSpPr>
+          <p:cNvPr id="2" name="标题 1"/>
+          <p:cNvSpPr>
+            <a:spLocks noGrp="1"/>
+          </p:cNvSpPr>
+          <p:nvPr>
+            <p:ph type="title"/>
+          </p:nvPr>
+        </p:nvSpPr>
+        <p:spPr>
+          <a:xfrm>
+            <a:off x="5132070" y="245745"/>
+            <a:ext cx="2136775" cy="817245"/>
+          </a:xfrm>
+        </p:spPr>
+        <p:txBody>
+          <a:bodyPr>
+            <a:normAutofit fontScale="90000"/>
+          </a:bodyPr>
+          <a:p>
+            <a:r>
+              <a:rPr lang="en-US" altLang="zh-CN">
+                <a:latin typeface="Aa小梨涡" panose="02010600010101010101" charset="-122"/>
+                <a:ea typeface="Aa小梨涡" panose="02010600010101010101" charset="-122"/>
+              </a:rPr>
+              <a:t>1.</a:t>
+            </a:r>
+            <a:r>
+              <a:rPr lang="zh-CN" altLang="en-US">
+                <a:latin typeface="Aa小梨涡" panose="02010600010101010101" charset="-122"/>
+                <a:ea typeface="Aa小梨涡" panose="02010600010101010101" charset="-122"/>
+              </a:rPr>
+              <a:t>开篇词</a:t>
+            </a:r>
+            <a:endParaRPr lang="zh-CN" altLang="en-US">
+              <a:latin typeface="Aa小梨涡" panose="02010600010101010101" charset="-122"/>
+              <a:ea typeface="Aa小梨涡" panose="02010600010101010101" charset="-122"/>
+            </a:endParaRPr>
+          </a:p>
+        </p:txBody>
+      </p:sp>
+      <p:sp>
+        <p:nvSpPr>
+          <p:cNvPr id="20" name="任意多边形 19"/>
+          <p:cNvSpPr/>
+          <p:nvPr/>
+        </p:nvSpPr>
+        <p:spPr>
+          <a:xfrm rot="10320000">
+            <a:off x="4344035" y="897890"/>
+            <a:ext cx="3456305" cy="76200"/>
+          </a:xfrm>
+          <a:custGeom>
+            <a:avLst/>
+            <a:gdLst>
+              <a:gd name="connisteX0" fmla="*/ 4685923 w 4685923"/>
+              <a:gd name="connsiteY0" fmla="*/ 9525 h 464575"/>
+              <a:gd name="connisteX1" fmla="*/ 548898 w 4685923"/>
+              <a:gd name="connsiteY1" fmla="*/ 238125 h 464575"/>
+              <a:gd name="connisteX2" fmla="*/ 672723 w 4685923"/>
+              <a:gd name="connsiteY2" fmla="*/ 456565 h 464575"/>
+              <a:gd name="connisteX3" fmla="*/ 4638298 w 4685923"/>
+              <a:gd name="connsiteY3" fmla="*/ 0 h 464575"/>
+            </a:gdLst>
+            <a:ahLst/>
+            <a:cxnLst>
+              <a:cxn ang="0">
+                <a:pos x="connisteX0" y="connsiteY0"/>
+              </a:cxn>
+              <a:cxn ang="0">
+                <a:pos x="connisteX1" y="connsiteY1"/>
+              </a:cxn>
+              <a:cxn ang="0">
+                <a:pos x="connisteX2" y="connsiteY2"/>
+              </a:cxn>
+              <a:cxn ang="0">
+                <a:pos x="connisteX3" y="connsiteY3"/>
+              </a:cxn>
+            </a:cxnLst>
+            <a:rect l="l" t="t" r="r" b="b"/>
+            <a:pathLst>
+              <a:path w="4685923" h="464576">
+                <a:moveTo>
+                  <a:pt x="4685923" y="9525"/>
+                </a:moveTo>
+                <a:cubicBezTo>
+                  <a:pt x="3855978" y="50800"/>
+                  <a:pt x="1351538" y="148590"/>
+                  <a:pt x="548898" y="238125"/>
+                </a:cubicBezTo>
+                <a:cubicBezTo>
+                  <a:pt x="-253742" y="327660"/>
+                  <a:pt x="-145157" y="504190"/>
+                  <a:pt x="672723" y="456565"/>
+                </a:cubicBezTo>
+                <a:cubicBezTo>
+                  <a:pt x="1490603" y="408940"/>
+                  <a:pt x="3847723" y="95885"/>
+                  <a:pt x="4638298" y="0"/>
+                </a:cubicBezTo>
+              </a:path>
+            </a:pathLst>
+          </a:custGeom>
+          <a:solidFill>
+            <a:schemeClr val="accent5"/>
+          </a:solidFill>
+          <a:ln>
+            <a:noFill/>
+          </a:ln>
+        </p:spPr>
+        <p:style>
+          <a:lnRef idx="2">
+            <a:schemeClr val="accent1">
+              <a:shade val="50000"/>
+            </a:schemeClr>
+          </a:lnRef>
+          <a:fillRef idx="1">
+            <a:schemeClr val="accent1"/>
+          </a:fillRef>
+          <a:effectRef idx="0">
+            <a:schemeClr val="accent1"/>
+          </a:effectRef>
+          <a:fontRef idx="minor">
+            <a:schemeClr val="lt1"/>
+          </a:fontRef>
+        </p:style>
+        <p:txBody>
+          <a:bodyPr rtlCol="0" anchor="ctr"/>
+          <a:p>
+            <a:pPr algn="ctr"/>
+            <a:endParaRPr lang="zh-CN" altLang="en-US"/>
+          </a:p>
+        </p:txBody>
+      </p:sp>
+    </p:spTree>
+  </p:cSld>
+  <p:clrMapOvr>
+    <a:masterClrMapping/>
+  </p:clrMapOvr>
+</p:sld>
+</file>
+
+<file path=ppt/slides/slide33.xml><?xml version="1.0" encoding="utf-8"?>
+<p:sld xmlns:a="http://schemas.openxmlformats.org/drawingml/2006/main" xmlns:r="http://schemas.openxmlformats.org/officeDocument/2006/relationships" xmlns:p="http://schemas.openxmlformats.org/presentationml/2006/main">
+  <p:cSld>
+    <p:spTree>
+      <p:nvGrpSpPr>
+        <p:cNvPr id="1" name=""/>
+        <p:cNvGrpSpPr/>
+        <p:nvPr/>
+      </p:nvGrpSpPr>
+      <p:grpSpPr/>
+      <p:sp>
+        <p:nvSpPr>
+          <p:cNvPr id="18" name="任意多边形 17"/>
+          <p:cNvSpPr/>
+          <p:nvPr/>
+        </p:nvSpPr>
+        <p:spPr>
+          <a:xfrm rot="600000">
+            <a:off x="5342086" y="122979"/>
+            <a:ext cx="1728000" cy="944245"/>
+          </a:xfrm>
+          <a:custGeom>
+            <a:avLst/>
+            <a:gdLst>
+              <a:gd name="connisteX0" fmla="*/ 257810 w 3935730"/>
+              <a:gd name="connsiteY0" fmla="*/ 429260 h 944880"/>
+              <a:gd name="connisteX1" fmla="*/ 3394710 w 3935730"/>
+              <a:gd name="connsiteY1" fmla="*/ 0 h 944880"/>
+              <a:gd name="connisteX2" fmla="*/ 26035 w 3935730"/>
+              <a:gd name="connsiteY2" fmla="*/ 541020 h 944880"/>
+              <a:gd name="connisteX3" fmla="*/ 3575050 w 3935730"/>
+              <a:gd name="connsiteY3" fmla="*/ 51435 h 944880"/>
+              <a:gd name="connisteX4" fmla="*/ 172085 w 3935730"/>
+              <a:gd name="connsiteY4" fmla="*/ 601345 h 944880"/>
+              <a:gd name="connisteX5" fmla="*/ 3652520 w 3935730"/>
+              <a:gd name="connsiteY5" fmla="*/ 128905 h 944880"/>
+              <a:gd name="connisteX6" fmla="*/ 51435 w 3935730"/>
+              <a:gd name="connsiteY6" fmla="*/ 678815 h 944880"/>
+              <a:gd name="connisteX7" fmla="*/ 3514725 w 3935730"/>
+              <a:gd name="connsiteY7" fmla="*/ 214630 h 944880"/>
+              <a:gd name="connisteX8" fmla="*/ 369570 w 3935730"/>
+              <a:gd name="connsiteY8" fmla="*/ 704215 h 944880"/>
+              <a:gd name="connisteX9" fmla="*/ 3695700 w 3935730"/>
+              <a:gd name="connsiteY9" fmla="*/ 274955 h 944880"/>
+              <a:gd name="connisteX10" fmla="*/ 180340 w 3935730"/>
+              <a:gd name="connsiteY10" fmla="*/ 833120 h 944880"/>
+              <a:gd name="connisteX11" fmla="*/ 3695700 w 3935730"/>
+              <a:gd name="connsiteY11" fmla="*/ 351790 h 944880"/>
+              <a:gd name="connisteX12" fmla="*/ 0 w 3935730"/>
+              <a:gd name="connsiteY12" fmla="*/ 944880 h 944880"/>
+              <a:gd name="connisteX13" fmla="*/ 3935730 w 3935730"/>
+              <a:gd name="connsiteY13" fmla="*/ 360680 h 944880"/>
+            </a:gdLst>
+            <a:ahLst/>
+            <a:cxnLst>
+              <a:cxn ang="0">
+                <a:pos x="connisteX0" y="connsiteY0"/>
+              </a:cxn>
+              <a:cxn ang="0">
+                <a:pos x="connisteX1" y="connsiteY1"/>
+              </a:cxn>
+              <a:cxn ang="0">
+                <a:pos x="connisteX2" y="connsiteY2"/>
+              </a:cxn>
+              <a:cxn ang="0">
+                <a:pos x="connisteX3" y="connsiteY3"/>
+              </a:cxn>
+              <a:cxn ang="0">
+                <a:pos x="connisteX4" y="connsiteY4"/>
+              </a:cxn>
+              <a:cxn ang="0">
+                <a:pos x="connisteX5" y="connsiteY5"/>
+              </a:cxn>
+              <a:cxn ang="0">
+                <a:pos x="connisteX6" y="connsiteY6"/>
+              </a:cxn>
+              <a:cxn ang="0">
+                <a:pos x="connisteX7" y="connsiteY7"/>
+              </a:cxn>
+              <a:cxn ang="0">
+                <a:pos x="connisteX8" y="connsiteY8"/>
+              </a:cxn>
+              <a:cxn ang="0">
+                <a:pos x="connisteX9" y="connsiteY9"/>
+              </a:cxn>
+              <a:cxn ang="0">
+                <a:pos x="connisteX10" y="connsiteY10"/>
+              </a:cxn>
+              <a:cxn ang="0">
+                <a:pos x="connisteX11" y="connsiteY11"/>
+              </a:cxn>
+              <a:cxn ang="0">
+                <a:pos x="connisteX12" y="connsiteY12"/>
+              </a:cxn>
+              <a:cxn ang="0">
+                <a:pos x="connisteX13" y="connsiteY13"/>
+              </a:cxn>
+            </a:cxnLst>
+            <a:rect l="l" t="t" r="r" b="b"/>
+            <a:pathLst>
+              <a:path w="3935730" h="944880">
+                <a:moveTo>
+                  <a:pt x="257810" y="429260"/>
+                </a:moveTo>
+                <a:lnTo>
+                  <a:pt x="3394710" y="0"/>
+                </a:lnTo>
+                <a:lnTo>
+                  <a:pt x="26035" y="541020"/>
+                </a:lnTo>
+                <a:lnTo>
+                  <a:pt x="3575050" y="51435"/>
+                </a:lnTo>
+                <a:lnTo>
+                  <a:pt x="172085" y="601345"/>
+                </a:lnTo>
+                <a:lnTo>
+                  <a:pt x="3652520" y="128905"/>
+                </a:lnTo>
+                <a:lnTo>
+                  <a:pt x="51435" y="678815"/>
+                </a:lnTo>
+                <a:lnTo>
+                  <a:pt x="3514725" y="214630"/>
+                </a:lnTo>
+                <a:lnTo>
+                  <a:pt x="369570" y="704215"/>
+                </a:lnTo>
+                <a:lnTo>
+                  <a:pt x="3695700" y="274955"/>
+                </a:lnTo>
+                <a:lnTo>
+                  <a:pt x="180340" y="833120"/>
+                </a:lnTo>
+                <a:lnTo>
+                  <a:pt x="3695700" y="351790"/>
+                </a:lnTo>
+                <a:lnTo>
+                  <a:pt x="0" y="944880"/>
+                </a:lnTo>
+                <a:lnTo>
+                  <a:pt x="3935730" y="360680"/>
+                </a:lnTo>
+              </a:path>
+            </a:pathLst>
+          </a:custGeom>
+          <a:noFill/>
+          <a:ln w="203200">
+            <a:solidFill>
+              <a:schemeClr val="accent4">
+                <a:lumMod val="40000"/>
+                <a:lumOff val="60000"/>
+              </a:schemeClr>
+            </a:solidFill>
+          </a:ln>
+          <a:effectLst>
+            <a:softEdge rad="63500"/>
+          </a:effectLst>
+        </p:spPr>
+        <p:style>
+          <a:lnRef idx="2">
+            <a:schemeClr val="accent1">
+              <a:shade val="50000"/>
+            </a:schemeClr>
+          </a:lnRef>
+          <a:fillRef idx="1">
+            <a:schemeClr val="accent1"/>
+          </a:fillRef>
+          <a:effectRef idx="0">
+            <a:schemeClr val="accent1"/>
+          </a:effectRef>
+          <a:fontRef idx="minor">
+            <a:schemeClr val="lt1"/>
+          </a:fontRef>
+        </p:style>
+        <p:txBody>
+          <a:bodyPr rtlCol="0" anchor="ctr"/>
+          <a:p>
+            <a:pPr algn="ctr"/>
+            <a:endParaRPr lang="zh-CN" altLang="en-US"/>
+          </a:p>
+        </p:txBody>
+      </p:sp>
+      <p:sp>
+        <p:nvSpPr>
+          <p:cNvPr id="2" name="标题 1"/>
+          <p:cNvSpPr>
+            <a:spLocks noGrp="1"/>
+          </p:cNvSpPr>
+          <p:nvPr>
+            <p:ph type="title"/>
+          </p:nvPr>
+        </p:nvSpPr>
+        <p:spPr>
+          <a:xfrm>
+            <a:off x="5132070" y="245745"/>
+            <a:ext cx="2136775" cy="817245"/>
+          </a:xfrm>
+        </p:spPr>
+        <p:txBody>
+          <a:bodyPr>
+            <a:normAutofit fontScale="90000"/>
+          </a:bodyPr>
+          <a:p>
+            <a:r>
+              <a:rPr lang="en-US" altLang="zh-CN">
+                <a:latin typeface="Aa小梨涡" panose="02010600010101010101" charset="-122"/>
+                <a:ea typeface="Aa小梨涡" panose="02010600010101010101" charset="-122"/>
+              </a:rPr>
+              <a:t>1.</a:t>
+            </a:r>
+            <a:r>
+              <a:rPr lang="zh-CN" altLang="en-US">
+                <a:latin typeface="Aa小梨涡" panose="02010600010101010101" charset="-122"/>
+                <a:ea typeface="Aa小梨涡" panose="02010600010101010101" charset="-122"/>
+              </a:rPr>
+              <a:t>开篇词</a:t>
+            </a:r>
+            <a:endParaRPr lang="zh-CN" altLang="en-US">
+              <a:latin typeface="Aa小梨涡" panose="02010600010101010101" charset="-122"/>
+              <a:ea typeface="Aa小梨涡" panose="02010600010101010101" charset="-122"/>
+            </a:endParaRPr>
+          </a:p>
+        </p:txBody>
+      </p:sp>
+      <p:sp>
+        <p:nvSpPr>
+          <p:cNvPr id="20" name="任意多边形 19"/>
+          <p:cNvSpPr/>
+          <p:nvPr/>
+        </p:nvSpPr>
+        <p:spPr>
+          <a:xfrm rot="10320000">
+            <a:off x="4344035" y="897890"/>
+            <a:ext cx="3456305" cy="76200"/>
+          </a:xfrm>
+          <a:custGeom>
+            <a:avLst/>
+            <a:gdLst>
+              <a:gd name="connisteX0" fmla="*/ 4685923 w 4685923"/>
+              <a:gd name="connsiteY0" fmla="*/ 9525 h 464575"/>
+              <a:gd name="connisteX1" fmla="*/ 548898 w 4685923"/>
+              <a:gd name="connsiteY1" fmla="*/ 238125 h 464575"/>
+              <a:gd name="connisteX2" fmla="*/ 672723 w 4685923"/>
+              <a:gd name="connsiteY2" fmla="*/ 456565 h 464575"/>
+              <a:gd name="connisteX3" fmla="*/ 4638298 w 4685923"/>
+              <a:gd name="connsiteY3" fmla="*/ 0 h 464575"/>
+            </a:gdLst>
+            <a:ahLst/>
+            <a:cxnLst>
+              <a:cxn ang="0">
+                <a:pos x="connisteX0" y="connsiteY0"/>
+              </a:cxn>
+              <a:cxn ang="0">
+                <a:pos x="connisteX1" y="connsiteY1"/>
+              </a:cxn>
+              <a:cxn ang="0">
+                <a:pos x="connisteX2" y="connsiteY2"/>
+              </a:cxn>
+              <a:cxn ang="0">
+                <a:pos x="connisteX3" y="connsiteY3"/>
+              </a:cxn>
+            </a:cxnLst>
+            <a:rect l="l" t="t" r="r" b="b"/>
+            <a:pathLst>
+              <a:path w="4685923" h="464576">
+                <a:moveTo>
+                  <a:pt x="4685923" y="9525"/>
+                </a:moveTo>
+                <a:cubicBezTo>
+                  <a:pt x="3855978" y="50800"/>
+                  <a:pt x="1351538" y="148590"/>
+                  <a:pt x="548898" y="238125"/>
+                </a:cubicBezTo>
+                <a:cubicBezTo>
+                  <a:pt x="-253742" y="327660"/>
+                  <a:pt x="-145157" y="504190"/>
+                  <a:pt x="672723" y="456565"/>
+                </a:cubicBezTo>
+                <a:cubicBezTo>
+                  <a:pt x="1490603" y="408940"/>
+                  <a:pt x="3847723" y="95885"/>
+                  <a:pt x="4638298" y="0"/>
+                </a:cubicBezTo>
+              </a:path>
+            </a:pathLst>
+          </a:custGeom>
+          <a:solidFill>
+            <a:schemeClr val="accent5"/>
+          </a:solidFill>
+          <a:ln>
+            <a:noFill/>
+          </a:ln>
+        </p:spPr>
+        <p:style>
+          <a:lnRef idx="2">
+            <a:schemeClr val="accent1">
+              <a:shade val="50000"/>
+            </a:schemeClr>
+          </a:lnRef>
+          <a:fillRef idx="1">
+            <a:schemeClr val="accent1"/>
+          </a:fillRef>
+          <a:effectRef idx="0">
+            <a:schemeClr val="accent1"/>
+          </a:effectRef>
+          <a:fontRef idx="minor">
+            <a:schemeClr val="lt1"/>
+          </a:fontRef>
+        </p:style>
+        <p:txBody>
+          <a:bodyPr rtlCol="0" anchor="ctr"/>
+          <a:p>
+            <a:pPr algn="ctr"/>
+            <a:endParaRPr lang="zh-CN" altLang="en-US"/>
+          </a:p>
+        </p:txBody>
+      </p:sp>
+    </p:spTree>
+  </p:cSld>
+  <p:clrMapOvr>
+    <a:masterClrMapping/>
+  </p:clrMapOvr>
+</p:sld>
+</file>
+
+<file path=ppt/slides/slide34.xml><?xml version="1.0" encoding="utf-8"?>
+<p:sld xmlns:a="http://schemas.openxmlformats.org/drawingml/2006/main" xmlns:r="http://schemas.openxmlformats.org/officeDocument/2006/relationships" xmlns:p="http://schemas.openxmlformats.org/presentationml/2006/main">
+  <p:cSld>
+    <p:spTree>
+      <p:nvGrpSpPr>
+        <p:cNvPr id="1" name=""/>
+        <p:cNvGrpSpPr/>
+        <p:nvPr/>
+      </p:nvGrpSpPr>
+      <p:grpSpPr/>
+      <p:sp>
+        <p:nvSpPr>
+          <p:cNvPr id="18" name="任意多边形 17"/>
+          <p:cNvSpPr/>
+          <p:nvPr/>
+        </p:nvSpPr>
+        <p:spPr>
+          <a:xfrm rot="600000">
+            <a:off x="5342086" y="122979"/>
+            <a:ext cx="1728000" cy="944245"/>
+          </a:xfrm>
+          <a:custGeom>
+            <a:avLst/>
+            <a:gdLst>
+              <a:gd name="connisteX0" fmla="*/ 257810 w 3935730"/>
+              <a:gd name="connsiteY0" fmla="*/ 429260 h 944880"/>
+              <a:gd name="connisteX1" fmla="*/ 3394710 w 3935730"/>
+              <a:gd name="connsiteY1" fmla="*/ 0 h 944880"/>
+              <a:gd name="connisteX2" fmla="*/ 26035 w 3935730"/>
+              <a:gd name="connsiteY2" fmla="*/ 541020 h 944880"/>
+              <a:gd name="connisteX3" fmla="*/ 3575050 w 3935730"/>
+              <a:gd name="connsiteY3" fmla="*/ 51435 h 944880"/>
+              <a:gd name="connisteX4" fmla="*/ 172085 w 3935730"/>
+              <a:gd name="connsiteY4" fmla="*/ 601345 h 944880"/>
+              <a:gd name="connisteX5" fmla="*/ 3652520 w 3935730"/>
+              <a:gd name="connsiteY5" fmla="*/ 128905 h 944880"/>
+              <a:gd name="connisteX6" fmla="*/ 51435 w 3935730"/>
+              <a:gd name="connsiteY6" fmla="*/ 678815 h 944880"/>
+              <a:gd name="connisteX7" fmla="*/ 3514725 w 3935730"/>
+              <a:gd name="connsiteY7" fmla="*/ 214630 h 944880"/>
+              <a:gd name="connisteX8" fmla="*/ 369570 w 3935730"/>
+              <a:gd name="connsiteY8" fmla="*/ 704215 h 944880"/>
+              <a:gd name="connisteX9" fmla="*/ 3695700 w 3935730"/>
+              <a:gd name="connsiteY9" fmla="*/ 274955 h 944880"/>
+              <a:gd name="connisteX10" fmla="*/ 180340 w 3935730"/>
+              <a:gd name="connsiteY10" fmla="*/ 833120 h 944880"/>
+              <a:gd name="connisteX11" fmla="*/ 3695700 w 3935730"/>
+              <a:gd name="connsiteY11" fmla="*/ 351790 h 944880"/>
+              <a:gd name="connisteX12" fmla="*/ 0 w 3935730"/>
+              <a:gd name="connsiteY12" fmla="*/ 944880 h 944880"/>
+              <a:gd name="connisteX13" fmla="*/ 3935730 w 3935730"/>
+              <a:gd name="connsiteY13" fmla="*/ 360680 h 944880"/>
+            </a:gdLst>
+            <a:ahLst/>
+            <a:cxnLst>
+              <a:cxn ang="0">
+                <a:pos x="connisteX0" y="connsiteY0"/>
+              </a:cxn>
+              <a:cxn ang="0">
+                <a:pos x="connisteX1" y="connsiteY1"/>
+              </a:cxn>
+              <a:cxn ang="0">
+                <a:pos x="connisteX2" y="connsiteY2"/>
+              </a:cxn>
+              <a:cxn ang="0">
+                <a:pos x="connisteX3" y="connsiteY3"/>
+              </a:cxn>
+              <a:cxn ang="0">
+                <a:pos x="connisteX4" y="connsiteY4"/>
+              </a:cxn>
+              <a:cxn ang="0">
+                <a:pos x="connisteX5" y="connsiteY5"/>
+              </a:cxn>
+              <a:cxn ang="0">
+                <a:pos x="connisteX6" y="connsiteY6"/>
+              </a:cxn>
+              <a:cxn ang="0">
+                <a:pos x="connisteX7" y="connsiteY7"/>
+              </a:cxn>
+              <a:cxn ang="0">
+                <a:pos x="connisteX8" y="connsiteY8"/>
+              </a:cxn>
+              <a:cxn ang="0">
+                <a:pos x="connisteX9" y="connsiteY9"/>
+              </a:cxn>
+              <a:cxn ang="0">
+                <a:pos x="connisteX10" y="connsiteY10"/>
+              </a:cxn>
+              <a:cxn ang="0">
+                <a:pos x="connisteX11" y="connsiteY11"/>
+              </a:cxn>
+              <a:cxn ang="0">
+                <a:pos x="connisteX12" y="connsiteY12"/>
+              </a:cxn>
+              <a:cxn ang="0">
+                <a:pos x="connisteX13" y="connsiteY13"/>
+              </a:cxn>
+            </a:cxnLst>
+            <a:rect l="l" t="t" r="r" b="b"/>
+            <a:pathLst>
+              <a:path w="3935730" h="944880">
+                <a:moveTo>
+                  <a:pt x="257810" y="429260"/>
+                </a:moveTo>
+                <a:lnTo>
+                  <a:pt x="3394710" y="0"/>
+                </a:lnTo>
+                <a:lnTo>
+                  <a:pt x="26035" y="541020"/>
+                </a:lnTo>
+                <a:lnTo>
+                  <a:pt x="3575050" y="51435"/>
+                </a:lnTo>
+                <a:lnTo>
+                  <a:pt x="172085" y="601345"/>
+                </a:lnTo>
+                <a:lnTo>
+                  <a:pt x="3652520" y="128905"/>
+                </a:lnTo>
+                <a:lnTo>
+                  <a:pt x="51435" y="678815"/>
+                </a:lnTo>
+                <a:lnTo>
+                  <a:pt x="3514725" y="214630"/>
+                </a:lnTo>
+                <a:lnTo>
+                  <a:pt x="369570" y="704215"/>
+                </a:lnTo>
+                <a:lnTo>
+                  <a:pt x="3695700" y="274955"/>
+                </a:lnTo>
+                <a:lnTo>
+                  <a:pt x="180340" y="833120"/>
+                </a:lnTo>
+                <a:lnTo>
+                  <a:pt x="3695700" y="351790"/>
+                </a:lnTo>
+                <a:lnTo>
+                  <a:pt x="0" y="944880"/>
+                </a:lnTo>
+                <a:lnTo>
+                  <a:pt x="3935730" y="360680"/>
+                </a:lnTo>
+              </a:path>
+            </a:pathLst>
+          </a:custGeom>
+          <a:noFill/>
+          <a:ln w="203200">
+            <a:solidFill>
+              <a:schemeClr val="accent4">
+                <a:lumMod val="40000"/>
+                <a:lumOff val="60000"/>
+              </a:schemeClr>
+            </a:solidFill>
+          </a:ln>
+          <a:effectLst>
+            <a:softEdge rad="63500"/>
+          </a:effectLst>
+        </p:spPr>
+        <p:style>
+          <a:lnRef idx="2">
+            <a:schemeClr val="accent1">
+              <a:shade val="50000"/>
+            </a:schemeClr>
+          </a:lnRef>
+          <a:fillRef idx="1">
+            <a:schemeClr val="accent1"/>
+          </a:fillRef>
+          <a:effectRef idx="0">
+            <a:schemeClr val="accent1"/>
+          </a:effectRef>
+          <a:fontRef idx="minor">
+            <a:schemeClr val="lt1"/>
+          </a:fontRef>
+        </p:style>
+        <p:txBody>
+          <a:bodyPr rtlCol="0" anchor="ctr"/>
+          <a:p>
+            <a:pPr algn="ctr"/>
+            <a:endParaRPr lang="zh-CN" altLang="en-US"/>
+          </a:p>
+        </p:txBody>
+      </p:sp>
+      <p:sp>
+        <p:nvSpPr>
+          <p:cNvPr id="2" name="标题 1"/>
+          <p:cNvSpPr>
+            <a:spLocks noGrp="1"/>
+          </p:cNvSpPr>
+          <p:nvPr>
+            <p:ph type="title"/>
+          </p:nvPr>
+        </p:nvSpPr>
+        <p:spPr>
+          <a:xfrm>
+            <a:off x="5132070" y="245745"/>
+            <a:ext cx="2136775" cy="817245"/>
+          </a:xfrm>
+        </p:spPr>
+        <p:txBody>
+          <a:bodyPr>
+            <a:normAutofit fontScale="90000"/>
+          </a:bodyPr>
+          <a:p>
+            <a:r>
+              <a:rPr lang="en-US" altLang="zh-CN">
+                <a:latin typeface="Aa小梨涡" panose="02010600010101010101" charset="-122"/>
+                <a:ea typeface="Aa小梨涡" panose="02010600010101010101" charset="-122"/>
+              </a:rPr>
+              <a:t>1.</a:t>
+            </a:r>
+            <a:r>
+              <a:rPr lang="zh-CN" altLang="en-US">
+                <a:latin typeface="Aa小梨涡" panose="02010600010101010101" charset="-122"/>
+                <a:ea typeface="Aa小梨涡" panose="02010600010101010101" charset="-122"/>
+              </a:rPr>
+              <a:t>开篇词</a:t>
+            </a:r>
+            <a:endParaRPr lang="zh-CN" altLang="en-US">
+              <a:latin typeface="Aa小梨涡" panose="02010600010101010101" charset="-122"/>
+              <a:ea typeface="Aa小梨涡" panose="02010600010101010101" charset="-122"/>
+            </a:endParaRPr>
+          </a:p>
+        </p:txBody>
+      </p:sp>
+      <p:sp>
+        <p:nvSpPr>
+          <p:cNvPr id="20" name="任意多边形 19"/>
+          <p:cNvSpPr/>
+          <p:nvPr/>
+        </p:nvSpPr>
+        <p:spPr>
+          <a:xfrm rot="10320000">
+            <a:off x="4344035" y="897890"/>
+            <a:ext cx="3456305" cy="76200"/>
+          </a:xfrm>
+          <a:custGeom>
+            <a:avLst/>
+            <a:gdLst>
+              <a:gd name="connisteX0" fmla="*/ 4685923 w 4685923"/>
+              <a:gd name="connsiteY0" fmla="*/ 9525 h 464575"/>
+              <a:gd name="connisteX1" fmla="*/ 548898 w 4685923"/>
+              <a:gd name="connsiteY1" fmla="*/ 238125 h 464575"/>
+              <a:gd name="connisteX2" fmla="*/ 672723 w 4685923"/>
+              <a:gd name="connsiteY2" fmla="*/ 456565 h 464575"/>
+              <a:gd name="connisteX3" fmla="*/ 4638298 w 4685923"/>
+              <a:gd name="connsiteY3" fmla="*/ 0 h 464575"/>
+            </a:gdLst>
+            <a:ahLst/>
+            <a:cxnLst>
+              <a:cxn ang="0">
+                <a:pos x="connisteX0" y="connsiteY0"/>
+              </a:cxn>
+              <a:cxn ang="0">
+                <a:pos x="connisteX1" y="connsiteY1"/>
+              </a:cxn>
+              <a:cxn ang="0">
+                <a:pos x="connisteX2" y="connsiteY2"/>
+              </a:cxn>
+              <a:cxn ang="0">
+                <a:pos x="connisteX3" y="connsiteY3"/>
+              </a:cxn>
+            </a:cxnLst>
+            <a:rect l="l" t="t" r="r" b="b"/>
+            <a:pathLst>
+              <a:path w="4685923" h="464576">
+                <a:moveTo>
+                  <a:pt x="4685923" y="9525"/>
+                </a:moveTo>
+                <a:cubicBezTo>
+                  <a:pt x="3855978" y="50800"/>
+                  <a:pt x="1351538" y="148590"/>
+                  <a:pt x="548898" y="238125"/>
+                </a:cubicBezTo>
+                <a:cubicBezTo>
+                  <a:pt x="-253742" y="327660"/>
+                  <a:pt x="-145157" y="504190"/>
+                  <a:pt x="672723" y="456565"/>
+                </a:cubicBezTo>
+                <a:cubicBezTo>
+                  <a:pt x="1490603" y="408940"/>
+                  <a:pt x="3847723" y="95885"/>
+                  <a:pt x="4638298" y="0"/>
+                </a:cubicBezTo>
+              </a:path>
+            </a:pathLst>
+          </a:custGeom>
+          <a:solidFill>
+            <a:schemeClr val="accent5"/>
+          </a:solidFill>
+          <a:ln>
+            <a:noFill/>
+          </a:ln>
+        </p:spPr>
+        <p:style>
+          <a:lnRef idx="2">
+            <a:schemeClr val="accent1">
+              <a:shade val="50000"/>
+            </a:schemeClr>
+          </a:lnRef>
+          <a:fillRef idx="1">
+            <a:schemeClr val="accent1"/>
+          </a:fillRef>
+          <a:effectRef idx="0">
+            <a:schemeClr val="accent1"/>
+          </a:effectRef>
+          <a:fontRef idx="minor">
+            <a:schemeClr val="lt1"/>
+          </a:fontRef>
+        </p:style>
+        <p:txBody>
+          <a:bodyPr rtlCol="0" anchor="ctr"/>
+          <a:p>
+            <a:pPr algn="ctr"/>
+            <a:endParaRPr lang="zh-CN" altLang="en-US"/>
+          </a:p>
+        </p:txBody>
+      </p:sp>
+    </p:spTree>
+  </p:cSld>
+  <p:clrMapOvr>
+    <a:masterClrMapping/>
+  </p:clrMapOvr>
+</p:sld>
+</file>
+
+<file path=ppt/slides/slide35.xml><?xml version="1.0" encoding="utf-8"?>
+<p:sld xmlns:a="http://schemas.openxmlformats.org/drawingml/2006/main" xmlns:r="http://schemas.openxmlformats.org/officeDocument/2006/relationships" xmlns:p="http://schemas.openxmlformats.org/presentationml/2006/main">
+  <p:cSld>
+    <p:spTree>
+      <p:nvGrpSpPr>
+        <p:cNvPr id="1" name=""/>
+        <p:cNvGrpSpPr/>
+        <p:nvPr/>
+      </p:nvGrpSpPr>
+      <p:grpSpPr/>
+      <p:sp>
+        <p:nvSpPr>
+          <p:cNvPr id="18" name="任意多边形 17"/>
+          <p:cNvSpPr/>
+          <p:nvPr/>
+        </p:nvSpPr>
+        <p:spPr>
+          <a:xfrm rot="600000">
+            <a:off x="5342086" y="122979"/>
+            <a:ext cx="1728000" cy="944245"/>
+          </a:xfrm>
+          <a:custGeom>
+            <a:avLst/>
+            <a:gdLst>
+              <a:gd name="connisteX0" fmla="*/ 257810 w 3935730"/>
+              <a:gd name="connsiteY0" fmla="*/ 429260 h 944880"/>
+              <a:gd name="connisteX1" fmla="*/ 3394710 w 3935730"/>
+              <a:gd name="connsiteY1" fmla="*/ 0 h 944880"/>
+              <a:gd name="connisteX2" fmla="*/ 26035 w 3935730"/>
+              <a:gd name="connsiteY2" fmla="*/ 541020 h 944880"/>
+              <a:gd name="connisteX3" fmla="*/ 3575050 w 3935730"/>
+              <a:gd name="connsiteY3" fmla="*/ 51435 h 944880"/>
+              <a:gd name="connisteX4" fmla="*/ 172085 w 3935730"/>
+              <a:gd name="connsiteY4" fmla="*/ 601345 h 944880"/>
+              <a:gd name="connisteX5" fmla="*/ 3652520 w 3935730"/>
+              <a:gd name="connsiteY5" fmla="*/ 128905 h 944880"/>
+              <a:gd name="connisteX6" fmla="*/ 51435 w 3935730"/>
+              <a:gd name="connsiteY6" fmla="*/ 678815 h 944880"/>
+              <a:gd name="connisteX7" fmla="*/ 3514725 w 3935730"/>
+              <a:gd name="connsiteY7" fmla="*/ 214630 h 944880"/>
+              <a:gd name="connisteX8" fmla="*/ 369570 w 3935730"/>
+              <a:gd name="connsiteY8" fmla="*/ 704215 h 944880"/>
+              <a:gd name="connisteX9" fmla="*/ 3695700 w 3935730"/>
+              <a:gd name="connsiteY9" fmla="*/ 274955 h 944880"/>
+              <a:gd name="connisteX10" fmla="*/ 180340 w 3935730"/>
+              <a:gd name="connsiteY10" fmla="*/ 833120 h 944880"/>
+              <a:gd name="connisteX11" fmla="*/ 3695700 w 3935730"/>
+              <a:gd name="connsiteY11" fmla="*/ 351790 h 944880"/>
+              <a:gd name="connisteX12" fmla="*/ 0 w 3935730"/>
+              <a:gd name="connsiteY12" fmla="*/ 944880 h 944880"/>
+              <a:gd name="connisteX13" fmla="*/ 3935730 w 3935730"/>
+              <a:gd name="connsiteY13" fmla="*/ 360680 h 944880"/>
+            </a:gdLst>
+            <a:ahLst/>
+            <a:cxnLst>
+              <a:cxn ang="0">
+                <a:pos x="connisteX0" y="connsiteY0"/>
+              </a:cxn>
+              <a:cxn ang="0">
+                <a:pos x="connisteX1" y="connsiteY1"/>
+              </a:cxn>
+              <a:cxn ang="0">
+                <a:pos x="connisteX2" y="connsiteY2"/>
+              </a:cxn>
+              <a:cxn ang="0">
+                <a:pos x="connisteX3" y="connsiteY3"/>
+              </a:cxn>
+              <a:cxn ang="0">
+                <a:pos x="connisteX4" y="connsiteY4"/>
+              </a:cxn>
+              <a:cxn ang="0">
+                <a:pos x="connisteX5" y="connsiteY5"/>
+              </a:cxn>
+              <a:cxn ang="0">
+                <a:pos x="connisteX6" y="connsiteY6"/>
+              </a:cxn>
+              <a:cxn ang="0">
+                <a:pos x="connisteX7" y="connsiteY7"/>
+              </a:cxn>
+              <a:cxn ang="0">
+                <a:pos x="connisteX8" y="connsiteY8"/>
+              </a:cxn>
+              <a:cxn ang="0">
+                <a:pos x="connisteX9" y="connsiteY9"/>
+              </a:cxn>
+              <a:cxn ang="0">
+                <a:pos x="connisteX10" y="connsiteY10"/>
+              </a:cxn>
+              <a:cxn ang="0">
+                <a:pos x="connisteX11" y="connsiteY11"/>
+              </a:cxn>
+              <a:cxn ang="0">
+                <a:pos x="connisteX12" y="connsiteY12"/>
+              </a:cxn>
+              <a:cxn ang="0">
+                <a:pos x="connisteX13" y="connsiteY13"/>
+              </a:cxn>
+            </a:cxnLst>
+            <a:rect l="l" t="t" r="r" b="b"/>
+            <a:pathLst>
+              <a:path w="3935730" h="944880">
+                <a:moveTo>
+                  <a:pt x="257810" y="429260"/>
+                </a:moveTo>
+                <a:lnTo>
+                  <a:pt x="3394710" y="0"/>
+                </a:lnTo>
+                <a:lnTo>
+                  <a:pt x="26035" y="541020"/>
+                </a:lnTo>
+                <a:lnTo>
+                  <a:pt x="3575050" y="51435"/>
+                </a:lnTo>
+                <a:lnTo>
+                  <a:pt x="172085" y="601345"/>
+                </a:lnTo>
+                <a:lnTo>
+                  <a:pt x="3652520" y="128905"/>
+                </a:lnTo>
+                <a:lnTo>
+                  <a:pt x="51435" y="678815"/>
+                </a:lnTo>
+                <a:lnTo>
+                  <a:pt x="3514725" y="214630"/>
+                </a:lnTo>
+                <a:lnTo>
+                  <a:pt x="369570" y="704215"/>
+                </a:lnTo>
+                <a:lnTo>
+                  <a:pt x="3695700" y="274955"/>
+                </a:lnTo>
+                <a:lnTo>
+                  <a:pt x="180340" y="833120"/>
+                </a:lnTo>
+                <a:lnTo>
+                  <a:pt x="3695700" y="351790"/>
+                </a:lnTo>
+                <a:lnTo>
+                  <a:pt x="0" y="944880"/>
+                </a:lnTo>
+                <a:lnTo>
+                  <a:pt x="3935730" y="360680"/>
+                </a:lnTo>
+              </a:path>
+            </a:pathLst>
+          </a:custGeom>
+          <a:noFill/>
+          <a:ln w="203200">
+            <a:solidFill>
+              <a:schemeClr val="accent4">
+                <a:lumMod val="40000"/>
+                <a:lumOff val="60000"/>
+              </a:schemeClr>
+            </a:solidFill>
+          </a:ln>
+          <a:effectLst>
+            <a:softEdge rad="63500"/>
+          </a:effectLst>
+        </p:spPr>
+        <p:style>
+          <a:lnRef idx="2">
+            <a:schemeClr val="accent1">
+              <a:shade val="50000"/>
+            </a:schemeClr>
+          </a:lnRef>
+          <a:fillRef idx="1">
+            <a:schemeClr val="accent1"/>
+          </a:fillRef>
+          <a:effectRef idx="0">
+            <a:schemeClr val="accent1"/>
+          </a:effectRef>
+          <a:fontRef idx="minor">
+            <a:schemeClr val="lt1"/>
+          </a:fontRef>
+        </p:style>
+        <p:txBody>
+          <a:bodyPr rtlCol="0" anchor="ctr"/>
+          <a:p>
+            <a:pPr algn="ctr"/>
+            <a:endParaRPr lang="zh-CN" altLang="en-US"/>
+          </a:p>
+        </p:txBody>
+      </p:sp>
+      <p:sp>
+        <p:nvSpPr>
+          <p:cNvPr id="2" name="标题 1"/>
+          <p:cNvSpPr>
+            <a:spLocks noGrp="1"/>
+          </p:cNvSpPr>
+          <p:nvPr>
+            <p:ph type="title"/>
+          </p:nvPr>
+        </p:nvSpPr>
+        <p:spPr>
+          <a:xfrm>
+            <a:off x="5132070" y="245745"/>
+            <a:ext cx="2136775" cy="817245"/>
+          </a:xfrm>
+        </p:spPr>
+        <p:txBody>
+          <a:bodyPr>
+            <a:normAutofit fontScale="90000"/>
+          </a:bodyPr>
+          <a:p>
+            <a:r>
+              <a:rPr lang="en-US" altLang="zh-CN">
+                <a:latin typeface="Aa小梨涡" panose="02010600010101010101" charset="-122"/>
+                <a:ea typeface="Aa小梨涡" panose="02010600010101010101" charset="-122"/>
+              </a:rPr>
+              <a:t>1.</a:t>
+            </a:r>
+            <a:r>
+              <a:rPr lang="zh-CN" altLang="en-US">
+                <a:latin typeface="Aa小梨涡" panose="02010600010101010101" charset="-122"/>
+                <a:ea typeface="Aa小梨涡" panose="02010600010101010101" charset="-122"/>
+              </a:rPr>
+              <a:t>开篇词</a:t>
+            </a:r>
+            <a:endParaRPr lang="zh-CN" altLang="en-US">
+              <a:latin typeface="Aa小梨涡" panose="02010600010101010101" charset="-122"/>
+              <a:ea typeface="Aa小梨涡" panose="02010600010101010101" charset="-122"/>
+            </a:endParaRPr>
+          </a:p>
+        </p:txBody>
+      </p:sp>
+      <p:sp>
+        <p:nvSpPr>
+          <p:cNvPr id="20" name="任意多边形 19"/>
+          <p:cNvSpPr/>
+          <p:nvPr/>
+        </p:nvSpPr>
+        <p:spPr>
+          <a:xfrm rot="10320000">
+            <a:off x="4344035" y="897890"/>
+            <a:ext cx="3456305" cy="76200"/>
+          </a:xfrm>
+          <a:custGeom>
+            <a:avLst/>
+            <a:gdLst>
+              <a:gd name="connisteX0" fmla="*/ 4685923 w 4685923"/>
+              <a:gd name="connsiteY0" fmla="*/ 9525 h 464575"/>
+              <a:gd name="connisteX1" fmla="*/ 548898 w 4685923"/>
+              <a:gd name="connsiteY1" fmla="*/ 238125 h 464575"/>
+              <a:gd name="connisteX2" fmla="*/ 672723 w 4685923"/>
+              <a:gd name="connsiteY2" fmla="*/ 456565 h 464575"/>
+              <a:gd name="connisteX3" fmla="*/ 4638298 w 4685923"/>
+              <a:gd name="connsiteY3" fmla="*/ 0 h 464575"/>
+            </a:gdLst>
+            <a:ahLst/>
+            <a:cxnLst>
+              <a:cxn ang="0">
+                <a:pos x="connisteX0" y="connsiteY0"/>
+              </a:cxn>
+              <a:cxn ang="0">
+                <a:pos x="connisteX1" y="connsiteY1"/>
+              </a:cxn>
+              <a:cxn ang="0">
+                <a:pos x="connisteX2" y="connsiteY2"/>
+              </a:cxn>
+              <a:cxn ang="0">
+                <a:pos x="connisteX3" y="connsiteY3"/>
+              </a:cxn>
+            </a:cxnLst>
+            <a:rect l="l" t="t" r="r" b="b"/>
+            <a:pathLst>
+              <a:path w="4685923" h="464576">
+                <a:moveTo>
+                  <a:pt x="4685923" y="9525"/>
+                </a:moveTo>
+                <a:cubicBezTo>
+                  <a:pt x="3855978" y="50800"/>
+                  <a:pt x="1351538" y="148590"/>
+                  <a:pt x="548898" y="238125"/>
+                </a:cubicBezTo>
+                <a:cubicBezTo>
+                  <a:pt x="-253742" y="327660"/>
+                  <a:pt x="-145157" y="504190"/>
+                  <a:pt x="672723" y="456565"/>
+                </a:cubicBezTo>
+                <a:cubicBezTo>
+                  <a:pt x="1490603" y="408940"/>
+                  <a:pt x="3847723" y="95885"/>
+                  <a:pt x="4638298" y="0"/>
+                </a:cubicBezTo>
+              </a:path>
+            </a:pathLst>
+          </a:custGeom>
+          <a:solidFill>
+            <a:schemeClr val="accent5"/>
+          </a:solidFill>
+          <a:ln>
+            <a:noFill/>
+          </a:ln>
+        </p:spPr>
+        <p:style>
+          <a:lnRef idx="2">
+            <a:schemeClr val="accent1">
+              <a:shade val="50000"/>
+            </a:schemeClr>
+          </a:lnRef>
+          <a:fillRef idx="1">
+            <a:schemeClr val="accent1"/>
+          </a:fillRef>
+          <a:effectRef idx="0">
+            <a:schemeClr val="accent1"/>
+          </a:effectRef>
+          <a:fontRef idx="minor">
+            <a:schemeClr val="lt1"/>
+          </a:fontRef>
+        </p:style>
+        <p:txBody>
+          <a:bodyPr rtlCol="0" anchor="ctr"/>
+          <a:p>
+            <a:pPr algn="ctr"/>
+            <a:endParaRPr lang="zh-CN" altLang="en-US"/>
+          </a:p>
+        </p:txBody>
+      </p:sp>
+    </p:spTree>
+  </p:cSld>
+  <p:clrMapOvr>
+    <a:masterClrMapping/>
+  </p:clrMapOvr>
+</p:sld>
+</file>
+
+<file path=ppt/slides/slide36.xml><?xml version="1.0" encoding="utf-8"?>
+<p:sld xmlns:a="http://schemas.openxmlformats.org/drawingml/2006/main" xmlns:r="http://schemas.openxmlformats.org/officeDocument/2006/relationships" xmlns:p="http://schemas.openxmlformats.org/presentationml/2006/main">
+  <p:cSld>
+    <p:spTree>
+      <p:nvGrpSpPr>
+        <p:cNvPr id="1" name=""/>
+        <p:cNvGrpSpPr/>
+        <p:nvPr/>
+      </p:nvGrpSpPr>
+      <p:grpSpPr/>
+      <p:sp>
+        <p:nvSpPr>
+          <p:cNvPr id="18" name="任意多边形 17"/>
+          <p:cNvSpPr/>
+          <p:nvPr/>
+        </p:nvSpPr>
+        <p:spPr>
+          <a:xfrm rot="600000">
+            <a:off x="5342086" y="122979"/>
+            <a:ext cx="1728000" cy="944245"/>
+          </a:xfrm>
+          <a:custGeom>
+            <a:avLst/>
+            <a:gdLst>
+              <a:gd name="connisteX0" fmla="*/ 257810 w 3935730"/>
+              <a:gd name="connsiteY0" fmla="*/ 429260 h 944880"/>
+              <a:gd name="connisteX1" fmla="*/ 3394710 w 3935730"/>
+              <a:gd name="connsiteY1" fmla="*/ 0 h 944880"/>
+              <a:gd name="connisteX2" fmla="*/ 26035 w 3935730"/>
+              <a:gd name="connsiteY2" fmla="*/ 541020 h 944880"/>
+              <a:gd name="connisteX3" fmla="*/ 3575050 w 3935730"/>
+              <a:gd name="connsiteY3" fmla="*/ 51435 h 944880"/>
+              <a:gd name="connisteX4" fmla="*/ 172085 w 3935730"/>
+              <a:gd name="connsiteY4" fmla="*/ 601345 h 944880"/>
+              <a:gd name="connisteX5" fmla="*/ 3652520 w 3935730"/>
+              <a:gd name="connsiteY5" fmla="*/ 128905 h 944880"/>
+              <a:gd name="connisteX6" fmla="*/ 51435 w 3935730"/>
+              <a:gd name="connsiteY6" fmla="*/ 678815 h 944880"/>
+              <a:gd name="connisteX7" fmla="*/ 3514725 w 3935730"/>
+              <a:gd name="connsiteY7" fmla="*/ 214630 h 944880"/>
+              <a:gd name="connisteX8" fmla="*/ 369570 w 3935730"/>
+              <a:gd name="connsiteY8" fmla="*/ 704215 h 944880"/>
+              <a:gd name="connisteX9" fmla="*/ 3695700 w 3935730"/>
+              <a:gd name="connsiteY9" fmla="*/ 274955 h 944880"/>
+              <a:gd name="connisteX10" fmla="*/ 180340 w 3935730"/>
+              <a:gd name="connsiteY10" fmla="*/ 833120 h 944880"/>
+              <a:gd name="connisteX11" fmla="*/ 3695700 w 3935730"/>
+              <a:gd name="connsiteY11" fmla="*/ 351790 h 944880"/>
+              <a:gd name="connisteX12" fmla="*/ 0 w 3935730"/>
+              <a:gd name="connsiteY12" fmla="*/ 944880 h 944880"/>
+              <a:gd name="connisteX13" fmla="*/ 3935730 w 3935730"/>
+              <a:gd name="connsiteY13" fmla="*/ 360680 h 944880"/>
+            </a:gdLst>
+            <a:ahLst/>
+            <a:cxnLst>
+              <a:cxn ang="0">
+                <a:pos x="connisteX0" y="connsiteY0"/>
+              </a:cxn>
+              <a:cxn ang="0">
+                <a:pos x="connisteX1" y="connsiteY1"/>
+              </a:cxn>
+              <a:cxn ang="0">
+                <a:pos x="connisteX2" y="connsiteY2"/>
+              </a:cxn>
+              <a:cxn ang="0">
+                <a:pos x="connisteX3" y="connsiteY3"/>
+              </a:cxn>
+              <a:cxn ang="0">
+                <a:pos x="connisteX4" y="connsiteY4"/>
+              </a:cxn>
+              <a:cxn ang="0">
+                <a:pos x="connisteX5" y="connsiteY5"/>
+              </a:cxn>
+              <a:cxn ang="0">
+                <a:pos x="connisteX6" y="connsiteY6"/>
+              </a:cxn>
+              <a:cxn ang="0">
+                <a:pos x="connisteX7" y="connsiteY7"/>
+              </a:cxn>
+              <a:cxn ang="0">
+                <a:pos x="connisteX8" y="connsiteY8"/>
+              </a:cxn>
+              <a:cxn ang="0">
+                <a:pos x="connisteX9" y="connsiteY9"/>
+              </a:cxn>
+              <a:cxn ang="0">
+                <a:pos x="connisteX10" y="connsiteY10"/>
+              </a:cxn>
+              <a:cxn ang="0">
+                <a:pos x="connisteX11" y="connsiteY11"/>
+              </a:cxn>
+              <a:cxn ang="0">
+                <a:pos x="connisteX12" y="connsiteY12"/>
+              </a:cxn>
+              <a:cxn ang="0">
+                <a:pos x="connisteX13" y="connsiteY13"/>
+              </a:cxn>
+            </a:cxnLst>
+            <a:rect l="l" t="t" r="r" b="b"/>
+            <a:pathLst>
+              <a:path w="3935730" h="944880">
+                <a:moveTo>
+                  <a:pt x="257810" y="429260"/>
+                </a:moveTo>
+                <a:lnTo>
+                  <a:pt x="3394710" y="0"/>
+                </a:lnTo>
+                <a:lnTo>
+                  <a:pt x="26035" y="541020"/>
+                </a:lnTo>
+                <a:lnTo>
+                  <a:pt x="3575050" y="51435"/>
+                </a:lnTo>
+                <a:lnTo>
+                  <a:pt x="172085" y="601345"/>
+                </a:lnTo>
+                <a:lnTo>
+                  <a:pt x="3652520" y="128905"/>
+                </a:lnTo>
+                <a:lnTo>
+                  <a:pt x="51435" y="678815"/>
+                </a:lnTo>
+                <a:lnTo>
+                  <a:pt x="3514725" y="214630"/>
+                </a:lnTo>
+                <a:lnTo>
+                  <a:pt x="369570" y="704215"/>
+                </a:lnTo>
+                <a:lnTo>
+                  <a:pt x="3695700" y="274955"/>
+                </a:lnTo>
+                <a:lnTo>
+                  <a:pt x="180340" y="833120"/>
+                </a:lnTo>
+                <a:lnTo>
+                  <a:pt x="3695700" y="351790"/>
+                </a:lnTo>
+                <a:lnTo>
+                  <a:pt x="0" y="944880"/>
+                </a:lnTo>
+                <a:lnTo>
+                  <a:pt x="3935730" y="360680"/>
+                </a:lnTo>
+              </a:path>
+            </a:pathLst>
+          </a:custGeom>
+          <a:noFill/>
+          <a:ln w="203200">
+            <a:solidFill>
+              <a:schemeClr val="accent4">
+                <a:lumMod val="40000"/>
+                <a:lumOff val="60000"/>
+              </a:schemeClr>
+            </a:solidFill>
+          </a:ln>
+          <a:effectLst>
+            <a:softEdge rad="63500"/>
+          </a:effectLst>
+        </p:spPr>
+        <p:style>
+          <a:lnRef idx="2">
+            <a:schemeClr val="accent1">
+              <a:shade val="50000"/>
+            </a:schemeClr>
+          </a:lnRef>
+          <a:fillRef idx="1">
+            <a:schemeClr val="accent1"/>
+          </a:fillRef>
+          <a:effectRef idx="0">
+            <a:schemeClr val="accent1"/>
+          </a:effectRef>
+          <a:fontRef idx="minor">
+            <a:schemeClr val="lt1"/>
+          </a:fontRef>
+        </p:style>
+        <p:txBody>
+          <a:bodyPr rtlCol="0" anchor="ctr"/>
+          <a:p>
+            <a:pPr algn="ctr"/>
+            <a:endParaRPr lang="zh-CN" altLang="en-US"/>
+          </a:p>
+        </p:txBody>
+      </p:sp>
+      <p:sp>
+        <p:nvSpPr>
+          <p:cNvPr id="2" name="标题 1"/>
+          <p:cNvSpPr>
+            <a:spLocks noGrp="1"/>
+          </p:cNvSpPr>
+          <p:nvPr>
+            <p:ph type="title"/>
+          </p:nvPr>
+        </p:nvSpPr>
+        <p:spPr>
+          <a:xfrm>
+            <a:off x="5132070" y="245745"/>
+            <a:ext cx="2136775" cy="817245"/>
+          </a:xfrm>
+        </p:spPr>
+        <p:txBody>
+          <a:bodyPr>
+            <a:normAutofit fontScale="90000"/>
+          </a:bodyPr>
+          <a:p>
+            <a:r>
+              <a:rPr lang="en-US" altLang="zh-CN">
+                <a:latin typeface="Aa小梨涡" panose="02010600010101010101" charset="-122"/>
+                <a:ea typeface="Aa小梨涡" panose="02010600010101010101" charset="-122"/>
+              </a:rPr>
+              <a:t>1.</a:t>
+            </a:r>
+            <a:r>
+              <a:rPr lang="zh-CN" altLang="en-US">
+                <a:latin typeface="Aa小梨涡" panose="02010600010101010101" charset="-122"/>
+                <a:ea typeface="Aa小梨涡" panose="02010600010101010101" charset="-122"/>
+              </a:rPr>
+              <a:t>开篇词</a:t>
+            </a:r>
+            <a:endParaRPr lang="zh-CN" altLang="en-US">
+              <a:latin typeface="Aa小梨涡" panose="02010600010101010101" charset="-122"/>
+              <a:ea typeface="Aa小梨涡" panose="02010600010101010101" charset="-122"/>
+            </a:endParaRPr>
+          </a:p>
+        </p:txBody>
+      </p:sp>
+      <p:sp>
+        <p:nvSpPr>
+          <p:cNvPr id="20" name="任意多边形 19"/>
+          <p:cNvSpPr/>
+          <p:nvPr/>
+        </p:nvSpPr>
+        <p:spPr>
+          <a:xfrm rot="10320000">
+            <a:off x="4344035" y="897890"/>
+            <a:ext cx="3456305" cy="76200"/>
+          </a:xfrm>
+          <a:custGeom>
+            <a:avLst/>
+            <a:gdLst>
+              <a:gd name="connisteX0" fmla="*/ 4685923 w 4685923"/>
+              <a:gd name="connsiteY0" fmla="*/ 9525 h 464575"/>
+              <a:gd name="connisteX1" fmla="*/ 548898 w 4685923"/>
+              <a:gd name="connsiteY1" fmla="*/ 238125 h 464575"/>
+              <a:gd name="connisteX2" fmla="*/ 672723 w 4685923"/>
+              <a:gd name="connsiteY2" fmla="*/ 456565 h 464575"/>
+              <a:gd name="connisteX3" fmla="*/ 4638298 w 4685923"/>
+              <a:gd name="connsiteY3" fmla="*/ 0 h 464575"/>
+            </a:gdLst>
+            <a:ahLst/>
+            <a:cxnLst>
+              <a:cxn ang="0">
+                <a:pos x="connisteX0" y="connsiteY0"/>
+              </a:cxn>
+              <a:cxn ang="0">
+                <a:pos x="connisteX1" y="connsiteY1"/>
+              </a:cxn>
+              <a:cxn ang="0">
+                <a:pos x="connisteX2" y="connsiteY2"/>
+              </a:cxn>
+              <a:cxn ang="0">
+                <a:pos x="connisteX3" y="connsiteY3"/>
+              </a:cxn>
+            </a:cxnLst>
+            <a:rect l="l" t="t" r="r" b="b"/>
+            <a:pathLst>
+              <a:path w="4685923" h="464576">
+                <a:moveTo>
+                  <a:pt x="4685923" y="9525"/>
+                </a:moveTo>
+                <a:cubicBezTo>
+                  <a:pt x="3855978" y="50800"/>
+                  <a:pt x="1351538" y="148590"/>
+                  <a:pt x="548898" y="238125"/>
+                </a:cubicBezTo>
+                <a:cubicBezTo>
+                  <a:pt x="-253742" y="327660"/>
+                  <a:pt x="-145157" y="504190"/>
+                  <a:pt x="672723" y="456565"/>
+                </a:cubicBezTo>
+                <a:cubicBezTo>
+                  <a:pt x="1490603" y="408940"/>
+                  <a:pt x="3847723" y="95885"/>
+                  <a:pt x="4638298" y="0"/>
+                </a:cubicBezTo>
+              </a:path>
+            </a:pathLst>
+          </a:custGeom>
+          <a:solidFill>
+            <a:schemeClr val="accent5"/>
+          </a:solidFill>
+          <a:ln>
+            <a:noFill/>
+          </a:ln>
+        </p:spPr>
+        <p:style>
+          <a:lnRef idx="2">
+            <a:schemeClr val="accent1">
+              <a:shade val="50000"/>
+            </a:schemeClr>
+          </a:lnRef>
+          <a:fillRef idx="1">
+            <a:schemeClr val="accent1"/>
+          </a:fillRef>
+          <a:effectRef idx="0">
+            <a:schemeClr val="accent1"/>
+          </a:effectRef>
+          <a:fontRef idx="minor">
+            <a:schemeClr val="lt1"/>
+          </a:fontRef>
+        </p:style>
+        <p:txBody>
+          <a:bodyPr rtlCol="0" anchor="ctr"/>
+          <a:p>
+            <a:pPr algn="ctr"/>
+            <a:endParaRPr lang="zh-CN" altLang="en-US"/>
+          </a:p>
+        </p:txBody>
+      </p:sp>
+    </p:spTree>
+  </p:cSld>
+  <p:clrMapOvr>
+    <a:masterClrMapping/>
+  </p:clrMapOvr>
+</p:sld>
+</file>
+
+<file path=ppt/slides/slide37.xml><?xml version="1.0" encoding="utf-8"?>
+<p:sld xmlns:a="http://schemas.openxmlformats.org/drawingml/2006/main" xmlns:r="http://schemas.openxmlformats.org/officeDocument/2006/relationships" xmlns:p="http://schemas.openxmlformats.org/presentationml/2006/main">
+  <p:cSld>
+    <p:spTree>
+      <p:nvGrpSpPr>
+        <p:cNvPr id="1" name=""/>
+        <p:cNvGrpSpPr/>
+        <p:nvPr/>
+      </p:nvGrpSpPr>
+      <p:grpSpPr/>
+      <p:sp>
+        <p:nvSpPr>
+          <p:cNvPr id="18" name="任意多边形 17"/>
+          <p:cNvSpPr/>
+          <p:nvPr/>
+        </p:nvSpPr>
+        <p:spPr>
+          <a:xfrm rot="600000">
+            <a:off x="5342086" y="122979"/>
+            <a:ext cx="1728000" cy="944245"/>
+          </a:xfrm>
+          <a:custGeom>
+            <a:avLst/>
+            <a:gdLst>
+              <a:gd name="connisteX0" fmla="*/ 257810 w 3935730"/>
+              <a:gd name="connsiteY0" fmla="*/ 429260 h 944880"/>
+              <a:gd name="connisteX1" fmla="*/ 3394710 w 3935730"/>
+              <a:gd name="connsiteY1" fmla="*/ 0 h 944880"/>
+              <a:gd name="connisteX2" fmla="*/ 26035 w 3935730"/>
+              <a:gd name="connsiteY2" fmla="*/ 541020 h 944880"/>
+              <a:gd name="connisteX3" fmla="*/ 3575050 w 3935730"/>
+              <a:gd name="connsiteY3" fmla="*/ 51435 h 944880"/>
+              <a:gd name="connisteX4" fmla="*/ 172085 w 3935730"/>
+              <a:gd name="connsiteY4" fmla="*/ 601345 h 944880"/>
+              <a:gd name="connisteX5" fmla="*/ 3652520 w 3935730"/>
+              <a:gd name="connsiteY5" fmla="*/ 128905 h 944880"/>
+              <a:gd name="connisteX6" fmla="*/ 51435 w 3935730"/>
+              <a:gd name="connsiteY6" fmla="*/ 678815 h 944880"/>
+              <a:gd name="connisteX7" fmla="*/ 3514725 w 3935730"/>
+              <a:gd name="connsiteY7" fmla="*/ 214630 h 944880"/>
+              <a:gd name="connisteX8" fmla="*/ 369570 w 3935730"/>
+              <a:gd name="connsiteY8" fmla="*/ 704215 h 944880"/>
+              <a:gd name="connisteX9" fmla="*/ 3695700 w 3935730"/>
+              <a:gd name="connsiteY9" fmla="*/ 274955 h 944880"/>
+              <a:gd name="connisteX10" fmla="*/ 180340 w 3935730"/>
+              <a:gd name="connsiteY10" fmla="*/ 833120 h 944880"/>
+              <a:gd name="connisteX11" fmla="*/ 3695700 w 3935730"/>
+              <a:gd name="connsiteY11" fmla="*/ 351790 h 944880"/>
+              <a:gd name="connisteX12" fmla="*/ 0 w 3935730"/>
+              <a:gd name="connsiteY12" fmla="*/ 944880 h 944880"/>
+              <a:gd name="connisteX13" fmla="*/ 3935730 w 3935730"/>
+              <a:gd name="connsiteY13" fmla="*/ 360680 h 944880"/>
+            </a:gdLst>
+            <a:ahLst/>
+            <a:cxnLst>
+              <a:cxn ang="0">
+                <a:pos x="connisteX0" y="connsiteY0"/>
+              </a:cxn>
+              <a:cxn ang="0">
+                <a:pos x="connisteX1" y="connsiteY1"/>
+              </a:cxn>
+              <a:cxn ang="0">
+                <a:pos x="connisteX2" y="connsiteY2"/>
+              </a:cxn>
+              <a:cxn ang="0">
+                <a:pos x="connisteX3" y="connsiteY3"/>
+              </a:cxn>
+              <a:cxn ang="0">
+                <a:pos x="connisteX4" y="connsiteY4"/>
+              </a:cxn>
+              <a:cxn ang="0">
+                <a:pos x="connisteX5" y="connsiteY5"/>
+              </a:cxn>
+              <a:cxn ang="0">
+                <a:pos x="connisteX6" y="connsiteY6"/>
+              </a:cxn>
+              <a:cxn ang="0">
+                <a:pos x="connisteX7" y="connsiteY7"/>
+              </a:cxn>
+              <a:cxn ang="0">
+                <a:pos x="connisteX8" y="connsiteY8"/>
+              </a:cxn>
+              <a:cxn ang="0">
+                <a:pos x="connisteX9" y="connsiteY9"/>
+              </a:cxn>
+              <a:cxn ang="0">
+                <a:pos x="connisteX10" y="connsiteY10"/>
+              </a:cxn>
+              <a:cxn ang="0">
+                <a:pos x="connisteX11" y="connsiteY11"/>
+              </a:cxn>
+              <a:cxn ang="0">
+                <a:pos x="connisteX12" y="connsiteY12"/>
+              </a:cxn>
+              <a:cxn ang="0">
+                <a:pos x="connisteX13" y="connsiteY13"/>
+              </a:cxn>
+            </a:cxnLst>
+            <a:rect l="l" t="t" r="r" b="b"/>
+            <a:pathLst>
+              <a:path w="3935730" h="944880">
+                <a:moveTo>
+                  <a:pt x="257810" y="429260"/>
+                </a:moveTo>
+                <a:lnTo>
+                  <a:pt x="3394710" y="0"/>
+                </a:lnTo>
+                <a:lnTo>
+                  <a:pt x="26035" y="541020"/>
+                </a:lnTo>
+                <a:lnTo>
+                  <a:pt x="3575050" y="51435"/>
+                </a:lnTo>
+                <a:lnTo>
+                  <a:pt x="172085" y="601345"/>
+                </a:lnTo>
+                <a:lnTo>
+                  <a:pt x="3652520" y="128905"/>
+                </a:lnTo>
+                <a:lnTo>
+                  <a:pt x="51435" y="678815"/>
+                </a:lnTo>
+                <a:lnTo>
+                  <a:pt x="3514725" y="214630"/>
+                </a:lnTo>
+                <a:lnTo>
+                  <a:pt x="369570" y="704215"/>
+                </a:lnTo>
+                <a:lnTo>
+                  <a:pt x="3695700" y="274955"/>
+                </a:lnTo>
+                <a:lnTo>
+                  <a:pt x="180340" y="833120"/>
+                </a:lnTo>
+                <a:lnTo>
+                  <a:pt x="3695700" y="351790"/>
+                </a:lnTo>
+                <a:lnTo>
+                  <a:pt x="0" y="944880"/>
+                </a:lnTo>
+                <a:lnTo>
+                  <a:pt x="3935730" y="360680"/>
+                </a:lnTo>
+              </a:path>
+            </a:pathLst>
+          </a:custGeom>
+          <a:noFill/>
+          <a:ln w="203200">
+            <a:solidFill>
+              <a:schemeClr val="accent4">
+                <a:lumMod val="40000"/>
+                <a:lumOff val="60000"/>
+              </a:schemeClr>
+            </a:solidFill>
+          </a:ln>
+          <a:effectLst>
+            <a:softEdge rad="63500"/>
+          </a:effectLst>
+        </p:spPr>
+        <p:style>
+          <a:lnRef idx="2">
+            <a:schemeClr val="accent1">
+              <a:shade val="50000"/>
+            </a:schemeClr>
+          </a:lnRef>
+          <a:fillRef idx="1">
+            <a:schemeClr val="accent1"/>
+          </a:fillRef>
+          <a:effectRef idx="0">
+            <a:schemeClr val="accent1"/>
+          </a:effectRef>
+          <a:fontRef idx="minor">
+            <a:schemeClr val="lt1"/>
+          </a:fontRef>
+        </p:style>
+        <p:txBody>
+          <a:bodyPr rtlCol="0" anchor="ctr"/>
+          <a:p>
+            <a:pPr algn="ctr"/>
+            <a:endParaRPr lang="zh-CN" altLang="en-US"/>
+          </a:p>
+        </p:txBody>
+      </p:sp>
+      <p:sp>
+        <p:nvSpPr>
+          <p:cNvPr id="2" name="标题 1"/>
+          <p:cNvSpPr>
+            <a:spLocks noGrp="1"/>
+          </p:cNvSpPr>
+          <p:nvPr>
+            <p:ph type="title"/>
+          </p:nvPr>
+        </p:nvSpPr>
+        <p:spPr>
+          <a:xfrm>
+            <a:off x="5132070" y="245745"/>
+            <a:ext cx="2136775" cy="817245"/>
+          </a:xfrm>
+        </p:spPr>
+        <p:txBody>
+          <a:bodyPr>
+            <a:normAutofit fontScale="90000"/>
+          </a:bodyPr>
+          <a:p>
+            <a:r>
+              <a:rPr lang="en-US" altLang="zh-CN">
+                <a:latin typeface="Aa小梨涡" panose="02010600010101010101" charset="-122"/>
+                <a:ea typeface="Aa小梨涡" panose="02010600010101010101" charset="-122"/>
+              </a:rPr>
+              <a:t>1.</a:t>
+            </a:r>
+            <a:r>
+              <a:rPr lang="zh-CN" altLang="en-US">
+                <a:latin typeface="Aa小梨涡" panose="02010600010101010101" charset="-122"/>
+                <a:ea typeface="Aa小梨涡" panose="02010600010101010101" charset="-122"/>
+              </a:rPr>
+              <a:t>开篇词</a:t>
+            </a:r>
+            <a:endParaRPr lang="zh-CN" altLang="en-US">
+              <a:latin typeface="Aa小梨涡" panose="02010600010101010101" charset="-122"/>
+              <a:ea typeface="Aa小梨涡" panose="02010600010101010101" charset="-122"/>
+            </a:endParaRPr>
+          </a:p>
+        </p:txBody>
+      </p:sp>
+      <p:sp>
+        <p:nvSpPr>
+          <p:cNvPr id="20" name="任意多边形 19"/>
+          <p:cNvSpPr/>
+          <p:nvPr/>
+        </p:nvSpPr>
+        <p:spPr>
+          <a:xfrm rot="10320000">
+            <a:off x="4344035" y="897890"/>
+            <a:ext cx="3456305" cy="76200"/>
+          </a:xfrm>
+          <a:custGeom>
+            <a:avLst/>
+            <a:gdLst>
+              <a:gd name="connisteX0" fmla="*/ 4685923 w 4685923"/>
+              <a:gd name="connsiteY0" fmla="*/ 9525 h 464575"/>
+              <a:gd name="connisteX1" fmla="*/ 548898 w 4685923"/>
+              <a:gd name="connsiteY1" fmla="*/ 238125 h 464575"/>
+              <a:gd name="connisteX2" fmla="*/ 672723 w 4685923"/>
+              <a:gd name="connsiteY2" fmla="*/ 456565 h 464575"/>
+              <a:gd name="connisteX3" fmla="*/ 4638298 w 4685923"/>
+              <a:gd name="connsiteY3" fmla="*/ 0 h 464575"/>
+            </a:gdLst>
+            <a:ahLst/>
+            <a:cxnLst>
+              <a:cxn ang="0">
+                <a:pos x="connisteX0" y="connsiteY0"/>
+              </a:cxn>
+              <a:cxn ang="0">
+                <a:pos x="connisteX1" y="connsiteY1"/>
+              </a:cxn>
+              <a:cxn ang="0">
+                <a:pos x="connisteX2" y="connsiteY2"/>
+              </a:cxn>
+              <a:cxn ang="0">
+                <a:pos x="connisteX3" y="connsiteY3"/>
+              </a:cxn>
+            </a:cxnLst>
+            <a:rect l="l" t="t" r="r" b="b"/>
+            <a:pathLst>
+              <a:path w="4685923" h="464576">
+                <a:moveTo>
+                  <a:pt x="4685923" y="9525"/>
+                </a:moveTo>
+                <a:cubicBezTo>
+                  <a:pt x="3855978" y="50800"/>
+                  <a:pt x="1351538" y="148590"/>
+                  <a:pt x="548898" y="238125"/>
+                </a:cubicBezTo>
+                <a:cubicBezTo>
+                  <a:pt x="-253742" y="327660"/>
+                  <a:pt x="-145157" y="504190"/>
+                  <a:pt x="672723" y="456565"/>
+                </a:cubicBezTo>
+                <a:cubicBezTo>
+                  <a:pt x="1490603" y="408940"/>
+                  <a:pt x="3847723" y="95885"/>
+                  <a:pt x="4638298" y="0"/>
+                </a:cubicBezTo>
+              </a:path>
+            </a:pathLst>
+          </a:custGeom>
+          <a:solidFill>
+            <a:schemeClr val="accent5"/>
+          </a:solidFill>
+          <a:ln>
+            <a:noFill/>
+          </a:ln>
+        </p:spPr>
+        <p:style>
+          <a:lnRef idx="2">
+            <a:schemeClr val="accent1">
+              <a:shade val="50000"/>
+            </a:schemeClr>
+          </a:lnRef>
+          <a:fillRef idx="1">
+            <a:schemeClr val="accent1"/>
+          </a:fillRef>
+          <a:effectRef idx="0">
+            <a:schemeClr val="accent1"/>
+          </a:effectRef>
+          <a:fontRef idx="minor">
+            <a:schemeClr val="lt1"/>
+          </a:fontRef>
+        </p:style>
+        <p:txBody>
+          <a:bodyPr rtlCol="0" anchor="ctr"/>
+          <a:p>
+            <a:pPr algn="ctr"/>
+            <a:endParaRPr lang="zh-CN" altLang="en-US"/>
+          </a:p>
+        </p:txBody>
+      </p:sp>
+    </p:spTree>
+  </p:cSld>
+  <p:clrMapOvr>
+    <a:masterClrMapping/>
+  </p:clrMapOvr>
+</p:sld>
+</file>
+
+<file path=ppt/slides/slide38.xml><?xml version="1.0" encoding="utf-8"?>
+<p:sld xmlns:a="http://schemas.openxmlformats.org/drawingml/2006/main" xmlns:r="http://schemas.openxmlformats.org/officeDocument/2006/relationships" xmlns:p="http://schemas.openxmlformats.org/presentationml/2006/main">
+  <p:cSld>
+    <p:spTree>
+      <p:nvGrpSpPr>
+        <p:cNvPr id="1" name=""/>
+        <p:cNvGrpSpPr/>
+        <p:nvPr/>
+      </p:nvGrpSpPr>
+      <p:grpSpPr/>
+      <p:sp>
+        <p:nvSpPr>
+          <p:cNvPr id="18" name="任意多边形 17"/>
+          <p:cNvSpPr/>
+          <p:nvPr/>
+        </p:nvSpPr>
+        <p:spPr>
+          <a:xfrm rot="600000">
+            <a:off x="5342086" y="122979"/>
+            <a:ext cx="1728000" cy="944245"/>
+          </a:xfrm>
+          <a:custGeom>
+            <a:avLst/>
+            <a:gdLst>
+              <a:gd name="connisteX0" fmla="*/ 257810 w 3935730"/>
+              <a:gd name="connsiteY0" fmla="*/ 429260 h 944880"/>
+              <a:gd name="connisteX1" fmla="*/ 3394710 w 3935730"/>
+              <a:gd name="connsiteY1" fmla="*/ 0 h 944880"/>
+              <a:gd name="connisteX2" fmla="*/ 26035 w 3935730"/>
+              <a:gd name="connsiteY2" fmla="*/ 541020 h 944880"/>
+              <a:gd name="connisteX3" fmla="*/ 3575050 w 3935730"/>
+              <a:gd name="connsiteY3" fmla="*/ 51435 h 944880"/>
+              <a:gd name="connisteX4" fmla="*/ 172085 w 3935730"/>
+              <a:gd name="connsiteY4" fmla="*/ 601345 h 944880"/>
+              <a:gd name="connisteX5" fmla="*/ 3652520 w 3935730"/>
+              <a:gd name="connsiteY5" fmla="*/ 128905 h 944880"/>
+              <a:gd name="connisteX6" fmla="*/ 51435 w 3935730"/>
+              <a:gd name="connsiteY6" fmla="*/ 678815 h 944880"/>
+              <a:gd name="connisteX7" fmla="*/ 3514725 w 3935730"/>
+              <a:gd name="connsiteY7" fmla="*/ 214630 h 944880"/>
+              <a:gd name="connisteX8" fmla="*/ 369570 w 3935730"/>
+              <a:gd name="connsiteY8" fmla="*/ 704215 h 944880"/>
+              <a:gd name="connisteX9" fmla="*/ 3695700 w 3935730"/>
+              <a:gd name="connsiteY9" fmla="*/ 274955 h 944880"/>
+              <a:gd name="connisteX10" fmla="*/ 180340 w 3935730"/>
+              <a:gd name="connsiteY10" fmla="*/ 833120 h 944880"/>
+              <a:gd name="connisteX11" fmla="*/ 3695700 w 3935730"/>
+              <a:gd name="connsiteY11" fmla="*/ 351790 h 944880"/>
+              <a:gd name="connisteX12" fmla="*/ 0 w 3935730"/>
+              <a:gd name="connsiteY12" fmla="*/ 944880 h 944880"/>
+              <a:gd name="connisteX13" fmla="*/ 3935730 w 3935730"/>
+              <a:gd name="connsiteY13" fmla="*/ 360680 h 944880"/>
+            </a:gdLst>
+            <a:ahLst/>
+            <a:cxnLst>
+              <a:cxn ang="0">
+                <a:pos x="connisteX0" y="connsiteY0"/>
+              </a:cxn>
+              <a:cxn ang="0">
+                <a:pos x="connisteX1" y="connsiteY1"/>
+              </a:cxn>
+              <a:cxn ang="0">
+                <a:pos x="connisteX2" y="connsiteY2"/>
+              </a:cxn>
+              <a:cxn ang="0">
+                <a:pos x="connisteX3" y="connsiteY3"/>
+              </a:cxn>
+              <a:cxn ang="0">
+                <a:pos x="connisteX4" y="connsiteY4"/>
+              </a:cxn>
+              <a:cxn ang="0">
+                <a:pos x="connisteX5" y="connsiteY5"/>
+              </a:cxn>
+              <a:cxn ang="0">
+                <a:pos x="connisteX6" y="connsiteY6"/>
+              </a:cxn>
+              <a:cxn ang="0">
+                <a:pos x="connisteX7" y="connsiteY7"/>
+              </a:cxn>
+              <a:cxn ang="0">
+                <a:pos x="connisteX8" y="connsiteY8"/>
+              </a:cxn>
+              <a:cxn ang="0">
+                <a:pos x="connisteX9" y="connsiteY9"/>
+              </a:cxn>
+              <a:cxn ang="0">
+                <a:pos x="connisteX10" y="connsiteY10"/>
+              </a:cxn>
+              <a:cxn ang="0">
+                <a:pos x="connisteX11" y="connsiteY11"/>
+              </a:cxn>
+              <a:cxn ang="0">
+                <a:pos x="connisteX12" y="connsiteY12"/>
+              </a:cxn>
+              <a:cxn ang="0">
+                <a:pos x="connisteX13" y="connsiteY13"/>
+              </a:cxn>
+            </a:cxnLst>
+            <a:rect l="l" t="t" r="r" b="b"/>
+            <a:pathLst>
+              <a:path w="3935730" h="944880">
+                <a:moveTo>
+                  <a:pt x="257810" y="429260"/>
+                </a:moveTo>
+                <a:lnTo>
+                  <a:pt x="3394710" y="0"/>
+                </a:lnTo>
+                <a:lnTo>
+                  <a:pt x="26035" y="541020"/>
+                </a:lnTo>
+                <a:lnTo>
+                  <a:pt x="3575050" y="51435"/>
+                </a:lnTo>
+                <a:lnTo>
+                  <a:pt x="172085" y="601345"/>
+                </a:lnTo>
+                <a:lnTo>
+                  <a:pt x="3652520" y="128905"/>
+                </a:lnTo>
+                <a:lnTo>
+                  <a:pt x="51435" y="678815"/>
+                </a:lnTo>
+                <a:lnTo>
+                  <a:pt x="3514725" y="214630"/>
+                </a:lnTo>
+                <a:lnTo>
+                  <a:pt x="369570" y="704215"/>
+                </a:lnTo>
+                <a:lnTo>
+                  <a:pt x="3695700" y="274955"/>
+                </a:lnTo>
+                <a:lnTo>
+                  <a:pt x="180340" y="833120"/>
+                </a:lnTo>
+                <a:lnTo>
+                  <a:pt x="3695700" y="351790"/>
+                </a:lnTo>
+                <a:lnTo>
+                  <a:pt x="0" y="944880"/>
+                </a:lnTo>
+                <a:lnTo>
+                  <a:pt x="3935730" y="360680"/>
+                </a:lnTo>
+              </a:path>
+            </a:pathLst>
+          </a:custGeom>
+          <a:noFill/>
+          <a:ln w="203200">
+            <a:solidFill>
+              <a:schemeClr val="accent4">
+                <a:lumMod val="40000"/>
+                <a:lumOff val="60000"/>
+              </a:schemeClr>
+            </a:solidFill>
+          </a:ln>
+          <a:effectLst>
+            <a:softEdge rad="63500"/>
+          </a:effectLst>
+        </p:spPr>
+        <p:style>
+          <a:lnRef idx="2">
+            <a:schemeClr val="accent1">
+              <a:shade val="50000"/>
+            </a:schemeClr>
+          </a:lnRef>
+          <a:fillRef idx="1">
+            <a:schemeClr val="accent1"/>
+          </a:fillRef>
+          <a:effectRef idx="0">
+            <a:schemeClr val="accent1"/>
+          </a:effectRef>
+          <a:fontRef idx="minor">
+            <a:schemeClr val="lt1"/>
+          </a:fontRef>
+        </p:style>
+        <p:txBody>
+          <a:bodyPr rtlCol="0" anchor="ctr"/>
+          <a:p>
+            <a:pPr algn="ctr"/>
+            <a:endParaRPr lang="zh-CN" altLang="en-US"/>
+          </a:p>
+        </p:txBody>
+      </p:sp>
+      <p:sp>
+        <p:nvSpPr>
+          <p:cNvPr id="2" name="标题 1"/>
+          <p:cNvSpPr>
+            <a:spLocks noGrp="1"/>
+          </p:cNvSpPr>
+          <p:nvPr>
+            <p:ph type="title"/>
+          </p:nvPr>
+        </p:nvSpPr>
+        <p:spPr>
+          <a:xfrm>
+            <a:off x="5132070" y="245745"/>
+            <a:ext cx="2136775" cy="817245"/>
+          </a:xfrm>
+        </p:spPr>
+        <p:txBody>
+          <a:bodyPr>
+            <a:normAutofit fontScale="90000"/>
+          </a:bodyPr>
+          <a:p>
+            <a:r>
+              <a:rPr lang="en-US" altLang="zh-CN">
+                <a:latin typeface="Aa小梨涡" panose="02010600010101010101" charset="-122"/>
+                <a:ea typeface="Aa小梨涡" panose="02010600010101010101" charset="-122"/>
+              </a:rPr>
+              <a:t>1.</a:t>
+            </a:r>
+            <a:r>
+              <a:rPr lang="zh-CN" altLang="en-US">
+                <a:latin typeface="Aa小梨涡" panose="02010600010101010101" charset="-122"/>
+                <a:ea typeface="Aa小梨涡" panose="02010600010101010101" charset="-122"/>
+              </a:rPr>
+              <a:t>开篇词</a:t>
+            </a:r>
+            <a:endParaRPr lang="zh-CN" altLang="en-US">
+              <a:latin typeface="Aa小梨涡" panose="02010600010101010101" charset="-122"/>
+              <a:ea typeface="Aa小梨涡" panose="02010600010101010101" charset="-122"/>
+            </a:endParaRPr>
+          </a:p>
+        </p:txBody>
+      </p:sp>
+      <p:sp>
+        <p:nvSpPr>
+          <p:cNvPr id="20" name="任意多边形 19"/>
+          <p:cNvSpPr/>
+          <p:nvPr/>
+        </p:nvSpPr>
+        <p:spPr>
+          <a:xfrm rot="10320000">
+            <a:off x="4344035" y="897890"/>
+            <a:ext cx="3456305" cy="76200"/>
+          </a:xfrm>
+          <a:custGeom>
+            <a:avLst/>
+            <a:gdLst>
+              <a:gd name="connisteX0" fmla="*/ 4685923 w 4685923"/>
+              <a:gd name="connsiteY0" fmla="*/ 9525 h 464575"/>
+              <a:gd name="connisteX1" fmla="*/ 548898 w 4685923"/>
+              <a:gd name="connsiteY1" fmla="*/ 238125 h 464575"/>
+              <a:gd name="connisteX2" fmla="*/ 672723 w 4685923"/>
+              <a:gd name="connsiteY2" fmla="*/ 456565 h 464575"/>
+              <a:gd name="connisteX3" fmla="*/ 4638298 w 4685923"/>
+              <a:gd name="connsiteY3" fmla="*/ 0 h 464575"/>
+            </a:gdLst>
+            <a:ahLst/>
+            <a:cxnLst>
+              <a:cxn ang="0">
+                <a:pos x="connisteX0" y="connsiteY0"/>
+              </a:cxn>
+              <a:cxn ang="0">
+                <a:pos x="connisteX1" y="connsiteY1"/>
+              </a:cxn>
+              <a:cxn ang="0">
+                <a:pos x="connisteX2" y="connsiteY2"/>
+              </a:cxn>
+              <a:cxn ang="0">
+                <a:pos x="connisteX3" y="connsiteY3"/>
+              </a:cxn>
+            </a:cxnLst>
+            <a:rect l="l" t="t" r="r" b="b"/>
+            <a:pathLst>
+              <a:path w="4685923" h="464576">
+                <a:moveTo>
+                  <a:pt x="4685923" y="9525"/>
+                </a:moveTo>
+                <a:cubicBezTo>
+                  <a:pt x="3855978" y="50800"/>
+                  <a:pt x="1351538" y="148590"/>
+                  <a:pt x="548898" y="238125"/>
+                </a:cubicBezTo>
+                <a:cubicBezTo>
+                  <a:pt x="-253742" y="327660"/>
+                  <a:pt x="-145157" y="504190"/>
+                  <a:pt x="672723" y="456565"/>
+                </a:cubicBezTo>
+                <a:cubicBezTo>
+                  <a:pt x="1490603" y="408940"/>
+                  <a:pt x="3847723" y="95885"/>
+                  <a:pt x="4638298" y="0"/>
+                </a:cubicBezTo>
+              </a:path>
+            </a:pathLst>
+          </a:custGeom>
+          <a:solidFill>
+            <a:schemeClr val="accent5"/>
+          </a:solidFill>
+          <a:ln>
+            <a:noFill/>
+          </a:ln>
+        </p:spPr>
+        <p:style>
+          <a:lnRef idx="2">
+            <a:schemeClr val="accent1">
+              <a:shade val="50000"/>
+            </a:schemeClr>
+          </a:lnRef>
+          <a:fillRef idx="1">
+            <a:schemeClr val="accent1"/>
+          </a:fillRef>
+          <a:effectRef idx="0">
+            <a:schemeClr val="accent1"/>
+          </a:effectRef>
+          <a:fontRef idx="minor">
+            <a:schemeClr val="lt1"/>
+          </a:fontRef>
+        </p:style>
+        <p:txBody>
+          <a:bodyPr rtlCol="0" anchor="ctr"/>
+          <a:p>
+            <a:pPr algn="ctr"/>
+            <a:endParaRPr lang="zh-CN" altLang="en-US"/>
+          </a:p>
+        </p:txBody>
+      </p:sp>
+    </p:spTree>
+  </p:cSld>
+  <p:clrMapOvr>
+    <a:masterClrMapping/>
+  </p:clrMapOvr>
+</p:sld>
+</file>
+
+<file path=ppt/slides/slide39.xml><?xml version="1.0" encoding="utf-8"?>
 <p:sld xmlns:a="http://schemas.openxmlformats.org/drawingml/2006/main" xmlns:r="http://schemas.openxmlformats.org/officeDocument/2006/relationships" xmlns:p="http://schemas.openxmlformats.org/presentationml/2006/main">
   <p:cSld>
     <p:spTree>
@@ -27211,6 +32147,984 @@
       <p:bldP spid="3" grpId="1"/>
     </p:bldLst>
   </p:timing>
+</p:sld>
+</file>
+
+<file path=ppt/slides/slide40.xml><?xml version="1.0" encoding="utf-8"?>
+<p:sld xmlns:a="http://schemas.openxmlformats.org/drawingml/2006/main" xmlns:r="http://schemas.openxmlformats.org/officeDocument/2006/relationships" xmlns:p="http://schemas.openxmlformats.org/presentationml/2006/main">
+  <p:cSld>
+    <p:spTree>
+      <p:nvGrpSpPr>
+        <p:cNvPr id="1" name=""/>
+        <p:cNvGrpSpPr/>
+        <p:nvPr/>
+      </p:nvGrpSpPr>
+      <p:grpSpPr/>
+      <p:sp>
+        <p:nvSpPr>
+          <p:cNvPr id="18" name="任意多边形 17"/>
+          <p:cNvSpPr/>
+          <p:nvPr/>
+        </p:nvSpPr>
+        <p:spPr>
+          <a:xfrm rot="600000">
+            <a:off x="5342086" y="122979"/>
+            <a:ext cx="1728000" cy="944245"/>
+          </a:xfrm>
+          <a:custGeom>
+            <a:avLst/>
+            <a:gdLst>
+              <a:gd name="connisteX0" fmla="*/ 257810 w 3935730"/>
+              <a:gd name="connsiteY0" fmla="*/ 429260 h 944880"/>
+              <a:gd name="connisteX1" fmla="*/ 3394710 w 3935730"/>
+              <a:gd name="connsiteY1" fmla="*/ 0 h 944880"/>
+              <a:gd name="connisteX2" fmla="*/ 26035 w 3935730"/>
+              <a:gd name="connsiteY2" fmla="*/ 541020 h 944880"/>
+              <a:gd name="connisteX3" fmla="*/ 3575050 w 3935730"/>
+              <a:gd name="connsiteY3" fmla="*/ 51435 h 944880"/>
+              <a:gd name="connisteX4" fmla="*/ 172085 w 3935730"/>
+              <a:gd name="connsiteY4" fmla="*/ 601345 h 944880"/>
+              <a:gd name="connisteX5" fmla="*/ 3652520 w 3935730"/>
+              <a:gd name="connsiteY5" fmla="*/ 128905 h 944880"/>
+              <a:gd name="connisteX6" fmla="*/ 51435 w 3935730"/>
+              <a:gd name="connsiteY6" fmla="*/ 678815 h 944880"/>
+              <a:gd name="connisteX7" fmla="*/ 3514725 w 3935730"/>
+              <a:gd name="connsiteY7" fmla="*/ 214630 h 944880"/>
+              <a:gd name="connisteX8" fmla="*/ 369570 w 3935730"/>
+              <a:gd name="connsiteY8" fmla="*/ 704215 h 944880"/>
+              <a:gd name="connisteX9" fmla="*/ 3695700 w 3935730"/>
+              <a:gd name="connsiteY9" fmla="*/ 274955 h 944880"/>
+              <a:gd name="connisteX10" fmla="*/ 180340 w 3935730"/>
+              <a:gd name="connsiteY10" fmla="*/ 833120 h 944880"/>
+              <a:gd name="connisteX11" fmla="*/ 3695700 w 3935730"/>
+              <a:gd name="connsiteY11" fmla="*/ 351790 h 944880"/>
+              <a:gd name="connisteX12" fmla="*/ 0 w 3935730"/>
+              <a:gd name="connsiteY12" fmla="*/ 944880 h 944880"/>
+              <a:gd name="connisteX13" fmla="*/ 3935730 w 3935730"/>
+              <a:gd name="connsiteY13" fmla="*/ 360680 h 944880"/>
+            </a:gdLst>
+            <a:ahLst/>
+            <a:cxnLst>
+              <a:cxn ang="0">
+                <a:pos x="connisteX0" y="connsiteY0"/>
+              </a:cxn>
+              <a:cxn ang="0">
+                <a:pos x="connisteX1" y="connsiteY1"/>
+              </a:cxn>
+              <a:cxn ang="0">
+                <a:pos x="connisteX2" y="connsiteY2"/>
+              </a:cxn>
+              <a:cxn ang="0">
+                <a:pos x="connisteX3" y="connsiteY3"/>
+              </a:cxn>
+              <a:cxn ang="0">
+                <a:pos x="connisteX4" y="connsiteY4"/>
+              </a:cxn>
+              <a:cxn ang="0">
+                <a:pos x="connisteX5" y="connsiteY5"/>
+              </a:cxn>
+              <a:cxn ang="0">
+                <a:pos x="connisteX6" y="connsiteY6"/>
+              </a:cxn>
+              <a:cxn ang="0">
+                <a:pos x="connisteX7" y="connsiteY7"/>
+              </a:cxn>
+              <a:cxn ang="0">
+                <a:pos x="connisteX8" y="connsiteY8"/>
+              </a:cxn>
+              <a:cxn ang="0">
+                <a:pos x="connisteX9" y="connsiteY9"/>
+              </a:cxn>
+              <a:cxn ang="0">
+                <a:pos x="connisteX10" y="connsiteY10"/>
+              </a:cxn>
+              <a:cxn ang="0">
+                <a:pos x="connisteX11" y="connsiteY11"/>
+              </a:cxn>
+              <a:cxn ang="0">
+                <a:pos x="connisteX12" y="connsiteY12"/>
+              </a:cxn>
+              <a:cxn ang="0">
+                <a:pos x="connisteX13" y="connsiteY13"/>
+              </a:cxn>
+            </a:cxnLst>
+            <a:rect l="l" t="t" r="r" b="b"/>
+            <a:pathLst>
+              <a:path w="3935730" h="944880">
+                <a:moveTo>
+                  <a:pt x="257810" y="429260"/>
+                </a:moveTo>
+                <a:lnTo>
+                  <a:pt x="3394710" y="0"/>
+                </a:lnTo>
+                <a:lnTo>
+                  <a:pt x="26035" y="541020"/>
+                </a:lnTo>
+                <a:lnTo>
+                  <a:pt x="3575050" y="51435"/>
+                </a:lnTo>
+                <a:lnTo>
+                  <a:pt x="172085" y="601345"/>
+                </a:lnTo>
+                <a:lnTo>
+                  <a:pt x="3652520" y="128905"/>
+                </a:lnTo>
+                <a:lnTo>
+                  <a:pt x="51435" y="678815"/>
+                </a:lnTo>
+                <a:lnTo>
+                  <a:pt x="3514725" y="214630"/>
+                </a:lnTo>
+                <a:lnTo>
+                  <a:pt x="369570" y="704215"/>
+                </a:lnTo>
+                <a:lnTo>
+                  <a:pt x="3695700" y="274955"/>
+                </a:lnTo>
+                <a:lnTo>
+                  <a:pt x="180340" y="833120"/>
+                </a:lnTo>
+                <a:lnTo>
+                  <a:pt x="3695700" y="351790"/>
+                </a:lnTo>
+                <a:lnTo>
+                  <a:pt x="0" y="944880"/>
+                </a:lnTo>
+                <a:lnTo>
+                  <a:pt x="3935730" y="360680"/>
+                </a:lnTo>
+              </a:path>
+            </a:pathLst>
+          </a:custGeom>
+          <a:noFill/>
+          <a:ln w="203200">
+            <a:solidFill>
+              <a:schemeClr val="accent4">
+                <a:lumMod val="40000"/>
+                <a:lumOff val="60000"/>
+              </a:schemeClr>
+            </a:solidFill>
+          </a:ln>
+          <a:effectLst>
+            <a:softEdge rad="63500"/>
+          </a:effectLst>
+        </p:spPr>
+        <p:style>
+          <a:lnRef idx="2">
+            <a:schemeClr val="accent1">
+              <a:shade val="50000"/>
+            </a:schemeClr>
+          </a:lnRef>
+          <a:fillRef idx="1">
+            <a:schemeClr val="accent1"/>
+          </a:fillRef>
+          <a:effectRef idx="0">
+            <a:schemeClr val="accent1"/>
+          </a:effectRef>
+          <a:fontRef idx="minor">
+            <a:schemeClr val="lt1"/>
+          </a:fontRef>
+        </p:style>
+        <p:txBody>
+          <a:bodyPr rtlCol="0" anchor="ctr"/>
+          <a:p>
+            <a:pPr algn="ctr"/>
+            <a:endParaRPr lang="zh-CN" altLang="en-US"/>
+          </a:p>
+        </p:txBody>
+      </p:sp>
+      <p:sp>
+        <p:nvSpPr>
+          <p:cNvPr id="2" name="标题 1"/>
+          <p:cNvSpPr>
+            <a:spLocks noGrp="1"/>
+          </p:cNvSpPr>
+          <p:nvPr>
+            <p:ph type="title"/>
+          </p:nvPr>
+        </p:nvSpPr>
+        <p:spPr>
+          <a:xfrm>
+            <a:off x="5132070" y="245745"/>
+            <a:ext cx="2136775" cy="817245"/>
+          </a:xfrm>
+        </p:spPr>
+        <p:txBody>
+          <a:bodyPr>
+            <a:normAutofit fontScale="90000"/>
+          </a:bodyPr>
+          <a:p>
+            <a:r>
+              <a:rPr lang="en-US" altLang="zh-CN">
+                <a:latin typeface="Aa小梨涡" panose="02010600010101010101" charset="-122"/>
+                <a:ea typeface="Aa小梨涡" panose="02010600010101010101" charset="-122"/>
+              </a:rPr>
+              <a:t>1.</a:t>
+            </a:r>
+            <a:r>
+              <a:rPr lang="zh-CN" altLang="en-US">
+                <a:latin typeface="Aa小梨涡" panose="02010600010101010101" charset="-122"/>
+                <a:ea typeface="Aa小梨涡" panose="02010600010101010101" charset="-122"/>
+              </a:rPr>
+              <a:t>开篇词</a:t>
+            </a:r>
+            <a:endParaRPr lang="zh-CN" altLang="en-US">
+              <a:latin typeface="Aa小梨涡" panose="02010600010101010101" charset="-122"/>
+              <a:ea typeface="Aa小梨涡" panose="02010600010101010101" charset="-122"/>
+            </a:endParaRPr>
+          </a:p>
+        </p:txBody>
+      </p:sp>
+      <p:sp>
+        <p:nvSpPr>
+          <p:cNvPr id="20" name="任意多边形 19"/>
+          <p:cNvSpPr/>
+          <p:nvPr/>
+        </p:nvSpPr>
+        <p:spPr>
+          <a:xfrm rot="10320000">
+            <a:off x="4344035" y="897890"/>
+            <a:ext cx="3456305" cy="76200"/>
+          </a:xfrm>
+          <a:custGeom>
+            <a:avLst/>
+            <a:gdLst>
+              <a:gd name="connisteX0" fmla="*/ 4685923 w 4685923"/>
+              <a:gd name="connsiteY0" fmla="*/ 9525 h 464575"/>
+              <a:gd name="connisteX1" fmla="*/ 548898 w 4685923"/>
+              <a:gd name="connsiteY1" fmla="*/ 238125 h 464575"/>
+              <a:gd name="connisteX2" fmla="*/ 672723 w 4685923"/>
+              <a:gd name="connsiteY2" fmla="*/ 456565 h 464575"/>
+              <a:gd name="connisteX3" fmla="*/ 4638298 w 4685923"/>
+              <a:gd name="connsiteY3" fmla="*/ 0 h 464575"/>
+            </a:gdLst>
+            <a:ahLst/>
+            <a:cxnLst>
+              <a:cxn ang="0">
+                <a:pos x="connisteX0" y="connsiteY0"/>
+              </a:cxn>
+              <a:cxn ang="0">
+                <a:pos x="connisteX1" y="connsiteY1"/>
+              </a:cxn>
+              <a:cxn ang="0">
+                <a:pos x="connisteX2" y="connsiteY2"/>
+              </a:cxn>
+              <a:cxn ang="0">
+                <a:pos x="connisteX3" y="connsiteY3"/>
+              </a:cxn>
+            </a:cxnLst>
+            <a:rect l="l" t="t" r="r" b="b"/>
+            <a:pathLst>
+              <a:path w="4685923" h="464576">
+                <a:moveTo>
+                  <a:pt x="4685923" y="9525"/>
+                </a:moveTo>
+                <a:cubicBezTo>
+                  <a:pt x="3855978" y="50800"/>
+                  <a:pt x="1351538" y="148590"/>
+                  <a:pt x="548898" y="238125"/>
+                </a:cubicBezTo>
+                <a:cubicBezTo>
+                  <a:pt x="-253742" y="327660"/>
+                  <a:pt x="-145157" y="504190"/>
+                  <a:pt x="672723" y="456565"/>
+                </a:cubicBezTo>
+                <a:cubicBezTo>
+                  <a:pt x="1490603" y="408940"/>
+                  <a:pt x="3847723" y="95885"/>
+                  <a:pt x="4638298" y="0"/>
+                </a:cubicBezTo>
+              </a:path>
+            </a:pathLst>
+          </a:custGeom>
+          <a:solidFill>
+            <a:schemeClr val="accent5"/>
+          </a:solidFill>
+          <a:ln>
+            <a:noFill/>
+          </a:ln>
+        </p:spPr>
+        <p:style>
+          <a:lnRef idx="2">
+            <a:schemeClr val="accent1">
+              <a:shade val="50000"/>
+            </a:schemeClr>
+          </a:lnRef>
+          <a:fillRef idx="1">
+            <a:schemeClr val="accent1"/>
+          </a:fillRef>
+          <a:effectRef idx="0">
+            <a:schemeClr val="accent1"/>
+          </a:effectRef>
+          <a:fontRef idx="minor">
+            <a:schemeClr val="lt1"/>
+          </a:fontRef>
+        </p:style>
+        <p:txBody>
+          <a:bodyPr rtlCol="0" anchor="ctr"/>
+          <a:p>
+            <a:pPr algn="ctr"/>
+            <a:endParaRPr lang="zh-CN" altLang="en-US"/>
+          </a:p>
+        </p:txBody>
+      </p:sp>
+    </p:spTree>
+  </p:cSld>
+  <p:clrMapOvr>
+    <a:masterClrMapping/>
+  </p:clrMapOvr>
+</p:sld>
+</file>
+
+<file path=ppt/slides/slide41.xml><?xml version="1.0" encoding="utf-8"?>
+<p:sld xmlns:a="http://schemas.openxmlformats.org/drawingml/2006/main" xmlns:r="http://schemas.openxmlformats.org/officeDocument/2006/relationships" xmlns:p="http://schemas.openxmlformats.org/presentationml/2006/main">
+  <p:cSld>
+    <p:spTree>
+      <p:nvGrpSpPr>
+        <p:cNvPr id="1" name=""/>
+        <p:cNvGrpSpPr/>
+        <p:nvPr/>
+      </p:nvGrpSpPr>
+      <p:grpSpPr/>
+      <p:sp>
+        <p:nvSpPr>
+          <p:cNvPr id="18" name="任意多边形 17"/>
+          <p:cNvSpPr/>
+          <p:nvPr/>
+        </p:nvSpPr>
+        <p:spPr>
+          <a:xfrm rot="600000">
+            <a:off x="5342086" y="122979"/>
+            <a:ext cx="1728000" cy="944245"/>
+          </a:xfrm>
+          <a:custGeom>
+            <a:avLst/>
+            <a:gdLst>
+              <a:gd name="connisteX0" fmla="*/ 257810 w 3935730"/>
+              <a:gd name="connsiteY0" fmla="*/ 429260 h 944880"/>
+              <a:gd name="connisteX1" fmla="*/ 3394710 w 3935730"/>
+              <a:gd name="connsiteY1" fmla="*/ 0 h 944880"/>
+              <a:gd name="connisteX2" fmla="*/ 26035 w 3935730"/>
+              <a:gd name="connsiteY2" fmla="*/ 541020 h 944880"/>
+              <a:gd name="connisteX3" fmla="*/ 3575050 w 3935730"/>
+              <a:gd name="connsiteY3" fmla="*/ 51435 h 944880"/>
+              <a:gd name="connisteX4" fmla="*/ 172085 w 3935730"/>
+              <a:gd name="connsiteY4" fmla="*/ 601345 h 944880"/>
+              <a:gd name="connisteX5" fmla="*/ 3652520 w 3935730"/>
+              <a:gd name="connsiteY5" fmla="*/ 128905 h 944880"/>
+              <a:gd name="connisteX6" fmla="*/ 51435 w 3935730"/>
+              <a:gd name="connsiteY6" fmla="*/ 678815 h 944880"/>
+              <a:gd name="connisteX7" fmla="*/ 3514725 w 3935730"/>
+              <a:gd name="connsiteY7" fmla="*/ 214630 h 944880"/>
+              <a:gd name="connisteX8" fmla="*/ 369570 w 3935730"/>
+              <a:gd name="connsiteY8" fmla="*/ 704215 h 944880"/>
+              <a:gd name="connisteX9" fmla="*/ 3695700 w 3935730"/>
+              <a:gd name="connsiteY9" fmla="*/ 274955 h 944880"/>
+              <a:gd name="connisteX10" fmla="*/ 180340 w 3935730"/>
+              <a:gd name="connsiteY10" fmla="*/ 833120 h 944880"/>
+              <a:gd name="connisteX11" fmla="*/ 3695700 w 3935730"/>
+              <a:gd name="connsiteY11" fmla="*/ 351790 h 944880"/>
+              <a:gd name="connisteX12" fmla="*/ 0 w 3935730"/>
+              <a:gd name="connsiteY12" fmla="*/ 944880 h 944880"/>
+              <a:gd name="connisteX13" fmla="*/ 3935730 w 3935730"/>
+              <a:gd name="connsiteY13" fmla="*/ 360680 h 944880"/>
+            </a:gdLst>
+            <a:ahLst/>
+            <a:cxnLst>
+              <a:cxn ang="0">
+                <a:pos x="connisteX0" y="connsiteY0"/>
+              </a:cxn>
+              <a:cxn ang="0">
+                <a:pos x="connisteX1" y="connsiteY1"/>
+              </a:cxn>
+              <a:cxn ang="0">
+                <a:pos x="connisteX2" y="connsiteY2"/>
+              </a:cxn>
+              <a:cxn ang="0">
+                <a:pos x="connisteX3" y="connsiteY3"/>
+              </a:cxn>
+              <a:cxn ang="0">
+                <a:pos x="connisteX4" y="connsiteY4"/>
+              </a:cxn>
+              <a:cxn ang="0">
+                <a:pos x="connisteX5" y="connsiteY5"/>
+              </a:cxn>
+              <a:cxn ang="0">
+                <a:pos x="connisteX6" y="connsiteY6"/>
+              </a:cxn>
+              <a:cxn ang="0">
+                <a:pos x="connisteX7" y="connsiteY7"/>
+              </a:cxn>
+              <a:cxn ang="0">
+                <a:pos x="connisteX8" y="connsiteY8"/>
+              </a:cxn>
+              <a:cxn ang="0">
+                <a:pos x="connisteX9" y="connsiteY9"/>
+              </a:cxn>
+              <a:cxn ang="0">
+                <a:pos x="connisteX10" y="connsiteY10"/>
+              </a:cxn>
+              <a:cxn ang="0">
+                <a:pos x="connisteX11" y="connsiteY11"/>
+              </a:cxn>
+              <a:cxn ang="0">
+                <a:pos x="connisteX12" y="connsiteY12"/>
+              </a:cxn>
+              <a:cxn ang="0">
+                <a:pos x="connisteX13" y="connsiteY13"/>
+              </a:cxn>
+            </a:cxnLst>
+            <a:rect l="l" t="t" r="r" b="b"/>
+            <a:pathLst>
+              <a:path w="3935730" h="944880">
+                <a:moveTo>
+                  <a:pt x="257810" y="429260"/>
+                </a:moveTo>
+                <a:lnTo>
+                  <a:pt x="3394710" y="0"/>
+                </a:lnTo>
+                <a:lnTo>
+                  <a:pt x="26035" y="541020"/>
+                </a:lnTo>
+                <a:lnTo>
+                  <a:pt x="3575050" y="51435"/>
+                </a:lnTo>
+                <a:lnTo>
+                  <a:pt x="172085" y="601345"/>
+                </a:lnTo>
+                <a:lnTo>
+                  <a:pt x="3652520" y="128905"/>
+                </a:lnTo>
+                <a:lnTo>
+                  <a:pt x="51435" y="678815"/>
+                </a:lnTo>
+                <a:lnTo>
+                  <a:pt x="3514725" y="214630"/>
+                </a:lnTo>
+                <a:lnTo>
+                  <a:pt x="369570" y="704215"/>
+                </a:lnTo>
+                <a:lnTo>
+                  <a:pt x="3695700" y="274955"/>
+                </a:lnTo>
+                <a:lnTo>
+                  <a:pt x="180340" y="833120"/>
+                </a:lnTo>
+                <a:lnTo>
+                  <a:pt x="3695700" y="351790"/>
+                </a:lnTo>
+                <a:lnTo>
+                  <a:pt x="0" y="944880"/>
+                </a:lnTo>
+                <a:lnTo>
+                  <a:pt x="3935730" y="360680"/>
+                </a:lnTo>
+              </a:path>
+            </a:pathLst>
+          </a:custGeom>
+          <a:noFill/>
+          <a:ln w="203200">
+            <a:solidFill>
+              <a:schemeClr val="accent4">
+                <a:lumMod val="40000"/>
+                <a:lumOff val="60000"/>
+              </a:schemeClr>
+            </a:solidFill>
+          </a:ln>
+          <a:effectLst>
+            <a:softEdge rad="63500"/>
+          </a:effectLst>
+        </p:spPr>
+        <p:style>
+          <a:lnRef idx="2">
+            <a:schemeClr val="accent1">
+              <a:shade val="50000"/>
+            </a:schemeClr>
+          </a:lnRef>
+          <a:fillRef idx="1">
+            <a:schemeClr val="accent1"/>
+          </a:fillRef>
+          <a:effectRef idx="0">
+            <a:schemeClr val="accent1"/>
+          </a:effectRef>
+          <a:fontRef idx="minor">
+            <a:schemeClr val="lt1"/>
+          </a:fontRef>
+        </p:style>
+        <p:txBody>
+          <a:bodyPr rtlCol="0" anchor="ctr"/>
+          <a:p>
+            <a:pPr algn="ctr"/>
+            <a:endParaRPr lang="zh-CN" altLang="en-US"/>
+          </a:p>
+        </p:txBody>
+      </p:sp>
+      <p:sp>
+        <p:nvSpPr>
+          <p:cNvPr id="2" name="标题 1"/>
+          <p:cNvSpPr>
+            <a:spLocks noGrp="1"/>
+          </p:cNvSpPr>
+          <p:nvPr>
+            <p:ph type="title"/>
+          </p:nvPr>
+        </p:nvSpPr>
+        <p:spPr>
+          <a:xfrm>
+            <a:off x="5132070" y="245745"/>
+            <a:ext cx="2136775" cy="817245"/>
+          </a:xfrm>
+        </p:spPr>
+        <p:txBody>
+          <a:bodyPr>
+            <a:normAutofit fontScale="90000"/>
+          </a:bodyPr>
+          <a:p>
+            <a:r>
+              <a:rPr lang="en-US" altLang="zh-CN">
+                <a:latin typeface="Aa小梨涡" panose="02010600010101010101" charset="-122"/>
+                <a:ea typeface="Aa小梨涡" panose="02010600010101010101" charset="-122"/>
+              </a:rPr>
+              <a:t>1.</a:t>
+            </a:r>
+            <a:r>
+              <a:rPr lang="zh-CN" altLang="en-US">
+                <a:latin typeface="Aa小梨涡" panose="02010600010101010101" charset="-122"/>
+                <a:ea typeface="Aa小梨涡" panose="02010600010101010101" charset="-122"/>
+              </a:rPr>
+              <a:t>开篇词</a:t>
+            </a:r>
+            <a:endParaRPr lang="zh-CN" altLang="en-US">
+              <a:latin typeface="Aa小梨涡" panose="02010600010101010101" charset="-122"/>
+              <a:ea typeface="Aa小梨涡" panose="02010600010101010101" charset="-122"/>
+            </a:endParaRPr>
+          </a:p>
+        </p:txBody>
+      </p:sp>
+      <p:sp>
+        <p:nvSpPr>
+          <p:cNvPr id="20" name="任意多边形 19"/>
+          <p:cNvSpPr/>
+          <p:nvPr/>
+        </p:nvSpPr>
+        <p:spPr>
+          <a:xfrm rot="10320000">
+            <a:off x="4344035" y="897890"/>
+            <a:ext cx="3456305" cy="76200"/>
+          </a:xfrm>
+          <a:custGeom>
+            <a:avLst/>
+            <a:gdLst>
+              <a:gd name="connisteX0" fmla="*/ 4685923 w 4685923"/>
+              <a:gd name="connsiteY0" fmla="*/ 9525 h 464575"/>
+              <a:gd name="connisteX1" fmla="*/ 548898 w 4685923"/>
+              <a:gd name="connsiteY1" fmla="*/ 238125 h 464575"/>
+              <a:gd name="connisteX2" fmla="*/ 672723 w 4685923"/>
+              <a:gd name="connsiteY2" fmla="*/ 456565 h 464575"/>
+              <a:gd name="connisteX3" fmla="*/ 4638298 w 4685923"/>
+              <a:gd name="connsiteY3" fmla="*/ 0 h 464575"/>
+            </a:gdLst>
+            <a:ahLst/>
+            <a:cxnLst>
+              <a:cxn ang="0">
+                <a:pos x="connisteX0" y="connsiteY0"/>
+              </a:cxn>
+              <a:cxn ang="0">
+                <a:pos x="connisteX1" y="connsiteY1"/>
+              </a:cxn>
+              <a:cxn ang="0">
+                <a:pos x="connisteX2" y="connsiteY2"/>
+              </a:cxn>
+              <a:cxn ang="0">
+                <a:pos x="connisteX3" y="connsiteY3"/>
+              </a:cxn>
+            </a:cxnLst>
+            <a:rect l="l" t="t" r="r" b="b"/>
+            <a:pathLst>
+              <a:path w="4685923" h="464576">
+                <a:moveTo>
+                  <a:pt x="4685923" y="9525"/>
+                </a:moveTo>
+                <a:cubicBezTo>
+                  <a:pt x="3855978" y="50800"/>
+                  <a:pt x="1351538" y="148590"/>
+                  <a:pt x="548898" y="238125"/>
+                </a:cubicBezTo>
+                <a:cubicBezTo>
+                  <a:pt x="-253742" y="327660"/>
+                  <a:pt x="-145157" y="504190"/>
+                  <a:pt x="672723" y="456565"/>
+                </a:cubicBezTo>
+                <a:cubicBezTo>
+                  <a:pt x="1490603" y="408940"/>
+                  <a:pt x="3847723" y="95885"/>
+                  <a:pt x="4638298" y="0"/>
+                </a:cubicBezTo>
+              </a:path>
+            </a:pathLst>
+          </a:custGeom>
+          <a:solidFill>
+            <a:schemeClr val="accent5"/>
+          </a:solidFill>
+          <a:ln>
+            <a:noFill/>
+          </a:ln>
+        </p:spPr>
+        <p:style>
+          <a:lnRef idx="2">
+            <a:schemeClr val="accent1">
+              <a:shade val="50000"/>
+            </a:schemeClr>
+          </a:lnRef>
+          <a:fillRef idx="1">
+            <a:schemeClr val="accent1"/>
+          </a:fillRef>
+          <a:effectRef idx="0">
+            <a:schemeClr val="accent1"/>
+          </a:effectRef>
+          <a:fontRef idx="minor">
+            <a:schemeClr val="lt1"/>
+          </a:fontRef>
+        </p:style>
+        <p:txBody>
+          <a:bodyPr rtlCol="0" anchor="ctr"/>
+          <a:p>
+            <a:pPr algn="ctr"/>
+            <a:endParaRPr lang="zh-CN" altLang="en-US"/>
+          </a:p>
+        </p:txBody>
+      </p:sp>
+    </p:spTree>
+  </p:cSld>
+  <p:clrMapOvr>
+    <a:masterClrMapping/>
+  </p:clrMapOvr>
+</p:sld>
+</file>
+
+<file path=ppt/slides/slide42.xml><?xml version="1.0" encoding="utf-8"?>
+<p:sld xmlns:a="http://schemas.openxmlformats.org/drawingml/2006/main" xmlns:r="http://schemas.openxmlformats.org/officeDocument/2006/relationships" xmlns:p="http://schemas.openxmlformats.org/presentationml/2006/main">
+  <p:cSld>
+    <p:spTree>
+      <p:nvGrpSpPr>
+        <p:cNvPr id="1" name=""/>
+        <p:cNvGrpSpPr/>
+        <p:nvPr/>
+      </p:nvGrpSpPr>
+      <p:grpSpPr/>
+      <p:sp>
+        <p:nvSpPr>
+          <p:cNvPr id="18" name="任意多边形 17"/>
+          <p:cNvSpPr/>
+          <p:nvPr/>
+        </p:nvSpPr>
+        <p:spPr>
+          <a:xfrm rot="600000">
+            <a:off x="5342086" y="122979"/>
+            <a:ext cx="1728000" cy="944245"/>
+          </a:xfrm>
+          <a:custGeom>
+            <a:avLst/>
+            <a:gdLst>
+              <a:gd name="connisteX0" fmla="*/ 257810 w 3935730"/>
+              <a:gd name="connsiteY0" fmla="*/ 429260 h 944880"/>
+              <a:gd name="connisteX1" fmla="*/ 3394710 w 3935730"/>
+              <a:gd name="connsiteY1" fmla="*/ 0 h 944880"/>
+              <a:gd name="connisteX2" fmla="*/ 26035 w 3935730"/>
+              <a:gd name="connsiteY2" fmla="*/ 541020 h 944880"/>
+              <a:gd name="connisteX3" fmla="*/ 3575050 w 3935730"/>
+              <a:gd name="connsiteY3" fmla="*/ 51435 h 944880"/>
+              <a:gd name="connisteX4" fmla="*/ 172085 w 3935730"/>
+              <a:gd name="connsiteY4" fmla="*/ 601345 h 944880"/>
+              <a:gd name="connisteX5" fmla="*/ 3652520 w 3935730"/>
+              <a:gd name="connsiteY5" fmla="*/ 128905 h 944880"/>
+              <a:gd name="connisteX6" fmla="*/ 51435 w 3935730"/>
+              <a:gd name="connsiteY6" fmla="*/ 678815 h 944880"/>
+              <a:gd name="connisteX7" fmla="*/ 3514725 w 3935730"/>
+              <a:gd name="connsiteY7" fmla="*/ 214630 h 944880"/>
+              <a:gd name="connisteX8" fmla="*/ 369570 w 3935730"/>
+              <a:gd name="connsiteY8" fmla="*/ 704215 h 944880"/>
+              <a:gd name="connisteX9" fmla="*/ 3695700 w 3935730"/>
+              <a:gd name="connsiteY9" fmla="*/ 274955 h 944880"/>
+              <a:gd name="connisteX10" fmla="*/ 180340 w 3935730"/>
+              <a:gd name="connsiteY10" fmla="*/ 833120 h 944880"/>
+              <a:gd name="connisteX11" fmla="*/ 3695700 w 3935730"/>
+              <a:gd name="connsiteY11" fmla="*/ 351790 h 944880"/>
+              <a:gd name="connisteX12" fmla="*/ 0 w 3935730"/>
+              <a:gd name="connsiteY12" fmla="*/ 944880 h 944880"/>
+              <a:gd name="connisteX13" fmla="*/ 3935730 w 3935730"/>
+              <a:gd name="connsiteY13" fmla="*/ 360680 h 944880"/>
+            </a:gdLst>
+            <a:ahLst/>
+            <a:cxnLst>
+              <a:cxn ang="0">
+                <a:pos x="connisteX0" y="connsiteY0"/>
+              </a:cxn>
+              <a:cxn ang="0">
+                <a:pos x="connisteX1" y="connsiteY1"/>
+              </a:cxn>
+              <a:cxn ang="0">
+                <a:pos x="connisteX2" y="connsiteY2"/>
+              </a:cxn>
+              <a:cxn ang="0">
+                <a:pos x="connisteX3" y="connsiteY3"/>
+              </a:cxn>
+              <a:cxn ang="0">
+                <a:pos x="connisteX4" y="connsiteY4"/>
+              </a:cxn>
+              <a:cxn ang="0">
+                <a:pos x="connisteX5" y="connsiteY5"/>
+              </a:cxn>
+              <a:cxn ang="0">
+                <a:pos x="connisteX6" y="connsiteY6"/>
+              </a:cxn>
+              <a:cxn ang="0">
+                <a:pos x="connisteX7" y="connsiteY7"/>
+              </a:cxn>
+              <a:cxn ang="0">
+                <a:pos x="connisteX8" y="connsiteY8"/>
+              </a:cxn>
+              <a:cxn ang="0">
+                <a:pos x="connisteX9" y="connsiteY9"/>
+              </a:cxn>
+              <a:cxn ang="0">
+                <a:pos x="connisteX10" y="connsiteY10"/>
+              </a:cxn>
+              <a:cxn ang="0">
+                <a:pos x="connisteX11" y="connsiteY11"/>
+              </a:cxn>
+              <a:cxn ang="0">
+                <a:pos x="connisteX12" y="connsiteY12"/>
+              </a:cxn>
+              <a:cxn ang="0">
+                <a:pos x="connisteX13" y="connsiteY13"/>
+              </a:cxn>
+            </a:cxnLst>
+            <a:rect l="l" t="t" r="r" b="b"/>
+            <a:pathLst>
+              <a:path w="3935730" h="944880">
+                <a:moveTo>
+                  <a:pt x="257810" y="429260"/>
+                </a:moveTo>
+                <a:lnTo>
+                  <a:pt x="3394710" y="0"/>
+                </a:lnTo>
+                <a:lnTo>
+                  <a:pt x="26035" y="541020"/>
+                </a:lnTo>
+                <a:lnTo>
+                  <a:pt x="3575050" y="51435"/>
+                </a:lnTo>
+                <a:lnTo>
+                  <a:pt x="172085" y="601345"/>
+                </a:lnTo>
+                <a:lnTo>
+                  <a:pt x="3652520" y="128905"/>
+                </a:lnTo>
+                <a:lnTo>
+                  <a:pt x="51435" y="678815"/>
+                </a:lnTo>
+                <a:lnTo>
+                  <a:pt x="3514725" y="214630"/>
+                </a:lnTo>
+                <a:lnTo>
+                  <a:pt x="369570" y="704215"/>
+                </a:lnTo>
+                <a:lnTo>
+                  <a:pt x="3695700" y="274955"/>
+                </a:lnTo>
+                <a:lnTo>
+                  <a:pt x="180340" y="833120"/>
+                </a:lnTo>
+                <a:lnTo>
+                  <a:pt x="3695700" y="351790"/>
+                </a:lnTo>
+                <a:lnTo>
+                  <a:pt x="0" y="944880"/>
+                </a:lnTo>
+                <a:lnTo>
+                  <a:pt x="3935730" y="360680"/>
+                </a:lnTo>
+              </a:path>
+            </a:pathLst>
+          </a:custGeom>
+          <a:noFill/>
+          <a:ln w="203200">
+            <a:solidFill>
+              <a:schemeClr val="accent4">
+                <a:lumMod val="40000"/>
+                <a:lumOff val="60000"/>
+              </a:schemeClr>
+            </a:solidFill>
+          </a:ln>
+          <a:effectLst>
+            <a:softEdge rad="63500"/>
+          </a:effectLst>
+        </p:spPr>
+        <p:style>
+          <a:lnRef idx="2">
+            <a:schemeClr val="accent1">
+              <a:shade val="50000"/>
+            </a:schemeClr>
+          </a:lnRef>
+          <a:fillRef idx="1">
+            <a:schemeClr val="accent1"/>
+          </a:fillRef>
+          <a:effectRef idx="0">
+            <a:schemeClr val="accent1"/>
+          </a:effectRef>
+          <a:fontRef idx="minor">
+            <a:schemeClr val="lt1"/>
+          </a:fontRef>
+        </p:style>
+        <p:txBody>
+          <a:bodyPr rtlCol="0" anchor="ctr"/>
+          <a:p>
+            <a:pPr algn="ctr"/>
+            <a:endParaRPr lang="zh-CN" altLang="en-US"/>
+          </a:p>
+        </p:txBody>
+      </p:sp>
+      <p:sp>
+        <p:nvSpPr>
+          <p:cNvPr id="2" name="标题 1"/>
+          <p:cNvSpPr>
+            <a:spLocks noGrp="1"/>
+          </p:cNvSpPr>
+          <p:nvPr>
+            <p:ph type="title"/>
+          </p:nvPr>
+        </p:nvSpPr>
+        <p:spPr>
+          <a:xfrm>
+            <a:off x="5132070" y="245745"/>
+            <a:ext cx="2136775" cy="817245"/>
+          </a:xfrm>
+        </p:spPr>
+        <p:txBody>
+          <a:bodyPr>
+            <a:normAutofit fontScale="90000"/>
+          </a:bodyPr>
+          <a:p>
+            <a:r>
+              <a:rPr lang="en-US" altLang="zh-CN">
+                <a:latin typeface="Aa小梨涡" panose="02010600010101010101" charset="-122"/>
+                <a:ea typeface="Aa小梨涡" panose="02010600010101010101" charset="-122"/>
+              </a:rPr>
+              <a:t>1.</a:t>
+            </a:r>
+            <a:r>
+              <a:rPr lang="zh-CN" altLang="en-US">
+                <a:latin typeface="Aa小梨涡" panose="02010600010101010101" charset="-122"/>
+                <a:ea typeface="Aa小梨涡" panose="02010600010101010101" charset="-122"/>
+              </a:rPr>
+              <a:t>开篇词</a:t>
+            </a:r>
+            <a:endParaRPr lang="zh-CN" altLang="en-US">
+              <a:latin typeface="Aa小梨涡" panose="02010600010101010101" charset="-122"/>
+              <a:ea typeface="Aa小梨涡" panose="02010600010101010101" charset="-122"/>
+            </a:endParaRPr>
+          </a:p>
+        </p:txBody>
+      </p:sp>
+      <p:sp>
+        <p:nvSpPr>
+          <p:cNvPr id="20" name="任意多边形 19"/>
+          <p:cNvSpPr/>
+          <p:nvPr/>
+        </p:nvSpPr>
+        <p:spPr>
+          <a:xfrm rot="10320000">
+            <a:off x="4344035" y="897890"/>
+            <a:ext cx="3456305" cy="76200"/>
+          </a:xfrm>
+          <a:custGeom>
+            <a:avLst/>
+            <a:gdLst>
+              <a:gd name="connisteX0" fmla="*/ 4685923 w 4685923"/>
+              <a:gd name="connsiteY0" fmla="*/ 9525 h 464575"/>
+              <a:gd name="connisteX1" fmla="*/ 548898 w 4685923"/>
+              <a:gd name="connsiteY1" fmla="*/ 238125 h 464575"/>
+              <a:gd name="connisteX2" fmla="*/ 672723 w 4685923"/>
+              <a:gd name="connsiteY2" fmla="*/ 456565 h 464575"/>
+              <a:gd name="connisteX3" fmla="*/ 4638298 w 4685923"/>
+              <a:gd name="connsiteY3" fmla="*/ 0 h 464575"/>
+            </a:gdLst>
+            <a:ahLst/>
+            <a:cxnLst>
+              <a:cxn ang="0">
+                <a:pos x="connisteX0" y="connsiteY0"/>
+              </a:cxn>
+              <a:cxn ang="0">
+                <a:pos x="connisteX1" y="connsiteY1"/>
+              </a:cxn>
+              <a:cxn ang="0">
+                <a:pos x="connisteX2" y="connsiteY2"/>
+              </a:cxn>
+              <a:cxn ang="0">
+                <a:pos x="connisteX3" y="connsiteY3"/>
+              </a:cxn>
+            </a:cxnLst>
+            <a:rect l="l" t="t" r="r" b="b"/>
+            <a:pathLst>
+              <a:path w="4685923" h="464576">
+                <a:moveTo>
+                  <a:pt x="4685923" y="9525"/>
+                </a:moveTo>
+                <a:cubicBezTo>
+                  <a:pt x="3855978" y="50800"/>
+                  <a:pt x="1351538" y="148590"/>
+                  <a:pt x="548898" y="238125"/>
+                </a:cubicBezTo>
+                <a:cubicBezTo>
+                  <a:pt x="-253742" y="327660"/>
+                  <a:pt x="-145157" y="504190"/>
+                  <a:pt x="672723" y="456565"/>
+                </a:cubicBezTo>
+                <a:cubicBezTo>
+                  <a:pt x="1490603" y="408940"/>
+                  <a:pt x="3847723" y="95885"/>
+                  <a:pt x="4638298" y="0"/>
+                </a:cubicBezTo>
+              </a:path>
+            </a:pathLst>
+          </a:custGeom>
+          <a:solidFill>
+            <a:schemeClr val="accent5"/>
+          </a:solidFill>
+          <a:ln>
+            <a:noFill/>
+          </a:ln>
+        </p:spPr>
+        <p:style>
+          <a:lnRef idx="2">
+            <a:schemeClr val="accent1">
+              <a:shade val="50000"/>
+            </a:schemeClr>
+          </a:lnRef>
+          <a:fillRef idx="1">
+            <a:schemeClr val="accent1"/>
+          </a:fillRef>
+          <a:effectRef idx="0">
+            <a:schemeClr val="accent1"/>
+          </a:effectRef>
+          <a:fontRef idx="minor">
+            <a:schemeClr val="lt1"/>
+          </a:fontRef>
+        </p:style>
+        <p:txBody>
+          <a:bodyPr rtlCol="0" anchor="ctr"/>
+          <a:p>
+            <a:pPr algn="ctr"/>
+            <a:endParaRPr lang="zh-CN" altLang="en-US"/>
+          </a:p>
+        </p:txBody>
+      </p:sp>
+    </p:spTree>
+  </p:cSld>
+  <p:clrMapOvr>
+    <a:masterClrMapping/>
+  </p:clrMapOvr>
 </p:sld>
 </file>
 
@@ -34185,6 +40099,24 @@
 </p:tagLst>
 </file>
 
+<file path=ppt/tags/tag6.xml><?xml version="1.0" encoding="utf-8"?>
+<p:tagLst xmlns:p="http://schemas.openxmlformats.org/presentationml/2006/main">
+  <p:tag name="KSO_WM_UNIT_DIAGRAM_MODELTYPE" val="dynamicNum"/>
+  <p:tag name="KSO_WM_BEAUTIFY_FLAG" val="#wm#"/>
+  <p:tag name="KSO_WM_UNIT_TYPE" val="ζ_h_f"/>
+  <p:tag name="KSO_WM_UNIT_DYNMNUM_TYPE" val="1"/>
+  <p:tag name="KSO_WM_DYNAMICNUM_SPEED" val="3"/>
+  <p:tag name="KSO_WM_UNIT_DYNMNUM_DGM_ANIMTYPE" val="5"/>
+  <p:tag name="KSO_WM_UNIT_INDEX" val="1606809616425_1_1"/>
+</p:tagLst>
+</file>
+
+<file path=ppt/tags/tag7.xml><?xml version="1.0" encoding="utf-8"?>
+<p:tagLst xmlns:p="http://schemas.openxmlformats.org/presentationml/2006/main">
+  <p:tag name="KSO_WM_UNIT_PLACING_PICTURE_USER_VIEWPORT" val="{&quot;height&quot;:4305,&quot;width&quot;:8130}"/>
+</p:tagLst>
+</file>
+
 <file path=ppt/theme/theme1.xml><?xml version="1.0" encoding="utf-8"?>
 <a:theme xmlns:a="http://schemas.openxmlformats.org/drawingml/2006/main" name="Office 主题">
   <a:themeElements>

--- a/PPT/CorePython.pptx
+++ b/PPT/CorePython.pptx
@@ -34,42 +34,43 @@
     <p:sldId id="291" r:id="rId29"/>
     <p:sldId id="335" r:id="rId30"/>
     <p:sldId id="336" r:id="rId31"/>
-    <p:sldId id="292" r:id="rId32"/>
-    <p:sldId id="293" r:id="rId33"/>
-    <p:sldId id="294" r:id="rId34"/>
-    <p:sldId id="295" r:id="rId35"/>
-    <p:sldId id="296" r:id="rId36"/>
-    <p:sldId id="327" r:id="rId37"/>
-    <p:sldId id="328" r:id="rId38"/>
-    <p:sldId id="329" r:id="rId39"/>
-    <p:sldId id="330" r:id="rId40"/>
-    <p:sldId id="331" r:id="rId41"/>
-    <p:sldId id="332" r:id="rId42"/>
-    <p:sldId id="333" r:id="rId43"/>
-    <p:sldId id="334" r:id="rId44"/>
+    <p:sldId id="350" r:id="rId32"/>
+    <p:sldId id="292" r:id="rId33"/>
+    <p:sldId id="293" r:id="rId34"/>
+    <p:sldId id="294" r:id="rId35"/>
+    <p:sldId id="295" r:id="rId36"/>
+    <p:sldId id="296" r:id="rId37"/>
+    <p:sldId id="327" r:id="rId38"/>
+    <p:sldId id="328" r:id="rId39"/>
+    <p:sldId id="329" r:id="rId40"/>
+    <p:sldId id="330" r:id="rId41"/>
+    <p:sldId id="331" r:id="rId42"/>
+    <p:sldId id="332" r:id="rId43"/>
+    <p:sldId id="333" r:id="rId44"/>
+    <p:sldId id="334" r:id="rId45"/>
   </p:sldIdLst>
   <p:sldSz cx="12192000" cy="6858000"/>
   <p:notesSz cx="6858000" cy="9144000"/>
   <p:embeddedFontLst>
     <p:embeddedFont>
       <p:font typeface="Aa小梨涡" panose="02010600010101010101" charset="-122"/>
-      <p:regular r:id="rId48"/>
+      <p:regular r:id="rId49"/>
     </p:embeddedFont>
     <p:embeddedFont>
       <p:font typeface="微软雅黑" panose="020B0503020204020204" charset="-122"/>
-      <p:regular r:id="rId49"/>
+      <p:regular r:id="rId50"/>
     </p:embeddedFont>
     <p:embeddedFont>
       <p:font typeface="Comic Sans MS" panose="030F0702030302020204" charset="0"/>
-      <p:regular r:id="rId50"/>
-      <p:bold r:id="rId51"/>
+      <p:regular r:id="rId51"/>
+      <p:bold r:id="rId52"/>
     </p:embeddedFont>
     <p:embeddedFont>
       <p:font typeface="Calibri" panose="020F0502020204030204" charset="0"/>
-      <p:regular r:id="rId52"/>
-      <p:bold r:id="rId53"/>
-      <p:italic r:id="rId54"/>
-      <p:boldItalic r:id="rId55"/>
+      <p:regular r:id="rId53"/>
+      <p:bold r:id="rId54"/>
+      <p:italic r:id="rId55"/>
+      <p:boldItalic r:id="rId56"/>
     </p:embeddedFont>
   </p:embeddedFontLst>
   <p:defaultTextStyle>
@@ -12109,7 +12110,7 @@
         </p:nvSpPr>
         <p:spPr>
           <a:xfrm>
-            <a:off x="11053445" y="4382770"/>
+            <a:off x="11253470" y="4316095"/>
             <a:ext cx="1407160" cy="270510"/>
           </a:xfrm>
           <a:prstGeom prst="rect">
@@ -27001,6 +27002,47 @@
           </a:p>
         </p:txBody>
       </p:sp>
+      <p:sp>
+        <p:nvSpPr>
+          <p:cNvPr id="11" name="文本框 10"/>
+          <p:cNvSpPr txBox="1"/>
+          <p:nvPr/>
+        </p:nvSpPr>
+        <p:spPr>
+          <a:xfrm>
+            <a:off x="9196070" y="6371590"/>
+            <a:ext cx="1407160" cy="270510"/>
+          </a:xfrm>
+          <a:prstGeom prst="rect">
+            <a:avLst/>
+          </a:prstGeom>
+          <a:noFill/>
+        </p:spPr>
+        <p:txBody>
+          <a:bodyPr wrap="square" rtlCol="0">
+            <a:spAutoFit/>
+          </a:bodyPr>
+          <a:p>
+            <a:r>
+              <a:rPr lang="en-US" altLang="zh-CN" baseline="30000">
+                <a:solidFill>
+                  <a:schemeClr val="accent5"/>
+                </a:solidFill>
+                <a:latin typeface="Comic Sans MS" panose="030F0702030302020204" charset="0"/>
+                <a:cs typeface="Comic Sans MS" panose="030F0702030302020204" charset="0"/>
+              </a:rPr>
+              <a:t>[5.2-1.py]</a:t>
+            </a:r>
+            <a:endParaRPr lang="en-US" altLang="zh-CN" baseline="30000">
+              <a:solidFill>
+                <a:schemeClr val="accent5"/>
+              </a:solidFill>
+              <a:latin typeface="Comic Sans MS" panose="030F0702030302020204" charset="0"/>
+              <a:cs typeface="Comic Sans MS" panose="030F0702030302020204" charset="0"/>
+            </a:endParaRPr>
+          </a:p>
+        </p:txBody>
+      </p:sp>
     </p:spTree>
   </p:cSld>
   <p:clrMapOvr>
@@ -27168,6 +27210,33 @@
                                   </p:childTnLst>
                                 </p:cTn>
                               </p:par>
+                              <p:par>
+                                <p:cTn id="17" presetID="1" presetClass="entr" presetSubtype="0" fill="hold" grpId="0" nodeType="withEffect">
+                                  <p:stCondLst>
+                                    <p:cond delay="0"/>
+                                  </p:stCondLst>
+                                  <p:childTnLst>
+                                    <p:set>
+                                      <p:cBhvr>
+                                        <p:cTn id="18" dur="1" fill="hold">
+                                          <p:stCondLst>
+                                            <p:cond delay="0"/>
+                                          </p:stCondLst>
+                                        </p:cTn>
+                                        <p:tgtEl>
+                                          <p:spTgt spid="11"/>
+                                        </p:tgtEl>
+                                        <p:attrNameLst>
+                                          <p:attrName>style.visibility</p:attrName>
+                                        </p:attrNameLst>
+                                      </p:cBhvr>
+                                      <p:to>
+                                        <p:strVal val="visible"/>
+                                      </p:to>
+                                    </p:set>
+                                  </p:childTnLst>
+                                </p:cTn>
+                              </p:par>
                             </p:childTnLst>
                           </p:cTn>
                         </p:par>
@@ -27202,6 +27271,8 @@
       <p:bldP spid="6" grpId="1" animBg="1"/>
       <p:bldP spid="7" grpId="0" bldLvl="0" animBg="1"/>
       <p:bldP spid="7" grpId="1" animBg="1"/>
+      <p:bldP spid="11" grpId="0"/>
+      <p:bldP spid="11" grpId="1"/>
     </p:bldLst>
   </p:timing>
 </p:sld>
@@ -27543,6 +27614,104 @@
         <p:nvPr/>
       </p:nvGrpSpPr>
       <p:grpSpPr/>
+      <p:graphicFrame>
+        <p:nvGraphicFramePr>
+          <p:cNvPr id="9" name="对象 8"/>
+          <p:cNvGraphicFramePr/>
+          <p:nvPr/>
+        </p:nvGraphicFramePr>
+        <p:xfrm>
+          <a:off x="1207770" y="2199005"/>
+          <a:ext cx="3919220" cy="1161415"/>
+        </p:xfrm>
+        <a:graphic>
+          <a:graphicData uri="http://schemas.openxmlformats.org/presentationml/2006/ole">
+            <mc:AlternateContent xmlns:mc="http://schemas.openxmlformats.org/markup-compatibility/2006">
+              <mc:Choice xmlns:v="urn:schemas-microsoft-com:vml" Requires="v">
+                <p:oleObj spid="_x0000_s10" name="" r:id="rId1" imgW="2571750" imgH="762000" progId="Paint.Picture">
+                  <p:embed/>
+                </p:oleObj>
+              </mc:Choice>
+              <mc:Fallback>
+                <p:oleObj name="" r:id="rId1" imgW="2571750" imgH="762000" progId="Paint.Picture">
+                  <p:embed/>
+                  <p:pic>
+                    <p:nvPicPr>
+                      <p:cNvPr id="0" name="图片 9"/>
+                      <p:cNvPicPr/>
+                      <p:nvPr/>
+                    </p:nvPicPr>
+                    <p:blipFill>
+                      <a:blip r:embed="rId2"/>
+                      <a:stretch>
+                        <a:fillRect/>
+                      </a:stretch>
+                    </p:blipFill>
+                    <p:spPr>
+                      <a:xfrm>
+                        <a:off x="1207770" y="2199005"/>
+                        <a:ext cx="3919220" cy="1161415"/>
+                      </a:xfrm>
+                      <a:prstGeom prst="rect">
+                        <a:avLst/>
+                      </a:prstGeom>
+                    </p:spPr>
+                  </p:pic>
+                </p:oleObj>
+              </mc:Fallback>
+            </mc:AlternateContent>
+          </a:graphicData>
+        </a:graphic>
+      </p:graphicFrame>
+      <p:graphicFrame>
+        <p:nvGraphicFramePr>
+          <p:cNvPr id="12" name="对象 11"/>
+          <p:cNvGraphicFramePr/>
+          <p:nvPr/>
+        </p:nvGraphicFramePr>
+        <p:xfrm>
+          <a:off x="5200650" y="2199005"/>
+          <a:ext cx="5565140" cy="3187700"/>
+        </p:xfrm>
+        <a:graphic>
+          <a:graphicData uri="http://schemas.openxmlformats.org/presentationml/2006/ole">
+            <mc:AlternateContent xmlns:mc="http://schemas.openxmlformats.org/markup-compatibility/2006">
+              <mc:Choice xmlns:v="urn:schemas-microsoft-com:vml" Requires="v">
+                <p:oleObj spid="_x0000_s14" name="" r:id="rId3" imgW="4124325" imgH="2362200" progId="Paint.Picture">
+                  <p:embed/>
+                </p:oleObj>
+              </mc:Choice>
+              <mc:Fallback>
+                <p:oleObj name="" r:id="rId3" imgW="4124325" imgH="2362200" progId="Paint.Picture">
+                  <p:embed/>
+                  <p:pic>
+                    <p:nvPicPr>
+                      <p:cNvPr id="0" name="图片 13"/>
+                      <p:cNvPicPr/>
+                      <p:nvPr/>
+                    </p:nvPicPr>
+                    <p:blipFill>
+                      <a:blip r:embed="rId4"/>
+                      <a:stretch>
+                        <a:fillRect/>
+                      </a:stretch>
+                    </p:blipFill>
+                    <p:spPr>
+                      <a:xfrm>
+                        <a:off x="5200650" y="2199005"/>
+                        <a:ext cx="5565140" cy="3187700"/>
+                      </a:xfrm>
+                      <a:prstGeom prst="rect">
+                        <a:avLst/>
+                      </a:prstGeom>
+                    </p:spPr>
+                  </p:pic>
+                </p:oleObj>
+              </mc:Fallback>
+            </mc:AlternateContent>
+          </a:graphicData>
+        </a:graphic>
+      </p:graphicFrame>
       <p:sp>
         <p:nvSpPr>
           <p:cNvPr id="18" name="任意多边形 17"/>
@@ -27728,8 +27897,8 @@
         </p:nvSpPr>
         <p:spPr>
           <a:xfrm>
-            <a:off x="5132070" y="245745"/>
-            <a:ext cx="2136775" cy="817245"/>
+            <a:off x="3781425" y="186690"/>
+            <a:ext cx="4849495" cy="817245"/>
           </a:xfrm>
         </p:spPr>
         <p:txBody>
@@ -27742,14 +27911,14 @@
                 <a:latin typeface="Aa小梨涡" panose="02010600010101010101" charset="-122"/>
                 <a:ea typeface="Aa小梨涡" panose="02010600010101010101" charset="-122"/>
               </a:rPr>
-              <a:t>1.</a:t>
+              <a:t>5.2 Python3</a:t>
             </a:r>
             <a:r>
               <a:rPr lang="zh-CN" altLang="en-US">
                 <a:latin typeface="Aa小梨涡" panose="02010600010101010101" charset="-122"/>
                 <a:ea typeface="Aa小梨涡" panose="02010600010101010101" charset="-122"/>
               </a:rPr>
-              <a:t>开篇词</a:t>
+              <a:t>源码分析</a:t>
             </a:r>
             <a:endParaRPr lang="zh-CN" altLang="en-US">
               <a:latin typeface="Aa小梨涡" panose="02010600010101010101" charset="-122"/>
@@ -27851,11 +28020,870 @@
           </a:p>
         </p:txBody>
       </p:sp>
+      <p:sp>
+        <p:nvSpPr>
+          <p:cNvPr id="13" name="文本框 12"/>
+          <p:cNvSpPr txBox="1"/>
+          <p:nvPr/>
+        </p:nvSpPr>
+        <p:spPr>
+          <a:xfrm>
+            <a:off x="565150" y="1214120"/>
+            <a:ext cx="11281410" cy="539750"/>
+          </a:xfrm>
+          <a:prstGeom prst="rect">
+            <a:avLst/>
+          </a:prstGeom>
+          <a:noFill/>
+          <a:ln>
+            <a:noFill/>
+          </a:ln>
+        </p:spPr>
+        <p:txBody>
+          <a:bodyPr wrap="square" rtlCol="0">
+            <a:spAutoFit/>
+          </a:bodyPr>
+          <a:p>
+            <a:pPr fontAlgn="auto">
+              <a:lnSpc>
+                <a:spcPts val="3500"/>
+              </a:lnSpc>
+            </a:pPr>
+            <a:r>
+              <a:rPr lang="en-US" altLang="zh-CN" sz="2200">
+                <a:latin typeface="Aa小梨涡" panose="02010600010101010101" charset="-122"/>
+                <a:ea typeface="Aa小梨涡" panose="02010600010101010101" charset="-122"/>
+                <a:cs typeface="Aa小梨涡" panose="02010600010101010101" charset="-122"/>
+                <a:sym typeface="+mn-ea"/>
+              </a:rPr>
+              <a:t>3. for</a:t>
+            </a:r>
+            <a:r>
+              <a:rPr lang="zh-CN" altLang="en-US" sz="2200">
+                <a:latin typeface="Aa小梨涡" panose="02010600010101010101" charset="-122"/>
+                <a:ea typeface="Aa小梨涡" panose="02010600010101010101" charset="-122"/>
+                <a:cs typeface="Aa小梨涡" panose="02010600010101010101" charset="-122"/>
+                <a:sym typeface="+mn-ea"/>
+              </a:rPr>
+              <a:t>循环</a:t>
+            </a:r>
+            <a:endParaRPr lang="zh-CN" altLang="en-US" sz="2200">
+              <a:latin typeface="Aa小梨涡" panose="02010600010101010101" charset="-122"/>
+              <a:ea typeface="Aa小梨涡" panose="02010600010101010101" charset="-122"/>
+              <a:cs typeface="Aa小梨涡" panose="02010600010101010101" charset="-122"/>
+              <a:sym typeface="+mn-ea"/>
+            </a:endParaRPr>
+          </a:p>
+        </p:txBody>
+      </p:sp>
+      <p:cxnSp>
+        <p:nvCxnSpPr>
+          <p:cNvPr id="15" name="直接连接符 14"/>
+          <p:cNvCxnSpPr/>
+          <p:nvPr/>
+        </p:nvCxnSpPr>
+        <p:spPr>
+          <a:xfrm>
+            <a:off x="3470275" y="2673985"/>
+            <a:ext cx="852805" cy="5080"/>
+          </a:xfrm>
+          <a:prstGeom prst="line">
+            <a:avLst/>
+          </a:prstGeom>
+          <a:ln w="31750">
+            <a:solidFill>
+              <a:srgbClr val="FF0000"/>
+            </a:solidFill>
+          </a:ln>
+        </p:spPr>
+        <p:style>
+          <a:lnRef idx="1">
+            <a:schemeClr val="accent1"/>
+          </a:lnRef>
+          <a:fillRef idx="0">
+            <a:schemeClr val="accent1"/>
+          </a:fillRef>
+          <a:effectRef idx="0">
+            <a:schemeClr val="accent1"/>
+          </a:effectRef>
+          <a:fontRef idx="minor">
+            <a:schemeClr val="tx1"/>
+          </a:fontRef>
+        </p:style>
+      </p:cxnSp>
+      <p:cxnSp>
+        <p:nvCxnSpPr>
+          <p:cNvPr id="16" name="直接连接符 15"/>
+          <p:cNvCxnSpPr/>
+          <p:nvPr/>
+        </p:nvCxnSpPr>
+        <p:spPr>
+          <a:xfrm flipV="1">
+            <a:off x="6909435" y="2818765"/>
+            <a:ext cx="359410" cy="10160"/>
+          </a:xfrm>
+          <a:prstGeom prst="line">
+            <a:avLst/>
+          </a:prstGeom>
+          <a:ln w="31750">
+            <a:solidFill>
+              <a:srgbClr val="FF0000"/>
+            </a:solidFill>
+          </a:ln>
+        </p:spPr>
+        <p:style>
+          <a:lnRef idx="1">
+            <a:schemeClr val="accent1"/>
+          </a:lnRef>
+          <a:fillRef idx="0">
+            <a:schemeClr val="accent1"/>
+          </a:fillRef>
+          <a:effectRef idx="0">
+            <a:schemeClr val="accent1"/>
+          </a:effectRef>
+          <a:fontRef idx="minor">
+            <a:schemeClr val="tx1"/>
+          </a:fontRef>
+        </p:style>
+      </p:cxnSp>
+      <p:cxnSp>
+        <p:nvCxnSpPr>
+          <p:cNvPr id="17" name="直接连接符 16"/>
+          <p:cNvCxnSpPr/>
+          <p:nvPr/>
+        </p:nvCxnSpPr>
+        <p:spPr>
+          <a:xfrm flipV="1">
+            <a:off x="7530465" y="4126865"/>
+            <a:ext cx="317500" cy="635"/>
+          </a:xfrm>
+          <a:prstGeom prst="line">
+            <a:avLst/>
+          </a:prstGeom>
+          <a:ln w="31750">
+            <a:solidFill>
+              <a:srgbClr val="FF0000"/>
+            </a:solidFill>
+          </a:ln>
+        </p:spPr>
+        <p:style>
+          <a:lnRef idx="1">
+            <a:schemeClr val="accent1"/>
+          </a:lnRef>
+          <a:fillRef idx="0">
+            <a:schemeClr val="accent1"/>
+          </a:fillRef>
+          <a:effectRef idx="0">
+            <a:schemeClr val="accent1"/>
+          </a:effectRef>
+          <a:fontRef idx="minor">
+            <a:schemeClr val="tx1"/>
+          </a:fontRef>
+        </p:style>
+      </p:cxnSp>
+      <p:cxnSp>
+        <p:nvCxnSpPr>
+          <p:cNvPr id="19" name="直接连接符 18"/>
+          <p:cNvCxnSpPr/>
+          <p:nvPr/>
+        </p:nvCxnSpPr>
+        <p:spPr>
+          <a:xfrm flipV="1">
+            <a:off x="5916930" y="3258185"/>
+            <a:ext cx="902335" cy="2540"/>
+          </a:xfrm>
+          <a:prstGeom prst="line">
+            <a:avLst/>
+          </a:prstGeom>
+          <a:ln w="31750">
+            <a:solidFill>
+              <a:srgbClr val="FF0000"/>
+            </a:solidFill>
+          </a:ln>
+        </p:spPr>
+        <p:style>
+          <a:lnRef idx="1">
+            <a:schemeClr val="accent1"/>
+          </a:lnRef>
+          <a:fillRef idx="0">
+            <a:schemeClr val="accent1"/>
+          </a:fillRef>
+          <a:effectRef idx="0">
+            <a:schemeClr val="accent1"/>
+          </a:effectRef>
+          <a:fontRef idx="minor">
+            <a:schemeClr val="tx1"/>
+          </a:fontRef>
+        </p:style>
+      </p:cxnSp>
+      <p:sp>
+        <p:nvSpPr>
+          <p:cNvPr id="24" name="任意多边形 23"/>
+          <p:cNvSpPr/>
+          <p:nvPr/>
+        </p:nvSpPr>
+        <p:spPr>
+          <a:xfrm>
+            <a:off x="3714115" y="1414780"/>
+            <a:ext cx="4034155" cy="1234440"/>
+          </a:xfrm>
+          <a:custGeom>
+            <a:avLst/>
+            <a:gdLst>
+              <a:gd name="connisteX0" fmla="*/ 0 w 4034155"/>
+              <a:gd name="connsiteY0" fmla="*/ 1074307 h 1234327"/>
+              <a:gd name="connisteX1" fmla="*/ 828675 w 4034155"/>
+              <a:gd name="connsiteY1" fmla="*/ 215787 h 1234327"/>
+              <a:gd name="connisteX2" fmla="*/ 3465195 w 4034155"/>
+              <a:gd name="connsiteY2" fmla="*/ 105932 h 1234327"/>
+              <a:gd name="connisteX3" fmla="*/ 4034155 w 4034155"/>
+              <a:gd name="connsiteY3" fmla="*/ 1234327 h 1234327"/>
+              <a:gd name="connisteX4" fmla="*/ 3983990 w 4034155"/>
+              <a:gd name="connsiteY4" fmla="*/ 1154317 h 1234327"/>
+            </a:gdLst>
+            <a:ahLst/>
+            <a:cxnLst>
+              <a:cxn ang="0">
+                <a:pos x="connisteX0" y="connsiteY0"/>
+              </a:cxn>
+              <a:cxn ang="0">
+                <a:pos x="connisteX1" y="connsiteY1"/>
+              </a:cxn>
+              <a:cxn ang="0">
+                <a:pos x="connisteX2" y="connsiteY2"/>
+              </a:cxn>
+              <a:cxn ang="0">
+                <a:pos x="connisteX3" y="connsiteY3"/>
+              </a:cxn>
+              <a:cxn ang="0">
+                <a:pos x="connisteX4" y="connsiteY4"/>
+              </a:cxn>
+            </a:cxnLst>
+            <a:rect l="l" t="t" r="r" b="b"/>
+            <a:pathLst>
+              <a:path w="4034155" h="1234327">
+                <a:moveTo>
+                  <a:pt x="0" y="1074307"/>
+                </a:moveTo>
+                <a:cubicBezTo>
+                  <a:pt x="113030" y="904762"/>
+                  <a:pt x="135890" y="409462"/>
+                  <a:pt x="828675" y="215787"/>
+                </a:cubicBezTo>
+                <a:cubicBezTo>
+                  <a:pt x="1521460" y="22112"/>
+                  <a:pt x="2823845" y="-97903"/>
+                  <a:pt x="3465195" y="105932"/>
+                </a:cubicBezTo>
+                <a:cubicBezTo>
+                  <a:pt x="4106545" y="309767"/>
+                  <a:pt x="3930650" y="1024777"/>
+                  <a:pt x="4034155" y="1234327"/>
+                </a:cubicBezTo>
+              </a:path>
+            </a:pathLst>
+          </a:custGeom>
+          <a:noFill/>
+          <a:ln>
+            <a:noFill/>
+          </a:ln>
+        </p:spPr>
+        <p:txBody>
+          <a:bodyPr/>
+          <a:p>
+            <a:pPr eaLnBrk="1" hangingPunct="1">
+              <a:spcBef>
+                <a:spcPct val="0"/>
+              </a:spcBef>
+              <a:buFontTx/>
+              <a:buNone/>
+            </a:pPr>
+            <a:endParaRPr lang="zh-CN" altLang="en-US" sz="1800">
+              <a:solidFill>
+                <a:schemeClr val="tx1"/>
+              </a:solidFill>
+              <a:ea typeface="宋体" panose="02010600030101010101" pitchFamily="2" charset="-122"/>
+            </a:endParaRPr>
+          </a:p>
+        </p:txBody>
+      </p:sp>
+      <p:sp>
+        <p:nvSpPr>
+          <p:cNvPr id="21" name="任意多边形 20"/>
+          <p:cNvSpPr/>
+          <p:nvPr/>
+        </p:nvSpPr>
+        <p:spPr>
+          <a:xfrm>
+            <a:off x="3663950" y="1211580"/>
+            <a:ext cx="4138930" cy="1501775"/>
+          </a:xfrm>
+          <a:custGeom>
+            <a:avLst/>
+            <a:gdLst>
+              <a:gd name="connisteX0" fmla="*/ 0 w 4139030"/>
+              <a:gd name="connsiteY0" fmla="*/ 1247466 h 1501981"/>
+              <a:gd name="connisteX1" fmla="*/ 489585 w 4139030"/>
+              <a:gd name="connsiteY1" fmla="*/ 418791 h 1501981"/>
+              <a:gd name="connisteX2" fmla="*/ 3235325 w 4139030"/>
+              <a:gd name="connsiteY2" fmla="*/ 59381 h 1501981"/>
+              <a:gd name="connisteX3" fmla="*/ 4094480 w 4139030"/>
+              <a:gd name="connsiteY3" fmla="*/ 1377641 h 1501981"/>
+              <a:gd name="connisteX4" fmla="*/ 3974465 w 4139030"/>
+              <a:gd name="connsiteY4" fmla="*/ 1407486 h 1501981"/>
+              <a:gd name="connisteX5" fmla="*/ 4094480 w 4139030"/>
+              <a:gd name="connsiteY5" fmla="*/ 1457016 h 1501981"/>
+              <a:gd name="connisteX6" fmla="*/ 4014470 w 4139030"/>
+              <a:gd name="connsiteY6" fmla="*/ 1427171 h 1501981"/>
+            </a:gdLst>
+            <a:ahLst/>
+            <a:cxnLst>
+              <a:cxn ang="0">
+                <a:pos x="connisteX0" y="connsiteY0"/>
+              </a:cxn>
+              <a:cxn ang="0">
+                <a:pos x="connisteX1" y="connsiteY1"/>
+              </a:cxn>
+              <a:cxn ang="0">
+                <a:pos x="connisteX2" y="connsiteY2"/>
+              </a:cxn>
+              <a:cxn ang="0">
+                <a:pos x="connisteX3" y="connsiteY3"/>
+              </a:cxn>
+              <a:cxn ang="0">
+                <a:pos x="connisteX4" y="connsiteY4"/>
+              </a:cxn>
+              <a:cxn ang="0">
+                <a:pos x="connisteX5" y="connsiteY5"/>
+              </a:cxn>
+              <a:cxn ang="0">
+                <a:pos x="connisteX6" y="connsiteY6"/>
+              </a:cxn>
+            </a:cxnLst>
+            <a:rect l="l" t="t" r="r" b="b"/>
+            <a:pathLst>
+              <a:path w="4139031" h="1501982">
+                <a:moveTo>
+                  <a:pt x="0" y="1247466"/>
+                </a:moveTo>
+                <a:cubicBezTo>
+                  <a:pt x="43180" y="1088716"/>
+                  <a:pt x="-157480" y="656281"/>
+                  <a:pt x="489585" y="418791"/>
+                </a:cubicBezTo>
+                <a:cubicBezTo>
+                  <a:pt x="1136650" y="181301"/>
+                  <a:pt x="2514600" y="-132389"/>
+                  <a:pt x="3235325" y="59381"/>
+                </a:cubicBezTo>
+                <a:cubicBezTo>
+                  <a:pt x="3956050" y="251151"/>
+                  <a:pt x="3946525" y="1107766"/>
+                  <a:pt x="4094480" y="1377641"/>
+                </a:cubicBezTo>
+                <a:cubicBezTo>
+                  <a:pt x="4242435" y="1647516"/>
+                  <a:pt x="3974465" y="1391611"/>
+                  <a:pt x="3974465" y="1407486"/>
+                </a:cubicBezTo>
+                <a:cubicBezTo>
+                  <a:pt x="3974465" y="1423361"/>
+                  <a:pt x="4086225" y="1453206"/>
+                  <a:pt x="4094480" y="1457016"/>
+                </a:cubicBezTo>
+                <a:cubicBezTo>
+                  <a:pt x="4102735" y="1460826"/>
+                  <a:pt x="4032885" y="1434156"/>
+                  <a:pt x="4014470" y="1427171"/>
+                </a:cubicBezTo>
+              </a:path>
+            </a:pathLst>
+          </a:custGeom>
+          <a:noFill/>
+          <a:ln>
+            <a:noFill/>
+          </a:ln>
+        </p:spPr>
+        <p:txBody>
+          <a:bodyPr/>
+          <a:p>
+            <a:pPr eaLnBrk="1" hangingPunct="1">
+              <a:spcBef>
+                <a:spcPct val="0"/>
+              </a:spcBef>
+              <a:buFontTx/>
+              <a:buNone/>
+            </a:pPr>
+            <a:endParaRPr lang="zh-CN" altLang="en-US" sz="1800">
+              <a:solidFill>
+                <a:schemeClr val="tx1"/>
+              </a:solidFill>
+              <a:ea typeface="宋体" panose="02010600030101010101" pitchFamily="2" charset="-122"/>
+            </a:endParaRPr>
+          </a:p>
+        </p:txBody>
+      </p:sp>
+      <p:sp>
+        <p:nvSpPr>
+          <p:cNvPr id="29" name="任意多边形 28"/>
+          <p:cNvSpPr/>
+          <p:nvPr/>
+        </p:nvSpPr>
+        <p:spPr>
+          <a:xfrm>
+            <a:off x="3780155" y="1276985"/>
+            <a:ext cx="3987800" cy="1312545"/>
+          </a:xfrm>
+          <a:custGeom>
+            <a:avLst/>
+            <a:gdLst>
+              <a:gd name="connisteX0" fmla="*/ 3913 w 3987903"/>
+              <a:gd name="connsiteY0" fmla="*/ 1182634 h 1312809"/>
+              <a:gd name="connisteX1" fmla="*/ 493498 w 3987903"/>
+              <a:gd name="connsiteY1" fmla="*/ 273949 h 1312809"/>
+              <a:gd name="connisteX2" fmla="*/ 3349093 w 3987903"/>
+              <a:gd name="connsiteY2" fmla="*/ 94244 h 1312809"/>
+              <a:gd name="connisteX3" fmla="*/ 3987903 w 3987903"/>
+              <a:gd name="connsiteY3" fmla="*/ 1312809 h 1312809"/>
+            </a:gdLst>
+            <a:ahLst/>
+            <a:cxnLst>
+              <a:cxn ang="0">
+                <a:pos x="connisteX0" y="connsiteY0"/>
+              </a:cxn>
+              <a:cxn ang="0">
+                <a:pos x="connisteX1" y="connsiteY1"/>
+              </a:cxn>
+              <a:cxn ang="0">
+                <a:pos x="connisteX2" y="connsiteY2"/>
+              </a:cxn>
+              <a:cxn ang="0">
+                <a:pos x="connisteX3" y="connsiteY3"/>
+              </a:cxn>
+            </a:cxnLst>
+            <a:rect l="l" t="t" r="r" b="b"/>
+            <a:pathLst>
+              <a:path w="3987903" h="1312810">
+                <a:moveTo>
+                  <a:pt x="3913" y="1182635"/>
+                </a:moveTo>
+                <a:cubicBezTo>
+                  <a:pt x="44553" y="1004200"/>
+                  <a:pt x="-175792" y="491755"/>
+                  <a:pt x="493498" y="273950"/>
+                </a:cubicBezTo>
+                <a:cubicBezTo>
+                  <a:pt x="1162788" y="56145"/>
+                  <a:pt x="2649958" y="-113400"/>
+                  <a:pt x="3349093" y="94245"/>
+                </a:cubicBezTo>
+                <a:cubicBezTo>
+                  <a:pt x="4048228" y="301890"/>
+                  <a:pt x="3917418" y="1065795"/>
+                  <a:pt x="3987903" y="1312810"/>
+                </a:cubicBezTo>
+              </a:path>
+            </a:pathLst>
+          </a:custGeom>
+          <a:noFill/>
+          <a:ln w="15875" cmpd="sng">
+            <a:solidFill>
+              <a:schemeClr val="accent1">
+                <a:shade val="50000"/>
+              </a:schemeClr>
+            </a:solidFill>
+            <a:prstDash val="sysDot"/>
+            <a:tailEnd type="triangle"/>
+          </a:ln>
+        </p:spPr>
+        <p:txBody>
+          <a:bodyPr/>
+          <a:p>
+            <a:pPr eaLnBrk="1" hangingPunct="1">
+              <a:spcBef>
+                <a:spcPct val="0"/>
+              </a:spcBef>
+              <a:buFontTx/>
+              <a:buNone/>
+            </a:pPr>
+            <a:endParaRPr lang="zh-CN" altLang="en-US" sz="1800">
+              <a:solidFill>
+                <a:schemeClr val="tx1"/>
+              </a:solidFill>
+              <a:ea typeface="宋体" panose="02010600030101010101" pitchFamily="2" charset="-122"/>
+            </a:endParaRPr>
+          </a:p>
+        </p:txBody>
+      </p:sp>
+      <p:sp>
+        <p:nvSpPr>
+          <p:cNvPr id="31" name="任意多边形 30"/>
+          <p:cNvSpPr/>
+          <p:nvPr/>
+        </p:nvSpPr>
+        <p:spPr>
+          <a:xfrm>
+            <a:off x="5563235" y="2719070"/>
+            <a:ext cx="3237230" cy="1218565"/>
+          </a:xfrm>
+          <a:custGeom>
+            <a:avLst/>
+            <a:gdLst>
+              <a:gd name="connisteX0" fmla="*/ 307659 w 3237343"/>
+              <a:gd name="connsiteY0" fmla="*/ 0 h 1218565"/>
+              <a:gd name="connisteX1" fmla="*/ 237809 w 3237343"/>
+              <a:gd name="connsiteY1" fmla="*/ 1008380 h 1218565"/>
+              <a:gd name="connisteX2" fmla="*/ 3013394 w 3237343"/>
+              <a:gd name="connsiteY2" fmla="*/ 748665 h 1218565"/>
+              <a:gd name="connisteX3" fmla="*/ 2933384 w 3237343"/>
+              <a:gd name="connsiteY3" fmla="*/ 1218565 h 1218565"/>
+              <a:gd name="connisteX4" fmla="*/ 2923859 w 3237343"/>
+              <a:gd name="connsiteY4" fmla="*/ 1218565 h 1218565"/>
+            </a:gdLst>
+            <a:ahLst/>
+            <a:cxnLst>
+              <a:cxn ang="0">
+                <a:pos x="connisteX0" y="connsiteY0"/>
+              </a:cxn>
+              <a:cxn ang="0">
+                <a:pos x="connisteX1" y="connsiteY1"/>
+              </a:cxn>
+              <a:cxn ang="0">
+                <a:pos x="connisteX2" y="connsiteY2"/>
+              </a:cxn>
+              <a:cxn ang="0">
+                <a:pos x="connisteX3" y="connsiteY3"/>
+              </a:cxn>
+              <a:cxn ang="0">
+                <a:pos x="connisteX4" y="connsiteY4"/>
+              </a:cxn>
+            </a:cxnLst>
+            <a:rect l="l" t="t" r="r" b="b"/>
+            <a:pathLst>
+              <a:path w="3237343" h="1218565">
+                <a:moveTo>
+                  <a:pt x="307659" y="0"/>
+                </a:moveTo>
+                <a:cubicBezTo>
+                  <a:pt x="238444" y="207010"/>
+                  <a:pt x="-303211" y="858520"/>
+                  <a:pt x="237809" y="1008380"/>
+                </a:cubicBezTo>
+                <a:cubicBezTo>
+                  <a:pt x="778829" y="1158240"/>
+                  <a:pt x="2474279" y="706755"/>
+                  <a:pt x="3013394" y="748665"/>
+                </a:cubicBezTo>
+                <a:cubicBezTo>
+                  <a:pt x="3552509" y="790575"/>
+                  <a:pt x="2951164" y="1124585"/>
+                  <a:pt x="2933384" y="1218565"/>
+                </a:cubicBezTo>
+              </a:path>
+            </a:pathLst>
+          </a:custGeom>
+          <a:noFill/>
+          <a:ln w="19050">
+            <a:solidFill>
+              <a:schemeClr val="accent1"/>
+            </a:solidFill>
+            <a:prstDash val="sysDot"/>
+            <a:tailEnd type="triangle"/>
+          </a:ln>
+        </p:spPr>
+        <p:txBody>
+          <a:bodyPr/>
+          <a:p>
+            <a:pPr eaLnBrk="1" hangingPunct="1">
+              <a:spcBef>
+                <a:spcPct val="0"/>
+              </a:spcBef>
+              <a:buFontTx/>
+              <a:buNone/>
+            </a:pPr>
+            <a:endParaRPr lang="zh-CN" altLang="en-US" sz="1800">
+              <a:solidFill>
+                <a:schemeClr val="tx1"/>
+              </a:solidFill>
+              <a:ea typeface="宋体" panose="02010600030101010101" pitchFamily="2" charset="-122"/>
+            </a:endParaRPr>
+          </a:p>
+        </p:txBody>
+      </p:sp>
     </p:spTree>
   </p:cSld>
   <p:clrMapOvr>
     <a:masterClrMapping/>
   </p:clrMapOvr>
+  <p:timing>
+    <p:tnLst>
+      <p:par>
+        <p:cTn id="1" dur="indefinite" restart="never" nodeType="tmRoot">
+          <p:childTnLst>
+            <p:seq concurrent="1" nextAc="seek">
+              <p:cTn id="2" dur="indefinite" nodeType="mainSeq">
+                <p:childTnLst>
+                  <p:par>
+                    <p:cTn id="3" fill="hold">
+                      <p:stCondLst>
+                        <p:cond delay="indefinite"/>
+                        <p:cond evt="onBegin" delay="0">
+                          <p:tn val="2"/>
+                        </p:cond>
+                      </p:stCondLst>
+                      <p:childTnLst>
+                        <p:par>
+                          <p:cTn id="4" fill="hold">
+                            <p:stCondLst>
+                              <p:cond delay="0"/>
+                            </p:stCondLst>
+                            <p:childTnLst>
+                              <p:par>
+                                <p:cTn id="5" presetID="22" presetClass="entr" presetSubtype="8" fill="hold" nodeType="withEffect">
+                                  <p:stCondLst>
+                                    <p:cond delay="0"/>
+                                  </p:stCondLst>
+                                  <p:childTnLst>
+                                    <p:set>
+                                      <p:cBhvr>
+                                        <p:cTn id="6" dur="1" fill="hold">
+                                          <p:stCondLst>
+                                            <p:cond delay="0"/>
+                                          </p:stCondLst>
+                                        </p:cTn>
+                                        <p:tgtEl>
+                                          <p:spTgt spid="15"/>
+                                        </p:tgtEl>
+                                        <p:attrNameLst>
+                                          <p:attrName>style.visibility</p:attrName>
+                                        </p:attrNameLst>
+                                      </p:cBhvr>
+                                      <p:to>
+                                        <p:strVal val="visible"/>
+                                      </p:to>
+                                    </p:set>
+                                    <p:animEffect transition="in" filter="wipe(left)">
+                                      <p:cBhvr>
+                                        <p:cTn id="7" dur="500"/>
+                                        <p:tgtEl>
+                                          <p:spTgt spid="15"/>
+                                        </p:tgtEl>
+                                      </p:cBhvr>
+                                    </p:animEffect>
+                                  </p:childTnLst>
+                                </p:cTn>
+                              </p:par>
+                              <p:par>
+                                <p:cTn id="8" presetID="22" presetClass="entr" presetSubtype="8" fill="hold" nodeType="withEffect">
+                                  <p:stCondLst>
+                                    <p:cond delay="0"/>
+                                  </p:stCondLst>
+                                  <p:childTnLst>
+                                    <p:set>
+                                      <p:cBhvr>
+                                        <p:cTn id="9" dur="1" fill="hold">
+                                          <p:stCondLst>
+                                            <p:cond delay="0"/>
+                                          </p:stCondLst>
+                                        </p:cTn>
+                                        <p:tgtEl>
+                                          <p:spTgt spid="16"/>
+                                        </p:tgtEl>
+                                        <p:attrNameLst>
+                                          <p:attrName>style.visibility</p:attrName>
+                                        </p:attrNameLst>
+                                      </p:cBhvr>
+                                      <p:to>
+                                        <p:strVal val="visible"/>
+                                      </p:to>
+                                    </p:set>
+                                    <p:animEffect transition="in" filter="wipe(left)">
+                                      <p:cBhvr>
+                                        <p:cTn id="10" dur="500"/>
+                                        <p:tgtEl>
+                                          <p:spTgt spid="16"/>
+                                        </p:tgtEl>
+                                      </p:cBhvr>
+                                    </p:animEffect>
+                                  </p:childTnLst>
+                                </p:cTn>
+                              </p:par>
+                              <p:par>
+                                <p:cTn id="11" presetID="22" presetClass="entr" presetSubtype="8" fill="hold" nodeType="withEffect">
+                                  <p:stCondLst>
+                                    <p:cond delay="0"/>
+                                  </p:stCondLst>
+                                  <p:childTnLst>
+                                    <p:set>
+                                      <p:cBhvr>
+                                        <p:cTn id="12" dur="1" fill="hold">
+                                          <p:stCondLst>
+                                            <p:cond delay="0"/>
+                                          </p:stCondLst>
+                                        </p:cTn>
+                                        <p:tgtEl>
+                                          <p:spTgt spid="17"/>
+                                        </p:tgtEl>
+                                        <p:attrNameLst>
+                                          <p:attrName>style.visibility</p:attrName>
+                                        </p:attrNameLst>
+                                      </p:cBhvr>
+                                      <p:to>
+                                        <p:strVal val="visible"/>
+                                      </p:to>
+                                    </p:set>
+                                    <p:animEffect transition="in" filter="wipe(left)">
+                                      <p:cBhvr>
+                                        <p:cTn id="13" dur="500"/>
+                                        <p:tgtEl>
+                                          <p:spTgt spid="17"/>
+                                        </p:tgtEl>
+                                      </p:cBhvr>
+                                    </p:animEffect>
+                                  </p:childTnLst>
+                                </p:cTn>
+                              </p:par>
+                              <p:par>
+                                <p:cTn id="14" presetID="22" presetClass="entr" presetSubtype="8" fill="hold" nodeType="withEffect">
+                                  <p:stCondLst>
+                                    <p:cond delay="0"/>
+                                  </p:stCondLst>
+                                  <p:childTnLst>
+                                    <p:set>
+                                      <p:cBhvr>
+                                        <p:cTn id="15" dur="1" fill="hold">
+                                          <p:stCondLst>
+                                            <p:cond delay="0"/>
+                                          </p:stCondLst>
+                                        </p:cTn>
+                                        <p:tgtEl>
+                                          <p:spTgt spid="19"/>
+                                        </p:tgtEl>
+                                        <p:attrNameLst>
+                                          <p:attrName>style.visibility</p:attrName>
+                                        </p:attrNameLst>
+                                      </p:cBhvr>
+                                      <p:to>
+                                        <p:strVal val="visible"/>
+                                      </p:to>
+                                    </p:set>
+                                    <p:animEffect transition="in" filter="wipe(left)">
+                                      <p:cBhvr>
+                                        <p:cTn id="16" dur="500"/>
+                                        <p:tgtEl>
+                                          <p:spTgt spid="19"/>
+                                        </p:tgtEl>
+                                      </p:cBhvr>
+                                    </p:animEffect>
+                                  </p:childTnLst>
+                                </p:cTn>
+                              </p:par>
+                              <p:par>
+                                <p:cTn id="17" presetID="22" presetClass="entr" presetSubtype="8" fill="hold" grpId="0" nodeType="withEffect">
+                                  <p:stCondLst>
+                                    <p:cond delay="0"/>
+                                  </p:stCondLst>
+                                  <p:childTnLst>
+                                    <p:set>
+                                      <p:cBhvr>
+                                        <p:cTn id="18" dur="1" fill="hold">
+                                          <p:stCondLst>
+                                            <p:cond delay="0"/>
+                                          </p:stCondLst>
+                                        </p:cTn>
+                                        <p:tgtEl>
+                                          <p:spTgt spid="29"/>
+                                        </p:tgtEl>
+                                        <p:attrNameLst>
+                                          <p:attrName>style.visibility</p:attrName>
+                                        </p:attrNameLst>
+                                      </p:cBhvr>
+                                      <p:to>
+                                        <p:strVal val="visible"/>
+                                      </p:to>
+                                    </p:set>
+                                    <p:animEffect transition="in" filter="wipe(left)">
+                                      <p:cBhvr>
+                                        <p:cTn id="19" dur="500"/>
+                                        <p:tgtEl>
+                                          <p:spTgt spid="29"/>
+                                        </p:tgtEl>
+                                      </p:cBhvr>
+                                    </p:animEffect>
+                                  </p:childTnLst>
+                                </p:cTn>
+                              </p:par>
+                              <p:par>
+                                <p:cTn id="20" presetID="22" presetClass="entr" presetSubtype="8" fill="hold" grpId="0" nodeType="withEffect">
+                                  <p:stCondLst>
+                                    <p:cond delay="0"/>
+                                  </p:stCondLst>
+                                  <p:childTnLst>
+                                    <p:set>
+                                      <p:cBhvr>
+                                        <p:cTn id="21" dur="1" fill="hold">
+                                          <p:stCondLst>
+                                            <p:cond delay="0"/>
+                                          </p:stCondLst>
+                                        </p:cTn>
+                                        <p:tgtEl>
+                                          <p:spTgt spid="31"/>
+                                        </p:tgtEl>
+                                        <p:attrNameLst>
+                                          <p:attrName>style.visibility</p:attrName>
+                                        </p:attrNameLst>
+                                      </p:cBhvr>
+                                      <p:to>
+                                        <p:strVal val="visible"/>
+                                      </p:to>
+                                    </p:set>
+                                    <p:animEffect transition="in" filter="wipe(left)">
+                                      <p:cBhvr>
+                                        <p:cTn id="22" dur="500"/>
+                                        <p:tgtEl>
+                                          <p:spTgt spid="31"/>
+                                        </p:tgtEl>
+                                      </p:cBhvr>
+                                    </p:animEffect>
+                                  </p:childTnLst>
+                                </p:cTn>
+                              </p:par>
+                            </p:childTnLst>
+                          </p:cTn>
+                        </p:par>
+                      </p:childTnLst>
+                    </p:cTn>
+                  </p:par>
+                </p:childTnLst>
+              </p:cTn>
+              <p:prevCondLst>
+                <p:cond evt="onPrev" delay="0">
+                  <p:tgtEl>
+                    <p:sldTgt/>
+                  </p:tgtEl>
+                </p:cond>
+              </p:prevCondLst>
+              <p:nextCondLst>
+                <p:cond evt="onNext" delay="0">
+                  <p:tgtEl>
+                    <p:sldTgt/>
+                  </p:tgtEl>
+                </p:cond>
+              </p:nextCondLst>
+            </p:seq>
+          </p:childTnLst>
+        </p:cTn>
+      </p:par>
+    </p:tnLst>
+    <p:bldLst>
+      <p:bldP spid="13" grpId="0"/>
+      <p:bldP spid="13" grpId="1"/>
+      <p:bldP spid="29" grpId="0" animBg="1"/>
+      <p:bldP spid="29" grpId="1" animBg="1"/>
+      <p:bldP spid="31" grpId="0" animBg="1"/>
+      <p:bldP spid="31" grpId="1" animBg="1"/>
+    </p:bldLst>
+  </p:timing>
 </p:sld>
 </file>
 
@@ -32803,6 +33831,332 @@
 </file>
 
 <file path=ppt/slides/slide42.xml><?xml version="1.0" encoding="utf-8"?>
+<p:sld xmlns:a="http://schemas.openxmlformats.org/drawingml/2006/main" xmlns:r="http://schemas.openxmlformats.org/officeDocument/2006/relationships" xmlns:p="http://schemas.openxmlformats.org/presentationml/2006/main">
+  <p:cSld>
+    <p:spTree>
+      <p:nvGrpSpPr>
+        <p:cNvPr id="1" name=""/>
+        <p:cNvGrpSpPr/>
+        <p:nvPr/>
+      </p:nvGrpSpPr>
+      <p:grpSpPr/>
+      <p:sp>
+        <p:nvSpPr>
+          <p:cNvPr id="18" name="任意多边形 17"/>
+          <p:cNvSpPr/>
+          <p:nvPr/>
+        </p:nvSpPr>
+        <p:spPr>
+          <a:xfrm rot="600000">
+            <a:off x="5342086" y="122979"/>
+            <a:ext cx="1728000" cy="944245"/>
+          </a:xfrm>
+          <a:custGeom>
+            <a:avLst/>
+            <a:gdLst>
+              <a:gd name="connisteX0" fmla="*/ 257810 w 3935730"/>
+              <a:gd name="connsiteY0" fmla="*/ 429260 h 944880"/>
+              <a:gd name="connisteX1" fmla="*/ 3394710 w 3935730"/>
+              <a:gd name="connsiteY1" fmla="*/ 0 h 944880"/>
+              <a:gd name="connisteX2" fmla="*/ 26035 w 3935730"/>
+              <a:gd name="connsiteY2" fmla="*/ 541020 h 944880"/>
+              <a:gd name="connisteX3" fmla="*/ 3575050 w 3935730"/>
+              <a:gd name="connsiteY3" fmla="*/ 51435 h 944880"/>
+              <a:gd name="connisteX4" fmla="*/ 172085 w 3935730"/>
+              <a:gd name="connsiteY4" fmla="*/ 601345 h 944880"/>
+              <a:gd name="connisteX5" fmla="*/ 3652520 w 3935730"/>
+              <a:gd name="connsiteY5" fmla="*/ 128905 h 944880"/>
+              <a:gd name="connisteX6" fmla="*/ 51435 w 3935730"/>
+              <a:gd name="connsiteY6" fmla="*/ 678815 h 944880"/>
+              <a:gd name="connisteX7" fmla="*/ 3514725 w 3935730"/>
+              <a:gd name="connsiteY7" fmla="*/ 214630 h 944880"/>
+              <a:gd name="connisteX8" fmla="*/ 369570 w 3935730"/>
+              <a:gd name="connsiteY8" fmla="*/ 704215 h 944880"/>
+              <a:gd name="connisteX9" fmla="*/ 3695700 w 3935730"/>
+              <a:gd name="connsiteY9" fmla="*/ 274955 h 944880"/>
+              <a:gd name="connisteX10" fmla="*/ 180340 w 3935730"/>
+              <a:gd name="connsiteY10" fmla="*/ 833120 h 944880"/>
+              <a:gd name="connisteX11" fmla="*/ 3695700 w 3935730"/>
+              <a:gd name="connsiteY11" fmla="*/ 351790 h 944880"/>
+              <a:gd name="connisteX12" fmla="*/ 0 w 3935730"/>
+              <a:gd name="connsiteY12" fmla="*/ 944880 h 944880"/>
+              <a:gd name="connisteX13" fmla="*/ 3935730 w 3935730"/>
+              <a:gd name="connsiteY13" fmla="*/ 360680 h 944880"/>
+            </a:gdLst>
+            <a:ahLst/>
+            <a:cxnLst>
+              <a:cxn ang="0">
+                <a:pos x="connisteX0" y="connsiteY0"/>
+              </a:cxn>
+              <a:cxn ang="0">
+                <a:pos x="connisteX1" y="connsiteY1"/>
+              </a:cxn>
+              <a:cxn ang="0">
+                <a:pos x="connisteX2" y="connsiteY2"/>
+              </a:cxn>
+              <a:cxn ang="0">
+                <a:pos x="connisteX3" y="connsiteY3"/>
+              </a:cxn>
+              <a:cxn ang="0">
+                <a:pos x="connisteX4" y="connsiteY4"/>
+              </a:cxn>
+              <a:cxn ang="0">
+                <a:pos x="connisteX5" y="connsiteY5"/>
+              </a:cxn>
+              <a:cxn ang="0">
+                <a:pos x="connisteX6" y="connsiteY6"/>
+              </a:cxn>
+              <a:cxn ang="0">
+                <a:pos x="connisteX7" y="connsiteY7"/>
+              </a:cxn>
+              <a:cxn ang="0">
+                <a:pos x="connisteX8" y="connsiteY8"/>
+              </a:cxn>
+              <a:cxn ang="0">
+                <a:pos x="connisteX9" y="connsiteY9"/>
+              </a:cxn>
+              <a:cxn ang="0">
+                <a:pos x="connisteX10" y="connsiteY10"/>
+              </a:cxn>
+              <a:cxn ang="0">
+                <a:pos x="connisteX11" y="connsiteY11"/>
+              </a:cxn>
+              <a:cxn ang="0">
+                <a:pos x="connisteX12" y="connsiteY12"/>
+              </a:cxn>
+              <a:cxn ang="0">
+                <a:pos x="connisteX13" y="connsiteY13"/>
+              </a:cxn>
+            </a:cxnLst>
+            <a:rect l="l" t="t" r="r" b="b"/>
+            <a:pathLst>
+              <a:path w="3935730" h="944880">
+                <a:moveTo>
+                  <a:pt x="257810" y="429260"/>
+                </a:moveTo>
+                <a:lnTo>
+                  <a:pt x="3394710" y="0"/>
+                </a:lnTo>
+                <a:lnTo>
+                  <a:pt x="26035" y="541020"/>
+                </a:lnTo>
+                <a:lnTo>
+                  <a:pt x="3575050" y="51435"/>
+                </a:lnTo>
+                <a:lnTo>
+                  <a:pt x="172085" y="601345"/>
+                </a:lnTo>
+                <a:lnTo>
+                  <a:pt x="3652520" y="128905"/>
+                </a:lnTo>
+                <a:lnTo>
+                  <a:pt x="51435" y="678815"/>
+                </a:lnTo>
+                <a:lnTo>
+                  <a:pt x="3514725" y="214630"/>
+                </a:lnTo>
+                <a:lnTo>
+                  <a:pt x="369570" y="704215"/>
+                </a:lnTo>
+                <a:lnTo>
+                  <a:pt x="3695700" y="274955"/>
+                </a:lnTo>
+                <a:lnTo>
+                  <a:pt x="180340" y="833120"/>
+                </a:lnTo>
+                <a:lnTo>
+                  <a:pt x="3695700" y="351790"/>
+                </a:lnTo>
+                <a:lnTo>
+                  <a:pt x="0" y="944880"/>
+                </a:lnTo>
+                <a:lnTo>
+                  <a:pt x="3935730" y="360680"/>
+                </a:lnTo>
+              </a:path>
+            </a:pathLst>
+          </a:custGeom>
+          <a:noFill/>
+          <a:ln w="203200">
+            <a:solidFill>
+              <a:schemeClr val="accent4">
+                <a:lumMod val="40000"/>
+                <a:lumOff val="60000"/>
+              </a:schemeClr>
+            </a:solidFill>
+          </a:ln>
+          <a:effectLst>
+            <a:softEdge rad="63500"/>
+          </a:effectLst>
+        </p:spPr>
+        <p:style>
+          <a:lnRef idx="2">
+            <a:schemeClr val="accent1">
+              <a:shade val="50000"/>
+            </a:schemeClr>
+          </a:lnRef>
+          <a:fillRef idx="1">
+            <a:schemeClr val="accent1"/>
+          </a:fillRef>
+          <a:effectRef idx="0">
+            <a:schemeClr val="accent1"/>
+          </a:effectRef>
+          <a:fontRef idx="minor">
+            <a:schemeClr val="lt1"/>
+          </a:fontRef>
+        </p:style>
+        <p:txBody>
+          <a:bodyPr rtlCol="0" anchor="ctr"/>
+          <a:p>
+            <a:pPr algn="ctr"/>
+            <a:endParaRPr lang="zh-CN" altLang="en-US"/>
+          </a:p>
+        </p:txBody>
+      </p:sp>
+      <p:sp>
+        <p:nvSpPr>
+          <p:cNvPr id="2" name="标题 1"/>
+          <p:cNvSpPr>
+            <a:spLocks noGrp="1"/>
+          </p:cNvSpPr>
+          <p:nvPr>
+            <p:ph type="title"/>
+          </p:nvPr>
+        </p:nvSpPr>
+        <p:spPr>
+          <a:xfrm>
+            <a:off x="5132070" y="245745"/>
+            <a:ext cx="2136775" cy="817245"/>
+          </a:xfrm>
+        </p:spPr>
+        <p:txBody>
+          <a:bodyPr>
+            <a:normAutofit fontScale="90000"/>
+          </a:bodyPr>
+          <a:p>
+            <a:r>
+              <a:rPr lang="en-US" altLang="zh-CN">
+                <a:latin typeface="Aa小梨涡" panose="02010600010101010101" charset="-122"/>
+                <a:ea typeface="Aa小梨涡" panose="02010600010101010101" charset="-122"/>
+              </a:rPr>
+              <a:t>1.</a:t>
+            </a:r>
+            <a:r>
+              <a:rPr lang="zh-CN" altLang="en-US">
+                <a:latin typeface="Aa小梨涡" panose="02010600010101010101" charset="-122"/>
+                <a:ea typeface="Aa小梨涡" panose="02010600010101010101" charset="-122"/>
+              </a:rPr>
+              <a:t>开篇词</a:t>
+            </a:r>
+            <a:endParaRPr lang="zh-CN" altLang="en-US">
+              <a:latin typeface="Aa小梨涡" panose="02010600010101010101" charset="-122"/>
+              <a:ea typeface="Aa小梨涡" panose="02010600010101010101" charset="-122"/>
+            </a:endParaRPr>
+          </a:p>
+        </p:txBody>
+      </p:sp>
+      <p:sp>
+        <p:nvSpPr>
+          <p:cNvPr id="20" name="任意多边形 19"/>
+          <p:cNvSpPr/>
+          <p:nvPr/>
+        </p:nvSpPr>
+        <p:spPr>
+          <a:xfrm rot="10320000">
+            <a:off x="4344035" y="897890"/>
+            <a:ext cx="3456305" cy="76200"/>
+          </a:xfrm>
+          <a:custGeom>
+            <a:avLst/>
+            <a:gdLst>
+              <a:gd name="connisteX0" fmla="*/ 4685923 w 4685923"/>
+              <a:gd name="connsiteY0" fmla="*/ 9525 h 464575"/>
+              <a:gd name="connisteX1" fmla="*/ 548898 w 4685923"/>
+              <a:gd name="connsiteY1" fmla="*/ 238125 h 464575"/>
+              <a:gd name="connisteX2" fmla="*/ 672723 w 4685923"/>
+              <a:gd name="connsiteY2" fmla="*/ 456565 h 464575"/>
+              <a:gd name="connisteX3" fmla="*/ 4638298 w 4685923"/>
+              <a:gd name="connsiteY3" fmla="*/ 0 h 464575"/>
+            </a:gdLst>
+            <a:ahLst/>
+            <a:cxnLst>
+              <a:cxn ang="0">
+                <a:pos x="connisteX0" y="connsiteY0"/>
+              </a:cxn>
+              <a:cxn ang="0">
+                <a:pos x="connisteX1" y="connsiteY1"/>
+              </a:cxn>
+              <a:cxn ang="0">
+                <a:pos x="connisteX2" y="connsiteY2"/>
+              </a:cxn>
+              <a:cxn ang="0">
+                <a:pos x="connisteX3" y="connsiteY3"/>
+              </a:cxn>
+            </a:cxnLst>
+            <a:rect l="l" t="t" r="r" b="b"/>
+            <a:pathLst>
+              <a:path w="4685923" h="464576">
+                <a:moveTo>
+                  <a:pt x="4685923" y="9525"/>
+                </a:moveTo>
+                <a:cubicBezTo>
+                  <a:pt x="3855978" y="50800"/>
+                  <a:pt x="1351538" y="148590"/>
+                  <a:pt x="548898" y="238125"/>
+                </a:cubicBezTo>
+                <a:cubicBezTo>
+                  <a:pt x="-253742" y="327660"/>
+                  <a:pt x="-145157" y="504190"/>
+                  <a:pt x="672723" y="456565"/>
+                </a:cubicBezTo>
+                <a:cubicBezTo>
+                  <a:pt x="1490603" y="408940"/>
+                  <a:pt x="3847723" y="95885"/>
+                  <a:pt x="4638298" y="0"/>
+                </a:cubicBezTo>
+              </a:path>
+            </a:pathLst>
+          </a:custGeom>
+          <a:solidFill>
+            <a:schemeClr val="accent5"/>
+          </a:solidFill>
+          <a:ln>
+            <a:noFill/>
+          </a:ln>
+        </p:spPr>
+        <p:style>
+          <a:lnRef idx="2">
+            <a:schemeClr val="accent1">
+              <a:shade val="50000"/>
+            </a:schemeClr>
+          </a:lnRef>
+          <a:fillRef idx="1">
+            <a:schemeClr val="accent1"/>
+          </a:fillRef>
+          <a:effectRef idx="0">
+            <a:schemeClr val="accent1"/>
+          </a:effectRef>
+          <a:fontRef idx="minor">
+            <a:schemeClr val="lt1"/>
+          </a:fontRef>
+        </p:style>
+        <p:txBody>
+          <a:bodyPr rtlCol="0" anchor="ctr"/>
+          <a:p>
+            <a:pPr algn="ctr"/>
+            <a:endParaRPr lang="zh-CN" altLang="en-US"/>
+          </a:p>
+        </p:txBody>
+      </p:sp>
+    </p:spTree>
+  </p:cSld>
+  <p:clrMapOvr>
+    <a:masterClrMapping/>
+  </p:clrMapOvr>
+</p:sld>
+</file>
+
+<file path=ppt/slides/slide43.xml><?xml version="1.0" encoding="utf-8"?>
 <p:sld xmlns:a="http://schemas.openxmlformats.org/drawingml/2006/main" xmlns:r="http://schemas.openxmlformats.org/officeDocument/2006/relationships" xmlns:p="http://schemas.openxmlformats.org/presentationml/2006/main">
   <p:cSld>
     <p:spTree>

--- a/PPT/CorePython.pptx
+++ b/PPT/CorePython.pptx
@@ -25037,7 +25037,7 @@
       <p:grpSpPr/>
       <p:pic>
         <p:nvPicPr>
-          <p:cNvPr id="8" name="图片 7" descr="sequence_uml"/>
+          <p:cNvPr id="3" name="图片 2" descr="generator-uml"/>
           <p:cNvPicPr>
             <a:picLocks noChangeAspect="1"/>
           </p:cNvPicPr>
@@ -25051,7 +25051,7 @@
         </p:blipFill>
         <p:spPr>
           <a:xfrm>
-            <a:off x="565150" y="1003935"/>
+            <a:off x="565150" y="917575"/>
             <a:ext cx="10058400" cy="5641340"/>
           </a:xfrm>
           <a:prstGeom prst="rect">
@@ -25627,106 +25627,8 @@
         </p:nvSpPr>
         <p:spPr>
           <a:xfrm>
-            <a:off x="1541145" y="3620135"/>
+            <a:off x="3373755" y="4878070"/>
             <a:ext cx="981710" cy="529590"/>
-          </a:xfrm>
-          <a:custGeom>
-            <a:avLst/>
-            <a:gdLst>
-              <a:gd name="connsiteX0" fmla="*/ 716 w 1431"/>
-              <a:gd name="connsiteY0" fmla="*/ 0 h 645"/>
-              <a:gd name="connsiteX1" fmla="*/ 1431 w 1431"/>
-              <a:gd name="connsiteY1" fmla="*/ 323 h 645"/>
-              <a:gd name="connsiteX2" fmla="*/ 716 w 1431"/>
-              <a:gd name="connsiteY2" fmla="*/ 645 h 645"/>
-              <a:gd name="connsiteX3" fmla="*/ 0 w 1431"/>
-              <a:gd name="connsiteY3" fmla="*/ 323 h 645"/>
-              <a:gd name="connsiteX4" fmla="*/ 881 w 1431"/>
-              <a:gd name="connsiteY4" fmla="*/ 165 h 645"/>
-            </a:gdLst>
-            <a:ahLst/>
-            <a:cxnLst>
-              <a:cxn ang="0">
-                <a:pos x="connsiteX0" y="connsiteY0"/>
-              </a:cxn>
-              <a:cxn ang="0">
-                <a:pos x="connsiteX1" y="connsiteY1"/>
-              </a:cxn>
-              <a:cxn ang="0">
-                <a:pos x="connsiteX2" y="connsiteY2"/>
-              </a:cxn>
-              <a:cxn ang="0">
-                <a:pos x="connsiteX3" y="connsiteY3"/>
-              </a:cxn>
-              <a:cxn ang="0">
-                <a:pos x="connsiteX4" y="connsiteY4"/>
-              </a:cxn>
-            </a:cxnLst>
-            <a:rect l="l" t="t" r="r" b="b"/>
-            <a:pathLst>
-              <a:path w="1431" h="645">
-                <a:moveTo>
-                  <a:pt x="716" y="0"/>
-                </a:moveTo>
-                <a:cubicBezTo>
-                  <a:pt x="1111" y="0"/>
-                  <a:pt x="1431" y="144"/>
-                  <a:pt x="1431" y="323"/>
-                </a:cubicBezTo>
-                <a:cubicBezTo>
-                  <a:pt x="1431" y="501"/>
-                  <a:pt x="1111" y="645"/>
-                  <a:pt x="716" y="645"/>
-                </a:cubicBezTo>
-                <a:cubicBezTo>
-                  <a:pt x="320" y="645"/>
-                  <a:pt x="0" y="501"/>
-                  <a:pt x="0" y="323"/>
-                </a:cubicBezTo>
-                <a:cubicBezTo>
-                  <a:pt x="0" y="144"/>
-                  <a:pt x="320" y="0"/>
-                  <a:pt x="881" y="165"/>
-                </a:cubicBezTo>
-              </a:path>
-            </a:pathLst>
-          </a:custGeom>
-          <a:noFill/>
-          <a:ln>
-            <a:solidFill>
-              <a:srgbClr val="FF0000"/>
-            </a:solidFill>
-          </a:ln>
-        </p:spPr>
-        <p:txBody>
-          <a:bodyPr/>
-          <a:p>
-            <a:pPr eaLnBrk="1" hangingPunct="1">
-              <a:spcBef>
-                <a:spcPct val="0"/>
-              </a:spcBef>
-              <a:buFontTx/>
-              <a:buNone/>
-            </a:pPr>
-            <a:endParaRPr lang="zh-CN" altLang="en-US" sz="1800">
-              <a:solidFill>
-                <a:schemeClr val="tx1"/>
-              </a:solidFill>
-              <a:ea typeface="宋体" panose="02010600030101010101" pitchFamily="2" charset="-122"/>
-            </a:endParaRPr>
-          </a:p>
-        </p:txBody>
-      </p:sp>
-      <p:sp>
-        <p:nvSpPr>
-          <p:cNvPr id="10" name="任意多边形 9"/>
-          <p:cNvSpPr/>
-          <p:nvPr/>
-        </p:nvSpPr>
-        <p:spPr>
-          <a:xfrm>
-            <a:off x="1139190" y="4566285"/>
-            <a:ext cx="1384300" cy="529590"/>
           </a:xfrm>
           <a:custGeom>
             <a:avLst/>
@@ -25824,7 +25726,7 @@
         <p:spPr>
           <a:xfrm>
             <a:off x="4773295" y="2459355"/>
-            <a:ext cx="981710" cy="529590"/>
+            <a:ext cx="981710" cy="409575"/>
           </a:xfrm>
           <a:custGeom>
             <a:avLst/>
@@ -25922,7 +25824,7 @@
         <p:spPr>
           <a:xfrm>
             <a:off x="3373755" y="3806825"/>
-            <a:ext cx="981710" cy="529590"/>
+            <a:ext cx="981710" cy="389890"/>
           </a:xfrm>
           <a:custGeom>
             <a:avLst/>
@@ -26007,6 +25909,47 @@
                 <a:schemeClr val="tx1"/>
               </a:solidFill>
               <a:ea typeface="宋体" panose="02010600030101010101" pitchFamily="2" charset="-122"/>
+            </a:endParaRPr>
+          </a:p>
+        </p:txBody>
+      </p:sp>
+      <p:sp>
+        <p:nvSpPr>
+          <p:cNvPr id="4" name="文本框 3"/>
+          <p:cNvSpPr txBox="1"/>
+          <p:nvPr/>
+        </p:nvSpPr>
+        <p:spPr>
+          <a:xfrm>
+            <a:off x="9984740" y="6221095"/>
+            <a:ext cx="1407160" cy="270510"/>
+          </a:xfrm>
+          <a:prstGeom prst="rect">
+            <a:avLst/>
+          </a:prstGeom>
+          <a:noFill/>
+        </p:spPr>
+        <p:txBody>
+          <a:bodyPr wrap="square" rtlCol="0">
+            <a:spAutoFit/>
+          </a:bodyPr>
+          <a:p>
+            <a:r>
+              <a:rPr lang="en-US" altLang="zh-CN" baseline="30000">
+                <a:solidFill>
+                  <a:schemeClr val="accent5"/>
+                </a:solidFill>
+                <a:latin typeface="Comic Sans MS" panose="030F0702030302020204" charset="0"/>
+                <a:cs typeface="Comic Sans MS" panose="030F0702030302020204" charset="0"/>
+              </a:rPr>
+              <a:t>[5.2-1.py]</a:t>
+            </a:r>
+            <a:endParaRPr lang="en-US" altLang="zh-CN" baseline="30000">
+              <a:solidFill>
+                <a:schemeClr val="accent5"/>
+              </a:solidFill>
+              <a:latin typeface="Comic Sans MS" panose="030F0702030302020204" charset="0"/>
+              <a:cs typeface="Comic Sans MS" panose="030F0702030302020204" charset="0"/>
             </a:endParaRPr>
           </a:p>
         </p:txBody>
@@ -26077,7 +26020,7 @@
                                           </p:stCondLst>
                                         </p:cTn>
                                         <p:tgtEl>
-                                          <p:spTgt spid="8"/>
+                                          <p:spTgt spid="3"/>
                                         </p:tgtEl>
                                         <p:attrNameLst>
                                           <p:attrName>style.visibility</p:attrName>
@@ -26178,33 +26121,15 @@
                                   </p:childTnLst>
                                 </p:cTn>
                               </p:par>
-                            </p:childTnLst>
-                          </p:cTn>
-                        </p:par>
-                      </p:childTnLst>
-                    </p:cTn>
-                  </p:par>
-                  <p:par>
-                    <p:cTn id="17" fill="hold">
-                      <p:stCondLst>
-                        <p:cond delay="indefinite"/>
-                      </p:stCondLst>
-                      <p:childTnLst>
-                        <p:par>
-                          <p:cTn id="18" fill="hold">
-                            <p:stCondLst>
-                              <p:cond delay="0"/>
-                            </p:stCondLst>
-                            <p:childTnLst>
                               <p:par>
-                                <p:cTn id="19" presetID="22" presetClass="entr" presetSubtype="4" fill="hold" grpId="0" nodeType="clickEffect">
+                                <p:cTn id="17" presetID="22" presetClass="entr" presetSubtype="4" fill="hold" grpId="0" nodeType="withEffect">
                                   <p:stCondLst>
                                     <p:cond delay="0"/>
                                   </p:stCondLst>
                                   <p:childTnLst>
                                     <p:set>
                                       <p:cBhvr>
-                                        <p:cTn id="20" dur="1" fill="hold">
+                                        <p:cTn id="18" dur="1" fill="hold">
                                           <p:stCondLst>
                                             <p:cond delay="0"/>
                                           </p:stCondLst>
@@ -26222,7 +26147,7 @@
                                     </p:set>
                                     <p:animEffect transition="in" filter="wipe(down)">
                                       <p:cBhvr>
-                                        <p:cTn id="21" dur="500"/>
+                                        <p:cTn id="19" dur="500"/>
                                         <p:tgtEl>
                                           <p:spTgt spid="6"/>
                                         </p:tgtEl>
@@ -26232,14 +26157,14 @@
                                 </p:cTn>
                               </p:par>
                               <p:par>
-                                <p:cTn id="22" presetID="22" presetClass="entr" presetSubtype="4" fill="hold" grpId="0" nodeType="withEffect">
+                                <p:cTn id="20" presetID="22" presetClass="entr" presetSubtype="4" fill="hold" grpId="0" nodeType="withEffect">
                                   <p:stCondLst>
                                     <p:cond delay="0"/>
                                   </p:stCondLst>
                                   <p:childTnLst>
                                     <p:set>
                                       <p:cBhvr>
-                                        <p:cTn id="23" dur="1" fill="hold">
+                                        <p:cTn id="21" dur="1" fill="hold">
                                           <p:stCondLst>
                                             <p:cond delay="0"/>
                                           </p:stCondLst>
@@ -26257,7 +26182,7 @@
                                     </p:set>
                                     <p:animEffect transition="in" filter="wipe(down)">
                                       <p:cBhvr>
-                                        <p:cTn id="24" dur="500"/>
+                                        <p:cTn id="22" dur="500"/>
                                         <p:tgtEl>
                                           <p:spTgt spid="7"/>
                                         </p:tgtEl>
@@ -26267,14 +26192,14 @@
                                 </p:cTn>
                               </p:par>
                               <p:par>
-                                <p:cTn id="25" presetID="22" presetClass="entr" presetSubtype="4" fill="hold" grpId="0" nodeType="withEffect">
+                                <p:cTn id="23" presetID="22" presetClass="entr" presetSubtype="4" fill="hold" grpId="0" nodeType="withEffect">
                                   <p:stCondLst>
                                     <p:cond delay="0"/>
                                   </p:stCondLst>
                                   <p:childTnLst>
                                     <p:set>
                                       <p:cBhvr>
-                                        <p:cTn id="26" dur="1" fill="hold">
+                                        <p:cTn id="24" dur="1" fill="hold">
                                           <p:stCondLst>
                                             <p:cond delay="0"/>
                                           </p:stCondLst>
@@ -26292,7 +26217,7 @@
                                     </p:set>
                                     <p:animEffect transition="in" filter="wipe(down)">
                                       <p:cBhvr>
-                                        <p:cTn id="27" dur="500"/>
+                                        <p:cTn id="25" dur="500"/>
                                         <p:tgtEl>
                                           <p:spTgt spid="9"/>
                                         </p:tgtEl>
@@ -26302,20 +26227,20 @@
                                 </p:cTn>
                               </p:par>
                               <p:par>
-                                <p:cTn id="28" presetID="22" presetClass="entr" presetSubtype="4" fill="hold" grpId="0" nodeType="withEffect">
+                                <p:cTn id="26" presetID="1" presetClass="entr" presetSubtype="0" fill="hold" grpId="0" nodeType="withEffect">
                                   <p:stCondLst>
                                     <p:cond delay="0"/>
                                   </p:stCondLst>
                                   <p:childTnLst>
                                     <p:set>
                                       <p:cBhvr>
-                                        <p:cTn id="29" dur="1" fill="hold">
+                                        <p:cTn id="27" dur="1" fill="hold">
                                           <p:stCondLst>
                                             <p:cond delay="0"/>
                                           </p:stCondLst>
                                         </p:cTn>
                                         <p:tgtEl>
-                                          <p:spTgt spid="10"/>
+                                          <p:spTgt spid="4"/>
                                         </p:tgtEl>
                                         <p:attrNameLst>
                                           <p:attrName>style.visibility</p:attrName>
@@ -26325,14 +26250,6 @@
                                         <p:strVal val="visible"/>
                                       </p:to>
                                     </p:set>
-                                    <p:animEffect transition="in" filter="wipe(down)">
-                                      <p:cBhvr>
-                                        <p:cTn id="30" dur="500"/>
-                                        <p:tgtEl>
-                                          <p:spTgt spid="10"/>
-                                        </p:tgtEl>
-                                      </p:cBhvr>
-                                    </p:animEffect>
                                   </p:childTnLst>
                                 </p:cTn>
                               </p:par>
@@ -26372,12 +26289,12 @@
       <p:bldP spid="7" grpId="1" animBg="1"/>
       <p:bldP spid="9" grpId="0" bldLvl="0" animBg="1"/>
       <p:bldP spid="9" grpId="1" animBg="1"/>
-      <p:bldP spid="10" grpId="0" bldLvl="0" animBg="1"/>
-      <p:bldP spid="10" grpId="1" animBg="1"/>
       <p:bldP spid="11" grpId="0" bldLvl="0" animBg="1"/>
       <p:bldP spid="11" grpId="1" animBg="1"/>
       <p:bldP spid="12" grpId="0" bldLvl="0" animBg="1"/>
       <p:bldP spid="12" grpId="1" animBg="1"/>
+      <p:bldP spid="4" grpId="0"/>
+      <p:bldP spid="4" grpId="1"/>
     </p:bldLst>
   </p:timing>
 </p:sld>
@@ -27031,7 +26948,7 @@
                 <a:latin typeface="Comic Sans MS" panose="030F0702030302020204" charset="0"/>
                 <a:cs typeface="Comic Sans MS" panose="030F0702030302020204" charset="0"/>
               </a:rPr>
-              <a:t>[5.2-1.py]</a:t>
+              <a:t>[5.2-2.py]</a:t>
             </a:r>
             <a:endParaRPr lang="en-US" altLang="zh-CN" baseline="30000">
               <a:solidFill>
@@ -29082,8 +28999,8 @@
         </p:nvSpPr>
         <p:spPr>
           <a:xfrm>
-            <a:off x="5132070" y="245745"/>
-            <a:ext cx="2136775" cy="817245"/>
+            <a:off x="4793615" y="255905"/>
+            <a:ext cx="2605405" cy="817245"/>
           </a:xfrm>
         </p:spPr>
         <p:txBody>
@@ -29096,14 +29013,14 @@
                 <a:latin typeface="Aa小梨涡" panose="02010600010101010101" charset="-122"/>
                 <a:ea typeface="Aa小梨涡" panose="02010600010101010101" charset="-122"/>
               </a:rPr>
-              <a:t>1.</a:t>
+              <a:t>5.3 </a:t>
             </a:r>
             <a:r>
               <a:rPr lang="zh-CN" altLang="en-US">
                 <a:latin typeface="Aa小梨涡" panose="02010600010101010101" charset="-122"/>
                 <a:ea typeface="Aa小梨涡" panose="02010600010101010101" charset="-122"/>
               </a:rPr>
-              <a:t>开篇词</a:t>
+              <a:t>生成器</a:t>
             </a:r>
             <a:endParaRPr lang="zh-CN" altLang="en-US">
               <a:latin typeface="Aa小梨涡" panose="02010600010101010101" charset="-122"/>
@@ -29205,11 +29122,579 @@
           </a:p>
         </p:txBody>
       </p:sp>
+      <p:sp>
+        <p:nvSpPr>
+          <p:cNvPr id="13" name="文本框 12"/>
+          <p:cNvSpPr txBox="1"/>
+          <p:nvPr/>
+        </p:nvSpPr>
+        <p:spPr>
+          <a:xfrm>
+            <a:off x="565150" y="1214120"/>
+            <a:ext cx="11281410" cy="2784475"/>
+          </a:xfrm>
+          <a:prstGeom prst="rect">
+            <a:avLst/>
+          </a:prstGeom>
+          <a:noFill/>
+          <a:ln>
+            <a:noFill/>
+          </a:ln>
+        </p:spPr>
+        <p:txBody>
+          <a:bodyPr wrap="square" rtlCol="0">
+            <a:spAutoFit/>
+          </a:bodyPr>
+          <a:p>
+            <a:pPr fontAlgn="auto">
+              <a:lnSpc>
+                <a:spcPts val="3500"/>
+              </a:lnSpc>
+            </a:pPr>
+            <a:r>
+              <a:rPr lang="en-US" sz="2200">
+                <a:latin typeface="Aa小梨涡" panose="02010600010101010101" charset="-122"/>
+                <a:ea typeface="Aa小梨涡" panose="02010600010101010101" charset="-122"/>
+                <a:cs typeface="Aa小梨涡" panose="02010600010101010101" charset="-122"/>
+                <a:sym typeface="+mn-ea"/>
+              </a:rPr>
+              <a:t>1. </a:t>
+            </a:r>
+            <a:r>
+              <a:rPr lang="zh-CN" altLang="en-US" sz="2200">
+                <a:latin typeface="Calibri" panose="020F0502020204030204" charset="0"/>
+                <a:ea typeface="Aa小梨涡" panose="02010600010101010101" charset="-122"/>
+                <a:cs typeface="Aa小梨涡" panose="02010600010101010101" charset="-122"/>
+                <a:sym typeface="+mn-ea"/>
+              </a:rPr>
+              <a:t>生成器函数</a:t>
+            </a:r>
+            <a:endParaRPr lang="zh-CN" altLang="en-US" sz="2200">
+              <a:latin typeface="Calibri" panose="020F0502020204030204" charset="0"/>
+              <a:ea typeface="Aa小梨涡" panose="02010600010101010101" charset="-122"/>
+              <a:cs typeface="Aa小梨涡" panose="02010600010101010101" charset="-122"/>
+              <a:sym typeface="+mn-ea"/>
+            </a:endParaRPr>
+          </a:p>
+          <a:p>
+            <a:pPr fontAlgn="auto">
+              <a:lnSpc>
+                <a:spcPts val="3500"/>
+              </a:lnSpc>
+            </a:pPr>
+            <a:r>
+              <a:rPr lang="zh-CN" altLang="en-US" sz="2200">
+                <a:latin typeface="Calibri" panose="020F0502020204030204" charset="0"/>
+                <a:ea typeface="Aa小梨涡" panose="02010600010101010101" charset="-122"/>
+                <a:cs typeface="Aa小梨涡" panose="02010600010101010101" charset="-122"/>
+                <a:sym typeface="+mn-ea"/>
+              </a:rPr>
+              <a:t>①定义</a:t>
+            </a:r>
+            <a:endParaRPr lang="zh-CN" altLang="en-US" sz="2200">
+              <a:latin typeface="Calibri" panose="020F0502020204030204" charset="0"/>
+              <a:ea typeface="Aa小梨涡" panose="02010600010101010101" charset="-122"/>
+              <a:cs typeface="Aa小梨涡" panose="02010600010101010101" charset="-122"/>
+              <a:sym typeface="+mn-ea"/>
+            </a:endParaRPr>
+          </a:p>
+          <a:p>
+            <a:pPr fontAlgn="auto">
+              <a:lnSpc>
+                <a:spcPts val="3500"/>
+              </a:lnSpc>
+            </a:pPr>
+            <a:r>
+              <a:rPr lang="zh-CN" altLang="en-US" sz="2200">
+                <a:latin typeface="Calibri" panose="020F0502020204030204" charset="0"/>
+                <a:ea typeface="Aa小梨涡" panose="02010600010101010101" charset="-122"/>
+                <a:cs typeface="Aa小梨涡" panose="02010600010101010101" charset="-122"/>
+                <a:sym typeface="+mn-ea"/>
+              </a:rPr>
+              <a:t>        如果一个函数包含至少一个</a:t>
+            </a:r>
+            <a:r>
+              <a:rPr lang="en-US" altLang="zh-CN" sz="2200">
+                <a:latin typeface="Calibri" panose="020F0502020204030204" charset="0"/>
+                <a:ea typeface="Aa小梨涡" panose="02010600010101010101" charset="-122"/>
+                <a:cs typeface="Aa小梨涡" panose="02010600010101010101" charset="-122"/>
+                <a:sym typeface="+mn-ea"/>
+              </a:rPr>
+              <a:t>yield</a:t>
+            </a:r>
+            <a:r>
+              <a:rPr lang="zh-CN" altLang="en-US" sz="2200">
+                <a:latin typeface="Calibri" panose="020F0502020204030204" charset="0"/>
+                <a:ea typeface="Aa小梨涡" panose="02010600010101010101" charset="-122"/>
+                <a:cs typeface="Aa小梨涡" panose="02010600010101010101" charset="-122"/>
+                <a:sym typeface="+mn-ea"/>
+              </a:rPr>
+              <a:t>表达式，它就是一个生成器函数。</a:t>
+            </a:r>
+            <a:endParaRPr lang="zh-CN" altLang="en-US" sz="2200">
+              <a:latin typeface="Calibri" panose="020F0502020204030204" charset="0"/>
+              <a:ea typeface="Aa小梨涡" panose="02010600010101010101" charset="-122"/>
+              <a:cs typeface="Aa小梨涡" panose="02010600010101010101" charset="-122"/>
+              <a:sym typeface="+mn-ea"/>
+            </a:endParaRPr>
+          </a:p>
+          <a:p>
+            <a:pPr fontAlgn="auto">
+              <a:lnSpc>
+                <a:spcPts val="3500"/>
+              </a:lnSpc>
+            </a:pPr>
+            <a:r>
+              <a:rPr lang="zh-CN" altLang="en-US" sz="2200">
+                <a:latin typeface="Aa小梨涡" panose="02010600010101010101" charset="-122"/>
+                <a:ea typeface="Aa小梨涡" panose="02010600010101010101" charset="-122"/>
+                <a:cs typeface="Aa小梨涡" panose="02010600010101010101" charset="-122"/>
+                <a:sym typeface="+mn-ea"/>
+              </a:rPr>
+              <a:t>②</a:t>
+            </a:r>
+            <a:r>
+              <a:rPr lang="en-US" altLang="zh-CN" sz="2200">
+                <a:latin typeface="Aa小梨涡" panose="02010600010101010101" charset="-122"/>
+                <a:ea typeface="Aa小梨涡" panose="02010600010101010101" charset="-122"/>
+                <a:cs typeface="Aa小梨涡" panose="02010600010101010101" charset="-122"/>
+                <a:sym typeface="+mn-ea"/>
+              </a:rPr>
+              <a:t>yield</a:t>
+            </a:r>
+            <a:r>
+              <a:rPr lang="zh-CN" altLang="en-US" sz="2200">
+                <a:latin typeface="Aa小梨涡" panose="02010600010101010101" charset="-122"/>
+                <a:ea typeface="Aa小梨涡" panose="02010600010101010101" charset="-122"/>
+                <a:cs typeface="Aa小梨涡" panose="02010600010101010101" charset="-122"/>
+                <a:sym typeface="+mn-ea"/>
+              </a:rPr>
+              <a:t>和</a:t>
+            </a:r>
+            <a:r>
+              <a:rPr lang="en-US" altLang="zh-CN" sz="2200">
+                <a:latin typeface="Aa小梨涡" panose="02010600010101010101" charset="-122"/>
+                <a:ea typeface="Aa小梨涡" panose="02010600010101010101" charset="-122"/>
+                <a:cs typeface="Aa小梨涡" panose="02010600010101010101" charset="-122"/>
+                <a:sym typeface="+mn-ea"/>
+              </a:rPr>
+              <a:t>return</a:t>
+            </a:r>
+            <a:r>
+              <a:rPr lang="zh-CN" altLang="en-US" sz="2200">
+                <a:latin typeface="Aa小梨涡" panose="02010600010101010101" charset="-122"/>
+                <a:ea typeface="Aa小梨涡" panose="02010600010101010101" charset="-122"/>
+                <a:cs typeface="Aa小梨涡" panose="02010600010101010101" charset="-122"/>
+                <a:sym typeface="+mn-ea"/>
+              </a:rPr>
+              <a:t>的区别</a:t>
+            </a:r>
+            <a:endParaRPr lang="zh-CN" altLang="en-US" sz="2200">
+              <a:latin typeface="Aa小梨涡" panose="02010600010101010101" charset="-122"/>
+              <a:ea typeface="Aa小梨涡" panose="02010600010101010101" charset="-122"/>
+              <a:cs typeface="Aa小梨涡" panose="02010600010101010101" charset="-122"/>
+              <a:sym typeface="+mn-ea"/>
+            </a:endParaRPr>
+          </a:p>
+          <a:p>
+            <a:pPr fontAlgn="auto">
+              <a:lnSpc>
+                <a:spcPts val="3500"/>
+              </a:lnSpc>
+            </a:pPr>
+            <a:r>
+              <a:rPr lang="zh-CN" altLang="en-US" sz="2200">
+                <a:latin typeface="Aa小梨涡" panose="02010600010101010101" charset="-122"/>
+                <a:ea typeface="Aa小梨涡" panose="02010600010101010101" charset="-122"/>
+                <a:cs typeface="Aa小梨涡" panose="02010600010101010101" charset="-122"/>
+                <a:sym typeface="+mn-ea"/>
+              </a:rPr>
+              <a:t>        </a:t>
+            </a:r>
+            <a:r>
+              <a:rPr lang="en-US" altLang="zh-CN" sz="2200">
+                <a:latin typeface="Aa小梨涡" panose="02010600010101010101" charset="-122"/>
+                <a:ea typeface="Aa小梨涡" panose="02010600010101010101" charset="-122"/>
+                <a:cs typeface="Aa小梨涡" panose="02010600010101010101" charset="-122"/>
+                <a:sym typeface="+mn-ea"/>
+              </a:rPr>
+              <a:t>return</a:t>
+            </a:r>
+            <a:r>
+              <a:rPr lang="zh-CN" altLang="en-US" sz="2200">
+                <a:latin typeface="Aa小梨涡" panose="02010600010101010101" charset="-122"/>
+                <a:ea typeface="Aa小梨涡" panose="02010600010101010101" charset="-122"/>
+                <a:cs typeface="Aa小梨涡" panose="02010600010101010101" charset="-122"/>
+                <a:sym typeface="+mn-ea"/>
+              </a:rPr>
+              <a:t>会终止一个函数的执行；然而，</a:t>
+            </a:r>
+            <a:r>
+              <a:rPr lang="en-US" altLang="zh-CN" sz="2200">
+                <a:latin typeface="Aa小梨涡" panose="02010600010101010101" charset="-122"/>
+                <a:ea typeface="Aa小梨涡" panose="02010600010101010101" charset="-122"/>
+                <a:cs typeface="Aa小梨涡" panose="02010600010101010101" charset="-122"/>
+                <a:sym typeface="+mn-ea"/>
+              </a:rPr>
+              <a:t>yield</a:t>
+            </a:r>
+            <a:r>
+              <a:rPr lang="zh-CN" altLang="en-US" sz="2200">
+                <a:latin typeface="Aa小梨涡" panose="02010600010101010101" charset="-122"/>
+                <a:ea typeface="Aa小梨涡" panose="02010600010101010101" charset="-122"/>
+                <a:cs typeface="Aa小梨涡" panose="02010600010101010101" charset="-122"/>
+                <a:sym typeface="+mn-ea"/>
+              </a:rPr>
+              <a:t>只是暂停函数执行，保存它的所有状态，直至函数下次调用时，从</a:t>
+            </a:r>
+            <a:r>
+              <a:rPr lang="en-US" altLang="zh-CN" sz="2200">
+                <a:latin typeface="Aa小梨涡" panose="02010600010101010101" charset="-122"/>
+                <a:ea typeface="Aa小梨涡" panose="02010600010101010101" charset="-122"/>
+                <a:cs typeface="Aa小梨涡" panose="02010600010101010101" charset="-122"/>
+                <a:sym typeface="+mn-ea"/>
+              </a:rPr>
+              <a:t>yield</a:t>
+            </a:r>
+            <a:r>
+              <a:rPr lang="zh-CN" altLang="en-US" sz="2200">
+                <a:latin typeface="Aa小梨涡" panose="02010600010101010101" charset="-122"/>
+                <a:ea typeface="Aa小梨涡" panose="02010600010101010101" charset="-122"/>
+                <a:cs typeface="Aa小梨涡" panose="02010600010101010101" charset="-122"/>
+                <a:sym typeface="+mn-ea"/>
+              </a:rPr>
+              <a:t>表达式往后继续执行。</a:t>
+            </a:r>
+            <a:endParaRPr lang="zh-CN" altLang="en-US" sz="2200">
+              <a:latin typeface="Aa小梨涡" panose="02010600010101010101" charset="-122"/>
+              <a:ea typeface="Aa小梨涡" panose="02010600010101010101" charset="-122"/>
+              <a:cs typeface="Aa小梨涡" panose="02010600010101010101" charset="-122"/>
+              <a:sym typeface="+mn-ea"/>
+            </a:endParaRPr>
+          </a:p>
+        </p:txBody>
+      </p:sp>
+      <p:grpSp>
+        <p:nvGrpSpPr>
+          <p:cNvPr id="5" name="组合 4"/>
+          <p:cNvGrpSpPr/>
+          <p:nvPr/>
+        </p:nvGrpSpPr>
+        <p:grpSpPr>
+          <a:xfrm>
+            <a:off x="565150" y="4557395"/>
+            <a:ext cx="11281410" cy="1437640"/>
+            <a:chOff x="890" y="4849"/>
+            <a:chExt cx="17766" cy="2264"/>
+          </a:xfrm>
+        </p:grpSpPr>
+        <p:sp>
+          <p:nvSpPr>
+            <p:cNvPr id="3" name="文本框 2"/>
+            <p:cNvSpPr txBox="1"/>
+            <p:nvPr/>
+          </p:nvSpPr>
+          <p:spPr>
+            <a:xfrm>
+              <a:off x="890" y="4849"/>
+              <a:ext cx="17766" cy="2264"/>
+            </a:xfrm>
+            <a:prstGeom prst="rect">
+              <a:avLst/>
+            </a:prstGeom>
+            <a:noFill/>
+            <a:ln>
+              <a:noFill/>
+            </a:ln>
+          </p:spPr>
+          <p:txBody>
+            <a:bodyPr wrap="square" rtlCol="0">
+              <a:spAutoFit/>
+            </a:bodyPr>
+            <a:p>
+              <a:pPr fontAlgn="auto">
+                <a:lnSpc>
+                  <a:spcPts val="3500"/>
+                </a:lnSpc>
+              </a:pPr>
+              <a:r>
+                <a:rPr lang="en-US" sz="2200">
+                  <a:latin typeface="Aa小梨涡" panose="02010600010101010101" charset="-122"/>
+                  <a:ea typeface="Aa小梨涡" panose="02010600010101010101" charset="-122"/>
+                  <a:cs typeface="Aa小梨涡" panose="02010600010101010101" charset="-122"/>
+                  <a:sym typeface="+mn-ea"/>
+                </a:rPr>
+                <a:t>2. </a:t>
+              </a:r>
+              <a:r>
+                <a:rPr lang="zh-CN" altLang="en-US" sz="2200">
+                  <a:latin typeface="Aa小梨涡" panose="02010600010101010101" charset="-122"/>
+                  <a:ea typeface="Aa小梨涡" panose="02010600010101010101" charset="-122"/>
+                  <a:cs typeface="Aa小梨涡" panose="02010600010101010101" charset="-122"/>
+                  <a:sym typeface="+mn-ea"/>
+                </a:rPr>
+                <a:t>生成器和迭代器的比较</a:t>
+              </a:r>
+              <a:endParaRPr lang="zh-CN" altLang="en-US" sz="2200">
+                <a:latin typeface="Aa小梨涡" panose="02010600010101010101" charset="-122"/>
+                <a:ea typeface="Aa小梨涡" panose="02010600010101010101" charset="-122"/>
+                <a:cs typeface="Aa小梨涡" panose="02010600010101010101" charset="-122"/>
+                <a:sym typeface="+mn-ea"/>
+              </a:endParaRPr>
+            </a:p>
+            <a:p>
+              <a:pPr fontAlgn="auto">
+                <a:lnSpc>
+                  <a:spcPts val="3500"/>
+                </a:lnSpc>
+              </a:pPr>
+              <a:r>
+                <a:rPr lang="zh-CN" altLang="en-US" sz="2200">
+                  <a:latin typeface="Aa小梨涡" panose="02010600010101010101" charset="-122"/>
+                  <a:ea typeface="Aa小梨涡" panose="02010600010101010101" charset="-122"/>
+                  <a:cs typeface="Aa小梨涡" panose="02010600010101010101" charset="-122"/>
+                  <a:sym typeface="+mn-ea"/>
+                </a:rPr>
+                <a:t>        生成器并不会像迭代器一样占用大量内存，只有在被使用的时候才会调用。而且生成器在初始化的时候，并不需要运行一次生成操作。</a:t>
+              </a:r>
+              <a:endParaRPr lang="zh-CN" altLang="en-US" sz="2200">
+                <a:latin typeface="Aa小梨涡" panose="02010600010101010101" charset="-122"/>
+                <a:ea typeface="Aa小梨涡" panose="02010600010101010101" charset="-122"/>
+                <a:cs typeface="Aa小梨涡" panose="02010600010101010101" charset="-122"/>
+                <a:sym typeface="+mn-ea"/>
+              </a:endParaRPr>
+            </a:p>
+          </p:txBody>
+        </p:sp>
+        <p:sp>
+          <p:nvSpPr>
+            <p:cNvPr id="11" name="文本框 10"/>
+            <p:cNvSpPr txBox="1"/>
+            <p:nvPr/>
+          </p:nvSpPr>
+          <p:spPr>
+            <a:xfrm>
+              <a:off x="10370" y="6323"/>
+              <a:ext cx="2216" cy="426"/>
+            </a:xfrm>
+            <a:prstGeom prst="rect">
+              <a:avLst/>
+            </a:prstGeom>
+            <a:noFill/>
+          </p:spPr>
+          <p:txBody>
+            <a:bodyPr wrap="square" rtlCol="0">
+              <a:spAutoFit/>
+            </a:bodyPr>
+            <a:p>
+              <a:r>
+                <a:rPr lang="en-US" altLang="zh-CN" baseline="30000">
+                  <a:solidFill>
+                    <a:schemeClr val="accent5"/>
+                  </a:solidFill>
+                  <a:latin typeface="Comic Sans MS" panose="030F0702030302020204" charset="0"/>
+                  <a:cs typeface="Comic Sans MS" panose="030F0702030302020204" charset="0"/>
+                </a:rPr>
+                <a:t>[5.3-1.py]</a:t>
+              </a:r>
+              <a:endParaRPr lang="en-US" altLang="zh-CN" baseline="30000">
+                <a:solidFill>
+                  <a:schemeClr val="accent5"/>
+                </a:solidFill>
+                <a:latin typeface="Comic Sans MS" panose="030F0702030302020204" charset="0"/>
+                <a:cs typeface="Comic Sans MS" panose="030F0702030302020204" charset="0"/>
+              </a:endParaRPr>
+            </a:p>
+          </p:txBody>
+        </p:sp>
+      </p:grpSp>
+      <p:sp>
+        <p:nvSpPr>
+          <p:cNvPr id="4" name="文本框 3"/>
+          <p:cNvSpPr txBox="1"/>
+          <p:nvPr/>
+        </p:nvSpPr>
+        <p:spPr>
+          <a:xfrm>
+            <a:off x="565150" y="3910330"/>
+            <a:ext cx="11281410" cy="539750"/>
+          </a:xfrm>
+          <a:prstGeom prst="rect">
+            <a:avLst/>
+          </a:prstGeom>
+          <a:noFill/>
+          <a:ln>
+            <a:noFill/>
+          </a:ln>
+        </p:spPr>
+        <p:txBody>
+          <a:bodyPr wrap="square" rtlCol="0">
+            <a:spAutoFit/>
+          </a:bodyPr>
+          <a:p>
+            <a:pPr fontAlgn="auto">
+              <a:lnSpc>
+                <a:spcPts val="3500"/>
+              </a:lnSpc>
+            </a:pPr>
+            <a:r>
+              <a:rPr lang="en-US" altLang="zh-CN" sz="2200">
+                <a:latin typeface="Calibri" panose="020F0502020204030204" charset="0"/>
+                <a:ea typeface="Aa小梨涡" panose="02010600010101010101" charset="-122"/>
+                <a:cs typeface="Aa小梨涡" panose="02010600010101010101" charset="-122"/>
+                <a:sym typeface="+mn-ea"/>
+              </a:rPr>
+              <a:t>2. </a:t>
+            </a:r>
+            <a:r>
+              <a:rPr lang="zh-CN" altLang="en-US" sz="2200">
+                <a:latin typeface="Calibri" panose="020F0502020204030204" charset="0"/>
+                <a:ea typeface="Aa小梨涡" panose="02010600010101010101" charset="-122"/>
+                <a:cs typeface="Aa小梨涡" panose="02010600010101010101" charset="-122"/>
+                <a:sym typeface="+mn-ea"/>
+              </a:rPr>
+              <a:t>生成器表达式</a:t>
+            </a:r>
+            <a:endParaRPr lang="zh-CN" altLang="en-US" sz="2200">
+              <a:latin typeface="Calibri" panose="020F0502020204030204" charset="0"/>
+              <a:ea typeface="Aa小梨涡" panose="02010600010101010101" charset="-122"/>
+              <a:cs typeface="Aa小梨涡" panose="02010600010101010101" charset="-122"/>
+              <a:sym typeface="+mn-ea"/>
+            </a:endParaRPr>
+          </a:p>
+        </p:txBody>
+      </p:sp>
     </p:spTree>
   </p:cSld>
   <p:clrMapOvr>
     <a:masterClrMapping/>
   </p:clrMapOvr>
+  <p:timing>
+    <p:tnLst>
+      <p:par>
+        <p:cTn id="1" dur="indefinite" restart="never" nodeType="tmRoot">
+          <p:childTnLst>
+            <p:seq concurrent="1" nextAc="seek">
+              <p:cTn id="2" dur="indefinite" nodeType="mainSeq">
+                <p:childTnLst>
+                  <p:par>
+                    <p:cTn id="3" fill="hold">
+                      <p:stCondLst>
+                        <p:cond delay="indefinite"/>
+                      </p:stCondLst>
+                      <p:childTnLst>
+                        <p:par>
+                          <p:cTn id="4" fill="hold">
+                            <p:stCondLst>
+                              <p:cond delay="0"/>
+                            </p:stCondLst>
+                            <p:childTnLst>
+                              <p:par>
+                                <p:cTn id="5" presetID="1" presetClass="entr" presetSubtype="0" fill="hold" grpId="0" nodeType="clickEffect">
+                                  <p:stCondLst>
+                                    <p:cond delay="0"/>
+                                  </p:stCondLst>
+                                  <p:childTnLst>
+                                    <p:set>
+                                      <p:cBhvr>
+                                        <p:cTn id="6" dur="1" fill="hold">
+                                          <p:stCondLst>
+                                            <p:cond delay="0"/>
+                                          </p:stCondLst>
+                                        </p:cTn>
+                                        <p:tgtEl>
+                                          <p:spTgt spid="13"/>
+                                        </p:tgtEl>
+                                        <p:attrNameLst>
+                                          <p:attrName>style.visibility</p:attrName>
+                                        </p:attrNameLst>
+                                      </p:cBhvr>
+                                      <p:to>
+                                        <p:strVal val="visible"/>
+                                      </p:to>
+                                    </p:set>
+                                  </p:childTnLst>
+                                </p:cTn>
+                              </p:par>
+                            </p:childTnLst>
+                          </p:cTn>
+                        </p:par>
+                      </p:childTnLst>
+                    </p:cTn>
+                  </p:par>
+                  <p:par>
+                    <p:cTn id="7" fill="hold">
+                      <p:stCondLst>
+                        <p:cond delay="indefinite"/>
+                      </p:stCondLst>
+                      <p:childTnLst>
+                        <p:par>
+                          <p:cTn id="8" fill="hold">
+                            <p:stCondLst>
+                              <p:cond delay="0"/>
+                            </p:stCondLst>
+                            <p:childTnLst>
+                              <p:par>
+                                <p:cTn id="9" presetID="1" presetClass="entr" presetSubtype="0" fill="hold" grpId="0" nodeType="clickEffect">
+                                  <p:stCondLst>
+                                    <p:cond delay="0"/>
+                                  </p:stCondLst>
+                                  <p:childTnLst>
+                                    <p:set>
+                                      <p:cBhvr>
+                                        <p:cTn id="10" dur="1" fill="hold">
+                                          <p:stCondLst>
+                                            <p:cond delay="0"/>
+                                          </p:stCondLst>
+                                        </p:cTn>
+                                        <p:tgtEl>
+                                          <p:spTgt spid="4"/>
+                                        </p:tgtEl>
+                                        <p:attrNameLst>
+                                          <p:attrName>style.visibility</p:attrName>
+                                        </p:attrNameLst>
+                                      </p:cBhvr>
+                                      <p:to>
+                                        <p:strVal val="visible"/>
+                                      </p:to>
+                                    </p:set>
+                                  </p:childTnLst>
+                                </p:cTn>
+                              </p:par>
+                            </p:childTnLst>
+                          </p:cTn>
+                        </p:par>
+                      </p:childTnLst>
+                    </p:cTn>
+                  </p:par>
+                </p:childTnLst>
+              </p:cTn>
+              <p:prevCondLst>
+                <p:cond evt="onPrev" delay="0">
+                  <p:tgtEl>
+                    <p:sldTgt/>
+                  </p:tgtEl>
+                </p:cond>
+              </p:prevCondLst>
+              <p:nextCondLst>
+                <p:cond evt="onNext" delay="0">
+                  <p:tgtEl>
+                    <p:sldTgt/>
+                  </p:tgtEl>
+                </p:cond>
+              </p:nextCondLst>
+            </p:seq>
+          </p:childTnLst>
+        </p:cTn>
+      </p:par>
+    </p:tnLst>
+    <p:bldLst>
+      <p:bldP spid="13" grpId="0"/>
+      <p:bldP spid="13" grpId="1"/>
+      <p:bldP spid="4" grpId="0"/>
+      <p:bldP spid="4" grpId="1"/>
+    </p:bldLst>
+  </p:timing>
 </p:sld>
 </file>
 

--- a/PPT/CorePython.pptx
+++ b/PPT/CorePython.pptx
@@ -36,41 +36,42 @@
     <p:sldId id="336" r:id="rId31"/>
     <p:sldId id="350" r:id="rId32"/>
     <p:sldId id="292" r:id="rId33"/>
-    <p:sldId id="293" r:id="rId34"/>
-    <p:sldId id="294" r:id="rId35"/>
-    <p:sldId id="295" r:id="rId36"/>
-    <p:sldId id="296" r:id="rId37"/>
-    <p:sldId id="327" r:id="rId38"/>
-    <p:sldId id="328" r:id="rId39"/>
-    <p:sldId id="329" r:id="rId40"/>
-    <p:sldId id="330" r:id="rId41"/>
-    <p:sldId id="331" r:id="rId42"/>
-    <p:sldId id="332" r:id="rId43"/>
-    <p:sldId id="333" r:id="rId44"/>
-    <p:sldId id="334" r:id="rId45"/>
+    <p:sldId id="364" r:id="rId34"/>
+    <p:sldId id="293" r:id="rId35"/>
+    <p:sldId id="294" r:id="rId36"/>
+    <p:sldId id="295" r:id="rId37"/>
+    <p:sldId id="296" r:id="rId38"/>
+    <p:sldId id="327" r:id="rId39"/>
+    <p:sldId id="328" r:id="rId40"/>
+    <p:sldId id="329" r:id="rId41"/>
+    <p:sldId id="330" r:id="rId42"/>
+    <p:sldId id="331" r:id="rId43"/>
+    <p:sldId id="332" r:id="rId44"/>
+    <p:sldId id="333" r:id="rId45"/>
+    <p:sldId id="334" r:id="rId46"/>
   </p:sldIdLst>
   <p:sldSz cx="12192000" cy="6858000"/>
   <p:notesSz cx="6858000" cy="9144000"/>
   <p:embeddedFontLst>
     <p:embeddedFont>
       <p:font typeface="Aa小梨涡" panose="02010600010101010101" charset="-122"/>
-      <p:regular r:id="rId49"/>
+      <p:regular r:id="rId50"/>
     </p:embeddedFont>
     <p:embeddedFont>
       <p:font typeface="微软雅黑" panose="020B0503020204020204" charset="-122"/>
-      <p:regular r:id="rId50"/>
+      <p:regular r:id="rId51"/>
     </p:embeddedFont>
     <p:embeddedFont>
       <p:font typeface="Comic Sans MS" panose="030F0702030302020204" charset="0"/>
-      <p:regular r:id="rId51"/>
-      <p:bold r:id="rId52"/>
+      <p:regular r:id="rId52"/>
+      <p:bold r:id="rId53"/>
     </p:embeddedFont>
     <p:embeddedFont>
       <p:font typeface="Calibri" panose="020F0502020204030204" charset="0"/>
-      <p:regular r:id="rId53"/>
-      <p:bold r:id="rId54"/>
-      <p:italic r:id="rId55"/>
-      <p:boldItalic r:id="rId56"/>
+      <p:regular r:id="rId54"/>
+      <p:bold r:id="rId55"/>
+      <p:italic r:id="rId56"/>
+      <p:boldItalic r:id="rId57"/>
     </p:embeddedFont>
   </p:embeddedFontLst>
   <p:defaultTextStyle>
@@ -26960,6 +26961,132 @@
           </a:p>
         </p:txBody>
       </p:sp>
+      <p:sp>
+        <p:nvSpPr>
+          <p:cNvPr id="8" name="任意多边形 7"/>
+          <p:cNvSpPr/>
+          <p:nvPr/>
+        </p:nvSpPr>
+        <p:spPr>
+          <a:xfrm>
+            <a:off x="3890010" y="911225"/>
+            <a:ext cx="3063875" cy="2929890"/>
+          </a:xfrm>
+          <a:custGeom>
+            <a:avLst/>
+            <a:gdLst>
+              <a:gd name="connisteX0" fmla="*/ 0 w 3063591"/>
+              <a:gd name="connsiteY0" fmla="*/ 437792 h 2930167"/>
+              <a:gd name="connisteX1" fmla="*/ 1495425 w 3063591"/>
+              <a:gd name="connsiteY1" fmla="*/ 33932 h 2930167"/>
+              <a:gd name="connisteX2" fmla="*/ 2947670 w 3063591"/>
+              <a:gd name="connsiteY2" fmla="*/ 1245512 h 2930167"/>
+              <a:gd name="connisteX3" fmla="*/ 2655570 w 3063591"/>
+              <a:gd name="connsiteY3" fmla="*/ 2930167 h 2930167"/>
+              <a:gd name="connisteX4" fmla="*/ 953770 w 3063591"/>
+              <a:gd name="connsiteY4" fmla="*/ 3161942 h 2930167"/>
+            </a:gdLst>
+            <a:ahLst/>
+            <a:cxnLst>
+              <a:cxn ang="0">
+                <a:pos x="connisteX0" y="connsiteY0"/>
+              </a:cxn>
+              <a:cxn ang="0">
+                <a:pos x="connisteX1" y="connsiteY1"/>
+              </a:cxn>
+              <a:cxn ang="0">
+                <a:pos x="connisteX2" y="connsiteY2"/>
+              </a:cxn>
+              <a:cxn ang="0">
+                <a:pos x="connisteX3" y="connsiteY3"/>
+              </a:cxn>
+              <a:cxn ang="0">
+                <a:pos x="connisteX4" y="connsiteY4"/>
+              </a:cxn>
+            </a:cxnLst>
+            <a:rect l="l" t="t" r="r" b="b"/>
+            <a:pathLst>
+              <a:path w="3063591" h="2930168">
+                <a:moveTo>
+                  <a:pt x="0" y="437793"/>
+                </a:moveTo>
+                <a:cubicBezTo>
+                  <a:pt x="269875" y="333018"/>
+                  <a:pt x="906145" y="-127357"/>
+                  <a:pt x="1495425" y="33933"/>
+                </a:cubicBezTo>
+                <a:cubicBezTo>
+                  <a:pt x="2084705" y="195223"/>
+                  <a:pt x="2715895" y="666393"/>
+                  <a:pt x="2947670" y="1245513"/>
+                </a:cubicBezTo>
+                <a:cubicBezTo>
+                  <a:pt x="3179445" y="1824633"/>
+                  <a:pt x="3054350" y="2546628"/>
+                  <a:pt x="2655570" y="2930168"/>
+                </a:cubicBezTo>
+              </a:path>
+            </a:pathLst>
+          </a:custGeom>
+          <a:noFill/>
+          <a:ln>
+            <a:noFill/>
+          </a:ln>
+        </p:spPr>
+        <p:txBody>
+          <a:bodyPr/>
+          <a:p>
+            <a:pPr eaLnBrk="1" hangingPunct="1">
+              <a:spcBef>
+                <a:spcPct val="0"/>
+              </a:spcBef>
+              <a:buFontTx/>
+              <a:buNone/>
+            </a:pPr>
+            <a:endParaRPr lang="zh-CN" altLang="en-US" sz="1800">
+              <a:solidFill>
+                <a:schemeClr val="tx1"/>
+              </a:solidFill>
+              <a:ea typeface="宋体" panose="02010600030101010101" pitchFamily="2" charset="-122"/>
+            </a:endParaRPr>
+          </a:p>
+        </p:txBody>
+      </p:sp>
+      <p:cxnSp>
+        <p:nvCxnSpPr>
+          <p:cNvPr id="15" name="直接连接符 14"/>
+          <p:cNvCxnSpPr/>
+          <p:nvPr/>
+        </p:nvCxnSpPr>
+        <p:spPr>
+          <a:xfrm>
+            <a:off x="4169410" y="4116070"/>
+            <a:ext cx="657225" cy="0"/>
+          </a:xfrm>
+          <a:prstGeom prst="line">
+            <a:avLst/>
+          </a:prstGeom>
+          <a:ln w="31750">
+            <a:solidFill>
+              <a:srgbClr val="FF0000"/>
+            </a:solidFill>
+          </a:ln>
+        </p:spPr>
+        <p:style>
+          <a:lnRef idx="1">
+            <a:schemeClr val="accent1"/>
+          </a:lnRef>
+          <a:fillRef idx="0">
+            <a:schemeClr val="accent1"/>
+          </a:fillRef>
+          <a:effectRef idx="0">
+            <a:schemeClr val="accent1"/>
+          </a:effectRef>
+          <a:fontRef idx="minor">
+            <a:schemeClr val="tx1"/>
+          </a:fontRef>
+        </p:style>
+      </p:cxnSp>
     </p:spTree>
   </p:cSld>
   <p:clrMapOvr>
@@ -27151,6 +27278,41 @@
                                         <p:strVal val="visible"/>
                                       </p:to>
                                     </p:set>
+                                  </p:childTnLst>
+                                </p:cTn>
+                              </p:par>
+                              <p:par>
+                                <p:cTn id="19" presetID="22" presetClass="entr" presetSubtype="8" fill="hold" nodeType="withEffect">
+                                  <p:stCondLst>
+                                    <p:cond delay="0"/>
+                                  </p:stCondLst>
+                                  <p:childTnLst>
+                                    <p:set>
+                                      <p:cBhvr>
+                                        <p:cTn id="20" dur="1" fill="hold">
+                                          <p:stCondLst>
+                                            <p:cond delay="0"/>
+                                          </p:stCondLst>
+                                        </p:cTn>
+                                        <p:tgtEl>
+                                          <p:spTgt spid="15"/>
+                                        </p:tgtEl>
+                                        <p:attrNameLst>
+                                          <p:attrName>style.visibility</p:attrName>
+                                        </p:attrNameLst>
+                                      </p:cBhvr>
+                                      <p:to>
+                                        <p:strVal val="visible"/>
+                                      </p:to>
+                                    </p:set>
+                                    <p:animEffect transition="in" filter="wipe(left)">
+                                      <p:cBhvr>
+                                        <p:cTn id="21" dur="500"/>
+                                        <p:tgtEl>
+                                          <p:spTgt spid="15"/>
+                                        </p:tgtEl>
+                                      </p:cBhvr>
+                                    </p:animEffect>
                                   </p:childTnLst>
                                 </p:cTn>
                               </p:par>
@@ -28999,8 +29161,8 @@
         </p:nvSpPr>
         <p:spPr>
           <a:xfrm>
-            <a:off x="4793615" y="255905"/>
-            <a:ext cx="2605405" cy="817245"/>
+            <a:off x="4250690" y="264795"/>
+            <a:ext cx="3642360" cy="817245"/>
           </a:xfrm>
         </p:spPr>
         <p:txBody>
@@ -29020,7 +29182,7 @@
                 <a:latin typeface="Aa小梨涡" panose="02010600010101010101" charset="-122"/>
                 <a:ea typeface="Aa小梨涡" panose="02010600010101010101" charset="-122"/>
               </a:rPr>
-              <a:t>生成器</a:t>
+              <a:t>生成器函数</a:t>
             </a:r>
             <a:endParaRPr lang="zh-CN" altLang="en-US">
               <a:latin typeface="Aa小梨涡" panose="02010600010101010101" charset="-122"/>
@@ -29130,8 +29292,8 @@
         </p:nvSpPr>
         <p:spPr>
           <a:xfrm>
-            <a:off x="565150" y="1214120"/>
-            <a:ext cx="11281410" cy="2784475"/>
+            <a:off x="288925" y="880745"/>
+            <a:ext cx="11557635" cy="6823710"/>
           </a:xfrm>
           <a:prstGeom prst="rect">
             <a:avLst/>
@@ -29167,7 +29329,7 @@
                 <a:cs typeface="Aa小梨涡" panose="02010600010101010101" charset="-122"/>
                 <a:sym typeface="+mn-ea"/>
               </a:rPr>
-              <a:t>生成器函数</a:t>
+              <a:t>定义</a:t>
             </a:r>
             <a:endParaRPr lang="zh-CN" altLang="en-US" sz="2200">
               <a:latin typeface="Calibri" panose="020F0502020204030204" charset="0"/>
@@ -29189,7 +29351,34 @@
                 <a:cs typeface="Aa小梨涡" panose="02010600010101010101" charset="-122"/>
                 <a:sym typeface="+mn-ea"/>
               </a:rPr>
-              <a:t>①定义</a:t>
+              <a:t>        如果一个函数包含至少一</a:t>
+            </a:r>
+            <a:r>
+              <a:rPr lang="zh-CN" altLang="en-US" sz="2200">
+                <a:latin typeface="Aa小梨涡" panose="02010600010101010101" charset="-122"/>
+                <a:ea typeface="Aa小梨涡" panose="02010600010101010101" charset="-122"/>
+                <a:cs typeface="Aa小梨涡" panose="02010600010101010101" charset="-122"/>
+                <a:sym typeface="+mn-ea"/>
+              </a:rPr>
+              <a:t>个</a:t>
+            </a:r>
+            <a:r>
+              <a:rPr lang="en-US" altLang="zh-CN" sz="2200">
+                <a:latin typeface="Aa小梨涡" panose="02010600010101010101" charset="-122"/>
+                <a:ea typeface="Aa小梨涡" panose="02010600010101010101" charset="-122"/>
+                <a:cs typeface="Aa小梨涡" panose="02010600010101010101" charset="-122"/>
+                <a:sym typeface="+mn-ea"/>
+              </a:rPr>
+              <a:t>yield</a:t>
+            </a:r>
+            <a:r>
+              <a:rPr lang="zh-CN" altLang="en-US" sz="2200">
+                <a:latin typeface="Calibri" panose="020F0502020204030204" charset="0"/>
+                <a:ea typeface="Aa小梨涡" panose="02010600010101010101" charset="-122"/>
+                <a:cs typeface="Aa小梨涡" panose="02010600010101010101" charset="-122"/>
+                <a:sym typeface="+mn-ea"/>
+              </a:rPr>
+              <a:t>表达式，它就是一个生成器函数。</a:t>
             </a:r>
             <a:endParaRPr lang="zh-CN" altLang="en-US" sz="2200">
               <a:latin typeface="Calibri" panose="020F0502020204030204" charset="0"/>
@@ -29205,31 +29394,1031 @@
               </a:lnSpc>
             </a:pPr>
             <a:r>
+              <a:rPr lang="en-US" altLang="zh-CN" sz="2200">
+                <a:latin typeface="Aa小梨涡" panose="02010600010101010101" charset="-122"/>
+                <a:ea typeface="Aa小梨涡" panose="02010600010101010101" charset="-122"/>
+                <a:cs typeface="Aa小梨涡" panose="02010600010101010101" charset="-122"/>
+                <a:sym typeface="+mn-ea"/>
+              </a:rPr>
+              <a:t>2. yield</a:t>
+            </a:r>
+            <a:r>
+              <a:rPr lang="zh-CN" altLang="en-US" sz="2200">
+                <a:latin typeface="Aa小梨涡" panose="02010600010101010101" charset="-122"/>
+                <a:ea typeface="Aa小梨涡" panose="02010600010101010101" charset="-122"/>
+                <a:cs typeface="Aa小梨涡" panose="02010600010101010101" charset="-122"/>
+                <a:sym typeface="+mn-ea"/>
+              </a:rPr>
+              <a:t>和</a:t>
+            </a:r>
+            <a:r>
+              <a:rPr lang="en-US" altLang="zh-CN" sz="2200">
+                <a:latin typeface="Aa小梨涡" panose="02010600010101010101" charset="-122"/>
+                <a:ea typeface="Aa小梨涡" panose="02010600010101010101" charset="-122"/>
+                <a:cs typeface="Aa小梨涡" panose="02010600010101010101" charset="-122"/>
+                <a:sym typeface="+mn-ea"/>
+              </a:rPr>
+              <a:t>return</a:t>
+            </a:r>
+            <a:r>
+              <a:rPr lang="zh-CN" altLang="en-US" sz="2200">
+                <a:latin typeface="Aa小梨涡" panose="02010600010101010101" charset="-122"/>
+                <a:ea typeface="Aa小梨涡" panose="02010600010101010101" charset="-122"/>
+                <a:cs typeface="Aa小梨涡" panose="02010600010101010101" charset="-122"/>
+                <a:sym typeface="+mn-ea"/>
+              </a:rPr>
+              <a:t>的区别</a:t>
+            </a:r>
+            <a:endParaRPr lang="zh-CN" altLang="en-US" sz="2200">
+              <a:latin typeface="Aa小梨涡" panose="02010600010101010101" charset="-122"/>
+              <a:ea typeface="Aa小梨涡" panose="02010600010101010101" charset="-122"/>
+              <a:cs typeface="Aa小梨涡" panose="02010600010101010101" charset="-122"/>
+              <a:sym typeface="+mn-ea"/>
+            </a:endParaRPr>
+          </a:p>
+          <a:p>
+            <a:pPr fontAlgn="auto">
+              <a:lnSpc>
+                <a:spcPts val="3500"/>
+              </a:lnSpc>
+            </a:pPr>
+            <a:r>
+              <a:rPr lang="zh-CN" altLang="en-US" sz="2200">
+                <a:latin typeface="Aa小梨涡" panose="02010600010101010101" charset="-122"/>
+                <a:ea typeface="Aa小梨涡" panose="02010600010101010101" charset="-122"/>
+                <a:cs typeface="Aa小梨涡" panose="02010600010101010101" charset="-122"/>
+                <a:sym typeface="+mn-ea"/>
+              </a:rPr>
+              <a:t>        </a:t>
+            </a:r>
+            <a:r>
+              <a:rPr lang="en-US" altLang="zh-CN" sz="2200">
+                <a:latin typeface="Aa小梨涡" panose="02010600010101010101" charset="-122"/>
+                <a:ea typeface="Aa小梨涡" panose="02010600010101010101" charset="-122"/>
+                <a:cs typeface="Aa小梨涡" panose="02010600010101010101" charset="-122"/>
+                <a:sym typeface="+mn-ea"/>
+              </a:rPr>
+              <a:t>return</a:t>
+            </a:r>
+            <a:r>
+              <a:rPr lang="zh-CN" altLang="en-US" sz="2200">
+                <a:latin typeface="Aa小梨涡" panose="02010600010101010101" charset="-122"/>
+                <a:ea typeface="Aa小梨涡" panose="02010600010101010101" charset="-122"/>
+                <a:cs typeface="Aa小梨涡" panose="02010600010101010101" charset="-122"/>
+                <a:sym typeface="+mn-ea"/>
+              </a:rPr>
+              <a:t>会终止一个函数的执行；然而，</a:t>
+            </a:r>
+            <a:r>
+              <a:rPr lang="en-US" altLang="zh-CN" sz="2200">
+                <a:latin typeface="Aa小梨涡" panose="02010600010101010101" charset="-122"/>
+                <a:ea typeface="Aa小梨涡" panose="02010600010101010101" charset="-122"/>
+                <a:cs typeface="Aa小梨涡" panose="02010600010101010101" charset="-122"/>
+                <a:sym typeface="+mn-ea"/>
+              </a:rPr>
+              <a:t>yield</a:t>
+            </a:r>
+            <a:r>
+              <a:rPr lang="zh-CN" altLang="en-US" sz="2200">
+                <a:latin typeface="Aa小梨涡" panose="02010600010101010101" charset="-122"/>
+                <a:ea typeface="Aa小梨涡" panose="02010600010101010101" charset="-122"/>
+                <a:cs typeface="Aa小梨涡" panose="02010600010101010101" charset="-122"/>
+                <a:sym typeface="+mn-ea"/>
+              </a:rPr>
+              <a:t>只是暂停函数执行，保存它的所有状态，直至函数下次调用时，从</a:t>
+            </a:r>
+            <a:r>
+              <a:rPr lang="en-US" altLang="zh-CN" sz="2200">
+                <a:latin typeface="Aa小梨涡" panose="02010600010101010101" charset="-122"/>
+                <a:ea typeface="Aa小梨涡" panose="02010600010101010101" charset="-122"/>
+                <a:cs typeface="Aa小梨涡" panose="02010600010101010101" charset="-122"/>
+                <a:sym typeface="+mn-ea"/>
+              </a:rPr>
+              <a:t>yield</a:t>
+            </a:r>
+            <a:r>
+              <a:rPr lang="zh-CN" altLang="en-US" sz="2200">
+                <a:latin typeface="Aa小梨涡" panose="02010600010101010101" charset="-122"/>
+                <a:ea typeface="Aa小梨涡" panose="02010600010101010101" charset="-122"/>
+                <a:cs typeface="Aa小梨涡" panose="02010600010101010101" charset="-122"/>
+                <a:sym typeface="+mn-ea"/>
+              </a:rPr>
+              <a:t>表达式往后继续执行。</a:t>
+            </a:r>
+            <a:endParaRPr lang="zh-CN" altLang="en-US" sz="2200">
+              <a:latin typeface="Aa小梨涡" panose="02010600010101010101" charset="-122"/>
+              <a:ea typeface="Aa小梨涡" panose="02010600010101010101" charset="-122"/>
+              <a:cs typeface="Aa小梨涡" panose="02010600010101010101" charset="-122"/>
+              <a:sym typeface="+mn-ea"/>
+            </a:endParaRPr>
+          </a:p>
+          <a:p>
+            <a:pPr fontAlgn="auto">
+              <a:lnSpc>
+                <a:spcPts val="3500"/>
+              </a:lnSpc>
+            </a:pPr>
+            <a:r>
+              <a:rPr lang="en-US" altLang="zh-CN" sz="2200">
+                <a:latin typeface="Aa小梨涡" panose="02010600010101010101" charset="-122"/>
+                <a:ea typeface="Aa小梨涡" panose="02010600010101010101" charset="-122"/>
+                <a:cs typeface="Aa小梨涡" panose="02010600010101010101" charset="-122"/>
+                <a:sym typeface="+mn-ea"/>
+              </a:rPr>
+              <a:t>3. </a:t>
+            </a:r>
+            <a:r>
+              <a:rPr lang="zh-CN" altLang="en-US" sz="2200">
+                <a:latin typeface="Aa小梨涡" panose="02010600010101010101" charset="-122"/>
+                <a:ea typeface="Aa小梨涡" panose="02010600010101010101" charset="-122"/>
+                <a:cs typeface="Aa小梨涡" panose="02010600010101010101" charset="-122"/>
+                <a:sym typeface="+mn-ea"/>
+              </a:rPr>
+              <a:t>执行</a:t>
+            </a:r>
+            <a:endParaRPr lang="zh-CN" altLang="en-US" sz="2200">
+              <a:latin typeface="Aa小梨涡" panose="02010600010101010101" charset="-122"/>
+              <a:ea typeface="Aa小梨涡" panose="02010600010101010101" charset="-122"/>
+              <a:cs typeface="Aa小梨涡" panose="02010600010101010101" charset="-122"/>
+              <a:sym typeface="+mn-ea"/>
+            </a:endParaRPr>
+          </a:p>
+          <a:p>
+            <a:pPr indent="0" fontAlgn="auto">
+              <a:lnSpc>
+                <a:spcPts val="3500"/>
+              </a:lnSpc>
+              <a:buFont typeface="Wingdings" panose="05000000000000000000" charset="0"/>
+              <a:buNone/>
+            </a:pPr>
+            <a:r>
               <a:rPr lang="zh-CN" altLang="en-US" sz="2200">
                 <a:latin typeface="Calibri" panose="020F0502020204030204" charset="0"/>
                 <a:ea typeface="Aa小梨涡" panose="02010600010101010101" charset="-122"/>
-                <a:cs typeface="Aa小梨涡" panose="02010600010101010101" charset="-122"/>
-                <a:sym typeface="+mn-ea"/>
-              </a:rPr>
-              <a:t>        如果一个函数包含至少一个</a:t>
+                <a:cs typeface="Arial" panose="020B0604020202020204" pitchFamily="34" charset="0"/>
+                <a:sym typeface="+mn-ea"/>
+              </a:rPr>
+              <a:t>        ①调用</a:t>
+            </a:r>
+            <a:r>
+              <a:rPr lang="zh-CN" altLang="en-US" sz="2200">
+                <a:latin typeface="Aa小梨涡" panose="02010600010101010101" charset="-122"/>
+                <a:ea typeface="Aa小梨涡" panose="02010600010101010101" charset="-122"/>
+                <a:cs typeface="Arial" panose="020B0604020202020204" pitchFamily="34" charset="0"/>
+                <a:sym typeface="+mn-ea"/>
+              </a:rPr>
+              <a:t>生成器函数，返回一个生成器对象（</a:t>
             </a:r>
             <a:r>
               <a:rPr lang="en-US" altLang="zh-CN" sz="2200">
-                <a:latin typeface="Calibri" panose="020F0502020204030204" charset="0"/>
-                <a:ea typeface="Aa小梨涡" panose="02010600010101010101" charset="-122"/>
-                <a:cs typeface="Aa小梨涡" panose="02010600010101010101" charset="-122"/>
-                <a:sym typeface="+mn-ea"/>
-              </a:rPr>
-              <a:t>yield</a:t>
-            </a:r>
+                <a:latin typeface="Aa小梨涡" panose="02010600010101010101" charset="-122"/>
+                <a:ea typeface="Aa小梨涡" panose="02010600010101010101" charset="-122"/>
+                <a:cs typeface="Arial" panose="020B0604020202020204" pitchFamily="34" charset="0"/>
+                <a:sym typeface="+mn-ea"/>
+              </a:rPr>
+              <a:t>generator_object</a:t>
+            </a:r>
+            <a:r>
+              <a:rPr lang="zh-CN" altLang="en-US" sz="2200">
+                <a:latin typeface="Aa小梨涡" panose="02010600010101010101" charset="-122"/>
+                <a:ea typeface="Aa小梨涡" panose="02010600010101010101" charset="-122"/>
+                <a:cs typeface="Arial" panose="020B0604020202020204" pitchFamily="34" charset="0"/>
+                <a:sym typeface="+mn-ea"/>
+              </a:rPr>
+              <a:t>）</a:t>
+            </a:r>
+            <a:r>
+              <a:rPr lang="zh-CN" altLang="en-US" sz="2200">
+                <a:latin typeface="Aa小梨涡" panose="02010600010101010101" charset="-122"/>
+                <a:ea typeface="Aa小梨涡" panose="02010600010101010101" charset="-122"/>
+                <a:cs typeface="Arial" panose="020B0604020202020204" pitchFamily="34" charset="0"/>
+                <a:sym typeface="+mn-ea"/>
+              </a:rPr>
+              <a:t>，</a:t>
+            </a:r>
+            <a:r>
+              <a:rPr lang="zh-CN" altLang="en-US" sz="2200">
+                <a:latin typeface="Aa小梨涡" panose="02010600010101010101" charset="-122"/>
+                <a:ea typeface="Aa小梨涡" panose="02010600010101010101" charset="-122"/>
+                <a:cs typeface="Arial" panose="020B0604020202020204" pitchFamily="34" charset="0"/>
+                <a:sym typeface="+mn-ea"/>
+              </a:rPr>
+              <a:t>注意，不会执行函数中的语句；</a:t>
+            </a:r>
+            <a:endParaRPr lang="zh-CN" altLang="en-US" sz="2200">
+              <a:latin typeface="Aa小梨涡" panose="02010600010101010101" charset="-122"/>
+              <a:ea typeface="Aa小梨涡" panose="02010600010101010101" charset="-122"/>
+              <a:cs typeface="Arial" panose="020B0604020202020204" pitchFamily="34" charset="0"/>
+              <a:sym typeface="+mn-ea"/>
+            </a:endParaRPr>
+          </a:p>
+          <a:p>
+            <a:pPr indent="0" fontAlgn="auto">
+              <a:lnSpc>
+                <a:spcPts val="3500"/>
+              </a:lnSpc>
+              <a:buFont typeface="Wingdings" panose="05000000000000000000" charset="0"/>
+              <a:buNone/>
+            </a:pPr>
             <a:r>
               <a:rPr lang="zh-CN" altLang="en-US" sz="2200">
                 <a:latin typeface="Calibri" panose="020F0502020204030204" charset="0"/>
                 <a:ea typeface="Aa小梨涡" panose="02010600010101010101" charset="-122"/>
+                <a:cs typeface="Arial" panose="020B0604020202020204" pitchFamily="34" charset="0"/>
+                <a:sym typeface="+mn-ea"/>
+              </a:rPr>
+              <a:t>        ②第一次调用</a:t>
+            </a:r>
+            <a:r>
+              <a:rPr lang="en-US" altLang="zh-CN" sz="2200">
+                <a:latin typeface="Aa小梨涡" panose="02010600010101010101" charset="-122"/>
+                <a:ea typeface="Aa小梨涡" panose="02010600010101010101" charset="-122"/>
+                <a:cs typeface="Arial" panose="020B0604020202020204" pitchFamily="34" charset="0"/>
+                <a:sym typeface="+mn-ea"/>
+              </a:rPr>
+              <a:t>next(</a:t>
+            </a:r>
+            <a:r>
+              <a:rPr lang="en-US" altLang="zh-CN" sz="2200">
+                <a:latin typeface="Aa小梨涡" panose="02010600010101010101" charset="-122"/>
+                <a:ea typeface="Aa小梨涡" panose="02010600010101010101" charset="-122"/>
+                <a:cs typeface="Arial" panose="020B0604020202020204" pitchFamily="34" charset="0"/>
+                <a:sym typeface="+mn-ea"/>
+              </a:rPr>
+              <a:t>generator_object</a:t>
+            </a:r>
+            <a:r>
+              <a:rPr lang="en-US" altLang="zh-CN" sz="2200">
+                <a:latin typeface="Aa小梨涡" panose="02010600010101010101" charset="-122"/>
+                <a:ea typeface="Aa小梨涡" panose="02010600010101010101" charset="-122"/>
+                <a:cs typeface="Arial" panose="020B0604020202020204" pitchFamily="34" charset="0"/>
+                <a:sym typeface="+mn-ea"/>
+              </a:rPr>
+              <a:t>)</a:t>
+            </a:r>
+            <a:r>
+              <a:rPr lang="zh-CN" altLang="en-US" sz="2200">
+                <a:latin typeface="Aa小梨涡" panose="02010600010101010101" charset="-122"/>
+                <a:ea typeface="Aa小梨涡" panose="02010600010101010101" charset="-122"/>
+                <a:cs typeface="Arial" panose="020B0604020202020204" pitchFamily="34" charset="0"/>
+                <a:sym typeface="+mn-ea"/>
+              </a:rPr>
+              <a:t>时，从生成器函数体的第一行开始执行，直至第一条</a:t>
+            </a:r>
+            <a:r>
+              <a:rPr lang="en-US" altLang="zh-CN" sz="2200">
+                <a:latin typeface="Aa小梨涡" panose="02010600010101010101" charset="-122"/>
+                <a:ea typeface="Aa小梨涡" panose="02010600010101010101" charset="-122"/>
+                <a:cs typeface="Arial" panose="020B0604020202020204" pitchFamily="34" charset="0"/>
+                <a:sym typeface="+mn-ea"/>
+              </a:rPr>
+              <a:t>yield</a:t>
+            </a:r>
+            <a:r>
+              <a:rPr lang="zh-CN" altLang="en-US" sz="2200">
+                <a:latin typeface="Aa小梨涡" panose="02010600010101010101" charset="-122"/>
+                <a:ea typeface="Aa小梨涡" panose="02010600010101010101" charset="-122"/>
+                <a:cs typeface="Arial" panose="020B0604020202020204" pitchFamily="34" charset="0"/>
+                <a:sym typeface="+mn-ea"/>
+              </a:rPr>
+              <a:t>表达式为止，并且以</a:t>
+            </a:r>
+            <a:r>
+              <a:rPr lang="en-US" altLang="zh-CN" sz="2200">
+                <a:latin typeface="Aa小梨涡" panose="02010600010101010101" charset="-122"/>
+                <a:ea typeface="Aa小梨涡" panose="02010600010101010101" charset="-122"/>
+                <a:cs typeface="Arial" panose="020B0604020202020204" pitchFamily="34" charset="0"/>
+                <a:sym typeface="+mn-ea"/>
+              </a:rPr>
+              <a:t>yield</a:t>
+            </a:r>
+            <a:r>
+              <a:rPr lang="zh-CN" altLang="en-US" sz="2200">
+                <a:latin typeface="Aa小梨涡" panose="02010600010101010101" charset="-122"/>
+                <a:ea typeface="Aa小梨涡" panose="02010600010101010101" charset="-122"/>
+                <a:cs typeface="Arial" panose="020B0604020202020204" pitchFamily="34" charset="0"/>
+                <a:sym typeface="+mn-ea"/>
+              </a:rPr>
+              <a:t>后面的表达式的值作为</a:t>
+            </a:r>
+            <a:r>
+              <a:rPr lang="en-US" altLang="zh-CN" sz="2200">
+                <a:latin typeface="Aa小梨涡" panose="02010600010101010101" charset="-122"/>
+                <a:ea typeface="Aa小梨涡" panose="02010600010101010101" charset="-122"/>
+                <a:cs typeface="Arial" panose="020B0604020202020204" pitchFamily="34" charset="0"/>
+                <a:sym typeface="+mn-ea"/>
+              </a:rPr>
+              <a:t>next()</a:t>
+            </a:r>
+            <a:r>
+              <a:rPr lang="zh-CN" altLang="en-US" sz="2200">
+                <a:latin typeface="Aa小梨涡" panose="02010600010101010101" charset="-122"/>
+                <a:ea typeface="Aa小梨涡" panose="02010600010101010101" charset="-122"/>
+                <a:cs typeface="Arial" panose="020B0604020202020204" pitchFamily="34" charset="0"/>
+                <a:sym typeface="+mn-ea"/>
+              </a:rPr>
+              <a:t>的返回值；</a:t>
+            </a:r>
+            <a:endParaRPr lang="zh-CN" altLang="en-US" sz="2200">
+              <a:latin typeface="Aa小梨涡" panose="02010600010101010101" charset="-122"/>
+              <a:ea typeface="Aa小梨涡" panose="02010600010101010101" charset="-122"/>
+              <a:cs typeface="Arial" panose="020B0604020202020204" pitchFamily="34" charset="0"/>
+              <a:sym typeface="+mn-ea"/>
+            </a:endParaRPr>
+          </a:p>
+          <a:p>
+            <a:pPr indent="0" fontAlgn="auto">
+              <a:lnSpc>
+                <a:spcPts val="3500"/>
+              </a:lnSpc>
+              <a:buFont typeface="Wingdings" panose="05000000000000000000" charset="0"/>
+              <a:buNone/>
+            </a:pPr>
+            <a:r>
+              <a:rPr lang="zh-CN" altLang="en-US" sz="2200">
+                <a:latin typeface="Calibri" panose="020F0502020204030204" charset="0"/>
+                <a:ea typeface="Aa小梨涡" panose="02010600010101010101" charset="-122"/>
+                <a:cs typeface="Arial" panose="020B0604020202020204" pitchFamily="34" charset="0"/>
+                <a:sym typeface="+mn-ea"/>
+              </a:rPr>
+              <a:t>        ③再一次调用</a:t>
+            </a:r>
+            <a:r>
+              <a:rPr lang="en-US" altLang="zh-CN" sz="2200">
+                <a:latin typeface="Aa小梨涡" panose="02010600010101010101" charset="-122"/>
+                <a:ea typeface="Aa小梨涡" panose="02010600010101010101" charset="-122"/>
+                <a:cs typeface="Arial" panose="020B0604020202020204" pitchFamily="34" charset="0"/>
+                <a:sym typeface="+mn-ea"/>
+              </a:rPr>
+              <a:t>next(generator_object)</a:t>
+            </a:r>
+            <a:r>
+              <a:rPr lang="zh-CN" altLang="en-US" sz="2200">
+                <a:latin typeface="Aa小梨涡" panose="02010600010101010101" charset="-122"/>
+                <a:ea typeface="Aa小梨涡" panose="02010600010101010101" charset="-122"/>
+                <a:cs typeface="Arial" panose="020B0604020202020204" pitchFamily="34" charset="0"/>
+                <a:sym typeface="+mn-ea"/>
+              </a:rPr>
+              <a:t>时，从上一次暂停的地方开始执行，直至下一条</a:t>
+            </a:r>
+            <a:r>
+              <a:rPr lang="en-US" altLang="zh-CN" sz="2200">
+                <a:latin typeface="Aa小梨涡" panose="02010600010101010101" charset="-122"/>
+                <a:ea typeface="Aa小梨涡" panose="02010600010101010101" charset="-122"/>
+                <a:cs typeface="Arial" panose="020B0604020202020204" pitchFamily="34" charset="0"/>
+                <a:sym typeface="+mn-ea"/>
+              </a:rPr>
+              <a:t>yield</a:t>
+            </a:r>
+            <a:r>
+              <a:rPr lang="zh-CN" altLang="en-US" sz="2200">
+                <a:latin typeface="Aa小梨涡" panose="02010600010101010101" charset="-122"/>
+                <a:ea typeface="Aa小梨涡" panose="02010600010101010101" charset="-122"/>
+                <a:cs typeface="Arial" panose="020B0604020202020204" pitchFamily="34" charset="0"/>
+                <a:sym typeface="+mn-ea"/>
+              </a:rPr>
+              <a:t>表达式为止，同样以下一条</a:t>
+            </a:r>
+            <a:r>
+              <a:rPr lang="en-US" altLang="zh-CN" sz="2200">
+                <a:latin typeface="Aa小梨涡" panose="02010600010101010101" charset="-122"/>
+                <a:ea typeface="Aa小梨涡" panose="02010600010101010101" charset="-122"/>
+                <a:cs typeface="Arial" panose="020B0604020202020204" pitchFamily="34" charset="0"/>
+                <a:sym typeface="+mn-ea"/>
+              </a:rPr>
+              <a:t>yield</a:t>
+            </a:r>
+            <a:r>
+              <a:rPr lang="zh-CN" altLang="en-US" sz="2200">
+                <a:latin typeface="Aa小梨涡" panose="02010600010101010101" charset="-122"/>
+                <a:ea typeface="Aa小梨涡" panose="02010600010101010101" charset="-122"/>
+                <a:cs typeface="Arial" panose="020B0604020202020204" pitchFamily="34" charset="0"/>
+                <a:sym typeface="+mn-ea"/>
+              </a:rPr>
+              <a:t>后面的表达式的值作为</a:t>
+            </a:r>
+            <a:r>
+              <a:rPr lang="en-US" altLang="zh-CN" sz="2200">
+                <a:latin typeface="Aa小梨涡" panose="02010600010101010101" charset="-122"/>
+                <a:ea typeface="Aa小梨涡" panose="02010600010101010101" charset="-122"/>
+                <a:cs typeface="Arial" panose="020B0604020202020204" pitchFamily="34" charset="0"/>
+                <a:sym typeface="+mn-ea"/>
+              </a:rPr>
+              <a:t>next()</a:t>
+            </a:r>
+            <a:r>
+              <a:rPr lang="zh-CN" altLang="en-US" sz="2200">
+                <a:latin typeface="Aa小梨涡" panose="02010600010101010101" charset="-122"/>
+                <a:ea typeface="Aa小梨涡" panose="02010600010101010101" charset="-122"/>
+                <a:cs typeface="Arial" panose="020B0604020202020204" pitchFamily="34" charset="0"/>
+                <a:sym typeface="+mn-ea"/>
+              </a:rPr>
+              <a:t>的返回值，</a:t>
+            </a:r>
+            <a:r>
+              <a:rPr lang="zh-CN" altLang="en-US" sz="2200">
+                <a:latin typeface="Aa小梨涡" panose="02010600010101010101" charset="-122"/>
+                <a:ea typeface="Aa小梨涡" panose="02010600010101010101" charset="-122"/>
+                <a:cs typeface="Arial" panose="020B0604020202020204" pitchFamily="34" charset="0"/>
+                <a:sym typeface="+mn-ea"/>
+              </a:rPr>
+              <a:t>如果没有下一条</a:t>
+            </a:r>
+            <a:r>
+              <a:rPr lang="en-US" altLang="zh-CN" sz="2200">
+                <a:latin typeface="Aa小梨涡" panose="02010600010101010101" charset="-122"/>
+                <a:ea typeface="Aa小梨涡" panose="02010600010101010101" charset="-122"/>
+                <a:cs typeface="Arial" panose="020B0604020202020204" pitchFamily="34" charset="0"/>
+                <a:sym typeface="+mn-ea"/>
+              </a:rPr>
+              <a:t>yield</a:t>
+            </a:r>
+            <a:r>
+              <a:rPr lang="zh-CN" altLang="en-US" sz="2200">
+                <a:latin typeface="Aa小梨涡" panose="02010600010101010101" charset="-122"/>
+                <a:ea typeface="Aa小梨涡" panose="02010600010101010101" charset="-122"/>
+                <a:cs typeface="Arial" panose="020B0604020202020204" pitchFamily="34" charset="0"/>
+                <a:sym typeface="+mn-ea"/>
+              </a:rPr>
+              <a:t>，抛出StopIteration异常。</a:t>
+            </a:r>
+            <a:endParaRPr lang="zh-CN" altLang="en-US" sz="2200">
+              <a:latin typeface="Aa小梨涡" panose="02010600010101010101" charset="-122"/>
+              <a:ea typeface="Aa小梨涡" panose="02010600010101010101" charset="-122"/>
+              <a:cs typeface="Arial" panose="020B0604020202020204" pitchFamily="34" charset="0"/>
+              <a:sym typeface="+mn-ea"/>
+            </a:endParaRPr>
+          </a:p>
+          <a:p>
+            <a:pPr fontAlgn="auto">
+              <a:lnSpc>
+                <a:spcPts val="3500"/>
+              </a:lnSpc>
+            </a:pPr>
+            <a:endParaRPr lang="zh-CN" altLang="en-US" sz="2200">
+              <a:latin typeface="Aa小梨涡" panose="02010600010101010101" charset="-122"/>
+              <a:ea typeface="Aa小梨涡" panose="02010600010101010101" charset="-122"/>
+              <a:cs typeface="Aa小梨涡" panose="02010600010101010101" charset="-122"/>
+              <a:sym typeface="+mn-ea"/>
+            </a:endParaRPr>
+          </a:p>
+          <a:p>
+            <a:pPr fontAlgn="auto">
+              <a:lnSpc>
+                <a:spcPts val="3500"/>
+              </a:lnSpc>
+            </a:pPr>
+            <a:endParaRPr lang="zh-CN" altLang="en-US" sz="2200">
+              <a:latin typeface="Aa小梨涡" panose="02010600010101010101" charset="-122"/>
+              <a:ea typeface="Aa小梨涡" panose="02010600010101010101" charset="-122"/>
+              <a:cs typeface="Aa小梨涡" panose="02010600010101010101" charset="-122"/>
+              <a:sym typeface="+mn-ea"/>
+            </a:endParaRPr>
+          </a:p>
+        </p:txBody>
+      </p:sp>
+      <p:sp>
+        <p:nvSpPr>
+          <p:cNvPr id="6" name="文本框 5"/>
+          <p:cNvSpPr txBox="1"/>
+          <p:nvPr/>
+        </p:nvSpPr>
+        <p:spPr>
+          <a:xfrm>
+            <a:off x="3040380" y="6261100"/>
+            <a:ext cx="1476375" cy="270510"/>
+          </a:xfrm>
+          <a:prstGeom prst="rect">
+            <a:avLst/>
+          </a:prstGeom>
+          <a:noFill/>
+        </p:spPr>
+        <p:txBody>
+          <a:bodyPr wrap="square" rtlCol="0">
+            <a:spAutoFit/>
+          </a:bodyPr>
+          <a:p>
+            <a:r>
+              <a:rPr lang="en-US" altLang="zh-CN" baseline="30000">
+                <a:solidFill>
+                  <a:schemeClr val="accent5"/>
+                </a:solidFill>
+                <a:latin typeface="Comic Sans MS" panose="030F0702030302020204" charset="0"/>
+                <a:cs typeface="Comic Sans MS" panose="030F0702030302020204" charset="0"/>
+              </a:rPr>
+              <a:t>[5.3-1.py, </a:t>
+            </a:r>
+            <a:r>
+              <a:rPr lang="en-US" altLang="zh-CN" baseline="30000">
+                <a:solidFill>
+                  <a:schemeClr val="accent5"/>
+                </a:solidFill>
+                <a:latin typeface="Comic Sans MS" panose="030F0702030302020204" charset="0"/>
+                <a:cs typeface="Comic Sans MS" panose="030F0702030302020204" charset="0"/>
+                <a:sym typeface="+mn-ea"/>
+              </a:rPr>
+              <a:t>5.3-2.py</a:t>
+            </a:r>
+            <a:r>
+              <a:rPr lang="en-US" altLang="zh-CN" baseline="30000">
+                <a:solidFill>
+                  <a:schemeClr val="accent5"/>
+                </a:solidFill>
+                <a:latin typeface="Comic Sans MS" panose="030F0702030302020204" charset="0"/>
+                <a:cs typeface="Comic Sans MS" panose="030F0702030302020204" charset="0"/>
+              </a:rPr>
+              <a:t>]</a:t>
+            </a:r>
+            <a:endParaRPr lang="en-US" altLang="zh-CN" baseline="30000">
+              <a:solidFill>
+                <a:schemeClr val="accent5"/>
+              </a:solidFill>
+              <a:latin typeface="Comic Sans MS" panose="030F0702030302020204" charset="0"/>
+              <a:cs typeface="Comic Sans MS" panose="030F0702030302020204" charset="0"/>
+            </a:endParaRPr>
+          </a:p>
+        </p:txBody>
+      </p:sp>
+    </p:spTree>
+  </p:cSld>
+  <p:clrMapOvr>
+    <a:masterClrMapping/>
+  </p:clrMapOvr>
+  <p:timing>
+    <p:tnLst>
+      <p:par>
+        <p:cTn id="1" dur="indefinite" restart="never" nodeType="tmRoot">
+          <p:childTnLst>
+            <p:seq concurrent="1" nextAc="seek">
+              <p:cTn id="2" dur="indefinite" nodeType="mainSeq">
+                <p:childTnLst>
+                  <p:par>
+                    <p:cTn id="3" fill="hold">
+                      <p:stCondLst>
+                        <p:cond delay="indefinite"/>
+                      </p:stCondLst>
+                      <p:childTnLst>
+                        <p:par>
+                          <p:cTn id="4" fill="hold">
+                            <p:stCondLst>
+                              <p:cond delay="0"/>
+                            </p:stCondLst>
+                            <p:childTnLst>
+                              <p:par>
+                                <p:cTn id="5" presetID="1" presetClass="entr" presetSubtype="0" fill="hold" grpId="0" nodeType="clickEffect">
+                                  <p:stCondLst>
+                                    <p:cond delay="0"/>
+                                  </p:stCondLst>
+                                  <p:childTnLst>
+                                    <p:set>
+                                      <p:cBhvr>
+                                        <p:cTn id="6" dur="1" fill="hold">
+                                          <p:stCondLst>
+                                            <p:cond delay="0"/>
+                                          </p:stCondLst>
+                                        </p:cTn>
+                                        <p:tgtEl>
+                                          <p:spTgt spid="13"/>
+                                        </p:tgtEl>
+                                        <p:attrNameLst>
+                                          <p:attrName>style.visibility</p:attrName>
+                                        </p:attrNameLst>
+                                      </p:cBhvr>
+                                      <p:to>
+                                        <p:strVal val="visible"/>
+                                      </p:to>
+                                    </p:set>
+                                  </p:childTnLst>
+                                </p:cTn>
+                              </p:par>
+                              <p:par>
+                                <p:cTn id="7" presetID="1" presetClass="entr" presetSubtype="0" fill="hold" grpId="0" nodeType="withEffect">
+                                  <p:stCondLst>
+                                    <p:cond delay="0"/>
+                                  </p:stCondLst>
+                                  <p:childTnLst>
+                                    <p:set>
+                                      <p:cBhvr>
+                                        <p:cTn id="8" dur="1" fill="hold">
+                                          <p:stCondLst>
+                                            <p:cond delay="0"/>
+                                          </p:stCondLst>
+                                        </p:cTn>
+                                        <p:tgtEl>
+                                          <p:spTgt spid="6"/>
+                                        </p:tgtEl>
+                                        <p:attrNameLst>
+                                          <p:attrName>style.visibility</p:attrName>
+                                        </p:attrNameLst>
+                                      </p:cBhvr>
+                                      <p:to>
+                                        <p:strVal val="visible"/>
+                                      </p:to>
+                                    </p:set>
+                                  </p:childTnLst>
+                                </p:cTn>
+                              </p:par>
+                            </p:childTnLst>
+                          </p:cTn>
+                        </p:par>
+                      </p:childTnLst>
+                    </p:cTn>
+                  </p:par>
+                </p:childTnLst>
+              </p:cTn>
+              <p:prevCondLst>
+                <p:cond evt="onPrev" delay="0">
+                  <p:tgtEl>
+                    <p:sldTgt/>
+                  </p:tgtEl>
+                </p:cond>
+              </p:prevCondLst>
+              <p:nextCondLst>
+                <p:cond evt="onNext" delay="0">
+                  <p:tgtEl>
+                    <p:sldTgt/>
+                  </p:tgtEl>
+                </p:cond>
+              </p:nextCondLst>
+            </p:seq>
+          </p:childTnLst>
+        </p:cTn>
+      </p:par>
+    </p:tnLst>
+    <p:bldLst>
+      <p:bldP spid="13" grpId="0"/>
+      <p:bldP spid="13" grpId="1"/>
+      <p:bldP spid="6" grpId="0"/>
+      <p:bldP spid="6" grpId="1"/>
+    </p:bldLst>
+  </p:timing>
+</p:sld>
+</file>
+
+<file path=ppt/slides/slide32.xml><?xml version="1.0" encoding="utf-8"?>
+<p:sld xmlns:a="http://schemas.openxmlformats.org/drawingml/2006/main" xmlns:r="http://schemas.openxmlformats.org/officeDocument/2006/relationships" xmlns:p="http://schemas.openxmlformats.org/presentationml/2006/main">
+  <p:cSld>
+    <p:spTree>
+      <p:nvGrpSpPr>
+        <p:cNvPr id="1" name=""/>
+        <p:cNvGrpSpPr/>
+        <p:nvPr/>
+      </p:nvGrpSpPr>
+      <p:grpSpPr/>
+      <p:sp>
+        <p:nvSpPr>
+          <p:cNvPr id="18" name="任意多边形 17"/>
+          <p:cNvSpPr/>
+          <p:nvPr/>
+        </p:nvSpPr>
+        <p:spPr>
+          <a:xfrm rot="600000">
+            <a:off x="5342086" y="122979"/>
+            <a:ext cx="1728000" cy="944245"/>
+          </a:xfrm>
+          <a:custGeom>
+            <a:avLst/>
+            <a:gdLst>
+              <a:gd name="connisteX0" fmla="*/ 257810 w 3935730"/>
+              <a:gd name="connsiteY0" fmla="*/ 429260 h 944880"/>
+              <a:gd name="connisteX1" fmla="*/ 3394710 w 3935730"/>
+              <a:gd name="connsiteY1" fmla="*/ 0 h 944880"/>
+              <a:gd name="connisteX2" fmla="*/ 26035 w 3935730"/>
+              <a:gd name="connsiteY2" fmla="*/ 541020 h 944880"/>
+              <a:gd name="connisteX3" fmla="*/ 3575050 w 3935730"/>
+              <a:gd name="connsiteY3" fmla="*/ 51435 h 944880"/>
+              <a:gd name="connisteX4" fmla="*/ 172085 w 3935730"/>
+              <a:gd name="connsiteY4" fmla="*/ 601345 h 944880"/>
+              <a:gd name="connisteX5" fmla="*/ 3652520 w 3935730"/>
+              <a:gd name="connsiteY5" fmla="*/ 128905 h 944880"/>
+              <a:gd name="connisteX6" fmla="*/ 51435 w 3935730"/>
+              <a:gd name="connsiteY6" fmla="*/ 678815 h 944880"/>
+              <a:gd name="connisteX7" fmla="*/ 3514725 w 3935730"/>
+              <a:gd name="connsiteY7" fmla="*/ 214630 h 944880"/>
+              <a:gd name="connisteX8" fmla="*/ 369570 w 3935730"/>
+              <a:gd name="connsiteY8" fmla="*/ 704215 h 944880"/>
+              <a:gd name="connisteX9" fmla="*/ 3695700 w 3935730"/>
+              <a:gd name="connsiteY9" fmla="*/ 274955 h 944880"/>
+              <a:gd name="connisteX10" fmla="*/ 180340 w 3935730"/>
+              <a:gd name="connsiteY10" fmla="*/ 833120 h 944880"/>
+              <a:gd name="connisteX11" fmla="*/ 3695700 w 3935730"/>
+              <a:gd name="connsiteY11" fmla="*/ 351790 h 944880"/>
+              <a:gd name="connisteX12" fmla="*/ 0 w 3935730"/>
+              <a:gd name="connsiteY12" fmla="*/ 944880 h 944880"/>
+              <a:gd name="connisteX13" fmla="*/ 3935730 w 3935730"/>
+              <a:gd name="connsiteY13" fmla="*/ 360680 h 944880"/>
+            </a:gdLst>
+            <a:ahLst/>
+            <a:cxnLst>
+              <a:cxn ang="0">
+                <a:pos x="connisteX0" y="connsiteY0"/>
+              </a:cxn>
+              <a:cxn ang="0">
+                <a:pos x="connisteX1" y="connsiteY1"/>
+              </a:cxn>
+              <a:cxn ang="0">
+                <a:pos x="connisteX2" y="connsiteY2"/>
+              </a:cxn>
+              <a:cxn ang="0">
+                <a:pos x="connisteX3" y="connsiteY3"/>
+              </a:cxn>
+              <a:cxn ang="0">
+                <a:pos x="connisteX4" y="connsiteY4"/>
+              </a:cxn>
+              <a:cxn ang="0">
+                <a:pos x="connisteX5" y="connsiteY5"/>
+              </a:cxn>
+              <a:cxn ang="0">
+                <a:pos x="connisteX6" y="connsiteY6"/>
+              </a:cxn>
+              <a:cxn ang="0">
+                <a:pos x="connisteX7" y="connsiteY7"/>
+              </a:cxn>
+              <a:cxn ang="0">
+                <a:pos x="connisteX8" y="connsiteY8"/>
+              </a:cxn>
+              <a:cxn ang="0">
+                <a:pos x="connisteX9" y="connsiteY9"/>
+              </a:cxn>
+              <a:cxn ang="0">
+                <a:pos x="connisteX10" y="connsiteY10"/>
+              </a:cxn>
+              <a:cxn ang="0">
+                <a:pos x="connisteX11" y="connsiteY11"/>
+              </a:cxn>
+              <a:cxn ang="0">
+                <a:pos x="connisteX12" y="connsiteY12"/>
+              </a:cxn>
+              <a:cxn ang="0">
+                <a:pos x="connisteX13" y="connsiteY13"/>
+              </a:cxn>
+            </a:cxnLst>
+            <a:rect l="l" t="t" r="r" b="b"/>
+            <a:pathLst>
+              <a:path w="3935730" h="944880">
+                <a:moveTo>
+                  <a:pt x="257810" y="429260"/>
+                </a:moveTo>
+                <a:lnTo>
+                  <a:pt x="3394710" y="0"/>
+                </a:lnTo>
+                <a:lnTo>
+                  <a:pt x="26035" y="541020"/>
+                </a:lnTo>
+                <a:lnTo>
+                  <a:pt x="3575050" y="51435"/>
+                </a:lnTo>
+                <a:lnTo>
+                  <a:pt x="172085" y="601345"/>
+                </a:lnTo>
+                <a:lnTo>
+                  <a:pt x="3652520" y="128905"/>
+                </a:lnTo>
+                <a:lnTo>
+                  <a:pt x="51435" y="678815"/>
+                </a:lnTo>
+                <a:lnTo>
+                  <a:pt x="3514725" y="214630"/>
+                </a:lnTo>
+                <a:lnTo>
+                  <a:pt x="369570" y="704215"/>
+                </a:lnTo>
+                <a:lnTo>
+                  <a:pt x="3695700" y="274955"/>
+                </a:lnTo>
+                <a:lnTo>
+                  <a:pt x="180340" y="833120"/>
+                </a:lnTo>
+                <a:lnTo>
+                  <a:pt x="3695700" y="351790"/>
+                </a:lnTo>
+                <a:lnTo>
+                  <a:pt x="0" y="944880"/>
+                </a:lnTo>
+                <a:lnTo>
+                  <a:pt x="3935730" y="360680"/>
+                </a:lnTo>
+              </a:path>
+            </a:pathLst>
+          </a:custGeom>
+          <a:noFill/>
+          <a:ln w="203200">
+            <a:solidFill>
+              <a:schemeClr val="accent4">
+                <a:lumMod val="40000"/>
+                <a:lumOff val="60000"/>
+              </a:schemeClr>
+            </a:solidFill>
+          </a:ln>
+          <a:effectLst>
+            <a:softEdge rad="63500"/>
+          </a:effectLst>
+        </p:spPr>
+        <p:style>
+          <a:lnRef idx="2">
+            <a:schemeClr val="accent1">
+              <a:shade val="50000"/>
+            </a:schemeClr>
+          </a:lnRef>
+          <a:fillRef idx="1">
+            <a:schemeClr val="accent1"/>
+          </a:fillRef>
+          <a:effectRef idx="0">
+            <a:schemeClr val="accent1"/>
+          </a:effectRef>
+          <a:fontRef idx="minor">
+            <a:schemeClr val="lt1"/>
+          </a:fontRef>
+        </p:style>
+        <p:txBody>
+          <a:bodyPr rtlCol="0" anchor="ctr"/>
+          <a:p>
+            <a:pPr algn="ctr"/>
+            <a:endParaRPr lang="zh-CN" altLang="en-US"/>
+          </a:p>
+        </p:txBody>
+      </p:sp>
+      <p:sp>
+        <p:nvSpPr>
+          <p:cNvPr id="2" name="标题 1"/>
+          <p:cNvSpPr>
+            <a:spLocks noGrp="1"/>
+          </p:cNvSpPr>
+          <p:nvPr>
+            <p:ph type="title"/>
+          </p:nvPr>
+        </p:nvSpPr>
+        <p:spPr>
+          <a:xfrm>
+            <a:off x="3977640" y="255905"/>
+            <a:ext cx="4189095" cy="817245"/>
+          </a:xfrm>
+        </p:spPr>
+        <p:txBody>
+          <a:bodyPr>
+            <a:normAutofit fontScale="90000"/>
+          </a:bodyPr>
+          <a:p>
+            <a:r>
+              <a:rPr lang="en-US" altLang="zh-CN">
+                <a:latin typeface="Aa小梨涡" panose="02010600010101010101" charset="-122"/>
+                <a:ea typeface="Aa小梨涡" panose="02010600010101010101" charset="-122"/>
+              </a:rPr>
+              <a:t>5.4 </a:t>
+            </a:r>
+            <a:r>
+              <a:rPr lang="zh-CN" altLang="en-US">
+                <a:latin typeface="Aa小梨涡" panose="02010600010101010101" charset="-122"/>
+                <a:ea typeface="Aa小梨涡" panose="02010600010101010101" charset="-122"/>
+              </a:rPr>
+              <a:t>生成器表达式</a:t>
+            </a:r>
+            <a:endParaRPr lang="zh-CN" altLang="en-US">
+              <a:latin typeface="Aa小梨涡" panose="02010600010101010101" charset="-122"/>
+              <a:ea typeface="Aa小梨涡" panose="02010600010101010101" charset="-122"/>
+            </a:endParaRPr>
+          </a:p>
+        </p:txBody>
+      </p:sp>
+      <p:sp>
+        <p:nvSpPr>
+          <p:cNvPr id="20" name="任意多边形 19"/>
+          <p:cNvSpPr/>
+          <p:nvPr/>
+        </p:nvSpPr>
+        <p:spPr>
+          <a:xfrm rot="10320000">
+            <a:off x="4344035" y="897890"/>
+            <a:ext cx="3456305" cy="76200"/>
+          </a:xfrm>
+          <a:custGeom>
+            <a:avLst/>
+            <a:gdLst>
+              <a:gd name="connisteX0" fmla="*/ 4685923 w 4685923"/>
+              <a:gd name="connsiteY0" fmla="*/ 9525 h 464575"/>
+              <a:gd name="connisteX1" fmla="*/ 548898 w 4685923"/>
+              <a:gd name="connsiteY1" fmla="*/ 238125 h 464575"/>
+              <a:gd name="connisteX2" fmla="*/ 672723 w 4685923"/>
+              <a:gd name="connsiteY2" fmla="*/ 456565 h 464575"/>
+              <a:gd name="connisteX3" fmla="*/ 4638298 w 4685923"/>
+              <a:gd name="connsiteY3" fmla="*/ 0 h 464575"/>
+            </a:gdLst>
+            <a:ahLst/>
+            <a:cxnLst>
+              <a:cxn ang="0">
+                <a:pos x="connisteX0" y="connsiteY0"/>
+              </a:cxn>
+              <a:cxn ang="0">
+                <a:pos x="connisteX1" y="connsiteY1"/>
+              </a:cxn>
+              <a:cxn ang="0">
+                <a:pos x="connisteX2" y="connsiteY2"/>
+              </a:cxn>
+              <a:cxn ang="0">
+                <a:pos x="connisteX3" y="connsiteY3"/>
+              </a:cxn>
+            </a:cxnLst>
+            <a:rect l="l" t="t" r="r" b="b"/>
+            <a:pathLst>
+              <a:path w="4685923" h="464576">
+                <a:moveTo>
+                  <a:pt x="4685923" y="9525"/>
+                </a:moveTo>
+                <a:cubicBezTo>
+                  <a:pt x="3855978" y="50800"/>
+                  <a:pt x="1351538" y="148590"/>
+                  <a:pt x="548898" y="238125"/>
+                </a:cubicBezTo>
+                <a:cubicBezTo>
+                  <a:pt x="-253742" y="327660"/>
+                  <a:pt x="-145157" y="504190"/>
+                  <a:pt x="672723" y="456565"/>
+                </a:cubicBezTo>
+                <a:cubicBezTo>
+                  <a:pt x="1490603" y="408940"/>
+                  <a:pt x="3847723" y="95885"/>
+                  <a:pt x="4638298" y="0"/>
+                </a:cubicBezTo>
+              </a:path>
+            </a:pathLst>
+          </a:custGeom>
+          <a:solidFill>
+            <a:schemeClr val="accent5"/>
+          </a:solidFill>
+          <a:ln>
+            <a:noFill/>
+          </a:ln>
+        </p:spPr>
+        <p:style>
+          <a:lnRef idx="2">
+            <a:schemeClr val="accent1">
+              <a:shade val="50000"/>
+            </a:schemeClr>
+          </a:lnRef>
+          <a:fillRef idx="1">
+            <a:schemeClr val="accent1"/>
+          </a:fillRef>
+          <a:effectRef idx="0">
+            <a:schemeClr val="accent1"/>
+          </a:effectRef>
+          <a:fontRef idx="minor">
+            <a:schemeClr val="lt1"/>
+          </a:fontRef>
+        </p:style>
+        <p:txBody>
+          <a:bodyPr rtlCol="0" anchor="ctr"/>
+          <a:p>
+            <a:pPr algn="ctr"/>
+            <a:endParaRPr lang="zh-CN" altLang="en-US"/>
+          </a:p>
+        </p:txBody>
+      </p:sp>
+      <p:sp>
+        <p:nvSpPr>
+          <p:cNvPr id="13" name="文本框 12"/>
+          <p:cNvSpPr txBox="1"/>
+          <p:nvPr/>
+        </p:nvSpPr>
+        <p:spPr>
+          <a:xfrm>
+            <a:off x="565150" y="1214120"/>
+            <a:ext cx="11281410" cy="3233420"/>
+          </a:xfrm>
+          <a:prstGeom prst="rect">
+            <a:avLst/>
+          </a:prstGeom>
+          <a:noFill/>
+          <a:ln>
+            <a:noFill/>
+          </a:ln>
+        </p:spPr>
+        <p:txBody>
+          <a:bodyPr wrap="square" rtlCol="0">
+            <a:spAutoFit/>
+          </a:bodyPr>
+          <a:p>
+            <a:pPr fontAlgn="auto">
+              <a:lnSpc>
+                <a:spcPts val="3500"/>
+              </a:lnSpc>
+            </a:pPr>
+            <a:r>
+              <a:rPr lang="en-US" sz="2200">
+                <a:latin typeface="Aa小梨涡" panose="02010600010101010101" charset="-122"/>
+                <a:ea typeface="Aa小梨涡" panose="02010600010101010101" charset="-122"/>
                 <a:cs typeface="Aa小梨涡" panose="02010600010101010101" charset="-122"/>
                 <a:sym typeface="+mn-ea"/>
               </a:rPr>
-              <a:t>表达式，它就是一个生成器函数。</a:t>
+              <a:t>1. </a:t>
+            </a:r>
+            <a:r>
+              <a:rPr lang="zh-CN" altLang="en-US" sz="2200">
+                <a:latin typeface="Calibri" panose="020F0502020204030204" charset="0"/>
+                <a:ea typeface="Aa小梨涡" panose="02010600010101010101" charset="-122"/>
+                <a:cs typeface="Aa小梨涡" panose="02010600010101010101" charset="-122"/>
+                <a:sym typeface="+mn-ea"/>
+              </a:rPr>
+              <a:t>生成器函数</a:t>
             </a:r>
             <a:endParaRPr lang="zh-CN" altLang="en-US" sz="2200">
               <a:latin typeface="Calibri" panose="020F0502020204030204" charset="0"/>
@@ -29246,6 +30435,77 @@
             </a:pPr>
             <a:r>
               <a:rPr lang="zh-CN" altLang="en-US" sz="2200">
+                <a:latin typeface="Calibri" panose="020F0502020204030204" charset="0"/>
+                <a:ea typeface="Aa小梨涡" panose="02010600010101010101" charset="-122"/>
+                <a:cs typeface="Aa小梨涡" panose="02010600010101010101" charset="-122"/>
+                <a:sym typeface="+mn-ea"/>
+              </a:rPr>
+              <a:t>①定义</a:t>
+            </a:r>
+            <a:endParaRPr lang="zh-CN" altLang="en-US" sz="2200">
+              <a:latin typeface="Calibri" panose="020F0502020204030204" charset="0"/>
+              <a:ea typeface="Aa小梨涡" panose="02010600010101010101" charset="-122"/>
+              <a:cs typeface="Aa小梨涡" panose="02010600010101010101" charset="-122"/>
+              <a:sym typeface="+mn-ea"/>
+            </a:endParaRPr>
+          </a:p>
+          <a:p>
+            <a:pPr fontAlgn="auto">
+              <a:lnSpc>
+                <a:spcPts val="3500"/>
+              </a:lnSpc>
+            </a:pPr>
+            <a:r>
+              <a:rPr lang="zh-CN" altLang="en-US" sz="2200">
+                <a:latin typeface="Calibri" panose="020F0502020204030204" charset="0"/>
+                <a:ea typeface="Aa小梨涡" panose="02010600010101010101" charset="-122"/>
+                <a:cs typeface="Aa小梨涡" panose="02010600010101010101" charset="-122"/>
+                <a:sym typeface="+mn-ea"/>
+              </a:rPr>
+              <a:t>        如果一个函数包含至少一</a:t>
+            </a:r>
+            <a:r>
+              <a:rPr lang="zh-CN" altLang="en-US" sz="2200">
+                <a:latin typeface="Aa小梨涡" panose="02010600010101010101" charset="-122"/>
+                <a:ea typeface="Aa小梨涡" panose="02010600010101010101" charset="-122"/>
+                <a:cs typeface="Aa小梨涡" panose="02010600010101010101" charset="-122"/>
+                <a:sym typeface="+mn-ea"/>
+              </a:rPr>
+              <a:t>个</a:t>
+            </a:r>
+            <a:r>
+              <a:rPr lang="en-US" altLang="zh-CN" sz="2200">
+                <a:latin typeface="Aa小梨涡" panose="02010600010101010101" charset="-122"/>
+                <a:ea typeface="Aa小梨涡" panose="02010600010101010101" charset="-122"/>
+                <a:cs typeface="Aa小梨涡" panose="02010600010101010101" charset="-122"/>
+                <a:sym typeface="+mn-ea"/>
+              </a:rPr>
+              <a:t>yield</a:t>
+            </a:r>
+            <a:r>
+              <a:rPr lang="zh-CN" altLang="en-US" sz="2200">
+                <a:latin typeface="Calibri" panose="020F0502020204030204" charset="0"/>
+                <a:ea typeface="Aa小梨涡" panose="02010600010101010101" charset="-122"/>
+                <a:cs typeface="Aa小梨涡" panose="02010600010101010101" charset="-122"/>
+                <a:sym typeface="+mn-ea"/>
+              </a:rPr>
+              <a:t>表达式，它就是一个生成器函数。</a:t>
+            </a:r>
+            <a:endParaRPr lang="zh-CN" altLang="en-US" sz="2200">
+              <a:latin typeface="Calibri" panose="020F0502020204030204" charset="0"/>
+              <a:ea typeface="Aa小梨涡" panose="02010600010101010101" charset="-122"/>
+              <a:cs typeface="Aa小梨涡" panose="02010600010101010101" charset="-122"/>
+              <a:sym typeface="+mn-ea"/>
+            </a:endParaRPr>
+          </a:p>
+          <a:p>
+            <a:pPr fontAlgn="auto">
+              <a:lnSpc>
+                <a:spcPts val="3500"/>
+              </a:lnSpc>
+            </a:pPr>
+            <a:r>
+              <a:rPr lang="zh-CN" altLang="en-US" sz="2200">
                 <a:latin typeface="Aa小梨涡" panose="02010600010101010101" charset="-122"/>
                 <a:ea typeface="Aa小梨涡" panose="02010600010101010101" charset="-122"/>
                 <a:cs typeface="Aa小梨涡" panose="02010600010101010101" charset="-122"/>
@@ -29365,6 +30625,19 @@
               </a:rPr>
               <a:t>表达式往后继续执行。</a:t>
             </a:r>
+            <a:endParaRPr lang="zh-CN" altLang="en-US" sz="2200">
+              <a:latin typeface="Aa小梨涡" panose="02010600010101010101" charset="-122"/>
+              <a:ea typeface="Aa小梨涡" panose="02010600010101010101" charset="-122"/>
+              <a:cs typeface="Aa小梨涡" panose="02010600010101010101" charset="-122"/>
+              <a:sym typeface="+mn-ea"/>
+            </a:endParaRPr>
+          </a:p>
+          <a:p>
+            <a:pPr fontAlgn="auto">
+              <a:lnSpc>
+                <a:spcPts val="3500"/>
+              </a:lnSpc>
+            </a:pPr>
             <a:endParaRPr lang="zh-CN" altLang="en-US" sz="2200">
               <a:latin typeface="Aa小梨涡" panose="02010600010101010101" charset="-122"/>
               <a:ea typeface="Aa小梨涡" panose="02010600010101010101" charset="-122"/>
@@ -29698,332 +30971,6 @@
 </p:sld>
 </file>
 
-<file path=ppt/slides/slide32.xml><?xml version="1.0" encoding="utf-8"?>
-<p:sld xmlns:a="http://schemas.openxmlformats.org/drawingml/2006/main" xmlns:r="http://schemas.openxmlformats.org/officeDocument/2006/relationships" xmlns:p="http://schemas.openxmlformats.org/presentationml/2006/main">
-  <p:cSld>
-    <p:spTree>
-      <p:nvGrpSpPr>
-        <p:cNvPr id="1" name=""/>
-        <p:cNvGrpSpPr/>
-        <p:nvPr/>
-      </p:nvGrpSpPr>
-      <p:grpSpPr/>
-      <p:sp>
-        <p:nvSpPr>
-          <p:cNvPr id="18" name="任意多边形 17"/>
-          <p:cNvSpPr/>
-          <p:nvPr/>
-        </p:nvSpPr>
-        <p:spPr>
-          <a:xfrm rot="600000">
-            <a:off x="5342086" y="122979"/>
-            <a:ext cx="1728000" cy="944245"/>
-          </a:xfrm>
-          <a:custGeom>
-            <a:avLst/>
-            <a:gdLst>
-              <a:gd name="connisteX0" fmla="*/ 257810 w 3935730"/>
-              <a:gd name="connsiteY0" fmla="*/ 429260 h 944880"/>
-              <a:gd name="connisteX1" fmla="*/ 3394710 w 3935730"/>
-              <a:gd name="connsiteY1" fmla="*/ 0 h 944880"/>
-              <a:gd name="connisteX2" fmla="*/ 26035 w 3935730"/>
-              <a:gd name="connsiteY2" fmla="*/ 541020 h 944880"/>
-              <a:gd name="connisteX3" fmla="*/ 3575050 w 3935730"/>
-              <a:gd name="connsiteY3" fmla="*/ 51435 h 944880"/>
-              <a:gd name="connisteX4" fmla="*/ 172085 w 3935730"/>
-              <a:gd name="connsiteY4" fmla="*/ 601345 h 944880"/>
-              <a:gd name="connisteX5" fmla="*/ 3652520 w 3935730"/>
-              <a:gd name="connsiteY5" fmla="*/ 128905 h 944880"/>
-              <a:gd name="connisteX6" fmla="*/ 51435 w 3935730"/>
-              <a:gd name="connsiteY6" fmla="*/ 678815 h 944880"/>
-              <a:gd name="connisteX7" fmla="*/ 3514725 w 3935730"/>
-              <a:gd name="connsiteY7" fmla="*/ 214630 h 944880"/>
-              <a:gd name="connisteX8" fmla="*/ 369570 w 3935730"/>
-              <a:gd name="connsiteY8" fmla="*/ 704215 h 944880"/>
-              <a:gd name="connisteX9" fmla="*/ 3695700 w 3935730"/>
-              <a:gd name="connsiteY9" fmla="*/ 274955 h 944880"/>
-              <a:gd name="connisteX10" fmla="*/ 180340 w 3935730"/>
-              <a:gd name="connsiteY10" fmla="*/ 833120 h 944880"/>
-              <a:gd name="connisteX11" fmla="*/ 3695700 w 3935730"/>
-              <a:gd name="connsiteY11" fmla="*/ 351790 h 944880"/>
-              <a:gd name="connisteX12" fmla="*/ 0 w 3935730"/>
-              <a:gd name="connsiteY12" fmla="*/ 944880 h 944880"/>
-              <a:gd name="connisteX13" fmla="*/ 3935730 w 3935730"/>
-              <a:gd name="connsiteY13" fmla="*/ 360680 h 944880"/>
-            </a:gdLst>
-            <a:ahLst/>
-            <a:cxnLst>
-              <a:cxn ang="0">
-                <a:pos x="connisteX0" y="connsiteY0"/>
-              </a:cxn>
-              <a:cxn ang="0">
-                <a:pos x="connisteX1" y="connsiteY1"/>
-              </a:cxn>
-              <a:cxn ang="0">
-                <a:pos x="connisteX2" y="connsiteY2"/>
-              </a:cxn>
-              <a:cxn ang="0">
-                <a:pos x="connisteX3" y="connsiteY3"/>
-              </a:cxn>
-              <a:cxn ang="0">
-                <a:pos x="connisteX4" y="connsiteY4"/>
-              </a:cxn>
-              <a:cxn ang="0">
-                <a:pos x="connisteX5" y="connsiteY5"/>
-              </a:cxn>
-              <a:cxn ang="0">
-                <a:pos x="connisteX6" y="connsiteY6"/>
-              </a:cxn>
-              <a:cxn ang="0">
-                <a:pos x="connisteX7" y="connsiteY7"/>
-              </a:cxn>
-              <a:cxn ang="0">
-                <a:pos x="connisteX8" y="connsiteY8"/>
-              </a:cxn>
-              <a:cxn ang="0">
-                <a:pos x="connisteX9" y="connsiteY9"/>
-              </a:cxn>
-              <a:cxn ang="0">
-                <a:pos x="connisteX10" y="connsiteY10"/>
-              </a:cxn>
-              <a:cxn ang="0">
-                <a:pos x="connisteX11" y="connsiteY11"/>
-              </a:cxn>
-              <a:cxn ang="0">
-                <a:pos x="connisteX12" y="connsiteY12"/>
-              </a:cxn>
-              <a:cxn ang="0">
-                <a:pos x="connisteX13" y="connsiteY13"/>
-              </a:cxn>
-            </a:cxnLst>
-            <a:rect l="l" t="t" r="r" b="b"/>
-            <a:pathLst>
-              <a:path w="3935730" h="944880">
-                <a:moveTo>
-                  <a:pt x="257810" y="429260"/>
-                </a:moveTo>
-                <a:lnTo>
-                  <a:pt x="3394710" y="0"/>
-                </a:lnTo>
-                <a:lnTo>
-                  <a:pt x="26035" y="541020"/>
-                </a:lnTo>
-                <a:lnTo>
-                  <a:pt x="3575050" y="51435"/>
-                </a:lnTo>
-                <a:lnTo>
-                  <a:pt x="172085" y="601345"/>
-                </a:lnTo>
-                <a:lnTo>
-                  <a:pt x="3652520" y="128905"/>
-                </a:lnTo>
-                <a:lnTo>
-                  <a:pt x="51435" y="678815"/>
-                </a:lnTo>
-                <a:lnTo>
-                  <a:pt x="3514725" y="214630"/>
-                </a:lnTo>
-                <a:lnTo>
-                  <a:pt x="369570" y="704215"/>
-                </a:lnTo>
-                <a:lnTo>
-                  <a:pt x="3695700" y="274955"/>
-                </a:lnTo>
-                <a:lnTo>
-                  <a:pt x="180340" y="833120"/>
-                </a:lnTo>
-                <a:lnTo>
-                  <a:pt x="3695700" y="351790"/>
-                </a:lnTo>
-                <a:lnTo>
-                  <a:pt x="0" y="944880"/>
-                </a:lnTo>
-                <a:lnTo>
-                  <a:pt x="3935730" y="360680"/>
-                </a:lnTo>
-              </a:path>
-            </a:pathLst>
-          </a:custGeom>
-          <a:noFill/>
-          <a:ln w="203200">
-            <a:solidFill>
-              <a:schemeClr val="accent4">
-                <a:lumMod val="40000"/>
-                <a:lumOff val="60000"/>
-              </a:schemeClr>
-            </a:solidFill>
-          </a:ln>
-          <a:effectLst>
-            <a:softEdge rad="63500"/>
-          </a:effectLst>
-        </p:spPr>
-        <p:style>
-          <a:lnRef idx="2">
-            <a:schemeClr val="accent1">
-              <a:shade val="50000"/>
-            </a:schemeClr>
-          </a:lnRef>
-          <a:fillRef idx="1">
-            <a:schemeClr val="accent1"/>
-          </a:fillRef>
-          <a:effectRef idx="0">
-            <a:schemeClr val="accent1"/>
-          </a:effectRef>
-          <a:fontRef idx="minor">
-            <a:schemeClr val="lt1"/>
-          </a:fontRef>
-        </p:style>
-        <p:txBody>
-          <a:bodyPr rtlCol="0" anchor="ctr"/>
-          <a:p>
-            <a:pPr algn="ctr"/>
-            <a:endParaRPr lang="zh-CN" altLang="en-US"/>
-          </a:p>
-        </p:txBody>
-      </p:sp>
-      <p:sp>
-        <p:nvSpPr>
-          <p:cNvPr id="2" name="标题 1"/>
-          <p:cNvSpPr>
-            <a:spLocks noGrp="1"/>
-          </p:cNvSpPr>
-          <p:nvPr>
-            <p:ph type="title"/>
-          </p:nvPr>
-        </p:nvSpPr>
-        <p:spPr>
-          <a:xfrm>
-            <a:off x="5132070" y="245745"/>
-            <a:ext cx="2136775" cy="817245"/>
-          </a:xfrm>
-        </p:spPr>
-        <p:txBody>
-          <a:bodyPr>
-            <a:normAutofit fontScale="90000"/>
-          </a:bodyPr>
-          <a:p>
-            <a:r>
-              <a:rPr lang="en-US" altLang="zh-CN">
-                <a:latin typeface="Aa小梨涡" panose="02010600010101010101" charset="-122"/>
-                <a:ea typeface="Aa小梨涡" panose="02010600010101010101" charset="-122"/>
-              </a:rPr>
-              <a:t>1.</a:t>
-            </a:r>
-            <a:r>
-              <a:rPr lang="zh-CN" altLang="en-US">
-                <a:latin typeface="Aa小梨涡" panose="02010600010101010101" charset="-122"/>
-                <a:ea typeface="Aa小梨涡" panose="02010600010101010101" charset="-122"/>
-              </a:rPr>
-              <a:t>开篇词</a:t>
-            </a:r>
-            <a:endParaRPr lang="zh-CN" altLang="en-US">
-              <a:latin typeface="Aa小梨涡" panose="02010600010101010101" charset="-122"/>
-              <a:ea typeface="Aa小梨涡" panose="02010600010101010101" charset="-122"/>
-            </a:endParaRPr>
-          </a:p>
-        </p:txBody>
-      </p:sp>
-      <p:sp>
-        <p:nvSpPr>
-          <p:cNvPr id="20" name="任意多边形 19"/>
-          <p:cNvSpPr/>
-          <p:nvPr/>
-        </p:nvSpPr>
-        <p:spPr>
-          <a:xfrm rot="10320000">
-            <a:off x="4344035" y="897890"/>
-            <a:ext cx="3456305" cy="76200"/>
-          </a:xfrm>
-          <a:custGeom>
-            <a:avLst/>
-            <a:gdLst>
-              <a:gd name="connisteX0" fmla="*/ 4685923 w 4685923"/>
-              <a:gd name="connsiteY0" fmla="*/ 9525 h 464575"/>
-              <a:gd name="connisteX1" fmla="*/ 548898 w 4685923"/>
-              <a:gd name="connsiteY1" fmla="*/ 238125 h 464575"/>
-              <a:gd name="connisteX2" fmla="*/ 672723 w 4685923"/>
-              <a:gd name="connsiteY2" fmla="*/ 456565 h 464575"/>
-              <a:gd name="connisteX3" fmla="*/ 4638298 w 4685923"/>
-              <a:gd name="connsiteY3" fmla="*/ 0 h 464575"/>
-            </a:gdLst>
-            <a:ahLst/>
-            <a:cxnLst>
-              <a:cxn ang="0">
-                <a:pos x="connisteX0" y="connsiteY0"/>
-              </a:cxn>
-              <a:cxn ang="0">
-                <a:pos x="connisteX1" y="connsiteY1"/>
-              </a:cxn>
-              <a:cxn ang="0">
-                <a:pos x="connisteX2" y="connsiteY2"/>
-              </a:cxn>
-              <a:cxn ang="0">
-                <a:pos x="connisteX3" y="connsiteY3"/>
-              </a:cxn>
-            </a:cxnLst>
-            <a:rect l="l" t="t" r="r" b="b"/>
-            <a:pathLst>
-              <a:path w="4685923" h="464576">
-                <a:moveTo>
-                  <a:pt x="4685923" y="9525"/>
-                </a:moveTo>
-                <a:cubicBezTo>
-                  <a:pt x="3855978" y="50800"/>
-                  <a:pt x="1351538" y="148590"/>
-                  <a:pt x="548898" y="238125"/>
-                </a:cubicBezTo>
-                <a:cubicBezTo>
-                  <a:pt x="-253742" y="327660"/>
-                  <a:pt x="-145157" y="504190"/>
-                  <a:pt x="672723" y="456565"/>
-                </a:cubicBezTo>
-                <a:cubicBezTo>
-                  <a:pt x="1490603" y="408940"/>
-                  <a:pt x="3847723" y="95885"/>
-                  <a:pt x="4638298" y="0"/>
-                </a:cubicBezTo>
-              </a:path>
-            </a:pathLst>
-          </a:custGeom>
-          <a:solidFill>
-            <a:schemeClr val="accent5"/>
-          </a:solidFill>
-          <a:ln>
-            <a:noFill/>
-          </a:ln>
-        </p:spPr>
-        <p:style>
-          <a:lnRef idx="2">
-            <a:schemeClr val="accent1">
-              <a:shade val="50000"/>
-            </a:schemeClr>
-          </a:lnRef>
-          <a:fillRef idx="1">
-            <a:schemeClr val="accent1"/>
-          </a:fillRef>
-          <a:effectRef idx="0">
-            <a:schemeClr val="accent1"/>
-          </a:effectRef>
-          <a:fontRef idx="minor">
-            <a:schemeClr val="lt1"/>
-          </a:fontRef>
-        </p:style>
-        <p:txBody>
-          <a:bodyPr rtlCol="0" anchor="ctr"/>
-          <a:p>
-            <a:pPr algn="ctr"/>
-            <a:endParaRPr lang="zh-CN" altLang="en-US"/>
-          </a:p>
-        </p:txBody>
-      </p:sp>
-    </p:spTree>
-  </p:cSld>
-  <p:clrMapOvr>
-    <a:masterClrMapping/>
-  </p:clrMapOvr>
-</p:sld>
-</file>
-
 <file path=ppt/slides/slide33.xml><?xml version="1.0" encoding="utf-8"?>
 <p:sld xmlns:a="http://schemas.openxmlformats.org/drawingml/2006/main" xmlns:r="http://schemas.openxmlformats.org/officeDocument/2006/relationships" xmlns:p="http://schemas.openxmlformats.org/presentationml/2006/main">
   <p:cSld>
@@ -32668,7 +33615,15 @@
               </a:rPr>
               <a:t>        实际上，列表和元组，都是一个可以放置任意数据类型的有序集合</a:t>
             </a:r>
-            <a:endParaRPr lang="en-US" altLang="zh-CN" sz="2200">
+            <a:r>
+              <a:rPr lang="zh-CN" altLang="en-US" sz="2200">
+                <a:latin typeface="Aa小梨涡" panose="02010600010101010101" charset="-122"/>
+                <a:ea typeface="Aa小梨涡" panose="02010600010101010101" charset="-122"/>
+                <a:cs typeface="Aa小梨涡" panose="02010600010101010101" charset="-122"/>
+              </a:rPr>
+              <a:t>。</a:t>
+            </a:r>
+            <a:endParaRPr lang="zh-CN" altLang="en-US" sz="2200">
               <a:latin typeface="Aa小梨涡" panose="02010600010101010101" charset="-122"/>
               <a:ea typeface="Aa小梨涡" panose="02010600010101010101" charset="-122"/>
               <a:cs typeface="Aa小梨涡" panose="02010600010101010101" charset="-122"/>
@@ -34642,6 +35597,332 @@
 </file>
 
 <file path=ppt/slides/slide43.xml><?xml version="1.0" encoding="utf-8"?>
+<p:sld xmlns:a="http://schemas.openxmlformats.org/drawingml/2006/main" xmlns:r="http://schemas.openxmlformats.org/officeDocument/2006/relationships" xmlns:p="http://schemas.openxmlformats.org/presentationml/2006/main">
+  <p:cSld>
+    <p:spTree>
+      <p:nvGrpSpPr>
+        <p:cNvPr id="1" name=""/>
+        <p:cNvGrpSpPr/>
+        <p:nvPr/>
+      </p:nvGrpSpPr>
+      <p:grpSpPr/>
+      <p:sp>
+        <p:nvSpPr>
+          <p:cNvPr id="18" name="任意多边形 17"/>
+          <p:cNvSpPr/>
+          <p:nvPr/>
+        </p:nvSpPr>
+        <p:spPr>
+          <a:xfrm rot="600000">
+            <a:off x="5342086" y="122979"/>
+            <a:ext cx="1728000" cy="944245"/>
+          </a:xfrm>
+          <a:custGeom>
+            <a:avLst/>
+            <a:gdLst>
+              <a:gd name="connisteX0" fmla="*/ 257810 w 3935730"/>
+              <a:gd name="connsiteY0" fmla="*/ 429260 h 944880"/>
+              <a:gd name="connisteX1" fmla="*/ 3394710 w 3935730"/>
+              <a:gd name="connsiteY1" fmla="*/ 0 h 944880"/>
+              <a:gd name="connisteX2" fmla="*/ 26035 w 3935730"/>
+              <a:gd name="connsiteY2" fmla="*/ 541020 h 944880"/>
+              <a:gd name="connisteX3" fmla="*/ 3575050 w 3935730"/>
+              <a:gd name="connsiteY3" fmla="*/ 51435 h 944880"/>
+              <a:gd name="connisteX4" fmla="*/ 172085 w 3935730"/>
+              <a:gd name="connsiteY4" fmla="*/ 601345 h 944880"/>
+              <a:gd name="connisteX5" fmla="*/ 3652520 w 3935730"/>
+              <a:gd name="connsiteY5" fmla="*/ 128905 h 944880"/>
+              <a:gd name="connisteX6" fmla="*/ 51435 w 3935730"/>
+              <a:gd name="connsiteY6" fmla="*/ 678815 h 944880"/>
+              <a:gd name="connisteX7" fmla="*/ 3514725 w 3935730"/>
+              <a:gd name="connsiteY7" fmla="*/ 214630 h 944880"/>
+              <a:gd name="connisteX8" fmla="*/ 369570 w 3935730"/>
+              <a:gd name="connsiteY8" fmla="*/ 704215 h 944880"/>
+              <a:gd name="connisteX9" fmla="*/ 3695700 w 3935730"/>
+              <a:gd name="connsiteY9" fmla="*/ 274955 h 944880"/>
+              <a:gd name="connisteX10" fmla="*/ 180340 w 3935730"/>
+              <a:gd name="connsiteY10" fmla="*/ 833120 h 944880"/>
+              <a:gd name="connisteX11" fmla="*/ 3695700 w 3935730"/>
+              <a:gd name="connsiteY11" fmla="*/ 351790 h 944880"/>
+              <a:gd name="connisteX12" fmla="*/ 0 w 3935730"/>
+              <a:gd name="connsiteY12" fmla="*/ 944880 h 944880"/>
+              <a:gd name="connisteX13" fmla="*/ 3935730 w 3935730"/>
+              <a:gd name="connsiteY13" fmla="*/ 360680 h 944880"/>
+            </a:gdLst>
+            <a:ahLst/>
+            <a:cxnLst>
+              <a:cxn ang="0">
+                <a:pos x="connisteX0" y="connsiteY0"/>
+              </a:cxn>
+              <a:cxn ang="0">
+                <a:pos x="connisteX1" y="connsiteY1"/>
+              </a:cxn>
+              <a:cxn ang="0">
+                <a:pos x="connisteX2" y="connsiteY2"/>
+              </a:cxn>
+              <a:cxn ang="0">
+                <a:pos x="connisteX3" y="connsiteY3"/>
+              </a:cxn>
+              <a:cxn ang="0">
+                <a:pos x="connisteX4" y="connsiteY4"/>
+              </a:cxn>
+              <a:cxn ang="0">
+                <a:pos x="connisteX5" y="connsiteY5"/>
+              </a:cxn>
+              <a:cxn ang="0">
+                <a:pos x="connisteX6" y="connsiteY6"/>
+              </a:cxn>
+              <a:cxn ang="0">
+                <a:pos x="connisteX7" y="connsiteY7"/>
+              </a:cxn>
+              <a:cxn ang="0">
+                <a:pos x="connisteX8" y="connsiteY8"/>
+              </a:cxn>
+              <a:cxn ang="0">
+                <a:pos x="connisteX9" y="connsiteY9"/>
+              </a:cxn>
+              <a:cxn ang="0">
+                <a:pos x="connisteX10" y="connsiteY10"/>
+              </a:cxn>
+              <a:cxn ang="0">
+                <a:pos x="connisteX11" y="connsiteY11"/>
+              </a:cxn>
+              <a:cxn ang="0">
+                <a:pos x="connisteX12" y="connsiteY12"/>
+              </a:cxn>
+              <a:cxn ang="0">
+                <a:pos x="connisteX13" y="connsiteY13"/>
+              </a:cxn>
+            </a:cxnLst>
+            <a:rect l="l" t="t" r="r" b="b"/>
+            <a:pathLst>
+              <a:path w="3935730" h="944880">
+                <a:moveTo>
+                  <a:pt x="257810" y="429260"/>
+                </a:moveTo>
+                <a:lnTo>
+                  <a:pt x="3394710" y="0"/>
+                </a:lnTo>
+                <a:lnTo>
+                  <a:pt x="26035" y="541020"/>
+                </a:lnTo>
+                <a:lnTo>
+                  <a:pt x="3575050" y="51435"/>
+                </a:lnTo>
+                <a:lnTo>
+                  <a:pt x="172085" y="601345"/>
+                </a:lnTo>
+                <a:lnTo>
+                  <a:pt x="3652520" y="128905"/>
+                </a:lnTo>
+                <a:lnTo>
+                  <a:pt x="51435" y="678815"/>
+                </a:lnTo>
+                <a:lnTo>
+                  <a:pt x="3514725" y="214630"/>
+                </a:lnTo>
+                <a:lnTo>
+                  <a:pt x="369570" y="704215"/>
+                </a:lnTo>
+                <a:lnTo>
+                  <a:pt x="3695700" y="274955"/>
+                </a:lnTo>
+                <a:lnTo>
+                  <a:pt x="180340" y="833120"/>
+                </a:lnTo>
+                <a:lnTo>
+                  <a:pt x="3695700" y="351790"/>
+                </a:lnTo>
+                <a:lnTo>
+                  <a:pt x="0" y="944880"/>
+                </a:lnTo>
+                <a:lnTo>
+                  <a:pt x="3935730" y="360680"/>
+                </a:lnTo>
+              </a:path>
+            </a:pathLst>
+          </a:custGeom>
+          <a:noFill/>
+          <a:ln w="203200">
+            <a:solidFill>
+              <a:schemeClr val="accent4">
+                <a:lumMod val="40000"/>
+                <a:lumOff val="60000"/>
+              </a:schemeClr>
+            </a:solidFill>
+          </a:ln>
+          <a:effectLst>
+            <a:softEdge rad="63500"/>
+          </a:effectLst>
+        </p:spPr>
+        <p:style>
+          <a:lnRef idx="2">
+            <a:schemeClr val="accent1">
+              <a:shade val="50000"/>
+            </a:schemeClr>
+          </a:lnRef>
+          <a:fillRef idx="1">
+            <a:schemeClr val="accent1"/>
+          </a:fillRef>
+          <a:effectRef idx="0">
+            <a:schemeClr val="accent1"/>
+          </a:effectRef>
+          <a:fontRef idx="minor">
+            <a:schemeClr val="lt1"/>
+          </a:fontRef>
+        </p:style>
+        <p:txBody>
+          <a:bodyPr rtlCol="0" anchor="ctr"/>
+          <a:p>
+            <a:pPr algn="ctr"/>
+            <a:endParaRPr lang="zh-CN" altLang="en-US"/>
+          </a:p>
+        </p:txBody>
+      </p:sp>
+      <p:sp>
+        <p:nvSpPr>
+          <p:cNvPr id="2" name="标题 1"/>
+          <p:cNvSpPr>
+            <a:spLocks noGrp="1"/>
+          </p:cNvSpPr>
+          <p:nvPr>
+            <p:ph type="title"/>
+          </p:nvPr>
+        </p:nvSpPr>
+        <p:spPr>
+          <a:xfrm>
+            <a:off x="5132070" y="245745"/>
+            <a:ext cx="2136775" cy="817245"/>
+          </a:xfrm>
+        </p:spPr>
+        <p:txBody>
+          <a:bodyPr>
+            <a:normAutofit fontScale="90000"/>
+          </a:bodyPr>
+          <a:p>
+            <a:r>
+              <a:rPr lang="en-US" altLang="zh-CN">
+                <a:latin typeface="Aa小梨涡" panose="02010600010101010101" charset="-122"/>
+                <a:ea typeface="Aa小梨涡" panose="02010600010101010101" charset="-122"/>
+              </a:rPr>
+              <a:t>1.</a:t>
+            </a:r>
+            <a:r>
+              <a:rPr lang="zh-CN" altLang="en-US">
+                <a:latin typeface="Aa小梨涡" panose="02010600010101010101" charset="-122"/>
+                <a:ea typeface="Aa小梨涡" panose="02010600010101010101" charset="-122"/>
+              </a:rPr>
+              <a:t>开篇词</a:t>
+            </a:r>
+            <a:endParaRPr lang="zh-CN" altLang="en-US">
+              <a:latin typeface="Aa小梨涡" panose="02010600010101010101" charset="-122"/>
+              <a:ea typeface="Aa小梨涡" panose="02010600010101010101" charset="-122"/>
+            </a:endParaRPr>
+          </a:p>
+        </p:txBody>
+      </p:sp>
+      <p:sp>
+        <p:nvSpPr>
+          <p:cNvPr id="20" name="任意多边形 19"/>
+          <p:cNvSpPr/>
+          <p:nvPr/>
+        </p:nvSpPr>
+        <p:spPr>
+          <a:xfrm rot="10320000">
+            <a:off x="4344035" y="897890"/>
+            <a:ext cx="3456305" cy="76200"/>
+          </a:xfrm>
+          <a:custGeom>
+            <a:avLst/>
+            <a:gdLst>
+              <a:gd name="connisteX0" fmla="*/ 4685923 w 4685923"/>
+              <a:gd name="connsiteY0" fmla="*/ 9525 h 464575"/>
+              <a:gd name="connisteX1" fmla="*/ 548898 w 4685923"/>
+              <a:gd name="connsiteY1" fmla="*/ 238125 h 464575"/>
+              <a:gd name="connisteX2" fmla="*/ 672723 w 4685923"/>
+              <a:gd name="connsiteY2" fmla="*/ 456565 h 464575"/>
+              <a:gd name="connisteX3" fmla="*/ 4638298 w 4685923"/>
+              <a:gd name="connsiteY3" fmla="*/ 0 h 464575"/>
+            </a:gdLst>
+            <a:ahLst/>
+            <a:cxnLst>
+              <a:cxn ang="0">
+                <a:pos x="connisteX0" y="connsiteY0"/>
+              </a:cxn>
+              <a:cxn ang="0">
+                <a:pos x="connisteX1" y="connsiteY1"/>
+              </a:cxn>
+              <a:cxn ang="0">
+                <a:pos x="connisteX2" y="connsiteY2"/>
+              </a:cxn>
+              <a:cxn ang="0">
+                <a:pos x="connisteX3" y="connsiteY3"/>
+              </a:cxn>
+            </a:cxnLst>
+            <a:rect l="l" t="t" r="r" b="b"/>
+            <a:pathLst>
+              <a:path w="4685923" h="464576">
+                <a:moveTo>
+                  <a:pt x="4685923" y="9525"/>
+                </a:moveTo>
+                <a:cubicBezTo>
+                  <a:pt x="3855978" y="50800"/>
+                  <a:pt x="1351538" y="148590"/>
+                  <a:pt x="548898" y="238125"/>
+                </a:cubicBezTo>
+                <a:cubicBezTo>
+                  <a:pt x="-253742" y="327660"/>
+                  <a:pt x="-145157" y="504190"/>
+                  <a:pt x="672723" y="456565"/>
+                </a:cubicBezTo>
+                <a:cubicBezTo>
+                  <a:pt x="1490603" y="408940"/>
+                  <a:pt x="3847723" y="95885"/>
+                  <a:pt x="4638298" y="0"/>
+                </a:cubicBezTo>
+              </a:path>
+            </a:pathLst>
+          </a:custGeom>
+          <a:solidFill>
+            <a:schemeClr val="accent5"/>
+          </a:solidFill>
+          <a:ln>
+            <a:noFill/>
+          </a:ln>
+        </p:spPr>
+        <p:style>
+          <a:lnRef idx="2">
+            <a:schemeClr val="accent1">
+              <a:shade val="50000"/>
+            </a:schemeClr>
+          </a:lnRef>
+          <a:fillRef idx="1">
+            <a:schemeClr val="accent1"/>
+          </a:fillRef>
+          <a:effectRef idx="0">
+            <a:schemeClr val="accent1"/>
+          </a:effectRef>
+          <a:fontRef idx="minor">
+            <a:schemeClr val="lt1"/>
+          </a:fontRef>
+        </p:style>
+        <p:txBody>
+          <a:bodyPr rtlCol="0" anchor="ctr"/>
+          <a:p>
+            <a:pPr algn="ctr"/>
+            <a:endParaRPr lang="zh-CN" altLang="en-US"/>
+          </a:p>
+        </p:txBody>
+      </p:sp>
+    </p:spTree>
+  </p:cSld>
+  <p:clrMapOvr>
+    <a:masterClrMapping/>
+  </p:clrMapOvr>
+</p:sld>
+</file>
+
+<file path=ppt/slides/slide44.xml><?xml version="1.0" encoding="utf-8"?>
 <p:sld xmlns:a="http://schemas.openxmlformats.org/drawingml/2006/main" xmlns:r="http://schemas.openxmlformats.org/officeDocument/2006/relationships" xmlns:p="http://schemas.openxmlformats.org/presentationml/2006/main">
   <p:cSld>
     <p:spTree>

--- a/PPT/CorePython.pptx
+++ b/PPT/CorePython.pptx
@@ -33,45 +33,46 @@
     <p:sldId id="326" r:id="rId28"/>
     <p:sldId id="291" r:id="rId29"/>
     <p:sldId id="335" r:id="rId30"/>
-    <p:sldId id="336" r:id="rId31"/>
-    <p:sldId id="350" r:id="rId32"/>
-    <p:sldId id="292" r:id="rId33"/>
-    <p:sldId id="364" r:id="rId34"/>
-    <p:sldId id="293" r:id="rId35"/>
-    <p:sldId id="294" r:id="rId36"/>
-    <p:sldId id="295" r:id="rId37"/>
-    <p:sldId id="296" r:id="rId38"/>
-    <p:sldId id="327" r:id="rId39"/>
-    <p:sldId id="328" r:id="rId40"/>
-    <p:sldId id="329" r:id="rId41"/>
-    <p:sldId id="330" r:id="rId42"/>
-    <p:sldId id="331" r:id="rId43"/>
-    <p:sldId id="332" r:id="rId44"/>
-    <p:sldId id="333" r:id="rId45"/>
-    <p:sldId id="334" r:id="rId46"/>
+    <p:sldId id="377" r:id="rId31"/>
+    <p:sldId id="336" r:id="rId32"/>
+    <p:sldId id="350" r:id="rId33"/>
+    <p:sldId id="292" r:id="rId34"/>
+    <p:sldId id="364" r:id="rId35"/>
+    <p:sldId id="293" r:id="rId36"/>
+    <p:sldId id="294" r:id="rId37"/>
+    <p:sldId id="295" r:id="rId38"/>
+    <p:sldId id="296" r:id="rId39"/>
+    <p:sldId id="327" r:id="rId40"/>
+    <p:sldId id="328" r:id="rId41"/>
+    <p:sldId id="329" r:id="rId42"/>
+    <p:sldId id="330" r:id="rId43"/>
+    <p:sldId id="331" r:id="rId44"/>
+    <p:sldId id="332" r:id="rId45"/>
+    <p:sldId id="333" r:id="rId46"/>
+    <p:sldId id="334" r:id="rId47"/>
   </p:sldIdLst>
   <p:sldSz cx="12192000" cy="6858000"/>
   <p:notesSz cx="6858000" cy="9144000"/>
   <p:embeddedFontLst>
     <p:embeddedFont>
       <p:font typeface="Aa小梨涡" panose="02010600010101010101" charset="-122"/>
-      <p:regular r:id="rId50"/>
+      <p:regular r:id="rId51"/>
     </p:embeddedFont>
     <p:embeddedFont>
       <p:font typeface="微软雅黑" panose="020B0503020204020204" charset="-122"/>
-      <p:regular r:id="rId51"/>
+      <p:regular r:id="rId52"/>
     </p:embeddedFont>
     <p:embeddedFont>
       <p:font typeface="Comic Sans MS" panose="030F0702030302020204" charset="0"/>
-      <p:regular r:id="rId52"/>
-      <p:bold r:id="rId53"/>
+      <p:regular r:id="rId53"/>
+      <p:bold r:id="rId54"/>
     </p:embeddedFont>
     <p:embeddedFont>
       <p:font typeface="Calibri" panose="020F0502020204030204" charset="0"/>
-      <p:regular r:id="rId54"/>
-      <p:bold r:id="rId55"/>
-      <p:italic r:id="rId56"/>
-      <p:boldItalic r:id="rId57"/>
+      <p:regular r:id="rId55"/>
+      <p:bold r:id="rId56"/>
+      <p:italic r:id="rId57"/>
+      <p:boldItalic r:id="rId58"/>
     </p:embeddedFont>
   </p:embeddedFontLst>
   <p:defaultTextStyle>
@@ -24047,6 +24048,245 @@
         <p:nvPr/>
       </p:nvGrpSpPr>
       <p:grpSpPr/>
+      <p:grpSp>
+        <p:nvGrpSpPr>
+          <p:cNvPr id="8" name="组合 7"/>
+          <p:cNvGrpSpPr/>
+          <p:nvPr/>
+        </p:nvGrpSpPr>
+        <p:grpSpPr>
+          <a:xfrm>
+            <a:off x="3030855" y="2470785"/>
+            <a:ext cx="6348730" cy="3361690"/>
+            <a:chOff x="4773" y="4491"/>
+            <a:chExt cx="9998" cy="5294"/>
+          </a:xfrm>
+        </p:grpSpPr>
+        <p:pic>
+          <p:nvPicPr>
+            <p:cNvPr id="3" name="图片 2"/>
+            <p:cNvPicPr>
+              <a:picLocks noChangeAspect="1"/>
+            </p:cNvPicPr>
+            <p:nvPr>
+              <p:custDataLst>
+                <p:tags r:id="rId1"/>
+              </p:custDataLst>
+            </p:nvPr>
+          </p:nvPicPr>
+          <p:blipFill>
+            <a:blip r:embed="rId2"/>
+            <a:stretch>
+              <a:fillRect/>
+            </a:stretch>
+          </p:blipFill>
+          <p:spPr>
+            <a:xfrm>
+              <a:off x="4773" y="4491"/>
+              <a:ext cx="9999" cy="5295"/>
+            </a:xfrm>
+            <a:prstGeom prst="rect">
+              <a:avLst/>
+            </a:prstGeom>
+          </p:spPr>
+        </p:pic>
+        <p:sp>
+          <p:nvSpPr>
+            <p:cNvPr id="6" name="任意多边形 5"/>
+            <p:cNvSpPr/>
+            <p:nvPr/>
+          </p:nvSpPr>
+          <p:spPr>
+            <a:xfrm>
+              <a:off x="6097" y="5078"/>
+              <a:ext cx="1370" cy="645"/>
+            </a:xfrm>
+            <a:custGeom>
+              <a:avLst/>
+              <a:gdLst>
+                <a:gd name="connsiteX0" fmla="*/ 716 w 1431"/>
+                <a:gd name="connsiteY0" fmla="*/ 0 h 645"/>
+                <a:gd name="connsiteX1" fmla="*/ 1431 w 1431"/>
+                <a:gd name="connsiteY1" fmla="*/ 323 h 645"/>
+                <a:gd name="connsiteX2" fmla="*/ 716 w 1431"/>
+                <a:gd name="connsiteY2" fmla="*/ 645 h 645"/>
+                <a:gd name="connsiteX3" fmla="*/ 0 w 1431"/>
+                <a:gd name="connsiteY3" fmla="*/ 323 h 645"/>
+                <a:gd name="connsiteX4" fmla="*/ 881 w 1431"/>
+                <a:gd name="connsiteY4" fmla="*/ 165 h 645"/>
+              </a:gdLst>
+              <a:ahLst/>
+              <a:cxnLst>
+                <a:cxn ang="0">
+                  <a:pos x="connsiteX0" y="connsiteY0"/>
+                </a:cxn>
+                <a:cxn ang="0">
+                  <a:pos x="connsiteX1" y="connsiteY1"/>
+                </a:cxn>
+                <a:cxn ang="0">
+                  <a:pos x="connsiteX2" y="connsiteY2"/>
+                </a:cxn>
+                <a:cxn ang="0">
+                  <a:pos x="connsiteX3" y="connsiteY3"/>
+                </a:cxn>
+                <a:cxn ang="0">
+                  <a:pos x="connsiteX4" y="connsiteY4"/>
+                </a:cxn>
+              </a:cxnLst>
+              <a:rect l="l" t="t" r="r" b="b"/>
+              <a:pathLst>
+                <a:path w="1431" h="645">
+                  <a:moveTo>
+                    <a:pt x="716" y="0"/>
+                  </a:moveTo>
+                  <a:cubicBezTo>
+                    <a:pt x="1111" y="0"/>
+                    <a:pt x="1431" y="144"/>
+                    <a:pt x="1431" y="323"/>
+                  </a:cubicBezTo>
+                  <a:cubicBezTo>
+                    <a:pt x="1431" y="501"/>
+                    <a:pt x="1111" y="645"/>
+                    <a:pt x="716" y="645"/>
+                  </a:cubicBezTo>
+                  <a:cubicBezTo>
+                    <a:pt x="320" y="645"/>
+                    <a:pt x="0" y="501"/>
+                    <a:pt x="0" y="323"/>
+                  </a:cubicBezTo>
+                  <a:cubicBezTo>
+                    <a:pt x="0" y="144"/>
+                    <a:pt x="320" y="0"/>
+                    <a:pt x="881" y="165"/>
+                  </a:cubicBezTo>
+                </a:path>
+              </a:pathLst>
+            </a:custGeom>
+            <a:noFill/>
+            <a:ln>
+              <a:solidFill>
+                <a:srgbClr val="FF0000"/>
+              </a:solidFill>
+            </a:ln>
+          </p:spPr>
+          <p:txBody>
+            <a:bodyPr/>
+            <a:p>
+              <a:pPr eaLnBrk="1" hangingPunct="1">
+                <a:spcBef>
+                  <a:spcPct val="0"/>
+                </a:spcBef>
+                <a:buFontTx/>
+                <a:buNone/>
+              </a:pPr>
+              <a:endParaRPr lang="zh-CN" altLang="en-US" sz="1800">
+                <a:solidFill>
+                  <a:schemeClr val="tx1"/>
+                </a:solidFill>
+                <a:ea typeface="宋体" panose="02010600030101010101" pitchFamily="2" charset="-122"/>
+              </a:endParaRPr>
+            </a:p>
+          </p:txBody>
+        </p:sp>
+        <p:sp>
+          <p:nvSpPr>
+            <p:cNvPr id="7" name="任意多边形 6"/>
+            <p:cNvSpPr/>
+            <p:nvPr/>
+          </p:nvSpPr>
+          <p:spPr>
+            <a:xfrm>
+              <a:off x="10939" y="4724"/>
+              <a:ext cx="1858" cy="645"/>
+            </a:xfrm>
+            <a:custGeom>
+              <a:avLst/>
+              <a:gdLst>
+                <a:gd name="connsiteX0" fmla="*/ 716 w 1431"/>
+                <a:gd name="connsiteY0" fmla="*/ 0 h 645"/>
+                <a:gd name="connsiteX1" fmla="*/ 1431 w 1431"/>
+                <a:gd name="connsiteY1" fmla="*/ 323 h 645"/>
+                <a:gd name="connsiteX2" fmla="*/ 716 w 1431"/>
+                <a:gd name="connsiteY2" fmla="*/ 645 h 645"/>
+                <a:gd name="connsiteX3" fmla="*/ 0 w 1431"/>
+                <a:gd name="connsiteY3" fmla="*/ 323 h 645"/>
+                <a:gd name="connsiteX4" fmla="*/ 881 w 1431"/>
+                <a:gd name="connsiteY4" fmla="*/ 165 h 645"/>
+              </a:gdLst>
+              <a:ahLst/>
+              <a:cxnLst>
+                <a:cxn ang="0">
+                  <a:pos x="connsiteX0" y="connsiteY0"/>
+                </a:cxn>
+                <a:cxn ang="0">
+                  <a:pos x="connsiteX1" y="connsiteY1"/>
+                </a:cxn>
+                <a:cxn ang="0">
+                  <a:pos x="connsiteX2" y="connsiteY2"/>
+                </a:cxn>
+                <a:cxn ang="0">
+                  <a:pos x="connsiteX3" y="connsiteY3"/>
+                </a:cxn>
+                <a:cxn ang="0">
+                  <a:pos x="connsiteX4" y="connsiteY4"/>
+                </a:cxn>
+              </a:cxnLst>
+              <a:rect l="l" t="t" r="r" b="b"/>
+              <a:pathLst>
+                <a:path w="1431" h="645">
+                  <a:moveTo>
+                    <a:pt x="716" y="0"/>
+                  </a:moveTo>
+                  <a:cubicBezTo>
+                    <a:pt x="1111" y="0"/>
+                    <a:pt x="1431" y="144"/>
+                    <a:pt x="1431" y="323"/>
+                  </a:cubicBezTo>
+                  <a:cubicBezTo>
+                    <a:pt x="1431" y="501"/>
+                    <a:pt x="1111" y="645"/>
+                    <a:pt x="716" y="645"/>
+                  </a:cubicBezTo>
+                  <a:cubicBezTo>
+                    <a:pt x="320" y="645"/>
+                    <a:pt x="0" y="501"/>
+                    <a:pt x="0" y="323"/>
+                  </a:cubicBezTo>
+                  <a:cubicBezTo>
+                    <a:pt x="0" y="144"/>
+                    <a:pt x="320" y="0"/>
+                    <a:pt x="881" y="165"/>
+                  </a:cubicBezTo>
+                </a:path>
+              </a:pathLst>
+            </a:custGeom>
+            <a:noFill/>
+            <a:ln>
+              <a:solidFill>
+                <a:srgbClr val="FF0000"/>
+              </a:solidFill>
+            </a:ln>
+          </p:spPr>
+          <p:txBody>
+            <a:bodyPr/>
+            <a:p>
+              <a:pPr eaLnBrk="1" hangingPunct="1">
+                <a:spcBef>
+                  <a:spcPct val="0"/>
+                </a:spcBef>
+                <a:buFontTx/>
+                <a:buNone/>
+              </a:pPr>
+              <a:endParaRPr lang="zh-CN" altLang="en-US" sz="1800">
+                <a:solidFill>
+                  <a:schemeClr val="tx1"/>
+                </a:solidFill>
+                <a:ea typeface="宋体" panose="02010600030101010101" pitchFamily="2" charset="-122"/>
+              </a:endParaRPr>
+            </a:p>
+          </p:txBody>
+        </p:sp>
+      </p:grpSp>
       <p:sp>
         <p:nvSpPr>
           <p:cNvPr id="18" name="任意多边形 17"/>
@@ -24474,34 +24714,6 @@
           </a:p>
         </p:txBody>
       </p:sp>
-      <p:pic>
-        <p:nvPicPr>
-          <p:cNvPr id="3" name="图片 2"/>
-          <p:cNvPicPr>
-            <a:picLocks noChangeAspect="1"/>
-          </p:cNvPicPr>
-          <p:nvPr>
-            <p:custDataLst>
-              <p:tags r:id="rId1"/>
-            </p:custDataLst>
-          </p:nvPr>
-        </p:nvPicPr>
-        <p:blipFill>
-          <a:blip r:embed="rId2"/>
-          <a:stretch>
-            <a:fillRect/>
-          </a:stretch>
-        </p:blipFill>
-        <p:spPr>
-          <a:xfrm>
-            <a:off x="3030855" y="2851785"/>
-            <a:ext cx="6349365" cy="3362325"/>
-          </a:xfrm>
-          <a:prstGeom prst="rect">
-            <a:avLst/>
-          </a:prstGeom>
-        </p:spPr>
-      </p:pic>
       <p:cxnSp>
         <p:nvCxnSpPr>
           <p:cNvPr id="5" name="直接连接符 4"/>
@@ -24574,196 +24786,182 @@
       </p:cxnSp>
       <p:sp>
         <p:nvSpPr>
-          <p:cNvPr id="6" name="任意多边形 5"/>
-          <p:cNvSpPr/>
+          <p:cNvPr id="9" name="文本框 8"/>
+          <p:cNvSpPr txBox="1"/>
           <p:nvPr/>
         </p:nvSpPr>
         <p:spPr>
           <a:xfrm>
-            <a:off x="3871595" y="3224530"/>
-            <a:ext cx="869950" cy="409575"/>
+            <a:off x="564515" y="5731510"/>
+            <a:ext cx="11281410" cy="988695"/>
           </a:xfrm>
-          <a:custGeom>
+          <a:prstGeom prst="rect">
             <a:avLst/>
-            <a:gdLst>
-              <a:gd name="connsiteX0" fmla="*/ 716 w 1431"/>
-              <a:gd name="connsiteY0" fmla="*/ 0 h 645"/>
-              <a:gd name="connsiteX1" fmla="*/ 1431 w 1431"/>
-              <a:gd name="connsiteY1" fmla="*/ 323 h 645"/>
-              <a:gd name="connsiteX2" fmla="*/ 716 w 1431"/>
-              <a:gd name="connsiteY2" fmla="*/ 645 h 645"/>
-              <a:gd name="connsiteX3" fmla="*/ 0 w 1431"/>
-              <a:gd name="connsiteY3" fmla="*/ 323 h 645"/>
-              <a:gd name="connsiteX4" fmla="*/ 881 w 1431"/>
-              <a:gd name="connsiteY4" fmla="*/ 165 h 645"/>
-            </a:gdLst>
-            <a:ahLst/>
-            <a:cxnLst>
-              <a:cxn ang="0">
-                <a:pos x="connsiteX0" y="connsiteY0"/>
-              </a:cxn>
-              <a:cxn ang="0">
-                <a:pos x="connsiteX1" y="connsiteY1"/>
-              </a:cxn>
-              <a:cxn ang="0">
-                <a:pos x="connsiteX2" y="connsiteY2"/>
-              </a:cxn>
-              <a:cxn ang="0">
-                <a:pos x="connsiteX3" y="connsiteY3"/>
-              </a:cxn>
-              <a:cxn ang="0">
-                <a:pos x="connsiteX4" y="connsiteY4"/>
-              </a:cxn>
-            </a:cxnLst>
-            <a:rect l="l" t="t" r="r" b="b"/>
-            <a:pathLst>
-              <a:path w="1431" h="645">
-                <a:moveTo>
-                  <a:pt x="716" y="0"/>
-                </a:moveTo>
-                <a:cubicBezTo>
-                  <a:pt x="1111" y="0"/>
-                  <a:pt x="1431" y="144"/>
-                  <a:pt x="1431" y="323"/>
-                </a:cubicBezTo>
-                <a:cubicBezTo>
-                  <a:pt x="1431" y="501"/>
-                  <a:pt x="1111" y="645"/>
-                  <a:pt x="716" y="645"/>
-                </a:cubicBezTo>
-                <a:cubicBezTo>
-                  <a:pt x="320" y="645"/>
-                  <a:pt x="0" y="501"/>
-                  <a:pt x="0" y="323"/>
-                </a:cubicBezTo>
-                <a:cubicBezTo>
-                  <a:pt x="0" y="144"/>
-                  <a:pt x="320" y="0"/>
-                  <a:pt x="881" y="165"/>
-                </a:cubicBezTo>
-              </a:path>
-            </a:pathLst>
-          </a:custGeom>
+          </a:prstGeom>
           <a:noFill/>
           <a:ln>
-            <a:solidFill>
-              <a:srgbClr val="FF0000"/>
-            </a:solidFill>
+            <a:noFill/>
           </a:ln>
         </p:spPr>
         <p:txBody>
-          <a:bodyPr/>
-          <a:p>
-            <a:pPr eaLnBrk="1" hangingPunct="1">
-              <a:spcBef>
-                <a:spcPct val="0"/>
-              </a:spcBef>
-              <a:buFontTx/>
-              <a:buNone/>
+          <a:bodyPr wrap="square" rtlCol="0">
+            <a:spAutoFit/>
+          </a:bodyPr>
+          <a:p>
+            <a:pPr fontAlgn="auto">
+              <a:lnSpc>
+                <a:spcPts val="3500"/>
+              </a:lnSpc>
             </a:pPr>
-            <a:endParaRPr lang="zh-CN" altLang="en-US" sz="1800">
-              <a:solidFill>
-                <a:schemeClr val="tx1"/>
-              </a:solidFill>
-              <a:ea typeface="宋体" panose="02010600030101010101" pitchFamily="2" charset="-122"/>
-            </a:endParaRPr>
-          </a:p>
-        </p:txBody>
-      </p:sp>
-      <p:sp>
-        <p:nvSpPr>
-          <p:cNvPr id="7" name="任意多边形 6"/>
-          <p:cNvSpPr/>
-          <p:nvPr/>
-        </p:nvSpPr>
-        <p:spPr>
-          <a:xfrm>
-            <a:off x="6946265" y="2999740"/>
-            <a:ext cx="1179830" cy="409575"/>
-          </a:xfrm>
-          <a:custGeom>
-            <a:avLst/>
-            <a:gdLst>
-              <a:gd name="connsiteX0" fmla="*/ 716 w 1431"/>
-              <a:gd name="connsiteY0" fmla="*/ 0 h 645"/>
-              <a:gd name="connsiteX1" fmla="*/ 1431 w 1431"/>
-              <a:gd name="connsiteY1" fmla="*/ 323 h 645"/>
-              <a:gd name="connsiteX2" fmla="*/ 716 w 1431"/>
-              <a:gd name="connsiteY2" fmla="*/ 645 h 645"/>
-              <a:gd name="connsiteX3" fmla="*/ 0 w 1431"/>
-              <a:gd name="connsiteY3" fmla="*/ 323 h 645"/>
-              <a:gd name="connsiteX4" fmla="*/ 881 w 1431"/>
-              <a:gd name="connsiteY4" fmla="*/ 165 h 645"/>
-            </a:gdLst>
-            <a:ahLst/>
-            <a:cxnLst>
-              <a:cxn ang="0">
-                <a:pos x="connsiteX0" y="connsiteY0"/>
-              </a:cxn>
-              <a:cxn ang="0">
-                <a:pos x="connsiteX1" y="connsiteY1"/>
-              </a:cxn>
-              <a:cxn ang="0">
-                <a:pos x="connsiteX2" y="connsiteY2"/>
-              </a:cxn>
-              <a:cxn ang="0">
-                <a:pos x="connsiteX3" y="connsiteY3"/>
-              </a:cxn>
-              <a:cxn ang="0">
-                <a:pos x="connsiteX4" y="connsiteY4"/>
-              </a:cxn>
-            </a:cxnLst>
-            <a:rect l="l" t="t" r="r" b="b"/>
-            <a:pathLst>
-              <a:path w="1431" h="645">
-                <a:moveTo>
-                  <a:pt x="716" y="0"/>
-                </a:moveTo>
-                <a:cubicBezTo>
-                  <a:pt x="1111" y="0"/>
-                  <a:pt x="1431" y="144"/>
-                  <a:pt x="1431" y="323"/>
-                </a:cubicBezTo>
-                <a:cubicBezTo>
-                  <a:pt x="1431" y="501"/>
-                  <a:pt x="1111" y="645"/>
-                  <a:pt x="716" y="645"/>
-                </a:cubicBezTo>
-                <a:cubicBezTo>
-                  <a:pt x="320" y="645"/>
-                  <a:pt x="0" y="501"/>
-                  <a:pt x="0" y="323"/>
-                </a:cubicBezTo>
-                <a:cubicBezTo>
-                  <a:pt x="0" y="144"/>
-                  <a:pt x="320" y="0"/>
-                  <a:pt x="881" y="165"/>
-                </a:cubicBezTo>
-              </a:path>
-            </a:pathLst>
-          </a:custGeom>
-          <a:noFill/>
-          <a:ln>
-            <a:solidFill>
-              <a:srgbClr val="FF0000"/>
-            </a:solidFill>
-          </a:ln>
-        </p:spPr>
-        <p:txBody>
-          <a:bodyPr/>
-          <a:p>
-            <a:pPr eaLnBrk="1" hangingPunct="1">
-              <a:spcBef>
-                <a:spcPct val="0"/>
-              </a:spcBef>
-              <a:buFontTx/>
-              <a:buNone/>
-            </a:pPr>
-            <a:endParaRPr lang="zh-CN" altLang="en-US" sz="1800">
-              <a:solidFill>
-                <a:schemeClr val="tx1"/>
-              </a:solidFill>
-              <a:ea typeface="宋体" panose="02010600030101010101" pitchFamily="2" charset="-122"/>
+            <a:r>
+              <a:rPr lang="en-US" sz="2200">
+                <a:latin typeface="Aa小梨涡" panose="02010600010101010101" charset="-122"/>
+                <a:ea typeface="Aa小梨涡" panose="02010600010101010101" charset="-122"/>
+                <a:cs typeface="Aa小梨涡" panose="02010600010101010101" charset="-122"/>
+                <a:sym typeface="+mn-ea"/>
+              </a:rPr>
+              <a:t>        Iterable</a:t>
+            </a:r>
+            <a:r>
+              <a:rPr lang="zh-CN" altLang="en-US" sz="2200">
+                <a:latin typeface="Aa小梨涡" panose="02010600010101010101" charset="-122"/>
+                <a:ea typeface="Aa小梨涡" panose="02010600010101010101" charset="-122"/>
+                <a:cs typeface="Aa小梨涡" panose="02010600010101010101" charset="-122"/>
+                <a:sym typeface="+mn-ea"/>
+              </a:rPr>
+              <a:t>：</a:t>
+            </a:r>
+            <a:r>
+              <a:rPr lang="en-US" altLang="zh-CN" sz="2200">
+                <a:latin typeface="Aa小梨涡" panose="02010600010101010101" charset="-122"/>
+                <a:ea typeface="Aa小梨涡" panose="02010600010101010101" charset="-122"/>
+                <a:cs typeface="Aa小梨涡" panose="02010600010101010101" charset="-122"/>
+                <a:sym typeface="+mn-ea"/>
+              </a:rPr>
+              <a:t>Python</a:t>
+            </a:r>
+            <a:r>
+              <a:rPr lang="zh-CN" altLang="en-US" sz="2200">
+                <a:latin typeface="Aa小梨涡" panose="02010600010101010101" charset="-122"/>
+                <a:ea typeface="Aa小梨涡" panose="02010600010101010101" charset="-122"/>
+                <a:cs typeface="Aa小梨涡" panose="02010600010101010101" charset="-122"/>
+                <a:sym typeface="+mn-ea"/>
+              </a:rPr>
+              <a:t>中，能从中获取</a:t>
+            </a:r>
+            <a:r>
+              <a:rPr lang="en-US" altLang="zh-CN" sz="2200">
+                <a:latin typeface="Aa小梨涡" panose="02010600010101010101" charset="-122"/>
+                <a:ea typeface="Aa小梨涡" panose="02010600010101010101" charset="-122"/>
+                <a:cs typeface="Aa小梨涡" panose="02010600010101010101" charset="-122"/>
+                <a:sym typeface="+mn-ea"/>
+              </a:rPr>
+              <a:t>iterator</a:t>
+            </a:r>
+            <a:r>
+              <a:rPr lang="zh-CN" altLang="en-US" sz="2200">
+                <a:latin typeface="Aa小梨涡" panose="02010600010101010101" charset="-122"/>
+                <a:ea typeface="Aa小梨涡" panose="02010600010101010101" charset="-122"/>
+                <a:cs typeface="Aa小梨涡" panose="02010600010101010101" charset="-122"/>
+                <a:sym typeface="+mn-ea"/>
+              </a:rPr>
+              <a:t>对象的容器又可以称为</a:t>
+            </a:r>
+            <a:r>
+              <a:rPr lang="en-US" altLang="zh-CN" sz="2200">
+                <a:latin typeface="Aa小梨涡" panose="02010600010101010101" charset="-122"/>
+                <a:ea typeface="Aa小梨涡" panose="02010600010101010101" charset="-122"/>
+                <a:cs typeface="Aa小梨涡" panose="02010600010101010101" charset="-122"/>
+                <a:sym typeface="+mn-ea"/>
+              </a:rPr>
+              <a:t>iterable</a:t>
+            </a:r>
+            <a:r>
+              <a:rPr lang="zh-CN" altLang="en-US" sz="2200">
+                <a:latin typeface="Aa小梨涡" panose="02010600010101010101" charset="-122"/>
+                <a:ea typeface="Aa小梨涡" panose="02010600010101010101" charset="-122"/>
+                <a:cs typeface="Aa小梨涡" panose="02010600010101010101" charset="-122"/>
+                <a:sym typeface="+mn-ea"/>
+              </a:rPr>
+              <a:t>（可迭代对象）。大部分内荐的容器，例如</a:t>
+            </a:r>
+            <a:r>
+              <a:rPr lang="en-US" altLang="zh-CN" sz="2200">
+                <a:latin typeface="Aa小梨涡" panose="02010600010101010101" charset="-122"/>
+                <a:ea typeface="Aa小梨涡" panose="02010600010101010101" charset="-122"/>
+                <a:cs typeface="Aa小梨涡" panose="02010600010101010101" charset="-122"/>
+                <a:sym typeface="+mn-ea"/>
+              </a:rPr>
+              <a:t>list</a:t>
+            </a:r>
+            <a:r>
+              <a:rPr lang="zh-CN" altLang="en-US" sz="2200">
+                <a:latin typeface="Aa小梨涡" panose="02010600010101010101" charset="-122"/>
+                <a:ea typeface="Aa小梨涡" panose="02010600010101010101" charset="-122"/>
+                <a:cs typeface="Aa小梨涡" panose="02010600010101010101" charset="-122"/>
+                <a:sym typeface="+mn-ea"/>
+              </a:rPr>
+              <a:t>，</a:t>
+            </a:r>
+            <a:r>
+              <a:rPr lang="en-US" altLang="zh-CN" sz="2200">
+                <a:latin typeface="Aa小梨涡" panose="02010600010101010101" charset="-122"/>
+                <a:ea typeface="Aa小梨涡" panose="02010600010101010101" charset="-122"/>
+                <a:cs typeface="Aa小梨涡" panose="02010600010101010101" charset="-122"/>
+                <a:sym typeface="+mn-ea"/>
+              </a:rPr>
+              <a:t>tuple</a:t>
+            </a:r>
+            <a:r>
+              <a:rPr lang="zh-CN" altLang="en-US" sz="2200">
+                <a:latin typeface="Aa小梨涡" panose="02010600010101010101" charset="-122"/>
+                <a:ea typeface="Aa小梨涡" panose="02010600010101010101" charset="-122"/>
+                <a:cs typeface="Aa小梨涡" panose="02010600010101010101" charset="-122"/>
+                <a:sym typeface="+mn-ea"/>
+              </a:rPr>
+              <a:t>，</a:t>
+            </a:r>
+            <a:r>
+              <a:rPr lang="en-US" altLang="zh-CN" sz="2200">
+                <a:latin typeface="Aa小梨涡" panose="02010600010101010101" charset="-122"/>
+                <a:ea typeface="Aa小梨涡" panose="02010600010101010101" charset="-122"/>
+                <a:cs typeface="Aa小梨涡" panose="02010600010101010101" charset="-122"/>
+                <a:sym typeface="+mn-ea"/>
+              </a:rPr>
+              <a:t>string</a:t>
+            </a:r>
+            <a:r>
+              <a:rPr lang="zh-CN" altLang="en-US" sz="2200">
+                <a:latin typeface="Aa小梨涡" panose="02010600010101010101" charset="-122"/>
+                <a:ea typeface="Aa小梨涡" panose="02010600010101010101" charset="-122"/>
+                <a:cs typeface="Aa小梨涡" panose="02010600010101010101" charset="-122"/>
+                <a:sym typeface="+mn-ea"/>
+              </a:rPr>
+              <a:t>，都是</a:t>
+            </a:r>
+            <a:r>
+              <a:rPr lang="en-US" altLang="zh-CN" sz="2200">
+                <a:latin typeface="Aa小梨涡" panose="02010600010101010101" charset="-122"/>
+                <a:ea typeface="Aa小梨涡" panose="02010600010101010101" charset="-122"/>
+                <a:cs typeface="Aa小梨涡" panose="02010600010101010101" charset="-122"/>
+                <a:sym typeface="+mn-ea"/>
+              </a:rPr>
+              <a:t>iterable</a:t>
+            </a:r>
+            <a:r>
+              <a:rPr lang="zh-CN" altLang="en-US" sz="2200">
+                <a:latin typeface="Aa小梨涡" panose="02010600010101010101" charset="-122"/>
+                <a:ea typeface="Aa小梨涡" panose="02010600010101010101" charset="-122"/>
+                <a:cs typeface="Aa小梨涡" panose="02010600010101010101" charset="-122"/>
+                <a:sym typeface="+mn-ea"/>
+              </a:rPr>
+              <a:t>。</a:t>
+            </a:r>
+            <a:endParaRPr lang="zh-CN" altLang="en-US" sz="2200">
+              <a:latin typeface="Aa小梨涡" panose="02010600010101010101" charset="-122"/>
+              <a:ea typeface="Aa小梨涡" panose="02010600010101010101" charset="-122"/>
+              <a:cs typeface="Aa小梨涡" panose="02010600010101010101" charset="-122"/>
+              <a:sym typeface="+mn-ea"/>
             </a:endParaRPr>
           </a:p>
         </p:txBody>
@@ -24904,7 +25102,7 @@
                                           </p:stCondLst>
                                         </p:cTn>
                                         <p:tgtEl>
-                                          <p:spTgt spid="3"/>
+                                          <p:spTgt spid="8"/>
                                         </p:tgtEl>
                                         <p:attrNameLst>
                                           <p:attrName>style.visibility</p:attrName>
@@ -24917,21 +25115,39 @@
                                   </p:childTnLst>
                                 </p:cTn>
                               </p:par>
+                            </p:childTnLst>
+                          </p:cTn>
+                        </p:par>
+                      </p:childTnLst>
+                    </p:cTn>
+                  </p:par>
+                  <p:par>
+                    <p:cTn id="15" fill="hold">
+                      <p:stCondLst>
+                        <p:cond delay="indefinite"/>
+                      </p:stCondLst>
+                      <p:childTnLst>
+                        <p:par>
+                          <p:cTn id="16" fill="hold">
+                            <p:stCondLst>
+                              <p:cond delay="0"/>
+                            </p:stCondLst>
+                            <p:childTnLst>
                               <p:par>
-                                <p:cTn id="15" presetID="22" presetClass="entr" presetSubtype="4" fill="hold" grpId="0" nodeType="withEffect">
+                                <p:cTn id="17" presetID="1" presetClass="entr" presetSubtype="0" fill="hold" grpId="0" nodeType="clickEffect">
                                   <p:stCondLst>
                                     <p:cond delay="0"/>
                                   </p:stCondLst>
                                   <p:childTnLst>
                                     <p:set>
                                       <p:cBhvr>
-                                        <p:cTn id="16" dur="1" fill="hold">
+                                        <p:cTn id="18" dur="1" fill="hold">
                                           <p:stCondLst>
                                             <p:cond delay="0"/>
                                           </p:stCondLst>
                                         </p:cTn>
                                         <p:tgtEl>
-                                          <p:spTgt spid="6"/>
+                                          <p:spTgt spid="9"/>
                                         </p:tgtEl>
                                         <p:attrNameLst>
                                           <p:attrName>style.visibility</p:attrName>
@@ -24941,49 +25157,6 @@
                                         <p:strVal val="visible"/>
                                       </p:to>
                                     </p:set>
-                                    <p:animEffect transition="in" filter="wipe(down)">
-                                      <p:cBhvr>
-                                        <p:cTn id="17" dur="500"/>
-                                        <p:tgtEl>
-                                          <p:spTgt spid="6"/>
-                                        </p:tgtEl>
-                                      </p:cBhvr>
-                                    </p:animEffect>
-                                  </p:childTnLst>
-                                </p:cTn>
-                              </p:par>
-                              <p:par>
-                                <p:cTn id="18" presetID="22" presetClass="entr" presetSubtype="4" fill="hold" grpId="0" nodeType="withEffect">
-                                  <p:stCondLst>
-                                    <p:cond delay="0"/>
-                                  </p:stCondLst>
-                                  <p:childTnLst>
-                                    <p:set>
-                                      <p:cBhvr>
-                                        <p:cTn id="19" dur="1" fill="hold">
-                                          <p:stCondLst>
-                                            <p:cond delay="0"/>
-                                          </p:stCondLst>
-                                        </p:cTn>
-                                        <p:tgtEl>
-                                          <p:spTgt spid="7"/>
-                                        </p:tgtEl>
-                                        <p:attrNameLst>
-                                          <p:attrName>style.visibility</p:attrName>
-                                        </p:attrNameLst>
-                                      </p:cBhvr>
-                                      <p:to>
-                                        <p:strVal val="visible"/>
-                                      </p:to>
-                                    </p:set>
-                                    <p:animEffect transition="in" filter="wipe(down)">
-                                      <p:cBhvr>
-                                        <p:cTn id="20" dur="500"/>
-                                        <p:tgtEl>
-                                          <p:spTgt spid="7"/>
-                                        </p:tgtEl>
-                                      </p:cBhvr>
-                                    </p:animEffect>
                                   </p:childTnLst>
                                 </p:cTn>
                               </p:par>
@@ -25017,10 +25190,8 @@
     <p:bldLst>
       <p:bldP spid="13" grpId="0"/>
       <p:bldP spid="13" grpId="1"/>
-      <p:bldP spid="6" grpId="0" bldLvl="0" animBg="1"/>
-      <p:bldP spid="6" grpId="1" animBg="1"/>
-      <p:bldP spid="7" grpId="0" bldLvl="0" animBg="1"/>
-      <p:bldP spid="7" grpId="1" animBg="1"/>
+      <p:bldP spid="9" grpId="0"/>
+      <p:bldP spid="9" grpId="1"/>
     </p:bldLst>
   </p:timing>
 </p:sld>
@@ -26311,6 +26482,1304 @@
         <p:nvPr/>
       </p:nvGrpSpPr>
       <p:grpSpPr/>
+      <p:sp>
+        <p:nvSpPr>
+          <p:cNvPr id="18" name="任意多边形 17"/>
+          <p:cNvSpPr/>
+          <p:nvPr/>
+        </p:nvSpPr>
+        <p:spPr>
+          <a:xfrm rot="600000">
+            <a:off x="5342086" y="122979"/>
+            <a:ext cx="1728000" cy="944245"/>
+          </a:xfrm>
+          <a:custGeom>
+            <a:avLst/>
+            <a:gdLst>
+              <a:gd name="connisteX0" fmla="*/ 257810 w 3935730"/>
+              <a:gd name="connsiteY0" fmla="*/ 429260 h 944880"/>
+              <a:gd name="connisteX1" fmla="*/ 3394710 w 3935730"/>
+              <a:gd name="connsiteY1" fmla="*/ 0 h 944880"/>
+              <a:gd name="connisteX2" fmla="*/ 26035 w 3935730"/>
+              <a:gd name="connsiteY2" fmla="*/ 541020 h 944880"/>
+              <a:gd name="connisteX3" fmla="*/ 3575050 w 3935730"/>
+              <a:gd name="connsiteY3" fmla="*/ 51435 h 944880"/>
+              <a:gd name="connisteX4" fmla="*/ 172085 w 3935730"/>
+              <a:gd name="connsiteY4" fmla="*/ 601345 h 944880"/>
+              <a:gd name="connisteX5" fmla="*/ 3652520 w 3935730"/>
+              <a:gd name="connsiteY5" fmla="*/ 128905 h 944880"/>
+              <a:gd name="connisteX6" fmla="*/ 51435 w 3935730"/>
+              <a:gd name="connsiteY6" fmla="*/ 678815 h 944880"/>
+              <a:gd name="connisteX7" fmla="*/ 3514725 w 3935730"/>
+              <a:gd name="connsiteY7" fmla="*/ 214630 h 944880"/>
+              <a:gd name="connisteX8" fmla="*/ 369570 w 3935730"/>
+              <a:gd name="connsiteY8" fmla="*/ 704215 h 944880"/>
+              <a:gd name="connisteX9" fmla="*/ 3695700 w 3935730"/>
+              <a:gd name="connsiteY9" fmla="*/ 274955 h 944880"/>
+              <a:gd name="connisteX10" fmla="*/ 180340 w 3935730"/>
+              <a:gd name="connsiteY10" fmla="*/ 833120 h 944880"/>
+              <a:gd name="connisteX11" fmla="*/ 3695700 w 3935730"/>
+              <a:gd name="connsiteY11" fmla="*/ 351790 h 944880"/>
+              <a:gd name="connisteX12" fmla="*/ 0 w 3935730"/>
+              <a:gd name="connsiteY12" fmla="*/ 944880 h 944880"/>
+              <a:gd name="connisteX13" fmla="*/ 3935730 w 3935730"/>
+              <a:gd name="connsiteY13" fmla="*/ 360680 h 944880"/>
+            </a:gdLst>
+            <a:ahLst/>
+            <a:cxnLst>
+              <a:cxn ang="0">
+                <a:pos x="connisteX0" y="connsiteY0"/>
+              </a:cxn>
+              <a:cxn ang="0">
+                <a:pos x="connisteX1" y="connsiteY1"/>
+              </a:cxn>
+              <a:cxn ang="0">
+                <a:pos x="connisteX2" y="connsiteY2"/>
+              </a:cxn>
+              <a:cxn ang="0">
+                <a:pos x="connisteX3" y="connsiteY3"/>
+              </a:cxn>
+              <a:cxn ang="0">
+                <a:pos x="connisteX4" y="connsiteY4"/>
+              </a:cxn>
+              <a:cxn ang="0">
+                <a:pos x="connisteX5" y="connsiteY5"/>
+              </a:cxn>
+              <a:cxn ang="0">
+                <a:pos x="connisteX6" y="connsiteY6"/>
+              </a:cxn>
+              <a:cxn ang="0">
+                <a:pos x="connisteX7" y="connsiteY7"/>
+              </a:cxn>
+              <a:cxn ang="0">
+                <a:pos x="connisteX8" y="connsiteY8"/>
+              </a:cxn>
+              <a:cxn ang="0">
+                <a:pos x="connisteX9" y="connsiteY9"/>
+              </a:cxn>
+              <a:cxn ang="0">
+                <a:pos x="connisteX10" y="connsiteY10"/>
+              </a:cxn>
+              <a:cxn ang="0">
+                <a:pos x="connisteX11" y="connsiteY11"/>
+              </a:cxn>
+              <a:cxn ang="0">
+                <a:pos x="connisteX12" y="connsiteY12"/>
+              </a:cxn>
+              <a:cxn ang="0">
+                <a:pos x="connisteX13" y="connsiteY13"/>
+              </a:cxn>
+            </a:cxnLst>
+            <a:rect l="l" t="t" r="r" b="b"/>
+            <a:pathLst>
+              <a:path w="3935730" h="944880">
+                <a:moveTo>
+                  <a:pt x="257810" y="429260"/>
+                </a:moveTo>
+                <a:lnTo>
+                  <a:pt x="3394710" y="0"/>
+                </a:lnTo>
+                <a:lnTo>
+                  <a:pt x="26035" y="541020"/>
+                </a:lnTo>
+                <a:lnTo>
+                  <a:pt x="3575050" y="51435"/>
+                </a:lnTo>
+                <a:lnTo>
+                  <a:pt x="172085" y="601345"/>
+                </a:lnTo>
+                <a:lnTo>
+                  <a:pt x="3652520" y="128905"/>
+                </a:lnTo>
+                <a:lnTo>
+                  <a:pt x="51435" y="678815"/>
+                </a:lnTo>
+                <a:lnTo>
+                  <a:pt x="3514725" y="214630"/>
+                </a:lnTo>
+                <a:lnTo>
+                  <a:pt x="369570" y="704215"/>
+                </a:lnTo>
+                <a:lnTo>
+                  <a:pt x="3695700" y="274955"/>
+                </a:lnTo>
+                <a:lnTo>
+                  <a:pt x="180340" y="833120"/>
+                </a:lnTo>
+                <a:lnTo>
+                  <a:pt x="3695700" y="351790"/>
+                </a:lnTo>
+                <a:lnTo>
+                  <a:pt x="0" y="944880"/>
+                </a:lnTo>
+                <a:lnTo>
+                  <a:pt x="3935730" y="360680"/>
+                </a:lnTo>
+              </a:path>
+            </a:pathLst>
+          </a:custGeom>
+          <a:noFill/>
+          <a:ln w="203200">
+            <a:solidFill>
+              <a:schemeClr val="accent4">
+                <a:lumMod val="40000"/>
+                <a:lumOff val="60000"/>
+              </a:schemeClr>
+            </a:solidFill>
+          </a:ln>
+          <a:effectLst>
+            <a:softEdge rad="63500"/>
+          </a:effectLst>
+        </p:spPr>
+        <p:style>
+          <a:lnRef idx="2">
+            <a:schemeClr val="accent1">
+              <a:shade val="50000"/>
+            </a:schemeClr>
+          </a:lnRef>
+          <a:fillRef idx="1">
+            <a:schemeClr val="accent1"/>
+          </a:fillRef>
+          <a:effectRef idx="0">
+            <a:schemeClr val="accent1"/>
+          </a:effectRef>
+          <a:fontRef idx="minor">
+            <a:schemeClr val="lt1"/>
+          </a:fontRef>
+        </p:style>
+        <p:txBody>
+          <a:bodyPr rtlCol="0" anchor="ctr"/>
+          <a:p>
+            <a:pPr algn="ctr"/>
+            <a:endParaRPr lang="zh-CN" altLang="en-US"/>
+          </a:p>
+        </p:txBody>
+      </p:sp>
+      <p:sp>
+        <p:nvSpPr>
+          <p:cNvPr id="2" name="标题 1"/>
+          <p:cNvSpPr>
+            <a:spLocks noGrp="1"/>
+          </p:cNvSpPr>
+          <p:nvPr>
+            <p:ph type="title"/>
+          </p:nvPr>
+        </p:nvSpPr>
+        <p:spPr>
+          <a:xfrm>
+            <a:off x="3781425" y="186690"/>
+            <a:ext cx="4849495" cy="817245"/>
+          </a:xfrm>
+        </p:spPr>
+        <p:txBody>
+          <a:bodyPr>
+            <a:normAutofit fontScale="90000"/>
+          </a:bodyPr>
+          <a:p>
+            <a:r>
+              <a:rPr lang="en-US" altLang="zh-CN">
+                <a:latin typeface="Aa小梨涡" panose="02010600010101010101" charset="-122"/>
+                <a:ea typeface="Aa小梨涡" panose="02010600010101010101" charset="-122"/>
+              </a:rPr>
+              <a:t>5.2 Python3</a:t>
+            </a:r>
+            <a:r>
+              <a:rPr lang="zh-CN" altLang="en-US">
+                <a:latin typeface="Aa小梨涡" panose="02010600010101010101" charset="-122"/>
+                <a:ea typeface="Aa小梨涡" panose="02010600010101010101" charset="-122"/>
+              </a:rPr>
+              <a:t>源码分析</a:t>
+            </a:r>
+            <a:endParaRPr lang="zh-CN" altLang="en-US">
+              <a:latin typeface="Aa小梨涡" panose="02010600010101010101" charset="-122"/>
+              <a:ea typeface="Aa小梨涡" panose="02010600010101010101" charset="-122"/>
+            </a:endParaRPr>
+          </a:p>
+        </p:txBody>
+      </p:sp>
+      <p:sp>
+        <p:nvSpPr>
+          <p:cNvPr id="20" name="任意多边形 19"/>
+          <p:cNvSpPr/>
+          <p:nvPr/>
+        </p:nvSpPr>
+        <p:spPr>
+          <a:xfrm rot="10320000">
+            <a:off x="4344035" y="897890"/>
+            <a:ext cx="3456305" cy="76200"/>
+          </a:xfrm>
+          <a:custGeom>
+            <a:avLst/>
+            <a:gdLst>
+              <a:gd name="connisteX0" fmla="*/ 4685923 w 4685923"/>
+              <a:gd name="connsiteY0" fmla="*/ 9525 h 464575"/>
+              <a:gd name="connisteX1" fmla="*/ 548898 w 4685923"/>
+              <a:gd name="connsiteY1" fmla="*/ 238125 h 464575"/>
+              <a:gd name="connisteX2" fmla="*/ 672723 w 4685923"/>
+              <a:gd name="connsiteY2" fmla="*/ 456565 h 464575"/>
+              <a:gd name="connisteX3" fmla="*/ 4638298 w 4685923"/>
+              <a:gd name="connsiteY3" fmla="*/ 0 h 464575"/>
+            </a:gdLst>
+            <a:ahLst/>
+            <a:cxnLst>
+              <a:cxn ang="0">
+                <a:pos x="connisteX0" y="connsiteY0"/>
+              </a:cxn>
+              <a:cxn ang="0">
+                <a:pos x="connisteX1" y="connsiteY1"/>
+              </a:cxn>
+              <a:cxn ang="0">
+                <a:pos x="connisteX2" y="connsiteY2"/>
+              </a:cxn>
+              <a:cxn ang="0">
+                <a:pos x="connisteX3" y="connsiteY3"/>
+              </a:cxn>
+            </a:cxnLst>
+            <a:rect l="l" t="t" r="r" b="b"/>
+            <a:pathLst>
+              <a:path w="4685923" h="464576">
+                <a:moveTo>
+                  <a:pt x="4685923" y="9525"/>
+                </a:moveTo>
+                <a:cubicBezTo>
+                  <a:pt x="3855978" y="50800"/>
+                  <a:pt x="1351538" y="148590"/>
+                  <a:pt x="548898" y="238125"/>
+                </a:cubicBezTo>
+                <a:cubicBezTo>
+                  <a:pt x="-253742" y="327660"/>
+                  <a:pt x="-145157" y="504190"/>
+                  <a:pt x="672723" y="456565"/>
+                </a:cubicBezTo>
+                <a:cubicBezTo>
+                  <a:pt x="1490603" y="408940"/>
+                  <a:pt x="3847723" y="95885"/>
+                  <a:pt x="4638298" y="0"/>
+                </a:cubicBezTo>
+              </a:path>
+            </a:pathLst>
+          </a:custGeom>
+          <a:solidFill>
+            <a:schemeClr val="accent5"/>
+          </a:solidFill>
+          <a:ln>
+            <a:noFill/>
+          </a:ln>
+        </p:spPr>
+        <p:style>
+          <a:lnRef idx="2">
+            <a:schemeClr val="accent1">
+              <a:shade val="50000"/>
+            </a:schemeClr>
+          </a:lnRef>
+          <a:fillRef idx="1">
+            <a:schemeClr val="accent1"/>
+          </a:fillRef>
+          <a:effectRef idx="0">
+            <a:schemeClr val="accent1"/>
+          </a:effectRef>
+          <a:fontRef idx="minor">
+            <a:schemeClr val="lt1"/>
+          </a:fontRef>
+        </p:style>
+        <p:txBody>
+          <a:bodyPr rtlCol="0" anchor="ctr"/>
+          <a:p>
+            <a:pPr algn="ctr"/>
+            <a:endParaRPr lang="zh-CN" altLang="en-US"/>
+          </a:p>
+        </p:txBody>
+      </p:sp>
+      <p:sp>
+        <p:nvSpPr>
+          <p:cNvPr id="13" name="文本框 12"/>
+          <p:cNvSpPr txBox="1"/>
+          <p:nvPr/>
+        </p:nvSpPr>
+        <p:spPr>
+          <a:xfrm>
+            <a:off x="565150" y="1214120"/>
+            <a:ext cx="11281410" cy="988695"/>
+          </a:xfrm>
+          <a:prstGeom prst="rect">
+            <a:avLst/>
+          </a:prstGeom>
+          <a:noFill/>
+          <a:ln>
+            <a:noFill/>
+          </a:ln>
+        </p:spPr>
+        <p:txBody>
+          <a:bodyPr wrap="square" rtlCol="0">
+            <a:spAutoFit/>
+          </a:bodyPr>
+          <a:p>
+            <a:pPr fontAlgn="auto">
+              <a:lnSpc>
+                <a:spcPts val="3500"/>
+              </a:lnSpc>
+            </a:pPr>
+            <a:r>
+              <a:rPr lang="en-US" sz="2200">
+                <a:latin typeface="Aa小梨涡" panose="02010600010101010101" charset="-122"/>
+                <a:ea typeface="Aa小梨涡" panose="02010600010101010101" charset="-122"/>
+                <a:cs typeface="Aa小梨涡" panose="02010600010101010101" charset="-122"/>
+                <a:sym typeface="+mn-ea"/>
+              </a:rPr>
+              <a:t>2. </a:t>
+            </a:r>
+            <a:r>
+              <a:rPr lang="zh-CN" altLang="en-US" sz="2200">
+                <a:latin typeface="Aa小梨涡" panose="02010600010101010101" charset="-122"/>
+                <a:ea typeface="Aa小梨涡" panose="02010600010101010101" charset="-122"/>
+                <a:cs typeface="Aa小梨涡" panose="02010600010101010101" charset="-122"/>
+                <a:sym typeface="+mn-ea"/>
+              </a:rPr>
+              <a:t>访问</a:t>
+            </a:r>
+            <a:r>
+              <a:rPr lang="en-US" altLang="zh-CN" sz="2200">
+                <a:latin typeface="Aa小梨涡" panose="02010600010101010101" charset="-122"/>
+                <a:ea typeface="Aa小梨涡" panose="02010600010101010101" charset="-122"/>
+                <a:cs typeface="Aa小梨涡" panose="02010600010101010101" charset="-122"/>
+                <a:sym typeface="+mn-ea"/>
+              </a:rPr>
+              <a:t>iterable</a:t>
+            </a:r>
+            <a:endParaRPr lang="en-US" altLang="zh-CN" sz="2200">
+              <a:latin typeface="Aa小梨涡" panose="02010600010101010101" charset="-122"/>
+              <a:ea typeface="Aa小梨涡" panose="02010600010101010101" charset="-122"/>
+              <a:cs typeface="Aa小梨涡" panose="02010600010101010101" charset="-122"/>
+              <a:sym typeface="+mn-ea"/>
+            </a:endParaRPr>
+          </a:p>
+          <a:p>
+            <a:pPr fontAlgn="auto">
+              <a:lnSpc>
+                <a:spcPts val="3500"/>
+              </a:lnSpc>
+            </a:pPr>
+            <a:r>
+              <a:rPr lang="en-US" altLang="zh-CN" sz="2200">
+                <a:latin typeface="Aa小梨涡" panose="02010600010101010101" charset="-122"/>
+                <a:ea typeface="Aa小梨涡" panose="02010600010101010101" charset="-122"/>
+                <a:cs typeface="Aa小梨涡" panose="02010600010101010101" charset="-122"/>
+                <a:sym typeface="+mn-ea"/>
+              </a:rPr>
+              <a:t>    ① for in</a:t>
+            </a:r>
+            <a:r>
+              <a:rPr lang="zh-CN" altLang="en-US" sz="2200">
+                <a:latin typeface="Aa小梨涡" panose="02010600010101010101" charset="-122"/>
+                <a:ea typeface="Aa小梨涡" panose="02010600010101010101" charset="-122"/>
+                <a:cs typeface="Aa小梨涡" panose="02010600010101010101" charset="-122"/>
+                <a:sym typeface="+mn-ea"/>
+              </a:rPr>
+              <a:t>语句</a:t>
+            </a:r>
+            <a:endParaRPr lang="en-US" altLang="zh-CN" sz="2200">
+              <a:latin typeface="Aa小梨涡" panose="02010600010101010101" charset="-122"/>
+              <a:ea typeface="Aa小梨涡" panose="02010600010101010101" charset="-122"/>
+              <a:cs typeface="Aa小梨涡" panose="02010600010101010101" charset="-122"/>
+              <a:sym typeface="+mn-ea"/>
+            </a:endParaRPr>
+          </a:p>
+        </p:txBody>
+      </p:sp>
+      <p:sp>
+        <p:nvSpPr>
+          <p:cNvPr id="4" name="文本框 3"/>
+          <p:cNvSpPr txBox="1"/>
+          <p:nvPr/>
+        </p:nvSpPr>
+        <p:spPr>
+          <a:xfrm>
+            <a:off x="10784840" y="5892165"/>
+            <a:ext cx="1407160" cy="270510"/>
+          </a:xfrm>
+          <a:prstGeom prst="rect">
+            <a:avLst/>
+          </a:prstGeom>
+          <a:noFill/>
+        </p:spPr>
+        <p:txBody>
+          <a:bodyPr wrap="square" rtlCol="0">
+            <a:spAutoFit/>
+          </a:bodyPr>
+          <a:p>
+            <a:r>
+              <a:rPr lang="en-US" altLang="zh-CN" baseline="30000">
+                <a:solidFill>
+                  <a:schemeClr val="accent5"/>
+                </a:solidFill>
+                <a:latin typeface="Comic Sans MS" panose="030F0702030302020204" charset="0"/>
+                <a:cs typeface="Comic Sans MS" panose="030F0702030302020204" charset="0"/>
+              </a:rPr>
+              <a:t>[5.2-1.py]</a:t>
+            </a:r>
+            <a:endParaRPr lang="en-US" altLang="zh-CN" baseline="30000">
+              <a:solidFill>
+                <a:schemeClr val="accent5"/>
+              </a:solidFill>
+              <a:latin typeface="Comic Sans MS" panose="030F0702030302020204" charset="0"/>
+              <a:cs typeface="Comic Sans MS" panose="030F0702030302020204" charset="0"/>
+            </a:endParaRPr>
+          </a:p>
+        </p:txBody>
+      </p:sp>
+      <p:sp>
+        <p:nvSpPr>
+          <p:cNvPr id="5" name="文本框 4"/>
+          <p:cNvSpPr txBox="1"/>
+          <p:nvPr/>
+        </p:nvSpPr>
+        <p:spPr>
+          <a:xfrm>
+            <a:off x="565785" y="4361815"/>
+            <a:ext cx="11282045" cy="1437640"/>
+          </a:xfrm>
+          <a:prstGeom prst="rect">
+            <a:avLst/>
+          </a:prstGeom>
+          <a:noFill/>
+          <a:ln>
+            <a:solidFill>
+              <a:schemeClr val="accent1"/>
+            </a:solidFill>
+          </a:ln>
+        </p:spPr>
+        <p:txBody>
+          <a:bodyPr wrap="square" rtlCol="0">
+            <a:spAutoFit/>
+          </a:bodyPr>
+          <a:p>
+            <a:pPr fontAlgn="auto">
+              <a:lnSpc>
+                <a:spcPts val="3500"/>
+              </a:lnSpc>
+            </a:pPr>
+            <a:r>
+              <a:rPr lang="en-US" altLang="zh-CN" sz="2200">
+                <a:latin typeface="Aa小梨涡" panose="02010600010101010101" charset="-122"/>
+                <a:ea typeface="Aa小梨涡" panose="02010600010101010101" charset="-122"/>
+                <a:cs typeface="Aa小梨涡" panose="02010600010101010101" charset="-122"/>
+                <a:sym typeface="+mn-ea"/>
+              </a:rPr>
+              <a:t>iter(object[, sentinel])  # 返回</a:t>
+            </a:r>
+            <a:r>
+              <a:rPr lang="zh-CN" altLang="en-US" sz="2200">
+                <a:latin typeface="Aa小梨涡" panose="02010600010101010101" charset="-122"/>
+                <a:ea typeface="Aa小梨涡" panose="02010600010101010101" charset="-122"/>
+                <a:cs typeface="Aa小梨涡" panose="02010600010101010101" charset="-122"/>
+                <a:sym typeface="+mn-ea"/>
+              </a:rPr>
+              <a:t>容器的</a:t>
+            </a:r>
+            <a:r>
+              <a:rPr lang="en-US" altLang="zh-CN" sz="2200">
+                <a:latin typeface="Aa小梨涡" panose="02010600010101010101" charset="-122"/>
+                <a:ea typeface="Aa小梨涡" panose="02010600010101010101" charset="-122"/>
+                <a:cs typeface="Aa小梨涡" panose="02010600010101010101" charset="-122"/>
+                <a:sym typeface="+mn-ea"/>
+              </a:rPr>
+              <a:t> iterator 对象</a:t>
+            </a:r>
+            <a:endParaRPr lang="en-US" altLang="zh-CN" sz="2200">
+              <a:latin typeface="Aa小梨涡" panose="02010600010101010101" charset="-122"/>
+              <a:ea typeface="Aa小梨涡" panose="02010600010101010101" charset="-122"/>
+              <a:cs typeface="Aa小梨涡" panose="02010600010101010101" charset="-122"/>
+              <a:sym typeface="+mn-ea"/>
+            </a:endParaRPr>
+          </a:p>
+          <a:p>
+            <a:pPr fontAlgn="auto">
+              <a:lnSpc>
+                <a:spcPts val="3500"/>
+              </a:lnSpc>
+            </a:pPr>
+            <a:r>
+              <a:rPr lang="en-US" altLang="zh-CN" sz="2200">
+                <a:latin typeface="Aa小梨涡" panose="02010600010101010101" charset="-122"/>
+                <a:ea typeface="Aa小梨涡" panose="02010600010101010101" charset="-122"/>
+                <a:cs typeface="Aa小梨涡" panose="02010600010101010101" charset="-122"/>
+                <a:sym typeface="+mn-ea"/>
+              </a:rPr>
+              <a:t>next(iterator[, default])  # 通过调用 iterator 的 __next__() 方法获取</a:t>
+            </a:r>
+            <a:r>
+              <a:rPr lang="zh-CN" altLang="en-US" sz="2200">
+                <a:latin typeface="Aa小梨涡" panose="02010600010101010101" charset="-122"/>
+                <a:ea typeface="Aa小梨涡" panose="02010600010101010101" charset="-122"/>
+                <a:cs typeface="Aa小梨涡" panose="02010600010101010101" charset="-122"/>
+                <a:sym typeface="+mn-ea"/>
+              </a:rPr>
+              <a:t>容器的</a:t>
+            </a:r>
+            <a:r>
+              <a:rPr lang="en-US" altLang="zh-CN" sz="2200">
+                <a:latin typeface="Aa小梨涡" panose="02010600010101010101" charset="-122"/>
+                <a:ea typeface="Aa小梨涡" panose="02010600010101010101" charset="-122"/>
+                <a:cs typeface="Aa小梨涡" panose="02010600010101010101" charset="-122"/>
+                <a:sym typeface="+mn-ea"/>
+              </a:rPr>
+              <a:t>下一个元素。如  </a:t>
+            </a:r>
+            <a:endParaRPr lang="en-US" altLang="zh-CN" sz="2200">
+              <a:latin typeface="Aa小梨涡" panose="02010600010101010101" charset="-122"/>
+              <a:ea typeface="Aa小梨涡" panose="02010600010101010101" charset="-122"/>
+              <a:cs typeface="Aa小梨涡" panose="02010600010101010101" charset="-122"/>
+              <a:sym typeface="+mn-ea"/>
+            </a:endParaRPr>
+          </a:p>
+          <a:p>
+            <a:pPr fontAlgn="auto">
+              <a:lnSpc>
+                <a:spcPts val="3500"/>
+              </a:lnSpc>
+            </a:pPr>
+            <a:r>
+              <a:rPr lang="en-US" altLang="zh-CN" sz="2200">
+                <a:latin typeface="Aa小梨涡" panose="02010600010101010101" charset="-122"/>
+                <a:ea typeface="Aa小梨涡" panose="02010600010101010101" charset="-122"/>
+                <a:cs typeface="Aa小梨涡" panose="02010600010101010101" charset="-122"/>
+                <a:sym typeface="+mn-ea"/>
+              </a:rPr>
+              <a:t>                          果</a:t>
+            </a:r>
+            <a:r>
+              <a:rPr lang="zh-CN" altLang="en-US" sz="2200">
+                <a:latin typeface="Aa小梨涡" panose="02010600010101010101" charset="-122"/>
+                <a:ea typeface="Aa小梨涡" panose="02010600010101010101" charset="-122"/>
+                <a:cs typeface="Aa小梨涡" panose="02010600010101010101" charset="-122"/>
+                <a:sym typeface="+mn-ea"/>
+              </a:rPr>
+              <a:t>迭代 </a:t>
+            </a:r>
+            <a:r>
+              <a:rPr lang="en-US" altLang="zh-CN" sz="2200">
+                <a:latin typeface="Aa小梨涡" panose="02010600010101010101" charset="-122"/>
+                <a:ea typeface="Aa小梨涡" panose="02010600010101010101" charset="-122"/>
+                <a:cs typeface="Aa小梨涡" panose="02010600010101010101" charset="-122"/>
+                <a:sym typeface="+mn-ea"/>
+              </a:rPr>
+              <a:t>器耗尽，则返回给定的default，如果没有默认值则触发 StopIteration。</a:t>
+            </a:r>
+            <a:endParaRPr lang="en-US" altLang="zh-CN" sz="2200">
+              <a:latin typeface="Aa小梨涡" panose="02010600010101010101" charset="-122"/>
+              <a:ea typeface="Aa小梨涡" panose="02010600010101010101" charset="-122"/>
+              <a:cs typeface="Aa小梨涡" panose="02010600010101010101" charset="-122"/>
+              <a:sym typeface="+mn-ea"/>
+            </a:endParaRPr>
+          </a:p>
+        </p:txBody>
+      </p:sp>
+      <p:sp>
+        <p:nvSpPr>
+          <p:cNvPr id="8" name="文本框 7"/>
+          <p:cNvSpPr txBox="1"/>
+          <p:nvPr/>
+        </p:nvSpPr>
+        <p:spPr>
+          <a:xfrm>
+            <a:off x="565150" y="2231390"/>
+            <a:ext cx="11282045" cy="1437640"/>
+          </a:xfrm>
+          <a:prstGeom prst="rect">
+            <a:avLst/>
+          </a:prstGeom>
+          <a:noFill/>
+          <a:ln>
+            <a:solidFill>
+              <a:schemeClr val="accent1"/>
+            </a:solidFill>
+          </a:ln>
+        </p:spPr>
+        <p:txBody>
+          <a:bodyPr wrap="square" rtlCol="0">
+            <a:spAutoFit/>
+          </a:bodyPr>
+          <a:p>
+            <a:pPr fontAlgn="auto">
+              <a:lnSpc>
+                <a:spcPts val="3500"/>
+              </a:lnSpc>
+            </a:pPr>
+            <a:r>
+              <a:rPr lang="en-US" altLang="zh-CN" sz="2200">
+                <a:latin typeface="Aa小梨涡" panose="02010600010101010101" charset="-122"/>
+                <a:ea typeface="Aa小梨涡" panose="02010600010101010101" charset="-122"/>
+                <a:cs typeface="Aa小梨涡" panose="02010600010101010101" charset="-122"/>
+                <a:sym typeface="+mn-ea"/>
+              </a:rPr>
+              <a:t>for element in iterable:</a:t>
+            </a:r>
+            <a:endParaRPr lang="en-US" altLang="zh-CN" sz="2200">
+              <a:latin typeface="Aa小梨涡" panose="02010600010101010101" charset="-122"/>
+              <a:ea typeface="Aa小梨涡" panose="02010600010101010101" charset="-122"/>
+              <a:cs typeface="Aa小梨涡" panose="02010600010101010101" charset="-122"/>
+              <a:sym typeface="+mn-ea"/>
+            </a:endParaRPr>
+          </a:p>
+          <a:p>
+            <a:pPr fontAlgn="auto">
+              <a:lnSpc>
+                <a:spcPts val="3500"/>
+              </a:lnSpc>
+            </a:pPr>
+            <a:r>
+              <a:rPr lang="en-US" altLang="zh-CN" sz="2200">
+                <a:latin typeface="Aa小梨涡" panose="02010600010101010101" charset="-122"/>
+                <a:ea typeface="Aa小梨涡" panose="02010600010101010101" charset="-122"/>
+                <a:cs typeface="Aa小梨涡" panose="02010600010101010101" charset="-122"/>
+                <a:sym typeface="+mn-ea"/>
+              </a:rPr>
+              <a:t>    # do something with the element</a:t>
+            </a:r>
+            <a:endParaRPr lang="en-US" altLang="zh-CN" sz="2200">
+              <a:latin typeface="Aa小梨涡" panose="02010600010101010101" charset="-122"/>
+              <a:ea typeface="Aa小梨涡" panose="02010600010101010101" charset="-122"/>
+              <a:cs typeface="Aa小梨涡" panose="02010600010101010101" charset="-122"/>
+              <a:sym typeface="+mn-ea"/>
+            </a:endParaRPr>
+          </a:p>
+          <a:p>
+            <a:pPr fontAlgn="auto">
+              <a:lnSpc>
+                <a:spcPts val="3500"/>
+              </a:lnSpc>
+            </a:pPr>
+            <a:r>
+              <a:rPr lang="en-US" altLang="zh-CN" sz="2200">
+                <a:latin typeface="Aa小梨涡" panose="02010600010101010101" charset="-122"/>
+                <a:ea typeface="Aa小梨涡" panose="02010600010101010101" charset="-122"/>
+                <a:cs typeface="Aa小梨涡" panose="02010600010101010101" charset="-122"/>
+                <a:sym typeface="+mn-ea"/>
+              </a:rPr>
+              <a:t>    pass</a:t>
+            </a:r>
+            <a:endParaRPr lang="en-US" altLang="zh-CN" sz="2200">
+              <a:latin typeface="Aa小梨涡" panose="02010600010101010101" charset="-122"/>
+              <a:ea typeface="Aa小梨涡" panose="02010600010101010101" charset="-122"/>
+              <a:cs typeface="Aa小梨涡" panose="02010600010101010101" charset="-122"/>
+              <a:sym typeface="+mn-ea"/>
+            </a:endParaRPr>
+          </a:p>
+        </p:txBody>
+      </p:sp>
+      <p:sp>
+        <p:nvSpPr>
+          <p:cNvPr id="10" name="文本框 9"/>
+          <p:cNvSpPr txBox="1"/>
+          <p:nvPr/>
+        </p:nvSpPr>
+        <p:spPr>
+          <a:xfrm>
+            <a:off x="565785" y="3703320"/>
+            <a:ext cx="11281410" cy="539750"/>
+          </a:xfrm>
+          <a:prstGeom prst="rect">
+            <a:avLst/>
+          </a:prstGeom>
+          <a:noFill/>
+          <a:ln>
+            <a:noFill/>
+          </a:ln>
+        </p:spPr>
+        <p:txBody>
+          <a:bodyPr wrap="square" rtlCol="0">
+            <a:spAutoFit/>
+          </a:bodyPr>
+          <a:p>
+            <a:pPr fontAlgn="auto">
+              <a:lnSpc>
+                <a:spcPts val="3500"/>
+              </a:lnSpc>
+            </a:pPr>
+            <a:r>
+              <a:rPr lang="en-US" altLang="zh-CN" sz="2200">
+                <a:latin typeface="Aa小梨涡" panose="02010600010101010101" charset="-122"/>
+                <a:ea typeface="Aa小梨涡" panose="02010600010101010101" charset="-122"/>
+                <a:cs typeface="Aa小梨涡" panose="02010600010101010101" charset="-122"/>
+                <a:sym typeface="+mn-ea"/>
+              </a:rPr>
+              <a:t>    ② iter</a:t>
+            </a:r>
+            <a:r>
+              <a:rPr lang="zh-CN" altLang="en-US" sz="2200">
+                <a:latin typeface="Aa小梨涡" panose="02010600010101010101" charset="-122"/>
+                <a:ea typeface="Aa小梨涡" panose="02010600010101010101" charset="-122"/>
+                <a:cs typeface="Aa小梨涡" panose="02010600010101010101" charset="-122"/>
+                <a:sym typeface="+mn-ea"/>
+              </a:rPr>
+              <a:t>和</a:t>
+            </a:r>
+            <a:r>
+              <a:rPr lang="en-US" altLang="zh-CN" sz="2200">
+                <a:latin typeface="Aa小梨涡" panose="02010600010101010101" charset="-122"/>
+                <a:ea typeface="Aa小梨涡" panose="02010600010101010101" charset="-122"/>
+                <a:cs typeface="Aa小梨涡" panose="02010600010101010101" charset="-122"/>
+                <a:sym typeface="+mn-ea"/>
+              </a:rPr>
+              <a:t>next</a:t>
+            </a:r>
+            <a:r>
+              <a:rPr lang="zh-CN" altLang="en-US" sz="2200">
+                <a:latin typeface="Aa小梨涡" panose="02010600010101010101" charset="-122"/>
+                <a:ea typeface="Aa小梨涡" panose="02010600010101010101" charset="-122"/>
+                <a:cs typeface="Aa小梨涡" panose="02010600010101010101" charset="-122"/>
+                <a:sym typeface="+mn-ea"/>
+              </a:rPr>
+              <a:t>两个函数的组合使用</a:t>
+            </a:r>
+            <a:endParaRPr lang="en-US" altLang="zh-CN" sz="2200">
+              <a:latin typeface="Aa小梨涡" panose="02010600010101010101" charset="-122"/>
+              <a:ea typeface="Aa小梨涡" panose="02010600010101010101" charset="-122"/>
+              <a:cs typeface="Aa小梨涡" panose="02010600010101010101" charset="-122"/>
+              <a:sym typeface="+mn-ea"/>
+            </a:endParaRPr>
+          </a:p>
+        </p:txBody>
+      </p:sp>
+    </p:spTree>
+  </p:cSld>
+  <p:clrMapOvr>
+    <a:masterClrMapping/>
+  </p:clrMapOvr>
+  <p:timing>
+    <p:tnLst>
+      <p:par>
+        <p:cTn id="1" dur="indefinite" restart="never" nodeType="tmRoot">
+          <p:childTnLst>
+            <p:seq concurrent="1" nextAc="seek">
+              <p:cTn id="2" dur="indefinite" nodeType="mainSeq">
+                <p:childTnLst>
+                  <p:par>
+                    <p:cTn id="3" fill="hold">
+                      <p:stCondLst>
+                        <p:cond delay="indefinite"/>
+                      </p:stCondLst>
+                      <p:childTnLst>
+                        <p:par>
+                          <p:cTn id="4" fill="hold">
+                            <p:stCondLst>
+                              <p:cond delay="0"/>
+                            </p:stCondLst>
+                            <p:childTnLst>
+                              <p:par>
+                                <p:cTn id="5" presetID="1" presetClass="entr" presetSubtype="0" fill="hold" grpId="0" nodeType="clickEffect">
+                                  <p:stCondLst>
+                                    <p:cond delay="0"/>
+                                  </p:stCondLst>
+                                  <p:childTnLst>
+                                    <p:set>
+                                      <p:cBhvr>
+                                        <p:cTn id="6" dur="1" fill="hold">
+                                          <p:stCondLst>
+                                            <p:cond delay="0"/>
+                                          </p:stCondLst>
+                                        </p:cTn>
+                                        <p:tgtEl>
+                                          <p:spTgt spid="13"/>
+                                        </p:tgtEl>
+                                        <p:attrNameLst>
+                                          <p:attrName>style.visibility</p:attrName>
+                                        </p:attrNameLst>
+                                      </p:cBhvr>
+                                      <p:to>
+                                        <p:strVal val="visible"/>
+                                      </p:to>
+                                    </p:set>
+                                  </p:childTnLst>
+                                </p:cTn>
+                              </p:par>
+                              <p:par>
+                                <p:cTn id="7" presetID="1" presetClass="entr" presetSubtype="0" fill="hold" grpId="0" nodeType="withEffect">
+                                  <p:stCondLst>
+                                    <p:cond delay="0"/>
+                                  </p:stCondLst>
+                                  <p:childTnLst>
+                                    <p:set>
+                                      <p:cBhvr>
+                                        <p:cTn id="8" dur="1" fill="hold">
+                                          <p:stCondLst>
+                                            <p:cond delay="0"/>
+                                          </p:stCondLst>
+                                        </p:cTn>
+                                        <p:tgtEl>
+                                          <p:spTgt spid="4"/>
+                                        </p:tgtEl>
+                                        <p:attrNameLst>
+                                          <p:attrName>style.visibility</p:attrName>
+                                        </p:attrNameLst>
+                                      </p:cBhvr>
+                                      <p:to>
+                                        <p:strVal val="visible"/>
+                                      </p:to>
+                                    </p:set>
+                                  </p:childTnLst>
+                                </p:cTn>
+                              </p:par>
+                              <p:par>
+                                <p:cTn id="9" presetID="1" presetClass="entr" presetSubtype="0" fill="hold" grpId="0" nodeType="withEffect">
+                                  <p:stCondLst>
+                                    <p:cond delay="0"/>
+                                  </p:stCondLst>
+                                  <p:childTnLst>
+                                    <p:set>
+                                      <p:cBhvr>
+                                        <p:cTn id="10" dur="1" fill="hold">
+                                          <p:stCondLst>
+                                            <p:cond delay="0"/>
+                                          </p:stCondLst>
+                                        </p:cTn>
+                                        <p:tgtEl>
+                                          <p:spTgt spid="5"/>
+                                        </p:tgtEl>
+                                        <p:attrNameLst>
+                                          <p:attrName>style.visibility</p:attrName>
+                                        </p:attrNameLst>
+                                      </p:cBhvr>
+                                      <p:to>
+                                        <p:strVal val="visible"/>
+                                      </p:to>
+                                    </p:set>
+                                  </p:childTnLst>
+                                </p:cTn>
+                              </p:par>
+                              <p:par>
+                                <p:cTn id="11" presetID="1" presetClass="entr" presetSubtype="0" fill="hold" grpId="0" nodeType="withEffect">
+                                  <p:stCondLst>
+                                    <p:cond delay="0"/>
+                                  </p:stCondLst>
+                                  <p:childTnLst>
+                                    <p:set>
+                                      <p:cBhvr>
+                                        <p:cTn id="12" dur="1" fill="hold">
+                                          <p:stCondLst>
+                                            <p:cond delay="0"/>
+                                          </p:stCondLst>
+                                        </p:cTn>
+                                        <p:tgtEl>
+                                          <p:spTgt spid="8"/>
+                                        </p:tgtEl>
+                                        <p:attrNameLst>
+                                          <p:attrName>style.visibility</p:attrName>
+                                        </p:attrNameLst>
+                                      </p:cBhvr>
+                                      <p:to>
+                                        <p:strVal val="visible"/>
+                                      </p:to>
+                                    </p:set>
+                                  </p:childTnLst>
+                                </p:cTn>
+                              </p:par>
+                              <p:par>
+                                <p:cTn id="13" presetID="1" presetClass="entr" presetSubtype="0" fill="hold" grpId="0" nodeType="withEffect">
+                                  <p:stCondLst>
+                                    <p:cond delay="0"/>
+                                  </p:stCondLst>
+                                  <p:childTnLst>
+                                    <p:set>
+                                      <p:cBhvr>
+                                        <p:cTn id="14" dur="1" fill="hold">
+                                          <p:stCondLst>
+                                            <p:cond delay="0"/>
+                                          </p:stCondLst>
+                                        </p:cTn>
+                                        <p:tgtEl>
+                                          <p:spTgt spid="10"/>
+                                        </p:tgtEl>
+                                        <p:attrNameLst>
+                                          <p:attrName>style.visibility</p:attrName>
+                                        </p:attrNameLst>
+                                      </p:cBhvr>
+                                      <p:to>
+                                        <p:strVal val="visible"/>
+                                      </p:to>
+                                    </p:set>
+                                  </p:childTnLst>
+                                </p:cTn>
+                              </p:par>
+                            </p:childTnLst>
+                          </p:cTn>
+                        </p:par>
+                      </p:childTnLst>
+                    </p:cTn>
+                  </p:par>
+                </p:childTnLst>
+              </p:cTn>
+              <p:prevCondLst>
+                <p:cond evt="onPrev" delay="0">
+                  <p:tgtEl>
+                    <p:sldTgt/>
+                  </p:tgtEl>
+                </p:cond>
+              </p:prevCondLst>
+              <p:nextCondLst>
+                <p:cond evt="onNext" delay="0">
+                  <p:tgtEl>
+                    <p:sldTgt/>
+                  </p:tgtEl>
+                </p:cond>
+              </p:nextCondLst>
+            </p:seq>
+          </p:childTnLst>
+        </p:cTn>
+      </p:par>
+    </p:tnLst>
+    <p:bldLst>
+      <p:bldP spid="13" grpId="0"/>
+      <p:bldP spid="13" grpId="1"/>
+      <p:bldP spid="4" grpId="0"/>
+      <p:bldP spid="4" grpId="1"/>
+      <p:bldP spid="5" grpId="0" bldLvl="0" animBg="1"/>
+      <p:bldP spid="5" grpId="1" animBg="1"/>
+      <p:bldP spid="8" grpId="0" bldLvl="0" animBg="1"/>
+      <p:bldP spid="8" grpId="1" animBg="1"/>
+      <p:bldP spid="10" grpId="0"/>
+      <p:bldP spid="10" grpId="1"/>
+    </p:bldLst>
+  </p:timing>
+</p:sld>
+</file>
+
+<file path=ppt/slides/slide3.xml><?xml version="1.0" encoding="utf-8"?>
+<p:sld xmlns:a="http://schemas.openxmlformats.org/drawingml/2006/main" xmlns:r="http://schemas.openxmlformats.org/officeDocument/2006/relationships" xmlns:p="http://schemas.openxmlformats.org/presentationml/2006/main">
+  <p:cSld>
+    <p:spTree>
+      <p:nvGrpSpPr>
+        <p:cNvPr id="1" name=""/>
+        <p:cNvGrpSpPr/>
+        <p:nvPr/>
+      </p:nvGrpSpPr>
+      <p:grpSpPr/>
+      <p:sp>
+        <p:nvSpPr>
+          <p:cNvPr id="18" name="任意多边形 17"/>
+          <p:cNvSpPr/>
+          <p:nvPr/>
+        </p:nvSpPr>
+        <p:spPr>
+          <a:xfrm rot="600000">
+            <a:off x="5160010" y="2174240"/>
+            <a:ext cx="1911350" cy="944245"/>
+          </a:xfrm>
+          <a:custGeom>
+            <a:avLst/>
+            <a:gdLst>
+              <a:gd name="connisteX0" fmla="*/ 257810 w 3935730"/>
+              <a:gd name="connsiteY0" fmla="*/ 429260 h 944880"/>
+              <a:gd name="connisteX1" fmla="*/ 3394710 w 3935730"/>
+              <a:gd name="connsiteY1" fmla="*/ 0 h 944880"/>
+              <a:gd name="connisteX2" fmla="*/ 26035 w 3935730"/>
+              <a:gd name="connsiteY2" fmla="*/ 541020 h 944880"/>
+              <a:gd name="connisteX3" fmla="*/ 3575050 w 3935730"/>
+              <a:gd name="connsiteY3" fmla="*/ 51435 h 944880"/>
+              <a:gd name="connisteX4" fmla="*/ 172085 w 3935730"/>
+              <a:gd name="connsiteY4" fmla="*/ 601345 h 944880"/>
+              <a:gd name="connisteX5" fmla="*/ 3652520 w 3935730"/>
+              <a:gd name="connsiteY5" fmla="*/ 128905 h 944880"/>
+              <a:gd name="connisteX6" fmla="*/ 51435 w 3935730"/>
+              <a:gd name="connsiteY6" fmla="*/ 678815 h 944880"/>
+              <a:gd name="connisteX7" fmla="*/ 3514725 w 3935730"/>
+              <a:gd name="connsiteY7" fmla="*/ 214630 h 944880"/>
+              <a:gd name="connisteX8" fmla="*/ 369570 w 3935730"/>
+              <a:gd name="connsiteY8" fmla="*/ 704215 h 944880"/>
+              <a:gd name="connisteX9" fmla="*/ 3695700 w 3935730"/>
+              <a:gd name="connsiteY9" fmla="*/ 274955 h 944880"/>
+              <a:gd name="connisteX10" fmla="*/ 180340 w 3935730"/>
+              <a:gd name="connsiteY10" fmla="*/ 833120 h 944880"/>
+              <a:gd name="connisteX11" fmla="*/ 3695700 w 3935730"/>
+              <a:gd name="connsiteY11" fmla="*/ 351790 h 944880"/>
+              <a:gd name="connisteX12" fmla="*/ 0 w 3935730"/>
+              <a:gd name="connsiteY12" fmla="*/ 944880 h 944880"/>
+              <a:gd name="connisteX13" fmla="*/ 3935730 w 3935730"/>
+              <a:gd name="connsiteY13" fmla="*/ 360680 h 944880"/>
+            </a:gdLst>
+            <a:ahLst/>
+            <a:cxnLst>
+              <a:cxn ang="0">
+                <a:pos x="connisteX0" y="connsiteY0"/>
+              </a:cxn>
+              <a:cxn ang="0">
+                <a:pos x="connisteX1" y="connsiteY1"/>
+              </a:cxn>
+              <a:cxn ang="0">
+                <a:pos x="connisteX2" y="connsiteY2"/>
+              </a:cxn>
+              <a:cxn ang="0">
+                <a:pos x="connisteX3" y="connsiteY3"/>
+              </a:cxn>
+              <a:cxn ang="0">
+                <a:pos x="connisteX4" y="connsiteY4"/>
+              </a:cxn>
+              <a:cxn ang="0">
+                <a:pos x="connisteX5" y="connsiteY5"/>
+              </a:cxn>
+              <a:cxn ang="0">
+                <a:pos x="connisteX6" y="connsiteY6"/>
+              </a:cxn>
+              <a:cxn ang="0">
+                <a:pos x="connisteX7" y="connsiteY7"/>
+              </a:cxn>
+              <a:cxn ang="0">
+                <a:pos x="connisteX8" y="connsiteY8"/>
+              </a:cxn>
+              <a:cxn ang="0">
+                <a:pos x="connisteX9" y="connsiteY9"/>
+              </a:cxn>
+              <a:cxn ang="0">
+                <a:pos x="connisteX10" y="connsiteY10"/>
+              </a:cxn>
+              <a:cxn ang="0">
+                <a:pos x="connisteX11" y="connsiteY11"/>
+              </a:cxn>
+              <a:cxn ang="0">
+                <a:pos x="connisteX12" y="connsiteY12"/>
+              </a:cxn>
+              <a:cxn ang="0">
+                <a:pos x="connisteX13" y="connsiteY13"/>
+              </a:cxn>
+            </a:cxnLst>
+            <a:rect l="l" t="t" r="r" b="b"/>
+            <a:pathLst>
+              <a:path w="3935730" h="944880">
+                <a:moveTo>
+                  <a:pt x="257810" y="429260"/>
+                </a:moveTo>
+                <a:lnTo>
+                  <a:pt x="3394710" y="0"/>
+                </a:lnTo>
+                <a:lnTo>
+                  <a:pt x="26035" y="541020"/>
+                </a:lnTo>
+                <a:lnTo>
+                  <a:pt x="3575050" y="51435"/>
+                </a:lnTo>
+                <a:lnTo>
+                  <a:pt x="172085" y="601345"/>
+                </a:lnTo>
+                <a:lnTo>
+                  <a:pt x="3652520" y="128905"/>
+                </a:lnTo>
+                <a:lnTo>
+                  <a:pt x="51435" y="678815"/>
+                </a:lnTo>
+                <a:lnTo>
+                  <a:pt x="3514725" y="214630"/>
+                </a:lnTo>
+                <a:lnTo>
+                  <a:pt x="369570" y="704215"/>
+                </a:lnTo>
+                <a:lnTo>
+                  <a:pt x="3695700" y="274955"/>
+                </a:lnTo>
+                <a:lnTo>
+                  <a:pt x="180340" y="833120"/>
+                </a:lnTo>
+                <a:lnTo>
+                  <a:pt x="3695700" y="351790"/>
+                </a:lnTo>
+                <a:lnTo>
+                  <a:pt x="0" y="944880"/>
+                </a:lnTo>
+                <a:lnTo>
+                  <a:pt x="3935730" y="360680"/>
+                </a:lnTo>
+              </a:path>
+            </a:pathLst>
+          </a:custGeom>
+          <a:noFill/>
+          <a:ln w="203200">
+            <a:solidFill>
+              <a:schemeClr val="accent4">
+                <a:lumMod val="40000"/>
+                <a:lumOff val="60000"/>
+              </a:schemeClr>
+            </a:solidFill>
+          </a:ln>
+          <a:effectLst>
+            <a:softEdge rad="63500"/>
+          </a:effectLst>
+        </p:spPr>
+        <p:style>
+          <a:lnRef idx="2">
+            <a:schemeClr val="accent1">
+              <a:shade val="50000"/>
+            </a:schemeClr>
+          </a:lnRef>
+          <a:fillRef idx="1">
+            <a:schemeClr val="accent1"/>
+          </a:fillRef>
+          <a:effectRef idx="0">
+            <a:schemeClr val="accent1"/>
+          </a:effectRef>
+          <a:fontRef idx="minor">
+            <a:schemeClr val="lt1"/>
+          </a:fontRef>
+        </p:style>
+        <p:txBody>
+          <a:bodyPr rtlCol="0" anchor="ctr"/>
+          <a:p>
+            <a:pPr algn="ctr"/>
+            <a:endParaRPr lang="zh-CN" altLang="en-US"/>
+          </a:p>
+        </p:txBody>
+      </p:sp>
+      <p:sp>
+        <p:nvSpPr>
+          <p:cNvPr id="6" name="标题 5"/>
+          <p:cNvSpPr>
+            <a:spLocks noGrp="1"/>
+          </p:cNvSpPr>
+          <p:nvPr>
+            <p:ph type="title"/>
+          </p:nvPr>
+        </p:nvSpPr>
+        <p:spPr>
+          <a:xfrm>
+            <a:off x="4356100" y="2236470"/>
+            <a:ext cx="3394710" cy="817245"/>
+          </a:xfrm>
+        </p:spPr>
+        <p:txBody>
+          <a:bodyPr>
+            <a:normAutofit fontScale="90000"/>
+          </a:bodyPr>
+          <a:p>
+            <a:r>
+              <a:rPr lang="en-US" altLang="zh-CN">
+                <a:latin typeface="Aa小梨涡" panose="02010600010101010101" charset="-122"/>
+                <a:ea typeface="Aa小梨涡" panose="02010600010101010101" charset="-122"/>
+              </a:rPr>
+              <a:t>2.</a:t>
+            </a:r>
+            <a:r>
+              <a:rPr lang="zh-CN" altLang="en-US">
+                <a:latin typeface="Aa小梨涡" panose="02010600010101010101" charset="-122"/>
+                <a:ea typeface="Aa小梨涡" panose="02010600010101010101" charset="-122"/>
+              </a:rPr>
+              <a:t>列表与元组</a:t>
+            </a:r>
+            <a:endParaRPr lang="zh-CN" altLang="en-US">
+              <a:latin typeface="Aa小梨涡" panose="02010600010101010101" charset="-122"/>
+              <a:ea typeface="Aa小梨涡" panose="02010600010101010101" charset="-122"/>
+            </a:endParaRPr>
+          </a:p>
+        </p:txBody>
+      </p:sp>
+      <p:sp>
+        <p:nvSpPr>
+          <p:cNvPr id="7" name="任意多边形 6"/>
+          <p:cNvSpPr/>
+          <p:nvPr/>
+        </p:nvSpPr>
+        <p:spPr>
+          <a:xfrm rot="10320000">
+            <a:off x="4344035" y="2964815"/>
+            <a:ext cx="3456305" cy="76200"/>
+          </a:xfrm>
+          <a:custGeom>
+            <a:avLst/>
+            <a:gdLst>
+              <a:gd name="connisteX0" fmla="*/ 4685923 w 4685923"/>
+              <a:gd name="connsiteY0" fmla="*/ 9525 h 464575"/>
+              <a:gd name="connisteX1" fmla="*/ 548898 w 4685923"/>
+              <a:gd name="connsiteY1" fmla="*/ 238125 h 464575"/>
+              <a:gd name="connisteX2" fmla="*/ 672723 w 4685923"/>
+              <a:gd name="connsiteY2" fmla="*/ 456565 h 464575"/>
+              <a:gd name="connisteX3" fmla="*/ 4638298 w 4685923"/>
+              <a:gd name="connsiteY3" fmla="*/ 0 h 464575"/>
+            </a:gdLst>
+            <a:ahLst/>
+            <a:cxnLst>
+              <a:cxn ang="0">
+                <a:pos x="connisteX0" y="connsiteY0"/>
+              </a:cxn>
+              <a:cxn ang="0">
+                <a:pos x="connisteX1" y="connsiteY1"/>
+              </a:cxn>
+              <a:cxn ang="0">
+                <a:pos x="connisteX2" y="connsiteY2"/>
+              </a:cxn>
+              <a:cxn ang="0">
+                <a:pos x="connisteX3" y="connsiteY3"/>
+              </a:cxn>
+            </a:cxnLst>
+            <a:rect l="l" t="t" r="r" b="b"/>
+            <a:pathLst>
+              <a:path w="4685923" h="464576">
+                <a:moveTo>
+                  <a:pt x="4685923" y="9525"/>
+                </a:moveTo>
+                <a:cubicBezTo>
+                  <a:pt x="3855978" y="50800"/>
+                  <a:pt x="1351538" y="148590"/>
+                  <a:pt x="548898" y="238125"/>
+                </a:cubicBezTo>
+                <a:cubicBezTo>
+                  <a:pt x="-253742" y="327660"/>
+                  <a:pt x="-145157" y="504190"/>
+                  <a:pt x="672723" y="456565"/>
+                </a:cubicBezTo>
+                <a:cubicBezTo>
+                  <a:pt x="1490603" y="408940"/>
+                  <a:pt x="3847723" y="95885"/>
+                  <a:pt x="4638298" y="0"/>
+                </a:cubicBezTo>
+              </a:path>
+            </a:pathLst>
+          </a:custGeom>
+          <a:solidFill>
+            <a:schemeClr val="accent5"/>
+          </a:solidFill>
+          <a:ln>
+            <a:noFill/>
+          </a:ln>
+        </p:spPr>
+        <p:style>
+          <a:lnRef idx="2">
+            <a:schemeClr val="accent1">
+              <a:shade val="50000"/>
+            </a:schemeClr>
+          </a:lnRef>
+          <a:fillRef idx="1">
+            <a:schemeClr val="accent1"/>
+          </a:fillRef>
+          <a:effectRef idx="0">
+            <a:schemeClr val="accent1"/>
+          </a:effectRef>
+          <a:fontRef idx="minor">
+            <a:schemeClr val="lt1"/>
+          </a:fontRef>
+        </p:style>
+        <p:txBody>
+          <a:bodyPr rtlCol="0" anchor="ctr"/>
+          <a:p>
+            <a:pPr algn="ctr"/>
+            <a:endParaRPr lang="zh-CN" altLang="en-US"/>
+          </a:p>
+        </p:txBody>
+      </p:sp>
+    </p:spTree>
+  </p:cSld>
+  <p:clrMapOvr>
+    <a:masterClrMapping/>
+  </p:clrMapOvr>
+</p:sld>
+</file>
+
+<file path=ppt/slides/slide30.xml><?xml version="1.0" encoding="utf-8"?>
+<p:sld xmlns:a="http://schemas.openxmlformats.org/drawingml/2006/main" xmlns:r="http://schemas.openxmlformats.org/officeDocument/2006/relationships" xmlns:p="http://schemas.openxmlformats.org/presentationml/2006/main">
+  <p:cSld>
+    <p:spTree>
+      <p:nvGrpSpPr>
+        <p:cNvPr id="1" name=""/>
+        <p:cNvGrpSpPr/>
+        <p:nvPr/>
+      </p:nvGrpSpPr>
+      <p:grpSpPr/>
       <p:graphicFrame>
         <p:nvGraphicFramePr>
           <p:cNvPr id="3" name="对象 2"/>
@@ -26704,7 +28173,7 @@
                 <a:cs typeface="Aa小梨涡" panose="02010600010101010101" charset="-122"/>
                 <a:sym typeface="+mn-ea"/>
               </a:rPr>
-              <a:t>2. </a:t>
+              <a:t>3. </a:t>
             </a:r>
             <a:r>
               <a:rPr lang="zh-CN" altLang="en-US" sz="2200">
@@ -27357,333 +28826,7 @@
 </p:sld>
 </file>
 
-<file path=ppt/slides/slide3.xml><?xml version="1.0" encoding="utf-8"?>
-<p:sld xmlns:a="http://schemas.openxmlformats.org/drawingml/2006/main" xmlns:r="http://schemas.openxmlformats.org/officeDocument/2006/relationships" xmlns:p="http://schemas.openxmlformats.org/presentationml/2006/main">
-  <p:cSld>
-    <p:spTree>
-      <p:nvGrpSpPr>
-        <p:cNvPr id="1" name=""/>
-        <p:cNvGrpSpPr/>
-        <p:nvPr/>
-      </p:nvGrpSpPr>
-      <p:grpSpPr/>
-      <p:sp>
-        <p:nvSpPr>
-          <p:cNvPr id="18" name="任意多边形 17"/>
-          <p:cNvSpPr/>
-          <p:nvPr/>
-        </p:nvSpPr>
-        <p:spPr>
-          <a:xfrm rot="600000">
-            <a:off x="5160010" y="2174240"/>
-            <a:ext cx="1911350" cy="944245"/>
-          </a:xfrm>
-          <a:custGeom>
-            <a:avLst/>
-            <a:gdLst>
-              <a:gd name="connisteX0" fmla="*/ 257810 w 3935730"/>
-              <a:gd name="connsiteY0" fmla="*/ 429260 h 944880"/>
-              <a:gd name="connisteX1" fmla="*/ 3394710 w 3935730"/>
-              <a:gd name="connsiteY1" fmla="*/ 0 h 944880"/>
-              <a:gd name="connisteX2" fmla="*/ 26035 w 3935730"/>
-              <a:gd name="connsiteY2" fmla="*/ 541020 h 944880"/>
-              <a:gd name="connisteX3" fmla="*/ 3575050 w 3935730"/>
-              <a:gd name="connsiteY3" fmla="*/ 51435 h 944880"/>
-              <a:gd name="connisteX4" fmla="*/ 172085 w 3935730"/>
-              <a:gd name="connsiteY4" fmla="*/ 601345 h 944880"/>
-              <a:gd name="connisteX5" fmla="*/ 3652520 w 3935730"/>
-              <a:gd name="connsiteY5" fmla="*/ 128905 h 944880"/>
-              <a:gd name="connisteX6" fmla="*/ 51435 w 3935730"/>
-              <a:gd name="connsiteY6" fmla="*/ 678815 h 944880"/>
-              <a:gd name="connisteX7" fmla="*/ 3514725 w 3935730"/>
-              <a:gd name="connsiteY7" fmla="*/ 214630 h 944880"/>
-              <a:gd name="connisteX8" fmla="*/ 369570 w 3935730"/>
-              <a:gd name="connsiteY8" fmla="*/ 704215 h 944880"/>
-              <a:gd name="connisteX9" fmla="*/ 3695700 w 3935730"/>
-              <a:gd name="connsiteY9" fmla="*/ 274955 h 944880"/>
-              <a:gd name="connisteX10" fmla="*/ 180340 w 3935730"/>
-              <a:gd name="connsiteY10" fmla="*/ 833120 h 944880"/>
-              <a:gd name="connisteX11" fmla="*/ 3695700 w 3935730"/>
-              <a:gd name="connsiteY11" fmla="*/ 351790 h 944880"/>
-              <a:gd name="connisteX12" fmla="*/ 0 w 3935730"/>
-              <a:gd name="connsiteY12" fmla="*/ 944880 h 944880"/>
-              <a:gd name="connisteX13" fmla="*/ 3935730 w 3935730"/>
-              <a:gd name="connsiteY13" fmla="*/ 360680 h 944880"/>
-            </a:gdLst>
-            <a:ahLst/>
-            <a:cxnLst>
-              <a:cxn ang="0">
-                <a:pos x="connisteX0" y="connsiteY0"/>
-              </a:cxn>
-              <a:cxn ang="0">
-                <a:pos x="connisteX1" y="connsiteY1"/>
-              </a:cxn>
-              <a:cxn ang="0">
-                <a:pos x="connisteX2" y="connsiteY2"/>
-              </a:cxn>
-              <a:cxn ang="0">
-                <a:pos x="connisteX3" y="connsiteY3"/>
-              </a:cxn>
-              <a:cxn ang="0">
-                <a:pos x="connisteX4" y="connsiteY4"/>
-              </a:cxn>
-              <a:cxn ang="0">
-                <a:pos x="connisteX5" y="connsiteY5"/>
-              </a:cxn>
-              <a:cxn ang="0">
-                <a:pos x="connisteX6" y="connsiteY6"/>
-              </a:cxn>
-              <a:cxn ang="0">
-                <a:pos x="connisteX7" y="connsiteY7"/>
-              </a:cxn>
-              <a:cxn ang="0">
-                <a:pos x="connisteX8" y="connsiteY8"/>
-              </a:cxn>
-              <a:cxn ang="0">
-                <a:pos x="connisteX9" y="connsiteY9"/>
-              </a:cxn>
-              <a:cxn ang="0">
-                <a:pos x="connisteX10" y="connsiteY10"/>
-              </a:cxn>
-              <a:cxn ang="0">
-                <a:pos x="connisteX11" y="connsiteY11"/>
-              </a:cxn>
-              <a:cxn ang="0">
-                <a:pos x="connisteX12" y="connsiteY12"/>
-              </a:cxn>
-              <a:cxn ang="0">
-                <a:pos x="connisteX13" y="connsiteY13"/>
-              </a:cxn>
-            </a:cxnLst>
-            <a:rect l="l" t="t" r="r" b="b"/>
-            <a:pathLst>
-              <a:path w="3935730" h="944880">
-                <a:moveTo>
-                  <a:pt x="257810" y="429260"/>
-                </a:moveTo>
-                <a:lnTo>
-                  <a:pt x="3394710" y="0"/>
-                </a:lnTo>
-                <a:lnTo>
-                  <a:pt x="26035" y="541020"/>
-                </a:lnTo>
-                <a:lnTo>
-                  <a:pt x="3575050" y="51435"/>
-                </a:lnTo>
-                <a:lnTo>
-                  <a:pt x="172085" y="601345"/>
-                </a:lnTo>
-                <a:lnTo>
-                  <a:pt x="3652520" y="128905"/>
-                </a:lnTo>
-                <a:lnTo>
-                  <a:pt x="51435" y="678815"/>
-                </a:lnTo>
-                <a:lnTo>
-                  <a:pt x="3514725" y="214630"/>
-                </a:lnTo>
-                <a:lnTo>
-                  <a:pt x="369570" y="704215"/>
-                </a:lnTo>
-                <a:lnTo>
-                  <a:pt x="3695700" y="274955"/>
-                </a:lnTo>
-                <a:lnTo>
-                  <a:pt x="180340" y="833120"/>
-                </a:lnTo>
-                <a:lnTo>
-                  <a:pt x="3695700" y="351790"/>
-                </a:lnTo>
-                <a:lnTo>
-                  <a:pt x="0" y="944880"/>
-                </a:lnTo>
-                <a:lnTo>
-                  <a:pt x="3935730" y="360680"/>
-                </a:lnTo>
-              </a:path>
-            </a:pathLst>
-          </a:custGeom>
-          <a:noFill/>
-          <a:ln w="203200">
-            <a:solidFill>
-              <a:schemeClr val="accent4">
-                <a:lumMod val="40000"/>
-                <a:lumOff val="60000"/>
-              </a:schemeClr>
-            </a:solidFill>
-          </a:ln>
-          <a:effectLst>
-            <a:softEdge rad="63500"/>
-          </a:effectLst>
-        </p:spPr>
-        <p:style>
-          <a:lnRef idx="2">
-            <a:schemeClr val="accent1">
-              <a:shade val="50000"/>
-            </a:schemeClr>
-          </a:lnRef>
-          <a:fillRef idx="1">
-            <a:schemeClr val="accent1"/>
-          </a:fillRef>
-          <a:effectRef idx="0">
-            <a:schemeClr val="accent1"/>
-          </a:effectRef>
-          <a:fontRef idx="minor">
-            <a:schemeClr val="lt1"/>
-          </a:fontRef>
-        </p:style>
-        <p:txBody>
-          <a:bodyPr rtlCol="0" anchor="ctr"/>
-          <a:p>
-            <a:pPr algn="ctr"/>
-            <a:endParaRPr lang="zh-CN" altLang="en-US"/>
-          </a:p>
-        </p:txBody>
-      </p:sp>
-      <p:sp>
-        <p:nvSpPr>
-          <p:cNvPr id="6" name="标题 5"/>
-          <p:cNvSpPr>
-            <a:spLocks noGrp="1"/>
-          </p:cNvSpPr>
-          <p:nvPr>
-            <p:ph type="title"/>
-          </p:nvPr>
-        </p:nvSpPr>
-        <p:spPr>
-          <a:xfrm>
-            <a:off x="4356100" y="2236470"/>
-            <a:ext cx="3394710" cy="817245"/>
-          </a:xfrm>
-        </p:spPr>
-        <p:txBody>
-          <a:bodyPr>
-            <a:normAutofit fontScale="90000"/>
-          </a:bodyPr>
-          <a:p>
-            <a:r>
-              <a:rPr lang="en-US" altLang="zh-CN">
-                <a:latin typeface="Aa小梨涡" panose="02010600010101010101" charset="-122"/>
-                <a:ea typeface="Aa小梨涡" panose="02010600010101010101" charset="-122"/>
-              </a:rPr>
-              <a:t>2.</a:t>
-            </a:r>
-            <a:r>
-              <a:rPr lang="zh-CN" altLang="en-US">
-                <a:latin typeface="Aa小梨涡" panose="02010600010101010101" charset="-122"/>
-                <a:ea typeface="Aa小梨涡" panose="02010600010101010101" charset="-122"/>
-              </a:rPr>
-              <a:t>列表与元组</a:t>
-            </a:r>
-            <a:endParaRPr lang="zh-CN" altLang="en-US">
-              <a:latin typeface="Aa小梨涡" panose="02010600010101010101" charset="-122"/>
-              <a:ea typeface="Aa小梨涡" panose="02010600010101010101" charset="-122"/>
-            </a:endParaRPr>
-          </a:p>
-        </p:txBody>
-      </p:sp>
-      <p:sp>
-        <p:nvSpPr>
-          <p:cNvPr id="7" name="任意多边形 6"/>
-          <p:cNvSpPr/>
-          <p:nvPr/>
-        </p:nvSpPr>
-        <p:spPr>
-          <a:xfrm rot="10320000">
-            <a:off x="4344035" y="2964815"/>
-            <a:ext cx="3456305" cy="76200"/>
-          </a:xfrm>
-          <a:custGeom>
-            <a:avLst/>
-            <a:gdLst>
-              <a:gd name="connisteX0" fmla="*/ 4685923 w 4685923"/>
-              <a:gd name="connsiteY0" fmla="*/ 9525 h 464575"/>
-              <a:gd name="connisteX1" fmla="*/ 548898 w 4685923"/>
-              <a:gd name="connsiteY1" fmla="*/ 238125 h 464575"/>
-              <a:gd name="connisteX2" fmla="*/ 672723 w 4685923"/>
-              <a:gd name="connsiteY2" fmla="*/ 456565 h 464575"/>
-              <a:gd name="connisteX3" fmla="*/ 4638298 w 4685923"/>
-              <a:gd name="connsiteY3" fmla="*/ 0 h 464575"/>
-            </a:gdLst>
-            <a:ahLst/>
-            <a:cxnLst>
-              <a:cxn ang="0">
-                <a:pos x="connisteX0" y="connsiteY0"/>
-              </a:cxn>
-              <a:cxn ang="0">
-                <a:pos x="connisteX1" y="connsiteY1"/>
-              </a:cxn>
-              <a:cxn ang="0">
-                <a:pos x="connisteX2" y="connsiteY2"/>
-              </a:cxn>
-              <a:cxn ang="0">
-                <a:pos x="connisteX3" y="connsiteY3"/>
-              </a:cxn>
-            </a:cxnLst>
-            <a:rect l="l" t="t" r="r" b="b"/>
-            <a:pathLst>
-              <a:path w="4685923" h="464576">
-                <a:moveTo>
-                  <a:pt x="4685923" y="9525"/>
-                </a:moveTo>
-                <a:cubicBezTo>
-                  <a:pt x="3855978" y="50800"/>
-                  <a:pt x="1351538" y="148590"/>
-                  <a:pt x="548898" y="238125"/>
-                </a:cubicBezTo>
-                <a:cubicBezTo>
-                  <a:pt x="-253742" y="327660"/>
-                  <a:pt x="-145157" y="504190"/>
-                  <a:pt x="672723" y="456565"/>
-                </a:cubicBezTo>
-                <a:cubicBezTo>
-                  <a:pt x="1490603" y="408940"/>
-                  <a:pt x="3847723" y="95885"/>
-                  <a:pt x="4638298" y="0"/>
-                </a:cubicBezTo>
-              </a:path>
-            </a:pathLst>
-          </a:custGeom>
-          <a:solidFill>
-            <a:schemeClr val="accent5"/>
-          </a:solidFill>
-          <a:ln>
-            <a:noFill/>
-          </a:ln>
-        </p:spPr>
-        <p:style>
-          <a:lnRef idx="2">
-            <a:schemeClr val="accent1">
-              <a:shade val="50000"/>
-            </a:schemeClr>
-          </a:lnRef>
-          <a:fillRef idx="1">
-            <a:schemeClr val="accent1"/>
-          </a:fillRef>
-          <a:effectRef idx="0">
-            <a:schemeClr val="accent1"/>
-          </a:effectRef>
-          <a:fontRef idx="minor">
-            <a:schemeClr val="lt1"/>
-          </a:fontRef>
-        </p:style>
-        <p:txBody>
-          <a:bodyPr rtlCol="0" anchor="ctr"/>
-          <a:p>
-            <a:pPr algn="ctr"/>
-            <a:endParaRPr lang="zh-CN" altLang="en-US"/>
-          </a:p>
-        </p:txBody>
-      </p:sp>
-    </p:spTree>
-  </p:cSld>
-  <p:clrMapOvr>
-    <a:masterClrMapping/>
-  </p:clrMapOvr>
-</p:sld>
-</file>
-
-<file path=ppt/slides/slide30.xml><?xml version="1.0" encoding="utf-8"?>
+<file path=ppt/slides/slide31.xml><?xml version="1.0" encoding="utf-8"?>
 <p:sld xmlns:a="http://schemas.openxmlformats.org/drawingml/2006/main" xmlns:r="http://schemas.openxmlformats.org/officeDocument/2006/relationships" xmlns:p="http://schemas.openxmlformats.org/presentationml/2006/main">
   <p:cSld>
     <p:spTree>
@@ -28135,7 +29278,7 @@
                 <a:cs typeface="Aa小梨涡" panose="02010600010101010101" charset="-122"/>
                 <a:sym typeface="+mn-ea"/>
               </a:rPr>
-              <a:t>3. for</a:t>
+              <a:t>4. for</a:t>
             </a:r>
             <a:r>
               <a:rPr lang="zh-CN" altLang="en-US" sz="2200">
@@ -28966,7 +30109,7 @@
 </p:sld>
 </file>
 
-<file path=ppt/slides/slide31.xml><?xml version="1.0" encoding="utf-8"?>
+<file path=ppt/slides/slide32.xml><?xml version="1.0" encoding="utf-8"?>
 <p:sld xmlns:a="http://schemas.openxmlformats.org/drawingml/2006/main" xmlns:r="http://schemas.openxmlformats.org/officeDocument/2006/relationships" xmlns:p="http://schemas.openxmlformats.org/presentationml/2006/main">
   <p:cSld>
     <p:spTree>
@@ -30055,7 +31198,7 @@
 </p:sld>
 </file>
 
-<file path=ppt/slides/slide32.xml><?xml version="1.0" encoding="utf-8"?>
+<file path=ppt/slides/slide33.xml><?xml version="1.0" encoding="utf-8"?>
 <p:sld xmlns:a="http://schemas.openxmlformats.org/drawingml/2006/main" xmlns:r="http://schemas.openxmlformats.org/officeDocument/2006/relationships" xmlns:p="http://schemas.openxmlformats.org/presentationml/2006/main">
   <p:cSld>
     <p:spTree>
@@ -30968,332 +32111,6 @@
       <p:bldP spid="4" grpId="1"/>
     </p:bldLst>
   </p:timing>
-</p:sld>
-</file>
-
-<file path=ppt/slides/slide33.xml><?xml version="1.0" encoding="utf-8"?>
-<p:sld xmlns:a="http://schemas.openxmlformats.org/drawingml/2006/main" xmlns:r="http://schemas.openxmlformats.org/officeDocument/2006/relationships" xmlns:p="http://schemas.openxmlformats.org/presentationml/2006/main">
-  <p:cSld>
-    <p:spTree>
-      <p:nvGrpSpPr>
-        <p:cNvPr id="1" name=""/>
-        <p:cNvGrpSpPr/>
-        <p:nvPr/>
-      </p:nvGrpSpPr>
-      <p:grpSpPr/>
-      <p:sp>
-        <p:nvSpPr>
-          <p:cNvPr id="18" name="任意多边形 17"/>
-          <p:cNvSpPr/>
-          <p:nvPr/>
-        </p:nvSpPr>
-        <p:spPr>
-          <a:xfrm rot="600000">
-            <a:off x="5342086" y="122979"/>
-            <a:ext cx="1728000" cy="944245"/>
-          </a:xfrm>
-          <a:custGeom>
-            <a:avLst/>
-            <a:gdLst>
-              <a:gd name="connisteX0" fmla="*/ 257810 w 3935730"/>
-              <a:gd name="connsiteY0" fmla="*/ 429260 h 944880"/>
-              <a:gd name="connisteX1" fmla="*/ 3394710 w 3935730"/>
-              <a:gd name="connsiteY1" fmla="*/ 0 h 944880"/>
-              <a:gd name="connisteX2" fmla="*/ 26035 w 3935730"/>
-              <a:gd name="connsiteY2" fmla="*/ 541020 h 944880"/>
-              <a:gd name="connisteX3" fmla="*/ 3575050 w 3935730"/>
-              <a:gd name="connsiteY3" fmla="*/ 51435 h 944880"/>
-              <a:gd name="connisteX4" fmla="*/ 172085 w 3935730"/>
-              <a:gd name="connsiteY4" fmla="*/ 601345 h 944880"/>
-              <a:gd name="connisteX5" fmla="*/ 3652520 w 3935730"/>
-              <a:gd name="connsiteY5" fmla="*/ 128905 h 944880"/>
-              <a:gd name="connisteX6" fmla="*/ 51435 w 3935730"/>
-              <a:gd name="connsiteY6" fmla="*/ 678815 h 944880"/>
-              <a:gd name="connisteX7" fmla="*/ 3514725 w 3935730"/>
-              <a:gd name="connsiteY7" fmla="*/ 214630 h 944880"/>
-              <a:gd name="connisteX8" fmla="*/ 369570 w 3935730"/>
-              <a:gd name="connsiteY8" fmla="*/ 704215 h 944880"/>
-              <a:gd name="connisteX9" fmla="*/ 3695700 w 3935730"/>
-              <a:gd name="connsiteY9" fmla="*/ 274955 h 944880"/>
-              <a:gd name="connisteX10" fmla="*/ 180340 w 3935730"/>
-              <a:gd name="connsiteY10" fmla="*/ 833120 h 944880"/>
-              <a:gd name="connisteX11" fmla="*/ 3695700 w 3935730"/>
-              <a:gd name="connsiteY11" fmla="*/ 351790 h 944880"/>
-              <a:gd name="connisteX12" fmla="*/ 0 w 3935730"/>
-              <a:gd name="connsiteY12" fmla="*/ 944880 h 944880"/>
-              <a:gd name="connisteX13" fmla="*/ 3935730 w 3935730"/>
-              <a:gd name="connsiteY13" fmla="*/ 360680 h 944880"/>
-            </a:gdLst>
-            <a:ahLst/>
-            <a:cxnLst>
-              <a:cxn ang="0">
-                <a:pos x="connisteX0" y="connsiteY0"/>
-              </a:cxn>
-              <a:cxn ang="0">
-                <a:pos x="connisteX1" y="connsiteY1"/>
-              </a:cxn>
-              <a:cxn ang="0">
-                <a:pos x="connisteX2" y="connsiteY2"/>
-              </a:cxn>
-              <a:cxn ang="0">
-                <a:pos x="connisteX3" y="connsiteY3"/>
-              </a:cxn>
-              <a:cxn ang="0">
-                <a:pos x="connisteX4" y="connsiteY4"/>
-              </a:cxn>
-              <a:cxn ang="0">
-                <a:pos x="connisteX5" y="connsiteY5"/>
-              </a:cxn>
-              <a:cxn ang="0">
-                <a:pos x="connisteX6" y="connsiteY6"/>
-              </a:cxn>
-              <a:cxn ang="0">
-                <a:pos x="connisteX7" y="connsiteY7"/>
-              </a:cxn>
-              <a:cxn ang="0">
-                <a:pos x="connisteX8" y="connsiteY8"/>
-              </a:cxn>
-              <a:cxn ang="0">
-                <a:pos x="connisteX9" y="connsiteY9"/>
-              </a:cxn>
-              <a:cxn ang="0">
-                <a:pos x="connisteX10" y="connsiteY10"/>
-              </a:cxn>
-              <a:cxn ang="0">
-                <a:pos x="connisteX11" y="connsiteY11"/>
-              </a:cxn>
-              <a:cxn ang="0">
-                <a:pos x="connisteX12" y="connsiteY12"/>
-              </a:cxn>
-              <a:cxn ang="0">
-                <a:pos x="connisteX13" y="connsiteY13"/>
-              </a:cxn>
-            </a:cxnLst>
-            <a:rect l="l" t="t" r="r" b="b"/>
-            <a:pathLst>
-              <a:path w="3935730" h="944880">
-                <a:moveTo>
-                  <a:pt x="257810" y="429260"/>
-                </a:moveTo>
-                <a:lnTo>
-                  <a:pt x="3394710" y="0"/>
-                </a:lnTo>
-                <a:lnTo>
-                  <a:pt x="26035" y="541020"/>
-                </a:lnTo>
-                <a:lnTo>
-                  <a:pt x="3575050" y="51435"/>
-                </a:lnTo>
-                <a:lnTo>
-                  <a:pt x="172085" y="601345"/>
-                </a:lnTo>
-                <a:lnTo>
-                  <a:pt x="3652520" y="128905"/>
-                </a:lnTo>
-                <a:lnTo>
-                  <a:pt x="51435" y="678815"/>
-                </a:lnTo>
-                <a:lnTo>
-                  <a:pt x="3514725" y="214630"/>
-                </a:lnTo>
-                <a:lnTo>
-                  <a:pt x="369570" y="704215"/>
-                </a:lnTo>
-                <a:lnTo>
-                  <a:pt x="3695700" y="274955"/>
-                </a:lnTo>
-                <a:lnTo>
-                  <a:pt x="180340" y="833120"/>
-                </a:lnTo>
-                <a:lnTo>
-                  <a:pt x="3695700" y="351790"/>
-                </a:lnTo>
-                <a:lnTo>
-                  <a:pt x="0" y="944880"/>
-                </a:lnTo>
-                <a:lnTo>
-                  <a:pt x="3935730" y="360680"/>
-                </a:lnTo>
-              </a:path>
-            </a:pathLst>
-          </a:custGeom>
-          <a:noFill/>
-          <a:ln w="203200">
-            <a:solidFill>
-              <a:schemeClr val="accent4">
-                <a:lumMod val="40000"/>
-                <a:lumOff val="60000"/>
-              </a:schemeClr>
-            </a:solidFill>
-          </a:ln>
-          <a:effectLst>
-            <a:softEdge rad="63500"/>
-          </a:effectLst>
-        </p:spPr>
-        <p:style>
-          <a:lnRef idx="2">
-            <a:schemeClr val="accent1">
-              <a:shade val="50000"/>
-            </a:schemeClr>
-          </a:lnRef>
-          <a:fillRef idx="1">
-            <a:schemeClr val="accent1"/>
-          </a:fillRef>
-          <a:effectRef idx="0">
-            <a:schemeClr val="accent1"/>
-          </a:effectRef>
-          <a:fontRef idx="minor">
-            <a:schemeClr val="lt1"/>
-          </a:fontRef>
-        </p:style>
-        <p:txBody>
-          <a:bodyPr rtlCol="0" anchor="ctr"/>
-          <a:p>
-            <a:pPr algn="ctr"/>
-            <a:endParaRPr lang="zh-CN" altLang="en-US"/>
-          </a:p>
-        </p:txBody>
-      </p:sp>
-      <p:sp>
-        <p:nvSpPr>
-          <p:cNvPr id="2" name="标题 1"/>
-          <p:cNvSpPr>
-            <a:spLocks noGrp="1"/>
-          </p:cNvSpPr>
-          <p:nvPr>
-            <p:ph type="title"/>
-          </p:nvPr>
-        </p:nvSpPr>
-        <p:spPr>
-          <a:xfrm>
-            <a:off x="5132070" y="245745"/>
-            <a:ext cx="2136775" cy="817245"/>
-          </a:xfrm>
-        </p:spPr>
-        <p:txBody>
-          <a:bodyPr>
-            <a:normAutofit fontScale="90000"/>
-          </a:bodyPr>
-          <a:p>
-            <a:r>
-              <a:rPr lang="en-US" altLang="zh-CN">
-                <a:latin typeface="Aa小梨涡" panose="02010600010101010101" charset="-122"/>
-                <a:ea typeface="Aa小梨涡" panose="02010600010101010101" charset="-122"/>
-              </a:rPr>
-              <a:t>1.</a:t>
-            </a:r>
-            <a:r>
-              <a:rPr lang="zh-CN" altLang="en-US">
-                <a:latin typeface="Aa小梨涡" panose="02010600010101010101" charset="-122"/>
-                <a:ea typeface="Aa小梨涡" panose="02010600010101010101" charset="-122"/>
-              </a:rPr>
-              <a:t>开篇词</a:t>
-            </a:r>
-            <a:endParaRPr lang="zh-CN" altLang="en-US">
-              <a:latin typeface="Aa小梨涡" panose="02010600010101010101" charset="-122"/>
-              <a:ea typeface="Aa小梨涡" panose="02010600010101010101" charset="-122"/>
-            </a:endParaRPr>
-          </a:p>
-        </p:txBody>
-      </p:sp>
-      <p:sp>
-        <p:nvSpPr>
-          <p:cNvPr id="20" name="任意多边形 19"/>
-          <p:cNvSpPr/>
-          <p:nvPr/>
-        </p:nvSpPr>
-        <p:spPr>
-          <a:xfrm rot="10320000">
-            <a:off x="4344035" y="897890"/>
-            <a:ext cx="3456305" cy="76200"/>
-          </a:xfrm>
-          <a:custGeom>
-            <a:avLst/>
-            <a:gdLst>
-              <a:gd name="connisteX0" fmla="*/ 4685923 w 4685923"/>
-              <a:gd name="connsiteY0" fmla="*/ 9525 h 464575"/>
-              <a:gd name="connisteX1" fmla="*/ 548898 w 4685923"/>
-              <a:gd name="connsiteY1" fmla="*/ 238125 h 464575"/>
-              <a:gd name="connisteX2" fmla="*/ 672723 w 4685923"/>
-              <a:gd name="connsiteY2" fmla="*/ 456565 h 464575"/>
-              <a:gd name="connisteX3" fmla="*/ 4638298 w 4685923"/>
-              <a:gd name="connsiteY3" fmla="*/ 0 h 464575"/>
-            </a:gdLst>
-            <a:ahLst/>
-            <a:cxnLst>
-              <a:cxn ang="0">
-                <a:pos x="connisteX0" y="connsiteY0"/>
-              </a:cxn>
-              <a:cxn ang="0">
-                <a:pos x="connisteX1" y="connsiteY1"/>
-              </a:cxn>
-              <a:cxn ang="0">
-                <a:pos x="connisteX2" y="connsiteY2"/>
-              </a:cxn>
-              <a:cxn ang="0">
-                <a:pos x="connisteX3" y="connsiteY3"/>
-              </a:cxn>
-            </a:cxnLst>
-            <a:rect l="l" t="t" r="r" b="b"/>
-            <a:pathLst>
-              <a:path w="4685923" h="464576">
-                <a:moveTo>
-                  <a:pt x="4685923" y="9525"/>
-                </a:moveTo>
-                <a:cubicBezTo>
-                  <a:pt x="3855978" y="50800"/>
-                  <a:pt x="1351538" y="148590"/>
-                  <a:pt x="548898" y="238125"/>
-                </a:cubicBezTo>
-                <a:cubicBezTo>
-                  <a:pt x="-253742" y="327660"/>
-                  <a:pt x="-145157" y="504190"/>
-                  <a:pt x="672723" y="456565"/>
-                </a:cubicBezTo>
-                <a:cubicBezTo>
-                  <a:pt x="1490603" y="408940"/>
-                  <a:pt x="3847723" y="95885"/>
-                  <a:pt x="4638298" y="0"/>
-                </a:cubicBezTo>
-              </a:path>
-            </a:pathLst>
-          </a:custGeom>
-          <a:solidFill>
-            <a:schemeClr val="accent5"/>
-          </a:solidFill>
-          <a:ln>
-            <a:noFill/>
-          </a:ln>
-        </p:spPr>
-        <p:style>
-          <a:lnRef idx="2">
-            <a:schemeClr val="accent1">
-              <a:shade val="50000"/>
-            </a:schemeClr>
-          </a:lnRef>
-          <a:fillRef idx="1">
-            <a:schemeClr val="accent1"/>
-          </a:fillRef>
-          <a:effectRef idx="0">
-            <a:schemeClr val="accent1"/>
-          </a:effectRef>
-          <a:fontRef idx="minor">
-            <a:schemeClr val="lt1"/>
-          </a:fontRef>
-        </p:style>
-        <p:txBody>
-          <a:bodyPr rtlCol="0" anchor="ctr"/>
-          <a:p>
-            <a:pPr algn="ctr"/>
-            <a:endParaRPr lang="zh-CN" altLang="en-US"/>
-          </a:p>
-        </p:txBody>
-      </p:sp>
-    </p:spTree>
-  </p:cSld>
-  <p:clrMapOvr>
-    <a:masterClrMapping/>
-  </p:clrMapOvr>
 </p:sld>
 </file>
 
@@ -35923,6 +36740,332 @@
 </file>
 
 <file path=ppt/slides/slide44.xml><?xml version="1.0" encoding="utf-8"?>
+<p:sld xmlns:a="http://schemas.openxmlformats.org/drawingml/2006/main" xmlns:r="http://schemas.openxmlformats.org/officeDocument/2006/relationships" xmlns:p="http://schemas.openxmlformats.org/presentationml/2006/main">
+  <p:cSld>
+    <p:spTree>
+      <p:nvGrpSpPr>
+        <p:cNvPr id="1" name=""/>
+        <p:cNvGrpSpPr/>
+        <p:nvPr/>
+      </p:nvGrpSpPr>
+      <p:grpSpPr/>
+      <p:sp>
+        <p:nvSpPr>
+          <p:cNvPr id="18" name="任意多边形 17"/>
+          <p:cNvSpPr/>
+          <p:nvPr/>
+        </p:nvSpPr>
+        <p:spPr>
+          <a:xfrm rot="600000">
+            <a:off x="5342086" y="122979"/>
+            <a:ext cx="1728000" cy="944245"/>
+          </a:xfrm>
+          <a:custGeom>
+            <a:avLst/>
+            <a:gdLst>
+              <a:gd name="connisteX0" fmla="*/ 257810 w 3935730"/>
+              <a:gd name="connsiteY0" fmla="*/ 429260 h 944880"/>
+              <a:gd name="connisteX1" fmla="*/ 3394710 w 3935730"/>
+              <a:gd name="connsiteY1" fmla="*/ 0 h 944880"/>
+              <a:gd name="connisteX2" fmla="*/ 26035 w 3935730"/>
+              <a:gd name="connsiteY2" fmla="*/ 541020 h 944880"/>
+              <a:gd name="connisteX3" fmla="*/ 3575050 w 3935730"/>
+              <a:gd name="connsiteY3" fmla="*/ 51435 h 944880"/>
+              <a:gd name="connisteX4" fmla="*/ 172085 w 3935730"/>
+              <a:gd name="connsiteY4" fmla="*/ 601345 h 944880"/>
+              <a:gd name="connisteX5" fmla="*/ 3652520 w 3935730"/>
+              <a:gd name="connsiteY5" fmla="*/ 128905 h 944880"/>
+              <a:gd name="connisteX6" fmla="*/ 51435 w 3935730"/>
+              <a:gd name="connsiteY6" fmla="*/ 678815 h 944880"/>
+              <a:gd name="connisteX7" fmla="*/ 3514725 w 3935730"/>
+              <a:gd name="connsiteY7" fmla="*/ 214630 h 944880"/>
+              <a:gd name="connisteX8" fmla="*/ 369570 w 3935730"/>
+              <a:gd name="connsiteY8" fmla="*/ 704215 h 944880"/>
+              <a:gd name="connisteX9" fmla="*/ 3695700 w 3935730"/>
+              <a:gd name="connsiteY9" fmla="*/ 274955 h 944880"/>
+              <a:gd name="connisteX10" fmla="*/ 180340 w 3935730"/>
+              <a:gd name="connsiteY10" fmla="*/ 833120 h 944880"/>
+              <a:gd name="connisteX11" fmla="*/ 3695700 w 3935730"/>
+              <a:gd name="connsiteY11" fmla="*/ 351790 h 944880"/>
+              <a:gd name="connisteX12" fmla="*/ 0 w 3935730"/>
+              <a:gd name="connsiteY12" fmla="*/ 944880 h 944880"/>
+              <a:gd name="connisteX13" fmla="*/ 3935730 w 3935730"/>
+              <a:gd name="connsiteY13" fmla="*/ 360680 h 944880"/>
+            </a:gdLst>
+            <a:ahLst/>
+            <a:cxnLst>
+              <a:cxn ang="0">
+                <a:pos x="connisteX0" y="connsiteY0"/>
+              </a:cxn>
+              <a:cxn ang="0">
+                <a:pos x="connisteX1" y="connsiteY1"/>
+              </a:cxn>
+              <a:cxn ang="0">
+                <a:pos x="connisteX2" y="connsiteY2"/>
+              </a:cxn>
+              <a:cxn ang="0">
+                <a:pos x="connisteX3" y="connsiteY3"/>
+              </a:cxn>
+              <a:cxn ang="0">
+                <a:pos x="connisteX4" y="connsiteY4"/>
+              </a:cxn>
+              <a:cxn ang="0">
+                <a:pos x="connisteX5" y="connsiteY5"/>
+              </a:cxn>
+              <a:cxn ang="0">
+                <a:pos x="connisteX6" y="connsiteY6"/>
+              </a:cxn>
+              <a:cxn ang="0">
+                <a:pos x="connisteX7" y="connsiteY7"/>
+              </a:cxn>
+              <a:cxn ang="0">
+                <a:pos x="connisteX8" y="connsiteY8"/>
+              </a:cxn>
+              <a:cxn ang="0">
+                <a:pos x="connisteX9" y="connsiteY9"/>
+              </a:cxn>
+              <a:cxn ang="0">
+                <a:pos x="connisteX10" y="connsiteY10"/>
+              </a:cxn>
+              <a:cxn ang="0">
+                <a:pos x="connisteX11" y="connsiteY11"/>
+              </a:cxn>
+              <a:cxn ang="0">
+                <a:pos x="connisteX12" y="connsiteY12"/>
+              </a:cxn>
+              <a:cxn ang="0">
+                <a:pos x="connisteX13" y="connsiteY13"/>
+              </a:cxn>
+            </a:cxnLst>
+            <a:rect l="l" t="t" r="r" b="b"/>
+            <a:pathLst>
+              <a:path w="3935730" h="944880">
+                <a:moveTo>
+                  <a:pt x="257810" y="429260"/>
+                </a:moveTo>
+                <a:lnTo>
+                  <a:pt x="3394710" y="0"/>
+                </a:lnTo>
+                <a:lnTo>
+                  <a:pt x="26035" y="541020"/>
+                </a:lnTo>
+                <a:lnTo>
+                  <a:pt x="3575050" y="51435"/>
+                </a:lnTo>
+                <a:lnTo>
+                  <a:pt x="172085" y="601345"/>
+                </a:lnTo>
+                <a:lnTo>
+                  <a:pt x="3652520" y="128905"/>
+                </a:lnTo>
+                <a:lnTo>
+                  <a:pt x="51435" y="678815"/>
+                </a:lnTo>
+                <a:lnTo>
+                  <a:pt x="3514725" y="214630"/>
+                </a:lnTo>
+                <a:lnTo>
+                  <a:pt x="369570" y="704215"/>
+                </a:lnTo>
+                <a:lnTo>
+                  <a:pt x="3695700" y="274955"/>
+                </a:lnTo>
+                <a:lnTo>
+                  <a:pt x="180340" y="833120"/>
+                </a:lnTo>
+                <a:lnTo>
+                  <a:pt x="3695700" y="351790"/>
+                </a:lnTo>
+                <a:lnTo>
+                  <a:pt x="0" y="944880"/>
+                </a:lnTo>
+                <a:lnTo>
+                  <a:pt x="3935730" y="360680"/>
+                </a:lnTo>
+              </a:path>
+            </a:pathLst>
+          </a:custGeom>
+          <a:noFill/>
+          <a:ln w="203200">
+            <a:solidFill>
+              <a:schemeClr val="accent4">
+                <a:lumMod val="40000"/>
+                <a:lumOff val="60000"/>
+              </a:schemeClr>
+            </a:solidFill>
+          </a:ln>
+          <a:effectLst>
+            <a:softEdge rad="63500"/>
+          </a:effectLst>
+        </p:spPr>
+        <p:style>
+          <a:lnRef idx="2">
+            <a:schemeClr val="accent1">
+              <a:shade val="50000"/>
+            </a:schemeClr>
+          </a:lnRef>
+          <a:fillRef idx="1">
+            <a:schemeClr val="accent1"/>
+          </a:fillRef>
+          <a:effectRef idx="0">
+            <a:schemeClr val="accent1"/>
+          </a:effectRef>
+          <a:fontRef idx="minor">
+            <a:schemeClr val="lt1"/>
+          </a:fontRef>
+        </p:style>
+        <p:txBody>
+          <a:bodyPr rtlCol="0" anchor="ctr"/>
+          <a:p>
+            <a:pPr algn="ctr"/>
+            <a:endParaRPr lang="zh-CN" altLang="en-US"/>
+          </a:p>
+        </p:txBody>
+      </p:sp>
+      <p:sp>
+        <p:nvSpPr>
+          <p:cNvPr id="2" name="标题 1"/>
+          <p:cNvSpPr>
+            <a:spLocks noGrp="1"/>
+          </p:cNvSpPr>
+          <p:nvPr>
+            <p:ph type="title"/>
+          </p:nvPr>
+        </p:nvSpPr>
+        <p:spPr>
+          <a:xfrm>
+            <a:off x="5132070" y="245745"/>
+            <a:ext cx="2136775" cy="817245"/>
+          </a:xfrm>
+        </p:spPr>
+        <p:txBody>
+          <a:bodyPr>
+            <a:normAutofit fontScale="90000"/>
+          </a:bodyPr>
+          <a:p>
+            <a:r>
+              <a:rPr lang="en-US" altLang="zh-CN">
+                <a:latin typeface="Aa小梨涡" panose="02010600010101010101" charset="-122"/>
+                <a:ea typeface="Aa小梨涡" panose="02010600010101010101" charset="-122"/>
+              </a:rPr>
+              <a:t>1.</a:t>
+            </a:r>
+            <a:r>
+              <a:rPr lang="zh-CN" altLang="en-US">
+                <a:latin typeface="Aa小梨涡" panose="02010600010101010101" charset="-122"/>
+                <a:ea typeface="Aa小梨涡" panose="02010600010101010101" charset="-122"/>
+              </a:rPr>
+              <a:t>开篇词</a:t>
+            </a:r>
+            <a:endParaRPr lang="zh-CN" altLang="en-US">
+              <a:latin typeface="Aa小梨涡" panose="02010600010101010101" charset="-122"/>
+              <a:ea typeface="Aa小梨涡" panose="02010600010101010101" charset="-122"/>
+            </a:endParaRPr>
+          </a:p>
+        </p:txBody>
+      </p:sp>
+      <p:sp>
+        <p:nvSpPr>
+          <p:cNvPr id="20" name="任意多边形 19"/>
+          <p:cNvSpPr/>
+          <p:nvPr/>
+        </p:nvSpPr>
+        <p:spPr>
+          <a:xfrm rot="10320000">
+            <a:off x="4344035" y="897890"/>
+            <a:ext cx="3456305" cy="76200"/>
+          </a:xfrm>
+          <a:custGeom>
+            <a:avLst/>
+            <a:gdLst>
+              <a:gd name="connisteX0" fmla="*/ 4685923 w 4685923"/>
+              <a:gd name="connsiteY0" fmla="*/ 9525 h 464575"/>
+              <a:gd name="connisteX1" fmla="*/ 548898 w 4685923"/>
+              <a:gd name="connsiteY1" fmla="*/ 238125 h 464575"/>
+              <a:gd name="connisteX2" fmla="*/ 672723 w 4685923"/>
+              <a:gd name="connsiteY2" fmla="*/ 456565 h 464575"/>
+              <a:gd name="connisteX3" fmla="*/ 4638298 w 4685923"/>
+              <a:gd name="connsiteY3" fmla="*/ 0 h 464575"/>
+            </a:gdLst>
+            <a:ahLst/>
+            <a:cxnLst>
+              <a:cxn ang="0">
+                <a:pos x="connisteX0" y="connsiteY0"/>
+              </a:cxn>
+              <a:cxn ang="0">
+                <a:pos x="connisteX1" y="connsiteY1"/>
+              </a:cxn>
+              <a:cxn ang="0">
+                <a:pos x="connisteX2" y="connsiteY2"/>
+              </a:cxn>
+              <a:cxn ang="0">
+                <a:pos x="connisteX3" y="connsiteY3"/>
+              </a:cxn>
+            </a:cxnLst>
+            <a:rect l="l" t="t" r="r" b="b"/>
+            <a:pathLst>
+              <a:path w="4685923" h="464576">
+                <a:moveTo>
+                  <a:pt x="4685923" y="9525"/>
+                </a:moveTo>
+                <a:cubicBezTo>
+                  <a:pt x="3855978" y="50800"/>
+                  <a:pt x="1351538" y="148590"/>
+                  <a:pt x="548898" y="238125"/>
+                </a:cubicBezTo>
+                <a:cubicBezTo>
+                  <a:pt x="-253742" y="327660"/>
+                  <a:pt x="-145157" y="504190"/>
+                  <a:pt x="672723" y="456565"/>
+                </a:cubicBezTo>
+                <a:cubicBezTo>
+                  <a:pt x="1490603" y="408940"/>
+                  <a:pt x="3847723" y="95885"/>
+                  <a:pt x="4638298" y="0"/>
+                </a:cubicBezTo>
+              </a:path>
+            </a:pathLst>
+          </a:custGeom>
+          <a:solidFill>
+            <a:schemeClr val="accent5"/>
+          </a:solidFill>
+          <a:ln>
+            <a:noFill/>
+          </a:ln>
+        </p:spPr>
+        <p:style>
+          <a:lnRef idx="2">
+            <a:schemeClr val="accent1">
+              <a:shade val="50000"/>
+            </a:schemeClr>
+          </a:lnRef>
+          <a:fillRef idx="1">
+            <a:schemeClr val="accent1"/>
+          </a:fillRef>
+          <a:effectRef idx="0">
+            <a:schemeClr val="accent1"/>
+          </a:effectRef>
+          <a:fontRef idx="minor">
+            <a:schemeClr val="lt1"/>
+          </a:fontRef>
+        </p:style>
+        <p:txBody>
+          <a:bodyPr rtlCol="0" anchor="ctr"/>
+          <a:p>
+            <a:pPr algn="ctr"/>
+            <a:endParaRPr lang="zh-CN" altLang="en-US"/>
+          </a:p>
+        </p:txBody>
+      </p:sp>
+    </p:spTree>
+  </p:cSld>
+  <p:clrMapOvr>
+    <a:masterClrMapping/>
+  </p:clrMapOvr>
+</p:sld>
+</file>
+
+<file path=ppt/slides/slide45.xml><?xml version="1.0" encoding="utf-8"?>
 <p:sld xmlns:a="http://schemas.openxmlformats.org/drawingml/2006/main" xmlns:r="http://schemas.openxmlformats.org/officeDocument/2006/relationships" xmlns:p="http://schemas.openxmlformats.org/presentationml/2006/main">
   <p:cSld>
     <p:spTree>

--- a/PPT/CorePython.pptx
+++ b/PPT/CorePython.pptx
@@ -36,43 +36,48 @@
     <p:sldId id="377" r:id="rId31"/>
     <p:sldId id="336" r:id="rId32"/>
     <p:sldId id="350" r:id="rId33"/>
-    <p:sldId id="292" r:id="rId34"/>
-    <p:sldId id="364" r:id="rId35"/>
-    <p:sldId id="293" r:id="rId36"/>
-    <p:sldId id="294" r:id="rId37"/>
-    <p:sldId id="295" r:id="rId38"/>
-    <p:sldId id="296" r:id="rId39"/>
-    <p:sldId id="327" r:id="rId40"/>
-    <p:sldId id="328" r:id="rId41"/>
-    <p:sldId id="329" r:id="rId42"/>
-    <p:sldId id="330" r:id="rId43"/>
-    <p:sldId id="331" r:id="rId44"/>
-    <p:sldId id="332" r:id="rId45"/>
-    <p:sldId id="333" r:id="rId46"/>
-    <p:sldId id="334" r:id="rId47"/>
+    <p:sldId id="364" r:id="rId34"/>
+    <p:sldId id="395" r:id="rId35"/>
+    <p:sldId id="292" r:id="rId36"/>
+    <p:sldId id="394" r:id="rId37"/>
+    <p:sldId id="410" r:id="rId38"/>
+    <p:sldId id="293" r:id="rId39"/>
+    <p:sldId id="411" r:id="rId40"/>
+    <p:sldId id="412" r:id="rId41"/>
+    <p:sldId id="294" r:id="rId42"/>
+    <p:sldId id="295" r:id="rId43"/>
+    <p:sldId id="296" r:id="rId44"/>
+    <p:sldId id="327" r:id="rId45"/>
+    <p:sldId id="328" r:id="rId46"/>
+    <p:sldId id="329" r:id="rId47"/>
+    <p:sldId id="330" r:id="rId48"/>
+    <p:sldId id="331" r:id="rId49"/>
+    <p:sldId id="332" r:id="rId50"/>
+    <p:sldId id="333" r:id="rId51"/>
+    <p:sldId id="334" r:id="rId52"/>
   </p:sldIdLst>
   <p:sldSz cx="12192000" cy="6858000"/>
   <p:notesSz cx="6858000" cy="9144000"/>
   <p:embeddedFontLst>
     <p:embeddedFont>
       <p:font typeface="Aa小梨涡" panose="02010600010101010101" charset="-122"/>
-      <p:regular r:id="rId51"/>
+      <p:regular r:id="rId56"/>
     </p:embeddedFont>
     <p:embeddedFont>
       <p:font typeface="微软雅黑" panose="020B0503020204020204" charset="-122"/>
-      <p:regular r:id="rId52"/>
+      <p:regular r:id="rId57"/>
     </p:embeddedFont>
     <p:embeddedFont>
       <p:font typeface="Comic Sans MS" panose="030F0702030302020204" charset="0"/>
-      <p:regular r:id="rId53"/>
-      <p:bold r:id="rId54"/>
+      <p:regular r:id="rId58"/>
+      <p:bold r:id="rId59"/>
     </p:embeddedFont>
     <p:embeddedFont>
       <p:font typeface="Calibri" panose="020F0502020204030204" charset="0"/>
-      <p:regular r:id="rId55"/>
-      <p:bold r:id="rId56"/>
-      <p:italic r:id="rId57"/>
-      <p:boldItalic r:id="rId58"/>
+      <p:regular r:id="rId60"/>
+      <p:bold r:id="rId61"/>
+      <p:italic r:id="rId62"/>
+      <p:boldItalic r:id="rId63"/>
     </p:embeddedFont>
   </p:embeddedFontLst>
   <p:defaultTextStyle>
@@ -26085,47 +26090,6 @@
           </a:p>
         </p:txBody>
       </p:sp>
-      <p:sp>
-        <p:nvSpPr>
-          <p:cNvPr id="4" name="文本框 3"/>
-          <p:cNvSpPr txBox="1"/>
-          <p:nvPr/>
-        </p:nvSpPr>
-        <p:spPr>
-          <a:xfrm>
-            <a:off x="9984740" y="6221095"/>
-            <a:ext cx="1407160" cy="270510"/>
-          </a:xfrm>
-          <a:prstGeom prst="rect">
-            <a:avLst/>
-          </a:prstGeom>
-          <a:noFill/>
-        </p:spPr>
-        <p:txBody>
-          <a:bodyPr wrap="square" rtlCol="0">
-            <a:spAutoFit/>
-          </a:bodyPr>
-          <a:p>
-            <a:r>
-              <a:rPr lang="en-US" altLang="zh-CN" baseline="30000">
-                <a:solidFill>
-                  <a:schemeClr val="accent5"/>
-                </a:solidFill>
-                <a:latin typeface="Comic Sans MS" panose="030F0702030302020204" charset="0"/>
-                <a:cs typeface="Comic Sans MS" panose="030F0702030302020204" charset="0"/>
-              </a:rPr>
-              <a:t>[5.2-1.py]</a:t>
-            </a:r>
-            <a:endParaRPr lang="en-US" altLang="zh-CN" baseline="30000">
-              <a:solidFill>
-                <a:schemeClr val="accent5"/>
-              </a:solidFill>
-              <a:latin typeface="Comic Sans MS" panose="030F0702030302020204" charset="0"/>
-              <a:cs typeface="Comic Sans MS" panose="030F0702030302020204" charset="0"/>
-            </a:endParaRPr>
-          </a:p>
-        </p:txBody>
-      </p:sp>
     </p:spTree>
   </p:cSld>
   <p:clrMapOvr>
@@ -26398,33 +26362,6 @@
                                   </p:childTnLst>
                                 </p:cTn>
                               </p:par>
-                              <p:par>
-                                <p:cTn id="26" presetID="1" presetClass="entr" presetSubtype="0" fill="hold" grpId="0" nodeType="withEffect">
-                                  <p:stCondLst>
-                                    <p:cond delay="0"/>
-                                  </p:stCondLst>
-                                  <p:childTnLst>
-                                    <p:set>
-                                      <p:cBhvr>
-                                        <p:cTn id="27" dur="1" fill="hold">
-                                          <p:stCondLst>
-                                            <p:cond delay="0"/>
-                                          </p:stCondLst>
-                                        </p:cTn>
-                                        <p:tgtEl>
-                                          <p:spTgt spid="4"/>
-                                        </p:tgtEl>
-                                        <p:attrNameLst>
-                                          <p:attrName>style.visibility</p:attrName>
-                                        </p:attrNameLst>
-                                      </p:cBhvr>
-                                      <p:to>
-                                        <p:strVal val="visible"/>
-                                      </p:to>
-                                    </p:set>
-                                  </p:childTnLst>
-                                </p:cTn>
-                              </p:par>
                             </p:childTnLst>
                           </p:cTn>
                         </p:par>
@@ -26465,8 +26402,6 @@
       <p:bldP spid="11" grpId="1" animBg="1"/>
       <p:bldP spid="12" grpId="0" bldLvl="0" animBg="1"/>
       <p:bldP spid="12" grpId="1" animBg="1"/>
-      <p:bldP spid="4" grpId="0"/>
-      <p:bldP spid="4" grpId="1"/>
     </p:bldLst>
   </p:timing>
 </p:sld>
@@ -26846,6 +26781,15 @@
               </a:rPr>
               <a:t>iterable</a:t>
             </a:r>
+            <a:r>
+              <a:rPr lang="zh-CN" altLang="en-US" sz="2200">
+                <a:latin typeface="Aa小梨涡" panose="02010600010101010101" charset="-122"/>
+                <a:ea typeface="Aa小梨涡" panose="02010600010101010101" charset="-122"/>
+                <a:cs typeface="Aa小梨涡" panose="02010600010101010101" charset="-122"/>
+                <a:sym typeface="+mn-ea"/>
+              </a:rPr>
+              <a:t>的方式</a:t>
+            </a:r>
             <a:endParaRPr lang="en-US" altLang="zh-CN" sz="2200">
               <a:latin typeface="Aa小梨涡" panose="02010600010101010101" charset="-122"/>
               <a:ea typeface="Aa小梨涡" panose="02010600010101010101" charset="-122"/>
@@ -26894,7 +26838,7 @@
         </p:nvSpPr>
         <p:spPr>
           <a:xfrm>
-            <a:off x="10784840" y="5892165"/>
+            <a:off x="11142345" y="5892165"/>
             <a:ext cx="1407160" cy="270510"/>
           </a:xfrm>
           <a:prstGeom prst="rect">
@@ -26965,7 +26909,7 @@
                 <a:cs typeface="Aa小梨涡" panose="02010600010101010101" charset="-122"/>
                 <a:sym typeface="+mn-ea"/>
               </a:rPr>
-              <a:t>iter(object[, sentinel])  # 返回</a:t>
+              <a:t>iter(object[, sentinel])  # </a:t>
             </a:r>
             <a:r>
               <a:rPr lang="zh-CN" altLang="en-US" sz="2200">
@@ -26974,7 +26918,7 @@
                 <a:cs typeface="Aa小梨涡" panose="02010600010101010101" charset="-122"/>
                 <a:sym typeface="+mn-ea"/>
               </a:rPr>
-              <a:t>容器的</a:t>
+              <a:t>通过调用容器的</a:t>
             </a:r>
             <a:r>
               <a:rPr lang="en-US" altLang="zh-CN" sz="2200">
@@ -26983,7 +26927,34 @@
                 <a:cs typeface="Aa小梨涡" panose="02010600010101010101" charset="-122"/>
                 <a:sym typeface="+mn-ea"/>
               </a:rPr>
-              <a:t> iterator 对象</a:t>
+              <a:t> </a:t>
+            </a:r>
+            <a:r>
+              <a:rPr lang="en-US" altLang="zh-CN" sz="2200">
+                <a:latin typeface="Aa小梨涡" panose="02010600010101010101" charset="-122"/>
+                <a:ea typeface="Aa小梨涡" panose="02010600010101010101" charset="-122"/>
+                <a:cs typeface="Aa小梨涡" panose="02010600010101010101" charset="-122"/>
+                <a:sym typeface="+mn-ea"/>
+              </a:rPr>
+              <a:t>__iter__() 方法</a:t>
+            </a:r>
+            <a:r>
+              <a:rPr lang="zh-CN" altLang="en-US" sz="2200">
+                <a:latin typeface="Aa小梨涡" panose="02010600010101010101" charset="-122"/>
+                <a:ea typeface="Aa小梨涡" panose="02010600010101010101" charset="-122"/>
+                <a:cs typeface="Aa小梨涡" panose="02010600010101010101" charset="-122"/>
+                <a:sym typeface="+mn-ea"/>
+              </a:rPr>
+              <a:t>，返回其</a:t>
+            </a:r>
+            <a:r>
+              <a:rPr lang="en-US" altLang="zh-CN" sz="2200">
+                <a:latin typeface="Aa小梨涡" panose="02010600010101010101" charset="-122"/>
+                <a:ea typeface="Aa小梨涡" panose="02010600010101010101" charset="-122"/>
+                <a:cs typeface="Aa小梨涡" panose="02010600010101010101" charset="-122"/>
+                <a:sym typeface="+mn-ea"/>
+              </a:rPr>
+              <a:t>iterator</a:t>
             </a:r>
             <a:endParaRPr lang="en-US" altLang="zh-CN" sz="2200">
               <a:latin typeface="Aa小梨涡" panose="02010600010101010101" charset="-122"/>
@@ -27203,7 +27174,7 @@
                 <a:cs typeface="Aa小梨涡" panose="02010600010101010101" charset="-122"/>
                 <a:sym typeface="+mn-ea"/>
               </a:rPr>
-              <a:t>    ② iter</a:t>
+              <a:t>    ② iter()</a:t>
             </a:r>
             <a:r>
               <a:rPr lang="zh-CN" altLang="en-US" sz="2200">
@@ -27221,7 +27192,7 @@
                 <a:cs typeface="Aa小梨涡" panose="02010600010101010101" charset="-122"/>
                 <a:sym typeface="+mn-ea"/>
               </a:rPr>
-              <a:t>next</a:t>
+              <a:t>next()</a:t>
             </a:r>
             <a:r>
               <a:rPr lang="zh-CN" altLang="en-US" sz="2200">
@@ -28635,33 +28606,15 @@
                                   </p:childTnLst>
                                 </p:cTn>
                               </p:par>
-                            </p:childTnLst>
-                          </p:cTn>
-                        </p:par>
-                      </p:childTnLst>
-                    </p:cTn>
-                  </p:par>
-                  <p:par>
-                    <p:cTn id="9" fill="hold">
-                      <p:stCondLst>
-                        <p:cond delay="indefinite"/>
-                      </p:stCondLst>
-                      <p:childTnLst>
-                        <p:par>
-                          <p:cTn id="10" fill="hold">
-                            <p:stCondLst>
-                              <p:cond delay="0"/>
-                            </p:stCondLst>
-                            <p:childTnLst>
                               <p:par>
-                                <p:cTn id="11" presetID="22" presetClass="entr" presetSubtype="4" fill="hold" grpId="0" nodeType="clickEffect">
+                                <p:cTn id="9" presetID="22" presetClass="entr" presetSubtype="4" fill="hold" grpId="0" nodeType="withEffect">
                                   <p:stCondLst>
                                     <p:cond delay="0"/>
                                   </p:stCondLst>
                                   <p:childTnLst>
                                     <p:set>
                                       <p:cBhvr>
-                                        <p:cTn id="12" dur="1" fill="hold">
+                                        <p:cTn id="10" dur="1" fill="hold">
                                           <p:stCondLst>
                                             <p:cond delay="0"/>
                                           </p:stCondLst>
@@ -28679,7 +28632,7 @@
                                     </p:set>
                                     <p:animEffect transition="in" filter="wipe(down)">
                                       <p:cBhvr>
-                                        <p:cTn id="13" dur="500"/>
+                                        <p:cTn id="11" dur="500"/>
                                         <p:tgtEl>
                                           <p:spTgt spid="6"/>
                                         </p:tgtEl>
@@ -28689,14 +28642,14 @@
                                 </p:cTn>
                               </p:par>
                               <p:par>
-                                <p:cTn id="14" presetID="22" presetClass="entr" presetSubtype="4" fill="hold" grpId="0" nodeType="withEffect">
+                                <p:cTn id="12" presetID="22" presetClass="entr" presetSubtype="4" fill="hold" grpId="0" nodeType="withEffect">
                                   <p:stCondLst>
                                     <p:cond delay="0"/>
                                   </p:stCondLst>
                                   <p:childTnLst>
                                     <p:set>
                                       <p:cBhvr>
-                                        <p:cTn id="15" dur="1" fill="hold">
+                                        <p:cTn id="13" dur="1" fill="hold">
                                           <p:stCondLst>
                                             <p:cond delay="0"/>
                                           </p:stCondLst>
@@ -28714,7 +28667,7 @@
                                     </p:set>
                                     <p:animEffect transition="in" filter="wipe(down)">
                                       <p:cBhvr>
-                                        <p:cTn id="16" dur="500"/>
+                                        <p:cTn id="14" dur="500"/>
                                         <p:tgtEl>
                                           <p:spTgt spid="7"/>
                                         </p:tgtEl>
@@ -28724,14 +28677,14 @@
                                 </p:cTn>
                               </p:par>
                               <p:par>
-                                <p:cTn id="17" presetID="1" presetClass="entr" presetSubtype="0" fill="hold" grpId="0" nodeType="withEffect">
+                                <p:cTn id="15" presetID="1" presetClass="entr" presetSubtype="0" fill="hold" grpId="0" nodeType="withEffect">
                                   <p:stCondLst>
                                     <p:cond delay="0"/>
                                   </p:stCondLst>
                                   <p:childTnLst>
                                     <p:set>
                                       <p:cBhvr>
-                                        <p:cTn id="18" dur="1" fill="hold">
+                                        <p:cTn id="16" dur="1" fill="hold">
                                           <p:stCondLst>
                                             <p:cond delay="0"/>
                                           </p:stCondLst>
@@ -28751,14 +28704,14 @@
                                 </p:cTn>
                               </p:par>
                               <p:par>
-                                <p:cTn id="19" presetID="22" presetClass="entr" presetSubtype="8" fill="hold" nodeType="withEffect">
+                                <p:cTn id="17" presetID="22" presetClass="entr" presetSubtype="8" fill="hold" nodeType="withEffect">
                                   <p:stCondLst>
                                     <p:cond delay="0"/>
                                   </p:stCondLst>
                                   <p:childTnLst>
                                     <p:set>
                                       <p:cBhvr>
-                                        <p:cTn id="20" dur="1" fill="hold">
+                                        <p:cTn id="18" dur="1" fill="hold">
                                           <p:stCondLst>
                                             <p:cond delay="0"/>
                                           </p:stCondLst>
@@ -28776,7 +28729,7 @@
                                     </p:set>
                                     <p:animEffect transition="in" filter="wipe(left)">
                                       <p:cBhvr>
-                                        <p:cTn id="21" dur="500"/>
+                                        <p:cTn id="19" dur="500"/>
                                         <p:tgtEl>
                                           <p:spTgt spid="15"/>
                                         </p:tgtEl>
@@ -30304,6 +30257,1835 @@
         </p:nvSpPr>
         <p:spPr>
           <a:xfrm>
+            <a:off x="3977640" y="255905"/>
+            <a:ext cx="4189095" cy="817245"/>
+          </a:xfrm>
+        </p:spPr>
+        <p:txBody>
+          <a:bodyPr>
+            <a:normAutofit fontScale="90000"/>
+          </a:bodyPr>
+          <a:p>
+            <a:r>
+              <a:rPr lang="en-US" altLang="zh-CN">
+                <a:latin typeface="Aa小梨涡" panose="02010600010101010101" charset="-122"/>
+                <a:ea typeface="Aa小梨涡" panose="02010600010101010101" charset="-122"/>
+              </a:rPr>
+              <a:t>5.3 </a:t>
+            </a:r>
+            <a:r>
+              <a:rPr lang="zh-CN" altLang="en-US">
+                <a:latin typeface="Aa小梨涡" panose="02010600010101010101" charset="-122"/>
+                <a:ea typeface="Aa小梨涡" panose="02010600010101010101" charset="-122"/>
+              </a:rPr>
+              <a:t>生成器表达式</a:t>
+            </a:r>
+            <a:endParaRPr lang="zh-CN" altLang="en-US">
+              <a:latin typeface="Aa小梨涡" panose="02010600010101010101" charset="-122"/>
+              <a:ea typeface="Aa小梨涡" panose="02010600010101010101" charset="-122"/>
+            </a:endParaRPr>
+          </a:p>
+        </p:txBody>
+      </p:sp>
+      <p:sp>
+        <p:nvSpPr>
+          <p:cNvPr id="20" name="任意多边形 19"/>
+          <p:cNvSpPr/>
+          <p:nvPr/>
+        </p:nvSpPr>
+        <p:spPr>
+          <a:xfrm rot="10320000">
+            <a:off x="4344035" y="897890"/>
+            <a:ext cx="3456305" cy="76200"/>
+          </a:xfrm>
+          <a:custGeom>
+            <a:avLst/>
+            <a:gdLst>
+              <a:gd name="connisteX0" fmla="*/ 4685923 w 4685923"/>
+              <a:gd name="connsiteY0" fmla="*/ 9525 h 464575"/>
+              <a:gd name="connisteX1" fmla="*/ 548898 w 4685923"/>
+              <a:gd name="connsiteY1" fmla="*/ 238125 h 464575"/>
+              <a:gd name="connisteX2" fmla="*/ 672723 w 4685923"/>
+              <a:gd name="connsiteY2" fmla="*/ 456565 h 464575"/>
+              <a:gd name="connisteX3" fmla="*/ 4638298 w 4685923"/>
+              <a:gd name="connsiteY3" fmla="*/ 0 h 464575"/>
+            </a:gdLst>
+            <a:ahLst/>
+            <a:cxnLst>
+              <a:cxn ang="0">
+                <a:pos x="connisteX0" y="connsiteY0"/>
+              </a:cxn>
+              <a:cxn ang="0">
+                <a:pos x="connisteX1" y="connsiteY1"/>
+              </a:cxn>
+              <a:cxn ang="0">
+                <a:pos x="connisteX2" y="connsiteY2"/>
+              </a:cxn>
+              <a:cxn ang="0">
+                <a:pos x="connisteX3" y="connsiteY3"/>
+              </a:cxn>
+            </a:cxnLst>
+            <a:rect l="l" t="t" r="r" b="b"/>
+            <a:pathLst>
+              <a:path w="4685923" h="464576">
+                <a:moveTo>
+                  <a:pt x="4685923" y="9525"/>
+                </a:moveTo>
+                <a:cubicBezTo>
+                  <a:pt x="3855978" y="50800"/>
+                  <a:pt x="1351538" y="148590"/>
+                  <a:pt x="548898" y="238125"/>
+                </a:cubicBezTo>
+                <a:cubicBezTo>
+                  <a:pt x="-253742" y="327660"/>
+                  <a:pt x="-145157" y="504190"/>
+                  <a:pt x="672723" y="456565"/>
+                </a:cubicBezTo>
+                <a:cubicBezTo>
+                  <a:pt x="1490603" y="408940"/>
+                  <a:pt x="3847723" y="95885"/>
+                  <a:pt x="4638298" y="0"/>
+                </a:cubicBezTo>
+              </a:path>
+            </a:pathLst>
+          </a:custGeom>
+          <a:solidFill>
+            <a:schemeClr val="accent5"/>
+          </a:solidFill>
+          <a:ln>
+            <a:noFill/>
+          </a:ln>
+        </p:spPr>
+        <p:style>
+          <a:lnRef idx="2">
+            <a:schemeClr val="accent1">
+              <a:shade val="50000"/>
+            </a:schemeClr>
+          </a:lnRef>
+          <a:fillRef idx="1">
+            <a:schemeClr val="accent1"/>
+          </a:fillRef>
+          <a:effectRef idx="0">
+            <a:schemeClr val="accent1"/>
+          </a:effectRef>
+          <a:fontRef idx="minor">
+            <a:schemeClr val="lt1"/>
+          </a:fontRef>
+        </p:style>
+        <p:txBody>
+          <a:bodyPr rtlCol="0" anchor="ctr"/>
+          <a:p>
+            <a:pPr algn="ctr"/>
+            <a:endParaRPr lang="zh-CN" altLang="en-US"/>
+          </a:p>
+        </p:txBody>
+      </p:sp>
+      <p:sp>
+        <p:nvSpPr>
+          <p:cNvPr id="4" name="文本框 3"/>
+          <p:cNvSpPr txBox="1"/>
+          <p:nvPr/>
+        </p:nvSpPr>
+        <p:spPr>
+          <a:xfrm>
+            <a:off x="455295" y="1210310"/>
+            <a:ext cx="11281410" cy="1886585"/>
+          </a:xfrm>
+          <a:prstGeom prst="rect">
+            <a:avLst/>
+          </a:prstGeom>
+          <a:noFill/>
+          <a:ln>
+            <a:noFill/>
+          </a:ln>
+        </p:spPr>
+        <p:txBody>
+          <a:bodyPr wrap="square" rtlCol="0">
+            <a:spAutoFit/>
+          </a:bodyPr>
+          <a:p>
+            <a:pPr fontAlgn="auto">
+              <a:lnSpc>
+                <a:spcPts val="3500"/>
+              </a:lnSpc>
+            </a:pPr>
+            <a:r>
+              <a:rPr lang="en-US" sz="2200">
+                <a:latin typeface="Aa小梨涡" panose="02010600010101010101" charset="-122"/>
+                <a:ea typeface="Aa小梨涡" panose="02010600010101010101" charset="-122"/>
+                <a:cs typeface="Aa小梨涡" panose="02010600010101010101" charset="-122"/>
+                <a:sym typeface="+mn-ea"/>
+              </a:rPr>
+              <a:t>1. </a:t>
+            </a:r>
+            <a:r>
+              <a:rPr lang="zh-CN" altLang="en-US" sz="2200">
+                <a:latin typeface="Aa小梨涡" panose="02010600010101010101" charset="-122"/>
+                <a:ea typeface="Aa小梨涡" panose="02010600010101010101" charset="-122"/>
+                <a:cs typeface="Aa小梨涡" panose="02010600010101010101" charset="-122"/>
+                <a:sym typeface="+mn-ea"/>
+              </a:rPr>
+              <a:t>生成器与内建数据类型</a:t>
+            </a:r>
+            <a:endParaRPr lang="zh-CN" altLang="en-US" sz="2200">
+              <a:latin typeface="Aa小梨涡" panose="02010600010101010101" charset="-122"/>
+              <a:ea typeface="Aa小梨涡" panose="02010600010101010101" charset="-122"/>
+              <a:cs typeface="Aa小梨涡" panose="02010600010101010101" charset="-122"/>
+              <a:sym typeface="+mn-ea"/>
+            </a:endParaRPr>
+          </a:p>
+          <a:p>
+            <a:pPr fontAlgn="auto">
+              <a:lnSpc>
+                <a:spcPts val="3500"/>
+              </a:lnSpc>
+            </a:pPr>
+            <a:r>
+              <a:rPr lang="zh-CN" altLang="en-US" sz="2200">
+                <a:latin typeface="Aa小梨涡" panose="02010600010101010101" charset="-122"/>
+                <a:ea typeface="Aa小梨涡" panose="02010600010101010101" charset="-122"/>
+                <a:cs typeface="Aa小梨涡" panose="02010600010101010101" charset="-122"/>
+                <a:sym typeface="+mn-ea"/>
+              </a:rPr>
+              <a:t>        从上一小节的类图可以看出</a:t>
+            </a:r>
+            <a:r>
+              <a:rPr lang="en-US" altLang="zh-CN" sz="2200">
+                <a:latin typeface="Aa小梨涡" panose="02010600010101010101" charset="-122"/>
+                <a:ea typeface="Aa小梨涡" panose="02010600010101010101" charset="-122"/>
+                <a:cs typeface="Aa小梨涡" panose="02010600010101010101" charset="-122"/>
+                <a:sym typeface="+mn-ea"/>
+              </a:rPr>
+              <a:t>“</a:t>
+            </a:r>
+            <a:r>
+              <a:rPr lang="zh-CN" altLang="en-US" sz="2200">
+                <a:latin typeface="Aa小梨涡" panose="02010600010101010101" charset="-122"/>
+                <a:ea typeface="Aa小梨涡" panose="02010600010101010101" charset="-122"/>
+                <a:cs typeface="Aa小梨涡" panose="02010600010101010101" charset="-122"/>
+                <a:sym typeface="+mn-ea"/>
+              </a:rPr>
+              <a:t>生成器</a:t>
+            </a:r>
+            <a:r>
+              <a:rPr lang="en-US" altLang="zh-CN" sz="2200">
+                <a:latin typeface="Aa小梨涡" panose="02010600010101010101" charset="-122"/>
+                <a:ea typeface="Aa小梨涡" panose="02010600010101010101" charset="-122"/>
+                <a:cs typeface="Aa小梨涡" panose="02010600010101010101" charset="-122"/>
+                <a:sym typeface="+mn-ea"/>
+              </a:rPr>
+              <a:t>”</a:t>
+            </a:r>
+            <a:r>
+              <a:rPr lang="zh-CN" altLang="en-US" sz="2200">
+                <a:latin typeface="Aa小梨涡" panose="02010600010101010101" charset="-122"/>
+                <a:ea typeface="Aa小梨涡" panose="02010600010101010101" charset="-122"/>
+                <a:cs typeface="Aa小梨涡" panose="02010600010101010101" charset="-122"/>
+                <a:sym typeface="+mn-ea"/>
+              </a:rPr>
+              <a:t>和内建数据类型同源</a:t>
+            </a:r>
+            <a:r>
+              <a:rPr lang="en-US" altLang="zh-CN" sz="2200">
+                <a:latin typeface="Aa小梨涡" panose="02010600010101010101" charset="-122"/>
+                <a:ea typeface="Aa小梨涡" panose="02010600010101010101" charset="-122"/>
+                <a:cs typeface="Aa小梨涡" panose="02010600010101010101" charset="-122"/>
+                <a:sym typeface="+mn-ea"/>
+              </a:rPr>
+              <a:t>——</a:t>
+            </a:r>
+            <a:r>
+              <a:rPr lang="zh-CN" altLang="en-US" sz="2200">
+                <a:latin typeface="Aa小梨涡" panose="02010600010101010101" charset="-122"/>
+                <a:ea typeface="Aa小梨涡" panose="02010600010101010101" charset="-122"/>
+                <a:cs typeface="Aa小梨涡" panose="02010600010101010101" charset="-122"/>
+                <a:sym typeface="+mn-ea"/>
+              </a:rPr>
+              <a:t>都是</a:t>
+            </a:r>
+            <a:r>
+              <a:rPr lang="en-US" altLang="zh-CN" sz="2200">
+                <a:latin typeface="Aa小梨涡" panose="02010600010101010101" charset="-122"/>
+                <a:ea typeface="Aa小梨涡" panose="02010600010101010101" charset="-122"/>
+                <a:cs typeface="Aa小梨涡" panose="02010600010101010101" charset="-122"/>
+                <a:sym typeface="+mn-ea"/>
+              </a:rPr>
+              <a:t>iterable</a:t>
+            </a:r>
+            <a:r>
+              <a:rPr lang="zh-CN" altLang="en-US" sz="2200">
+                <a:latin typeface="Aa小梨涡" panose="02010600010101010101" charset="-122"/>
+                <a:ea typeface="Aa小梨涡" panose="02010600010101010101" charset="-122"/>
+                <a:cs typeface="Aa小梨涡" panose="02010600010101010101" charset="-122"/>
+                <a:sym typeface="+mn-ea"/>
+              </a:rPr>
+              <a:t>的子类。两者的核心区别在于，内建容器的每一个元素都会消耗内存，然而生成器的元素只有在使用时才会被计算出来。</a:t>
+            </a:r>
+            <a:endParaRPr lang="zh-CN" altLang="en-US" sz="2200">
+              <a:latin typeface="Aa小梨涡" panose="02010600010101010101" charset="-122"/>
+              <a:ea typeface="Aa小梨涡" panose="02010600010101010101" charset="-122"/>
+              <a:cs typeface="Aa小梨涡" panose="02010600010101010101" charset="-122"/>
+              <a:sym typeface="+mn-ea"/>
+            </a:endParaRPr>
+          </a:p>
+        </p:txBody>
+      </p:sp>
+      <p:sp>
+        <p:nvSpPr>
+          <p:cNvPr id="6" name="文本框 5"/>
+          <p:cNvSpPr txBox="1"/>
+          <p:nvPr/>
+        </p:nvSpPr>
+        <p:spPr>
+          <a:xfrm>
+            <a:off x="455295" y="3096895"/>
+            <a:ext cx="11281410" cy="1437640"/>
+          </a:xfrm>
+          <a:prstGeom prst="rect">
+            <a:avLst/>
+          </a:prstGeom>
+          <a:noFill/>
+          <a:ln>
+            <a:noFill/>
+          </a:ln>
+        </p:spPr>
+        <p:txBody>
+          <a:bodyPr wrap="square" rtlCol="0">
+            <a:spAutoFit/>
+          </a:bodyPr>
+          <a:p>
+            <a:pPr fontAlgn="auto">
+              <a:lnSpc>
+                <a:spcPts val="3500"/>
+              </a:lnSpc>
+            </a:pPr>
+            <a:r>
+              <a:rPr lang="en-US" sz="2200">
+                <a:latin typeface="Aa小梨涡" panose="02010600010101010101" charset="-122"/>
+                <a:ea typeface="Aa小梨涡" panose="02010600010101010101" charset="-122"/>
+                <a:cs typeface="Aa小梨涡" panose="02010600010101010101" charset="-122"/>
+                <a:sym typeface="+mn-ea"/>
+              </a:rPr>
+              <a:t>2. </a:t>
+            </a:r>
+            <a:r>
+              <a:rPr lang="zh-CN" altLang="en-US" sz="2200">
+                <a:latin typeface="Aa小梨涡" panose="02010600010101010101" charset="-122"/>
+                <a:ea typeface="Aa小梨涡" panose="02010600010101010101" charset="-122"/>
+                <a:cs typeface="Aa小梨涡" panose="02010600010101010101" charset="-122"/>
+                <a:sym typeface="+mn-ea"/>
+              </a:rPr>
+              <a:t>生成器的定义</a:t>
+            </a:r>
+            <a:endParaRPr lang="zh-CN" altLang="en-US" sz="2200">
+              <a:latin typeface="Aa小梨涡" panose="02010600010101010101" charset="-122"/>
+              <a:ea typeface="Aa小梨涡" panose="02010600010101010101" charset="-122"/>
+              <a:cs typeface="Aa小梨涡" panose="02010600010101010101" charset="-122"/>
+              <a:sym typeface="+mn-ea"/>
+            </a:endParaRPr>
+          </a:p>
+          <a:p>
+            <a:pPr fontAlgn="auto">
+              <a:lnSpc>
+                <a:spcPts val="3500"/>
+              </a:lnSpc>
+            </a:pPr>
+            <a:r>
+              <a:rPr lang="zh-CN" altLang="en-US" sz="2200">
+                <a:latin typeface="Aa小梨涡" panose="02010600010101010101" charset="-122"/>
+                <a:ea typeface="Aa小梨涡" panose="02010600010101010101" charset="-122"/>
+                <a:cs typeface="Aa小梨涡" panose="02010600010101010101" charset="-122"/>
+                <a:sym typeface="+mn-ea"/>
+              </a:rPr>
+              <a:t>        （</a:t>
+            </a:r>
+            <a:r>
+              <a:rPr lang="en-US" altLang="zh-CN" sz="2200">
+                <a:latin typeface="Aa小梨涡" panose="02010600010101010101" charset="-122"/>
+                <a:ea typeface="Aa小梨涡" panose="02010600010101010101" charset="-122"/>
+                <a:cs typeface="Aa小梨涡" panose="02010600010101010101" charset="-122"/>
+                <a:sym typeface="+mn-ea"/>
+              </a:rPr>
+              <a:t>1</a:t>
+            </a:r>
+            <a:r>
+              <a:rPr lang="zh-CN" altLang="en-US" sz="2200">
+                <a:latin typeface="Aa小梨涡" panose="02010600010101010101" charset="-122"/>
+                <a:ea typeface="Aa小梨涡" panose="02010600010101010101" charset="-122"/>
+                <a:cs typeface="Aa小梨涡" panose="02010600010101010101" charset="-122"/>
+                <a:sym typeface="+mn-ea"/>
+              </a:rPr>
+              <a:t>）生成器函数；</a:t>
+            </a:r>
+            <a:endParaRPr lang="zh-CN" altLang="en-US" sz="2200">
+              <a:latin typeface="Aa小梨涡" panose="02010600010101010101" charset="-122"/>
+              <a:ea typeface="Aa小梨涡" panose="02010600010101010101" charset="-122"/>
+              <a:cs typeface="Aa小梨涡" panose="02010600010101010101" charset="-122"/>
+              <a:sym typeface="+mn-ea"/>
+            </a:endParaRPr>
+          </a:p>
+          <a:p>
+            <a:pPr fontAlgn="auto">
+              <a:lnSpc>
+                <a:spcPts val="3500"/>
+              </a:lnSpc>
+            </a:pPr>
+            <a:r>
+              <a:rPr lang="en-US" altLang="zh-CN" sz="2200">
+                <a:latin typeface="Aa小梨涡" panose="02010600010101010101" charset="-122"/>
+                <a:ea typeface="Aa小梨涡" panose="02010600010101010101" charset="-122"/>
+                <a:cs typeface="Aa小梨涡" panose="02010600010101010101" charset="-122"/>
+                <a:sym typeface="+mn-ea"/>
+              </a:rPr>
+              <a:t>        </a:t>
+            </a:r>
+            <a:r>
+              <a:rPr lang="zh-CN" altLang="en-US" sz="2200">
+                <a:latin typeface="Aa小梨涡" panose="02010600010101010101" charset="-122"/>
+                <a:ea typeface="Aa小梨涡" panose="02010600010101010101" charset="-122"/>
+                <a:cs typeface="Aa小梨涡" panose="02010600010101010101" charset="-122"/>
+                <a:sym typeface="+mn-ea"/>
+              </a:rPr>
+              <a:t>（</a:t>
+            </a:r>
+            <a:r>
+              <a:rPr lang="en-US" altLang="zh-CN" sz="2200">
+                <a:latin typeface="Aa小梨涡" panose="02010600010101010101" charset="-122"/>
+                <a:ea typeface="Aa小梨涡" panose="02010600010101010101" charset="-122"/>
+                <a:cs typeface="Aa小梨涡" panose="02010600010101010101" charset="-122"/>
+                <a:sym typeface="+mn-ea"/>
+              </a:rPr>
+              <a:t>2</a:t>
+            </a:r>
+            <a:r>
+              <a:rPr lang="zh-CN" altLang="en-US" sz="2200">
+                <a:latin typeface="Aa小梨涡" panose="02010600010101010101" charset="-122"/>
+                <a:ea typeface="Aa小梨涡" panose="02010600010101010101" charset="-122"/>
+                <a:cs typeface="Aa小梨涡" panose="02010600010101010101" charset="-122"/>
+                <a:sym typeface="+mn-ea"/>
+              </a:rPr>
+              <a:t>）生成器表达式，</a:t>
+            </a:r>
+            <a:r>
+              <a:rPr lang="en-US" altLang="zh-CN" sz="2200">
+                <a:latin typeface="Aa小梨涡" panose="02010600010101010101" charset="-122"/>
+                <a:ea typeface="Aa小梨涡" panose="02010600010101010101" charset="-122"/>
+                <a:cs typeface="Aa小梨涡" panose="02010600010101010101" charset="-122"/>
+                <a:sym typeface="+mn-ea"/>
+              </a:rPr>
+              <a:t>generator expression</a:t>
+            </a:r>
+            <a:r>
+              <a:rPr lang="zh-CN" altLang="en-US" sz="2200">
+                <a:latin typeface="Aa小梨涡" panose="02010600010101010101" charset="-122"/>
+                <a:ea typeface="Aa小梨涡" panose="02010600010101010101" charset="-122"/>
+                <a:cs typeface="Aa小梨涡" panose="02010600010101010101" charset="-122"/>
+                <a:sym typeface="+mn-ea"/>
+              </a:rPr>
+              <a:t>。</a:t>
+            </a:r>
+            <a:endParaRPr lang="zh-CN" altLang="en-US" sz="2200">
+              <a:latin typeface="Aa小梨涡" panose="02010600010101010101" charset="-122"/>
+              <a:ea typeface="Aa小梨涡" panose="02010600010101010101" charset="-122"/>
+              <a:cs typeface="Aa小梨涡" panose="02010600010101010101" charset="-122"/>
+              <a:sym typeface="+mn-ea"/>
+            </a:endParaRPr>
+          </a:p>
+        </p:txBody>
+      </p:sp>
+      <p:sp>
+        <p:nvSpPr>
+          <p:cNvPr id="7" name="文本框 6"/>
+          <p:cNvSpPr txBox="1"/>
+          <p:nvPr/>
+        </p:nvSpPr>
+        <p:spPr>
+          <a:xfrm>
+            <a:off x="565150" y="4490720"/>
+            <a:ext cx="11281410" cy="1437640"/>
+          </a:xfrm>
+          <a:prstGeom prst="rect">
+            <a:avLst/>
+          </a:prstGeom>
+          <a:noFill/>
+          <a:ln>
+            <a:noFill/>
+          </a:ln>
+        </p:spPr>
+        <p:txBody>
+          <a:bodyPr wrap="square" rtlCol="0">
+            <a:spAutoFit/>
+          </a:bodyPr>
+          <a:p>
+            <a:pPr fontAlgn="auto">
+              <a:lnSpc>
+                <a:spcPts val="3500"/>
+              </a:lnSpc>
+            </a:pPr>
+            <a:r>
+              <a:rPr lang="en-US" sz="2200">
+                <a:latin typeface="Aa小梨涡" panose="02010600010101010101" charset="-122"/>
+                <a:ea typeface="Aa小梨涡" panose="02010600010101010101" charset="-122"/>
+                <a:cs typeface="Aa小梨涡" panose="02010600010101010101" charset="-122"/>
+                <a:sym typeface="+mn-ea"/>
+              </a:rPr>
+              <a:t>3. </a:t>
+            </a:r>
+            <a:r>
+              <a:rPr lang="zh-CN" altLang="en-US" sz="2200">
+                <a:latin typeface="Aa小梨涡" panose="02010600010101010101" charset="-122"/>
+                <a:ea typeface="Aa小梨涡" panose="02010600010101010101" charset="-122"/>
+                <a:cs typeface="Aa小梨涡" panose="02010600010101010101" charset="-122"/>
+                <a:sym typeface="+mn-ea"/>
+              </a:rPr>
+              <a:t>生成器表达式的定义</a:t>
+            </a:r>
+            <a:endParaRPr lang="zh-CN" altLang="en-US" sz="2200">
+              <a:latin typeface="Aa小梨涡" panose="02010600010101010101" charset="-122"/>
+              <a:ea typeface="Aa小梨涡" panose="02010600010101010101" charset="-122"/>
+              <a:cs typeface="Aa小梨涡" panose="02010600010101010101" charset="-122"/>
+              <a:sym typeface="+mn-ea"/>
+            </a:endParaRPr>
+          </a:p>
+          <a:p>
+            <a:pPr fontAlgn="auto">
+              <a:lnSpc>
+                <a:spcPts val="3500"/>
+              </a:lnSpc>
+            </a:pPr>
+            <a:r>
+              <a:rPr lang="zh-CN" altLang="en-US" sz="2200">
+                <a:latin typeface="Aa小梨涡" panose="02010600010101010101" charset="-122"/>
+                <a:ea typeface="Aa小梨涡" panose="02010600010101010101" charset="-122"/>
+                <a:cs typeface="Aa小梨涡" panose="02010600010101010101" charset="-122"/>
+                <a:sym typeface="+mn-ea"/>
+              </a:rPr>
+              <a:t>        生成器表达式是对列表推导和生成器的一种泛化，把列表推导式的中括号替换成小括号，就构成了生成器表达式。</a:t>
+            </a:r>
+            <a:endParaRPr lang="zh-CN" altLang="en-US" sz="2200">
+              <a:latin typeface="Aa小梨涡" panose="02010600010101010101" charset="-122"/>
+              <a:ea typeface="Aa小梨涡" panose="02010600010101010101" charset="-122"/>
+              <a:cs typeface="Aa小梨涡" panose="02010600010101010101" charset="-122"/>
+              <a:sym typeface="+mn-ea"/>
+            </a:endParaRPr>
+          </a:p>
+        </p:txBody>
+      </p:sp>
+      <p:sp>
+        <p:nvSpPr>
+          <p:cNvPr id="8" name="文本框 7"/>
+          <p:cNvSpPr txBox="1"/>
+          <p:nvPr/>
+        </p:nvSpPr>
+        <p:spPr>
+          <a:xfrm>
+            <a:off x="4083685" y="5471795"/>
+            <a:ext cx="1407160" cy="270510"/>
+          </a:xfrm>
+          <a:prstGeom prst="rect">
+            <a:avLst/>
+          </a:prstGeom>
+          <a:noFill/>
+        </p:spPr>
+        <p:txBody>
+          <a:bodyPr wrap="square" rtlCol="0">
+            <a:spAutoFit/>
+          </a:bodyPr>
+          <a:p>
+            <a:r>
+              <a:rPr lang="en-US" altLang="zh-CN" baseline="30000">
+                <a:solidFill>
+                  <a:schemeClr val="accent5"/>
+                </a:solidFill>
+                <a:latin typeface="Comic Sans MS" panose="030F0702030302020204" charset="0"/>
+                <a:cs typeface="Comic Sans MS" panose="030F0702030302020204" charset="0"/>
+              </a:rPr>
+              <a:t>[5.3-1.py]</a:t>
+            </a:r>
+            <a:endParaRPr lang="en-US" altLang="zh-CN" baseline="30000">
+              <a:solidFill>
+                <a:schemeClr val="accent5"/>
+              </a:solidFill>
+              <a:latin typeface="Comic Sans MS" panose="030F0702030302020204" charset="0"/>
+              <a:cs typeface="Comic Sans MS" panose="030F0702030302020204" charset="0"/>
+            </a:endParaRPr>
+          </a:p>
+        </p:txBody>
+      </p:sp>
+    </p:spTree>
+  </p:cSld>
+  <p:clrMapOvr>
+    <a:masterClrMapping/>
+  </p:clrMapOvr>
+  <p:timing>
+    <p:tnLst>
+      <p:par>
+        <p:cTn id="1" dur="indefinite" restart="never" nodeType="tmRoot">
+          <p:childTnLst>
+            <p:seq concurrent="1" nextAc="seek">
+              <p:cTn id="2" dur="indefinite" nodeType="mainSeq">
+                <p:childTnLst>
+                  <p:par>
+                    <p:cTn id="3" fill="hold">
+                      <p:stCondLst>
+                        <p:cond delay="indefinite"/>
+                      </p:stCondLst>
+                      <p:childTnLst>
+                        <p:par>
+                          <p:cTn id="4" fill="hold">
+                            <p:stCondLst>
+                              <p:cond delay="0"/>
+                            </p:stCondLst>
+                            <p:childTnLst>
+                              <p:par>
+                                <p:cTn id="5" presetID="1" presetClass="entr" presetSubtype="0" fill="hold" grpId="0" nodeType="clickEffect">
+                                  <p:stCondLst>
+                                    <p:cond delay="0"/>
+                                  </p:stCondLst>
+                                  <p:childTnLst>
+                                    <p:set>
+                                      <p:cBhvr>
+                                        <p:cTn id="6" dur="1" fill="hold">
+                                          <p:stCondLst>
+                                            <p:cond delay="0"/>
+                                          </p:stCondLst>
+                                        </p:cTn>
+                                        <p:tgtEl>
+                                          <p:spTgt spid="4"/>
+                                        </p:tgtEl>
+                                        <p:attrNameLst>
+                                          <p:attrName>style.visibility</p:attrName>
+                                        </p:attrNameLst>
+                                      </p:cBhvr>
+                                      <p:to>
+                                        <p:strVal val="visible"/>
+                                      </p:to>
+                                    </p:set>
+                                  </p:childTnLst>
+                                </p:cTn>
+                              </p:par>
+                            </p:childTnLst>
+                          </p:cTn>
+                        </p:par>
+                      </p:childTnLst>
+                    </p:cTn>
+                  </p:par>
+                  <p:par>
+                    <p:cTn id="7" fill="hold">
+                      <p:stCondLst>
+                        <p:cond delay="indefinite"/>
+                      </p:stCondLst>
+                      <p:childTnLst>
+                        <p:par>
+                          <p:cTn id="8" fill="hold">
+                            <p:stCondLst>
+                              <p:cond delay="0"/>
+                            </p:stCondLst>
+                            <p:childTnLst>
+                              <p:par>
+                                <p:cTn id="9" presetID="1" presetClass="entr" presetSubtype="0" fill="hold" grpId="0" nodeType="clickEffect">
+                                  <p:stCondLst>
+                                    <p:cond delay="0"/>
+                                  </p:stCondLst>
+                                  <p:childTnLst>
+                                    <p:set>
+                                      <p:cBhvr>
+                                        <p:cTn id="10" dur="1" fill="hold">
+                                          <p:stCondLst>
+                                            <p:cond delay="0"/>
+                                          </p:stCondLst>
+                                        </p:cTn>
+                                        <p:tgtEl>
+                                          <p:spTgt spid="6"/>
+                                        </p:tgtEl>
+                                        <p:attrNameLst>
+                                          <p:attrName>style.visibility</p:attrName>
+                                        </p:attrNameLst>
+                                      </p:cBhvr>
+                                      <p:to>
+                                        <p:strVal val="visible"/>
+                                      </p:to>
+                                    </p:set>
+                                  </p:childTnLst>
+                                </p:cTn>
+                              </p:par>
+                            </p:childTnLst>
+                          </p:cTn>
+                        </p:par>
+                      </p:childTnLst>
+                    </p:cTn>
+                  </p:par>
+                  <p:par>
+                    <p:cTn id="11" fill="hold">
+                      <p:stCondLst>
+                        <p:cond delay="indefinite"/>
+                      </p:stCondLst>
+                      <p:childTnLst>
+                        <p:par>
+                          <p:cTn id="12" fill="hold">
+                            <p:stCondLst>
+                              <p:cond delay="0"/>
+                            </p:stCondLst>
+                            <p:childTnLst>
+                              <p:par>
+                                <p:cTn id="13" presetID="1" presetClass="entr" presetSubtype="0" fill="hold" grpId="0" nodeType="clickEffect">
+                                  <p:stCondLst>
+                                    <p:cond delay="0"/>
+                                  </p:stCondLst>
+                                  <p:childTnLst>
+                                    <p:set>
+                                      <p:cBhvr>
+                                        <p:cTn id="14" dur="1" fill="hold">
+                                          <p:stCondLst>
+                                            <p:cond delay="0"/>
+                                          </p:stCondLst>
+                                        </p:cTn>
+                                        <p:tgtEl>
+                                          <p:spTgt spid="7"/>
+                                        </p:tgtEl>
+                                        <p:attrNameLst>
+                                          <p:attrName>style.visibility</p:attrName>
+                                        </p:attrNameLst>
+                                      </p:cBhvr>
+                                      <p:to>
+                                        <p:strVal val="visible"/>
+                                      </p:to>
+                                    </p:set>
+                                  </p:childTnLst>
+                                </p:cTn>
+                              </p:par>
+                              <p:par>
+                                <p:cTn id="15" presetID="1" presetClass="entr" presetSubtype="0" fill="hold" grpId="0" nodeType="withEffect">
+                                  <p:stCondLst>
+                                    <p:cond delay="0"/>
+                                  </p:stCondLst>
+                                  <p:childTnLst>
+                                    <p:set>
+                                      <p:cBhvr>
+                                        <p:cTn id="16" dur="1" fill="hold">
+                                          <p:stCondLst>
+                                            <p:cond delay="0"/>
+                                          </p:stCondLst>
+                                        </p:cTn>
+                                        <p:tgtEl>
+                                          <p:spTgt spid="8"/>
+                                        </p:tgtEl>
+                                        <p:attrNameLst>
+                                          <p:attrName>style.visibility</p:attrName>
+                                        </p:attrNameLst>
+                                      </p:cBhvr>
+                                      <p:to>
+                                        <p:strVal val="visible"/>
+                                      </p:to>
+                                    </p:set>
+                                  </p:childTnLst>
+                                </p:cTn>
+                              </p:par>
+                            </p:childTnLst>
+                          </p:cTn>
+                        </p:par>
+                      </p:childTnLst>
+                    </p:cTn>
+                  </p:par>
+                </p:childTnLst>
+              </p:cTn>
+              <p:prevCondLst>
+                <p:cond evt="onPrev" delay="0">
+                  <p:tgtEl>
+                    <p:sldTgt/>
+                  </p:tgtEl>
+                </p:cond>
+              </p:prevCondLst>
+              <p:nextCondLst>
+                <p:cond evt="onNext" delay="0">
+                  <p:tgtEl>
+                    <p:sldTgt/>
+                  </p:tgtEl>
+                </p:cond>
+              </p:nextCondLst>
+            </p:seq>
+          </p:childTnLst>
+        </p:cTn>
+      </p:par>
+    </p:tnLst>
+    <p:bldLst>
+      <p:bldP spid="4" grpId="0"/>
+      <p:bldP spid="4" grpId="1"/>
+      <p:bldP spid="6" grpId="0"/>
+      <p:bldP spid="6" grpId="1"/>
+      <p:bldP spid="7" grpId="0"/>
+      <p:bldP spid="7" grpId="1"/>
+      <p:bldP spid="8" grpId="0"/>
+      <p:bldP spid="8" grpId="1"/>
+    </p:bldLst>
+  </p:timing>
+</p:sld>
+</file>
+
+<file path=ppt/slides/slide33.xml><?xml version="1.0" encoding="utf-8"?>
+<p:sld xmlns:a="http://schemas.openxmlformats.org/drawingml/2006/main" xmlns:r="http://schemas.openxmlformats.org/officeDocument/2006/relationships" xmlns:p="http://schemas.openxmlformats.org/presentationml/2006/main">
+  <p:cSld>
+    <p:spTree>
+      <p:nvGrpSpPr>
+        <p:cNvPr id="1" name=""/>
+        <p:cNvGrpSpPr/>
+        <p:nvPr/>
+      </p:nvGrpSpPr>
+      <p:grpSpPr/>
+      <p:sp>
+        <p:nvSpPr>
+          <p:cNvPr id="18" name="任意多边形 17"/>
+          <p:cNvSpPr/>
+          <p:nvPr/>
+        </p:nvSpPr>
+        <p:spPr>
+          <a:xfrm rot="600000">
+            <a:off x="5342086" y="122979"/>
+            <a:ext cx="1728000" cy="944245"/>
+          </a:xfrm>
+          <a:custGeom>
+            <a:avLst/>
+            <a:gdLst>
+              <a:gd name="connisteX0" fmla="*/ 257810 w 3935730"/>
+              <a:gd name="connsiteY0" fmla="*/ 429260 h 944880"/>
+              <a:gd name="connisteX1" fmla="*/ 3394710 w 3935730"/>
+              <a:gd name="connsiteY1" fmla="*/ 0 h 944880"/>
+              <a:gd name="connisteX2" fmla="*/ 26035 w 3935730"/>
+              <a:gd name="connsiteY2" fmla="*/ 541020 h 944880"/>
+              <a:gd name="connisteX3" fmla="*/ 3575050 w 3935730"/>
+              <a:gd name="connsiteY3" fmla="*/ 51435 h 944880"/>
+              <a:gd name="connisteX4" fmla="*/ 172085 w 3935730"/>
+              <a:gd name="connsiteY4" fmla="*/ 601345 h 944880"/>
+              <a:gd name="connisteX5" fmla="*/ 3652520 w 3935730"/>
+              <a:gd name="connsiteY5" fmla="*/ 128905 h 944880"/>
+              <a:gd name="connisteX6" fmla="*/ 51435 w 3935730"/>
+              <a:gd name="connsiteY6" fmla="*/ 678815 h 944880"/>
+              <a:gd name="connisteX7" fmla="*/ 3514725 w 3935730"/>
+              <a:gd name="connsiteY7" fmla="*/ 214630 h 944880"/>
+              <a:gd name="connisteX8" fmla="*/ 369570 w 3935730"/>
+              <a:gd name="connsiteY8" fmla="*/ 704215 h 944880"/>
+              <a:gd name="connisteX9" fmla="*/ 3695700 w 3935730"/>
+              <a:gd name="connsiteY9" fmla="*/ 274955 h 944880"/>
+              <a:gd name="connisteX10" fmla="*/ 180340 w 3935730"/>
+              <a:gd name="connsiteY10" fmla="*/ 833120 h 944880"/>
+              <a:gd name="connisteX11" fmla="*/ 3695700 w 3935730"/>
+              <a:gd name="connsiteY11" fmla="*/ 351790 h 944880"/>
+              <a:gd name="connisteX12" fmla="*/ 0 w 3935730"/>
+              <a:gd name="connsiteY12" fmla="*/ 944880 h 944880"/>
+              <a:gd name="connisteX13" fmla="*/ 3935730 w 3935730"/>
+              <a:gd name="connsiteY13" fmla="*/ 360680 h 944880"/>
+            </a:gdLst>
+            <a:ahLst/>
+            <a:cxnLst>
+              <a:cxn ang="0">
+                <a:pos x="connisteX0" y="connsiteY0"/>
+              </a:cxn>
+              <a:cxn ang="0">
+                <a:pos x="connisteX1" y="connsiteY1"/>
+              </a:cxn>
+              <a:cxn ang="0">
+                <a:pos x="connisteX2" y="connsiteY2"/>
+              </a:cxn>
+              <a:cxn ang="0">
+                <a:pos x="connisteX3" y="connsiteY3"/>
+              </a:cxn>
+              <a:cxn ang="0">
+                <a:pos x="connisteX4" y="connsiteY4"/>
+              </a:cxn>
+              <a:cxn ang="0">
+                <a:pos x="connisteX5" y="connsiteY5"/>
+              </a:cxn>
+              <a:cxn ang="0">
+                <a:pos x="connisteX6" y="connsiteY6"/>
+              </a:cxn>
+              <a:cxn ang="0">
+                <a:pos x="connisteX7" y="connsiteY7"/>
+              </a:cxn>
+              <a:cxn ang="0">
+                <a:pos x="connisteX8" y="connsiteY8"/>
+              </a:cxn>
+              <a:cxn ang="0">
+                <a:pos x="connisteX9" y="connsiteY9"/>
+              </a:cxn>
+              <a:cxn ang="0">
+                <a:pos x="connisteX10" y="connsiteY10"/>
+              </a:cxn>
+              <a:cxn ang="0">
+                <a:pos x="connisteX11" y="connsiteY11"/>
+              </a:cxn>
+              <a:cxn ang="0">
+                <a:pos x="connisteX12" y="connsiteY12"/>
+              </a:cxn>
+              <a:cxn ang="0">
+                <a:pos x="connisteX13" y="connsiteY13"/>
+              </a:cxn>
+            </a:cxnLst>
+            <a:rect l="l" t="t" r="r" b="b"/>
+            <a:pathLst>
+              <a:path w="3935730" h="944880">
+                <a:moveTo>
+                  <a:pt x="257810" y="429260"/>
+                </a:moveTo>
+                <a:lnTo>
+                  <a:pt x="3394710" y="0"/>
+                </a:lnTo>
+                <a:lnTo>
+                  <a:pt x="26035" y="541020"/>
+                </a:lnTo>
+                <a:lnTo>
+                  <a:pt x="3575050" y="51435"/>
+                </a:lnTo>
+                <a:lnTo>
+                  <a:pt x="172085" y="601345"/>
+                </a:lnTo>
+                <a:lnTo>
+                  <a:pt x="3652520" y="128905"/>
+                </a:lnTo>
+                <a:lnTo>
+                  <a:pt x="51435" y="678815"/>
+                </a:lnTo>
+                <a:lnTo>
+                  <a:pt x="3514725" y="214630"/>
+                </a:lnTo>
+                <a:lnTo>
+                  <a:pt x="369570" y="704215"/>
+                </a:lnTo>
+                <a:lnTo>
+                  <a:pt x="3695700" y="274955"/>
+                </a:lnTo>
+                <a:lnTo>
+                  <a:pt x="180340" y="833120"/>
+                </a:lnTo>
+                <a:lnTo>
+                  <a:pt x="3695700" y="351790"/>
+                </a:lnTo>
+                <a:lnTo>
+                  <a:pt x="0" y="944880"/>
+                </a:lnTo>
+                <a:lnTo>
+                  <a:pt x="3935730" y="360680"/>
+                </a:lnTo>
+              </a:path>
+            </a:pathLst>
+          </a:custGeom>
+          <a:noFill/>
+          <a:ln w="203200">
+            <a:solidFill>
+              <a:schemeClr val="accent4">
+                <a:lumMod val="40000"/>
+                <a:lumOff val="60000"/>
+              </a:schemeClr>
+            </a:solidFill>
+          </a:ln>
+          <a:effectLst>
+            <a:softEdge rad="63500"/>
+          </a:effectLst>
+        </p:spPr>
+        <p:style>
+          <a:lnRef idx="2">
+            <a:schemeClr val="accent1">
+              <a:shade val="50000"/>
+            </a:schemeClr>
+          </a:lnRef>
+          <a:fillRef idx="1">
+            <a:schemeClr val="accent1"/>
+          </a:fillRef>
+          <a:effectRef idx="0">
+            <a:schemeClr val="accent1"/>
+          </a:effectRef>
+          <a:fontRef idx="minor">
+            <a:schemeClr val="lt1"/>
+          </a:fontRef>
+        </p:style>
+        <p:txBody>
+          <a:bodyPr rtlCol="0" anchor="ctr"/>
+          <a:p>
+            <a:pPr algn="ctr"/>
+            <a:endParaRPr lang="zh-CN" altLang="en-US"/>
+          </a:p>
+        </p:txBody>
+      </p:sp>
+      <p:sp>
+        <p:nvSpPr>
+          <p:cNvPr id="2" name="标题 1"/>
+          <p:cNvSpPr>
+            <a:spLocks noGrp="1"/>
+          </p:cNvSpPr>
+          <p:nvPr>
+            <p:ph type="title"/>
+          </p:nvPr>
+        </p:nvSpPr>
+        <p:spPr>
+          <a:xfrm>
+            <a:off x="3977640" y="255905"/>
+            <a:ext cx="4189095" cy="817245"/>
+          </a:xfrm>
+        </p:spPr>
+        <p:txBody>
+          <a:bodyPr>
+            <a:normAutofit fontScale="90000"/>
+          </a:bodyPr>
+          <a:p>
+            <a:r>
+              <a:rPr lang="en-US" altLang="zh-CN">
+                <a:latin typeface="Aa小梨涡" panose="02010600010101010101" charset="-122"/>
+                <a:ea typeface="Aa小梨涡" panose="02010600010101010101" charset="-122"/>
+              </a:rPr>
+              <a:t>5.3 </a:t>
+            </a:r>
+            <a:r>
+              <a:rPr lang="zh-CN" altLang="en-US">
+                <a:latin typeface="Aa小梨涡" panose="02010600010101010101" charset="-122"/>
+                <a:ea typeface="Aa小梨涡" panose="02010600010101010101" charset="-122"/>
+              </a:rPr>
+              <a:t>生成器表达式</a:t>
+            </a:r>
+            <a:endParaRPr lang="zh-CN" altLang="en-US">
+              <a:latin typeface="Aa小梨涡" panose="02010600010101010101" charset="-122"/>
+              <a:ea typeface="Aa小梨涡" panose="02010600010101010101" charset="-122"/>
+            </a:endParaRPr>
+          </a:p>
+        </p:txBody>
+      </p:sp>
+      <p:sp>
+        <p:nvSpPr>
+          <p:cNvPr id="20" name="任意多边形 19"/>
+          <p:cNvSpPr/>
+          <p:nvPr/>
+        </p:nvSpPr>
+        <p:spPr>
+          <a:xfrm rot="10320000">
+            <a:off x="4344035" y="897890"/>
+            <a:ext cx="3456305" cy="76200"/>
+          </a:xfrm>
+          <a:custGeom>
+            <a:avLst/>
+            <a:gdLst>
+              <a:gd name="connisteX0" fmla="*/ 4685923 w 4685923"/>
+              <a:gd name="connsiteY0" fmla="*/ 9525 h 464575"/>
+              <a:gd name="connisteX1" fmla="*/ 548898 w 4685923"/>
+              <a:gd name="connsiteY1" fmla="*/ 238125 h 464575"/>
+              <a:gd name="connisteX2" fmla="*/ 672723 w 4685923"/>
+              <a:gd name="connsiteY2" fmla="*/ 456565 h 464575"/>
+              <a:gd name="connisteX3" fmla="*/ 4638298 w 4685923"/>
+              <a:gd name="connsiteY3" fmla="*/ 0 h 464575"/>
+            </a:gdLst>
+            <a:ahLst/>
+            <a:cxnLst>
+              <a:cxn ang="0">
+                <a:pos x="connisteX0" y="connsiteY0"/>
+              </a:cxn>
+              <a:cxn ang="0">
+                <a:pos x="connisteX1" y="connsiteY1"/>
+              </a:cxn>
+              <a:cxn ang="0">
+                <a:pos x="connisteX2" y="connsiteY2"/>
+              </a:cxn>
+              <a:cxn ang="0">
+                <a:pos x="connisteX3" y="connsiteY3"/>
+              </a:cxn>
+            </a:cxnLst>
+            <a:rect l="l" t="t" r="r" b="b"/>
+            <a:pathLst>
+              <a:path w="4685923" h="464576">
+                <a:moveTo>
+                  <a:pt x="4685923" y="9525"/>
+                </a:moveTo>
+                <a:cubicBezTo>
+                  <a:pt x="3855978" y="50800"/>
+                  <a:pt x="1351538" y="148590"/>
+                  <a:pt x="548898" y="238125"/>
+                </a:cubicBezTo>
+                <a:cubicBezTo>
+                  <a:pt x="-253742" y="327660"/>
+                  <a:pt x="-145157" y="504190"/>
+                  <a:pt x="672723" y="456565"/>
+                </a:cubicBezTo>
+                <a:cubicBezTo>
+                  <a:pt x="1490603" y="408940"/>
+                  <a:pt x="3847723" y="95885"/>
+                  <a:pt x="4638298" y="0"/>
+                </a:cubicBezTo>
+              </a:path>
+            </a:pathLst>
+          </a:custGeom>
+          <a:solidFill>
+            <a:schemeClr val="accent5"/>
+          </a:solidFill>
+          <a:ln>
+            <a:noFill/>
+          </a:ln>
+        </p:spPr>
+        <p:style>
+          <a:lnRef idx="2">
+            <a:schemeClr val="accent1">
+              <a:shade val="50000"/>
+            </a:schemeClr>
+          </a:lnRef>
+          <a:fillRef idx="1">
+            <a:schemeClr val="accent1"/>
+          </a:fillRef>
+          <a:effectRef idx="0">
+            <a:schemeClr val="accent1"/>
+          </a:effectRef>
+          <a:fontRef idx="minor">
+            <a:schemeClr val="lt1"/>
+          </a:fontRef>
+        </p:style>
+        <p:txBody>
+          <a:bodyPr rtlCol="0" anchor="ctr"/>
+          <a:p>
+            <a:pPr algn="ctr"/>
+            <a:endParaRPr lang="zh-CN" altLang="en-US"/>
+          </a:p>
+        </p:txBody>
+      </p:sp>
+      <p:sp>
+        <p:nvSpPr>
+          <p:cNvPr id="4" name="文本框 3"/>
+          <p:cNvSpPr txBox="1"/>
+          <p:nvPr/>
+        </p:nvSpPr>
+        <p:spPr>
+          <a:xfrm>
+            <a:off x="455295" y="1210310"/>
+            <a:ext cx="11281410" cy="1437640"/>
+          </a:xfrm>
+          <a:prstGeom prst="rect">
+            <a:avLst/>
+          </a:prstGeom>
+          <a:noFill/>
+          <a:ln>
+            <a:noFill/>
+          </a:ln>
+        </p:spPr>
+        <p:txBody>
+          <a:bodyPr wrap="square" rtlCol="0">
+            <a:spAutoFit/>
+          </a:bodyPr>
+          <a:p>
+            <a:pPr fontAlgn="auto">
+              <a:lnSpc>
+                <a:spcPts val="3500"/>
+              </a:lnSpc>
+            </a:pPr>
+            <a:r>
+              <a:rPr lang="en-US" sz="2200">
+                <a:latin typeface="Aa小梨涡" panose="02010600010101010101" charset="-122"/>
+                <a:ea typeface="Aa小梨涡" panose="02010600010101010101" charset="-122"/>
+                <a:cs typeface="Aa小梨涡" panose="02010600010101010101" charset="-122"/>
+                <a:sym typeface="+mn-ea"/>
+              </a:rPr>
+              <a:t>4. </a:t>
+            </a:r>
+            <a:r>
+              <a:rPr lang="zh-CN" altLang="en-US" sz="2200">
+                <a:latin typeface="Aa小梨涡" panose="02010600010101010101" charset="-122"/>
+                <a:ea typeface="Aa小梨涡" panose="02010600010101010101" charset="-122"/>
+                <a:cs typeface="Aa小梨涡" panose="02010600010101010101" charset="-122"/>
+                <a:sym typeface="+mn-ea"/>
+              </a:rPr>
+              <a:t>生成器表达式的使用方式</a:t>
+            </a:r>
+            <a:endParaRPr lang="zh-CN" altLang="en-US" sz="2200">
+              <a:latin typeface="Aa小梨涡" panose="02010600010101010101" charset="-122"/>
+              <a:ea typeface="Aa小梨涡" panose="02010600010101010101" charset="-122"/>
+              <a:cs typeface="Aa小梨涡" panose="02010600010101010101" charset="-122"/>
+              <a:sym typeface="+mn-ea"/>
+            </a:endParaRPr>
+          </a:p>
+          <a:p>
+            <a:pPr fontAlgn="auto">
+              <a:lnSpc>
+                <a:spcPts val="3500"/>
+              </a:lnSpc>
+            </a:pPr>
+            <a:r>
+              <a:rPr lang="zh-CN" altLang="en-US" sz="2200">
+                <a:latin typeface="Aa小梨涡" panose="02010600010101010101" charset="-122"/>
+                <a:ea typeface="Aa小梨涡" panose="02010600010101010101" charset="-122"/>
+                <a:cs typeface="Aa小梨涡" panose="02010600010101010101" charset="-122"/>
+                <a:sym typeface="+mn-ea"/>
+              </a:rPr>
+              <a:t>        （</a:t>
+            </a:r>
+            <a:r>
+              <a:rPr lang="en-US" altLang="zh-CN" sz="2200">
+                <a:latin typeface="Aa小梨涡" panose="02010600010101010101" charset="-122"/>
+                <a:ea typeface="Aa小梨涡" panose="02010600010101010101" charset="-122"/>
+                <a:cs typeface="Aa小梨涡" panose="02010600010101010101" charset="-122"/>
+                <a:sym typeface="+mn-ea"/>
+              </a:rPr>
+              <a:t>1</a:t>
+            </a:r>
+            <a:r>
+              <a:rPr lang="zh-CN" altLang="en-US" sz="2200">
+                <a:latin typeface="Aa小梨涡" panose="02010600010101010101" charset="-122"/>
+                <a:ea typeface="Aa小梨涡" panose="02010600010101010101" charset="-122"/>
+                <a:cs typeface="Aa小梨涡" panose="02010600010101010101" charset="-122"/>
+                <a:sym typeface="+mn-ea"/>
+              </a:rPr>
+              <a:t>）</a:t>
+            </a:r>
+            <a:r>
+              <a:rPr lang="en-US" altLang="zh-CN" sz="2200">
+                <a:latin typeface="Aa小梨涡" panose="02010600010101010101" charset="-122"/>
+                <a:ea typeface="Aa小梨涡" panose="02010600010101010101" charset="-122"/>
+                <a:cs typeface="Aa小梨涡" panose="02010600010101010101" charset="-122"/>
+                <a:sym typeface="+mn-ea"/>
+              </a:rPr>
+              <a:t>next(</a:t>
+            </a:r>
+            <a:r>
+              <a:rPr lang="en-US" altLang="zh-CN" sz="2200">
+                <a:latin typeface="Aa小梨涡" panose="02010600010101010101" charset="-122"/>
+                <a:ea typeface="Aa小梨涡" panose="02010600010101010101" charset="-122"/>
+                <a:cs typeface="Aa小梨涡" panose="02010600010101010101" charset="-122"/>
+                <a:sym typeface="+mn-ea"/>
+              </a:rPr>
+              <a:t>generator_expression</a:t>
+            </a:r>
+            <a:r>
+              <a:rPr lang="en-US" altLang="zh-CN" sz="2200">
+                <a:latin typeface="Aa小梨涡" panose="02010600010101010101" charset="-122"/>
+                <a:ea typeface="Aa小梨涡" panose="02010600010101010101" charset="-122"/>
+                <a:cs typeface="Aa小梨涡" panose="02010600010101010101" charset="-122"/>
+                <a:sym typeface="+mn-ea"/>
+              </a:rPr>
+              <a:t>)</a:t>
+            </a:r>
+            <a:endParaRPr lang="en-US" altLang="zh-CN" sz="2200">
+              <a:latin typeface="Aa小梨涡" panose="02010600010101010101" charset="-122"/>
+              <a:ea typeface="Aa小梨涡" panose="02010600010101010101" charset="-122"/>
+              <a:cs typeface="Aa小梨涡" panose="02010600010101010101" charset="-122"/>
+              <a:sym typeface="+mn-ea"/>
+            </a:endParaRPr>
+          </a:p>
+          <a:p>
+            <a:pPr fontAlgn="auto">
+              <a:lnSpc>
+                <a:spcPts val="3500"/>
+              </a:lnSpc>
+            </a:pPr>
+            <a:r>
+              <a:rPr lang="zh-CN" altLang="en-US" sz="2200">
+                <a:latin typeface="Aa小梨涡" panose="02010600010101010101" charset="-122"/>
+                <a:ea typeface="Aa小梨涡" panose="02010600010101010101" charset="-122"/>
+                <a:cs typeface="Aa小梨涡" panose="02010600010101010101" charset="-122"/>
+                <a:sym typeface="+mn-ea"/>
+              </a:rPr>
+              <a:t>        （</a:t>
+            </a:r>
+            <a:r>
+              <a:rPr lang="en-US" altLang="zh-CN" sz="2200">
+                <a:latin typeface="Aa小梨涡" panose="02010600010101010101" charset="-122"/>
+                <a:ea typeface="Aa小梨涡" panose="02010600010101010101" charset="-122"/>
+                <a:cs typeface="Aa小梨涡" panose="02010600010101010101" charset="-122"/>
+                <a:sym typeface="+mn-ea"/>
+              </a:rPr>
+              <a:t>2</a:t>
+            </a:r>
+            <a:r>
+              <a:rPr lang="zh-CN" altLang="en-US" sz="2200">
+                <a:latin typeface="Aa小梨涡" panose="02010600010101010101" charset="-122"/>
+                <a:ea typeface="Aa小梨涡" panose="02010600010101010101" charset="-122"/>
+                <a:cs typeface="Aa小梨涡" panose="02010600010101010101" charset="-122"/>
+                <a:sym typeface="+mn-ea"/>
+              </a:rPr>
+              <a:t>）</a:t>
+            </a:r>
+            <a:r>
+              <a:rPr lang="en-US" altLang="zh-CN" sz="2200">
+                <a:latin typeface="Aa小梨涡" panose="02010600010101010101" charset="-122"/>
+                <a:ea typeface="Aa小梨涡" panose="02010600010101010101" charset="-122"/>
+                <a:cs typeface="Aa小梨涡" panose="02010600010101010101" charset="-122"/>
+                <a:sym typeface="+mn-ea"/>
+              </a:rPr>
+              <a:t>for ... in </a:t>
+            </a:r>
+            <a:r>
+              <a:rPr lang="en-US" altLang="zh-CN" sz="2200">
+                <a:latin typeface="Aa小梨涡" panose="02010600010101010101" charset="-122"/>
+                <a:ea typeface="Aa小梨涡" panose="02010600010101010101" charset="-122"/>
+                <a:cs typeface="Aa小梨涡" panose="02010600010101010101" charset="-122"/>
+                <a:sym typeface="+mn-ea"/>
+              </a:rPr>
+              <a:t>generator_expression</a:t>
+            </a:r>
+            <a:endParaRPr lang="en-US" altLang="zh-CN" sz="2200">
+              <a:latin typeface="Aa小梨涡" panose="02010600010101010101" charset="-122"/>
+              <a:ea typeface="Aa小梨涡" panose="02010600010101010101" charset="-122"/>
+              <a:cs typeface="Aa小梨涡" panose="02010600010101010101" charset="-122"/>
+              <a:sym typeface="+mn-ea"/>
+            </a:endParaRPr>
+          </a:p>
+        </p:txBody>
+      </p:sp>
+      <p:sp>
+        <p:nvSpPr>
+          <p:cNvPr id="3" name="文本框 2"/>
+          <p:cNvSpPr txBox="1"/>
+          <p:nvPr/>
+        </p:nvSpPr>
+        <p:spPr>
+          <a:xfrm>
+            <a:off x="455295" y="2909570"/>
+            <a:ext cx="11281410" cy="988695"/>
+          </a:xfrm>
+          <a:prstGeom prst="rect">
+            <a:avLst/>
+          </a:prstGeom>
+          <a:noFill/>
+          <a:ln>
+            <a:noFill/>
+          </a:ln>
+        </p:spPr>
+        <p:txBody>
+          <a:bodyPr wrap="square" rtlCol="0">
+            <a:spAutoFit/>
+          </a:bodyPr>
+          <a:p>
+            <a:pPr fontAlgn="auto">
+              <a:lnSpc>
+                <a:spcPts val="3500"/>
+              </a:lnSpc>
+            </a:pPr>
+            <a:r>
+              <a:rPr lang="en-US" sz="2200">
+                <a:latin typeface="Aa小梨涡" panose="02010600010101010101" charset="-122"/>
+                <a:ea typeface="Aa小梨涡" panose="02010600010101010101" charset="-122"/>
+                <a:cs typeface="Aa小梨涡" panose="02010600010101010101" charset="-122"/>
+                <a:sym typeface="+mn-ea"/>
+              </a:rPr>
+              <a:t>5. </a:t>
+            </a:r>
+            <a:r>
+              <a:rPr lang="zh-CN" altLang="en-US" sz="2200">
+                <a:latin typeface="Aa小梨涡" panose="02010600010101010101" charset="-122"/>
+                <a:ea typeface="Aa小梨涡" panose="02010600010101010101" charset="-122"/>
+                <a:cs typeface="Aa小梨涡" panose="02010600010101010101" charset="-122"/>
+                <a:sym typeface="+mn-ea"/>
+              </a:rPr>
+              <a:t>生成器表达式和列表推导式的性能比较</a:t>
+            </a:r>
+            <a:endParaRPr lang="zh-CN" altLang="en-US" sz="2200">
+              <a:latin typeface="Aa小梨涡" panose="02010600010101010101" charset="-122"/>
+              <a:ea typeface="Aa小梨涡" panose="02010600010101010101" charset="-122"/>
+              <a:cs typeface="Aa小梨涡" panose="02010600010101010101" charset="-122"/>
+              <a:sym typeface="+mn-ea"/>
+            </a:endParaRPr>
+          </a:p>
+          <a:p>
+            <a:pPr fontAlgn="auto">
+              <a:lnSpc>
+                <a:spcPts val="3500"/>
+              </a:lnSpc>
+            </a:pPr>
+            <a:r>
+              <a:rPr lang="zh-CN" altLang="en-US" sz="2200">
+                <a:latin typeface="Aa小梨涡" panose="02010600010101010101" charset="-122"/>
+                <a:ea typeface="Aa小梨涡" panose="02010600010101010101" charset="-122"/>
+                <a:cs typeface="Aa小梨涡" panose="02010600010101010101" charset="-122"/>
+                <a:sym typeface="+mn-ea"/>
+              </a:rPr>
+              <a:t>        </a:t>
+            </a:r>
+            <a:r>
+              <a:rPr lang="en-US" altLang="zh-CN" sz="2200">
+                <a:latin typeface="Aa小梨涡" panose="02010600010101010101" charset="-122"/>
+                <a:ea typeface="Aa小梨涡" panose="02010600010101010101" charset="-122"/>
+                <a:cs typeface="Aa小梨涡" panose="02010600010101010101" charset="-122"/>
+                <a:sym typeface="+mn-ea"/>
+              </a:rPr>
+              <a:t>当需要操作大量元素时，生成器可以极大节约内存空间</a:t>
+            </a:r>
+            <a:r>
+              <a:rPr lang="zh-CN" altLang="en-US" sz="2200">
+                <a:latin typeface="Aa小梨涡" panose="02010600010101010101" charset="-122"/>
+                <a:ea typeface="Aa小梨涡" panose="02010600010101010101" charset="-122"/>
+                <a:cs typeface="Aa小梨涡" panose="02010600010101010101" charset="-122"/>
+                <a:sym typeface="+mn-ea"/>
+              </a:rPr>
+              <a:t>。</a:t>
+            </a:r>
+            <a:endParaRPr lang="zh-CN" altLang="en-US" sz="2200">
+              <a:latin typeface="Aa小梨涡" panose="02010600010101010101" charset="-122"/>
+              <a:ea typeface="Aa小梨涡" panose="02010600010101010101" charset="-122"/>
+              <a:cs typeface="Aa小梨涡" panose="02010600010101010101" charset="-122"/>
+              <a:sym typeface="+mn-ea"/>
+            </a:endParaRPr>
+          </a:p>
+        </p:txBody>
+      </p:sp>
+      <p:sp>
+        <p:nvSpPr>
+          <p:cNvPr id="5" name="文本框 4"/>
+          <p:cNvSpPr txBox="1"/>
+          <p:nvPr/>
+        </p:nvSpPr>
+        <p:spPr>
+          <a:xfrm>
+            <a:off x="5273040" y="2188845"/>
+            <a:ext cx="1545590" cy="270510"/>
+          </a:xfrm>
+          <a:prstGeom prst="rect">
+            <a:avLst/>
+          </a:prstGeom>
+          <a:noFill/>
+        </p:spPr>
+        <p:txBody>
+          <a:bodyPr wrap="square" rtlCol="0">
+            <a:spAutoFit/>
+          </a:bodyPr>
+          <a:p>
+            <a:r>
+              <a:rPr lang="en-US" altLang="zh-CN" baseline="30000">
+                <a:solidFill>
+                  <a:schemeClr val="accent5"/>
+                </a:solidFill>
+                <a:latin typeface="Comic Sans MS" panose="030F0702030302020204" charset="0"/>
+                <a:cs typeface="Comic Sans MS" panose="030F0702030302020204" charset="0"/>
+              </a:rPr>
+              <a:t>[5.3-2.py, 5.3-3.py]</a:t>
+            </a:r>
+            <a:endParaRPr lang="en-US" altLang="zh-CN" baseline="30000">
+              <a:solidFill>
+                <a:schemeClr val="accent5"/>
+              </a:solidFill>
+              <a:latin typeface="Comic Sans MS" panose="030F0702030302020204" charset="0"/>
+              <a:cs typeface="Comic Sans MS" panose="030F0702030302020204" charset="0"/>
+            </a:endParaRPr>
+          </a:p>
+        </p:txBody>
+      </p:sp>
+      <p:sp>
+        <p:nvSpPr>
+          <p:cNvPr id="9" name="文本框 8"/>
+          <p:cNvSpPr txBox="1"/>
+          <p:nvPr/>
+        </p:nvSpPr>
+        <p:spPr>
+          <a:xfrm>
+            <a:off x="7881620" y="3354070"/>
+            <a:ext cx="1545590" cy="270510"/>
+          </a:xfrm>
+          <a:prstGeom prst="rect">
+            <a:avLst/>
+          </a:prstGeom>
+          <a:noFill/>
+        </p:spPr>
+        <p:txBody>
+          <a:bodyPr wrap="square" rtlCol="0">
+            <a:spAutoFit/>
+          </a:bodyPr>
+          <a:p>
+            <a:r>
+              <a:rPr lang="en-US" altLang="zh-CN" baseline="30000">
+                <a:solidFill>
+                  <a:schemeClr val="accent5"/>
+                </a:solidFill>
+                <a:latin typeface="Comic Sans MS" panose="030F0702030302020204" charset="0"/>
+                <a:cs typeface="Comic Sans MS" panose="030F0702030302020204" charset="0"/>
+              </a:rPr>
+              <a:t>[5.3-4.py,]</a:t>
+            </a:r>
+            <a:endParaRPr lang="en-US" altLang="zh-CN" baseline="30000">
+              <a:solidFill>
+                <a:schemeClr val="accent5"/>
+              </a:solidFill>
+              <a:latin typeface="Comic Sans MS" panose="030F0702030302020204" charset="0"/>
+              <a:cs typeface="Comic Sans MS" panose="030F0702030302020204" charset="0"/>
+            </a:endParaRPr>
+          </a:p>
+        </p:txBody>
+      </p:sp>
+    </p:spTree>
+  </p:cSld>
+  <p:clrMapOvr>
+    <a:masterClrMapping/>
+  </p:clrMapOvr>
+  <p:timing>
+    <p:tnLst>
+      <p:par>
+        <p:cTn id="1" dur="indefinite" restart="never" nodeType="tmRoot">
+          <p:childTnLst>
+            <p:seq concurrent="1" nextAc="seek">
+              <p:cTn id="2" dur="indefinite" nodeType="mainSeq">
+                <p:childTnLst>
+                  <p:par>
+                    <p:cTn id="3" fill="hold">
+                      <p:stCondLst>
+                        <p:cond delay="indefinite"/>
+                      </p:stCondLst>
+                      <p:childTnLst>
+                        <p:par>
+                          <p:cTn id="4" fill="hold">
+                            <p:stCondLst>
+                              <p:cond delay="0"/>
+                            </p:stCondLst>
+                            <p:childTnLst>
+                              <p:par>
+                                <p:cTn id="5" presetID="1" presetClass="entr" presetSubtype="0" fill="hold" grpId="0" nodeType="clickEffect">
+                                  <p:stCondLst>
+                                    <p:cond delay="0"/>
+                                  </p:stCondLst>
+                                  <p:childTnLst>
+                                    <p:set>
+                                      <p:cBhvr>
+                                        <p:cTn id="6" dur="1" fill="hold">
+                                          <p:stCondLst>
+                                            <p:cond delay="0"/>
+                                          </p:stCondLst>
+                                        </p:cTn>
+                                        <p:tgtEl>
+                                          <p:spTgt spid="4"/>
+                                        </p:tgtEl>
+                                        <p:attrNameLst>
+                                          <p:attrName>style.visibility</p:attrName>
+                                        </p:attrNameLst>
+                                      </p:cBhvr>
+                                      <p:to>
+                                        <p:strVal val="visible"/>
+                                      </p:to>
+                                    </p:set>
+                                  </p:childTnLst>
+                                </p:cTn>
+                              </p:par>
+                            </p:childTnLst>
+                          </p:cTn>
+                        </p:par>
+                      </p:childTnLst>
+                    </p:cTn>
+                  </p:par>
+                  <p:par>
+                    <p:cTn id="7" fill="hold">
+                      <p:stCondLst>
+                        <p:cond delay="indefinite"/>
+                      </p:stCondLst>
+                      <p:childTnLst>
+                        <p:par>
+                          <p:cTn id="8" fill="hold">
+                            <p:stCondLst>
+                              <p:cond delay="0"/>
+                            </p:stCondLst>
+                            <p:childTnLst>
+                              <p:par>
+                                <p:cTn id="9" presetID="1" presetClass="entr" presetSubtype="0" fill="hold" grpId="0" nodeType="clickEffect">
+                                  <p:stCondLst>
+                                    <p:cond delay="0"/>
+                                  </p:stCondLst>
+                                  <p:childTnLst>
+                                    <p:set>
+                                      <p:cBhvr>
+                                        <p:cTn id="10" dur="1" fill="hold">
+                                          <p:stCondLst>
+                                            <p:cond delay="0"/>
+                                          </p:stCondLst>
+                                        </p:cTn>
+                                        <p:tgtEl>
+                                          <p:spTgt spid="3"/>
+                                        </p:tgtEl>
+                                        <p:attrNameLst>
+                                          <p:attrName>style.visibility</p:attrName>
+                                        </p:attrNameLst>
+                                      </p:cBhvr>
+                                      <p:to>
+                                        <p:strVal val="visible"/>
+                                      </p:to>
+                                    </p:set>
+                                  </p:childTnLst>
+                                </p:cTn>
+                              </p:par>
+                              <p:par>
+                                <p:cTn id="11" presetID="1" presetClass="entr" presetSubtype="0" fill="hold" grpId="0" nodeType="withEffect">
+                                  <p:stCondLst>
+                                    <p:cond delay="0"/>
+                                  </p:stCondLst>
+                                  <p:childTnLst>
+                                    <p:set>
+                                      <p:cBhvr>
+                                        <p:cTn id="12" dur="1" fill="hold">
+                                          <p:stCondLst>
+                                            <p:cond delay="0"/>
+                                          </p:stCondLst>
+                                        </p:cTn>
+                                        <p:tgtEl>
+                                          <p:spTgt spid="5"/>
+                                        </p:tgtEl>
+                                        <p:attrNameLst>
+                                          <p:attrName>style.visibility</p:attrName>
+                                        </p:attrNameLst>
+                                      </p:cBhvr>
+                                      <p:to>
+                                        <p:strVal val="visible"/>
+                                      </p:to>
+                                    </p:set>
+                                  </p:childTnLst>
+                                </p:cTn>
+                              </p:par>
+                              <p:par>
+                                <p:cTn id="13" presetID="1" presetClass="entr" presetSubtype="0" fill="hold" grpId="0" nodeType="withEffect">
+                                  <p:stCondLst>
+                                    <p:cond delay="0"/>
+                                  </p:stCondLst>
+                                  <p:childTnLst>
+                                    <p:set>
+                                      <p:cBhvr>
+                                        <p:cTn id="14" dur="1" fill="hold">
+                                          <p:stCondLst>
+                                            <p:cond delay="0"/>
+                                          </p:stCondLst>
+                                        </p:cTn>
+                                        <p:tgtEl>
+                                          <p:spTgt spid="9"/>
+                                        </p:tgtEl>
+                                        <p:attrNameLst>
+                                          <p:attrName>style.visibility</p:attrName>
+                                        </p:attrNameLst>
+                                      </p:cBhvr>
+                                      <p:to>
+                                        <p:strVal val="visible"/>
+                                      </p:to>
+                                    </p:set>
+                                  </p:childTnLst>
+                                </p:cTn>
+                              </p:par>
+                            </p:childTnLst>
+                          </p:cTn>
+                        </p:par>
+                      </p:childTnLst>
+                    </p:cTn>
+                  </p:par>
+                </p:childTnLst>
+              </p:cTn>
+              <p:prevCondLst>
+                <p:cond evt="onPrev" delay="0">
+                  <p:tgtEl>
+                    <p:sldTgt/>
+                  </p:tgtEl>
+                </p:cond>
+              </p:prevCondLst>
+              <p:nextCondLst>
+                <p:cond evt="onNext" delay="0">
+                  <p:tgtEl>
+                    <p:sldTgt/>
+                  </p:tgtEl>
+                </p:cond>
+              </p:nextCondLst>
+            </p:seq>
+          </p:childTnLst>
+        </p:cTn>
+      </p:par>
+    </p:tnLst>
+    <p:bldLst>
+      <p:bldP spid="4" grpId="0"/>
+      <p:bldP spid="4" grpId="1"/>
+      <p:bldP spid="3" grpId="0"/>
+      <p:bldP spid="3" grpId="1"/>
+      <p:bldP spid="5" grpId="0"/>
+      <p:bldP spid="5" grpId="1"/>
+      <p:bldP spid="9" grpId="0"/>
+      <p:bldP spid="9" grpId="1"/>
+    </p:bldLst>
+  </p:timing>
+</p:sld>
+</file>
+
+<file path=ppt/slides/slide34.xml><?xml version="1.0" encoding="utf-8"?>
+<p:sld xmlns:a="http://schemas.openxmlformats.org/drawingml/2006/main" xmlns:r="http://schemas.openxmlformats.org/officeDocument/2006/relationships" xmlns:p="http://schemas.openxmlformats.org/presentationml/2006/main">
+  <p:cSld>
+    <p:spTree>
+      <p:nvGrpSpPr>
+        <p:cNvPr id="1" name=""/>
+        <p:cNvGrpSpPr/>
+        <p:nvPr/>
+      </p:nvGrpSpPr>
+      <p:grpSpPr/>
+      <p:sp>
+        <p:nvSpPr>
+          <p:cNvPr id="18" name="任意多边形 17"/>
+          <p:cNvSpPr/>
+          <p:nvPr/>
+        </p:nvSpPr>
+        <p:spPr>
+          <a:xfrm rot="600000">
+            <a:off x="5342086" y="122979"/>
+            <a:ext cx="1728000" cy="944245"/>
+          </a:xfrm>
+          <a:custGeom>
+            <a:avLst/>
+            <a:gdLst>
+              <a:gd name="connisteX0" fmla="*/ 257810 w 3935730"/>
+              <a:gd name="connsiteY0" fmla="*/ 429260 h 944880"/>
+              <a:gd name="connisteX1" fmla="*/ 3394710 w 3935730"/>
+              <a:gd name="connsiteY1" fmla="*/ 0 h 944880"/>
+              <a:gd name="connisteX2" fmla="*/ 26035 w 3935730"/>
+              <a:gd name="connsiteY2" fmla="*/ 541020 h 944880"/>
+              <a:gd name="connisteX3" fmla="*/ 3575050 w 3935730"/>
+              <a:gd name="connsiteY3" fmla="*/ 51435 h 944880"/>
+              <a:gd name="connisteX4" fmla="*/ 172085 w 3935730"/>
+              <a:gd name="connsiteY4" fmla="*/ 601345 h 944880"/>
+              <a:gd name="connisteX5" fmla="*/ 3652520 w 3935730"/>
+              <a:gd name="connsiteY5" fmla="*/ 128905 h 944880"/>
+              <a:gd name="connisteX6" fmla="*/ 51435 w 3935730"/>
+              <a:gd name="connsiteY6" fmla="*/ 678815 h 944880"/>
+              <a:gd name="connisteX7" fmla="*/ 3514725 w 3935730"/>
+              <a:gd name="connsiteY7" fmla="*/ 214630 h 944880"/>
+              <a:gd name="connisteX8" fmla="*/ 369570 w 3935730"/>
+              <a:gd name="connsiteY8" fmla="*/ 704215 h 944880"/>
+              <a:gd name="connisteX9" fmla="*/ 3695700 w 3935730"/>
+              <a:gd name="connsiteY9" fmla="*/ 274955 h 944880"/>
+              <a:gd name="connisteX10" fmla="*/ 180340 w 3935730"/>
+              <a:gd name="connsiteY10" fmla="*/ 833120 h 944880"/>
+              <a:gd name="connisteX11" fmla="*/ 3695700 w 3935730"/>
+              <a:gd name="connsiteY11" fmla="*/ 351790 h 944880"/>
+              <a:gd name="connisteX12" fmla="*/ 0 w 3935730"/>
+              <a:gd name="connsiteY12" fmla="*/ 944880 h 944880"/>
+              <a:gd name="connisteX13" fmla="*/ 3935730 w 3935730"/>
+              <a:gd name="connsiteY13" fmla="*/ 360680 h 944880"/>
+            </a:gdLst>
+            <a:ahLst/>
+            <a:cxnLst>
+              <a:cxn ang="0">
+                <a:pos x="connisteX0" y="connsiteY0"/>
+              </a:cxn>
+              <a:cxn ang="0">
+                <a:pos x="connisteX1" y="connsiteY1"/>
+              </a:cxn>
+              <a:cxn ang="0">
+                <a:pos x="connisteX2" y="connsiteY2"/>
+              </a:cxn>
+              <a:cxn ang="0">
+                <a:pos x="connisteX3" y="connsiteY3"/>
+              </a:cxn>
+              <a:cxn ang="0">
+                <a:pos x="connisteX4" y="connsiteY4"/>
+              </a:cxn>
+              <a:cxn ang="0">
+                <a:pos x="connisteX5" y="connsiteY5"/>
+              </a:cxn>
+              <a:cxn ang="0">
+                <a:pos x="connisteX6" y="connsiteY6"/>
+              </a:cxn>
+              <a:cxn ang="0">
+                <a:pos x="connisteX7" y="connsiteY7"/>
+              </a:cxn>
+              <a:cxn ang="0">
+                <a:pos x="connisteX8" y="connsiteY8"/>
+              </a:cxn>
+              <a:cxn ang="0">
+                <a:pos x="connisteX9" y="connsiteY9"/>
+              </a:cxn>
+              <a:cxn ang="0">
+                <a:pos x="connisteX10" y="connsiteY10"/>
+              </a:cxn>
+              <a:cxn ang="0">
+                <a:pos x="connisteX11" y="connsiteY11"/>
+              </a:cxn>
+              <a:cxn ang="0">
+                <a:pos x="connisteX12" y="connsiteY12"/>
+              </a:cxn>
+              <a:cxn ang="0">
+                <a:pos x="connisteX13" y="connsiteY13"/>
+              </a:cxn>
+            </a:cxnLst>
+            <a:rect l="l" t="t" r="r" b="b"/>
+            <a:pathLst>
+              <a:path w="3935730" h="944880">
+                <a:moveTo>
+                  <a:pt x="257810" y="429260"/>
+                </a:moveTo>
+                <a:lnTo>
+                  <a:pt x="3394710" y="0"/>
+                </a:lnTo>
+                <a:lnTo>
+                  <a:pt x="26035" y="541020"/>
+                </a:lnTo>
+                <a:lnTo>
+                  <a:pt x="3575050" y="51435"/>
+                </a:lnTo>
+                <a:lnTo>
+                  <a:pt x="172085" y="601345"/>
+                </a:lnTo>
+                <a:lnTo>
+                  <a:pt x="3652520" y="128905"/>
+                </a:lnTo>
+                <a:lnTo>
+                  <a:pt x="51435" y="678815"/>
+                </a:lnTo>
+                <a:lnTo>
+                  <a:pt x="3514725" y="214630"/>
+                </a:lnTo>
+                <a:lnTo>
+                  <a:pt x="369570" y="704215"/>
+                </a:lnTo>
+                <a:lnTo>
+                  <a:pt x="3695700" y="274955"/>
+                </a:lnTo>
+                <a:lnTo>
+                  <a:pt x="180340" y="833120"/>
+                </a:lnTo>
+                <a:lnTo>
+                  <a:pt x="3695700" y="351790"/>
+                </a:lnTo>
+                <a:lnTo>
+                  <a:pt x="0" y="944880"/>
+                </a:lnTo>
+                <a:lnTo>
+                  <a:pt x="3935730" y="360680"/>
+                </a:lnTo>
+              </a:path>
+            </a:pathLst>
+          </a:custGeom>
+          <a:noFill/>
+          <a:ln w="203200">
+            <a:solidFill>
+              <a:schemeClr val="accent4">
+                <a:lumMod val="40000"/>
+                <a:lumOff val="60000"/>
+              </a:schemeClr>
+            </a:solidFill>
+          </a:ln>
+          <a:effectLst>
+            <a:softEdge rad="63500"/>
+          </a:effectLst>
+        </p:spPr>
+        <p:style>
+          <a:lnRef idx="2">
+            <a:schemeClr val="accent1">
+              <a:shade val="50000"/>
+            </a:schemeClr>
+          </a:lnRef>
+          <a:fillRef idx="1">
+            <a:schemeClr val="accent1"/>
+          </a:fillRef>
+          <a:effectRef idx="0">
+            <a:schemeClr val="accent1"/>
+          </a:effectRef>
+          <a:fontRef idx="minor">
+            <a:schemeClr val="lt1"/>
+          </a:fontRef>
+        </p:style>
+        <p:txBody>
+          <a:bodyPr rtlCol="0" anchor="ctr"/>
+          <a:p>
+            <a:pPr algn="ctr"/>
+            <a:endParaRPr lang="zh-CN" altLang="en-US"/>
+          </a:p>
+        </p:txBody>
+      </p:sp>
+      <p:sp>
+        <p:nvSpPr>
+          <p:cNvPr id="2" name="标题 1"/>
+          <p:cNvSpPr>
+            <a:spLocks noGrp="1"/>
+          </p:cNvSpPr>
+          <p:nvPr>
+            <p:ph type="title"/>
+          </p:nvPr>
+        </p:nvSpPr>
+        <p:spPr>
+          <a:xfrm>
             <a:off x="4250690" y="264795"/>
             <a:ext cx="3642360" cy="817245"/>
           </a:xfrm>
@@ -30318,7 +32100,1405 @@
                 <a:latin typeface="Aa小梨涡" panose="02010600010101010101" charset="-122"/>
                 <a:ea typeface="Aa小梨涡" panose="02010600010101010101" charset="-122"/>
               </a:rPr>
-              <a:t>5.3 </a:t>
+              <a:t>5.4 </a:t>
+            </a:r>
+            <a:r>
+              <a:rPr lang="zh-CN" altLang="en-US">
+                <a:latin typeface="Aa小梨涡" panose="02010600010101010101" charset="-122"/>
+                <a:ea typeface="Aa小梨涡" panose="02010600010101010101" charset="-122"/>
+              </a:rPr>
+              <a:t>生成器函数</a:t>
+            </a:r>
+            <a:endParaRPr lang="zh-CN" altLang="en-US">
+              <a:latin typeface="Aa小梨涡" panose="02010600010101010101" charset="-122"/>
+              <a:ea typeface="Aa小梨涡" panose="02010600010101010101" charset="-122"/>
+            </a:endParaRPr>
+          </a:p>
+        </p:txBody>
+      </p:sp>
+      <p:sp>
+        <p:nvSpPr>
+          <p:cNvPr id="20" name="任意多边形 19"/>
+          <p:cNvSpPr/>
+          <p:nvPr/>
+        </p:nvSpPr>
+        <p:spPr>
+          <a:xfrm rot="10320000">
+            <a:off x="4344035" y="897890"/>
+            <a:ext cx="3456305" cy="76200"/>
+          </a:xfrm>
+          <a:custGeom>
+            <a:avLst/>
+            <a:gdLst>
+              <a:gd name="connisteX0" fmla="*/ 4685923 w 4685923"/>
+              <a:gd name="connsiteY0" fmla="*/ 9525 h 464575"/>
+              <a:gd name="connisteX1" fmla="*/ 548898 w 4685923"/>
+              <a:gd name="connsiteY1" fmla="*/ 238125 h 464575"/>
+              <a:gd name="connisteX2" fmla="*/ 672723 w 4685923"/>
+              <a:gd name="connsiteY2" fmla="*/ 456565 h 464575"/>
+              <a:gd name="connisteX3" fmla="*/ 4638298 w 4685923"/>
+              <a:gd name="connsiteY3" fmla="*/ 0 h 464575"/>
+            </a:gdLst>
+            <a:ahLst/>
+            <a:cxnLst>
+              <a:cxn ang="0">
+                <a:pos x="connisteX0" y="connsiteY0"/>
+              </a:cxn>
+              <a:cxn ang="0">
+                <a:pos x="connisteX1" y="connsiteY1"/>
+              </a:cxn>
+              <a:cxn ang="0">
+                <a:pos x="connisteX2" y="connsiteY2"/>
+              </a:cxn>
+              <a:cxn ang="0">
+                <a:pos x="connisteX3" y="connsiteY3"/>
+              </a:cxn>
+            </a:cxnLst>
+            <a:rect l="l" t="t" r="r" b="b"/>
+            <a:pathLst>
+              <a:path w="4685923" h="464576">
+                <a:moveTo>
+                  <a:pt x="4685923" y="9525"/>
+                </a:moveTo>
+                <a:cubicBezTo>
+                  <a:pt x="3855978" y="50800"/>
+                  <a:pt x="1351538" y="148590"/>
+                  <a:pt x="548898" y="238125"/>
+                </a:cubicBezTo>
+                <a:cubicBezTo>
+                  <a:pt x="-253742" y="327660"/>
+                  <a:pt x="-145157" y="504190"/>
+                  <a:pt x="672723" y="456565"/>
+                </a:cubicBezTo>
+                <a:cubicBezTo>
+                  <a:pt x="1490603" y="408940"/>
+                  <a:pt x="3847723" y="95885"/>
+                  <a:pt x="4638298" y="0"/>
+                </a:cubicBezTo>
+              </a:path>
+            </a:pathLst>
+          </a:custGeom>
+          <a:solidFill>
+            <a:schemeClr val="accent5"/>
+          </a:solidFill>
+          <a:ln>
+            <a:noFill/>
+          </a:ln>
+        </p:spPr>
+        <p:style>
+          <a:lnRef idx="2">
+            <a:schemeClr val="accent1">
+              <a:shade val="50000"/>
+            </a:schemeClr>
+          </a:lnRef>
+          <a:fillRef idx="1">
+            <a:schemeClr val="accent1"/>
+          </a:fillRef>
+          <a:effectRef idx="0">
+            <a:schemeClr val="accent1"/>
+          </a:effectRef>
+          <a:fontRef idx="minor">
+            <a:schemeClr val="lt1"/>
+          </a:fontRef>
+        </p:style>
+        <p:txBody>
+          <a:bodyPr rtlCol="0" anchor="ctr"/>
+          <a:p>
+            <a:pPr algn="ctr"/>
+            <a:endParaRPr lang="zh-CN" altLang="en-US"/>
+          </a:p>
+        </p:txBody>
+      </p:sp>
+      <p:sp>
+        <p:nvSpPr>
+          <p:cNvPr id="13" name="文本框 12"/>
+          <p:cNvSpPr txBox="1"/>
+          <p:nvPr/>
+        </p:nvSpPr>
+        <p:spPr>
+          <a:xfrm>
+            <a:off x="279400" y="880745"/>
+            <a:ext cx="11231880" cy="988695"/>
+          </a:xfrm>
+          <a:prstGeom prst="rect">
+            <a:avLst/>
+          </a:prstGeom>
+          <a:noFill/>
+          <a:ln>
+            <a:noFill/>
+          </a:ln>
+        </p:spPr>
+        <p:txBody>
+          <a:bodyPr wrap="square" rtlCol="0">
+            <a:spAutoFit/>
+          </a:bodyPr>
+          <a:p>
+            <a:pPr fontAlgn="auto">
+              <a:lnSpc>
+                <a:spcPts val="3500"/>
+              </a:lnSpc>
+            </a:pPr>
+            <a:r>
+              <a:rPr lang="en-US" sz="2200">
+                <a:latin typeface="Aa小梨涡" panose="02010600010101010101" charset="-122"/>
+                <a:ea typeface="Aa小梨涡" panose="02010600010101010101" charset="-122"/>
+                <a:cs typeface="Aa小梨涡" panose="02010600010101010101" charset="-122"/>
+                <a:sym typeface="+mn-ea"/>
+              </a:rPr>
+              <a:t>1. </a:t>
+            </a:r>
+            <a:r>
+              <a:rPr lang="zh-CN" altLang="en-US" sz="2200">
+                <a:latin typeface="Calibri" panose="020F0502020204030204" charset="0"/>
+                <a:ea typeface="Aa小梨涡" panose="02010600010101010101" charset="-122"/>
+                <a:cs typeface="Aa小梨涡" panose="02010600010101010101" charset="-122"/>
+                <a:sym typeface="+mn-ea"/>
+              </a:rPr>
+              <a:t>定义</a:t>
+            </a:r>
+            <a:endParaRPr lang="zh-CN" altLang="en-US" sz="2200">
+              <a:latin typeface="Calibri" panose="020F0502020204030204" charset="0"/>
+              <a:ea typeface="Aa小梨涡" panose="02010600010101010101" charset="-122"/>
+              <a:cs typeface="Aa小梨涡" panose="02010600010101010101" charset="-122"/>
+              <a:sym typeface="+mn-ea"/>
+            </a:endParaRPr>
+          </a:p>
+          <a:p>
+            <a:pPr fontAlgn="auto">
+              <a:lnSpc>
+                <a:spcPts val="3500"/>
+              </a:lnSpc>
+            </a:pPr>
+            <a:r>
+              <a:rPr lang="zh-CN" altLang="en-US" sz="2200">
+                <a:latin typeface="Calibri" panose="020F0502020204030204" charset="0"/>
+                <a:ea typeface="Aa小梨涡" panose="02010600010101010101" charset="-122"/>
+                <a:cs typeface="Aa小梨涡" panose="02010600010101010101" charset="-122"/>
+                <a:sym typeface="+mn-ea"/>
+              </a:rPr>
+              <a:t>        </a:t>
+            </a:r>
+            <a:r>
+              <a:rPr lang="zh-CN" altLang="en-US" sz="2200">
+                <a:latin typeface="Aa小梨涡" panose="02010600010101010101" charset="-122"/>
+                <a:ea typeface="Aa小梨涡" panose="02010600010101010101" charset="-122"/>
+                <a:cs typeface="Aa小梨涡" panose="02010600010101010101" charset="-122"/>
+                <a:sym typeface="+mn-ea"/>
+              </a:rPr>
+              <a:t>如果一个函数用</a:t>
+            </a:r>
+            <a:r>
+              <a:rPr lang="en-US" altLang="zh-CN" sz="2200">
+                <a:latin typeface="Aa小梨涡" panose="02010600010101010101" charset="-122"/>
+                <a:ea typeface="Aa小梨涡" panose="02010600010101010101" charset="-122"/>
+                <a:cs typeface="Aa小梨涡" panose="02010600010101010101" charset="-122"/>
+                <a:sym typeface="+mn-ea"/>
+              </a:rPr>
+              <a:t>yield</a:t>
+            </a:r>
+            <a:r>
+              <a:rPr lang="zh-CN" altLang="en-US" sz="2200">
+                <a:latin typeface="Aa小梨涡" panose="02010600010101010101" charset="-122"/>
+                <a:ea typeface="Aa小梨涡" panose="02010600010101010101" charset="-122"/>
+                <a:cs typeface="Aa小梨涡" panose="02010600010101010101" charset="-122"/>
+                <a:sym typeface="+mn-ea"/>
+              </a:rPr>
+              <a:t>替代了</a:t>
+            </a:r>
+            <a:r>
+              <a:rPr lang="en-US" altLang="zh-CN" sz="2200">
+                <a:latin typeface="Aa小梨涡" panose="02010600010101010101" charset="-122"/>
+                <a:ea typeface="Aa小梨涡" panose="02010600010101010101" charset="-122"/>
+                <a:cs typeface="Aa小梨涡" panose="02010600010101010101" charset="-122"/>
+                <a:sym typeface="+mn-ea"/>
+              </a:rPr>
+              <a:t>return</a:t>
+            </a:r>
+            <a:r>
+              <a:rPr lang="zh-CN" altLang="en-US" sz="2200">
+                <a:latin typeface="Aa小梨涡" panose="02010600010101010101" charset="-122"/>
+                <a:ea typeface="Aa小梨涡" panose="02010600010101010101" charset="-122"/>
+                <a:cs typeface="Aa小梨涡" panose="02010600010101010101" charset="-122"/>
+                <a:sym typeface="+mn-ea"/>
+              </a:rPr>
+              <a:t>，</a:t>
+            </a:r>
+            <a:r>
+              <a:rPr lang="zh-CN" altLang="en-US" sz="2200">
+                <a:latin typeface="Calibri" panose="020F0502020204030204" charset="0"/>
+                <a:ea typeface="Aa小梨涡" panose="02010600010101010101" charset="-122"/>
+                <a:cs typeface="Aa小梨涡" panose="02010600010101010101" charset="-122"/>
+                <a:sym typeface="+mn-ea"/>
+              </a:rPr>
+              <a:t>它就是一个生成器函数。</a:t>
+            </a:r>
+            <a:endParaRPr lang="zh-CN" altLang="en-US" sz="2200">
+              <a:latin typeface="Aa小梨涡" panose="02010600010101010101" charset="-122"/>
+              <a:ea typeface="Aa小梨涡" panose="02010600010101010101" charset="-122"/>
+              <a:cs typeface="Aa小梨涡" panose="02010600010101010101" charset="-122"/>
+              <a:sym typeface="+mn-ea"/>
+            </a:endParaRPr>
+          </a:p>
+        </p:txBody>
+      </p:sp>
+      <p:sp>
+        <p:nvSpPr>
+          <p:cNvPr id="3" name="文本框 2"/>
+          <p:cNvSpPr txBox="1"/>
+          <p:nvPr/>
+        </p:nvSpPr>
+        <p:spPr>
+          <a:xfrm>
+            <a:off x="279400" y="1863090"/>
+            <a:ext cx="11231880" cy="539750"/>
+          </a:xfrm>
+          <a:prstGeom prst="rect">
+            <a:avLst/>
+          </a:prstGeom>
+          <a:noFill/>
+          <a:ln>
+            <a:noFill/>
+          </a:ln>
+        </p:spPr>
+        <p:txBody>
+          <a:bodyPr wrap="square" rtlCol="0">
+            <a:spAutoFit/>
+          </a:bodyPr>
+          <a:p>
+            <a:pPr fontAlgn="auto">
+              <a:lnSpc>
+                <a:spcPts val="3500"/>
+              </a:lnSpc>
+            </a:pPr>
+            <a:r>
+              <a:rPr lang="en-US" altLang="zh-CN" sz="2200">
+                <a:latin typeface="Aa小梨涡" panose="02010600010101010101" charset="-122"/>
+                <a:ea typeface="Aa小梨涡" panose="02010600010101010101" charset="-122"/>
+                <a:cs typeface="Aa小梨涡" panose="02010600010101010101" charset="-122"/>
+                <a:sym typeface="+mn-ea"/>
+              </a:rPr>
+              <a:t>2. yield</a:t>
+            </a:r>
+            <a:r>
+              <a:rPr lang="zh-CN" altLang="en-US" sz="2200">
+                <a:latin typeface="Aa小梨涡" panose="02010600010101010101" charset="-122"/>
+                <a:ea typeface="Aa小梨涡" panose="02010600010101010101" charset="-122"/>
+                <a:cs typeface="Aa小梨涡" panose="02010600010101010101" charset="-122"/>
+                <a:sym typeface="+mn-ea"/>
+              </a:rPr>
+              <a:t>和</a:t>
+            </a:r>
+            <a:r>
+              <a:rPr lang="en-US" altLang="zh-CN" sz="2200">
+                <a:latin typeface="Aa小梨涡" panose="02010600010101010101" charset="-122"/>
+                <a:ea typeface="Aa小梨涡" panose="02010600010101010101" charset="-122"/>
+                <a:cs typeface="Aa小梨涡" panose="02010600010101010101" charset="-122"/>
+                <a:sym typeface="+mn-ea"/>
+              </a:rPr>
+              <a:t>return</a:t>
+            </a:r>
+            <a:r>
+              <a:rPr lang="zh-CN" altLang="en-US" sz="2200">
+                <a:latin typeface="Aa小梨涡" panose="02010600010101010101" charset="-122"/>
+                <a:ea typeface="Aa小梨涡" panose="02010600010101010101" charset="-122"/>
+                <a:cs typeface="Aa小梨涡" panose="02010600010101010101" charset="-122"/>
+                <a:sym typeface="+mn-ea"/>
+              </a:rPr>
+              <a:t>的比较</a:t>
+            </a:r>
+            <a:endParaRPr lang="zh-CN" altLang="en-US" sz="2200">
+              <a:latin typeface="Aa小梨涡" panose="02010600010101010101" charset="-122"/>
+              <a:ea typeface="Aa小梨涡" panose="02010600010101010101" charset="-122"/>
+              <a:cs typeface="Aa小梨涡" panose="02010600010101010101" charset="-122"/>
+              <a:sym typeface="+mn-ea"/>
+            </a:endParaRPr>
+          </a:p>
+        </p:txBody>
+      </p:sp>
+      <p:sp>
+        <p:nvSpPr>
+          <p:cNvPr id="5" name="文本框 4"/>
+          <p:cNvSpPr txBox="1"/>
+          <p:nvPr/>
+        </p:nvSpPr>
+        <p:spPr>
+          <a:xfrm>
+            <a:off x="279400" y="4865370"/>
+            <a:ext cx="11231880" cy="1437640"/>
+          </a:xfrm>
+          <a:prstGeom prst="rect">
+            <a:avLst/>
+          </a:prstGeom>
+          <a:noFill/>
+          <a:ln>
+            <a:noFill/>
+          </a:ln>
+        </p:spPr>
+        <p:txBody>
+          <a:bodyPr wrap="square" rtlCol="0">
+            <a:spAutoFit/>
+          </a:bodyPr>
+          <a:p>
+            <a:pPr fontAlgn="auto">
+              <a:lnSpc>
+                <a:spcPts val="3500"/>
+              </a:lnSpc>
+            </a:pPr>
+            <a:r>
+              <a:rPr lang="en-US" sz="2200">
+                <a:latin typeface="Aa小梨涡" panose="02010600010101010101" charset="-122"/>
+                <a:ea typeface="Aa小梨涡" panose="02010600010101010101" charset="-122"/>
+                <a:cs typeface="Aa小梨涡" panose="02010600010101010101" charset="-122"/>
+                <a:sym typeface="+mn-ea"/>
+              </a:rPr>
+              <a:t>3. </a:t>
+            </a:r>
+            <a:r>
+              <a:rPr lang="zh-CN" altLang="en-US" sz="2200">
+                <a:latin typeface="Aa小梨涡" panose="02010600010101010101" charset="-122"/>
+                <a:ea typeface="Aa小梨涡" panose="02010600010101010101" charset="-122"/>
+                <a:cs typeface="Aa小梨涡" panose="02010600010101010101" charset="-122"/>
+                <a:sym typeface="+mn-ea"/>
+              </a:rPr>
+              <a:t>生成器函数的调用方式</a:t>
+            </a:r>
+            <a:endParaRPr lang="zh-CN" altLang="en-US" sz="2200">
+              <a:latin typeface="Aa小梨涡" panose="02010600010101010101" charset="-122"/>
+              <a:ea typeface="Aa小梨涡" panose="02010600010101010101" charset="-122"/>
+              <a:cs typeface="Aa小梨涡" panose="02010600010101010101" charset="-122"/>
+              <a:sym typeface="+mn-ea"/>
+            </a:endParaRPr>
+          </a:p>
+          <a:p>
+            <a:pPr lvl="1" fontAlgn="auto">
+              <a:lnSpc>
+                <a:spcPts val="3500"/>
+              </a:lnSpc>
+            </a:pPr>
+            <a:r>
+              <a:rPr lang="zh-CN" altLang="en-US" sz="2200">
+                <a:latin typeface="Aa小梨涡" panose="02010600010101010101" charset="-122"/>
+                <a:ea typeface="Aa小梨涡" panose="02010600010101010101" charset="-122"/>
+                <a:cs typeface="Aa小梨涡" panose="02010600010101010101" charset="-122"/>
+                <a:sym typeface="+mn-ea"/>
+              </a:rPr>
+              <a:t>第</a:t>
+            </a:r>
+            <a:r>
+              <a:rPr lang="en-US" altLang="zh-CN" sz="2200">
+                <a:latin typeface="Aa小梨涡" panose="02010600010101010101" charset="-122"/>
+                <a:ea typeface="Aa小梨涡" panose="02010600010101010101" charset="-122"/>
+                <a:cs typeface="Aa小梨涡" panose="02010600010101010101" charset="-122"/>
+                <a:sym typeface="+mn-ea"/>
+              </a:rPr>
+              <a:t>1</a:t>
+            </a:r>
+            <a:r>
+              <a:rPr lang="zh-CN" altLang="en-US" sz="2200">
+                <a:latin typeface="Aa小梨涡" panose="02010600010101010101" charset="-122"/>
+                <a:ea typeface="Aa小梨涡" panose="02010600010101010101" charset="-122"/>
+                <a:cs typeface="Aa小梨涡" panose="02010600010101010101" charset="-122"/>
+                <a:sym typeface="+mn-ea"/>
+              </a:rPr>
+              <a:t>步，</a:t>
+            </a:r>
+            <a:r>
+              <a:rPr lang="en-US" altLang="zh-CN" sz="2200">
+                <a:latin typeface="Aa小梨涡" panose="02010600010101010101" charset="-122"/>
+                <a:ea typeface="Aa小梨涡" panose="02010600010101010101" charset="-122"/>
+                <a:cs typeface="Arial" panose="020B0604020202020204" pitchFamily="34" charset="0"/>
+                <a:sym typeface="+mn-ea"/>
+              </a:rPr>
+              <a:t>generator_object</a:t>
+            </a:r>
+            <a:r>
+              <a:rPr lang="en-US" altLang="zh-CN" sz="2200">
+                <a:latin typeface="Aa小梨涡" panose="02010600010101010101" charset="-122"/>
+                <a:ea typeface="Aa小梨涡" panose="02010600010101010101" charset="-122"/>
+                <a:cs typeface="Aa小梨涡" panose="02010600010101010101" charset="-122"/>
+                <a:sym typeface="+mn-ea"/>
+              </a:rPr>
+              <a:t>= generator_function_name()</a:t>
+            </a:r>
+            <a:endParaRPr lang="zh-CN" altLang="en-US" sz="2200">
+              <a:latin typeface="Aa小梨涡" panose="02010600010101010101" charset="-122"/>
+              <a:ea typeface="Aa小梨涡" panose="02010600010101010101" charset="-122"/>
+              <a:cs typeface="Aa小梨涡" panose="02010600010101010101" charset="-122"/>
+              <a:sym typeface="+mn-ea"/>
+            </a:endParaRPr>
+          </a:p>
+          <a:p>
+            <a:pPr lvl="1" fontAlgn="auto">
+              <a:lnSpc>
+                <a:spcPts val="3500"/>
+              </a:lnSpc>
+            </a:pPr>
+            <a:r>
+              <a:rPr lang="zh-CN" altLang="en-US" sz="2200">
+                <a:latin typeface="Aa小梨涡" panose="02010600010101010101" charset="-122"/>
+                <a:ea typeface="Aa小梨涡" panose="02010600010101010101" charset="-122"/>
+                <a:cs typeface="Aa小梨涡" panose="02010600010101010101" charset="-122"/>
+                <a:sym typeface="+mn-ea"/>
+              </a:rPr>
+              <a:t>第</a:t>
+            </a:r>
+            <a:r>
+              <a:rPr lang="en-US" altLang="zh-CN" sz="2200">
+                <a:latin typeface="Aa小梨涡" panose="02010600010101010101" charset="-122"/>
+                <a:ea typeface="Aa小梨涡" panose="02010600010101010101" charset="-122"/>
+                <a:cs typeface="Aa小梨涡" panose="02010600010101010101" charset="-122"/>
+                <a:sym typeface="+mn-ea"/>
+              </a:rPr>
+              <a:t>2</a:t>
+            </a:r>
+            <a:r>
+              <a:rPr lang="zh-CN" altLang="en-US" sz="2200">
+                <a:latin typeface="Aa小梨涡" panose="02010600010101010101" charset="-122"/>
+                <a:ea typeface="Aa小梨涡" panose="02010600010101010101" charset="-122"/>
+                <a:cs typeface="Aa小梨涡" panose="02010600010101010101" charset="-122"/>
+                <a:sym typeface="+mn-ea"/>
+              </a:rPr>
+              <a:t>步，</a:t>
+            </a:r>
+            <a:r>
+              <a:rPr lang="en-US" altLang="zh-CN" sz="2200">
+                <a:latin typeface="Aa小梨涡" panose="02010600010101010101" charset="-122"/>
+                <a:ea typeface="Aa小梨涡" panose="02010600010101010101" charset="-122"/>
+                <a:cs typeface="Aa小梨涡" panose="02010600010101010101" charset="-122"/>
+                <a:sym typeface="+mn-ea"/>
+              </a:rPr>
+              <a:t>next(</a:t>
+            </a:r>
+            <a:r>
+              <a:rPr lang="en-US" altLang="zh-CN" sz="2200">
+                <a:latin typeface="Aa小梨涡" panose="02010600010101010101" charset="-122"/>
+                <a:ea typeface="Aa小梨涡" panose="02010600010101010101" charset="-122"/>
+                <a:cs typeface="Arial" panose="020B0604020202020204" pitchFamily="34" charset="0"/>
+                <a:sym typeface="+mn-ea"/>
+              </a:rPr>
+              <a:t>generator_object</a:t>
+            </a:r>
+            <a:r>
+              <a:rPr lang="en-US" altLang="zh-CN" sz="2200">
+                <a:latin typeface="Aa小梨涡" panose="02010600010101010101" charset="-122"/>
+                <a:ea typeface="Aa小梨涡" panose="02010600010101010101" charset="-122"/>
+                <a:cs typeface="Aa小梨涡" panose="02010600010101010101" charset="-122"/>
+                <a:sym typeface="+mn-ea"/>
+              </a:rPr>
+              <a:t>)</a:t>
+            </a:r>
+            <a:r>
+              <a:rPr lang="zh-CN" altLang="en-US" sz="2200">
+                <a:latin typeface="Aa小梨涡" panose="02010600010101010101" charset="-122"/>
+                <a:ea typeface="Aa小梨涡" panose="02010600010101010101" charset="-122"/>
+                <a:cs typeface="Aa小梨涡" panose="02010600010101010101" charset="-122"/>
+                <a:sym typeface="+mn-ea"/>
+              </a:rPr>
+              <a:t>或者</a:t>
+            </a:r>
+            <a:r>
+              <a:rPr lang="en-US" altLang="zh-CN" sz="2200">
+                <a:latin typeface="Aa小梨涡" panose="02010600010101010101" charset="-122"/>
+                <a:ea typeface="Aa小梨涡" panose="02010600010101010101" charset="-122"/>
+                <a:cs typeface="Aa小梨涡" panose="02010600010101010101" charset="-122"/>
+                <a:sym typeface="+mn-ea"/>
+              </a:rPr>
+              <a:t>for ... in </a:t>
+            </a:r>
+            <a:r>
+              <a:rPr lang="en-US" altLang="zh-CN" sz="2200">
+                <a:latin typeface="Aa小梨涡" panose="02010600010101010101" charset="-122"/>
+                <a:ea typeface="Aa小梨涡" panose="02010600010101010101" charset="-122"/>
+                <a:cs typeface="Arial" panose="020B0604020202020204" pitchFamily="34" charset="0"/>
+                <a:sym typeface="+mn-ea"/>
+              </a:rPr>
+              <a:t>generator_object</a:t>
+            </a:r>
+            <a:endParaRPr lang="en-US" altLang="zh-CN" sz="2200">
+              <a:latin typeface="Aa小梨涡" panose="02010600010101010101" charset="-122"/>
+              <a:ea typeface="Aa小梨涡" panose="02010600010101010101" charset="-122"/>
+              <a:cs typeface="Aa小梨涡" panose="02010600010101010101" charset="-122"/>
+              <a:sym typeface="+mn-ea"/>
+            </a:endParaRPr>
+          </a:p>
+        </p:txBody>
+      </p:sp>
+      <p:graphicFrame>
+        <p:nvGraphicFramePr>
+          <p:cNvPr id="7" name="表格 6"/>
+          <p:cNvGraphicFramePr/>
+          <p:nvPr>
+            <p:custDataLst>
+              <p:tags r:id="rId1"/>
+            </p:custDataLst>
+          </p:nvPr>
+        </p:nvGraphicFramePr>
+        <p:xfrm>
+          <a:off x="415290" y="2499360"/>
+          <a:ext cx="11023600" cy="2166620"/>
+        </p:xfrm>
+        <a:graphic>
+          <a:graphicData uri="http://schemas.openxmlformats.org/drawingml/2006/table">
+            <a:tbl>
+              <a:tblPr firstRow="1" bandRow="1">
+                <a:tableStyleId>{5C22544A-7EE6-4342-B048-85BDC9FD1C3A}</a:tableStyleId>
+              </a:tblPr>
+              <a:tblGrid>
+                <a:gridCol w="1005205"/>
+                <a:gridCol w="5309235"/>
+                <a:gridCol w="4709160"/>
+              </a:tblGrid>
+              <a:tr h="401320">
+                <a:tc>
+                  <a:txBody>
+                    <a:bodyPr/>
+                    <a:p>
+                      <a:pPr>
+                        <a:buNone/>
+                      </a:pPr>
+                      <a:endParaRPr lang="zh-CN" altLang="en-US">
+                        <a:latin typeface="Aa小梨涡" panose="02010600010101010101" charset="-122"/>
+                        <a:ea typeface="Aa小梨涡" panose="02010600010101010101" charset="-122"/>
+                      </a:endParaRPr>
+                    </a:p>
+                  </a:txBody>
+                  <a:tcPr/>
+                </a:tc>
+                <a:tc>
+                  <a:txBody>
+                    <a:bodyPr/>
+                    <a:p>
+                      <a:pPr algn="ctr">
+                        <a:buNone/>
+                      </a:pPr>
+                      <a:r>
+                        <a:rPr lang="en-US" altLang="zh-CN" sz="1800">
+                          <a:latin typeface="Aa小梨涡" panose="02010600010101010101" charset="-122"/>
+                          <a:ea typeface="Aa小梨涡" panose="02010600010101010101" charset="-122"/>
+                          <a:cs typeface="Aa小梨涡" panose="02010600010101010101" charset="-122"/>
+                          <a:sym typeface="+mn-ea"/>
+                        </a:rPr>
+                        <a:t>yield</a:t>
+                      </a:r>
+                      <a:endParaRPr lang="en-US" altLang="zh-CN" sz="1800">
+                        <a:latin typeface="Aa小梨涡" panose="02010600010101010101" charset="-122"/>
+                        <a:ea typeface="Aa小梨涡" panose="02010600010101010101" charset="-122"/>
+                        <a:cs typeface="Aa小梨涡" panose="02010600010101010101" charset="-122"/>
+                        <a:sym typeface="+mn-ea"/>
+                      </a:endParaRPr>
+                    </a:p>
+                  </a:txBody>
+                  <a:tcPr/>
+                </a:tc>
+                <a:tc>
+                  <a:txBody>
+                    <a:bodyPr/>
+                    <a:p>
+                      <a:pPr algn="ctr">
+                        <a:buNone/>
+                      </a:pPr>
+                      <a:r>
+                        <a:rPr lang="en-US" altLang="zh-CN" sz="1800">
+                          <a:latin typeface="Aa小梨涡" panose="02010600010101010101" charset="-122"/>
+                          <a:ea typeface="Aa小梨涡" panose="02010600010101010101" charset="-122"/>
+                          <a:cs typeface="Aa小梨涡" panose="02010600010101010101" charset="-122"/>
+                          <a:sym typeface="+mn-ea"/>
+                        </a:rPr>
+                        <a:t>return</a:t>
+                      </a:r>
+                      <a:endParaRPr lang="en-US" altLang="zh-CN" sz="1800">
+                        <a:latin typeface="Aa小梨涡" panose="02010600010101010101" charset="-122"/>
+                        <a:ea typeface="Aa小梨涡" panose="02010600010101010101" charset="-122"/>
+                        <a:cs typeface="Aa小梨涡" panose="02010600010101010101" charset="-122"/>
+                        <a:sym typeface="+mn-ea"/>
+                      </a:endParaRPr>
+                    </a:p>
+                  </a:txBody>
+                  <a:tcPr/>
+                </a:tc>
+              </a:tr>
+              <a:tr h="401320">
+                <a:tc>
+                  <a:txBody>
+                    <a:bodyPr/>
+                    <a:p>
+                      <a:pPr>
+                        <a:buNone/>
+                      </a:pPr>
+                      <a:r>
+                        <a:rPr lang="zh-CN" altLang="en-US">
+                          <a:latin typeface="Aa小梨涡" panose="02010600010101010101" charset="-122"/>
+                          <a:ea typeface="Aa小梨涡" panose="02010600010101010101" charset="-122"/>
+                        </a:rPr>
+                        <a:t>相同点</a:t>
+                      </a:r>
+                      <a:endParaRPr lang="zh-CN" altLang="en-US">
+                        <a:latin typeface="Aa小梨涡" panose="02010600010101010101" charset="-122"/>
+                        <a:ea typeface="Aa小梨涡" panose="02010600010101010101" charset="-122"/>
+                      </a:endParaRPr>
+                    </a:p>
+                  </a:txBody>
+                  <a:tcPr/>
+                </a:tc>
+                <a:tc gridSpan="2">
+                  <a:txBody>
+                    <a:bodyPr/>
+                    <a:p>
+                      <a:pPr algn="ctr">
+                        <a:buNone/>
+                      </a:pPr>
+                      <a:r>
+                        <a:rPr lang="zh-CN" altLang="en-US">
+                          <a:latin typeface="Aa小梨涡" panose="02010600010101010101" charset="-122"/>
+                          <a:ea typeface="Aa小梨涡" panose="02010600010101010101" charset="-122"/>
+                        </a:rPr>
+                        <a:t>都能返回其后表达式的值。</a:t>
+                      </a:r>
+                      <a:endParaRPr lang="zh-CN" altLang="en-US">
+                        <a:latin typeface="Aa小梨涡" panose="02010600010101010101" charset="-122"/>
+                        <a:ea typeface="Aa小梨涡" panose="02010600010101010101" charset="-122"/>
+                      </a:endParaRPr>
+                    </a:p>
+                  </a:txBody>
+                  <a:tcPr/>
+                </a:tc>
+                <a:tc hMerge="1">
+                  <a:tcPr/>
+                </a:tc>
+              </a:tr>
+              <a:tr h="401320">
+                <a:tc rowSpan="2">
+                  <a:txBody>
+                    <a:bodyPr/>
+                    <a:p>
+                      <a:pPr>
+                        <a:buNone/>
+                      </a:pPr>
+                      <a:endParaRPr lang="zh-CN" altLang="en-US">
+                        <a:latin typeface="Aa小梨涡" panose="02010600010101010101" charset="-122"/>
+                        <a:ea typeface="Aa小梨涡" panose="02010600010101010101" charset="-122"/>
+                      </a:endParaRPr>
+                    </a:p>
+                    <a:p>
+                      <a:pPr>
+                        <a:buNone/>
+                      </a:pPr>
+                      <a:endParaRPr lang="zh-CN" altLang="en-US">
+                        <a:latin typeface="Aa小梨涡" panose="02010600010101010101" charset="-122"/>
+                        <a:ea typeface="Aa小梨涡" panose="02010600010101010101" charset="-122"/>
+                      </a:endParaRPr>
+                    </a:p>
+                    <a:p>
+                      <a:pPr>
+                        <a:buNone/>
+                      </a:pPr>
+                      <a:r>
+                        <a:rPr lang="zh-CN" altLang="en-US">
+                          <a:latin typeface="Aa小梨涡" panose="02010600010101010101" charset="-122"/>
+                          <a:ea typeface="Aa小梨涡" panose="02010600010101010101" charset="-122"/>
+                        </a:rPr>
+                        <a:t>不同点</a:t>
+                      </a:r>
+                      <a:endParaRPr lang="zh-CN" altLang="en-US">
+                        <a:latin typeface="Aa小梨涡" panose="02010600010101010101" charset="-122"/>
+                        <a:ea typeface="Aa小梨涡" panose="02010600010101010101" charset="-122"/>
+                      </a:endParaRPr>
+                    </a:p>
+                  </a:txBody>
+                  <a:tcPr/>
+                </a:tc>
+                <a:tc>
+                  <a:txBody>
+                    <a:bodyPr/>
+                    <a:p>
+                      <a:pPr>
+                        <a:buNone/>
+                      </a:pPr>
+                      <a:r>
+                        <a:rPr lang="zh-CN" altLang="en-US" sz="1800">
+                          <a:latin typeface="Aa小梨涡" panose="02010600010101010101" charset="-122"/>
+                          <a:ea typeface="Aa小梨涡" panose="02010600010101010101" charset="-122"/>
+                          <a:cs typeface="Aa小梨涡" panose="02010600010101010101" charset="-122"/>
+                          <a:sym typeface="+mn-ea"/>
+                        </a:rPr>
+                        <a:t>（</a:t>
+                      </a:r>
+                      <a:r>
+                        <a:rPr lang="en-US" altLang="zh-CN" sz="1800">
+                          <a:latin typeface="Aa小梨涡" panose="02010600010101010101" charset="-122"/>
+                          <a:ea typeface="Aa小梨涡" panose="02010600010101010101" charset="-122"/>
+                          <a:cs typeface="Aa小梨涡" panose="02010600010101010101" charset="-122"/>
+                          <a:sym typeface="+mn-ea"/>
+                        </a:rPr>
+                        <a:t>1</a:t>
+                      </a:r>
+                      <a:r>
+                        <a:rPr lang="zh-CN" altLang="en-US" sz="1800">
+                          <a:latin typeface="Aa小梨涡" panose="02010600010101010101" charset="-122"/>
+                          <a:ea typeface="Aa小梨涡" panose="02010600010101010101" charset="-122"/>
+                          <a:cs typeface="Aa小梨涡" panose="02010600010101010101" charset="-122"/>
+                          <a:sym typeface="+mn-ea"/>
+                        </a:rPr>
+                        <a:t>）</a:t>
+                      </a:r>
+                      <a:r>
+                        <a:rPr lang="zh-CN" altLang="en-US" sz="1800">
+                          <a:latin typeface="Aa小梨涡" panose="02010600010101010101" charset="-122"/>
+                          <a:ea typeface="Aa小梨涡" panose="02010600010101010101" charset="-122"/>
+                          <a:cs typeface="Aa小梨涡" panose="02010600010101010101" charset="-122"/>
+                          <a:sym typeface="+mn-ea"/>
+                        </a:rPr>
+                        <a:t>一个函数可以有多条</a:t>
+                      </a:r>
+                      <a:r>
+                        <a:rPr lang="en-US" altLang="zh-CN" sz="1800">
+                          <a:latin typeface="Aa小梨涡" panose="02010600010101010101" charset="-122"/>
+                          <a:ea typeface="Aa小梨涡" panose="02010600010101010101" charset="-122"/>
+                          <a:cs typeface="Aa小梨涡" panose="02010600010101010101" charset="-122"/>
+                          <a:sym typeface="+mn-ea"/>
+                        </a:rPr>
+                        <a:t>yield</a:t>
+                      </a:r>
+                      <a:r>
+                        <a:rPr lang="zh-CN" altLang="en-US" sz="1800">
+                          <a:latin typeface="Aa小梨涡" panose="02010600010101010101" charset="-122"/>
+                          <a:ea typeface="Aa小梨涡" panose="02010600010101010101" charset="-122"/>
+                          <a:cs typeface="Aa小梨涡" panose="02010600010101010101" charset="-122"/>
+                          <a:sym typeface="+mn-ea"/>
+                        </a:rPr>
+                        <a:t>语句；</a:t>
+                      </a:r>
+                      <a:endParaRPr lang="zh-CN" altLang="en-US"/>
+                    </a:p>
+                  </a:txBody>
+                  <a:tcPr/>
+                </a:tc>
+                <a:tc>
+                  <a:txBody>
+                    <a:bodyPr/>
+                    <a:p>
+                      <a:pPr>
+                        <a:buNone/>
+                      </a:pPr>
+                      <a:r>
+                        <a:rPr lang="zh-CN" altLang="en-US" sz="1800">
+                          <a:latin typeface="Aa小梨涡" panose="02010600010101010101" charset="-122"/>
+                          <a:ea typeface="Aa小梨涡" panose="02010600010101010101" charset="-122"/>
+                          <a:cs typeface="Aa小梨涡" panose="02010600010101010101" charset="-122"/>
+                          <a:sym typeface="+mn-ea"/>
+                        </a:rPr>
+                        <a:t>（</a:t>
+                      </a:r>
+                      <a:r>
+                        <a:rPr lang="en-US" altLang="zh-CN" sz="1800">
+                          <a:latin typeface="Aa小梨涡" panose="02010600010101010101" charset="-122"/>
+                          <a:ea typeface="Aa小梨涡" panose="02010600010101010101" charset="-122"/>
+                          <a:cs typeface="Aa小梨涡" panose="02010600010101010101" charset="-122"/>
+                          <a:sym typeface="+mn-ea"/>
+                        </a:rPr>
+                        <a:t>1</a:t>
+                      </a:r>
+                      <a:r>
+                        <a:rPr lang="zh-CN" altLang="en-US" sz="1800">
+                          <a:latin typeface="Aa小梨涡" panose="02010600010101010101" charset="-122"/>
+                          <a:ea typeface="Aa小梨涡" panose="02010600010101010101" charset="-122"/>
+                          <a:cs typeface="Aa小梨涡" panose="02010600010101010101" charset="-122"/>
+                          <a:sym typeface="+mn-ea"/>
+                        </a:rPr>
+                        <a:t>）</a:t>
+                      </a:r>
+                      <a:r>
+                        <a:rPr lang="zh-CN" altLang="en-US" sz="1800">
+                          <a:latin typeface="Aa小梨涡" panose="02010600010101010101" charset="-122"/>
+                          <a:ea typeface="Aa小梨涡" panose="02010600010101010101" charset="-122"/>
+                          <a:cs typeface="Aa小梨涡" panose="02010600010101010101" charset="-122"/>
+                          <a:sym typeface="+mn-ea"/>
+                        </a:rPr>
+                        <a:t>一个函数只有一条</a:t>
+                      </a:r>
+                      <a:r>
+                        <a:rPr lang="en-US" altLang="zh-CN" sz="1800">
+                          <a:latin typeface="Aa小梨涡" panose="02010600010101010101" charset="-122"/>
+                          <a:ea typeface="Aa小梨涡" panose="02010600010101010101" charset="-122"/>
+                          <a:cs typeface="Aa小梨涡" panose="02010600010101010101" charset="-122"/>
+                          <a:sym typeface="+mn-ea"/>
+                        </a:rPr>
+                        <a:t>return</a:t>
+                      </a:r>
+                      <a:r>
+                        <a:rPr lang="zh-CN" altLang="en-US" sz="1800">
+                          <a:latin typeface="Aa小梨涡" panose="02010600010101010101" charset="-122"/>
+                          <a:ea typeface="Aa小梨涡" panose="02010600010101010101" charset="-122"/>
+                          <a:cs typeface="Aa小梨涡" panose="02010600010101010101" charset="-122"/>
+                          <a:sym typeface="+mn-ea"/>
+                        </a:rPr>
+                        <a:t>语句；</a:t>
+                      </a:r>
+                      <a:endParaRPr lang="zh-CN" altLang="en-US"/>
+                    </a:p>
+                  </a:txBody>
+                  <a:tcPr/>
+                </a:tc>
+              </a:tr>
+              <a:tr h="962660">
+                <a:tc vMerge="1">
+                  <a:tcPr/>
+                </a:tc>
+                <a:tc>
+                  <a:txBody>
+                    <a:bodyPr/>
+                    <a:p>
+                      <a:pPr>
+                        <a:buNone/>
+                      </a:pPr>
+                      <a:r>
+                        <a:rPr lang="zh-CN" altLang="en-US" sz="1800">
+                          <a:latin typeface="Aa小梨涡" panose="02010600010101010101" charset="-122"/>
+                          <a:ea typeface="Aa小梨涡" panose="02010600010101010101" charset="-122"/>
+                          <a:cs typeface="Aa小梨涡" panose="02010600010101010101" charset="-122"/>
+                          <a:sym typeface="+mn-ea"/>
+                        </a:rPr>
+                        <a:t>（</a:t>
+                      </a:r>
+                      <a:r>
+                        <a:rPr lang="en-US" altLang="zh-CN" sz="1800">
+                          <a:latin typeface="Aa小梨涡" panose="02010600010101010101" charset="-122"/>
+                          <a:ea typeface="Aa小梨涡" panose="02010600010101010101" charset="-122"/>
+                          <a:cs typeface="Aa小梨涡" panose="02010600010101010101" charset="-122"/>
+                          <a:sym typeface="+mn-ea"/>
+                        </a:rPr>
+                        <a:t>2</a:t>
+                      </a:r>
+                      <a:r>
+                        <a:rPr lang="zh-CN" altLang="en-US" sz="1800">
+                          <a:latin typeface="Aa小梨涡" panose="02010600010101010101" charset="-122"/>
+                          <a:ea typeface="Aa小梨涡" panose="02010600010101010101" charset="-122"/>
+                          <a:cs typeface="Aa小梨涡" panose="02010600010101010101" charset="-122"/>
+                          <a:sym typeface="+mn-ea"/>
+                        </a:rPr>
+                        <a:t>）</a:t>
+                      </a:r>
+                      <a:r>
+                        <a:rPr lang="en-US" altLang="zh-CN" sz="1800">
+                          <a:latin typeface="Aa小梨涡" panose="02010600010101010101" charset="-122"/>
+                          <a:ea typeface="Aa小梨涡" panose="02010600010101010101" charset="-122"/>
+                          <a:cs typeface="Aa小梨涡" panose="02010600010101010101" charset="-122"/>
+                          <a:sym typeface="+mn-ea"/>
+                        </a:rPr>
+                        <a:t>yield</a:t>
+                      </a:r>
+                      <a:r>
+                        <a:rPr lang="zh-CN" altLang="en-US" sz="1800">
+                          <a:latin typeface="Aa小梨涡" panose="02010600010101010101" charset="-122"/>
+                          <a:ea typeface="Aa小梨涡" panose="02010600010101010101" charset="-122"/>
+                          <a:cs typeface="Aa小梨涡" panose="02010600010101010101" charset="-122"/>
+                          <a:sym typeface="+mn-ea"/>
+                        </a:rPr>
+                        <a:t>只是暂停函数执行，保存它的所有状态，直至函数下次调用时，从</a:t>
+                      </a:r>
+                      <a:r>
+                        <a:rPr lang="en-US" altLang="zh-CN" sz="1800">
+                          <a:latin typeface="Aa小梨涡" panose="02010600010101010101" charset="-122"/>
+                          <a:ea typeface="Aa小梨涡" panose="02010600010101010101" charset="-122"/>
+                          <a:cs typeface="Aa小梨涡" panose="02010600010101010101" charset="-122"/>
+                          <a:sym typeface="+mn-ea"/>
+                        </a:rPr>
+                        <a:t>yield</a:t>
+                      </a:r>
+                      <a:r>
+                        <a:rPr lang="zh-CN" altLang="en-US" sz="1800">
+                          <a:latin typeface="Aa小梨涡" panose="02010600010101010101" charset="-122"/>
+                          <a:ea typeface="Aa小梨涡" panose="02010600010101010101" charset="-122"/>
+                          <a:cs typeface="Aa小梨涡" panose="02010600010101010101" charset="-122"/>
+                          <a:sym typeface="+mn-ea"/>
+                        </a:rPr>
+                        <a:t>表达式往后继续执行。</a:t>
+                      </a:r>
+                      <a:endParaRPr lang="zh-CN" altLang="en-US"/>
+                    </a:p>
+                  </a:txBody>
+                  <a:tcPr/>
+                </a:tc>
+                <a:tc>
+                  <a:txBody>
+                    <a:bodyPr/>
+                    <a:p>
+                      <a:pPr>
+                        <a:buNone/>
+                      </a:pPr>
+                      <a:r>
+                        <a:rPr lang="zh-CN" altLang="en-US" sz="1800">
+                          <a:latin typeface="Aa小梨涡" panose="02010600010101010101" charset="-122"/>
+                          <a:ea typeface="Aa小梨涡" panose="02010600010101010101" charset="-122"/>
+                          <a:cs typeface="Aa小梨涡" panose="02010600010101010101" charset="-122"/>
+                          <a:sym typeface="+mn-ea"/>
+                        </a:rPr>
+                        <a:t>（</a:t>
+                      </a:r>
+                      <a:r>
+                        <a:rPr lang="en-US" altLang="zh-CN" sz="1800">
+                          <a:latin typeface="Aa小梨涡" panose="02010600010101010101" charset="-122"/>
+                          <a:ea typeface="Aa小梨涡" panose="02010600010101010101" charset="-122"/>
+                          <a:cs typeface="Aa小梨涡" panose="02010600010101010101" charset="-122"/>
+                          <a:sym typeface="+mn-ea"/>
+                        </a:rPr>
+                        <a:t>2</a:t>
+                      </a:r>
+                      <a:r>
+                        <a:rPr lang="zh-CN" altLang="en-US" sz="1800">
+                          <a:latin typeface="Aa小梨涡" panose="02010600010101010101" charset="-122"/>
+                          <a:ea typeface="Aa小梨涡" panose="02010600010101010101" charset="-122"/>
+                          <a:cs typeface="Aa小梨涡" panose="02010600010101010101" charset="-122"/>
+                          <a:sym typeface="+mn-ea"/>
+                        </a:rPr>
+                        <a:t>）</a:t>
+                      </a:r>
+                      <a:r>
+                        <a:rPr lang="en-US" altLang="zh-CN" sz="1800">
+                          <a:latin typeface="Aa小梨涡" panose="02010600010101010101" charset="-122"/>
+                          <a:ea typeface="Aa小梨涡" panose="02010600010101010101" charset="-122"/>
+                          <a:cs typeface="Aa小梨涡" panose="02010600010101010101" charset="-122"/>
+                          <a:sym typeface="+mn-ea"/>
+                        </a:rPr>
+                        <a:t>return</a:t>
+                      </a:r>
+                      <a:r>
+                        <a:rPr lang="zh-CN" altLang="en-US" sz="1800">
+                          <a:latin typeface="Aa小梨涡" panose="02010600010101010101" charset="-122"/>
+                          <a:ea typeface="Aa小梨涡" panose="02010600010101010101" charset="-122"/>
+                          <a:cs typeface="Aa小梨涡" panose="02010600010101010101" charset="-122"/>
+                          <a:sym typeface="+mn-ea"/>
+                        </a:rPr>
+                        <a:t>会终止一个函数的执行。</a:t>
+                      </a:r>
+                      <a:endParaRPr lang="zh-CN" altLang="en-US"/>
+                    </a:p>
+                  </a:txBody>
+                  <a:tcPr/>
+                </a:tc>
+              </a:tr>
+            </a:tbl>
+          </a:graphicData>
+        </a:graphic>
+      </p:graphicFrame>
+    </p:spTree>
+  </p:cSld>
+  <p:clrMapOvr>
+    <a:masterClrMapping/>
+  </p:clrMapOvr>
+  <p:timing>
+    <p:tnLst>
+      <p:par>
+        <p:cTn id="1" dur="indefinite" restart="never" nodeType="tmRoot">
+          <p:childTnLst>
+            <p:seq concurrent="1" nextAc="seek">
+              <p:cTn id="2" dur="indefinite" nodeType="mainSeq">
+                <p:childTnLst>
+                  <p:par>
+                    <p:cTn id="3" fill="hold">
+                      <p:stCondLst>
+                        <p:cond delay="indefinite"/>
+                      </p:stCondLst>
+                      <p:childTnLst>
+                        <p:par>
+                          <p:cTn id="4" fill="hold">
+                            <p:stCondLst>
+                              <p:cond delay="0"/>
+                            </p:stCondLst>
+                            <p:childTnLst>
+                              <p:par>
+                                <p:cTn id="5" presetID="1" presetClass="entr" presetSubtype="0" fill="hold" grpId="0" nodeType="clickEffect">
+                                  <p:stCondLst>
+                                    <p:cond delay="0"/>
+                                  </p:stCondLst>
+                                  <p:childTnLst>
+                                    <p:set>
+                                      <p:cBhvr>
+                                        <p:cTn id="6" dur="1" fill="hold">
+                                          <p:stCondLst>
+                                            <p:cond delay="0"/>
+                                          </p:stCondLst>
+                                        </p:cTn>
+                                        <p:tgtEl>
+                                          <p:spTgt spid="13"/>
+                                        </p:tgtEl>
+                                        <p:attrNameLst>
+                                          <p:attrName>style.visibility</p:attrName>
+                                        </p:attrNameLst>
+                                      </p:cBhvr>
+                                      <p:to>
+                                        <p:strVal val="visible"/>
+                                      </p:to>
+                                    </p:set>
+                                  </p:childTnLst>
+                                </p:cTn>
+                              </p:par>
+                            </p:childTnLst>
+                          </p:cTn>
+                        </p:par>
+                      </p:childTnLst>
+                    </p:cTn>
+                  </p:par>
+                  <p:par>
+                    <p:cTn id="7" fill="hold">
+                      <p:stCondLst>
+                        <p:cond delay="indefinite"/>
+                      </p:stCondLst>
+                      <p:childTnLst>
+                        <p:par>
+                          <p:cTn id="8" fill="hold">
+                            <p:stCondLst>
+                              <p:cond delay="0"/>
+                            </p:stCondLst>
+                            <p:childTnLst>
+                              <p:par>
+                                <p:cTn id="9" presetID="1" presetClass="entr" presetSubtype="0" fill="hold" grpId="0" nodeType="clickEffect">
+                                  <p:stCondLst>
+                                    <p:cond delay="0"/>
+                                  </p:stCondLst>
+                                  <p:childTnLst>
+                                    <p:set>
+                                      <p:cBhvr>
+                                        <p:cTn id="10" dur="1" fill="hold">
+                                          <p:stCondLst>
+                                            <p:cond delay="0"/>
+                                          </p:stCondLst>
+                                        </p:cTn>
+                                        <p:tgtEl>
+                                          <p:spTgt spid="3"/>
+                                        </p:tgtEl>
+                                        <p:attrNameLst>
+                                          <p:attrName>style.visibility</p:attrName>
+                                        </p:attrNameLst>
+                                      </p:cBhvr>
+                                      <p:to>
+                                        <p:strVal val="visible"/>
+                                      </p:to>
+                                    </p:set>
+                                  </p:childTnLst>
+                                </p:cTn>
+                              </p:par>
+                              <p:par>
+                                <p:cTn id="11" presetID="1" presetClass="entr" presetSubtype="0" fill="hold" nodeType="withEffect">
+                                  <p:stCondLst>
+                                    <p:cond delay="0"/>
+                                  </p:stCondLst>
+                                  <p:childTnLst>
+                                    <p:set>
+                                      <p:cBhvr>
+                                        <p:cTn id="12" dur="1" fill="hold">
+                                          <p:stCondLst>
+                                            <p:cond delay="0"/>
+                                          </p:stCondLst>
+                                        </p:cTn>
+                                        <p:tgtEl>
+                                          <p:spTgt spid="7"/>
+                                        </p:tgtEl>
+                                        <p:attrNameLst>
+                                          <p:attrName>style.visibility</p:attrName>
+                                        </p:attrNameLst>
+                                      </p:cBhvr>
+                                      <p:to>
+                                        <p:strVal val="visible"/>
+                                      </p:to>
+                                    </p:set>
+                                  </p:childTnLst>
+                                </p:cTn>
+                              </p:par>
+                            </p:childTnLst>
+                          </p:cTn>
+                        </p:par>
+                      </p:childTnLst>
+                    </p:cTn>
+                  </p:par>
+                  <p:par>
+                    <p:cTn id="13" fill="hold">
+                      <p:stCondLst>
+                        <p:cond delay="indefinite"/>
+                      </p:stCondLst>
+                      <p:childTnLst>
+                        <p:par>
+                          <p:cTn id="14" fill="hold">
+                            <p:stCondLst>
+                              <p:cond delay="0"/>
+                            </p:stCondLst>
+                            <p:childTnLst>
+                              <p:par>
+                                <p:cTn id="15" presetID="1" presetClass="entr" presetSubtype="0" fill="hold" grpId="0" nodeType="clickEffect">
+                                  <p:stCondLst>
+                                    <p:cond delay="0"/>
+                                  </p:stCondLst>
+                                  <p:childTnLst>
+                                    <p:set>
+                                      <p:cBhvr>
+                                        <p:cTn id="16" dur="1" fill="hold">
+                                          <p:stCondLst>
+                                            <p:cond delay="0"/>
+                                          </p:stCondLst>
+                                        </p:cTn>
+                                        <p:tgtEl>
+                                          <p:spTgt spid="5"/>
+                                        </p:tgtEl>
+                                        <p:attrNameLst>
+                                          <p:attrName>style.visibility</p:attrName>
+                                        </p:attrNameLst>
+                                      </p:cBhvr>
+                                      <p:to>
+                                        <p:strVal val="visible"/>
+                                      </p:to>
+                                    </p:set>
+                                  </p:childTnLst>
+                                </p:cTn>
+                              </p:par>
+                            </p:childTnLst>
+                          </p:cTn>
+                        </p:par>
+                      </p:childTnLst>
+                    </p:cTn>
+                  </p:par>
+                </p:childTnLst>
+              </p:cTn>
+              <p:prevCondLst>
+                <p:cond evt="onPrev" delay="0">
+                  <p:tgtEl>
+                    <p:sldTgt/>
+                  </p:tgtEl>
+                </p:cond>
+              </p:prevCondLst>
+              <p:nextCondLst>
+                <p:cond evt="onNext" delay="0">
+                  <p:tgtEl>
+                    <p:sldTgt/>
+                  </p:tgtEl>
+                </p:cond>
+              </p:nextCondLst>
+            </p:seq>
+          </p:childTnLst>
+        </p:cTn>
+      </p:par>
+    </p:tnLst>
+    <p:bldLst>
+      <p:bldP spid="13" grpId="0"/>
+      <p:bldP spid="13" grpId="1"/>
+      <p:bldP spid="3" grpId="0"/>
+      <p:bldP spid="3" grpId="1"/>
+      <p:bldP spid="5" grpId="0"/>
+      <p:bldP spid="5" grpId="1"/>
+    </p:bldLst>
+  </p:timing>
+</p:sld>
+</file>
+
+<file path=ppt/slides/slide35.xml><?xml version="1.0" encoding="utf-8"?>
+<p:sld xmlns:a="http://schemas.openxmlformats.org/drawingml/2006/main" xmlns:r="http://schemas.openxmlformats.org/officeDocument/2006/relationships" xmlns:p="http://schemas.openxmlformats.org/presentationml/2006/main">
+  <p:cSld>
+    <p:spTree>
+      <p:nvGrpSpPr>
+        <p:cNvPr id="1" name=""/>
+        <p:cNvGrpSpPr/>
+        <p:nvPr/>
+      </p:nvGrpSpPr>
+      <p:grpSpPr/>
+      <p:sp>
+        <p:nvSpPr>
+          <p:cNvPr id="18" name="任意多边形 17"/>
+          <p:cNvSpPr/>
+          <p:nvPr/>
+        </p:nvSpPr>
+        <p:spPr>
+          <a:xfrm rot="600000">
+            <a:off x="5342086" y="122979"/>
+            <a:ext cx="1728000" cy="944245"/>
+          </a:xfrm>
+          <a:custGeom>
+            <a:avLst/>
+            <a:gdLst>
+              <a:gd name="connisteX0" fmla="*/ 257810 w 3935730"/>
+              <a:gd name="connsiteY0" fmla="*/ 429260 h 944880"/>
+              <a:gd name="connisteX1" fmla="*/ 3394710 w 3935730"/>
+              <a:gd name="connsiteY1" fmla="*/ 0 h 944880"/>
+              <a:gd name="connisteX2" fmla="*/ 26035 w 3935730"/>
+              <a:gd name="connsiteY2" fmla="*/ 541020 h 944880"/>
+              <a:gd name="connisteX3" fmla="*/ 3575050 w 3935730"/>
+              <a:gd name="connsiteY3" fmla="*/ 51435 h 944880"/>
+              <a:gd name="connisteX4" fmla="*/ 172085 w 3935730"/>
+              <a:gd name="connsiteY4" fmla="*/ 601345 h 944880"/>
+              <a:gd name="connisteX5" fmla="*/ 3652520 w 3935730"/>
+              <a:gd name="connsiteY5" fmla="*/ 128905 h 944880"/>
+              <a:gd name="connisteX6" fmla="*/ 51435 w 3935730"/>
+              <a:gd name="connsiteY6" fmla="*/ 678815 h 944880"/>
+              <a:gd name="connisteX7" fmla="*/ 3514725 w 3935730"/>
+              <a:gd name="connsiteY7" fmla="*/ 214630 h 944880"/>
+              <a:gd name="connisteX8" fmla="*/ 369570 w 3935730"/>
+              <a:gd name="connsiteY8" fmla="*/ 704215 h 944880"/>
+              <a:gd name="connisteX9" fmla="*/ 3695700 w 3935730"/>
+              <a:gd name="connsiteY9" fmla="*/ 274955 h 944880"/>
+              <a:gd name="connisteX10" fmla="*/ 180340 w 3935730"/>
+              <a:gd name="connsiteY10" fmla="*/ 833120 h 944880"/>
+              <a:gd name="connisteX11" fmla="*/ 3695700 w 3935730"/>
+              <a:gd name="connsiteY11" fmla="*/ 351790 h 944880"/>
+              <a:gd name="connisteX12" fmla="*/ 0 w 3935730"/>
+              <a:gd name="connsiteY12" fmla="*/ 944880 h 944880"/>
+              <a:gd name="connisteX13" fmla="*/ 3935730 w 3935730"/>
+              <a:gd name="connsiteY13" fmla="*/ 360680 h 944880"/>
+            </a:gdLst>
+            <a:ahLst/>
+            <a:cxnLst>
+              <a:cxn ang="0">
+                <a:pos x="connisteX0" y="connsiteY0"/>
+              </a:cxn>
+              <a:cxn ang="0">
+                <a:pos x="connisteX1" y="connsiteY1"/>
+              </a:cxn>
+              <a:cxn ang="0">
+                <a:pos x="connisteX2" y="connsiteY2"/>
+              </a:cxn>
+              <a:cxn ang="0">
+                <a:pos x="connisteX3" y="connsiteY3"/>
+              </a:cxn>
+              <a:cxn ang="0">
+                <a:pos x="connisteX4" y="connsiteY4"/>
+              </a:cxn>
+              <a:cxn ang="0">
+                <a:pos x="connisteX5" y="connsiteY5"/>
+              </a:cxn>
+              <a:cxn ang="0">
+                <a:pos x="connisteX6" y="connsiteY6"/>
+              </a:cxn>
+              <a:cxn ang="0">
+                <a:pos x="connisteX7" y="connsiteY7"/>
+              </a:cxn>
+              <a:cxn ang="0">
+                <a:pos x="connisteX8" y="connsiteY8"/>
+              </a:cxn>
+              <a:cxn ang="0">
+                <a:pos x="connisteX9" y="connsiteY9"/>
+              </a:cxn>
+              <a:cxn ang="0">
+                <a:pos x="connisteX10" y="connsiteY10"/>
+              </a:cxn>
+              <a:cxn ang="0">
+                <a:pos x="connisteX11" y="connsiteY11"/>
+              </a:cxn>
+              <a:cxn ang="0">
+                <a:pos x="connisteX12" y="connsiteY12"/>
+              </a:cxn>
+              <a:cxn ang="0">
+                <a:pos x="connisteX13" y="connsiteY13"/>
+              </a:cxn>
+            </a:cxnLst>
+            <a:rect l="l" t="t" r="r" b="b"/>
+            <a:pathLst>
+              <a:path w="3935730" h="944880">
+                <a:moveTo>
+                  <a:pt x="257810" y="429260"/>
+                </a:moveTo>
+                <a:lnTo>
+                  <a:pt x="3394710" y="0"/>
+                </a:lnTo>
+                <a:lnTo>
+                  <a:pt x="26035" y="541020"/>
+                </a:lnTo>
+                <a:lnTo>
+                  <a:pt x="3575050" y="51435"/>
+                </a:lnTo>
+                <a:lnTo>
+                  <a:pt x="172085" y="601345"/>
+                </a:lnTo>
+                <a:lnTo>
+                  <a:pt x="3652520" y="128905"/>
+                </a:lnTo>
+                <a:lnTo>
+                  <a:pt x="51435" y="678815"/>
+                </a:lnTo>
+                <a:lnTo>
+                  <a:pt x="3514725" y="214630"/>
+                </a:lnTo>
+                <a:lnTo>
+                  <a:pt x="369570" y="704215"/>
+                </a:lnTo>
+                <a:lnTo>
+                  <a:pt x="3695700" y="274955"/>
+                </a:lnTo>
+                <a:lnTo>
+                  <a:pt x="180340" y="833120"/>
+                </a:lnTo>
+                <a:lnTo>
+                  <a:pt x="3695700" y="351790"/>
+                </a:lnTo>
+                <a:lnTo>
+                  <a:pt x="0" y="944880"/>
+                </a:lnTo>
+                <a:lnTo>
+                  <a:pt x="3935730" y="360680"/>
+                </a:lnTo>
+              </a:path>
+            </a:pathLst>
+          </a:custGeom>
+          <a:noFill/>
+          <a:ln w="203200">
+            <a:solidFill>
+              <a:schemeClr val="accent4">
+                <a:lumMod val="40000"/>
+                <a:lumOff val="60000"/>
+              </a:schemeClr>
+            </a:solidFill>
+          </a:ln>
+          <a:effectLst>
+            <a:softEdge rad="63500"/>
+          </a:effectLst>
+        </p:spPr>
+        <p:style>
+          <a:lnRef idx="2">
+            <a:schemeClr val="accent1">
+              <a:shade val="50000"/>
+            </a:schemeClr>
+          </a:lnRef>
+          <a:fillRef idx="1">
+            <a:schemeClr val="accent1"/>
+          </a:fillRef>
+          <a:effectRef idx="0">
+            <a:schemeClr val="accent1"/>
+          </a:effectRef>
+          <a:fontRef idx="minor">
+            <a:schemeClr val="lt1"/>
+          </a:fontRef>
+        </p:style>
+        <p:txBody>
+          <a:bodyPr rtlCol="0" anchor="ctr"/>
+          <a:p>
+            <a:pPr algn="ctr"/>
+            <a:endParaRPr lang="zh-CN" altLang="en-US"/>
+          </a:p>
+        </p:txBody>
+      </p:sp>
+      <p:sp>
+        <p:nvSpPr>
+          <p:cNvPr id="2" name="标题 1"/>
+          <p:cNvSpPr>
+            <a:spLocks noGrp="1"/>
+          </p:cNvSpPr>
+          <p:nvPr>
+            <p:ph type="title"/>
+          </p:nvPr>
+        </p:nvSpPr>
+        <p:spPr>
+          <a:xfrm>
+            <a:off x="4250690" y="264795"/>
+            <a:ext cx="3642360" cy="817245"/>
+          </a:xfrm>
+        </p:spPr>
+        <p:txBody>
+          <a:bodyPr>
+            <a:normAutofit fontScale="90000"/>
+          </a:bodyPr>
+          <a:p>
+            <a:r>
+              <a:rPr lang="en-US" altLang="zh-CN">
+                <a:latin typeface="Aa小梨涡" panose="02010600010101010101" charset="-122"/>
+                <a:ea typeface="Aa小梨涡" panose="02010600010101010101" charset="-122"/>
+              </a:rPr>
+              <a:t>5.4 </a:t>
             </a:r>
             <a:r>
               <a:rPr lang="zh-CN" altLang="en-US">
@@ -30436,7 +33616,7 @@
         <p:spPr>
           <a:xfrm>
             <a:off x="288925" y="880745"/>
-            <a:ext cx="11557635" cy="6823710"/>
+            <a:ext cx="11557635" cy="3681730"/>
           </a:xfrm>
           <a:prstGeom prst="rect">
             <a:avLst/>
@@ -30457,227 +33637,22 @@
               </a:lnSpc>
             </a:pPr>
             <a:r>
-              <a:rPr lang="en-US" sz="2200">
-                <a:latin typeface="Aa小梨涡" panose="02010600010101010101" charset="-122"/>
-                <a:ea typeface="Aa小梨涡" panose="02010600010101010101" charset="-122"/>
-                <a:cs typeface="Aa小梨涡" panose="02010600010101010101" charset="-122"/>
-                <a:sym typeface="+mn-ea"/>
-              </a:rPr>
-              <a:t>1. </a:t>
+              <a:rPr lang="en-US" altLang="zh-CN" sz="2200">
+                <a:latin typeface="Aa小梨涡" panose="02010600010101010101" charset="-122"/>
+                <a:ea typeface="Aa小梨涡" panose="02010600010101010101" charset="-122"/>
+                <a:cs typeface="Aa小梨涡" panose="02010600010101010101" charset="-122"/>
+                <a:sym typeface="+mn-ea"/>
+              </a:rPr>
+              <a:t>4. </a:t>
             </a:r>
             <a:r>
               <a:rPr lang="zh-CN" altLang="en-US" sz="2200">
-                <a:latin typeface="Calibri" panose="020F0502020204030204" charset="0"/>
-                <a:ea typeface="Aa小梨涡" panose="02010600010101010101" charset="-122"/>
-                <a:cs typeface="Aa小梨涡" panose="02010600010101010101" charset="-122"/>
-                <a:sym typeface="+mn-ea"/>
-              </a:rPr>
-              <a:t>定义</a:t>
-            </a:r>
-            <a:endParaRPr lang="zh-CN" altLang="en-US" sz="2200">
-              <a:latin typeface="Calibri" panose="020F0502020204030204" charset="0"/>
-              <a:ea typeface="Aa小梨涡" panose="02010600010101010101" charset="-122"/>
-              <a:cs typeface="Aa小梨涡" panose="02010600010101010101" charset="-122"/>
-              <a:sym typeface="+mn-ea"/>
-            </a:endParaRPr>
-          </a:p>
-          <a:p>
-            <a:pPr fontAlgn="auto">
-              <a:lnSpc>
-                <a:spcPts val="3500"/>
-              </a:lnSpc>
-            </a:pPr>
-            <a:r>
-              <a:rPr lang="zh-CN" altLang="en-US" sz="2200">
-                <a:latin typeface="Calibri" panose="020F0502020204030204" charset="0"/>
-                <a:ea typeface="Aa小梨涡" panose="02010600010101010101" charset="-122"/>
-                <a:cs typeface="Aa小梨涡" panose="02010600010101010101" charset="-122"/>
-                <a:sym typeface="+mn-ea"/>
-              </a:rPr>
-              <a:t>        如果一个函数包含至少一</a:t>
-            </a:r>
-            <a:r>
-              <a:rPr lang="zh-CN" altLang="en-US" sz="2200">
-                <a:latin typeface="Aa小梨涡" panose="02010600010101010101" charset="-122"/>
-                <a:ea typeface="Aa小梨涡" panose="02010600010101010101" charset="-122"/>
-                <a:cs typeface="Aa小梨涡" panose="02010600010101010101" charset="-122"/>
-                <a:sym typeface="+mn-ea"/>
-              </a:rPr>
-              <a:t>个</a:t>
-            </a:r>
-            <a:r>
-              <a:rPr lang="en-US" altLang="zh-CN" sz="2200">
-                <a:latin typeface="Aa小梨涡" panose="02010600010101010101" charset="-122"/>
-                <a:ea typeface="Aa小梨涡" panose="02010600010101010101" charset="-122"/>
-                <a:cs typeface="Aa小梨涡" panose="02010600010101010101" charset="-122"/>
-                <a:sym typeface="+mn-ea"/>
-              </a:rPr>
-              <a:t>yield</a:t>
-            </a:r>
-            <a:r>
-              <a:rPr lang="zh-CN" altLang="en-US" sz="2200">
-                <a:latin typeface="Calibri" panose="020F0502020204030204" charset="0"/>
-                <a:ea typeface="Aa小梨涡" panose="02010600010101010101" charset="-122"/>
-                <a:cs typeface="Aa小梨涡" panose="02010600010101010101" charset="-122"/>
-                <a:sym typeface="+mn-ea"/>
-              </a:rPr>
-              <a:t>表达式，它就是一个生成器函数。</a:t>
-            </a:r>
-            <a:endParaRPr lang="zh-CN" altLang="en-US" sz="2200">
-              <a:latin typeface="Calibri" panose="020F0502020204030204" charset="0"/>
-              <a:ea typeface="Aa小梨涡" panose="02010600010101010101" charset="-122"/>
-              <a:cs typeface="Aa小梨涡" panose="02010600010101010101" charset="-122"/>
-              <a:sym typeface="+mn-ea"/>
-            </a:endParaRPr>
-          </a:p>
-          <a:p>
-            <a:pPr fontAlgn="auto">
-              <a:lnSpc>
-                <a:spcPts val="3500"/>
-              </a:lnSpc>
-            </a:pPr>
-            <a:r>
-              <a:rPr lang="en-US" altLang="zh-CN" sz="2200">
-                <a:latin typeface="Aa小梨涡" panose="02010600010101010101" charset="-122"/>
-                <a:ea typeface="Aa小梨涡" panose="02010600010101010101" charset="-122"/>
-                <a:cs typeface="Aa小梨涡" panose="02010600010101010101" charset="-122"/>
-                <a:sym typeface="+mn-ea"/>
-              </a:rPr>
-              <a:t>2. yield</a:t>
-            </a:r>
-            <a:r>
-              <a:rPr lang="zh-CN" altLang="en-US" sz="2200">
-                <a:latin typeface="Aa小梨涡" panose="02010600010101010101" charset="-122"/>
-                <a:ea typeface="Aa小梨涡" panose="02010600010101010101" charset="-122"/>
-                <a:cs typeface="Aa小梨涡" panose="02010600010101010101" charset="-122"/>
-                <a:sym typeface="+mn-ea"/>
-              </a:rPr>
-              <a:t>和</a:t>
-            </a:r>
-            <a:r>
-              <a:rPr lang="en-US" altLang="zh-CN" sz="2200">
-                <a:latin typeface="Aa小梨涡" panose="02010600010101010101" charset="-122"/>
-                <a:ea typeface="Aa小梨涡" panose="02010600010101010101" charset="-122"/>
-                <a:cs typeface="Aa小梨涡" panose="02010600010101010101" charset="-122"/>
-                <a:sym typeface="+mn-ea"/>
-              </a:rPr>
-              <a:t>return</a:t>
-            </a:r>
-            <a:r>
-              <a:rPr lang="zh-CN" altLang="en-US" sz="2200">
-                <a:latin typeface="Aa小梨涡" panose="02010600010101010101" charset="-122"/>
-                <a:ea typeface="Aa小梨涡" panose="02010600010101010101" charset="-122"/>
-                <a:cs typeface="Aa小梨涡" panose="02010600010101010101" charset="-122"/>
-                <a:sym typeface="+mn-ea"/>
-              </a:rPr>
-              <a:t>的区别</a:t>
-            </a:r>
-            <a:endParaRPr lang="zh-CN" altLang="en-US" sz="2200">
-              <a:latin typeface="Aa小梨涡" panose="02010600010101010101" charset="-122"/>
-              <a:ea typeface="Aa小梨涡" panose="02010600010101010101" charset="-122"/>
-              <a:cs typeface="Aa小梨涡" panose="02010600010101010101" charset="-122"/>
-              <a:sym typeface="+mn-ea"/>
-            </a:endParaRPr>
-          </a:p>
-          <a:p>
-            <a:pPr fontAlgn="auto">
-              <a:lnSpc>
-                <a:spcPts val="3500"/>
-              </a:lnSpc>
-            </a:pPr>
-            <a:r>
-              <a:rPr lang="zh-CN" altLang="en-US" sz="2200">
-                <a:latin typeface="Aa小梨涡" panose="02010600010101010101" charset="-122"/>
-                <a:ea typeface="Aa小梨涡" panose="02010600010101010101" charset="-122"/>
-                <a:cs typeface="Aa小梨涡" panose="02010600010101010101" charset="-122"/>
-                <a:sym typeface="+mn-ea"/>
-              </a:rPr>
-              <a:t>        </a:t>
-            </a:r>
-            <a:r>
-              <a:rPr lang="en-US" altLang="zh-CN" sz="2200">
-                <a:latin typeface="Aa小梨涡" panose="02010600010101010101" charset="-122"/>
-                <a:ea typeface="Aa小梨涡" panose="02010600010101010101" charset="-122"/>
-                <a:cs typeface="Aa小梨涡" panose="02010600010101010101" charset="-122"/>
-                <a:sym typeface="+mn-ea"/>
-              </a:rPr>
-              <a:t>return</a:t>
-            </a:r>
-            <a:r>
-              <a:rPr lang="zh-CN" altLang="en-US" sz="2200">
-                <a:latin typeface="Aa小梨涡" panose="02010600010101010101" charset="-122"/>
-                <a:ea typeface="Aa小梨涡" panose="02010600010101010101" charset="-122"/>
-                <a:cs typeface="Aa小梨涡" panose="02010600010101010101" charset="-122"/>
-                <a:sym typeface="+mn-ea"/>
-              </a:rPr>
-              <a:t>会终止一个函数的执行；然而，</a:t>
-            </a:r>
-            <a:r>
-              <a:rPr lang="en-US" altLang="zh-CN" sz="2200">
-                <a:latin typeface="Aa小梨涡" panose="02010600010101010101" charset="-122"/>
-                <a:ea typeface="Aa小梨涡" panose="02010600010101010101" charset="-122"/>
-                <a:cs typeface="Aa小梨涡" panose="02010600010101010101" charset="-122"/>
-                <a:sym typeface="+mn-ea"/>
-              </a:rPr>
-              <a:t>yield</a:t>
-            </a:r>
-            <a:r>
-              <a:rPr lang="zh-CN" altLang="en-US" sz="2200">
-                <a:latin typeface="Aa小梨涡" panose="02010600010101010101" charset="-122"/>
-                <a:ea typeface="Aa小梨涡" panose="02010600010101010101" charset="-122"/>
-                <a:cs typeface="Aa小梨涡" panose="02010600010101010101" charset="-122"/>
-                <a:sym typeface="+mn-ea"/>
-              </a:rPr>
-              <a:t>只是暂停函数执行，保存它的所有状态，直至函数下次调用时，从</a:t>
-            </a:r>
-            <a:r>
-              <a:rPr lang="en-US" altLang="zh-CN" sz="2200">
-                <a:latin typeface="Aa小梨涡" panose="02010600010101010101" charset="-122"/>
-                <a:ea typeface="Aa小梨涡" panose="02010600010101010101" charset="-122"/>
-                <a:cs typeface="Aa小梨涡" panose="02010600010101010101" charset="-122"/>
-                <a:sym typeface="+mn-ea"/>
-              </a:rPr>
-              <a:t>yield</a:t>
-            </a:r>
-            <a:r>
-              <a:rPr lang="zh-CN" altLang="en-US" sz="2200">
-                <a:latin typeface="Aa小梨涡" panose="02010600010101010101" charset="-122"/>
-                <a:ea typeface="Aa小梨涡" panose="02010600010101010101" charset="-122"/>
-                <a:cs typeface="Aa小梨涡" panose="02010600010101010101" charset="-122"/>
-                <a:sym typeface="+mn-ea"/>
-              </a:rPr>
-              <a:t>表达式往后继续执行。</a:t>
-            </a:r>
-            <a:endParaRPr lang="zh-CN" altLang="en-US" sz="2200">
-              <a:latin typeface="Aa小梨涡" panose="02010600010101010101" charset="-122"/>
-              <a:ea typeface="Aa小梨涡" panose="02010600010101010101" charset="-122"/>
-              <a:cs typeface="Aa小梨涡" panose="02010600010101010101" charset="-122"/>
-              <a:sym typeface="+mn-ea"/>
-            </a:endParaRPr>
-          </a:p>
-          <a:p>
-            <a:pPr fontAlgn="auto">
-              <a:lnSpc>
-                <a:spcPts val="3500"/>
-              </a:lnSpc>
-            </a:pPr>
-            <a:r>
-              <a:rPr lang="en-US" altLang="zh-CN" sz="2200">
-                <a:latin typeface="Aa小梨涡" panose="02010600010101010101" charset="-122"/>
-                <a:ea typeface="Aa小梨涡" panose="02010600010101010101" charset="-122"/>
-                <a:cs typeface="Aa小梨涡" panose="02010600010101010101" charset="-122"/>
-                <a:sym typeface="+mn-ea"/>
-              </a:rPr>
-              <a:t>3. </a:t>
-            </a:r>
-            <a:r>
-              <a:rPr lang="zh-CN" altLang="en-US" sz="2200">
-                <a:latin typeface="Aa小梨涡" panose="02010600010101010101" charset="-122"/>
-                <a:ea typeface="Aa小梨涡" panose="02010600010101010101" charset="-122"/>
-                <a:cs typeface="Aa小梨涡" panose="02010600010101010101" charset="-122"/>
-                <a:sym typeface="+mn-ea"/>
-              </a:rPr>
-              <a:t>执行</a:t>
+                <a:latin typeface="Aa小梨涡" panose="02010600010101010101" charset="-122"/>
+                <a:ea typeface="Aa小梨涡" panose="02010600010101010101" charset="-122"/>
+                <a:cs typeface="Aa小梨涡" panose="02010600010101010101" charset="-122"/>
+                <a:sym typeface="+mn-ea"/>
+              </a:rPr>
+              <a:t>执行逻辑</a:t>
             </a:r>
             <a:endParaRPr lang="zh-CN" altLang="en-US" sz="2200">
               <a:latin typeface="Aa小梨涡" panose="02010600010101010101" charset="-122"/>
@@ -30985,32 +33960,6 @@
               </a:rPr>
               <a:t>，抛出StopIteration异常。</a:t>
             </a:r>
-            <a:endParaRPr lang="zh-CN" altLang="en-US" sz="2200">
-              <a:latin typeface="Aa小梨涡" panose="02010600010101010101" charset="-122"/>
-              <a:ea typeface="Aa小梨涡" panose="02010600010101010101" charset="-122"/>
-              <a:cs typeface="Arial" panose="020B0604020202020204" pitchFamily="34" charset="0"/>
-              <a:sym typeface="+mn-ea"/>
-            </a:endParaRPr>
-          </a:p>
-          <a:p>
-            <a:pPr fontAlgn="auto">
-              <a:lnSpc>
-                <a:spcPts val="3500"/>
-              </a:lnSpc>
-            </a:pPr>
-            <a:endParaRPr lang="zh-CN" altLang="en-US" sz="2200">
-              <a:latin typeface="Aa小梨涡" panose="02010600010101010101" charset="-122"/>
-              <a:ea typeface="Aa小梨涡" panose="02010600010101010101" charset="-122"/>
-              <a:cs typeface="Aa小梨涡" panose="02010600010101010101" charset="-122"/>
-              <a:sym typeface="+mn-ea"/>
-            </a:endParaRPr>
-          </a:p>
-          <a:p>
-            <a:pPr fontAlgn="auto">
-              <a:lnSpc>
-                <a:spcPts val="3500"/>
-              </a:lnSpc>
-            </a:pPr>
             <a:endParaRPr lang="zh-CN" altLang="en-US" sz="2200">
               <a:latin typeface="Aa小梨涡" panose="02010600010101010101" charset="-122"/>
               <a:ea typeface="Aa小梨涡" panose="02010600010101010101" charset="-122"/>
@@ -31028,7 +33977,7 @@
         </p:nvSpPr>
         <p:spPr>
           <a:xfrm>
-            <a:off x="3040380" y="6261100"/>
+            <a:off x="3109595" y="4036695"/>
             <a:ext cx="1476375" cy="270510"/>
           </a:xfrm>
           <a:prstGeom prst="rect">
@@ -31049,7 +33998,7 @@
                 <a:latin typeface="Comic Sans MS" panose="030F0702030302020204" charset="0"/>
                 <a:cs typeface="Comic Sans MS" panose="030F0702030302020204" charset="0"/>
               </a:rPr>
-              <a:t>[5.3-1.py, </a:t>
+              <a:t>[5.4-1.py, </a:t>
             </a:r>
             <a:r>
               <a:rPr lang="en-US" altLang="zh-CN" baseline="30000">
@@ -31060,7 +34009,147 @@
                 <a:cs typeface="Comic Sans MS" panose="030F0702030302020204" charset="0"/>
                 <a:sym typeface="+mn-ea"/>
               </a:rPr>
-              <a:t>5.3-2.py</a:t>
+              <a:t>5.4-2.py</a:t>
+            </a:r>
+            <a:r>
+              <a:rPr lang="en-US" altLang="zh-CN" baseline="30000">
+                <a:solidFill>
+                  <a:schemeClr val="accent5"/>
+                </a:solidFill>
+                <a:latin typeface="Comic Sans MS" panose="030F0702030302020204" charset="0"/>
+                <a:cs typeface="Comic Sans MS" panose="030F0702030302020204" charset="0"/>
+              </a:rPr>
+              <a:t>]</a:t>
+            </a:r>
+            <a:endParaRPr lang="en-US" altLang="zh-CN" baseline="30000">
+              <a:solidFill>
+                <a:schemeClr val="accent5"/>
+              </a:solidFill>
+              <a:latin typeface="Comic Sans MS" panose="030F0702030302020204" charset="0"/>
+              <a:cs typeface="Comic Sans MS" panose="030F0702030302020204" charset="0"/>
+            </a:endParaRPr>
+          </a:p>
+        </p:txBody>
+      </p:sp>
+      <p:sp>
+        <p:nvSpPr>
+          <p:cNvPr id="3" name="文本框 2"/>
+          <p:cNvSpPr txBox="1"/>
+          <p:nvPr/>
+        </p:nvSpPr>
+        <p:spPr>
+          <a:xfrm>
+            <a:off x="288925" y="4562475"/>
+            <a:ext cx="11231880" cy="988695"/>
+          </a:xfrm>
+          <a:prstGeom prst="rect">
+            <a:avLst/>
+          </a:prstGeom>
+          <a:noFill/>
+          <a:ln>
+            <a:noFill/>
+          </a:ln>
+        </p:spPr>
+        <p:txBody>
+          <a:bodyPr wrap="square" rtlCol="0">
+            <a:spAutoFit/>
+          </a:bodyPr>
+          <a:p>
+            <a:pPr fontAlgn="auto">
+              <a:lnSpc>
+                <a:spcPts val="3500"/>
+              </a:lnSpc>
+            </a:pPr>
+            <a:r>
+              <a:rPr lang="en-US" sz="2200">
+                <a:latin typeface="Aa小梨涡" panose="02010600010101010101" charset="-122"/>
+                <a:ea typeface="Aa小梨涡" panose="02010600010101010101" charset="-122"/>
+                <a:cs typeface="Aa小梨涡" panose="02010600010101010101" charset="-122"/>
+                <a:sym typeface="+mn-ea"/>
+              </a:rPr>
+              <a:t>5. </a:t>
+            </a:r>
+            <a:r>
+              <a:rPr lang="zh-CN" altLang="en-US" sz="2200">
+                <a:latin typeface="Aa小梨涡" panose="02010600010101010101" charset="-122"/>
+                <a:ea typeface="Aa小梨涡" panose="02010600010101010101" charset="-122"/>
+                <a:cs typeface="Aa小梨涡" panose="02010600010101010101" charset="-122"/>
+                <a:sym typeface="+mn-ea"/>
+              </a:rPr>
+              <a:t>最佳实践</a:t>
+            </a:r>
+            <a:endParaRPr lang="zh-CN" altLang="en-US" sz="2200">
+              <a:latin typeface="Calibri" panose="020F0502020204030204" charset="0"/>
+              <a:ea typeface="Aa小梨涡" panose="02010600010101010101" charset="-122"/>
+              <a:cs typeface="Aa小梨涡" panose="02010600010101010101" charset="-122"/>
+              <a:sym typeface="+mn-ea"/>
+            </a:endParaRPr>
+          </a:p>
+          <a:p>
+            <a:pPr fontAlgn="auto">
+              <a:lnSpc>
+                <a:spcPts val="3500"/>
+              </a:lnSpc>
+            </a:pPr>
+            <a:r>
+              <a:rPr lang="zh-CN" altLang="en-US" sz="2200">
+                <a:latin typeface="Calibri" panose="020F0502020204030204" charset="0"/>
+                <a:ea typeface="Aa小梨涡" panose="02010600010101010101" charset="-122"/>
+                <a:cs typeface="Aa小梨涡" panose="02010600010101010101" charset="-122"/>
+                <a:sym typeface="+mn-ea"/>
+              </a:rPr>
+              <a:t>        考虑用生成器来改写直接返回列表的函数。</a:t>
+            </a:r>
+            <a:endParaRPr lang="zh-CN" altLang="en-US" sz="2200">
+              <a:latin typeface="Aa小梨涡" panose="02010600010101010101" charset="-122"/>
+              <a:ea typeface="Aa小梨涡" panose="02010600010101010101" charset="-122"/>
+              <a:cs typeface="Aa小梨涡" panose="02010600010101010101" charset="-122"/>
+              <a:sym typeface="+mn-ea"/>
+            </a:endParaRPr>
+          </a:p>
+        </p:txBody>
+      </p:sp>
+      <p:sp>
+        <p:nvSpPr>
+          <p:cNvPr id="4" name="文本框 3"/>
+          <p:cNvSpPr txBox="1"/>
+          <p:nvPr/>
+        </p:nvSpPr>
+        <p:spPr>
+          <a:xfrm>
+            <a:off x="5916295" y="5043805"/>
+            <a:ext cx="1476375" cy="270510"/>
+          </a:xfrm>
+          <a:prstGeom prst="rect">
+            <a:avLst/>
+          </a:prstGeom>
+          <a:noFill/>
+        </p:spPr>
+        <p:txBody>
+          <a:bodyPr wrap="square" rtlCol="0">
+            <a:spAutoFit/>
+          </a:bodyPr>
+          <a:p>
+            <a:r>
+              <a:rPr lang="en-US" altLang="zh-CN" baseline="30000">
+                <a:solidFill>
+                  <a:schemeClr val="accent5"/>
+                </a:solidFill>
+                <a:latin typeface="Comic Sans MS" panose="030F0702030302020204" charset="0"/>
+                <a:cs typeface="Comic Sans MS" panose="030F0702030302020204" charset="0"/>
+              </a:rPr>
+              <a:t>[5.4-3.py, </a:t>
+            </a:r>
+            <a:r>
+              <a:rPr lang="en-US" altLang="zh-CN" baseline="30000">
+                <a:solidFill>
+                  <a:schemeClr val="accent5"/>
+                </a:solidFill>
+                <a:latin typeface="Comic Sans MS" panose="030F0702030302020204" charset="0"/>
+                <a:cs typeface="Comic Sans MS" panose="030F0702030302020204" charset="0"/>
+                <a:sym typeface="+mn-ea"/>
+              </a:rPr>
+              <a:t>5.4-4.py</a:t>
             </a:r>
             <a:r>
               <a:rPr lang="en-US" altLang="zh-CN" baseline="30000">
@@ -31167,859 +34256,33 @@
                       </p:childTnLst>
                     </p:cTn>
                   </p:par>
-                </p:childTnLst>
-              </p:cTn>
-              <p:prevCondLst>
-                <p:cond evt="onPrev" delay="0">
-                  <p:tgtEl>
-                    <p:sldTgt/>
-                  </p:tgtEl>
-                </p:cond>
-              </p:prevCondLst>
-              <p:nextCondLst>
-                <p:cond evt="onNext" delay="0">
-                  <p:tgtEl>
-                    <p:sldTgt/>
-                  </p:tgtEl>
-                </p:cond>
-              </p:nextCondLst>
-            </p:seq>
-          </p:childTnLst>
-        </p:cTn>
-      </p:par>
-    </p:tnLst>
-    <p:bldLst>
-      <p:bldP spid="13" grpId="0"/>
-      <p:bldP spid="13" grpId="1"/>
-      <p:bldP spid="6" grpId="0"/>
-      <p:bldP spid="6" grpId="1"/>
-    </p:bldLst>
-  </p:timing>
-</p:sld>
-</file>
-
-<file path=ppt/slides/slide33.xml><?xml version="1.0" encoding="utf-8"?>
-<p:sld xmlns:a="http://schemas.openxmlformats.org/drawingml/2006/main" xmlns:r="http://schemas.openxmlformats.org/officeDocument/2006/relationships" xmlns:p="http://schemas.openxmlformats.org/presentationml/2006/main">
-  <p:cSld>
-    <p:spTree>
-      <p:nvGrpSpPr>
-        <p:cNvPr id="1" name=""/>
-        <p:cNvGrpSpPr/>
-        <p:nvPr/>
-      </p:nvGrpSpPr>
-      <p:grpSpPr/>
-      <p:sp>
-        <p:nvSpPr>
-          <p:cNvPr id="18" name="任意多边形 17"/>
-          <p:cNvSpPr/>
-          <p:nvPr/>
-        </p:nvSpPr>
-        <p:spPr>
-          <a:xfrm rot="600000">
-            <a:off x="5342086" y="122979"/>
-            <a:ext cx="1728000" cy="944245"/>
-          </a:xfrm>
-          <a:custGeom>
-            <a:avLst/>
-            <a:gdLst>
-              <a:gd name="connisteX0" fmla="*/ 257810 w 3935730"/>
-              <a:gd name="connsiteY0" fmla="*/ 429260 h 944880"/>
-              <a:gd name="connisteX1" fmla="*/ 3394710 w 3935730"/>
-              <a:gd name="connsiteY1" fmla="*/ 0 h 944880"/>
-              <a:gd name="connisteX2" fmla="*/ 26035 w 3935730"/>
-              <a:gd name="connsiteY2" fmla="*/ 541020 h 944880"/>
-              <a:gd name="connisteX3" fmla="*/ 3575050 w 3935730"/>
-              <a:gd name="connsiteY3" fmla="*/ 51435 h 944880"/>
-              <a:gd name="connisteX4" fmla="*/ 172085 w 3935730"/>
-              <a:gd name="connsiteY4" fmla="*/ 601345 h 944880"/>
-              <a:gd name="connisteX5" fmla="*/ 3652520 w 3935730"/>
-              <a:gd name="connsiteY5" fmla="*/ 128905 h 944880"/>
-              <a:gd name="connisteX6" fmla="*/ 51435 w 3935730"/>
-              <a:gd name="connsiteY6" fmla="*/ 678815 h 944880"/>
-              <a:gd name="connisteX7" fmla="*/ 3514725 w 3935730"/>
-              <a:gd name="connsiteY7" fmla="*/ 214630 h 944880"/>
-              <a:gd name="connisteX8" fmla="*/ 369570 w 3935730"/>
-              <a:gd name="connsiteY8" fmla="*/ 704215 h 944880"/>
-              <a:gd name="connisteX9" fmla="*/ 3695700 w 3935730"/>
-              <a:gd name="connsiteY9" fmla="*/ 274955 h 944880"/>
-              <a:gd name="connisteX10" fmla="*/ 180340 w 3935730"/>
-              <a:gd name="connsiteY10" fmla="*/ 833120 h 944880"/>
-              <a:gd name="connisteX11" fmla="*/ 3695700 w 3935730"/>
-              <a:gd name="connsiteY11" fmla="*/ 351790 h 944880"/>
-              <a:gd name="connisteX12" fmla="*/ 0 w 3935730"/>
-              <a:gd name="connsiteY12" fmla="*/ 944880 h 944880"/>
-              <a:gd name="connisteX13" fmla="*/ 3935730 w 3935730"/>
-              <a:gd name="connsiteY13" fmla="*/ 360680 h 944880"/>
-            </a:gdLst>
-            <a:ahLst/>
-            <a:cxnLst>
-              <a:cxn ang="0">
-                <a:pos x="connisteX0" y="connsiteY0"/>
-              </a:cxn>
-              <a:cxn ang="0">
-                <a:pos x="connisteX1" y="connsiteY1"/>
-              </a:cxn>
-              <a:cxn ang="0">
-                <a:pos x="connisteX2" y="connsiteY2"/>
-              </a:cxn>
-              <a:cxn ang="0">
-                <a:pos x="connisteX3" y="connsiteY3"/>
-              </a:cxn>
-              <a:cxn ang="0">
-                <a:pos x="connisteX4" y="connsiteY4"/>
-              </a:cxn>
-              <a:cxn ang="0">
-                <a:pos x="connisteX5" y="connsiteY5"/>
-              </a:cxn>
-              <a:cxn ang="0">
-                <a:pos x="connisteX6" y="connsiteY6"/>
-              </a:cxn>
-              <a:cxn ang="0">
-                <a:pos x="connisteX7" y="connsiteY7"/>
-              </a:cxn>
-              <a:cxn ang="0">
-                <a:pos x="connisteX8" y="connsiteY8"/>
-              </a:cxn>
-              <a:cxn ang="0">
-                <a:pos x="connisteX9" y="connsiteY9"/>
-              </a:cxn>
-              <a:cxn ang="0">
-                <a:pos x="connisteX10" y="connsiteY10"/>
-              </a:cxn>
-              <a:cxn ang="0">
-                <a:pos x="connisteX11" y="connsiteY11"/>
-              </a:cxn>
-              <a:cxn ang="0">
-                <a:pos x="connisteX12" y="connsiteY12"/>
-              </a:cxn>
-              <a:cxn ang="0">
-                <a:pos x="connisteX13" y="connsiteY13"/>
-              </a:cxn>
-            </a:cxnLst>
-            <a:rect l="l" t="t" r="r" b="b"/>
-            <a:pathLst>
-              <a:path w="3935730" h="944880">
-                <a:moveTo>
-                  <a:pt x="257810" y="429260"/>
-                </a:moveTo>
-                <a:lnTo>
-                  <a:pt x="3394710" y="0"/>
-                </a:lnTo>
-                <a:lnTo>
-                  <a:pt x="26035" y="541020"/>
-                </a:lnTo>
-                <a:lnTo>
-                  <a:pt x="3575050" y="51435"/>
-                </a:lnTo>
-                <a:lnTo>
-                  <a:pt x="172085" y="601345"/>
-                </a:lnTo>
-                <a:lnTo>
-                  <a:pt x="3652520" y="128905"/>
-                </a:lnTo>
-                <a:lnTo>
-                  <a:pt x="51435" y="678815"/>
-                </a:lnTo>
-                <a:lnTo>
-                  <a:pt x="3514725" y="214630"/>
-                </a:lnTo>
-                <a:lnTo>
-                  <a:pt x="369570" y="704215"/>
-                </a:lnTo>
-                <a:lnTo>
-                  <a:pt x="3695700" y="274955"/>
-                </a:lnTo>
-                <a:lnTo>
-                  <a:pt x="180340" y="833120"/>
-                </a:lnTo>
-                <a:lnTo>
-                  <a:pt x="3695700" y="351790"/>
-                </a:lnTo>
-                <a:lnTo>
-                  <a:pt x="0" y="944880"/>
-                </a:lnTo>
-                <a:lnTo>
-                  <a:pt x="3935730" y="360680"/>
-                </a:lnTo>
-              </a:path>
-            </a:pathLst>
-          </a:custGeom>
-          <a:noFill/>
-          <a:ln w="203200">
-            <a:solidFill>
-              <a:schemeClr val="accent4">
-                <a:lumMod val="40000"/>
-                <a:lumOff val="60000"/>
-              </a:schemeClr>
-            </a:solidFill>
-          </a:ln>
-          <a:effectLst>
-            <a:softEdge rad="63500"/>
-          </a:effectLst>
-        </p:spPr>
-        <p:style>
-          <a:lnRef idx="2">
-            <a:schemeClr val="accent1">
-              <a:shade val="50000"/>
-            </a:schemeClr>
-          </a:lnRef>
-          <a:fillRef idx="1">
-            <a:schemeClr val="accent1"/>
-          </a:fillRef>
-          <a:effectRef idx="0">
-            <a:schemeClr val="accent1"/>
-          </a:effectRef>
-          <a:fontRef idx="minor">
-            <a:schemeClr val="lt1"/>
-          </a:fontRef>
-        </p:style>
-        <p:txBody>
-          <a:bodyPr rtlCol="0" anchor="ctr"/>
-          <a:p>
-            <a:pPr algn="ctr"/>
-            <a:endParaRPr lang="zh-CN" altLang="en-US"/>
-          </a:p>
-        </p:txBody>
-      </p:sp>
-      <p:sp>
-        <p:nvSpPr>
-          <p:cNvPr id="2" name="标题 1"/>
-          <p:cNvSpPr>
-            <a:spLocks noGrp="1"/>
-          </p:cNvSpPr>
-          <p:nvPr>
-            <p:ph type="title"/>
-          </p:nvPr>
-        </p:nvSpPr>
-        <p:spPr>
-          <a:xfrm>
-            <a:off x="3977640" y="255905"/>
-            <a:ext cx="4189095" cy="817245"/>
-          </a:xfrm>
-        </p:spPr>
-        <p:txBody>
-          <a:bodyPr>
-            <a:normAutofit fontScale="90000"/>
-          </a:bodyPr>
-          <a:p>
-            <a:r>
-              <a:rPr lang="en-US" altLang="zh-CN">
-                <a:latin typeface="Aa小梨涡" panose="02010600010101010101" charset="-122"/>
-                <a:ea typeface="Aa小梨涡" panose="02010600010101010101" charset="-122"/>
-              </a:rPr>
-              <a:t>5.4 </a:t>
-            </a:r>
-            <a:r>
-              <a:rPr lang="zh-CN" altLang="en-US">
-                <a:latin typeface="Aa小梨涡" panose="02010600010101010101" charset="-122"/>
-                <a:ea typeface="Aa小梨涡" panose="02010600010101010101" charset="-122"/>
-              </a:rPr>
-              <a:t>生成器表达式</a:t>
-            </a:r>
-            <a:endParaRPr lang="zh-CN" altLang="en-US">
-              <a:latin typeface="Aa小梨涡" panose="02010600010101010101" charset="-122"/>
-              <a:ea typeface="Aa小梨涡" panose="02010600010101010101" charset="-122"/>
-            </a:endParaRPr>
-          </a:p>
-        </p:txBody>
-      </p:sp>
-      <p:sp>
-        <p:nvSpPr>
-          <p:cNvPr id="20" name="任意多边形 19"/>
-          <p:cNvSpPr/>
-          <p:nvPr/>
-        </p:nvSpPr>
-        <p:spPr>
-          <a:xfrm rot="10320000">
-            <a:off x="4344035" y="897890"/>
-            <a:ext cx="3456305" cy="76200"/>
-          </a:xfrm>
-          <a:custGeom>
-            <a:avLst/>
-            <a:gdLst>
-              <a:gd name="connisteX0" fmla="*/ 4685923 w 4685923"/>
-              <a:gd name="connsiteY0" fmla="*/ 9525 h 464575"/>
-              <a:gd name="connisteX1" fmla="*/ 548898 w 4685923"/>
-              <a:gd name="connsiteY1" fmla="*/ 238125 h 464575"/>
-              <a:gd name="connisteX2" fmla="*/ 672723 w 4685923"/>
-              <a:gd name="connsiteY2" fmla="*/ 456565 h 464575"/>
-              <a:gd name="connisteX3" fmla="*/ 4638298 w 4685923"/>
-              <a:gd name="connsiteY3" fmla="*/ 0 h 464575"/>
-            </a:gdLst>
-            <a:ahLst/>
-            <a:cxnLst>
-              <a:cxn ang="0">
-                <a:pos x="connisteX0" y="connsiteY0"/>
-              </a:cxn>
-              <a:cxn ang="0">
-                <a:pos x="connisteX1" y="connsiteY1"/>
-              </a:cxn>
-              <a:cxn ang="0">
-                <a:pos x="connisteX2" y="connsiteY2"/>
-              </a:cxn>
-              <a:cxn ang="0">
-                <a:pos x="connisteX3" y="connsiteY3"/>
-              </a:cxn>
-            </a:cxnLst>
-            <a:rect l="l" t="t" r="r" b="b"/>
-            <a:pathLst>
-              <a:path w="4685923" h="464576">
-                <a:moveTo>
-                  <a:pt x="4685923" y="9525"/>
-                </a:moveTo>
-                <a:cubicBezTo>
-                  <a:pt x="3855978" y="50800"/>
-                  <a:pt x="1351538" y="148590"/>
-                  <a:pt x="548898" y="238125"/>
-                </a:cubicBezTo>
-                <a:cubicBezTo>
-                  <a:pt x="-253742" y="327660"/>
-                  <a:pt x="-145157" y="504190"/>
-                  <a:pt x="672723" y="456565"/>
-                </a:cubicBezTo>
-                <a:cubicBezTo>
-                  <a:pt x="1490603" y="408940"/>
-                  <a:pt x="3847723" y="95885"/>
-                  <a:pt x="4638298" y="0"/>
-                </a:cubicBezTo>
-              </a:path>
-            </a:pathLst>
-          </a:custGeom>
-          <a:solidFill>
-            <a:schemeClr val="accent5"/>
-          </a:solidFill>
-          <a:ln>
-            <a:noFill/>
-          </a:ln>
-        </p:spPr>
-        <p:style>
-          <a:lnRef idx="2">
-            <a:schemeClr val="accent1">
-              <a:shade val="50000"/>
-            </a:schemeClr>
-          </a:lnRef>
-          <a:fillRef idx="1">
-            <a:schemeClr val="accent1"/>
-          </a:fillRef>
-          <a:effectRef idx="0">
-            <a:schemeClr val="accent1"/>
-          </a:effectRef>
-          <a:fontRef idx="minor">
-            <a:schemeClr val="lt1"/>
-          </a:fontRef>
-        </p:style>
-        <p:txBody>
-          <a:bodyPr rtlCol="0" anchor="ctr"/>
-          <a:p>
-            <a:pPr algn="ctr"/>
-            <a:endParaRPr lang="zh-CN" altLang="en-US"/>
-          </a:p>
-        </p:txBody>
-      </p:sp>
-      <p:sp>
-        <p:nvSpPr>
-          <p:cNvPr id="13" name="文本框 12"/>
-          <p:cNvSpPr txBox="1"/>
-          <p:nvPr/>
-        </p:nvSpPr>
-        <p:spPr>
-          <a:xfrm>
-            <a:off x="565150" y="1214120"/>
-            <a:ext cx="11281410" cy="3233420"/>
-          </a:xfrm>
-          <a:prstGeom prst="rect">
-            <a:avLst/>
-          </a:prstGeom>
-          <a:noFill/>
-          <a:ln>
-            <a:noFill/>
-          </a:ln>
-        </p:spPr>
-        <p:txBody>
-          <a:bodyPr wrap="square" rtlCol="0">
-            <a:spAutoFit/>
-          </a:bodyPr>
-          <a:p>
-            <a:pPr fontAlgn="auto">
-              <a:lnSpc>
-                <a:spcPts val="3500"/>
-              </a:lnSpc>
-            </a:pPr>
-            <a:r>
-              <a:rPr lang="en-US" sz="2200">
-                <a:latin typeface="Aa小梨涡" panose="02010600010101010101" charset="-122"/>
-                <a:ea typeface="Aa小梨涡" panose="02010600010101010101" charset="-122"/>
-                <a:cs typeface="Aa小梨涡" panose="02010600010101010101" charset="-122"/>
-                <a:sym typeface="+mn-ea"/>
-              </a:rPr>
-              <a:t>1. </a:t>
-            </a:r>
-            <a:r>
-              <a:rPr lang="zh-CN" altLang="en-US" sz="2200">
-                <a:latin typeface="Calibri" panose="020F0502020204030204" charset="0"/>
-                <a:ea typeface="Aa小梨涡" panose="02010600010101010101" charset="-122"/>
-                <a:cs typeface="Aa小梨涡" panose="02010600010101010101" charset="-122"/>
-                <a:sym typeface="+mn-ea"/>
-              </a:rPr>
-              <a:t>生成器函数</a:t>
-            </a:r>
-            <a:endParaRPr lang="zh-CN" altLang="en-US" sz="2200">
-              <a:latin typeface="Calibri" panose="020F0502020204030204" charset="0"/>
-              <a:ea typeface="Aa小梨涡" panose="02010600010101010101" charset="-122"/>
-              <a:cs typeface="Aa小梨涡" panose="02010600010101010101" charset="-122"/>
-              <a:sym typeface="+mn-ea"/>
-            </a:endParaRPr>
-          </a:p>
-          <a:p>
-            <a:pPr fontAlgn="auto">
-              <a:lnSpc>
-                <a:spcPts val="3500"/>
-              </a:lnSpc>
-            </a:pPr>
-            <a:r>
-              <a:rPr lang="zh-CN" altLang="en-US" sz="2200">
-                <a:latin typeface="Calibri" panose="020F0502020204030204" charset="0"/>
-                <a:ea typeface="Aa小梨涡" panose="02010600010101010101" charset="-122"/>
-                <a:cs typeface="Aa小梨涡" panose="02010600010101010101" charset="-122"/>
-                <a:sym typeface="+mn-ea"/>
-              </a:rPr>
-              <a:t>①定义</a:t>
-            </a:r>
-            <a:endParaRPr lang="zh-CN" altLang="en-US" sz="2200">
-              <a:latin typeface="Calibri" panose="020F0502020204030204" charset="0"/>
-              <a:ea typeface="Aa小梨涡" panose="02010600010101010101" charset="-122"/>
-              <a:cs typeface="Aa小梨涡" panose="02010600010101010101" charset="-122"/>
-              <a:sym typeface="+mn-ea"/>
-            </a:endParaRPr>
-          </a:p>
-          <a:p>
-            <a:pPr fontAlgn="auto">
-              <a:lnSpc>
-                <a:spcPts val="3500"/>
-              </a:lnSpc>
-            </a:pPr>
-            <a:r>
-              <a:rPr lang="zh-CN" altLang="en-US" sz="2200">
-                <a:latin typeface="Calibri" panose="020F0502020204030204" charset="0"/>
-                <a:ea typeface="Aa小梨涡" panose="02010600010101010101" charset="-122"/>
-                <a:cs typeface="Aa小梨涡" panose="02010600010101010101" charset="-122"/>
-                <a:sym typeface="+mn-ea"/>
-              </a:rPr>
-              <a:t>        如果一个函数包含至少一</a:t>
-            </a:r>
-            <a:r>
-              <a:rPr lang="zh-CN" altLang="en-US" sz="2200">
-                <a:latin typeface="Aa小梨涡" panose="02010600010101010101" charset="-122"/>
-                <a:ea typeface="Aa小梨涡" panose="02010600010101010101" charset="-122"/>
-                <a:cs typeface="Aa小梨涡" panose="02010600010101010101" charset="-122"/>
-                <a:sym typeface="+mn-ea"/>
-              </a:rPr>
-              <a:t>个</a:t>
-            </a:r>
-            <a:r>
-              <a:rPr lang="en-US" altLang="zh-CN" sz="2200">
-                <a:latin typeface="Aa小梨涡" panose="02010600010101010101" charset="-122"/>
-                <a:ea typeface="Aa小梨涡" panose="02010600010101010101" charset="-122"/>
-                <a:cs typeface="Aa小梨涡" panose="02010600010101010101" charset="-122"/>
-                <a:sym typeface="+mn-ea"/>
-              </a:rPr>
-              <a:t>yield</a:t>
-            </a:r>
-            <a:r>
-              <a:rPr lang="zh-CN" altLang="en-US" sz="2200">
-                <a:latin typeface="Calibri" panose="020F0502020204030204" charset="0"/>
-                <a:ea typeface="Aa小梨涡" panose="02010600010101010101" charset="-122"/>
-                <a:cs typeface="Aa小梨涡" panose="02010600010101010101" charset="-122"/>
-                <a:sym typeface="+mn-ea"/>
-              </a:rPr>
-              <a:t>表达式，它就是一个生成器函数。</a:t>
-            </a:r>
-            <a:endParaRPr lang="zh-CN" altLang="en-US" sz="2200">
-              <a:latin typeface="Calibri" panose="020F0502020204030204" charset="0"/>
-              <a:ea typeface="Aa小梨涡" panose="02010600010101010101" charset="-122"/>
-              <a:cs typeface="Aa小梨涡" panose="02010600010101010101" charset="-122"/>
-              <a:sym typeface="+mn-ea"/>
-            </a:endParaRPr>
-          </a:p>
-          <a:p>
-            <a:pPr fontAlgn="auto">
-              <a:lnSpc>
-                <a:spcPts val="3500"/>
-              </a:lnSpc>
-            </a:pPr>
-            <a:r>
-              <a:rPr lang="zh-CN" altLang="en-US" sz="2200">
-                <a:latin typeface="Aa小梨涡" panose="02010600010101010101" charset="-122"/>
-                <a:ea typeface="Aa小梨涡" panose="02010600010101010101" charset="-122"/>
-                <a:cs typeface="Aa小梨涡" panose="02010600010101010101" charset="-122"/>
-                <a:sym typeface="+mn-ea"/>
-              </a:rPr>
-              <a:t>②</a:t>
-            </a:r>
-            <a:r>
-              <a:rPr lang="en-US" altLang="zh-CN" sz="2200">
-                <a:latin typeface="Aa小梨涡" panose="02010600010101010101" charset="-122"/>
-                <a:ea typeface="Aa小梨涡" panose="02010600010101010101" charset="-122"/>
-                <a:cs typeface="Aa小梨涡" panose="02010600010101010101" charset="-122"/>
-                <a:sym typeface="+mn-ea"/>
-              </a:rPr>
-              <a:t>yield</a:t>
-            </a:r>
-            <a:r>
-              <a:rPr lang="zh-CN" altLang="en-US" sz="2200">
-                <a:latin typeface="Aa小梨涡" panose="02010600010101010101" charset="-122"/>
-                <a:ea typeface="Aa小梨涡" panose="02010600010101010101" charset="-122"/>
-                <a:cs typeface="Aa小梨涡" panose="02010600010101010101" charset="-122"/>
-                <a:sym typeface="+mn-ea"/>
-              </a:rPr>
-              <a:t>和</a:t>
-            </a:r>
-            <a:r>
-              <a:rPr lang="en-US" altLang="zh-CN" sz="2200">
-                <a:latin typeface="Aa小梨涡" panose="02010600010101010101" charset="-122"/>
-                <a:ea typeface="Aa小梨涡" panose="02010600010101010101" charset="-122"/>
-                <a:cs typeface="Aa小梨涡" panose="02010600010101010101" charset="-122"/>
-                <a:sym typeface="+mn-ea"/>
-              </a:rPr>
-              <a:t>return</a:t>
-            </a:r>
-            <a:r>
-              <a:rPr lang="zh-CN" altLang="en-US" sz="2200">
-                <a:latin typeface="Aa小梨涡" panose="02010600010101010101" charset="-122"/>
-                <a:ea typeface="Aa小梨涡" panose="02010600010101010101" charset="-122"/>
-                <a:cs typeface="Aa小梨涡" panose="02010600010101010101" charset="-122"/>
-                <a:sym typeface="+mn-ea"/>
-              </a:rPr>
-              <a:t>的区别</a:t>
-            </a:r>
-            <a:endParaRPr lang="zh-CN" altLang="en-US" sz="2200">
-              <a:latin typeface="Aa小梨涡" panose="02010600010101010101" charset="-122"/>
-              <a:ea typeface="Aa小梨涡" panose="02010600010101010101" charset="-122"/>
-              <a:cs typeface="Aa小梨涡" panose="02010600010101010101" charset="-122"/>
-              <a:sym typeface="+mn-ea"/>
-            </a:endParaRPr>
-          </a:p>
-          <a:p>
-            <a:pPr fontAlgn="auto">
-              <a:lnSpc>
-                <a:spcPts val="3500"/>
-              </a:lnSpc>
-            </a:pPr>
-            <a:r>
-              <a:rPr lang="zh-CN" altLang="en-US" sz="2200">
-                <a:latin typeface="Aa小梨涡" panose="02010600010101010101" charset="-122"/>
-                <a:ea typeface="Aa小梨涡" panose="02010600010101010101" charset="-122"/>
-                <a:cs typeface="Aa小梨涡" panose="02010600010101010101" charset="-122"/>
-                <a:sym typeface="+mn-ea"/>
-              </a:rPr>
-              <a:t>        </a:t>
-            </a:r>
-            <a:r>
-              <a:rPr lang="en-US" altLang="zh-CN" sz="2200">
-                <a:latin typeface="Aa小梨涡" panose="02010600010101010101" charset="-122"/>
-                <a:ea typeface="Aa小梨涡" panose="02010600010101010101" charset="-122"/>
-                <a:cs typeface="Aa小梨涡" panose="02010600010101010101" charset="-122"/>
-                <a:sym typeface="+mn-ea"/>
-              </a:rPr>
-              <a:t>return</a:t>
-            </a:r>
-            <a:r>
-              <a:rPr lang="zh-CN" altLang="en-US" sz="2200">
-                <a:latin typeface="Aa小梨涡" panose="02010600010101010101" charset="-122"/>
-                <a:ea typeface="Aa小梨涡" panose="02010600010101010101" charset="-122"/>
-                <a:cs typeface="Aa小梨涡" panose="02010600010101010101" charset="-122"/>
-                <a:sym typeface="+mn-ea"/>
-              </a:rPr>
-              <a:t>会终止一个函数的执行；然而，</a:t>
-            </a:r>
-            <a:r>
-              <a:rPr lang="en-US" altLang="zh-CN" sz="2200">
-                <a:latin typeface="Aa小梨涡" panose="02010600010101010101" charset="-122"/>
-                <a:ea typeface="Aa小梨涡" panose="02010600010101010101" charset="-122"/>
-                <a:cs typeface="Aa小梨涡" panose="02010600010101010101" charset="-122"/>
-                <a:sym typeface="+mn-ea"/>
-              </a:rPr>
-              <a:t>yield</a:t>
-            </a:r>
-            <a:r>
-              <a:rPr lang="zh-CN" altLang="en-US" sz="2200">
-                <a:latin typeface="Aa小梨涡" panose="02010600010101010101" charset="-122"/>
-                <a:ea typeface="Aa小梨涡" panose="02010600010101010101" charset="-122"/>
-                <a:cs typeface="Aa小梨涡" panose="02010600010101010101" charset="-122"/>
-                <a:sym typeface="+mn-ea"/>
-              </a:rPr>
-              <a:t>只是暂停函数执行，保存它的所有状态，直至函数下次调用时，从</a:t>
-            </a:r>
-            <a:r>
-              <a:rPr lang="en-US" altLang="zh-CN" sz="2200">
-                <a:latin typeface="Aa小梨涡" panose="02010600010101010101" charset="-122"/>
-                <a:ea typeface="Aa小梨涡" panose="02010600010101010101" charset="-122"/>
-                <a:cs typeface="Aa小梨涡" panose="02010600010101010101" charset="-122"/>
-                <a:sym typeface="+mn-ea"/>
-              </a:rPr>
-              <a:t>yield</a:t>
-            </a:r>
-            <a:r>
-              <a:rPr lang="zh-CN" altLang="en-US" sz="2200">
-                <a:latin typeface="Aa小梨涡" panose="02010600010101010101" charset="-122"/>
-                <a:ea typeface="Aa小梨涡" panose="02010600010101010101" charset="-122"/>
-                <a:cs typeface="Aa小梨涡" panose="02010600010101010101" charset="-122"/>
-                <a:sym typeface="+mn-ea"/>
-              </a:rPr>
-              <a:t>表达式往后继续执行。</a:t>
-            </a:r>
-            <a:endParaRPr lang="zh-CN" altLang="en-US" sz="2200">
-              <a:latin typeface="Aa小梨涡" panose="02010600010101010101" charset="-122"/>
-              <a:ea typeface="Aa小梨涡" panose="02010600010101010101" charset="-122"/>
-              <a:cs typeface="Aa小梨涡" panose="02010600010101010101" charset="-122"/>
-              <a:sym typeface="+mn-ea"/>
-            </a:endParaRPr>
-          </a:p>
-          <a:p>
-            <a:pPr fontAlgn="auto">
-              <a:lnSpc>
-                <a:spcPts val="3500"/>
-              </a:lnSpc>
-            </a:pPr>
-            <a:endParaRPr lang="zh-CN" altLang="en-US" sz="2200">
-              <a:latin typeface="Aa小梨涡" panose="02010600010101010101" charset="-122"/>
-              <a:ea typeface="Aa小梨涡" panose="02010600010101010101" charset="-122"/>
-              <a:cs typeface="Aa小梨涡" panose="02010600010101010101" charset="-122"/>
-              <a:sym typeface="+mn-ea"/>
-            </a:endParaRPr>
-          </a:p>
-        </p:txBody>
-      </p:sp>
-      <p:grpSp>
-        <p:nvGrpSpPr>
-          <p:cNvPr id="5" name="组合 4"/>
-          <p:cNvGrpSpPr/>
-          <p:nvPr/>
-        </p:nvGrpSpPr>
-        <p:grpSpPr>
-          <a:xfrm>
-            <a:off x="565150" y="4557395"/>
-            <a:ext cx="11281410" cy="1437640"/>
-            <a:chOff x="890" y="4849"/>
-            <a:chExt cx="17766" cy="2264"/>
-          </a:xfrm>
-        </p:grpSpPr>
-        <p:sp>
-          <p:nvSpPr>
-            <p:cNvPr id="3" name="文本框 2"/>
-            <p:cNvSpPr txBox="1"/>
-            <p:nvPr/>
-          </p:nvSpPr>
-          <p:spPr>
-            <a:xfrm>
-              <a:off x="890" y="4849"/>
-              <a:ext cx="17766" cy="2264"/>
-            </a:xfrm>
-            <a:prstGeom prst="rect">
-              <a:avLst/>
-            </a:prstGeom>
-            <a:noFill/>
-            <a:ln>
-              <a:noFill/>
-            </a:ln>
-          </p:spPr>
-          <p:txBody>
-            <a:bodyPr wrap="square" rtlCol="0">
-              <a:spAutoFit/>
-            </a:bodyPr>
-            <a:p>
-              <a:pPr fontAlgn="auto">
-                <a:lnSpc>
-                  <a:spcPts val="3500"/>
-                </a:lnSpc>
-              </a:pPr>
-              <a:r>
-                <a:rPr lang="en-US" sz="2200">
-                  <a:latin typeface="Aa小梨涡" panose="02010600010101010101" charset="-122"/>
-                  <a:ea typeface="Aa小梨涡" panose="02010600010101010101" charset="-122"/>
-                  <a:cs typeface="Aa小梨涡" panose="02010600010101010101" charset="-122"/>
-                  <a:sym typeface="+mn-ea"/>
-                </a:rPr>
-                <a:t>2. </a:t>
-              </a:r>
-              <a:r>
-                <a:rPr lang="zh-CN" altLang="en-US" sz="2200">
-                  <a:latin typeface="Aa小梨涡" panose="02010600010101010101" charset="-122"/>
-                  <a:ea typeface="Aa小梨涡" panose="02010600010101010101" charset="-122"/>
-                  <a:cs typeface="Aa小梨涡" panose="02010600010101010101" charset="-122"/>
-                  <a:sym typeface="+mn-ea"/>
-                </a:rPr>
-                <a:t>生成器和迭代器的比较</a:t>
-              </a:r>
-              <a:endParaRPr lang="zh-CN" altLang="en-US" sz="2200">
-                <a:latin typeface="Aa小梨涡" panose="02010600010101010101" charset="-122"/>
-                <a:ea typeface="Aa小梨涡" panose="02010600010101010101" charset="-122"/>
-                <a:cs typeface="Aa小梨涡" panose="02010600010101010101" charset="-122"/>
-                <a:sym typeface="+mn-ea"/>
-              </a:endParaRPr>
-            </a:p>
-            <a:p>
-              <a:pPr fontAlgn="auto">
-                <a:lnSpc>
-                  <a:spcPts val="3500"/>
-                </a:lnSpc>
-              </a:pPr>
-              <a:r>
-                <a:rPr lang="zh-CN" altLang="en-US" sz="2200">
-                  <a:latin typeface="Aa小梨涡" panose="02010600010101010101" charset="-122"/>
-                  <a:ea typeface="Aa小梨涡" panose="02010600010101010101" charset="-122"/>
-                  <a:cs typeface="Aa小梨涡" panose="02010600010101010101" charset="-122"/>
-                  <a:sym typeface="+mn-ea"/>
-                </a:rPr>
-                <a:t>        生成器并不会像迭代器一样占用大量内存，只有在被使用的时候才会调用。而且生成器在初始化的时候，并不需要运行一次生成操作。</a:t>
-              </a:r>
-              <a:endParaRPr lang="zh-CN" altLang="en-US" sz="2200">
-                <a:latin typeface="Aa小梨涡" panose="02010600010101010101" charset="-122"/>
-                <a:ea typeface="Aa小梨涡" panose="02010600010101010101" charset="-122"/>
-                <a:cs typeface="Aa小梨涡" panose="02010600010101010101" charset="-122"/>
-                <a:sym typeface="+mn-ea"/>
-              </a:endParaRPr>
-            </a:p>
-          </p:txBody>
-        </p:sp>
-        <p:sp>
-          <p:nvSpPr>
-            <p:cNvPr id="11" name="文本框 10"/>
-            <p:cNvSpPr txBox="1"/>
-            <p:nvPr/>
-          </p:nvSpPr>
-          <p:spPr>
-            <a:xfrm>
-              <a:off x="10370" y="6323"/>
-              <a:ext cx="2216" cy="426"/>
-            </a:xfrm>
-            <a:prstGeom prst="rect">
-              <a:avLst/>
-            </a:prstGeom>
-            <a:noFill/>
-          </p:spPr>
-          <p:txBody>
-            <a:bodyPr wrap="square" rtlCol="0">
-              <a:spAutoFit/>
-            </a:bodyPr>
-            <a:p>
-              <a:r>
-                <a:rPr lang="en-US" altLang="zh-CN" baseline="30000">
-                  <a:solidFill>
-                    <a:schemeClr val="accent5"/>
-                  </a:solidFill>
-                  <a:latin typeface="Comic Sans MS" panose="030F0702030302020204" charset="0"/>
-                  <a:cs typeface="Comic Sans MS" panose="030F0702030302020204" charset="0"/>
-                </a:rPr>
-                <a:t>[5.3-1.py]</a:t>
-              </a:r>
-              <a:endParaRPr lang="en-US" altLang="zh-CN" baseline="30000">
-                <a:solidFill>
-                  <a:schemeClr val="accent5"/>
-                </a:solidFill>
-                <a:latin typeface="Comic Sans MS" panose="030F0702030302020204" charset="0"/>
-                <a:cs typeface="Comic Sans MS" panose="030F0702030302020204" charset="0"/>
-              </a:endParaRPr>
-            </a:p>
-          </p:txBody>
-        </p:sp>
-      </p:grpSp>
-      <p:sp>
-        <p:nvSpPr>
-          <p:cNvPr id="4" name="文本框 3"/>
-          <p:cNvSpPr txBox="1"/>
-          <p:nvPr/>
-        </p:nvSpPr>
-        <p:spPr>
-          <a:xfrm>
-            <a:off x="565150" y="3910330"/>
-            <a:ext cx="11281410" cy="539750"/>
-          </a:xfrm>
-          <a:prstGeom prst="rect">
-            <a:avLst/>
-          </a:prstGeom>
-          <a:noFill/>
-          <a:ln>
-            <a:noFill/>
-          </a:ln>
-        </p:spPr>
-        <p:txBody>
-          <a:bodyPr wrap="square" rtlCol="0">
-            <a:spAutoFit/>
-          </a:bodyPr>
-          <a:p>
-            <a:pPr fontAlgn="auto">
-              <a:lnSpc>
-                <a:spcPts val="3500"/>
-              </a:lnSpc>
-            </a:pPr>
-            <a:r>
-              <a:rPr lang="en-US" altLang="zh-CN" sz="2200">
-                <a:latin typeface="Calibri" panose="020F0502020204030204" charset="0"/>
-                <a:ea typeface="Aa小梨涡" panose="02010600010101010101" charset="-122"/>
-                <a:cs typeface="Aa小梨涡" panose="02010600010101010101" charset="-122"/>
-                <a:sym typeface="+mn-ea"/>
-              </a:rPr>
-              <a:t>2. </a:t>
-            </a:r>
-            <a:r>
-              <a:rPr lang="zh-CN" altLang="en-US" sz="2200">
-                <a:latin typeface="Calibri" panose="020F0502020204030204" charset="0"/>
-                <a:ea typeface="Aa小梨涡" panose="02010600010101010101" charset="-122"/>
-                <a:cs typeface="Aa小梨涡" panose="02010600010101010101" charset="-122"/>
-                <a:sym typeface="+mn-ea"/>
-              </a:rPr>
-              <a:t>生成器表达式</a:t>
-            </a:r>
-            <a:endParaRPr lang="zh-CN" altLang="en-US" sz="2200">
-              <a:latin typeface="Calibri" panose="020F0502020204030204" charset="0"/>
-              <a:ea typeface="Aa小梨涡" panose="02010600010101010101" charset="-122"/>
-              <a:cs typeface="Aa小梨涡" panose="02010600010101010101" charset="-122"/>
-              <a:sym typeface="+mn-ea"/>
-            </a:endParaRPr>
-          </a:p>
-        </p:txBody>
-      </p:sp>
-    </p:spTree>
-  </p:cSld>
-  <p:clrMapOvr>
-    <a:masterClrMapping/>
-  </p:clrMapOvr>
-  <p:timing>
-    <p:tnLst>
-      <p:par>
-        <p:cTn id="1" dur="indefinite" restart="never" nodeType="tmRoot">
-          <p:childTnLst>
-            <p:seq concurrent="1" nextAc="seek">
-              <p:cTn id="2" dur="indefinite" nodeType="mainSeq">
-                <p:childTnLst>
                   <p:par>
-                    <p:cTn id="3" fill="hold">
+                    <p:cTn id="9" fill="hold">
                       <p:stCondLst>
                         <p:cond delay="indefinite"/>
                       </p:stCondLst>
                       <p:childTnLst>
                         <p:par>
-                          <p:cTn id="4" fill="hold">
+                          <p:cTn id="10" fill="hold">
                             <p:stCondLst>
                               <p:cond delay="0"/>
                             </p:stCondLst>
                             <p:childTnLst>
                               <p:par>
-                                <p:cTn id="5" presetID="1" presetClass="entr" presetSubtype="0" fill="hold" grpId="0" nodeType="clickEffect">
+                                <p:cTn id="11" presetID="1" presetClass="entr" presetSubtype="0" fill="hold" grpId="0" nodeType="clickEffect">
                                   <p:stCondLst>
                                     <p:cond delay="0"/>
                                   </p:stCondLst>
                                   <p:childTnLst>
                                     <p:set>
                                       <p:cBhvr>
-                                        <p:cTn id="6" dur="1" fill="hold">
+                                        <p:cTn id="12" dur="1" fill="hold">
                                           <p:stCondLst>
                                             <p:cond delay="0"/>
                                           </p:stCondLst>
                                         </p:cTn>
                                         <p:tgtEl>
-                                          <p:spTgt spid="13"/>
+                                          <p:spTgt spid="3"/>
                                         </p:tgtEl>
                                         <p:attrNameLst>
                                           <p:attrName>style.visibility</p:attrName>
@@ -32032,33 +34295,15 @@
                                   </p:childTnLst>
                                 </p:cTn>
                               </p:par>
-                            </p:childTnLst>
-                          </p:cTn>
-                        </p:par>
-                      </p:childTnLst>
-                    </p:cTn>
-                  </p:par>
-                  <p:par>
-                    <p:cTn id="7" fill="hold">
-                      <p:stCondLst>
-                        <p:cond delay="indefinite"/>
-                      </p:stCondLst>
-                      <p:childTnLst>
-                        <p:par>
-                          <p:cTn id="8" fill="hold">
-                            <p:stCondLst>
-                              <p:cond delay="0"/>
-                            </p:stCondLst>
-                            <p:childTnLst>
                               <p:par>
-                                <p:cTn id="9" presetID="1" presetClass="entr" presetSubtype="0" fill="hold" grpId="0" nodeType="clickEffect">
+                                <p:cTn id="13" presetID="1" presetClass="entr" presetSubtype="0" fill="hold" grpId="0" nodeType="withEffect">
                                   <p:stCondLst>
                                     <p:cond delay="0"/>
                                   </p:stCondLst>
                                   <p:childTnLst>
                                     <p:set>
                                       <p:cBhvr>
-                                        <p:cTn id="10" dur="1" fill="hold">
+                                        <p:cTn id="14" dur="1" fill="hold">
                                           <p:stCondLst>
                                             <p:cond delay="0"/>
                                           </p:stCondLst>
@@ -32107,6 +34352,10 @@
     <p:bldLst>
       <p:bldP spid="13" grpId="0"/>
       <p:bldP spid="13" grpId="1"/>
+      <p:bldP spid="6" grpId="0"/>
+      <p:bldP spid="6" grpId="1"/>
+      <p:bldP spid="3" grpId="0"/>
+      <p:bldP spid="3" grpId="1"/>
       <p:bldP spid="4" grpId="0"/>
       <p:bldP spid="4" grpId="1"/>
     </p:bldLst>
@@ -32114,7 +34363,7 @@
 </p:sld>
 </file>
 
-<file path=ppt/slides/slide34.xml><?xml version="1.0" encoding="utf-8"?>
+<file path=ppt/slides/slide36.xml><?xml version="1.0" encoding="utf-8"?>
 <p:sld xmlns:a="http://schemas.openxmlformats.org/drawingml/2006/main" xmlns:r="http://schemas.openxmlformats.org/officeDocument/2006/relationships" xmlns:p="http://schemas.openxmlformats.org/presentationml/2006/main">
   <p:cSld>
     <p:spTree>
@@ -32132,8 +34381,8 @@
         </p:nvSpPr>
         <p:spPr>
           <a:xfrm rot="600000">
-            <a:off x="5342086" y="122979"/>
-            <a:ext cx="1728000" cy="944245"/>
+            <a:off x="3829685" y="2281555"/>
+            <a:ext cx="4152900" cy="800735"/>
           </a:xfrm>
           <a:custGeom>
             <a:avLst/>
@@ -32299,7 +34548,7 @@
       </p:sp>
       <p:sp>
         <p:nvSpPr>
-          <p:cNvPr id="2" name="标题 1"/>
+          <p:cNvPr id="6" name="标题 5"/>
           <p:cNvSpPr>
             <a:spLocks noGrp="1"/>
           </p:cNvSpPr>
@@ -32309,8 +34558,8 @@
         </p:nvSpPr>
         <p:spPr>
           <a:xfrm>
-            <a:off x="5132070" y="245745"/>
-            <a:ext cx="2136775" cy="817245"/>
+            <a:off x="4310380" y="2371725"/>
+            <a:ext cx="2096770" cy="600710"/>
           </a:xfrm>
         </p:spPr>
         <p:txBody>
@@ -32323,14 +34572,14 @@
                 <a:latin typeface="Aa小梨涡" panose="02010600010101010101" charset="-122"/>
                 <a:ea typeface="Aa小梨涡" panose="02010600010101010101" charset="-122"/>
               </a:rPr>
-              <a:t>1.</a:t>
+              <a:t>6. </a:t>
             </a:r>
             <a:r>
               <a:rPr lang="zh-CN" altLang="en-US">
                 <a:latin typeface="Aa小梨涡" panose="02010600010101010101" charset="-122"/>
                 <a:ea typeface="Aa小梨涡" panose="02010600010101010101" charset="-122"/>
               </a:rPr>
-              <a:t>开篇词</a:t>
+              <a:t>函数</a:t>
             </a:r>
             <a:endParaRPr lang="zh-CN" altLang="en-US">
               <a:latin typeface="Aa小梨涡" panose="02010600010101010101" charset="-122"/>
@@ -32341,666 +34590,14 @@
       </p:sp>
       <p:sp>
         <p:nvSpPr>
-          <p:cNvPr id="20" name="任意多边形 19"/>
+          <p:cNvPr id="7" name="任意多边形 6"/>
           <p:cNvSpPr/>
           <p:nvPr/>
         </p:nvSpPr>
         <p:spPr>
-          <a:xfrm rot="10320000">
-            <a:off x="4344035" y="897890"/>
-            <a:ext cx="3456305" cy="76200"/>
-          </a:xfrm>
-          <a:custGeom>
-            <a:avLst/>
-            <a:gdLst>
-              <a:gd name="connisteX0" fmla="*/ 4685923 w 4685923"/>
-              <a:gd name="connsiteY0" fmla="*/ 9525 h 464575"/>
-              <a:gd name="connisteX1" fmla="*/ 548898 w 4685923"/>
-              <a:gd name="connsiteY1" fmla="*/ 238125 h 464575"/>
-              <a:gd name="connisteX2" fmla="*/ 672723 w 4685923"/>
-              <a:gd name="connsiteY2" fmla="*/ 456565 h 464575"/>
-              <a:gd name="connisteX3" fmla="*/ 4638298 w 4685923"/>
-              <a:gd name="connsiteY3" fmla="*/ 0 h 464575"/>
-            </a:gdLst>
-            <a:ahLst/>
-            <a:cxnLst>
-              <a:cxn ang="0">
-                <a:pos x="connisteX0" y="connsiteY0"/>
-              </a:cxn>
-              <a:cxn ang="0">
-                <a:pos x="connisteX1" y="connsiteY1"/>
-              </a:cxn>
-              <a:cxn ang="0">
-                <a:pos x="connisteX2" y="connsiteY2"/>
-              </a:cxn>
-              <a:cxn ang="0">
-                <a:pos x="connisteX3" y="connsiteY3"/>
-              </a:cxn>
-            </a:cxnLst>
-            <a:rect l="l" t="t" r="r" b="b"/>
-            <a:pathLst>
-              <a:path w="4685923" h="464576">
-                <a:moveTo>
-                  <a:pt x="4685923" y="9525"/>
-                </a:moveTo>
-                <a:cubicBezTo>
-                  <a:pt x="3855978" y="50800"/>
-                  <a:pt x="1351538" y="148590"/>
-                  <a:pt x="548898" y="238125"/>
-                </a:cubicBezTo>
-                <a:cubicBezTo>
-                  <a:pt x="-253742" y="327660"/>
-                  <a:pt x="-145157" y="504190"/>
-                  <a:pt x="672723" y="456565"/>
-                </a:cubicBezTo>
-                <a:cubicBezTo>
-                  <a:pt x="1490603" y="408940"/>
-                  <a:pt x="3847723" y="95885"/>
-                  <a:pt x="4638298" y="0"/>
-                </a:cubicBezTo>
-              </a:path>
-            </a:pathLst>
-          </a:custGeom>
-          <a:solidFill>
-            <a:schemeClr val="accent5"/>
-          </a:solidFill>
-          <a:ln>
-            <a:noFill/>
-          </a:ln>
-        </p:spPr>
-        <p:style>
-          <a:lnRef idx="2">
-            <a:schemeClr val="accent1">
-              <a:shade val="50000"/>
-            </a:schemeClr>
-          </a:lnRef>
-          <a:fillRef idx="1">
-            <a:schemeClr val="accent1"/>
-          </a:fillRef>
-          <a:effectRef idx="0">
-            <a:schemeClr val="accent1"/>
-          </a:effectRef>
-          <a:fontRef idx="minor">
-            <a:schemeClr val="lt1"/>
-          </a:fontRef>
-        </p:style>
-        <p:txBody>
-          <a:bodyPr rtlCol="0" anchor="ctr"/>
-          <a:p>
-            <a:pPr algn="ctr"/>
-            <a:endParaRPr lang="zh-CN" altLang="en-US"/>
-          </a:p>
-        </p:txBody>
-      </p:sp>
-    </p:spTree>
-  </p:cSld>
-  <p:clrMapOvr>
-    <a:masterClrMapping/>
-  </p:clrMapOvr>
-</p:sld>
-</file>
-
-<file path=ppt/slides/slide35.xml><?xml version="1.0" encoding="utf-8"?>
-<p:sld xmlns:a="http://schemas.openxmlformats.org/drawingml/2006/main" xmlns:r="http://schemas.openxmlformats.org/officeDocument/2006/relationships" xmlns:p="http://schemas.openxmlformats.org/presentationml/2006/main">
-  <p:cSld>
-    <p:spTree>
-      <p:nvGrpSpPr>
-        <p:cNvPr id="1" name=""/>
-        <p:cNvGrpSpPr/>
-        <p:nvPr/>
-      </p:nvGrpSpPr>
-      <p:grpSpPr/>
-      <p:sp>
-        <p:nvSpPr>
-          <p:cNvPr id="18" name="任意多边形 17"/>
-          <p:cNvSpPr/>
-          <p:nvPr/>
-        </p:nvSpPr>
-        <p:spPr>
-          <a:xfrm rot="600000">
-            <a:off x="5342086" y="122979"/>
-            <a:ext cx="1728000" cy="944245"/>
-          </a:xfrm>
-          <a:custGeom>
-            <a:avLst/>
-            <a:gdLst>
-              <a:gd name="connisteX0" fmla="*/ 257810 w 3935730"/>
-              <a:gd name="connsiteY0" fmla="*/ 429260 h 944880"/>
-              <a:gd name="connisteX1" fmla="*/ 3394710 w 3935730"/>
-              <a:gd name="connsiteY1" fmla="*/ 0 h 944880"/>
-              <a:gd name="connisteX2" fmla="*/ 26035 w 3935730"/>
-              <a:gd name="connsiteY2" fmla="*/ 541020 h 944880"/>
-              <a:gd name="connisteX3" fmla="*/ 3575050 w 3935730"/>
-              <a:gd name="connsiteY3" fmla="*/ 51435 h 944880"/>
-              <a:gd name="connisteX4" fmla="*/ 172085 w 3935730"/>
-              <a:gd name="connsiteY4" fmla="*/ 601345 h 944880"/>
-              <a:gd name="connisteX5" fmla="*/ 3652520 w 3935730"/>
-              <a:gd name="connsiteY5" fmla="*/ 128905 h 944880"/>
-              <a:gd name="connisteX6" fmla="*/ 51435 w 3935730"/>
-              <a:gd name="connsiteY6" fmla="*/ 678815 h 944880"/>
-              <a:gd name="connisteX7" fmla="*/ 3514725 w 3935730"/>
-              <a:gd name="connsiteY7" fmla="*/ 214630 h 944880"/>
-              <a:gd name="connisteX8" fmla="*/ 369570 w 3935730"/>
-              <a:gd name="connsiteY8" fmla="*/ 704215 h 944880"/>
-              <a:gd name="connisteX9" fmla="*/ 3695700 w 3935730"/>
-              <a:gd name="connsiteY9" fmla="*/ 274955 h 944880"/>
-              <a:gd name="connisteX10" fmla="*/ 180340 w 3935730"/>
-              <a:gd name="connsiteY10" fmla="*/ 833120 h 944880"/>
-              <a:gd name="connisteX11" fmla="*/ 3695700 w 3935730"/>
-              <a:gd name="connsiteY11" fmla="*/ 351790 h 944880"/>
-              <a:gd name="connisteX12" fmla="*/ 0 w 3935730"/>
-              <a:gd name="connsiteY12" fmla="*/ 944880 h 944880"/>
-              <a:gd name="connisteX13" fmla="*/ 3935730 w 3935730"/>
-              <a:gd name="connsiteY13" fmla="*/ 360680 h 944880"/>
-            </a:gdLst>
-            <a:ahLst/>
-            <a:cxnLst>
-              <a:cxn ang="0">
-                <a:pos x="connisteX0" y="connsiteY0"/>
-              </a:cxn>
-              <a:cxn ang="0">
-                <a:pos x="connisteX1" y="connsiteY1"/>
-              </a:cxn>
-              <a:cxn ang="0">
-                <a:pos x="connisteX2" y="connsiteY2"/>
-              </a:cxn>
-              <a:cxn ang="0">
-                <a:pos x="connisteX3" y="connsiteY3"/>
-              </a:cxn>
-              <a:cxn ang="0">
-                <a:pos x="connisteX4" y="connsiteY4"/>
-              </a:cxn>
-              <a:cxn ang="0">
-                <a:pos x="connisteX5" y="connsiteY5"/>
-              </a:cxn>
-              <a:cxn ang="0">
-                <a:pos x="connisteX6" y="connsiteY6"/>
-              </a:cxn>
-              <a:cxn ang="0">
-                <a:pos x="connisteX7" y="connsiteY7"/>
-              </a:cxn>
-              <a:cxn ang="0">
-                <a:pos x="connisteX8" y="connsiteY8"/>
-              </a:cxn>
-              <a:cxn ang="0">
-                <a:pos x="connisteX9" y="connsiteY9"/>
-              </a:cxn>
-              <a:cxn ang="0">
-                <a:pos x="connisteX10" y="connsiteY10"/>
-              </a:cxn>
-              <a:cxn ang="0">
-                <a:pos x="connisteX11" y="connsiteY11"/>
-              </a:cxn>
-              <a:cxn ang="0">
-                <a:pos x="connisteX12" y="connsiteY12"/>
-              </a:cxn>
-              <a:cxn ang="0">
-                <a:pos x="connisteX13" y="connsiteY13"/>
-              </a:cxn>
-            </a:cxnLst>
-            <a:rect l="l" t="t" r="r" b="b"/>
-            <a:pathLst>
-              <a:path w="3935730" h="944880">
-                <a:moveTo>
-                  <a:pt x="257810" y="429260"/>
-                </a:moveTo>
-                <a:lnTo>
-                  <a:pt x="3394710" y="0"/>
-                </a:lnTo>
-                <a:lnTo>
-                  <a:pt x="26035" y="541020"/>
-                </a:lnTo>
-                <a:lnTo>
-                  <a:pt x="3575050" y="51435"/>
-                </a:lnTo>
-                <a:lnTo>
-                  <a:pt x="172085" y="601345"/>
-                </a:lnTo>
-                <a:lnTo>
-                  <a:pt x="3652520" y="128905"/>
-                </a:lnTo>
-                <a:lnTo>
-                  <a:pt x="51435" y="678815"/>
-                </a:lnTo>
-                <a:lnTo>
-                  <a:pt x="3514725" y="214630"/>
-                </a:lnTo>
-                <a:lnTo>
-                  <a:pt x="369570" y="704215"/>
-                </a:lnTo>
-                <a:lnTo>
-                  <a:pt x="3695700" y="274955"/>
-                </a:lnTo>
-                <a:lnTo>
-                  <a:pt x="180340" y="833120"/>
-                </a:lnTo>
-                <a:lnTo>
-                  <a:pt x="3695700" y="351790"/>
-                </a:lnTo>
-                <a:lnTo>
-                  <a:pt x="0" y="944880"/>
-                </a:lnTo>
-                <a:lnTo>
-                  <a:pt x="3935730" y="360680"/>
-                </a:lnTo>
-              </a:path>
-            </a:pathLst>
-          </a:custGeom>
-          <a:noFill/>
-          <a:ln w="203200">
-            <a:solidFill>
-              <a:schemeClr val="accent4">
-                <a:lumMod val="40000"/>
-                <a:lumOff val="60000"/>
-              </a:schemeClr>
-            </a:solidFill>
-          </a:ln>
-          <a:effectLst>
-            <a:softEdge rad="63500"/>
-          </a:effectLst>
-        </p:spPr>
-        <p:style>
-          <a:lnRef idx="2">
-            <a:schemeClr val="accent1">
-              <a:shade val="50000"/>
-            </a:schemeClr>
-          </a:lnRef>
-          <a:fillRef idx="1">
-            <a:schemeClr val="accent1"/>
-          </a:fillRef>
-          <a:effectRef idx="0">
-            <a:schemeClr val="accent1"/>
-          </a:effectRef>
-          <a:fontRef idx="minor">
-            <a:schemeClr val="lt1"/>
-          </a:fontRef>
-        </p:style>
-        <p:txBody>
-          <a:bodyPr rtlCol="0" anchor="ctr"/>
-          <a:p>
-            <a:pPr algn="ctr"/>
-            <a:endParaRPr lang="zh-CN" altLang="en-US"/>
-          </a:p>
-        </p:txBody>
-      </p:sp>
-      <p:sp>
-        <p:nvSpPr>
-          <p:cNvPr id="2" name="标题 1"/>
-          <p:cNvSpPr>
-            <a:spLocks noGrp="1"/>
-          </p:cNvSpPr>
-          <p:nvPr>
-            <p:ph type="title"/>
-          </p:nvPr>
-        </p:nvSpPr>
-        <p:spPr>
-          <a:xfrm>
-            <a:off x="5132070" y="245745"/>
-            <a:ext cx="2136775" cy="817245"/>
-          </a:xfrm>
-        </p:spPr>
-        <p:txBody>
-          <a:bodyPr>
-            <a:normAutofit fontScale="90000"/>
-          </a:bodyPr>
-          <a:p>
-            <a:r>
-              <a:rPr lang="en-US" altLang="zh-CN">
-                <a:latin typeface="Aa小梨涡" panose="02010600010101010101" charset="-122"/>
-                <a:ea typeface="Aa小梨涡" panose="02010600010101010101" charset="-122"/>
-              </a:rPr>
-              <a:t>1.</a:t>
-            </a:r>
-            <a:r>
-              <a:rPr lang="zh-CN" altLang="en-US">
-                <a:latin typeface="Aa小梨涡" panose="02010600010101010101" charset="-122"/>
-                <a:ea typeface="Aa小梨涡" panose="02010600010101010101" charset="-122"/>
-              </a:rPr>
-              <a:t>开篇词</a:t>
-            </a:r>
-            <a:endParaRPr lang="zh-CN" altLang="en-US">
-              <a:latin typeface="Aa小梨涡" panose="02010600010101010101" charset="-122"/>
-              <a:ea typeface="Aa小梨涡" panose="02010600010101010101" charset="-122"/>
-            </a:endParaRPr>
-          </a:p>
-        </p:txBody>
-      </p:sp>
-      <p:sp>
-        <p:nvSpPr>
-          <p:cNvPr id="20" name="任意多边形 19"/>
-          <p:cNvSpPr/>
-          <p:nvPr/>
-        </p:nvSpPr>
-        <p:spPr>
-          <a:xfrm rot="10320000">
-            <a:off x="4344035" y="897890"/>
-            <a:ext cx="3456305" cy="76200"/>
-          </a:xfrm>
-          <a:custGeom>
-            <a:avLst/>
-            <a:gdLst>
-              <a:gd name="connisteX0" fmla="*/ 4685923 w 4685923"/>
-              <a:gd name="connsiteY0" fmla="*/ 9525 h 464575"/>
-              <a:gd name="connisteX1" fmla="*/ 548898 w 4685923"/>
-              <a:gd name="connsiteY1" fmla="*/ 238125 h 464575"/>
-              <a:gd name="connisteX2" fmla="*/ 672723 w 4685923"/>
-              <a:gd name="connsiteY2" fmla="*/ 456565 h 464575"/>
-              <a:gd name="connisteX3" fmla="*/ 4638298 w 4685923"/>
-              <a:gd name="connsiteY3" fmla="*/ 0 h 464575"/>
-            </a:gdLst>
-            <a:ahLst/>
-            <a:cxnLst>
-              <a:cxn ang="0">
-                <a:pos x="connisteX0" y="connsiteY0"/>
-              </a:cxn>
-              <a:cxn ang="0">
-                <a:pos x="connisteX1" y="connsiteY1"/>
-              </a:cxn>
-              <a:cxn ang="0">
-                <a:pos x="connisteX2" y="connsiteY2"/>
-              </a:cxn>
-              <a:cxn ang="0">
-                <a:pos x="connisteX3" y="connsiteY3"/>
-              </a:cxn>
-            </a:cxnLst>
-            <a:rect l="l" t="t" r="r" b="b"/>
-            <a:pathLst>
-              <a:path w="4685923" h="464576">
-                <a:moveTo>
-                  <a:pt x="4685923" y="9525"/>
-                </a:moveTo>
-                <a:cubicBezTo>
-                  <a:pt x="3855978" y="50800"/>
-                  <a:pt x="1351538" y="148590"/>
-                  <a:pt x="548898" y="238125"/>
-                </a:cubicBezTo>
-                <a:cubicBezTo>
-                  <a:pt x="-253742" y="327660"/>
-                  <a:pt x="-145157" y="504190"/>
-                  <a:pt x="672723" y="456565"/>
-                </a:cubicBezTo>
-                <a:cubicBezTo>
-                  <a:pt x="1490603" y="408940"/>
-                  <a:pt x="3847723" y="95885"/>
-                  <a:pt x="4638298" y="0"/>
-                </a:cubicBezTo>
-              </a:path>
-            </a:pathLst>
-          </a:custGeom>
-          <a:solidFill>
-            <a:schemeClr val="accent5"/>
-          </a:solidFill>
-          <a:ln>
-            <a:noFill/>
-          </a:ln>
-        </p:spPr>
-        <p:style>
-          <a:lnRef idx="2">
-            <a:schemeClr val="accent1">
-              <a:shade val="50000"/>
-            </a:schemeClr>
-          </a:lnRef>
-          <a:fillRef idx="1">
-            <a:schemeClr val="accent1"/>
-          </a:fillRef>
-          <a:effectRef idx="0">
-            <a:schemeClr val="accent1"/>
-          </a:effectRef>
-          <a:fontRef idx="minor">
-            <a:schemeClr val="lt1"/>
-          </a:fontRef>
-        </p:style>
-        <p:txBody>
-          <a:bodyPr rtlCol="0" anchor="ctr"/>
-          <a:p>
-            <a:pPr algn="ctr"/>
-            <a:endParaRPr lang="zh-CN" altLang="en-US"/>
-          </a:p>
-        </p:txBody>
-      </p:sp>
-    </p:spTree>
-  </p:cSld>
-  <p:clrMapOvr>
-    <a:masterClrMapping/>
-  </p:clrMapOvr>
-</p:sld>
-</file>
-
-<file path=ppt/slides/slide36.xml><?xml version="1.0" encoding="utf-8"?>
-<p:sld xmlns:a="http://schemas.openxmlformats.org/drawingml/2006/main" xmlns:r="http://schemas.openxmlformats.org/officeDocument/2006/relationships" xmlns:p="http://schemas.openxmlformats.org/presentationml/2006/main">
-  <p:cSld>
-    <p:spTree>
-      <p:nvGrpSpPr>
-        <p:cNvPr id="1" name=""/>
-        <p:cNvGrpSpPr/>
-        <p:nvPr/>
-      </p:nvGrpSpPr>
-      <p:grpSpPr/>
-      <p:sp>
-        <p:nvSpPr>
-          <p:cNvPr id="18" name="任意多边形 17"/>
-          <p:cNvSpPr/>
-          <p:nvPr/>
-        </p:nvSpPr>
-        <p:spPr>
-          <a:xfrm rot="600000">
-            <a:off x="5342086" y="122979"/>
-            <a:ext cx="1728000" cy="944245"/>
-          </a:xfrm>
-          <a:custGeom>
-            <a:avLst/>
-            <a:gdLst>
-              <a:gd name="connisteX0" fmla="*/ 257810 w 3935730"/>
-              <a:gd name="connsiteY0" fmla="*/ 429260 h 944880"/>
-              <a:gd name="connisteX1" fmla="*/ 3394710 w 3935730"/>
-              <a:gd name="connsiteY1" fmla="*/ 0 h 944880"/>
-              <a:gd name="connisteX2" fmla="*/ 26035 w 3935730"/>
-              <a:gd name="connsiteY2" fmla="*/ 541020 h 944880"/>
-              <a:gd name="connisteX3" fmla="*/ 3575050 w 3935730"/>
-              <a:gd name="connsiteY3" fmla="*/ 51435 h 944880"/>
-              <a:gd name="connisteX4" fmla="*/ 172085 w 3935730"/>
-              <a:gd name="connsiteY4" fmla="*/ 601345 h 944880"/>
-              <a:gd name="connisteX5" fmla="*/ 3652520 w 3935730"/>
-              <a:gd name="connsiteY5" fmla="*/ 128905 h 944880"/>
-              <a:gd name="connisteX6" fmla="*/ 51435 w 3935730"/>
-              <a:gd name="connsiteY6" fmla="*/ 678815 h 944880"/>
-              <a:gd name="connisteX7" fmla="*/ 3514725 w 3935730"/>
-              <a:gd name="connsiteY7" fmla="*/ 214630 h 944880"/>
-              <a:gd name="connisteX8" fmla="*/ 369570 w 3935730"/>
-              <a:gd name="connsiteY8" fmla="*/ 704215 h 944880"/>
-              <a:gd name="connisteX9" fmla="*/ 3695700 w 3935730"/>
-              <a:gd name="connsiteY9" fmla="*/ 274955 h 944880"/>
-              <a:gd name="connisteX10" fmla="*/ 180340 w 3935730"/>
-              <a:gd name="connsiteY10" fmla="*/ 833120 h 944880"/>
-              <a:gd name="connisteX11" fmla="*/ 3695700 w 3935730"/>
-              <a:gd name="connsiteY11" fmla="*/ 351790 h 944880"/>
-              <a:gd name="connisteX12" fmla="*/ 0 w 3935730"/>
-              <a:gd name="connsiteY12" fmla="*/ 944880 h 944880"/>
-              <a:gd name="connisteX13" fmla="*/ 3935730 w 3935730"/>
-              <a:gd name="connsiteY13" fmla="*/ 360680 h 944880"/>
-            </a:gdLst>
-            <a:ahLst/>
-            <a:cxnLst>
-              <a:cxn ang="0">
-                <a:pos x="connisteX0" y="connsiteY0"/>
-              </a:cxn>
-              <a:cxn ang="0">
-                <a:pos x="connisteX1" y="connsiteY1"/>
-              </a:cxn>
-              <a:cxn ang="0">
-                <a:pos x="connisteX2" y="connsiteY2"/>
-              </a:cxn>
-              <a:cxn ang="0">
-                <a:pos x="connisteX3" y="connsiteY3"/>
-              </a:cxn>
-              <a:cxn ang="0">
-                <a:pos x="connisteX4" y="connsiteY4"/>
-              </a:cxn>
-              <a:cxn ang="0">
-                <a:pos x="connisteX5" y="connsiteY5"/>
-              </a:cxn>
-              <a:cxn ang="0">
-                <a:pos x="connisteX6" y="connsiteY6"/>
-              </a:cxn>
-              <a:cxn ang="0">
-                <a:pos x="connisteX7" y="connsiteY7"/>
-              </a:cxn>
-              <a:cxn ang="0">
-                <a:pos x="connisteX8" y="connsiteY8"/>
-              </a:cxn>
-              <a:cxn ang="0">
-                <a:pos x="connisteX9" y="connsiteY9"/>
-              </a:cxn>
-              <a:cxn ang="0">
-                <a:pos x="connisteX10" y="connsiteY10"/>
-              </a:cxn>
-              <a:cxn ang="0">
-                <a:pos x="connisteX11" y="connsiteY11"/>
-              </a:cxn>
-              <a:cxn ang="0">
-                <a:pos x="connisteX12" y="connsiteY12"/>
-              </a:cxn>
-              <a:cxn ang="0">
-                <a:pos x="connisteX13" y="connsiteY13"/>
-              </a:cxn>
-            </a:cxnLst>
-            <a:rect l="l" t="t" r="r" b="b"/>
-            <a:pathLst>
-              <a:path w="3935730" h="944880">
-                <a:moveTo>
-                  <a:pt x="257810" y="429260"/>
-                </a:moveTo>
-                <a:lnTo>
-                  <a:pt x="3394710" y="0"/>
-                </a:lnTo>
-                <a:lnTo>
-                  <a:pt x="26035" y="541020"/>
-                </a:lnTo>
-                <a:lnTo>
-                  <a:pt x="3575050" y="51435"/>
-                </a:lnTo>
-                <a:lnTo>
-                  <a:pt x="172085" y="601345"/>
-                </a:lnTo>
-                <a:lnTo>
-                  <a:pt x="3652520" y="128905"/>
-                </a:lnTo>
-                <a:lnTo>
-                  <a:pt x="51435" y="678815"/>
-                </a:lnTo>
-                <a:lnTo>
-                  <a:pt x="3514725" y="214630"/>
-                </a:lnTo>
-                <a:lnTo>
-                  <a:pt x="369570" y="704215"/>
-                </a:lnTo>
-                <a:lnTo>
-                  <a:pt x="3695700" y="274955"/>
-                </a:lnTo>
-                <a:lnTo>
-                  <a:pt x="180340" y="833120"/>
-                </a:lnTo>
-                <a:lnTo>
-                  <a:pt x="3695700" y="351790"/>
-                </a:lnTo>
-                <a:lnTo>
-                  <a:pt x="0" y="944880"/>
-                </a:lnTo>
-                <a:lnTo>
-                  <a:pt x="3935730" y="360680"/>
-                </a:lnTo>
-              </a:path>
-            </a:pathLst>
-          </a:custGeom>
-          <a:noFill/>
-          <a:ln w="203200">
-            <a:solidFill>
-              <a:schemeClr val="accent4">
-                <a:lumMod val="40000"/>
-                <a:lumOff val="60000"/>
-              </a:schemeClr>
-            </a:solidFill>
-          </a:ln>
-          <a:effectLst>
-            <a:softEdge rad="63500"/>
-          </a:effectLst>
-        </p:spPr>
-        <p:style>
-          <a:lnRef idx="2">
-            <a:schemeClr val="accent1">
-              <a:shade val="50000"/>
-            </a:schemeClr>
-          </a:lnRef>
-          <a:fillRef idx="1">
-            <a:schemeClr val="accent1"/>
-          </a:fillRef>
-          <a:effectRef idx="0">
-            <a:schemeClr val="accent1"/>
-          </a:effectRef>
-          <a:fontRef idx="minor">
-            <a:schemeClr val="lt1"/>
-          </a:fontRef>
-        </p:style>
-        <p:txBody>
-          <a:bodyPr rtlCol="0" anchor="ctr"/>
-          <a:p>
-            <a:pPr algn="ctr"/>
-            <a:endParaRPr lang="zh-CN" altLang="en-US"/>
-          </a:p>
-        </p:txBody>
-      </p:sp>
-      <p:sp>
-        <p:nvSpPr>
-          <p:cNvPr id="2" name="标题 1"/>
-          <p:cNvSpPr>
-            <a:spLocks noGrp="1"/>
-          </p:cNvSpPr>
-          <p:nvPr>
-            <p:ph type="title"/>
-          </p:nvPr>
-        </p:nvSpPr>
-        <p:spPr>
-          <a:xfrm>
-            <a:off x="5132070" y="245745"/>
-            <a:ext cx="2136775" cy="817245"/>
-          </a:xfrm>
-        </p:spPr>
-        <p:txBody>
-          <a:bodyPr>
-            <a:normAutofit fontScale="90000"/>
-          </a:bodyPr>
-          <a:p>
-            <a:r>
-              <a:rPr lang="en-US" altLang="zh-CN">
-                <a:latin typeface="Aa小梨涡" panose="02010600010101010101" charset="-122"/>
-                <a:ea typeface="Aa小梨涡" panose="02010600010101010101" charset="-122"/>
-              </a:rPr>
-              <a:t>1.</a:t>
-            </a:r>
-            <a:r>
-              <a:rPr lang="zh-CN" altLang="en-US">
-                <a:latin typeface="Aa小梨涡" panose="02010600010101010101" charset="-122"/>
-                <a:ea typeface="Aa小梨涡" panose="02010600010101010101" charset="-122"/>
-              </a:rPr>
-              <a:t>开篇词</a:t>
-            </a:r>
-            <a:endParaRPr lang="zh-CN" altLang="en-US">
-              <a:latin typeface="Aa小梨涡" panose="02010600010101010101" charset="-122"/>
-              <a:ea typeface="Aa小梨涡" panose="02010600010101010101" charset="-122"/>
-            </a:endParaRPr>
-          </a:p>
-        </p:txBody>
-      </p:sp>
-      <p:sp>
-        <p:nvSpPr>
-          <p:cNvPr id="20" name="任意多边形 19"/>
-          <p:cNvSpPr/>
-          <p:nvPr/>
-        </p:nvSpPr>
-        <p:spPr>
-          <a:xfrm rot="10320000">
-            <a:off x="4344035" y="897890"/>
-            <a:ext cx="3456305" cy="76200"/>
+          <a:xfrm rot="10800000" flipV="1">
+            <a:off x="2813685" y="2972435"/>
+            <a:ext cx="5089525" cy="81280"/>
           </a:xfrm>
           <a:custGeom>
             <a:avLst/>
@@ -33287,8 +34884,8 @@
         </p:nvSpPr>
         <p:spPr>
           <a:xfrm>
-            <a:off x="5132070" y="245745"/>
-            <a:ext cx="2136775" cy="817245"/>
+            <a:off x="4647565" y="245745"/>
+            <a:ext cx="2896870" cy="817245"/>
           </a:xfrm>
         </p:spPr>
         <p:txBody>
@@ -33301,14 +34898,14 @@
                 <a:latin typeface="Aa小梨涡" panose="02010600010101010101" charset="-122"/>
                 <a:ea typeface="Aa小梨涡" panose="02010600010101010101" charset="-122"/>
               </a:rPr>
-              <a:t>1.</a:t>
+              <a:t>6.1</a:t>
             </a:r>
             <a:r>
               <a:rPr lang="zh-CN" altLang="en-US">
                 <a:latin typeface="Aa小梨涡" panose="02010600010101010101" charset="-122"/>
                 <a:ea typeface="Aa小梨涡" panose="02010600010101010101" charset="-122"/>
               </a:rPr>
-              <a:t>开篇词</a:t>
+              <a:t>参数传递</a:t>
             </a:r>
             <a:endParaRPr lang="zh-CN" altLang="en-US">
               <a:latin typeface="Aa小梨涡" panose="02010600010101010101" charset="-122"/>
@@ -33410,11 +35007,226 @@
           </a:p>
         </p:txBody>
       </p:sp>
+      <p:sp>
+        <p:nvSpPr>
+          <p:cNvPr id="3" name="文本框 2"/>
+          <p:cNvSpPr txBox="1"/>
+          <p:nvPr/>
+        </p:nvSpPr>
+        <p:spPr>
+          <a:xfrm>
+            <a:off x="480060" y="1279525"/>
+            <a:ext cx="11231880" cy="2784475"/>
+          </a:xfrm>
+          <a:prstGeom prst="rect">
+            <a:avLst/>
+          </a:prstGeom>
+          <a:noFill/>
+          <a:ln>
+            <a:noFill/>
+          </a:ln>
+        </p:spPr>
+        <p:txBody>
+          <a:bodyPr wrap="square" rtlCol="0">
+            <a:spAutoFit/>
+          </a:bodyPr>
+          <a:p>
+            <a:pPr fontAlgn="auto">
+              <a:lnSpc>
+                <a:spcPts val="3500"/>
+              </a:lnSpc>
+            </a:pPr>
+            <a:r>
+              <a:rPr lang="en-US" sz="2200">
+                <a:latin typeface="Aa小梨涡" panose="02010600010101010101" charset="-122"/>
+                <a:ea typeface="Aa小梨涡" panose="02010600010101010101" charset="-122"/>
+                <a:cs typeface="Aa小梨涡" panose="02010600010101010101" charset="-122"/>
+                <a:sym typeface="+mn-ea"/>
+              </a:rPr>
+              <a:t>1. </a:t>
+            </a:r>
+            <a:r>
+              <a:rPr lang="zh-CN" altLang="en-US" sz="2200">
+                <a:latin typeface="Aa小梨涡" panose="02010600010101010101" charset="-122"/>
+                <a:ea typeface="Aa小梨涡" panose="02010600010101010101" charset="-122"/>
+                <a:cs typeface="Aa小梨涡" panose="02010600010101010101" charset="-122"/>
+                <a:sym typeface="+mn-ea"/>
+              </a:rPr>
+              <a:t>值传递与引用传递</a:t>
+            </a:r>
+            <a:endParaRPr lang="zh-CN" altLang="en-US" sz="2200">
+              <a:latin typeface="Calibri" panose="020F0502020204030204" charset="0"/>
+              <a:ea typeface="Aa小梨涡" panose="02010600010101010101" charset="-122"/>
+              <a:cs typeface="Aa小梨涡" panose="02010600010101010101" charset="-122"/>
+              <a:sym typeface="+mn-ea"/>
+            </a:endParaRPr>
+          </a:p>
+          <a:p>
+            <a:pPr fontAlgn="auto">
+              <a:lnSpc>
+                <a:spcPts val="3500"/>
+              </a:lnSpc>
+            </a:pPr>
+            <a:r>
+              <a:rPr lang="zh-CN" altLang="en-US" sz="2200">
+                <a:latin typeface="Calibri" panose="020F0502020204030204" charset="0"/>
+                <a:ea typeface="Aa小梨涡" panose="02010600010101010101" charset="-122"/>
+                <a:cs typeface="Aa小梨涡" panose="02010600010101010101" charset="-122"/>
+                <a:sym typeface="+mn-ea"/>
+              </a:rPr>
+              <a:t>        （</a:t>
+            </a:r>
+            <a:r>
+              <a:rPr lang="en-US" altLang="zh-CN" sz="2200">
+                <a:latin typeface="Calibri" panose="020F0502020204030204" charset="0"/>
+                <a:ea typeface="Aa小梨涡" panose="02010600010101010101" charset="-122"/>
+                <a:cs typeface="Aa小梨涡" panose="02010600010101010101" charset="-122"/>
+                <a:sym typeface="+mn-ea"/>
+              </a:rPr>
+              <a:t>1</a:t>
+            </a:r>
+            <a:r>
+              <a:rPr lang="zh-CN" altLang="en-US" sz="2200">
+                <a:latin typeface="Calibri" panose="020F0502020204030204" charset="0"/>
+                <a:ea typeface="Aa小梨涡" panose="02010600010101010101" charset="-122"/>
+                <a:cs typeface="Aa小梨涡" panose="02010600010101010101" charset="-122"/>
+                <a:sym typeface="+mn-ea"/>
+              </a:rPr>
+              <a:t>）值传递，通常就是拷贝参数的值，然后传递给函数里的新变量。这样，原变量和新变量之间互相独立，互不影响。</a:t>
+            </a:r>
+            <a:endParaRPr lang="zh-CN" altLang="en-US" sz="2200">
+              <a:latin typeface="Calibri" panose="020F0502020204030204" charset="0"/>
+              <a:ea typeface="Aa小梨涡" panose="02010600010101010101" charset="-122"/>
+              <a:cs typeface="Aa小梨涡" panose="02010600010101010101" charset="-122"/>
+              <a:sym typeface="+mn-ea"/>
+            </a:endParaRPr>
+          </a:p>
+          <a:p>
+            <a:pPr fontAlgn="auto">
+              <a:lnSpc>
+                <a:spcPts val="3500"/>
+              </a:lnSpc>
+            </a:pPr>
+            <a:r>
+              <a:rPr lang="zh-CN" altLang="en-US" sz="2200">
+                <a:latin typeface="Calibri" panose="020F0502020204030204" charset="0"/>
+                <a:ea typeface="Aa小梨涡" panose="02010600010101010101" charset="-122"/>
+                <a:cs typeface="Aa小梨涡" panose="02010600010101010101" charset="-122"/>
+                <a:sym typeface="+mn-ea"/>
+              </a:rPr>
+              <a:t>        （</a:t>
+            </a:r>
+            <a:r>
+              <a:rPr lang="en-US" altLang="zh-CN" sz="2200">
+                <a:latin typeface="Calibri" panose="020F0502020204030204" charset="0"/>
+                <a:ea typeface="Aa小梨涡" panose="02010600010101010101" charset="-122"/>
+                <a:cs typeface="Aa小梨涡" panose="02010600010101010101" charset="-122"/>
+                <a:sym typeface="+mn-ea"/>
+              </a:rPr>
+              <a:t>2</a:t>
+            </a:r>
+            <a:r>
+              <a:rPr lang="zh-CN" altLang="en-US" sz="2200">
+                <a:latin typeface="Calibri" panose="020F0502020204030204" charset="0"/>
+                <a:ea typeface="Aa小梨涡" panose="02010600010101010101" charset="-122"/>
+                <a:cs typeface="Aa小梨涡" panose="02010600010101010101" charset="-122"/>
+                <a:sym typeface="+mn-ea"/>
+              </a:rPr>
+              <a:t>）引用传递，通常是指把参数的引用传给新的变量，这样，原变量和新变量就会指向同一块内存地址。如果改变了其中任何一个变量的值，那么另外一个变量也会相应地随之改变。</a:t>
+            </a:r>
+            <a:endParaRPr lang="zh-CN" altLang="en-US" sz="2200">
+              <a:latin typeface="Calibri" panose="020F0502020204030204" charset="0"/>
+              <a:ea typeface="Aa小梨涡" panose="02010600010101010101" charset="-122"/>
+              <a:cs typeface="Aa小梨涡" panose="02010600010101010101" charset="-122"/>
+              <a:sym typeface="+mn-ea"/>
+            </a:endParaRPr>
+          </a:p>
+        </p:txBody>
+      </p:sp>
     </p:spTree>
   </p:cSld>
   <p:clrMapOvr>
     <a:masterClrMapping/>
   </p:clrMapOvr>
+  <p:timing>
+    <p:tnLst>
+      <p:par>
+        <p:cTn id="1" dur="indefinite" restart="never" nodeType="tmRoot">
+          <p:childTnLst>
+            <p:seq concurrent="1" nextAc="seek">
+              <p:cTn id="2" dur="indefinite" nodeType="mainSeq">
+                <p:childTnLst>
+                  <p:par>
+                    <p:cTn id="3" fill="hold">
+                      <p:stCondLst>
+                        <p:cond delay="indefinite"/>
+                      </p:stCondLst>
+                      <p:childTnLst>
+                        <p:par>
+                          <p:cTn id="4" fill="hold">
+                            <p:stCondLst>
+                              <p:cond delay="0"/>
+                            </p:stCondLst>
+                            <p:childTnLst>
+                              <p:par>
+                                <p:cTn id="5" presetID="1" presetClass="entr" presetSubtype="0" fill="hold" grpId="0" nodeType="clickEffect">
+                                  <p:stCondLst>
+                                    <p:cond delay="0"/>
+                                  </p:stCondLst>
+                                  <p:childTnLst>
+                                    <p:set>
+                                      <p:cBhvr>
+                                        <p:cTn id="6" dur="1" fill="hold">
+                                          <p:stCondLst>
+                                            <p:cond delay="0"/>
+                                          </p:stCondLst>
+                                        </p:cTn>
+                                        <p:tgtEl>
+                                          <p:spTgt spid="3"/>
+                                        </p:tgtEl>
+                                        <p:attrNameLst>
+                                          <p:attrName>style.visibility</p:attrName>
+                                        </p:attrNameLst>
+                                      </p:cBhvr>
+                                      <p:to>
+                                        <p:strVal val="visible"/>
+                                      </p:to>
+                                    </p:set>
+                                  </p:childTnLst>
+                                </p:cTn>
+                              </p:par>
+                            </p:childTnLst>
+                          </p:cTn>
+                        </p:par>
+                      </p:childTnLst>
+                    </p:cTn>
+                  </p:par>
+                </p:childTnLst>
+              </p:cTn>
+              <p:prevCondLst>
+                <p:cond evt="onPrev" delay="0">
+                  <p:tgtEl>
+                    <p:sldTgt/>
+                  </p:tgtEl>
+                </p:cond>
+              </p:prevCondLst>
+              <p:nextCondLst>
+                <p:cond evt="onNext" delay="0">
+                  <p:tgtEl>
+                    <p:sldTgt/>
+                  </p:tgtEl>
+                </p:cond>
+              </p:nextCondLst>
+            </p:seq>
+          </p:childTnLst>
+        </p:cTn>
+      </p:par>
+    </p:tnLst>
+    <p:bldLst>
+      <p:bldP spid="3" grpId="0"/>
+      <p:bldP spid="3" grpId="1"/>
+    </p:bldLst>
+  </p:timing>
 </p:sld>
 </file>
 
@@ -33613,8 +35425,8 @@
         </p:nvSpPr>
         <p:spPr>
           <a:xfrm>
-            <a:off x="5132070" y="245745"/>
-            <a:ext cx="2136775" cy="817245"/>
+            <a:off x="4647565" y="245745"/>
+            <a:ext cx="2896870" cy="817245"/>
           </a:xfrm>
         </p:spPr>
         <p:txBody>
@@ -33627,14 +35439,14 @@
                 <a:latin typeface="Aa小梨涡" panose="02010600010101010101" charset="-122"/>
                 <a:ea typeface="Aa小梨涡" panose="02010600010101010101" charset="-122"/>
               </a:rPr>
-              <a:t>1.</a:t>
+              <a:t>6.1</a:t>
             </a:r>
             <a:r>
               <a:rPr lang="zh-CN" altLang="en-US">
                 <a:latin typeface="Aa小梨涡" panose="02010600010101010101" charset="-122"/>
                 <a:ea typeface="Aa小梨涡" panose="02010600010101010101" charset="-122"/>
               </a:rPr>
-              <a:t>开篇词</a:t>
+              <a:t>参数传递</a:t>
             </a:r>
             <a:endParaRPr lang="zh-CN" altLang="en-US">
               <a:latin typeface="Aa小梨涡" panose="02010600010101010101" charset="-122"/>
@@ -33736,11 +35548,369 @@
           </a:p>
         </p:txBody>
       </p:sp>
+      <p:sp>
+        <p:nvSpPr>
+          <p:cNvPr id="4" name="文本框 3"/>
+          <p:cNvSpPr txBox="1"/>
+          <p:nvPr/>
+        </p:nvSpPr>
+        <p:spPr>
+          <a:xfrm>
+            <a:off x="589915" y="1314450"/>
+            <a:ext cx="11231880" cy="3681730"/>
+          </a:xfrm>
+          <a:prstGeom prst="rect">
+            <a:avLst/>
+          </a:prstGeom>
+          <a:noFill/>
+          <a:ln>
+            <a:noFill/>
+          </a:ln>
+        </p:spPr>
+        <p:txBody>
+          <a:bodyPr wrap="square" rtlCol="0">
+            <a:spAutoFit/>
+          </a:bodyPr>
+          <a:p>
+            <a:pPr fontAlgn="auto">
+              <a:lnSpc>
+                <a:spcPts val="3500"/>
+              </a:lnSpc>
+            </a:pPr>
+            <a:r>
+              <a:rPr lang="en-US" sz="2200">
+                <a:latin typeface="Aa小梨涡" panose="02010600010101010101" charset="-122"/>
+                <a:ea typeface="Aa小梨涡" panose="02010600010101010101" charset="-122"/>
+                <a:cs typeface="Aa小梨涡" panose="02010600010101010101" charset="-122"/>
+                <a:sym typeface="+mn-ea"/>
+              </a:rPr>
+              <a:t>2. </a:t>
+            </a:r>
+            <a:r>
+              <a:rPr lang="zh-CN" altLang="en-US" sz="2200">
+                <a:latin typeface="Aa小梨涡" panose="02010600010101010101" charset="-122"/>
+                <a:ea typeface="Aa小梨涡" panose="02010600010101010101" charset="-122"/>
+                <a:cs typeface="Aa小梨涡" panose="02010600010101010101" charset="-122"/>
+                <a:sym typeface="+mn-ea"/>
+              </a:rPr>
+              <a:t>Python 变量及其赋值</a:t>
+            </a:r>
+            <a:endParaRPr lang="zh-CN" altLang="en-US" sz="2200">
+              <a:latin typeface="Aa小梨涡" panose="02010600010101010101" charset="-122"/>
+              <a:ea typeface="Aa小梨涡" panose="02010600010101010101" charset="-122"/>
+              <a:cs typeface="Aa小梨涡" panose="02010600010101010101" charset="-122"/>
+              <a:sym typeface="+mn-ea"/>
+            </a:endParaRPr>
+          </a:p>
+          <a:p>
+            <a:pPr fontAlgn="auto">
+              <a:lnSpc>
+                <a:spcPts val="3500"/>
+              </a:lnSpc>
+            </a:pPr>
+            <a:r>
+              <a:rPr lang="zh-CN" altLang="en-US" sz="2200">
+                <a:latin typeface="Calibri" panose="020F0502020204030204" charset="0"/>
+                <a:ea typeface="Aa小梨涡" panose="02010600010101010101" charset="-122"/>
+                <a:cs typeface="Aa小梨涡" panose="02010600010101010101" charset="-122"/>
+                <a:sym typeface="+mn-ea"/>
+              </a:rPr>
+              <a:t>        （</a:t>
+            </a:r>
+            <a:r>
+              <a:rPr lang="en-US" altLang="zh-CN" sz="2200">
+                <a:latin typeface="Calibri" panose="020F0502020204030204" charset="0"/>
+                <a:ea typeface="Aa小梨涡" panose="02010600010101010101" charset="-122"/>
+                <a:cs typeface="Aa小梨涡" panose="02010600010101010101" charset="-122"/>
+                <a:sym typeface="+mn-ea"/>
+              </a:rPr>
+              <a:t>1</a:t>
+            </a:r>
+            <a:r>
+              <a:rPr lang="zh-CN" altLang="en-US" sz="2200">
+                <a:latin typeface="Calibri" panose="020F0502020204030204" charset="0"/>
+                <a:ea typeface="Aa小梨涡" panose="02010600010101010101" charset="-122"/>
+                <a:cs typeface="Aa小梨涡" panose="02010600010101010101" charset="-122"/>
+                <a:sym typeface="+mn-ea"/>
+              </a:rPr>
+              <a:t>）</a:t>
+            </a:r>
+            <a:r>
+              <a:rPr lang="zh-CN" altLang="en-US" sz="2200">
+                <a:solidFill>
+                  <a:srgbClr val="FF0000"/>
+                </a:solidFill>
+                <a:latin typeface="Calibri" panose="020F0502020204030204" charset="0"/>
+                <a:ea typeface="Aa小梨涡" panose="02010600010101010101" charset="-122"/>
+                <a:cs typeface="Aa小梨涡" panose="02010600010101010101" charset="-122"/>
+                <a:sym typeface="+mn-ea"/>
+              </a:rPr>
+              <a:t>变量</a:t>
+            </a:r>
+            <a:r>
+              <a:rPr lang="zh-CN" altLang="en-US" sz="2200">
+                <a:latin typeface="Calibri" panose="020F0502020204030204" charset="0"/>
+                <a:ea typeface="Aa小梨涡" panose="02010600010101010101" charset="-122"/>
+                <a:cs typeface="Aa小梨涡" panose="02010600010101010101" charset="-122"/>
+                <a:sym typeface="+mn-ea"/>
+              </a:rPr>
+              <a:t>的赋值，只是表示让变量指向了某个对象，并不表示拷贝对象给变量；而一个对象，可以被多个变量所指向。</a:t>
+            </a:r>
+            <a:endParaRPr lang="zh-CN" altLang="en-US" sz="2200">
+              <a:latin typeface="Calibri" panose="020F0502020204030204" charset="0"/>
+              <a:ea typeface="Aa小梨涡" panose="02010600010101010101" charset="-122"/>
+              <a:cs typeface="Aa小梨涡" panose="02010600010101010101" charset="-122"/>
+              <a:sym typeface="+mn-ea"/>
+            </a:endParaRPr>
+          </a:p>
+          <a:p>
+            <a:pPr fontAlgn="auto">
+              <a:lnSpc>
+                <a:spcPts val="3500"/>
+              </a:lnSpc>
+            </a:pPr>
+            <a:r>
+              <a:rPr lang="zh-CN" altLang="en-US" sz="2200">
+                <a:latin typeface="Calibri" panose="020F0502020204030204" charset="0"/>
+                <a:ea typeface="Aa小梨涡" panose="02010600010101010101" charset="-122"/>
+                <a:cs typeface="Aa小梨涡" panose="02010600010101010101" charset="-122"/>
+                <a:sym typeface="+mn-ea"/>
+              </a:rPr>
+              <a:t>        （</a:t>
+            </a:r>
+            <a:r>
+              <a:rPr lang="en-US" altLang="zh-CN" sz="2200">
+                <a:latin typeface="Calibri" panose="020F0502020204030204" charset="0"/>
+                <a:ea typeface="Aa小梨涡" panose="02010600010101010101" charset="-122"/>
+                <a:cs typeface="Aa小梨涡" panose="02010600010101010101" charset="-122"/>
+                <a:sym typeface="+mn-ea"/>
+              </a:rPr>
+              <a:t>2</a:t>
+            </a:r>
+            <a:r>
+              <a:rPr lang="zh-CN" altLang="en-US" sz="2200">
+                <a:latin typeface="Calibri" panose="020F0502020204030204" charset="0"/>
+                <a:ea typeface="Aa小梨涡" panose="02010600010101010101" charset="-122"/>
+                <a:cs typeface="Aa小梨涡" panose="02010600010101010101" charset="-122"/>
+                <a:sym typeface="+mn-ea"/>
+              </a:rPr>
+              <a:t>）</a:t>
+            </a:r>
+            <a:r>
+              <a:rPr lang="zh-CN" altLang="en-US" sz="2200">
+                <a:solidFill>
+                  <a:srgbClr val="FF0000"/>
+                </a:solidFill>
+                <a:latin typeface="Calibri" panose="020F0502020204030204" charset="0"/>
+                <a:ea typeface="Aa小梨涡" panose="02010600010101010101" charset="-122"/>
+                <a:cs typeface="Aa小梨涡" panose="02010600010101010101" charset="-122"/>
+                <a:sym typeface="+mn-ea"/>
+              </a:rPr>
+              <a:t>可变对象</a:t>
+            </a:r>
+            <a:r>
+              <a:rPr lang="zh-CN" altLang="en-US" sz="2200">
+                <a:latin typeface="Calibri" panose="020F0502020204030204" charset="0"/>
+                <a:ea typeface="Aa小梨涡" panose="02010600010101010101" charset="-122"/>
+                <a:cs typeface="Aa小梨涡" panose="02010600010101010101" charset="-122"/>
+                <a:sym typeface="+mn-ea"/>
+              </a:rPr>
+              <a:t>（列表，字典，集合等等）的改变，会影响所有指向该对象的变量。</a:t>
+            </a:r>
+            <a:endParaRPr lang="zh-CN" altLang="en-US" sz="2200">
+              <a:latin typeface="Calibri" panose="020F0502020204030204" charset="0"/>
+              <a:ea typeface="Aa小梨涡" panose="02010600010101010101" charset="-122"/>
+              <a:cs typeface="Aa小梨涡" panose="02010600010101010101" charset="-122"/>
+              <a:sym typeface="+mn-ea"/>
+            </a:endParaRPr>
+          </a:p>
+          <a:p>
+            <a:pPr fontAlgn="auto">
+              <a:lnSpc>
+                <a:spcPts val="3500"/>
+              </a:lnSpc>
+            </a:pPr>
+            <a:r>
+              <a:rPr lang="zh-CN" altLang="en-US" sz="2200">
+                <a:latin typeface="Calibri" panose="020F0502020204030204" charset="0"/>
+                <a:ea typeface="Aa小梨涡" panose="02010600010101010101" charset="-122"/>
+                <a:cs typeface="Aa小梨涡" panose="02010600010101010101" charset="-122"/>
+                <a:sym typeface="+mn-ea"/>
+              </a:rPr>
+              <a:t>        （</a:t>
+            </a:r>
+            <a:r>
+              <a:rPr lang="en-US" altLang="zh-CN" sz="2200">
+                <a:latin typeface="Calibri" panose="020F0502020204030204" charset="0"/>
+                <a:ea typeface="Aa小梨涡" panose="02010600010101010101" charset="-122"/>
+                <a:cs typeface="Aa小梨涡" panose="02010600010101010101" charset="-122"/>
+                <a:sym typeface="+mn-ea"/>
+              </a:rPr>
+              <a:t>3</a:t>
+            </a:r>
+            <a:r>
+              <a:rPr lang="zh-CN" altLang="en-US" sz="2200">
+                <a:latin typeface="Calibri" panose="020F0502020204030204" charset="0"/>
+                <a:ea typeface="Aa小梨涡" panose="02010600010101010101" charset="-122"/>
+                <a:cs typeface="Aa小梨涡" panose="02010600010101010101" charset="-122"/>
+                <a:sym typeface="+mn-ea"/>
+              </a:rPr>
+              <a:t>）对于</a:t>
+            </a:r>
+            <a:r>
+              <a:rPr lang="zh-CN" altLang="en-US" sz="2200">
+                <a:solidFill>
+                  <a:srgbClr val="FF0000"/>
+                </a:solidFill>
+                <a:latin typeface="Calibri" panose="020F0502020204030204" charset="0"/>
+                <a:ea typeface="Aa小梨涡" panose="02010600010101010101" charset="-122"/>
+                <a:cs typeface="Aa小梨涡" panose="02010600010101010101" charset="-122"/>
+                <a:sym typeface="+mn-ea"/>
+              </a:rPr>
+              <a:t>不可变对象</a:t>
+            </a:r>
+            <a:r>
+              <a:rPr lang="zh-CN" altLang="en-US" sz="2200">
+                <a:latin typeface="Calibri" panose="020F0502020204030204" charset="0"/>
+                <a:ea typeface="Aa小梨涡" panose="02010600010101010101" charset="-122"/>
+                <a:cs typeface="Aa小梨涡" panose="02010600010101010101" charset="-122"/>
+                <a:sym typeface="+mn-ea"/>
+              </a:rPr>
+              <a:t>（字符串、整型、元组等等），所有指向该对象的变量的值总是一样的，也不会改变。但是通过某些操作（+= 等等）更新不可变对象的值时，会返回一个新的对象。</a:t>
+            </a:r>
+            <a:endParaRPr lang="zh-CN" altLang="en-US" sz="2200">
+              <a:latin typeface="Calibri" panose="020F0502020204030204" charset="0"/>
+              <a:ea typeface="Aa小梨涡" panose="02010600010101010101" charset="-122"/>
+              <a:cs typeface="Aa小梨涡" panose="02010600010101010101" charset="-122"/>
+              <a:sym typeface="+mn-ea"/>
+            </a:endParaRPr>
+          </a:p>
+          <a:p>
+            <a:pPr fontAlgn="auto">
+              <a:lnSpc>
+                <a:spcPts val="3500"/>
+              </a:lnSpc>
+            </a:pPr>
+            <a:r>
+              <a:rPr lang="zh-CN" altLang="en-US" sz="2200">
+                <a:latin typeface="Calibri" panose="020F0502020204030204" charset="0"/>
+                <a:ea typeface="Aa小梨涡" panose="02010600010101010101" charset="-122"/>
+                <a:cs typeface="Aa小梨涡" panose="02010600010101010101" charset="-122"/>
+                <a:sym typeface="+mn-ea"/>
+              </a:rPr>
+              <a:t>        （</a:t>
+            </a:r>
+            <a:r>
+              <a:rPr lang="en-US" altLang="zh-CN" sz="2200">
+                <a:latin typeface="Calibri" panose="020F0502020204030204" charset="0"/>
+                <a:ea typeface="Aa小梨涡" panose="02010600010101010101" charset="-122"/>
+                <a:cs typeface="Aa小梨涡" panose="02010600010101010101" charset="-122"/>
+                <a:sym typeface="+mn-ea"/>
+              </a:rPr>
+              <a:t>4</a:t>
+            </a:r>
+            <a:r>
+              <a:rPr lang="zh-CN" altLang="en-US" sz="2200">
+                <a:latin typeface="Calibri" panose="020F0502020204030204" charset="0"/>
+                <a:ea typeface="Aa小梨涡" panose="02010600010101010101" charset="-122"/>
+                <a:cs typeface="Aa小梨涡" panose="02010600010101010101" charset="-122"/>
+                <a:sym typeface="+mn-ea"/>
+              </a:rPr>
+              <a:t>）变量可以被删除，但是对象无法被删除。</a:t>
+            </a:r>
+            <a:endParaRPr lang="zh-CN" altLang="en-US" sz="2200">
+              <a:latin typeface="Calibri" panose="020F0502020204030204" charset="0"/>
+              <a:ea typeface="Aa小梨涡" panose="02010600010101010101" charset="-122"/>
+              <a:cs typeface="Aa小梨涡" panose="02010600010101010101" charset="-122"/>
+              <a:sym typeface="+mn-ea"/>
+            </a:endParaRPr>
+          </a:p>
+        </p:txBody>
+      </p:sp>
     </p:spTree>
   </p:cSld>
   <p:clrMapOvr>
     <a:masterClrMapping/>
   </p:clrMapOvr>
+  <p:timing>
+    <p:tnLst>
+      <p:par>
+        <p:cTn id="1" dur="indefinite" restart="never" nodeType="tmRoot">
+          <p:childTnLst>
+            <p:seq concurrent="1" nextAc="seek">
+              <p:cTn id="2" dur="indefinite" nodeType="mainSeq">
+                <p:childTnLst>
+                  <p:par>
+                    <p:cTn id="3" fill="hold">
+                      <p:stCondLst>
+                        <p:cond delay="indefinite"/>
+                      </p:stCondLst>
+                      <p:childTnLst>
+                        <p:par>
+                          <p:cTn id="4" fill="hold">
+                            <p:stCondLst>
+                              <p:cond delay="0"/>
+                            </p:stCondLst>
+                            <p:childTnLst>
+                              <p:par>
+                                <p:cTn id="5" presetID="1" presetClass="entr" presetSubtype="0" fill="hold" grpId="0" nodeType="clickEffect">
+                                  <p:stCondLst>
+                                    <p:cond delay="0"/>
+                                  </p:stCondLst>
+                                  <p:childTnLst>
+                                    <p:set>
+                                      <p:cBhvr>
+                                        <p:cTn id="6" dur="1" fill="hold">
+                                          <p:stCondLst>
+                                            <p:cond delay="0"/>
+                                          </p:stCondLst>
+                                        </p:cTn>
+                                        <p:tgtEl>
+                                          <p:spTgt spid="4"/>
+                                        </p:tgtEl>
+                                        <p:attrNameLst>
+                                          <p:attrName>style.visibility</p:attrName>
+                                        </p:attrNameLst>
+                                      </p:cBhvr>
+                                      <p:to>
+                                        <p:strVal val="visible"/>
+                                      </p:to>
+                                    </p:set>
+                                  </p:childTnLst>
+                                </p:cTn>
+                              </p:par>
+                            </p:childTnLst>
+                          </p:cTn>
+                        </p:par>
+                      </p:childTnLst>
+                    </p:cTn>
+                  </p:par>
+                </p:childTnLst>
+              </p:cTn>
+              <p:prevCondLst>
+                <p:cond evt="onPrev" delay="0">
+                  <p:tgtEl>
+                    <p:sldTgt/>
+                  </p:tgtEl>
+                </p:cond>
+              </p:prevCondLst>
+              <p:nextCondLst>
+                <p:cond evt="onNext" delay="0">
+                  <p:tgtEl>
+                    <p:sldTgt/>
+                  </p:tgtEl>
+                </p:cond>
+              </p:nextCondLst>
+            </p:seq>
+          </p:childTnLst>
+        </p:cTn>
+      </p:par>
+    </p:tnLst>
+    <p:bldLst>
+      <p:bldP spid="4" grpId="0"/>
+      <p:bldP spid="4" grpId="1"/>
+    </p:bldLst>
+  </p:timing>
 </p:sld>
 </file>
 
@@ -33939,8 +36109,8 @@
         </p:nvSpPr>
         <p:spPr>
           <a:xfrm>
-            <a:off x="5132070" y="245745"/>
-            <a:ext cx="2136775" cy="817245"/>
+            <a:off x="4647565" y="245745"/>
+            <a:ext cx="2896870" cy="817245"/>
           </a:xfrm>
         </p:spPr>
         <p:txBody>
@@ -33953,14 +36123,14 @@
                 <a:latin typeface="Aa小梨涡" panose="02010600010101010101" charset="-122"/>
                 <a:ea typeface="Aa小梨涡" panose="02010600010101010101" charset="-122"/>
               </a:rPr>
-              <a:t>1.</a:t>
+              <a:t>6.1</a:t>
             </a:r>
             <a:r>
               <a:rPr lang="zh-CN" altLang="en-US">
                 <a:latin typeface="Aa小梨涡" panose="02010600010101010101" charset="-122"/>
                 <a:ea typeface="Aa小梨涡" panose="02010600010101010101" charset="-122"/>
               </a:rPr>
-              <a:t>开篇词</a:t>
+              <a:t>参数传递</a:t>
             </a:r>
             <a:endParaRPr lang="zh-CN" altLang="en-US">
               <a:latin typeface="Aa小梨涡" panose="02010600010101010101" charset="-122"/>
@@ -34062,11 +36232,447 @@
           </a:p>
         </p:txBody>
       </p:sp>
+      <p:sp>
+        <p:nvSpPr>
+          <p:cNvPr id="4" name="文本框 3"/>
+          <p:cNvSpPr txBox="1"/>
+          <p:nvPr/>
+        </p:nvSpPr>
+        <p:spPr>
+          <a:xfrm>
+            <a:off x="589915" y="1314450"/>
+            <a:ext cx="11231880" cy="1886585"/>
+          </a:xfrm>
+          <a:prstGeom prst="rect">
+            <a:avLst/>
+          </a:prstGeom>
+          <a:noFill/>
+          <a:ln>
+            <a:noFill/>
+          </a:ln>
+        </p:spPr>
+        <p:txBody>
+          <a:bodyPr wrap="square" rtlCol="0">
+            <a:spAutoFit/>
+          </a:bodyPr>
+          <a:p>
+            <a:pPr fontAlgn="auto">
+              <a:lnSpc>
+                <a:spcPts val="3500"/>
+              </a:lnSpc>
+            </a:pPr>
+            <a:r>
+              <a:rPr lang="en-US" sz="2200">
+                <a:latin typeface="Aa小梨涡" panose="02010600010101010101" charset="-122"/>
+                <a:ea typeface="Aa小梨涡" panose="02010600010101010101" charset="-122"/>
+                <a:cs typeface="Aa小梨涡" panose="02010600010101010101" charset="-122"/>
+                <a:sym typeface="+mn-ea"/>
+              </a:rPr>
+              <a:t>3. </a:t>
+            </a:r>
+            <a:r>
+              <a:rPr lang="zh-CN" altLang="en-US" sz="2200">
+                <a:latin typeface="Aa小梨涡" panose="02010600010101010101" charset="-122"/>
+                <a:ea typeface="Aa小梨涡" panose="02010600010101010101" charset="-122"/>
+                <a:cs typeface="Aa小梨涡" panose="02010600010101010101" charset="-122"/>
+                <a:sym typeface="+mn-ea"/>
+              </a:rPr>
+              <a:t>Python 函数的参数传递</a:t>
+            </a:r>
+            <a:endParaRPr lang="zh-CN" altLang="en-US" sz="2200">
+              <a:latin typeface="Aa小梨涡" panose="02010600010101010101" charset="-122"/>
+              <a:ea typeface="Aa小梨涡" panose="02010600010101010101" charset="-122"/>
+              <a:cs typeface="Aa小梨涡" panose="02010600010101010101" charset="-122"/>
+              <a:sym typeface="+mn-ea"/>
+            </a:endParaRPr>
+          </a:p>
+          <a:p>
+            <a:pPr fontAlgn="auto">
+              <a:lnSpc>
+                <a:spcPts val="3500"/>
+              </a:lnSpc>
+            </a:pPr>
+            <a:r>
+              <a:rPr lang="zh-CN" altLang="en-US" sz="2200">
+                <a:latin typeface="Calibri" panose="020F0502020204030204" charset="0"/>
+                <a:ea typeface="Aa小梨涡" panose="02010600010101010101" charset="-122"/>
+                <a:cs typeface="Aa小梨涡" panose="02010600010101010101" charset="-122"/>
+                <a:sym typeface="+mn-ea"/>
+              </a:rPr>
+              <a:t>        </a:t>
+            </a:r>
+            <a:r>
+              <a:rPr lang="zh-CN" altLang="en-US" sz="2200">
+                <a:latin typeface="Aa小梨涡" panose="02010600010101010101" charset="-122"/>
+                <a:ea typeface="Aa小梨涡" panose="02010600010101010101" charset="-122"/>
+                <a:cs typeface="Aa小梨涡" panose="02010600010101010101" charset="-122"/>
+                <a:sym typeface="+mn-ea"/>
+              </a:rPr>
+              <a:t>严格意义上讲，Python 的参数传递是赋值传递 （pass by assignment），或者叫作对象的引用传递（pass by object reference）。Python 里所有的数据类型都是对象，所以参数传递时，只是让新变量与原变量指向相同的对象而已，并不存在值传递或是引用传递一说。</a:t>
+            </a:r>
+            <a:endParaRPr lang="zh-CN" altLang="en-US" sz="2200">
+              <a:latin typeface="Aa小梨涡" panose="02010600010101010101" charset="-122"/>
+              <a:ea typeface="Aa小梨涡" panose="02010600010101010101" charset="-122"/>
+              <a:cs typeface="Aa小梨涡" panose="02010600010101010101" charset="-122"/>
+              <a:sym typeface="+mn-ea"/>
+            </a:endParaRPr>
+          </a:p>
+        </p:txBody>
+      </p:sp>
+      <p:sp>
+        <p:nvSpPr>
+          <p:cNvPr id="3" name="文本框 2"/>
+          <p:cNvSpPr txBox="1"/>
+          <p:nvPr/>
+        </p:nvSpPr>
+        <p:spPr>
+          <a:xfrm>
+            <a:off x="10563860" y="3115310"/>
+            <a:ext cx="1476375" cy="270510"/>
+          </a:xfrm>
+          <a:prstGeom prst="rect">
+            <a:avLst/>
+          </a:prstGeom>
+          <a:noFill/>
+        </p:spPr>
+        <p:txBody>
+          <a:bodyPr wrap="square" rtlCol="0">
+            <a:spAutoFit/>
+          </a:bodyPr>
+          <a:p>
+            <a:r>
+              <a:rPr lang="en-US" altLang="zh-CN" baseline="30000">
+                <a:solidFill>
+                  <a:schemeClr val="accent5"/>
+                </a:solidFill>
+                <a:latin typeface="Comic Sans MS" panose="030F0702030302020204" charset="0"/>
+                <a:cs typeface="Comic Sans MS" panose="030F0702030302020204" charset="0"/>
+              </a:rPr>
+              <a:t>[6.1-1.py</a:t>
+            </a:r>
+            <a:r>
+              <a:rPr lang="zh-CN" altLang="en-US" baseline="30000">
+                <a:solidFill>
+                  <a:schemeClr val="accent5"/>
+                </a:solidFill>
+                <a:latin typeface="Comic Sans MS" panose="030F0702030302020204" charset="0"/>
+                <a:cs typeface="Comic Sans MS" panose="030F0702030302020204" charset="0"/>
+              </a:rPr>
+              <a:t>，</a:t>
+            </a:r>
+            <a:r>
+              <a:rPr lang="en-US" altLang="zh-CN" baseline="30000">
+                <a:solidFill>
+                  <a:schemeClr val="accent5"/>
+                </a:solidFill>
+                <a:latin typeface="Comic Sans MS" panose="030F0702030302020204" charset="0"/>
+                <a:cs typeface="Comic Sans MS" panose="030F0702030302020204" charset="0"/>
+                <a:sym typeface="+mn-ea"/>
+              </a:rPr>
+              <a:t>6.1-2.py</a:t>
+            </a:r>
+            <a:r>
+              <a:rPr lang="en-US" altLang="zh-CN" baseline="30000">
+                <a:solidFill>
+                  <a:schemeClr val="accent5"/>
+                </a:solidFill>
+                <a:latin typeface="Comic Sans MS" panose="030F0702030302020204" charset="0"/>
+                <a:cs typeface="Comic Sans MS" panose="030F0702030302020204" charset="0"/>
+              </a:rPr>
+              <a:t>]</a:t>
+            </a:r>
+            <a:endParaRPr lang="en-US" altLang="zh-CN" baseline="30000">
+              <a:solidFill>
+                <a:schemeClr val="accent5"/>
+              </a:solidFill>
+              <a:latin typeface="Comic Sans MS" panose="030F0702030302020204" charset="0"/>
+              <a:cs typeface="Comic Sans MS" panose="030F0702030302020204" charset="0"/>
+            </a:endParaRPr>
+          </a:p>
+        </p:txBody>
+      </p:sp>
+      <p:sp>
+        <p:nvSpPr>
+          <p:cNvPr id="5" name="文本框 4"/>
+          <p:cNvSpPr txBox="1"/>
+          <p:nvPr/>
+        </p:nvSpPr>
+        <p:spPr>
+          <a:xfrm>
+            <a:off x="480060" y="3442335"/>
+            <a:ext cx="11231880" cy="1886585"/>
+          </a:xfrm>
+          <a:prstGeom prst="rect">
+            <a:avLst/>
+          </a:prstGeom>
+          <a:noFill/>
+          <a:ln>
+            <a:noFill/>
+          </a:ln>
+        </p:spPr>
+        <p:txBody>
+          <a:bodyPr wrap="square" rtlCol="0">
+            <a:spAutoFit/>
+          </a:bodyPr>
+          <a:p>
+            <a:pPr fontAlgn="auto">
+              <a:lnSpc>
+                <a:spcPts val="3500"/>
+              </a:lnSpc>
+            </a:pPr>
+            <a:r>
+              <a:rPr lang="en-US" sz="2200">
+                <a:latin typeface="Aa小梨涡" panose="02010600010101010101" charset="-122"/>
+                <a:ea typeface="Aa小梨涡" panose="02010600010101010101" charset="-122"/>
+                <a:cs typeface="Aa小梨涡" panose="02010600010101010101" charset="-122"/>
+                <a:sym typeface="+mn-ea"/>
+              </a:rPr>
+              <a:t>4. </a:t>
+            </a:r>
+            <a:r>
+              <a:rPr lang="zh-CN" altLang="en-US" sz="2200">
+                <a:latin typeface="Aa小梨涡" panose="02010600010101010101" charset="-122"/>
+                <a:ea typeface="Aa小梨涡" panose="02010600010101010101" charset="-122"/>
+                <a:cs typeface="Aa小梨涡" panose="02010600010101010101" charset="-122"/>
+                <a:sym typeface="+mn-ea"/>
+              </a:rPr>
+              <a:t>通过一个函数来改变某个变量的值，通常有两种方法</a:t>
+            </a:r>
+            <a:endParaRPr lang="zh-CN" altLang="en-US" sz="2200">
+              <a:latin typeface="Aa小梨涡" panose="02010600010101010101" charset="-122"/>
+              <a:ea typeface="Aa小梨涡" panose="02010600010101010101" charset="-122"/>
+              <a:cs typeface="Aa小梨涡" panose="02010600010101010101" charset="-122"/>
+              <a:sym typeface="+mn-ea"/>
+            </a:endParaRPr>
+          </a:p>
+          <a:p>
+            <a:pPr fontAlgn="auto">
+              <a:lnSpc>
+                <a:spcPts val="3500"/>
+              </a:lnSpc>
+            </a:pPr>
+            <a:r>
+              <a:rPr lang="zh-CN" altLang="en-US" sz="2200">
+                <a:latin typeface="Calibri" panose="020F0502020204030204" charset="0"/>
+                <a:ea typeface="Aa小梨涡" panose="02010600010101010101" charset="-122"/>
+                <a:cs typeface="Aa小梨涡" panose="02010600010101010101" charset="-122"/>
+                <a:sym typeface="+mn-ea"/>
+              </a:rPr>
+              <a:t>        一种是直接将可变数据类型当作参数传入，直接在其上修改；</a:t>
+            </a:r>
+            <a:endParaRPr lang="zh-CN" altLang="en-US" sz="2200">
+              <a:latin typeface="Calibri" panose="020F0502020204030204" charset="0"/>
+              <a:ea typeface="Aa小梨涡" panose="02010600010101010101" charset="-122"/>
+              <a:cs typeface="Aa小梨涡" panose="02010600010101010101" charset="-122"/>
+              <a:sym typeface="+mn-ea"/>
+            </a:endParaRPr>
+          </a:p>
+          <a:p>
+            <a:pPr fontAlgn="auto">
+              <a:lnSpc>
+                <a:spcPts val="3500"/>
+              </a:lnSpc>
+            </a:pPr>
+            <a:r>
+              <a:rPr lang="zh-CN" altLang="en-US" sz="2200">
+                <a:latin typeface="Calibri" panose="020F0502020204030204" charset="0"/>
+                <a:ea typeface="Aa小梨涡" panose="02010600010101010101" charset="-122"/>
+                <a:cs typeface="Aa小梨涡" panose="02010600010101010101" charset="-122"/>
+                <a:sym typeface="+mn-ea"/>
+              </a:rPr>
+              <a:t>        第二种则是创建一个新变量，来保存修改后的值，然后将其返回给原变量。</a:t>
+            </a:r>
+            <a:endParaRPr lang="zh-CN" altLang="en-US" sz="2200">
+              <a:latin typeface="Calibri" panose="020F0502020204030204" charset="0"/>
+              <a:ea typeface="Aa小梨涡" panose="02010600010101010101" charset="-122"/>
+              <a:cs typeface="Aa小梨涡" panose="02010600010101010101" charset="-122"/>
+              <a:sym typeface="+mn-ea"/>
+            </a:endParaRPr>
+          </a:p>
+          <a:p>
+            <a:pPr fontAlgn="auto">
+              <a:lnSpc>
+                <a:spcPts val="3500"/>
+              </a:lnSpc>
+            </a:pPr>
+            <a:r>
+              <a:rPr lang="zh-CN" altLang="en-US" sz="2200">
+                <a:latin typeface="Calibri" panose="020F0502020204030204" charset="0"/>
+                <a:ea typeface="Aa小梨涡" panose="02010600010101010101" charset="-122"/>
+                <a:cs typeface="Aa小梨涡" panose="02010600010101010101" charset="-122"/>
+                <a:sym typeface="+mn-ea"/>
+              </a:rPr>
+              <a:t>在实际工作中，我们更倾向于使用后者，因为其表达清晰明了，不易出错。</a:t>
+            </a:r>
+            <a:endParaRPr lang="zh-CN" altLang="en-US" sz="2200">
+              <a:latin typeface="Calibri" panose="020F0502020204030204" charset="0"/>
+              <a:ea typeface="Aa小梨涡" panose="02010600010101010101" charset="-122"/>
+              <a:cs typeface="Aa小梨涡" panose="02010600010101010101" charset="-122"/>
+              <a:sym typeface="+mn-ea"/>
+            </a:endParaRPr>
+          </a:p>
+        </p:txBody>
+      </p:sp>
     </p:spTree>
   </p:cSld>
   <p:clrMapOvr>
     <a:masterClrMapping/>
   </p:clrMapOvr>
+  <p:timing>
+    <p:tnLst>
+      <p:par>
+        <p:cTn id="1" dur="indefinite" restart="never" nodeType="tmRoot">
+          <p:childTnLst>
+            <p:seq concurrent="1" nextAc="seek">
+              <p:cTn id="2" dur="indefinite" nodeType="mainSeq">
+                <p:childTnLst>
+                  <p:par>
+                    <p:cTn id="3" fill="hold">
+                      <p:stCondLst>
+                        <p:cond delay="indefinite"/>
+                      </p:stCondLst>
+                      <p:childTnLst>
+                        <p:par>
+                          <p:cTn id="4" fill="hold">
+                            <p:stCondLst>
+                              <p:cond delay="0"/>
+                            </p:stCondLst>
+                            <p:childTnLst>
+                              <p:par>
+                                <p:cTn id="5" presetID="1" presetClass="entr" presetSubtype="0" fill="hold" grpId="0" nodeType="clickEffect">
+                                  <p:stCondLst>
+                                    <p:cond delay="0"/>
+                                  </p:stCondLst>
+                                  <p:childTnLst>
+                                    <p:set>
+                                      <p:cBhvr>
+                                        <p:cTn id="6" dur="1" fill="hold">
+                                          <p:stCondLst>
+                                            <p:cond delay="0"/>
+                                          </p:stCondLst>
+                                        </p:cTn>
+                                        <p:tgtEl>
+                                          <p:spTgt spid="4"/>
+                                        </p:tgtEl>
+                                        <p:attrNameLst>
+                                          <p:attrName>style.visibility</p:attrName>
+                                        </p:attrNameLst>
+                                      </p:cBhvr>
+                                      <p:to>
+                                        <p:strVal val="visible"/>
+                                      </p:to>
+                                    </p:set>
+                                  </p:childTnLst>
+                                </p:cTn>
+                              </p:par>
+                              <p:par>
+                                <p:cTn id="7" presetID="1" presetClass="entr" presetSubtype="0" fill="hold" grpId="0" nodeType="withEffect">
+                                  <p:stCondLst>
+                                    <p:cond delay="0"/>
+                                  </p:stCondLst>
+                                  <p:childTnLst>
+                                    <p:set>
+                                      <p:cBhvr>
+                                        <p:cTn id="8" dur="1" fill="hold">
+                                          <p:stCondLst>
+                                            <p:cond delay="0"/>
+                                          </p:stCondLst>
+                                        </p:cTn>
+                                        <p:tgtEl>
+                                          <p:spTgt spid="3"/>
+                                        </p:tgtEl>
+                                        <p:attrNameLst>
+                                          <p:attrName>style.visibility</p:attrName>
+                                        </p:attrNameLst>
+                                      </p:cBhvr>
+                                      <p:to>
+                                        <p:strVal val="visible"/>
+                                      </p:to>
+                                    </p:set>
+                                  </p:childTnLst>
+                                </p:cTn>
+                              </p:par>
+                            </p:childTnLst>
+                          </p:cTn>
+                        </p:par>
+                      </p:childTnLst>
+                    </p:cTn>
+                  </p:par>
+                  <p:par>
+                    <p:cTn id="9" fill="hold">
+                      <p:stCondLst>
+                        <p:cond delay="indefinite"/>
+                      </p:stCondLst>
+                      <p:childTnLst>
+                        <p:par>
+                          <p:cTn id="10" fill="hold">
+                            <p:stCondLst>
+                              <p:cond delay="0"/>
+                            </p:stCondLst>
+                            <p:childTnLst>
+                              <p:par>
+                                <p:cTn id="11" presetID="1" presetClass="entr" presetSubtype="0" fill="hold" grpId="0" nodeType="clickEffect">
+                                  <p:stCondLst>
+                                    <p:cond delay="0"/>
+                                  </p:stCondLst>
+                                  <p:childTnLst>
+                                    <p:set>
+                                      <p:cBhvr>
+                                        <p:cTn id="12" dur="1" fill="hold">
+                                          <p:stCondLst>
+                                            <p:cond delay="0"/>
+                                          </p:stCondLst>
+                                        </p:cTn>
+                                        <p:tgtEl>
+                                          <p:spTgt spid="5"/>
+                                        </p:tgtEl>
+                                        <p:attrNameLst>
+                                          <p:attrName>style.visibility</p:attrName>
+                                        </p:attrNameLst>
+                                      </p:cBhvr>
+                                      <p:to>
+                                        <p:strVal val="visible"/>
+                                      </p:to>
+                                    </p:set>
+                                  </p:childTnLst>
+                                </p:cTn>
+                              </p:par>
+                            </p:childTnLst>
+                          </p:cTn>
+                        </p:par>
+                      </p:childTnLst>
+                    </p:cTn>
+                  </p:par>
+                </p:childTnLst>
+              </p:cTn>
+              <p:prevCondLst>
+                <p:cond evt="onPrev" delay="0">
+                  <p:tgtEl>
+                    <p:sldTgt/>
+                  </p:tgtEl>
+                </p:cond>
+              </p:prevCondLst>
+              <p:nextCondLst>
+                <p:cond evt="onNext" delay="0">
+                  <p:tgtEl>
+                    <p:sldTgt/>
+                  </p:tgtEl>
+                </p:cond>
+              </p:nextCondLst>
+            </p:seq>
+          </p:childTnLst>
+        </p:cTn>
+      </p:par>
+    </p:tnLst>
+    <p:bldLst>
+      <p:bldP spid="4" grpId="0"/>
+      <p:bldP spid="4" grpId="1"/>
+      <p:bldP spid="3" grpId="0"/>
+      <p:bldP spid="3" grpId="1"/>
+      <p:bldP spid="5" grpId="0"/>
+      <p:bldP spid="5" grpId="1"/>
+    </p:bldLst>
+  </p:timing>
 </p:sld>
 </file>
 
@@ -37391,6 +39997,1310 @@
 </p:sld>
 </file>
 
+<file path=ppt/slides/slide46.xml><?xml version="1.0" encoding="utf-8"?>
+<p:sld xmlns:a="http://schemas.openxmlformats.org/drawingml/2006/main" xmlns:r="http://schemas.openxmlformats.org/officeDocument/2006/relationships" xmlns:p="http://schemas.openxmlformats.org/presentationml/2006/main">
+  <p:cSld>
+    <p:spTree>
+      <p:nvGrpSpPr>
+        <p:cNvPr id="1" name=""/>
+        <p:cNvGrpSpPr/>
+        <p:nvPr/>
+      </p:nvGrpSpPr>
+      <p:grpSpPr/>
+      <p:sp>
+        <p:nvSpPr>
+          <p:cNvPr id="18" name="任意多边形 17"/>
+          <p:cNvSpPr/>
+          <p:nvPr/>
+        </p:nvSpPr>
+        <p:spPr>
+          <a:xfrm rot="600000">
+            <a:off x="5342086" y="122979"/>
+            <a:ext cx="1728000" cy="944245"/>
+          </a:xfrm>
+          <a:custGeom>
+            <a:avLst/>
+            <a:gdLst>
+              <a:gd name="connisteX0" fmla="*/ 257810 w 3935730"/>
+              <a:gd name="connsiteY0" fmla="*/ 429260 h 944880"/>
+              <a:gd name="connisteX1" fmla="*/ 3394710 w 3935730"/>
+              <a:gd name="connsiteY1" fmla="*/ 0 h 944880"/>
+              <a:gd name="connisteX2" fmla="*/ 26035 w 3935730"/>
+              <a:gd name="connsiteY2" fmla="*/ 541020 h 944880"/>
+              <a:gd name="connisteX3" fmla="*/ 3575050 w 3935730"/>
+              <a:gd name="connsiteY3" fmla="*/ 51435 h 944880"/>
+              <a:gd name="connisteX4" fmla="*/ 172085 w 3935730"/>
+              <a:gd name="connsiteY4" fmla="*/ 601345 h 944880"/>
+              <a:gd name="connisteX5" fmla="*/ 3652520 w 3935730"/>
+              <a:gd name="connsiteY5" fmla="*/ 128905 h 944880"/>
+              <a:gd name="connisteX6" fmla="*/ 51435 w 3935730"/>
+              <a:gd name="connsiteY6" fmla="*/ 678815 h 944880"/>
+              <a:gd name="connisteX7" fmla="*/ 3514725 w 3935730"/>
+              <a:gd name="connsiteY7" fmla="*/ 214630 h 944880"/>
+              <a:gd name="connisteX8" fmla="*/ 369570 w 3935730"/>
+              <a:gd name="connsiteY8" fmla="*/ 704215 h 944880"/>
+              <a:gd name="connisteX9" fmla="*/ 3695700 w 3935730"/>
+              <a:gd name="connsiteY9" fmla="*/ 274955 h 944880"/>
+              <a:gd name="connisteX10" fmla="*/ 180340 w 3935730"/>
+              <a:gd name="connsiteY10" fmla="*/ 833120 h 944880"/>
+              <a:gd name="connisteX11" fmla="*/ 3695700 w 3935730"/>
+              <a:gd name="connsiteY11" fmla="*/ 351790 h 944880"/>
+              <a:gd name="connisteX12" fmla="*/ 0 w 3935730"/>
+              <a:gd name="connsiteY12" fmla="*/ 944880 h 944880"/>
+              <a:gd name="connisteX13" fmla="*/ 3935730 w 3935730"/>
+              <a:gd name="connsiteY13" fmla="*/ 360680 h 944880"/>
+            </a:gdLst>
+            <a:ahLst/>
+            <a:cxnLst>
+              <a:cxn ang="0">
+                <a:pos x="connisteX0" y="connsiteY0"/>
+              </a:cxn>
+              <a:cxn ang="0">
+                <a:pos x="connisteX1" y="connsiteY1"/>
+              </a:cxn>
+              <a:cxn ang="0">
+                <a:pos x="connisteX2" y="connsiteY2"/>
+              </a:cxn>
+              <a:cxn ang="0">
+                <a:pos x="connisteX3" y="connsiteY3"/>
+              </a:cxn>
+              <a:cxn ang="0">
+                <a:pos x="connisteX4" y="connsiteY4"/>
+              </a:cxn>
+              <a:cxn ang="0">
+                <a:pos x="connisteX5" y="connsiteY5"/>
+              </a:cxn>
+              <a:cxn ang="0">
+                <a:pos x="connisteX6" y="connsiteY6"/>
+              </a:cxn>
+              <a:cxn ang="0">
+                <a:pos x="connisteX7" y="connsiteY7"/>
+              </a:cxn>
+              <a:cxn ang="0">
+                <a:pos x="connisteX8" y="connsiteY8"/>
+              </a:cxn>
+              <a:cxn ang="0">
+                <a:pos x="connisteX9" y="connsiteY9"/>
+              </a:cxn>
+              <a:cxn ang="0">
+                <a:pos x="connisteX10" y="connsiteY10"/>
+              </a:cxn>
+              <a:cxn ang="0">
+                <a:pos x="connisteX11" y="connsiteY11"/>
+              </a:cxn>
+              <a:cxn ang="0">
+                <a:pos x="connisteX12" y="connsiteY12"/>
+              </a:cxn>
+              <a:cxn ang="0">
+                <a:pos x="connisteX13" y="connsiteY13"/>
+              </a:cxn>
+            </a:cxnLst>
+            <a:rect l="l" t="t" r="r" b="b"/>
+            <a:pathLst>
+              <a:path w="3935730" h="944880">
+                <a:moveTo>
+                  <a:pt x="257810" y="429260"/>
+                </a:moveTo>
+                <a:lnTo>
+                  <a:pt x="3394710" y="0"/>
+                </a:lnTo>
+                <a:lnTo>
+                  <a:pt x="26035" y="541020"/>
+                </a:lnTo>
+                <a:lnTo>
+                  <a:pt x="3575050" y="51435"/>
+                </a:lnTo>
+                <a:lnTo>
+                  <a:pt x="172085" y="601345"/>
+                </a:lnTo>
+                <a:lnTo>
+                  <a:pt x="3652520" y="128905"/>
+                </a:lnTo>
+                <a:lnTo>
+                  <a:pt x="51435" y="678815"/>
+                </a:lnTo>
+                <a:lnTo>
+                  <a:pt x="3514725" y="214630"/>
+                </a:lnTo>
+                <a:lnTo>
+                  <a:pt x="369570" y="704215"/>
+                </a:lnTo>
+                <a:lnTo>
+                  <a:pt x="3695700" y="274955"/>
+                </a:lnTo>
+                <a:lnTo>
+                  <a:pt x="180340" y="833120"/>
+                </a:lnTo>
+                <a:lnTo>
+                  <a:pt x="3695700" y="351790"/>
+                </a:lnTo>
+                <a:lnTo>
+                  <a:pt x="0" y="944880"/>
+                </a:lnTo>
+                <a:lnTo>
+                  <a:pt x="3935730" y="360680"/>
+                </a:lnTo>
+              </a:path>
+            </a:pathLst>
+          </a:custGeom>
+          <a:noFill/>
+          <a:ln w="203200">
+            <a:solidFill>
+              <a:schemeClr val="accent4">
+                <a:lumMod val="40000"/>
+                <a:lumOff val="60000"/>
+              </a:schemeClr>
+            </a:solidFill>
+          </a:ln>
+          <a:effectLst>
+            <a:softEdge rad="63500"/>
+          </a:effectLst>
+        </p:spPr>
+        <p:style>
+          <a:lnRef idx="2">
+            <a:schemeClr val="accent1">
+              <a:shade val="50000"/>
+            </a:schemeClr>
+          </a:lnRef>
+          <a:fillRef idx="1">
+            <a:schemeClr val="accent1"/>
+          </a:fillRef>
+          <a:effectRef idx="0">
+            <a:schemeClr val="accent1"/>
+          </a:effectRef>
+          <a:fontRef idx="minor">
+            <a:schemeClr val="lt1"/>
+          </a:fontRef>
+        </p:style>
+        <p:txBody>
+          <a:bodyPr rtlCol="0" anchor="ctr"/>
+          <a:p>
+            <a:pPr algn="ctr"/>
+            <a:endParaRPr lang="zh-CN" altLang="en-US"/>
+          </a:p>
+        </p:txBody>
+      </p:sp>
+      <p:sp>
+        <p:nvSpPr>
+          <p:cNvPr id="2" name="标题 1"/>
+          <p:cNvSpPr>
+            <a:spLocks noGrp="1"/>
+      